--- a/doc/Presentation.pptx
+++ b/doc/Presentation.pptx
@@ -12,7 +12,7 @@
     <p:sldId id="402" r:id="rId3"/>
     <p:sldId id="471" r:id="rId4"/>
     <p:sldId id="492" r:id="rId5"/>
-    <p:sldId id="508" r:id="rId6"/>
+    <p:sldId id="512" r:id="rId6"/>
     <p:sldId id="495" r:id="rId7"/>
     <p:sldId id="491" r:id="rId8"/>
     <p:sldId id="493" r:id="rId9"/>
@@ -126,7 +126,7 @@
             <p14:sldId id="402"/>
             <p14:sldId id="471"/>
             <p14:sldId id="492"/>
-            <p14:sldId id="508"/>
+            <p14:sldId id="512"/>
             <p14:sldId id="495"/>
             <p14:sldId id="491"/>
             <p14:sldId id="493"/>
@@ -138,7 +138,7 @@
       </p14:sectionLst>
     </p:ext>
     <p:ext uri="{EFAFB233-063F-42B5-8137-9DF3F51BA10A}">
-      <p15:sldGuideLst xmlns:p15="http://schemas.microsoft.com/office/powerpoint/2012/main" xmlns="">
+      <p15:sldGuideLst xmlns:p15="http://schemas.microsoft.com/office/powerpoint/2012/main">
         <p15:guide id="1" orient="horz" pos="395" userDrawn="1">
           <p15:clr>
             <a:srgbClr val="A4A3A4"/>
@@ -245,7 +245,7 @@
             <a:fld id="{DC0B3C35-0735-4C1A-885F-DCB3E2DA0F59}" type="datetimeFigureOut">
               <a:rPr lang="ru-RU" smtClean="0"/>
               <a:pPr/>
-              <a:t>05.04.2022</a:t>
+              <a:t>08.04.2022</a:t>
             </a:fld>
             <a:endParaRPr lang="ru-RU"/>
           </a:p>
@@ -921,7 +921,7 @@
             <a:fld id="{07FB6C91-1D9B-4FCD-AD06-4155113BD50C}" type="slidenum">
               <a:rPr lang="ru-RU" smtClean="0"/>
               <a:pPr/>
-              <a:t>5</a:t>
+              <a:t>6</a:t>
             </a:fld>
             <a:endParaRPr lang="ru-RU"/>
           </a:p>
@@ -930,7 +930,7 @@
     </p:spTree>
     <p:extLst>
       <p:ext uri="{BB962C8B-B14F-4D97-AF65-F5344CB8AC3E}">
-        <p14:creationId xmlns:p14="http://schemas.microsoft.com/office/powerpoint/2010/main" val="4002882195"/>
+        <p14:creationId xmlns:p14="http://schemas.microsoft.com/office/powerpoint/2010/main" val="3023662877"/>
       </p:ext>
     </p:extLst>
   </p:cSld>
@@ -1035,7 +1035,7 @@
             <a:fld id="{07FB6C91-1D9B-4FCD-AD06-4155113BD50C}" type="slidenum">
               <a:rPr lang="ru-RU" smtClean="0"/>
               <a:pPr/>
-              <a:t>6</a:t>
+              <a:t>7</a:t>
             </a:fld>
             <a:endParaRPr lang="ru-RU"/>
           </a:p>
@@ -1044,7 +1044,7 @@
     </p:spTree>
     <p:extLst>
       <p:ext uri="{BB962C8B-B14F-4D97-AF65-F5344CB8AC3E}">
-        <p14:creationId xmlns:p14="http://schemas.microsoft.com/office/powerpoint/2010/main" val="3023662877"/>
+        <p14:creationId xmlns:p14="http://schemas.microsoft.com/office/powerpoint/2010/main" val="1626901591"/>
       </p:ext>
     </p:extLst>
   </p:cSld>
@@ -1149,120 +1149,6 @@
             <a:fld id="{07FB6C91-1D9B-4FCD-AD06-4155113BD50C}" type="slidenum">
               <a:rPr lang="ru-RU" smtClean="0"/>
               <a:pPr/>
-              <a:t>7</a:t>
-            </a:fld>
-            <a:endParaRPr lang="ru-RU"/>
-          </a:p>
-        </p:txBody>
-      </p:sp>
-    </p:spTree>
-    <p:extLst>
-      <p:ext uri="{BB962C8B-B14F-4D97-AF65-F5344CB8AC3E}">
-        <p14:creationId xmlns:p14="http://schemas.microsoft.com/office/powerpoint/2010/main" val="1626901591"/>
-      </p:ext>
-    </p:extLst>
-  </p:cSld>
-  <p:clrMapOvr>
-    <a:masterClrMapping/>
-  </p:clrMapOvr>
-</p:notes>
-</file>
-
-<file path=ppt/notesSlides/notesSlide7.xml><?xml version="1.0" encoding="utf-8"?>
-<p:notes xmlns:a="http://schemas.openxmlformats.org/drawingml/2006/main" xmlns:r="http://schemas.openxmlformats.org/officeDocument/2006/relationships" xmlns:p="http://schemas.openxmlformats.org/presentationml/2006/main">
-  <p:cSld>
-    <p:spTree>
-      <p:nvGrpSpPr>
-        <p:cNvPr id="1" name=""/>
-        <p:cNvGrpSpPr/>
-        <p:nvPr/>
-      </p:nvGrpSpPr>
-      <p:grpSpPr>
-        <a:xfrm>
-          <a:off x="0" y="0"/>
-          <a:ext cx="0" cy="0"/>
-          <a:chOff x="0" y="0"/>
-          <a:chExt cx="0" cy="0"/>
-        </a:xfrm>
-      </p:grpSpPr>
-      <p:sp>
-        <p:nvSpPr>
-          <p:cNvPr id="2" name="Образ слайда 1"/>
-          <p:cNvSpPr>
-            <a:spLocks noGrp="1" noRot="1" noChangeAspect="1"/>
-          </p:cNvSpPr>
-          <p:nvPr>
-            <p:ph type="sldImg"/>
-          </p:nvPr>
-        </p:nvSpPr>
-        <p:spPr/>
-      </p:sp>
-      <p:sp>
-        <p:nvSpPr>
-          <p:cNvPr id="3" name="Заметки 2"/>
-          <p:cNvSpPr>
-            <a:spLocks noGrp="1"/>
-          </p:cNvSpPr>
-          <p:nvPr>
-            <p:ph type="body" idx="1"/>
-          </p:nvPr>
-        </p:nvSpPr>
-        <p:spPr/>
-        <p:txBody>
-          <a:bodyPr/>
-          <a:lstStyle/>
-          <a:p>
-            <a:r>
-              <a:rPr lang="ru-RU" dirty="0"/>
-              <a:t>Уязвимость</a:t>
-            </a:r>
-            <a:r>
-              <a:rPr lang="ru-RU" baseline="0" dirty="0"/>
-              <a:t> есть – утверждение</a:t>
-            </a:r>
-          </a:p>
-          <a:p>
-            <a:r>
-              <a:rPr lang="en-US" baseline="0" dirty="0"/>
-              <a:t>- </a:t>
-            </a:r>
-            <a:r>
-              <a:rPr lang="ru-RU" baseline="0" dirty="0"/>
-              <a:t>Если злоумышленник знает</a:t>
-            </a:r>
-            <a:endParaRPr lang="en-US" baseline="0" dirty="0"/>
-          </a:p>
-          <a:p>
-            <a:r>
-              <a:rPr lang="en-US" baseline="0" dirty="0"/>
-              <a:t>P=</a:t>
-            </a:r>
-            <a:r>
-              <a:rPr lang="ru-RU" baseline="0" dirty="0"/>
-              <a:t>1.0 – при бесконечных ресурсах за бесконечное время</a:t>
-            </a:r>
-            <a:endParaRPr lang="ru-RU" dirty="0"/>
-          </a:p>
-        </p:txBody>
-      </p:sp>
-      <p:sp>
-        <p:nvSpPr>
-          <p:cNvPr id="4" name="Номер слайда 3"/>
-          <p:cNvSpPr>
-            <a:spLocks noGrp="1"/>
-          </p:cNvSpPr>
-          <p:nvPr>
-            <p:ph type="sldNum" sz="quarter" idx="10"/>
-          </p:nvPr>
-        </p:nvSpPr>
-        <p:spPr/>
-        <p:txBody>
-          <a:bodyPr/>
-          <a:lstStyle/>
-          <a:p>
-            <a:fld id="{07FB6C91-1D9B-4FCD-AD06-4155113BD50C}" type="slidenum">
-              <a:rPr lang="ru-RU" smtClean="0"/>
-              <a:pPr/>
               <a:t>8</a:t>
             </a:fld>
             <a:endParaRPr lang="ru-RU"/>
@@ -1282,7 +1168,7 @@
 </p:notes>
 </file>
 
-<file path=ppt/notesSlides/notesSlide8.xml><?xml version="1.0" encoding="utf-8"?>
+<file path=ppt/notesSlides/notesSlide7.xml><?xml version="1.0" encoding="utf-8"?>
 <p:notes xmlns:a="http://schemas.openxmlformats.org/drawingml/2006/main" xmlns:r="http://schemas.openxmlformats.org/officeDocument/2006/relationships" xmlns:p="http://schemas.openxmlformats.org/presentationml/2006/main">
   <p:cSld>
     <p:spTree>
@@ -1575,7 +1461,7 @@
           <a:p>
             <a:fld id="{3B20D8BB-19A1-4AD7-ACB2-C34FEA16520C}" type="datetime1">
               <a:rPr lang="ru-RU" smtClean="0"/>
-              <a:t>05.04.2022</a:t>
+              <a:t>08.04.2022</a:t>
             </a:fld>
             <a:endParaRPr lang="ru-RU"/>
           </a:p>
@@ -1828,7 +1714,7 @@
           <a:p>
             <a:fld id="{7AFBA102-7F01-4B86-A22A-85B98BD1CCFF}" type="datetime1">
               <a:rPr lang="ru-RU" smtClean="0"/>
-              <a:t>05.04.2022</a:t>
+              <a:t>08.04.2022</a:t>
             </a:fld>
             <a:endParaRPr lang="ru-RU"/>
           </a:p>
@@ -1997,7 +1883,7 @@
           <a:p>
             <a:fld id="{D3271A2F-653B-4374-8538-9D7A9054F235}" type="datetime1">
               <a:rPr lang="ru-RU" smtClean="0"/>
-              <a:t>05.04.2022</a:t>
+              <a:t>08.04.2022</a:t>
             </a:fld>
             <a:endParaRPr lang="ru-RU"/>
           </a:p>
@@ -2176,7 +2062,7 @@
           <a:p>
             <a:fld id="{1FE93DAB-12DC-4BA1-8C9F-AD6C6B01790B}" type="datetime1">
               <a:rPr lang="ru-RU" smtClean="0"/>
-              <a:t>05.04.2022</a:t>
+              <a:t>08.04.2022</a:t>
             </a:fld>
             <a:endParaRPr lang="ru-RU"/>
           </a:p>
@@ -2345,7 +2231,7 @@
           <a:p>
             <a:fld id="{430EBC5D-A16E-44C1-BA5A-0F5576BAA9D7}" type="datetime1">
               <a:rPr lang="ru-RU" smtClean="0"/>
-              <a:t>05.04.2022</a:t>
+              <a:t>08.04.2022</a:t>
             </a:fld>
             <a:endParaRPr lang="ru-RU"/>
           </a:p>
@@ -2429,7 +2315,7 @@
           <p:cNvPr id="2" name="Заголовок 1">
             <a:extLst>
               <a:ext uri="{FF2B5EF4-FFF2-40B4-BE49-F238E27FC236}">
-                <a16:creationId xmlns:a16="http://schemas.microsoft.com/office/drawing/2014/main" xmlns="" id="{1187A9FC-966E-4F88-A65A-7E03044F5433}"/>
+                <a16:creationId xmlns:a16="http://schemas.microsoft.com/office/drawing/2014/main" id="{1187A9FC-966E-4F88-A65A-7E03044F5433}"/>
               </a:ext>
             </a:extLst>
           </p:cNvPr>
@@ -2457,7 +2343,7 @@
           <p:cNvPr id="3" name="Дата 2">
             <a:extLst>
               <a:ext uri="{FF2B5EF4-FFF2-40B4-BE49-F238E27FC236}">
-                <a16:creationId xmlns:a16="http://schemas.microsoft.com/office/drawing/2014/main" xmlns="" id="{7625A992-FDE0-409C-A39E-4079FE954E51}"/>
+                <a16:creationId xmlns:a16="http://schemas.microsoft.com/office/drawing/2014/main" id="{7625A992-FDE0-409C-A39E-4079FE954E51}"/>
               </a:ext>
             </a:extLst>
           </p:cNvPr>
@@ -2475,7 +2361,7 @@
           <a:p>
             <a:fld id="{4324B3F3-0710-4659-BF3B-444B0D3BD216}" type="datetime1">
               <a:rPr lang="ru-RU" smtClean="0"/>
-              <a:t>05.04.2022</a:t>
+              <a:t>08.04.2022</a:t>
             </a:fld>
             <a:endParaRPr lang="ru-RU"/>
           </a:p>
@@ -2486,7 +2372,7 @@
           <p:cNvPr id="4" name="Нижний колонтитул 3">
             <a:extLst>
               <a:ext uri="{FF2B5EF4-FFF2-40B4-BE49-F238E27FC236}">
-                <a16:creationId xmlns:a16="http://schemas.microsoft.com/office/drawing/2014/main" xmlns="" id="{93E533D9-BB3D-4C32-AC6D-B5D461B6EECE}"/>
+                <a16:creationId xmlns:a16="http://schemas.microsoft.com/office/drawing/2014/main" id="{93E533D9-BB3D-4C32-AC6D-B5D461B6EECE}"/>
               </a:ext>
             </a:extLst>
           </p:cNvPr>
@@ -2511,7 +2397,7 @@
           <p:cNvPr id="5" name="Номер слайда 4">
             <a:extLst>
               <a:ext uri="{FF2B5EF4-FFF2-40B4-BE49-F238E27FC236}">
-                <a16:creationId xmlns:a16="http://schemas.microsoft.com/office/drawing/2014/main" xmlns="" id="{B403D20D-06F7-4FCC-AFCB-E8F2F26A01BF}"/>
+                <a16:creationId xmlns:a16="http://schemas.microsoft.com/office/drawing/2014/main" id="{B403D20D-06F7-4FCC-AFCB-E8F2F26A01BF}"/>
               </a:ext>
             </a:extLst>
           </p:cNvPr>
@@ -2541,7 +2427,7 @@
           <p:cNvPr id="7" name="Текст 6">
             <a:extLst>
               <a:ext uri="{FF2B5EF4-FFF2-40B4-BE49-F238E27FC236}">
-                <a16:creationId xmlns:a16="http://schemas.microsoft.com/office/drawing/2014/main" xmlns="" id="{9DF0B83D-EEFA-4CD3-ABB2-378315AC97AA}"/>
+                <a16:creationId xmlns:a16="http://schemas.microsoft.com/office/drawing/2014/main" id="{9DF0B83D-EEFA-4CD3-ABB2-378315AC97AA}"/>
               </a:ext>
             </a:extLst>
           </p:cNvPr>
@@ -2799,7 +2685,7 @@
           <a:p>
             <a:fld id="{04041168-DF53-45FB-9099-91344FA615B9}" type="datetime1">
               <a:rPr lang="ru-RU" smtClean="0"/>
-              <a:t>05.04.2022</a:t>
+              <a:t>08.04.2022</a:t>
             </a:fld>
             <a:endParaRPr lang="ru-RU"/>
           </a:p>
@@ -3085,7 +2971,7 @@
           <a:p>
             <a:fld id="{5E0DC4EB-B95E-498D-A762-FD4129A79E21}" type="datetime1">
               <a:rPr lang="ru-RU" smtClean="0"/>
-              <a:t>05.04.2022</a:t>
+              <a:t>08.04.2022</a:t>
             </a:fld>
             <a:endParaRPr lang="ru-RU"/>
           </a:p>
@@ -3505,7 +3391,7 @@
           <a:p>
             <a:fld id="{70B9E767-46C9-40E7-AFC7-2041020C7CB1}" type="datetime1">
               <a:rPr lang="ru-RU" smtClean="0"/>
-              <a:t>05.04.2022</a:t>
+              <a:t>08.04.2022</a:t>
             </a:fld>
             <a:endParaRPr lang="ru-RU"/>
           </a:p>
@@ -3623,7 +3509,7 @@
           <a:p>
             <a:fld id="{158E23B8-2CA0-431C-81EC-8C3D5BB6C13B}" type="datetime1">
               <a:rPr lang="ru-RU" smtClean="0"/>
-              <a:t>05.04.2022</a:t>
+              <a:t>08.04.2022</a:t>
             </a:fld>
             <a:endParaRPr lang="ru-RU"/>
           </a:p>
@@ -3719,7 +3605,7 @@
           <a:p>
             <a:fld id="{9371AD5C-8E3E-488E-BD32-632A02384D10}" type="datetime1">
               <a:rPr lang="ru-RU" smtClean="0"/>
-              <a:t>05.04.2022</a:t>
+              <a:t>08.04.2022</a:t>
             </a:fld>
             <a:endParaRPr lang="ru-RU"/>
           </a:p>
@@ -3995,7 +3881,7 @@
           <a:p>
             <a:fld id="{E23905B0-BAEB-409C-AC3A-3C68B6D517D3}" type="datetime1">
               <a:rPr lang="ru-RU" smtClean="0"/>
-              <a:t>05.04.2022</a:t>
+              <a:t>08.04.2022</a:t>
             </a:fld>
             <a:endParaRPr lang="ru-RU"/>
           </a:p>
@@ -4207,7 +4093,7 @@
           <a:p>
             <a:fld id="{79A7F2E6-CF1E-4A81-BBD8-F91AF87C4228}" type="datetime1">
               <a:rPr lang="ru-RU" smtClean="0"/>
-              <a:t>05.04.2022</a:t>
+              <a:t>08.04.2022</a:t>
             </a:fld>
             <a:endParaRPr lang="ru-RU"/>
           </a:p>
@@ -4590,7 +4476,7 @@
           <p:cNvPr id="23" name="Полилиния: фигура 22">
             <a:extLst>
               <a:ext uri="{FF2B5EF4-FFF2-40B4-BE49-F238E27FC236}">
-                <a16:creationId xmlns:a16="http://schemas.microsoft.com/office/drawing/2014/main" xmlns="" id="{2346EF01-306A-45F1-B49E-ADB43FC604E8}"/>
+                <a16:creationId xmlns:a16="http://schemas.microsoft.com/office/drawing/2014/main" id="{2346EF01-306A-45F1-B49E-ADB43FC604E8}"/>
               </a:ext>
             </a:extLst>
           </p:cNvPr>
@@ -4687,7 +4573,7 @@
           <p:cNvPr id="7" name="TextBox 6">
             <a:extLst>
               <a:ext uri="{FF2B5EF4-FFF2-40B4-BE49-F238E27FC236}">
-                <a16:creationId xmlns:a16="http://schemas.microsoft.com/office/drawing/2014/main" xmlns="" id="{DB65D454-9513-AE4B-B897-CBE3585FB02C}"/>
+                <a16:creationId xmlns:a16="http://schemas.microsoft.com/office/drawing/2014/main" id="{DB65D454-9513-AE4B-B897-CBE3585FB02C}"/>
               </a:ext>
             </a:extLst>
           </p:cNvPr>
@@ -4739,16 +4625,6 @@
               </a:rPr>
               <a:t>Авиационный</a:t>
             </a:r>
-            <a:r>
-              <a:rPr lang="en-US" sz="3200" b="1" dirty="0">
-                <a:solidFill>
-                  <a:schemeClr val="bg1"/>
-                </a:solidFill>
-                <a:latin typeface="Verdana" panose="020B0604030504040204" pitchFamily="34" charset="0"/>
-                <a:ea typeface="Verdana" panose="020B0604030504040204" pitchFamily="34" charset="0"/>
-              </a:rPr>
-              <a:t/>
-            </a:r>
             <a:br>
               <a:rPr lang="en-US" sz="3200" b="1" dirty="0">
                 <a:solidFill>
@@ -4829,7 +4705,7 @@
           <p:cNvPr id="25" name="TextBox 24">
             <a:extLst>
               <a:ext uri="{FF2B5EF4-FFF2-40B4-BE49-F238E27FC236}">
-                <a16:creationId xmlns:a16="http://schemas.microsoft.com/office/drawing/2014/main" xmlns="" id="{5F839AF4-2DA2-448E-9D55-17402DA471EB}"/>
+                <a16:creationId xmlns:a16="http://schemas.microsoft.com/office/drawing/2014/main" id="{5F839AF4-2DA2-448E-9D55-17402DA471EB}"/>
               </a:ext>
             </a:extLst>
           </p:cNvPr>
@@ -4887,7 +4763,7 @@
           <p:cNvPr id="9" name="Рисунок 8" descr="Изображение выглядит как фотография, знак, черный, белый&#10;&#10;Автоматически созданное описание">
             <a:extLst>
               <a:ext uri="{FF2B5EF4-FFF2-40B4-BE49-F238E27FC236}">
-                <a16:creationId xmlns:a16="http://schemas.microsoft.com/office/drawing/2014/main" xmlns="" id="{074BF89E-2F5E-4138-803A-5E07BFE000CD}"/>
+                <a16:creationId xmlns:a16="http://schemas.microsoft.com/office/drawing/2014/main" id="{074BF89E-2F5E-4138-803A-5E07BFE000CD}"/>
               </a:ext>
             </a:extLst>
           </p:cNvPr>
@@ -4923,7 +4799,7 @@
           <p:cNvPr id="8" name="Прямоугольник 7">
             <a:extLst>
               <a:ext uri="{FF2B5EF4-FFF2-40B4-BE49-F238E27FC236}">
-                <a16:creationId xmlns:a16="http://schemas.microsoft.com/office/drawing/2014/main" xmlns="" id="{B22E2906-0F12-4345-BF21-9247EC5D1052}"/>
+                <a16:creationId xmlns:a16="http://schemas.microsoft.com/office/drawing/2014/main" id="{B22E2906-0F12-4345-BF21-9247EC5D1052}"/>
               </a:ext>
             </a:extLst>
           </p:cNvPr>
@@ -5080,7 +4956,7 @@
           <p:cNvPr id="2" name="Номер слайда 1">
             <a:extLst>
               <a:ext uri="{FF2B5EF4-FFF2-40B4-BE49-F238E27FC236}">
-                <a16:creationId xmlns:a16="http://schemas.microsoft.com/office/drawing/2014/main" xmlns="" id="{BA9CF357-4FFB-4B7D-AC71-7714293F20AA}"/>
+                <a16:creationId xmlns:a16="http://schemas.microsoft.com/office/drawing/2014/main" id="{BA9CF357-4FFB-4B7D-AC71-7714293F20AA}"/>
               </a:ext>
             </a:extLst>
           </p:cNvPr>
@@ -5110,13 +4986,6 @@
   <p:clrMapOvr>
     <a:masterClrMapping/>
   </p:clrMapOvr>
-  <p:timing>
-    <p:tnLst>
-      <p:par>
-        <p:cTn id="1" dur="indefinite" restart="never" nodeType="tmRoot"/>
-      </p:par>
-    </p:tnLst>
-  </p:timing>
 </p:sld>
 </file>
 
@@ -5142,7 +5011,7 @@
           <p:cNvPr id="3" name="Объект 2">
             <a:extLst>
               <a:ext uri="{FF2B5EF4-FFF2-40B4-BE49-F238E27FC236}">
-                <a16:creationId xmlns:a16="http://schemas.microsoft.com/office/drawing/2014/main" xmlns="" id="{807A1DB7-1B94-4C8E-9E43-F2737C3A6C6E}"/>
+                <a16:creationId xmlns:a16="http://schemas.microsoft.com/office/drawing/2014/main" id="{807A1DB7-1B94-4C8E-9E43-F2737C3A6C6E}"/>
               </a:ext>
             </a:extLst>
           </p:cNvPr>
@@ -5172,7 +5041,7 @@
           <p:cNvPr id="4" name="Номер слайда 3">
             <a:extLst>
               <a:ext uri="{FF2B5EF4-FFF2-40B4-BE49-F238E27FC236}">
-                <a16:creationId xmlns:a16="http://schemas.microsoft.com/office/drawing/2014/main" xmlns="" id="{407E3DFD-05CC-48DB-9081-F8A9F136813E}"/>
+                <a16:creationId xmlns:a16="http://schemas.microsoft.com/office/drawing/2014/main" id="{407E3DFD-05CC-48DB-9081-F8A9F136813E}"/>
               </a:ext>
             </a:extLst>
           </p:cNvPr>
@@ -5202,7 +5071,7 @@
           <p:cNvPr id="5" name="Прямоугольник 4">
             <a:extLst>
               <a:ext uri="{FF2B5EF4-FFF2-40B4-BE49-F238E27FC236}">
-                <a16:creationId xmlns:a16="http://schemas.microsoft.com/office/drawing/2014/main" xmlns="" id="{910DF3EC-1F25-4526-9FE7-8BC70A8DF0C5}"/>
+                <a16:creationId xmlns:a16="http://schemas.microsoft.com/office/drawing/2014/main" id="{910DF3EC-1F25-4526-9FE7-8BC70A8DF0C5}"/>
               </a:ext>
             </a:extLst>
           </p:cNvPr>
@@ -5260,7 +5129,7 @@
           <p:cNvPr id="6" name="Прямая соединительная линия 5">
             <a:extLst>
               <a:ext uri="{FF2B5EF4-FFF2-40B4-BE49-F238E27FC236}">
-                <a16:creationId xmlns:a16="http://schemas.microsoft.com/office/drawing/2014/main" xmlns="" id="{2467A97C-B77F-44C8-A41B-AB2EE2D11DE3}"/>
+                <a16:creationId xmlns:a16="http://schemas.microsoft.com/office/drawing/2014/main" id="{2467A97C-B77F-44C8-A41B-AB2EE2D11DE3}"/>
               </a:ext>
             </a:extLst>
           </p:cNvPr>
@@ -5303,7 +5172,7 @@
           <p:cNvPr id="8" name="Прямоугольник 7">
             <a:extLst>
               <a:ext uri="{FF2B5EF4-FFF2-40B4-BE49-F238E27FC236}">
-                <a16:creationId xmlns:a16="http://schemas.microsoft.com/office/drawing/2014/main" xmlns="" id="{8CF585ED-3269-46F3-8B9F-D294E6449231}"/>
+                <a16:creationId xmlns:a16="http://schemas.microsoft.com/office/drawing/2014/main" id="{8CF585ED-3269-46F3-8B9F-D294E6449231}"/>
               </a:ext>
             </a:extLst>
           </p:cNvPr>
@@ -5338,6 +5207,308 @@
           </a:p>
         </p:txBody>
       </p:sp>
+      <p:grpSp>
+        <p:nvGrpSpPr>
+          <p:cNvPr id="7" name="Группа 6">
+            <a:extLst>
+              <a:ext uri="{FF2B5EF4-FFF2-40B4-BE49-F238E27FC236}">
+                <a16:creationId xmlns:a16="http://schemas.microsoft.com/office/drawing/2014/main" id="{139A77F8-7D49-45A1-9214-19DF6CAEDB87}"/>
+              </a:ext>
+            </a:extLst>
+          </p:cNvPr>
+          <p:cNvGrpSpPr/>
+          <p:nvPr/>
+        </p:nvGrpSpPr>
+        <p:grpSpPr>
+          <a:xfrm>
+            <a:off x="132856" y="853278"/>
+            <a:ext cx="2152416" cy="2240562"/>
+            <a:chOff x="174072" y="37682"/>
+            <a:chExt cx="2152416" cy="2240562"/>
+          </a:xfrm>
+        </p:grpSpPr>
+        <p:sp>
+          <p:nvSpPr>
+            <p:cNvPr id="9" name="Прямоугольник 8">
+              <a:extLst>
+                <a:ext uri="{FF2B5EF4-FFF2-40B4-BE49-F238E27FC236}">
+                  <a16:creationId xmlns:a16="http://schemas.microsoft.com/office/drawing/2014/main" id="{C1AF4255-9B0F-4619-888B-C211218E49FF}"/>
+                </a:ext>
+              </a:extLst>
+            </p:cNvPr>
+            <p:cNvSpPr/>
+            <p:nvPr/>
+          </p:nvSpPr>
+          <p:spPr>
+            <a:xfrm>
+              <a:off x="182776" y="176182"/>
+              <a:ext cx="307777" cy="307777"/>
+            </a:xfrm>
+            <a:prstGeom prst="rect">
+              <a:avLst/>
+            </a:prstGeom>
+            <a:solidFill>
+              <a:schemeClr val="bg1">
+                <a:lumMod val="95000"/>
+              </a:schemeClr>
+            </a:solidFill>
+            <a:ln>
+              <a:noFill/>
+            </a:ln>
+          </p:spPr>
+          <p:style>
+            <a:lnRef idx="2">
+              <a:schemeClr val="accent1">
+                <a:shade val="50000"/>
+              </a:schemeClr>
+            </a:lnRef>
+            <a:fillRef idx="1">
+              <a:schemeClr val="accent1"/>
+            </a:fillRef>
+            <a:effectRef idx="0">
+              <a:schemeClr val="accent1"/>
+            </a:effectRef>
+            <a:fontRef idx="minor">
+              <a:schemeClr val="lt1"/>
+            </a:fontRef>
+          </p:style>
+          <p:txBody>
+            <a:bodyPr rtlCol="0" anchor="ctr"/>
+            <a:lstStyle/>
+            <a:p>
+              <a:pPr algn="ctr"/>
+              <a:endParaRPr lang="ru-RU" dirty="0"/>
+            </a:p>
+          </p:txBody>
+        </p:sp>
+        <p:sp>
+          <p:nvSpPr>
+            <p:cNvPr id="10" name="Прямоугольник 9">
+              <a:extLst>
+                <a:ext uri="{FF2B5EF4-FFF2-40B4-BE49-F238E27FC236}">
+                  <a16:creationId xmlns:a16="http://schemas.microsoft.com/office/drawing/2014/main" id="{A568F858-4223-42C7-92C9-58140347FD14}"/>
+                </a:ext>
+              </a:extLst>
+            </p:cNvPr>
+            <p:cNvSpPr/>
+            <p:nvPr/>
+          </p:nvSpPr>
+          <p:spPr>
+            <a:xfrm>
+              <a:off x="174072" y="1970467"/>
+              <a:ext cx="307777" cy="307777"/>
+            </a:xfrm>
+            <a:prstGeom prst="rect">
+              <a:avLst/>
+            </a:prstGeom>
+            <a:solidFill>
+              <a:schemeClr val="bg1">
+                <a:lumMod val="95000"/>
+              </a:schemeClr>
+            </a:solidFill>
+            <a:ln>
+              <a:noFill/>
+            </a:ln>
+          </p:spPr>
+          <p:style>
+            <a:lnRef idx="2">
+              <a:schemeClr val="accent1">
+                <a:shade val="50000"/>
+              </a:schemeClr>
+            </a:lnRef>
+            <a:fillRef idx="1">
+              <a:schemeClr val="accent1"/>
+            </a:fillRef>
+            <a:effectRef idx="0">
+              <a:schemeClr val="accent1"/>
+            </a:effectRef>
+            <a:fontRef idx="minor">
+              <a:schemeClr val="lt1"/>
+            </a:fontRef>
+          </p:style>
+          <p:txBody>
+            <a:bodyPr rtlCol="0" anchor="ctr"/>
+            <a:lstStyle/>
+            <a:p>
+              <a:pPr algn="ctr"/>
+              <a:endParaRPr lang="ru-RU"/>
+            </a:p>
+          </p:txBody>
+        </p:sp>
+        <p:sp>
+          <p:nvSpPr>
+            <p:cNvPr id="11" name="Прямоугольник 10">
+              <a:extLst>
+                <a:ext uri="{FF2B5EF4-FFF2-40B4-BE49-F238E27FC236}">
+                  <a16:creationId xmlns:a16="http://schemas.microsoft.com/office/drawing/2014/main" id="{5B70D515-762B-4243-8DAB-E4E82DC6B17A}"/>
+                </a:ext>
+              </a:extLst>
+            </p:cNvPr>
+            <p:cNvSpPr/>
+            <p:nvPr/>
+          </p:nvSpPr>
+          <p:spPr>
+            <a:xfrm>
+              <a:off x="174073" y="1053890"/>
+              <a:ext cx="307777" cy="307777"/>
+            </a:xfrm>
+            <a:prstGeom prst="rect">
+              <a:avLst/>
+            </a:prstGeom>
+            <a:solidFill>
+              <a:schemeClr val="bg1">
+                <a:lumMod val="95000"/>
+              </a:schemeClr>
+            </a:solidFill>
+            <a:ln>
+              <a:noFill/>
+            </a:ln>
+          </p:spPr>
+          <p:style>
+            <a:lnRef idx="2">
+              <a:schemeClr val="accent1">
+                <a:shade val="50000"/>
+              </a:schemeClr>
+            </a:lnRef>
+            <a:fillRef idx="1">
+              <a:schemeClr val="accent1"/>
+            </a:fillRef>
+            <a:effectRef idx="0">
+              <a:schemeClr val="accent1"/>
+            </a:effectRef>
+            <a:fontRef idx="minor">
+              <a:schemeClr val="lt1"/>
+            </a:fontRef>
+          </p:style>
+          <p:txBody>
+            <a:bodyPr rtlCol="0" anchor="ctr"/>
+            <a:lstStyle/>
+            <a:p>
+              <a:pPr algn="ctr"/>
+              <a:endParaRPr lang="ru-RU">
+                <a:solidFill>
+                  <a:srgbClr val="7F7F7F"/>
+                </a:solidFill>
+              </a:endParaRPr>
+            </a:p>
+          </p:txBody>
+        </p:sp>
+        <p:sp>
+          <p:nvSpPr>
+            <p:cNvPr id="12" name="TextBox 11">
+              <a:extLst>
+                <a:ext uri="{FF2B5EF4-FFF2-40B4-BE49-F238E27FC236}">
+                  <a16:creationId xmlns:a16="http://schemas.microsoft.com/office/drawing/2014/main" id="{27C751DA-DBF5-4BF2-AD38-619676BDF720}"/>
+                </a:ext>
+              </a:extLst>
+            </p:cNvPr>
+            <p:cNvSpPr txBox="1"/>
+            <p:nvPr/>
+          </p:nvSpPr>
+          <p:spPr>
+            <a:xfrm>
+              <a:off x="559857" y="37682"/>
+              <a:ext cx="1766631" cy="584775"/>
+            </a:xfrm>
+            <a:prstGeom prst="rect">
+              <a:avLst/>
+            </a:prstGeom>
+            <a:noFill/>
+          </p:spPr>
+          <p:txBody>
+            <a:bodyPr wrap="square">
+              <a:spAutoFit/>
+            </a:bodyPr>
+            <a:lstStyle/>
+            <a:p>
+              <a:r>
+                <a:rPr lang="en-US" sz="1600" b="1" dirty="0">
+                  <a:solidFill>
+                    <a:schemeClr val="bg1">
+                      <a:lumMod val="95000"/>
+                    </a:schemeClr>
+                  </a:solidFill>
+                  <a:latin typeface="Verdana" panose="020B0604030504040204" pitchFamily="34" charset="0"/>
+                  <a:ea typeface="Verdana" panose="020B0604030504040204" pitchFamily="34" charset="0"/>
+                </a:rPr>
+                <a:t>FLASK </a:t>
+              </a:r>
+              <a:r>
+                <a:rPr lang="ru-RU" sz="1600" b="1" dirty="0">
+                  <a:solidFill>
+                    <a:schemeClr val="bg1">
+                      <a:lumMod val="95000"/>
+                    </a:schemeClr>
+                  </a:solidFill>
+                  <a:latin typeface="Verdana" panose="020B0604030504040204" pitchFamily="34" charset="0"/>
+                  <a:ea typeface="Verdana" panose="020B0604030504040204" pitchFamily="34" charset="0"/>
+                </a:rPr>
+                <a:t>архитектура</a:t>
+              </a:r>
+              <a:endParaRPr lang="x-none" sz="1600" b="1" dirty="0">
+                <a:solidFill>
+                  <a:schemeClr val="bg1">
+                    <a:lumMod val="95000"/>
+                  </a:schemeClr>
+                </a:solidFill>
+                <a:latin typeface="Verdana" panose="020B0604030504040204" pitchFamily="34" charset="0"/>
+                <a:ea typeface="Verdana" panose="020B0604030504040204" pitchFamily="34" charset="0"/>
+              </a:endParaRPr>
+            </a:p>
+          </p:txBody>
+        </p:sp>
+        <p:sp>
+          <p:nvSpPr>
+            <p:cNvPr id="13" name="Прямоугольник 12">
+              <a:extLst>
+                <a:ext uri="{FF2B5EF4-FFF2-40B4-BE49-F238E27FC236}">
+                  <a16:creationId xmlns:a16="http://schemas.microsoft.com/office/drawing/2014/main" id="{2107D053-F587-41CE-AC4A-9D7FEBF094D1}"/>
+                </a:ext>
+              </a:extLst>
+            </p:cNvPr>
+            <p:cNvSpPr/>
+            <p:nvPr/>
+          </p:nvSpPr>
+          <p:spPr>
+            <a:xfrm>
+              <a:off x="559857" y="1023113"/>
+              <a:ext cx="1453466" cy="338554"/>
+            </a:xfrm>
+            <a:prstGeom prst="rect">
+              <a:avLst/>
+            </a:prstGeom>
+          </p:spPr>
+          <p:txBody>
+            <a:bodyPr wrap="square">
+              <a:spAutoFit/>
+            </a:bodyPr>
+            <a:lstStyle/>
+            <a:p>
+              <a:r>
+                <a:rPr lang="en-US" sz="1600" b="1" dirty="0">
+                  <a:solidFill>
+                    <a:schemeClr val="bg1">
+                      <a:lumMod val="95000"/>
+                    </a:schemeClr>
+                  </a:solidFill>
+                  <a:latin typeface="Verdana" panose="020B0604030504040204" pitchFamily="34" charset="0"/>
+                  <a:ea typeface="Verdana" panose="020B0604030504040204" pitchFamily="34" charset="0"/>
+                </a:rPr>
+                <a:t>KOS</a:t>
+              </a:r>
+              <a:endParaRPr lang="ru-RU" sz="1600" b="1" dirty="0">
+                <a:solidFill>
+                  <a:schemeClr val="bg1">
+                    <a:lumMod val="95000"/>
+                  </a:schemeClr>
+                </a:solidFill>
+                <a:latin typeface="Verdana" panose="020B0604030504040204" pitchFamily="34" charset="0"/>
+                <a:ea typeface="Verdana" panose="020B0604030504040204" pitchFamily="34" charset="0"/>
+              </a:endParaRPr>
+            </a:p>
+          </p:txBody>
+        </p:sp>
+      </p:grpSp>
     </p:spTree>
     <p:extLst>
       <p:ext uri="{BB962C8B-B14F-4D97-AF65-F5344CB8AC3E}">
@@ -5348,13 +5519,6 @@
   <p:clrMapOvr>
     <a:masterClrMapping/>
   </p:clrMapOvr>
-  <p:timing>
-    <p:tnLst>
-      <p:par>
-        <p:cTn id="1" dur="indefinite" restart="never" nodeType="tmRoot"/>
-      </p:par>
-    </p:tnLst>
-  </p:timing>
 </p:sld>
 </file>
 
@@ -5380,7 +5544,7 @@
           <p:cNvPr id="5" name="Прямоугольник 4">
             <a:extLst>
               <a:ext uri="{FF2B5EF4-FFF2-40B4-BE49-F238E27FC236}">
-                <a16:creationId xmlns:a16="http://schemas.microsoft.com/office/drawing/2014/main" xmlns="" id="{73F08337-4FBD-49CA-B7CF-082FB8F03E03}"/>
+                <a16:creationId xmlns:a16="http://schemas.microsoft.com/office/drawing/2014/main" id="{73F08337-4FBD-49CA-B7CF-082FB8F03E03}"/>
               </a:ext>
             </a:extLst>
           </p:cNvPr>
@@ -5438,7 +5602,7 @@
           <p:cNvPr id="4" name="Номер слайда 3">
             <a:extLst>
               <a:ext uri="{FF2B5EF4-FFF2-40B4-BE49-F238E27FC236}">
-                <a16:creationId xmlns:a16="http://schemas.microsoft.com/office/drawing/2014/main" xmlns="" id="{A551EE03-DA75-45CF-B8DB-377A0C8A47E0}"/>
+                <a16:creationId xmlns:a16="http://schemas.microsoft.com/office/drawing/2014/main" id="{A551EE03-DA75-45CF-B8DB-377A0C8A47E0}"/>
               </a:ext>
             </a:extLst>
           </p:cNvPr>
@@ -5468,7 +5632,7 @@
           <p:cNvPr id="6" name="Прямоугольник 5">
             <a:extLst>
               <a:ext uri="{FF2B5EF4-FFF2-40B4-BE49-F238E27FC236}">
-                <a16:creationId xmlns:a16="http://schemas.microsoft.com/office/drawing/2014/main" xmlns="" id="{BB7E2663-AD02-4F1A-96DD-A2715B9F7167}"/>
+                <a16:creationId xmlns:a16="http://schemas.microsoft.com/office/drawing/2014/main" id="{BB7E2663-AD02-4F1A-96DD-A2715B9F7167}"/>
               </a:ext>
             </a:extLst>
           </p:cNvPr>
@@ -5477,8 +5641,8 @@
         </p:nvSpPr>
         <p:spPr>
           <a:xfrm>
-            <a:off x="2411760" y="915566"/>
-            <a:ext cx="6850218" cy="1569660"/>
+            <a:off x="3707904" y="699542"/>
+            <a:ext cx="4978896" cy="1569660"/>
           </a:xfrm>
           <a:prstGeom prst="rect">
             <a:avLst/>
@@ -5508,7 +5672,7 @@
           <p:cNvPr id="7" name="Объект 2">
             <a:extLst>
               <a:ext uri="{FF2B5EF4-FFF2-40B4-BE49-F238E27FC236}">
-                <a16:creationId xmlns:a16="http://schemas.microsoft.com/office/drawing/2014/main" xmlns="" id="{DB15A276-4B35-4D81-AA85-B979C4E0F219}"/>
+                <a16:creationId xmlns:a16="http://schemas.microsoft.com/office/drawing/2014/main" id="{DB15A276-4B35-4D81-AA85-B979C4E0F219}"/>
               </a:ext>
             </a:extLst>
           </p:cNvPr>
@@ -5535,27 +5699,39 @@
               <a:buNone/>
             </a:pPr>
             <a:r>
-              <a:rPr lang="ru-RU" sz="1600" dirty="0" smtClean="0">
+              <a:rPr lang="ru-RU" sz="1600" dirty="0">
+                <a:solidFill>
+                  <a:schemeClr val="tx2"/>
+                </a:solidFill>
                 <a:latin typeface="Verdana" panose="020B0604030504040204" pitchFamily="34" charset="0"/>
                 <a:ea typeface="Verdana" panose="020B0604030504040204" pitchFamily="34" charset="0"/>
               </a:rPr>
               <a:t>Цатурьян Константин		</a:t>
             </a:r>
             <a:r>
-              <a:rPr lang="en-US" sz="1600" dirty="0" smtClean="0">
+              <a:rPr lang="en-US" sz="1600" dirty="0">
+                <a:solidFill>
+                  <a:schemeClr val="tx2"/>
+                </a:solidFill>
                 <a:latin typeface="Verdana" panose="020B0604030504040204" pitchFamily="34" charset="0"/>
                 <a:ea typeface="Verdana" panose="020B0604030504040204" pitchFamily="34" charset="0"/>
               </a:rPr>
               <a:t>	@</a:t>
             </a:r>
             <a:r>
-              <a:rPr lang="en-US" sz="1600" dirty="0" err="1" smtClean="0">
+              <a:rPr lang="en-US" sz="1600" dirty="0" err="1">
+                <a:solidFill>
+                  <a:schemeClr val="tx2"/>
+                </a:solidFill>
                 <a:latin typeface="Verdana" panose="020B0604030504040204" pitchFamily="34" charset="0"/>
                 <a:ea typeface="Verdana" panose="020B0604030504040204" pitchFamily="34" charset="0"/>
               </a:rPr>
               <a:t>fanglores</a:t>
             </a:r>
             <a:endParaRPr lang="en-US" sz="1600" dirty="0">
+              <a:solidFill>
+                <a:schemeClr val="tx2"/>
+              </a:solidFill>
               <a:latin typeface="Verdana" panose="020B0604030504040204" pitchFamily="34" charset="0"/>
               <a:ea typeface="Verdana" panose="020B0604030504040204" pitchFamily="34" charset="0"/>
             </a:endParaRPr>
@@ -5565,41 +5741,39 @@
               <a:buNone/>
             </a:pPr>
             <a:r>
-              <a:rPr lang="ru-RU" sz="1600" dirty="0" smtClean="0">
+              <a:rPr lang="ru-RU" sz="1600" dirty="0">
+                <a:solidFill>
+                  <a:schemeClr val="tx2"/>
+                </a:solidFill>
                 <a:latin typeface="Verdana" panose="020B0604030504040204" pitchFamily="34" charset="0"/>
                 <a:ea typeface="Verdana" panose="020B0604030504040204" pitchFamily="34" charset="0"/>
               </a:rPr>
-              <a:t>Т</a:t>
-            </a:r>
-            <a:r>
-              <a:rPr lang="ru-RU" sz="1600" dirty="0" smtClean="0">
-                <a:latin typeface="Verdana" panose="020B0604030504040204" pitchFamily="34" charset="0"/>
-                <a:ea typeface="Verdana" panose="020B0604030504040204" pitchFamily="34" charset="0"/>
-              </a:rPr>
-              <a:t>имошенко</a:t>
-            </a:r>
-            <a:r>
-              <a:rPr lang="ru-RU" sz="1600" dirty="0" smtClean="0">
-                <a:latin typeface="Verdana" panose="020B0604030504040204" pitchFamily="34" charset="0"/>
-                <a:ea typeface="Verdana" panose="020B0604030504040204" pitchFamily="34" charset="0"/>
-              </a:rPr>
-              <a:t> Александр		</a:t>
-            </a:r>
-            <a:r>
-              <a:rPr lang="en-US" sz="1600" dirty="0" smtClean="0">
+              <a:t>Тимошенко Александр		</a:t>
+            </a:r>
+            <a:r>
+              <a:rPr lang="en-US" sz="1600" dirty="0">
+                <a:solidFill>
+                  <a:schemeClr val="tx2"/>
+                </a:solidFill>
                 <a:latin typeface="Verdana" panose="020B0604030504040204" pitchFamily="34" charset="0"/>
                 <a:ea typeface="Verdana" panose="020B0604030504040204" pitchFamily="34" charset="0"/>
               </a:rPr>
               <a:t>	@</a:t>
             </a:r>
             <a:r>
-              <a:rPr lang="en-US" sz="1600" dirty="0" err="1" smtClean="0">
+              <a:rPr lang="en-US" sz="1600" dirty="0" err="1">
+                <a:solidFill>
+                  <a:schemeClr val="tx2"/>
+                </a:solidFill>
                 <a:latin typeface="Verdana" panose="020B0604030504040204" pitchFamily="34" charset="0"/>
                 <a:ea typeface="Verdana" panose="020B0604030504040204" pitchFamily="34" charset="0"/>
               </a:rPr>
               <a:t>timoshenkoalex</a:t>
             </a:r>
             <a:endParaRPr lang="en-US" sz="1600" dirty="0">
+              <a:solidFill>
+                <a:schemeClr val="tx2"/>
+              </a:solidFill>
               <a:latin typeface="Verdana" panose="020B0604030504040204" pitchFamily="34" charset="0"/>
               <a:ea typeface="Verdana" panose="020B0604030504040204" pitchFamily="34" charset="0"/>
             </a:endParaRPr>
@@ -5609,111 +5783,86 @@
               <a:buNone/>
             </a:pPr>
             <a:r>
-              <a:rPr lang="ru-RU" sz="1600" dirty="0" err="1" smtClean="0">
+              <a:rPr lang="ru-RU" sz="1600" dirty="0" err="1">
+                <a:solidFill>
+                  <a:schemeClr val="tx2"/>
+                </a:solidFill>
                 <a:latin typeface="Verdana" panose="020B0604030504040204" pitchFamily="34" charset="0"/>
                 <a:ea typeface="Verdana" panose="020B0604030504040204" pitchFamily="34" charset="0"/>
               </a:rPr>
               <a:t>Кострицына</a:t>
             </a:r>
             <a:r>
-              <a:rPr lang="ru-RU" sz="1600" dirty="0" smtClean="0">
+              <a:rPr lang="ru-RU" sz="1600" dirty="0">
+                <a:solidFill>
+                  <a:schemeClr val="tx2"/>
+                </a:solidFill>
                 <a:latin typeface="Verdana" panose="020B0604030504040204" pitchFamily="34" charset="0"/>
                 <a:ea typeface="Verdana" panose="020B0604030504040204" pitchFamily="34" charset="0"/>
               </a:rPr>
-              <a:t> </a:t>
-            </a:r>
-            <a:r>
-              <a:rPr lang="ru-RU" sz="1600" dirty="0">
+              <a:t> Анастасия 		</a:t>
+            </a:r>
+            <a:r>
+              <a:rPr lang="en-US" sz="1600" dirty="0">
+                <a:solidFill>
+                  <a:schemeClr val="tx2"/>
+                </a:solidFill>
                 <a:latin typeface="Verdana" panose="020B0604030504040204" pitchFamily="34" charset="0"/>
                 <a:ea typeface="Verdana" panose="020B0604030504040204" pitchFamily="34" charset="0"/>
               </a:rPr>
-              <a:t>Анастасия </a:t>
-            </a:r>
-            <a:r>
-              <a:rPr lang="ru-RU" sz="1600" dirty="0" smtClean="0">
+              <a:t>	@Anapkost</a:t>
+            </a:r>
+          </a:p>
+          <a:p>
+            <a:pPr marL="0" indent="0">
+              <a:buNone/>
+            </a:pPr>
+            <a:r>
+              <a:rPr lang="en-US" sz="1600" dirty="0">
+                <a:solidFill>
+                  <a:schemeClr val="tx2"/>
+                </a:solidFill>
                 <a:latin typeface="Verdana" panose="020B0604030504040204" pitchFamily="34" charset="0"/>
                 <a:ea typeface="Verdana" panose="020B0604030504040204" pitchFamily="34" charset="0"/>
               </a:rPr>
-              <a:t>		</a:t>
-            </a:r>
-            <a:r>
-              <a:rPr lang="en-US" sz="1600" dirty="0" smtClean="0">
+              <a:t>			      </a:t>
+            </a:r>
+          </a:p>
+          <a:p>
+            <a:pPr marL="0" indent="0">
+              <a:buNone/>
+            </a:pPr>
+            <a:r>
+              <a:rPr lang="ru-RU" sz="1600" dirty="0">
+                <a:solidFill>
+                  <a:schemeClr val="tx2"/>
+                </a:solidFill>
                 <a:latin typeface="Verdana" panose="020B0604030504040204" pitchFamily="34" charset="0"/>
                 <a:ea typeface="Verdana" panose="020B0604030504040204" pitchFamily="34" charset="0"/>
               </a:rPr>
-              <a:t>	@</a:t>
+              <a:t>Максимов Алексей</a:t>
             </a:r>
             <a:r>
               <a:rPr lang="en-US" sz="1600" dirty="0">
                 <a:latin typeface="Verdana" panose="020B0604030504040204" pitchFamily="34" charset="0"/>
                 <a:ea typeface="Verdana" panose="020B0604030504040204" pitchFamily="34" charset="0"/>
               </a:rPr>
-              <a:t>Anapkost</a:t>
-            </a:r>
-          </a:p>
-          <a:p>
-            <a:pPr marL="0" indent="0">
-              <a:buNone/>
-            </a:pPr>
-            <a:r>
-              <a:rPr lang="en-US" sz="1600" dirty="0" smtClean="0">
-                <a:latin typeface="Verdana" panose="020B0604030504040204" pitchFamily="34" charset="0"/>
-                <a:ea typeface="Verdana" panose="020B0604030504040204" pitchFamily="34" charset="0"/>
-              </a:rPr>
               <a:t>			</a:t>
             </a:r>
             <a:r>
               <a:rPr lang="en-US" sz="1600" dirty="0">
-                <a:latin typeface="Verdana" panose="020B0604030504040204" pitchFamily="34" charset="0"/>
-                <a:ea typeface="Verdana" panose="020B0604030504040204" pitchFamily="34" charset="0"/>
-              </a:rPr>
-              <a:t> </a:t>
-            </a:r>
-            <a:r>
-              <a:rPr lang="en-US" sz="1600" dirty="0" smtClean="0">
-                <a:latin typeface="Verdana" panose="020B0604030504040204" pitchFamily="34" charset="0"/>
-                <a:ea typeface="Verdana" panose="020B0604030504040204" pitchFamily="34" charset="0"/>
-              </a:rPr>
-              <a:t>     Telegram</a:t>
-            </a:r>
-            <a:endParaRPr lang="en-US" sz="1600" dirty="0">
-              <a:latin typeface="Verdana" panose="020B0604030504040204" pitchFamily="34" charset="0"/>
-              <a:ea typeface="Verdana" panose="020B0604030504040204" pitchFamily="34" charset="0"/>
-            </a:endParaRPr>
-          </a:p>
-          <a:p>
-            <a:pPr marL="0" indent="0">
-              <a:buNone/>
-            </a:pPr>
-            <a:r>
-              <a:rPr lang="ru-RU" sz="1600" dirty="0" smtClean="0">
-                <a:latin typeface="Verdana" panose="020B0604030504040204" pitchFamily="34" charset="0"/>
-                <a:ea typeface="Verdana" panose="020B0604030504040204" pitchFamily="34" charset="0"/>
-              </a:rPr>
-              <a:t>Максимов Алексей</a:t>
-            </a:r>
-            <a:r>
-              <a:rPr lang="en-US" sz="1600" dirty="0">
-                <a:latin typeface="Verdana" panose="020B0604030504040204" pitchFamily="34" charset="0"/>
-                <a:ea typeface="Verdana" panose="020B0604030504040204" pitchFamily="34" charset="0"/>
-              </a:rPr>
-              <a:t>	</a:t>
-            </a:r>
-            <a:r>
-              <a:rPr lang="en-US" sz="1600" dirty="0" smtClean="0">
-                <a:latin typeface="Verdana" panose="020B0604030504040204" pitchFamily="34" charset="0"/>
-                <a:ea typeface="Verdana" panose="020B0604030504040204" pitchFamily="34" charset="0"/>
-              </a:rPr>
-              <a:t>		</a:t>
-            </a:r>
-            <a:r>
-              <a:rPr lang="en-US" sz="1600" dirty="0" smtClean="0">
+                <a:solidFill>
+                  <a:schemeClr val="tx2"/>
+                </a:solidFill>
                 <a:latin typeface="Verdana" panose="020B0604030504040204" pitchFamily="34" charset="0"/>
                 <a:ea typeface="Verdana" panose="020B0604030504040204" pitchFamily="34" charset="0"/>
               </a:rPr>
               <a:t>@</a:t>
             </a:r>
             <a:endParaRPr lang="ru-RU" sz="1600" dirty="0">
+              <a:solidFill>
+                <a:schemeClr val="tx2"/>
+              </a:solidFill>
               <a:latin typeface="Verdana" panose="020B0604030504040204" pitchFamily="34" charset="0"/>
               <a:ea typeface="Verdana" panose="020B0604030504040204" pitchFamily="34" charset="0"/>
             </a:endParaRPr>
@@ -5743,8 +5892,8 @@
         </p:blipFill>
         <p:spPr bwMode="auto">
           <a:xfrm>
-            <a:off x="5429846" y="2787774"/>
-            <a:ext cx="1080000" cy="1080000"/>
+            <a:off x="5508104" y="2853224"/>
+            <a:ext cx="870346" cy="870346"/>
           </a:xfrm>
           <a:prstGeom prst="rect">
             <a:avLst/>
@@ -5771,13 +5920,6 @@
   <p:clrMapOvr>
     <a:masterClrMapping/>
   </p:clrMapOvr>
-  <p:timing>
-    <p:tnLst>
-      <p:par>
-        <p:cTn id="1" dur="indefinite" restart="never" nodeType="tmRoot"/>
-      </p:par>
-    </p:tnLst>
-  </p:timing>
 </p:sld>
 </file>
 
@@ -5855,7 +5997,7 @@
           <p:cNvPr id="30" name="Прямая соединительная линия 29">
             <a:extLst>
               <a:ext uri="{FF2B5EF4-FFF2-40B4-BE49-F238E27FC236}">
-                <a16:creationId xmlns:a16="http://schemas.microsoft.com/office/drawing/2014/main" xmlns="" id="{F004EEAE-9E59-4362-892F-11F0597BBF49}"/>
+                <a16:creationId xmlns:a16="http://schemas.microsoft.com/office/drawing/2014/main" id="{F004EEAE-9E59-4362-892F-11F0597BBF49}"/>
               </a:ext>
             </a:extLst>
           </p:cNvPr>
@@ -5895,80 +6037,10 @@
       </p:cxnSp>
       <p:sp>
         <p:nvSpPr>
-          <p:cNvPr id="6" name="TextBox 5">
-            <a:extLst>
-              <a:ext uri="{FF2B5EF4-FFF2-40B4-BE49-F238E27FC236}">
-                <a16:creationId xmlns:a16="http://schemas.microsoft.com/office/drawing/2014/main" xmlns="" id="{33615870-A2FD-4EAC-822A-3DD710EF9E49}"/>
-              </a:ext>
-            </a:extLst>
-          </p:cNvPr>
-          <p:cNvSpPr txBox="1"/>
-          <p:nvPr/>
-        </p:nvSpPr>
-        <p:spPr>
-          <a:xfrm>
-            <a:off x="2915816" y="1068776"/>
-            <a:ext cx="5976664" cy="3835409"/>
-          </a:xfrm>
-          <a:prstGeom prst="rect">
-            <a:avLst/>
-          </a:prstGeom>
-          <a:noFill/>
-        </p:spPr>
-        <p:txBody>
-          <a:bodyPr wrap="square">
-            <a:spAutoFit/>
-          </a:bodyPr>
-          <a:lstStyle/>
-          <a:p>
-            <a:pPr algn="just">
-              <a:lnSpc>
-                <a:spcPct val="115000"/>
-              </a:lnSpc>
-              <a:spcAft>
-                <a:spcPts val="1000"/>
-              </a:spcAft>
-            </a:pPr>
-            <a:r>
-              <a:rPr lang="ru-RU" sz="1800" dirty="0">
-                <a:effectLst/>
-                <a:latin typeface="Times New Roman" panose="02020603050405020304" pitchFamily="18" charset="0"/>
-                <a:ea typeface="Calibri" panose="020F0502020204030204" pitchFamily="34" charset="0"/>
-                <a:cs typeface="Times New Roman" panose="02020603050405020304" pitchFamily="18" charset="0"/>
-              </a:rPr>
-              <a:t>Всё более широкое применение начинают приобретать автономные роботы. Например, можно уже сейчас увидеть на дорогах роботов-доставщиков, производящих доставку еды и не только. Кроме доставки разных товаров существует большое количество ещё не автоматизированных задач, которые можно делегировать роботам.</a:t>
-            </a:r>
-            <a:endParaRPr lang="ru-RU" sz="1800" dirty="0">
-              <a:effectLst/>
-              <a:latin typeface="Calibri" panose="020F0502020204030204" pitchFamily="34" charset="0"/>
-              <a:ea typeface="Calibri" panose="020F0502020204030204" pitchFamily="34" charset="0"/>
-              <a:cs typeface="Times New Roman" panose="02020603050405020304" pitchFamily="18" charset="0"/>
-            </a:endParaRPr>
-          </a:p>
-          <a:p>
-            <a:r>
-              <a:rPr lang="ru-RU" sz="1800" dirty="0">
-                <a:effectLst/>
-                <a:latin typeface="Times New Roman" panose="02020603050405020304" pitchFamily="18" charset="0"/>
-                <a:ea typeface="Calibri" panose="020F0502020204030204" pitchFamily="34" charset="0"/>
-              </a:rPr>
-              <a:t>Работа посвящена разработке автономной системы управления роботами для их навигации в закрытых помещениях. Разрабатываемая система должна обладать достаточной гибкостью для настройки под конкретную задачу и обеспечивать хорошую защиту от взлома.</a:t>
-            </a:r>
-            <a:endParaRPr lang="ru-RU" sz="2400" dirty="0">
-              <a:solidFill>
-                <a:srgbClr val="0070C0"/>
-              </a:solidFill>
-              <a:latin typeface="Century Gothic" panose="020B0502020202020204" pitchFamily="34" charset="0"/>
-            </a:endParaRPr>
-          </a:p>
-        </p:txBody>
-      </p:sp>
-      <p:sp>
-        <p:nvSpPr>
           <p:cNvPr id="3" name="Номер слайда 2">
             <a:extLst>
               <a:ext uri="{FF2B5EF4-FFF2-40B4-BE49-F238E27FC236}">
-                <a16:creationId xmlns:a16="http://schemas.microsoft.com/office/drawing/2014/main" xmlns="" id="{9879899F-8DEE-4C3F-B4F8-8A504F60C80B}"/>
+                <a16:creationId xmlns:a16="http://schemas.microsoft.com/office/drawing/2014/main" id="{9879899F-8DEE-4C3F-B4F8-8A504F60C80B}"/>
               </a:ext>
             </a:extLst>
           </p:cNvPr>
@@ -5998,7 +6070,7 @@
           <p:cNvPr id="14" name="Прямоугольник 13">
             <a:extLst>
               <a:ext uri="{FF2B5EF4-FFF2-40B4-BE49-F238E27FC236}">
-                <a16:creationId xmlns:a16="http://schemas.microsoft.com/office/drawing/2014/main" xmlns="" id="{C204DE12-0708-4039-981E-EC5E81BC4662}"/>
+                <a16:creationId xmlns:a16="http://schemas.microsoft.com/office/drawing/2014/main" id="{C204DE12-0708-4039-981E-EC5E81BC4662}"/>
               </a:ext>
             </a:extLst>
           </p:cNvPr>
@@ -6074,6 +6146,376 @@
           </a:extLst>
         </p:spPr>
       </p:pic>
+      <p:pic>
+        <p:nvPicPr>
+          <p:cNvPr id="1026" name="Picture 2">
+            <a:extLst>
+              <a:ext uri="{FF2B5EF4-FFF2-40B4-BE49-F238E27FC236}">
+                <a16:creationId xmlns:a16="http://schemas.microsoft.com/office/drawing/2014/main" id="{17C112DF-E30E-4E91-BE1E-B73E5466DF10}"/>
+              </a:ext>
+            </a:extLst>
+          </p:cNvPr>
+          <p:cNvPicPr>
+            <a:picLocks noChangeAspect="1" noChangeArrowheads="1"/>
+          </p:cNvPicPr>
+          <p:nvPr/>
+        </p:nvPicPr>
+        <p:blipFill>
+          <a:blip r:embed="rId3">
+            <a:extLst>
+              <a:ext uri="{28A0092B-C50C-407E-A947-70E740481C1C}">
+                <a14:useLocalDpi xmlns:a14="http://schemas.microsoft.com/office/drawing/2010/main" val="0"/>
+              </a:ext>
+            </a:extLst>
+          </a:blip>
+          <a:srcRect/>
+          <a:stretch>
+            <a:fillRect/>
+          </a:stretch>
+        </p:blipFill>
+        <p:spPr bwMode="auto">
+          <a:xfrm>
+            <a:off x="3059833" y="967036"/>
+            <a:ext cx="5832648" cy="3888432"/>
+          </a:xfrm>
+          <a:prstGeom prst="rect">
+            <a:avLst/>
+          </a:prstGeom>
+          <a:noFill/>
+          <a:extLst>
+            <a:ext uri="{909E8E84-426E-40DD-AFC4-6F175D3DCCD1}">
+              <a14:hiddenFill xmlns:a14="http://schemas.microsoft.com/office/drawing/2010/main">
+                <a:solidFill>
+                  <a:srgbClr val="FFFFFF"/>
+                </a:solidFill>
+              </a14:hiddenFill>
+            </a:ext>
+          </a:extLst>
+        </p:spPr>
+      </p:pic>
+      <p:grpSp>
+        <p:nvGrpSpPr>
+          <p:cNvPr id="10" name="Группа 9">
+            <a:extLst>
+              <a:ext uri="{FF2B5EF4-FFF2-40B4-BE49-F238E27FC236}">
+                <a16:creationId xmlns:a16="http://schemas.microsoft.com/office/drawing/2014/main" id="{C966BB80-279D-40A2-84AF-CDA482DFE0F5}"/>
+              </a:ext>
+            </a:extLst>
+          </p:cNvPr>
+          <p:cNvGrpSpPr/>
+          <p:nvPr/>
+        </p:nvGrpSpPr>
+        <p:grpSpPr>
+          <a:xfrm>
+            <a:off x="132856" y="885334"/>
+            <a:ext cx="2717267" cy="2208506"/>
+            <a:chOff x="174072" y="69738"/>
+            <a:chExt cx="2717267" cy="2208506"/>
+          </a:xfrm>
+        </p:grpSpPr>
+        <p:sp>
+          <p:nvSpPr>
+            <p:cNvPr id="11" name="Прямоугольник 10">
+              <a:extLst>
+                <a:ext uri="{FF2B5EF4-FFF2-40B4-BE49-F238E27FC236}">
+                  <a16:creationId xmlns:a16="http://schemas.microsoft.com/office/drawing/2014/main" id="{1C3373F8-AC50-4FE4-9BFB-C2ABC5937CCF}"/>
+                </a:ext>
+              </a:extLst>
+            </p:cNvPr>
+            <p:cNvSpPr/>
+            <p:nvPr/>
+          </p:nvSpPr>
+          <p:spPr>
+            <a:xfrm>
+              <a:off x="182776" y="176182"/>
+              <a:ext cx="307777" cy="307777"/>
+            </a:xfrm>
+            <a:prstGeom prst="rect">
+              <a:avLst/>
+            </a:prstGeom>
+            <a:solidFill>
+              <a:schemeClr val="bg1">
+                <a:lumMod val="95000"/>
+              </a:schemeClr>
+            </a:solidFill>
+            <a:ln>
+              <a:noFill/>
+            </a:ln>
+          </p:spPr>
+          <p:style>
+            <a:lnRef idx="2">
+              <a:schemeClr val="accent1">
+                <a:shade val="50000"/>
+              </a:schemeClr>
+            </a:lnRef>
+            <a:fillRef idx="1">
+              <a:schemeClr val="accent1"/>
+            </a:fillRef>
+            <a:effectRef idx="0">
+              <a:schemeClr val="accent1"/>
+            </a:effectRef>
+            <a:fontRef idx="minor">
+              <a:schemeClr val="lt1"/>
+            </a:fontRef>
+          </p:style>
+          <p:txBody>
+            <a:bodyPr rtlCol="0" anchor="ctr"/>
+            <a:lstStyle/>
+            <a:p>
+              <a:pPr algn="ctr"/>
+              <a:endParaRPr lang="ru-RU" dirty="0"/>
+            </a:p>
+          </p:txBody>
+        </p:sp>
+        <p:sp>
+          <p:nvSpPr>
+            <p:cNvPr id="12" name="Прямоугольник 11">
+              <a:extLst>
+                <a:ext uri="{FF2B5EF4-FFF2-40B4-BE49-F238E27FC236}">
+                  <a16:creationId xmlns:a16="http://schemas.microsoft.com/office/drawing/2014/main" id="{4DFE0403-DA90-48B3-8870-BB7651570C39}"/>
+                </a:ext>
+              </a:extLst>
+            </p:cNvPr>
+            <p:cNvSpPr/>
+            <p:nvPr/>
+          </p:nvSpPr>
+          <p:spPr>
+            <a:xfrm>
+              <a:off x="174072" y="1970467"/>
+              <a:ext cx="307777" cy="307777"/>
+            </a:xfrm>
+            <a:prstGeom prst="rect">
+              <a:avLst/>
+            </a:prstGeom>
+            <a:solidFill>
+              <a:schemeClr val="bg1">
+                <a:lumMod val="95000"/>
+              </a:schemeClr>
+            </a:solidFill>
+            <a:ln>
+              <a:noFill/>
+            </a:ln>
+          </p:spPr>
+          <p:style>
+            <a:lnRef idx="2">
+              <a:schemeClr val="accent1">
+                <a:shade val="50000"/>
+              </a:schemeClr>
+            </a:lnRef>
+            <a:fillRef idx="1">
+              <a:schemeClr val="accent1"/>
+            </a:fillRef>
+            <a:effectRef idx="0">
+              <a:schemeClr val="accent1"/>
+            </a:effectRef>
+            <a:fontRef idx="minor">
+              <a:schemeClr val="lt1"/>
+            </a:fontRef>
+          </p:style>
+          <p:txBody>
+            <a:bodyPr rtlCol="0" anchor="ctr"/>
+            <a:lstStyle/>
+            <a:p>
+              <a:pPr algn="ctr"/>
+              <a:endParaRPr lang="ru-RU"/>
+            </a:p>
+          </p:txBody>
+        </p:sp>
+        <p:sp>
+          <p:nvSpPr>
+            <p:cNvPr id="13" name="Прямоугольник 12">
+              <a:extLst>
+                <a:ext uri="{FF2B5EF4-FFF2-40B4-BE49-F238E27FC236}">
+                  <a16:creationId xmlns:a16="http://schemas.microsoft.com/office/drawing/2014/main" id="{300C2159-07F4-4FED-9B06-CE00C4978DA0}"/>
+                </a:ext>
+              </a:extLst>
+            </p:cNvPr>
+            <p:cNvSpPr/>
+            <p:nvPr/>
+          </p:nvSpPr>
+          <p:spPr>
+            <a:xfrm>
+              <a:off x="174073" y="1053890"/>
+              <a:ext cx="307777" cy="307777"/>
+            </a:xfrm>
+            <a:prstGeom prst="rect">
+              <a:avLst/>
+            </a:prstGeom>
+            <a:solidFill>
+              <a:schemeClr val="bg1">
+                <a:lumMod val="95000"/>
+              </a:schemeClr>
+            </a:solidFill>
+            <a:ln>
+              <a:noFill/>
+            </a:ln>
+          </p:spPr>
+          <p:style>
+            <a:lnRef idx="2">
+              <a:schemeClr val="accent1">
+                <a:shade val="50000"/>
+              </a:schemeClr>
+            </a:lnRef>
+            <a:fillRef idx="1">
+              <a:schemeClr val="accent1"/>
+            </a:fillRef>
+            <a:effectRef idx="0">
+              <a:schemeClr val="accent1"/>
+            </a:effectRef>
+            <a:fontRef idx="minor">
+              <a:schemeClr val="lt1"/>
+            </a:fontRef>
+          </p:style>
+          <p:txBody>
+            <a:bodyPr rtlCol="0" anchor="ctr"/>
+            <a:lstStyle/>
+            <a:p>
+              <a:pPr algn="ctr"/>
+              <a:endParaRPr lang="ru-RU">
+                <a:solidFill>
+                  <a:srgbClr val="7F7F7F"/>
+                </a:solidFill>
+              </a:endParaRPr>
+            </a:p>
+          </p:txBody>
+        </p:sp>
+        <p:sp>
+          <p:nvSpPr>
+            <p:cNvPr id="15" name="TextBox 14">
+              <a:extLst>
+                <a:ext uri="{FF2B5EF4-FFF2-40B4-BE49-F238E27FC236}">
+                  <a16:creationId xmlns:a16="http://schemas.microsoft.com/office/drawing/2014/main" id="{3BBCBA7E-0F94-4396-B31C-676823516FFA}"/>
+                </a:ext>
+              </a:extLst>
+            </p:cNvPr>
+            <p:cNvSpPr txBox="1"/>
+            <p:nvPr/>
+          </p:nvSpPr>
+          <p:spPr>
+            <a:xfrm>
+              <a:off x="475549" y="69738"/>
+              <a:ext cx="2415790" cy="584775"/>
+            </a:xfrm>
+            <a:prstGeom prst="rect">
+              <a:avLst/>
+            </a:prstGeom>
+            <a:noFill/>
+          </p:spPr>
+          <p:txBody>
+            <a:bodyPr wrap="square">
+              <a:spAutoFit/>
+            </a:bodyPr>
+            <a:lstStyle/>
+            <a:p>
+              <a:r>
+                <a:rPr lang="ru-RU" sz="1600" b="1" dirty="0">
+                  <a:solidFill>
+                    <a:schemeClr val="bg1">
+                      <a:lumMod val="95000"/>
+                    </a:schemeClr>
+                  </a:solidFill>
+                  <a:latin typeface="Verdana" panose="020B0604030504040204" pitchFamily="34" charset="0"/>
+                  <a:ea typeface="Verdana" panose="020B0604030504040204" pitchFamily="34" charset="0"/>
+                </a:rPr>
+                <a:t>Система управления</a:t>
+              </a:r>
+              <a:endParaRPr lang="x-none" sz="1600" b="1" dirty="0">
+                <a:solidFill>
+                  <a:schemeClr val="bg1">
+                    <a:lumMod val="95000"/>
+                  </a:schemeClr>
+                </a:solidFill>
+                <a:latin typeface="Verdana" panose="020B0604030504040204" pitchFamily="34" charset="0"/>
+                <a:ea typeface="Verdana" panose="020B0604030504040204" pitchFamily="34" charset="0"/>
+              </a:endParaRPr>
+            </a:p>
+          </p:txBody>
+        </p:sp>
+        <p:sp>
+          <p:nvSpPr>
+            <p:cNvPr id="16" name="Прямоугольник 15">
+              <a:extLst>
+                <a:ext uri="{FF2B5EF4-FFF2-40B4-BE49-F238E27FC236}">
+                  <a16:creationId xmlns:a16="http://schemas.microsoft.com/office/drawing/2014/main" id="{9DF13001-453E-456E-9606-5ACD70C1F22C}"/>
+                </a:ext>
+              </a:extLst>
+            </p:cNvPr>
+            <p:cNvSpPr/>
+            <p:nvPr/>
+          </p:nvSpPr>
+          <p:spPr>
+            <a:xfrm>
+              <a:off x="506712" y="915390"/>
+              <a:ext cx="1453466" cy="584775"/>
+            </a:xfrm>
+            <a:prstGeom prst="rect">
+              <a:avLst/>
+            </a:prstGeom>
+          </p:spPr>
+          <p:txBody>
+            <a:bodyPr wrap="square">
+              <a:spAutoFit/>
+            </a:bodyPr>
+            <a:lstStyle/>
+            <a:p>
+              <a:r>
+                <a:rPr lang="ru-RU" sz="1600" b="1" dirty="0">
+                  <a:solidFill>
+                    <a:schemeClr val="bg1">
+                      <a:lumMod val="95000"/>
+                    </a:schemeClr>
+                  </a:solidFill>
+                  <a:latin typeface="Verdana" panose="020B0604030504040204" pitchFamily="34" charset="0"/>
+                  <a:ea typeface="Verdana" panose="020B0604030504040204" pitchFamily="34" charset="0"/>
+                </a:rPr>
+                <a:t>Роботизация</a:t>
+              </a:r>
+            </a:p>
+          </p:txBody>
+        </p:sp>
+      </p:grpSp>
+      <p:sp>
+        <p:nvSpPr>
+          <p:cNvPr id="17" name="Прямоугольник 16">
+            <a:extLst>
+              <a:ext uri="{FF2B5EF4-FFF2-40B4-BE49-F238E27FC236}">
+                <a16:creationId xmlns:a16="http://schemas.microsoft.com/office/drawing/2014/main" id="{4178CC85-0238-47F8-9C95-8ED6B85E84DE}"/>
+              </a:ext>
+            </a:extLst>
+          </p:cNvPr>
+          <p:cNvSpPr/>
+          <p:nvPr/>
+        </p:nvSpPr>
+        <p:spPr>
+          <a:xfrm>
+            <a:off x="516243" y="2661651"/>
+            <a:ext cx="1453466" cy="338554"/>
+          </a:xfrm>
+          <a:prstGeom prst="rect">
+            <a:avLst/>
+          </a:prstGeom>
+        </p:spPr>
+        <p:txBody>
+          <a:bodyPr wrap="square">
+            <a:spAutoFit/>
+          </a:bodyPr>
+          <a:lstStyle/>
+          <a:p>
+            <a:r>
+              <a:rPr lang="ru-RU" sz="1600" b="1" dirty="0">
+                <a:solidFill>
+                  <a:schemeClr val="bg1">
+                    <a:lumMod val="95000"/>
+                  </a:schemeClr>
+                </a:solidFill>
+                <a:latin typeface="Verdana" panose="020B0604030504040204" pitchFamily="34" charset="0"/>
+                <a:ea typeface="Verdana" panose="020B0604030504040204" pitchFamily="34" charset="0"/>
+              </a:rPr>
+              <a:t>.</a:t>
+            </a:r>
+          </a:p>
+        </p:txBody>
+      </p:sp>
     </p:spTree>
     <p:extLst>
       <p:ext uri="{BB962C8B-B14F-4D97-AF65-F5344CB8AC3E}">
@@ -6084,13 +6526,6 @@
   <p:clrMapOvr>
     <a:masterClrMapping/>
   </p:clrMapOvr>
-  <p:timing>
-    <p:tnLst>
-      <p:par>
-        <p:cTn id="1" dur="indefinite" restart="never" nodeType="tmRoot"/>
-      </p:par>
-    </p:tnLst>
-  </p:timing>
 </p:sld>
 </file>
 
@@ -6116,7 +6551,7 @@
           <p:cNvPr id="45" name="Прямоугольник 44">
             <a:extLst>
               <a:ext uri="{FF2B5EF4-FFF2-40B4-BE49-F238E27FC236}">
-                <a16:creationId xmlns:a16="http://schemas.microsoft.com/office/drawing/2014/main" xmlns="" id="{F844FAD0-BFD3-42F8-8444-0D4247E6F864}"/>
+                <a16:creationId xmlns:a16="http://schemas.microsoft.com/office/drawing/2014/main" id="{F844FAD0-BFD3-42F8-8444-0D4247E6F864}"/>
               </a:ext>
             </a:extLst>
           </p:cNvPr>
@@ -6174,7 +6609,7 @@
           <p:cNvPr id="27" name="Прямая соединительная линия 26">
             <a:extLst>
               <a:ext uri="{FF2B5EF4-FFF2-40B4-BE49-F238E27FC236}">
-                <a16:creationId xmlns:a16="http://schemas.microsoft.com/office/drawing/2014/main" xmlns="" id="{7D440611-E861-4ADC-BE55-6C5E3E2135B0}"/>
+                <a16:creationId xmlns:a16="http://schemas.microsoft.com/office/drawing/2014/main" id="{7D440611-E861-4ADC-BE55-6C5E3E2135B0}"/>
               </a:ext>
             </a:extLst>
           </p:cNvPr>
@@ -6295,7 +6730,7 @@
           <p:cNvPr id="8" name="Группа 7">
             <a:extLst>
               <a:ext uri="{FF2B5EF4-FFF2-40B4-BE49-F238E27FC236}">
-                <a16:creationId xmlns:a16="http://schemas.microsoft.com/office/drawing/2014/main" xmlns="" id="{8D89B8A8-CE48-43F1-BB75-3E6B699D7B47}"/>
+                <a16:creationId xmlns:a16="http://schemas.microsoft.com/office/drawing/2014/main" id="{8D89B8A8-CE48-43F1-BB75-3E6B699D7B47}"/>
               </a:ext>
             </a:extLst>
           </p:cNvPr>
@@ -6315,7 +6750,7 @@
             <p:cNvPr id="49" name="Прямоугольник 48">
               <a:extLst>
                 <a:ext uri="{FF2B5EF4-FFF2-40B4-BE49-F238E27FC236}">
-                  <a16:creationId xmlns:a16="http://schemas.microsoft.com/office/drawing/2014/main" xmlns="" id="{FDB282C5-2604-4D7A-8D2A-E546EB65E607}"/>
+                  <a16:creationId xmlns:a16="http://schemas.microsoft.com/office/drawing/2014/main" id="{FDB282C5-2604-4D7A-8D2A-E546EB65E607}"/>
                 </a:ext>
               </a:extLst>
             </p:cNvPr>
@@ -6369,7 +6804,7 @@
             <p:cNvPr id="63" name="Прямоугольник 62">
               <a:extLst>
                 <a:ext uri="{FF2B5EF4-FFF2-40B4-BE49-F238E27FC236}">
-                  <a16:creationId xmlns:a16="http://schemas.microsoft.com/office/drawing/2014/main" xmlns="" id="{2D33E0AE-D3CC-4355-8650-0C91F2677331}"/>
+                  <a16:creationId xmlns:a16="http://schemas.microsoft.com/office/drawing/2014/main" id="{2D33E0AE-D3CC-4355-8650-0C91F2677331}"/>
                 </a:ext>
               </a:extLst>
             </p:cNvPr>
@@ -6423,7 +6858,7 @@
             <p:cNvPr id="71" name="Прямоугольник 70">
               <a:extLst>
                 <a:ext uri="{FF2B5EF4-FFF2-40B4-BE49-F238E27FC236}">
-                  <a16:creationId xmlns:a16="http://schemas.microsoft.com/office/drawing/2014/main" xmlns="" id="{7BAF04B3-A7AB-4421-99BC-5E3219D990E5}"/>
+                  <a16:creationId xmlns:a16="http://schemas.microsoft.com/office/drawing/2014/main" id="{7BAF04B3-A7AB-4421-99BC-5E3219D990E5}"/>
                 </a:ext>
               </a:extLst>
             </p:cNvPr>
@@ -6476,60 +6911,12 @@
             </a:p>
           </p:txBody>
         </p:sp>
-        <p:cxnSp>
-          <p:nvCxnSpPr>
-            <p:cNvPr id="77" name="Straight Arrow Connector 33">
-              <a:extLst>
-                <a:ext uri="{FF2B5EF4-FFF2-40B4-BE49-F238E27FC236}">
-                  <a16:creationId xmlns:a16="http://schemas.microsoft.com/office/drawing/2014/main" xmlns="" id="{2C42BD62-50AE-4097-9E5B-DE6F33E3EDE3}"/>
-                </a:ext>
-              </a:extLst>
-            </p:cNvPr>
-            <p:cNvCxnSpPr>
-              <a:cxnSpLocks/>
-              <a:stCxn id="71" idx="2"/>
-              <a:endCxn id="63" idx="0"/>
-            </p:cNvCxnSpPr>
-            <p:nvPr/>
-          </p:nvCxnSpPr>
-          <p:spPr>
-            <a:xfrm flipH="1">
-              <a:off x="327961" y="1361667"/>
-              <a:ext cx="1" cy="608800"/>
-            </a:xfrm>
-            <a:prstGeom prst="straightConnector1">
-              <a:avLst/>
-            </a:prstGeom>
-            <a:ln w="28575">
-              <a:solidFill>
-                <a:schemeClr val="bg1">
-                  <a:lumMod val="95000"/>
-                </a:schemeClr>
-              </a:solidFill>
-              <a:tailEnd type="triangle"/>
-            </a:ln>
-          </p:spPr>
-          <p:style>
-            <a:lnRef idx="1">
-              <a:schemeClr val="accent1"/>
-            </a:lnRef>
-            <a:fillRef idx="0">
-              <a:schemeClr val="accent1"/>
-            </a:fillRef>
-            <a:effectRef idx="0">
-              <a:schemeClr val="accent1"/>
-            </a:effectRef>
-            <a:fontRef idx="minor">
-              <a:schemeClr val="tx1"/>
-            </a:fontRef>
-          </p:style>
-        </p:cxnSp>
         <p:sp>
           <p:nvSpPr>
             <p:cNvPr id="2" name="TextBox 1">
               <a:extLst>
                 <a:ext uri="{FF2B5EF4-FFF2-40B4-BE49-F238E27FC236}">
-                  <a16:creationId xmlns:a16="http://schemas.microsoft.com/office/drawing/2014/main" xmlns="" id="{D433A942-CA1E-4148-80E1-D96F3CDADFE8}"/>
+                  <a16:creationId xmlns:a16="http://schemas.microsoft.com/office/drawing/2014/main" id="{D433A942-CA1E-4148-80E1-D96F3CDADFE8}"/>
                 </a:ext>
               </a:extLst>
             </p:cNvPr>
@@ -6553,7 +6940,7 @@
             <a:lstStyle/>
             <a:p>
               <a:r>
-                <a:rPr lang="ru-RU" sz="1600" b="1" dirty="0">
+                <a:rPr lang="en-US" sz="1600" b="1" dirty="0">
                   <a:solidFill>
                     <a:schemeClr val="bg1">
                       <a:lumMod val="95000"/>
@@ -6562,7 +6949,7 @@
                   <a:latin typeface="Verdana" panose="020B0604030504040204" pitchFamily="34" charset="0"/>
                   <a:ea typeface="Verdana" panose="020B0604030504040204" pitchFamily="34" charset="0"/>
                 </a:rPr>
-                <a:t>Цель</a:t>
+                <a:t>KOS</a:t>
               </a:r>
               <a:endParaRPr lang="x-none" sz="1600" b="1" dirty="0">
                 <a:solidFill>
@@ -6581,7 +6968,7 @@
             <p:cNvPr id="29" name="Прямоугольник 28">
               <a:extLst>
                 <a:ext uri="{FF2B5EF4-FFF2-40B4-BE49-F238E27FC236}">
-                  <a16:creationId xmlns:a16="http://schemas.microsoft.com/office/drawing/2014/main" xmlns="" id="{321E19EC-6BB3-4443-BA33-D6D787D90C0D}"/>
+                  <a16:creationId xmlns:a16="http://schemas.microsoft.com/office/drawing/2014/main" id="{321E19EC-6BB3-4443-BA33-D6D787D90C0D}"/>
                 </a:ext>
               </a:extLst>
             </p:cNvPr>
@@ -6590,8 +6977,8 @@
           </p:nvSpPr>
           <p:spPr>
             <a:xfrm>
-              <a:off x="528612" y="1063708"/>
-              <a:ext cx="2192381" cy="338554"/>
+              <a:off x="483386" y="786172"/>
+              <a:ext cx="1644400" cy="830997"/>
             </a:xfrm>
             <a:prstGeom prst="rect">
               <a:avLst/>
@@ -6613,7 +7000,7 @@
                   <a:latin typeface="Verdana" panose="020B0604030504040204" pitchFamily="34" charset="0"/>
                   <a:ea typeface="Verdana" panose="020B0604030504040204" pitchFamily="34" charset="0"/>
                 </a:rPr>
-                <a:t>Гипотеза</a:t>
+                <a:t>Автоматизация процесса</a:t>
               </a:r>
             </a:p>
           </p:txBody>
@@ -6624,7 +7011,7 @@
           <p:cNvPr id="30" name="Прямоугольник 29">
             <a:extLst>
               <a:ext uri="{FF2B5EF4-FFF2-40B4-BE49-F238E27FC236}">
-                <a16:creationId xmlns:a16="http://schemas.microsoft.com/office/drawing/2014/main" xmlns="" id="{62E7C219-BF40-42A2-A453-98D897CC3593}"/>
+                <a16:creationId xmlns:a16="http://schemas.microsoft.com/office/drawing/2014/main" id="{62E7C219-BF40-42A2-A453-98D897CC3593}"/>
               </a:ext>
             </a:extLst>
           </p:cNvPr>
@@ -6647,15 +7034,16 @@
           <a:lstStyle/>
           <a:p>
             <a:r>
-              <a:rPr lang="ru-RU" sz="1800" b="1" dirty="0" smtClean="0">
+              <a:rPr lang="en-US" sz="1800" b="1" dirty="0">
                 <a:solidFill>
                   <a:schemeClr val="bg1">
                     <a:lumMod val="95000"/>
                   </a:schemeClr>
                 </a:solidFill>
-                <a:latin typeface="Century Gothic" panose="020B0502020202020204" pitchFamily="34" charset="0"/>
+                <a:latin typeface="Verdana" panose="020B0604030504040204" pitchFamily="34" charset="0"/>
+                <a:ea typeface="Verdana" panose="020B0604030504040204" pitchFamily="34" charset="0"/>
               </a:rPr>
-              <a:t>Задачи</a:t>
+              <a:t>TCP/IP</a:t>
             </a:r>
             <a:endParaRPr lang="en-US" sz="1800" b="1" dirty="0">
               <a:solidFill>
@@ -6676,8 +7064,8 @@
         </p:nvSpPr>
         <p:spPr>
           <a:xfrm>
-            <a:off x="3042891" y="1253897"/>
-            <a:ext cx="6029836" cy="3139321"/>
+            <a:off x="3042891" y="1277280"/>
+            <a:ext cx="6029836" cy="646331"/>
           </a:xfrm>
           <a:prstGeom prst="rect">
             <a:avLst/>
@@ -6696,70 +7084,7 @@
                 <a:ea typeface="Calibri" panose="020F0502020204030204" pitchFamily="34" charset="0"/>
                 <a:cs typeface="Times New Roman" panose="02020603050405020304" pitchFamily="18" charset="0"/>
               </a:rPr>
-              <a:t>Для достижения поставленной цели спроектирована информационная система, состоящая из камер видеонаблюдения, сервера и мобильных роботов, подключенных к серверу по </a:t>
-            </a:r>
-            <a:r>
-              <a:rPr lang="en-US" sz="1800" dirty="0">
-                <a:effectLst/>
-                <a:latin typeface="Times New Roman" panose="02020603050405020304" pitchFamily="18" charset="0"/>
-                <a:ea typeface="Calibri" panose="020F0502020204030204" pitchFamily="34" charset="0"/>
-                <a:cs typeface="Times New Roman" panose="02020603050405020304" pitchFamily="18" charset="0"/>
-              </a:rPr>
-              <a:t>Wi</a:t>
-            </a:r>
-            <a:r>
-              <a:rPr lang="ru-RU" sz="1800" dirty="0">
-                <a:effectLst/>
-                <a:latin typeface="Times New Roman" panose="02020603050405020304" pitchFamily="18" charset="0"/>
-                <a:ea typeface="Calibri" panose="020F0502020204030204" pitchFamily="34" charset="0"/>
-                <a:cs typeface="Times New Roman" panose="02020603050405020304" pitchFamily="18" charset="0"/>
-              </a:rPr>
-              <a:t>-</a:t>
-            </a:r>
-            <a:r>
-              <a:rPr lang="en-US" sz="1800" dirty="0">
-                <a:effectLst/>
-                <a:latin typeface="Times New Roman" panose="02020603050405020304" pitchFamily="18" charset="0"/>
-                <a:ea typeface="Calibri" panose="020F0502020204030204" pitchFamily="34" charset="0"/>
-                <a:cs typeface="Times New Roman" panose="02020603050405020304" pitchFamily="18" charset="0"/>
-              </a:rPr>
-              <a:t>Fi</a:t>
-            </a:r>
-            <a:r>
-              <a:rPr lang="ru-RU" sz="1800" dirty="0">
-                <a:effectLst/>
-                <a:latin typeface="Times New Roman" panose="02020603050405020304" pitchFamily="18" charset="0"/>
-                <a:ea typeface="Calibri" panose="020F0502020204030204" pitchFamily="34" charset="0"/>
-                <a:cs typeface="Times New Roman" panose="02020603050405020304" pitchFamily="18" charset="0"/>
-              </a:rPr>
-              <a:t>. Сервер обрабатывает видеопоток, поступающий с камер, находящихся на стенах помещения, распознает положение роботов и направляет им соответствующие команды.</a:t>
-            </a:r>
-          </a:p>
-          <a:p>
-            <a:endParaRPr lang="ru-RU" sz="1800" dirty="0">
-              <a:latin typeface="Times New Roman" panose="02020603050405020304" pitchFamily="18" charset="0"/>
-              <a:ea typeface="Calibri" panose="020F0502020204030204" pitchFamily="34" charset="0"/>
-              <a:cs typeface="Times New Roman" panose="02020603050405020304" pitchFamily="18" charset="0"/>
-            </a:endParaRPr>
-          </a:p>
-          <a:p>
-            <a:r>
-              <a:rPr lang="ru-RU" sz="1800" dirty="0">
-                <a:effectLst/>
-                <a:latin typeface="Times New Roman" panose="02020603050405020304" pitchFamily="18" charset="0"/>
-                <a:ea typeface="Calibri" panose="020F0502020204030204" pitchFamily="34" charset="0"/>
-                <a:cs typeface="Times New Roman" panose="02020603050405020304" pitchFamily="18" charset="0"/>
-              </a:rPr>
-              <a:t>//рассказать что сервер и малина – на </a:t>
-            </a:r>
-            <a:r>
-              <a:rPr lang="en-US" sz="1800" dirty="0">
-                <a:effectLst/>
-                <a:latin typeface="Times New Roman" panose="02020603050405020304" pitchFamily="18" charset="0"/>
-                <a:ea typeface="Calibri" panose="020F0502020204030204" pitchFamily="34" charset="0"/>
-                <a:cs typeface="Times New Roman" panose="02020603050405020304" pitchFamily="18" charset="0"/>
-              </a:rPr>
-              <a:t>KOS</a:t>
+              <a:t>Фотка нашего робота?</a:t>
             </a:r>
             <a:endParaRPr lang="ru-RU" sz="1800" dirty="0">
               <a:effectLst/>
@@ -6770,14 +7095,6 @@
           </a:p>
           <a:p>
             <a:endParaRPr lang="ru-RU" sz="1800" dirty="0">
-              <a:effectLst/>
-              <a:latin typeface="Calibri" panose="020F0502020204030204" pitchFamily="34" charset="0"/>
-              <a:ea typeface="Calibri" panose="020F0502020204030204" pitchFamily="34" charset="0"/>
-              <a:cs typeface="Times New Roman" panose="02020603050405020304" pitchFamily="18" charset="0"/>
-            </a:endParaRPr>
-          </a:p>
-          <a:p>
-            <a:endParaRPr lang="ru-RU" sz="1800" dirty="0">
               <a:solidFill>
                 <a:srgbClr val="FF0000"/>
               </a:solidFill>
@@ -6790,7 +7107,7 @@
           <p:cNvPr id="6" name="Номер слайда 5">
             <a:extLst>
               <a:ext uri="{FF2B5EF4-FFF2-40B4-BE49-F238E27FC236}">
-                <a16:creationId xmlns:a16="http://schemas.microsoft.com/office/drawing/2014/main" xmlns="" id="{91B1A099-D53E-4F79-AD32-FF2BB7379684}"/>
+                <a16:creationId xmlns:a16="http://schemas.microsoft.com/office/drawing/2014/main" id="{91B1A099-D53E-4F79-AD32-FF2BB7379684}"/>
               </a:ext>
             </a:extLst>
           </p:cNvPr>
@@ -6815,58 +7132,12 @@
           </a:p>
         </p:txBody>
       </p:sp>
-      <p:cxnSp>
-        <p:nvCxnSpPr>
-          <p:cNvPr id="37" name="Straight Arrow Connector 33">
-            <a:extLst>
-              <a:ext uri="{FF2B5EF4-FFF2-40B4-BE49-F238E27FC236}">
-                <a16:creationId xmlns:a16="http://schemas.microsoft.com/office/drawing/2014/main" xmlns="" id="{A80FA0B9-7B33-43FD-B3C3-C3483487C997}"/>
-              </a:ext>
-            </a:extLst>
-          </p:cNvPr>
-          <p:cNvCxnSpPr>
-            <a:cxnSpLocks/>
-          </p:cNvCxnSpPr>
-          <p:nvPr/>
-        </p:nvCxnSpPr>
-        <p:spPr>
-          <a:xfrm flipH="1">
-            <a:off x="397601" y="1253897"/>
-            <a:ext cx="1" cy="608800"/>
-          </a:xfrm>
-          <a:prstGeom prst="straightConnector1">
-            <a:avLst/>
-          </a:prstGeom>
-          <a:ln w="28575">
-            <a:solidFill>
-              <a:schemeClr val="bg1">
-                <a:lumMod val="95000"/>
-              </a:schemeClr>
-            </a:solidFill>
-            <a:tailEnd type="triangle"/>
-          </a:ln>
-        </p:spPr>
-        <p:style>
-          <a:lnRef idx="1">
-            <a:schemeClr val="accent1"/>
-          </a:lnRef>
-          <a:fillRef idx="0">
-            <a:schemeClr val="accent1"/>
-          </a:fillRef>
-          <a:effectRef idx="0">
-            <a:schemeClr val="accent1"/>
-          </a:effectRef>
-          <a:fontRef idx="minor">
-            <a:schemeClr val="tx1"/>
-          </a:fontRef>
-        </p:style>
-      </p:cxnSp>
       <p:sp>
         <p:nvSpPr>
           <p:cNvPr id="18" name="Прямоугольник 17">
             <a:extLst>
               <a:ext uri="{FF2B5EF4-FFF2-40B4-BE49-F238E27FC236}">
-                <a16:creationId xmlns:a16="http://schemas.microsoft.com/office/drawing/2014/main" xmlns="" id="{CAA77BAE-A556-48A0-978D-90044E75AF67}"/>
+                <a16:creationId xmlns:a16="http://schemas.microsoft.com/office/drawing/2014/main" id="{CAA77BAE-A556-48A0-978D-90044E75AF67}"/>
               </a:ext>
             </a:extLst>
           </p:cNvPr>
@@ -6911,13 +7182,6 @@
   <p:clrMapOvr>
     <a:masterClrMapping/>
   </p:clrMapOvr>
-  <p:timing>
-    <p:tnLst>
-      <p:par>
-        <p:cTn id="1" dur="indefinite" restart="never" nodeType="tmRoot"/>
-      </p:par>
-    </p:tnLst>
-  </p:timing>
 </p:sld>
 </file>
 
@@ -6943,7 +7207,7 @@
           <p:cNvPr id="45" name="Прямоугольник 44">
             <a:extLst>
               <a:ext uri="{FF2B5EF4-FFF2-40B4-BE49-F238E27FC236}">
-                <a16:creationId xmlns:a16="http://schemas.microsoft.com/office/drawing/2014/main" xmlns="" id="{F844FAD0-BFD3-42F8-8444-0D4247E6F864}"/>
+                <a16:creationId xmlns:a16="http://schemas.microsoft.com/office/drawing/2014/main" id="{F844FAD0-BFD3-42F8-8444-0D4247E6F864}"/>
               </a:ext>
             </a:extLst>
           </p:cNvPr>
@@ -7079,7 +7343,7 @@
           <p:cNvPr id="2" name="Номер слайда 1">
             <a:extLst>
               <a:ext uri="{FF2B5EF4-FFF2-40B4-BE49-F238E27FC236}">
-                <a16:creationId xmlns:a16="http://schemas.microsoft.com/office/drawing/2014/main" xmlns="" id="{6C639C31-70B3-4747-90CA-1855C8665F6D}"/>
+                <a16:creationId xmlns:a16="http://schemas.microsoft.com/office/drawing/2014/main" id="{6C639C31-70B3-4747-90CA-1855C8665F6D}"/>
               </a:ext>
             </a:extLst>
           </p:cNvPr>
@@ -7109,7 +7373,7 @@
           <p:cNvPr id="9" name="Прямая соединительная линия 8">
             <a:extLst>
               <a:ext uri="{FF2B5EF4-FFF2-40B4-BE49-F238E27FC236}">
-                <a16:creationId xmlns:a16="http://schemas.microsoft.com/office/drawing/2014/main" xmlns="" id="{D801378D-54AE-4064-AFC0-861B34FEDBE9}"/>
+                <a16:creationId xmlns:a16="http://schemas.microsoft.com/office/drawing/2014/main" id="{D801378D-54AE-4064-AFC0-861B34FEDBE9}"/>
               </a:ext>
             </a:extLst>
           </p:cNvPr>
@@ -7152,7 +7416,7 @@
           <p:cNvPr id="13" name="Прямоугольник 12">
             <a:extLst>
               <a:ext uri="{FF2B5EF4-FFF2-40B4-BE49-F238E27FC236}">
-                <a16:creationId xmlns:a16="http://schemas.microsoft.com/office/drawing/2014/main" xmlns="" id="{A311B375-86CE-4E7D-BEFB-9E495DC2ED8E}"/>
+                <a16:creationId xmlns:a16="http://schemas.microsoft.com/office/drawing/2014/main" id="{A311B375-86CE-4E7D-BEFB-9E495DC2ED8E}"/>
               </a:ext>
             </a:extLst>
           </p:cNvPr>
@@ -7238,13 +7502,6 @@
   <p:clrMapOvr>
     <a:masterClrMapping/>
   </p:clrMapOvr>
-  <p:timing>
-    <p:tnLst>
-      <p:par>
-        <p:cTn id="1" dur="indefinite" restart="never" nodeType="tmRoot"/>
-      </p:par>
-    </p:tnLst>
-  </p:timing>
 </p:sld>
 </file>
 
@@ -7267,10 +7524,10 @@
       </p:grpSpPr>
       <p:sp>
         <p:nvSpPr>
-          <p:cNvPr id="45" name="Прямоугольник 44">
+          <p:cNvPr id="5" name="Прямоугольник 4">
             <a:extLst>
               <a:ext uri="{FF2B5EF4-FFF2-40B4-BE49-F238E27FC236}">
-                <a16:creationId xmlns:a16="http://schemas.microsoft.com/office/drawing/2014/main" xmlns="" id="{F844FAD0-BFD3-42F8-8444-0D4247E6F864}"/>
+                <a16:creationId xmlns:a16="http://schemas.microsoft.com/office/drawing/2014/main" id="{66C439E9-3E70-4653-97C3-031864E7D8D0}"/>
               </a:ext>
             </a:extLst>
           </p:cNvPr>
@@ -7323,371 +7580,41 @@
           </a:p>
         </p:txBody>
       </p:sp>
-      <p:sp>
-        <p:nvSpPr>
-          <p:cNvPr id="25" name="Rectangle 1"/>
-          <p:cNvSpPr txBox="1">
-            <a:spLocks noChangeArrowheads="1"/>
-          </p:cNvSpPr>
-          <p:nvPr/>
-        </p:nvSpPr>
+      <p:pic>
+        <p:nvPicPr>
+          <p:cNvPr id="12" name="Объект 11">
+            <a:extLst>
+              <a:ext uri="{FF2B5EF4-FFF2-40B4-BE49-F238E27FC236}">
+                <a16:creationId xmlns:a16="http://schemas.microsoft.com/office/drawing/2014/main" id="{B7C51A1C-8922-4440-B769-CB2C3DEB3983}"/>
+              </a:ext>
+            </a:extLst>
+          </p:cNvPr>
+          <p:cNvPicPr>
+            <a:picLocks noGrp="1" noChangeAspect="1"/>
+          </p:cNvPicPr>
+          <p:nvPr>
+            <p:ph idx="1"/>
+          </p:nvPr>
+        </p:nvPicPr>
+        <p:blipFill>
+          <a:blip r:embed="rId2"/>
+          <a:stretch>
+            <a:fillRect/>
+          </a:stretch>
+        </p:blipFill>
         <p:spPr>
           <a:xfrm>
-            <a:off x="2990262" y="921650"/>
-            <a:ext cx="5830209" cy="3787273"/>
+            <a:off x="2184862" y="1424600"/>
+            <a:ext cx="2196458" cy="3394075"/>
           </a:xfrm>
-          <a:prstGeom prst="rect">
-            <a:avLst/>
-          </a:prstGeom>
         </p:spPr>
-        <p:txBody>
-          <a:bodyPr vert="horz" lIns="91440" tIns="45720" rIns="91440" bIns="45720" rtlCol="0" anchor="t">
-            <a:normAutofit/>
-          </a:bodyPr>
-          <a:lstStyle>
-            <a:lvl1pPr algn="ctr" defTabSz="914400" rtl="0" eaLnBrk="1" latinLnBrk="0" hangingPunct="1">
-              <a:spcBef>
-                <a:spcPct val="0"/>
-              </a:spcBef>
-              <a:buNone/>
-              <a:defRPr sz="4400" kern="1200">
-                <a:solidFill>
-                  <a:schemeClr val="tx1"/>
-                </a:solidFill>
-                <a:latin typeface="+mj-lt"/>
-                <a:ea typeface="+mj-ea"/>
-                <a:cs typeface="+mj-cs"/>
-              </a:defRPr>
-            </a:lvl1pPr>
-          </a:lstStyle>
-          <a:p>
-            <a:pPr marL="257175" indent="-254794" algn="l">
-              <a:spcBef>
-                <a:spcPts val="450"/>
-              </a:spcBef>
-              <a:tabLst>
-                <a:tab pos="257175" algn="l"/>
-                <a:tab pos="335756" algn="l"/>
-                <a:tab pos="672704" algn="l"/>
-                <a:tab pos="1009650" algn="l"/>
-                <a:tab pos="1346597" algn="l"/>
-                <a:tab pos="1683544" algn="l"/>
-                <a:tab pos="2020491" algn="l"/>
-                <a:tab pos="2357438" algn="l"/>
-                <a:tab pos="2694385" algn="l"/>
-                <a:tab pos="3031331" algn="l"/>
-                <a:tab pos="3368279" algn="l"/>
-                <a:tab pos="3705225" algn="l"/>
-                <a:tab pos="4042172" algn="l"/>
-                <a:tab pos="4379119" algn="l"/>
-                <a:tab pos="4716066" algn="l"/>
-                <a:tab pos="5053013" algn="l"/>
-                <a:tab pos="5389960" algn="l"/>
-                <a:tab pos="5726906" algn="l"/>
-                <a:tab pos="6063854" algn="l"/>
-                <a:tab pos="6400800" algn="l"/>
-                <a:tab pos="6737747" algn="l"/>
-              </a:tabLst>
-            </a:pPr>
-            <a:r>
-              <a:rPr lang="en-US" altLang="ru-RU" sz="3200" dirty="0">
-                <a:cs typeface="Times New Roman" panose="02020603050405020304" pitchFamily="18" charset="0"/>
-              </a:rPr>
-              <a:t>                     </a:t>
-            </a:r>
-            <a:endParaRPr lang="ru-RU" altLang="ru-RU" sz="3200" dirty="0">
-              <a:cs typeface="Times New Roman" panose="02020603050405020304" pitchFamily="18" charset="0"/>
-            </a:endParaRPr>
-          </a:p>
-        </p:txBody>
-      </p:sp>
-      <p:sp>
-        <p:nvSpPr>
-          <p:cNvPr id="5" name="Прямоугольник 4"/>
-          <p:cNvSpPr/>
-          <p:nvPr/>
-        </p:nvSpPr>
-        <p:spPr>
-          <a:xfrm>
-            <a:off x="3012490" y="1088130"/>
-            <a:ext cx="6131510" cy="5212196"/>
-          </a:xfrm>
-          <a:prstGeom prst="rect">
-            <a:avLst/>
-          </a:prstGeom>
-        </p:spPr>
-        <p:txBody>
-          <a:bodyPr wrap="square">
-            <a:spAutoFit/>
-          </a:bodyPr>
-          <a:lstStyle/>
-          <a:p>
-            <a:pPr algn="just">
-              <a:lnSpc>
-                <a:spcPct val="115000"/>
-              </a:lnSpc>
-              <a:spcAft>
-                <a:spcPts val="1000"/>
-              </a:spcAft>
-            </a:pPr>
-            <a:r>
-              <a:rPr lang="ru-RU" sz="1800" dirty="0">
-                <a:effectLst/>
-                <a:latin typeface="Times New Roman" panose="02020603050405020304" pitchFamily="18" charset="0"/>
-                <a:ea typeface="Calibri" panose="020F0502020204030204" pitchFamily="34" charset="0"/>
-                <a:cs typeface="Times New Roman" panose="02020603050405020304" pitchFamily="18" charset="0"/>
-              </a:rPr>
-              <a:t>Одной из главных задач реализации поставленной цели является обеспечение безопасности системы от умышленного взлома. Для решения данной задачи использована отечественная операционная система </a:t>
-            </a:r>
-            <a:r>
-              <a:rPr lang="en-US" sz="1800" dirty="0">
-                <a:effectLst/>
-                <a:latin typeface="Times New Roman" panose="02020603050405020304" pitchFamily="18" charset="0"/>
-                <a:ea typeface="Calibri" panose="020F0502020204030204" pitchFamily="34" charset="0"/>
-                <a:cs typeface="Times New Roman" panose="02020603050405020304" pitchFamily="18" charset="0"/>
-              </a:rPr>
-              <a:t>Kaspersky</a:t>
-            </a:r>
-            <a:r>
-              <a:rPr lang="ru-RU" sz="1800" dirty="0">
-                <a:effectLst/>
-                <a:latin typeface="Times New Roman" panose="02020603050405020304" pitchFamily="18" charset="0"/>
-                <a:ea typeface="Calibri" panose="020F0502020204030204" pitchFamily="34" charset="0"/>
-                <a:cs typeface="Times New Roman" panose="02020603050405020304" pitchFamily="18" charset="0"/>
-              </a:rPr>
-              <a:t> </a:t>
-            </a:r>
-            <a:r>
-              <a:rPr lang="en-US" sz="1800" dirty="0">
-                <a:effectLst/>
-                <a:latin typeface="Times New Roman" panose="02020603050405020304" pitchFamily="18" charset="0"/>
-                <a:ea typeface="Calibri" panose="020F0502020204030204" pitchFamily="34" charset="0"/>
-                <a:cs typeface="Times New Roman" panose="02020603050405020304" pitchFamily="18" charset="0"/>
-              </a:rPr>
-              <a:t>OS</a:t>
-            </a:r>
-            <a:r>
-              <a:rPr lang="ru-RU" sz="1800" dirty="0">
-                <a:effectLst/>
-                <a:latin typeface="Times New Roman" panose="02020603050405020304" pitchFamily="18" charset="0"/>
-                <a:ea typeface="Calibri" panose="020F0502020204030204" pitchFamily="34" charset="0"/>
-                <a:cs typeface="Times New Roman" panose="02020603050405020304" pitchFamily="18" charset="0"/>
-              </a:rPr>
-              <a:t>.</a:t>
-            </a:r>
-            <a:endParaRPr lang="ru-RU" sz="1800" dirty="0">
-              <a:effectLst/>
-              <a:latin typeface="Calibri" panose="020F0502020204030204" pitchFamily="34" charset="0"/>
-              <a:ea typeface="Calibri" panose="020F0502020204030204" pitchFamily="34" charset="0"/>
-              <a:cs typeface="Times New Roman" panose="02020603050405020304" pitchFamily="18" charset="0"/>
-            </a:endParaRPr>
-          </a:p>
-          <a:p>
-            <a:pPr indent="449580" algn="just">
-              <a:lnSpc>
-                <a:spcPct val="115000"/>
-              </a:lnSpc>
-              <a:spcAft>
-                <a:spcPts val="1000"/>
-              </a:spcAft>
-            </a:pPr>
-            <a:r>
-              <a:rPr lang="ru-RU" sz="1800" dirty="0">
-                <a:effectLst/>
-                <a:latin typeface="Times New Roman" panose="02020603050405020304" pitchFamily="18" charset="0"/>
-                <a:ea typeface="Calibri" panose="020F0502020204030204" pitchFamily="34" charset="0"/>
-                <a:cs typeface="Times New Roman" panose="02020603050405020304" pitchFamily="18" charset="0"/>
-              </a:rPr>
-              <a:t>В результате работы представлен рабочий прототип системы, который демонстрирует возможность разработки защищенных управляющих приложений, использующих </a:t>
-            </a:r>
-            <a:r>
-              <a:rPr lang="en-US" sz="1800" dirty="0">
-                <a:effectLst/>
-                <a:latin typeface="Times New Roman" panose="02020603050405020304" pitchFamily="18" charset="0"/>
-                <a:ea typeface="Calibri" panose="020F0502020204030204" pitchFamily="34" charset="0"/>
-                <a:cs typeface="Times New Roman" panose="02020603050405020304" pitchFamily="18" charset="0"/>
-              </a:rPr>
-              <a:t>FLASK</a:t>
-            </a:r>
-            <a:r>
-              <a:rPr lang="ru-RU" sz="1800" dirty="0">
-                <a:effectLst/>
-                <a:latin typeface="Times New Roman" panose="02020603050405020304" pitchFamily="18" charset="0"/>
-                <a:ea typeface="Calibri" panose="020F0502020204030204" pitchFamily="34" charset="0"/>
-                <a:cs typeface="Times New Roman" panose="02020603050405020304" pitchFamily="18" charset="0"/>
-              </a:rPr>
-              <a:t> архитектуру для обеспечения контроля выполнения политики безопасности.  </a:t>
-            </a:r>
-            <a:endParaRPr lang="ru-RU" sz="1800" dirty="0">
-              <a:effectLst/>
-              <a:latin typeface="Calibri" panose="020F0502020204030204" pitchFamily="34" charset="0"/>
-              <a:ea typeface="Calibri" panose="020F0502020204030204" pitchFamily="34" charset="0"/>
-              <a:cs typeface="Times New Roman" panose="02020603050405020304" pitchFamily="18" charset="0"/>
-            </a:endParaRPr>
-          </a:p>
-          <a:p>
-            <a:pPr>
-              <a:lnSpc>
-                <a:spcPct val="115000"/>
-              </a:lnSpc>
-              <a:spcAft>
-                <a:spcPts val="1000"/>
-              </a:spcAft>
-            </a:pPr>
-            <a:r>
-              <a:rPr lang="ru-RU" sz="1800" dirty="0">
-                <a:effectLst/>
-                <a:latin typeface="Times New Roman" panose="02020603050405020304" pitchFamily="18" charset="0"/>
-                <a:ea typeface="Calibri" panose="020F0502020204030204" pitchFamily="34" charset="0"/>
-                <a:cs typeface="Times New Roman" panose="02020603050405020304" pitchFamily="18" charset="0"/>
-              </a:rPr>
-              <a:t> </a:t>
-            </a:r>
-            <a:endParaRPr lang="ru-RU" sz="1800" dirty="0">
-              <a:effectLst/>
-              <a:latin typeface="Calibri" panose="020F0502020204030204" pitchFamily="34" charset="0"/>
-              <a:ea typeface="Calibri" panose="020F0502020204030204" pitchFamily="34" charset="0"/>
-              <a:cs typeface="Times New Roman" panose="02020603050405020304" pitchFamily="18" charset="0"/>
-            </a:endParaRPr>
-          </a:p>
-          <a:p>
-            <a:pPr>
-              <a:tabLst>
-                <a:tab pos="447675" algn="l"/>
-                <a:tab pos="896938" algn="l"/>
-                <a:tab pos="1346200" algn="l"/>
-                <a:tab pos="1795463" algn="l"/>
-                <a:tab pos="2244725" algn="l"/>
-                <a:tab pos="2693988" algn="l"/>
-                <a:tab pos="3143250" algn="l"/>
-                <a:tab pos="3592513" algn="l"/>
-                <a:tab pos="4041775" algn="l"/>
-                <a:tab pos="4491038" algn="l"/>
-                <a:tab pos="4940300" algn="l"/>
-                <a:tab pos="5389563" algn="l"/>
-                <a:tab pos="5838825" algn="l"/>
-                <a:tab pos="6288088" algn="l"/>
-                <a:tab pos="6737350" algn="l"/>
-                <a:tab pos="7186613" algn="l"/>
-                <a:tab pos="7635875" algn="l"/>
-                <a:tab pos="8085138" algn="l"/>
-                <a:tab pos="8534400" algn="l"/>
-                <a:tab pos="8983663" algn="l"/>
-              </a:tabLst>
-            </a:pPr>
-            <a:endParaRPr lang="ru-RU" altLang="ru-RU" sz="2000" dirty="0">
-              <a:solidFill>
-                <a:srgbClr val="0070C0"/>
-              </a:solidFill>
-            </a:endParaRPr>
-          </a:p>
-          <a:p>
-            <a:pPr marL="342900" indent="-342900">
-              <a:buFont typeface="Arial" panose="020B0604020202020204" pitchFamily="34" charset="0"/>
-              <a:buChar char="•"/>
-              <a:tabLst>
-                <a:tab pos="447675" algn="l"/>
-                <a:tab pos="896938" algn="l"/>
-                <a:tab pos="1346200" algn="l"/>
-                <a:tab pos="1795463" algn="l"/>
-                <a:tab pos="2244725" algn="l"/>
-                <a:tab pos="2693988" algn="l"/>
-                <a:tab pos="3143250" algn="l"/>
-                <a:tab pos="3592513" algn="l"/>
-                <a:tab pos="4041775" algn="l"/>
-                <a:tab pos="4491038" algn="l"/>
-                <a:tab pos="4940300" algn="l"/>
-                <a:tab pos="5389563" algn="l"/>
-                <a:tab pos="5838825" algn="l"/>
-                <a:tab pos="6288088" algn="l"/>
-                <a:tab pos="6737350" algn="l"/>
-                <a:tab pos="7186613" algn="l"/>
-                <a:tab pos="7635875" algn="l"/>
-                <a:tab pos="8085138" algn="l"/>
-                <a:tab pos="8534400" algn="l"/>
-                <a:tab pos="8983663" algn="l"/>
-              </a:tabLst>
-            </a:pPr>
-            <a:endParaRPr lang="ru-RU" altLang="ru-RU" sz="2000" dirty="0">
-              <a:solidFill>
-                <a:srgbClr val="0070C0"/>
-              </a:solidFill>
-            </a:endParaRPr>
-          </a:p>
-          <a:p>
-            <a:pPr marL="342900" indent="-342900">
-              <a:buFont typeface="Arial" panose="020B0604020202020204" pitchFamily="34" charset="0"/>
-              <a:buChar char="•"/>
-              <a:tabLst>
-                <a:tab pos="447675" algn="l"/>
-                <a:tab pos="896938" algn="l"/>
-                <a:tab pos="1346200" algn="l"/>
-                <a:tab pos="1795463" algn="l"/>
-                <a:tab pos="2244725" algn="l"/>
-                <a:tab pos="2693988" algn="l"/>
-                <a:tab pos="3143250" algn="l"/>
-                <a:tab pos="3592513" algn="l"/>
-                <a:tab pos="4041775" algn="l"/>
-                <a:tab pos="4491038" algn="l"/>
-                <a:tab pos="4940300" algn="l"/>
-                <a:tab pos="5389563" algn="l"/>
-                <a:tab pos="5838825" algn="l"/>
-                <a:tab pos="6288088" algn="l"/>
-                <a:tab pos="6737350" algn="l"/>
-                <a:tab pos="7186613" algn="l"/>
-                <a:tab pos="7635875" algn="l"/>
-                <a:tab pos="8085138" algn="l"/>
-                <a:tab pos="8534400" algn="l"/>
-                <a:tab pos="8983663" algn="l"/>
-              </a:tabLst>
-            </a:pPr>
-            <a:endParaRPr lang="ru-RU" altLang="ru-RU" sz="2000" dirty="0">
-              <a:solidFill>
-                <a:srgbClr val="0070C0"/>
-              </a:solidFill>
-            </a:endParaRPr>
-          </a:p>
-          <a:p>
-            <a:pPr marL="342900" indent="-342900">
-              <a:buFont typeface="Arial" panose="020B0604020202020204" pitchFamily="34" charset="0"/>
-              <a:buChar char="•"/>
-              <a:tabLst>
-                <a:tab pos="447675" algn="l"/>
-                <a:tab pos="896938" algn="l"/>
-                <a:tab pos="1346200" algn="l"/>
-                <a:tab pos="1795463" algn="l"/>
-                <a:tab pos="2244725" algn="l"/>
-                <a:tab pos="2693988" algn="l"/>
-                <a:tab pos="3143250" algn="l"/>
-                <a:tab pos="3592513" algn="l"/>
-                <a:tab pos="4041775" algn="l"/>
-                <a:tab pos="4491038" algn="l"/>
-                <a:tab pos="4940300" algn="l"/>
-                <a:tab pos="5389563" algn="l"/>
-                <a:tab pos="5838825" algn="l"/>
-                <a:tab pos="6288088" algn="l"/>
-                <a:tab pos="6737350" algn="l"/>
-                <a:tab pos="7186613" algn="l"/>
-                <a:tab pos="7635875" algn="l"/>
-                <a:tab pos="8085138" algn="l"/>
-                <a:tab pos="8534400" algn="l"/>
-                <a:tab pos="8983663" algn="l"/>
-              </a:tabLst>
-            </a:pPr>
-            <a:endParaRPr lang="ru-RU" altLang="ru-RU" sz="2000" dirty="0">
-              <a:solidFill>
-                <a:srgbClr val="0070C0"/>
-              </a:solidFill>
-            </a:endParaRPr>
-          </a:p>
-        </p:txBody>
-      </p:sp>
-      <p:sp>
-        <p:nvSpPr>
-          <p:cNvPr id="2" name="Номер слайда 1">
+      </p:pic>
+      <p:sp>
+        <p:nvSpPr>
+          <p:cNvPr id="4" name="Номер слайда 3">
             <a:extLst>
               <a:ext uri="{FF2B5EF4-FFF2-40B4-BE49-F238E27FC236}">
-                <a16:creationId xmlns:a16="http://schemas.microsoft.com/office/drawing/2014/main" xmlns="" id="{91931D41-81F6-46B8-BA3C-5285B60AEEDD}"/>
+                <a16:creationId xmlns:a16="http://schemas.microsoft.com/office/drawing/2014/main" id="{C8A9DE46-F073-46D7-B376-7501FC0857AE}"/>
               </a:ext>
             </a:extLst>
           </p:cNvPr>
@@ -7708,113 +7635,16 @@
               <a:pPr/>
               <a:t>5</a:t>
             </a:fld>
-            <a:endParaRPr lang="ru-RU" dirty="0"/>
-          </a:p>
-        </p:txBody>
-      </p:sp>
-      <p:sp>
-        <p:nvSpPr>
-          <p:cNvPr id="11" name="Прямоугольник 10">
+            <a:endParaRPr lang="ru-RU"/>
+          </a:p>
+        </p:txBody>
+      </p:sp>
+      <p:cxnSp>
+        <p:nvCxnSpPr>
+          <p:cNvPr id="6" name="Прямая соединительная линия 5">
             <a:extLst>
               <a:ext uri="{FF2B5EF4-FFF2-40B4-BE49-F238E27FC236}">
-                <a16:creationId xmlns:a16="http://schemas.microsoft.com/office/drawing/2014/main" xmlns="" id="{3F2336BF-F594-4E02-85B8-3171B9D88CA3}"/>
-              </a:ext>
-            </a:extLst>
-          </p:cNvPr>
-          <p:cNvSpPr/>
-          <p:nvPr/>
-        </p:nvSpPr>
-        <p:spPr>
-          <a:xfrm>
-            <a:off x="3203848" y="299798"/>
-            <a:ext cx="6110664" cy="461665"/>
-          </a:xfrm>
-          <a:prstGeom prst="rect">
-            <a:avLst/>
-          </a:prstGeom>
-        </p:spPr>
-        <p:txBody>
-          <a:bodyPr wrap="square">
-            <a:spAutoFit/>
-          </a:bodyPr>
-          <a:lstStyle/>
-          <a:p>
-            <a:r>
-              <a:rPr lang="ru-RU" sz="2400" b="1" dirty="0">
-                <a:solidFill>
-                  <a:schemeClr val="tx2"/>
-                </a:solidFill>
-                <a:latin typeface="Verdana" panose="020B0604030504040204" pitchFamily="34" charset="0"/>
-                <a:ea typeface="Verdana" panose="020B0604030504040204" pitchFamily="34" charset="0"/>
-              </a:rPr>
-              <a:t>Почему именно </a:t>
-            </a:r>
-            <a:r>
-              <a:rPr lang="en-US" sz="2400" b="1" dirty="0" smtClean="0">
-                <a:solidFill>
-                  <a:schemeClr val="tx2"/>
-                </a:solidFill>
-                <a:latin typeface="Verdana" panose="020B0604030504040204" pitchFamily="34" charset="0"/>
-                <a:ea typeface="Verdana" panose="020B0604030504040204" pitchFamily="34" charset="0"/>
-              </a:rPr>
-              <a:t>KOS</a:t>
-            </a:r>
-            <a:r>
-              <a:rPr lang="en-US" sz="2400" b="1" dirty="0">
-                <a:solidFill>
-                  <a:schemeClr val="tx2"/>
-                </a:solidFill>
-                <a:latin typeface="Verdana" panose="020B0604030504040204" pitchFamily="34" charset="0"/>
-                <a:ea typeface="Verdana" panose="020B0604030504040204" pitchFamily="34" charset="0"/>
-              </a:rPr>
-              <a:t>?</a:t>
-            </a:r>
-            <a:r>
-              <a:rPr lang="en-US" sz="2400" b="1" dirty="0" smtClean="0">
-                <a:solidFill>
-                  <a:schemeClr val="tx2"/>
-                </a:solidFill>
-                <a:latin typeface="Verdana" panose="020B0604030504040204" pitchFamily="34" charset="0"/>
-                <a:ea typeface="Verdana" panose="020B0604030504040204" pitchFamily="34" charset="0"/>
-              </a:rPr>
-              <a:t> (PVM</a:t>
-            </a:r>
-            <a:r>
-              <a:rPr lang="ru-RU" sz="2400" b="1" dirty="0" smtClean="0">
-                <a:solidFill>
-                  <a:schemeClr val="tx2"/>
-                </a:solidFill>
-                <a:latin typeface="Verdana" panose="020B0604030504040204" pitchFamily="34" charset="0"/>
-                <a:ea typeface="Verdana" panose="020B0604030504040204" pitchFamily="34" charset="0"/>
-              </a:rPr>
-              <a:t>?</a:t>
-            </a:r>
-            <a:r>
-              <a:rPr lang="en-US" sz="2400" b="1" dirty="0" smtClean="0">
-                <a:solidFill>
-                  <a:schemeClr val="tx2"/>
-                </a:solidFill>
-                <a:latin typeface="Verdana" panose="020B0604030504040204" pitchFamily="34" charset="0"/>
-                <a:ea typeface="Verdana" panose="020B0604030504040204" pitchFamily="34" charset="0"/>
-              </a:rPr>
-              <a:t>)</a:t>
-            </a:r>
-            <a:endParaRPr lang="ru-RU" sz="2400" b="1" dirty="0">
-              <a:solidFill>
-                <a:schemeClr val="tx2"/>
-              </a:solidFill>
-              <a:latin typeface="Verdana" panose="020B0604030504040204" pitchFamily="34" charset="0"/>
-              <a:ea typeface="Verdana" panose="020B0604030504040204" pitchFamily="34" charset="0"/>
-            </a:endParaRPr>
-          </a:p>
-        </p:txBody>
-      </p:sp>
-      <p:cxnSp>
-        <p:nvCxnSpPr>
-          <p:cNvPr id="12" name="Прямая соединительная линия 11">
-            <a:extLst>
-              <a:ext uri="{FF2B5EF4-FFF2-40B4-BE49-F238E27FC236}">
-                <a16:creationId xmlns:a16="http://schemas.microsoft.com/office/drawing/2014/main" xmlns="" id="{156879F1-B526-476F-A7D2-5F5D873CB4B6}"/>
+                <a16:creationId xmlns:a16="http://schemas.microsoft.com/office/drawing/2014/main" id="{AA138C88-C0F1-4DB1-B124-2598866FA507}"/>
               </a:ext>
             </a:extLst>
           </p:cNvPr>
@@ -7852,23 +7682,503 @@
           </a:fontRef>
         </p:style>
       </p:cxnSp>
+      <p:sp>
+        <p:nvSpPr>
+          <p:cNvPr id="8" name="Прямоугольник 7">
+            <a:extLst>
+              <a:ext uri="{FF2B5EF4-FFF2-40B4-BE49-F238E27FC236}">
+                <a16:creationId xmlns:a16="http://schemas.microsoft.com/office/drawing/2014/main" id="{E241D599-E25D-4723-8B9C-C236D5FE6E76}"/>
+              </a:ext>
+            </a:extLst>
+          </p:cNvPr>
+          <p:cNvSpPr/>
+          <p:nvPr/>
+        </p:nvSpPr>
+        <p:spPr>
+          <a:xfrm>
+            <a:off x="3203848" y="48518"/>
+            <a:ext cx="6110664" cy="830997"/>
+          </a:xfrm>
+          <a:prstGeom prst="rect">
+            <a:avLst/>
+          </a:prstGeom>
+        </p:spPr>
+        <p:txBody>
+          <a:bodyPr wrap="square">
+            <a:spAutoFit/>
+          </a:bodyPr>
+          <a:lstStyle/>
+          <a:p>
+            <a:r>
+              <a:rPr lang="ru-RU" sz="2400" b="1" dirty="0">
+                <a:solidFill>
+                  <a:schemeClr val="tx2"/>
+                </a:solidFill>
+                <a:latin typeface="Verdana" panose="020B0604030504040204" pitchFamily="34" charset="0"/>
+                <a:ea typeface="Verdana" panose="020B0604030504040204" pitchFamily="34" charset="0"/>
+              </a:rPr>
+              <a:t>Решение проблемы должной безопасности.</a:t>
+            </a:r>
+          </a:p>
+        </p:txBody>
+      </p:sp>
+      <p:sp>
+        <p:nvSpPr>
+          <p:cNvPr id="13" name="Прямоугольник 12">
+            <a:extLst>
+              <a:ext uri="{FF2B5EF4-FFF2-40B4-BE49-F238E27FC236}">
+                <a16:creationId xmlns:a16="http://schemas.microsoft.com/office/drawing/2014/main" id="{8691D101-8FB8-4148-96C0-FC85128352E9}"/>
+              </a:ext>
+            </a:extLst>
+          </p:cNvPr>
+          <p:cNvSpPr/>
+          <p:nvPr/>
+        </p:nvSpPr>
+        <p:spPr>
+          <a:xfrm>
+            <a:off x="4427983" y="1967476"/>
+            <a:ext cx="4716017" cy="2308324"/>
+          </a:xfrm>
+          <a:prstGeom prst="rect">
+            <a:avLst/>
+          </a:prstGeom>
+        </p:spPr>
+        <p:txBody>
+          <a:bodyPr wrap="square">
+            <a:spAutoFit/>
+          </a:bodyPr>
+          <a:lstStyle/>
+          <a:p>
+            <a:r>
+              <a:rPr lang="ru-RU" sz="1800" dirty="0">
+                <a:solidFill>
+                  <a:schemeClr val="tx2"/>
+                </a:solidFill>
+                <a:latin typeface="Verdana" panose="020B0604030504040204" pitchFamily="34" charset="0"/>
+                <a:ea typeface="Verdana" panose="020B0604030504040204" pitchFamily="34" charset="0"/>
+              </a:rPr>
+              <a:t>  Основные принципы:</a:t>
+            </a:r>
+          </a:p>
+          <a:p>
+            <a:pPr marL="285750" indent="-285750">
+              <a:buFont typeface="Wingdings" panose="05000000000000000000" pitchFamily="2" charset="2"/>
+              <a:buChar char="§"/>
+            </a:pPr>
+            <a:r>
+              <a:rPr lang="ru-RU" sz="1800" dirty="0">
+                <a:solidFill>
+                  <a:schemeClr val="tx2"/>
+                </a:solidFill>
+                <a:latin typeface="Verdana" panose="020B0604030504040204" pitchFamily="34" charset="0"/>
+                <a:ea typeface="Verdana" panose="020B0604030504040204" pitchFamily="34" charset="0"/>
+              </a:rPr>
+              <a:t>Безопасность, заложенная в архитектуру</a:t>
+            </a:r>
+          </a:p>
+          <a:p>
+            <a:pPr marL="285750" indent="-285750">
+              <a:buFont typeface="Wingdings" panose="05000000000000000000" pitchFamily="2" charset="2"/>
+              <a:buChar char="§"/>
+            </a:pPr>
+            <a:r>
+              <a:rPr lang="ru-RU" sz="1800" dirty="0">
+                <a:solidFill>
+                  <a:schemeClr val="tx2"/>
+                </a:solidFill>
+                <a:latin typeface="Verdana" panose="020B0604030504040204" pitchFamily="34" charset="0"/>
+                <a:ea typeface="Verdana" panose="020B0604030504040204" pitchFamily="34" charset="0"/>
+              </a:rPr>
+              <a:t>Использование </a:t>
+            </a:r>
+            <a:r>
+              <a:rPr lang="en-US" sz="1800" dirty="0">
+                <a:solidFill>
+                  <a:schemeClr val="tx2"/>
+                </a:solidFill>
+                <a:latin typeface="Verdana" panose="020B0604030504040204" pitchFamily="34" charset="0"/>
+                <a:ea typeface="Verdana" panose="020B0604030504040204" pitchFamily="34" charset="0"/>
+              </a:rPr>
+              <a:t>MILS </a:t>
+            </a:r>
+            <a:r>
+              <a:rPr lang="ru-RU" sz="1800" dirty="0">
+                <a:solidFill>
+                  <a:schemeClr val="tx2"/>
+                </a:solidFill>
+                <a:latin typeface="Verdana" panose="020B0604030504040204" pitchFamily="34" charset="0"/>
+                <a:ea typeface="Verdana" panose="020B0604030504040204" pitchFamily="34" charset="0"/>
+              </a:rPr>
+              <a:t>подхода с мониторингом сообщений</a:t>
+            </a:r>
+          </a:p>
+          <a:p>
+            <a:pPr marL="285750" indent="-285750">
+              <a:buFont typeface="Wingdings" panose="05000000000000000000" pitchFamily="2" charset="2"/>
+              <a:buChar char="§"/>
+            </a:pPr>
+            <a:r>
+              <a:rPr lang="ru-RU" sz="1800" dirty="0">
+                <a:solidFill>
+                  <a:schemeClr val="tx2"/>
+                </a:solidFill>
+                <a:latin typeface="Verdana" panose="020B0604030504040204" pitchFamily="34" charset="0"/>
+                <a:ea typeface="Verdana" panose="020B0604030504040204" pitchFamily="34" charset="0"/>
+              </a:rPr>
+              <a:t>Микроядро </a:t>
+            </a:r>
+          </a:p>
+          <a:p>
+            <a:pPr marL="285750" indent="-285750">
+              <a:buFont typeface="Wingdings" panose="05000000000000000000" pitchFamily="2" charset="2"/>
+              <a:buChar char="§"/>
+            </a:pPr>
+            <a:r>
+              <a:rPr lang="ru-RU" sz="1800" dirty="0">
+                <a:solidFill>
+                  <a:schemeClr val="tx2"/>
+                </a:solidFill>
+                <a:latin typeface="Verdana" panose="020B0604030504040204" pitchFamily="34" charset="0"/>
+                <a:ea typeface="Verdana" panose="020B0604030504040204" pitchFamily="34" charset="0"/>
+              </a:rPr>
+              <a:t>Специальные требования к ОС для встраиваемых систем</a:t>
+            </a:r>
+          </a:p>
+        </p:txBody>
+      </p:sp>
+      <p:grpSp>
+        <p:nvGrpSpPr>
+          <p:cNvPr id="14" name="Группа 13">
+            <a:extLst>
+              <a:ext uri="{FF2B5EF4-FFF2-40B4-BE49-F238E27FC236}">
+                <a16:creationId xmlns:a16="http://schemas.microsoft.com/office/drawing/2014/main" id="{04A2D0FC-A086-451D-8E3C-C36D94520331}"/>
+              </a:ext>
+            </a:extLst>
+          </p:cNvPr>
+          <p:cNvGrpSpPr/>
+          <p:nvPr/>
+        </p:nvGrpSpPr>
+        <p:grpSpPr>
+          <a:xfrm>
+            <a:off x="132856" y="975368"/>
+            <a:ext cx="2799177" cy="2118472"/>
+            <a:chOff x="174072" y="159772"/>
+            <a:chExt cx="2799177" cy="2118472"/>
+          </a:xfrm>
+        </p:grpSpPr>
+        <p:sp>
+          <p:nvSpPr>
+            <p:cNvPr id="15" name="Прямоугольник 14">
+              <a:extLst>
+                <a:ext uri="{FF2B5EF4-FFF2-40B4-BE49-F238E27FC236}">
+                  <a16:creationId xmlns:a16="http://schemas.microsoft.com/office/drawing/2014/main" id="{CCAB0E93-B482-4511-9C92-D58B5CA1B476}"/>
+                </a:ext>
+              </a:extLst>
+            </p:cNvPr>
+            <p:cNvSpPr/>
+            <p:nvPr/>
+          </p:nvSpPr>
+          <p:spPr>
+            <a:xfrm>
+              <a:off x="182776" y="176182"/>
+              <a:ext cx="307777" cy="307777"/>
+            </a:xfrm>
+            <a:prstGeom prst="rect">
+              <a:avLst/>
+            </a:prstGeom>
+            <a:solidFill>
+              <a:schemeClr val="bg1">
+                <a:lumMod val="95000"/>
+              </a:schemeClr>
+            </a:solidFill>
+            <a:ln>
+              <a:noFill/>
+            </a:ln>
+          </p:spPr>
+          <p:style>
+            <a:lnRef idx="2">
+              <a:schemeClr val="accent1">
+                <a:shade val="50000"/>
+              </a:schemeClr>
+            </a:lnRef>
+            <a:fillRef idx="1">
+              <a:schemeClr val="accent1"/>
+            </a:fillRef>
+            <a:effectRef idx="0">
+              <a:schemeClr val="accent1"/>
+            </a:effectRef>
+            <a:fontRef idx="minor">
+              <a:schemeClr val="lt1"/>
+            </a:fontRef>
+          </p:style>
+          <p:txBody>
+            <a:bodyPr rtlCol="0" anchor="ctr"/>
+            <a:lstStyle/>
+            <a:p>
+              <a:pPr algn="ctr"/>
+              <a:endParaRPr lang="ru-RU" dirty="0"/>
+            </a:p>
+          </p:txBody>
+        </p:sp>
+        <p:sp>
+          <p:nvSpPr>
+            <p:cNvPr id="16" name="Прямоугольник 15">
+              <a:extLst>
+                <a:ext uri="{FF2B5EF4-FFF2-40B4-BE49-F238E27FC236}">
+                  <a16:creationId xmlns:a16="http://schemas.microsoft.com/office/drawing/2014/main" id="{9A6819D6-8981-437E-9451-D33DC6AE2CFF}"/>
+                </a:ext>
+              </a:extLst>
+            </p:cNvPr>
+            <p:cNvSpPr/>
+            <p:nvPr/>
+          </p:nvSpPr>
+          <p:spPr>
+            <a:xfrm>
+              <a:off x="174072" y="1970467"/>
+              <a:ext cx="307777" cy="307777"/>
+            </a:xfrm>
+            <a:prstGeom prst="rect">
+              <a:avLst/>
+            </a:prstGeom>
+            <a:solidFill>
+              <a:schemeClr val="bg1">
+                <a:lumMod val="95000"/>
+              </a:schemeClr>
+            </a:solidFill>
+            <a:ln>
+              <a:noFill/>
+            </a:ln>
+          </p:spPr>
+          <p:style>
+            <a:lnRef idx="2">
+              <a:schemeClr val="accent1">
+                <a:shade val="50000"/>
+              </a:schemeClr>
+            </a:lnRef>
+            <a:fillRef idx="1">
+              <a:schemeClr val="accent1"/>
+            </a:fillRef>
+            <a:effectRef idx="0">
+              <a:schemeClr val="accent1"/>
+            </a:effectRef>
+            <a:fontRef idx="minor">
+              <a:schemeClr val="lt1"/>
+            </a:fontRef>
+          </p:style>
+          <p:txBody>
+            <a:bodyPr rtlCol="0" anchor="ctr"/>
+            <a:lstStyle/>
+            <a:p>
+              <a:pPr algn="ctr"/>
+              <a:endParaRPr lang="ru-RU"/>
+            </a:p>
+          </p:txBody>
+        </p:sp>
+        <p:sp>
+          <p:nvSpPr>
+            <p:cNvPr id="17" name="Прямоугольник 16">
+              <a:extLst>
+                <a:ext uri="{FF2B5EF4-FFF2-40B4-BE49-F238E27FC236}">
+                  <a16:creationId xmlns:a16="http://schemas.microsoft.com/office/drawing/2014/main" id="{2A9176D3-840D-47CC-BE16-23C1B0AB344E}"/>
+                </a:ext>
+              </a:extLst>
+            </p:cNvPr>
+            <p:cNvSpPr/>
+            <p:nvPr/>
+          </p:nvSpPr>
+          <p:spPr>
+            <a:xfrm>
+              <a:off x="174073" y="1053890"/>
+              <a:ext cx="307777" cy="307777"/>
+            </a:xfrm>
+            <a:prstGeom prst="rect">
+              <a:avLst/>
+            </a:prstGeom>
+            <a:solidFill>
+              <a:schemeClr val="bg1">
+                <a:lumMod val="95000"/>
+              </a:schemeClr>
+            </a:solidFill>
+            <a:ln>
+              <a:noFill/>
+            </a:ln>
+          </p:spPr>
+          <p:style>
+            <a:lnRef idx="2">
+              <a:schemeClr val="accent1">
+                <a:shade val="50000"/>
+              </a:schemeClr>
+            </a:lnRef>
+            <a:fillRef idx="1">
+              <a:schemeClr val="accent1"/>
+            </a:fillRef>
+            <a:effectRef idx="0">
+              <a:schemeClr val="accent1"/>
+            </a:effectRef>
+            <a:fontRef idx="minor">
+              <a:schemeClr val="lt1"/>
+            </a:fontRef>
+          </p:style>
+          <p:txBody>
+            <a:bodyPr rtlCol="0" anchor="ctr"/>
+            <a:lstStyle/>
+            <a:p>
+              <a:pPr algn="ctr"/>
+              <a:endParaRPr lang="ru-RU">
+                <a:solidFill>
+                  <a:srgbClr val="7F7F7F"/>
+                </a:solidFill>
+              </a:endParaRPr>
+            </a:p>
+          </p:txBody>
+        </p:sp>
+        <p:sp>
+          <p:nvSpPr>
+            <p:cNvPr id="18" name="TextBox 17">
+              <a:extLst>
+                <a:ext uri="{FF2B5EF4-FFF2-40B4-BE49-F238E27FC236}">
+                  <a16:creationId xmlns:a16="http://schemas.microsoft.com/office/drawing/2014/main" id="{E8D75791-002E-49CB-AF45-B5DEFED0FE93}"/>
+                </a:ext>
+              </a:extLst>
+            </p:cNvPr>
+            <p:cNvSpPr txBox="1"/>
+            <p:nvPr/>
+          </p:nvSpPr>
+          <p:spPr>
+            <a:xfrm>
+              <a:off x="557459" y="159772"/>
+              <a:ext cx="2415790" cy="338554"/>
+            </a:xfrm>
+            <a:prstGeom prst="rect">
+              <a:avLst/>
+            </a:prstGeom>
+            <a:noFill/>
+          </p:spPr>
+          <p:txBody>
+            <a:bodyPr wrap="square">
+              <a:spAutoFit/>
+            </a:bodyPr>
+            <a:lstStyle/>
+            <a:p>
+              <a:r>
+                <a:rPr lang="en-US" sz="1600" b="1" dirty="0">
+                  <a:solidFill>
+                    <a:schemeClr val="bg1">
+                      <a:lumMod val="95000"/>
+                    </a:schemeClr>
+                  </a:solidFill>
+                  <a:latin typeface="Verdana" panose="020B0604030504040204" pitchFamily="34" charset="0"/>
+                  <a:ea typeface="Verdana" panose="020B0604030504040204" pitchFamily="34" charset="0"/>
+                </a:rPr>
+                <a:t>KSS</a:t>
+              </a:r>
+              <a:endParaRPr lang="x-none" sz="1600" b="1" dirty="0">
+                <a:solidFill>
+                  <a:schemeClr val="bg1">
+                    <a:lumMod val="95000"/>
+                  </a:schemeClr>
+                </a:solidFill>
+                <a:latin typeface="Verdana" panose="020B0604030504040204" pitchFamily="34" charset="0"/>
+                <a:ea typeface="Verdana" panose="020B0604030504040204" pitchFamily="34" charset="0"/>
+              </a:endParaRPr>
+            </a:p>
+          </p:txBody>
+        </p:sp>
+        <p:sp>
+          <p:nvSpPr>
+            <p:cNvPr id="19" name="Прямоугольник 18">
+              <a:extLst>
+                <a:ext uri="{FF2B5EF4-FFF2-40B4-BE49-F238E27FC236}">
+                  <a16:creationId xmlns:a16="http://schemas.microsoft.com/office/drawing/2014/main" id="{6E6ADD29-EE78-4E35-B4D4-DB39F977BC25}"/>
+                </a:ext>
+              </a:extLst>
+            </p:cNvPr>
+            <p:cNvSpPr/>
+            <p:nvPr/>
+          </p:nvSpPr>
+          <p:spPr>
+            <a:xfrm>
+              <a:off x="506712" y="915390"/>
+              <a:ext cx="1453466" cy="584775"/>
+            </a:xfrm>
+            <a:prstGeom prst="rect">
+              <a:avLst/>
+            </a:prstGeom>
+          </p:spPr>
+          <p:txBody>
+            <a:bodyPr wrap="square">
+              <a:spAutoFit/>
+            </a:bodyPr>
+            <a:lstStyle/>
+            <a:p>
+              <a:r>
+                <a:rPr lang="ru-RU" sz="1600" b="1" dirty="0">
+                  <a:solidFill>
+                    <a:schemeClr val="bg1">
+                      <a:lumMod val="95000"/>
+                    </a:schemeClr>
+                  </a:solidFill>
+                  <a:latin typeface="Verdana" panose="020B0604030504040204" pitchFamily="34" charset="0"/>
+                  <a:ea typeface="Verdana" panose="020B0604030504040204" pitchFamily="34" charset="0"/>
+                </a:rPr>
+                <a:t>Разбиение доменов</a:t>
+              </a:r>
+            </a:p>
+          </p:txBody>
+        </p:sp>
+      </p:grpSp>
+      <p:sp>
+        <p:nvSpPr>
+          <p:cNvPr id="20" name="Прямоугольник 19">
+            <a:extLst>
+              <a:ext uri="{FF2B5EF4-FFF2-40B4-BE49-F238E27FC236}">
+                <a16:creationId xmlns:a16="http://schemas.microsoft.com/office/drawing/2014/main" id="{F3DCC88F-61A0-4738-AD2D-3A7ECCAA1F42}"/>
+              </a:ext>
+            </a:extLst>
+          </p:cNvPr>
+          <p:cNvSpPr/>
+          <p:nvPr/>
+        </p:nvSpPr>
+        <p:spPr>
+          <a:xfrm>
+            <a:off x="487296" y="2506299"/>
+            <a:ext cx="1453466" cy="1077218"/>
+          </a:xfrm>
+          <a:prstGeom prst="rect">
+            <a:avLst/>
+          </a:prstGeom>
+        </p:spPr>
+        <p:txBody>
+          <a:bodyPr wrap="square">
+            <a:spAutoFit/>
+          </a:bodyPr>
+          <a:lstStyle/>
+          <a:p>
+            <a:r>
+              <a:rPr lang="ru-RU" sz="1600" b="1" dirty="0">
+                <a:solidFill>
+                  <a:schemeClr val="bg1">
+                    <a:lumMod val="95000"/>
+                  </a:schemeClr>
+                </a:solidFill>
+                <a:latin typeface="Verdana" panose="020B0604030504040204" pitchFamily="34" charset="0"/>
+                <a:ea typeface="Verdana" panose="020B0604030504040204" pitchFamily="34" charset="0"/>
+              </a:rPr>
+              <a:t>Контроль связи между доменами</a:t>
+            </a:r>
+          </a:p>
+        </p:txBody>
+      </p:sp>
     </p:spTree>
     <p:extLst>
       <p:ext uri="{BB962C8B-B14F-4D97-AF65-F5344CB8AC3E}">
-        <p14:creationId xmlns:p14="http://schemas.microsoft.com/office/powerpoint/2010/main" val="1003517361"/>
+        <p14:creationId xmlns:p14="http://schemas.microsoft.com/office/powerpoint/2010/main" val="518276665"/>
       </p:ext>
     </p:extLst>
   </p:cSld>
   <p:clrMapOvr>
     <a:masterClrMapping/>
   </p:clrMapOvr>
-  <p:timing>
-    <p:tnLst>
-      <p:par>
-        <p:cTn id="1" dur="indefinite" restart="never" nodeType="tmRoot"/>
-      </p:par>
-    </p:tnLst>
-  </p:timing>
 </p:sld>
 </file>
 
@@ -7894,7 +8204,7 @@
           <p:cNvPr id="31" name="Прямоугольник 30">
             <a:extLst>
               <a:ext uri="{FF2B5EF4-FFF2-40B4-BE49-F238E27FC236}">
-                <a16:creationId xmlns:a16="http://schemas.microsoft.com/office/drawing/2014/main" xmlns="" id="{F844FAD0-BFD3-42F8-8444-0D4247E6F864}"/>
+                <a16:creationId xmlns:a16="http://schemas.microsoft.com/office/drawing/2014/main" id="{F844FAD0-BFD3-42F8-8444-0D4247E6F864}"/>
               </a:ext>
             </a:extLst>
           </p:cNvPr>
@@ -7952,7 +8262,7 @@
           <p:cNvPr id="27" name="Прямая соединительная линия 26">
             <a:extLst>
               <a:ext uri="{FF2B5EF4-FFF2-40B4-BE49-F238E27FC236}">
-                <a16:creationId xmlns:a16="http://schemas.microsoft.com/office/drawing/2014/main" xmlns="" id="{7D440611-E861-4ADC-BE55-6C5E3E2135B0}"/>
+                <a16:creationId xmlns:a16="http://schemas.microsoft.com/office/drawing/2014/main" id="{7D440611-E861-4ADC-BE55-6C5E3E2135B0}"/>
               </a:ext>
             </a:extLst>
           </p:cNvPr>
@@ -8106,7 +8416,7 @@
           <p:cNvPr id="2" name="Номер слайда 1">
             <a:extLst>
               <a:ext uri="{FF2B5EF4-FFF2-40B4-BE49-F238E27FC236}">
-                <a16:creationId xmlns:a16="http://schemas.microsoft.com/office/drawing/2014/main" xmlns="" id="{FD31FB89-335E-4DB6-8667-434A37E623F2}"/>
+                <a16:creationId xmlns:a16="http://schemas.microsoft.com/office/drawing/2014/main" id="{FD31FB89-335E-4DB6-8667-434A37E623F2}"/>
               </a:ext>
             </a:extLst>
           </p:cNvPr>
@@ -8136,7 +8446,7 @@
           <p:cNvPr id="11" name="Прямоугольник 10">
             <a:extLst>
               <a:ext uri="{FF2B5EF4-FFF2-40B4-BE49-F238E27FC236}">
-                <a16:creationId xmlns:a16="http://schemas.microsoft.com/office/drawing/2014/main" xmlns="" id="{29F16FB1-557B-4F20-AFAA-083E6605CBA3}"/>
+                <a16:creationId xmlns:a16="http://schemas.microsoft.com/office/drawing/2014/main" id="{29F16FB1-557B-4F20-AFAA-083E6605CBA3}"/>
               </a:ext>
             </a:extLst>
           </p:cNvPr>
@@ -8159,7 +8469,7 @@
           <a:lstStyle/>
           <a:p>
             <a:r>
-              <a:rPr lang="en-US" sz="2400" b="1" dirty="0" smtClean="0">
+              <a:rPr lang="en-US" sz="2400" b="1" dirty="0">
                 <a:solidFill>
                   <a:schemeClr val="tx2"/>
                 </a:solidFill>
@@ -8171,6 +8481,491 @@
             <a:endParaRPr lang="ru-RU" sz="2400" b="1" dirty="0">
               <a:solidFill>
                 <a:schemeClr val="tx2"/>
+              </a:solidFill>
+              <a:latin typeface="Verdana" panose="020B0604030504040204" pitchFamily="34" charset="0"/>
+              <a:ea typeface="Verdana" panose="020B0604030504040204" pitchFamily="34" charset="0"/>
+            </a:endParaRPr>
+          </a:p>
+        </p:txBody>
+      </p:sp>
+      <p:pic>
+        <p:nvPicPr>
+          <p:cNvPr id="1028" name="Picture 4" descr="vfs_net1">
+            <a:extLst>
+              <a:ext uri="{FF2B5EF4-FFF2-40B4-BE49-F238E27FC236}">
+                <a16:creationId xmlns:a16="http://schemas.microsoft.com/office/drawing/2014/main" id="{9370DC5B-A5C9-4F38-9BDB-1B529C1D62EC}"/>
+              </a:ext>
+            </a:extLst>
+          </p:cNvPr>
+          <p:cNvPicPr>
+            <a:picLocks noChangeAspect="1" noChangeArrowheads="1"/>
+          </p:cNvPicPr>
+          <p:nvPr/>
+        </p:nvPicPr>
+        <p:blipFill>
+          <a:blip r:embed="rId3">
+            <a:extLst>
+              <a:ext uri="{28A0092B-C50C-407E-A947-70E740481C1C}">
+                <a14:useLocalDpi xmlns:a14="http://schemas.microsoft.com/office/drawing/2010/main" val="0"/>
+              </a:ext>
+            </a:extLst>
+          </a:blip>
+          <a:srcRect/>
+          <a:stretch>
+            <a:fillRect/>
+          </a:stretch>
+        </p:blipFill>
+        <p:spPr bwMode="auto">
+          <a:xfrm>
+            <a:off x="2267743" y="2206526"/>
+            <a:ext cx="6762750" cy="1466850"/>
+          </a:xfrm>
+          <a:prstGeom prst="rect">
+            <a:avLst/>
+          </a:prstGeom>
+          <a:noFill/>
+          <a:extLst>
+            <a:ext uri="{909E8E84-426E-40DD-AFC4-6F175D3DCCD1}">
+              <a14:hiddenFill xmlns:a14="http://schemas.microsoft.com/office/drawing/2010/main">
+                <a:solidFill>
+                  <a:srgbClr val="FFFFFF"/>
+                </a:solidFill>
+              </a14:hiddenFill>
+            </a:ext>
+          </a:extLst>
+        </p:spPr>
+      </p:pic>
+      <p:pic>
+        <p:nvPicPr>
+          <p:cNvPr id="1030" name="Picture 6" descr="vfs_net2">
+            <a:extLst>
+              <a:ext uri="{FF2B5EF4-FFF2-40B4-BE49-F238E27FC236}">
+                <a16:creationId xmlns:a16="http://schemas.microsoft.com/office/drawing/2014/main" id="{FC5C7EC5-30B7-4943-BF0F-33419C772510}"/>
+              </a:ext>
+            </a:extLst>
+          </p:cNvPr>
+          <p:cNvPicPr>
+            <a:picLocks noChangeAspect="1" noChangeArrowheads="1"/>
+          </p:cNvPicPr>
+          <p:nvPr/>
+        </p:nvPicPr>
+        <p:blipFill>
+          <a:blip r:embed="rId4">
+            <a:extLst>
+              <a:ext uri="{28A0092B-C50C-407E-A947-70E740481C1C}">
+                <a14:useLocalDpi xmlns:a14="http://schemas.microsoft.com/office/drawing/2010/main" val="0"/>
+              </a:ext>
+            </a:extLst>
+          </a:blip>
+          <a:srcRect/>
+          <a:stretch>
+            <a:fillRect/>
+          </a:stretch>
+        </p:blipFill>
+        <p:spPr bwMode="auto">
+          <a:xfrm>
+            <a:off x="2267743" y="3708610"/>
+            <a:ext cx="6726965" cy="1277084"/>
+          </a:xfrm>
+          <a:prstGeom prst="rect">
+            <a:avLst/>
+          </a:prstGeom>
+          <a:noFill/>
+          <a:extLst>
+            <a:ext uri="{909E8E84-426E-40DD-AFC4-6F175D3DCCD1}">
+              <a14:hiddenFill xmlns:a14="http://schemas.microsoft.com/office/drawing/2010/main">
+                <a:solidFill>
+                  <a:srgbClr val="FFFFFF"/>
+                </a:solidFill>
+              </a14:hiddenFill>
+            </a:ext>
+          </a:extLst>
+        </p:spPr>
+      </p:pic>
+      <p:pic>
+        <p:nvPicPr>
+          <p:cNvPr id="1032" name="Picture 8" descr="vfs_fs">
+            <a:extLst>
+              <a:ext uri="{FF2B5EF4-FFF2-40B4-BE49-F238E27FC236}">
+                <a16:creationId xmlns:a16="http://schemas.microsoft.com/office/drawing/2014/main" id="{8EC9073D-94D9-45B2-9157-833AD2E9DD83}"/>
+              </a:ext>
+            </a:extLst>
+          </p:cNvPr>
+          <p:cNvPicPr>
+            <a:picLocks noChangeAspect="1" noChangeArrowheads="1"/>
+          </p:cNvPicPr>
+          <p:nvPr/>
+        </p:nvPicPr>
+        <p:blipFill>
+          <a:blip r:embed="rId5">
+            <a:extLst>
+              <a:ext uri="{28A0092B-C50C-407E-A947-70E740481C1C}">
+                <a14:useLocalDpi xmlns:a14="http://schemas.microsoft.com/office/drawing/2010/main" val="0"/>
+              </a:ext>
+            </a:extLst>
+          </a:blip>
+          <a:srcRect/>
+          <a:stretch>
+            <a:fillRect/>
+          </a:stretch>
+        </p:blipFill>
+        <p:spPr bwMode="auto">
+          <a:xfrm>
+            <a:off x="2267743" y="928130"/>
+            <a:ext cx="6794923" cy="1259691"/>
+          </a:xfrm>
+          <a:prstGeom prst="rect">
+            <a:avLst/>
+          </a:prstGeom>
+          <a:noFill/>
+          <a:extLst>
+            <a:ext uri="{909E8E84-426E-40DD-AFC4-6F175D3DCCD1}">
+              <a14:hiddenFill xmlns:a14="http://schemas.microsoft.com/office/drawing/2010/main">
+                <a:solidFill>
+                  <a:srgbClr val="FFFFFF"/>
+                </a:solidFill>
+              </a14:hiddenFill>
+            </a:ext>
+          </a:extLst>
+        </p:spPr>
+      </p:pic>
+      <p:grpSp>
+        <p:nvGrpSpPr>
+          <p:cNvPr id="12" name="Группа 11">
+            <a:extLst>
+              <a:ext uri="{FF2B5EF4-FFF2-40B4-BE49-F238E27FC236}">
+                <a16:creationId xmlns:a16="http://schemas.microsoft.com/office/drawing/2014/main" id="{0C2CC8AF-A276-431C-834D-4D111074E709}"/>
+              </a:ext>
+            </a:extLst>
+          </p:cNvPr>
+          <p:cNvGrpSpPr/>
+          <p:nvPr/>
+        </p:nvGrpSpPr>
+        <p:grpSpPr>
+          <a:xfrm>
+            <a:off x="132856" y="853278"/>
+            <a:ext cx="1963049" cy="2240562"/>
+            <a:chOff x="174072" y="37682"/>
+            <a:chExt cx="1963049" cy="2240562"/>
+          </a:xfrm>
+        </p:grpSpPr>
+        <p:sp>
+          <p:nvSpPr>
+            <p:cNvPr id="13" name="Прямоугольник 12">
+              <a:extLst>
+                <a:ext uri="{FF2B5EF4-FFF2-40B4-BE49-F238E27FC236}">
+                  <a16:creationId xmlns:a16="http://schemas.microsoft.com/office/drawing/2014/main" id="{6A7439AB-9E67-41E2-A35B-511E5F0347BE}"/>
+                </a:ext>
+              </a:extLst>
+            </p:cNvPr>
+            <p:cNvSpPr/>
+            <p:nvPr/>
+          </p:nvSpPr>
+          <p:spPr>
+            <a:xfrm>
+              <a:off x="182776" y="176182"/>
+              <a:ext cx="307777" cy="307777"/>
+            </a:xfrm>
+            <a:prstGeom prst="rect">
+              <a:avLst/>
+            </a:prstGeom>
+            <a:solidFill>
+              <a:schemeClr val="bg1">
+                <a:lumMod val="95000"/>
+              </a:schemeClr>
+            </a:solidFill>
+            <a:ln>
+              <a:noFill/>
+            </a:ln>
+          </p:spPr>
+          <p:style>
+            <a:lnRef idx="2">
+              <a:schemeClr val="accent1">
+                <a:shade val="50000"/>
+              </a:schemeClr>
+            </a:lnRef>
+            <a:fillRef idx="1">
+              <a:schemeClr val="accent1"/>
+            </a:fillRef>
+            <a:effectRef idx="0">
+              <a:schemeClr val="accent1"/>
+            </a:effectRef>
+            <a:fontRef idx="minor">
+              <a:schemeClr val="lt1"/>
+            </a:fontRef>
+          </p:style>
+          <p:txBody>
+            <a:bodyPr rtlCol="0" anchor="ctr"/>
+            <a:lstStyle/>
+            <a:p>
+              <a:pPr algn="ctr"/>
+              <a:endParaRPr lang="ru-RU" dirty="0"/>
+            </a:p>
+          </p:txBody>
+        </p:sp>
+        <p:sp>
+          <p:nvSpPr>
+            <p:cNvPr id="14" name="Прямоугольник 13">
+              <a:extLst>
+                <a:ext uri="{FF2B5EF4-FFF2-40B4-BE49-F238E27FC236}">
+                  <a16:creationId xmlns:a16="http://schemas.microsoft.com/office/drawing/2014/main" id="{D4C5D2CD-584A-4C0D-9F8A-A05C7DC6FB06}"/>
+                </a:ext>
+              </a:extLst>
+            </p:cNvPr>
+            <p:cNvSpPr/>
+            <p:nvPr/>
+          </p:nvSpPr>
+          <p:spPr>
+            <a:xfrm>
+              <a:off x="174072" y="1970467"/>
+              <a:ext cx="307777" cy="307777"/>
+            </a:xfrm>
+            <a:prstGeom prst="rect">
+              <a:avLst/>
+            </a:prstGeom>
+            <a:solidFill>
+              <a:schemeClr val="bg1">
+                <a:lumMod val="95000"/>
+              </a:schemeClr>
+            </a:solidFill>
+            <a:ln>
+              <a:noFill/>
+            </a:ln>
+          </p:spPr>
+          <p:style>
+            <a:lnRef idx="2">
+              <a:schemeClr val="accent1">
+                <a:shade val="50000"/>
+              </a:schemeClr>
+            </a:lnRef>
+            <a:fillRef idx="1">
+              <a:schemeClr val="accent1"/>
+            </a:fillRef>
+            <a:effectRef idx="0">
+              <a:schemeClr val="accent1"/>
+            </a:effectRef>
+            <a:fontRef idx="minor">
+              <a:schemeClr val="lt1"/>
+            </a:fontRef>
+          </p:style>
+          <p:txBody>
+            <a:bodyPr rtlCol="0" anchor="ctr"/>
+            <a:lstStyle/>
+            <a:p>
+              <a:pPr algn="ctr"/>
+              <a:endParaRPr lang="ru-RU"/>
+            </a:p>
+          </p:txBody>
+        </p:sp>
+        <p:sp>
+          <p:nvSpPr>
+            <p:cNvPr id="15" name="Прямоугольник 14">
+              <a:extLst>
+                <a:ext uri="{FF2B5EF4-FFF2-40B4-BE49-F238E27FC236}">
+                  <a16:creationId xmlns:a16="http://schemas.microsoft.com/office/drawing/2014/main" id="{DD647F68-3943-4CC0-9412-1D5968D970D1}"/>
+                </a:ext>
+              </a:extLst>
+            </p:cNvPr>
+            <p:cNvSpPr/>
+            <p:nvPr/>
+          </p:nvSpPr>
+          <p:spPr>
+            <a:xfrm>
+              <a:off x="174073" y="1053890"/>
+              <a:ext cx="307777" cy="307777"/>
+            </a:xfrm>
+            <a:prstGeom prst="rect">
+              <a:avLst/>
+            </a:prstGeom>
+            <a:solidFill>
+              <a:schemeClr val="bg1">
+                <a:lumMod val="95000"/>
+              </a:schemeClr>
+            </a:solidFill>
+            <a:ln>
+              <a:noFill/>
+            </a:ln>
+          </p:spPr>
+          <p:style>
+            <a:lnRef idx="2">
+              <a:schemeClr val="accent1">
+                <a:shade val="50000"/>
+              </a:schemeClr>
+            </a:lnRef>
+            <a:fillRef idx="1">
+              <a:schemeClr val="accent1"/>
+            </a:fillRef>
+            <a:effectRef idx="0">
+              <a:schemeClr val="accent1"/>
+            </a:effectRef>
+            <a:fontRef idx="minor">
+              <a:schemeClr val="lt1"/>
+            </a:fontRef>
+          </p:style>
+          <p:txBody>
+            <a:bodyPr rtlCol="0" anchor="ctr"/>
+            <a:lstStyle/>
+            <a:p>
+              <a:pPr algn="ctr"/>
+              <a:endParaRPr lang="ru-RU">
+                <a:solidFill>
+                  <a:srgbClr val="7F7F7F"/>
+                </a:solidFill>
+              </a:endParaRPr>
+            </a:p>
+          </p:txBody>
+        </p:sp>
+        <p:sp>
+          <p:nvSpPr>
+            <p:cNvPr id="16" name="TextBox 15">
+              <a:extLst>
+                <a:ext uri="{FF2B5EF4-FFF2-40B4-BE49-F238E27FC236}">
+                  <a16:creationId xmlns:a16="http://schemas.microsoft.com/office/drawing/2014/main" id="{A1CEB2B1-930A-47BF-B703-3C3FF21EE2CA}"/>
+                </a:ext>
+              </a:extLst>
+            </p:cNvPr>
+            <p:cNvSpPr txBox="1"/>
+            <p:nvPr/>
+          </p:nvSpPr>
+          <p:spPr>
+            <a:xfrm>
+              <a:off x="559858" y="37682"/>
+              <a:ext cx="1577263" cy="584775"/>
+            </a:xfrm>
+            <a:prstGeom prst="rect">
+              <a:avLst/>
+            </a:prstGeom>
+            <a:noFill/>
+          </p:spPr>
+          <p:txBody>
+            <a:bodyPr wrap="square">
+              <a:spAutoFit/>
+            </a:bodyPr>
+            <a:lstStyle/>
+            <a:p>
+              <a:r>
+                <a:rPr lang="ru-RU" sz="1600" b="1" dirty="0">
+                  <a:solidFill>
+                    <a:schemeClr val="bg1">
+                      <a:lumMod val="95000"/>
+                    </a:schemeClr>
+                  </a:solidFill>
+                  <a:latin typeface="Verdana" panose="020B0604030504040204" pitchFamily="34" charset="0"/>
+                  <a:ea typeface="Verdana" panose="020B0604030504040204" pitchFamily="34" charset="0"/>
+                </a:rPr>
+                <a:t>Сетевая связь</a:t>
+              </a:r>
+              <a:endParaRPr lang="x-none" sz="1600" b="1" dirty="0">
+                <a:solidFill>
+                  <a:schemeClr val="bg1">
+                    <a:lumMod val="95000"/>
+                  </a:schemeClr>
+                </a:solidFill>
+                <a:latin typeface="Verdana" panose="020B0604030504040204" pitchFamily="34" charset="0"/>
+                <a:ea typeface="Verdana" panose="020B0604030504040204" pitchFamily="34" charset="0"/>
+              </a:endParaRPr>
+            </a:p>
+          </p:txBody>
+        </p:sp>
+        <p:sp>
+          <p:nvSpPr>
+            <p:cNvPr id="17" name="Прямоугольник 16">
+              <a:extLst>
+                <a:ext uri="{FF2B5EF4-FFF2-40B4-BE49-F238E27FC236}">
+                  <a16:creationId xmlns:a16="http://schemas.microsoft.com/office/drawing/2014/main" id="{6C584A97-3F89-4B57-ACE7-9246FF17E1B3}"/>
+                </a:ext>
+              </a:extLst>
+            </p:cNvPr>
+            <p:cNvSpPr/>
+            <p:nvPr/>
+          </p:nvSpPr>
+          <p:spPr>
+            <a:xfrm>
+              <a:off x="559858" y="964066"/>
+              <a:ext cx="1453466" cy="338554"/>
+            </a:xfrm>
+            <a:prstGeom prst="rect">
+              <a:avLst/>
+            </a:prstGeom>
+          </p:spPr>
+          <p:txBody>
+            <a:bodyPr wrap="square">
+              <a:spAutoFit/>
+            </a:bodyPr>
+            <a:lstStyle/>
+            <a:p>
+              <a:r>
+                <a:rPr lang="ru-RU" sz="1600" b="1" dirty="0">
+                  <a:solidFill>
+                    <a:schemeClr val="bg1">
+                      <a:lumMod val="95000"/>
+                    </a:schemeClr>
+                  </a:solidFill>
+                  <a:latin typeface="Verdana" panose="020B0604030504040204" pitchFamily="34" charset="0"/>
+                  <a:ea typeface="Verdana" panose="020B0604030504040204" pitchFamily="34" charset="0"/>
+                </a:rPr>
+                <a:t>Сущность</a:t>
+              </a:r>
+            </a:p>
+          </p:txBody>
+        </p:sp>
+      </p:grpSp>
+      <p:sp>
+        <p:nvSpPr>
+          <p:cNvPr id="18" name="Прямоугольник 17">
+            <a:extLst>
+              <a:ext uri="{FF2B5EF4-FFF2-40B4-BE49-F238E27FC236}">
+                <a16:creationId xmlns:a16="http://schemas.microsoft.com/office/drawing/2014/main" id="{0D21A8F2-EFE5-4C67-9C72-02BBCD0A6CCF}"/>
+              </a:ext>
+            </a:extLst>
+          </p:cNvPr>
+          <p:cNvSpPr/>
+          <p:nvPr/>
+        </p:nvSpPr>
+        <p:spPr>
+          <a:xfrm>
+            <a:off x="490284" y="2635338"/>
+            <a:ext cx="1453466" cy="584775"/>
+          </a:xfrm>
+          <a:prstGeom prst="rect">
+            <a:avLst/>
+          </a:prstGeom>
+        </p:spPr>
+        <p:txBody>
+          <a:bodyPr wrap="square">
+            <a:spAutoFit/>
+          </a:bodyPr>
+          <a:lstStyle/>
+          <a:p>
+            <a:r>
+              <a:rPr lang="ru-RU" sz="1600" b="1" dirty="0">
+                <a:solidFill>
+                  <a:schemeClr val="bg1">
+                    <a:lumMod val="95000"/>
+                  </a:schemeClr>
+                </a:solidFill>
+                <a:latin typeface="Verdana" panose="020B0604030504040204" pitchFamily="34" charset="0"/>
+                <a:ea typeface="Verdana" panose="020B0604030504040204" pitchFamily="34" charset="0"/>
+              </a:rPr>
+              <a:t>Каналы </a:t>
+            </a:r>
+            <a:r>
+              <a:rPr lang="en-US" sz="1600" b="1" dirty="0">
+                <a:solidFill>
+                  <a:schemeClr val="bg1">
+                    <a:lumMod val="95000"/>
+                  </a:schemeClr>
+                </a:solidFill>
+                <a:latin typeface="Verdana" panose="020B0604030504040204" pitchFamily="34" charset="0"/>
+                <a:ea typeface="Verdana" panose="020B0604030504040204" pitchFamily="34" charset="0"/>
+              </a:rPr>
+              <a:t>IPC</a:t>
+            </a:r>
+            <a:endParaRPr lang="ru-RU" sz="1600" b="1" dirty="0">
+              <a:solidFill>
+                <a:schemeClr val="bg1">
+                  <a:lumMod val="95000"/>
+                </a:schemeClr>
               </a:solidFill>
               <a:latin typeface="Verdana" panose="020B0604030504040204" pitchFamily="34" charset="0"/>
               <a:ea typeface="Verdana" panose="020B0604030504040204" pitchFamily="34" charset="0"/>
@@ -8188,13 +8983,6 @@
   <p:clrMapOvr>
     <a:masterClrMapping/>
   </p:clrMapOvr>
-  <p:timing>
-    <p:tnLst>
-      <p:par>
-        <p:cTn id="1" dur="indefinite" restart="never" nodeType="tmRoot"/>
-      </p:par>
-    </p:tnLst>
-  </p:timing>
 </p:sld>
 </file>
 
@@ -8220,7 +9008,7 @@
           <p:cNvPr id="45" name="Прямоугольник 44">
             <a:extLst>
               <a:ext uri="{FF2B5EF4-FFF2-40B4-BE49-F238E27FC236}">
-                <a16:creationId xmlns:a16="http://schemas.microsoft.com/office/drawing/2014/main" xmlns="" id="{F844FAD0-BFD3-42F8-8444-0D4247E6F864}"/>
+                <a16:creationId xmlns:a16="http://schemas.microsoft.com/office/drawing/2014/main" id="{F844FAD0-BFD3-42F8-8444-0D4247E6F864}"/>
               </a:ext>
             </a:extLst>
           </p:cNvPr>
@@ -8278,7 +9066,7 @@
           <p:cNvPr id="27" name="Прямая соединительная линия 26">
             <a:extLst>
               <a:ext uri="{FF2B5EF4-FFF2-40B4-BE49-F238E27FC236}">
-                <a16:creationId xmlns:a16="http://schemas.microsoft.com/office/drawing/2014/main" xmlns="" id="{7D440611-E861-4ADC-BE55-6C5E3E2135B0}"/>
+                <a16:creationId xmlns:a16="http://schemas.microsoft.com/office/drawing/2014/main" id="{7D440611-E861-4ADC-BE55-6C5E3E2135B0}"/>
               </a:ext>
             </a:extLst>
           </p:cNvPr>
@@ -8556,7 +9344,7 @@
           <p:cNvPr id="2" name="Номер слайда 1">
             <a:extLst>
               <a:ext uri="{FF2B5EF4-FFF2-40B4-BE49-F238E27FC236}">
-                <a16:creationId xmlns:a16="http://schemas.microsoft.com/office/drawing/2014/main" xmlns="" id="{43DE384C-E41B-4854-8084-48017AD96984}"/>
+                <a16:creationId xmlns:a16="http://schemas.microsoft.com/office/drawing/2014/main" id="{43DE384C-E41B-4854-8084-48017AD96984}"/>
               </a:ext>
             </a:extLst>
           </p:cNvPr>
@@ -8586,7 +9374,7 @@
           <p:cNvPr id="18" name="Прямоугольник 17">
             <a:extLst>
               <a:ext uri="{FF2B5EF4-FFF2-40B4-BE49-F238E27FC236}">
-                <a16:creationId xmlns:a16="http://schemas.microsoft.com/office/drawing/2014/main" xmlns="" id="{17ED5078-1A16-4CC1-B020-23E9979FB77D}"/>
+                <a16:creationId xmlns:a16="http://schemas.microsoft.com/office/drawing/2014/main" id="{17ED5078-1A16-4CC1-B020-23E9979FB77D}"/>
               </a:ext>
             </a:extLst>
           </p:cNvPr>
@@ -8619,7 +9407,7 @@
               <a:t>Отсылка команд по </a:t>
             </a:r>
             <a:r>
-              <a:rPr lang="en-US" sz="2400" b="1" dirty="0" smtClean="0">
+              <a:rPr lang="en-US" sz="2400" b="1" dirty="0">
                 <a:solidFill>
                   <a:schemeClr val="tx2"/>
                 </a:solidFill>
@@ -8651,13 +9439,6 @@
   <p:clrMapOvr>
     <a:masterClrMapping/>
   </p:clrMapOvr>
-  <p:timing>
-    <p:tnLst>
-      <p:par>
-        <p:cTn id="1" dur="indefinite" restart="never" nodeType="tmRoot"/>
-      </p:par>
-    </p:tnLst>
-  </p:timing>
 </p:sld>
 </file>
 
@@ -8683,7 +9464,7 @@
           <p:cNvPr id="45" name="Прямоугольник 44">
             <a:extLst>
               <a:ext uri="{FF2B5EF4-FFF2-40B4-BE49-F238E27FC236}">
-                <a16:creationId xmlns:a16="http://schemas.microsoft.com/office/drawing/2014/main" xmlns="" id="{F844FAD0-BFD3-42F8-8444-0D4247E6F864}"/>
+                <a16:creationId xmlns:a16="http://schemas.microsoft.com/office/drawing/2014/main" id="{F844FAD0-BFD3-42F8-8444-0D4247E6F864}"/>
               </a:ext>
             </a:extLst>
           </p:cNvPr>
@@ -8741,7 +9522,7 @@
           <p:cNvPr id="27" name="Прямая соединительная линия 26">
             <a:extLst>
               <a:ext uri="{FF2B5EF4-FFF2-40B4-BE49-F238E27FC236}">
-                <a16:creationId xmlns:a16="http://schemas.microsoft.com/office/drawing/2014/main" xmlns="" id="{7D440611-E861-4ADC-BE55-6C5E3E2135B0}"/>
+                <a16:creationId xmlns:a16="http://schemas.microsoft.com/office/drawing/2014/main" id="{7D440611-E861-4ADC-BE55-6C5E3E2135B0}"/>
               </a:ext>
             </a:extLst>
           </p:cNvPr>
@@ -8923,7 +9704,7 @@
           <p:cNvPr id="2" name="Номер слайда 1">
             <a:extLst>
               <a:ext uri="{FF2B5EF4-FFF2-40B4-BE49-F238E27FC236}">
-                <a16:creationId xmlns:a16="http://schemas.microsoft.com/office/drawing/2014/main" xmlns="" id="{8E01657B-F768-4F08-87E2-D9C64BA72C56}"/>
+                <a16:creationId xmlns:a16="http://schemas.microsoft.com/office/drawing/2014/main" id="{8E01657B-F768-4F08-87E2-D9C64BA72C56}"/>
               </a:ext>
             </a:extLst>
           </p:cNvPr>
@@ -8953,7 +9734,7 @@
           <p:cNvPr id="11" name="Прямоугольник 10">
             <a:extLst>
               <a:ext uri="{FF2B5EF4-FFF2-40B4-BE49-F238E27FC236}">
-                <a16:creationId xmlns:a16="http://schemas.microsoft.com/office/drawing/2014/main" xmlns="" id="{F5B9C039-8D32-43C5-AA77-BDC3223A6E65}"/>
+                <a16:creationId xmlns:a16="http://schemas.microsoft.com/office/drawing/2014/main" id="{F5B9C039-8D32-43C5-AA77-BDC3223A6E65}"/>
               </a:ext>
             </a:extLst>
           </p:cNvPr>
@@ -8998,13 +9779,6 @@
   <p:clrMapOvr>
     <a:masterClrMapping/>
   </p:clrMapOvr>
-  <p:timing>
-    <p:tnLst>
-      <p:par>
-        <p:cTn id="1" dur="indefinite" restart="never" nodeType="tmRoot"/>
-      </p:par>
-    </p:tnLst>
-  </p:timing>
 </p:sld>
 </file>
 
@@ -9030,7 +9804,7 @@
           <p:cNvPr id="45" name="Прямоугольник 44">
             <a:extLst>
               <a:ext uri="{FF2B5EF4-FFF2-40B4-BE49-F238E27FC236}">
-                <a16:creationId xmlns:a16="http://schemas.microsoft.com/office/drawing/2014/main" xmlns="" id="{F844FAD0-BFD3-42F8-8444-0D4247E6F864}"/>
+                <a16:creationId xmlns:a16="http://schemas.microsoft.com/office/drawing/2014/main" id="{F844FAD0-BFD3-42F8-8444-0D4247E6F864}"/>
               </a:ext>
             </a:extLst>
           </p:cNvPr>
@@ -9166,7 +9940,7 @@
           <p:cNvPr id="2" name="Номер слайда 1">
             <a:extLst>
               <a:ext uri="{FF2B5EF4-FFF2-40B4-BE49-F238E27FC236}">
-                <a16:creationId xmlns:a16="http://schemas.microsoft.com/office/drawing/2014/main" xmlns="" id="{E337A08D-3A8E-4E89-BC69-A001F02E6E0C}"/>
+                <a16:creationId xmlns:a16="http://schemas.microsoft.com/office/drawing/2014/main" id="{E337A08D-3A8E-4E89-BC69-A001F02E6E0C}"/>
               </a:ext>
             </a:extLst>
           </p:cNvPr>
@@ -9196,7 +9970,7 @@
           <p:cNvPr id="8" name="Прямая соединительная линия 7">
             <a:extLst>
               <a:ext uri="{FF2B5EF4-FFF2-40B4-BE49-F238E27FC236}">
-                <a16:creationId xmlns:a16="http://schemas.microsoft.com/office/drawing/2014/main" xmlns="" id="{8CE828DF-A9C3-4B2E-BB9A-236C9E8131AE}"/>
+                <a16:creationId xmlns:a16="http://schemas.microsoft.com/office/drawing/2014/main" id="{8CE828DF-A9C3-4B2E-BB9A-236C9E8131AE}"/>
               </a:ext>
             </a:extLst>
           </p:cNvPr>
@@ -9239,7 +10013,7 @@
           <p:cNvPr id="9" name="Прямоугольник 8">
             <a:extLst>
               <a:ext uri="{FF2B5EF4-FFF2-40B4-BE49-F238E27FC236}">
-                <a16:creationId xmlns:a16="http://schemas.microsoft.com/office/drawing/2014/main" xmlns="" id="{1986159B-90C6-4663-8A8F-0AB613A5E9A9}"/>
+                <a16:creationId xmlns:a16="http://schemas.microsoft.com/office/drawing/2014/main" id="{1986159B-90C6-4663-8A8F-0AB613A5E9A9}"/>
               </a:ext>
             </a:extLst>
           </p:cNvPr>
@@ -9279,7 +10053,7 @@
           <p:cNvPr id="4" name="Рисунок 3">
             <a:extLst>
               <a:ext uri="{FF2B5EF4-FFF2-40B4-BE49-F238E27FC236}">
-                <a16:creationId xmlns:a16="http://schemas.microsoft.com/office/drawing/2014/main" xmlns="" id="{E5AABA71-6D2A-42FC-98CF-0C2245A064F3}"/>
+                <a16:creationId xmlns:a16="http://schemas.microsoft.com/office/drawing/2014/main" id="{E5AABA71-6D2A-42FC-98CF-0C2245A064F3}"/>
               </a:ext>
             </a:extLst>
           </p:cNvPr>
@@ -9320,13 +10094,6 @@
   <p:clrMapOvr>
     <a:masterClrMapping/>
   </p:clrMapOvr>
-  <p:timing>
-    <p:tnLst>
-      <p:par>
-        <p:cTn id="1" dur="indefinite" restart="never" nodeType="tmRoot"/>
-      </p:par>
-    </p:tnLst>
-  </p:timing>
 </p:sld>
 </file>
 

--- a/doc/Presentation.pptx
+++ b/doc/Presentation.pptx
@@ -5,7 +5,7 @@
     <p:sldMasterId id="2147483672" r:id="rId1"/>
   </p:sldMasterIdLst>
   <p:notesMasterIdLst>
-    <p:notesMasterId r:id="rId13"/>
+    <p:notesMasterId r:id="rId14"/>
   </p:notesMasterIdLst>
   <p:sldIdLst>
     <p:sldId id="296" r:id="rId2"/>
@@ -13,12 +13,13 @@
     <p:sldId id="471" r:id="rId4"/>
     <p:sldId id="492" r:id="rId5"/>
     <p:sldId id="512" r:id="rId6"/>
-    <p:sldId id="495" r:id="rId7"/>
-    <p:sldId id="491" r:id="rId8"/>
-    <p:sldId id="493" r:id="rId9"/>
-    <p:sldId id="494" r:id="rId10"/>
-    <p:sldId id="511" r:id="rId11"/>
-    <p:sldId id="510" r:id="rId12"/>
+    <p:sldId id="513" r:id="rId7"/>
+    <p:sldId id="495" r:id="rId8"/>
+    <p:sldId id="491" r:id="rId9"/>
+    <p:sldId id="493" r:id="rId10"/>
+    <p:sldId id="494" r:id="rId11"/>
+    <p:sldId id="511" r:id="rId12"/>
+    <p:sldId id="510" r:id="rId13"/>
   </p:sldIdLst>
   <p:sldSz cx="9144000" cy="5143500" type="screen16x9"/>
   <p:notesSz cx="6858000" cy="9144000"/>
@@ -127,6 +128,7 @@
             <p14:sldId id="471"/>
             <p14:sldId id="492"/>
             <p14:sldId id="512"/>
+            <p14:sldId id="513"/>
             <p14:sldId id="495"/>
             <p14:sldId id="491"/>
             <p14:sldId id="493"/>
@@ -245,7 +247,7 @@
             <a:fld id="{DC0B3C35-0735-4C1A-885F-DCB3E2DA0F59}" type="datetimeFigureOut">
               <a:rPr lang="ru-RU" smtClean="0"/>
               <a:pPr/>
-              <a:t>08.04.2022</a:t>
+              <a:t>09.04.2022</a:t>
             </a:fld>
             <a:endParaRPr lang="ru-RU"/>
           </a:p>
@@ -921,7 +923,7 @@
             <a:fld id="{07FB6C91-1D9B-4FCD-AD06-4155113BD50C}" type="slidenum">
               <a:rPr lang="ru-RU" smtClean="0"/>
               <a:pPr/>
-              <a:t>6</a:t>
+              <a:t>7</a:t>
             </a:fld>
             <a:endParaRPr lang="ru-RU"/>
           </a:p>
@@ -1035,7 +1037,7 @@
             <a:fld id="{07FB6C91-1D9B-4FCD-AD06-4155113BD50C}" type="slidenum">
               <a:rPr lang="ru-RU" smtClean="0"/>
               <a:pPr/>
-              <a:t>7</a:t>
+              <a:t>8</a:t>
             </a:fld>
             <a:endParaRPr lang="ru-RU"/>
           </a:p>
@@ -1149,7 +1151,7 @@
             <a:fld id="{07FB6C91-1D9B-4FCD-AD06-4155113BD50C}" type="slidenum">
               <a:rPr lang="ru-RU" smtClean="0"/>
               <a:pPr/>
-              <a:t>8</a:t>
+              <a:t>9</a:t>
             </a:fld>
             <a:endParaRPr lang="ru-RU"/>
           </a:p>
@@ -1263,7 +1265,7 @@
             <a:fld id="{07FB6C91-1D9B-4FCD-AD06-4155113BD50C}" type="slidenum">
               <a:rPr lang="ru-RU" smtClean="0"/>
               <a:pPr/>
-              <a:t>9</a:t>
+              <a:t>10</a:t>
             </a:fld>
             <a:endParaRPr lang="ru-RU"/>
           </a:p>
@@ -1461,7 +1463,7 @@
           <a:p>
             <a:fld id="{3B20D8BB-19A1-4AD7-ACB2-C34FEA16520C}" type="datetime1">
               <a:rPr lang="ru-RU" smtClean="0"/>
-              <a:t>08.04.2022</a:t>
+              <a:t>09.04.2022</a:t>
             </a:fld>
             <a:endParaRPr lang="ru-RU"/>
           </a:p>
@@ -1714,7 +1716,7 @@
           <a:p>
             <a:fld id="{7AFBA102-7F01-4B86-A22A-85B98BD1CCFF}" type="datetime1">
               <a:rPr lang="ru-RU" smtClean="0"/>
-              <a:t>08.04.2022</a:t>
+              <a:t>09.04.2022</a:t>
             </a:fld>
             <a:endParaRPr lang="ru-RU"/>
           </a:p>
@@ -1883,7 +1885,7 @@
           <a:p>
             <a:fld id="{D3271A2F-653B-4374-8538-9D7A9054F235}" type="datetime1">
               <a:rPr lang="ru-RU" smtClean="0"/>
-              <a:t>08.04.2022</a:t>
+              <a:t>09.04.2022</a:t>
             </a:fld>
             <a:endParaRPr lang="ru-RU"/>
           </a:p>
@@ -2062,7 +2064,7 @@
           <a:p>
             <a:fld id="{1FE93DAB-12DC-4BA1-8C9F-AD6C6B01790B}" type="datetime1">
               <a:rPr lang="ru-RU" smtClean="0"/>
-              <a:t>08.04.2022</a:t>
+              <a:t>09.04.2022</a:t>
             </a:fld>
             <a:endParaRPr lang="ru-RU"/>
           </a:p>
@@ -2231,7 +2233,7 @@
           <a:p>
             <a:fld id="{430EBC5D-A16E-44C1-BA5A-0F5576BAA9D7}" type="datetime1">
               <a:rPr lang="ru-RU" smtClean="0"/>
-              <a:t>08.04.2022</a:t>
+              <a:t>09.04.2022</a:t>
             </a:fld>
             <a:endParaRPr lang="ru-RU"/>
           </a:p>
@@ -2361,7 +2363,7 @@
           <a:p>
             <a:fld id="{4324B3F3-0710-4659-BF3B-444B0D3BD216}" type="datetime1">
               <a:rPr lang="ru-RU" smtClean="0"/>
-              <a:t>08.04.2022</a:t>
+              <a:t>09.04.2022</a:t>
             </a:fld>
             <a:endParaRPr lang="ru-RU"/>
           </a:p>
@@ -2685,7 +2687,7 @@
           <a:p>
             <a:fld id="{04041168-DF53-45FB-9099-91344FA615B9}" type="datetime1">
               <a:rPr lang="ru-RU" smtClean="0"/>
-              <a:t>08.04.2022</a:t>
+              <a:t>09.04.2022</a:t>
             </a:fld>
             <a:endParaRPr lang="ru-RU"/>
           </a:p>
@@ -2971,7 +2973,7 @@
           <a:p>
             <a:fld id="{5E0DC4EB-B95E-498D-A762-FD4129A79E21}" type="datetime1">
               <a:rPr lang="ru-RU" smtClean="0"/>
-              <a:t>08.04.2022</a:t>
+              <a:t>09.04.2022</a:t>
             </a:fld>
             <a:endParaRPr lang="ru-RU"/>
           </a:p>
@@ -3391,7 +3393,7 @@
           <a:p>
             <a:fld id="{70B9E767-46C9-40E7-AFC7-2041020C7CB1}" type="datetime1">
               <a:rPr lang="ru-RU" smtClean="0"/>
-              <a:t>08.04.2022</a:t>
+              <a:t>09.04.2022</a:t>
             </a:fld>
             <a:endParaRPr lang="ru-RU"/>
           </a:p>
@@ -3509,7 +3511,7 @@
           <a:p>
             <a:fld id="{158E23B8-2CA0-431C-81EC-8C3D5BB6C13B}" type="datetime1">
               <a:rPr lang="ru-RU" smtClean="0"/>
-              <a:t>08.04.2022</a:t>
+              <a:t>09.04.2022</a:t>
             </a:fld>
             <a:endParaRPr lang="ru-RU"/>
           </a:p>
@@ -3605,7 +3607,7 @@
           <a:p>
             <a:fld id="{9371AD5C-8E3E-488E-BD32-632A02384D10}" type="datetime1">
               <a:rPr lang="ru-RU" smtClean="0"/>
-              <a:t>08.04.2022</a:t>
+              <a:t>09.04.2022</a:t>
             </a:fld>
             <a:endParaRPr lang="ru-RU"/>
           </a:p>
@@ -3881,7 +3883,7 @@
           <a:p>
             <a:fld id="{E23905B0-BAEB-409C-AC3A-3C68B6D517D3}" type="datetime1">
               <a:rPr lang="ru-RU" smtClean="0"/>
-              <a:t>08.04.2022</a:t>
+              <a:t>09.04.2022</a:t>
             </a:fld>
             <a:endParaRPr lang="ru-RU"/>
           </a:p>
@@ -4093,7 +4095,7 @@
           <a:p>
             <a:fld id="{79A7F2E6-CF1E-4A81-BBD8-F91AF87C4228}" type="datetime1">
               <a:rPr lang="ru-RU" smtClean="0"/>
-              <a:t>08.04.2022</a:t>
+              <a:t>09.04.2022</a:t>
             </a:fld>
             <a:endParaRPr lang="ru-RU"/>
           </a:p>
@@ -5008,6 +5010,321 @@
       </p:grpSpPr>
       <p:sp>
         <p:nvSpPr>
+          <p:cNvPr id="45" name="Прямоугольник 44">
+            <a:extLst>
+              <a:ext uri="{FF2B5EF4-FFF2-40B4-BE49-F238E27FC236}">
+                <a16:creationId xmlns:a16="http://schemas.microsoft.com/office/drawing/2014/main" id="{F844FAD0-BFD3-42F8-8444-0D4247E6F864}"/>
+              </a:ext>
+            </a:extLst>
+          </p:cNvPr>
+          <p:cNvSpPr/>
+          <p:nvPr/>
+        </p:nvSpPr>
+        <p:spPr bwMode="auto">
+          <a:xfrm>
+            <a:off x="0" y="0"/>
+            <a:ext cx="1080000" cy="5143500"/>
+          </a:xfrm>
+          <a:prstGeom prst="rect">
+            <a:avLst/>
+          </a:prstGeom>
+          <a:solidFill>
+            <a:srgbClr val="004868"/>
+          </a:solidFill>
+          <a:ln w="9525" cap="flat" cmpd="sng" algn="ctr">
+            <a:noFill/>
+            <a:prstDash val="solid"/>
+            <a:round/>
+            <a:headEnd type="none" w="med" len="med"/>
+            <a:tailEnd type="none" w="med" len="med"/>
+          </a:ln>
+          <a:effectLst/>
+        </p:spPr>
+        <p:txBody>
+          <a:bodyPr vert="horz" wrap="square" lIns="77925" tIns="38963" rIns="77925" bIns="38963" numCol="1" rtlCol="0" anchor="ctr" anchorCtr="0" compatLnSpc="1">
+            <a:prstTxWarp prst="textNoShape">
+              <a:avLst/>
+            </a:prstTxWarp>
+          </a:bodyPr>
+          <a:lstStyle/>
+          <a:p>
+            <a:pPr>
+              <a:lnSpc>
+                <a:spcPct val="93000"/>
+              </a:lnSpc>
+              <a:buClr>
+                <a:srgbClr val="000000"/>
+              </a:buClr>
+              <a:buSzPct val="100000"/>
+            </a:pPr>
+            <a:endParaRPr lang="ru-RU" sz="2000" b="1" dirty="0">
+              <a:solidFill>
+                <a:schemeClr val="bg1"/>
+              </a:solidFill>
+              <a:latin typeface="Century Gothic" panose="020B0502020202020204" pitchFamily="34" charset="0"/>
+            </a:endParaRPr>
+          </a:p>
+        </p:txBody>
+      </p:sp>
+      <p:sp>
+        <p:nvSpPr>
+          <p:cNvPr id="25" name="Rectangle 1"/>
+          <p:cNvSpPr txBox="1">
+            <a:spLocks noChangeArrowheads="1"/>
+          </p:cNvSpPr>
+          <p:nvPr/>
+        </p:nvSpPr>
+        <p:spPr>
+          <a:xfrm>
+            <a:off x="2990262" y="921650"/>
+            <a:ext cx="5830209" cy="3787273"/>
+          </a:xfrm>
+          <a:prstGeom prst="rect">
+            <a:avLst/>
+          </a:prstGeom>
+        </p:spPr>
+        <p:txBody>
+          <a:bodyPr vert="horz" lIns="91440" tIns="45720" rIns="91440" bIns="45720" rtlCol="0" anchor="t">
+            <a:normAutofit/>
+          </a:bodyPr>
+          <a:lstStyle>
+            <a:lvl1pPr algn="ctr" defTabSz="914400" rtl="0" eaLnBrk="1" latinLnBrk="0" hangingPunct="1">
+              <a:spcBef>
+                <a:spcPct val="0"/>
+              </a:spcBef>
+              <a:buNone/>
+              <a:defRPr sz="4400" kern="1200">
+                <a:solidFill>
+                  <a:schemeClr val="tx1"/>
+                </a:solidFill>
+                <a:latin typeface="+mj-lt"/>
+                <a:ea typeface="+mj-ea"/>
+                <a:cs typeface="+mj-cs"/>
+              </a:defRPr>
+            </a:lvl1pPr>
+          </a:lstStyle>
+          <a:p>
+            <a:pPr marL="257175" indent="-254794" algn="l">
+              <a:spcBef>
+                <a:spcPts val="450"/>
+              </a:spcBef>
+              <a:tabLst>
+                <a:tab pos="257175" algn="l"/>
+                <a:tab pos="335756" algn="l"/>
+                <a:tab pos="672704" algn="l"/>
+                <a:tab pos="1009650" algn="l"/>
+                <a:tab pos="1346597" algn="l"/>
+                <a:tab pos="1683544" algn="l"/>
+                <a:tab pos="2020491" algn="l"/>
+                <a:tab pos="2357438" algn="l"/>
+                <a:tab pos="2694385" algn="l"/>
+                <a:tab pos="3031331" algn="l"/>
+                <a:tab pos="3368279" algn="l"/>
+                <a:tab pos="3705225" algn="l"/>
+                <a:tab pos="4042172" algn="l"/>
+                <a:tab pos="4379119" algn="l"/>
+                <a:tab pos="4716066" algn="l"/>
+                <a:tab pos="5053013" algn="l"/>
+                <a:tab pos="5389960" algn="l"/>
+                <a:tab pos="5726906" algn="l"/>
+                <a:tab pos="6063854" algn="l"/>
+                <a:tab pos="6400800" algn="l"/>
+                <a:tab pos="6737747" algn="l"/>
+              </a:tabLst>
+            </a:pPr>
+            <a:r>
+              <a:rPr lang="en-US" altLang="ru-RU" sz="3200" dirty="0">
+                <a:cs typeface="Times New Roman" panose="02020603050405020304" pitchFamily="18" charset="0"/>
+              </a:rPr>
+              <a:t>                     </a:t>
+            </a:r>
+            <a:endParaRPr lang="ru-RU" altLang="ru-RU" sz="3200" dirty="0">
+              <a:cs typeface="Times New Roman" panose="02020603050405020304" pitchFamily="18" charset="0"/>
+            </a:endParaRPr>
+          </a:p>
+        </p:txBody>
+      </p:sp>
+      <p:sp>
+        <p:nvSpPr>
+          <p:cNvPr id="2" name="Номер слайда 1">
+            <a:extLst>
+              <a:ext uri="{FF2B5EF4-FFF2-40B4-BE49-F238E27FC236}">
+                <a16:creationId xmlns:a16="http://schemas.microsoft.com/office/drawing/2014/main" id="{E337A08D-3A8E-4E89-BC69-A001F02E6E0C}"/>
+              </a:ext>
+            </a:extLst>
+          </p:cNvPr>
+          <p:cNvSpPr>
+            <a:spLocks noGrp="1"/>
+          </p:cNvSpPr>
+          <p:nvPr>
+            <p:ph type="sldNum" sz="quarter" idx="12"/>
+          </p:nvPr>
+        </p:nvSpPr>
+        <p:spPr/>
+        <p:txBody>
+          <a:bodyPr/>
+          <a:lstStyle/>
+          <a:p>
+            <a:fld id="{B19B0651-EE4F-4900-A07F-96A6BFA9D0F0}" type="slidenum">
+              <a:rPr lang="ru-RU" smtClean="0"/>
+              <a:pPr/>
+              <a:t>10</a:t>
+            </a:fld>
+            <a:endParaRPr lang="ru-RU"/>
+          </a:p>
+        </p:txBody>
+      </p:sp>
+      <p:cxnSp>
+        <p:nvCxnSpPr>
+          <p:cNvPr id="8" name="Прямая соединительная линия 7">
+            <a:extLst>
+              <a:ext uri="{FF2B5EF4-FFF2-40B4-BE49-F238E27FC236}">
+                <a16:creationId xmlns:a16="http://schemas.microsoft.com/office/drawing/2014/main" id="{8CE828DF-A9C3-4B2E-BB9A-236C9E8131AE}"/>
+              </a:ext>
+            </a:extLst>
+          </p:cNvPr>
+          <p:cNvCxnSpPr>
+            <a:cxnSpLocks/>
+          </p:cNvCxnSpPr>
+          <p:nvPr/>
+        </p:nvCxnSpPr>
+        <p:spPr>
+          <a:xfrm>
+            <a:off x="3059832" y="867700"/>
+            <a:ext cx="5832648" cy="0"/>
+          </a:xfrm>
+          <a:prstGeom prst="line">
+            <a:avLst/>
+          </a:prstGeom>
+          <a:ln w="28575">
+            <a:solidFill>
+              <a:schemeClr val="tx2"/>
+            </a:solidFill>
+          </a:ln>
+        </p:spPr>
+        <p:style>
+          <a:lnRef idx="1">
+            <a:schemeClr val="accent1"/>
+          </a:lnRef>
+          <a:fillRef idx="0">
+            <a:schemeClr val="accent1"/>
+          </a:fillRef>
+          <a:effectRef idx="0">
+            <a:schemeClr val="accent1"/>
+          </a:effectRef>
+          <a:fontRef idx="minor">
+            <a:schemeClr val="tx1"/>
+          </a:fontRef>
+        </p:style>
+      </p:cxnSp>
+      <p:sp>
+        <p:nvSpPr>
+          <p:cNvPr id="9" name="Прямоугольник 8">
+            <a:extLst>
+              <a:ext uri="{FF2B5EF4-FFF2-40B4-BE49-F238E27FC236}">
+                <a16:creationId xmlns:a16="http://schemas.microsoft.com/office/drawing/2014/main" id="{1986159B-90C6-4663-8A8F-0AB613A5E9A9}"/>
+              </a:ext>
+            </a:extLst>
+          </p:cNvPr>
+          <p:cNvSpPr/>
+          <p:nvPr/>
+        </p:nvSpPr>
+        <p:spPr>
+          <a:xfrm>
+            <a:off x="3203848" y="299798"/>
+            <a:ext cx="6110664" cy="461665"/>
+          </a:xfrm>
+          <a:prstGeom prst="rect">
+            <a:avLst/>
+          </a:prstGeom>
+        </p:spPr>
+        <p:txBody>
+          <a:bodyPr wrap="square">
+            <a:spAutoFit/>
+          </a:bodyPr>
+          <a:lstStyle/>
+          <a:p>
+            <a:r>
+              <a:rPr lang="ru-RU" sz="2400" b="1" dirty="0">
+                <a:solidFill>
+                  <a:schemeClr val="tx2"/>
+                </a:solidFill>
+                <a:latin typeface="Verdana" panose="020B0604030504040204" pitchFamily="34" charset="0"/>
+                <a:ea typeface="Verdana" panose="020B0604030504040204" pitchFamily="34" charset="0"/>
+              </a:rPr>
+              <a:t>Диаграмма классов</a:t>
+            </a:r>
+          </a:p>
+        </p:txBody>
+      </p:sp>
+      <p:pic>
+        <p:nvPicPr>
+          <p:cNvPr id="4" name="Рисунок 3">
+            <a:extLst>
+              <a:ext uri="{FF2B5EF4-FFF2-40B4-BE49-F238E27FC236}">
+                <a16:creationId xmlns:a16="http://schemas.microsoft.com/office/drawing/2014/main" id="{E5AABA71-6D2A-42FC-98CF-0C2245A064F3}"/>
+              </a:ext>
+            </a:extLst>
+          </p:cNvPr>
+          <p:cNvPicPr>
+            <a:picLocks noChangeAspect="1"/>
+          </p:cNvPicPr>
+          <p:nvPr/>
+        </p:nvPicPr>
+        <p:blipFill>
+          <a:blip r:embed="rId3">
+            <a:extLst>
+              <a:ext uri="{28A0092B-C50C-407E-A947-70E740481C1C}">
+                <a14:useLocalDpi xmlns:a14="http://schemas.microsoft.com/office/drawing/2010/main" val="0"/>
+              </a:ext>
+            </a:extLst>
+          </a:blip>
+          <a:stretch>
+            <a:fillRect/>
+          </a:stretch>
+        </p:blipFill>
+        <p:spPr>
+          <a:xfrm>
+            <a:off x="2915816" y="1059582"/>
+            <a:ext cx="3816424" cy="3816424"/>
+          </a:xfrm>
+          <a:prstGeom prst="rect">
+            <a:avLst/>
+          </a:prstGeom>
+        </p:spPr>
+      </p:pic>
+    </p:spTree>
+    <p:extLst>
+      <p:ext uri="{BB962C8B-B14F-4D97-AF65-F5344CB8AC3E}">
+        <p14:creationId xmlns:p14="http://schemas.microsoft.com/office/powerpoint/2010/main" val="3345184733"/>
+      </p:ext>
+    </p:extLst>
+  </p:cSld>
+  <p:clrMapOvr>
+    <a:masterClrMapping/>
+  </p:clrMapOvr>
+</p:sld>
+</file>
+
+<file path=ppt/slides/slide11.xml><?xml version="1.0" encoding="utf-8"?>
+<p:sld xmlns:a="http://schemas.openxmlformats.org/drawingml/2006/main" xmlns:r="http://schemas.openxmlformats.org/officeDocument/2006/relationships" xmlns:p="http://schemas.openxmlformats.org/presentationml/2006/main">
+  <p:cSld>
+    <p:spTree>
+      <p:nvGrpSpPr>
+        <p:cNvPr id="1" name=""/>
+        <p:cNvGrpSpPr/>
+        <p:nvPr/>
+      </p:nvGrpSpPr>
+      <p:grpSpPr>
+        <a:xfrm>
+          <a:off x="0" y="0"/>
+          <a:ext cx="0" cy="0"/>
+          <a:chOff x="0" y="0"/>
+          <a:chExt cx="0" cy="0"/>
+        </a:xfrm>
+      </p:grpSpPr>
+      <p:sp>
+        <p:nvSpPr>
           <p:cNvPr id="3" name="Объект 2">
             <a:extLst>
               <a:ext uri="{FF2B5EF4-FFF2-40B4-BE49-F238E27FC236}">
@@ -5024,8 +5341,8 @@
         </p:nvSpPr>
         <p:spPr>
           <a:xfrm>
-            <a:off x="3995936" y="1419621"/>
-            <a:ext cx="4690864" cy="3175001"/>
+            <a:off x="3059832" y="1059582"/>
+            <a:ext cx="5832648" cy="3384351"/>
           </a:xfrm>
         </p:spPr>
         <p:txBody>
@@ -5060,7 +5377,7 @@
             <a:fld id="{B19B0651-EE4F-4900-A07F-96A6BFA9D0F0}" type="slidenum">
               <a:rPr lang="ru-RU" smtClean="0"/>
               <a:pPr/>
-              <a:t>10</a:t>
+              <a:t>11</a:t>
             </a:fld>
             <a:endParaRPr lang="ru-RU"/>
           </a:p>
@@ -5422,18 +5739,6 @@
             <a:lstStyle/>
             <a:p>
               <a:r>
-                <a:rPr lang="en-US" sz="1600" b="1" dirty="0">
-                  <a:solidFill>
-                    <a:schemeClr val="bg1">
-                      <a:lumMod val="95000"/>
-                    </a:schemeClr>
-                  </a:solidFill>
-                  <a:latin typeface="Verdana" panose="020B0604030504040204" pitchFamily="34" charset="0"/>
-                  <a:ea typeface="Verdana" panose="020B0604030504040204" pitchFamily="34" charset="0"/>
-                </a:rPr>
-                <a:t>FLASK </a:t>
-              </a:r>
-              <a:r>
                 <a:rPr lang="ru-RU" sz="1600" b="1" dirty="0">
                   <a:solidFill>
                     <a:schemeClr val="bg1">
@@ -5443,7 +5748,7 @@
                   <a:latin typeface="Verdana" panose="020B0604030504040204" pitchFamily="34" charset="0"/>
                   <a:ea typeface="Verdana" panose="020B0604030504040204" pitchFamily="34" charset="0"/>
                 </a:rPr>
-                <a:t>архитектура</a:t>
+                <a:t>Прототип системы</a:t>
               </a:r>
               <a:endParaRPr lang="x-none" sz="1600" b="1" dirty="0">
                 <a:solidFill>
@@ -5509,6 +5814,96 @@
           </p:txBody>
         </p:sp>
       </p:grpSp>
+      <p:sp>
+        <p:nvSpPr>
+          <p:cNvPr id="14" name="Прямоугольник 13">
+            <a:extLst>
+              <a:ext uri="{FF2B5EF4-FFF2-40B4-BE49-F238E27FC236}">
+                <a16:creationId xmlns:a16="http://schemas.microsoft.com/office/drawing/2014/main" id="{E5033180-5409-4181-81CC-03960C2AD567}"/>
+              </a:ext>
+            </a:extLst>
+          </p:cNvPr>
+          <p:cNvSpPr/>
+          <p:nvPr/>
+        </p:nvSpPr>
+        <p:spPr>
+          <a:xfrm>
+            <a:off x="476831" y="2571750"/>
+            <a:ext cx="1537085" cy="830997"/>
+          </a:xfrm>
+          <a:prstGeom prst="rect">
+            <a:avLst/>
+          </a:prstGeom>
+        </p:spPr>
+        <p:txBody>
+          <a:bodyPr wrap="square">
+            <a:spAutoFit/>
+          </a:bodyPr>
+          <a:lstStyle/>
+          <a:p>
+            <a:r>
+              <a:rPr lang="ru-RU" sz="1600" b="1" dirty="0">
+                <a:solidFill>
+                  <a:schemeClr val="bg1">
+                    <a:lumMod val="95000"/>
+                  </a:schemeClr>
+                </a:solidFill>
+                <a:latin typeface="Verdana" panose="020B0604030504040204" pitchFamily="34" charset="0"/>
+                <a:ea typeface="Verdana" panose="020B0604030504040204" pitchFamily="34" charset="0"/>
+              </a:rPr>
+              <a:t>Симуляция</a:t>
+            </a:r>
+            <a:r>
+              <a:rPr lang="en-US" sz="1600" b="1" dirty="0">
+                <a:solidFill>
+                  <a:schemeClr val="bg1">
+                    <a:lumMod val="95000"/>
+                  </a:schemeClr>
+                </a:solidFill>
+                <a:latin typeface="Verdana" panose="020B0604030504040204" pitchFamily="34" charset="0"/>
+                <a:ea typeface="Verdana" panose="020B0604030504040204" pitchFamily="34" charset="0"/>
+              </a:rPr>
+              <a:t>Raspberry Pi </a:t>
+            </a:r>
+            <a:r>
+              <a:rPr lang="ru-RU" sz="1600" b="1" dirty="0">
+                <a:solidFill>
+                  <a:schemeClr val="bg1">
+                    <a:lumMod val="95000"/>
+                  </a:schemeClr>
+                </a:solidFill>
+                <a:latin typeface="Verdana" panose="020B0604030504040204" pitchFamily="34" charset="0"/>
+                <a:ea typeface="Verdana" panose="020B0604030504040204" pitchFamily="34" charset="0"/>
+              </a:rPr>
+              <a:t>в</a:t>
+            </a:r>
+            <a:r>
+              <a:rPr lang="en-US" sz="1600" b="1" dirty="0">
+                <a:solidFill>
+                  <a:schemeClr val="bg1">
+                    <a:lumMod val="95000"/>
+                  </a:schemeClr>
+                </a:solidFill>
+                <a:latin typeface="Verdana" panose="020B0604030504040204" pitchFamily="34" charset="0"/>
+                <a:ea typeface="Verdana" panose="020B0604030504040204" pitchFamily="34" charset="0"/>
+              </a:rPr>
+              <a:t> QEMU</a:t>
+            </a:r>
+            <a:r>
+              <a:rPr lang="ru-RU" sz="1600" b="1" dirty="0">
+                <a:solidFill>
+                  <a:schemeClr val="bg1">
+                    <a:lumMod val="95000"/>
+                  </a:schemeClr>
+                </a:solidFill>
+                <a:latin typeface="Verdana" panose="020B0604030504040204" pitchFamily="34" charset="0"/>
+                <a:ea typeface="Verdana" panose="020B0604030504040204" pitchFamily="34" charset="0"/>
+              </a:rPr>
+              <a:t> </a:t>
+            </a:r>
+          </a:p>
+        </p:txBody>
+      </p:sp>
     </p:spTree>
     <p:extLst>
       <p:ext uri="{BB962C8B-B14F-4D97-AF65-F5344CB8AC3E}">
@@ -5522,7 +5917,7 @@
 </p:sld>
 </file>
 
-<file path=ppt/slides/slide11.xml><?xml version="1.0" encoding="utf-8"?>
+<file path=ppt/slides/slide12.xml><?xml version="1.0" encoding="utf-8"?>
 <p:sld xmlns:a="http://schemas.openxmlformats.org/drawingml/2006/main" xmlns:r="http://schemas.openxmlformats.org/officeDocument/2006/relationships" xmlns:p="http://schemas.openxmlformats.org/presentationml/2006/main">
   <p:cSld>
     <p:spTree>
@@ -5621,7 +6016,7 @@
             <a:fld id="{B19B0651-EE4F-4900-A07F-96A6BFA9D0F0}" type="slidenum">
               <a:rPr lang="ru-RU" smtClean="0"/>
               <a:pPr/>
-              <a:t>11</a:t>
+              <a:t>12</a:t>
             </a:fld>
             <a:endParaRPr lang="ru-RU"/>
           </a:p>
@@ -6445,8 +6840,8 @@
           </p:nvSpPr>
           <p:spPr>
             <a:xfrm>
-              <a:off x="506712" y="915390"/>
-              <a:ext cx="1453466" cy="584775"/>
+              <a:off x="480092" y="1023113"/>
+              <a:ext cx="1827361" cy="338554"/>
             </a:xfrm>
             <a:prstGeom prst="rect">
               <a:avLst/>
@@ -7604,7 +7999,7 @@
         </p:blipFill>
         <p:spPr>
           <a:xfrm>
-            <a:off x="2184862" y="1424600"/>
+            <a:off x="2248978" y="1144645"/>
             <a:ext cx="2196458" cy="3394075"/>
           </a:xfrm>
         </p:spPr>
@@ -7736,8 +8131,8 @@
         </p:nvSpPr>
         <p:spPr>
           <a:xfrm>
-            <a:off x="4427983" y="1967476"/>
-            <a:ext cx="4716017" cy="2308324"/>
+            <a:off x="4445436" y="1555179"/>
+            <a:ext cx="4716017" cy="2585323"/>
           </a:xfrm>
           <a:prstGeom prst="rect">
             <a:avLst/>
@@ -7842,6 +8237,32 @@
                 <a:ea typeface="Verdana" panose="020B0604030504040204" pitchFamily="34" charset="0"/>
               </a:rPr>
               <a:t>Специальные требования к ОС для встраиваемых систем</a:t>
+            </a:r>
+          </a:p>
+          <a:p>
+            <a:pPr marL="285750" indent="-285750">
+              <a:buFont typeface="Wingdings" panose="05000000000000000000" pitchFamily="2" charset="2"/>
+              <a:buChar char="§"/>
+            </a:pPr>
+            <a:r>
+              <a:rPr lang="en-US" sz="1800" dirty="0">
+                <a:solidFill>
+                  <a:schemeClr val="tx2"/>
+                </a:solidFill>
+                <a:latin typeface="Verdana" panose="020B0604030504040204" pitchFamily="34" charset="0"/>
+                <a:ea typeface="Verdana" panose="020B0604030504040204" pitchFamily="34" charset="0"/>
+              </a:rPr>
+              <a:t>FLASK </a:t>
+            </a:r>
+            <a:r>
+              <a:rPr lang="ru-RU" sz="1800" dirty="0">
+                <a:solidFill>
+                  <a:schemeClr val="tx2"/>
+                </a:solidFill>
+                <a:latin typeface="Verdana" panose="020B0604030504040204" pitchFamily="34" charset="0"/>
+                <a:ea typeface="Verdana" panose="020B0604030504040204" pitchFamily="34" charset="0"/>
+              </a:rPr>
+              <a:t>архитектура</a:t>
             </a:r>
           </a:p>
         </p:txBody>
@@ -8201,6 +8622,566 @@
       </p:grpSpPr>
       <p:sp>
         <p:nvSpPr>
+          <p:cNvPr id="5" name="Прямоугольник 4">
+            <a:extLst>
+              <a:ext uri="{FF2B5EF4-FFF2-40B4-BE49-F238E27FC236}">
+                <a16:creationId xmlns:a16="http://schemas.microsoft.com/office/drawing/2014/main" id="{9AFCAE31-D1BC-4583-B918-0C0A3F9AE180}"/>
+              </a:ext>
+            </a:extLst>
+          </p:cNvPr>
+          <p:cNvSpPr/>
+          <p:nvPr/>
+        </p:nvSpPr>
+        <p:spPr bwMode="auto">
+          <a:xfrm>
+            <a:off x="0" y="0"/>
+            <a:ext cx="2160000" cy="5143500"/>
+          </a:xfrm>
+          <a:prstGeom prst="rect">
+            <a:avLst/>
+          </a:prstGeom>
+          <a:solidFill>
+            <a:srgbClr val="004868"/>
+          </a:solidFill>
+          <a:ln w="9525" cap="flat" cmpd="sng" algn="ctr">
+            <a:noFill/>
+            <a:prstDash val="solid"/>
+            <a:round/>
+            <a:headEnd type="none" w="med" len="med"/>
+            <a:tailEnd type="none" w="med" len="med"/>
+          </a:ln>
+          <a:effectLst/>
+        </p:spPr>
+        <p:txBody>
+          <a:bodyPr vert="horz" wrap="square" lIns="77925" tIns="38963" rIns="77925" bIns="38963" numCol="1" rtlCol="0" anchor="ctr" anchorCtr="0" compatLnSpc="1">
+            <a:prstTxWarp prst="textNoShape">
+              <a:avLst/>
+            </a:prstTxWarp>
+          </a:bodyPr>
+          <a:lstStyle/>
+          <a:p>
+            <a:pPr>
+              <a:lnSpc>
+                <a:spcPct val="93000"/>
+              </a:lnSpc>
+              <a:buClr>
+                <a:srgbClr val="000000"/>
+              </a:buClr>
+              <a:buSzPct val="100000"/>
+            </a:pPr>
+            <a:endParaRPr lang="ru-RU" sz="2000" b="1" dirty="0">
+              <a:solidFill>
+                <a:schemeClr val="bg1"/>
+              </a:solidFill>
+              <a:latin typeface="Century Gothic" panose="020B0502020202020204" pitchFamily="34" charset="0"/>
+            </a:endParaRPr>
+          </a:p>
+        </p:txBody>
+      </p:sp>
+      <p:sp>
+        <p:nvSpPr>
+          <p:cNvPr id="4" name="Номер слайда 3">
+            <a:extLst>
+              <a:ext uri="{FF2B5EF4-FFF2-40B4-BE49-F238E27FC236}">
+                <a16:creationId xmlns:a16="http://schemas.microsoft.com/office/drawing/2014/main" id="{C98BEFE6-69FF-4049-89C1-7916AE2A114E}"/>
+              </a:ext>
+            </a:extLst>
+          </p:cNvPr>
+          <p:cNvSpPr>
+            <a:spLocks noGrp="1"/>
+          </p:cNvSpPr>
+          <p:nvPr>
+            <p:ph type="sldNum" sz="quarter" idx="12"/>
+          </p:nvPr>
+        </p:nvSpPr>
+        <p:spPr/>
+        <p:txBody>
+          <a:bodyPr/>
+          <a:lstStyle/>
+          <a:p>
+            <a:fld id="{B19B0651-EE4F-4900-A07F-96A6BFA9D0F0}" type="slidenum">
+              <a:rPr lang="ru-RU" smtClean="0"/>
+              <a:pPr/>
+              <a:t>6</a:t>
+            </a:fld>
+            <a:endParaRPr lang="ru-RU"/>
+          </a:p>
+        </p:txBody>
+      </p:sp>
+      <p:cxnSp>
+        <p:nvCxnSpPr>
+          <p:cNvPr id="6" name="Прямая соединительная линия 5">
+            <a:extLst>
+              <a:ext uri="{FF2B5EF4-FFF2-40B4-BE49-F238E27FC236}">
+                <a16:creationId xmlns:a16="http://schemas.microsoft.com/office/drawing/2014/main" id="{3F902E7C-AAA0-429F-B6F6-7615180BD203}"/>
+              </a:ext>
+            </a:extLst>
+          </p:cNvPr>
+          <p:cNvCxnSpPr>
+            <a:cxnSpLocks/>
+          </p:cNvCxnSpPr>
+          <p:nvPr/>
+        </p:nvCxnSpPr>
+        <p:spPr>
+          <a:xfrm>
+            <a:off x="3059832" y="867700"/>
+            <a:ext cx="5832648" cy="0"/>
+          </a:xfrm>
+          <a:prstGeom prst="line">
+            <a:avLst/>
+          </a:prstGeom>
+          <a:ln w="28575">
+            <a:solidFill>
+              <a:schemeClr val="tx2"/>
+            </a:solidFill>
+          </a:ln>
+        </p:spPr>
+        <p:style>
+          <a:lnRef idx="1">
+            <a:schemeClr val="accent1"/>
+          </a:lnRef>
+          <a:fillRef idx="0">
+            <a:schemeClr val="accent1"/>
+          </a:fillRef>
+          <a:effectRef idx="0">
+            <a:schemeClr val="accent1"/>
+          </a:effectRef>
+          <a:fontRef idx="minor">
+            <a:schemeClr val="tx1"/>
+          </a:fontRef>
+        </p:style>
+      </p:cxnSp>
+      <p:sp>
+        <p:nvSpPr>
+          <p:cNvPr id="7" name="Прямоугольник 6">
+            <a:extLst>
+              <a:ext uri="{FF2B5EF4-FFF2-40B4-BE49-F238E27FC236}">
+                <a16:creationId xmlns:a16="http://schemas.microsoft.com/office/drawing/2014/main" id="{9AF6EA6E-076E-4997-8F24-C68914D3EF84}"/>
+              </a:ext>
+            </a:extLst>
+          </p:cNvPr>
+          <p:cNvSpPr/>
+          <p:nvPr/>
+        </p:nvSpPr>
+        <p:spPr>
+          <a:xfrm>
+            <a:off x="3203848" y="48518"/>
+            <a:ext cx="6110664" cy="830997"/>
+          </a:xfrm>
+          <a:prstGeom prst="rect">
+            <a:avLst/>
+          </a:prstGeom>
+        </p:spPr>
+        <p:txBody>
+          <a:bodyPr wrap="square">
+            <a:spAutoFit/>
+          </a:bodyPr>
+          <a:lstStyle/>
+          <a:p>
+            <a:r>
+              <a:rPr lang="ru-RU" sz="2400" b="1" dirty="0">
+                <a:solidFill>
+                  <a:schemeClr val="tx2"/>
+                </a:solidFill>
+                <a:latin typeface="Verdana" panose="020B0604030504040204" pitchFamily="34" charset="0"/>
+                <a:ea typeface="Verdana" panose="020B0604030504040204" pitchFamily="34" charset="0"/>
+              </a:rPr>
+              <a:t>Решение проблемы должной безопасности.</a:t>
+            </a:r>
+          </a:p>
+        </p:txBody>
+      </p:sp>
+      <p:pic>
+        <p:nvPicPr>
+          <p:cNvPr id="9" name="Рисунок 8">
+            <a:extLst>
+              <a:ext uri="{FF2B5EF4-FFF2-40B4-BE49-F238E27FC236}">
+                <a16:creationId xmlns:a16="http://schemas.microsoft.com/office/drawing/2014/main" id="{6B4716F1-9053-4477-81C9-8BB5CBAE05C9}"/>
+              </a:ext>
+            </a:extLst>
+          </p:cNvPr>
+          <p:cNvPicPr>
+            <a:picLocks noChangeAspect="1"/>
+          </p:cNvPicPr>
+          <p:nvPr/>
+        </p:nvPicPr>
+        <p:blipFill>
+          <a:blip r:embed="rId2" cstate="print">
+            <a:extLst>
+              <a:ext uri="{28A0092B-C50C-407E-A947-70E740481C1C}">
+                <a14:useLocalDpi xmlns:a14="http://schemas.microsoft.com/office/drawing/2010/main" val="0"/>
+              </a:ext>
+            </a:extLst>
+          </a:blip>
+          <a:stretch>
+            <a:fillRect/>
+          </a:stretch>
+        </p:blipFill>
+        <p:spPr>
+          <a:xfrm>
+            <a:off x="3942867" y="967629"/>
+            <a:ext cx="4066578" cy="4170925"/>
+          </a:xfrm>
+          <a:prstGeom prst="rect">
+            <a:avLst/>
+          </a:prstGeom>
+        </p:spPr>
+      </p:pic>
+      <p:grpSp>
+        <p:nvGrpSpPr>
+          <p:cNvPr id="10" name="Группа 9">
+            <a:extLst>
+              <a:ext uri="{FF2B5EF4-FFF2-40B4-BE49-F238E27FC236}">
+                <a16:creationId xmlns:a16="http://schemas.microsoft.com/office/drawing/2014/main" id="{EC6609CD-1A2F-4E7E-9467-F5A9812A246D}"/>
+              </a:ext>
+            </a:extLst>
+          </p:cNvPr>
+          <p:cNvGrpSpPr/>
+          <p:nvPr/>
+        </p:nvGrpSpPr>
+        <p:grpSpPr>
+          <a:xfrm>
+            <a:off x="132856" y="975368"/>
+            <a:ext cx="2799177" cy="2118472"/>
+            <a:chOff x="174072" y="159772"/>
+            <a:chExt cx="2799177" cy="2118472"/>
+          </a:xfrm>
+        </p:grpSpPr>
+        <p:sp>
+          <p:nvSpPr>
+            <p:cNvPr id="11" name="Прямоугольник 10">
+              <a:extLst>
+                <a:ext uri="{FF2B5EF4-FFF2-40B4-BE49-F238E27FC236}">
+                  <a16:creationId xmlns:a16="http://schemas.microsoft.com/office/drawing/2014/main" id="{B26E4765-A194-4478-90D3-015321F61775}"/>
+                </a:ext>
+              </a:extLst>
+            </p:cNvPr>
+            <p:cNvSpPr/>
+            <p:nvPr/>
+          </p:nvSpPr>
+          <p:spPr>
+            <a:xfrm>
+              <a:off x="182776" y="176182"/>
+              <a:ext cx="307777" cy="307777"/>
+            </a:xfrm>
+            <a:prstGeom prst="rect">
+              <a:avLst/>
+            </a:prstGeom>
+            <a:solidFill>
+              <a:schemeClr val="bg1">
+                <a:lumMod val="95000"/>
+              </a:schemeClr>
+            </a:solidFill>
+            <a:ln>
+              <a:noFill/>
+            </a:ln>
+          </p:spPr>
+          <p:style>
+            <a:lnRef idx="2">
+              <a:schemeClr val="accent1">
+                <a:shade val="50000"/>
+              </a:schemeClr>
+            </a:lnRef>
+            <a:fillRef idx="1">
+              <a:schemeClr val="accent1"/>
+            </a:fillRef>
+            <a:effectRef idx="0">
+              <a:schemeClr val="accent1"/>
+            </a:effectRef>
+            <a:fontRef idx="minor">
+              <a:schemeClr val="lt1"/>
+            </a:fontRef>
+          </p:style>
+          <p:txBody>
+            <a:bodyPr rtlCol="0" anchor="ctr"/>
+            <a:lstStyle/>
+            <a:p>
+              <a:pPr algn="ctr"/>
+              <a:endParaRPr lang="ru-RU" dirty="0"/>
+            </a:p>
+          </p:txBody>
+        </p:sp>
+        <p:sp>
+          <p:nvSpPr>
+            <p:cNvPr id="12" name="Прямоугольник 11">
+              <a:extLst>
+                <a:ext uri="{FF2B5EF4-FFF2-40B4-BE49-F238E27FC236}">
+                  <a16:creationId xmlns:a16="http://schemas.microsoft.com/office/drawing/2014/main" id="{6C4FFE17-C018-480D-8DE0-C1CD58057518}"/>
+                </a:ext>
+              </a:extLst>
+            </p:cNvPr>
+            <p:cNvSpPr/>
+            <p:nvPr/>
+          </p:nvSpPr>
+          <p:spPr>
+            <a:xfrm>
+              <a:off x="174072" y="1970467"/>
+              <a:ext cx="307777" cy="307777"/>
+            </a:xfrm>
+            <a:prstGeom prst="rect">
+              <a:avLst/>
+            </a:prstGeom>
+            <a:solidFill>
+              <a:schemeClr val="bg1">
+                <a:lumMod val="95000"/>
+              </a:schemeClr>
+            </a:solidFill>
+            <a:ln>
+              <a:noFill/>
+            </a:ln>
+          </p:spPr>
+          <p:style>
+            <a:lnRef idx="2">
+              <a:schemeClr val="accent1">
+                <a:shade val="50000"/>
+              </a:schemeClr>
+            </a:lnRef>
+            <a:fillRef idx="1">
+              <a:schemeClr val="accent1"/>
+            </a:fillRef>
+            <a:effectRef idx="0">
+              <a:schemeClr val="accent1"/>
+            </a:effectRef>
+            <a:fontRef idx="minor">
+              <a:schemeClr val="lt1"/>
+            </a:fontRef>
+          </p:style>
+          <p:txBody>
+            <a:bodyPr rtlCol="0" anchor="ctr"/>
+            <a:lstStyle/>
+            <a:p>
+              <a:pPr algn="ctr"/>
+              <a:endParaRPr lang="ru-RU"/>
+            </a:p>
+          </p:txBody>
+        </p:sp>
+        <p:sp>
+          <p:nvSpPr>
+            <p:cNvPr id="13" name="Прямоугольник 12">
+              <a:extLst>
+                <a:ext uri="{FF2B5EF4-FFF2-40B4-BE49-F238E27FC236}">
+                  <a16:creationId xmlns:a16="http://schemas.microsoft.com/office/drawing/2014/main" id="{B0371517-DADC-4F57-8971-02F6D9217008}"/>
+                </a:ext>
+              </a:extLst>
+            </p:cNvPr>
+            <p:cNvSpPr/>
+            <p:nvPr/>
+          </p:nvSpPr>
+          <p:spPr>
+            <a:xfrm>
+              <a:off x="174073" y="1053890"/>
+              <a:ext cx="307777" cy="307777"/>
+            </a:xfrm>
+            <a:prstGeom prst="rect">
+              <a:avLst/>
+            </a:prstGeom>
+            <a:solidFill>
+              <a:schemeClr val="bg1">
+                <a:lumMod val="95000"/>
+              </a:schemeClr>
+            </a:solidFill>
+            <a:ln>
+              <a:noFill/>
+            </a:ln>
+          </p:spPr>
+          <p:style>
+            <a:lnRef idx="2">
+              <a:schemeClr val="accent1">
+                <a:shade val="50000"/>
+              </a:schemeClr>
+            </a:lnRef>
+            <a:fillRef idx="1">
+              <a:schemeClr val="accent1"/>
+            </a:fillRef>
+            <a:effectRef idx="0">
+              <a:schemeClr val="accent1"/>
+            </a:effectRef>
+            <a:fontRef idx="minor">
+              <a:schemeClr val="lt1"/>
+            </a:fontRef>
+          </p:style>
+          <p:txBody>
+            <a:bodyPr rtlCol="0" anchor="ctr"/>
+            <a:lstStyle/>
+            <a:p>
+              <a:pPr algn="ctr"/>
+              <a:endParaRPr lang="ru-RU">
+                <a:solidFill>
+                  <a:srgbClr val="7F7F7F"/>
+                </a:solidFill>
+              </a:endParaRPr>
+            </a:p>
+          </p:txBody>
+        </p:sp>
+        <p:sp>
+          <p:nvSpPr>
+            <p:cNvPr id="14" name="TextBox 13">
+              <a:extLst>
+                <a:ext uri="{FF2B5EF4-FFF2-40B4-BE49-F238E27FC236}">
+                  <a16:creationId xmlns:a16="http://schemas.microsoft.com/office/drawing/2014/main" id="{AB39F4F3-B890-40C9-8229-758B47172F05}"/>
+                </a:ext>
+              </a:extLst>
+            </p:cNvPr>
+            <p:cNvSpPr txBox="1"/>
+            <p:nvPr/>
+          </p:nvSpPr>
+          <p:spPr>
+            <a:xfrm>
+              <a:off x="557459" y="159772"/>
+              <a:ext cx="2415790" cy="338554"/>
+            </a:xfrm>
+            <a:prstGeom prst="rect">
+              <a:avLst/>
+            </a:prstGeom>
+            <a:noFill/>
+          </p:spPr>
+          <p:txBody>
+            <a:bodyPr wrap="square">
+              <a:spAutoFit/>
+            </a:bodyPr>
+            <a:lstStyle/>
+            <a:p>
+              <a:r>
+                <a:rPr lang="en-US" sz="1600" b="1" dirty="0">
+                  <a:solidFill>
+                    <a:schemeClr val="bg1">
+                      <a:lumMod val="95000"/>
+                    </a:schemeClr>
+                  </a:solidFill>
+                  <a:latin typeface="Verdana" panose="020B0604030504040204" pitchFamily="34" charset="0"/>
+                  <a:ea typeface="Verdana" panose="020B0604030504040204" pitchFamily="34" charset="0"/>
+                </a:rPr>
+                <a:t>KSS</a:t>
+              </a:r>
+              <a:endParaRPr lang="x-none" sz="1600" b="1" dirty="0">
+                <a:solidFill>
+                  <a:schemeClr val="bg1">
+                    <a:lumMod val="95000"/>
+                  </a:schemeClr>
+                </a:solidFill>
+                <a:latin typeface="Verdana" panose="020B0604030504040204" pitchFamily="34" charset="0"/>
+                <a:ea typeface="Verdana" panose="020B0604030504040204" pitchFamily="34" charset="0"/>
+              </a:endParaRPr>
+            </a:p>
+          </p:txBody>
+        </p:sp>
+        <p:sp>
+          <p:nvSpPr>
+            <p:cNvPr id="15" name="Прямоугольник 14">
+              <a:extLst>
+                <a:ext uri="{FF2B5EF4-FFF2-40B4-BE49-F238E27FC236}">
+                  <a16:creationId xmlns:a16="http://schemas.microsoft.com/office/drawing/2014/main" id="{C8427A57-1497-4570-BB89-1B7AFF34AFEE}"/>
+                </a:ext>
+              </a:extLst>
+            </p:cNvPr>
+            <p:cNvSpPr/>
+            <p:nvPr/>
+          </p:nvSpPr>
+          <p:spPr>
+            <a:xfrm>
+              <a:off x="506712" y="915390"/>
+              <a:ext cx="1453466" cy="584775"/>
+            </a:xfrm>
+            <a:prstGeom prst="rect">
+              <a:avLst/>
+            </a:prstGeom>
+          </p:spPr>
+          <p:txBody>
+            <a:bodyPr wrap="square">
+              <a:spAutoFit/>
+            </a:bodyPr>
+            <a:lstStyle/>
+            <a:p>
+              <a:r>
+                <a:rPr lang="ru-RU" sz="1600" b="1" dirty="0">
+                  <a:solidFill>
+                    <a:schemeClr val="bg1">
+                      <a:lumMod val="95000"/>
+                    </a:schemeClr>
+                  </a:solidFill>
+                  <a:latin typeface="Verdana" panose="020B0604030504040204" pitchFamily="34" charset="0"/>
+                  <a:ea typeface="Verdana" panose="020B0604030504040204" pitchFamily="34" charset="0"/>
+                </a:rPr>
+                <a:t>Разбиение доменов</a:t>
+              </a:r>
+            </a:p>
+          </p:txBody>
+        </p:sp>
+      </p:grpSp>
+      <p:sp>
+        <p:nvSpPr>
+          <p:cNvPr id="16" name="Прямоугольник 15">
+            <a:extLst>
+              <a:ext uri="{FF2B5EF4-FFF2-40B4-BE49-F238E27FC236}">
+                <a16:creationId xmlns:a16="http://schemas.microsoft.com/office/drawing/2014/main" id="{BBC8A5EC-58F9-4E86-AD91-10AB52695F00}"/>
+              </a:ext>
+            </a:extLst>
+          </p:cNvPr>
+          <p:cNvSpPr/>
+          <p:nvPr/>
+        </p:nvSpPr>
+        <p:spPr>
+          <a:xfrm>
+            <a:off x="487296" y="2506299"/>
+            <a:ext cx="1453466" cy="1077218"/>
+          </a:xfrm>
+          <a:prstGeom prst="rect">
+            <a:avLst/>
+          </a:prstGeom>
+        </p:spPr>
+        <p:txBody>
+          <a:bodyPr wrap="square">
+            <a:spAutoFit/>
+          </a:bodyPr>
+          <a:lstStyle/>
+          <a:p>
+            <a:r>
+              <a:rPr lang="ru-RU" sz="1600" b="1" dirty="0">
+                <a:solidFill>
+                  <a:schemeClr val="bg1">
+                    <a:lumMod val="95000"/>
+                  </a:schemeClr>
+                </a:solidFill>
+                <a:latin typeface="Verdana" panose="020B0604030504040204" pitchFamily="34" charset="0"/>
+                <a:ea typeface="Verdana" panose="020B0604030504040204" pitchFamily="34" charset="0"/>
+              </a:rPr>
+              <a:t>Контроль связи между доменами</a:t>
+            </a:r>
+          </a:p>
+        </p:txBody>
+      </p:sp>
+    </p:spTree>
+    <p:extLst>
+      <p:ext uri="{BB962C8B-B14F-4D97-AF65-F5344CB8AC3E}">
+        <p14:creationId xmlns:p14="http://schemas.microsoft.com/office/powerpoint/2010/main" val="3435537915"/>
+      </p:ext>
+    </p:extLst>
+  </p:cSld>
+  <p:clrMapOvr>
+    <a:masterClrMapping/>
+  </p:clrMapOvr>
+</p:sld>
+</file>
+
+<file path=ppt/slides/slide7.xml><?xml version="1.0" encoding="utf-8"?>
+<p:sld xmlns:a="http://schemas.openxmlformats.org/drawingml/2006/main" xmlns:r="http://schemas.openxmlformats.org/officeDocument/2006/relationships" xmlns:p="http://schemas.openxmlformats.org/presentationml/2006/main">
+  <p:cSld>
+    <p:spTree>
+      <p:nvGrpSpPr>
+        <p:cNvPr id="1" name=""/>
+        <p:cNvGrpSpPr/>
+        <p:nvPr/>
+      </p:nvGrpSpPr>
+      <p:grpSpPr>
+        <a:xfrm>
+          <a:off x="0" y="0"/>
+          <a:ext cx="0" cy="0"/>
+          <a:chOff x="0" y="0"/>
+          <a:chExt cx="0" cy="0"/>
+        </a:xfrm>
+      </p:grpSpPr>
+      <p:sp>
+        <p:nvSpPr>
           <p:cNvPr id="31" name="Прямоугольник 30">
             <a:extLst>
               <a:ext uri="{FF2B5EF4-FFF2-40B4-BE49-F238E27FC236}">
@@ -8435,7 +9416,7 @@
             <a:fld id="{B19B0651-EE4F-4900-A07F-96A6BFA9D0F0}" type="slidenum">
               <a:rPr lang="ru-RU" smtClean="0"/>
               <a:pPr/>
-              <a:t>6</a:t>
+              <a:t>7</a:t>
             </a:fld>
             <a:endParaRPr lang="ru-RU"/>
           </a:p>
@@ -8986,7 +9967,7 @@
 </p:sld>
 </file>
 
-<file path=ppt/slides/slide7.xml><?xml version="1.0" encoding="utf-8"?>
+<file path=ppt/slides/slide8.xml><?xml version="1.0" encoding="utf-8"?>
 <p:sld xmlns:a="http://schemas.openxmlformats.org/drawingml/2006/main" xmlns:r="http://schemas.openxmlformats.org/officeDocument/2006/relationships" xmlns:p="http://schemas.openxmlformats.org/presentationml/2006/main">
   <p:cSld>
     <p:spTree>
@@ -9184,163 +10165,6 @@
       </p:sp>
       <p:sp>
         <p:nvSpPr>
-          <p:cNvPr id="3" name="Прямоугольник 2"/>
-          <p:cNvSpPr/>
-          <p:nvPr/>
-        </p:nvSpPr>
-        <p:spPr>
-          <a:xfrm>
-            <a:off x="3020194" y="1053890"/>
-            <a:ext cx="5872285" cy="1200329"/>
-          </a:xfrm>
-          <a:prstGeom prst="rect">
-            <a:avLst/>
-          </a:prstGeom>
-        </p:spPr>
-        <p:txBody>
-          <a:bodyPr wrap="square">
-            <a:spAutoFit/>
-          </a:bodyPr>
-          <a:lstStyle/>
-          <a:p>
-            <a:pPr>
-              <a:tabLst>
-                <a:tab pos="335756" algn="l"/>
-                <a:tab pos="672704" algn="l"/>
-                <a:tab pos="1009650" algn="l"/>
-                <a:tab pos="1346597" algn="l"/>
-                <a:tab pos="1683544" algn="l"/>
-                <a:tab pos="2020491" algn="l"/>
-                <a:tab pos="2357438" algn="l"/>
-                <a:tab pos="2694385" algn="l"/>
-                <a:tab pos="3031331" algn="l"/>
-                <a:tab pos="3368279" algn="l"/>
-                <a:tab pos="3705225" algn="l"/>
-                <a:tab pos="4042172" algn="l"/>
-                <a:tab pos="4379119" algn="l"/>
-                <a:tab pos="4716066" algn="l"/>
-                <a:tab pos="5053013" algn="l"/>
-                <a:tab pos="5389960" algn="l"/>
-                <a:tab pos="5726906" algn="l"/>
-                <a:tab pos="6063854" algn="l"/>
-                <a:tab pos="6400800" algn="l"/>
-                <a:tab pos="6737747" algn="l"/>
-              </a:tabLst>
-            </a:pPr>
-            <a:r>
-              <a:rPr lang="en-US" altLang="ru-RU" sz="2400" dirty="0">
-                <a:solidFill>
-                  <a:srgbClr val="0070C0"/>
-                </a:solidFill>
-                <a:ea typeface="NimbusRomNo9L-Regu;Times New Ro" charset="0"/>
-                <a:cs typeface="NimbusRomNo9L-Regu;Times New Ro" charset="0"/>
-              </a:rPr>
-              <a:t>.</a:t>
-            </a:r>
-          </a:p>
-          <a:p>
-            <a:pPr>
-              <a:tabLst>
-                <a:tab pos="335756" algn="l"/>
-                <a:tab pos="672704" algn="l"/>
-                <a:tab pos="1009650" algn="l"/>
-                <a:tab pos="1346597" algn="l"/>
-                <a:tab pos="1683544" algn="l"/>
-                <a:tab pos="2020491" algn="l"/>
-                <a:tab pos="2357438" algn="l"/>
-                <a:tab pos="2694385" algn="l"/>
-                <a:tab pos="3031331" algn="l"/>
-                <a:tab pos="3368279" algn="l"/>
-                <a:tab pos="3705225" algn="l"/>
-                <a:tab pos="4042172" algn="l"/>
-                <a:tab pos="4379119" algn="l"/>
-                <a:tab pos="4716066" algn="l"/>
-                <a:tab pos="5053013" algn="l"/>
-                <a:tab pos="5389960" algn="l"/>
-                <a:tab pos="5726906" algn="l"/>
-                <a:tab pos="6063854" algn="l"/>
-                <a:tab pos="6400800" algn="l"/>
-                <a:tab pos="6737747" algn="l"/>
-              </a:tabLst>
-            </a:pPr>
-            <a:endParaRPr lang="en-US" altLang="ru-RU" sz="1600" dirty="0">
-              <a:solidFill>
-                <a:srgbClr val="0070C0"/>
-              </a:solidFill>
-              <a:ea typeface="NimbusRomNo9L-Regu;Times New Ro" charset="0"/>
-              <a:cs typeface="NimbusRomNo9L-Regu;Times New Ro" charset="0"/>
-            </a:endParaRPr>
-          </a:p>
-          <a:p>
-            <a:pPr>
-              <a:tabLst>
-                <a:tab pos="335756" algn="l"/>
-                <a:tab pos="672704" algn="l"/>
-                <a:tab pos="1009650" algn="l"/>
-                <a:tab pos="1346597" algn="l"/>
-                <a:tab pos="1683544" algn="l"/>
-                <a:tab pos="2020491" algn="l"/>
-                <a:tab pos="2357438" algn="l"/>
-                <a:tab pos="2694385" algn="l"/>
-                <a:tab pos="3031331" algn="l"/>
-                <a:tab pos="3368279" algn="l"/>
-                <a:tab pos="3705225" algn="l"/>
-                <a:tab pos="4042172" algn="l"/>
-                <a:tab pos="4379119" algn="l"/>
-                <a:tab pos="4716066" algn="l"/>
-                <a:tab pos="5053013" algn="l"/>
-                <a:tab pos="5389960" algn="l"/>
-                <a:tab pos="5726906" algn="l"/>
-                <a:tab pos="6063854" algn="l"/>
-                <a:tab pos="6400800" algn="l"/>
-                <a:tab pos="6737747" algn="l"/>
-              </a:tabLst>
-            </a:pPr>
-            <a:endParaRPr lang="en-US" altLang="ru-RU" sz="1600" dirty="0">
-              <a:solidFill>
-                <a:srgbClr val="0070C0"/>
-              </a:solidFill>
-              <a:ea typeface="NimbusRomNo9L-Regu;Times New Ro" charset="0"/>
-              <a:cs typeface="NimbusRomNo9L-Regu;Times New Ro" charset="0"/>
-            </a:endParaRPr>
-          </a:p>
-          <a:p>
-            <a:pPr>
-              <a:tabLst>
-                <a:tab pos="335756" algn="l"/>
-                <a:tab pos="672704" algn="l"/>
-                <a:tab pos="1009650" algn="l"/>
-                <a:tab pos="1346597" algn="l"/>
-                <a:tab pos="1683544" algn="l"/>
-                <a:tab pos="2020491" algn="l"/>
-                <a:tab pos="2357438" algn="l"/>
-                <a:tab pos="2694385" algn="l"/>
-                <a:tab pos="3031331" algn="l"/>
-                <a:tab pos="3368279" algn="l"/>
-                <a:tab pos="3705225" algn="l"/>
-                <a:tab pos="4042172" algn="l"/>
-                <a:tab pos="4379119" algn="l"/>
-                <a:tab pos="4716066" algn="l"/>
-                <a:tab pos="5053013" algn="l"/>
-                <a:tab pos="5389960" algn="l"/>
-                <a:tab pos="5726906" algn="l"/>
-                <a:tab pos="6063854" algn="l"/>
-                <a:tab pos="6400800" algn="l"/>
-                <a:tab pos="6737747" algn="l"/>
-              </a:tabLst>
-            </a:pPr>
-            <a:endParaRPr lang="ru-RU" altLang="ru-RU" sz="1600" dirty="0">
-              <a:solidFill>
-                <a:srgbClr val="0070C0"/>
-              </a:solidFill>
-              <a:ea typeface="NimbusRomNo9L-Regu;Times New Ro" charset="0"/>
-              <a:cs typeface="NimbusRomNo9L-Regu;Times New Ro" charset="0"/>
-            </a:endParaRPr>
-          </a:p>
-        </p:txBody>
-      </p:sp>
-      <p:sp>
-        <p:nvSpPr>
           <p:cNvPr id="2" name="Номер слайда 1">
             <a:extLst>
               <a:ext uri="{FF2B5EF4-FFF2-40B4-BE49-F238E27FC236}">
@@ -9363,7 +10187,7 @@
             <a:fld id="{B19B0651-EE4F-4900-A07F-96A6BFA9D0F0}" type="slidenum">
               <a:rPr lang="ru-RU" smtClean="0"/>
               <a:pPr/>
-              <a:t>7</a:t>
+              <a:t>8</a:t>
             </a:fld>
             <a:endParaRPr lang="ru-RU"/>
           </a:p>
@@ -9429,6 +10253,287 @@
           </a:p>
         </p:txBody>
       </p:sp>
+      <p:grpSp>
+        <p:nvGrpSpPr>
+          <p:cNvPr id="15" name="Группа 14">
+            <a:extLst>
+              <a:ext uri="{FF2B5EF4-FFF2-40B4-BE49-F238E27FC236}">
+                <a16:creationId xmlns:a16="http://schemas.microsoft.com/office/drawing/2014/main" id="{6575EFC2-4173-4EA6-B485-93088510E72A}"/>
+              </a:ext>
+            </a:extLst>
+          </p:cNvPr>
+          <p:cNvGrpSpPr/>
+          <p:nvPr/>
+        </p:nvGrpSpPr>
+        <p:grpSpPr>
+          <a:xfrm>
+            <a:off x="132856" y="853278"/>
+            <a:ext cx="1963049" cy="2240562"/>
+            <a:chOff x="174072" y="37682"/>
+            <a:chExt cx="1963049" cy="2240562"/>
+          </a:xfrm>
+        </p:grpSpPr>
+        <p:sp>
+          <p:nvSpPr>
+            <p:cNvPr id="16" name="Прямоугольник 15">
+              <a:extLst>
+                <a:ext uri="{FF2B5EF4-FFF2-40B4-BE49-F238E27FC236}">
+                  <a16:creationId xmlns:a16="http://schemas.microsoft.com/office/drawing/2014/main" id="{6BBC07C5-B804-4064-8143-D83CCBF32835}"/>
+                </a:ext>
+              </a:extLst>
+            </p:cNvPr>
+            <p:cNvSpPr/>
+            <p:nvPr/>
+          </p:nvSpPr>
+          <p:spPr>
+            <a:xfrm>
+              <a:off x="182776" y="176182"/>
+              <a:ext cx="307777" cy="307777"/>
+            </a:xfrm>
+            <a:prstGeom prst="rect">
+              <a:avLst/>
+            </a:prstGeom>
+            <a:solidFill>
+              <a:schemeClr val="bg1">
+                <a:lumMod val="95000"/>
+              </a:schemeClr>
+            </a:solidFill>
+            <a:ln>
+              <a:noFill/>
+            </a:ln>
+          </p:spPr>
+          <p:style>
+            <a:lnRef idx="2">
+              <a:schemeClr val="accent1">
+                <a:shade val="50000"/>
+              </a:schemeClr>
+            </a:lnRef>
+            <a:fillRef idx="1">
+              <a:schemeClr val="accent1"/>
+            </a:fillRef>
+            <a:effectRef idx="0">
+              <a:schemeClr val="accent1"/>
+            </a:effectRef>
+            <a:fontRef idx="minor">
+              <a:schemeClr val="lt1"/>
+            </a:fontRef>
+          </p:style>
+          <p:txBody>
+            <a:bodyPr rtlCol="0" anchor="ctr"/>
+            <a:lstStyle/>
+            <a:p>
+              <a:pPr algn="ctr"/>
+              <a:endParaRPr lang="ru-RU" dirty="0"/>
+            </a:p>
+          </p:txBody>
+        </p:sp>
+        <p:sp>
+          <p:nvSpPr>
+            <p:cNvPr id="17" name="Прямоугольник 16">
+              <a:extLst>
+                <a:ext uri="{FF2B5EF4-FFF2-40B4-BE49-F238E27FC236}">
+                  <a16:creationId xmlns:a16="http://schemas.microsoft.com/office/drawing/2014/main" id="{BF5FBA8C-5D5E-4154-9D1A-10FC8C272D7B}"/>
+                </a:ext>
+              </a:extLst>
+            </p:cNvPr>
+            <p:cNvSpPr/>
+            <p:nvPr/>
+          </p:nvSpPr>
+          <p:spPr>
+            <a:xfrm>
+              <a:off x="174072" y="1970467"/>
+              <a:ext cx="307777" cy="307777"/>
+            </a:xfrm>
+            <a:prstGeom prst="rect">
+              <a:avLst/>
+            </a:prstGeom>
+            <a:solidFill>
+              <a:schemeClr val="bg1">
+                <a:lumMod val="95000"/>
+              </a:schemeClr>
+            </a:solidFill>
+            <a:ln>
+              <a:noFill/>
+            </a:ln>
+          </p:spPr>
+          <p:style>
+            <a:lnRef idx="2">
+              <a:schemeClr val="accent1">
+                <a:shade val="50000"/>
+              </a:schemeClr>
+            </a:lnRef>
+            <a:fillRef idx="1">
+              <a:schemeClr val="accent1"/>
+            </a:fillRef>
+            <a:effectRef idx="0">
+              <a:schemeClr val="accent1"/>
+            </a:effectRef>
+            <a:fontRef idx="minor">
+              <a:schemeClr val="lt1"/>
+            </a:fontRef>
+          </p:style>
+          <p:txBody>
+            <a:bodyPr rtlCol="0" anchor="ctr"/>
+            <a:lstStyle/>
+            <a:p>
+              <a:pPr algn="ctr"/>
+              <a:endParaRPr lang="ru-RU"/>
+            </a:p>
+          </p:txBody>
+        </p:sp>
+        <p:sp>
+          <p:nvSpPr>
+            <p:cNvPr id="19" name="Прямоугольник 18">
+              <a:extLst>
+                <a:ext uri="{FF2B5EF4-FFF2-40B4-BE49-F238E27FC236}">
+                  <a16:creationId xmlns:a16="http://schemas.microsoft.com/office/drawing/2014/main" id="{51674972-3D66-43FF-A4C1-1DCB781AA27C}"/>
+                </a:ext>
+              </a:extLst>
+            </p:cNvPr>
+            <p:cNvSpPr/>
+            <p:nvPr/>
+          </p:nvSpPr>
+          <p:spPr>
+            <a:xfrm>
+              <a:off x="174073" y="1053890"/>
+              <a:ext cx="307777" cy="307777"/>
+            </a:xfrm>
+            <a:prstGeom prst="rect">
+              <a:avLst/>
+            </a:prstGeom>
+            <a:solidFill>
+              <a:schemeClr val="bg1">
+                <a:lumMod val="95000"/>
+              </a:schemeClr>
+            </a:solidFill>
+            <a:ln>
+              <a:noFill/>
+            </a:ln>
+          </p:spPr>
+          <p:style>
+            <a:lnRef idx="2">
+              <a:schemeClr val="accent1">
+                <a:shade val="50000"/>
+              </a:schemeClr>
+            </a:lnRef>
+            <a:fillRef idx="1">
+              <a:schemeClr val="accent1"/>
+            </a:fillRef>
+            <a:effectRef idx="0">
+              <a:schemeClr val="accent1"/>
+            </a:effectRef>
+            <a:fontRef idx="minor">
+              <a:schemeClr val="lt1"/>
+            </a:fontRef>
+          </p:style>
+          <p:txBody>
+            <a:bodyPr rtlCol="0" anchor="ctr"/>
+            <a:lstStyle/>
+            <a:p>
+              <a:pPr algn="ctr"/>
+              <a:endParaRPr lang="ru-RU">
+                <a:solidFill>
+                  <a:srgbClr val="7F7F7F"/>
+                </a:solidFill>
+              </a:endParaRPr>
+            </a:p>
+          </p:txBody>
+        </p:sp>
+        <p:sp>
+          <p:nvSpPr>
+            <p:cNvPr id="20" name="TextBox 19">
+              <a:extLst>
+                <a:ext uri="{FF2B5EF4-FFF2-40B4-BE49-F238E27FC236}">
+                  <a16:creationId xmlns:a16="http://schemas.microsoft.com/office/drawing/2014/main" id="{46C193FD-CCCC-45B1-9BEA-DCBCF188264E}"/>
+                </a:ext>
+              </a:extLst>
+            </p:cNvPr>
+            <p:cNvSpPr txBox="1"/>
+            <p:nvPr/>
+          </p:nvSpPr>
+          <p:spPr>
+            <a:xfrm>
+              <a:off x="559858" y="37682"/>
+              <a:ext cx="1577263" cy="584775"/>
+            </a:xfrm>
+            <a:prstGeom prst="rect">
+              <a:avLst/>
+            </a:prstGeom>
+            <a:noFill/>
+          </p:spPr>
+          <p:txBody>
+            <a:bodyPr wrap="square">
+              <a:spAutoFit/>
+            </a:bodyPr>
+            <a:lstStyle/>
+            <a:p>
+              <a:r>
+                <a:rPr lang="ru-RU" sz="1600" b="1" dirty="0">
+                  <a:solidFill>
+                    <a:schemeClr val="bg1">
+                      <a:lumMod val="95000"/>
+                    </a:schemeClr>
+                  </a:solidFill>
+                  <a:latin typeface="Verdana" panose="020B0604030504040204" pitchFamily="34" charset="0"/>
+                  <a:ea typeface="Verdana" panose="020B0604030504040204" pitchFamily="34" charset="0"/>
+                </a:rPr>
+                <a:t>Сетевая связь</a:t>
+              </a:r>
+              <a:endParaRPr lang="x-none" sz="1600" b="1" dirty="0">
+                <a:solidFill>
+                  <a:schemeClr val="bg1">
+                    <a:lumMod val="95000"/>
+                  </a:schemeClr>
+                </a:solidFill>
+                <a:latin typeface="Verdana" panose="020B0604030504040204" pitchFamily="34" charset="0"/>
+                <a:ea typeface="Verdana" panose="020B0604030504040204" pitchFamily="34" charset="0"/>
+              </a:endParaRPr>
+            </a:p>
+          </p:txBody>
+        </p:sp>
+        <p:sp>
+          <p:nvSpPr>
+            <p:cNvPr id="21" name="Прямоугольник 20">
+              <a:extLst>
+                <a:ext uri="{FF2B5EF4-FFF2-40B4-BE49-F238E27FC236}">
+                  <a16:creationId xmlns:a16="http://schemas.microsoft.com/office/drawing/2014/main" id="{29C72257-1E49-41B2-8E28-718FC11F9DEB}"/>
+                </a:ext>
+              </a:extLst>
+            </p:cNvPr>
+            <p:cNvSpPr/>
+            <p:nvPr/>
+          </p:nvSpPr>
+          <p:spPr>
+            <a:xfrm>
+              <a:off x="559858" y="964066"/>
+              <a:ext cx="1453466" cy="338554"/>
+            </a:xfrm>
+            <a:prstGeom prst="rect">
+              <a:avLst/>
+            </a:prstGeom>
+          </p:spPr>
+          <p:txBody>
+            <a:bodyPr wrap="square">
+              <a:spAutoFit/>
+            </a:bodyPr>
+            <a:lstStyle/>
+            <a:p>
+              <a:r>
+                <a:rPr lang="ru-RU" sz="1600" b="1" dirty="0">
+                  <a:solidFill>
+                    <a:schemeClr val="bg1">
+                      <a:lumMod val="95000"/>
+                    </a:schemeClr>
+                  </a:solidFill>
+                  <a:latin typeface="Verdana" panose="020B0604030504040204" pitchFamily="34" charset="0"/>
+                  <a:ea typeface="Verdana" panose="020B0604030504040204" pitchFamily="34" charset="0"/>
+                </a:rPr>
+                <a:t>Сущность</a:t>
+              </a:r>
+            </a:p>
+          </p:txBody>
+        </p:sp>
+      </p:grpSp>
     </p:spTree>
     <p:extLst>
       <p:ext uri="{BB962C8B-B14F-4D97-AF65-F5344CB8AC3E}">
@@ -9442,7 +10547,7 @@
 </p:sld>
 </file>
 
-<file path=ppt/slides/slide8.xml><?xml version="1.0" encoding="utf-8"?>
+<file path=ppt/slides/slide9.xml><?xml version="1.0" encoding="utf-8"?>
 <p:sld xmlns:a="http://schemas.openxmlformats.org/drawingml/2006/main" xmlns:r="http://schemas.openxmlformats.org/officeDocument/2006/relationships" xmlns:p="http://schemas.openxmlformats.org/presentationml/2006/main">
   <p:cSld>
     <p:spTree>
@@ -9474,7 +10579,7 @@
         <p:spPr bwMode="auto">
           <a:xfrm>
             <a:off x="0" y="0"/>
-            <a:ext cx="2160000" cy="5143500"/>
+            <a:ext cx="1080000" cy="5143500"/>
           </a:xfrm>
           <a:prstGeom prst="rect">
             <a:avLst/>
@@ -9723,7 +10828,7 @@
             <a:fld id="{B19B0651-EE4F-4900-A07F-96A6BFA9D0F0}" type="slidenum">
               <a:rPr lang="ru-RU" smtClean="0"/>
               <a:pPr/>
-              <a:t>8</a:t>
+              <a:t>9</a:t>
             </a:fld>
             <a:endParaRPr lang="ru-RU"/>
           </a:p>
@@ -9769,325 +10874,119 @@
           </a:p>
         </p:txBody>
       </p:sp>
-    </p:spTree>
-    <p:extLst>
-      <p:ext uri="{BB962C8B-B14F-4D97-AF65-F5344CB8AC3E}">
-        <p14:creationId xmlns:p14="http://schemas.microsoft.com/office/powerpoint/2010/main" val="1406301044"/>
-      </p:ext>
-    </p:extLst>
-  </p:cSld>
-  <p:clrMapOvr>
-    <a:masterClrMapping/>
-  </p:clrMapOvr>
-</p:sld>
-</file>
-
-<file path=ppt/slides/slide9.xml><?xml version="1.0" encoding="utf-8"?>
-<p:sld xmlns:a="http://schemas.openxmlformats.org/drawingml/2006/main" xmlns:r="http://schemas.openxmlformats.org/officeDocument/2006/relationships" xmlns:p="http://schemas.openxmlformats.org/presentationml/2006/main">
-  <p:cSld>
-    <p:spTree>
-      <p:nvGrpSpPr>
-        <p:cNvPr id="1" name=""/>
-        <p:cNvGrpSpPr/>
-        <p:nvPr/>
-      </p:nvGrpSpPr>
-      <p:grpSpPr>
-        <a:xfrm>
-          <a:off x="0" y="0"/>
-          <a:ext cx="0" cy="0"/>
-          <a:chOff x="0" y="0"/>
-          <a:chExt cx="0" cy="0"/>
-        </a:xfrm>
-      </p:grpSpPr>
-      <p:sp>
-        <p:nvSpPr>
-          <p:cNvPr id="45" name="Прямоугольник 44">
+      <p:sp>
+        <p:nvSpPr>
+          <p:cNvPr id="8" name="Прямоугольник 7">
             <a:extLst>
               <a:ext uri="{FF2B5EF4-FFF2-40B4-BE49-F238E27FC236}">
-                <a16:creationId xmlns:a16="http://schemas.microsoft.com/office/drawing/2014/main" id="{F844FAD0-BFD3-42F8-8444-0D4247E6F864}"/>
+                <a16:creationId xmlns:a16="http://schemas.microsoft.com/office/drawing/2014/main" id="{E0C7576F-FDF0-4DF4-B5D1-9A0EB9970A67}"/>
               </a:ext>
             </a:extLst>
           </p:cNvPr>
           <p:cNvSpPr/>
           <p:nvPr/>
         </p:nvSpPr>
-        <p:spPr bwMode="auto">
-          <a:xfrm>
-            <a:off x="0" y="0"/>
-            <a:ext cx="1080000" cy="5143500"/>
-          </a:xfrm>
-          <a:prstGeom prst="rect">
-            <a:avLst/>
-          </a:prstGeom>
-          <a:solidFill>
-            <a:srgbClr val="004868"/>
-          </a:solidFill>
-          <a:ln w="9525" cap="flat" cmpd="sng" algn="ctr">
-            <a:noFill/>
-            <a:prstDash val="solid"/>
-            <a:round/>
-            <a:headEnd type="none" w="med" len="med"/>
-            <a:tailEnd type="none" w="med" len="med"/>
-          </a:ln>
-          <a:effectLst/>
-        </p:spPr>
-        <p:txBody>
-          <a:bodyPr vert="horz" wrap="square" lIns="77925" tIns="38963" rIns="77925" bIns="38963" numCol="1" rtlCol="0" anchor="ctr" anchorCtr="0" compatLnSpc="1">
-            <a:prstTxWarp prst="textNoShape">
-              <a:avLst/>
-            </a:prstTxWarp>
-          </a:bodyPr>
-          <a:lstStyle/>
-          <a:p>
-            <a:pPr>
-              <a:lnSpc>
-                <a:spcPct val="93000"/>
-              </a:lnSpc>
-              <a:buClr>
-                <a:srgbClr val="000000"/>
-              </a:buClr>
-              <a:buSzPct val="100000"/>
-            </a:pPr>
-            <a:endParaRPr lang="ru-RU" sz="2000" b="1" dirty="0">
-              <a:solidFill>
-                <a:schemeClr val="bg1"/>
-              </a:solidFill>
-              <a:latin typeface="Century Gothic" panose="020B0502020202020204" pitchFamily="34" charset="0"/>
-            </a:endParaRPr>
-          </a:p>
-        </p:txBody>
-      </p:sp>
-      <p:sp>
-        <p:nvSpPr>
-          <p:cNvPr id="25" name="Rectangle 1"/>
-          <p:cNvSpPr txBox="1">
-            <a:spLocks noChangeArrowheads="1"/>
-          </p:cNvSpPr>
-          <p:nvPr/>
-        </p:nvSpPr>
         <p:spPr>
           <a:xfrm>
-            <a:off x="2990262" y="921650"/>
-            <a:ext cx="5830209" cy="3787273"/>
+            <a:off x="2920823" y="1131590"/>
+            <a:ext cx="6110664" cy="1200329"/>
           </a:xfrm>
           <a:prstGeom prst="rect">
             <a:avLst/>
           </a:prstGeom>
         </p:spPr>
         <p:txBody>
-          <a:bodyPr vert="horz" lIns="91440" tIns="45720" rIns="91440" bIns="45720" rtlCol="0" anchor="t">
-            <a:normAutofit/>
-          </a:bodyPr>
-          <a:lstStyle>
-            <a:lvl1pPr algn="ctr" defTabSz="914400" rtl="0" eaLnBrk="1" latinLnBrk="0" hangingPunct="1">
-              <a:spcBef>
-                <a:spcPct val="0"/>
-              </a:spcBef>
-              <a:buNone/>
-              <a:defRPr sz="4400" kern="1200">
-                <a:solidFill>
-                  <a:schemeClr val="tx1"/>
-                </a:solidFill>
-                <a:latin typeface="+mj-lt"/>
-                <a:ea typeface="+mj-ea"/>
-                <a:cs typeface="+mj-cs"/>
-              </a:defRPr>
-            </a:lvl1pPr>
-          </a:lstStyle>
-          <a:p>
-            <a:pPr marL="257175" indent="-254794" algn="l">
-              <a:spcBef>
-                <a:spcPts val="450"/>
-              </a:spcBef>
-              <a:tabLst>
-                <a:tab pos="257175" algn="l"/>
-                <a:tab pos="335756" algn="l"/>
-                <a:tab pos="672704" algn="l"/>
-                <a:tab pos="1009650" algn="l"/>
-                <a:tab pos="1346597" algn="l"/>
-                <a:tab pos="1683544" algn="l"/>
-                <a:tab pos="2020491" algn="l"/>
-                <a:tab pos="2357438" algn="l"/>
-                <a:tab pos="2694385" algn="l"/>
-                <a:tab pos="3031331" algn="l"/>
-                <a:tab pos="3368279" algn="l"/>
-                <a:tab pos="3705225" algn="l"/>
-                <a:tab pos="4042172" algn="l"/>
-                <a:tab pos="4379119" algn="l"/>
-                <a:tab pos="4716066" algn="l"/>
-                <a:tab pos="5053013" algn="l"/>
-                <a:tab pos="5389960" algn="l"/>
-                <a:tab pos="5726906" algn="l"/>
-                <a:tab pos="6063854" algn="l"/>
-                <a:tab pos="6400800" algn="l"/>
-                <a:tab pos="6737747" algn="l"/>
-              </a:tabLst>
-            </a:pPr>
-            <a:r>
-              <a:rPr lang="en-US" altLang="ru-RU" sz="3200" dirty="0">
-                <a:cs typeface="Times New Roman" panose="02020603050405020304" pitchFamily="18" charset="0"/>
-              </a:rPr>
-              <a:t>                     </a:t>
-            </a:r>
-            <a:endParaRPr lang="ru-RU" altLang="ru-RU" sz="3200" dirty="0">
-              <a:cs typeface="Times New Roman" panose="02020603050405020304" pitchFamily="18" charset="0"/>
-            </a:endParaRPr>
-          </a:p>
-        </p:txBody>
-      </p:sp>
-      <p:sp>
-        <p:nvSpPr>
-          <p:cNvPr id="2" name="Номер слайда 1">
-            <a:extLst>
-              <a:ext uri="{FF2B5EF4-FFF2-40B4-BE49-F238E27FC236}">
-                <a16:creationId xmlns:a16="http://schemas.microsoft.com/office/drawing/2014/main" id="{E337A08D-3A8E-4E89-BC69-A001F02E6E0C}"/>
-              </a:ext>
-            </a:extLst>
-          </p:cNvPr>
-          <p:cNvSpPr>
-            <a:spLocks noGrp="1"/>
-          </p:cNvSpPr>
-          <p:nvPr>
-            <p:ph type="sldNum" sz="quarter" idx="12"/>
-          </p:nvPr>
-        </p:nvSpPr>
-        <p:spPr/>
-        <p:txBody>
-          <a:bodyPr/>
-          <a:lstStyle/>
-          <a:p>
-            <a:fld id="{B19B0651-EE4F-4900-A07F-96A6BFA9D0F0}" type="slidenum">
-              <a:rPr lang="ru-RU" smtClean="0"/>
-              <a:pPr/>
-              <a:t>9</a:t>
-            </a:fld>
-            <a:endParaRPr lang="ru-RU"/>
-          </a:p>
-        </p:txBody>
-      </p:sp>
-      <p:cxnSp>
-        <p:nvCxnSpPr>
-          <p:cNvPr id="8" name="Прямая соединительная линия 7">
-            <a:extLst>
-              <a:ext uri="{FF2B5EF4-FFF2-40B4-BE49-F238E27FC236}">
-                <a16:creationId xmlns:a16="http://schemas.microsoft.com/office/drawing/2014/main" id="{8CE828DF-A9C3-4B2E-BB9A-236C9E8131AE}"/>
-              </a:ext>
-            </a:extLst>
-          </p:cNvPr>
-          <p:cNvCxnSpPr>
-            <a:cxnSpLocks/>
-          </p:cNvCxnSpPr>
-          <p:nvPr/>
-        </p:nvCxnSpPr>
-        <p:spPr>
-          <a:xfrm>
-            <a:off x="3059832" y="867700"/>
-            <a:ext cx="5832648" cy="0"/>
-          </a:xfrm>
-          <a:prstGeom prst="line">
-            <a:avLst/>
-          </a:prstGeom>
-          <a:ln w="28575">
-            <a:solidFill>
-              <a:schemeClr val="tx2"/>
-            </a:solidFill>
-          </a:ln>
-        </p:spPr>
-        <p:style>
-          <a:lnRef idx="1">
-            <a:schemeClr val="accent1"/>
-          </a:lnRef>
-          <a:fillRef idx="0">
-            <a:schemeClr val="accent1"/>
-          </a:fillRef>
-          <a:effectRef idx="0">
-            <a:schemeClr val="accent1"/>
-          </a:effectRef>
-          <a:fontRef idx="minor">
-            <a:schemeClr val="tx1"/>
-          </a:fontRef>
-        </p:style>
-      </p:cxnSp>
-      <p:sp>
-        <p:nvSpPr>
-          <p:cNvPr id="9" name="Прямоугольник 8">
-            <a:extLst>
-              <a:ext uri="{FF2B5EF4-FFF2-40B4-BE49-F238E27FC236}">
-                <a16:creationId xmlns:a16="http://schemas.microsoft.com/office/drawing/2014/main" id="{1986159B-90C6-4663-8A8F-0AB613A5E9A9}"/>
-              </a:ext>
-            </a:extLst>
-          </p:cNvPr>
-          <p:cNvSpPr/>
-          <p:nvPr/>
-        </p:nvSpPr>
-        <p:spPr>
-          <a:xfrm>
-            <a:off x="3203848" y="299798"/>
-            <a:ext cx="6110664" cy="461665"/>
-          </a:xfrm>
-          <a:prstGeom prst="rect">
-            <a:avLst/>
-          </a:prstGeom>
-        </p:spPr>
-        <p:txBody>
           <a:bodyPr wrap="square">
             <a:spAutoFit/>
           </a:bodyPr>
           <a:lstStyle/>
           <a:p>
             <a:r>
-              <a:rPr lang="ru-RU" sz="2400" b="1" dirty="0">
+              <a:rPr lang="ru-RU" sz="2400" dirty="0">
                 <a:solidFill>
                   <a:schemeClr val="tx2"/>
                 </a:solidFill>
                 <a:latin typeface="Verdana" panose="020B0604030504040204" pitchFamily="34" charset="0"/>
                 <a:ea typeface="Verdana" panose="020B0604030504040204" pitchFamily="34" charset="0"/>
               </a:rPr>
-              <a:t>Диаграмма классов</a:t>
-            </a:r>
-          </a:p>
-        </p:txBody>
-      </p:sp>
-      <p:pic>
-        <p:nvPicPr>
-          <p:cNvPr id="4" name="Рисунок 3">
-            <a:extLst>
-              <a:ext uri="{FF2B5EF4-FFF2-40B4-BE49-F238E27FC236}">
-                <a16:creationId xmlns:a16="http://schemas.microsoft.com/office/drawing/2014/main" id="{E5AABA71-6D2A-42FC-98CF-0C2245A064F3}"/>
-              </a:ext>
-            </a:extLst>
-          </p:cNvPr>
-          <p:cNvPicPr>
-            <a:picLocks noChangeAspect="1"/>
-          </p:cNvPicPr>
-          <p:nvPr/>
-        </p:nvPicPr>
-        <p:blipFill>
-          <a:blip r:embed="rId3">
-            <a:extLst>
-              <a:ext uri="{28A0092B-C50C-407E-A947-70E740481C1C}">
-                <a14:useLocalDpi xmlns:a14="http://schemas.microsoft.com/office/drawing/2010/main" val="0"/>
-              </a:ext>
-            </a:extLst>
-          </a:blip>
-          <a:stretch>
-            <a:fillRect/>
-          </a:stretch>
-        </p:blipFill>
-        <p:spPr>
-          <a:xfrm>
-            <a:off x="2915816" y="1059582"/>
-            <a:ext cx="3816424" cy="3816424"/>
-          </a:xfrm>
-          <a:prstGeom prst="rect">
-            <a:avLst/>
-          </a:prstGeom>
-        </p:spPr>
-      </p:pic>
+              <a:t>Про </a:t>
+            </a:r>
+            <a:r>
+              <a:rPr lang="ru-RU" sz="2400" dirty="0" err="1">
+                <a:solidFill>
+                  <a:schemeClr val="tx2"/>
+                </a:solidFill>
+                <a:latin typeface="Verdana" panose="020B0604030504040204" pitchFamily="34" charset="0"/>
+                <a:ea typeface="Verdana" panose="020B0604030504040204" pitchFamily="34" charset="0"/>
+              </a:rPr>
+              <a:t>касперский</a:t>
+            </a:r>
+            <a:r>
+              <a:rPr lang="ru-RU" sz="2400" dirty="0">
+                <a:solidFill>
+                  <a:schemeClr val="tx2"/>
+                </a:solidFill>
+                <a:latin typeface="Verdana" panose="020B0604030504040204" pitchFamily="34" charset="0"/>
+                <a:ea typeface="Verdana" panose="020B0604030504040204" pitchFamily="34" charset="0"/>
+              </a:rPr>
+              <a:t> ОС в структуре ПО</a:t>
+            </a:r>
+          </a:p>
+          <a:p>
+            <a:r>
+              <a:rPr lang="ru-RU" sz="2400" dirty="0">
+                <a:solidFill>
+                  <a:schemeClr val="tx2"/>
+                </a:solidFill>
+                <a:latin typeface="Verdana" panose="020B0604030504040204" pitchFamily="34" charset="0"/>
+                <a:ea typeface="Verdana" panose="020B0604030504040204" pitchFamily="34" charset="0"/>
+              </a:rPr>
+              <a:t>Нарисовать схему с </a:t>
+            </a:r>
+            <a:r>
+              <a:rPr lang="en-US" sz="2400" dirty="0">
+                <a:solidFill>
+                  <a:schemeClr val="tx2"/>
+                </a:solidFill>
+                <a:latin typeface="Verdana" panose="020B0604030504040204" pitchFamily="34" charset="0"/>
+                <a:ea typeface="Verdana" panose="020B0604030504040204" pitchFamily="34" charset="0"/>
+              </a:rPr>
+              <a:t>VFS, </a:t>
+            </a:r>
+            <a:r>
+              <a:rPr lang="ru-RU" sz="2400" dirty="0">
+                <a:solidFill>
+                  <a:schemeClr val="tx2"/>
+                </a:solidFill>
+                <a:latin typeface="Verdana" panose="020B0604030504040204" pitchFamily="34" charset="0"/>
+                <a:ea typeface="Verdana" panose="020B0604030504040204" pitchFamily="34" charset="0"/>
+              </a:rPr>
+              <a:t>драйвер сетевой, </a:t>
+            </a:r>
+            <a:r>
+              <a:rPr lang="en-US" sz="2400" dirty="0">
+                <a:solidFill>
+                  <a:schemeClr val="tx2"/>
+                </a:solidFill>
+                <a:latin typeface="Verdana" panose="020B0604030504040204" pitchFamily="34" charset="0"/>
+                <a:ea typeface="Verdana" panose="020B0604030504040204" pitchFamily="34" charset="0"/>
+              </a:rPr>
+              <a:t>EDL)</a:t>
+            </a:r>
+            <a:endParaRPr lang="ru-RU" sz="2400" dirty="0">
+              <a:solidFill>
+                <a:schemeClr val="tx2"/>
+              </a:solidFill>
+              <a:latin typeface="Verdana" panose="020B0604030504040204" pitchFamily="34" charset="0"/>
+              <a:ea typeface="Verdana" panose="020B0604030504040204" pitchFamily="34" charset="0"/>
+            </a:endParaRPr>
+          </a:p>
+        </p:txBody>
+      </p:sp>
     </p:spTree>
     <p:extLst>
       <p:ext uri="{BB962C8B-B14F-4D97-AF65-F5344CB8AC3E}">
-        <p14:creationId xmlns:p14="http://schemas.microsoft.com/office/powerpoint/2010/main" val="3345184733"/>
+        <p14:creationId xmlns:p14="http://schemas.microsoft.com/office/powerpoint/2010/main" val="1406301044"/>
       </p:ext>
     </p:extLst>
   </p:cSld>

--- a/doc/Presentation.pptx
+++ b/doc/Presentation.pptx
@@ -5,7 +5,7 @@
     <p:sldMasterId id="2147483672" r:id="rId1"/>
   </p:sldMasterIdLst>
   <p:notesMasterIdLst>
-    <p:notesMasterId r:id="rId14"/>
+    <p:notesMasterId r:id="rId12"/>
   </p:notesMasterIdLst>
   <p:sldIdLst>
     <p:sldId id="296" r:id="rId2"/>
@@ -13,13 +13,11 @@
     <p:sldId id="471" r:id="rId4"/>
     <p:sldId id="492" r:id="rId5"/>
     <p:sldId id="512" r:id="rId6"/>
-    <p:sldId id="513" r:id="rId7"/>
-    <p:sldId id="495" r:id="rId8"/>
+    <p:sldId id="495" r:id="rId7"/>
+    <p:sldId id="494" r:id="rId8"/>
     <p:sldId id="491" r:id="rId9"/>
-    <p:sldId id="493" r:id="rId10"/>
-    <p:sldId id="494" r:id="rId11"/>
-    <p:sldId id="511" r:id="rId12"/>
-    <p:sldId id="510" r:id="rId13"/>
+    <p:sldId id="511" r:id="rId10"/>
+    <p:sldId id="510" r:id="rId11"/>
   </p:sldIdLst>
   <p:sldSz cx="9144000" cy="5143500" type="screen16x9"/>
   <p:notesSz cx="6858000" cy="9144000"/>
@@ -128,11 +126,9 @@
             <p14:sldId id="471"/>
             <p14:sldId id="492"/>
             <p14:sldId id="512"/>
-            <p14:sldId id="513"/>
             <p14:sldId id="495"/>
+            <p14:sldId id="494"/>
             <p14:sldId id="491"/>
-            <p14:sldId id="493"/>
-            <p14:sldId id="494"/>
             <p14:sldId id="511"/>
             <p14:sldId id="510"/>
           </p14:sldIdLst>
@@ -140,7 +136,7 @@
       </p14:sectionLst>
     </p:ext>
     <p:ext uri="{EFAFB233-063F-42B5-8137-9DF3F51BA10A}">
-      <p15:sldGuideLst xmlns:p15="http://schemas.microsoft.com/office/powerpoint/2012/main">
+      <p15:sldGuideLst xmlns:p15="http://schemas.microsoft.com/office/powerpoint/2012/main" xmlns="">
         <p15:guide id="1" orient="horz" pos="395" userDrawn="1">
           <p15:clr>
             <a:srgbClr val="A4A3A4"/>
@@ -923,7 +919,7 @@
             <a:fld id="{07FB6C91-1D9B-4FCD-AD06-4155113BD50C}" type="slidenum">
               <a:rPr lang="ru-RU" smtClean="0"/>
               <a:pPr/>
-              <a:t>7</a:t>
+              <a:t>6</a:t>
             </a:fld>
             <a:endParaRPr lang="ru-RU"/>
           </a:p>
@@ -1037,7 +1033,7 @@
             <a:fld id="{07FB6C91-1D9B-4FCD-AD06-4155113BD50C}" type="slidenum">
               <a:rPr lang="ru-RU" smtClean="0"/>
               <a:pPr/>
-              <a:t>8</a:t>
+              <a:t>7</a:t>
             </a:fld>
             <a:endParaRPr lang="ru-RU"/>
           </a:p>
@@ -1046,7 +1042,7 @@
     </p:spTree>
     <p:extLst>
       <p:ext uri="{BB962C8B-B14F-4D97-AF65-F5344CB8AC3E}">
-        <p14:creationId xmlns:p14="http://schemas.microsoft.com/office/powerpoint/2010/main" val="1626901591"/>
+        <p14:creationId xmlns:p14="http://schemas.microsoft.com/office/powerpoint/2010/main" val="1514218338"/>
       </p:ext>
     </p:extLst>
   </p:cSld>
@@ -1151,7 +1147,7 @@
             <a:fld id="{07FB6C91-1D9B-4FCD-AD06-4155113BD50C}" type="slidenum">
               <a:rPr lang="ru-RU" smtClean="0"/>
               <a:pPr/>
-              <a:t>9</a:t>
+              <a:t>8</a:t>
             </a:fld>
             <a:endParaRPr lang="ru-RU"/>
           </a:p>
@@ -1160,121 +1156,7 @@
     </p:spTree>
     <p:extLst>
       <p:ext uri="{BB962C8B-B14F-4D97-AF65-F5344CB8AC3E}">
-        <p14:creationId xmlns:p14="http://schemas.microsoft.com/office/powerpoint/2010/main" val="479667484"/>
-      </p:ext>
-    </p:extLst>
-  </p:cSld>
-  <p:clrMapOvr>
-    <a:masterClrMapping/>
-  </p:clrMapOvr>
-</p:notes>
-</file>
-
-<file path=ppt/notesSlides/notesSlide7.xml><?xml version="1.0" encoding="utf-8"?>
-<p:notes xmlns:a="http://schemas.openxmlformats.org/drawingml/2006/main" xmlns:r="http://schemas.openxmlformats.org/officeDocument/2006/relationships" xmlns:p="http://schemas.openxmlformats.org/presentationml/2006/main">
-  <p:cSld>
-    <p:spTree>
-      <p:nvGrpSpPr>
-        <p:cNvPr id="1" name=""/>
-        <p:cNvGrpSpPr/>
-        <p:nvPr/>
-      </p:nvGrpSpPr>
-      <p:grpSpPr>
-        <a:xfrm>
-          <a:off x="0" y="0"/>
-          <a:ext cx="0" cy="0"/>
-          <a:chOff x="0" y="0"/>
-          <a:chExt cx="0" cy="0"/>
-        </a:xfrm>
-      </p:grpSpPr>
-      <p:sp>
-        <p:nvSpPr>
-          <p:cNvPr id="2" name="Образ слайда 1"/>
-          <p:cNvSpPr>
-            <a:spLocks noGrp="1" noRot="1" noChangeAspect="1"/>
-          </p:cNvSpPr>
-          <p:nvPr>
-            <p:ph type="sldImg"/>
-          </p:nvPr>
-        </p:nvSpPr>
-        <p:spPr/>
-      </p:sp>
-      <p:sp>
-        <p:nvSpPr>
-          <p:cNvPr id="3" name="Заметки 2"/>
-          <p:cNvSpPr>
-            <a:spLocks noGrp="1"/>
-          </p:cNvSpPr>
-          <p:nvPr>
-            <p:ph type="body" idx="1"/>
-          </p:nvPr>
-        </p:nvSpPr>
-        <p:spPr/>
-        <p:txBody>
-          <a:bodyPr/>
-          <a:lstStyle/>
-          <a:p>
-            <a:r>
-              <a:rPr lang="ru-RU" dirty="0"/>
-              <a:t>Уязвимость</a:t>
-            </a:r>
-            <a:r>
-              <a:rPr lang="ru-RU" baseline="0" dirty="0"/>
-              <a:t> есть – утверждение</a:t>
-            </a:r>
-          </a:p>
-          <a:p>
-            <a:r>
-              <a:rPr lang="en-US" baseline="0" dirty="0"/>
-              <a:t>- </a:t>
-            </a:r>
-            <a:r>
-              <a:rPr lang="ru-RU" baseline="0" dirty="0"/>
-              <a:t>Если злоумышленник знает</a:t>
-            </a:r>
-            <a:endParaRPr lang="en-US" baseline="0" dirty="0"/>
-          </a:p>
-          <a:p>
-            <a:r>
-              <a:rPr lang="en-US" baseline="0" dirty="0"/>
-              <a:t>P=</a:t>
-            </a:r>
-            <a:r>
-              <a:rPr lang="ru-RU" baseline="0" dirty="0"/>
-              <a:t>1.0 – при бесконечных ресурсах за бесконечное время</a:t>
-            </a:r>
-            <a:endParaRPr lang="ru-RU" dirty="0"/>
-          </a:p>
-        </p:txBody>
-      </p:sp>
-      <p:sp>
-        <p:nvSpPr>
-          <p:cNvPr id="4" name="Номер слайда 3"/>
-          <p:cNvSpPr>
-            <a:spLocks noGrp="1"/>
-          </p:cNvSpPr>
-          <p:nvPr>
-            <p:ph type="sldNum" sz="quarter" idx="10"/>
-          </p:nvPr>
-        </p:nvSpPr>
-        <p:spPr/>
-        <p:txBody>
-          <a:bodyPr/>
-          <a:lstStyle/>
-          <a:p>
-            <a:fld id="{07FB6C91-1D9B-4FCD-AD06-4155113BD50C}" type="slidenum">
-              <a:rPr lang="ru-RU" smtClean="0"/>
-              <a:pPr/>
-              <a:t>10</a:t>
-            </a:fld>
-            <a:endParaRPr lang="ru-RU"/>
-          </a:p>
-        </p:txBody>
-      </p:sp>
-    </p:spTree>
-    <p:extLst>
-      <p:ext uri="{BB962C8B-B14F-4D97-AF65-F5344CB8AC3E}">
-        <p14:creationId xmlns:p14="http://schemas.microsoft.com/office/powerpoint/2010/main" val="1514218338"/>
+        <p14:creationId xmlns:p14="http://schemas.microsoft.com/office/powerpoint/2010/main" val="1626901591"/>
       </p:ext>
     </p:extLst>
   </p:cSld>
@@ -2317,7 +2199,7 @@
           <p:cNvPr id="2" name="Заголовок 1">
             <a:extLst>
               <a:ext uri="{FF2B5EF4-FFF2-40B4-BE49-F238E27FC236}">
-                <a16:creationId xmlns:a16="http://schemas.microsoft.com/office/drawing/2014/main" id="{1187A9FC-966E-4F88-A65A-7E03044F5433}"/>
+                <a16:creationId xmlns:a16="http://schemas.microsoft.com/office/drawing/2014/main" xmlns="" id="{1187A9FC-966E-4F88-A65A-7E03044F5433}"/>
               </a:ext>
             </a:extLst>
           </p:cNvPr>
@@ -2345,7 +2227,7 @@
           <p:cNvPr id="3" name="Дата 2">
             <a:extLst>
               <a:ext uri="{FF2B5EF4-FFF2-40B4-BE49-F238E27FC236}">
-                <a16:creationId xmlns:a16="http://schemas.microsoft.com/office/drawing/2014/main" id="{7625A992-FDE0-409C-A39E-4079FE954E51}"/>
+                <a16:creationId xmlns:a16="http://schemas.microsoft.com/office/drawing/2014/main" xmlns="" id="{7625A992-FDE0-409C-A39E-4079FE954E51}"/>
               </a:ext>
             </a:extLst>
           </p:cNvPr>
@@ -2374,7 +2256,7 @@
           <p:cNvPr id="4" name="Нижний колонтитул 3">
             <a:extLst>
               <a:ext uri="{FF2B5EF4-FFF2-40B4-BE49-F238E27FC236}">
-                <a16:creationId xmlns:a16="http://schemas.microsoft.com/office/drawing/2014/main" id="{93E533D9-BB3D-4C32-AC6D-B5D461B6EECE}"/>
+                <a16:creationId xmlns:a16="http://schemas.microsoft.com/office/drawing/2014/main" xmlns="" id="{93E533D9-BB3D-4C32-AC6D-B5D461B6EECE}"/>
               </a:ext>
             </a:extLst>
           </p:cNvPr>
@@ -2399,7 +2281,7 @@
           <p:cNvPr id="5" name="Номер слайда 4">
             <a:extLst>
               <a:ext uri="{FF2B5EF4-FFF2-40B4-BE49-F238E27FC236}">
-                <a16:creationId xmlns:a16="http://schemas.microsoft.com/office/drawing/2014/main" id="{B403D20D-06F7-4FCC-AFCB-E8F2F26A01BF}"/>
+                <a16:creationId xmlns:a16="http://schemas.microsoft.com/office/drawing/2014/main" xmlns="" id="{B403D20D-06F7-4FCC-AFCB-E8F2F26A01BF}"/>
               </a:ext>
             </a:extLst>
           </p:cNvPr>
@@ -2429,7 +2311,7 @@
           <p:cNvPr id="7" name="Текст 6">
             <a:extLst>
               <a:ext uri="{FF2B5EF4-FFF2-40B4-BE49-F238E27FC236}">
-                <a16:creationId xmlns:a16="http://schemas.microsoft.com/office/drawing/2014/main" id="{9DF0B83D-EEFA-4CD3-ABB2-378315AC97AA}"/>
+                <a16:creationId xmlns:a16="http://schemas.microsoft.com/office/drawing/2014/main" xmlns="" id="{9DF0B83D-EEFA-4CD3-ABB2-378315AC97AA}"/>
               </a:ext>
             </a:extLst>
           </p:cNvPr>
@@ -4478,7 +4360,7 @@
           <p:cNvPr id="23" name="Полилиния: фигура 22">
             <a:extLst>
               <a:ext uri="{FF2B5EF4-FFF2-40B4-BE49-F238E27FC236}">
-                <a16:creationId xmlns:a16="http://schemas.microsoft.com/office/drawing/2014/main" id="{2346EF01-306A-45F1-B49E-ADB43FC604E8}"/>
+                <a16:creationId xmlns:a16="http://schemas.microsoft.com/office/drawing/2014/main" xmlns="" id="{2346EF01-306A-45F1-B49E-ADB43FC604E8}"/>
               </a:ext>
             </a:extLst>
           </p:cNvPr>
@@ -4575,7 +4457,7 @@
           <p:cNvPr id="7" name="TextBox 6">
             <a:extLst>
               <a:ext uri="{FF2B5EF4-FFF2-40B4-BE49-F238E27FC236}">
-                <a16:creationId xmlns:a16="http://schemas.microsoft.com/office/drawing/2014/main" id="{DB65D454-9513-AE4B-B897-CBE3585FB02C}"/>
+                <a16:creationId xmlns:a16="http://schemas.microsoft.com/office/drawing/2014/main" xmlns="" id="{DB65D454-9513-AE4B-B897-CBE3585FB02C}"/>
               </a:ext>
             </a:extLst>
           </p:cNvPr>
@@ -4627,6 +4509,16 @@
               </a:rPr>
               <a:t>Авиационный</a:t>
             </a:r>
+            <a:r>
+              <a:rPr lang="en-US" sz="3200" b="1" dirty="0">
+                <a:solidFill>
+                  <a:schemeClr val="bg1"/>
+                </a:solidFill>
+                <a:latin typeface="Verdana" panose="020B0604030504040204" pitchFamily="34" charset="0"/>
+                <a:ea typeface="Verdana" panose="020B0604030504040204" pitchFamily="34" charset="0"/>
+              </a:rPr>
+              <a:t/>
+            </a:r>
             <a:br>
               <a:rPr lang="en-US" sz="3200" b="1" dirty="0">
                 <a:solidFill>
@@ -4707,7 +4599,7 @@
           <p:cNvPr id="25" name="TextBox 24">
             <a:extLst>
               <a:ext uri="{FF2B5EF4-FFF2-40B4-BE49-F238E27FC236}">
-                <a16:creationId xmlns:a16="http://schemas.microsoft.com/office/drawing/2014/main" id="{5F839AF4-2DA2-448E-9D55-17402DA471EB}"/>
+                <a16:creationId xmlns:a16="http://schemas.microsoft.com/office/drawing/2014/main" xmlns="" id="{5F839AF4-2DA2-448E-9D55-17402DA471EB}"/>
               </a:ext>
             </a:extLst>
           </p:cNvPr>
@@ -4765,7 +4657,7 @@
           <p:cNvPr id="9" name="Рисунок 8" descr="Изображение выглядит как фотография, знак, черный, белый&#10;&#10;Автоматически созданное описание">
             <a:extLst>
               <a:ext uri="{FF2B5EF4-FFF2-40B4-BE49-F238E27FC236}">
-                <a16:creationId xmlns:a16="http://schemas.microsoft.com/office/drawing/2014/main" id="{074BF89E-2F5E-4138-803A-5E07BFE000CD}"/>
+                <a16:creationId xmlns:a16="http://schemas.microsoft.com/office/drawing/2014/main" xmlns="" id="{074BF89E-2F5E-4138-803A-5E07BFE000CD}"/>
               </a:ext>
             </a:extLst>
           </p:cNvPr>
@@ -4801,7 +4693,7 @@
           <p:cNvPr id="8" name="Прямоугольник 7">
             <a:extLst>
               <a:ext uri="{FF2B5EF4-FFF2-40B4-BE49-F238E27FC236}">
-                <a16:creationId xmlns:a16="http://schemas.microsoft.com/office/drawing/2014/main" id="{B22E2906-0F12-4345-BF21-9247EC5D1052}"/>
+                <a16:creationId xmlns:a16="http://schemas.microsoft.com/office/drawing/2014/main" xmlns="" id="{B22E2906-0F12-4345-BF21-9247EC5D1052}"/>
               </a:ext>
             </a:extLst>
           </p:cNvPr>
@@ -4958,7 +4850,7 @@
           <p:cNvPr id="2" name="Номер слайда 1">
             <a:extLst>
               <a:ext uri="{FF2B5EF4-FFF2-40B4-BE49-F238E27FC236}">
-                <a16:creationId xmlns:a16="http://schemas.microsoft.com/office/drawing/2014/main" id="{BA9CF357-4FFB-4B7D-AC71-7714293F20AA}"/>
+                <a16:creationId xmlns:a16="http://schemas.microsoft.com/office/drawing/2014/main" xmlns="" id="{BA9CF357-4FFB-4B7D-AC71-7714293F20AA}"/>
               </a:ext>
             </a:extLst>
           </p:cNvPr>
@@ -5010,10 +4902,10 @@
       </p:grpSpPr>
       <p:sp>
         <p:nvSpPr>
-          <p:cNvPr id="45" name="Прямоугольник 44">
+          <p:cNvPr id="5" name="Прямоугольник 4">
             <a:extLst>
               <a:ext uri="{FF2B5EF4-FFF2-40B4-BE49-F238E27FC236}">
-                <a16:creationId xmlns:a16="http://schemas.microsoft.com/office/drawing/2014/main" id="{F844FAD0-BFD3-42F8-8444-0D4247E6F864}"/>
+                <a16:creationId xmlns:a16="http://schemas.microsoft.com/office/drawing/2014/main" xmlns="" id="{73F08337-4FBD-49CA-B7CF-082FB8F03E03}"/>
               </a:ext>
             </a:extLst>
           </p:cNvPr>
@@ -5023,7 +4915,7 @@
         <p:spPr bwMode="auto">
           <a:xfrm>
             <a:off x="0" y="0"/>
-            <a:ext cx="1080000" cy="5143500"/>
+            <a:ext cx="2160000" cy="5143500"/>
           </a:xfrm>
           <a:prstGeom prst="rect">
             <a:avLst/>
@@ -5068,88 +4960,10 @@
       </p:sp>
       <p:sp>
         <p:nvSpPr>
-          <p:cNvPr id="25" name="Rectangle 1"/>
-          <p:cNvSpPr txBox="1">
-            <a:spLocks noChangeArrowheads="1"/>
-          </p:cNvSpPr>
-          <p:nvPr/>
-        </p:nvSpPr>
-        <p:spPr>
-          <a:xfrm>
-            <a:off x="2990262" y="921650"/>
-            <a:ext cx="5830209" cy="3787273"/>
-          </a:xfrm>
-          <a:prstGeom prst="rect">
-            <a:avLst/>
-          </a:prstGeom>
-        </p:spPr>
-        <p:txBody>
-          <a:bodyPr vert="horz" lIns="91440" tIns="45720" rIns="91440" bIns="45720" rtlCol="0" anchor="t">
-            <a:normAutofit/>
-          </a:bodyPr>
-          <a:lstStyle>
-            <a:lvl1pPr algn="ctr" defTabSz="914400" rtl="0" eaLnBrk="1" latinLnBrk="0" hangingPunct="1">
-              <a:spcBef>
-                <a:spcPct val="0"/>
-              </a:spcBef>
-              <a:buNone/>
-              <a:defRPr sz="4400" kern="1200">
-                <a:solidFill>
-                  <a:schemeClr val="tx1"/>
-                </a:solidFill>
-                <a:latin typeface="+mj-lt"/>
-                <a:ea typeface="+mj-ea"/>
-                <a:cs typeface="+mj-cs"/>
-              </a:defRPr>
-            </a:lvl1pPr>
-          </a:lstStyle>
-          <a:p>
-            <a:pPr marL="257175" indent="-254794" algn="l">
-              <a:spcBef>
-                <a:spcPts val="450"/>
-              </a:spcBef>
-              <a:tabLst>
-                <a:tab pos="257175" algn="l"/>
-                <a:tab pos="335756" algn="l"/>
-                <a:tab pos="672704" algn="l"/>
-                <a:tab pos="1009650" algn="l"/>
-                <a:tab pos="1346597" algn="l"/>
-                <a:tab pos="1683544" algn="l"/>
-                <a:tab pos="2020491" algn="l"/>
-                <a:tab pos="2357438" algn="l"/>
-                <a:tab pos="2694385" algn="l"/>
-                <a:tab pos="3031331" algn="l"/>
-                <a:tab pos="3368279" algn="l"/>
-                <a:tab pos="3705225" algn="l"/>
-                <a:tab pos="4042172" algn="l"/>
-                <a:tab pos="4379119" algn="l"/>
-                <a:tab pos="4716066" algn="l"/>
-                <a:tab pos="5053013" algn="l"/>
-                <a:tab pos="5389960" algn="l"/>
-                <a:tab pos="5726906" algn="l"/>
-                <a:tab pos="6063854" algn="l"/>
-                <a:tab pos="6400800" algn="l"/>
-                <a:tab pos="6737747" algn="l"/>
-              </a:tabLst>
-            </a:pPr>
-            <a:r>
-              <a:rPr lang="en-US" altLang="ru-RU" sz="3200" dirty="0">
-                <a:cs typeface="Times New Roman" panose="02020603050405020304" pitchFamily="18" charset="0"/>
-              </a:rPr>
-              <a:t>                     </a:t>
-            </a:r>
-            <a:endParaRPr lang="ru-RU" altLang="ru-RU" sz="3200" dirty="0">
-              <a:cs typeface="Times New Roman" panose="02020603050405020304" pitchFamily="18" charset="0"/>
-            </a:endParaRPr>
-          </a:p>
-        </p:txBody>
-      </p:sp>
-      <p:sp>
-        <p:nvSpPr>
-          <p:cNvPr id="2" name="Номер слайда 1">
+          <p:cNvPr id="4" name="Номер слайда 3">
             <a:extLst>
               <a:ext uri="{FF2B5EF4-FFF2-40B4-BE49-F238E27FC236}">
-                <a16:creationId xmlns:a16="http://schemas.microsoft.com/office/drawing/2014/main" id="{E337A08D-3A8E-4E89-BC69-A001F02E6E0C}"/>
+                <a16:creationId xmlns:a16="http://schemas.microsoft.com/office/drawing/2014/main" xmlns="" id="{A551EE03-DA75-45CF-B8DB-377A0C8A47E0}"/>
               </a:ext>
             </a:extLst>
           </p:cNvPr>
@@ -5174,12 +4988,377 @@
           </a:p>
         </p:txBody>
       </p:sp>
+      <p:sp>
+        <p:nvSpPr>
+          <p:cNvPr id="6" name="Прямоугольник 5">
+            <a:extLst>
+              <a:ext uri="{FF2B5EF4-FFF2-40B4-BE49-F238E27FC236}">
+                <a16:creationId xmlns:a16="http://schemas.microsoft.com/office/drawing/2014/main" xmlns="" id="{BB7E2663-AD02-4F1A-96DD-A2715B9F7167}"/>
+              </a:ext>
+            </a:extLst>
+          </p:cNvPr>
+          <p:cNvSpPr/>
+          <p:nvPr/>
+        </p:nvSpPr>
+        <p:spPr>
+          <a:xfrm>
+            <a:off x="3707904" y="699542"/>
+            <a:ext cx="4978896" cy="1569660"/>
+          </a:xfrm>
+          <a:prstGeom prst="rect">
+            <a:avLst/>
+          </a:prstGeom>
+        </p:spPr>
+        <p:txBody>
+          <a:bodyPr wrap="square">
+            <a:spAutoFit/>
+          </a:bodyPr>
+          <a:lstStyle/>
+          <a:p>
+            <a:r>
+              <a:rPr lang="ru-RU" sz="4800" b="1" dirty="0">
+                <a:solidFill>
+                  <a:schemeClr val="tx2"/>
+                </a:solidFill>
+                <a:latin typeface="Verdana" panose="020B0604030504040204" pitchFamily="34" charset="0"/>
+                <a:ea typeface="Verdana" panose="020B0604030504040204" pitchFamily="34" charset="0"/>
+              </a:rPr>
+              <a:t>Спасибо за внимание!</a:t>
+            </a:r>
+          </a:p>
+        </p:txBody>
+      </p:sp>
+      <p:sp>
+        <p:nvSpPr>
+          <p:cNvPr id="7" name="Объект 2">
+            <a:extLst>
+              <a:ext uri="{FF2B5EF4-FFF2-40B4-BE49-F238E27FC236}">
+                <a16:creationId xmlns:a16="http://schemas.microsoft.com/office/drawing/2014/main" xmlns="" id="{DB15A276-4B35-4D81-AA85-B979C4E0F219}"/>
+              </a:ext>
+            </a:extLst>
+          </p:cNvPr>
+          <p:cNvSpPr>
+            <a:spLocks noGrp="1"/>
+          </p:cNvSpPr>
+          <p:nvPr>
+            <p:ph idx="1"/>
+          </p:nvPr>
+        </p:nvSpPr>
+        <p:spPr>
+          <a:xfrm>
+            <a:off x="2267744" y="2843310"/>
+            <a:ext cx="6624736" cy="1728192"/>
+          </a:xfrm>
+        </p:spPr>
+        <p:txBody>
+          <a:bodyPr>
+            <a:normAutofit/>
+          </a:bodyPr>
+          <a:lstStyle/>
+          <a:p>
+            <a:pPr marL="0" indent="0">
+              <a:buNone/>
+            </a:pPr>
+            <a:r>
+              <a:rPr lang="ru-RU" sz="1600" dirty="0">
+                <a:solidFill>
+                  <a:schemeClr val="tx2"/>
+                </a:solidFill>
+                <a:latin typeface="Verdana" panose="020B0604030504040204" pitchFamily="34" charset="0"/>
+                <a:ea typeface="Verdana" panose="020B0604030504040204" pitchFamily="34" charset="0"/>
+              </a:rPr>
+              <a:t>Цатурьян Константин		</a:t>
+            </a:r>
+            <a:r>
+              <a:rPr lang="en-US" sz="1600" dirty="0">
+                <a:solidFill>
+                  <a:schemeClr val="tx2"/>
+                </a:solidFill>
+                <a:latin typeface="Verdana" panose="020B0604030504040204" pitchFamily="34" charset="0"/>
+                <a:ea typeface="Verdana" panose="020B0604030504040204" pitchFamily="34" charset="0"/>
+              </a:rPr>
+              <a:t>	@</a:t>
+            </a:r>
+            <a:r>
+              <a:rPr lang="en-US" sz="1600" dirty="0" err="1">
+                <a:solidFill>
+                  <a:schemeClr val="tx2"/>
+                </a:solidFill>
+                <a:latin typeface="Verdana" panose="020B0604030504040204" pitchFamily="34" charset="0"/>
+                <a:ea typeface="Verdana" panose="020B0604030504040204" pitchFamily="34" charset="0"/>
+              </a:rPr>
+              <a:t>fanglores</a:t>
+            </a:r>
+            <a:endParaRPr lang="en-US" sz="1600" dirty="0">
+              <a:solidFill>
+                <a:schemeClr val="tx2"/>
+              </a:solidFill>
+              <a:latin typeface="Verdana" panose="020B0604030504040204" pitchFamily="34" charset="0"/>
+              <a:ea typeface="Verdana" panose="020B0604030504040204" pitchFamily="34" charset="0"/>
+            </a:endParaRPr>
+          </a:p>
+          <a:p>
+            <a:pPr marL="0" indent="0">
+              <a:buNone/>
+            </a:pPr>
+            <a:r>
+              <a:rPr lang="ru-RU" sz="1600" dirty="0">
+                <a:solidFill>
+                  <a:schemeClr val="tx2"/>
+                </a:solidFill>
+                <a:latin typeface="Verdana" panose="020B0604030504040204" pitchFamily="34" charset="0"/>
+                <a:ea typeface="Verdana" panose="020B0604030504040204" pitchFamily="34" charset="0"/>
+              </a:rPr>
+              <a:t>Тимошенко Александр		</a:t>
+            </a:r>
+            <a:r>
+              <a:rPr lang="en-US" sz="1600" dirty="0">
+                <a:solidFill>
+                  <a:schemeClr val="tx2"/>
+                </a:solidFill>
+                <a:latin typeface="Verdana" panose="020B0604030504040204" pitchFamily="34" charset="0"/>
+                <a:ea typeface="Verdana" panose="020B0604030504040204" pitchFamily="34" charset="0"/>
+              </a:rPr>
+              <a:t>	@</a:t>
+            </a:r>
+            <a:r>
+              <a:rPr lang="en-US" sz="1600" dirty="0" err="1">
+                <a:solidFill>
+                  <a:schemeClr val="tx2"/>
+                </a:solidFill>
+                <a:latin typeface="Verdana" panose="020B0604030504040204" pitchFamily="34" charset="0"/>
+                <a:ea typeface="Verdana" panose="020B0604030504040204" pitchFamily="34" charset="0"/>
+              </a:rPr>
+              <a:t>timoshenkoalex</a:t>
+            </a:r>
+            <a:endParaRPr lang="en-US" sz="1600" dirty="0">
+              <a:solidFill>
+                <a:schemeClr val="tx2"/>
+              </a:solidFill>
+              <a:latin typeface="Verdana" panose="020B0604030504040204" pitchFamily="34" charset="0"/>
+              <a:ea typeface="Verdana" panose="020B0604030504040204" pitchFamily="34" charset="0"/>
+            </a:endParaRPr>
+          </a:p>
+          <a:p>
+            <a:pPr marL="0" indent="0">
+              <a:buNone/>
+            </a:pPr>
+            <a:r>
+              <a:rPr lang="ru-RU" sz="1600" dirty="0" err="1">
+                <a:solidFill>
+                  <a:schemeClr val="tx2"/>
+                </a:solidFill>
+                <a:latin typeface="Verdana" panose="020B0604030504040204" pitchFamily="34" charset="0"/>
+                <a:ea typeface="Verdana" panose="020B0604030504040204" pitchFamily="34" charset="0"/>
+              </a:rPr>
+              <a:t>Кострицына</a:t>
+            </a:r>
+            <a:r>
+              <a:rPr lang="ru-RU" sz="1600" dirty="0">
+                <a:solidFill>
+                  <a:schemeClr val="tx2"/>
+                </a:solidFill>
+                <a:latin typeface="Verdana" panose="020B0604030504040204" pitchFamily="34" charset="0"/>
+                <a:ea typeface="Verdana" panose="020B0604030504040204" pitchFamily="34" charset="0"/>
+              </a:rPr>
+              <a:t> Анастасия 		</a:t>
+            </a:r>
+            <a:r>
+              <a:rPr lang="en-US" sz="1600" dirty="0">
+                <a:solidFill>
+                  <a:schemeClr val="tx2"/>
+                </a:solidFill>
+                <a:latin typeface="Verdana" panose="020B0604030504040204" pitchFamily="34" charset="0"/>
+                <a:ea typeface="Verdana" panose="020B0604030504040204" pitchFamily="34" charset="0"/>
+              </a:rPr>
+              <a:t>	@Anapkost</a:t>
+            </a:r>
+          </a:p>
+          <a:p>
+            <a:pPr marL="0" indent="0">
+              <a:buNone/>
+            </a:pPr>
+            <a:r>
+              <a:rPr lang="en-US" sz="1600" dirty="0">
+                <a:solidFill>
+                  <a:schemeClr val="tx2"/>
+                </a:solidFill>
+                <a:latin typeface="Verdana" panose="020B0604030504040204" pitchFamily="34" charset="0"/>
+                <a:ea typeface="Verdana" panose="020B0604030504040204" pitchFamily="34" charset="0"/>
+              </a:rPr>
+              <a:t>			      </a:t>
+            </a:r>
+          </a:p>
+          <a:p>
+            <a:pPr marL="0" indent="0">
+              <a:buNone/>
+            </a:pPr>
+            <a:r>
+              <a:rPr lang="ru-RU" sz="1600" dirty="0">
+                <a:solidFill>
+                  <a:schemeClr val="tx2"/>
+                </a:solidFill>
+                <a:latin typeface="Verdana" panose="020B0604030504040204" pitchFamily="34" charset="0"/>
+                <a:ea typeface="Verdana" panose="020B0604030504040204" pitchFamily="34" charset="0"/>
+              </a:rPr>
+              <a:t>Максимов Алексей</a:t>
+            </a:r>
+            <a:r>
+              <a:rPr lang="en-US" sz="1600" dirty="0">
+                <a:latin typeface="Verdana" panose="020B0604030504040204" pitchFamily="34" charset="0"/>
+                <a:ea typeface="Verdana" panose="020B0604030504040204" pitchFamily="34" charset="0"/>
+              </a:rPr>
+              <a:t>			</a:t>
+            </a:r>
+            <a:r>
+              <a:rPr lang="en-US" sz="1600" dirty="0">
+                <a:solidFill>
+                  <a:schemeClr val="tx2"/>
+                </a:solidFill>
+                <a:latin typeface="Verdana" panose="020B0604030504040204" pitchFamily="34" charset="0"/>
+                <a:ea typeface="Verdana" panose="020B0604030504040204" pitchFamily="34" charset="0"/>
+              </a:rPr>
+              <a:t>@</a:t>
+            </a:r>
+            <a:endParaRPr lang="ru-RU" sz="1600" dirty="0">
+              <a:solidFill>
+                <a:schemeClr val="tx2"/>
+              </a:solidFill>
+              <a:latin typeface="Verdana" panose="020B0604030504040204" pitchFamily="34" charset="0"/>
+              <a:ea typeface="Verdana" panose="020B0604030504040204" pitchFamily="34" charset="0"/>
+            </a:endParaRPr>
+          </a:p>
+        </p:txBody>
+      </p:sp>
+      <p:pic>
+        <p:nvPicPr>
+          <p:cNvPr id="3074" name="Picture 2" descr="C:\Users\kosiya\Pictures\Links\telegram.png"/>
+          <p:cNvPicPr>
+            <a:picLocks noChangeAspect="1" noChangeArrowheads="1"/>
+          </p:cNvPicPr>
+          <p:nvPr/>
+        </p:nvPicPr>
+        <p:blipFill>
+          <a:blip r:embed="rId2" cstate="print">
+            <a:extLst>
+              <a:ext uri="{28A0092B-C50C-407E-A947-70E740481C1C}">
+                <a14:useLocalDpi xmlns:a14="http://schemas.microsoft.com/office/drawing/2010/main" val="0"/>
+              </a:ext>
+            </a:extLst>
+          </a:blip>
+          <a:srcRect/>
+          <a:stretch>
+            <a:fillRect/>
+          </a:stretch>
+        </p:blipFill>
+        <p:spPr bwMode="auto">
+          <a:xfrm>
+            <a:off x="5508104" y="2853224"/>
+            <a:ext cx="870346" cy="870346"/>
+          </a:xfrm>
+          <a:prstGeom prst="rect">
+            <a:avLst/>
+          </a:prstGeom>
+          <a:noFill/>
+          <a:extLst>
+            <a:ext uri="{909E8E84-426E-40DD-AFC4-6F175D3DCCD1}">
+              <a14:hiddenFill xmlns:a14="http://schemas.microsoft.com/office/drawing/2010/main">
+                <a:solidFill>
+                  <a:srgbClr val="FFFFFF"/>
+                </a:solidFill>
+              </a14:hiddenFill>
+            </a:ext>
+          </a:extLst>
+        </p:spPr>
+      </p:pic>
+    </p:spTree>
+    <p:extLst>
+      <p:ext uri="{BB962C8B-B14F-4D97-AF65-F5344CB8AC3E}">
+        <p14:creationId xmlns:p14="http://schemas.microsoft.com/office/powerpoint/2010/main" val="3991138808"/>
+      </p:ext>
+    </p:extLst>
+  </p:cSld>
+  <p:clrMapOvr>
+    <a:masterClrMapping/>
+  </p:clrMapOvr>
+</p:sld>
+</file>
+
+<file path=ppt/slides/slide2.xml><?xml version="1.0" encoding="utf-8"?>
+<p:sld xmlns:a="http://schemas.openxmlformats.org/drawingml/2006/main" xmlns:r="http://schemas.openxmlformats.org/officeDocument/2006/relationships" xmlns:p="http://schemas.openxmlformats.org/presentationml/2006/main">
+  <p:cSld>
+    <p:spTree>
+      <p:nvGrpSpPr>
+        <p:cNvPr id="1" name=""/>
+        <p:cNvGrpSpPr/>
+        <p:nvPr/>
+      </p:nvGrpSpPr>
+      <p:grpSpPr>
+        <a:xfrm>
+          <a:off x="0" y="0"/>
+          <a:ext cx="0" cy="0"/>
+          <a:chOff x="0" y="0"/>
+          <a:chExt cx="0" cy="0"/>
+        </a:xfrm>
+      </p:grpSpPr>
+      <p:sp>
+        <p:nvSpPr>
+          <p:cNvPr id="9" name="Прямоугольник 8"/>
+          <p:cNvSpPr/>
+          <p:nvPr/>
+        </p:nvSpPr>
+        <p:spPr bwMode="auto">
+          <a:xfrm>
+            <a:off x="0" y="0"/>
+            <a:ext cx="2160000" cy="5143500"/>
+          </a:xfrm>
+          <a:prstGeom prst="rect">
+            <a:avLst/>
+          </a:prstGeom>
+          <a:solidFill>
+            <a:srgbClr val="004868"/>
+          </a:solidFill>
+          <a:ln w="9525" cap="flat" cmpd="sng" algn="ctr">
+            <a:noFill/>
+            <a:prstDash val="solid"/>
+            <a:round/>
+            <a:headEnd type="none" w="med" len="med"/>
+            <a:tailEnd type="none" w="med" len="med"/>
+          </a:ln>
+          <a:effectLst/>
+        </p:spPr>
+        <p:txBody>
+          <a:bodyPr vert="horz" wrap="square" lIns="77925" tIns="38963" rIns="77925" bIns="38963" numCol="1" rtlCol="0" anchor="ctr" anchorCtr="0" compatLnSpc="1">
+            <a:prstTxWarp prst="textNoShape">
+              <a:avLst/>
+            </a:prstTxWarp>
+          </a:bodyPr>
+          <a:lstStyle/>
+          <a:p>
+            <a:pPr>
+              <a:lnSpc>
+                <a:spcPct val="93000"/>
+              </a:lnSpc>
+              <a:buClr>
+                <a:srgbClr val="000000"/>
+              </a:buClr>
+              <a:buSzPct val="100000"/>
+            </a:pPr>
+            <a:endParaRPr lang="ru-RU" sz="2000" b="1" dirty="0">
+              <a:solidFill>
+                <a:schemeClr val="bg1"/>
+              </a:solidFill>
+              <a:latin typeface="Century Gothic" panose="020B0502020202020204" pitchFamily="34" charset="0"/>
+            </a:endParaRPr>
+          </a:p>
+        </p:txBody>
+      </p:sp>
       <p:cxnSp>
         <p:nvCxnSpPr>
-          <p:cNvPr id="8" name="Прямая соединительная линия 7">
+          <p:cNvPr id="30" name="Прямая соединительная линия 29">
             <a:extLst>
               <a:ext uri="{FF2B5EF4-FFF2-40B4-BE49-F238E27FC236}">
-                <a16:creationId xmlns:a16="http://schemas.microsoft.com/office/drawing/2014/main" id="{8CE828DF-A9C3-4B2E-BB9A-236C9E8131AE}"/>
+                <a16:creationId xmlns:a16="http://schemas.microsoft.com/office/drawing/2014/main" xmlns="" id="{F004EEAE-9E59-4362-892F-11F0597BBF49}"/>
               </a:ext>
             </a:extLst>
           </p:cNvPr>
@@ -5219,10 +5398,1107 @@
       </p:cxnSp>
       <p:sp>
         <p:nvSpPr>
-          <p:cNvPr id="9" name="Прямоугольник 8">
+          <p:cNvPr id="3" name="Номер слайда 2">
             <a:extLst>
               <a:ext uri="{FF2B5EF4-FFF2-40B4-BE49-F238E27FC236}">
-                <a16:creationId xmlns:a16="http://schemas.microsoft.com/office/drawing/2014/main" id="{1986159B-90C6-4663-8A8F-0AB613A5E9A9}"/>
+                <a16:creationId xmlns:a16="http://schemas.microsoft.com/office/drawing/2014/main" xmlns="" id="{9879899F-8DEE-4C3F-B4F8-8A504F60C80B}"/>
+              </a:ext>
+            </a:extLst>
+          </p:cNvPr>
+          <p:cNvSpPr>
+            <a:spLocks noGrp="1"/>
+          </p:cNvSpPr>
+          <p:nvPr>
+            <p:ph type="sldNum" sz="quarter" idx="12"/>
+          </p:nvPr>
+        </p:nvSpPr>
+        <p:spPr/>
+        <p:txBody>
+          <a:bodyPr/>
+          <a:lstStyle/>
+          <a:p>
+            <a:fld id="{B19B0651-EE4F-4900-A07F-96A6BFA9D0F0}" type="slidenum">
+              <a:rPr lang="ru-RU" smtClean="0"/>
+              <a:pPr/>
+              <a:t>2</a:t>
+            </a:fld>
+            <a:endParaRPr lang="ru-RU" dirty="0"/>
+          </a:p>
+        </p:txBody>
+      </p:sp>
+      <p:sp>
+        <p:nvSpPr>
+          <p:cNvPr id="14" name="Прямоугольник 13">
+            <a:extLst>
+              <a:ext uri="{FF2B5EF4-FFF2-40B4-BE49-F238E27FC236}">
+                <a16:creationId xmlns:a16="http://schemas.microsoft.com/office/drawing/2014/main" xmlns="" id="{C204DE12-0708-4039-981E-EC5E81BC4662}"/>
+              </a:ext>
+            </a:extLst>
+          </p:cNvPr>
+          <p:cNvSpPr/>
+          <p:nvPr/>
+        </p:nvSpPr>
+        <p:spPr>
+          <a:xfrm>
+            <a:off x="3203848" y="48518"/>
+            <a:ext cx="6110664" cy="830997"/>
+          </a:xfrm>
+          <a:prstGeom prst="rect">
+            <a:avLst/>
+          </a:prstGeom>
+        </p:spPr>
+        <p:txBody>
+          <a:bodyPr wrap="square">
+            <a:spAutoFit/>
+          </a:bodyPr>
+          <a:lstStyle/>
+          <a:p>
+            <a:r>
+              <a:rPr lang="ru-RU" sz="2400" b="1" dirty="0">
+                <a:solidFill>
+                  <a:schemeClr val="tx2"/>
+                </a:solidFill>
+                <a:latin typeface="Verdana" panose="020B0604030504040204" pitchFamily="34" charset="0"/>
+                <a:ea typeface="Verdana" panose="020B0604030504040204" pitchFamily="34" charset="0"/>
+              </a:rPr>
+              <a:t>Актуальность темы. Предмет и объект исследования.</a:t>
+            </a:r>
+          </a:p>
+        </p:txBody>
+      </p:sp>
+      <p:pic>
+        <p:nvPicPr>
+          <p:cNvPr id="1027" name="Picture 3" descr="C:\Users\kosiya\Downloads\airplane.png"/>
+          <p:cNvPicPr>
+            <a:picLocks noChangeAspect="1" noChangeArrowheads="1"/>
+          </p:cNvPicPr>
+          <p:nvPr/>
+        </p:nvPicPr>
+        <p:blipFill>
+          <a:blip r:embed="rId2" cstate="print">
+            <a:extLst>
+              <a:ext uri="{28A0092B-C50C-407E-A947-70E740481C1C}">
+                <a14:useLocalDpi xmlns:a14="http://schemas.microsoft.com/office/drawing/2010/main" val="0"/>
+              </a:ext>
+            </a:extLst>
+          </a:blip>
+          <a:srcRect/>
+          <a:stretch>
+            <a:fillRect/>
+          </a:stretch>
+        </p:blipFill>
+        <p:spPr bwMode="auto">
+          <a:xfrm>
+            <a:off x="262300" y="3524992"/>
+            <a:ext cx="1839600" cy="1379193"/>
+          </a:xfrm>
+          <a:prstGeom prst="rect">
+            <a:avLst/>
+          </a:prstGeom>
+          <a:noFill/>
+          <a:extLst>
+            <a:ext uri="{909E8E84-426E-40DD-AFC4-6F175D3DCCD1}">
+              <a14:hiddenFill xmlns:a14="http://schemas.microsoft.com/office/drawing/2010/main">
+                <a:solidFill>
+                  <a:srgbClr val="FFFFFF"/>
+                </a:solidFill>
+              </a14:hiddenFill>
+            </a:ext>
+          </a:extLst>
+        </p:spPr>
+      </p:pic>
+      <p:pic>
+        <p:nvPicPr>
+          <p:cNvPr id="1026" name="Picture 2">
+            <a:extLst>
+              <a:ext uri="{FF2B5EF4-FFF2-40B4-BE49-F238E27FC236}">
+                <a16:creationId xmlns:a16="http://schemas.microsoft.com/office/drawing/2014/main" xmlns="" id="{17C112DF-E30E-4E91-BE1E-B73E5466DF10}"/>
+              </a:ext>
+            </a:extLst>
+          </p:cNvPr>
+          <p:cNvPicPr>
+            <a:picLocks noChangeAspect="1" noChangeArrowheads="1"/>
+          </p:cNvPicPr>
+          <p:nvPr/>
+        </p:nvPicPr>
+        <p:blipFill>
+          <a:blip r:embed="rId3">
+            <a:extLst>
+              <a:ext uri="{28A0092B-C50C-407E-A947-70E740481C1C}">
+                <a14:useLocalDpi xmlns:a14="http://schemas.microsoft.com/office/drawing/2010/main" val="0"/>
+              </a:ext>
+            </a:extLst>
+          </a:blip>
+          <a:srcRect/>
+          <a:stretch>
+            <a:fillRect/>
+          </a:stretch>
+        </p:blipFill>
+        <p:spPr bwMode="auto">
+          <a:xfrm>
+            <a:off x="3059833" y="967036"/>
+            <a:ext cx="5832648" cy="3888432"/>
+          </a:xfrm>
+          <a:prstGeom prst="rect">
+            <a:avLst/>
+          </a:prstGeom>
+          <a:noFill/>
+          <a:extLst>
+            <a:ext uri="{909E8E84-426E-40DD-AFC4-6F175D3DCCD1}">
+              <a14:hiddenFill xmlns:a14="http://schemas.microsoft.com/office/drawing/2010/main">
+                <a:solidFill>
+                  <a:srgbClr val="FFFFFF"/>
+                </a:solidFill>
+              </a14:hiddenFill>
+            </a:ext>
+          </a:extLst>
+        </p:spPr>
+      </p:pic>
+      <p:grpSp>
+        <p:nvGrpSpPr>
+          <p:cNvPr id="10" name="Группа 9">
+            <a:extLst>
+              <a:ext uri="{FF2B5EF4-FFF2-40B4-BE49-F238E27FC236}">
+                <a16:creationId xmlns:a16="http://schemas.microsoft.com/office/drawing/2014/main" xmlns="" id="{C966BB80-279D-40A2-84AF-CDA482DFE0F5}"/>
+              </a:ext>
+            </a:extLst>
+          </p:cNvPr>
+          <p:cNvGrpSpPr/>
+          <p:nvPr/>
+        </p:nvGrpSpPr>
+        <p:grpSpPr>
+          <a:xfrm>
+            <a:off x="132856" y="885334"/>
+            <a:ext cx="2717267" cy="2208506"/>
+            <a:chOff x="174072" y="69738"/>
+            <a:chExt cx="2717267" cy="2208506"/>
+          </a:xfrm>
+        </p:grpSpPr>
+        <p:sp>
+          <p:nvSpPr>
+            <p:cNvPr id="11" name="Прямоугольник 10">
+              <a:extLst>
+                <a:ext uri="{FF2B5EF4-FFF2-40B4-BE49-F238E27FC236}">
+                  <a16:creationId xmlns:a16="http://schemas.microsoft.com/office/drawing/2014/main" xmlns="" id="{1C3373F8-AC50-4FE4-9BFB-C2ABC5937CCF}"/>
+                </a:ext>
+              </a:extLst>
+            </p:cNvPr>
+            <p:cNvSpPr/>
+            <p:nvPr/>
+          </p:nvSpPr>
+          <p:spPr>
+            <a:xfrm>
+              <a:off x="182776" y="176182"/>
+              <a:ext cx="307777" cy="307777"/>
+            </a:xfrm>
+            <a:prstGeom prst="rect">
+              <a:avLst/>
+            </a:prstGeom>
+            <a:solidFill>
+              <a:schemeClr val="bg1">
+                <a:lumMod val="95000"/>
+              </a:schemeClr>
+            </a:solidFill>
+            <a:ln>
+              <a:noFill/>
+            </a:ln>
+          </p:spPr>
+          <p:style>
+            <a:lnRef idx="2">
+              <a:schemeClr val="accent1">
+                <a:shade val="50000"/>
+              </a:schemeClr>
+            </a:lnRef>
+            <a:fillRef idx="1">
+              <a:schemeClr val="accent1"/>
+            </a:fillRef>
+            <a:effectRef idx="0">
+              <a:schemeClr val="accent1"/>
+            </a:effectRef>
+            <a:fontRef idx="minor">
+              <a:schemeClr val="lt1"/>
+            </a:fontRef>
+          </p:style>
+          <p:txBody>
+            <a:bodyPr rtlCol="0" anchor="ctr"/>
+            <a:lstStyle/>
+            <a:p>
+              <a:pPr algn="ctr"/>
+              <a:endParaRPr lang="ru-RU" dirty="0"/>
+            </a:p>
+          </p:txBody>
+        </p:sp>
+        <p:sp>
+          <p:nvSpPr>
+            <p:cNvPr id="12" name="Прямоугольник 11">
+              <a:extLst>
+                <a:ext uri="{FF2B5EF4-FFF2-40B4-BE49-F238E27FC236}">
+                  <a16:creationId xmlns:a16="http://schemas.microsoft.com/office/drawing/2014/main" xmlns="" id="{4DFE0403-DA90-48B3-8870-BB7651570C39}"/>
+                </a:ext>
+              </a:extLst>
+            </p:cNvPr>
+            <p:cNvSpPr/>
+            <p:nvPr/>
+          </p:nvSpPr>
+          <p:spPr>
+            <a:xfrm>
+              <a:off x="174072" y="1970467"/>
+              <a:ext cx="307777" cy="307777"/>
+            </a:xfrm>
+            <a:prstGeom prst="rect">
+              <a:avLst/>
+            </a:prstGeom>
+            <a:solidFill>
+              <a:schemeClr val="bg1">
+                <a:lumMod val="95000"/>
+              </a:schemeClr>
+            </a:solidFill>
+            <a:ln>
+              <a:noFill/>
+            </a:ln>
+          </p:spPr>
+          <p:style>
+            <a:lnRef idx="2">
+              <a:schemeClr val="accent1">
+                <a:shade val="50000"/>
+              </a:schemeClr>
+            </a:lnRef>
+            <a:fillRef idx="1">
+              <a:schemeClr val="accent1"/>
+            </a:fillRef>
+            <a:effectRef idx="0">
+              <a:schemeClr val="accent1"/>
+            </a:effectRef>
+            <a:fontRef idx="minor">
+              <a:schemeClr val="lt1"/>
+            </a:fontRef>
+          </p:style>
+          <p:txBody>
+            <a:bodyPr rtlCol="0" anchor="ctr"/>
+            <a:lstStyle/>
+            <a:p>
+              <a:pPr algn="ctr"/>
+              <a:endParaRPr lang="ru-RU"/>
+            </a:p>
+          </p:txBody>
+        </p:sp>
+        <p:sp>
+          <p:nvSpPr>
+            <p:cNvPr id="13" name="Прямоугольник 12">
+              <a:extLst>
+                <a:ext uri="{FF2B5EF4-FFF2-40B4-BE49-F238E27FC236}">
+                  <a16:creationId xmlns:a16="http://schemas.microsoft.com/office/drawing/2014/main" xmlns="" id="{300C2159-07F4-4FED-9B06-CE00C4978DA0}"/>
+                </a:ext>
+              </a:extLst>
+            </p:cNvPr>
+            <p:cNvSpPr/>
+            <p:nvPr/>
+          </p:nvSpPr>
+          <p:spPr>
+            <a:xfrm>
+              <a:off x="174073" y="1053890"/>
+              <a:ext cx="307777" cy="307777"/>
+            </a:xfrm>
+            <a:prstGeom prst="rect">
+              <a:avLst/>
+            </a:prstGeom>
+            <a:solidFill>
+              <a:schemeClr val="bg1">
+                <a:lumMod val="95000"/>
+              </a:schemeClr>
+            </a:solidFill>
+            <a:ln>
+              <a:noFill/>
+            </a:ln>
+          </p:spPr>
+          <p:style>
+            <a:lnRef idx="2">
+              <a:schemeClr val="accent1">
+                <a:shade val="50000"/>
+              </a:schemeClr>
+            </a:lnRef>
+            <a:fillRef idx="1">
+              <a:schemeClr val="accent1"/>
+            </a:fillRef>
+            <a:effectRef idx="0">
+              <a:schemeClr val="accent1"/>
+            </a:effectRef>
+            <a:fontRef idx="minor">
+              <a:schemeClr val="lt1"/>
+            </a:fontRef>
+          </p:style>
+          <p:txBody>
+            <a:bodyPr rtlCol="0" anchor="ctr"/>
+            <a:lstStyle/>
+            <a:p>
+              <a:pPr algn="ctr"/>
+              <a:endParaRPr lang="ru-RU">
+                <a:solidFill>
+                  <a:srgbClr val="7F7F7F"/>
+                </a:solidFill>
+              </a:endParaRPr>
+            </a:p>
+          </p:txBody>
+        </p:sp>
+        <p:sp>
+          <p:nvSpPr>
+            <p:cNvPr id="15" name="TextBox 14">
+              <a:extLst>
+                <a:ext uri="{FF2B5EF4-FFF2-40B4-BE49-F238E27FC236}">
+                  <a16:creationId xmlns:a16="http://schemas.microsoft.com/office/drawing/2014/main" xmlns="" id="{3BBCBA7E-0F94-4396-B31C-676823516FFA}"/>
+                </a:ext>
+              </a:extLst>
+            </p:cNvPr>
+            <p:cNvSpPr txBox="1"/>
+            <p:nvPr/>
+          </p:nvSpPr>
+          <p:spPr>
+            <a:xfrm>
+              <a:off x="475549" y="69738"/>
+              <a:ext cx="2415790" cy="584775"/>
+            </a:xfrm>
+            <a:prstGeom prst="rect">
+              <a:avLst/>
+            </a:prstGeom>
+            <a:noFill/>
+          </p:spPr>
+          <p:txBody>
+            <a:bodyPr wrap="square">
+              <a:spAutoFit/>
+            </a:bodyPr>
+            <a:lstStyle/>
+            <a:p>
+              <a:r>
+                <a:rPr lang="ru-RU" sz="1600" b="1" dirty="0">
+                  <a:solidFill>
+                    <a:schemeClr val="bg1">
+                      <a:lumMod val="95000"/>
+                    </a:schemeClr>
+                  </a:solidFill>
+                  <a:latin typeface="Verdana" panose="020B0604030504040204" pitchFamily="34" charset="0"/>
+                  <a:ea typeface="Verdana" panose="020B0604030504040204" pitchFamily="34" charset="0"/>
+                </a:rPr>
+                <a:t>Система управления</a:t>
+              </a:r>
+              <a:endParaRPr lang="x-none" sz="1600" b="1" dirty="0">
+                <a:solidFill>
+                  <a:schemeClr val="bg1">
+                    <a:lumMod val="95000"/>
+                  </a:schemeClr>
+                </a:solidFill>
+                <a:latin typeface="Verdana" panose="020B0604030504040204" pitchFamily="34" charset="0"/>
+                <a:ea typeface="Verdana" panose="020B0604030504040204" pitchFamily="34" charset="0"/>
+              </a:endParaRPr>
+            </a:p>
+          </p:txBody>
+        </p:sp>
+        <p:sp>
+          <p:nvSpPr>
+            <p:cNvPr id="16" name="Прямоугольник 15">
+              <a:extLst>
+                <a:ext uri="{FF2B5EF4-FFF2-40B4-BE49-F238E27FC236}">
+                  <a16:creationId xmlns:a16="http://schemas.microsoft.com/office/drawing/2014/main" xmlns="" id="{9DF13001-453E-456E-9606-5ACD70C1F22C}"/>
+                </a:ext>
+              </a:extLst>
+            </p:cNvPr>
+            <p:cNvSpPr/>
+            <p:nvPr/>
+          </p:nvSpPr>
+          <p:spPr>
+            <a:xfrm>
+              <a:off x="480092" y="1023113"/>
+              <a:ext cx="1827361" cy="338554"/>
+            </a:xfrm>
+            <a:prstGeom prst="rect">
+              <a:avLst/>
+            </a:prstGeom>
+          </p:spPr>
+          <p:txBody>
+            <a:bodyPr wrap="square">
+              <a:spAutoFit/>
+            </a:bodyPr>
+            <a:lstStyle/>
+            <a:p>
+              <a:r>
+                <a:rPr lang="ru-RU" sz="1600" b="1" dirty="0">
+                  <a:solidFill>
+                    <a:schemeClr val="bg1">
+                      <a:lumMod val="95000"/>
+                    </a:schemeClr>
+                  </a:solidFill>
+                  <a:latin typeface="Verdana" panose="020B0604030504040204" pitchFamily="34" charset="0"/>
+                  <a:ea typeface="Verdana" panose="020B0604030504040204" pitchFamily="34" charset="0"/>
+                </a:rPr>
+                <a:t>Роботизация</a:t>
+              </a:r>
+            </a:p>
+          </p:txBody>
+        </p:sp>
+      </p:grpSp>
+      <p:sp>
+        <p:nvSpPr>
+          <p:cNvPr id="17" name="Прямоугольник 16">
+            <a:extLst>
+              <a:ext uri="{FF2B5EF4-FFF2-40B4-BE49-F238E27FC236}">
+                <a16:creationId xmlns:a16="http://schemas.microsoft.com/office/drawing/2014/main" xmlns="" id="{4178CC85-0238-47F8-9C95-8ED6B85E84DE}"/>
+              </a:ext>
+            </a:extLst>
+          </p:cNvPr>
+          <p:cNvSpPr/>
+          <p:nvPr/>
+        </p:nvSpPr>
+        <p:spPr>
+          <a:xfrm>
+            <a:off x="516243" y="2661651"/>
+            <a:ext cx="1453466" cy="338554"/>
+          </a:xfrm>
+          <a:prstGeom prst="rect">
+            <a:avLst/>
+          </a:prstGeom>
+        </p:spPr>
+        <p:txBody>
+          <a:bodyPr wrap="square">
+            <a:spAutoFit/>
+          </a:bodyPr>
+          <a:lstStyle/>
+          <a:p>
+            <a:r>
+              <a:rPr lang="ru-RU" sz="1600" b="1" dirty="0">
+                <a:solidFill>
+                  <a:schemeClr val="bg1">
+                    <a:lumMod val="95000"/>
+                  </a:schemeClr>
+                </a:solidFill>
+                <a:latin typeface="Verdana" panose="020B0604030504040204" pitchFamily="34" charset="0"/>
+                <a:ea typeface="Verdana" panose="020B0604030504040204" pitchFamily="34" charset="0"/>
+              </a:rPr>
+              <a:t>.</a:t>
+            </a:r>
+          </a:p>
+        </p:txBody>
+      </p:sp>
+    </p:spTree>
+    <p:extLst>
+      <p:ext uri="{BB962C8B-B14F-4D97-AF65-F5344CB8AC3E}">
+        <p14:creationId xmlns:p14="http://schemas.microsoft.com/office/powerpoint/2010/main" val="3556394761"/>
+      </p:ext>
+    </p:extLst>
+  </p:cSld>
+  <p:clrMapOvr>
+    <a:masterClrMapping/>
+  </p:clrMapOvr>
+</p:sld>
+</file>
+
+<file path=ppt/slides/slide3.xml><?xml version="1.0" encoding="utf-8"?>
+<p:sld xmlns:a="http://schemas.openxmlformats.org/drawingml/2006/main" xmlns:r="http://schemas.openxmlformats.org/officeDocument/2006/relationships" xmlns:p="http://schemas.openxmlformats.org/presentationml/2006/main" show="0">
+  <p:cSld>
+    <p:spTree>
+      <p:nvGrpSpPr>
+        <p:cNvPr id="1" name=""/>
+        <p:cNvGrpSpPr/>
+        <p:nvPr/>
+      </p:nvGrpSpPr>
+      <p:grpSpPr>
+        <a:xfrm>
+          <a:off x="0" y="0"/>
+          <a:ext cx="0" cy="0"/>
+          <a:chOff x="0" y="0"/>
+          <a:chExt cx="0" cy="0"/>
+        </a:xfrm>
+      </p:grpSpPr>
+      <p:sp>
+        <p:nvSpPr>
+          <p:cNvPr id="45" name="Прямоугольник 44">
+            <a:extLst>
+              <a:ext uri="{FF2B5EF4-FFF2-40B4-BE49-F238E27FC236}">
+                <a16:creationId xmlns:a16="http://schemas.microsoft.com/office/drawing/2014/main" xmlns="" id="{F844FAD0-BFD3-42F8-8444-0D4247E6F864}"/>
+              </a:ext>
+            </a:extLst>
+          </p:cNvPr>
+          <p:cNvSpPr/>
+          <p:nvPr/>
+        </p:nvSpPr>
+        <p:spPr bwMode="auto">
+          <a:xfrm>
+            <a:off x="0" y="0"/>
+            <a:ext cx="2160000" cy="5143500"/>
+          </a:xfrm>
+          <a:prstGeom prst="rect">
+            <a:avLst/>
+          </a:prstGeom>
+          <a:solidFill>
+            <a:srgbClr val="004868"/>
+          </a:solidFill>
+          <a:ln w="9525" cap="flat" cmpd="sng" algn="ctr">
+            <a:noFill/>
+            <a:prstDash val="solid"/>
+            <a:round/>
+            <a:headEnd type="none" w="med" len="med"/>
+            <a:tailEnd type="none" w="med" len="med"/>
+          </a:ln>
+          <a:effectLst/>
+        </p:spPr>
+        <p:txBody>
+          <a:bodyPr vert="horz" wrap="square" lIns="77925" tIns="38963" rIns="77925" bIns="38963" numCol="1" rtlCol="0" anchor="ctr" anchorCtr="0" compatLnSpc="1">
+            <a:prstTxWarp prst="textNoShape">
+              <a:avLst/>
+            </a:prstTxWarp>
+          </a:bodyPr>
+          <a:lstStyle/>
+          <a:p>
+            <a:pPr>
+              <a:lnSpc>
+                <a:spcPct val="93000"/>
+              </a:lnSpc>
+              <a:buClr>
+                <a:srgbClr val="000000"/>
+              </a:buClr>
+              <a:buSzPct val="100000"/>
+            </a:pPr>
+            <a:endParaRPr lang="ru-RU" sz="2000" b="1" dirty="0">
+              <a:solidFill>
+                <a:schemeClr val="bg1"/>
+              </a:solidFill>
+              <a:latin typeface="Century Gothic" panose="020B0502020202020204" pitchFamily="34" charset="0"/>
+            </a:endParaRPr>
+          </a:p>
+        </p:txBody>
+      </p:sp>
+      <p:cxnSp>
+        <p:nvCxnSpPr>
+          <p:cNvPr id="27" name="Прямая соединительная линия 26">
+            <a:extLst>
+              <a:ext uri="{FF2B5EF4-FFF2-40B4-BE49-F238E27FC236}">
+                <a16:creationId xmlns:a16="http://schemas.microsoft.com/office/drawing/2014/main" xmlns="" id="{7D440611-E861-4ADC-BE55-6C5E3E2135B0}"/>
+              </a:ext>
+            </a:extLst>
+          </p:cNvPr>
+          <p:cNvCxnSpPr>
+            <a:cxnSpLocks/>
+          </p:cNvCxnSpPr>
+          <p:nvPr/>
+        </p:nvCxnSpPr>
+        <p:spPr>
+          <a:xfrm>
+            <a:off x="3059832" y="867700"/>
+            <a:ext cx="5832648" cy="0"/>
+          </a:xfrm>
+          <a:prstGeom prst="line">
+            <a:avLst/>
+          </a:prstGeom>
+          <a:ln w="28575">
+            <a:solidFill>
+              <a:schemeClr val="tx2"/>
+            </a:solidFill>
+          </a:ln>
+        </p:spPr>
+        <p:style>
+          <a:lnRef idx="1">
+            <a:schemeClr val="accent1"/>
+          </a:lnRef>
+          <a:fillRef idx="0">
+            <a:schemeClr val="accent1"/>
+          </a:fillRef>
+          <a:effectRef idx="0">
+            <a:schemeClr val="accent1"/>
+          </a:effectRef>
+          <a:fontRef idx="minor">
+            <a:schemeClr val="tx1"/>
+          </a:fontRef>
+        </p:style>
+      </p:cxnSp>
+      <p:sp>
+        <p:nvSpPr>
+          <p:cNvPr id="25" name="Rectangle 1"/>
+          <p:cNvSpPr txBox="1">
+            <a:spLocks noChangeArrowheads="1"/>
+          </p:cNvSpPr>
+          <p:nvPr/>
+        </p:nvSpPr>
+        <p:spPr>
+          <a:xfrm>
+            <a:off x="2990262" y="921650"/>
+            <a:ext cx="5830209" cy="3787273"/>
+          </a:xfrm>
+          <a:prstGeom prst="rect">
+            <a:avLst/>
+          </a:prstGeom>
+        </p:spPr>
+        <p:txBody>
+          <a:bodyPr vert="horz" lIns="91440" tIns="45720" rIns="91440" bIns="45720" rtlCol="0" anchor="t">
+            <a:normAutofit/>
+          </a:bodyPr>
+          <a:lstStyle>
+            <a:lvl1pPr algn="ctr" defTabSz="914400" rtl="0" eaLnBrk="1" latinLnBrk="0" hangingPunct="1">
+              <a:spcBef>
+                <a:spcPct val="0"/>
+              </a:spcBef>
+              <a:buNone/>
+              <a:defRPr sz="4400" kern="1200">
+                <a:solidFill>
+                  <a:schemeClr val="tx1"/>
+                </a:solidFill>
+                <a:latin typeface="+mj-lt"/>
+                <a:ea typeface="+mj-ea"/>
+                <a:cs typeface="+mj-cs"/>
+              </a:defRPr>
+            </a:lvl1pPr>
+          </a:lstStyle>
+          <a:p>
+            <a:pPr marL="257175" indent="-254794" algn="l">
+              <a:spcBef>
+                <a:spcPts val="450"/>
+              </a:spcBef>
+              <a:tabLst>
+                <a:tab pos="257175" algn="l"/>
+                <a:tab pos="335756" algn="l"/>
+                <a:tab pos="672704" algn="l"/>
+                <a:tab pos="1009650" algn="l"/>
+                <a:tab pos="1346597" algn="l"/>
+                <a:tab pos="1683544" algn="l"/>
+                <a:tab pos="2020491" algn="l"/>
+                <a:tab pos="2357438" algn="l"/>
+                <a:tab pos="2694385" algn="l"/>
+                <a:tab pos="3031331" algn="l"/>
+                <a:tab pos="3368279" algn="l"/>
+                <a:tab pos="3705225" algn="l"/>
+                <a:tab pos="4042172" algn="l"/>
+                <a:tab pos="4379119" algn="l"/>
+                <a:tab pos="4716066" algn="l"/>
+                <a:tab pos="5053013" algn="l"/>
+                <a:tab pos="5389960" algn="l"/>
+                <a:tab pos="5726906" algn="l"/>
+                <a:tab pos="6063854" algn="l"/>
+                <a:tab pos="6400800" algn="l"/>
+                <a:tab pos="6737747" algn="l"/>
+              </a:tabLst>
+            </a:pPr>
+            <a:r>
+              <a:rPr lang="en-US" altLang="ru-RU" sz="3200" dirty="0">
+                <a:cs typeface="Times New Roman" panose="02020603050405020304" pitchFamily="18" charset="0"/>
+              </a:rPr>
+              <a:t>                     </a:t>
+            </a:r>
+            <a:endParaRPr lang="ru-RU" altLang="ru-RU" sz="3200" dirty="0">
+              <a:cs typeface="Times New Roman" panose="02020603050405020304" pitchFamily="18" charset="0"/>
+            </a:endParaRPr>
+          </a:p>
+        </p:txBody>
+      </p:sp>
+      <p:grpSp>
+        <p:nvGrpSpPr>
+          <p:cNvPr id="8" name="Группа 7">
+            <a:extLst>
+              <a:ext uri="{FF2B5EF4-FFF2-40B4-BE49-F238E27FC236}">
+                <a16:creationId xmlns:a16="http://schemas.microsoft.com/office/drawing/2014/main" xmlns="" id="{8D89B8A8-CE48-43F1-BB75-3E6B699D7B47}"/>
+              </a:ext>
+            </a:extLst>
+          </p:cNvPr>
+          <p:cNvGrpSpPr/>
+          <p:nvPr/>
+        </p:nvGrpSpPr>
+        <p:grpSpPr>
+          <a:xfrm>
+            <a:off x="243714" y="953093"/>
+            <a:ext cx="2799177" cy="2118472"/>
+            <a:chOff x="174072" y="159772"/>
+            <a:chExt cx="2799177" cy="2118472"/>
+          </a:xfrm>
+        </p:grpSpPr>
+        <p:sp>
+          <p:nvSpPr>
+            <p:cNvPr id="49" name="Прямоугольник 48">
+              <a:extLst>
+                <a:ext uri="{FF2B5EF4-FFF2-40B4-BE49-F238E27FC236}">
+                  <a16:creationId xmlns:a16="http://schemas.microsoft.com/office/drawing/2014/main" xmlns="" id="{FDB282C5-2604-4D7A-8D2A-E546EB65E607}"/>
+                </a:ext>
+              </a:extLst>
+            </p:cNvPr>
+            <p:cNvSpPr/>
+            <p:nvPr/>
+          </p:nvSpPr>
+          <p:spPr>
+            <a:xfrm>
+              <a:off x="182776" y="176182"/>
+              <a:ext cx="307777" cy="307777"/>
+            </a:xfrm>
+            <a:prstGeom prst="rect">
+              <a:avLst/>
+            </a:prstGeom>
+            <a:solidFill>
+              <a:schemeClr val="bg1">
+                <a:lumMod val="95000"/>
+              </a:schemeClr>
+            </a:solidFill>
+            <a:ln>
+              <a:noFill/>
+            </a:ln>
+          </p:spPr>
+          <p:style>
+            <a:lnRef idx="2">
+              <a:schemeClr val="accent1">
+                <a:shade val="50000"/>
+              </a:schemeClr>
+            </a:lnRef>
+            <a:fillRef idx="1">
+              <a:schemeClr val="accent1"/>
+            </a:fillRef>
+            <a:effectRef idx="0">
+              <a:schemeClr val="accent1"/>
+            </a:effectRef>
+            <a:fontRef idx="minor">
+              <a:schemeClr val="lt1"/>
+            </a:fontRef>
+          </p:style>
+          <p:txBody>
+            <a:bodyPr rtlCol="0" anchor="ctr"/>
+            <a:lstStyle/>
+            <a:p>
+              <a:pPr algn="ctr"/>
+              <a:endParaRPr lang="ru-RU" dirty="0"/>
+            </a:p>
+          </p:txBody>
+        </p:sp>
+        <p:sp>
+          <p:nvSpPr>
+            <p:cNvPr id="63" name="Прямоугольник 62">
+              <a:extLst>
+                <a:ext uri="{FF2B5EF4-FFF2-40B4-BE49-F238E27FC236}">
+                  <a16:creationId xmlns:a16="http://schemas.microsoft.com/office/drawing/2014/main" xmlns="" id="{2D33E0AE-D3CC-4355-8650-0C91F2677331}"/>
+                </a:ext>
+              </a:extLst>
+            </p:cNvPr>
+            <p:cNvSpPr/>
+            <p:nvPr/>
+          </p:nvSpPr>
+          <p:spPr>
+            <a:xfrm>
+              <a:off x="174072" y="1970467"/>
+              <a:ext cx="307777" cy="307777"/>
+            </a:xfrm>
+            <a:prstGeom prst="rect">
+              <a:avLst/>
+            </a:prstGeom>
+            <a:solidFill>
+              <a:schemeClr val="bg1">
+                <a:lumMod val="95000"/>
+              </a:schemeClr>
+            </a:solidFill>
+            <a:ln>
+              <a:noFill/>
+            </a:ln>
+          </p:spPr>
+          <p:style>
+            <a:lnRef idx="2">
+              <a:schemeClr val="accent1">
+                <a:shade val="50000"/>
+              </a:schemeClr>
+            </a:lnRef>
+            <a:fillRef idx="1">
+              <a:schemeClr val="accent1"/>
+            </a:fillRef>
+            <a:effectRef idx="0">
+              <a:schemeClr val="accent1"/>
+            </a:effectRef>
+            <a:fontRef idx="minor">
+              <a:schemeClr val="lt1"/>
+            </a:fontRef>
+          </p:style>
+          <p:txBody>
+            <a:bodyPr rtlCol="0" anchor="ctr"/>
+            <a:lstStyle/>
+            <a:p>
+              <a:pPr algn="ctr"/>
+              <a:endParaRPr lang="ru-RU"/>
+            </a:p>
+          </p:txBody>
+        </p:sp>
+        <p:sp>
+          <p:nvSpPr>
+            <p:cNvPr id="71" name="Прямоугольник 70">
+              <a:extLst>
+                <a:ext uri="{FF2B5EF4-FFF2-40B4-BE49-F238E27FC236}">
+                  <a16:creationId xmlns:a16="http://schemas.microsoft.com/office/drawing/2014/main" xmlns="" id="{7BAF04B3-A7AB-4421-99BC-5E3219D990E5}"/>
+                </a:ext>
+              </a:extLst>
+            </p:cNvPr>
+            <p:cNvSpPr/>
+            <p:nvPr/>
+          </p:nvSpPr>
+          <p:spPr>
+            <a:xfrm>
+              <a:off x="174073" y="1053890"/>
+              <a:ext cx="307777" cy="307777"/>
+            </a:xfrm>
+            <a:prstGeom prst="rect">
+              <a:avLst/>
+            </a:prstGeom>
+            <a:solidFill>
+              <a:schemeClr val="bg1">
+                <a:lumMod val="95000"/>
+              </a:schemeClr>
+            </a:solidFill>
+            <a:ln>
+              <a:noFill/>
+            </a:ln>
+          </p:spPr>
+          <p:style>
+            <a:lnRef idx="2">
+              <a:schemeClr val="accent1">
+                <a:shade val="50000"/>
+              </a:schemeClr>
+            </a:lnRef>
+            <a:fillRef idx="1">
+              <a:schemeClr val="accent1"/>
+            </a:fillRef>
+            <a:effectRef idx="0">
+              <a:schemeClr val="accent1"/>
+            </a:effectRef>
+            <a:fontRef idx="minor">
+              <a:schemeClr val="lt1"/>
+            </a:fontRef>
+          </p:style>
+          <p:txBody>
+            <a:bodyPr rtlCol="0" anchor="ctr"/>
+            <a:lstStyle/>
+            <a:p>
+              <a:pPr algn="ctr"/>
+              <a:endParaRPr lang="ru-RU">
+                <a:solidFill>
+                  <a:srgbClr val="7F7F7F"/>
+                </a:solidFill>
+              </a:endParaRPr>
+            </a:p>
+          </p:txBody>
+        </p:sp>
+        <p:sp>
+          <p:nvSpPr>
+            <p:cNvPr id="2" name="TextBox 1">
+              <a:extLst>
+                <a:ext uri="{FF2B5EF4-FFF2-40B4-BE49-F238E27FC236}">
+                  <a16:creationId xmlns:a16="http://schemas.microsoft.com/office/drawing/2014/main" xmlns="" id="{D433A942-CA1E-4148-80E1-D96F3CDADFE8}"/>
+                </a:ext>
+              </a:extLst>
+            </p:cNvPr>
+            <p:cNvSpPr txBox="1"/>
+            <p:nvPr/>
+          </p:nvSpPr>
+          <p:spPr>
+            <a:xfrm>
+              <a:off x="557459" y="159772"/>
+              <a:ext cx="2415790" cy="338554"/>
+            </a:xfrm>
+            <a:prstGeom prst="rect">
+              <a:avLst/>
+            </a:prstGeom>
+            <a:noFill/>
+          </p:spPr>
+          <p:txBody>
+            <a:bodyPr wrap="square">
+              <a:spAutoFit/>
+            </a:bodyPr>
+            <a:lstStyle/>
+            <a:p>
+              <a:r>
+                <a:rPr lang="en-US" sz="1600" b="1" dirty="0">
+                  <a:solidFill>
+                    <a:schemeClr val="bg1">
+                      <a:lumMod val="95000"/>
+                    </a:schemeClr>
+                  </a:solidFill>
+                  <a:latin typeface="Verdana" panose="020B0604030504040204" pitchFamily="34" charset="0"/>
+                  <a:ea typeface="Verdana" panose="020B0604030504040204" pitchFamily="34" charset="0"/>
+                </a:rPr>
+                <a:t>KOS</a:t>
+              </a:r>
+              <a:endParaRPr lang="x-none" sz="1600" b="1" dirty="0">
+                <a:solidFill>
+                  <a:schemeClr val="bg1">
+                    <a:lumMod val="95000"/>
+                  </a:schemeClr>
+                </a:solidFill>
+                <a:latin typeface="Verdana" panose="020B0604030504040204" pitchFamily="34" charset="0"/>
+                <a:ea typeface="Verdana" panose="020B0604030504040204" pitchFamily="34" charset="0"/>
+              </a:endParaRPr>
+            </a:p>
+          </p:txBody>
+        </p:sp>
+        <p:sp>
+          <p:nvSpPr>
+            <p:cNvPr id="29" name="Прямоугольник 28">
+              <a:extLst>
+                <a:ext uri="{FF2B5EF4-FFF2-40B4-BE49-F238E27FC236}">
+                  <a16:creationId xmlns:a16="http://schemas.microsoft.com/office/drawing/2014/main" xmlns="" id="{321E19EC-6BB3-4443-BA33-D6D787D90C0D}"/>
+                </a:ext>
+              </a:extLst>
+            </p:cNvPr>
+            <p:cNvSpPr/>
+            <p:nvPr/>
+          </p:nvSpPr>
+          <p:spPr>
+            <a:xfrm>
+              <a:off x="483386" y="786172"/>
+              <a:ext cx="1644400" cy="830997"/>
+            </a:xfrm>
+            <a:prstGeom prst="rect">
+              <a:avLst/>
+            </a:prstGeom>
+          </p:spPr>
+          <p:txBody>
+            <a:bodyPr wrap="square">
+              <a:spAutoFit/>
+            </a:bodyPr>
+            <a:lstStyle/>
+            <a:p>
+              <a:r>
+                <a:rPr lang="ru-RU" sz="1600" b="1" dirty="0">
+                  <a:solidFill>
+                    <a:schemeClr val="bg1">
+                      <a:lumMod val="95000"/>
+                    </a:schemeClr>
+                  </a:solidFill>
+                  <a:latin typeface="Verdana" panose="020B0604030504040204" pitchFamily="34" charset="0"/>
+                  <a:ea typeface="Verdana" panose="020B0604030504040204" pitchFamily="34" charset="0"/>
+                </a:rPr>
+                <a:t>Автоматизация процесса</a:t>
+              </a:r>
+            </a:p>
+          </p:txBody>
+        </p:sp>
+      </p:grpSp>
+      <p:sp>
+        <p:nvSpPr>
+          <p:cNvPr id="30" name="Прямоугольник 29">
+            <a:extLst>
+              <a:ext uri="{FF2B5EF4-FFF2-40B4-BE49-F238E27FC236}">
+                <a16:creationId xmlns:a16="http://schemas.microsoft.com/office/drawing/2014/main" xmlns="" id="{62E7C219-BF40-42A2-A453-98D897CC3593}"/>
+              </a:ext>
+            </a:extLst>
+          </p:cNvPr>
+          <p:cNvSpPr/>
+          <p:nvPr/>
+        </p:nvSpPr>
+        <p:spPr>
+          <a:xfrm>
+            <a:off x="614502" y="2733010"/>
+            <a:ext cx="2292243" cy="369332"/>
+          </a:xfrm>
+          <a:prstGeom prst="rect">
+            <a:avLst/>
+          </a:prstGeom>
+        </p:spPr>
+        <p:txBody>
+          <a:bodyPr wrap="square">
+            <a:spAutoFit/>
+          </a:bodyPr>
+          <a:lstStyle/>
+          <a:p>
+            <a:r>
+              <a:rPr lang="en-US" sz="1800" b="1" dirty="0">
+                <a:solidFill>
+                  <a:schemeClr val="bg1">
+                    <a:lumMod val="95000"/>
+                  </a:schemeClr>
+                </a:solidFill>
+                <a:latin typeface="Verdana" panose="020B0604030504040204" pitchFamily="34" charset="0"/>
+                <a:ea typeface="Verdana" panose="020B0604030504040204" pitchFamily="34" charset="0"/>
+              </a:rPr>
+              <a:t>TCP/IP</a:t>
+            </a:r>
+            <a:endParaRPr lang="en-US" sz="1800" b="1" dirty="0">
+              <a:solidFill>
+                <a:schemeClr val="bg1">
+                  <a:lumMod val="95000"/>
+                </a:schemeClr>
+              </a:solidFill>
+              <a:latin typeface="Century Gothic" panose="020B0502020202020204" pitchFamily="34" charset="0"/>
+            </a:endParaRPr>
+          </a:p>
+        </p:txBody>
+      </p:sp>
+      <p:sp>
+        <p:nvSpPr>
+          <p:cNvPr id="36" name="Прямоугольник 35"/>
+          <p:cNvSpPr/>
+          <p:nvPr/>
+        </p:nvSpPr>
+        <p:spPr>
+          <a:xfrm>
+            <a:off x="3042891" y="1277280"/>
+            <a:ext cx="6029836" cy="646331"/>
+          </a:xfrm>
+          <a:prstGeom prst="rect">
+            <a:avLst/>
+          </a:prstGeom>
+        </p:spPr>
+        <p:txBody>
+          <a:bodyPr wrap="square">
+            <a:spAutoFit/>
+          </a:bodyPr>
+          <a:lstStyle/>
+          <a:p>
+            <a:r>
+              <a:rPr lang="ru-RU" sz="1800" dirty="0">
+                <a:effectLst/>
+                <a:latin typeface="Times New Roman" panose="02020603050405020304" pitchFamily="18" charset="0"/>
+                <a:ea typeface="Calibri" panose="020F0502020204030204" pitchFamily="34" charset="0"/>
+                <a:cs typeface="Times New Roman" panose="02020603050405020304" pitchFamily="18" charset="0"/>
+              </a:rPr>
+              <a:t>Фотка нашего робота?</a:t>
+            </a:r>
+            <a:endParaRPr lang="ru-RU" sz="1800" dirty="0">
+              <a:effectLst/>
+              <a:latin typeface="Calibri" panose="020F0502020204030204" pitchFamily="34" charset="0"/>
+              <a:ea typeface="Calibri" panose="020F0502020204030204" pitchFamily="34" charset="0"/>
+              <a:cs typeface="Times New Roman" panose="02020603050405020304" pitchFamily="18" charset="0"/>
+            </a:endParaRPr>
+          </a:p>
+          <a:p>
+            <a:endParaRPr lang="ru-RU" sz="1800" dirty="0">
+              <a:solidFill>
+                <a:srgbClr val="FF0000"/>
+              </a:solidFill>
+            </a:endParaRPr>
+          </a:p>
+        </p:txBody>
+      </p:sp>
+      <p:sp>
+        <p:nvSpPr>
+          <p:cNvPr id="6" name="Номер слайда 5">
+            <a:extLst>
+              <a:ext uri="{FF2B5EF4-FFF2-40B4-BE49-F238E27FC236}">
+                <a16:creationId xmlns:a16="http://schemas.microsoft.com/office/drawing/2014/main" xmlns="" id="{91B1A099-D53E-4F79-AD32-FF2BB7379684}"/>
+              </a:ext>
+            </a:extLst>
+          </p:cNvPr>
+          <p:cNvSpPr>
+            <a:spLocks noGrp="1"/>
+          </p:cNvSpPr>
+          <p:nvPr>
+            <p:ph type="sldNum" sz="quarter" idx="12"/>
+          </p:nvPr>
+        </p:nvSpPr>
+        <p:spPr/>
+        <p:txBody>
+          <a:bodyPr/>
+          <a:lstStyle/>
+          <a:p>
+            <a:fld id="{B19B0651-EE4F-4900-A07F-96A6BFA9D0F0}" type="slidenum">
+              <a:rPr lang="ru-RU" smtClean="0"/>
+              <a:pPr/>
+              <a:t>3</a:t>
+            </a:fld>
+            <a:endParaRPr lang="ru-RU" dirty="0"/>
+          </a:p>
+        </p:txBody>
+      </p:sp>
+      <p:sp>
+        <p:nvSpPr>
+          <p:cNvPr id="18" name="Прямоугольник 17">
+            <a:extLst>
+              <a:ext uri="{FF2B5EF4-FFF2-40B4-BE49-F238E27FC236}">
+                <a16:creationId xmlns:a16="http://schemas.microsoft.com/office/drawing/2014/main" xmlns="" id="{CAA77BAE-A556-48A0-978D-90044E75AF67}"/>
               </a:ext>
             </a:extLst>
           </p:cNvPr>
@@ -5252,6 +6528,2026 @@
                 <a:latin typeface="Verdana" panose="020B0604030504040204" pitchFamily="34" charset="0"/>
                 <a:ea typeface="Verdana" panose="020B0604030504040204" pitchFamily="34" charset="0"/>
               </a:rPr>
+              <a:t>Цель. Гипотеза. Задачи.</a:t>
+            </a:r>
+          </a:p>
+        </p:txBody>
+      </p:sp>
+    </p:spTree>
+    <p:extLst>
+      <p:ext uri="{BB962C8B-B14F-4D97-AF65-F5344CB8AC3E}">
+        <p14:creationId xmlns:p14="http://schemas.microsoft.com/office/powerpoint/2010/main" val="2346905493"/>
+      </p:ext>
+    </p:extLst>
+  </p:cSld>
+  <p:clrMapOvr>
+    <a:masterClrMapping/>
+  </p:clrMapOvr>
+  <mc:AlternateContent xmlns:mc="http://schemas.openxmlformats.org/markup-compatibility/2006">
+    <mc:Choice xmlns:p14="http://schemas.microsoft.com/office/powerpoint/2010/main" Requires="p14">
+      <p:transition spd="slow" p14:dur="2000"/>
+    </mc:Choice>
+    <mc:Fallback>
+      <p:transition spd="slow"/>
+    </mc:Fallback>
+  </mc:AlternateContent>
+</p:sld>
+</file>
+
+<file path=ppt/slides/slide4.xml><?xml version="1.0" encoding="utf-8"?>
+<p:sld xmlns:a="http://schemas.openxmlformats.org/drawingml/2006/main" xmlns:r="http://schemas.openxmlformats.org/officeDocument/2006/relationships" xmlns:p="http://schemas.openxmlformats.org/presentationml/2006/main">
+  <p:cSld>
+    <p:spTree>
+      <p:nvGrpSpPr>
+        <p:cNvPr id="1" name=""/>
+        <p:cNvGrpSpPr/>
+        <p:nvPr/>
+      </p:nvGrpSpPr>
+      <p:grpSpPr>
+        <a:xfrm>
+          <a:off x="0" y="0"/>
+          <a:ext cx="0" cy="0"/>
+          <a:chOff x="0" y="0"/>
+          <a:chExt cx="0" cy="0"/>
+        </a:xfrm>
+      </p:grpSpPr>
+      <p:sp>
+        <p:nvSpPr>
+          <p:cNvPr id="45" name="Прямоугольник 44">
+            <a:extLst>
+              <a:ext uri="{FF2B5EF4-FFF2-40B4-BE49-F238E27FC236}">
+                <a16:creationId xmlns:a16="http://schemas.microsoft.com/office/drawing/2014/main" xmlns="" id="{F844FAD0-BFD3-42F8-8444-0D4247E6F864}"/>
+              </a:ext>
+            </a:extLst>
+          </p:cNvPr>
+          <p:cNvSpPr/>
+          <p:nvPr/>
+        </p:nvSpPr>
+        <p:spPr bwMode="auto">
+          <a:xfrm>
+            <a:off x="0" y="0"/>
+            <a:ext cx="1080000" cy="5143500"/>
+          </a:xfrm>
+          <a:prstGeom prst="rect">
+            <a:avLst/>
+          </a:prstGeom>
+          <a:solidFill>
+            <a:srgbClr val="004868"/>
+          </a:solidFill>
+          <a:ln w="9525" cap="flat" cmpd="sng" algn="ctr">
+            <a:noFill/>
+            <a:prstDash val="solid"/>
+            <a:round/>
+            <a:headEnd type="none" w="med" len="med"/>
+            <a:tailEnd type="none" w="med" len="med"/>
+          </a:ln>
+          <a:effectLst/>
+        </p:spPr>
+        <p:txBody>
+          <a:bodyPr vert="horz" wrap="square" lIns="77925" tIns="38963" rIns="77925" bIns="38963" numCol="1" rtlCol="0" anchor="ctr" anchorCtr="0" compatLnSpc="1">
+            <a:prstTxWarp prst="textNoShape">
+              <a:avLst/>
+            </a:prstTxWarp>
+          </a:bodyPr>
+          <a:lstStyle/>
+          <a:p>
+            <a:pPr>
+              <a:lnSpc>
+                <a:spcPct val="93000"/>
+              </a:lnSpc>
+              <a:buClr>
+                <a:srgbClr val="000000"/>
+              </a:buClr>
+              <a:buSzPct val="100000"/>
+            </a:pPr>
+            <a:endParaRPr lang="ru-RU" sz="2000" b="1" dirty="0">
+              <a:solidFill>
+                <a:schemeClr val="bg1"/>
+              </a:solidFill>
+              <a:latin typeface="Century Gothic" panose="020B0502020202020204" pitchFamily="34" charset="0"/>
+            </a:endParaRPr>
+          </a:p>
+        </p:txBody>
+      </p:sp>
+      <p:sp>
+        <p:nvSpPr>
+          <p:cNvPr id="25" name="Rectangle 1"/>
+          <p:cNvSpPr txBox="1">
+            <a:spLocks noChangeArrowheads="1"/>
+          </p:cNvSpPr>
+          <p:nvPr/>
+        </p:nvSpPr>
+        <p:spPr>
+          <a:xfrm>
+            <a:off x="2990262" y="921650"/>
+            <a:ext cx="5830209" cy="3787273"/>
+          </a:xfrm>
+          <a:prstGeom prst="rect">
+            <a:avLst/>
+          </a:prstGeom>
+        </p:spPr>
+        <p:txBody>
+          <a:bodyPr vert="horz" lIns="91440" tIns="45720" rIns="91440" bIns="45720" rtlCol="0" anchor="t">
+            <a:normAutofit/>
+          </a:bodyPr>
+          <a:lstStyle>
+            <a:lvl1pPr algn="ctr" defTabSz="914400" rtl="0" eaLnBrk="1" latinLnBrk="0" hangingPunct="1">
+              <a:spcBef>
+                <a:spcPct val="0"/>
+              </a:spcBef>
+              <a:buNone/>
+              <a:defRPr sz="4400" kern="1200">
+                <a:solidFill>
+                  <a:schemeClr val="tx1"/>
+                </a:solidFill>
+                <a:latin typeface="+mj-lt"/>
+                <a:ea typeface="+mj-ea"/>
+                <a:cs typeface="+mj-cs"/>
+              </a:defRPr>
+            </a:lvl1pPr>
+          </a:lstStyle>
+          <a:p>
+            <a:pPr marL="257175" indent="-254794" algn="l">
+              <a:spcBef>
+                <a:spcPts val="450"/>
+              </a:spcBef>
+              <a:tabLst>
+                <a:tab pos="257175" algn="l"/>
+                <a:tab pos="335756" algn="l"/>
+                <a:tab pos="672704" algn="l"/>
+                <a:tab pos="1009650" algn="l"/>
+                <a:tab pos="1346597" algn="l"/>
+                <a:tab pos="1683544" algn="l"/>
+                <a:tab pos="2020491" algn="l"/>
+                <a:tab pos="2357438" algn="l"/>
+                <a:tab pos="2694385" algn="l"/>
+                <a:tab pos="3031331" algn="l"/>
+                <a:tab pos="3368279" algn="l"/>
+                <a:tab pos="3705225" algn="l"/>
+                <a:tab pos="4042172" algn="l"/>
+                <a:tab pos="4379119" algn="l"/>
+                <a:tab pos="4716066" algn="l"/>
+                <a:tab pos="5053013" algn="l"/>
+                <a:tab pos="5389960" algn="l"/>
+                <a:tab pos="5726906" algn="l"/>
+                <a:tab pos="6063854" algn="l"/>
+                <a:tab pos="6400800" algn="l"/>
+                <a:tab pos="6737747" algn="l"/>
+              </a:tabLst>
+            </a:pPr>
+            <a:r>
+              <a:rPr lang="en-US" altLang="ru-RU" sz="3200" dirty="0">
+                <a:cs typeface="Times New Roman" panose="02020603050405020304" pitchFamily="18" charset="0"/>
+              </a:rPr>
+              <a:t>                     </a:t>
+            </a:r>
+            <a:endParaRPr lang="ru-RU" altLang="ru-RU" sz="3200" dirty="0">
+              <a:cs typeface="Times New Roman" panose="02020603050405020304" pitchFamily="18" charset="0"/>
+            </a:endParaRPr>
+          </a:p>
+        </p:txBody>
+      </p:sp>
+      <p:sp>
+        <p:nvSpPr>
+          <p:cNvPr id="2" name="Номер слайда 1">
+            <a:extLst>
+              <a:ext uri="{FF2B5EF4-FFF2-40B4-BE49-F238E27FC236}">
+                <a16:creationId xmlns:a16="http://schemas.microsoft.com/office/drawing/2014/main" xmlns="" id="{6C639C31-70B3-4747-90CA-1855C8665F6D}"/>
+              </a:ext>
+            </a:extLst>
+          </p:cNvPr>
+          <p:cNvSpPr>
+            <a:spLocks noGrp="1"/>
+          </p:cNvSpPr>
+          <p:nvPr>
+            <p:ph type="sldNum" sz="quarter" idx="12"/>
+          </p:nvPr>
+        </p:nvSpPr>
+        <p:spPr/>
+        <p:txBody>
+          <a:bodyPr/>
+          <a:lstStyle/>
+          <a:p>
+            <a:fld id="{B19B0651-EE4F-4900-A07F-96A6BFA9D0F0}" type="slidenum">
+              <a:rPr lang="ru-RU" smtClean="0"/>
+              <a:pPr/>
+              <a:t>4</a:t>
+            </a:fld>
+            <a:endParaRPr lang="ru-RU"/>
+          </a:p>
+        </p:txBody>
+      </p:sp>
+      <p:cxnSp>
+        <p:nvCxnSpPr>
+          <p:cNvPr id="9" name="Прямая соединительная линия 8">
+            <a:extLst>
+              <a:ext uri="{FF2B5EF4-FFF2-40B4-BE49-F238E27FC236}">
+                <a16:creationId xmlns:a16="http://schemas.microsoft.com/office/drawing/2014/main" xmlns="" id="{D801378D-54AE-4064-AFC0-861B34FEDBE9}"/>
+              </a:ext>
+            </a:extLst>
+          </p:cNvPr>
+          <p:cNvCxnSpPr>
+            <a:cxnSpLocks/>
+          </p:cNvCxnSpPr>
+          <p:nvPr/>
+        </p:nvCxnSpPr>
+        <p:spPr>
+          <a:xfrm>
+            <a:off x="2781816" y="867495"/>
+            <a:ext cx="5832648" cy="0"/>
+          </a:xfrm>
+          <a:prstGeom prst="line">
+            <a:avLst/>
+          </a:prstGeom>
+          <a:ln w="28575">
+            <a:solidFill>
+              <a:schemeClr val="tx2"/>
+            </a:solidFill>
+          </a:ln>
+        </p:spPr>
+        <p:style>
+          <a:lnRef idx="1">
+            <a:schemeClr val="accent1"/>
+          </a:lnRef>
+          <a:fillRef idx="0">
+            <a:schemeClr val="accent1"/>
+          </a:fillRef>
+          <a:effectRef idx="0">
+            <a:schemeClr val="accent1"/>
+          </a:effectRef>
+          <a:fontRef idx="minor">
+            <a:schemeClr val="tx1"/>
+          </a:fontRef>
+        </p:style>
+      </p:cxnSp>
+      <p:sp>
+        <p:nvSpPr>
+          <p:cNvPr id="13" name="Прямоугольник 12">
+            <a:extLst>
+              <a:ext uri="{FF2B5EF4-FFF2-40B4-BE49-F238E27FC236}">
+                <a16:creationId xmlns:a16="http://schemas.microsoft.com/office/drawing/2014/main" xmlns="" id="{A311B375-86CE-4E7D-BEFB-9E495DC2ED8E}"/>
+              </a:ext>
+            </a:extLst>
+          </p:cNvPr>
+          <p:cNvSpPr/>
+          <p:nvPr/>
+        </p:nvSpPr>
+        <p:spPr>
+          <a:xfrm>
+            <a:off x="2925832" y="299593"/>
+            <a:ext cx="6110664" cy="461665"/>
+          </a:xfrm>
+          <a:prstGeom prst="rect">
+            <a:avLst/>
+          </a:prstGeom>
+        </p:spPr>
+        <p:txBody>
+          <a:bodyPr wrap="square">
+            <a:spAutoFit/>
+          </a:bodyPr>
+          <a:lstStyle/>
+          <a:p>
+            <a:r>
+              <a:rPr lang="ru-RU" sz="2400" b="1" dirty="0">
+                <a:solidFill>
+                  <a:schemeClr val="tx2"/>
+                </a:solidFill>
+                <a:latin typeface="Verdana" panose="020B0604030504040204" pitchFamily="34" charset="0"/>
+                <a:ea typeface="Verdana" panose="020B0604030504040204" pitchFamily="34" charset="0"/>
+              </a:rPr>
+              <a:t>Комплекс технических средств</a:t>
+            </a:r>
+          </a:p>
+        </p:txBody>
+      </p:sp>
+      <p:pic>
+        <p:nvPicPr>
+          <p:cNvPr id="2050" name="Picture 2" descr="C:\Users\kosiya\Downloads\Архитектура ИС\Гагачи2022\КТС_HD.jpg"/>
+          <p:cNvPicPr>
+            <a:picLocks noChangeAspect="1" noChangeArrowheads="1"/>
+          </p:cNvPicPr>
+          <p:nvPr/>
+        </p:nvPicPr>
+        <p:blipFill>
+          <a:blip r:embed="rId3" cstate="print">
+            <a:extLst>
+              <a:ext uri="{28A0092B-C50C-407E-A947-70E740481C1C}">
+                <a14:useLocalDpi xmlns:a14="http://schemas.microsoft.com/office/drawing/2010/main" val="0"/>
+              </a:ext>
+            </a:extLst>
+          </a:blip>
+          <a:srcRect/>
+          <a:stretch>
+            <a:fillRect/>
+          </a:stretch>
+        </p:blipFill>
+        <p:spPr bwMode="auto">
+          <a:xfrm>
+            <a:off x="1187624" y="1059582"/>
+            <a:ext cx="7457697" cy="3375884"/>
+          </a:xfrm>
+          <a:prstGeom prst="rect">
+            <a:avLst/>
+          </a:prstGeom>
+          <a:noFill/>
+          <a:extLst>
+            <a:ext uri="{909E8E84-426E-40DD-AFC4-6F175D3DCCD1}">
+              <a14:hiddenFill xmlns:a14="http://schemas.microsoft.com/office/drawing/2010/main">
+                <a:solidFill>
+                  <a:srgbClr val="FFFFFF"/>
+                </a:solidFill>
+              </a14:hiddenFill>
+            </a:ext>
+          </a:extLst>
+        </p:spPr>
+      </p:pic>
+    </p:spTree>
+    <p:extLst>
+      <p:ext uri="{BB962C8B-B14F-4D97-AF65-F5344CB8AC3E}">
+        <p14:creationId xmlns:p14="http://schemas.microsoft.com/office/powerpoint/2010/main" val="1690864784"/>
+      </p:ext>
+    </p:extLst>
+  </p:cSld>
+  <p:clrMapOvr>
+    <a:masterClrMapping/>
+  </p:clrMapOvr>
+</p:sld>
+</file>
+
+<file path=ppt/slides/slide5.xml><?xml version="1.0" encoding="utf-8"?>
+<p:sld xmlns:a="http://schemas.openxmlformats.org/drawingml/2006/main" xmlns:r="http://schemas.openxmlformats.org/officeDocument/2006/relationships" xmlns:p="http://schemas.openxmlformats.org/presentationml/2006/main">
+  <p:cSld>
+    <p:spTree>
+      <p:nvGrpSpPr>
+        <p:cNvPr id="1" name=""/>
+        <p:cNvGrpSpPr/>
+        <p:nvPr/>
+      </p:nvGrpSpPr>
+      <p:grpSpPr>
+        <a:xfrm>
+          <a:off x="0" y="0"/>
+          <a:ext cx="0" cy="0"/>
+          <a:chOff x="0" y="0"/>
+          <a:chExt cx="0" cy="0"/>
+        </a:xfrm>
+      </p:grpSpPr>
+      <p:sp>
+        <p:nvSpPr>
+          <p:cNvPr id="5" name="Прямоугольник 4">
+            <a:extLst>
+              <a:ext uri="{FF2B5EF4-FFF2-40B4-BE49-F238E27FC236}">
+                <a16:creationId xmlns:a16="http://schemas.microsoft.com/office/drawing/2014/main" xmlns="" id="{66C439E9-3E70-4653-97C3-031864E7D8D0}"/>
+              </a:ext>
+            </a:extLst>
+          </p:cNvPr>
+          <p:cNvSpPr/>
+          <p:nvPr/>
+        </p:nvSpPr>
+        <p:spPr bwMode="auto">
+          <a:xfrm>
+            <a:off x="0" y="0"/>
+            <a:ext cx="2160000" cy="5143500"/>
+          </a:xfrm>
+          <a:prstGeom prst="rect">
+            <a:avLst/>
+          </a:prstGeom>
+          <a:solidFill>
+            <a:srgbClr val="004868"/>
+          </a:solidFill>
+          <a:ln w="9525" cap="flat" cmpd="sng" algn="ctr">
+            <a:noFill/>
+            <a:prstDash val="solid"/>
+            <a:round/>
+            <a:headEnd type="none" w="med" len="med"/>
+            <a:tailEnd type="none" w="med" len="med"/>
+          </a:ln>
+          <a:effectLst/>
+        </p:spPr>
+        <p:txBody>
+          <a:bodyPr vert="horz" wrap="square" lIns="77925" tIns="38963" rIns="77925" bIns="38963" numCol="1" rtlCol="0" anchor="ctr" anchorCtr="0" compatLnSpc="1">
+            <a:prstTxWarp prst="textNoShape">
+              <a:avLst/>
+            </a:prstTxWarp>
+          </a:bodyPr>
+          <a:lstStyle/>
+          <a:p>
+            <a:pPr>
+              <a:lnSpc>
+                <a:spcPct val="93000"/>
+              </a:lnSpc>
+              <a:buClr>
+                <a:srgbClr val="000000"/>
+              </a:buClr>
+              <a:buSzPct val="100000"/>
+            </a:pPr>
+            <a:endParaRPr lang="ru-RU" sz="2000" b="1" dirty="0">
+              <a:solidFill>
+                <a:schemeClr val="bg1"/>
+              </a:solidFill>
+              <a:latin typeface="Century Gothic" panose="020B0502020202020204" pitchFamily="34" charset="0"/>
+            </a:endParaRPr>
+          </a:p>
+        </p:txBody>
+      </p:sp>
+      <p:pic>
+        <p:nvPicPr>
+          <p:cNvPr id="12" name="Объект 11">
+            <a:extLst>
+              <a:ext uri="{FF2B5EF4-FFF2-40B4-BE49-F238E27FC236}">
+                <a16:creationId xmlns:a16="http://schemas.microsoft.com/office/drawing/2014/main" xmlns="" id="{B7C51A1C-8922-4440-B769-CB2C3DEB3983}"/>
+              </a:ext>
+            </a:extLst>
+          </p:cNvPr>
+          <p:cNvPicPr>
+            <a:picLocks noGrp="1" noChangeAspect="1"/>
+          </p:cNvPicPr>
+          <p:nvPr>
+            <p:ph idx="1"/>
+          </p:nvPr>
+        </p:nvPicPr>
+        <p:blipFill>
+          <a:blip r:embed="rId2"/>
+          <a:stretch>
+            <a:fillRect/>
+          </a:stretch>
+        </p:blipFill>
+        <p:spPr>
+          <a:xfrm>
+            <a:off x="2248978" y="1144645"/>
+            <a:ext cx="2196458" cy="3394075"/>
+          </a:xfrm>
+        </p:spPr>
+      </p:pic>
+      <p:sp>
+        <p:nvSpPr>
+          <p:cNvPr id="4" name="Номер слайда 3">
+            <a:extLst>
+              <a:ext uri="{FF2B5EF4-FFF2-40B4-BE49-F238E27FC236}">
+                <a16:creationId xmlns:a16="http://schemas.microsoft.com/office/drawing/2014/main" xmlns="" id="{C8A9DE46-F073-46D7-B376-7501FC0857AE}"/>
+              </a:ext>
+            </a:extLst>
+          </p:cNvPr>
+          <p:cNvSpPr>
+            <a:spLocks noGrp="1"/>
+          </p:cNvSpPr>
+          <p:nvPr>
+            <p:ph type="sldNum" sz="quarter" idx="12"/>
+          </p:nvPr>
+        </p:nvSpPr>
+        <p:spPr/>
+        <p:txBody>
+          <a:bodyPr/>
+          <a:lstStyle/>
+          <a:p>
+            <a:fld id="{B19B0651-EE4F-4900-A07F-96A6BFA9D0F0}" type="slidenum">
+              <a:rPr lang="ru-RU" smtClean="0"/>
+              <a:pPr/>
+              <a:t>5</a:t>
+            </a:fld>
+            <a:endParaRPr lang="ru-RU"/>
+          </a:p>
+        </p:txBody>
+      </p:sp>
+      <p:cxnSp>
+        <p:nvCxnSpPr>
+          <p:cNvPr id="6" name="Прямая соединительная линия 5">
+            <a:extLst>
+              <a:ext uri="{FF2B5EF4-FFF2-40B4-BE49-F238E27FC236}">
+                <a16:creationId xmlns:a16="http://schemas.microsoft.com/office/drawing/2014/main" xmlns="" id="{AA138C88-C0F1-4DB1-B124-2598866FA507}"/>
+              </a:ext>
+            </a:extLst>
+          </p:cNvPr>
+          <p:cNvCxnSpPr>
+            <a:cxnSpLocks/>
+          </p:cNvCxnSpPr>
+          <p:nvPr/>
+        </p:nvCxnSpPr>
+        <p:spPr>
+          <a:xfrm>
+            <a:off x="3059832" y="867700"/>
+            <a:ext cx="5832648" cy="0"/>
+          </a:xfrm>
+          <a:prstGeom prst="line">
+            <a:avLst/>
+          </a:prstGeom>
+          <a:ln w="28575">
+            <a:solidFill>
+              <a:schemeClr val="tx2"/>
+            </a:solidFill>
+          </a:ln>
+        </p:spPr>
+        <p:style>
+          <a:lnRef idx="1">
+            <a:schemeClr val="accent1"/>
+          </a:lnRef>
+          <a:fillRef idx="0">
+            <a:schemeClr val="accent1"/>
+          </a:fillRef>
+          <a:effectRef idx="0">
+            <a:schemeClr val="accent1"/>
+          </a:effectRef>
+          <a:fontRef idx="minor">
+            <a:schemeClr val="tx1"/>
+          </a:fontRef>
+        </p:style>
+      </p:cxnSp>
+      <p:sp>
+        <p:nvSpPr>
+          <p:cNvPr id="8" name="Прямоугольник 7">
+            <a:extLst>
+              <a:ext uri="{FF2B5EF4-FFF2-40B4-BE49-F238E27FC236}">
+                <a16:creationId xmlns:a16="http://schemas.microsoft.com/office/drawing/2014/main" xmlns="" id="{E241D599-E25D-4723-8B9C-C236D5FE6E76}"/>
+              </a:ext>
+            </a:extLst>
+          </p:cNvPr>
+          <p:cNvSpPr/>
+          <p:nvPr/>
+        </p:nvSpPr>
+        <p:spPr>
+          <a:xfrm>
+            <a:off x="3203848" y="48518"/>
+            <a:ext cx="6110664" cy="830997"/>
+          </a:xfrm>
+          <a:prstGeom prst="rect">
+            <a:avLst/>
+          </a:prstGeom>
+        </p:spPr>
+        <p:txBody>
+          <a:bodyPr wrap="square">
+            <a:spAutoFit/>
+          </a:bodyPr>
+          <a:lstStyle/>
+          <a:p>
+            <a:r>
+              <a:rPr lang="ru-RU" sz="2400" b="1" dirty="0">
+                <a:solidFill>
+                  <a:schemeClr val="tx2"/>
+                </a:solidFill>
+                <a:latin typeface="Verdana" panose="020B0604030504040204" pitchFamily="34" charset="0"/>
+                <a:ea typeface="Verdana" panose="020B0604030504040204" pitchFamily="34" charset="0"/>
+              </a:rPr>
+              <a:t>Решение проблемы должной безопасности.</a:t>
+            </a:r>
+          </a:p>
+        </p:txBody>
+      </p:sp>
+      <p:sp>
+        <p:nvSpPr>
+          <p:cNvPr id="13" name="Прямоугольник 12">
+            <a:extLst>
+              <a:ext uri="{FF2B5EF4-FFF2-40B4-BE49-F238E27FC236}">
+                <a16:creationId xmlns:a16="http://schemas.microsoft.com/office/drawing/2014/main" xmlns="" id="{8691D101-8FB8-4148-96C0-FC85128352E9}"/>
+              </a:ext>
+            </a:extLst>
+          </p:cNvPr>
+          <p:cNvSpPr/>
+          <p:nvPr/>
+        </p:nvSpPr>
+        <p:spPr>
+          <a:xfrm>
+            <a:off x="4445436" y="1555179"/>
+            <a:ext cx="4716017" cy="2585323"/>
+          </a:xfrm>
+          <a:prstGeom prst="rect">
+            <a:avLst/>
+          </a:prstGeom>
+        </p:spPr>
+        <p:txBody>
+          <a:bodyPr wrap="square">
+            <a:spAutoFit/>
+          </a:bodyPr>
+          <a:lstStyle/>
+          <a:p>
+            <a:r>
+              <a:rPr lang="ru-RU" sz="1800" dirty="0">
+                <a:solidFill>
+                  <a:schemeClr val="tx2"/>
+                </a:solidFill>
+                <a:latin typeface="Verdana" panose="020B0604030504040204" pitchFamily="34" charset="0"/>
+                <a:ea typeface="Verdana" panose="020B0604030504040204" pitchFamily="34" charset="0"/>
+              </a:rPr>
+              <a:t>  Основные принципы:</a:t>
+            </a:r>
+          </a:p>
+          <a:p>
+            <a:pPr marL="285750" indent="-285750">
+              <a:buFont typeface="Wingdings" panose="05000000000000000000" pitchFamily="2" charset="2"/>
+              <a:buChar char="§"/>
+            </a:pPr>
+            <a:r>
+              <a:rPr lang="ru-RU" sz="1800" dirty="0">
+                <a:solidFill>
+                  <a:schemeClr val="tx2"/>
+                </a:solidFill>
+                <a:latin typeface="Verdana" panose="020B0604030504040204" pitchFamily="34" charset="0"/>
+                <a:ea typeface="Verdana" panose="020B0604030504040204" pitchFamily="34" charset="0"/>
+              </a:rPr>
+              <a:t>Безопасность, заложенная в архитектуру</a:t>
+            </a:r>
+          </a:p>
+          <a:p>
+            <a:pPr marL="285750" indent="-285750">
+              <a:buFont typeface="Wingdings" panose="05000000000000000000" pitchFamily="2" charset="2"/>
+              <a:buChar char="§"/>
+            </a:pPr>
+            <a:r>
+              <a:rPr lang="ru-RU" sz="1800" dirty="0">
+                <a:solidFill>
+                  <a:schemeClr val="tx2"/>
+                </a:solidFill>
+                <a:latin typeface="Verdana" panose="020B0604030504040204" pitchFamily="34" charset="0"/>
+                <a:ea typeface="Verdana" panose="020B0604030504040204" pitchFamily="34" charset="0"/>
+              </a:rPr>
+              <a:t>Использование </a:t>
+            </a:r>
+            <a:r>
+              <a:rPr lang="en-US" sz="1800" dirty="0">
+                <a:solidFill>
+                  <a:schemeClr val="tx2"/>
+                </a:solidFill>
+                <a:latin typeface="Verdana" panose="020B0604030504040204" pitchFamily="34" charset="0"/>
+                <a:ea typeface="Verdana" panose="020B0604030504040204" pitchFamily="34" charset="0"/>
+              </a:rPr>
+              <a:t>MILS </a:t>
+            </a:r>
+            <a:r>
+              <a:rPr lang="ru-RU" sz="1800" dirty="0">
+                <a:solidFill>
+                  <a:schemeClr val="tx2"/>
+                </a:solidFill>
+                <a:latin typeface="Verdana" panose="020B0604030504040204" pitchFamily="34" charset="0"/>
+                <a:ea typeface="Verdana" panose="020B0604030504040204" pitchFamily="34" charset="0"/>
+              </a:rPr>
+              <a:t>подхода с мониторингом сообщений</a:t>
+            </a:r>
+          </a:p>
+          <a:p>
+            <a:pPr marL="285750" indent="-285750">
+              <a:buFont typeface="Wingdings" panose="05000000000000000000" pitchFamily="2" charset="2"/>
+              <a:buChar char="§"/>
+            </a:pPr>
+            <a:r>
+              <a:rPr lang="ru-RU" sz="1800" dirty="0">
+                <a:solidFill>
+                  <a:schemeClr val="tx2"/>
+                </a:solidFill>
+                <a:latin typeface="Verdana" panose="020B0604030504040204" pitchFamily="34" charset="0"/>
+                <a:ea typeface="Verdana" panose="020B0604030504040204" pitchFamily="34" charset="0"/>
+              </a:rPr>
+              <a:t>Микроядро </a:t>
+            </a:r>
+          </a:p>
+          <a:p>
+            <a:pPr marL="285750" indent="-285750">
+              <a:buFont typeface="Wingdings" panose="05000000000000000000" pitchFamily="2" charset="2"/>
+              <a:buChar char="§"/>
+            </a:pPr>
+            <a:r>
+              <a:rPr lang="ru-RU" sz="1800" dirty="0">
+                <a:solidFill>
+                  <a:schemeClr val="tx2"/>
+                </a:solidFill>
+                <a:latin typeface="Verdana" panose="020B0604030504040204" pitchFamily="34" charset="0"/>
+                <a:ea typeface="Verdana" panose="020B0604030504040204" pitchFamily="34" charset="0"/>
+              </a:rPr>
+              <a:t>Специальные требования к ОС для встраиваемых систем</a:t>
+            </a:r>
+          </a:p>
+          <a:p>
+            <a:pPr marL="285750" indent="-285750">
+              <a:buFont typeface="Wingdings" panose="05000000000000000000" pitchFamily="2" charset="2"/>
+              <a:buChar char="§"/>
+            </a:pPr>
+            <a:r>
+              <a:rPr lang="en-US" sz="1800" dirty="0">
+                <a:solidFill>
+                  <a:schemeClr val="tx2"/>
+                </a:solidFill>
+                <a:latin typeface="Verdana" panose="020B0604030504040204" pitchFamily="34" charset="0"/>
+                <a:ea typeface="Verdana" panose="020B0604030504040204" pitchFamily="34" charset="0"/>
+              </a:rPr>
+              <a:t>FLASK </a:t>
+            </a:r>
+            <a:r>
+              <a:rPr lang="ru-RU" sz="1800" dirty="0">
+                <a:solidFill>
+                  <a:schemeClr val="tx2"/>
+                </a:solidFill>
+                <a:latin typeface="Verdana" panose="020B0604030504040204" pitchFamily="34" charset="0"/>
+                <a:ea typeface="Verdana" panose="020B0604030504040204" pitchFamily="34" charset="0"/>
+              </a:rPr>
+              <a:t>архитектура</a:t>
+            </a:r>
+          </a:p>
+        </p:txBody>
+      </p:sp>
+      <p:grpSp>
+        <p:nvGrpSpPr>
+          <p:cNvPr id="14" name="Группа 13">
+            <a:extLst>
+              <a:ext uri="{FF2B5EF4-FFF2-40B4-BE49-F238E27FC236}">
+                <a16:creationId xmlns:a16="http://schemas.microsoft.com/office/drawing/2014/main" xmlns="" id="{04A2D0FC-A086-451D-8E3C-C36D94520331}"/>
+              </a:ext>
+            </a:extLst>
+          </p:cNvPr>
+          <p:cNvGrpSpPr/>
+          <p:nvPr/>
+        </p:nvGrpSpPr>
+        <p:grpSpPr>
+          <a:xfrm>
+            <a:off x="132856" y="975368"/>
+            <a:ext cx="2799177" cy="2118472"/>
+            <a:chOff x="174072" y="159772"/>
+            <a:chExt cx="2799177" cy="2118472"/>
+          </a:xfrm>
+        </p:grpSpPr>
+        <p:sp>
+          <p:nvSpPr>
+            <p:cNvPr id="15" name="Прямоугольник 14">
+              <a:extLst>
+                <a:ext uri="{FF2B5EF4-FFF2-40B4-BE49-F238E27FC236}">
+                  <a16:creationId xmlns:a16="http://schemas.microsoft.com/office/drawing/2014/main" xmlns="" id="{CCAB0E93-B482-4511-9C92-D58B5CA1B476}"/>
+                </a:ext>
+              </a:extLst>
+            </p:cNvPr>
+            <p:cNvSpPr/>
+            <p:nvPr/>
+          </p:nvSpPr>
+          <p:spPr>
+            <a:xfrm>
+              <a:off x="182776" y="176182"/>
+              <a:ext cx="307777" cy="307777"/>
+            </a:xfrm>
+            <a:prstGeom prst="rect">
+              <a:avLst/>
+            </a:prstGeom>
+            <a:solidFill>
+              <a:schemeClr val="bg1">
+                <a:lumMod val="95000"/>
+              </a:schemeClr>
+            </a:solidFill>
+            <a:ln>
+              <a:noFill/>
+            </a:ln>
+          </p:spPr>
+          <p:style>
+            <a:lnRef idx="2">
+              <a:schemeClr val="accent1">
+                <a:shade val="50000"/>
+              </a:schemeClr>
+            </a:lnRef>
+            <a:fillRef idx="1">
+              <a:schemeClr val="accent1"/>
+            </a:fillRef>
+            <a:effectRef idx="0">
+              <a:schemeClr val="accent1"/>
+            </a:effectRef>
+            <a:fontRef idx="minor">
+              <a:schemeClr val="lt1"/>
+            </a:fontRef>
+          </p:style>
+          <p:txBody>
+            <a:bodyPr rtlCol="0" anchor="ctr"/>
+            <a:lstStyle/>
+            <a:p>
+              <a:pPr algn="ctr"/>
+              <a:endParaRPr lang="ru-RU" dirty="0"/>
+            </a:p>
+          </p:txBody>
+        </p:sp>
+        <p:sp>
+          <p:nvSpPr>
+            <p:cNvPr id="16" name="Прямоугольник 15">
+              <a:extLst>
+                <a:ext uri="{FF2B5EF4-FFF2-40B4-BE49-F238E27FC236}">
+                  <a16:creationId xmlns:a16="http://schemas.microsoft.com/office/drawing/2014/main" xmlns="" id="{9A6819D6-8981-437E-9451-D33DC6AE2CFF}"/>
+                </a:ext>
+              </a:extLst>
+            </p:cNvPr>
+            <p:cNvSpPr/>
+            <p:nvPr/>
+          </p:nvSpPr>
+          <p:spPr>
+            <a:xfrm>
+              <a:off x="174072" y="1970467"/>
+              <a:ext cx="307777" cy="307777"/>
+            </a:xfrm>
+            <a:prstGeom prst="rect">
+              <a:avLst/>
+            </a:prstGeom>
+            <a:solidFill>
+              <a:schemeClr val="bg1">
+                <a:lumMod val="95000"/>
+              </a:schemeClr>
+            </a:solidFill>
+            <a:ln>
+              <a:noFill/>
+            </a:ln>
+          </p:spPr>
+          <p:style>
+            <a:lnRef idx="2">
+              <a:schemeClr val="accent1">
+                <a:shade val="50000"/>
+              </a:schemeClr>
+            </a:lnRef>
+            <a:fillRef idx="1">
+              <a:schemeClr val="accent1"/>
+            </a:fillRef>
+            <a:effectRef idx="0">
+              <a:schemeClr val="accent1"/>
+            </a:effectRef>
+            <a:fontRef idx="minor">
+              <a:schemeClr val="lt1"/>
+            </a:fontRef>
+          </p:style>
+          <p:txBody>
+            <a:bodyPr rtlCol="0" anchor="ctr"/>
+            <a:lstStyle/>
+            <a:p>
+              <a:pPr algn="ctr"/>
+              <a:endParaRPr lang="ru-RU"/>
+            </a:p>
+          </p:txBody>
+        </p:sp>
+        <p:sp>
+          <p:nvSpPr>
+            <p:cNvPr id="17" name="Прямоугольник 16">
+              <a:extLst>
+                <a:ext uri="{FF2B5EF4-FFF2-40B4-BE49-F238E27FC236}">
+                  <a16:creationId xmlns:a16="http://schemas.microsoft.com/office/drawing/2014/main" xmlns="" id="{2A9176D3-840D-47CC-BE16-23C1B0AB344E}"/>
+                </a:ext>
+              </a:extLst>
+            </p:cNvPr>
+            <p:cNvSpPr/>
+            <p:nvPr/>
+          </p:nvSpPr>
+          <p:spPr>
+            <a:xfrm>
+              <a:off x="174073" y="1053890"/>
+              <a:ext cx="307777" cy="307777"/>
+            </a:xfrm>
+            <a:prstGeom prst="rect">
+              <a:avLst/>
+            </a:prstGeom>
+            <a:solidFill>
+              <a:schemeClr val="bg1">
+                <a:lumMod val="95000"/>
+              </a:schemeClr>
+            </a:solidFill>
+            <a:ln>
+              <a:noFill/>
+            </a:ln>
+          </p:spPr>
+          <p:style>
+            <a:lnRef idx="2">
+              <a:schemeClr val="accent1">
+                <a:shade val="50000"/>
+              </a:schemeClr>
+            </a:lnRef>
+            <a:fillRef idx="1">
+              <a:schemeClr val="accent1"/>
+            </a:fillRef>
+            <a:effectRef idx="0">
+              <a:schemeClr val="accent1"/>
+            </a:effectRef>
+            <a:fontRef idx="minor">
+              <a:schemeClr val="lt1"/>
+            </a:fontRef>
+          </p:style>
+          <p:txBody>
+            <a:bodyPr rtlCol="0" anchor="ctr"/>
+            <a:lstStyle/>
+            <a:p>
+              <a:pPr algn="ctr"/>
+              <a:endParaRPr lang="ru-RU">
+                <a:solidFill>
+                  <a:srgbClr val="7F7F7F"/>
+                </a:solidFill>
+              </a:endParaRPr>
+            </a:p>
+          </p:txBody>
+        </p:sp>
+        <p:sp>
+          <p:nvSpPr>
+            <p:cNvPr id="18" name="TextBox 17">
+              <a:extLst>
+                <a:ext uri="{FF2B5EF4-FFF2-40B4-BE49-F238E27FC236}">
+                  <a16:creationId xmlns:a16="http://schemas.microsoft.com/office/drawing/2014/main" xmlns="" id="{E8D75791-002E-49CB-AF45-B5DEFED0FE93}"/>
+                </a:ext>
+              </a:extLst>
+            </p:cNvPr>
+            <p:cNvSpPr txBox="1"/>
+            <p:nvPr/>
+          </p:nvSpPr>
+          <p:spPr>
+            <a:xfrm>
+              <a:off x="557459" y="159772"/>
+              <a:ext cx="2415790" cy="338554"/>
+            </a:xfrm>
+            <a:prstGeom prst="rect">
+              <a:avLst/>
+            </a:prstGeom>
+            <a:noFill/>
+          </p:spPr>
+          <p:txBody>
+            <a:bodyPr wrap="square">
+              <a:spAutoFit/>
+            </a:bodyPr>
+            <a:lstStyle/>
+            <a:p>
+              <a:r>
+                <a:rPr lang="en-US" sz="1600" b="1" dirty="0">
+                  <a:solidFill>
+                    <a:schemeClr val="bg1">
+                      <a:lumMod val="95000"/>
+                    </a:schemeClr>
+                  </a:solidFill>
+                  <a:latin typeface="Verdana" panose="020B0604030504040204" pitchFamily="34" charset="0"/>
+                  <a:ea typeface="Verdana" panose="020B0604030504040204" pitchFamily="34" charset="0"/>
+                </a:rPr>
+                <a:t>KSS</a:t>
+              </a:r>
+              <a:endParaRPr lang="x-none" sz="1600" b="1" dirty="0">
+                <a:solidFill>
+                  <a:schemeClr val="bg1">
+                    <a:lumMod val="95000"/>
+                  </a:schemeClr>
+                </a:solidFill>
+                <a:latin typeface="Verdana" panose="020B0604030504040204" pitchFamily="34" charset="0"/>
+                <a:ea typeface="Verdana" panose="020B0604030504040204" pitchFamily="34" charset="0"/>
+              </a:endParaRPr>
+            </a:p>
+          </p:txBody>
+        </p:sp>
+        <p:sp>
+          <p:nvSpPr>
+            <p:cNvPr id="19" name="Прямоугольник 18">
+              <a:extLst>
+                <a:ext uri="{FF2B5EF4-FFF2-40B4-BE49-F238E27FC236}">
+                  <a16:creationId xmlns:a16="http://schemas.microsoft.com/office/drawing/2014/main" xmlns="" id="{6E6ADD29-EE78-4E35-B4D4-DB39F977BC25}"/>
+                </a:ext>
+              </a:extLst>
+            </p:cNvPr>
+            <p:cNvSpPr/>
+            <p:nvPr/>
+          </p:nvSpPr>
+          <p:spPr>
+            <a:xfrm>
+              <a:off x="506712" y="915390"/>
+              <a:ext cx="1453466" cy="584775"/>
+            </a:xfrm>
+            <a:prstGeom prst="rect">
+              <a:avLst/>
+            </a:prstGeom>
+          </p:spPr>
+          <p:txBody>
+            <a:bodyPr wrap="square">
+              <a:spAutoFit/>
+            </a:bodyPr>
+            <a:lstStyle/>
+            <a:p>
+              <a:r>
+                <a:rPr lang="ru-RU" sz="1600" b="1" dirty="0">
+                  <a:solidFill>
+                    <a:schemeClr val="bg1">
+                      <a:lumMod val="95000"/>
+                    </a:schemeClr>
+                  </a:solidFill>
+                  <a:latin typeface="Verdana" panose="020B0604030504040204" pitchFamily="34" charset="0"/>
+                  <a:ea typeface="Verdana" panose="020B0604030504040204" pitchFamily="34" charset="0"/>
+                </a:rPr>
+                <a:t>Разбиение доменов</a:t>
+              </a:r>
+            </a:p>
+          </p:txBody>
+        </p:sp>
+      </p:grpSp>
+      <p:sp>
+        <p:nvSpPr>
+          <p:cNvPr id="20" name="Прямоугольник 19">
+            <a:extLst>
+              <a:ext uri="{FF2B5EF4-FFF2-40B4-BE49-F238E27FC236}">
+                <a16:creationId xmlns:a16="http://schemas.microsoft.com/office/drawing/2014/main" xmlns="" id="{F3DCC88F-61A0-4738-AD2D-3A7ECCAA1F42}"/>
+              </a:ext>
+            </a:extLst>
+          </p:cNvPr>
+          <p:cNvSpPr/>
+          <p:nvPr/>
+        </p:nvSpPr>
+        <p:spPr>
+          <a:xfrm>
+            <a:off x="487296" y="2506299"/>
+            <a:ext cx="1453466" cy="1077218"/>
+          </a:xfrm>
+          <a:prstGeom prst="rect">
+            <a:avLst/>
+          </a:prstGeom>
+        </p:spPr>
+        <p:txBody>
+          <a:bodyPr wrap="square">
+            <a:spAutoFit/>
+          </a:bodyPr>
+          <a:lstStyle/>
+          <a:p>
+            <a:r>
+              <a:rPr lang="ru-RU" sz="1600" b="1" dirty="0">
+                <a:solidFill>
+                  <a:schemeClr val="bg1">
+                    <a:lumMod val="95000"/>
+                  </a:schemeClr>
+                </a:solidFill>
+                <a:latin typeface="Verdana" panose="020B0604030504040204" pitchFamily="34" charset="0"/>
+                <a:ea typeface="Verdana" panose="020B0604030504040204" pitchFamily="34" charset="0"/>
+              </a:rPr>
+              <a:t>Контроль связи между доменами</a:t>
+            </a:r>
+          </a:p>
+        </p:txBody>
+      </p:sp>
+    </p:spTree>
+    <p:extLst>
+      <p:ext uri="{BB962C8B-B14F-4D97-AF65-F5344CB8AC3E}">
+        <p14:creationId xmlns:p14="http://schemas.microsoft.com/office/powerpoint/2010/main" val="518276665"/>
+      </p:ext>
+    </p:extLst>
+  </p:cSld>
+  <p:clrMapOvr>
+    <a:masterClrMapping/>
+  </p:clrMapOvr>
+</p:sld>
+</file>
+
+<file path=ppt/slides/slide6.xml><?xml version="1.0" encoding="utf-8"?>
+<p:sld xmlns:a="http://schemas.openxmlformats.org/drawingml/2006/main" xmlns:r="http://schemas.openxmlformats.org/officeDocument/2006/relationships" xmlns:p="http://schemas.openxmlformats.org/presentationml/2006/main">
+  <p:cSld>
+    <p:spTree>
+      <p:nvGrpSpPr>
+        <p:cNvPr id="1" name=""/>
+        <p:cNvGrpSpPr/>
+        <p:nvPr/>
+      </p:nvGrpSpPr>
+      <p:grpSpPr>
+        <a:xfrm>
+          <a:off x="0" y="0"/>
+          <a:ext cx="0" cy="0"/>
+          <a:chOff x="0" y="0"/>
+          <a:chExt cx="0" cy="0"/>
+        </a:xfrm>
+      </p:grpSpPr>
+      <p:pic>
+        <p:nvPicPr>
+          <p:cNvPr id="1030" name="Picture 6" descr="vfs_net2">
+            <a:extLst>
+              <a:ext uri="{FF2B5EF4-FFF2-40B4-BE49-F238E27FC236}">
+                <a16:creationId xmlns:a16="http://schemas.microsoft.com/office/drawing/2014/main" xmlns="" id="{FC5C7EC5-30B7-4943-BF0F-33419C772510}"/>
+              </a:ext>
+            </a:extLst>
+          </p:cNvPr>
+          <p:cNvPicPr>
+            <a:picLocks noChangeAspect="1" noChangeArrowheads="1"/>
+          </p:cNvPicPr>
+          <p:nvPr/>
+        </p:nvPicPr>
+        <p:blipFill>
+          <a:blip r:embed="rId3">
+            <a:extLst>
+              <a:ext uri="{28A0092B-C50C-407E-A947-70E740481C1C}">
+                <a14:useLocalDpi xmlns:a14="http://schemas.microsoft.com/office/drawing/2010/main" val="0"/>
+              </a:ext>
+            </a:extLst>
+          </a:blip>
+          <a:srcRect/>
+          <a:stretch>
+            <a:fillRect/>
+          </a:stretch>
+        </p:blipFill>
+        <p:spPr bwMode="auto">
+          <a:xfrm>
+            <a:off x="2267743" y="2643758"/>
+            <a:ext cx="6726965" cy="1277084"/>
+          </a:xfrm>
+          <a:prstGeom prst="rect">
+            <a:avLst/>
+          </a:prstGeom>
+          <a:noFill/>
+          <a:extLst>
+            <a:ext uri="{909E8E84-426E-40DD-AFC4-6F175D3DCCD1}">
+              <a14:hiddenFill xmlns:a14="http://schemas.microsoft.com/office/drawing/2010/main">
+                <a:solidFill>
+                  <a:srgbClr val="FFFFFF"/>
+                </a:solidFill>
+              </a14:hiddenFill>
+            </a:ext>
+          </a:extLst>
+        </p:spPr>
+      </p:pic>
+      <p:sp>
+        <p:nvSpPr>
+          <p:cNvPr id="31" name="Прямоугольник 30">
+            <a:extLst>
+              <a:ext uri="{FF2B5EF4-FFF2-40B4-BE49-F238E27FC236}">
+                <a16:creationId xmlns:a16="http://schemas.microsoft.com/office/drawing/2014/main" xmlns="" id="{F844FAD0-BFD3-42F8-8444-0D4247E6F864}"/>
+              </a:ext>
+            </a:extLst>
+          </p:cNvPr>
+          <p:cNvSpPr/>
+          <p:nvPr/>
+        </p:nvSpPr>
+        <p:spPr bwMode="auto">
+          <a:xfrm>
+            <a:off x="0" y="0"/>
+            <a:ext cx="2160000" cy="5143500"/>
+          </a:xfrm>
+          <a:prstGeom prst="rect">
+            <a:avLst/>
+          </a:prstGeom>
+          <a:solidFill>
+            <a:srgbClr val="004868"/>
+          </a:solidFill>
+          <a:ln w="9525" cap="flat" cmpd="sng" algn="ctr">
+            <a:noFill/>
+            <a:prstDash val="solid"/>
+            <a:round/>
+            <a:headEnd type="none" w="med" len="med"/>
+            <a:tailEnd type="none" w="med" len="med"/>
+          </a:ln>
+          <a:effectLst/>
+        </p:spPr>
+        <p:txBody>
+          <a:bodyPr vert="horz" wrap="square" lIns="77925" tIns="38963" rIns="77925" bIns="38963" numCol="1" rtlCol="0" anchor="ctr" anchorCtr="0" compatLnSpc="1">
+            <a:prstTxWarp prst="textNoShape">
+              <a:avLst/>
+            </a:prstTxWarp>
+          </a:bodyPr>
+          <a:lstStyle/>
+          <a:p>
+            <a:pPr>
+              <a:lnSpc>
+                <a:spcPct val="93000"/>
+              </a:lnSpc>
+              <a:buClr>
+                <a:srgbClr val="000000"/>
+              </a:buClr>
+              <a:buSzPct val="100000"/>
+            </a:pPr>
+            <a:endParaRPr lang="ru-RU" sz="2000" b="1" dirty="0">
+              <a:solidFill>
+                <a:schemeClr val="bg1"/>
+              </a:solidFill>
+              <a:latin typeface="Century Gothic" panose="020B0502020202020204" pitchFamily="34" charset="0"/>
+            </a:endParaRPr>
+          </a:p>
+        </p:txBody>
+      </p:sp>
+      <p:cxnSp>
+        <p:nvCxnSpPr>
+          <p:cNvPr id="27" name="Прямая соединительная линия 26">
+            <a:extLst>
+              <a:ext uri="{FF2B5EF4-FFF2-40B4-BE49-F238E27FC236}">
+                <a16:creationId xmlns:a16="http://schemas.microsoft.com/office/drawing/2014/main" xmlns="" id="{7D440611-E861-4ADC-BE55-6C5E3E2135B0}"/>
+              </a:ext>
+            </a:extLst>
+          </p:cNvPr>
+          <p:cNvCxnSpPr>
+            <a:cxnSpLocks/>
+          </p:cNvCxnSpPr>
+          <p:nvPr/>
+        </p:nvCxnSpPr>
+        <p:spPr>
+          <a:xfrm>
+            <a:off x="3059832" y="867700"/>
+            <a:ext cx="5832648" cy="0"/>
+          </a:xfrm>
+          <a:prstGeom prst="line">
+            <a:avLst/>
+          </a:prstGeom>
+          <a:ln w="28575">
+            <a:solidFill>
+              <a:schemeClr val="tx2"/>
+            </a:solidFill>
+          </a:ln>
+        </p:spPr>
+        <p:style>
+          <a:lnRef idx="1">
+            <a:schemeClr val="accent1"/>
+          </a:lnRef>
+          <a:fillRef idx="0">
+            <a:schemeClr val="accent1"/>
+          </a:fillRef>
+          <a:effectRef idx="0">
+            <a:schemeClr val="accent1"/>
+          </a:effectRef>
+          <a:fontRef idx="minor">
+            <a:schemeClr val="tx1"/>
+          </a:fontRef>
+        </p:style>
+      </p:cxnSp>
+      <p:sp>
+        <p:nvSpPr>
+          <p:cNvPr id="25" name="Rectangle 1"/>
+          <p:cNvSpPr txBox="1">
+            <a:spLocks noChangeArrowheads="1"/>
+          </p:cNvSpPr>
+          <p:nvPr/>
+        </p:nvSpPr>
+        <p:spPr>
+          <a:xfrm>
+            <a:off x="2990262" y="921650"/>
+            <a:ext cx="5830209" cy="3787273"/>
+          </a:xfrm>
+          <a:prstGeom prst="rect">
+            <a:avLst/>
+          </a:prstGeom>
+        </p:spPr>
+        <p:txBody>
+          <a:bodyPr vert="horz" lIns="91440" tIns="45720" rIns="91440" bIns="45720" rtlCol="0" anchor="t">
+            <a:normAutofit/>
+          </a:bodyPr>
+          <a:lstStyle>
+            <a:lvl1pPr algn="ctr" defTabSz="914400" rtl="0" eaLnBrk="1" latinLnBrk="0" hangingPunct="1">
+              <a:spcBef>
+                <a:spcPct val="0"/>
+              </a:spcBef>
+              <a:buNone/>
+              <a:defRPr sz="4400" kern="1200">
+                <a:solidFill>
+                  <a:schemeClr val="tx1"/>
+                </a:solidFill>
+                <a:latin typeface="+mj-lt"/>
+                <a:ea typeface="+mj-ea"/>
+                <a:cs typeface="+mj-cs"/>
+              </a:defRPr>
+            </a:lvl1pPr>
+          </a:lstStyle>
+          <a:p>
+            <a:pPr marL="257175" indent="-254794" algn="l">
+              <a:spcBef>
+                <a:spcPts val="450"/>
+              </a:spcBef>
+              <a:tabLst>
+                <a:tab pos="257175" algn="l"/>
+                <a:tab pos="335756" algn="l"/>
+                <a:tab pos="672704" algn="l"/>
+                <a:tab pos="1009650" algn="l"/>
+                <a:tab pos="1346597" algn="l"/>
+                <a:tab pos="1683544" algn="l"/>
+                <a:tab pos="2020491" algn="l"/>
+                <a:tab pos="2357438" algn="l"/>
+                <a:tab pos="2694385" algn="l"/>
+                <a:tab pos="3031331" algn="l"/>
+                <a:tab pos="3368279" algn="l"/>
+                <a:tab pos="3705225" algn="l"/>
+                <a:tab pos="4042172" algn="l"/>
+                <a:tab pos="4379119" algn="l"/>
+                <a:tab pos="4716066" algn="l"/>
+                <a:tab pos="5053013" algn="l"/>
+                <a:tab pos="5389960" algn="l"/>
+                <a:tab pos="5726906" algn="l"/>
+                <a:tab pos="6063854" algn="l"/>
+                <a:tab pos="6400800" algn="l"/>
+                <a:tab pos="6737747" algn="l"/>
+              </a:tabLst>
+            </a:pPr>
+            <a:r>
+              <a:rPr lang="en-US" altLang="ru-RU" sz="3200" dirty="0">
+                <a:cs typeface="Times New Roman" panose="02020603050405020304" pitchFamily="18" charset="0"/>
+              </a:rPr>
+              <a:t>                     </a:t>
+            </a:r>
+            <a:endParaRPr lang="ru-RU" altLang="ru-RU" sz="3200" dirty="0">
+              <a:cs typeface="Times New Roman" panose="02020603050405020304" pitchFamily="18" charset="0"/>
+            </a:endParaRPr>
+          </a:p>
+        </p:txBody>
+      </p:sp>
+      <p:sp>
+        <p:nvSpPr>
+          <p:cNvPr id="4" name="TextBox 3"/>
+          <p:cNvSpPr txBox="1"/>
+          <p:nvPr/>
+        </p:nvSpPr>
+        <p:spPr>
+          <a:xfrm>
+            <a:off x="2990262" y="1131590"/>
+            <a:ext cx="261610" cy="461665"/>
+          </a:xfrm>
+          <a:prstGeom prst="rect">
+            <a:avLst/>
+          </a:prstGeom>
+          <a:noFill/>
+        </p:spPr>
+        <p:txBody>
+          <a:bodyPr wrap="none" rtlCol="0">
+            <a:spAutoFit/>
+          </a:bodyPr>
+          <a:lstStyle/>
+          <a:p>
+            <a:r>
+              <a:rPr lang="ru-RU" sz="2400" dirty="0">
+                <a:solidFill>
+                  <a:srgbClr val="FF0000"/>
+                </a:solidFill>
+              </a:rPr>
+              <a:t>.</a:t>
+            </a:r>
+          </a:p>
+        </p:txBody>
+      </p:sp>
+      <p:sp>
+        <p:nvSpPr>
+          <p:cNvPr id="2" name="Номер слайда 1">
+            <a:extLst>
+              <a:ext uri="{FF2B5EF4-FFF2-40B4-BE49-F238E27FC236}">
+                <a16:creationId xmlns:a16="http://schemas.microsoft.com/office/drawing/2014/main" xmlns="" id="{FD31FB89-335E-4DB6-8667-434A37E623F2}"/>
+              </a:ext>
+            </a:extLst>
+          </p:cNvPr>
+          <p:cNvSpPr>
+            <a:spLocks noGrp="1"/>
+          </p:cNvSpPr>
+          <p:nvPr>
+            <p:ph type="sldNum" sz="quarter" idx="12"/>
+          </p:nvPr>
+        </p:nvSpPr>
+        <p:spPr/>
+        <p:txBody>
+          <a:bodyPr/>
+          <a:lstStyle/>
+          <a:p>
+            <a:fld id="{B19B0651-EE4F-4900-A07F-96A6BFA9D0F0}" type="slidenum">
+              <a:rPr lang="ru-RU" smtClean="0"/>
+              <a:pPr/>
+              <a:t>6</a:t>
+            </a:fld>
+            <a:endParaRPr lang="ru-RU"/>
+          </a:p>
+        </p:txBody>
+      </p:sp>
+      <p:sp>
+        <p:nvSpPr>
+          <p:cNvPr id="11" name="Прямоугольник 10">
+            <a:extLst>
+              <a:ext uri="{FF2B5EF4-FFF2-40B4-BE49-F238E27FC236}">
+                <a16:creationId xmlns:a16="http://schemas.microsoft.com/office/drawing/2014/main" xmlns="" id="{29F16FB1-557B-4F20-AFAA-083E6605CBA3}"/>
+              </a:ext>
+            </a:extLst>
+          </p:cNvPr>
+          <p:cNvSpPr/>
+          <p:nvPr/>
+        </p:nvSpPr>
+        <p:spPr>
+          <a:xfrm>
+            <a:off x="3203848" y="299798"/>
+            <a:ext cx="6110664" cy="461665"/>
+          </a:xfrm>
+          <a:prstGeom prst="rect">
+            <a:avLst/>
+          </a:prstGeom>
+        </p:spPr>
+        <p:txBody>
+          <a:bodyPr wrap="square">
+            <a:spAutoFit/>
+          </a:bodyPr>
+          <a:lstStyle/>
+          <a:p>
+            <a:r>
+              <a:rPr lang="en-US" sz="2400" b="1" dirty="0" smtClean="0">
+                <a:solidFill>
+                  <a:schemeClr val="tx2"/>
+                </a:solidFill>
+                <a:latin typeface="Verdana" panose="020B0604030504040204" pitchFamily="34" charset="0"/>
+                <a:ea typeface="Verdana" panose="020B0604030504040204" pitchFamily="34" charset="0"/>
+              </a:rPr>
+              <a:t>VFS&amp;GPIO</a:t>
+            </a:r>
+            <a:endParaRPr lang="ru-RU" sz="2400" b="1" dirty="0">
+              <a:solidFill>
+                <a:schemeClr val="tx2"/>
+              </a:solidFill>
+              <a:latin typeface="Verdana" panose="020B0604030504040204" pitchFamily="34" charset="0"/>
+              <a:ea typeface="Verdana" panose="020B0604030504040204" pitchFamily="34" charset="0"/>
+            </a:endParaRPr>
+          </a:p>
+        </p:txBody>
+      </p:sp>
+      <p:grpSp>
+        <p:nvGrpSpPr>
+          <p:cNvPr id="12" name="Группа 11">
+            <a:extLst>
+              <a:ext uri="{FF2B5EF4-FFF2-40B4-BE49-F238E27FC236}">
+                <a16:creationId xmlns:a16="http://schemas.microsoft.com/office/drawing/2014/main" xmlns="" id="{0C2CC8AF-A276-431C-834D-4D111074E709}"/>
+              </a:ext>
+            </a:extLst>
+          </p:cNvPr>
+          <p:cNvGrpSpPr/>
+          <p:nvPr/>
+        </p:nvGrpSpPr>
+        <p:grpSpPr>
+          <a:xfrm>
+            <a:off x="132856" y="853278"/>
+            <a:ext cx="1963049" cy="2240562"/>
+            <a:chOff x="174072" y="37682"/>
+            <a:chExt cx="1963049" cy="2240562"/>
+          </a:xfrm>
+        </p:grpSpPr>
+        <p:sp>
+          <p:nvSpPr>
+            <p:cNvPr id="13" name="Прямоугольник 12">
+              <a:extLst>
+                <a:ext uri="{FF2B5EF4-FFF2-40B4-BE49-F238E27FC236}">
+                  <a16:creationId xmlns:a16="http://schemas.microsoft.com/office/drawing/2014/main" xmlns="" id="{6A7439AB-9E67-41E2-A35B-511E5F0347BE}"/>
+                </a:ext>
+              </a:extLst>
+            </p:cNvPr>
+            <p:cNvSpPr/>
+            <p:nvPr/>
+          </p:nvSpPr>
+          <p:spPr>
+            <a:xfrm>
+              <a:off x="182776" y="176182"/>
+              <a:ext cx="307777" cy="307777"/>
+            </a:xfrm>
+            <a:prstGeom prst="rect">
+              <a:avLst/>
+            </a:prstGeom>
+            <a:solidFill>
+              <a:schemeClr val="bg1">
+                <a:lumMod val="95000"/>
+              </a:schemeClr>
+            </a:solidFill>
+            <a:ln>
+              <a:noFill/>
+            </a:ln>
+          </p:spPr>
+          <p:style>
+            <a:lnRef idx="2">
+              <a:schemeClr val="accent1">
+                <a:shade val="50000"/>
+              </a:schemeClr>
+            </a:lnRef>
+            <a:fillRef idx="1">
+              <a:schemeClr val="accent1"/>
+            </a:fillRef>
+            <a:effectRef idx="0">
+              <a:schemeClr val="accent1"/>
+            </a:effectRef>
+            <a:fontRef idx="minor">
+              <a:schemeClr val="lt1"/>
+            </a:fontRef>
+          </p:style>
+          <p:txBody>
+            <a:bodyPr rtlCol="0" anchor="ctr"/>
+            <a:lstStyle/>
+            <a:p>
+              <a:pPr algn="ctr"/>
+              <a:endParaRPr lang="ru-RU" dirty="0"/>
+            </a:p>
+          </p:txBody>
+        </p:sp>
+        <p:sp>
+          <p:nvSpPr>
+            <p:cNvPr id="14" name="Прямоугольник 13">
+              <a:extLst>
+                <a:ext uri="{FF2B5EF4-FFF2-40B4-BE49-F238E27FC236}">
+                  <a16:creationId xmlns:a16="http://schemas.microsoft.com/office/drawing/2014/main" xmlns="" id="{D4C5D2CD-584A-4C0D-9F8A-A05C7DC6FB06}"/>
+                </a:ext>
+              </a:extLst>
+            </p:cNvPr>
+            <p:cNvSpPr/>
+            <p:nvPr/>
+          </p:nvSpPr>
+          <p:spPr>
+            <a:xfrm>
+              <a:off x="174072" y="1970467"/>
+              <a:ext cx="307777" cy="307777"/>
+            </a:xfrm>
+            <a:prstGeom prst="rect">
+              <a:avLst/>
+            </a:prstGeom>
+            <a:solidFill>
+              <a:schemeClr val="bg1">
+                <a:lumMod val="95000"/>
+              </a:schemeClr>
+            </a:solidFill>
+            <a:ln>
+              <a:noFill/>
+            </a:ln>
+          </p:spPr>
+          <p:style>
+            <a:lnRef idx="2">
+              <a:schemeClr val="accent1">
+                <a:shade val="50000"/>
+              </a:schemeClr>
+            </a:lnRef>
+            <a:fillRef idx="1">
+              <a:schemeClr val="accent1"/>
+            </a:fillRef>
+            <a:effectRef idx="0">
+              <a:schemeClr val="accent1"/>
+            </a:effectRef>
+            <a:fontRef idx="minor">
+              <a:schemeClr val="lt1"/>
+            </a:fontRef>
+          </p:style>
+          <p:txBody>
+            <a:bodyPr rtlCol="0" anchor="ctr"/>
+            <a:lstStyle/>
+            <a:p>
+              <a:pPr algn="ctr"/>
+              <a:endParaRPr lang="ru-RU"/>
+            </a:p>
+          </p:txBody>
+        </p:sp>
+        <p:sp>
+          <p:nvSpPr>
+            <p:cNvPr id="15" name="Прямоугольник 14">
+              <a:extLst>
+                <a:ext uri="{FF2B5EF4-FFF2-40B4-BE49-F238E27FC236}">
+                  <a16:creationId xmlns:a16="http://schemas.microsoft.com/office/drawing/2014/main" xmlns="" id="{DD647F68-3943-4CC0-9412-1D5968D970D1}"/>
+                </a:ext>
+              </a:extLst>
+            </p:cNvPr>
+            <p:cNvSpPr/>
+            <p:nvPr/>
+          </p:nvSpPr>
+          <p:spPr>
+            <a:xfrm>
+              <a:off x="174073" y="1053890"/>
+              <a:ext cx="307777" cy="307777"/>
+            </a:xfrm>
+            <a:prstGeom prst="rect">
+              <a:avLst/>
+            </a:prstGeom>
+            <a:solidFill>
+              <a:schemeClr val="bg1">
+                <a:lumMod val="95000"/>
+              </a:schemeClr>
+            </a:solidFill>
+            <a:ln>
+              <a:noFill/>
+            </a:ln>
+          </p:spPr>
+          <p:style>
+            <a:lnRef idx="2">
+              <a:schemeClr val="accent1">
+                <a:shade val="50000"/>
+              </a:schemeClr>
+            </a:lnRef>
+            <a:fillRef idx="1">
+              <a:schemeClr val="accent1"/>
+            </a:fillRef>
+            <a:effectRef idx="0">
+              <a:schemeClr val="accent1"/>
+            </a:effectRef>
+            <a:fontRef idx="minor">
+              <a:schemeClr val="lt1"/>
+            </a:fontRef>
+          </p:style>
+          <p:txBody>
+            <a:bodyPr rtlCol="0" anchor="ctr"/>
+            <a:lstStyle/>
+            <a:p>
+              <a:pPr algn="ctr"/>
+              <a:endParaRPr lang="ru-RU">
+                <a:solidFill>
+                  <a:srgbClr val="7F7F7F"/>
+                </a:solidFill>
+              </a:endParaRPr>
+            </a:p>
+          </p:txBody>
+        </p:sp>
+        <p:sp>
+          <p:nvSpPr>
+            <p:cNvPr id="16" name="TextBox 15">
+              <a:extLst>
+                <a:ext uri="{FF2B5EF4-FFF2-40B4-BE49-F238E27FC236}">
+                  <a16:creationId xmlns:a16="http://schemas.microsoft.com/office/drawing/2014/main" xmlns="" id="{A1CEB2B1-930A-47BF-B703-3C3FF21EE2CA}"/>
+                </a:ext>
+              </a:extLst>
+            </p:cNvPr>
+            <p:cNvSpPr txBox="1"/>
+            <p:nvPr/>
+          </p:nvSpPr>
+          <p:spPr>
+            <a:xfrm>
+              <a:off x="559858" y="37682"/>
+              <a:ext cx="1577263" cy="584775"/>
+            </a:xfrm>
+            <a:prstGeom prst="rect">
+              <a:avLst/>
+            </a:prstGeom>
+            <a:noFill/>
+          </p:spPr>
+          <p:txBody>
+            <a:bodyPr wrap="square">
+              <a:spAutoFit/>
+            </a:bodyPr>
+            <a:lstStyle/>
+            <a:p>
+              <a:r>
+                <a:rPr lang="ru-RU" sz="1600" b="1" dirty="0">
+                  <a:solidFill>
+                    <a:schemeClr val="bg1">
+                      <a:lumMod val="95000"/>
+                    </a:schemeClr>
+                  </a:solidFill>
+                  <a:latin typeface="Verdana" panose="020B0604030504040204" pitchFamily="34" charset="0"/>
+                  <a:ea typeface="Verdana" panose="020B0604030504040204" pitchFamily="34" charset="0"/>
+                </a:rPr>
+                <a:t>Сетевая связь</a:t>
+              </a:r>
+              <a:endParaRPr lang="x-none" sz="1600" b="1" dirty="0">
+                <a:solidFill>
+                  <a:schemeClr val="bg1">
+                    <a:lumMod val="95000"/>
+                  </a:schemeClr>
+                </a:solidFill>
+                <a:latin typeface="Verdana" panose="020B0604030504040204" pitchFamily="34" charset="0"/>
+                <a:ea typeface="Verdana" panose="020B0604030504040204" pitchFamily="34" charset="0"/>
+              </a:endParaRPr>
+            </a:p>
+          </p:txBody>
+        </p:sp>
+        <p:sp>
+          <p:nvSpPr>
+            <p:cNvPr id="17" name="Прямоугольник 16">
+              <a:extLst>
+                <a:ext uri="{FF2B5EF4-FFF2-40B4-BE49-F238E27FC236}">
+                  <a16:creationId xmlns:a16="http://schemas.microsoft.com/office/drawing/2014/main" xmlns="" id="{6C584A97-3F89-4B57-ACE7-9246FF17E1B3}"/>
+                </a:ext>
+              </a:extLst>
+            </p:cNvPr>
+            <p:cNvSpPr/>
+            <p:nvPr/>
+          </p:nvSpPr>
+          <p:spPr>
+            <a:xfrm>
+              <a:off x="559858" y="964066"/>
+              <a:ext cx="1453466" cy="338554"/>
+            </a:xfrm>
+            <a:prstGeom prst="rect">
+              <a:avLst/>
+            </a:prstGeom>
+          </p:spPr>
+          <p:txBody>
+            <a:bodyPr wrap="square">
+              <a:spAutoFit/>
+            </a:bodyPr>
+            <a:lstStyle/>
+            <a:p>
+              <a:r>
+                <a:rPr lang="ru-RU" sz="1600" b="1" dirty="0">
+                  <a:solidFill>
+                    <a:schemeClr val="bg1">
+                      <a:lumMod val="95000"/>
+                    </a:schemeClr>
+                  </a:solidFill>
+                  <a:latin typeface="Verdana" panose="020B0604030504040204" pitchFamily="34" charset="0"/>
+                  <a:ea typeface="Verdana" panose="020B0604030504040204" pitchFamily="34" charset="0"/>
+                </a:rPr>
+                <a:t>Сущность</a:t>
+              </a:r>
+            </a:p>
+          </p:txBody>
+        </p:sp>
+      </p:grpSp>
+      <p:sp>
+        <p:nvSpPr>
+          <p:cNvPr id="18" name="Прямоугольник 17">
+            <a:extLst>
+              <a:ext uri="{FF2B5EF4-FFF2-40B4-BE49-F238E27FC236}">
+                <a16:creationId xmlns:a16="http://schemas.microsoft.com/office/drawing/2014/main" xmlns="" id="{0D21A8F2-EFE5-4C67-9C72-02BBCD0A6CCF}"/>
+              </a:ext>
+            </a:extLst>
+          </p:cNvPr>
+          <p:cNvSpPr/>
+          <p:nvPr/>
+        </p:nvSpPr>
+        <p:spPr>
+          <a:xfrm>
+            <a:off x="490284" y="2635338"/>
+            <a:ext cx="1453466" cy="584775"/>
+          </a:xfrm>
+          <a:prstGeom prst="rect">
+            <a:avLst/>
+          </a:prstGeom>
+        </p:spPr>
+        <p:txBody>
+          <a:bodyPr wrap="square">
+            <a:spAutoFit/>
+          </a:bodyPr>
+          <a:lstStyle/>
+          <a:p>
+            <a:r>
+              <a:rPr lang="ru-RU" sz="1600" b="1" dirty="0">
+                <a:solidFill>
+                  <a:schemeClr val="bg1">
+                    <a:lumMod val="95000"/>
+                  </a:schemeClr>
+                </a:solidFill>
+                <a:latin typeface="Verdana" panose="020B0604030504040204" pitchFamily="34" charset="0"/>
+                <a:ea typeface="Verdana" panose="020B0604030504040204" pitchFamily="34" charset="0"/>
+              </a:rPr>
+              <a:t>Каналы </a:t>
+            </a:r>
+            <a:r>
+              <a:rPr lang="en-US" sz="1600" b="1" dirty="0">
+                <a:solidFill>
+                  <a:schemeClr val="bg1">
+                    <a:lumMod val="95000"/>
+                  </a:schemeClr>
+                </a:solidFill>
+                <a:latin typeface="Verdana" panose="020B0604030504040204" pitchFamily="34" charset="0"/>
+                <a:ea typeface="Verdana" panose="020B0604030504040204" pitchFamily="34" charset="0"/>
+              </a:rPr>
+              <a:t>IPC</a:t>
+            </a:r>
+            <a:endParaRPr lang="ru-RU" sz="1600" b="1" dirty="0">
+              <a:solidFill>
+                <a:schemeClr val="bg1">
+                  <a:lumMod val="95000"/>
+                </a:schemeClr>
+              </a:solidFill>
+              <a:latin typeface="Verdana" panose="020B0604030504040204" pitchFamily="34" charset="0"/>
+              <a:ea typeface="Verdana" panose="020B0604030504040204" pitchFamily="34" charset="0"/>
+            </a:endParaRPr>
+          </a:p>
+        </p:txBody>
+      </p:sp>
+    </p:spTree>
+    <p:extLst>
+      <p:ext uri="{BB962C8B-B14F-4D97-AF65-F5344CB8AC3E}">
+        <p14:creationId xmlns:p14="http://schemas.microsoft.com/office/powerpoint/2010/main" val="3946816269"/>
+      </p:ext>
+    </p:extLst>
+  </p:cSld>
+  <p:clrMapOvr>
+    <a:masterClrMapping/>
+  </p:clrMapOvr>
+</p:sld>
+</file>
+
+<file path=ppt/slides/slide7.xml><?xml version="1.0" encoding="utf-8"?>
+<p:sld xmlns:a="http://schemas.openxmlformats.org/drawingml/2006/main" xmlns:r="http://schemas.openxmlformats.org/officeDocument/2006/relationships" xmlns:p="http://schemas.openxmlformats.org/presentationml/2006/main">
+  <p:cSld>
+    <p:spTree>
+      <p:nvGrpSpPr>
+        <p:cNvPr id="1" name=""/>
+        <p:cNvGrpSpPr/>
+        <p:nvPr/>
+      </p:nvGrpSpPr>
+      <p:grpSpPr>
+        <a:xfrm>
+          <a:off x="0" y="0"/>
+          <a:ext cx="0" cy="0"/>
+          <a:chOff x="0" y="0"/>
+          <a:chExt cx="0" cy="0"/>
+        </a:xfrm>
+      </p:grpSpPr>
+      <p:sp>
+        <p:nvSpPr>
+          <p:cNvPr id="45" name="Прямоугольник 44">
+            <a:extLst>
+              <a:ext uri="{FF2B5EF4-FFF2-40B4-BE49-F238E27FC236}">
+                <a16:creationId xmlns:a16="http://schemas.microsoft.com/office/drawing/2014/main" xmlns="" id="{F844FAD0-BFD3-42F8-8444-0D4247E6F864}"/>
+              </a:ext>
+            </a:extLst>
+          </p:cNvPr>
+          <p:cNvSpPr/>
+          <p:nvPr/>
+        </p:nvSpPr>
+        <p:spPr bwMode="auto">
+          <a:xfrm>
+            <a:off x="0" y="0"/>
+            <a:ext cx="1080000" cy="5143500"/>
+          </a:xfrm>
+          <a:prstGeom prst="rect">
+            <a:avLst/>
+          </a:prstGeom>
+          <a:solidFill>
+            <a:srgbClr val="004868"/>
+          </a:solidFill>
+          <a:ln w="9525" cap="flat" cmpd="sng" algn="ctr">
+            <a:noFill/>
+            <a:prstDash val="solid"/>
+            <a:round/>
+            <a:headEnd type="none" w="med" len="med"/>
+            <a:tailEnd type="none" w="med" len="med"/>
+          </a:ln>
+          <a:effectLst/>
+        </p:spPr>
+        <p:txBody>
+          <a:bodyPr vert="horz" wrap="square" lIns="77925" tIns="38963" rIns="77925" bIns="38963" numCol="1" rtlCol="0" anchor="ctr" anchorCtr="0" compatLnSpc="1">
+            <a:prstTxWarp prst="textNoShape">
+              <a:avLst/>
+            </a:prstTxWarp>
+          </a:bodyPr>
+          <a:lstStyle/>
+          <a:p>
+            <a:pPr>
+              <a:lnSpc>
+                <a:spcPct val="93000"/>
+              </a:lnSpc>
+              <a:buClr>
+                <a:srgbClr val="000000"/>
+              </a:buClr>
+              <a:buSzPct val="100000"/>
+            </a:pPr>
+            <a:endParaRPr lang="ru-RU" sz="2000" b="1" dirty="0">
+              <a:solidFill>
+                <a:schemeClr val="bg1"/>
+              </a:solidFill>
+              <a:latin typeface="Century Gothic" panose="020B0502020202020204" pitchFamily="34" charset="0"/>
+            </a:endParaRPr>
+          </a:p>
+        </p:txBody>
+      </p:sp>
+      <p:sp>
+        <p:nvSpPr>
+          <p:cNvPr id="25" name="Rectangle 1"/>
+          <p:cNvSpPr txBox="1">
+            <a:spLocks noChangeArrowheads="1"/>
+          </p:cNvSpPr>
+          <p:nvPr/>
+        </p:nvSpPr>
+        <p:spPr>
+          <a:xfrm>
+            <a:off x="2990262" y="921650"/>
+            <a:ext cx="5830209" cy="3787273"/>
+          </a:xfrm>
+          <a:prstGeom prst="rect">
+            <a:avLst/>
+          </a:prstGeom>
+        </p:spPr>
+        <p:txBody>
+          <a:bodyPr vert="horz" lIns="91440" tIns="45720" rIns="91440" bIns="45720" rtlCol="0" anchor="t">
+            <a:normAutofit/>
+          </a:bodyPr>
+          <a:lstStyle>
+            <a:lvl1pPr algn="ctr" defTabSz="914400" rtl="0" eaLnBrk="1" latinLnBrk="0" hangingPunct="1">
+              <a:spcBef>
+                <a:spcPct val="0"/>
+              </a:spcBef>
+              <a:buNone/>
+              <a:defRPr sz="4400" kern="1200">
+                <a:solidFill>
+                  <a:schemeClr val="tx1"/>
+                </a:solidFill>
+                <a:latin typeface="+mj-lt"/>
+                <a:ea typeface="+mj-ea"/>
+                <a:cs typeface="+mj-cs"/>
+              </a:defRPr>
+            </a:lvl1pPr>
+          </a:lstStyle>
+          <a:p>
+            <a:pPr marL="257175" indent="-254794" algn="l">
+              <a:spcBef>
+                <a:spcPts val="450"/>
+              </a:spcBef>
+              <a:tabLst>
+                <a:tab pos="257175" algn="l"/>
+                <a:tab pos="335756" algn="l"/>
+                <a:tab pos="672704" algn="l"/>
+                <a:tab pos="1009650" algn="l"/>
+                <a:tab pos="1346597" algn="l"/>
+                <a:tab pos="1683544" algn="l"/>
+                <a:tab pos="2020491" algn="l"/>
+                <a:tab pos="2357438" algn="l"/>
+                <a:tab pos="2694385" algn="l"/>
+                <a:tab pos="3031331" algn="l"/>
+                <a:tab pos="3368279" algn="l"/>
+                <a:tab pos="3705225" algn="l"/>
+                <a:tab pos="4042172" algn="l"/>
+                <a:tab pos="4379119" algn="l"/>
+                <a:tab pos="4716066" algn="l"/>
+                <a:tab pos="5053013" algn="l"/>
+                <a:tab pos="5389960" algn="l"/>
+                <a:tab pos="5726906" algn="l"/>
+                <a:tab pos="6063854" algn="l"/>
+                <a:tab pos="6400800" algn="l"/>
+                <a:tab pos="6737747" algn="l"/>
+              </a:tabLst>
+            </a:pPr>
+            <a:r>
+              <a:rPr lang="en-US" altLang="ru-RU" sz="3200" dirty="0">
+                <a:cs typeface="Times New Roman" panose="02020603050405020304" pitchFamily="18" charset="0"/>
+              </a:rPr>
+              <a:t>                     </a:t>
+            </a:r>
+            <a:endParaRPr lang="ru-RU" altLang="ru-RU" sz="3200" dirty="0">
+              <a:cs typeface="Times New Roman" panose="02020603050405020304" pitchFamily="18" charset="0"/>
+            </a:endParaRPr>
+          </a:p>
+        </p:txBody>
+      </p:sp>
+      <p:sp>
+        <p:nvSpPr>
+          <p:cNvPr id="2" name="Номер слайда 1">
+            <a:extLst>
+              <a:ext uri="{FF2B5EF4-FFF2-40B4-BE49-F238E27FC236}">
+                <a16:creationId xmlns:a16="http://schemas.microsoft.com/office/drawing/2014/main" xmlns="" id="{E337A08D-3A8E-4E89-BC69-A001F02E6E0C}"/>
+              </a:ext>
+            </a:extLst>
+          </p:cNvPr>
+          <p:cNvSpPr>
+            <a:spLocks noGrp="1"/>
+          </p:cNvSpPr>
+          <p:nvPr>
+            <p:ph type="sldNum" sz="quarter" idx="12"/>
+          </p:nvPr>
+        </p:nvSpPr>
+        <p:spPr/>
+        <p:txBody>
+          <a:bodyPr/>
+          <a:lstStyle/>
+          <a:p>
+            <a:fld id="{B19B0651-EE4F-4900-A07F-96A6BFA9D0F0}" type="slidenum">
+              <a:rPr lang="ru-RU" smtClean="0"/>
+              <a:pPr/>
+              <a:t>7</a:t>
+            </a:fld>
+            <a:endParaRPr lang="ru-RU"/>
+          </a:p>
+        </p:txBody>
+      </p:sp>
+      <p:cxnSp>
+        <p:nvCxnSpPr>
+          <p:cNvPr id="8" name="Прямая соединительная линия 7">
+            <a:extLst>
+              <a:ext uri="{FF2B5EF4-FFF2-40B4-BE49-F238E27FC236}">
+                <a16:creationId xmlns:a16="http://schemas.microsoft.com/office/drawing/2014/main" xmlns="" id="{8CE828DF-A9C3-4B2E-BB9A-236C9E8131AE}"/>
+              </a:ext>
+            </a:extLst>
+          </p:cNvPr>
+          <p:cNvCxnSpPr>
+            <a:cxnSpLocks/>
+          </p:cNvCxnSpPr>
+          <p:nvPr/>
+        </p:nvCxnSpPr>
+        <p:spPr>
+          <a:xfrm>
+            <a:off x="3059832" y="867700"/>
+            <a:ext cx="5832648" cy="0"/>
+          </a:xfrm>
+          <a:prstGeom prst="line">
+            <a:avLst/>
+          </a:prstGeom>
+          <a:ln w="28575">
+            <a:solidFill>
+              <a:schemeClr val="tx2"/>
+            </a:solidFill>
+          </a:ln>
+        </p:spPr>
+        <p:style>
+          <a:lnRef idx="1">
+            <a:schemeClr val="accent1"/>
+          </a:lnRef>
+          <a:fillRef idx="0">
+            <a:schemeClr val="accent1"/>
+          </a:fillRef>
+          <a:effectRef idx="0">
+            <a:schemeClr val="accent1"/>
+          </a:effectRef>
+          <a:fontRef idx="minor">
+            <a:schemeClr val="tx1"/>
+          </a:fontRef>
+        </p:style>
+      </p:cxnSp>
+      <p:sp>
+        <p:nvSpPr>
+          <p:cNvPr id="9" name="Прямоугольник 8">
+            <a:extLst>
+              <a:ext uri="{FF2B5EF4-FFF2-40B4-BE49-F238E27FC236}">
+                <a16:creationId xmlns:a16="http://schemas.microsoft.com/office/drawing/2014/main" xmlns="" id="{1986159B-90C6-4663-8A8F-0AB613A5E9A9}"/>
+              </a:ext>
+            </a:extLst>
+          </p:cNvPr>
+          <p:cNvSpPr/>
+          <p:nvPr/>
+        </p:nvSpPr>
+        <p:spPr>
+          <a:xfrm>
+            <a:off x="3203848" y="299798"/>
+            <a:ext cx="6110664" cy="461665"/>
+          </a:xfrm>
+          <a:prstGeom prst="rect">
+            <a:avLst/>
+          </a:prstGeom>
+        </p:spPr>
+        <p:txBody>
+          <a:bodyPr wrap="square">
+            <a:spAutoFit/>
+          </a:bodyPr>
+          <a:lstStyle/>
+          <a:p>
+            <a:r>
+              <a:rPr lang="ru-RU" sz="2400" b="1" dirty="0">
+                <a:solidFill>
+                  <a:schemeClr val="tx2"/>
+                </a:solidFill>
+                <a:latin typeface="Verdana" panose="020B0604030504040204" pitchFamily="34" charset="0"/>
+                <a:ea typeface="Verdana" panose="020B0604030504040204" pitchFamily="34" charset="0"/>
+              </a:rPr>
               <a:t>Диаграмма классов</a:t>
             </a:r>
           </a:p>
@@ -5262,7 +8558,7 @@
           <p:cNvPr id="4" name="Рисунок 3">
             <a:extLst>
               <a:ext uri="{FF2B5EF4-FFF2-40B4-BE49-F238E27FC236}">
-                <a16:creationId xmlns:a16="http://schemas.microsoft.com/office/drawing/2014/main" id="{E5AABA71-6D2A-42FC-98CF-0C2245A064F3}"/>
+                <a16:creationId xmlns:a16="http://schemas.microsoft.com/office/drawing/2014/main" xmlns="" id="{E5AABA71-6D2A-42FC-98CF-0C2245A064F3}"/>
               </a:ext>
             </a:extLst>
           </p:cNvPr>
@@ -5306,7 +8602,7 @@
 </p:sld>
 </file>
 
-<file path=ppt/slides/slide11.xml><?xml version="1.0" encoding="utf-8"?>
+<file path=ppt/slides/slide8.xml><?xml version="1.0" encoding="utf-8"?>
 <p:sld xmlns:a="http://schemas.openxmlformats.org/drawingml/2006/main" xmlns:r="http://schemas.openxmlformats.org/officeDocument/2006/relationships" xmlns:p="http://schemas.openxmlformats.org/presentationml/2006/main">
   <p:cSld>
     <p:spTree>
@@ -5325,70 +8621,10 @@
       </p:grpSpPr>
       <p:sp>
         <p:nvSpPr>
-          <p:cNvPr id="3" name="Объект 2">
+          <p:cNvPr id="45" name="Прямоугольник 44">
             <a:extLst>
               <a:ext uri="{FF2B5EF4-FFF2-40B4-BE49-F238E27FC236}">
-                <a16:creationId xmlns:a16="http://schemas.microsoft.com/office/drawing/2014/main" id="{807A1DB7-1B94-4C8E-9E43-F2737C3A6C6E}"/>
-              </a:ext>
-            </a:extLst>
-          </p:cNvPr>
-          <p:cNvSpPr>
-            <a:spLocks noGrp="1"/>
-          </p:cNvSpPr>
-          <p:nvPr>
-            <p:ph idx="1"/>
-          </p:nvPr>
-        </p:nvSpPr>
-        <p:spPr>
-          <a:xfrm>
-            <a:off x="3059832" y="1059582"/>
-            <a:ext cx="5832648" cy="3384351"/>
-          </a:xfrm>
-        </p:spPr>
-        <p:txBody>
-          <a:bodyPr/>
-          <a:lstStyle/>
-          <a:p>
-            <a:endParaRPr lang="ru-RU" dirty="0"/>
-          </a:p>
-        </p:txBody>
-      </p:sp>
-      <p:sp>
-        <p:nvSpPr>
-          <p:cNvPr id="4" name="Номер слайда 3">
-            <a:extLst>
-              <a:ext uri="{FF2B5EF4-FFF2-40B4-BE49-F238E27FC236}">
-                <a16:creationId xmlns:a16="http://schemas.microsoft.com/office/drawing/2014/main" id="{407E3DFD-05CC-48DB-9081-F8A9F136813E}"/>
-              </a:ext>
-            </a:extLst>
-          </p:cNvPr>
-          <p:cNvSpPr>
-            <a:spLocks noGrp="1"/>
-          </p:cNvSpPr>
-          <p:nvPr>
-            <p:ph type="sldNum" sz="quarter" idx="12"/>
-          </p:nvPr>
-        </p:nvSpPr>
-        <p:spPr/>
-        <p:txBody>
-          <a:bodyPr/>
-          <a:lstStyle/>
-          <a:p>
-            <a:fld id="{B19B0651-EE4F-4900-A07F-96A6BFA9D0F0}" type="slidenum">
-              <a:rPr lang="ru-RU" smtClean="0"/>
-              <a:pPr/>
-              <a:t>11</a:t>
-            </a:fld>
-            <a:endParaRPr lang="ru-RU"/>
-          </a:p>
-        </p:txBody>
-      </p:sp>
-      <p:sp>
-        <p:nvSpPr>
-          <p:cNvPr id="5" name="Прямоугольник 4">
-            <a:extLst>
-              <a:ext uri="{FF2B5EF4-FFF2-40B4-BE49-F238E27FC236}">
-                <a16:creationId xmlns:a16="http://schemas.microsoft.com/office/drawing/2014/main" id="{910DF3EC-1F25-4526-9FE7-8BC70A8DF0C5}"/>
+                <a16:creationId xmlns:a16="http://schemas.microsoft.com/office/drawing/2014/main" xmlns="" id="{F844FAD0-BFD3-42F8-8444-0D4247E6F864}"/>
               </a:ext>
             </a:extLst>
           </p:cNvPr>
@@ -5443,10 +8679,10 @@
       </p:sp>
       <p:cxnSp>
         <p:nvCxnSpPr>
-          <p:cNvPr id="6" name="Прямая соединительная линия 5">
+          <p:cNvPr id="27" name="Прямая соединительная линия 26">
             <a:extLst>
               <a:ext uri="{FF2B5EF4-FFF2-40B4-BE49-F238E27FC236}">
-                <a16:creationId xmlns:a16="http://schemas.microsoft.com/office/drawing/2014/main" id="{2467A97C-B77F-44C8-A41B-AB2EE2D11DE3}"/>
+                <a16:creationId xmlns:a16="http://schemas.microsoft.com/office/drawing/2014/main" xmlns="" id="{7D440611-E861-4ADC-BE55-6C5E3E2135B0}"/>
               </a:ext>
             </a:extLst>
           </p:cNvPr>
@@ -5486,10 +8722,716 @@
       </p:cxnSp>
       <p:sp>
         <p:nvSpPr>
+          <p:cNvPr id="25" name="Rectangle 1"/>
+          <p:cNvSpPr txBox="1">
+            <a:spLocks noChangeArrowheads="1"/>
+          </p:cNvSpPr>
+          <p:nvPr/>
+        </p:nvSpPr>
+        <p:spPr>
+          <a:xfrm>
+            <a:off x="2990262" y="921650"/>
+            <a:ext cx="5830209" cy="3787273"/>
+          </a:xfrm>
+          <a:prstGeom prst="rect">
+            <a:avLst/>
+          </a:prstGeom>
+        </p:spPr>
+        <p:txBody>
+          <a:bodyPr vert="horz" lIns="91440" tIns="45720" rIns="91440" bIns="45720" rtlCol="0" anchor="t">
+            <a:normAutofit/>
+          </a:bodyPr>
+          <a:lstStyle>
+            <a:lvl1pPr algn="ctr" defTabSz="914400" rtl="0" eaLnBrk="1" latinLnBrk="0" hangingPunct="1">
+              <a:spcBef>
+                <a:spcPct val="0"/>
+              </a:spcBef>
+              <a:buNone/>
+              <a:defRPr sz="4400" kern="1200">
+                <a:solidFill>
+                  <a:schemeClr val="tx1"/>
+                </a:solidFill>
+                <a:latin typeface="+mj-lt"/>
+                <a:ea typeface="+mj-ea"/>
+                <a:cs typeface="+mj-cs"/>
+              </a:defRPr>
+            </a:lvl1pPr>
+          </a:lstStyle>
+          <a:p>
+            <a:pPr marL="257175" indent="-254794" algn="l">
+              <a:spcBef>
+                <a:spcPts val="450"/>
+              </a:spcBef>
+              <a:tabLst>
+                <a:tab pos="257175" algn="l"/>
+                <a:tab pos="335756" algn="l"/>
+                <a:tab pos="672704" algn="l"/>
+                <a:tab pos="1009650" algn="l"/>
+                <a:tab pos="1346597" algn="l"/>
+                <a:tab pos="1683544" algn="l"/>
+                <a:tab pos="2020491" algn="l"/>
+                <a:tab pos="2357438" algn="l"/>
+                <a:tab pos="2694385" algn="l"/>
+                <a:tab pos="3031331" algn="l"/>
+                <a:tab pos="3368279" algn="l"/>
+                <a:tab pos="3705225" algn="l"/>
+                <a:tab pos="4042172" algn="l"/>
+                <a:tab pos="4379119" algn="l"/>
+                <a:tab pos="4716066" algn="l"/>
+                <a:tab pos="5053013" algn="l"/>
+                <a:tab pos="5389960" algn="l"/>
+                <a:tab pos="5726906" algn="l"/>
+                <a:tab pos="6063854" algn="l"/>
+                <a:tab pos="6400800" algn="l"/>
+                <a:tab pos="6737747" algn="l"/>
+              </a:tabLst>
+            </a:pPr>
+            <a:r>
+              <a:rPr lang="en-US" altLang="ru-RU" sz="3200" dirty="0">
+                <a:cs typeface="Times New Roman" panose="02020603050405020304" pitchFamily="18" charset="0"/>
+              </a:rPr>
+              <a:t>                     </a:t>
+            </a:r>
+            <a:endParaRPr lang="ru-RU" altLang="ru-RU" sz="3200" dirty="0">
+              <a:cs typeface="Times New Roman" panose="02020603050405020304" pitchFamily="18" charset="0"/>
+            </a:endParaRPr>
+          </a:p>
+        </p:txBody>
+      </p:sp>
+      <p:sp>
+        <p:nvSpPr>
+          <p:cNvPr id="2" name="Номер слайда 1">
+            <a:extLst>
+              <a:ext uri="{FF2B5EF4-FFF2-40B4-BE49-F238E27FC236}">
+                <a16:creationId xmlns:a16="http://schemas.microsoft.com/office/drawing/2014/main" xmlns="" id="{43DE384C-E41B-4854-8084-48017AD96984}"/>
+              </a:ext>
+            </a:extLst>
+          </p:cNvPr>
+          <p:cNvSpPr>
+            <a:spLocks noGrp="1"/>
+          </p:cNvSpPr>
+          <p:nvPr>
+            <p:ph type="sldNum" sz="quarter" idx="12"/>
+          </p:nvPr>
+        </p:nvSpPr>
+        <p:spPr/>
+        <p:txBody>
+          <a:bodyPr/>
+          <a:lstStyle/>
+          <a:p>
+            <a:fld id="{B19B0651-EE4F-4900-A07F-96A6BFA9D0F0}" type="slidenum">
+              <a:rPr lang="ru-RU" smtClean="0"/>
+              <a:pPr/>
+              <a:t>8</a:t>
+            </a:fld>
+            <a:endParaRPr lang="ru-RU"/>
+          </a:p>
+        </p:txBody>
+      </p:sp>
+      <p:sp>
+        <p:nvSpPr>
+          <p:cNvPr id="18" name="Прямоугольник 17">
+            <a:extLst>
+              <a:ext uri="{FF2B5EF4-FFF2-40B4-BE49-F238E27FC236}">
+                <a16:creationId xmlns:a16="http://schemas.microsoft.com/office/drawing/2014/main" xmlns="" id="{17ED5078-1A16-4CC1-B020-23E9979FB77D}"/>
+              </a:ext>
+            </a:extLst>
+          </p:cNvPr>
+          <p:cNvSpPr/>
+          <p:nvPr/>
+        </p:nvSpPr>
+        <p:spPr>
+          <a:xfrm>
+            <a:off x="3203848" y="299798"/>
+            <a:ext cx="6110664" cy="461665"/>
+          </a:xfrm>
+          <a:prstGeom prst="rect">
+            <a:avLst/>
+          </a:prstGeom>
+        </p:spPr>
+        <p:txBody>
+          <a:bodyPr wrap="square">
+            <a:spAutoFit/>
+          </a:bodyPr>
+          <a:lstStyle/>
+          <a:p>
+            <a:r>
+              <a:rPr lang="ru-RU" sz="2400" b="1" dirty="0">
+                <a:solidFill>
+                  <a:schemeClr val="tx2"/>
+                </a:solidFill>
+                <a:latin typeface="Verdana" panose="020B0604030504040204" pitchFamily="34" charset="0"/>
+                <a:ea typeface="Verdana" panose="020B0604030504040204" pitchFamily="34" charset="0"/>
+              </a:rPr>
+              <a:t>Отсылка команд по </a:t>
+            </a:r>
+            <a:r>
+              <a:rPr lang="en-US" sz="2400" b="1" dirty="0">
+                <a:solidFill>
+                  <a:schemeClr val="tx2"/>
+                </a:solidFill>
+                <a:latin typeface="Verdana" panose="020B0604030504040204" pitchFamily="34" charset="0"/>
+                <a:ea typeface="Verdana" panose="020B0604030504040204" pitchFamily="34" charset="0"/>
+              </a:rPr>
+              <a:t>TCP/IP</a:t>
+            </a:r>
+            <a:r>
+              <a:rPr lang="ru-RU" sz="2400" b="1" dirty="0">
+                <a:solidFill>
+                  <a:schemeClr val="tx2"/>
+                </a:solidFill>
+                <a:latin typeface="Verdana" panose="020B0604030504040204" pitchFamily="34" charset="0"/>
+                <a:ea typeface="Verdana" panose="020B0604030504040204" pitchFamily="34" charset="0"/>
+              </a:rPr>
+              <a:t>.</a:t>
+            </a:r>
+          </a:p>
+        </p:txBody>
+      </p:sp>
+      <p:grpSp>
+        <p:nvGrpSpPr>
+          <p:cNvPr id="15" name="Группа 14">
+            <a:extLst>
+              <a:ext uri="{FF2B5EF4-FFF2-40B4-BE49-F238E27FC236}">
+                <a16:creationId xmlns:a16="http://schemas.microsoft.com/office/drawing/2014/main" xmlns="" id="{6575EFC2-4173-4EA6-B485-93088510E72A}"/>
+              </a:ext>
+            </a:extLst>
+          </p:cNvPr>
+          <p:cNvGrpSpPr/>
+          <p:nvPr/>
+        </p:nvGrpSpPr>
+        <p:grpSpPr>
+          <a:xfrm>
+            <a:off x="132856" y="853278"/>
+            <a:ext cx="1963049" cy="2240562"/>
+            <a:chOff x="174072" y="37682"/>
+            <a:chExt cx="1963049" cy="2240562"/>
+          </a:xfrm>
+        </p:grpSpPr>
+        <p:sp>
+          <p:nvSpPr>
+            <p:cNvPr id="16" name="Прямоугольник 15">
+              <a:extLst>
+                <a:ext uri="{FF2B5EF4-FFF2-40B4-BE49-F238E27FC236}">
+                  <a16:creationId xmlns:a16="http://schemas.microsoft.com/office/drawing/2014/main" xmlns="" id="{6BBC07C5-B804-4064-8143-D83CCBF32835}"/>
+                </a:ext>
+              </a:extLst>
+            </p:cNvPr>
+            <p:cNvSpPr/>
+            <p:nvPr/>
+          </p:nvSpPr>
+          <p:spPr>
+            <a:xfrm>
+              <a:off x="182776" y="176182"/>
+              <a:ext cx="307777" cy="307777"/>
+            </a:xfrm>
+            <a:prstGeom prst="rect">
+              <a:avLst/>
+            </a:prstGeom>
+            <a:solidFill>
+              <a:schemeClr val="bg1">
+                <a:lumMod val="95000"/>
+              </a:schemeClr>
+            </a:solidFill>
+            <a:ln>
+              <a:noFill/>
+            </a:ln>
+          </p:spPr>
+          <p:style>
+            <a:lnRef idx="2">
+              <a:schemeClr val="accent1">
+                <a:shade val="50000"/>
+              </a:schemeClr>
+            </a:lnRef>
+            <a:fillRef idx="1">
+              <a:schemeClr val="accent1"/>
+            </a:fillRef>
+            <a:effectRef idx="0">
+              <a:schemeClr val="accent1"/>
+            </a:effectRef>
+            <a:fontRef idx="minor">
+              <a:schemeClr val="lt1"/>
+            </a:fontRef>
+          </p:style>
+          <p:txBody>
+            <a:bodyPr rtlCol="0" anchor="ctr"/>
+            <a:lstStyle/>
+            <a:p>
+              <a:pPr algn="ctr"/>
+              <a:endParaRPr lang="ru-RU" dirty="0"/>
+            </a:p>
+          </p:txBody>
+        </p:sp>
+        <p:sp>
+          <p:nvSpPr>
+            <p:cNvPr id="17" name="Прямоугольник 16">
+              <a:extLst>
+                <a:ext uri="{FF2B5EF4-FFF2-40B4-BE49-F238E27FC236}">
+                  <a16:creationId xmlns:a16="http://schemas.microsoft.com/office/drawing/2014/main" xmlns="" id="{BF5FBA8C-5D5E-4154-9D1A-10FC8C272D7B}"/>
+                </a:ext>
+              </a:extLst>
+            </p:cNvPr>
+            <p:cNvSpPr/>
+            <p:nvPr/>
+          </p:nvSpPr>
+          <p:spPr>
+            <a:xfrm>
+              <a:off x="174072" y="1970467"/>
+              <a:ext cx="307777" cy="307777"/>
+            </a:xfrm>
+            <a:prstGeom prst="rect">
+              <a:avLst/>
+            </a:prstGeom>
+            <a:solidFill>
+              <a:schemeClr val="bg1">
+                <a:lumMod val="95000"/>
+              </a:schemeClr>
+            </a:solidFill>
+            <a:ln>
+              <a:noFill/>
+            </a:ln>
+          </p:spPr>
+          <p:style>
+            <a:lnRef idx="2">
+              <a:schemeClr val="accent1">
+                <a:shade val="50000"/>
+              </a:schemeClr>
+            </a:lnRef>
+            <a:fillRef idx="1">
+              <a:schemeClr val="accent1"/>
+            </a:fillRef>
+            <a:effectRef idx="0">
+              <a:schemeClr val="accent1"/>
+            </a:effectRef>
+            <a:fontRef idx="minor">
+              <a:schemeClr val="lt1"/>
+            </a:fontRef>
+          </p:style>
+          <p:txBody>
+            <a:bodyPr rtlCol="0" anchor="ctr"/>
+            <a:lstStyle/>
+            <a:p>
+              <a:pPr algn="ctr"/>
+              <a:endParaRPr lang="ru-RU"/>
+            </a:p>
+          </p:txBody>
+        </p:sp>
+        <p:sp>
+          <p:nvSpPr>
+            <p:cNvPr id="19" name="Прямоугольник 18">
+              <a:extLst>
+                <a:ext uri="{FF2B5EF4-FFF2-40B4-BE49-F238E27FC236}">
+                  <a16:creationId xmlns:a16="http://schemas.microsoft.com/office/drawing/2014/main" xmlns="" id="{51674972-3D66-43FF-A4C1-1DCB781AA27C}"/>
+                </a:ext>
+              </a:extLst>
+            </p:cNvPr>
+            <p:cNvSpPr/>
+            <p:nvPr/>
+          </p:nvSpPr>
+          <p:spPr>
+            <a:xfrm>
+              <a:off x="174073" y="1053890"/>
+              <a:ext cx="307777" cy="307777"/>
+            </a:xfrm>
+            <a:prstGeom prst="rect">
+              <a:avLst/>
+            </a:prstGeom>
+            <a:solidFill>
+              <a:schemeClr val="bg1">
+                <a:lumMod val="95000"/>
+              </a:schemeClr>
+            </a:solidFill>
+            <a:ln>
+              <a:noFill/>
+            </a:ln>
+          </p:spPr>
+          <p:style>
+            <a:lnRef idx="2">
+              <a:schemeClr val="accent1">
+                <a:shade val="50000"/>
+              </a:schemeClr>
+            </a:lnRef>
+            <a:fillRef idx="1">
+              <a:schemeClr val="accent1"/>
+            </a:fillRef>
+            <a:effectRef idx="0">
+              <a:schemeClr val="accent1"/>
+            </a:effectRef>
+            <a:fontRef idx="minor">
+              <a:schemeClr val="lt1"/>
+            </a:fontRef>
+          </p:style>
+          <p:txBody>
+            <a:bodyPr rtlCol="0" anchor="ctr"/>
+            <a:lstStyle/>
+            <a:p>
+              <a:pPr algn="ctr"/>
+              <a:endParaRPr lang="ru-RU">
+                <a:solidFill>
+                  <a:srgbClr val="7F7F7F"/>
+                </a:solidFill>
+              </a:endParaRPr>
+            </a:p>
+          </p:txBody>
+        </p:sp>
+        <p:sp>
+          <p:nvSpPr>
+            <p:cNvPr id="20" name="TextBox 19">
+              <a:extLst>
+                <a:ext uri="{FF2B5EF4-FFF2-40B4-BE49-F238E27FC236}">
+                  <a16:creationId xmlns:a16="http://schemas.microsoft.com/office/drawing/2014/main" xmlns="" id="{46C193FD-CCCC-45B1-9BEA-DCBCF188264E}"/>
+                </a:ext>
+              </a:extLst>
+            </p:cNvPr>
+            <p:cNvSpPr txBox="1"/>
+            <p:nvPr/>
+          </p:nvSpPr>
+          <p:spPr>
+            <a:xfrm>
+              <a:off x="559858" y="37682"/>
+              <a:ext cx="1577263" cy="584775"/>
+            </a:xfrm>
+            <a:prstGeom prst="rect">
+              <a:avLst/>
+            </a:prstGeom>
+            <a:noFill/>
+          </p:spPr>
+          <p:txBody>
+            <a:bodyPr wrap="square">
+              <a:spAutoFit/>
+            </a:bodyPr>
+            <a:lstStyle/>
+            <a:p>
+              <a:r>
+                <a:rPr lang="ru-RU" sz="1600" b="1" dirty="0">
+                  <a:solidFill>
+                    <a:schemeClr val="bg1">
+                      <a:lumMod val="95000"/>
+                    </a:schemeClr>
+                  </a:solidFill>
+                  <a:latin typeface="Verdana" panose="020B0604030504040204" pitchFamily="34" charset="0"/>
+                  <a:ea typeface="Verdana" panose="020B0604030504040204" pitchFamily="34" charset="0"/>
+                </a:rPr>
+                <a:t>Сетевая связь</a:t>
+              </a:r>
+              <a:endParaRPr lang="x-none" sz="1600" b="1" dirty="0">
+                <a:solidFill>
+                  <a:schemeClr val="bg1">
+                    <a:lumMod val="95000"/>
+                  </a:schemeClr>
+                </a:solidFill>
+                <a:latin typeface="Verdana" panose="020B0604030504040204" pitchFamily="34" charset="0"/>
+                <a:ea typeface="Verdana" panose="020B0604030504040204" pitchFamily="34" charset="0"/>
+              </a:endParaRPr>
+            </a:p>
+          </p:txBody>
+        </p:sp>
+        <p:sp>
+          <p:nvSpPr>
+            <p:cNvPr id="21" name="Прямоугольник 20">
+              <a:extLst>
+                <a:ext uri="{FF2B5EF4-FFF2-40B4-BE49-F238E27FC236}">
+                  <a16:creationId xmlns:a16="http://schemas.microsoft.com/office/drawing/2014/main" xmlns="" id="{29C72257-1E49-41B2-8E28-718FC11F9DEB}"/>
+                </a:ext>
+              </a:extLst>
+            </p:cNvPr>
+            <p:cNvSpPr/>
+            <p:nvPr/>
+          </p:nvSpPr>
+          <p:spPr>
+            <a:xfrm>
+              <a:off x="559858" y="964066"/>
+              <a:ext cx="1453466" cy="338554"/>
+            </a:xfrm>
+            <a:prstGeom prst="rect">
+              <a:avLst/>
+            </a:prstGeom>
+          </p:spPr>
+          <p:txBody>
+            <a:bodyPr wrap="square">
+              <a:spAutoFit/>
+            </a:bodyPr>
+            <a:lstStyle/>
+            <a:p>
+              <a:r>
+                <a:rPr lang="ru-RU" sz="1600" b="1" dirty="0">
+                  <a:solidFill>
+                    <a:schemeClr val="bg1">
+                      <a:lumMod val="95000"/>
+                    </a:schemeClr>
+                  </a:solidFill>
+                  <a:latin typeface="Verdana" panose="020B0604030504040204" pitchFamily="34" charset="0"/>
+                  <a:ea typeface="Verdana" panose="020B0604030504040204" pitchFamily="34" charset="0"/>
+                </a:rPr>
+                <a:t>Сущность</a:t>
+              </a:r>
+            </a:p>
+          </p:txBody>
+        </p:sp>
+      </p:grpSp>
+      <p:sp>
+        <p:nvSpPr>
+          <p:cNvPr id="3" name="TextBox 2"/>
+          <p:cNvSpPr txBox="1"/>
+          <p:nvPr/>
+        </p:nvSpPr>
+        <p:spPr>
+          <a:xfrm>
+            <a:off x="4355976" y="1563638"/>
+            <a:ext cx="2592288" cy="553998"/>
+          </a:xfrm>
+          <a:prstGeom prst="rect">
+            <a:avLst/>
+          </a:prstGeom>
+          <a:noFill/>
+        </p:spPr>
+        <p:txBody>
+          <a:bodyPr wrap="square" rtlCol="0">
+            <a:spAutoFit/>
+          </a:bodyPr>
+          <a:lstStyle/>
+          <a:p>
+            <a:r>
+              <a:rPr lang="ru-RU" dirty="0" smtClean="0"/>
+              <a:t>Диаграмма последовательностей</a:t>
+            </a:r>
+            <a:endParaRPr lang="ru-RU" dirty="0"/>
+          </a:p>
+        </p:txBody>
+      </p:sp>
+    </p:spTree>
+    <p:extLst>
+      <p:ext uri="{BB962C8B-B14F-4D97-AF65-F5344CB8AC3E}">
+        <p14:creationId xmlns:p14="http://schemas.microsoft.com/office/powerpoint/2010/main" val="2481491869"/>
+      </p:ext>
+    </p:extLst>
+  </p:cSld>
+  <p:clrMapOvr>
+    <a:masterClrMapping/>
+  </p:clrMapOvr>
+</p:sld>
+</file>
+
+<file path=ppt/slides/slide9.xml><?xml version="1.0" encoding="utf-8"?>
+<p:sld xmlns:a="http://schemas.openxmlformats.org/drawingml/2006/main" xmlns:r="http://schemas.openxmlformats.org/officeDocument/2006/relationships" xmlns:p="http://schemas.openxmlformats.org/presentationml/2006/main">
+  <p:cSld>
+    <p:spTree>
+      <p:nvGrpSpPr>
+        <p:cNvPr id="1" name=""/>
+        <p:cNvGrpSpPr/>
+        <p:nvPr/>
+      </p:nvGrpSpPr>
+      <p:grpSpPr>
+        <a:xfrm>
+          <a:off x="0" y="0"/>
+          <a:ext cx="0" cy="0"/>
+          <a:chOff x="0" y="0"/>
+          <a:chExt cx="0" cy="0"/>
+        </a:xfrm>
+      </p:grpSpPr>
+      <p:sp>
+        <p:nvSpPr>
+          <p:cNvPr id="3" name="Объект 2">
+            <a:extLst>
+              <a:ext uri="{FF2B5EF4-FFF2-40B4-BE49-F238E27FC236}">
+                <a16:creationId xmlns:a16="http://schemas.microsoft.com/office/drawing/2014/main" xmlns="" id="{807A1DB7-1B94-4C8E-9E43-F2737C3A6C6E}"/>
+              </a:ext>
+            </a:extLst>
+          </p:cNvPr>
+          <p:cNvSpPr>
+            <a:spLocks noGrp="1"/>
+          </p:cNvSpPr>
+          <p:nvPr>
+            <p:ph idx="1"/>
+          </p:nvPr>
+        </p:nvSpPr>
+        <p:spPr>
+          <a:xfrm>
+            <a:off x="2555776" y="1059582"/>
+            <a:ext cx="6336704" cy="3384351"/>
+          </a:xfrm>
+        </p:spPr>
+        <p:txBody>
+          <a:bodyPr>
+            <a:normAutofit/>
+          </a:bodyPr>
+          <a:lstStyle/>
+          <a:p>
+            <a:pPr marL="0" indent="0">
+              <a:buNone/>
+            </a:pPr>
+            <a:r>
+              <a:rPr lang="ru-RU" sz="1600" dirty="0" smtClean="0"/>
+              <a:t>Прототип защищенной системы</a:t>
+            </a:r>
+          </a:p>
+          <a:p>
+            <a:pPr marL="0" indent="0">
+              <a:buNone/>
+            </a:pPr>
+            <a:endParaRPr lang="ru-RU" sz="1600" dirty="0"/>
+          </a:p>
+          <a:p>
+            <a:pPr marL="0" indent="0">
+              <a:buNone/>
+            </a:pPr>
+            <a:r>
+              <a:rPr lang="ru-RU" sz="1600" dirty="0" smtClean="0"/>
+              <a:t>В дальнейшем хотим реализовать </a:t>
+            </a:r>
+            <a:r>
+              <a:rPr lang="en-US" sz="1600" dirty="0" smtClean="0"/>
+              <a:t>KOS </a:t>
+            </a:r>
+            <a:r>
+              <a:rPr lang="ru-RU" sz="1600" dirty="0" smtClean="0"/>
+              <a:t>с имитацией окружающей обстановки под </a:t>
+            </a:r>
+            <a:r>
+              <a:rPr lang="en-US" sz="1600" dirty="0" smtClean="0"/>
+              <a:t>QEMU</a:t>
+            </a:r>
+            <a:endParaRPr lang="ru-RU" sz="1600" dirty="0"/>
+          </a:p>
+        </p:txBody>
+      </p:sp>
+      <p:sp>
+        <p:nvSpPr>
+          <p:cNvPr id="4" name="Номер слайда 3">
+            <a:extLst>
+              <a:ext uri="{FF2B5EF4-FFF2-40B4-BE49-F238E27FC236}">
+                <a16:creationId xmlns:a16="http://schemas.microsoft.com/office/drawing/2014/main" xmlns="" id="{407E3DFD-05CC-48DB-9081-F8A9F136813E}"/>
+              </a:ext>
+            </a:extLst>
+          </p:cNvPr>
+          <p:cNvSpPr>
+            <a:spLocks noGrp="1"/>
+          </p:cNvSpPr>
+          <p:nvPr>
+            <p:ph type="sldNum" sz="quarter" idx="12"/>
+          </p:nvPr>
+        </p:nvSpPr>
+        <p:spPr/>
+        <p:txBody>
+          <a:bodyPr/>
+          <a:lstStyle/>
+          <a:p>
+            <a:fld id="{B19B0651-EE4F-4900-A07F-96A6BFA9D0F0}" type="slidenum">
+              <a:rPr lang="ru-RU" smtClean="0"/>
+              <a:pPr/>
+              <a:t>9</a:t>
+            </a:fld>
+            <a:endParaRPr lang="ru-RU"/>
+          </a:p>
+        </p:txBody>
+      </p:sp>
+      <p:sp>
+        <p:nvSpPr>
+          <p:cNvPr id="5" name="Прямоугольник 4">
+            <a:extLst>
+              <a:ext uri="{FF2B5EF4-FFF2-40B4-BE49-F238E27FC236}">
+                <a16:creationId xmlns:a16="http://schemas.microsoft.com/office/drawing/2014/main" xmlns="" id="{910DF3EC-1F25-4526-9FE7-8BC70A8DF0C5}"/>
+              </a:ext>
+            </a:extLst>
+          </p:cNvPr>
+          <p:cNvSpPr/>
+          <p:nvPr/>
+        </p:nvSpPr>
+        <p:spPr bwMode="auto">
+          <a:xfrm>
+            <a:off x="0" y="0"/>
+            <a:ext cx="2160000" cy="5143500"/>
+          </a:xfrm>
+          <a:prstGeom prst="rect">
+            <a:avLst/>
+          </a:prstGeom>
+          <a:solidFill>
+            <a:srgbClr val="004868"/>
+          </a:solidFill>
+          <a:ln w="9525" cap="flat" cmpd="sng" algn="ctr">
+            <a:noFill/>
+            <a:prstDash val="solid"/>
+            <a:round/>
+            <a:headEnd type="none" w="med" len="med"/>
+            <a:tailEnd type="none" w="med" len="med"/>
+          </a:ln>
+          <a:effectLst/>
+        </p:spPr>
+        <p:txBody>
+          <a:bodyPr vert="horz" wrap="square" lIns="77925" tIns="38963" rIns="77925" bIns="38963" numCol="1" rtlCol="0" anchor="ctr" anchorCtr="0" compatLnSpc="1">
+            <a:prstTxWarp prst="textNoShape">
+              <a:avLst/>
+            </a:prstTxWarp>
+          </a:bodyPr>
+          <a:lstStyle/>
+          <a:p>
+            <a:pPr>
+              <a:lnSpc>
+                <a:spcPct val="93000"/>
+              </a:lnSpc>
+              <a:buClr>
+                <a:srgbClr val="000000"/>
+              </a:buClr>
+              <a:buSzPct val="100000"/>
+            </a:pPr>
+            <a:endParaRPr lang="ru-RU" sz="2000" b="1" dirty="0">
+              <a:solidFill>
+                <a:schemeClr val="bg1"/>
+              </a:solidFill>
+              <a:latin typeface="Century Gothic" panose="020B0502020202020204" pitchFamily="34" charset="0"/>
+            </a:endParaRPr>
+          </a:p>
+        </p:txBody>
+      </p:sp>
+      <p:cxnSp>
+        <p:nvCxnSpPr>
+          <p:cNvPr id="6" name="Прямая соединительная линия 5">
+            <a:extLst>
+              <a:ext uri="{FF2B5EF4-FFF2-40B4-BE49-F238E27FC236}">
+                <a16:creationId xmlns:a16="http://schemas.microsoft.com/office/drawing/2014/main" xmlns="" id="{2467A97C-B77F-44C8-A41B-AB2EE2D11DE3}"/>
+              </a:ext>
+            </a:extLst>
+          </p:cNvPr>
+          <p:cNvCxnSpPr>
+            <a:cxnSpLocks/>
+          </p:cNvCxnSpPr>
+          <p:nvPr/>
+        </p:nvCxnSpPr>
+        <p:spPr>
+          <a:xfrm>
+            <a:off x="3059832" y="867700"/>
+            <a:ext cx="5832648" cy="0"/>
+          </a:xfrm>
+          <a:prstGeom prst="line">
+            <a:avLst/>
+          </a:prstGeom>
+          <a:ln w="28575">
+            <a:solidFill>
+              <a:schemeClr val="tx2"/>
+            </a:solidFill>
+          </a:ln>
+        </p:spPr>
+        <p:style>
+          <a:lnRef idx="1">
+            <a:schemeClr val="accent1"/>
+          </a:lnRef>
+          <a:fillRef idx="0">
+            <a:schemeClr val="accent1"/>
+          </a:fillRef>
+          <a:effectRef idx="0">
+            <a:schemeClr val="accent1"/>
+          </a:effectRef>
+          <a:fontRef idx="minor">
+            <a:schemeClr val="tx1"/>
+          </a:fontRef>
+        </p:style>
+      </p:cxnSp>
+      <p:sp>
+        <p:nvSpPr>
           <p:cNvPr id="8" name="Прямоугольник 7">
             <a:extLst>
               <a:ext uri="{FF2B5EF4-FFF2-40B4-BE49-F238E27FC236}">
-                <a16:creationId xmlns:a16="http://schemas.microsoft.com/office/drawing/2014/main" id="{8CF585ED-3269-46F3-8B9F-D294E6449231}"/>
+                <a16:creationId xmlns:a16="http://schemas.microsoft.com/office/drawing/2014/main" xmlns="" id="{8CF585ED-3269-46F3-8B9F-D294E6449231}"/>
               </a:ext>
             </a:extLst>
           </p:cNvPr>
@@ -5529,7 +9471,7 @@
           <p:cNvPr id="7" name="Группа 6">
             <a:extLst>
               <a:ext uri="{FF2B5EF4-FFF2-40B4-BE49-F238E27FC236}">
-                <a16:creationId xmlns:a16="http://schemas.microsoft.com/office/drawing/2014/main" id="{139A77F8-7D49-45A1-9214-19DF6CAEDB87}"/>
+                <a16:creationId xmlns:a16="http://schemas.microsoft.com/office/drawing/2014/main" xmlns="" id="{139A77F8-7D49-45A1-9214-19DF6CAEDB87}"/>
               </a:ext>
             </a:extLst>
           </p:cNvPr>
@@ -5549,7 +9491,7 @@
             <p:cNvPr id="9" name="Прямоугольник 8">
               <a:extLst>
                 <a:ext uri="{FF2B5EF4-FFF2-40B4-BE49-F238E27FC236}">
-                  <a16:creationId xmlns:a16="http://schemas.microsoft.com/office/drawing/2014/main" id="{C1AF4255-9B0F-4619-888B-C211218E49FF}"/>
+                  <a16:creationId xmlns:a16="http://schemas.microsoft.com/office/drawing/2014/main" xmlns="" id="{C1AF4255-9B0F-4619-888B-C211218E49FF}"/>
                 </a:ext>
               </a:extLst>
             </p:cNvPr>
@@ -5603,7 +9545,7 @@
             <p:cNvPr id="10" name="Прямоугольник 9">
               <a:extLst>
                 <a:ext uri="{FF2B5EF4-FFF2-40B4-BE49-F238E27FC236}">
-                  <a16:creationId xmlns:a16="http://schemas.microsoft.com/office/drawing/2014/main" id="{A568F858-4223-42C7-92C9-58140347FD14}"/>
+                  <a16:creationId xmlns:a16="http://schemas.microsoft.com/office/drawing/2014/main" xmlns="" id="{A568F858-4223-42C7-92C9-58140347FD14}"/>
                 </a:ext>
               </a:extLst>
             </p:cNvPr>
@@ -5657,7 +9599,7 @@
             <p:cNvPr id="11" name="Прямоугольник 10">
               <a:extLst>
                 <a:ext uri="{FF2B5EF4-FFF2-40B4-BE49-F238E27FC236}">
-                  <a16:creationId xmlns:a16="http://schemas.microsoft.com/office/drawing/2014/main" id="{5B70D515-762B-4243-8DAB-E4E82DC6B17A}"/>
+                  <a16:creationId xmlns:a16="http://schemas.microsoft.com/office/drawing/2014/main" xmlns="" id="{5B70D515-762B-4243-8DAB-E4E82DC6B17A}"/>
                 </a:ext>
               </a:extLst>
             </p:cNvPr>
@@ -5715,7 +9657,7 @@
             <p:cNvPr id="12" name="TextBox 11">
               <a:extLst>
                 <a:ext uri="{FF2B5EF4-FFF2-40B4-BE49-F238E27FC236}">
-                  <a16:creationId xmlns:a16="http://schemas.microsoft.com/office/drawing/2014/main" id="{27C751DA-DBF5-4BF2-AD38-619676BDF720}"/>
+                  <a16:creationId xmlns:a16="http://schemas.microsoft.com/office/drawing/2014/main" xmlns="" id="{27C751DA-DBF5-4BF2-AD38-619676BDF720}"/>
                 </a:ext>
               </a:extLst>
             </p:cNvPr>
@@ -5767,7 +9709,7 @@
             <p:cNvPr id="13" name="Прямоугольник 12">
               <a:extLst>
                 <a:ext uri="{FF2B5EF4-FFF2-40B4-BE49-F238E27FC236}">
-                  <a16:creationId xmlns:a16="http://schemas.microsoft.com/office/drawing/2014/main" id="{2107D053-F587-41CE-AC4A-9D7FEBF094D1}"/>
+                  <a16:creationId xmlns:a16="http://schemas.microsoft.com/office/drawing/2014/main" xmlns="" id="{2107D053-F587-41CE-AC4A-9D7FEBF094D1}"/>
                 </a:ext>
               </a:extLst>
             </p:cNvPr>
@@ -5819,7 +9761,7 @@
           <p:cNvPr id="14" name="Прямоугольник 13">
             <a:extLst>
               <a:ext uri="{FF2B5EF4-FFF2-40B4-BE49-F238E27FC236}">
-                <a16:creationId xmlns:a16="http://schemas.microsoft.com/office/drawing/2014/main" id="{E5033180-5409-4181-81CC-03960C2AD567}"/>
+                <a16:creationId xmlns:a16="http://schemas.microsoft.com/office/drawing/2014/main" xmlns="" id="{E5033180-5409-4181-81CC-03960C2AD567}"/>
               </a:ext>
             </a:extLst>
           </p:cNvPr>
@@ -5908,5085 +9850,6 @@
     <p:extLst>
       <p:ext uri="{BB962C8B-B14F-4D97-AF65-F5344CB8AC3E}">
         <p14:creationId xmlns:p14="http://schemas.microsoft.com/office/powerpoint/2010/main" val="4092201394"/>
-      </p:ext>
-    </p:extLst>
-  </p:cSld>
-  <p:clrMapOvr>
-    <a:masterClrMapping/>
-  </p:clrMapOvr>
-</p:sld>
-</file>
-
-<file path=ppt/slides/slide12.xml><?xml version="1.0" encoding="utf-8"?>
-<p:sld xmlns:a="http://schemas.openxmlformats.org/drawingml/2006/main" xmlns:r="http://schemas.openxmlformats.org/officeDocument/2006/relationships" xmlns:p="http://schemas.openxmlformats.org/presentationml/2006/main">
-  <p:cSld>
-    <p:spTree>
-      <p:nvGrpSpPr>
-        <p:cNvPr id="1" name=""/>
-        <p:cNvGrpSpPr/>
-        <p:nvPr/>
-      </p:nvGrpSpPr>
-      <p:grpSpPr>
-        <a:xfrm>
-          <a:off x="0" y="0"/>
-          <a:ext cx="0" cy="0"/>
-          <a:chOff x="0" y="0"/>
-          <a:chExt cx="0" cy="0"/>
-        </a:xfrm>
-      </p:grpSpPr>
-      <p:sp>
-        <p:nvSpPr>
-          <p:cNvPr id="5" name="Прямоугольник 4">
-            <a:extLst>
-              <a:ext uri="{FF2B5EF4-FFF2-40B4-BE49-F238E27FC236}">
-                <a16:creationId xmlns:a16="http://schemas.microsoft.com/office/drawing/2014/main" id="{73F08337-4FBD-49CA-B7CF-082FB8F03E03}"/>
-              </a:ext>
-            </a:extLst>
-          </p:cNvPr>
-          <p:cNvSpPr/>
-          <p:nvPr/>
-        </p:nvSpPr>
-        <p:spPr bwMode="auto">
-          <a:xfrm>
-            <a:off x="0" y="0"/>
-            <a:ext cx="2160000" cy="5143500"/>
-          </a:xfrm>
-          <a:prstGeom prst="rect">
-            <a:avLst/>
-          </a:prstGeom>
-          <a:solidFill>
-            <a:srgbClr val="004868"/>
-          </a:solidFill>
-          <a:ln w="9525" cap="flat" cmpd="sng" algn="ctr">
-            <a:noFill/>
-            <a:prstDash val="solid"/>
-            <a:round/>
-            <a:headEnd type="none" w="med" len="med"/>
-            <a:tailEnd type="none" w="med" len="med"/>
-          </a:ln>
-          <a:effectLst/>
-        </p:spPr>
-        <p:txBody>
-          <a:bodyPr vert="horz" wrap="square" lIns="77925" tIns="38963" rIns="77925" bIns="38963" numCol="1" rtlCol="0" anchor="ctr" anchorCtr="0" compatLnSpc="1">
-            <a:prstTxWarp prst="textNoShape">
-              <a:avLst/>
-            </a:prstTxWarp>
-          </a:bodyPr>
-          <a:lstStyle/>
-          <a:p>
-            <a:pPr>
-              <a:lnSpc>
-                <a:spcPct val="93000"/>
-              </a:lnSpc>
-              <a:buClr>
-                <a:srgbClr val="000000"/>
-              </a:buClr>
-              <a:buSzPct val="100000"/>
-            </a:pPr>
-            <a:endParaRPr lang="ru-RU" sz="2000" b="1" dirty="0">
-              <a:solidFill>
-                <a:schemeClr val="bg1"/>
-              </a:solidFill>
-              <a:latin typeface="Century Gothic" panose="020B0502020202020204" pitchFamily="34" charset="0"/>
-            </a:endParaRPr>
-          </a:p>
-        </p:txBody>
-      </p:sp>
-      <p:sp>
-        <p:nvSpPr>
-          <p:cNvPr id="4" name="Номер слайда 3">
-            <a:extLst>
-              <a:ext uri="{FF2B5EF4-FFF2-40B4-BE49-F238E27FC236}">
-                <a16:creationId xmlns:a16="http://schemas.microsoft.com/office/drawing/2014/main" id="{A551EE03-DA75-45CF-B8DB-377A0C8A47E0}"/>
-              </a:ext>
-            </a:extLst>
-          </p:cNvPr>
-          <p:cNvSpPr>
-            <a:spLocks noGrp="1"/>
-          </p:cNvSpPr>
-          <p:nvPr>
-            <p:ph type="sldNum" sz="quarter" idx="12"/>
-          </p:nvPr>
-        </p:nvSpPr>
-        <p:spPr/>
-        <p:txBody>
-          <a:bodyPr/>
-          <a:lstStyle/>
-          <a:p>
-            <a:fld id="{B19B0651-EE4F-4900-A07F-96A6BFA9D0F0}" type="slidenum">
-              <a:rPr lang="ru-RU" smtClean="0"/>
-              <a:pPr/>
-              <a:t>12</a:t>
-            </a:fld>
-            <a:endParaRPr lang="ru-RU"/>
-          </a:p>
-        </p:txBody>
-      </p:sp>
-      <p:sp>
-        <p:nvSpPr>
-          <p:cNvPr id="6" name="Прямоугольник 5">
-            <a:extLst>
-              <a:ext uri="{FF2B5EF4-FFF2-40B4-BE49-F238E27FC236}">
-                <a16:creationId xmlns:a16="http://schemas.microsoft.com/office/drawing/2014/main" id="{BB7E2663-AD02-4F1A-96DD-A2715B9F7167}"/>
-              </a:ext>
-            </a:extLst>
-          </p:cNvPr>
-          <p:cNvSpPr/>
-          <p:nvPr/>
-        </p:nvSpPr>
-        <p:spPr>
-          <a:xfrm>
-            <a:off x="3707904" y="699542"/>
-            <a:ext cx="4978896" cy="1569660"/>
-          </a:xfrm>
-          <a:prstGeom prst="rect">
-            <a:avLst/>
-          </a:prstGeom>
-        </p:spPr>
-        <p:txBody>
-          <a:bodyPr wrap="square">
-            <a:spAutoFit/>
-          </a:bodyPr>
-          <a:lstStyle/>
-          <a:p>
-            <a:r>
-              <a:rPr lang="ru-RU" sz="4800" b="1" dirty="0">
-                <a:solidFill>
-                  <a:schemeClr val="tx2"/>
-                </a:solidFill>
-                <a:latin typeface="Verdana" panose="020B0604030504040204" pitchFamily="34" charset="0"/>
-                <a:ea typeface="Verdana" panose="020B0604030504040204" pitchFamily="34" charset="0"/>
-              </a:rPr>
-              <a:t>Спасибо за внимание!</a:t>
-            </a:r>
-          </a:p>
-        </p:txBody>
-      </p:sp>
-      <p:sp>
-        <p:nvSpPr>
-          <p:cNvPr id="7" name="Объект 2">
-            <a:extLst>
-              <a:ext uri="{FF2B5EF4-FFF2-40B4-BE49-F238E27FC236}">
-                <a16:creationId xmlns:a16="http://schemas.microsoft.com/office/drawing/2014/main" id="{DB15A276-4B35-4D81-AA85-B979C4E0F219}"/>
-              </a:ext>
-            </a:extLst>
-          </p:cNvPr>
-          <p:cNvSpPr>
-            <a:spLocks noGrp="1"/>
-          </p:cNvSpPr>
-          <p:nvPr>
-            <p:ph idx="1"/>
-          </p:nvPr>
-        </p:nvSpPr>
-        <p:spPr>
-          <a:xfrm>
-            <a:off x="2267744" y="2843310"/>
-            <a:ext cx="6624736" cy="1728192"/>
-          </a:xfrm>
-        </p:spPr>
-        <p:txBody>
-          <a:bodyPr>
-            <a:normAutofit/>
-          </a:bodyPr>
-          <a:lstStyle/>
-          <a:p>
-            <a:pPr marL="0" indent="0">
-              <a:buNone/>
-            </a:pPr>
-            <a:r>
-              <a:rPr lang="ru-RU" sz="1600" dirty="0">
-                <a:solidFill>
-                  <a:schemeClr val="tx2"/>
-                </a:solidFill>
-                <a:latin typeface="Verdana" panose="020B0604030504040204" pitchFamily="34" charset="0"/>
-                <a:ea typeface="Verdana" panose="020B0604030504040204" pitchFamily="34" charset="0"/>
-              </a:rPr>
-              <a:t>Цатурьян Константин		</a:t>
-            </a:r>
-            <a:r>
-              <a:rPr lang="en-US" sz="1600" dirty="0">
-                <a:solidFill>
-                  <a:schemeClr val="tx2"/>
-                </a:solidFill>
-                <a:latin typeface="Verdana" panose="020B0604030504040204" pitchFamily="34" charset="0"/>
-                <a:ea typeface="Verdana" panose="020B0604030504040204" pitchFamily="34" charset="0"/>
-              </a:rPr>
-              <a:t>	@</a:t>
-            </a:r>
-            <a:r>
-              <a:rPr lang="en-US" sz="1600" dirty="0" err="1">
-                <a:solidFill>
-                  <a:schemeClr val="tx2"/>
-                </a:solidFill>
-                <a:latin typeface="Verdana" panose="020B0604030504040204" pitchFamily="34" charset="0"/>
-                <a:ea typeface="Verdana" panose="020B0604030504040204" pitchFamily="34" charset="0"/>
-              </a:rPr>
-              <a:t>fanglores</a:t>
-            </a:r>
-            <a:endParaRPr lang="en-US" sz="1600" dirty="0">
-              <a:solidFill>
-                <a:schemeClr val="tx2"/>
-              </a:solidFill>
-              <a:latin typeface="Verdana" panose="020B0604030504040204" pitchFamily="34" charset="0"/>
-              <a:ea typeface="Verdana" panose="020B0604030504040204" pitchFamily="34" charset="0"/>
-            </a:endParaRPr>
-          </a:p>
-          <a:p>
-            <a:pPr marL="0" indent="0">
-              <a:buNone/>
-            </a:pPr>
-            <a:r>
-              <a:rPr lang="ru-RU" sz="1600" dirty="0">
-                <a:solidFill>
-                  <a:schemeClr val="tx2"/>
-                </a:solidFill>
-                <a:latin typeface="Verdana" panose="020B0604030504040204" pitchFamily="34" charset="0"/>
-                <a:ea typeface="Verdana" panose="020B0604030504040204" pitchFamily="34" charset="0"/>
-              </a:rPr>
-              <a:t>Тимошенко Александр		</a:t>
-            </a:r>
-            <a:r>
-              <a:rPr lang="en-US" sz="1600" dirty="0">
-                <a:solidFill>
-                  <a:schemeClr val="tx2"/>
-                </a:solidFill>
-                <a:latin typeface="Verdana" panose="020B0604030504040204" pitchFamily="34" charset="0"/>
-                <a:ea typeface="Verdana" panose="020B0604030504040204" pitchFamily="34" charset="0"/>
-              </a:rPr>
-              <a:t>	@</a:t>
-            </a:r>
-            <a:r>
-              <a:rPr lang="en-US" sz="1600" dirty="0" err="1">
-                <a:solidFill>
-                  <a:schemeClr val="tx2"/>
-                </a:solidFill>
-                <a:latin typeface="Verdana" panose="020B0604030504040204" pitchFamily="34" charset="0"/>
-                <a:ea typeface="Verdana" panose="020B0604030504040204" pitchFamily="34" charset="0"/>
-              </a:rPr>
-              <a:t>timoshenkoalex</a:t>
-            </a:r>
-            <a:endParaRPr lang="en-US" sz="1600" dirty="0">
-              <a:solidFill>
-                <a:schemeClr val="tx2"/>
-              </a:solidFill>
-              <a:latin typeface="Verdana" panose="020B0604030504040204" pitchFamily="34" charset="0"/>
-              <a:ea typeface="Verdana" panose="020B0604030504040204" pitchFamily="34" charset="0"/>
-            </a:endParaRPr>
-          </a:p>
-          <a:p>
-            <a:pPr marL="0" indent="0">
-              <a:buNone/>
-            </a:pPr>
-            <a:r>
-              <a:rPr lang="ru-RU" sz="1600" dirty="0" err="1">
-                <a:solidFill>
-                  <a:schemeClr val="tx2"/>
-                </a:solidFill>
-                <a:latin typeface="Verdana" panose="020B0604030504040204" pitchFamily="34" charset="0"/>
-                <a:ea typeface="Verdana" panose="020B0604030504040204" pitchFamily="34" charset="0"/>
-              </a:rPr>
-              <a:t>Кострицына</a:t>
-            </a:r>
-            <a:r>
-              <a:rPr lang="ru-RU" sz="1600" dirty="0">
-                <a:solidFill>
-                  <a:schemeClr val="tx2"/>
-                </a:solidFill>
-                <a:latin typeface="Verdana" panose="020B0604030504040204" pitchFamily="34" charset="0"/>
-                <a:ea typeface="Verdana" panose="020B0604030504040204" pitchFamily="34" charset="0"/>
-              </a:rPr>
-              <a:t> Анастасия 		</a:t>
-            </a:r>
-            <a:r>
-              <a:rPr lang="en-US" sz="1600" dirty="0">
-                <a:solidFill>
-                  <a:schemeClr val="tx2"/>
-                </a:solidFill>
-                <a:latin typeface="Verdana" panose="020B0604030504040204" pitchFamily="34" charset="0"/>
-                <a:ea typeface="Verdana" panose="020B0604030504040204" pitchFamily="34" charset="0"/>
-              </a:rPr>
-              <a:t>	@Anapkost</a:t>
-            </a:r>
-          </a:p>
-          <a:p>
-            <a:pPr marL="0" indent="0">
-              <a:buNone/>
-            </a:pPr>
-            <a:r>
-              <a:rPr lang="en-US" sz="1600" dirty="0">
-                <a:solidFill>
-                  <a:schemeClr val="tx2"/>
-                </a:solidFill>
-                <a:latin typeface="Verdana" panose="020B0604030504040204" pitchFamily="34" charset="0"/>
-                <a:ea typeface="Verdana" panose="020B0604030504040204" pitchFamily="34" charset="0"/>
-              </a:rPr>
-              <a:t>			      </a:t>
-            </a:r>
-          </a:p>
-          <a:p>
-            <a:pPr marL="0" indent="0">
-              <a:buNone/>
-            </a:pPr>
-            <a:r>
-              <a:rPr lang="ru-RU" sz="1600" dirty="0">
-                <a:solidFill>
-                  <a:schemeClr val="tx2"/>
-                </a:solidFill>
-                <a:latin typeface="Verdana" panose="020B0604030504040204" pitchFamily="34" charset="0"/>
-                <a:ea typeface="Verdana" panose="020B0604030504040204" pitchFamily="34" charset="0"/>
-              </a:rPr>
-              <a:t>Максимов Алексей</a:t>
-            </a:r>
-            <a:r>
-              <a:rPr lang="en-US" sz="1600" dirty="0">
-                <a:latin typeface="Verdana" panose="020B0604030504040204" pitchFamily="34" charset="0"/>
-                <a:ea typeface="Verdana" panose="020B0604030504040204" pitchFamily="34" charset="0"/>
-              </a:rPr>
-              <a:t>			</a:t>
-            </a:r>
-            <a:r>
-              <a:rPr lang="en-US" sz="1600" dirty="0">
-                <a:solidFill>
-                  <a:schemeClr val="tx2"/>
-                </a:solidFill>
-                <a:latin typeface="Verdana" panose="020B0604030504040204" pitchFamily="34" charset="0"/>
-                <a:ea typeface="Verdana" panose="020B0604030504040204" pitchFamily="34" charset="0"/>
-              </a:rPr>
-              <a:t>@</a:t>
-            </a:r>
-            <a:endParaRPr lang="ru-RU" sz="1600" dirty="0">
-              <a:solidFill>
-                <a:schemeClr val="tx2"/>
-              </a:solidFill>
-              <a:latin typeface="Verdana" panose="020B0604030504040204" pitchFamily="34" charset="0"/>
-              <a:ea typeface="Verdana" panose="020B0604030504040204" pitchFamily="34" charset="0"/>
-            </a:endParaRPr>
-          </a:p>
-        </p:txBody>
-      </p:sp>
-      <p:pic>
-        <p:nvPicPr>
-          <p:cNvPr id="3074" name="Picture 2" descr="C:\Users\kosiya\Pictures\Links\telegram.png"/>
-          <p:cNvPicPr>
-            <a:picLocks noChangeAspect="1" noChangeArrowheads="1"/>
-          </p:cNvPicPr>
-          <p:nvPr/>
-        </p:nvPicPr>
-        <p:blipFill>
-          <a:blip r:embed="rId2" cstate="print">
-            <a:extLst>
-              <a:ext uri="{28A0092B-C50C-407E-A947-70E740481C1C}">
-                <a14:useLocalDpi xmlns:a14="http://schemas.microsoft.com/office/drawing/2010/main" val="0"/>
-              </a:ext>
-            </a:extLst>
-          </a:blip>
-          <a:srcRect/>
-          <a:stretch>
-            <a:fillRect/>
-          </a:stretch>
-        </p:blipFill>
-        <p:spPr bwMode="auto">
-          <a:xfrm>
-            <a:off x="5508104" y="2853224"/>
-            <a:ext cx="870346" cy="870346"/>
-          </a:xfrm>
-          <a:prstGeom prst="rect">
-            <a:avLst/>
-          </a:prstGeom>
-          <a:noFill/>
-          <a:extLst>
-            <a:ext uri="{909E8E84-426E-40DD-AFC4-6F175D3DCCD1}">
-              <a14:hiddenFill xmlns:a14="http://schemas.microsoft.com/office/drawing/2010/main">
-                <a:solidFill>
-                  <a:srgbClr val="FFFFFF"/>
-                </a:solidFill>
-              </a14:hiddenFill>
-            </a:ext>
-          </a:extLst>
-        </p:spPr>
-      </p:pic>
-    </p:spTree>
-    <p:extLst>
-      <p:ext uri="{BB962C8B-B14F-4D97-AF65-F5344CB8AC3E}">
-        <p14:creationId xmlns:p14="http://schemas.microsoft.com/office/powerpoint/2010/main" val="3991138808"/>
-      </p:ext>
-    </p:extLst>
-  </p:cSld>
-  <p:clrMapOvr>
-    <a:masterClrMapping/>
-  </p:clrMapOvr>
-</p:sld>
-</file>
-
-<file path=ppt/slides/slide2.xml><?xml version="1.0" encoding="utf-8"?>
-<p:sld xmlns:a="http://schemas.openxmlformats.org/drawingml/2006/main" xmlns:r="http://schemas.openxmlformats.org/officeDocument/2006/relationships" xmlns:p="http://schemas.openxmlformats.org/presentationml/2006/main">
-  <p:cSld>
-    <p:spTree>
-      <p:nvGrpSpPr>
-        <p:cNvPr id="1" name=""/>
-        <p:cNvGrpSpPr/>
-        <p:nvPr/>
-      </p:nvGrpSpPr>
-      <p:grpSpPr>
-        <a:xfrm>
-          <a:off x="0" y="0"/>
-          <a:ext cx="0" cy="0"/>
-          <a:chOff x="0" y="0"/>
-          <a:chExt cx="0" cy="0"/>
-        </a:xfrm>
-      </p:grpSpPr>
-      <p:sp>
-        <p:nvSpPr>
-          <p:cNvPr id="9" name="Прямоугольник 8"/>
-          <p:cNvSpPr/>
-          <p:nvPr/>
-        </p:nvSpPr>
-        <p:spPr bwMode="auto">
-          <a:xfrm>
-            <a:off x="0" y="0"/>
-            <a:ext cx="2160000" cy="5143500"/>
-          </a:xfrm>
-          <a:prstGeom prst="rect">
-            <a:avLst/>
-          </a:prstGeom>
-          <a:solidFill>
-            <a:srgbClr val="004868"/>
-          </a:solidFill>
-          <a:ln w="9525" cap="flat" cmpd="sng" algn="ctr">
-            <a:noFill/>
-            <a:prstDash val="solid"/>
-            <a:round/>
-            <a:headEnd type="none" w="med" len="med"/>
-            <a:tailEnd type="none" w="med" len="med"/>
-          </a:ln>
-          <a:effectLst/>
-        </p:spPr>
-        <p:txBody>
-          <a:bodyPr vert="horz" wrap="square" lIns="77925" tIns="38963" rIns="77925" bIns="38963" numCol="1" rtlCol="0" anchor="ctr" anchorCtr="0" compatLnSpc="1">
-            <a:prstTxWarp prst="textNoShape">
-              <a:avLst/>
-            </a:prstTxWarp>
-          </a:bodyPr>
-          <a:lstStyle/>
-          <a:p>
-            <a:pPr>
-              <a:lnSpc>
-                <a:spcPct val="93000"/>
-              </a:lnSpc>
-              <a:buClr>
-                <a:srgbClr val="000000"/>
-              </a:buClr>
-              <a:buSzPct val="100000"/>
-            </a:pPr>
-            <a:endParaRPr lang="ru-RU" sz="2000" b="1" dirty="0">
-              <a:solidFill>
-                <a:schemeClr val="bg1"/>
-              </a:solidFill>
-              <a:latin typeface="Century Gothic" panose="020B0502020202020204" pitchFamily="34" charset="0"/>
-            </a:endParaRPr>
-          </a:p>
-        </p:txBody>
-      </p:sp>
-      <p:cxnSp>
-        <p:nvCxnSpPr>
-          <p:cNvPr id="30" name="Прямая соединительная линия 29">
-            <a:extLst>
-              <a:ext uri="{FF2B5EF4-FFF2-40B4-BE49-F238E27FC236}">
-                <a16:creationId xmlns:a16="http://schemas.microsoft.com/office/drawing/2014/main" id="{F004EEAE-9E59-4362-892F-11F0597BBF49}"/>
-              </a:ext>
-            </a:extLst>
-          </p:cNvPr>
-          <p:cNvCxnSpPr>
-            <a:cxnSpLocks/>
-          </p:cNvCxnSpPr>
-          <p:nvPr/>
-        </p:nvCxnSpPr>
-        <p:spPr>
-          <a:xfrm>
-            <a:off x="3059832" y="867700"/>
-            <a:ext cx="5832648" cy="0"/>
-          </a:xfrm>
-          <a:prstGeom prst="line">
-            <a:avLst/>
-          </a:prstGeom>
-          <a:ln w="28575">
-            <a:solidFill>
-              <a:schemeClr val="tx2"/>
-            </a:solidFill>
-          </a:ln>
-        </p:spPr>
-        <p:style>
-          <a:lnRef idx="1">
-            <a:schemeClr val="accent1"/>
-          </a:lnRef>
-          <a:fillRef idx="0">
-            <a:schemeClr val="accent1"/>
-          </a:fillRef>
-          <a:effectRef idx="0">
-            <a:schemeClr val="accent1"/>
-          </a:effectRef>
-          <a:fontRef idx="minor">
-            <a:schemeClr val="tx1"/>
-          </a:fontRef>
-        </p:style>
-      </p:cxnSp>
-      <p:sp>
-        <p:nvSpPr>
-          <p:cNvPr id="3" name="Номер слайда 2">
-            <a:extLst>
-              <a:ext uri="{FF2B5EF4-FFF2-40B4-BE49-F238E27FC236}">
-                <a16:creationId xmlns:a16="http://schemas.microsoft.com/office/drawing/2014/main" id="{9879899F-8DEE-4C3F-B4F8-8A504F60C80B}"/>
-              </a:ext>
-            </a:extLst>
-          </p:cNvPr>
-          <p:cNvSpPr>
-            <a:spLocks noGrp="1"/>
-          </p:cNvSpPr>
-          <p:nvPr>
-            <p:ph type="sldNum" sz="quarter" idx="12"/>
-          </p:nvPr>
-        </p:nvSpPr>
-        <p:spPr/>
-        <p:txBody>
-          <a:bodyPr/>
-          <a:lstStyle/>
-          <a:p>
-            <a:fld id="{B19B0651-EE4F-4900-A07F-96A6BFA9D0F0}" type="slidenum">
-              <a:rPr lang="ru-RU" smtClean="0"/>
-              <a:pPr/>
-              <a:t>2</a:t>
-            </a:fld>
-            <a:endParaRPr lang="ru-RU" dirty="0"/>
-          </a:p>
-        </p:txBody>
-      </p:sp>
-      <p:sp>
-        <p:nvSpPr>
-          <p:cNvPr id="14" name="Прямоугольник 13">
-            <a:extLst>
-              <a:ext uri="{FF2B5EF4-FFF2-40B4-BE49-F238E27FC236}">
-                <a16:creationId xmlns:a16="http://schemas.microsoft.com/office/drawing/2014/main" id="{C204DE12-0708-4039-981E-EC5E81BC4662}"/>
-              </a:ext>
-            </a:extLst>
-          </p:cNvPr>
-          <p:cNvSpPr/>
-          <p:nvPr/>
-        </p:nvSpPr>
-        <p:spPr>
-          <a:xfrm>
-            <a:off x="3203848" y="48518"/>
-            <a:ext cx="6110664" cy="830997"/>
-          </a:xfrm>
-          <a:prstGeom prst="rect">
-            <a:avLst/>
-          </a:prstGeom>
-        </p:spPr>
-        <p:txBody>
-          <a:bodyPr wrap="square">
-            <a:spAutoFit/>
-          </a:bodyPr>
-          <a:lstStyle/>
-          <a:p>
-            <a:r>
-              <a:rPr lang="ru-RU" sz="2400" b="1" dirty="0">
-                <a:solidFill>
-                  <a:schemeClr val="tx2"/>
-                </a:solidFill>
-                <a:latin typeface="Verdana" panose="020B0604030504040204" pitchFamily="34" charset="0"/>
-                <a:ea typeface="Verdana" panose="020B0604030504040204" pitchFamily="34" charset="0"/>
-              </a:rPr>
-              <a:t>Актуальность темы. Предмет и объект исследования.</a:t>
-            </a:r>
-          </a:p>
-        </p:txBody>
-      </p:sp>
-      <p:pic>
-        <p:nvPicPr>
-          <p:cNvPr id="1027" name="Picture 3" descr="C:\Users\kosiya\Downloads\airplane.png"/>
-          <p:cNvPicPr>
-            <a:picLocks noChangeAspect="1" noChangeArrowheads="1"/>
-          </p:cNvPicPr>
-          <p:nvPr/>
-        </p:nvPicPr>
-        <p:blipFill>
-          <a:blip r:embed="rId2" cstate="print">
-            <a:extLst>
-              <a:ext uri="{28A0092B-C50C-407E-A947-70E740481C1C}">
-                <a14:useLocalDpi xmlns:a14="http://schemas.microsoft.com/office/drawing/2010/main" val="0"/>
-              </a:ext>
-            </a:extLst>
-          </a:blip>
-          <a:srcRect/>
-          <a:stretch>
-            <a:fillRect/>
-          </a:stretch>
-        </p:blipFill>
-        <p:spPr bwMode="auto">
-          <a:xfrm>
-            <a:off x="262300" y="3524992"/>
-            <a:ext cx="1839600" cy="1379193"/>
-          </a:xfrm>
-          <a:prstGeom prst="rect">
-            <a:avLst/>
-          </a:prstGeom>
-          <a:noFill/>
-          <a:extLst>
-            <a:ext uri="{909E8E84-426E-40DD-AFC4-6F175D3DCCD1}">
-              <a14:hiddenFill xmlns:a14="http://schemas.microsoft.com/office/drawing/2010/main">
-                <a:solidFill>
-                  <a:srgbClr val="FFFFFF"/>
-                </a:solidFill>
-              </a14:hiddenFill>
-            </a:ext>
-          </a:extLst>
-        </p:spPr>
-      </p:pic>
-      <p:pic>
-        <p:nvPicPr>
-          <p:cNvPr id="1026" name="Picture 2">
-            <a:extLst>
-              <a:ext uri="{FF2B5EF4-FFF2-40B4-BE49-F238E27FC236}">
-                <a16:creationId xmlns:a16="http://schemas.microsoft.com/office/drawing/2014/main" id="{17C112DF-E30E-4E91-BE1E-B73E5466DF10}"/>
-              </a:ext>
-            </a:extLst>
-          </p:cNvPr>
-          <p:cNvPicPr>
-            <a:picLocks noChangeAspect="1" noChangeArrowheads="1"/>
-          </p:cNvPicPr>
-          <p:nvPr/>
-        </p:nvPicPr>
-        <p:blipFill>
-          <a:blip r:embed="rId3">
-            <a:extLst>
-              <a:ext uri="{28A0092B-C50C-407E-A947-70E740481C1C}">
-                <a14:useLocalDpi xmlns:a14="http://schemas.microsoft.com/office/drawing/2010/main" val="0"/>
-              </a:ext>
-            </a:extLst>
-          </a:blip>
-          <a:srcRect/>
-          <a:stretch>
-            <a:fillRect/>
-          </a:stretch>
-        </p:blipFill>
-        <p:spPr bwMode="auto">
-          <a:xfrm>
-            <a:off x="3059833" y="967036"/>
-            <a:ext cx="5832648" cy="3888432"/>
-          </a:xfrm>
-          <a:prstGeom prst="rect">
-            <a:avLst/>
-          </a:prstGeom>
-          <a:noFill/>
-          <a:extLst>
-            <a:ext uri="{909E8E84-426E-40DD-AFC4-6F175D3DCCD1}">
-              <a14:hiddenFill xmlns:a14="http://schemas.microsoft.com/office/drawing/2010/main">
-                <a:solidFill>
-                  <a:srgbClr val="FFFFFF"/>
-                </a:solidFill>
-              </a14:hiddenFill>
-            </a:ext>
-          </a:extLst>
-        </p:spPr>
-      </p:pic>
-      <p:grpSp>
-        <p:nvGrpSpPr>
-          <p:cNvPr id="10" name="Группа 9">
-            <a:extLst>
-              <a:ext uri="{FF2B5EF4-FFF2-40B4-BE49-F238E27FC236}">
-                <a16:creationId xmlns:a16="http://schemas.microsoft.com/office/drawing/2014/main" id="{C966BB80-279D-40A2-84AF-CDA482DFE0F5}"/>
-              </a:ext>
-            </a:extLst>
-          </p:cNvPr>
-          <p:cNvGrpSpPr/>
-          <p:nvPr/>
-        </p:nvGrpSpPr>
-        <p:grpSpPr>
-          <a:xfrm>
-            <a:off x="132856" y="885334"/>
-            <a:ext cx="2717267" cy="2208506"/>
-            <a:chOff x="174072" y="69738"/>
-            <a:chExt cx="2717267" cy="2208506"/>
-          </a:xfrm>
-        </p:grpSpPr>
-        <p:sp>
-          <p:nvSpPr>
-            <p:cNvPr id="11" name="Прямоугольник 10">
-              <a:extLst>
-                <a:ext uri="{FF2B5EF4-FFF2-40B4-BE49-F238E27FC236}">
-                  <a16:creationId xmlns:a16="http://schemas.microsoft.com/office/drawing/2014/main" id="{1C3373F8-AC50-4FE4-9BFB-C2ABC5937CCF}"/>
-                </a:ext>
-              </a:extLst>
-            </p:cNvPr>
-            <p:cNvSpPr/>
-            <p:nvPr/>
-          </p:nvSpPr>
-          <p:spPr>
-            <a:xfrm>
-              <a:off x="182776" y="176182"/>
-              <a:ext cx="307777" cy="307777"/>
-            </a:xfrm>
-            <a:prstGeom prst="rect">
-              <a:avLst/>
-            </a:prstGeom>
-            <a:solidFill>
-              <a:schemeClr val="bg1">
-                <a:lumMod val="95000"/>
-              </a:schemeClr>
-            </a:solidFill>
-            <a:ln>
-              <a:noFill/>
-            </a:ln>
-          </p:spPr>
-          <p:style>
-            <a:lnRef idx="2">
-              <a:schemeClr val="accent1">
-                <a:shade val="50000"/>
-              </a:schemeClr>
-            </a:lnRef>
-            <a:fillRef idx="1">
-              <a:schemeClr val="accent1"/>
-            </a:fillRef>
-            <a:effectRef idx="0">
-              <a:schemeClr val="accent1"/>
-            </a:effectRef>
-            <a:fontRef idx="minor">
-              <a:schemeClr val="lt1"/>
-            </a:fontRef>
-          </p:style>
-          <p:txBody>
-            <a:bodyPr rtlCol="0" anchor="ctr"/>
-            <a:lstStyle/>
-            <a:p>
-              <a:pPr algn="ctr"/>
-              <a:endParaRPr lang="ru-RU" dirty="0"/>
-            </a:p>
-          </p:txBody>
-        </p:sp>
-        <p:sp>
-          <p:nvSpPr>
-            <p:cNvPr id="12" name="Прямоугольник 11">
-              <a:extLst>
-                <a:ext uri="{FF2B5EF4-FFF2-40B4-BE49-F238E27FC236}">
-                  <a16:creationId xmlns:a16="http://schemas.microsoft.com/office/drawing/2014/main" id="{4DFE0403-DA90-48B3-8870-BB7651570C39}"/>
-                </a:ext>
-              </a:extLst>
-            </p:cNvPr>
-            <p:cNvSpPr/>
-            <p:nvPr/>
-          </p:nvSpPr>
-          <p:spPr>
-            <a:xfrm>
-              <a:off x="174072" y="1970467"/>
-              <a:ext cx="307777" cy="307777"/>
-            </a:xfrm>
-            <a:prstGeom prst="rect">
-              <a:avLst/>
-            </a:prstGeom>
-            <a:solidFill>
-              <a:schemeClr val="bg1">
-                <a:lumMod val="95000"/>
-              </a:schemeClr>
-            </a:solidFill>
-            <a:ln>
-              <a:noFill/>
-            </a:ln>
-          </p:spPr>
-          <p:style>
-            <a:lnRef idx="2">
-              <a:schemeClr val="accent1">
-                <a:shade val="50000"/>
-              </a:schemeClr>
-            </a:lnRef>
-            <a:fillRef idx="1">
-              <a:schemeClr val="accent1"/>
-            </a:fillRef>
-            <a:effectRef idx="0">
-              <a:schemeClr val="accent1"/>
-            </a:effectRef>
-            <a:fontRef idx="minor">
-              <a:schemeClr val="lt1"/>
-            </a:fontRef>
-          </p:style>
-          <p:txBody>
-            <a:bodyPr rtlCol="0" anchor="ctr"/>
-            <a:lstStyle/>
-            <a:p>
-              <a:pPr algn="ctr"/>
-              <a:endParaRPr lang="ru-RU"/>
-            </a:p>
-          </p:txBody>
-        </p:sp>
-        <p:sp>
-          <p:nvSpPr>
-            <p:cNvPr id="13" name="Прямоугольник 12">
-              <a:extLst>
-                <a:ext uri="{FF2B5EF4-FFF2-40B4-BE49-F238E27FC236}">
-                  <a16:creationId xmlns:a16="http://schemas.microsoft.com/office/drawing/2014/main" id="{300C2159-07F4-4FED-9B06-CE00C4978DA0}"/>
-                </a:ext>
-              </a:extLst>
-            </p:cNvPr>
-            <p:cNvSpPr/>
-            <p:nvPr/>
-          </p:nvSpPr>
-          <p:spPr>
-            <a:xfrm>
-              <a:off x="174073" y="1053890"/>
-              <a:ext cx="307777" cy="307777"/>
-            </a:xfrm>
-            <a:prstGeom prst="rect">
-              <a:avLst/>
-            </a:prstGeom>
-            <a:solidFill>
-              <a:schemeClr val="bg1">
-                <a:lumMod val="95000"/>
-              </a:schemeClr>
-            </a:solidFill>
-            <a:ln>
-              <a:noFill/>
-            </a:ln>
-          </p:spPr>
-          <p:style>
-            <a:lnRef idx="2">
-              <a:schemeClr val="accent1">
-                <a:shade val="50000"/>
-              </a:schemeClr>
-            </a:lnRef>
-            <a:fillRef idx="1">
-              <a:schemeClr val="accent1"/>
-            </a:fillRef>
-            <a:effectRef idx="0">
-              <a:schemeClr val="accent1"/>
-            </a:effectRef>
-            <a:fontRef idx="minor">
-              <a:schemeClr val="lt1"/>
-            </a:fontRef>
-          </p:style>
-          <p:txBody>
-            <a:bodyPr rtlCol="0" anchor="ctr"/>
-            <a:lstStyle/>
-            <a:p>
-              <a:pPr algn="ctr"/>
-              <a:endParaRPr lang="ru-RU">
-                <a:solidFill>
-                  <a:srgbClr val="7F7F7F"/>
-                </a:solidFill>
-              </a:endParaRPr>
-            </a:p>
-          </p:txBody>
-        </p:sp>
-        <p:sp>
-          <p:nvSpPr>
-            <p:cNvPr id="15" name="TextBox 14">
-              <a:extLst>
-                <a:ext uri="{FF2B5EF4-FFF2-40B4-BE49-F238E27FC236}">
-                  <a16:creationId xmlns:a16="http://schemas.microsoft.com/office/drawing/2014/main" id="{3BBCBA7E-0F94-4396-B31C-676823516FFA}"/>
-                </a:ext>
-              </a:extLst>
-            </p:cNvPr>
-            <p:cNvSpPr txBox="1"/>
-            <p:nvPr/>
-          </p:nvSpPr>
-          <p:spPr>
-            <a:xfrm>
-              <a:off x="475549" y="69738"/>
-              <a:ext cx="2415790" cy="584775"/>
-            </a:xfrm>
-            <a:prstGeom prst="rect">
-              <a:avLst/>
-            </a:prstGeom>
-            <a:noFill/>
-          </p:spPr>
-          <p:txBody>
-            <a:bodyPr wrap="square">
-              <a:spAutoFit/>
-            </a:bodyPr>
-            <a:lstStyle/>
-            <a:p>
-              <a:r>
-                <a:rPr lang="ru-RU" sz="1600" b="1" dirty="0">
-                  <a:solidFill>
-                    <a:schemeClr val="bg1">
-                      <a:lumMod val="95000"/>
-                    </a:schemeClr>
-                  </a:solidFill>
-                  <a:latin typeface="Verdana" panose="020B0604030504040204" pitchFamily="34" charset="0"/>
-                  <a:ea typeface="Verdana" panose="020B0604030504040204" pitchFamily="34" charset="0"/>
-                </a:rPr>
-                <a:t>Система управления</a:t>
-              </a:r>
-              <a:endParaRPr lang="x-none" sz="1600" b="1" dirty="0">
-                <a:solidFill>
-                  <a:schemeClr val="bg1">
-                    <a:lumMod val="95000"/>
-                  </a:schemeClr>
-                </a:solidFill>
-                <a:latin typeface="Verdana" panose="020B0604030504040204" pitchFamily="34" charset="0"/>
-                <a:ea typeface="Verdana" panose="020B0604030504040204" pitchFamily="34" charset="0"/>
-              </a:endParaRPr>
-            </a:p>
-          </p:txBody>
-        </p:sp>
-        <p:sp>
-          <p:nvSpPr>
-            <p:cNvPr id="16" name="Прямоугольник 15">
-              <a:extLst>
-                <a:ext uri="{FF2B5EF4-FFF2-40B4-BE49-F238E27FC236}">
-                  <a16:creationId xmlns:a16="http://schemas.microsoft.com/office/drawing/2014/main" id="{9DF13001-453E-456E-9606-5ACD70C1F22C}"/>
-                </a:ext>
-              </a:extLst>
-            </p:cNvPr>
-            <p:cNvSpPr/>
-            <p:nvPr/>
-          </p:nvSpPr>
-          <p:spPr>
-            <a:xfrm>
-              <a:off x="480092" y="1023113"/>
-              <a:ext cx="1827361" cy="338554"/>
-            </a:xfrm>
-            <a:prstGeom prst="rect">
-              <a:avLst/>
-            </a:prstGeom>
-          </p:spPr>
-          <p:txBody>
-            <a:bodyPr wrap="square">
-              <a:spAutoFit/>
-            </a:bodyPr>
-            <a:lstStyle/>
-            <a:p>
-              <a:r>
-                <a:rPr lang="ru-RU" sz="1600" b="1" dirty="0">
-                  <a:solidFill>
-                    <a:schemeClr val="bg1">
-                      <a:lumMod val="95000"/>
-                    </a:schemeClr>
-                  </a:solidFill>
-                  <a:latin typeface="Verdana" panose="020B0604030504040204" pitchFamily="34" charset="0"/>
-                  <a:ea typeface="Verdana" panose="020B0604030504040204" pitchFamily="34" charset="0"/>
-                </a:rPr>
-                <a:t>Роботизация</a:t>
-              </a:r>
-            </a:p>
-          </p:txBody>
-        </p:sp>
-      </p:grpSp>
-      <p:sp>
-        <p:nvSpPr>
-          <p:cNvPr id="17" name="Прямоугольник 16">
-            <a:extLst>
-              <a:ext uri="{FF2B5EF4-FFF2-40B4-BE49-F238E27FC236}">
-                <a16:creationId xmlns:a16="http://schemas.microsoft.com/office/drawing/2014/main" id="{4178CC85-0238-47F8-9C95-8ED6B85E84DE}"/>
-              </a:ext>
-            </a:extLst>
-          </p:cNvPr>
-          <p:cNvSpPr/>
-          <p:nvPr/>
-        </p:nvSpPr>
-        <p:spPr>
-          <a:xfrm>
-            <a:off x="516243" y="2661651"/>
-            <a:ext cx="1453466" cy="338554"/>
-          </a:xfrm>
-          <a:prstGeom prst="rect">
-            <a:avLst/>
-          </a:prstGeom>
-        </p:spPr>
-        <p:txBody>
-          <a:bodyPr wrap="square">
-            <a:spAutoFit/>
-          </a:bodyPr>
-          <a:lstStyle/>
-          <a:p>
-            <a:r>
-              <a:rPr lang="ru-RU" sz="1600" b="1" dirty="0">
-                <a:solidFill>
-                  <a:schemeClr val="bg1">
-                    <a:lumMod val="95000"/>
-                  </a:schemeClr>
-                </a:solidFill>
-                <a:latin typeface="Verdana" panose="020B0604030504040204" pitchFamily="34" charset="0"/>
-                <a:ea typeface="Verdana" panose="020B0604030504040204" pitchFamily="34" charset="0"/>
-              </a:rPr>
-              <a:t>.</a:t>
-            </a:r>
-          </a:p>
-        </p:txBody>
-      </p:sp>
-    </p:spTree>
-    <p:extLst>
-      <p:ext uri="{BB962C8B-B14F-4D97-AF65-F5344CB8AC3E}">
-        <p14:creationId xmlns:p14="http://schemas.microsoft.com/office/powerpoint/2010/main" val="3556394761"/>
-      </p:ext>
-    </p:extLst>
-  </p:cSld>
-  <p:clrMapOvr>
-    <a:masterClrMapping/>
-  </p:clrMapOvr>
-</p:sld>
-</file>
-
-<file path=ppt/slides/slide3.xml><?xml version="1.0" encoding="utf-8"?>
-<p:sld xmlns:a="http://schemas.openxmlformats.org/drawingml/2006/main" xmlns:r="http://schemas.openxmlformats.org/officeDocument/2006/relationships" xmlns:p="http://schemas.openxmlformats.org/presentationml/2006/main">
-  <p:cSld>
-    <p:spTree>
-      <p:nvGrpSpPr>
-        <p:cNvPr id="1" name=""/>
-        <p:cNvGrpSpPr/>
-        <p:nvPr/>
-      </p:nvGrpSpPr>
-      <p:grpSpPr>
-        <a:xfrm>
-          <a:off x="0" y="0"/>
-          <a:ext cx="0" cy="0"/>
-          <a:chOff x="0" y="0"/>
-          <a:chExt cx="0" cy="0"/>
-        </a:xfrm>
-      </p:grpSpPr>
-      <p:sp>
-        <p:nvSpPr>
-          <p:cNvPr id="45" name="Прямоугольник 44">
-            <a:extLst>
-              <a:ext uri="{FF2B5EF4-FFF2-40B4-BE49-F238E27FC236}">
-                <a16:creationId xmlns:a16="http://schemas.microsoft.com/office/drawing/2014/main" id="{F844FAD0-BFD3-42F8-8444-0D4247E6F864}"/>
-              </a:ext>
-            </a:extLst>
-          </p:cNvPr>
-          <p:cNvSpPr/>
-          <p:nvPr/>
-        </p:nvSpPr>
-        <p:spPr bwMode="auto">
-          <a:xfrm>
-            <a:off x="0" y="0"/>
-            <a:ext cx="2160000" cy="5143500"/>
-          </a:xfrm>
-          <a:prstGeom prst="rect">
-            <a:avLst/>
-          </a:prstGeom>
-          <a:solidFill>
-            <a:srgbClr val="004868"/>
-          </a:solidFill>
-          <a:ln w="9525" cap="flat" cmpd="sng" algn="ctr">
-            <a:noFill/>
-            <a:prstDash val="solid"/>
-            <a:round/>
-            <a:headEnd type="none" w="med" len="med"/>
-            <a:tailEnd type="none" w="med" len="med"/>
-          </a:ln>
-          <a:effectLst/>
-        </p:spPr>
-        <p:txBody>
-          <a:bodyPr vert="horz" wrap="square" lIns="77925" tIns="38963" rIns="77925" bIns="38963" numCol="1" rtlCol="0" anchor="ctr" anchorCtr="0" compatLnSpc="1">
-            <a:prstTxWarp prst="textNoShape">
-              <a:avLst/>
-            </a:prstTxWarp>
-          </a:bodyPr>
-          <a:lstStyle/>
-          <a:p>
-            <a:pPr>
-              <a:lnSpc>
-                <a:spcPct val="93000"/>
-              </a:lnSpc>
-              <a:buClr>
-                <a:srgbClr val="000000"/>
-              </a:buClr>
-              <a:buSzPct val="100000"/>
-            </a:pPr>
-            <a:endParaRPr lang="ru-RU" sz="2000" b="1" dirty="0">
-              <a:solidFill>
-                <a:schemeClr val="bg1"/>
-              </a:solidFill>
-              <a:latin typeface="Century Gothic" panose="020B0502020202020204" pitchFamily="34" charset="0"/>
-            </a:endParaRPr>
-          </a:p>
-        </p:txBody>
-      </p:sp>
-      <p:cxnSp>
-        <p:nvCxnSpPr>
-          <p:cNvPr id="27" name="Прямая соединительная линия 26">
-            <a:extLst>
-              <a:ext uri="{FF2B5EF4-FFF2-40B4-BE49-F238E27FC236}">
-                <a16:creationId xmlns:a16="http://schemas.microsoft.com/office/drawing/2014/main" id="{7D440611-E861-4ADC-BE55-6C5E3E2135B0}"/>
-              </a:ext>
-            </a:extLst>
-          </p:cNvPr>
-          <p:cNvCxnSpPr>
-            <a:cxnSpLocks/>
-          </p:cNvCxnSpPr>
-          <p:nvPr/>
-        </p:nvCxnSpPr>
-        <p:spPr>
-          <a:xfrm>
-            <a:off x="3059832" y="867700"/>
-            <a:ext cx="5832648" cy="0"/>
-          </a:xfrm>
-          <a:prstGeom prst="line">
-            <a:avLst/>
-          </a:prstGeom>
-          <a:ln w="28575">
-            <a:solidFill>
-              <a:schemeClr val="tx2"/>
-            </a:solidFill>
-          </a:ln>
-        </p:spPr>
-        <p:style>
-          <a:lnRef idx="1">
-            <a:schemeClr val="accent1"/>
-          </a:lnRef>
-          <a:fillRef idx="0">
-            <a:schemeClr val="accent1"/>
-          </a:fillRef>
-          <a:effectRef idx="0">
-            <a:schemeClr val="accent1"/>
-          </a:effectRef>
-          <a:fontRef idx="minor">
-            <a:schemeClr val="tx1"/>
-          </a:fontRef>
-        </p:style>
-      </p:cxnSp>
-      <p:sp>
-        <p:nvSpPr>
-          <p:cNvPr id="25" name="Rectangle 1"/>
-          <p:cNvSpPr txBox="1">
-            <a:spLocks noChangeArrowheads="1"/>
-          </p:cNvSpPr>
-          <p:nvPr/>
-        </p:nvSpPr>
-        <p:spPr>
-          <a:xfrm>
-            <a:off x="2990262" y="921650"/>
-            <a:ext cx="5830209" cy="3787273"/>
-          </a:xfrm>
-          <a:prstGeom prst="rect">
-            <a:avLst/>
-          </a:prstGeom>
-        </p:spPr>
-        <p:txBody>
-          <a:bodyPr vert="horz" lIns="91440" tIns="45720" rIns="91440" bIns="45720" rtlCol="0" anchor="t">
-            <a:normAutofit/>
-          </a:bodyPr>
-          <a:lstStyle>
-            <a:lvl1pPr algn="ctr" defTabSz="914400" rtl="0" eaLnBrk="1" latinLnBrk="0" hangingPunct="1">
-              <a:spcBef>
-                <a:spcPct val="0"/>
-              </a:spcBef>
-              <a:buNone/>
-              <a:defRPr sz="4400" kern="1200">
-                <a:solidFill>
-                  <a:schemeClr val="tx1"/>
-                </a:solidFill>
-                <a:latin typeface="+mj-lt"/>
-                <a:ea typeface="+mj-ea"/>
-                <a:cs typeface="+mj-cs"/>
-              </a:defRPr>
-            </a:lvl1pPr>
-          </a:lstStyle>
-          <a:p>
-            <a:pPr marL="257175" indent="-254794" algn="l">
-              <a:spcBef>
-                <a:spcPts val="450"/>
-              </a:spcBef>
-              <a:tabLst>
-                <a:tab pos="257175" algn="l"/>
-                <a:tab pos="335756" algn="l"/>
-                <a:tab pos="672704" algn="l"/>
-                <a:tab pos="1009650" algn="l"/>
-                <a:tab pos="1346597" algn="l"/>
-                <a:tab pos="1683544" algn="l"/>
-                <a:tab pos="2020491" algn="l"/>
-                <a:tab pos="2357438" algn="l"/>
-                <a:tab pos="2694385" algn="l"/>
-                <a:tab pos="3031331" algn="l"/>
-                <a:tab pos="3368279" algn="l"/>
-                <a:tab pos="3705225" algn="l"/>
-                <a:tab pos="4042172" algn="l"/>
-                <a:tab pos="4379119" algn="l"/>
-                <a:tab pos="4716066" algn="l"/>
-                <a:tab pos="5053013" algn="l"/>
-                <a:tab pos="5389960" algn="l"/>
-                <a:tab pos="5726906" algn="l"/>
-                <a:tab pos="6063854" algn="l"/>
-                <a:tab pos="6400800" algn="l"/>
-                <a:tab pos="6737747" algn="l"/>
-              </a:tabLst>
-            </a:pPr>
-            <a:r>
-              <a:rPr lang="en-US" altLang="ru-RU" sz="3200" dirty="0">
-                <a:cs typeface="Times New Roman" panose="02020603050405020304" pitchFamily="18" charset="0"/>
-              </a:rPr>
-              <a:t>                     </a:t>
-            </a:r>
-            <a:endParaRPr lang="ru-RU" altLang="ru-RU" sz="3200" dirty="0">
-              <a:cs typeface="Times New Roman" panose="02020603050405020304" pitchFamily="18" charset="0"/>
-            </a:endParaRPr>
-          </a:p>
-        </p:txBody>
-      </p:sp>
-      <p:grpSp>
-        <p:nvGrpSpPr>
-          <p:cNvPr id="8" name="Группа 7">
-            <a:extLst>
-              <a:ext uri="{FF2B5EF4-FFF2-40B4-BE49-F238E27FC236}">
-                <a16:creationId xmlns:a16="http://schemas.microsoft.com/office/drawing/2014/main" id="{8D89B8A8-CE48-43F1-BB75-3E6B699D7B47}"/>
-              </a:ext>
-            </a:extLst>
-          </p:cNvPr>
-          <p:cNvGrpSpPr/>
-          <p:nvPr/>
-        </p:nvGrpSpPr>
-        <p:grpSpPr>
-          <a:xfrm>
-            <a:off x="243714" y="953093"/>
-            <a:ext cx="2799177" cy="2118472"/>
-            <a:chOff x="174072" y="159772"/>
-            <a:chExt cx="2799177" cy="2118472"/>
-          </a:xfrm>
-        </p:grpSpPr>
-        <p:sp>
-          <p:nvSpPr>
-            <p:cNvPr id="49" name="Прямоугольник 48">
-              <a:extLst>
-                <a:ext uri="{FF2B5EF4-FFF2-40B4-BE49-F238E27FC236}">
-                  <a16:creationId xmlns:a16="http://schemas.microsoft.com/office/drawing/2014/main" id="{FDB282C5-2604-4D7A-8D2A-E546EB65E607}"/>
-                </a:ext>
-              </a:extLst>
-            </p:cNvPr>
-            <p:cNvSpPr/>
-            <p:nvPr/>
-          </p:nvSpPr>
-          <p:spPr>
-            <a:xfrm>
-              <a:off x="182776" y="176182"/>
-              <a:ext cx="307777" cy="307777"/>
-            </a:xfrm>
-            <a:prstGeom prst="rect">
-              <a:avLst/>
-            </a:prstGeom>
-            <a:solidFill>
-              <a:schemeClr val="bg1">
-                <a:lumMod val="95000"/>
-              </a:schemeClr>
-            </a:solidFill>
-            <a:ln>
-              <a:noFill/>
-            </a:ln>
-          </p:spPr>
-          <p:style>
-            <a:lnRef idx="2">
-              <a:schemeClr val="accent1">
-                <a:shade val="50000"/>
-              </a:schemeClr>
-            </a:lnRef>
-            <a:fillRef idx="1">
-              <a:schemeClr val="accent1"/>
-            </a:fillRef>
-            <a:effectRef idx="0">
-              <a:schemeClr val="accent1"/>
-            </a:effectRef>
-            <a:fontRef idx="minor">
-              <a:schemeClr val="lt1"/>
-            </a:fontRef>
-          </p:style>
-          <p:txBody>
-            <a:bodyPr rtlCol="0" anchor="ctr"/>
-            <a:lstStyle/>
-            <a:p>
-              <a:pPr algn="ctr"/>
-              <a:endParaRPr lang="ru-RU" dirty="0"/>
-            </a:p>
-          </p:txBody>
-        </p:sp>
-        <p:sp>
-          <p:nvSpPr>
-            <p:cNvPr id="63" name="Прямоугольник 62">
-              <a:extLst>
-                <a:ext uri="{FF2B5EF4-FFF2-40B4-BE49-F238E27FC236}">
-                  <a16:creationId xmlns:a16="http://schemas.microsoft.com/office/drawing/2014/main" id="{2D33E0AE-D3CC-4355-8650-0C91F2677331}"/>
-                </a:ext>
-              </a:extLst>
-            </p:cNvPr>
-            <p:cNvSpPr/>
-            <p:nvPr/>
-          </p:nvSpPr>
-          <p:spPr>
-            <a:xfrm>
-              <a:off x="174072" y="1970467"/>
-              <a:ext cx="307777" cy="307777"/>
-            </a:xfrm>
-            <a:prstGeom prst="rect">
-              <a:avLst/>
-            </a:prstGeom>
-            <a:solidFill>
-              <a:schemeClr val="bg1">
-                <a:lumMod val="95000"/>
-              </a:schemeClr>
-            </a:solidFill>
-            <a:ln>
-              <a:noFill/>
-            </a:ln>
-          </p:spPr>
-          <p:style>
-            <a:lnRef idx="2">
-              <a:schemeClr val="accent1">
-                <a:shade val="50000"/>
-              </a:schemeClr>
-            </a:lnRef>
-            <a:fillRef idx="1">
-              <a:schemeClr val="accent1"/>
-            </a:fillRef>
-            <a:effectRef idx="0">
-              <a:schemeClr val="accent1"/>
-            </a:effectRef>
-            <a:fontRef idx="minor">
-              <a:schemeClr val="lt1"/>
-            </a:fontRef>
-          </p:style>
-          <p:txBody>
-            <a:bodyPr rtlCol="0" anchor="ctr"/>
-            <a:lstStyle/>
-            <a:p>
-              <a:pPr algn="ctr"/>
-              <a:endParaRPr lang="ru-RU"/>
-            </a:p>
-          </p:txBody>
-        </p:sp>
-        <p:sp>
-          <p:nvSpPr>
-            <p:cNvPr id="71" name="Прямоугольник 70">
-              <a:extLst>
-                <a:ext uri="{FF2B5EF4-FFF2-40B4-BE49-F238E27FC236}">
-                  <a16:creationId xmlns:a16="http://schemas.microsoft.com/office/drawing/2014/main" id="{7BAF04B3-A7AB-4421-99BC-5E3219D990E5}"/>
-                </a:ext>
-              </a:extLst>
-            </p:cNvPr>
-            <p:cNvSpPr/>
-            <p:nvPr/>
-          </p:nvSpPr>
-          <p:spPr>
-            <a:xfrm>
-              <a:off x="174073" y="1053890"/>
-              <a:ext cx="307777" cy="307777"/>
-            </a:xfrm>
-            <a:prstGeom prst="rect">
-              <a:avLst/>
-            </a:prstGeom>
-            <a:solidFill>
-              <a:schemeClr val="bg1">
-                <a:lumMod val="95000"/>
-              </a:schemeClr>
-            </a:solidFill>
-            <a:ln>
-              <a:noFill/>
-            </a:ln>
-          </p:spPr>
-          <p:style>
-            <a:lnRef idx="2">
-              <a:schemeClr val="accent1">
-                <a:shade val="50000"/>
-              </a:schemeClr>
-            </a:lnRef>
-            <a:fillRef idx="1">
-              <a:schemeClr val="accent1"/>
-            </a:fillRef>
-            <a:effectRef idx="0">
-              <a:schemeClr val="accent1"/>
-            </a:effectRef>
-            <a:fontRef idx="minor">
-              <a:schemeClr val="lt1"/>
-            </a:fontRef>
-          </p:style>
-          <p:txBody>
-            <a:bodyPr rtlCol="0" anchor="ctr"/>
-            <a:lstStyle/>
-            <a:p>
-              <a:pPr algn="ctr"/>
-              <a:endParaRPr lang="ru-RU">
-                <a:solidFill>
-                  <a:srgbClr val="7F7F7F"/>
-                </a:solidFill>
-              </a:endParaRPr>
-            </a:p>
-          </p:txBody>
-        </p:sp>
-        <p:sp>
-          <p:nvSpPr>
-            <p:cNvPr id="2" name="TextBox 1">
-              <a:extLst>
-                <a:ext uri="{FF2B5EF4-FFF2-40B4-BE49-F238E27FC236}">
-                  <a16:creationId xmlns:a16="http://schemas.microsoft.com/office/drawing/2014/main" id="{D433A942-CA1E-4148-80E1-D96F3CDADFE8}"/>
-                </a:ext>
-              </a:extLst>
-            </p:cNvPr>
-            <p:cNvSpPr txBox="1"/>
-            <p:nvPr/>
-          </p:nvSpPr>
-          <p:spPr>
-            <a:xfrm>
-              <a:off x="557459" y="159772"/>
-              <a:ext cx="2415790" cy="338554"/>
-            </a:xfrm>
-            <a:prstGeom prst="rect">
-              <a:avLst/>
-            </a:prstGeom>
-            <a:noFill/>
-          </p:spPr>
-          <p:txBody>
-            <a:bodyPr wrap="square">
-              <a:spAutoFit/>
-            </a:bodyPr>
-            <a:lstStyle/>
-            <a:p>
-              <a:r>
-                <a:rPr lang="en-US" sz="1600" b="1" dirty="0">
-                  <a:solidFill>
-                    <a:schemeClr val="bg1">
-                      <a:lumMod val="95000"/>
-                    </a:schemeClr>
-                  </a:solidFill>
-                  <a:latin typeface="Verdana" panose="020B0604030504040204" pitchFamily="34" charset="0"/>
-                  <a:ea typeface="Verdana" panose="020B0604030504040204" pitchFamily="34" charset="0"/>
-                </a:rPr>
-                <a:t>KOS</a:t>
-              </a:r>
-              <a:endParaRPr lang="x-none" sz="1600" b="1" dirty="0">
-                <a:solidFill>
-                  <a:schemeClr val="bg1">
-                    <a:lumMod val="95000"/>
-                  </a:schemeClr>
-                </a:solidFill>
-                <a:latin typeface="Verdana" panose="020B0604030504040204" pitchFamily="34" charset="0"/>
-                <a:ea typeface="Verdana" panose="020B0604030504040204" pitchFamily="34" charset="0"/>
-              </a:endParaRPr>
-            </a:p>
-          </p:txBody>
-        </p:sp>
-        <p:sp>
-          <p:nvSpPr>
-            <p:cNvPr id="29" name="Прямоугольник 28">
-              <a:extLst>
-                <a:ext uri="{FF2B5EF4-FFF2-40B4-BE49-F238E27FC236}">
-                  <a16:creationId xmlns:a16="http://schemas.microsoft.com/office/drawing/2014/main" id="{321E19EC-6BB3-4443-BA33-D6D787D90C0D}"/>
-                </a:ext>
-              </a:extLst>
-            </p:cNvPr>
-            <p:cNvSpPr/>
-            <p:nvPr/>
-          </p:nvSpPr>
-          <p:spPr>
-            <a:xfrm>
-              <a:off x="483386" y="786172"/>
-              <a:ext cx="1644400" cy="830997"/>
-            </a:xfrm>
-            <a:prstGeom prst="rect">
-              <a:avLst/>
-            </a:prstGeom>
-          </p:spPr>
-          <p:txBody>
-            <a:bodyPr wrap="square">
-              <a:spAutoFit/>
-            </a:bodyPr>
-            <a:lstStyle/>
-            <a:p>
-              <a:r>
-                <a:rPr lang="ru-RU" sz="1600" b="1" dirty="0">
-                  <a:solidFill>
-                    <a:schemeClr val="bg1">
-                      <a:lumMod val="95000"/>
-                    </a:schemeClr>
-                  </a:solidFill>
-                  <a:latin typeface="Verdana" panose="020B0604030504040204" pitchFamily="34" charset="0"/>
-                  <a:ea typeface="Verdana" panose="020B0604030504040204" pitchFamily="34" charset="0"/>
-                </a:rPr>
-                <a:t>Автоматизация процесса</a:t>
-              </a:r>
-            </a:p>
-          </p:txBody>
-        </p:sp>
-      </p:grpSp>
-      <p:sp>
-        <p:nvSpPr>
-          <p:cNvPr id="30" name="Прямоугольник 29">
-            <a:extLst>
-              <a:ext uri="{FF2B5EF4-FFF2-40B4-BE49-F238E27FC236}">
-                <a16:creationId xmlns:a16="http://schemas.microsoft.com/office/drawing/2014/main" id="{62E7C219-BF40-42A2-A453-98D897CC3593}"/>
-              </a:ext>
-            </a:extLst>
-          </p:cNvPr>
-          <p:cNvSpPr/>
-          <p:nvPr/>
-        </p:nvSpPr>
-        <p:spPr>
-          <a:xfrm>
-            <a:off x="614502" y="2733010"/>
-            <a:ext cx="2292243" cy="369332"/>
-          </a:xfrm>
-          <a:prstGeom prst="rect">
-            <a:avLst/>
-          </a:prstGeom>
-        </p:spPr>
-        <p:txBody>
-          <a:bodyPr wrap="square">
-            <a:spAutoFit/>
-          </a:bodyPr>
-          <a:lstStyle/>
-          <a:p>
-            <a:r>
-              <a:rPr lang="en-US" sz="1800" b="1" dirty="0">
-                <a:solidFill>
-                  <a:schemeClr val="bg1">
-                    <a:lumMod val="95000"/>
-                  </a:schemeClr>
-                </a:solidFill>
-                <a:latin typeface="Verdana" panose="020B0604030504040204" pitchFamily="34" charset="0"/>
-                <a:ea typeface="Verdana" panose="020B0604030504040204" pitchFamily="34" charset="0"/>
-              </a:rPr>
-              <a:t>TCP/IP</a:t>
-            </a:r>
-            <a:endParaRPr lang="en-US" sz="1800" b="1" dirty="0">
-              <a:solidFill>
-                <a:schemeClr val="bg1">
-                  <a:lumMod val="95000"/>
-                </a:schemeClr>
-              </a:solidFill>
-              <a:latin typeface="Century Gothic" panose="020B0502020202020204" pitchFamily="34" charset="0"/>
-            </a:endParaRPr>
-          </a:p>
-        </p:txBody>
-      </p:sp>
-      <p:sp>
-        <p:nvSpPr>
-          <p:cNvPr id="36" name="Прямоугольник 35"/>
-          <p:cNvSpPr/>
-          <p:nvPr/>
-        </p:nvSpPr>
-        <p:spPr>
-          <a:xfrm>
-            <a:off x="3042891" y="1277280"/>
-            <a:ext cx="6029836" cy="646331"/>
-          </a:xfrm>
-          <a:prstGeom prst="rect">
-            <a:avLst/>
-          </a:prstGeom>
-        </p:spPr>
-        <p:txBody>
-          <a:bodyPr wrap="square">
-            <a:spAutoFit/>
-          </a:bodyPr>
-          <a:lstStyle/>
-          <a:p>
-            <a:r>
-              <a:rPr lang="ru-RU" sz="1800" dirty="0">
-                <a:effectLst/>
-                <a:latin typeface="Times New Roman" panose="02020603050405020304" pitchFamily="18" charset="0"/>
-                <a:ea typeface="Calibri" panose="020F0502020204030204" pitchFamily="34" charset="0"/>
-                <a:cs typeface="Times New Roman" panose="02020603050405020304" pitchFamily="18" charset="0"/>
-              </a:rPr>
-              <a:t>Фотка нашего робота?</a:t>
-            </a:r>
-            <a:endParaRPr lang="ru-RU" sz="1800" dirty="0">
-              <a:effectLst/>
-              <a:latin typeface="Calibri" panose="020F0502020204030204" pitchFamily="34" charset="0"/>
-              <a:ea typeface="Calibri" panose="020F0502020204030204" pitchFamily="34" charset="0"/>
-              <a:cs typeface="Times New Roman" panose="02020603050405020304" pitchFamily="18" charset="0"/>
-            </a:endParaRPr>
-          </a:p>
-          <a:p>
-            <a:endParaRPr lang="ru-RU" sz="1800" dirty="0">
-              <a:solidFill>
-                <a:srgbClr val="FF0000"/>
-              </a:solidFill>
-            </a:endParaRPr>
-          </a:p>
-        </p:txBody>
-      </p:sp>
-      <p:sp>
-        <p:nvSpPr>
-          <p:cNvPr id="6" name="Номер слайда 5">
-            <a:extLst>
-              <a:ext uri="{FF2B5EF4-FFF2-40B4-BE49-F238E27FC236}">
-                <a16:creationId xmlns:a16="http://schemas.microsoft.com/office/drawing/2014/main" id="{91B1A099-D53E-4F79-AD32-FF2BB7379684}"/>
-              </a:ext>
-            </a:extLst>
-          </p:cNvPr>
-          <p:cNvSpPr>
-            <a:spLocks noGrp="1"/>
-          </p:cNvSpPr>
-          <p:nvPr>
-            <p:ph type="sldNum" sz="quarter" idx="12"/>
-          </p:nvPr>
-        </p:nvSpPr>
-        <p:spPr/>
-        <p:txBody>
-          <a:bodyPr/>
-          <a:lstStyle/>
-          <a:p>
-            <a:fld id="{B19B0651-EE4F-4900-A07F-96A6BFA9D0F0}" type="slidenum">
-              <a:rPr lang="ru-RU" smtClean="0"/>
-              <a:pPr/>
-              <a:t>3</a:t>
-            </a:fld>
-            <a:endParaRPr lang="ru-RU" dirty="0"/>
-          </a:p>
-        </p:txBody>
-      </p:sp>
-      <p:sp>
-        <p:nvSpPr>
-          <p:cNvPr id="18" name="Прямоугольник 17">
-            <a:extLst>
-              <a:ext uri="{FF2B5EF4-FFF2-40B4-BE49-F238E27FC236}">
-                <a16:creationId xmlns:a16="http://schemas.microsoft.com/office/drawing/2014/main" id="{CAA77BAE-A556-48A0-978D-90044E75AF67}"/>
-              </a:ext>
-            </a:extLst>
-          </p:cNvPr>
-          <p:cNvSpPr/>
-          <p:nvPr/>
-        </p:nvSpPr>
-        <p:spPr>
-          <a:xfrm>
-            <a:off x="3203848" y="299798"/>
-            <a:ext cx="6110664" cy="461665"/>
-          </a:xfrm>
-          <a:prstGeom prst="rect">
-            <a:avLst/>
-          </a:prstGeom>
-        </p:spPr>
-        <p:txBody>
-          <a:bodyPr wrap="square">
-            <a:spAutoFit/>
-          </a:bodyPr>
-          <a:lstStyle/>
-          <a:p>
-            <a:r>
-              <a:rPr lang="ru-RU" sz="2400" b="1" dirty="0">
-                <a:solidFill>
-                  <a:schemeClr val="tx2"/>
-                </a:solidFill>
-                <a:latin typeface="Verdana" panose="020B0604030504040204" pitchFamily="34" charset="0"/>
-                <a:ea typeface="Verdana" panose="020B0604030504040204" pitchFamily="34" charset="0"/>
-              </a:rPr>
-              <a:t>Цель. Гипотеза. Задачи.</a:t>
-            </a:r>
-          </a:p>
-        </p:txBody>
-      </p:sp>
-    </p:spTree>
-    <p:extLst>
-      <p:ext uri="{BB962C8B-B14F-4D97-AF65-F5344CB8AC3E}">
-        <p14:creationId xmlns:p14="http://schemas.microsoft.com/office/powerpoint/2010/main" val="2346905493"/>
-      </p:ext>
-    </p:extLst>
-  </p:cSld>
-  <p:clrMapOvr>
-    <a:masterClrMapping/>
-  </p:clrMapOvr>
-</p:sld>
-</file>
-
-<file path=ppt/slides/slide4.xml><?xml version="1.0" encoding="utf-8"?>
-<p:sld xmlns:a="http://schemas.openxmlformats.org/drawingml/2006/main" xmlns:r="http://schemas.openxmlformats.org/officeDocument/2006/relationships" xmlns:p="http://schemas.openxmlformats.org/presentationml/2006/main">
-  <p:cSld>
-    <p:spTree>
-      <p:nvGrpSpPr>
-        <p:cNvPr id="1" name=""/>
-        <p:cNvGrpSpPr/>
-        <p:nvPr/>
-      </p:nvGrpSpPr>
-      <p:grpSpPr>
-        <a:xfrm>
-          <a:off x="0" y="0"/>
-          <a:ext cx="0" cy="0"/>
-          <a:chOff x="0" y="0"/>
-          <a:chExt cx="0" cy="0"/>
-        </a:xfrm>
-      </p:grpSpPr>
-      <p:sp>
-        <p:nvSpPr>
-          <p:cNvPr id="45" name="Прямоугольник 44">
-            <a:extLst>
-              <a:ext uri="{FF2B5EF4-FFF2-40B4-BE49-F238E27FC236}">
-                <a16:creationId xmlns:a16="http://schemas.microsoft.com/office/drawing/2014/main" id="{F844FAD0-BFD3-42F8-8444-0D4247E6F864}"/>
-              </a:ext>
-            </a:extLst>
-          </p:cNvPr>
-          <p:cNvSpPr/>
-          <p:nvPr/>
-        </p:nvSpPr>
-        <p:spPr bwMode="auto">
-          <a:xfrm>
-            <a:off x="0" y="0"/>
-            <a:ext cx="1080000" cy="5143500"/>
-          </a:xfrm>
-          <a:prstGeom prst="rect">
-            <a:avLst/>
-          </a:prstGeom>
-          <a:solidFill>
-            <a:srgbClr val="004868"/>
-          </a:solidFill>
-          <a:ln w="9525" cap="flat" cmpd="sng" algn="ctr">
-            <a:noFill/>
-            <a:prstDash val="solid"/>
-            <a:round/>
-            <a:headEnd type="none" w="med" len="med"/>
-            <a:tailEnd type="none" w="med" len="med"/>
-          </a:ln>
-          <a:effectLst/>
-        </p:spPr>
-        <p:txBody>
-          <a:bodyPr vert="horz" wrap="square" lIns="77925" tIns="38963" rIns="77925" bIns="38963" numCol="1" rtlCol="0" anchor="ctr" anchorCtr="0" compatLnSpc="1">
-            <a:prstTxWarp prst="textNoShape">
-              <a:avLst/>
-            </a:prstTxWarp>
-          </a:bodyPr>
-          <a:lstStyle/>
-          <a:p>
-            <a:pPr>
-              <a:lnSpc>
-                <a:spcPct val="93000"/>
-              </a:lnSpc>
-              <a:buClr>
-                <a:srgbClr val="000000"/>
-              </a:buClr>
-              <a:buSzPct val="100000"/>
-            </a:pPr>
-            <a:endParaRPr lang="ru-RU" sz="2000" b="1" dirty="0">
-              <a:solidFill>
-                <a:schemeClr val="bg1"/>
-              </a:solidFill>
-              <a:latin typeface="Century Gothic" panose="020B0502020202020204" pitchFamily="34" charset="0"/>
-            </a:endParaRPr>
-          </a:p>
-        </p:txBody>
-      </p:sp>
-      <p:sp>
-        <p:nvSpPr>
-          <p:cNvPr id="25" name="Rectangle 1"/>
-          <p:cNvSpPr txBox="1">
-            <a:spLocks noChangeArrowheads="1"/>
-          </p:cNvSpPr>
-          <p:nvPr/>
-        </p:nvSpPr>
-        <p:spPr>
-          <a:xfrm>
-            <a:off x="2990262" y="921650"/>
-            <a:ext cx="5830209" cy="3787273"/>
-          </a:xfrm>
-          <a:prstGeom prst="rect">
-            <a:avLst/>
-          </a:prstGeom>
-        </p:spPr>
-        <p:txBody>
-          <a:bodyPr vert="horz" lIns="91440" tIns="45720" rIns="91440" bIns="45720" rtlCol="0" anchor="t">
-            <a:normAutofit/>
-          </a:bodyPr>
-          <a:lstStyle>
-            <a:lvl1pPr algn="ctr" defTabSz="914400" rtl="0" eaLnBrk="1" latinLnBrk="0" hangingPunct="1">
-              <a:spcBef>
-                <a:spcPct val="0"/>
-              </a:spcBef>
-              <a:buNone/>
-              <a:defRPr sz="4400" kern="1200">
-                <a:solidFill>
-                  <a:schemeClr val="tx1"/>
-                </a:solidFill>
-                <a:latin typeface="+mj-lt"/>
-                <a:ea typeface="+mj-ea"/>
-                <a:cs typeface="+mj-cs"/>
-              </a:defRPr>
-            </a:lvl1pPr>
-          </a:lstStyle>
-          <a:p>
-            <a:pPr marL="257175" indent="-254794" algn="l">
-              <a:spcBef>
-                <a:spcPts val="450"/>
-              </a:spcBef>
-              <a:tabLst>
-                <a:tab pos="257175" algn="l"/>
-                <a:tab pos="335756" algn="l"/>
-                <a:tab pos="672704" algn="l"/>
-                <a:tab pos="1009650" algn="l"/>
-                <a:tab pos="1346597" algn="l"/>
-                <a:tab pos="1683544" algn="l"/>
-                <a:tab pos="2020491" algn="l"/>
-                <a:tab pos="2357438" algn="l"/>
-                <a:tab pos="2694385" algn="l"/>
-                <a:tab pos="3031331" algn="l"/>
-                <a:tab pos="3368279" algn="l"/>
-                <a:tab pos="3705225" algn="l"/>
-                <a:tab pos="4042172" algn="l"/>
-                <a:tab pos="4379119" algn="l"/>
-                <a:tab pos="4716066" algn="l"/>
-                <a:tab pos="5053013" algn="l"/>
-                <a:tab pos="5389960" algn="l"/>
-                <a:tab pos="5726906" algn="l"/>
-                <a:tab pos="6063854" algn="l"/>
-                <a:tab pos="6400800" algn="l"/>
-                <a:tab pos="6737747" algn="l"/>
-              </a:tabLst>
-            </a:pPr>
-            <a:r>
-              <a:rPr lang="en-US" altLang="ru-RU" sz="3200" dirty="0">
-                <a:cs typeface="Times New Roman" panose="02020603050405020304" pitchFamily="18" charset="0"/>
-              </a:rPr>
-              <a:t>                     </a:t>
-            </a:r>
-            <a:endParaRPr lang="ru-RU" altLang="ru-RU" sz="3200" dirty="0">
-              <a:cs typeface="Times New Roman" panose="02020603050405020304" pitchFamily="18" charset="0"/>
-            </a:endParaRPr>
-          </a:p>
-        </p:txBody>
-      </p:sp>
-      <p:sp>
-        <p:nvSpPr>
-          <p:cNvPr id="2" name="Номер слайда 1">
-            <a:extLst>
-              <a:ext uri="{FF2B5EF4-FFF2-40B4-BE49-F238E27FC236}">
-                <a16:creationId xmlns:a16="http://schemas.microsoft.com/office/drawing/2014/main" id="{6C639C31-70B3-4747-90CA-1855C8665F6D}"/>
-              </a:ext>
-            </a:extLst>
-          </p:cNvPr>
-          <p:cNvSpPr>
-            <a:spLocks noGrp="1"/>
-          </p:cNvSpPr>
-          <p:nvPr>
-            <p:ph type="sldNum" sz="quarter" idx="12"/>
-          </p:nvPr>
-        </p:nvSpPr>
-        <p:spPr/>
-        <p:txBody>
-          <a:bodyPr/>
-          <a:lstStyle/>
-          <a:p>
-            <a:fld id="{B19B0651-EE4F-4900-A07F-96A6BFA9D0F0}" type="slidenum">
-              <a:rPr lang="ru-RU" smtClean="0"/>
-              <a:pPr/>
-              <a:t>4</a:t>
-            </a:fld>
-            <a:endParaRPr lang="ru-RU"/>
-          </a:p>
-        </p:txBody>
-      </p:sp>
-      <p:cxnSp>
-        <p:nvCxnSpPr>
-          <p:cNvPr id="9" name="Прямая соединительная линия 8">
-            <a:extLst>
-              <a:ext uri="{FF2B5EF4-FFF2-40B4-BE49-F238E27FC236}">
-                <a16:creationId xmlns:a16="http://schemas.microsoft.com/office/drawing/2014/main" id="{D801378D-54AE-4064-AFC0-861B34FEDBE9}"/>
-              </a:ext>
-            </a:extLst>
-          </p:cNvPr>
-          <p:cNvCxnSpPr>
-            <a:cxnSpLocks/>
-          </p:cNvCxnSpPr>
-          <p:nvPr/>
-        </p:nvCxnSpPr>
-        <p:spPr>
-          <a:xfrm>
-            <a:off x="2781816" y="867495"/>
-            <a:ext cx="5832648" cy="0"/>
-          </a:xfrm>
-          <a:prstGeom prst="line">
-            <a:avLst/>
-          </a:prstGeom>
-          <a:ln w="28575">
-            <a:solidFill>
-              <a:schemeClr val="tx2"/>
-            </a:solidFill>
-          </a:ln>
-        </p:spPr>
-        <p:style>
-          <a:lnRef idx="1">
-            <a:schemeClr val="accent1"/>
-          </a:lnRef>
-          <a:fillRef idx="0">
-            <a:schemeClr val="accent1"/>
-          </a:fillRef>
-          <a:effectRef idx="0">
-            <a:schemeClr val="accent1"/>
-          </a:effectRef>
-          <a:fontRef idx="minor">
-            <a:schemeClr val="tx1"/>
-          </a:fontRef>
-        </p:style>
-      </p:cxnSp>
-      <p:sp>
-        <p:nvSpPr>
-          <p:cNvPr id="13" name="Прямоугольник 12">
-            <a:extLst>
-              <a:ext uri="{FF2B5EF4-FFF2-40B4-BE49-F238E27FC236}">
-                <a16:creationId xmlns:a16="http://schemas.microsoft.com/office/drawing/2014/main" id="{A311B375-86CE-4E7D-BEFB-9E495DC2ED8E}"/>
-              </a:ext>
-            </a:extLst>
-          </p:cNvPr>
-          <p:cNvSpPr/>
-          <p:nvPr/>
-        </p:nvSpPr>
-        <p:spPr>
-          <a:xfrm>
-            <a:off x="2925832" y="299593"/>
-            <a:ext cx="6110664" cy="461665"/>
-          </a:xfrm>
-          <a:prstGeom prst="rect">
-            <a:avLst/>
-          </a:prstGeom>
-        </p:spPr>
-        <p:txBody>
-          <a:bodyPr wrap="square">
-            <a:spAutoFit/>
-          </a:bodyPr>
-          <a:lstStyle/>
-          <a:p>
-            <a:r>
-              <a:rPr lang="ru-RU" sz="2400" b="1" dirty="0">
-                <a:solidFill>
-                  <a:schemeClr val="tx2"/>
-                </a:solidFill>
-                <a:latin typeface="Verdana" panose="020B0604030504040204" pitchFamily="34" charset="0"/>
-                <a:ea typeface="Verdana" panose="020B0604030504040204" pitchFamily="34" charset="0"/>
-              </a:rPr>
-              <a:t>Комплекс технических средств</a:t>
-            </a:r>
-          </a:p>
-        </p:txBody>
-      </p:sp>
-      <p:pic>
-        <p:nvPicPr>
-          <p:cNvPr id="2050" name="Picture 2" descr="C:\Users\kosiya\Downloads\Архитектура ИС\Гагачи2022\КТС_HD.jpg"/>
-          <p:cNvPicPr>
-            <a:picLocks noChangeAspect="1" noChangeArrowheads="1"/>
-          </p:cNvPicPr>
-          <p:nvPr/>
-        </p:nvPicPr>
-        <p:blipFill>
-          <a:blip r:embed="rId3" cstate="print">
-            <a:extLst>
-              <a:ext uri="{28A0092B-C50C-407E-A947-70E740481C1C}">
-                <a14:useLocalDpi xmlns:a14="http://schemas.microsoft.com/office/drawing/2010/main" val="0"/>
-              </a:ext>
-            </a:extLst>
-          </a:blip>
-          <a:srcRect/>
-          <a:stretch>
-            <a:fillRect/>
-          </a:stretch>
-        </p:blipFill>
-        <p:spPr bwMode="auto">
-          <a:xfrm>
-            <a:off x="1187624" y="1059582"/>
-            <a:ext cx="7457697" cy="3375884"/>
-          </a:xfrm>
-          <a:prstGeom prst="rect">
-            <a:avLst/>
-          </a:prstGeom>
-          <a:noFill/>
-          <a:extLst>
-            <a:ext uri="{909E8E84-426E-40DD-AFC4-6F175D3DCCD1}">
-              <a14:hiddenFill xmlns:a14="http://schemas.microsoft.com/office/drawing/2010/main">
-                <a:solidFill>
-                  <a:srgbClr val="FFFFFF"/>
-                </a:solidFill>
-              </a14:hiddenFill>
-            </a:ext>
-          </a:extLst>
-        </p:spPr>
-      </p:pic>
-    </p:spTree>
-    <p:extLst>
-      <p:ext uri="{BB962C8B-B14F-4D97-AF65-F5344CB8AC3E}">
-        <p14:creationId xmlns:p14="http://schemas.microsoft.com/office/powerpoint/2010/main" val="1690864784"/>
-      </p:ext>
-    </p:extLst>
-  </p:cSld>
-  <p:clrMapOvr>
-    <a:masterClrMapping/>
-  </p:clrMapOvr>
-</p:sld>
-</file>
-
-<file path=ppt/slides/slide5.xml><?xml version="1.0" encoding="utf-8"?>
-<p:sld xmlns:a="http://schemas.openxmlformats.org/drawingml/2006/main" xmlns:r="http://schemas.openxmlformats.org/officeDocument/2006/relationships" xmlns:p="http://schemas.openxmlformats.org/presentationml/2006/main">
-  <p:cSld>
-    <p:spTree>
-      <p:nvGrpSpPr>
-        <p:cNvPr id="1" name=""/>
-        <p:cNvGrpSpPr/>
-        <p:nvPr/>
-      </p:nvGrpSpPr>
-      <p:grpSpPr>
-        <a:xfrm>
-          <a:off x="0" y="0"/>
-          <a:ext cx="0" cy="0"/>
-          <a:chOff x="0" y="0"/>
-          <a:chExt cx="0" cy="0"/>
-        </a:xfrm>
-      </p:grpSpPr>
-      <p:sp>
-        <p:nvSpPr>
-          <p:cNvPr id="5" name="Прямоугольник 4">
-            <a:extLst>
-              <a:ext uri="{FF2B5EF4-FFF2-40B4-BE49-F238E27FC236}">
-                <a16:creationId xmlns:a16="http://schemas.microsoft.com/office/drawing/2014/main" id="{66C439E9-3E70-4653-97C3-031864E7D8D0}"/>
-              </a:ext>
-            </a:extLst>
-          </p:cNvPr>
-          <p:cNvSpPr/>
-          <p:nvPr/>
-        </p:nvSpPr>
-        <p:spPr bwMode="auto">
-          <a:xfrm>
-            <a:off x="0" y="0"/>
-            <a:ext cx="2160000" cy="5143500"/>
-          </a:xfrm>
-          <a:prstGeom prst="rect">
-            <a:avLst/>
-          </a:prstGeom>
-          <a:solidFill>
-            <a:srgbClr val="004868"/>
-          </a:solidFill>
-          <a:ln w="9525" cap="flat" cmpd="sng" algn="ctr">
-            <a:noFill/>
-            <a:prstDash val="solid"/>
-            <a:round/>
-            <a:headEnd type="none" w="med" len="med"/>
-            <a:tailEnd type="none" w="med" len="med"/>
-          </a:ln>
-          <a:effectLst/>
-        </p:spPr>
-        <p:txBody>
-          <a:bodyPr vert="horz" wrap="square" lIns="77925" tIns="38963" rIns="77925" bIns="38963" numCol="1" rtlCol="0" anchor="ctr" anchorCtr="0" compatLnSpc="1">
-            <a:prstTxWarp prst="textNoShape">
-              <a:avLst/>
-            </a:prstTxWarp>
-          </a:bodyPr>
-          <a:lstStyle/>
-          <a:p>
-            <a:pPr>
-              <a:lnSpc>
-                <a:spcPct val="93000"/>
-              </a:lnSpc>
-              <a:buClr>
-                <a:srgbClr val="000000"/>
-              </a:buClr>
-              <a:buSzPct val="100000"/>
-            </a:pPr>
-            <a:endParaRPr lang="ru-RU" sz="2000" b="1" dirty="0">
-              <a:solidFill>
-                <a:schemeClr val="bg1"/>
-              </a:solidFill>
-              <a:latin typeface="Century Gothic" panose="020B0502020202020204" pitchFamily="34" charset="0"/>
-            </a:endParaRPr>
-          </a:p>
-        </p:txBody>
-      </p:sp>
-      <p:pic>
-        <p:nvPicPr>
-          <p:cNvPr id="12" name="Объект 11">
-            <a:extLst>
-              <a:ext uri="{FF2B5EF4-FFF2-40B4-BE49-F238E27FC236}">
-                <a16:creationId xmlns:a16="http://schemas.microsoft.com/office/drawing/2014/main" id="{B7C51A1C-8922-4440-B769-CB2C3DEB3983}"/>
-              </a:ext>
-            </a:extLst>
-          </p:cNvPr>
-          <p:cNvPicPr>
-            <a:picLocks noGrp="1" noChangeAspect="1"/>
-          </p:cNvPicPr>
-          <p:nvPr>
-            <p:ph idx="1"/>
-          </p:nvPr>
-        </p:nvPicPr>
-        <p:blipFill>
-          <a:blip r:embed="rId2"/>
-          <a:stretch>
-            <a:fillRect/>
-          </a:stretch>
-        </p:blipFill>
-        <p:spPr>
-          <a:xfrm>
-            <a:off x="2248978" y="1144645"/>
-            <a:ext cx="2196458" cy="3394075"/>
-          </a:xfrm>
-        </p:spPr>
-      </p:pic>
-      <p:sp>
-        <p:nvSpPr>
-          <p:cNvPr id="4" name="Номер слайда 3">
-            <a:extLst>
-              <a:ext uri="{FF2B5EF4-FFF2-40B4-BE49-F238E27FC236}">
-                <a16:creationId xmlns:a16="http://schemas.microsoft.com/office/drawing/2014/main" id="{C8A9DE46-F073-46D7-B376-7501FC0857AE}"/>
-              </a:ext>
-            </a:extLst>
-          </p:cNvPr>
-          <p:cNvSpPr>
-            <a:spLocks noGrp="1"/>
-          </p:cNvSpPr>
-          <p:nvPr>
-            <p:ph type="sldNum" sz="quarter" idx="12"/>
-          </p:nvPr>
-        </p:nvSpPr>
-        <p:spPr/>
-        <p:txBody>
-          <a:bodyPr/>
-          <a:lstStyle/>
-          <a:p>
-            <a:fld id="{B19B0651-EE4F-4900-A07F-96A6BFA9D0F0}" type="slidenum">
-              <a:rPr lang="ru-RU" smtClean="0"/>
-              <a:pPr/>
-              <a:t>5</a:t>
-            </a:fld>
-            <a:endParaRPr lang="ru-RU"/>
-          </a:p>
-        </p:txBody>
-      </p:sp>
-      <p:cxnSp>
-        <p:nvCxnSpPr>
-          <p:cNvPr id="6" name="Прямая соединительная линия 5">
-            <a:extLst>
-              <a:ext uri="{FF2B5EF4-FFF2-40B4-BE49-F238E27FC236}">
-                <a16:creationId xmlns:a16="http://schemas.microsoft.com/office/drawing/2014/main" id="{AA138C88-C0F1-4DB1-B124-2598866FA507}"/>
-              </a:ext>
-            </a:extLst>
-          </p:cNvPr>
-          <p:cNvCxnSpPr>
-            <a:cxnSpLocks/>
-          </p:cNvCxnSpPr>
-          <p:nvPr/>
-        </p:nvCxnSpPr>
-        <p:spPr>
-          <a:xfrm>
-            <a:off x="3059832" y="867700"/>
-            <a:ext cx="5832648" cy="0"/>
-          </a:xfrm>
-          <a:prstGeom prst="line">
-            <a:avLst/>
-          </a:prstGeom>
-          <a:ln w="28575">
-            <a:solidFill>
-              <a:schemeClr val="tx2"/>
-            </a:solidFill>
-          </a:ln>
-        </p:spPr>
-        <p:style>
-          <a:lnRef idx="1">
-            <a:schemeClr val="accent1"/>
-          </a:lnRef>
-          <a:fillRef idx="0">
-            <a:schemeClr val="accent1"/>
-          </a:fillRef>
-          <a:effectRef idx="0">
-            <a:schemeClr val="accent1"/>
-          </a:effectRef>
-          <a:fontRef idx="minor">
-            <a:schemeClr val="tx1"/>
-          </a:fontRef>
-        </p:style>
-      </p:cxnSp>
-      <p:sp>
-        <p:nvSpPr>
-          <p:cNvPr id="8" name="Прямоугольник 7">
-            <a:extLst>
-              <a:ext uri="{FF2B5EF4-FFF2-40B4-BE49-F238E27FC236}">
-                <a16:creationId xmlns:a16="http://schemas.microsoft.com/office/drawing/2014/main" id="{E241D599-E25D-4723-8B9C-C236D5FE6E76}"/>
-              </a:ext>
-            </a:extLst>
-          </p:cNvPr>
-          <p:cNvSpPr/>
-          <p:nvPr/>
-        </p:nvSpPr>
-        <p:spPr>
-          <a:xfrm>
-            <a:off x="3203848" y="48518"/>
-            <a:ext cx="6110664" cy="830997"/>
-          </a:xfrm>
-          <a:prstGeom prst="rect">
-            <a:avLst/>
-          </a:prstGeom>
-        </p:spPr>
-        <p:txBody>
-          <a:bodyPr wrap="square">
-            <a:spAutoFit/>
-          </a:bodyPr>
-          <a:lstStyle/>
-          <a:p>
-            <a:r>
-              <a:rPr lang="ru-RU" sz="2400" b="1" dirty="0">
-                <a:solidFill>
-                  <a:schemeClr val="tx2"/>
-                </a:solidFill>
-                <a:latin typeface="Verdana" panose="020B0604030504040204" pitchFamily="34" charset="0"/>
-                <a:ea typeface="Verdana" panose="020B0604030504040204" pitchFamily="34" charset="0"/>
-              </a:rPr>
-              <a:t>Решение проблемы должной безопасности.</a:t>
-            </a:r>
-          </a:p>
-        </p:txBody>
-      </p:sp>
-      <p:sp>
-        <p:nvSpPr>
-          <p:cNvPr id="13" name="Прямоугольник 12">
-            <a:extLst>
-              <a:ext uri="{FF2B5EF4-FFF2-40B4-BE49-F238E27FC236}">
-                <a16:creationId xmlns:a16="http://schemas.microsoft.com/office/drawing/2014/main" id="{8691D101-8FB8-4148-96C0-FC85128352E9}"/>
-              </a:ext>
-            </a:extLst>
-          </p:cNvPr>
-          <p:cNvSpPr/>
-          <p:nvPr/>
-        </p:nvSpPr>
-        <p:spPr>
-          <a:xfrm>
-            <a:off x="4445436" y="1555179"/>
-            <a:ext cx="4716017" cy="2585323"/>
-          </a:xfrm>
-          <a:prstGeom prst="rect">
-            <a:avLst/>
-          </a:prstGeom>
-        </p:spPr>
-        <p:txBody>
-          <a:bodyPr wrap="square">
-            <a:spAutoFit/>
-          </a:bodyPr>
-          <a:lstStyle/>
-          <a:p>
-            <a:r>
-              <a:rPr lang="ru-RU" sz="1800" dirty="0">
-                <a:solidFill>
-                  <a:schemeClr val="tx2"/>
-                </a:solidFill>
-                <a:latin typeface="Verdana" panose="020B0604030504040204" pitchFamily="34" charset="0"/>
-                <a:ea typeface="Verdana" panose="020B0604030504040204" pitchFamily="34" charset="0"/>
-              </a:rPr>
-              <a:t>  Основные принципы:</a:t>
-            </a:r>
-          </a:p>
-          <a:p>
-            <a:pPr marL="285750" indent="-285750">
-              <a:buFont typeface="Wingdings" panose="05000000000000000000" pitchFamily="2" charset="2"/>
-              <a:buChar char="§"/>
-            </a:pPr>
-            <a:r>
-              <a:rPr lang="ru-RU" sz="1800" dirty="0">
-                <a:solidFill>
-                  <a:schemeClr val="tx2"/>
-                </a:solidFill>
-                <a:latin typeface="Verdana" panose="020B0604030504040204" pitchFamily="34" charset="0"/>
-                <a:ea typeface="Verdana" panose="020B0604030504040204" pitchFamily="34" charset="0"/>
-              </a:rPr>
-              <a:t>Безопасность, заложенная в архитектуру</a:t>
-            </a:r>
-          </a:p>
-          <a:p>
-            <a:pPr marL="285750" indent="-285750">
-              <a:buFont typeface="Wingdings" panose="05000000000000000000" pitchFamily="2" charset="2"/>
-              <a:buChar char="§"/>
-            </a:pPr>
-            <a:r>
-              <a:rPr lang="ru-RU" sz="1800" dirty="0">
-                <a:solidFill>
-                  <a:schemeClr val="tx2"/>
-                </a:solidFill>
-                <a:latin typeface="Verdana" panose="020B0604030504040204" pitchFamily="34" charset="0"/>
-                <a:ea typeface="Verdana" panose="020B0604030504040204" pitchFamily="34" charset="0"/>
-              </a:rPr>
-              <a:t>Использование </a:t>
-            </a:r>
-            <a:r>
-              <a:rPr lang="en-US" sz="1800" dirty="0">
-                <a:solidFill>
-                  <a:schemeClr val="tx2"/>
-                </a:solidFill>
-                <a:latin typeface="Verdana" panose="020B0604030504040204" pitchFamily="34" charset="0"/>
-                <a:ea typeface="Verdana" panose="020B0604030504040204" pitchFamily="34" charset="0"/>
-              </a:rPr>
-              <a:t>MILS </a:t>
-            </a:r>
-            <a:r>
-              <a:rPr lang="ru-RU" sz="1800" dirty="0">
-                <a:solidFill>
-                  <a:schemeClr val="tx2"/>
-                </a:solidFill>
-                <a:latin typeface="Verdana" panose="020B0604030504040204" pitchFamily="34" charset="0"/>
-                <a:ea typeface="Verdana" panose="020B0604030504040204" pitchFamily="34" charset="0"/>
-              </a:rPr>
-              <a:t>подхода с мониторингом сообщений</a:t>
-            </a:r>
-          </a:p>
-          <a:p>
-            <a:pPr marL="285750" indent="-285750">
-              <a:buFont typeface="Wingdings" panose="05000000000000000000" pitchFamily="2" charset="2"/>
-              <a:buChar char="§"/>
-            </a:pPr>
-            <a:r>
-              <a:rPr lang="ru-RU" sz="1800" dirty="0">
-                <a:solidFill>
-                  <a:schemeClr val="tx2"/>
-                </a:solidFill>
-                <a:latin typeface="Verdana" panose="020B0604030504040204" pitchFamily="34" charset="0"/>
-                <a:ea typeface="Verdana" panose="020B0604030504040204" pitchFamily="34" charset="0"/>
-              </a:rPr>
-              <a:t>Микроядро </a:t>
-            </a:r>
-          </a:p>
-          <a:p>
-            <a:pPr marL="285750" indent="-285750">
-              <a:buFont typeface="Wingdings" panose="05000000000000000000" pitchFamily="2" charset="2"/>
-              <a:buChar char="§"/>
-            </a:pPr>
-            <a:r>
-              <a:rPr lang="ru-RU" sz="1800" dirty="0">
-                <a:solidFill>
-                  <a:schemeClr val="tx2"/>
-                </a:solidFill>
-                <a:latin typeface="Verdana" panose="020B0604030504040204" pitchFamily="34" charset="0"/>
-                <a:ea typeface="Verdana" panose="020B0604030504040204" pitchFamily="34" charset="0"/>
-              </a:rPr>
-              <a:t>Специальные требования к ОС для встраиваемых систем</a:t>
-            </a:r>
-          </a:p>
-          <a:p>
-            <a:pPr marL="285750" indent="-285750">
-              <a:buFont typeface="Wingdings" panose="05000000000000000000" pitchFamily="2" charset="2"/>
-              <a:buChar char="§"/>
-            </a:pPr>
-            <a:r>
-              <a:rPr lang="en-US" sz="1800" dirty="0">
-                <a:solidFill>
-                  <a:schemeClr val="tx2"/>
-                </a:solidFill>
-                <a:latin typeface="Verdana" panose="020B0604030504040204" pitchFamily="34" charset="0"/>
-                <a:ea typeface="Verdana" panose="020B0604030504040204" pitchFamily="34" charset="0"/>
-              </a:rPr>
-              <a:t>FLASK </a:t>
-            </a:r>
-            <a:r>
-              <a:rPr lang="ru-RU" sz="1800" dirty="0">
-                <a:solidFill>
-                  <a:schemeClr val="tx2"/>
-                </a:solidFill>
-                <a:latin typeface="Verdana" panose="020B0604030504040204" pitchFamily="34" charset="0"/>
-                <a:ea typeface="Verdana" panose="020B0604030504040204" pitchFamily="34" charset="0"/>
-              </a:rPr>
-              <a:t>архитектура</a:t>
-            </a:r>
-          </a:p>
-        </p:txBody>
-      </p:sp>
-      <p:grpSp>
-        <p:nvGrpSpPr>
-          <p:cNvPr id="14" name="Группа 13">
-            <a:extLst>
-              <a:ext uri="{FF2B5EF4-FFF2-40B4-BE49-F238E27FC236}">
-                <a16:creationId xmlns:a16="http://schemas.microsoft.com/office/drawing/2014/main" id="{04A2D0FC-A086-451D-8E3C-C36D94520331}"/>
-              </a:ext>
-            </a:extLst>
-          </p:cNvPr>
-          <p:cNvGrpSpPr/>
-          <p:nvPr/>
-        </p:nvGrpSpPr>
-        <p:grpSpPr>
-          <a:xfrm>
-            <a:off x="132856" y="975368"/>
-            <a:ext cx="2799177" cy="2118472"/>
-            <a:chOff x="174072" y="159772"/>
-            <a:chExt cx="2799177" cy="2118472"/>
-          </a:xfrm>
-        </p:grpSpPr>
-        <p:sp>
-          <p:nvSpPr>
-            <p:cNvPr id="15" name="Прямоугольник 14">
-              <a:extLst>
-                <a:ext uri="{FF2B5EF4-FFF2-40B4-BE49-F238E27FC236}">
-                  <a16:creationId xmlns:a16="http://schemas.microsoft.com/office/drawing/2014/main" id="{CCAB0E93-B482-4511-9C92-D58B5CA1B476}"/>
-                </a:ext>
-              </a:extLst>
-            </p:cNvPr>
-            <p:cNvSpPr/>
-            <p:nvPr/>
-          </p:nvSpPr>
-          <p:spPr>
-            <a:xfrm>
-              <a:off x="182776" y="176182"/>
-              <a:ext cx="307777" cy="307777"/>
-            </a:xfrm>
-            <a:prstGeom prst="rect">
-              <a:avLst/>
-            </a:prstGeom>
-            <a:solidFill>
-              <a:schemeClr val="bg1">
-                <a:lumMod val="95000"/>
-              </a:schemeClr>
-            </a:solidFill>
-            <a:ln>
-              <a:noFill/>
-            </a:ln>
-          </p:spPr>
-          <p:style>
-            <a:lnRef idx="2">
-              <a:schemeClr val="accent1">
-                <a:shade val="50000"/>
-              </a:schemeClr>
-            </a:lnRef>
-            <a:fillRef idx="1">
-              <a:schemeClr val="accent1"/>
-            </a:fillRef>
-            <a:effectRef idx="0">
-              <a:schemeClr val="accent1"/>
-            </a:effectRef>
-            <a:fontRef idx="minor">
-              <a:schemeClr val="lt1"/>
-            </a:fontRef>
-          </p:style>
-          <p:txBody>
-            <a:bodyPr rtlCol="0" anchor="ctr"/>
-            <a:lstStyle/>
-            <a:p>
-              <a:pPr algn="ctr"/>
-              <a:endParaRPr lang="ru-RU" dirty="0"/>
-            </a:p>
-          </p:txBody>
-        </p:sp>
-        <p:sp>
-          <p:nvSpPr>
-            <p:cNvPr id="16" name="Прямоугольник 15">
-              <a:extLst>
-                <a:ext uri="{FF2B5EF4-FFF2-40B4-BE49-F238E27FC236}">
-                  <a16:creationId xmlns:a16="http://schemas.microsoft.com/office/drawing/2014/main" id="{9A6819D6-8981-437E-9451-D33DC6AE2CFF}"/>
-                </a:ext>
-              </a:extLst>
-            </p:cNvPr>
-            <p:cNvSpPr/>
-            <p:nvPr/>
-          </p:nvSpPr>
-          <p:spPr>
-            <a:xfrm>
-              <a:off x="174072" y="1970467"/>
-              <a:ext cx="307777" cy="307777"/>
-            </a:xfrm>
-            <a:prstGeom prst="rect">
-              <a:avLst/>
-            </a:prstGeom>
-            <a:solidFill>
-              <a:schemeClr val="bg1">
-                <a:lumMod val="95000"/>
-              </a:schemeClr>
-            </a:solidFill>
-            <a:ln>
-              <a:noFill/>
-            </a:ln>
-          </p:spPr>
-          <p:style>
-            <a:lnRef idx="2">
-              <a:schemeClr val="accent1">
-                <a:shade val="50000"/>
-              </a:schemeClr>
-            </a:lnRef>
-            <a:fillRef idx="1">
-              <a:schemeClr val="accent1"/>
-            </a:fillRef>
-            <a:effectRef idx="0">
-              <a:schemeClr val="accent1"/>
-            </a:effectRef>
-            <a:fontRef idx="minor">
-              <a:schemeClr val="lt1"/>
-            </a:fontRef>
-          </p:style>
-          <p:txBody>
-            <a:bodyPr rtlCol="0" anchor="ctr"/>
-            <a:lstStyle/>
-            <a:p>
-              <a:pPr algn="ctr"/>
-              <a:endParaRPr lang="ru-RU"/>
-            </a:p>
-          </p:txBody>
-        </p:sp>
-        <p:sp>
-          <p:nvSpPr>
-            <p:cNvPr id="17" name="Прямоугольник 16">
-              <a:extLst>
-                <a:ext uri="{FF2B5EF4-FFF2-40B4-BE49-F238E27FC236}">
-                  <a16:creationId xmlns:a16="http://schemas.microsoft.com/office/drawing/2014/main" id="{2A9176D3-840D-47CC-BE16-23C1B0AB344E}"/>
-                </a:ext>
-              </a:extLst>
-            </p:cNvPr>
-            <p:cNvSpPr/>
-            <p:nvPr/>
-          </p:nvSpPr>
-          <p:spPr>
-            <a:xfrm>
-              <a:off x="174073" y="1053890"/>
-              <a:ext cx="307777" cy="307777"/>
-            </a:xfrm>
-            <a:prstGeom prst="rect">
-              <a:avLst/>
-            </a:prstGeom>
-            <a:solidFill>
-              <a:schemeClr val="bg1">
-                <a:lumMod val="95000"/>
-              </a:schemeClr>
-            </a:solidFill>
-            <a:ln>
-              <a:noFill/>
-            </a:ln>
-          </p:spPr>
-          <p:style>
-            <a:lnRef idx="2">
-              <a:schemeClr val="accent1">
-                <a:shade val="50000"/>
-              </a:schemeClr>
-            </a:lnRef>
-            <a:fillRef idx="1">
-              <a:schemeClr val="accent1"/>
-            </a:fillRef>
-            <a:effectRef idx="0">
-              <a:schemeClr val="accent1"/>
-            </a:effectRef>
-            <a:fontRef idx="minor">
-              <a:schemeClr val="lt1"/>
-            </a:fontRef>
-          </p:style>
-          <p:txBody>
-            <a:bodyPr rtlCol="0" anchor="ctr"/>
-            <a:lstStyle/>
-            <a:p>
-              <a:pPr algn="ctr"/>
-              <a:endParaRPr lang="ru-RU">
-                <a:solidFill>
-                  <a:srgbClr val="7F7F7F"/>
-                </a:solidFill>
-              </a:endParaRPr>
-            </a:p>
-          </p:txBody>
-        </p:sp>
-        <p:sp>
-          <p:nvSpPr>
-            <p:cNvPr id="18" name="TextBox 17">
-              <a:extLst>
-                <a:ext uri="{FF2B5EF4-FFF2-40B4-BE49-F238E27FC236}">
-                  <a16:creationId xmlns:a16="http://schemas.microsoft.com/office/drawing/2014/main" id="{E8D75791-002E-49CB-AF45-B5DEFED0FE93}"/>
-                </a:ext>
-              </a:extLst>
-            </p:cNvPr>
-            <p:cNvSpPr txBox="1"/>
-            <p:nvPr/>
-          </p:nvSpPr>
-          <p:spPr>
-            <a:xfrm>
-              <a:off x="557459" y="159772"/>
-              <a:ext cx="2415790" cy="338554"/>
-            </a:xfrm>
-            <a:prstGeom prst="rect">
-              <a:avLst/>
-            </a:prstGeom>
-            <a:noFill/>
-          </p:spPr>
-          <p:txBody>
-            <a:bodyPr wrap="square">
-              <a:spAutoFit/>
-            </a:bodyPr>
-            <a:lstStyle/>
-            <a:p>
-              <a:r>
-                <a:rPr lang="en-US" sz="1600" b="1" dirty="0">
-                  <a:solidFill>
-                    <a:schemeClr val="bg1">
-                      <a:lumMod val="95000"/>
-                    </a:schemeClr>
-                  </a:solidFill>
-                  <a:latin typeface="Verdana" panose="020B0604030504040204" pitchFamily="34" charset="0"/>
-                  <a:ea typeface="Verdana" panose="020B0604030504040204" pitchFamily="34" charset="0"/>
-                </a:rPr>
-                <a:t>KSS</a:t>
-              </a:r>
-              <a:endParaRPr lang="x-none" sz="1600" b="1" dirty="0">
-                <a:solidFill>
-                  <a:schemeClr val="bg1">
-                    <a:lumMod val="95000"/>
-                  </a:schemeClr>
-                </a:solidFill>
-                <a:latin typeface="Verdana" panose="020B0604030504040204" pitchFamily="34" charset="0"/>
-                <a:ea typeface="Verdana" panose="020B0604030504040204" pitchFamily="34" charset="0"/>
-              </a:endParaRPr>
-            </a:p>
-          </p:txBody>
-        </p:sp>
-        <p:sp>
-          <p:nvSpPr>
-            <p:cNvPr id="19" name="Прямоугольник 18">
-              <a:extLst>
-                <a:ext uri="{FF2B5EF4-FFF2-40B4-BE49-F238E27FC236}">
-                  <a16:creationId xmlns:a16="http://schemas.microsoft.com/office/drawing/2014/main" id="{6E6ADD29-EE78-4E35-B4D4-DB39F977BC25}"/>
-                </a:ext>
-              </a:extLst>
-            </p:cNvPr>
-            <p:cNvSpPr/>
-            <p:nvPr/>
-          </p:nvSpPr>
-          <p:spPr>
-            <a:xfrm>
-              <a:off x="506712" y="915390"/>
-              <a:ext cx="1453466" cy="584775"/>
-            </a:xfrm>
-            <a:prstGeom prst="rect">
-              <a:avLst/>
-            </a:prstGeom>
-          </p:spPr>
-          <p:txBody>
-            <a:bodyPr wrap="square">
-              <a:spAutoFit/>
-            </a:bodyPr>
-            <a:lstStyle/>
-            <a:p>
-              <a:r>
-                <a:rPr lang="ru-RU" sz="1600" b="1" dirty="0">
-                  <a:solidFill>
-                    <a:schemeClr val="bg1">
-                      <a:lumMod val="95000"/>
-                    </a:schemeClr>
-                  </a:solidFill>
-                  <a:latin typeface="Verdana" panose="020B0604030504040204" pitchFamily="34" charset="0"/>
-                  <a:ea typeface="Verdana" panose="020B0604030504040204" pitchFamily="34" charset="0"/>
-                </a:rPr>
-                <a:t>Разбиение доменов</a:t>
-              </a:r>
-            </a:p>
-          </p:txBody>
-        </p:sp>
-      </p:grpSp>
-      <p:sp>
-        <p:nvSpPr>
-          <p:cNvPr id="20" name="Прямоугольник 19">
-            <a:extLst>
-              <a:ext uri="{FF2B5EF4-FFF2-40B4-BE49-F238E27FC236}">
-                <a16:creationId xmlns:a16="http://schemas.microsoft.com/office/drawing/2014/main" id="{F3DCC88F-61A0-4738-AD2D-3A7ECCAA1F42}"/>
-              </a:ext>
-            </a:extLst>
-          </p:cNvPr>
-          <p:cNvSpPr/>
-          <p:nvPr/>
-        </p:nvSpPr>
-        <p:spPr>
-          <a:xfrm>
-            <a:off x="487296" y="2506299"/>
-            <a:ext cx="1453466" cy="1077218"/>
-          </a:xfrm>
-          <a:prstGeom prst="rect">
-            <a:avLst/>
-          </a:prstGeom>
-        </p:spPr>
-        <p:txBody>
-          <a:bodyPr wrap="square">
-            <a:spAutoFit/>
-          </a:bodyPr>
-          <a:lstStyle/>
-          <a:p>
-            <a:r>
-              <a:rPr lang="ru-RU" sz="1600" b="1" dirty="0">
-                <a:solidFill>
-                  <a:schemeClr val="bg1">
-                    <a:lumMod val="95000"/>
-                  </a:schemeClr>
-                </a:solidFill>
-                <a:latin typeface="Verdana" panose="020B0604030504040204" pitchFamily="34" charset="0"/>
-                <a:ea typeface="Verdana" panose="020B0604030504040204" pitchFamily="34" charset="0"/>
-              </a:rPr>
-              <a:t>Контроль связи между доменами</a:t>
-            </a:r>
-          </a:p>
-        </p:txBody>
-      </p:sp>
-    </p:spTree>
-    <p:extLst>
-      <p:ext uri="{BB962C8B-B14F-4D97-AF65-F5344CB8AC3E}">
-        <p14:creationId xmlns:p14="http://schemas.microsoft.com/office/powerpoint/2010/main" val="518276665"/>
-      </p:ext>
-    </p:extLst>
-  </p:cSld>
-  <p:clrMapOvr>
-    <a:masterClrMapping/>
-  </p:clrMapOvr>
-</p:sld>
-</file>
-
-<file path=ppt/slides/slide6.xml><?xml version="1.0" encoding="utf-8"?>
-<p:sld xmlns:a="http://schemas.openxmlformats.org/drawingml/2006/main" xmlns:r="http://schemas.openxmlformats.org/officeDocument/2006/relationships" xmlns:p="http://schemas.openxmlformats.org/presentationml/2006/main">
-  <p:cSld>
-    <p:spTree>
-      <p:nvGrpSpPr>
-        <p:cNvPr id="1" name=""/>
-        <p:cNvGrpSpPr/>
-        <p:nvPr/>
-      </p:nvGrpSpPr>
-      <p:grpSpPr>
-        <a:xfrm>
-          <a:off x="0" y="0"/>
-          <a:ext cx="0" cy="0"/>
-          <a:chOff x="0" y="0"/>
-          <a:chExt cx="0" cy="0"/>
-        </a:xfrm>
-      </p:grpSpPr>
-      <p:sp>
-        <p:nvSpPr>
-          <p:cNvPr id="5" name="Прямоугольник 4">
-            <a:extLst>
-              <a:ext uri="{FF2B5EF4-FFF2-40B4-BE49-F238E27FC236}">
-                <a16:creationId xmlns:a16="http://schemas.microsoft.com/office/drawing/2014/main" id="{9AFCAE31-D1BC-4583-B918-0C0A3F9AE180}"/>
-              </a:ext>
-            </a:extLst>
-          </p:cNvPr>
-          <p:cNvSpPr/>
-          <p:nvPr/>
-        </p:nvSpPr>
-        <p:spPr bwMode="auto">
-          <a:xfrm>
-            <a:off x="0" y="0"/>
-            <a:ext cx="2160000" cy="5143500"/>
-          </a:xfrm>
-          <a:prstGeom prst="rect">
-            <a:avLst/>
-          </a:prstGeom>
-          <a:solidFill>
-            <a:srgbClr val="004868"/>
-          </a:solidFill>
-          <a:ln w="9525" cap="flat" cmpd="sng" algn="ctr">
-            <a:noFill/>
-            <a:prstDash val="solid"/>
-            <a:round/>
-            <a:headEnd type="none" w="med" len="med"/>
-            <a:tailEnd type="none" w="med" len="med"/>
-          </a:ln>
-          <a:effectLst/>
-        </p:spPr>
-        <p:txBody>
-          <a:bodyPr vert="horz" wrap="square" lIns="77925" tIns="38963" rIns="77925" bIns="38963" numCol="1" rtlCol="0" anchor="ctr" anchorCtr="0" compatLnSpc="1">
-            <a:prstTxWarp prst="textNoShape">
-              <a:avLst/>
-            </a:prstTxWarp>
-          </a:bodyPr>
-          <a:lstStyle/>
-          <a:p>
-            <a:pPr>
-              <a:lnSpc>
-                <a:spcPct val="93000"/>
-              </a:lnSpc>
-              <a:buClr>
-                <a:srgbClr val="000000"/>
-              </a:buClr>
-              <a:buSzPct val="100000"/>
-            </a:pPr>
-            <a:endParaRPr lang="ru-RU" sz="2000" b="1" dirty="0">
-              <a:solidFill>
-                <a:schemeClr val="bg1"/>
-              </a:solidFill>
-              <a:latin typeface="Century Gothic" panose="020B0502020202020204" pitchFamily="34" charset="0"/>
-            </a:endParaRPr>
-          </a:p>
-        </p:txBody>
-      </p:sp>
-      <p:sp>
-        <p:nvSpPr>
-          <p:cNvPr id="4" name="Номер слайда 3">
-            <a:extLst>
-              <a:ext uri="{FF2B5EF4-FFF2-40B4-BE49-F238E27FC236}">
-                <a16:creationId xmlns:a16="http://schemas.microsoft.com/office/drawing/2014/main" id="{C98BEFE6-69FF-4049-89C1-7916AE2A114E}"/>
-              </a:ext>
-            </a:extLst>
-          </p:cNvPr>
-          <p:cNvSpPr>
-            <a:spLocks noGrp="1"/>
-          </p:cNvSpPr>
-          <p:nvPr>
-            <p:ph type="sldNum" sz="quarter" idx="12"/>
-          </p:nvPr>
-        </p:nvSpPr>
-        <p:spPr/>
-        <p:txBody>
-          <a:bodyPr/>
-          <a:lstStyle/>
-          <a:p>
-            <a:fld id="{B19B0651-EE4F-4900-A07F-96A6BFA9D0F0}" type="slidenum">
-              <a:rPr lang="ru-RU" smtClean="0"/>
-              <a:pPr/>
-              <a:t>6</a:t>
-            </a:fld>
-            <a:endParaRPr lang="ru-RU"/>
-          </a:p>
-        </p:txBody>
-      </p:sp>
-      <p:cxnSp>
-        <p:nvCxnSpPr>
-          <p:cNvPr id="6" name="Прямая соединительная линия 5">
-            <a:extLst>
-              <a:ext uri="{FF2B5EF4-FFF2-40B4-BE49-F238E27FC236}">
-                <a16:creationId xmlns:a16="http://schemas.microsoft.com/office/drawing/2014/main" id="{3F902E7C-AAA0-429F-B6F6-7615180BD203}"/>
-              </a:ext>
-            </a:extLst>
-          </p:cNvPr>
-          <p:cNvCxnSpPr>
-            <a:cxnSpLocks/>
-          </p:cNvCxnSpPr>
-          <p:nvPr/>
-        </p:nvCxnSpPr>
-        <p:spPr>
-          <a:xfrm>
-            <a:off x="3059832" y="867700"/>
-            <a:ext cx="5832648" cy="0"/>
-          </a:xfrm>
-          <a:prstGeom prst="line">
-            <a:avLst/>
-          </a:prstGeom>
-          <a:ln w="28575">
-            <a:solidFill>
-              <a:schemeClr val="tx2"/>
-            </a:solidFill>
-          </a:ln>
-        </p:spPr>
-        <p:style>
-          <a:lnRef idx="1">
-            <a:schemeClr val="accent1"/>
-          </a:lnRef>
-          <a:fillRef idx="0">
-            <a:schemeClr val="accent1"/>
-          </a:fillRef>
-          <a:effectRef idx="0">
-            <a:schemeClr val="accent1"/>
-          </a:effectRef>
-          <a:fontRef idx="minor">
-            <a:schemeClr val="tx1"/>
-          </a:fontRef>
-        </p:style>
-      </p:cxnSp>
-      <p:sp>
-        <p:nvSpPr>
-          <p:cNvPr id="7" name="Прямоугольник 6">
-            <a:extLst>
-              <a:ext uri="{FF2B5EF4-FFF2-40B4-BE49-F238E27FC236}">
-                <a16:creationId xmlns:a16="http://schemas.microsoft.com/office/drawing/2014/main" id="{9AF6EA6E-076E-4997-8F24-C68914D3EF84}"/>
-              </a:ext>
-            </a:extLst>
-          </p:cNvPr>
-          <p:cNvSpPr/>
-          <p:nvPr/>
-        </p:nvSpPr>
-        <p:spPr>
-          <a:xfrm>
-            <a:off x="3203848" y="48518"/>
-            <a:ext cx="6110664" cy="830997"/>
-          </a:xfrm>
-          <a:prstGeom prst="rect">
-            <a:avLst/>
-          </a:prstGeom>
-        </p:spPr>
-        <p:txBody>
-          <a:bodyPr wrap="square">
-            <a:spAutoFit/>
-          </a:bodyPr>
-          <a:lstStyle/>
-          <a:p>
-            <a:r>
-              <a:rPr lang="ru-RU" sz="2400" b="1" dirty="0">
-                <a:solidFill>
-                  <a:schemeClr val="tx2"/>
-                </a:solidFill>
-                <a:latin typeface="Verdana" panose="020B0604030504040204" pitchFamily="34" charset="0"/>
-                <a:ea typeface="Verdana" panose="020B0604030504040204" pitchFamily="34" charset="0"/>
-              </a:rPr>
-              <a:t>Решение проблемы должной безопасности.</a:t>
-            </a:r>
-          </a:p>
-        </p:txBody>
-      </p:sp>
-      <p:pic>
-        <p:nvPicPr>
-          <p:cNvPr id="9" name="Рисунок 8">
-            <a:extLst>
-              <a:ext uri="{FF2B5EF4-FFF2-40B4-BE49-F238E27FC236}">
-                <a16:creationId xmlns:a16="http://schemas.microsoft.com/office/drawing/2014/main" id="{6B4716F1-9053-4477-81C9-8BB5CBAE05C9}"/>
-              </a:ext>
-            </a:extLst>
-          </p:cNvPr>
-          <p:cNvPicPr>
-            <a:picLocks noChangeAspect="1"/>
-          </p:cNvPicPr>
-          <p:nvPr/>
-        </p:nvPicPr>
-        <p:blipFill>
-          <a:blip r:embed="rId2" cstate="print">
-            <a:extLst>
-              <a:ext uri="{28A0092B-C50C-407E-A947-70E740481C1C}">
-                <a14:useLocalDpi xmlns:a14="http://schemas.microsoft.com/office/drawing/2010/main" val="0"/>
-              </a:ext>
-            </a:extLst>
-          </a:blip>
-          <a:stretch>
-            <a:fillRect/>
-          </a:stretch>
-        </p:blipFill>
-        <p:spPr>
-          <a:xfrm>
-            <a:off x="3942867" y="967629"/>
-            <a:ext cx="4066578" cy="4170925"/>
-          </a:xfrm>
-          <a:prstGeom prst="rect">
-            <a:avLst/>
-          </a:prstGeom>
-        </p:spPr>
-      </p:pic>
-      <p:grpSp>
-        <p:nvGrpSpPr>
-          <p:cNvPr id="10" name="Группа 9">
-            <a:extLst>
-              <a:ext uri="{FF2B5EF4-FFF2-40B4-BE49-F238E27FC236}">
-                <a16:creationId xmlns:a16="http://schemas.microsoft.com/office/drawing/2014/main" id="{EC6609CD-1A2F-4E7E-9467-F5A9812A246D}"/>
-              </a:ext>
-            </a:extLst>
-          </p:cNvPr>
-          <p:cNvGrpSpPr/>
-          <p:nvPr/>
-        </p:nvGrpSpPr>
-        <p:grpSpPr>
-          <a:xfrm>
-            <a:off x="132856" y="975368"/>
-            <a:ext cx="2799177" cy="2118472"/>
-            <a:chOff x="174072" y="159772"/>
-            <a:chExt cx="2799177" cy="2118472"/>
-          </a:xfrm>
-        </p:grpSpPr>
-        <p:sp>
-          <p:nvSpPr>
-            <p:cNvPr id="11" name="Прямоугольник 10">
-              <a:extLst>
-                <a:ext uri="{FF2B5EF4-FFF2-40B4-BE49-F238E27FC236}">
-                  <a16:creationId xmlns:a16="http://schemas.microsoft.com/office/drawing/2014/main" id="{B26E4765-A194-4478-90D3-015321F61775}"/>
-                </a:ext>
-              </a:extLst>
-            </p:cNvPr>
-            <p:cNvSpPr/>
-            <p:nvPr/>
-          </p:nvSpPr>
-          <p:spPr>
-            <a:xfrm>
-              <a:off x="182776" y="176182"/>
-              <a:ext cx="307777" cy="307777"/>
-            </a:xfrm>
-            <a:prstGeom prst="rect">
-              <a:avLst/>
-            </a:prstGeom>
-            <a:solidFill>
-              <a:schemeClr val="bg1">
-                <a:lumMod val="95000"/>
-              </a:schemeClr>
-            </a:solidFill>
-            <a:ln>
-              <a:noFill/>
-            </a:ln>
-          </p:spPr>
-          <p:style>
-            <a:lnRef idx="2">
-              <a:schemeClr val="accent1">
-                <a:shade val="50000"/>
-              </a:schemeClr>
-            </a:lnRef>
-            <a:fillRef idx="1">
-              <a:schemeClr val="accent1"/>
-            </a:fillRef>
-            <a:effectRef idx="0">
-              <a:schemeClr val="accent1"/>
-            </a:effectRef>
-            <a:fontRef idx="minor">
-              <a:schemeClr val="lt1"/>
-            </a:fontRef>
-          </p:style>
-          <p:txBody>
-            <a:bodyPr rtlCol="0" anchor="ctr"/>
-            <a:lstStyle/>
-            <a:p>
-              <a:pPr algn="ctr"/>
-              <a:endParaRPr lang="ru-RU" dirty="0"/>
-            </a:p>
-          </p:txBody>
-        </p:sp>
-        <p:sp>
-          <p:nvSpPr>
-            <p:cNvPr id="12" name="Прямоугольник 11">
-              <a:extLst>
-                <a:ext uri="{FF2B5EF4-FFF2-40B4-BE49-F238E27FC236}">
-                  <a16:creationId xmlns:a16="http://schemas.microsoft.com/office/drawing/2014/main" id="{6C4FFE17-C018-480D-8DE0-C1CD58057518}"/>
-                </a:ext>
-              </a:extLst>
-            </p:cNvPr>
-            <p:cNvSpPr/>
-            <p:nvPr/>
-          </p:nvSpPr>
-          <p:spPr>
-            <a:xfrm>
-              <a:off x="174072" y="1970467"/>
-              <a:ext cx="307777" cy="307777"/>
-            </a:xfrm>
-            <a:prstGeom prst="rect">
-              <a:avLst/>
-            </a:prstGeom>
-            <a:solidFill>
-              <a:schemeClr val="bg1">
-                <a:lumMod val="95000"/>
-              </a:schemeClr>
-            </a:solidFill>
-            <a:ln>
-              <a:noFill/>
-            </a:ln>
-          </p:spPr>
-          <p:style>
-            <a:lnRef idx="2">
-              <a:schemeClr val="accent1">
-                <a:shade val="50000"/>
-              </a:schemeClr>
-            </a:lnRef>
-            <a:fillRef idx="1">
-              <a:schemeClr val="accent1"/>
-            </a:fillRef>
-            <a:effectRef idx="0">
-              <a:schemeClr val="accent1"/>
-            </a:effectRef>
-            <a:fontRef idx="minor">
-              <a:schemeClr val="lt1"/>
-            </a:fontRef>
-          </p:style>
-          <p:txBody>
-            <a:bodyPr rtlCol="0" anchor="ctr"/>
-            <a:lstStyle/>
-            <a:p>
-              <a:pPr algn="ctr"/>
-              <a:endParaRPr lang="ru-RU"/>
-            </a:p>
-          </p:txBody>
-        </p:sp>
-        <p:sp>
-          <p:nvSpPr>
-            <p:cNvPr id="13" name="Прямоугольник 12">
-              <a:extLst>
-                <a:ext uri="{FF2B5EF4-FFF2-40B4-BE49-F238E27FC236}">
-                  <a16:creationId xmlns:a16="http://schemas.microsoft.com/office/drawing/2014/main" id="{B0371517-DADC-4F57-8971-02F6D9217008}"/>
-                </a:ext>
-              </a:extLst>
-            </p:cNvPr>
-            <p:cNvSpPr/>
-            <p:nvPr/>
-          </p:nvSpPr>
-          <p:spPr>
-            <a:xfrm>
-              <a:off x="174073" y="1053890"/>
-              <a:ext cx="307777" cy="307777"/>
-            </a:xfrm>
-            <a:prstGeom prst="rect">
-              <a:avLst/>
-            </a:prstGeom>
-            <a:solidFill>
-              <a:schemeClr val="bg1">
-                <a:lumMod val="95000"/>
-              </a:schemeClr>
-            </a:solidFill>
-            <a:ln>
-              <a:noFill/>
-            </a:ln>
-          </p:spPr>
-          <p:style>
-            <a:lnRef idx="2">
-              <a:schemeClr val="accent1">
-                <a:shade val="50000"/>
-              </a:schemeClr>
-            </a:lnRef>
-            <a:fillRef idx="1">
-              <a:schemeClr val="accent1"/>
-            </a:fillRef>
-            <a:effectRef idx="0">
-              <a:schemeClr val="accent1"/>
-            </a:effectRef>
-            <a:fontRef idx="minor">
-              <a:schemeClr val="lt1"/>
-            </a:fontRef>
-          </p:style>
-          <p:txBody>
-            <a:bodyPr rtlCol="0" anchor="ctr"/>
-            <a:lstStyle/>
-            <a:p>
-              <a:pPr algn="ctr"/>
-              <a:endParaRPr lang="ru-RU">
-                <a:solidFill>
-                  <a:srgbClr val="7F7F7F"/>
-                </a:solidFill>
-              </a:endParaRPr>
-            </a:p>
-          </p:txBody>
-        </p:sp>
-        <p:sp>
-          <p:nvSpPr>
-            <p:cNvPr id="14" name="TextBox 13">
-              <a:extLst>
-                <a:ext uri="{FF2B5EF4-FFF2-40B4-BE49-F238E27FC236}">
-                  <a16:creationId xmlns:a16="http://schemas.microsoft.com/office/drawing/2014/main" id="{AB39F4F3-B890-40C9-8229-758B47172F05}"/>
-                </a:ext>
-              </a:extLst>
-            </p:cNvPr>
-            <p:cNvSpPr txBox="1"/>
-            <p:nvPr/>
-          </p:nvSpPr>
-          <p:spPr>
-            <a:xfrm>
-              <a:off x="557459" y="159772"/>
-              <a:ext cx="2415790" cy="338554"/>
-            </a:xfrm>
-            <a:prstGeom prst="rect">
-              <a:avLst/>
-            </a:prstGeom>
-            <a:noFill/>
-          </p:spPr>
-          <p:txBody>
-            <a:bodyPr wrap="square">
-              <a:spAutoFit/>
-            </a:bodyPr>
-            <a:lstStyle/>
-            <a:p>
-              <a:r>
-                <a:rPr lang="en-US" sz="1600" b="1" dirty="0">
-                  <a:solidFill>
-                    <a:schemeClr val="bg1">
-                      <a:lumMod val="95000"/>
-                    </a:schemeClr>
-                  </a:solidFill>
-                  <a:latin typeface="Verdana" panose="020B0604030504040204" pitchFamily="34" charset="0"/>
-                  <a:ea typeface="Verdana" panose="020B0604030504040204" pitchFamily="34" charset="0"/>
-                </a:rPr>
-                <a:t>KSS</a:t>
-              </a:r>
-              <a:endParaRPr lang="x-none" sz="1600" b="1" dirty="0">
-                <a:solidFill>
-                  <a:schemeClr val="bg1">
-                    <a:lumMod val="95000"/>
-                  </a:schemeClr>
-                </a:solidFill>
-                <a:latin typeface="Verdana" panose="020B0604030504040204" pitchFamily="34" charset="0"/>
-                <a:ea typeface="Verdana" panose="020B0604030504040204" pitchFamily="34" charset="0"/>
-              </a:endParaRPr>
-            </a:p>
-          </p:txBody>
-        </p:sp>
-        <p:sp>
-          <p:nvSpPr>
-            <p:cNvPr id="15" name="Прямоугольник 14">
-              <a:extLst>
-                <a:ext uri="{FF2B5EF4-FFF2-40B4-BE49-F238E27FC236}">
-                  <a16:creationId xmlns:a16="http://schemas.microsoft.com/office/drawing/2014/main" id="{C8427A57-1497-4570-BB89-1B7AFF34AFEE}"/>
-                </a:ext>
-              </a:extLst>
-            </p:cNvPr>
-            <p:cNvSpPr/>
-            <p:nvPr/>
-          </p:nvSpPr>
-          <p:spPr>
-            <a:xfrm>
-              <a:off x="506712" y="915390"/>
-              <a:ext cx="1453466" cy="584775"/>
-            </a:xfrm>
-            <a:prstGeom prst="rect">
-              <a:avLst/>
-            </a:prstGeom>
-          </p:spPr>
-          <p:txBody>
-            <a:bodyPr wrap="square">
-              <a:spAutoFit/>
-            </a:bodyPr>
-            <a:lstStyle/>
-            <a:p>
-              <a:r>
-                <a:rPr lang="ru-RU" sz="1600" b="1" dirty="0">
-                  <a:solidFill>
-                    <a:schemeClr val="bg1">
-                      <a:lumMod val="95000"/>
-                    </a:schemeClr>
-                  </a:solidFill>
-                  <a:latin typeface="Verdana" panose="020B0604030504040204" pitchFamily="34" charset="0"/>
-                  <a:ea typeface="Verdana" panose="020B0604030504040204" pitchFamily="34" charset="0"/>
-                </a:rPr>
-                <a:t>Разбиение доменов</a:t>
-              </a:r>
-            </a:p>
-          </p:txBody>
-        </p:sp>
-      </p:grpSp>
-      <p:sp>
-        <p:nvSpPr>
-          <p:cNvPr id="16" name="Прямоугольник 15">
-            <a:extLst>
-              <a:ext uri="{FF2B5EF4-FFF2-40B4-BE49-F238E27FC236}">
-                <a16:creationId xmlns:a16="http://schemas.microsoft.com/office/drawing/2014/main" id="{BBC8A5EC-58F9-4E86-AD91-10AB52695F00}"/>
-              </a:ext>
-            </a:extLst>
-          </p:cNvPr>
-          <p:cNvSpPr/>
-          <p:nvPr/>
-        </p:nvSpPr>
-        <p:spPr>
-          <a:xfrm>
-            <a:off x="487296" y="2506299"/>
-            <a:ext cx="1453466" cy="1077218"/>
-          </a:xfrm>
-          <a:prstGeom prst="rect">
-            <a:avLst/>
-          </a:prstGeom>
-        </p:spPr>
-        <p:txBody>
-          <a:bodyPr wrap="square">
-            <a:spAutoFit/>
-          </a:bodyPr>
-          <a:lstStyle/>
-          <a:p>
-            <a:r>
-              <a:rPr lang="ru-RU" sz="1600" b="1" dirty="0">
-                <a:solidFill>
-                  <a:schemeClr val="bg1">
-                    <a:lumMod val="95000"/>
-                  </a:schemeClr>
-                </a:solidFill>
-                <a:latin typeface="Verdana" panose="020B0604030504040204" pitchFamily="34" charset="0"/>
-                <a:ea typeface="Verdana" panose="020B0604030504040204" pitchFamily="34" charset="0"/>
-              </a:rPr>
-              <a:t>Контроль связи между доменами</a:t>
-            </a:r>
-          </a:p>
-        </p:txBody>
-      </p:sp>
-    </p:spTree>
-    <p:extLst>
-      <p:ext uri="{BB962C8B-B14F-4D97-AF65-F5344CB8AC3E}">
-        <p14:creationId xmlns:p14="http://schemas.microsoft.com/office/powerpoint/2010/main" val="3435537915"/>
-      </p:ext>
-    </p:extLst>
-  </p:cSld>
-  <p:clrMapOvr>
-    <a:masterClrMapping/>
-  </p:clrMapOvr>
-</p:sld>
-</file>
-
-<file path=ppt/slides/slide7.xml><?xml version="1.0" encoding="utf-8"?>
-<p:sld xmlns:a="http://schemas.openxmlformats.org/drawingml/2006/main" xmlns:r="http://schemas.openxmlformats.org/officeDocument/2006/relationships" xmlns:p="http://schemas.openxmlformats.org/presentationml/2006/main">
-  <p:cSld>
-    <p:spTree>
-      <p:nvGrpSpPr>
-        <p:cNvPr id="1" name=""/>
-        <p:cNvGrpSpPr/>
-        <p:nvPr/>
-      </p:nvGrpSpPr>
-      <p:grpSpPr>
-        <a:xfrm>
-          <a:off x="0" y="0"/>
-          <a:ext cx="0" cy="0"/>
-          <a:chOff x="0" y="0"/>
-          <a:chExt cx="0" cy="0"/>
-        </a:xfrm>
-      </p:grpSpPr>
-      <p:sp>
-        <p:nvSpPr>
-          <p:cNvPr id="31" name="Прямоугольник 30">
-            <a:extLst>
-              <a:ext uri="{FF2B5EF4-FFF2-40B4-BE49-F238E27FC236}">
-                <a16:creationId xmlns:a16="http://schemas.microsoft.com/office/drawing/2014/main" id="{F844FAD0-BFD3-42F8-8444-0D4247E6F864}"/>
-              </a:ext>
-            </a:extLst>
-          </p:cNvPr>
-          <p:cNvSpPr/>
-          <p:nvPr/>
-        </p:nvSpPr>
-        <p:spPr bwMode="auto">
-          <a:xfrm>
-            <a:off x="0" y="0"/>
-            <a:ext cx="2160000" cy="5143500"/>
-          </a:xfrm>
-          <a:prstGeom prst="rect">
-            <a:avLst/>
-          </a:prstGeom>
-          <a:solidFill>
-            <a:srgbClr val="004868"/>
-          </a:solidFill>
-          <a:ln w="9525" cap="flat" cmpd="sng" algn="ctr">
-            <a:noFill/>
-            <a:prstDash val="solid"/>
-            <a:round/>
-            <a:headEnd type="none" w="med" len="med"/>
-            <a:tailEnd type="none" w="med" len="med"/>
-          </a:ln>
-          <a:effectLst/>
-        </p:spPr>
-        <p:txBody>
-          <a:bodyPr vert="horz" wrap="square" lIns="77925" tIns="38963" rIns="77925" bIns="38963" numCol="1" rtlCol="0" anchor="ctr" anchorCtr="0" compatLnSpc="1">
-            <a:prstTxWarp prst="textNoShape">
-              <a:avLst/>
-            </a:prstTxWarp>
-          </a:bodyPr>
-          <a:lstStyle/>
-          <a:p>
-            <a:pPr>
-              <a:lnSpc>
-                <a:spcPct val="93000"/>
-              </a:lnSpc>
-              <a:buClr>
-                <a:srgbClr val="000000"/>
-              </a:buClr>
-              <a:buSzPct val="100000"/>
-            </a:pPr>
-            <a:endParaRPr lang="ru-RU" sz="2000" b="1" dirty="0">
-              <a:solidFill>
-                <a:schemeClr val="bg1"/>
-              </a:solidFill>
-              <a:latin typeface="Century Gothic" panose="020B0502020202020204" pitchFamily="34" charset="0"/>
-            </a:endParaRPr>
-          </a:p>
-        </p:txBody>
-      </p:sp>
-      <p:cxnSp>
-        <p:nvCxnSpPr>
-          <p:cNvPr id="27" name="Прямая соединительная линия 26">
-            <a:extLst>
-              <a:ext uri="{FF2B5EF4-FFF2-40B4-BE49-F238E27FC236}">
-                <a16:creationId xmlns:a16="http://schemas.microsoft.com/office/drawing/2014/main" id="{7D440611-E861-4ADC-BE55-6C5E3E2135B0}"/>
-              </a:ext>
-            </a:extLst>
-          </p:cNvPr>
-          <p:cNvCxnSpPr>
-            <a:cxnSpLocks/>
-          </p:cNvCxnSpPr>
-          <p:nvPr/>
-        </p:nvCxnSpPr>
-        <p:spPr>
-          <a:xfrm>
-            <a:off x="3059832" y="867700"/>
-            <a:ext cx="5832648" cy="0"/>
-          </a:xfrm>
-          <a:prstGeom prst="line">
-            <a:avLst/>
-          </a:prstGeom>
-          <a:ln w="28575">
-            <a:solidFill>
-              <a:schemeClr val="tx2"/>
-            </a:solidFill>
-          </a:ln>
-        </p:spPr>
-        <p:style>
-          <a:lnRef idx="1">
-            <a:schemeClr val="accent1"/>
-          </a:lnRef>
-          <a:fillRef idx="0">
-            <a:schemeClr val="accent1"/>
-          </a:fillRef>
-          <a:effectRef idx="0">
-            <a:schemeClr val="accent1"/>
-          </a:effectRef>
-          <a:fontRef idx="minor">
-            <a:schemeClr val="tx1"/>
-          </a:fontRef>
-        </p:style>
-      </p:cxnSp>
-      <p:sp>
-        <p:nvSpPr>
-          <p:cNvPr id="25" name="Rectangle 1"/>
-          <p:cNvSpPr txBox="1">
-            <a:spLocks noChangeArrowheads="1"/>
-          </p:cNvSpPr>
-          <p:nvPr/>
-        </p:nvSpPr>
-        <p:spPr>
-          <a:xfrm>
-            <a:off x="2990262" y="921650"/>
-            <a:ext cx="5830209" cy="3787273"/>
-          </a:xfrm>
-          <a:prstGeom prst="rect">
-            <a:avLst/>
-          </a:prstGeom>
-        </p:spPr>
-        <p:txBody>
-          <a:bodyPr vert="horz" lIns="91440" tIns="45720" rIns="91440" bIns="45720" rtlCol="0" anchor="t">
-            <a:normAutofit/>
-          </a:bodyPr>
-          <a:lstStyle>
-            <a:lvl1pPr algn="ctr" defTabSz="914400" rtl="0" eaLnBrk="1" latinLnBrk="0" hangingPunct="1">
-              <a:spcBef>
-                <a:spcPct val="0"/>
-              </a:spcBef>
-              <a:buNone/>
-              <a:defRPr sz="4400" kern="1200">
-                <a:solidFill>
-                  <a:schemeClr val="tx1"/>
-                </a:solidFill>
-                <a:latin typeface="+mj-lt"/>
-                <a:ea typeface="+mj-ea"/>
-                <a:cs typeface="+mj-cs"/>
-              </a:defRPr>
-            </a:lvl1pPr>
-          </a:lstStyle>
-          <a:p>
-            <a:pPr marL="257175" indent="-254794" algn="l">
-              <a:spcBef>
-                <a:spcPts val="450"/>
-              </a:spcBef>
-              <a:tabLst>
-                <a:tab pos="257175" algn="l"/>
-                <a:tab pos="335756" algn="l"/>
-                <a:tab pos="672704" algn="l"/>
-                <a:tab pos="1009650" algn="l"/>
-                <a:tab pos="1346597" algn="l"/>
-                <a:tab pos="1683544" algn="l"/>
-                <a:tab pos="2020491" algn="l"/>
-                <a:tab pos="2357438" algn="l"/>
-                <a:tab pos="2694385" algn="l"/>
-                <a:tab pos="3031331" algn="l"/>
-                <a:tab pos="3368279" algn="l"/>
-                <a:tab pos="3705225" algn="l"/>
-                <a:tab pos="4042172" algn="l"/>
-                <a:tab pos="4379119" algn="l"/>
-                <a:tab pos="4716066" algn="l"/>
-                <a:tab pos="5053013" algn="l"/>
-                <a:tab pos="5389960" algn="l"/>
-                <a:tab pos="5726906" algn="l"/>
-                <a:tab pos="6063854" algn="l"/>
-                <a:tab pos="6400800" algn="l"/>
-                <a:tab pos="6737747" algn="l"/>
-              </a:tabLst>
-            </a:pPr>
-            <a:r>
-              <a:rPr lang="en-US" altLang="ru-RU" sz="3200" dirty="0">
-                <a:cs typeface="Times New Roman" panose="02020603050405020304" pitchFamily="18" charset="0"/>
-              </a:rPr>
-              <a:t>                     </a:t>
-            </a:r>
-            <a:endParaRPr lang="ru-RU" altLang="ru-RU" sz="3200" dirty="0">
-              <a:cs typeface="Times New Roman" panose="02020603050405020304" pitchFamily="18" charset="0"/>
-            </a:endParaRPr>
-          </a:p>
-        </p:txBody>
-      </p:sp>
-      <p:sp>
-        <p:nvSpPr>
-          <p:cNvPr id="4" name="TextBox 3"/>
-          <p:cNvSpPr txBox="1"/>
-          <p:nvPr/>
-        </p:nvSpPr>
-        <p:spPr>
-          <a:xfrm>
-            <a:off x="2990262" y="1131590"/>
-            <a:ext cx="261610" cy="461665"/>
-          </a:xfrm>
-          <a:prstGeom prst="rect">
-            <a:avLst/>
-          </a:prstGeom>
-          <a:noFill/>
-        </p:spPr>
-        <p:txBody>
-          <a:bodyPr wrap="none" rtlCol="0">
-            <a:spAutoFit/>
-          </a:bodyPr>
-          <a:lstStyle/>
-          <a:p>
-            <a:r>
-              <a:rPr lang="ru-RU" sz="2400" dirty="0">
-                <a:solidFill>
-                  <a:srgbClr val="FF0000"/>
-                </a:solidFill>
-              </a:rPr>
-              <a:t>.</a:t>
-            </a:r>
-          </a:p>
-        </p:txBody>
-      </p:sp>
-      <p:sp>
-        <p:nvSpPr>
-          <p:cNvPr id="2" name="Номер слайда 1">
-            <a:extLst>
-              <a:ext uri="{FF2B5EF4-FFF2-40B4-BE49-F238E27FC236}">
-                <a16:creationId xmlns:a16="http://schemas.microsoft.com/office/drawing/2014/main" id="{FD31FB89-335E-4DB6-8667-434A37E623F2}"/>
-              </a:ext>
-            </a:extLst>
-          </p:cNvPr>
-          <p:cNvSpPr>
-            <a:spLocks noGrp="1"/>
-          </p:cNvSpPr>
-          <p:nvPr>
-            <p:ph type="sldNum" sz="quarter" idx="12"/>
-          </p:nvPr>
-        </p:nvSpPr>
-        <p:spPr/>
-        <p:txBody>
-          <a:bodyPr/>
-          <a:lstStyle/>
-          <a:p>
-            <a:fld id="{B19B0651-EE4F-4900-A07F-96A6BFA9D0F0}" type="slidenum">
-              <a:rPr lang="ru-RU" smtClean="0"/>
-              <a:pPr/>
-              <a:t>7</a:t>
-            </a:fld>
-            <a:endParaRPr lang="ru-RU"/>
-          </a:p>
-        </p:txBody>
-      </p:sp>
-      <p:sp>
-        <p:nvSpPr>
-          <p:cNvPr id="11" name="Прямоугольник 10">
-            <a:extLst>
-              <a:ext uri="{FF2B5EF4-FFF2-40B4-BE49-F238E27FC236}">
-                <a16:creationId xmlns:a16="http://schemas.microsoft.com/office/drawing/2014/main" id="{29F16FB1-557B-4F20-AFAA-083E6605CBA3}"/>
-              </a:ext>
-            </a:extLst>
-          </p:cNvPr>
-          <p:cNvSpPr/>
-          <p:nvPr/>
-        </p:nvSpPr>
-        <p:spPr>
-          <a:xfrm>
-            <a:off x="3203848" y="299798"/>
-            <a:ext cx="6110664" cy="461665"/>
-          </a:xfrm>
-          <a:prstGeom prst="rect">
-            <a:avLst/>
-          </a:prstGeom>
-        </p:spPr>
-        <p:txBody>
-          <a:bodyPr wrap="square">
-            <a:spAutoFit/>
-          </a:bodyPr>
-          <a:lstStyle/>
-          <a:p>
-            <a:r>
-              <a:rPr lang="en-US" sz="2400" b="1" dirty="0">
-                <a:solidFill>
-                  <a:schemeClr val="tx2"/>
-                </a:solidFill>
-                <a:latin typeface="Verdana" panose="020B0604030504040204" pitchFamily="34" charset="0"/>
-                <a:ea typeface="Verdana" panose="020B0604030504040204" pitchFamily="34" charset="0"/>
-              </a:rPr>
-              <a:t>(VFS EDL?)</a:t>
-            </a:r>
-            <a:endParaRPr lang="ru-RU" sz="2400" b="1" dirty="0">
-              <a:solidFill>
-                <a:schemeClr val="tx2"/>
-              </a:solidFill>
-              <a:latin typeface="Verdana" panose="020B0604030504040204" pitchFamily="34" charset="0"/>
-              <a:ea typeface="Verdana" panose="020B0604030504040204" pitchFamily="34" charset="0"/>
-            </a:endParaRPr>
-          </a:p>
-        </p:txBody>
-      </p:sp>
-      <p:pic>
-        <p:nvPicPr>
-          <p:cNvPr id="1028" name="Picture 4" descr="vfs_net1">
-            <a:extLst>
-              <a:ext uri="{FF2B5EF4-FFF2-40B4-BE49-F238E27FC236}">
-                <a16:creationId xmlns:a16="http://schemas.microsoft.com/office/drawing/2014/main" id="{9370DC5B-A5C9-4F38-9BDB-1B529C1D62EC}"/>
-              </a:ext>
-            </a:extLst>
-          </p:cNvPr>
-          <p:cNvPicPr>
-            <a:picLocks noChangeAspect="1" noChangeArrowheads="1"/>
-          </p:cNvPicPr>
-          <p:nvPr/>
-        </p:nvPicPr>
-        <p:blipFill>
-          <a:blip r:embed="rId3">
-            <a:extLst>
-              <a:ext uri="{28A0092B-C50C-407E-A947-70E740481C1C}">
-                <a14:useLocalDpi xmlns:a14="http://schemas.microsoft.com/office/drawing/2010/main" val="0"/>
-              </a:ext>
-            </a:extLst>
-          </a:blip>
-          <a:srcRect/>
-          <a:stretch>
-            <a:fillRect/>
-          </a:stretch>
-        </p:blipFill>
-        <p:spPr bwMode="auto">
-          <a:xfrm>
-            <a:off x="2267743" y="2206526"/>
-            <a:ext cx="6762750" cy="1466850"/>
-          </a:xfrm>
-          <a:prstGeom prst="rect">
-            <a:avLst/>
-          </a:prstGeom>
-          <a:noFill/>
-          <a:extLst>
-            <a:ext uri="{909E8E84-426E-40DD-AFC4-6F175D3DCCD1}">
-              <a14:hiddenFill xmlns:a14="http://schemas.microsoft.com/office/drawing/2010/main">
-                <a:solidFill>
-                  <a:srgbClr val="FFFFFF"/>
-                </a:solidFill>
-              </a14:hiddenFill>
-            </a:ext>
-          </a:extLst>
-        </p:spPr>
-      </p:pic>
-      <p:pic>
-        <p:nvPicPr>
-          <p:cNvPr id="1030" name="Picture 6" descr="vfs_net2">
-            <a:extLst>
-              <a:ext uri="{FF2B5EF4-FFF2-40B4-BE49-F238E27FC236}">
-                <a16:creationId xmlns:a16="http://schemas.microsoft.com/office/drawing/2014/main" id="{FC5C7EC5-30B7-4943-BF0F-33419C772510}"/>
-              </a:ext>
-            </a:extLst>
-          </p:cNvPr>
-          <p:cNvPicPr>
-            <a:picLocks noChangeAspect="1" noChangeArrowheads="1"/>
-          </p:cNvPicPr>
-          <p:nvPr/>
-        </p:nvPicPr>
-        <p:blipFill>
-          <a:blip r:embed="rId4">
-            <a:extLst>
-              <a:ext uri="{28A0092B-C50C-407E-A947-70E740481C1C}">
-                <a14:useLocalDpi xmlns:a14="http://schemas.microsoft.com/office/drawing/2010/main" val="0"/>
-              </a:ext>
-            </a:extLst>
-          </a:blip>
-          <a:srcRect/>
-          <a:stretch>
-            <a:fillRect/>
-          </a:stretch>
-        </p:blipFill>
-        <p:spPr bwMode="auto">
-          <a:xfrm>
-            <a:off x="2267743" y="3708610"/>
-            <a:ext cx="6726965" cy="1277084"/>
-          </a:xfrm>
-          <a:prstGeom prst="rect">
-            <a:avLst/>
-          </a:prstGeom>
-          <a:noFill/>
-          <a:extLst>
-            <a:ext uri="{909E8E84-426E-40DD-AFC4-6F175D3DCCD1}">
-              <a14:hiddenFill xmlns:a14="http://schemas.microsoft.com/office/drawing/2010/main">
-                <a:solidFill>
-                  <a:srgbClr val="FFFFFF"/>
-                </a:solidFill>
-              </a14:hiddenFill>
-            </a:ext>
-          </a:extLst>
-        </p:spPr>
-      </p:pic>
-      <p:pic>
-        <p:nvPicPr>
-          <p:cNvPr id="1032" name="Picture 8" descr="vfs_fs">
-            <a:extLst>
-              <a:ext uri="{FF2B5EF4-FFF2-40B4-BE49-F238E27FC236}">
-                <a16:creationId xmlns:a16="http://schemas.microsoft.com/office/drawing/2014/main" id="{8EC9073D-94D9-45B2-9157-833AD2E9DD83}"/>
-              </a:ext>
-            </a:extLst>
-          </p:cNvPr>
-          <p:cNvPicPr>
-            <a:picLocks noChangeAspect="1" noChangeArrowheads="1"/>
-          </p:cNvPicPr>
-          <p:nvPr/>
-        </p:nvPicPr>
-        <p:blipFill>
-          <a:blip r:embed="rId5">
-            <a:extLst>
-              <a:ext uri="{28A0092B-C50C-407E-A947-70E740481C1C}">
-                <a14:useLocalDpi xmlns:a14="http://schemas.microsoft.com/office/drawing/2010/main" val="0"/>
-              </a:ext>
-            </a:extLst>
-          </a:blip>
-          <a:srcRect/>
-          <a:stretch>
-            <a:fillRect/>
-          </a:stretch>
-        </p:blipFill>
-        <p:spPr bwMode="auto">
-          <a:xfrm>
-            <a:off x="2267743" y="928130"/>
-            <a:ext cx="6794923" cy="1259691"/>
-          </a:xfrm>
-          <a:prstGeom prst="rect">
-            <a:avLst/>
-          </a:prstGeom>
-          <a:noFill/>
-          <a:extLst>
-            <a:ext uri="{909E8E84-426E-40DD-AFC4-6F175D3DCCD1}">
-              <a14:hiddenFill xmlns:a14="http://schemas.microsoft.com/office/drawing/2010/main">
-                <a:solidFill>
-                  <a:srgbClr val="FFFFFF"/>
-                </a:solidFill>
-              </a14:hiddenFill>
-            </a:ext>
-          </a:extLst>
-        </p:spPr>
-      </p:pic>
-      <p:grpSp>
-        <p:nvGrpSpPr>
-          <p:cNvPr id="12" name="Группа 11">
-            <a:extLst>
-              <a:ext uri="{FF2B5EF4-FFF2-40B4-BE49-F238E27FC236}">
-                <a16:creationId xmlns:a16="http://schemas.microsoft.com/office/drawing/2014/main" id="{0C2CC8AF-A276-431C-834D-4D111074E709}"/>
-              </a:ext>
-            </a:extLst>
-          </p:cNvPr>
-          <p:cNvGrpSpPr/>
-          <p:nvPr/>
-        </p:nvGrpSpPr>
-        <p:grpSpPr>
-          <a:xfrm>
-            <a:off x="132856" y="853278"/>
-            <a:ext cx="1963049" cy="2240562"/>
-            <a:chOff x="174072" y="37682"/>
-            <a:chExt cx="1963049" cy="2240562"/>
-          </a:xfrm>
-        </p:grpSpPr>
-        <p:sp>
-          <p:nvSpPr>
-            <p:cNvPr id="13" name="Прямоугольник 12">
-              <a:extLst>
-                <a:ext uri="{FF2B5EF4-FFF2-40B4-BE49-F238E27FC236}">
-                  <a16:creationId xmlns:a16="http://schemas.microsoft.com/office/drawing/2014/main" id="{6A7439AB-9E67-41E2-A35B-511E5F0347BE}"/>
-                </a:ext>
-              </a:extLst>
-            </p:cNvPr>
-            <p:cNvSpPr/>
-            <p:nvPr/>
-          </p:nvSpPr>
-          <p:spPr>
-            <a:xfrm>
-              <a:off x="182776" y="176182"/>
-              <a:ext cx="307777" cy="307777"/>
-            </a:xfrm>
-            <a:prstGeom prst="rect">
-              <a:avLst/>
-            </a:prstGeom>
-            <a:solidFill>
-              <a:schemeClr val="bg1">
-                <a:lumMod val="95000"/>
-              </a:schemeClr>
-            </a:solidFill>
-            <a:ln>
-              <a:noFill/>
-            </a:ln>
-          </p:spPr>
-          <p:style>
-            <a:lnRef idx="2">
-              <a:schemeClr val="accent1">
-                <a:shade val="50000"/>
-              </a:schemeClr>
-            </a:lnRef>
-            <a:fillRef idx="1">
-              <a:schemeClr val="accent1"/>
-            </a:fillRef>
-            <a:effectRef idx="0">
-              <a:schemeClr val="accent1"/>
-            </a:effectRef>
-            <a:fontRef idx="minor">
-              <a:schemeClr val="lt1"/>
-            </a:fontRef>
-          </p:style>
-          <p:txBody>
-            <a:bodyPr rtlCol="0" anchor="ctr"/>
-            <a:lstStyle/>
-            <a:p>
-              <a:pPr algn="ctr"/>
-              <a:endParaRPr lang="ru-RU" dirty="0"/>
-            </a:p>
-          </p:txBody>
-        </p:sp>
-        <p:sp>
-          <p:nvSpPr>
-            <p:cNvPr id="14" name="Прямоугольник 13">
-              <a:extLst>
-                <a:ext uri="{FF2B5EF4-FFF2-40B4-BE49-F238E27FC236}">
-                  <a16:creationId xmlns:a16="http://schemas.microsoft.com/office/drawing/2014/main" id="{D4C5D2CD-584A-4C0D-9F8A-A05C7DC6FB06}"/>
-                </a:ext>
-              </a:extLst>
-            </p:cNvPr>
-            <p:cNvSpPr/>
-            <p:nvPr/>
-          </p:nvSpPr>
-          <p:spPr>
-            <a:xfrm>
-              <a:off x="174072" y="1970467"/>
-              <a:ext cx="307777" cy="307777"/>
-            </a:xfrm>
-            <a:prstGeom prst="rect">
-              <a:avLst/>
-            </a:prstGeom>
-            <a:solidFill>
-              <a:schemeClr val="bg1">
-                <a:lumMod val="95000"/>
-              </a:schemeClr>
-            </a:solidFill>
-            <a:ln>
-              <a:noFill/>
-            </a:ln>
-          </p:spPr>
-          <p:style>
-            <a:lnRef idx="2">
-              <a:schemeClr val="accent1">
-                <a:shade val="50000"/>
-              </a:schemeClr>
-            </a:lnRef>
-            <a:fillRef idx="1">
-              <a:schemeClr val="accent1"/>
-            </a:fillRef>
-            <a:effectRef idx="0">
-              <a:schemeClr val="accent1"/>
-            </a:effectRef>
-            <a:fontRef idx="minor">
-              <a:schemeClr val="lt1"/>
-            </a:fontRef>
-          </p:style>
-          <p:txBody>
-            <a:bodyPr rtlCol="0" anchor="ctr"/>
-            <a:lstStyle/>
-            <a:p>
-              <a:pPr algn="ctr"/>
-              <a:endParaRPr lang="ru-RU"/>
-            </a:p>
-          </p:txBody>
-        </p:sp>
-        <p:sp>
-          <p:nvSpPr>
-            <p:cNvPr id="15" name="Прямоугольник 14">
-              <a:extLst>
-                <a:ext uri="{FF2B5EF4-FFF2-40B4-BE49-F238E27FC236}">
-                  <a16:creationId xmlns:a16="http://schemas.microsoft.com/office/drawing/2014/main" id="{DD647F68-3943-4CC0-9412-1D5968D970D1}"/>
-                </a:ext>
-              </a:extLst>
-            </p:cNvPr>
-            <p:cNvSpPr/>
-            <p:nvPr/>
-          </p:nvSpPr>
-          <p:spPr>
-            <a:xfrm>
-              <a:off x="174073" y="1053890"/>
-              <a:ext cx="307777" cy="307777"/>
-            </a:xfrm>
-            <a:prstGeom prst="rect">
-              <a:avLst/>
-            </a:prstGeom>
-            <a:solidFill>
-              <a:schemeClr val="bg1">
-                <a:lumMod val="95000"/>
-              </a:schemeClr>
-            </a:solidFill>
-            <a:ln>
-              <a:noFill/>
-            </a:ln>
-          </p:spPr>
-          <p:style>
-            <a:lnRef idx="2">
-              <a:schemeClr val="accent1">
-                <a:shade val="50000"/>
-              </a:schemeClr>
-            </a:lnRef>
-            <a:fillRef idx="1">
-              <a:schemeClr val="accent1"/>
-            </a:fillRef>
-            <a:effectRef idx="0">
-              <a:schemeClr val="accent1"/>
-            </a:effectRef>
-            <a:fontRef idx="minor">
-              <a:schemeClr val="lt1"/>
-            </a:fontRef>
-          </p:style>
-          <p:txBody>
-            <a:bodyPr rtlCol="0" anchor="ctr"/>
-            <a:lstStyle/>
-            <a:p>
-              <a:pPr algn="ctr"/>
-              <a:endParaRPr lang="ru-RU">
-                <a:solidFill>
-                  <a:srgbClr val="7F7F7F"/>
-                </a:solidFill>
-              </a:endParaRPr>
-            </a:p>
-          </p:txBody>
-        </p:sp>
-        <p:sp>
-          <p:nvSpPr>
-            <p:cNvPr id="16" name="TextBox 15">
-              <a:extLst>
-                <a:ext uri="{FF2B5EF4-FFF2-40B4-BE49-F238E27FC236}">
-                  <a16:creationId xmlns:a16="http://schemas.microsoft.com/office/drawing/2014/main" id="{A1CEB2B1-930A-47BF-B703-3C3FF21EE2CA}"/>
-                </a:ext>
-              </a:extLst>
-            </p:cNvPr>
-            <p:cNvSpPr txBox="1"/>
-            <p:nvPr/>
-          </p:nvSpPr>
-          <p:spPr>
-            <a:xfrm>
-              <a:off x="559858" y="37682"/>
-              <a:ext cx="1577263" cy="584775"/>
-            </a:xfrm>
-            <a:prstGeom prst="rect">
-              <a:avLst/>
-            </a:prstGeom>
-            <a:noFill/>
-          </p:spPr>
-          <p:txBody>
-            <a:bodyPr wrap="square">
-              <a:spAutoFit/>
-            </a:bodyPr>
-            <a:lstStyle/>
-            <a:p>
-              <a:r>
-                <a:rPr lang="ru-RU" sz="1600" b="1" dirty="0">
-                  <a:solidFill>
-                    <a:schemeClr val="bg1">
-                      <a:lumMod val="95000"/>
-                    </a:schemeClr>
-                  </a:solidFill>
-                  <a:latin typeface="Verdana" panose="020B0604030504040204" pitchFamily="34" charset="0"/>
-                  <a:ea typeface="Verdana" panose="020B0604030504040204" pitchFamily="34" charset="0"/>
-                </a:rPr>
-                <a:t>Сетевая связь</a:t>
-              </a:r>
-              <a:endParaRPr lang="x-none" sz="1600" b="1" dirty="0">
-                <a:solidFill>
-                  <a:schemeClr val="bg1">
-                    <a:lumMod val="95000"/>
-                  </a:schemeClr>
-                </a:solidFill>
-                <a:latin typeface="Verdana" panose="020B0604030504040204" pitchFamily="34" charset="0"/>
-                <a:ea typeface="Verdana" panose="020B0604030504040204" pitchFamily="34" charset="0"/>
-              </a:endParaRPr>
-            </a:p>
-          </p:txBody>
-        </p:sp>
-        <p:sp>
-          <p:nvSpPr>
-            <p:cNvPr id="17" name="Прямоугольник 16">
-              <a:extLst>
-                <a:ext uri="{FF2B5EF4-FFF2-40B4-BE49-F238E27FC236}">
-                  <a16:creationId xmlns:a16="http://schemas.microsoft.com/office/drawing/2014/main" id="{6C584A97-3F89-4B57-ACE7-9246FF17E1B3}"/>
-                </a:ext>
-              </a:extLst>
-            </p:cNvPr>
-            <p:cNvSpPr/>
-            <p:nvPr/>
-          </p:nvSpPr>
-          <p:spPr>
-            <a:xfrm>
-              <a:off x="559858" y="964066"/>
-              <a:ext cx="1453466" cy="338554"/>
-            </a:xfrm>
-            <a:prstGeom prst="rect">
-              <a:avLst/>
-            </a:prstGeom>
-          </p:spPr>
-          <p:txBody>
-            <a:bodyPr wrap="square">
-              <a:spAutoFit/>
-            </a:bodyPr>
-            <a:lstStyle/>
-            <a:p>
-              <a:r>
-                <a:rPr lang="ru-RU" sz="1600" b="1" dirty="0">
-                  <a:solidFill>
-                    <a:schemeClr val="bg1">
-                      <a:lumMod val="95000"/>
-                    </a:schemeClr>
-                  </a:solidFill>
-                  <a:latin typeface="Verdana" panose="020B0604030504040204" pitchFamily="34" charset="0"/>
-                  <a:ea typeface="Verdana" panose="020B0604030504040204" pitchFamily="34" charset="0"/>
-                </a:rPr>
-                <a:t>Сущность</a:t>
-              </a:r>
-            </a:p>
-          </p:txBody>
-        </p:sp>
-      </p:grpSp>
-      <p:sp>
-        <p:nvSpPr>
-          <p:cNvPr id="18" name="Прямоугольник 17">
-            <a:extLst>
-              <a:ext uri="{FF2B5EF4-FFF2-40B4-BE49-F238E27FC236}">
-                <a16:creationId xmlns:a16="http://schemas.microsoft.com/office/drawing/2014/main" id="{0D21A8F2-EFE5-4C67-9C72-02BBCD0A6CCF}"/>
-              </a:ext>
-            </a:extLst>
-          </p:cNvPr>
-          <p:cNvSpPr/>
-          <p:nvPr/>
-        </p:nvSpPr>
-        <p:spPr>
-          <a:xfrm>
-            <a:off x="490284" y="2635338"/>
-            <a:ext cx="1453466" cy="584775"/>
-          </a:xfrm>
-          <a:prstGeom prst="rect">
-            <a:avLst/>
-          </a:prstGeom>
-        </p:spPr>
-        <p:txBody>
-          <a:bodyPr wrap="square">
-            <a:spAutoFit/>
-          </a:bodyPr>
-          <a:lstStyle/>
-          <a:p>
-            <a:r>
-              <a:rPr lang="ru-RU" sz="1600" b="1" dirty="0">
-                <a:solidFill>
-                  <a:schemeClr val="bg1">
-                    <a:lumMod val="95000"/>
-                  </a:schemeClr>
-                </a:solidFill>
-                <a:latin typeface="Verdana" panose="020B0604030504040204" pitchFamily="34" charset="0"/>
-                <a:ea typeface="Verdana" panose="020B0604030504040204" pitchFamily="34" charset="0"/>
-              </a:rPr>
-              <a:t>Каналы </a:t>
-            </a:r>
-            <a:r>
-              <a:rPr lang="en-US" sz="1600" b="1" dirty="0">
-                <a:solidFill>
-                  <a:schemeClr val="bg1">
-                    <a:lumMod val="95000"/>
-                  </a:schemeClr>
-                </a:solidFill>
-                <a:latin typeface="Verdana" panose="020B0604030504040204" pitchFamily="34" charset="0"/>
-                <a:ea typeface="Verdana" panose="020B0604030504040204" pitchFamily="34" charset="0"/>
-              </a:rPr>
-              <a:t>IPC</a:t>
-            </a:r>
-            <a:endParaRPr lang="ru-RU" sz="1600" b="1" dirty="0">
-              <a:solidFill>
-                <a:schemeClr val="bg1">
-                  <a:lumMod val="95000"/>
-                </a:schemeClr>
-              </a:solidFill>
-              <a:latin typeface="Verdana" panose="020B0604030504040204" pitchFamily="34" charset="0"/>
-              <a:ea typeface="Verdana" panose="020B0604030504040204" pitchFamily="34" charset="0"/>
-            </a:endParaRPr>
-          </a:p>
-        </p:txBody>
-      </p:sp>
-    </p:spTree>
-    <p:extLst>
-      <p:ext uri="{BB962C8B-B14F-4D97-AF65-F5344CB8AC3E}">
-        <p14:creationId xmlns:p14="http://schemas.microsoft.com/office/powerpoint/2010/main" val="3946816269"/>
-      </p:ext>
-    </p:extLst>
-  </p:cSld>
-  <p:clrMapOvr>
-    <a:masterClrMapping/>
-  </p:clrMapOvr>
-</p:sld>
-</file>
-
-<file path=ppt/slides/slide8.xml><?xml version="1.0" encoding="utf-8"?>
-<p:sld xmlns:a="http://schemas.openxmlformats.org/drawingml/2006/main" xmlns:r="http://schemas.openxmlformats.org/officeDocument/2006/relationships" xmlns:p="http://schemas.openxmlformats.org/presentationml/2006/main">
-  <p:cSld>
-    <p:spTree>
-      <p:nvGrpSpPr>
-        <p:cNvPr id="1" name=""/>
-        <p:cNvGrpSpPr/>
-        <p:nvPr/>
-      </p:nvGrpSpPr>
-      <p:grpSpPr>
-        <a:xfrm>
-          <a:off x="0" y="0"/>
-          <a:ext cx="0" cy="0"/>
-          <a:chOff x="0" y="0"/>
-          <a:chExt cx="0" cy="0"/>
-        </a:xfrm>
-      </p:grpSpPr>
-      <p:sp>
-        <p:nvSpPr>
-          <p:cNvPr id="45" name="Прямоугольник 44">
-            <a:extLst>
-              <a:ext uri="{FF2B5EF4-FFF2-40B4-BE49-F238E27FC236}">
-                <a16:creationId xmlns:a16="http://schemas.microsoft.com/office/drawing/2014/main" id="{F844FAD0-BFD3-42F8-8444-0D4247E6F864}"/>
-              </a:ext>
-            </a:extLst>
-          </p:cNvPr>
-          <p:cNvSpPr/>
-          <p:nvPr/>
-        </p:nvSpPr>
-        <p:spPr bwMode="auto">
-          <a:xfrm>
-            <a:off x="0" y="0"/>
-            <a:ext cx="2160000" cy="5143500"/>
-          </a:xfrm>
-          <a:prstGeom prst="rect">
-            <a:avLst/>
-          </a:prstGeom>
-          <a:solidFill>
-            <a:srgbClr val="004868"/>
-          </a:solidFill>
-          <a:ln w="9525" cap="flat" cmpd="sng" algn="ctr">
-            <a:noFill/>
-            <a:prstDash val="solid"/>
-            <a:round/>
-            <a:headEnd type="none" w="med" len="med"/>
-            <a:tailEnd type="none" w="med" len="med"/>
-          </a:ln>
-          <a:effectLst/>
-        </p:spPr>
-        <p:txBody>
-          <a:bodyPr vert="horz" wrap="square" lIns="77925" tIns="38963" rIns="77925" bIns="38963" numCol="1" rtlCol="0" anchor="ctr" anchorCtr="0" compatLnSpc="1">
-            <a:prstTxWarp prst="textNoShape">
-              <a:avLst/>
-            </a:prstTxWarp>
-          </a:bodyPr>
-          <a:lstStyle/>
-          <a:p>
-            <a:pPr>
-              <a:lnSpc>
-                <a:spcPct val="93000"/>
-              </a:lnSpc>
-              <a:buClr>
-                <a:srgbClr val="000000"/>
-              </a:buClr>
-              <a:buSzPct val="100000"/>
-            </a:pPr>
-            <a:endParaRPr lang="ru-RU" sz="2000" b="1" dirty="0">
-              <a:solidFill>
-                <a:schemeClr val="bg1"/>
-              </a:solidFill>
-              <a:latin typeface="Century Gothic" panose="020B0502020202020204" pitchFamily="34" charset="0"/>
-            </a:endParaRPr>
-          </a:p>
-        </p:txBody>
-      </p:sp>
-      <p:cxnSp>
-        <p:nvCxnSpPr>
-          <p:cNvPr id="27" name="Прямая соединительная линия 26">
-            <a:extLst>
-              <a:ext uri="{FF2B5EF4-FFF2-40B4-BE49-F238E27FC236}">
-                <a16:creationId xmlns:a16="http://schemas.microsoft.com/office/drawing/2014/main" id="{7D440611-E861-4ADC-BE55-6C5E3E2135B0}"/>
-              </a:ext>
-            </a:extLst>
-          </p:cNvPr>
-          <p:cNvCxnSpPr>
-            <a:cxnSpLocks/>
-          </p:cNvCxnSpPr>
-          <p:nvPr/>
-        </p:nvCxnSpPr>
-        <p:spPr>
-          <a:xfrm>
-            <a:off x="3059832" y="867700"/>
-            <a:ext cx="5832648" cy="0"/>
-          </a:xfrm>
-          <a:prstGeom prst="line">
-            <a:avLst/>
-          </a:prstGeom>
-          <a:ln w="28575">
-            <a:solidFill>
-              <a:schemeClr val="tx2"/>
-            </a:solidFill>
-          </a:ln>
-        </p:spPr>
-        <p:style>
-          <a:lnRef idx="1">
-            <a:schemeClr val="accent1"/>
-          </a:lnRef>
-          <a:fillRef idx="0">
-            <a:schemeClr val="accent1"/>
-          </a:fillRef>
-          <a:effectRef idx="0">
-            <a:schemeClr val="accent1"/>
-          </a:effectRef>
-          <a:fontRef idx="minor">
-            <a:schemeClr val="tx1"/>
-          </a:fontRef>
-        </p:style>
-      </p:cxnSp>
-      <p:sp>
-        <p:nvSpPr>
-          <p:cNvPr id="25" name="Rectangle 1"/>
-          <p:cNvSpPr txBox="1">
-            <a:spLocks noChangeArrowheads="1"/>
-          </p:cNvSpPr>
-          <p:nvPr/>
-        </p:nvSpPr>
-        <p:spPr>
-          <a:xfrm>
-            <a:off x="2990262" y="921650"/>
-            <a:ext cx="5830209" cy="3787273"/>
-          </a:xfrm>
-          <a:prstGeom prst="rect">
-            <a:avLst/>
-          </a:prstGeom>
-        </p:spPr>
-        <p:txBody>
-          <a:bodyPr vert="horz" lIns="91440" tIns="45720" rIns="91440" bIns="45720" rtlCol="0" anchor="t">
-            <a:normAutofit/>
-          </a:bodyPr>
-          <a:lstStyle>
-            <a:lvl1pPr algn="ctr" defTabSz="914400" rtl="0" eaLnBrk="1" latinLnBrk="0" hangingPunct="1">
-              <a:spcBef>
-                <a:spcPct val="0"/>
-              </a:spcBef>
-              <a:buNone/>
-              <a:defRPr sz="4400" kern="1200">
-                <a:solidFill>
-                  <a:schemeClr val="tx1"/>
-                </a:solidFill>
-                <a:latin typeface="+mj-lt"/>
-                <a:ea typeface="+mj-ea"/>
-                <a:cs typeface="+mj-cs"/>
-              </a:defRPr>
-            </a:lvl1pPr>
-          </a:lstStyle>
-          <a:p>
-            <a:pPr marL="257175" indent="-254794" algn="l">
-              <a:spcBef>
-                <a:spcPts val="450"/>
-              </a:spcBef>
-              <a:tabLst>
-                <a:tab pos="257175" algn="l"/>
-                <a:tab pos="335756" algn="l"/>
-                <a:tab pos="672704" algn="l"/>
-                <a:tab pos="1009650" algn="l"/>
-                <a:tab pos="1346597" algn="l"/>
-                <a:tab pos="1683544" algn="l"/>
-                <a:tab pos="2020491" algn="l"/>
-                <a:tab pos="2357438" algn="l"/>
-                <a:tab pos="2694385" algn="l"/>
-                <a:tab pos="3031331" algn="l"/>
-                <a:tab pos="3368279" algn="l"/>
-                <a:tab pos="3705225" algn="l"/>
-                <a:tab pos="4042172" algn="l"/>
-                <a:tab pos="4379119" algn="l"/>
-                <a:tab pos="4716066" algn="l"/>
-                <a:tab pos="5053013" algn="l"/>
-                <a:tab pos="5389960" algn="l"/>
-                <a:tab pos="5726906" algn="l"/>
-                <a:tab pos="6063854" algn="l"/>
-                <a:tab pos="6400800" algn="l"/>
-                <a:tab pos="6737747" algn="l"/>
-              </a:tabLst>
-            </a:pPr>
-            <a:r>
-              <a:rPr lang="en-US" altLang="ru-RU" sz="3200" dirty="0">
-                <a:cs typeface="Times New Roman" panose="02020603050405020304" pitchFamily="18" charset="0"/>
-              </a:rPr>
-              <a:t>                     </a:t>
-            </a:r>
-            <a:endParaRPr lang="ru-RU" altLang="ru-RU" sz="3200" dirty="0">
-              <a:cs typeface="Times New Roman" panose="02020603050405020304" pitchFamily="18" charset="0"/>
-            </a:endParaRPr>
-          </a:p>
-        </p:txBody>
-      </p:sp>
-      <p:sp>
-        <p:nvSpPr>
-          <p:cNvPr id="2" name="Номер слайда 1">
-            <a:extLst>
-              <a:ext uri="{FF2B5EF4-FFF2-40B4-BE49-F238E27FC236}">
-                <a16:creationId xmlns:a16="http://schemas.microsoft.com/office/drawing/2014/main" id="{43DE384C-E41B-4854-8084-48017AD96984}"/>
-              </a:ext>
-            </a:extLst>
-          </p:cNvPr>
-          <p:cNvSpPr>
-            <a:spLocks noGrp="1"/>
-          </p:cNvSpPr>
-          <p:nvPr>
-            <p:ph type="sldNum" sz="quarter" idx="12"/>
-          </p:nvPr>
-        </p:nvSpPr>
-        <p:spPr/>
-        <p:txBody>
-          <a:bodyPr/>
-          <a:lstStyle/>
-          <a:p>
-            <a:fld id="{B19B0651-EE4F-4900-A07F-96A6BFA9D0F0}" type="slidenum">
-              <a:rPr lang="ru-RU" smtClean="0"/>
-              <a:pPr/>
-              <a:t>8</a:t>
-            </a:fld>
-            <a:endParaRPr lang="ru-RU"/>
-          </a:p>
-        </p:txBody>
-      </p:sp>
-      <p:sp>
-        <p:nvSpPr>
-          <p:cNvPr id="18" name="Прямоугольник 17">
-            <a:extLst>
-              <a:ext uri="{FF2B5EF4-FFF2-40B4-BE49-F238E27FC236}">
-                <a16:creationId xmlns:a16="http://schemas.microsoft.com/office/drawing/2014/main" id="{17ED5078-1A16-4CC1-B020-23E9979FB77D}"/>
-              </a:ext>
-            </a:extLst>
-          </p:cNvPr>
-          <p:cNvSpPr/>
-          <p:nvPr/>
-        </p:nvSpPr>
-        <p:spPr>
-          <a:xfrm>
-            <a:off x="3203848" y="299798"/>
-            <a:ext cx="6110664" cy="461665"/>
-          </a:xfrm>
-          <a:prstGeom prst="rect">
-            <a:avLst/>
-          </a:prstGeom>
-        </p:spPr>
-        <p:txBody>
-          <a:bodyPr wrap="square">
-            <a:spAutoFit/>
-          </a:bodyPr>
-          <a:lstStyle/>
-          <a:p>
-            <a:r>
-              <a:rPr lang="ru-RU" sz="2400" b="1" dirty="0">
-                <a:solidFill>
-                  <a:schemeClr val="tx2"/>
-                </a:solidFill>
-                <a:latin typeface="Verdana" panose="020B0604030504040204" pitchFamily="34" charset="0"/>
-                <a:ea typeface="Verdana" panose="020B0604030504040204" pitchFamily="34" charset="0"/>
-              </a:rPr>
-              <a:t>Отсылка команд по </a:t>
-            </a:r>
-            <a:r>
-              <a:rPr lang="en-US" sz="2400" b="1" dirty="0">
-                <a:solidFill>
-                  <a:schemeClr val="tx2"/>
-                </a:solidFill>
-                <a:latin typeface="Verdana" panose="020B0604030504040204" pitchFamily="34" charset="0"/>
-                <a:ea typeface="Verdana" panose="020B0604030504040204" pitchFamily="34" charset="0"/>
-              </a:rPr>
-              <a:t>TCP/IP</a:t>
-            </a:r>
-            <a:r>
-              <a:rPr lang="ru-RU" sz="2400" b="1" dirty="0">
-                <a:solidFill>
-                  <a:schemeClr val="tx2"/>
-                </a:solidFill>
-                <a:latin typeface="Verdana" panose="020B0604030504040204" pitchFamily="34" charset="0"/>
-                <a:ea typeface="Verdana" panose="020B0604030504040204" pitchFamily="34" charset="0"/>
-              </a:rPr>
-              <a:t>.</a:t>
-            </a:r>
-          </a:p>
-        </p:txBody>
-      </p:sp>
-      <p:grpSp>
-        <p:nvGrpSpPr>
-          <p:cNvPr id="15" name="Группа 14">
-            <a:extLst>
-              <a:ext uri="{FF2B5EF4-FFF2-40B4-BE49-F238E27FC236}">
-                <a16:creationId xmlns:a16="http://schemas.microsoft.com/office/drawing/2014/main" id="{6575EFC2-4173-4EA6-B485-93088510E72A}"/>
-              </a:ext>
-            </a:extLst>
-          </p:cNvPr>
-          <p:cNvGrpSpPr/>
-          <p:nvPr/>
-        </p:nvGrpSpPr>
-        <p:grpSpPr>
-          <a:xfrm>
-            <a:off x="132856" y="853278"/>
-            <a:ext cx="1963049" cy="2240562"/>
-            <a:chOff x="174072" y="37682"/>
-            <a:chExt cx="1963049" cy="2240562"/>
-          </a:xfrm>
-        </p:grpSpPr>
-        <p:sp>
-          <p:nvSpPr>
-            <p:cNvPr id="16" name="Прямоугольник 15">
-              <a:extLst>
-                <a:ext uri="{FF2B5EF4-FFF2-40B4-BE49-F238E27FC236}">
-                  <a16:creationId xmlns:a16="http://schemas.microsoft.com/office/drawing/2014/main" id="{6BBC07C5-B804-4064-8143-D83CCBF32835}"/>
-                </a:ext>
-              </a:extLst>
-            </p:cNvPr>
-            <p:cNvSpPr/>
-            <p:nvPr/>
-          </p:nvSpPr>
-          <p:spPr>
-            <a:xfrm>
-              <a:off x="182776" y="176182"/>
-              <a:ext cx="307777" cy="307777"/>
-            </a:xfrm>
-            <a:prstGeom prst="rect">
-              <a:avLst/>
-            </a:prstGeom>
-            <a:solidFill>
-              <a:schemeClr val="bg1">
-                <a:lumMod val="95000"/>
-              </a:schemeClr>
-            </a:solidFill>
-            <a:ln>
-              <a:noFill/>
-            </a:ln>
-          </p:spPr>
-          <p:style>
-            <a:lnRef idx="2">
-              <a:schemeClr val="accent1">
-                <a:shade val="50000"/>
-              </a:schemeClr>
-            </a:lnRef>
-            <a:fillRef idx="1">
-              <a:schemeClr val="accent1"/>
-            </a:fillRef>
-            <a:effectRef idx="0">
-              <a:schemeClr val="accent1"/>
-            </a:effectRef>
-            <a:fontRef idx="minor">
-              <a:schemeClr val="lt1"/>
-            </a:fontRef>
-          </p:style>
-          <p:txBody>
-            <a:bodyPr rtlCol="0" anchor="ctr"/>
-            <a:lstStyle/>
-            <a:p>
-              <a:pPr algn="ctr"/>
-              <a:endParaRPr lang="ru-RU" dirty="0"/>
-            </a:p>
-          </p:txBody>
-        </p:sp>
-        <p:sp>
-          <p:nvSpPr>
-            <p:cNvPr id="17" name="Прямоугольник 16">
-              <a:extLst>
-                <a:ext uri="{FF2B5EF4-FFF2-40B4-BE49-F238E27FC236}">
-                  <a16:creationId xmlns:a16="http://schemas.microsoft.com/office/drawing/2014/main" id="{BF5FBA8C-5D5E-4154-9D1A-10FC8C272D7B}"/>
-                </a:ext>
-              </a:extLst>
-            </p:cNvPr>
-            <p:cNvSpPr/>
-            <p:nvPr/>
-          </p:nvSpPr>
-          <p:spPr>
-            <a:xfrm>
-              <a:off x="174072" y="1970467"/>
-              <a:ext cx="307777" cy="307777"/>
-            </a:xfrm>
-            <a:prstGeom prst="rect">
-              <a:avLst/>
-            </a:prstGeom>
-            <a:solidFill>
-              <a:schemeClr val="bg1">
-                <a:lumMod val="95000"/>
-              </a:schemeClr>
-            </a:solidFill>
-            <a:ln>
-              <a:noFill/>
-            </a:ln>
-          </p:spPr>
-          <p:style>
-            <a:lnRef idx="2">
-              <a:schemeClr val="accent1">
-                <a:shade val="50000"/>
-              </a:schemeClr>
-            </a:lnRef>
-            <a:fillRef idx="1">
-              <a:schemeClr val="accent1"/>
-            </a:fillRef>
-            <a:effectRef idx="0">
-              <a:schemeClr val="accent1"/>
-            </a:effectRef>
-            <a:fontRef idx="minor">
-              <a:schemeClr val="lt1"/>
-            </a:fontRef>
-          </p:style>
-          <p:txBody>
-            <a:bodyPr rtlCol="0" anchor="ctr"/>
-            <a:lstStyle/>
-            <a:p>
-              <a:pPr algn="ctr"/>
-              <a:endParaRPr lang="ru-RU"/>
-            </a:p>
-          </p:txBody>
-        </p:sp>
-        <p:sp>
-          <p:nvSpPr>
-            <p:cNvPr id="19" name="Прямоугольник 18">
-              <a:extLst>
-                <a:ext uri="{FF2B5EF4-FFF2-40B4-BE49-F238E27FC236}">
-                  <a16:creationId xmlns:a16="http://schemas.microsoft.com/office/drawing/2014/main" id="{51674972-3D66-43FF-A4C1-1DCB781AA27C}"/>
-                </a:ext>
-              </a:extLst>
-            </p:cNvPr>
-            <p:cNvSpPr/>
-            <p:nvPr/>
-          </p:nvSpPr>
-          <p:spPr>
-            <a:xfrm>
-              <a:off x="174073" y="1053890"/>
-              <a:ext cx="307777" cy="307777"/>
-            </a:xfrm>
-            <a:prstGeom prst="rect">
-              <a:avLst/>
-            </a:prstGeom>
-            <a:solidFill>
-              <a:schemeClr val="bg1">
-                <a:lumMod val="95000"/>
-              </a:schemeClr>
-            </a:solidFill>
-            <a:ln>
-              <a:noFill/>
-            </a:ln>
-          </p:spPr>
-          <p:style>
-            <a:lnRef idx="2">
-              <a:schemeClr val="accent1">
-                <a:shade val="50000"/>
-              </a:schemeClr>
-            </a:lnRef>
-            <a:fillRef idx="1">
-              <a:schemeClr val="accent1"/>
-            </a:fillRef>
-            <a:effectRef idx="0">
-              <a:schemeClr val="accent1"/>
-            </a:effectRef>
-            <a:fontRef idx="minor">
-              <a:schemeClr val="lt1"/>
-            </a:fontRef>
-          </p:style>
-          <p:txBody>
-            <a:bodyPr rtlCol="0" anchor="ctr"/>
-            <a:lstStyle/>
-            <a:p>
-              <a:pPr algn="ctr"/>
-              <a:endParaRPr lang="ru-RU">
-                <a:solidFill>
-                  <a:srgbClr val="7F7F7F"/>
-                </a:solidFill>
-              </a:endParaRPr>
-            </a:p>
-          </p:txBody>
-        </p:sp>
-        <p:sp>
-          <p:nvSpPr>
-            <p:cNvPr id="20" name="TextBox 19">
-              <a:extLst>
-                <a:ext uri="{FF2B5EF4-FFF2-40B4-BE49-F238E27FC236}">
-                  <a16:creationId xmlns:a16="http://schemas.microsoft.com/office/drawing/2014/main" id="{46C193FD-CCCC-45B1-9BEA-DCBCF188264E}"/>
-                </a:ext>
-              </a:extLst>
-            </p:cNvPr>
-            <p:cNvSpPr txBox="1"/>
-            <p:nvPr/>
-          </p:nvSpPr>
-          <p:spPr>
-            <a:xfrm>
-              <a:off x="559858" y="37682"/>
-              <a:ext cx="1577263" cy="584775"/>
-            </a:xfrm>
-            <a:prstGeom prst="rect">
-              <a:avLst/>
-            </a:prstGeom>
-            <a:noFill/>
-          </p:spPr>
-          <p:txBody>
-            <a:bodyPr wrap="square">
-              <a:spAutoFit/>
-            </a:bodyPr>
-            <a:lstStyle/>
-            <a:p>
-              <a:r>
-                <a:rPr lang="ru-RU" sz="1600" b="1" dirty="0">
-                  <a:solidFill>
-                    <a:schemeClr val="bg1">
-                      <a:lumMod val="95000"/>
-                    </a:schemeClr>
-                  </a:solidFill>
-                  <a:latin typeface="Verdana" panose="020B0604030504040204" pitchFamily="34" charset="0"/>
-                  <a:ea typeface="Verdana" panose="020B0604030504040204" pitchFamily="34" charset="0"/>
-                </a:rPr>
-                <a:t>Сетевая связь</a:t>
-              </a:r>
-              <a:endParaRPr lang="x-none" sz="1600" b="1" dirty="0">
-                <a:solidFill>
-                  <a:schemeClr val="bg1">
-                    <a:lumMod val="95000"/>
-                  </a:schemeClr>
-                </a:solidFill>
-                <a:latin typeface="Verdana" panose="020B0604030504040204" pitchFamily="34" charset="0"/>
-                <a:ea typeface="Verdana" panose="020B0604030504040204" pitchFamily="34" charset="0"/>
-              </a:endParaRPr>
-            </a:p>
-          </p:txBody>
-        </p:sp>
-        <p:sp>
-          <p:nvSpPr>
-            <p:cNvPr id="21" name="Прямоугольник 20">
-              <a:extLst>
-                <a:ext uri="{FF2B5EF4-FFF2-40B4-BE49-F238E27FC236}">
-                  <a16:creationId xmlns:a16="http://schemas.microsoft.com/office/drawing/2014/main" id="{29C72257-1E49-41B2-8E28-718FC11F9DEB}"/>
-                </a:ext>
-              </a:extLst>
-            </p:cNvPr>
-            <p:cNvSpPr/>
-            <p:nvPr/>
-          </p:nvSpPr>
-          <p:spPr>
-            <a:xfrm>
-              <a:off x="559858" y="964066"/>
-              <a:ext cx="1453466" cy="338554"/>
-            </a:xfrm>
-            <a:prstGeom prst="rect">
-              <a:avLst/>
-            </a:prstGeom>
-          </p:spPr>
-          <p:txBody>
-            <a:bodyPr wrap="square">
-              <a:spAutoFit/>
-            </a:bodyPr>
-            <a:lstStyle/>
-            <a:p>
-              <a:r>
-                <a:rPr lang="ru-RU" sz="1600" b="1" dirty="0">
-                  <a:solidFill>
-                    <a:schemeClr val="bg1">
-                      <a:lumMod val="95000"/>
-                    </a:schemeClr>
-                  </a:solidFill>
-                  <a:latin typeface="Verdana" panose="020B0604030504040204" pitchFamily="34" charset="0"/>
-                  <a:ea typeface="Verdana" panose="020B0604030504040204" pitchFamily="34" charset="0"/>
-                </a:rPr>
-                <a:t>Сущность</a:t>
-              </a:r>
-            </a:p>
-          </p:txBody>
-        </p:sp>
-      </p:grpSp>
-    </p:spTree>
-    <p:extLst>
-      <p:ext uri="{BB962C8B-B14F-4D97-AF65-F5344CB8AC3E}">
-        <p14:creationId xmlns:p14="http://schemas.microsoft.com/office/powerpoint/2010/main" val="2481491869"/>
-      </p:ext>
-    </p:extLst>
-  </p:cSld>
-  <p:clrMapOvr>
-    <a:masterClrMapping/>
-  </p:clrMapOvr>
-</p:sld>
-</file>
-
-<file path=ppt/slides/slide9.xml><?xml version="1.0" encoding="utf-8"?>
-<p:sld xmlns:a="http://schemas.openxmlformats.org/drawingml/2006/main" xmlns:r="http://schemas.openxmlformats.org/officeDocument/2006/relationships" xmlns:p="http://schemas.openxmlformats.org/presentationml/2006/main">
-  <p:cSld>
-    <p:spTree>
-      <p:nvGrpSpPr>
-        <p:cNvPr id="1" name=""/>
-        <p:cNvGrpSpPr/>
-        <p:nvPr/>
-      </p:nvGrpSpPr>
-      <p:grpSpPr>
-        <a:xfrm>
-          <a:off x="0" y="0"/>
-          <a:ext cx="0" cy="0"/>
-          <a:chOff x="0" y="0"/>
-          <a:chExt cx="0" cy="0"/>
-        </a:xfrm>
-      </p:grpSpPr>
-      <p:sp>
-        <p:nvSpPr>
-          <p:cNvPr id="45" name="Прямоугольник 44">
-            <a:extLst>
-              <a:ext uri="{FF2B5EF4-FFF2-40B4-BE49-F238E27FC236}">
-                <a16:creationId xmlns:a16="http://schemas.microsoft.com/office/drawing/2014/main" id="{F844FAD0-BFD3-42F8-8444-0D4247E6F864}"/>
-              </a:ext>
-            </a:extLst>
-          </p:cNvPr>
-          <p:cNvSpPr/>
-          <p:nvPr/>
-        </p:nvSpPr>
-        <p:spPr bwMode="auto">
-          <a:xfrm>
-            <a:off x="0" y="0"/>
-            <a:ext cx="1080000" cy="5143500"/>
-          </a:xfrm>
-          <a:prstGeom prst="rect">
-            <a:avLst/>
-          </a:prstGeom>
-          <a:solidFill>
-            <a:srgbClr val="004868"/>
-          </a:solidFill>
-          <a:ln w="9525" cap="flat" cmpd="sng" algn="ctr">
-            <a:noFill/>
-            <a:prstDash val="solid"/>
-            <a:round/>
-            <a:headEnd type="none" w="med" len="med"/>
-            <a:tailEnd type="none" w="med" len="med"/>
-          </a:ln>
-          <a:effectLst/>
-        </p:spPr>
-        <p:txBody>
-          <a:bodyPr vert="horz" wrap="square" lIns="77925" tIns="38963" rIns="77925" bIns="38963" numCol="1" rtlCol="0" anchor="ctr" anchorCtr="0" compatLnSpc="1">
-            <a:prstTxWarp prst="textNoShape">
-              <a:avLst/>
-            </a:prstTxWarp>
-          </a:bodyPr>
-          <a:lstStyle/>
-          <a:p>
-            <a:pPr>
-              <a:lnSpc>
-                <a:spcPct val="93000"/>
-              </a:lnSpc>
-              <a:buClr>
-                <a:srgbClr val="000000"/>
-              </a:buClr>
-              <a:buSzPct val="100000"/>
-            </a:pPr>
-            <a:endParaRPr lang="ru-RU" sz="2000" b="1" dirty="0">
-              <a:solidFill>
-                <a:schemeClr val="bg1"/>
-              </a:solidFill>
-              <a:latin typeface="Century Gothic" panose="020B0502020202020204" pitchFamily="34" charset="0"/>
-            </a:endParaRPr>
-          </a:p>
-        </p:txBody>
-      </p:sp>
-      <p:cxnSp>
-        <p:nvCxnSpPr>
-          <p:cNvPr id="27" name="Прямая соединительная линия 26">
-            <a:extLst>
-              <a:ext uri="{FF2B5EF4-FFF2-40B4-BE49-F238E27FC236}">
-                <a16:creationId xmlns:a16="http://schemas.microsoft.com/office/drawing/2014/main" id="{7D440611-E861-4ADC-BE55-6C5E3E2135B0}"/>
-              </a:ext>
-            </a:extLst>
-          </p:cNvPr>
-          <p:cNvCxnSpPr>
-            <a:cxnSpLocks/>
-          </p:cNvCxnSpPr>
-          <p:nvPr/>
-        </p:nvCxnSpPr>
-        <p:spPr>
-          <a:xfrm>
-            <a:off x="3059832" y="867700"/>
-            <a:ext cx="5832648" cy="0"/>
-          </a:xfrm>
-          <a:prstGeom prst="line">
-            <a:avLst/>
-          </a:prstGeom>
-          <a:ln w="28575">
-            <a:solidFill>
-              <a:schemeClr val="tx2"/>
-            </a:solidFill>
-          </a:ln>
-        </p:spPr>
-        <p:style>
-          <a:lnRef idx="1">
-            <a:schemeClr val="accent1"/>
-          </a:lnRef>
-          <a:fillRef idx="0">
-            <a:schemeClr val="accent1"/>
-          </a:fillRef>
-          <a:effectRef idx="0">
-            <a:schemeClr val="accent1"/>
-          </a:effectRef>
-          <a:fontRef idx="minor">
-            <a:schemeClr val="tx1"/>
-          </a:fontRef>
-        </p:style>
-      </p:cxnSp>
-      <p:sp>
-        <p:nvSpPr>
-          <p:cNvPr id="25" name="Rectangle 1"/>
-          <p:cNvSpPr txBox="1">
-            <a:spLocks noChangeArrowheads="1"/>
-          </p:cNvSpPr>
-          <p:nvPr/>
-        </p:nvSpPr>
-        <p:spPr>
-          <a:xfrm>
-            <a:off x="2990262" y="921650"/>
-            <a:ext cx="5830209" cy="3787273"/>
-          </a:xfrm>
-          <a:prstGeom prst="rect">
-            <a:avLst/>
-          </a:prstGeom>
-        </p:spPr>
-        <p:txBody>
-          <a:bodyPr vert="horz" lIns="91440" tIns="45720" rIns="91440" bIns="45720" rtlCol="0" anchor="t">
-            <a:normAutofit/>
-          </a:bodyPr>
-          <a:lstStyle>
-            <a:lvl1pPr algn="ctr" defTabSz="914400" rtl="0" eaLnBrk="1" latinLnBrk="0" hangingPunct="1">
-              <a:spcBef>
-                <a:spcPct val="0"/>
-              </a:spcBef>
-              <a:buNone/>
-              <a:defRPr sz="4400" kern="1200">
-                <a:solidFill>
-                  <a:schemeClr val="tx1"/>
-                </a:solidFill>
-                <a:latin typeface="+mj-lt"/>
-                <a:ea typeface="+mj-ea"/>
-                <a:cs typeface="+mj-cs"/>
-              </a:defRPr>
-            </a:lvl1pPr>
-          </a:lstStyle>
-          <a:p>
-            <a:pPr marL="257175" indent="-254794" algn="l">
-              <a:spcBef>
-                <a:spcPts val="450"/>
-              </a:spcBef>
-              <a:tabLst>
-                <a:tab pos="257175" algn="l"/>
-                <a:tab pos="335756" algn="l"/>
-                <a:tab pos="672704" algn="l"/>
-                <a:tab pos="1009650" algn="l"/>
-                <a:tab pos="1346597" algn="l"/>
-                <a:tab pos="1683544" algn="l"/>
-                <a:tab pos="2020491" algn="l"/>
-                <a:tab pos="2357438" algn="l"/>
-                <a:tab pos="2694385" algn="l"/>
-                <a:tab pos="3031331" algn="l"/>
-                <a:tab pos="3368279" algn="l"/>
-                <a:tab pos="3705225" algn="l"/>
-                <a:tab pos="4042172" algn="l"/>
-                <a:tab pos="4379119" algn="l"/>
-                <a:tab pos="4716066" algn="l"/>
-                <a:tab pos="5053013" algn="l"/>
-                <a:tab pos="5389960" algn="l"/>
-                <a:tab pos="5726906" algn="l"/>
-                <a:tab pos="6063854" algn="l"/>
-                <a:tab pos="6400800" algn="l"/>
-                <a:tab pos="6737747" algn="l"/>
-              </a:tabLst>
-            </a:pPr>
-            <a:r>
-              <a:rPr lang="en-US" altLang="ru-RU" sz="3200" dirty="0">
-                <a:cs typeface="Times New Roman" panose="02020603050405020304" pitchFamily="18" charset="0"/>
-              </a:rPr>
-              <a:t>                     </a:t>
-            </a:r>
-            <a:endParaRPr lang="ru-RU" altLang="ru-RU" sz="3200" dirty="0">
-              <a:cs typeface="Times New Roman" panose="02020603050405020304" pitchFamily="18" charset="0"/>
-            </a:endParaRPr>
-          </a:p>
-        </p:txBody>
-      </p:sp>
-      <p:sp>
-        <p:nvSpPr>
-          <p:cNvPr id="5" name="Прямоугольник 4"/>
-          <p:cNvSpPr/>
-          <p:nvPr/>
-        </p:nvSpPr>
-        <p:spPr>
-          <a:xfrm>
-            <a:off x="3176596" y="4071328"/>
-            <a:ext cx="5599119" cy="461665"/>
-          </a:xfrm>
-          <a:prstGeom prst="rect">
-            <a:avLst/>
-          </a:prstGeom>
-        </p:spPr>
-        <p:txBody>
-          <a:bodyPr wrap="square">
-            <a:spAutoFit/>
-          </a:bodyPr>
-          <a:lstStyle/>
-          <a:p>
-            <a:pPr>
-              <a:tabLst>
-                <a:tab pos="447675" algn="l"/>
-                <a:tab pos="896938" algn="l"/>
-                <a:tab pos="1346200" algn="l"/>
-                <a:tab pos="1795463" algn="l"/>
-                <a:tab pos="2244725" algn="l"/>
-                <a:tab pos="2693988" algn="l"/>
-                <a:tab pos="3143250" algn="l"/>
-                <a:tab pos="3592513" algn="l"/>
-                <a:tab pos="4041775" algn="l"/>
-                <a:tab pos="4491038" algn="l"/>
-                <a:tab pos="4940300" algn="l"/>
-                <a:tab pos="5389563" algn="l"/>
-                <a:tab pos="5838825" algn="l"/>
-                <a:tab pos="6288088" algn="l"/>
-                <a:tab pos="6737350" algn="l"/>
-                <a:tab pos="7186613" algn="l"/>
-                <a:tab pos="7635875" algn="l"/>
-                <a:tab pos="8085138" algn="l"/>
-                <a:tab pos="8534400" algn="l"/>
-                <a:tab pos="8983663" algn="l"/>
-              </a:tabLst>
-            </a:pPr>
-            <a:r>
-              <a:rPr lang="en-US" altLang="ru-RU" sz="2400" dirty="0">
-                <a:solidFill>
-                  <a:srgbClr val="0070C0"/>
-                </a:solidFill>
-              </a:rPr>
-              <a:t>.</a:t>
-            </a:r>
-            <a:endParaRPr lang="ru-RU" altLang="ru-RU" sz="2400" dirty="0">
-              <a:solidFill>
-                <a:srgbClr val="0070C0"/>
-              </a:solidFill>
-            </a:endParaRPr>
-          </a:p>
-        </p:txBody>
-      </p:sp>
-      <p:sp>
-        <p:nvSpPr>
-          <p:cNvPr id="2" name="Номер слайда 1">
-            <a:extLst>
-              <a:ext uri="{FF2B5EF4-FFF2-40B4-BE49-F238E27FC236}">
-                <a16:creationId xmlns:a16="http://schemas.microsoft.com/office/drawing/2014/main" id="{8E01657B-F768-4F08-87E2-D9C64BA72C56}"/>
-              </a:ext>
-            </a:extLst>
-          </p:cNvPr>
-          <p:cNvSpPr>
-            <a:spLocks noGrp="1"/>
-          </p:cNvSpPr>
-          <p:nvPr>
-            <p:ph type="sldNum" sz="quarter" idx="12"/>
-          </p:nvPr>
-        </p:nvSpPr>
-        <p:spPr/>
-        <p:txBody>
-          <a:bodyPr/>
-          <a:lstStyle/>
-          <a:p>
-            <a:fld id="{B19B0651-EE4F-4900-A07F-96A6BFA9D0F0}" type="slidenum">
-              <a:rPr lang="ru-RU" smtClean="0"/>
-              <a:pPr/>
-              <a:t>9</a:t>
-            </a:fld>
-            <a:endParaRPr lang="ru-RU"/>
-          </a:p>
-        </p:txBody>
-      </p:sp>
-      <p:sp>
-        <p:nvSpPr>
-          <p:cNvPr id="11" name="Прямоугольник 10">
-            <a:extLst>
-              <a:ext uri="{FF2B5EF4-FFF2-40B4-BE49-F238E27FC236}">
-                <a16:creationId xmlns:a16="http://schemas.microsoft.com/office/drawing/2014/main" id="{F5B9C039-8D32-43C5-AA77-BDC3223A6E65}"/>
-              </a:ext>
-            </a:extLst>
-          </p:cNvPr>
-          <p:cNvSpPr/>
-          <p:nvPr/>
-        </p:nvSpPr>
-        <p:spPr>
-          <a:xfrm>
-            <a:off x="3203848" y="299798"/>
-            <a:ext cx="6110664" cy="461665"/>
-          </a:xfrm>
-          <a:prstGeom prst="rect">
-            <a:avLst/>
-          </a:prstGeom>
-        </p:spPr>
-        <p:txBody>
-          <a:bodyPr wrap="square">
-            <a:spAutoFit/>
-          </a:bodyPr>
-          <a:lstStyle/>
-          <a:p>
-            <a:r>
-              <a:rPr lang="ru-RU" sz="2400" b="1" dirty="0">
-                <a:solidFill>
-                  <a:schemeClr val="tx2"/>
-                </a:solidFill>
-                <a:latin typeface="Verdana" panose="020B0604030504040204" pitchFamily="34" charset="0"/>
-                <a:ea typeface="Verdana" panose="020B0604030504040204" pitchFamily="34" charset="0"/>
-              </a:rPr>
-              <a:t>Структурная схема ПО</a:t>
-            </a:r>
-          </a:p>
-        </p:txBody>
-      </p:sp>
-      <p:sp>
-        <p:nvSpPr>
-          <p:cNvPr id="8" name="Прямоугольник 7">
-            <a:extLst>
-              <a:ext uri="{FF2B5EF4-FFF2-40B4-BE49-F238E27FC236}">
-                <a16:creationId xmlns:a16="http://schemas.microsoft.com/office/drawing/2014/main" id="{E0C7576F-FDF0-4DF4-B5D1-9A0EB9970A67}"/>
-              </a:ext>
-            </a:extLst>
-          </p:cNvPr>
-          <p:cNvSpPr/>
-          <p:nvPr/>
-        </p:nvSpPr>
-        <p:spPr>
-          <a:xfrm>
-            <a:off x="2920823" y="1131590"/>
-            <a:ext cx="6110664" cy="1200329"/>
-          </a:xfrm>
-          <a:prstGeom prst="rect">
-            <a:avLst/>
-          </a:prstGeom>
-        </p:spPr>
-        <p:txBody>
-          <a:bodyPr wrap="square">
-            <a:spAutoFit/>
-          </a:bodyPr>
-          <a:lstStyle/>
-          <a:p>
-            <a:r>
-              <a:rPr lang="ru-RU" sz="2400" dirty="0">
-                <a:solidFill>
-                  <a:schemeClr val="tx2"/>
-                </a:solidFill>
-                <a:latin typeface="Verdana" panose="020B0604030504040204" pitchFamily="34" charset="0"/>
-                <a:ea typeface="Verdana" panose="020B0604030504040204" pitchFamily="34" charset="0"/>
-              </a:rPr>
-              <a:t>Про </a:t>
-            </a:r>
-            <a:r>
-              <a:rPr lang="ru-RU" sz="2400" dirty="0" err="1">
-                <a:solidFill>
-                  <a:schemeClr val="tx2"/>
-                </a:solidFill>
-                <a:latin typeface="Verdana" panose="020B0604030504040204" pitchFamily="34" charset="0"/>
-                <a:ea typeface="Verdana" panose="020B0604030504040204" pitchFamily="34" charset="0"/>
-              </a:rPr>
-              <a:t>касперский</a:t>
-            </a:r>
-            <a:r>
-              <a:rPr lang="ru-RU" sz="2400" dirty="0">
-                <a:solidFill>
-                  <a:schemeClr val="tx2"/>
-                </a:solidFill>
-                <a:latin typeface="Verdana" panose="020B0604030504040204" pitchFamily="34" charset="0"/>
-                <a:ea typeface="Verdana" panose="020B0604030504040204" pitchFamily="34" charset="0"/>
-              </a:rPr>
-              <a:t> ОС в структуре ПО</a:t>
-            </a:r>
-          </a:p>
-          <a:p>
-            <a:r>
-              <a:rPr lang="ru-RU" sz="2400" dirty="0">
-                <a:solidFill>
-                  <a:schemeClr val="tx2"/>
-                </a:solidFill>
-                <a:latin typeface="Verdana" panose="020B0604030504040204" pitchFamily="34" charset="0"/>
-                <a:ea typeface="Verdana" panose="020B0604030504040204" pitchFamily="34" charset="0"/>
-              </a:rPr>
-              <a:t>Нарисовать схему с </a:t>
-            </a:r>
-            <a:r>
-              <a:rPr lang="en-US" sz="2400" dirty="0">
-                <a:solidFill>
-                  <a:schemeClr val="tx2"/>
-                </a:solidFill>
-                <a:latin typeface="Verdana" panose="020B0604030504040204" pitchFamily="34" charset="0"/>
-                <a:ea typeface="Verdana" panose="020B0604030504040204" pitchFamily="34" charset="0"/>
-              </a:rPr>
-              <a:t>VFS, </a:t>
-            </a:r>
-            <a:r>
-              <a:rPr lang="ru-RU" sz="2400" dirty="0">
-                <a:solidFill>
-                  <a:schemeClr val="tx2"/>
-                </a:solidFill>
-                <a:latin typeface="Verdana" panose="020B0604030504040204" pitchFamily="34" charset="0"/>
-                <a:ea typeface="Verdana" panose="020B0604030504040204" pitchFamily="34" charset="0"/>
-              </a:rPr>
-              <a:t>драйвер сетевой, </a:t>
-            </a:r>
-            <a:r>
-              <a:rPr lang="en-US" sz="2400" dirty="0">
-                <a:solidFill>
-                  <a:schemeClr val="tx2"/>
-                </a:solidFill>
-                <a:latin typeface="Verdana" panose="020B0604030504040204" pitchFamily="34" charset="0"/>
-                <a:ea typeface="Verdana" panose="020B0604030504040204" pitchFamily="34" charset="0"/>
-              </a:rPr>
-              <a:t>EDL)</a:t>
-            </a:r>
-            <a:endParaRPr lang="ru-RU" sz="2400" dirty="0">
-              <a:solidFill>
-                <a:schemeClr val="tx2"/>
-              </a:solidFill>
-              <a:latin typeface="Verdana" panose="020B0604030504040204" pitchFamily="34" charset="0"/>
-              <a:ea typeface="Verdana" panose="020B0604030504040204" pitchFamily="34" charset="0"/>
-            </a:endParaRPr>
-          </a:p>
-        </p:txBody>
-      </p:sp>
-    </p:spTree>
-    <p:extLst>
-      <p:ext uri="{BB962C8B-B14F-4D97-AF65-F5344CB8AC3E}">
-        <p14:creationId xmlns:p14="http://schemas.microsoft.com/office/powerpoint/2010/main" val="1406301044"/>
       </p:ext>
     </p:extLst>
   </p:cSld>

--- a/doc/Presentation.pptx
+++ b/doc/Presentation.pptx
@@ -5,7 +5,7 @@
     <p:sldMasterId id="2147483672" r:id="rId1"/>
   </p:sldMasterIdLst>
   <p:notesMasterIdLst>
-    <p:notesMasterId r:id="rId12"/>
+    <p:notesMasterId r:id="rId13"/>
   </p:notesMasterIdLst>
   <p:sldIdLst>
     <p:sldId id="296" r:id="rId2"/>
@@ -14,10 +14,11 @@
     <p:sldId id="492" r:id="rId5"/>
     <p:sldId id="512" r:id="rId6"/>
     <p:sldId id="495" r:id="rId7"/>
-    <p:sldId id="494" r:id="rId8"/>
-    <p:sldId id="491" r:id="rId9"/>
+    <p:sldId id="491" r:id="rId8"/>
+    <p:sldId id="494" r:id="rId9"/>
     <p:sldId id="511" r:id="rId10"/>
-    <p:sldId id="510" r:id="rId11"/>
+    <p:sldId id="514" r:id="rId11"/>
+    <p:sldId id="510" r:id="rId12"/>
   </p:sldIdLst>
   <p:sldSz cx="9144000" cy="5143500" type="screen16x9"/>
   <p:notesSz cx="6858000" cy="9144000"/>
@@ -127,16 +128,17 @@
             <p14:sldId id="492"/>
             <p14:sldId id="512"/>
             <p14:sldId id="495"/>
+            <p14:sldId id="491"/>
             <p14:sldId id="494"/>
-            <p14:sldId id="491"/>
             <p14:sldId id="511"/>
+            <p14:sldId id="514"/>
             <p14:sldId id="510"/>
           </p14:sldIdLst>
         </p14:section>
       </p14:sectionLst>
     </p:ext>
     <p:ext uri="{EFAFB233-063F-42B5-8137-9DF3F51BA10A}">
-      <p15:sldGuideLst xmlns:p15="http://schemas.microsoft.com/office/powerpoint/2012/main" xmlns="">
+      <p15:sldGuideLst xmlns="" xmlns:p15="http://schemas.microsoft.com/office/powerpoint/2012/main">
         <p15:guide id="1" orient="horz" pos="395" userDrawn="1">
           <p15:clr>
             <a:srgbClr val="A4A3A4"/>
@@ -1042,7 +1044,7 @@
     </p:spTree>
     <p:extLst>
       <p:ext uri="{BB962C8B-B14F-4D97-AF65-F5344CB8AC3E}">
-        <p14:creationId xmlns:p14="http://schemas.microsoft.com/office/powerpoint/2010/main" val="1514218338"/>
+        <p14:creationId xmlns:p14="http://schemas.microsoft.com/office/powerpoint/2010/main" val="1626901591"/>
       </p:ext>
     </p:extLst>
   </p:cSld>
@@ -1156,7 +1158,7 @@
     </p:spTree>
     <p:extLst>
       <p:ext uri="{BB962C8B-B14F-4D97-AF65-F5344CB8AC3E}">
-        <p14:creationId xmlns:p14="http://schemas.microsoft.com/office/powerpoint/2010/main" val="1626901591"/>
+        <p14:creationId xmlns:p14="http://schemas.microsoft.com/office/powerpoint/2010/main" val="1514218338"/>
       </p:ext>
     </p:extLst>
   </p:cSld>
@@ -2199,7 +2201,7 @@
           <p:cNvPr id="2" name="Заголовок 1">
             <a:extLst>
               <a:ext uri="{FF2B5EF4-FFF2-40B4-BE49-F238E27FC236}">
-                <a16:creationId xmlns:a16="http://schemas.microsoft.com/office/drawing/2014/main" xmlns="" id="{1187A9FC-966E-4F88-A65A-7E03044F5433}"/>
+                <a16:creationId xmlns="" xmlns:a16="http://schemas.microsoft.com/office/drawing/2014/main" id="{1187A9FC-966E-4F88-A65A-7E03044F5433}"/>
               </a:ext>
             </a:extLst>
           </p:cNvPr>
@@ -2227,7 +2229,7 @@
           <p:cNvPr id="3" name="Дата 2">
             <a:extLst>
               <a:ext uri="{FF2B5EF4-FFF2-40B4-BE49-F238E27FC236}">
-                <a16:creationId xmlns:a16="http://schemas.microsoft.com/office/drawing/2014/main" xmlns="" id="{7625A992-FDE0-409C-A39E-4079FE954E51}"/>
+                <a16:creationId xmlns="" xmlns:a16="http://schemas.microsoft.com/office/drawing/2014/main" id="{7625A992-FDE0-409C-A39E-4079FE954E51}"/>
               </a:ext>
             </a:extLst>
           </p:cNvPr>
@@ -2256,7 +2258,7 @@
           <p:cNvPr id="4" name="Нижний колонтитул 3">
             <a:extLst>
               <a:ext uri="{FF2B5EF4-FFF2-40B4-BE49-F238E27FC236}">
-                <a16:creationId xmlns:a16="http://schemas.microsoft.com/office/drawing/2014/main" xmlns="" id="{93E533D9-BB3D-4C32-AC6D-B5D461B6EECE}"/>
+                <a16:creationId xmlns="" xmlns:a16="http://schemas.microsoft.com/office/drawing/2014/main" id="{93E533D9-BB3D-4C32-AC6D-B5D461B6EECE}"/>
               </a:ext>
             </a:extLst>
           </p:cNvPr>
@@ -2281,7 +2283,7 @@
           <p:cNvPr id="5" name="Номер слайда 4">
             <a:extLst>
               <a:ext uri="{FF2B5EF4-FFF2-40B4-BE49-F238E27FC236}">
-                <a16:creationId xmlns:a16="http://schemas.microsoft.com/office/drawing/2014/main" xmlns="" id="{B403D20D-06F7-4FCC-AFCB-E8F2F26A01BF}"/>
+                <a16:creationId xmlns="" xmlns:a16="http://schemas.microsoft.com/office/drawing/2014/main" id="{B403D20D-06F7-4FCC-AFCB-E8F2F26A01BF}"/>
               </a:ext>
             </a:extLst>
           </p:cNvPr>
@@ -2311,7 +2313,7 @@
           <p:cNvPr id="7" name="Текст 6">
             <a:extLst>
               <a:ext uri="{FF2B5EF4-FFF2-40B4-BE49-F238E27FC236}">
-                <a16:creationId xmlns:a16="http://schemas.microsoft.com/office/drawing/2014/main" xmlns="" id="{9DF0B83D-EEFA-4CD3-ABB2-378315AC97AA}"/>
+                <a16:creationId xmlns="" xmlns:a16="http://schemas.microsoft.com/office/drawing/2014/main" id="{9DF0B83D-EEFA-4CD3-ABB2-378315AC97AA}"/>
               </a:ext>
             </a:extLst>
           </p:cNvPr>
@@ -4360,7 +4362,7 @@
           <p:cNvPr id="23" name="Полилиния: фигура 22">
             <a:extLst>
               <a:ext uri="{FF2B5EF4-FFF2-40B4-BE49-F238E27FC236}">
-                <a16:creationId xmlns:a16="http://schemas.microsoft.com/office/drawing/2014/main" xmlns="" id="{2346EF01-306A-45F1-B49E-ADB43FC604E8}"/>
+                <a16:creationId xmlns="" xmlns:a16="http://schemas.microsoft.com/office/drawing/2014/main" id="{2346EF01-306A-45F1-B49E-ADB43FC604E8}"/>
               </a:ext>
             </a:extLst>
           </p:cNvPr>
@@ -4457,7 +4459,7 @@
           <p:cNvPr id="7" name="TextBox 6">
             <a:extLst>
               <a:ext uri="{FF2B5EF4-FFF2-40B4-BE49-F238E27FC236}">
-                <a16:creationId xmlns:a16="http://schemas.microsoft.com/office/drawing/2014/main" xmlns="" id="{DB65D454-9513-AE4B-B897-CBE3585FB02C}"/>
+                <a16:creationId xmlns="" xmlns:a16="http://schemas.microsoft.com/office/drawing/2014/main" id="{DB65D454-9513-AE4B-B897-CBE3585FB02C}"/>
               </a:ext>
             </a:extLst>
           </p:cNvPr>
@@ -4599,7 +4601,7 @@
           <p:cNvPr id="25" name="TextBox 24">
             <a:extLst>
               <a:ext uri="{FF2B5EF4-FFF2-40B4-BE49-F238E27FC236}">
-                <a16:creationId xmlns:a16="http://schemas.microsoft.com/office/drawing/2014/main" xmlns="" id="{5F839AF4-2DA2-448E-9D55-17402DA471EB}"/>
+                <a16:creationId xmlns="" xmlns:a16="http://schemas.microsoft.com/office/drawing/2014/main" id="{5F839AF4-2DA2-448E-9D55-17402DA471EB}"/>
               </a:ext>
             </a:extLst>
           </p:cNvPr>
@@ -4657,7 +4659,7 @@
           <p:cNvPr id="9" name="Рисунок 8" descr="Изображение выглядит как фотография, знак, черный, белый&#10;&#10;Автоматически созданное описание">
             <a:extLst>
               <a:ext uri="{FF2B5EF4-FFF2-40B4-BE49-F238E27FC236}">
-                <a16:creationId xmlns:a16="http://schemas.microsoft.com/office/drawing/2014/main" xmlns="" id="{074BF89E-2F5E-4138-803A-5E07BFE000CD}"/>
+                <a16:creationId xmlns="" xmlns:a16="http://schemas.microsoft.com/office/drawing/2014/main" id="{074BF89E-2F5E-4138-803A-5E07BFE000CD}"/>
               </a:ext>
             </a:extLst>
           </p:cNvPr>
@@ -4693,7 +4695,7 @@
           <p:cNvPr id="8" name="Прямоугольник 7">
             <a:extLst>
               <a:ext uri="{FF2B5EF4-FFF2-40B4-BE49-F238E27FC236}">
-                <a16:creationId xmlns:a16="http://schemas.microsoft.com/office/drawing/2014/main" xmlns="" id="{B22E2906-0F12-4345-BF21-9247EC5D1052}"/>
+                <a16:creationId xmlns="" xmlns:a16="http://schemas.microsoft.com/office/drawing/2014/main" id="{B22E2906-0F12-4345-BF21-9247EC5D1052}"/>
               </a:ext>
             </a:extLst>
           </p:cNvPr>
@@ -4850,7 +4852,7 @@
           <p:cNvPr id="2" name="Номер слайда 1">
             <a:extLst>
               <a:ext uri="{FF2B5EF4-FFF2-40B4-BE49-F238E27FC236}">
-                <a16:creationId xmlns:a16="http://schemas.microsoft.com/office/drawing/2014/main" xmlns="" id="{BA9CF357-4FFB-4B7D-AC71-7714293F20AA}"/>
+                <a16:creationId xmlns="" xmlns:a16="http://schemas.microsoft.com/office/drawing/2014/main" id="{BA9CF357-4FFB-4B7D-AC71-7714293F20AA}"/>
               </a:ext>
             </a:extLst>
           </p:cNvPr>
@@ -4902,10 +4904,95 @@
       </p:grpSpPr>
       <p:sp>
         <p:nvSpPr>
+          <p:cNvPr id="3" name="Объект 2">
+            <a:extLst>
+              <a:ext uri="{FF2B5EF4-FFF2-40B4-BE49-F238E27FC236}">
+                <a16:creationId xmlns="" xmlns:a16="http://schemas.microsoft.com/office/drawing/2014/main" id="{807A1DB7-1B94-4C8E-9E43-F2737C3A6C6E}"/>
+              </a:ext>
+            </a:extLst>
+          </p:cNvPr>
+          <p:cNvSpPr>
+            <a:spLocks noGrp="1"/>
+          </p:cNvSpPr>
+          <p:nvPr>
+            <p:ph idx="1"/>
+          </p:nvPr>
+        </p:nvSpPr>
+        <p:spPr>
+          <a:xfrm>
+            <a:off x="2555776" y="1059582"/>
+            <a:ext cx="6336704" cy="3384351"/>
+          </a:xfrm>
+        </p:spPr>
+        <p:txBody>
+          <a:bodyPr>
+            <a:normAutofit/>
+          </a:bodyPr>
+          <a:lstStyle/>
+          <a:p>
+            <a:pPr marL="0" indent="0">
+              <a:buNone/>
+            </a:pPr>
+            <a:r>
+              <a:rPr lang="ru-RU" sz="1600" dirty="0" smtClean="0"/>
+              <a:t>В </a:t>
+            </a:r>
+            <a:r>
+              <a:rPr lang="ru-RU" sz="1600" dirty="0" smtClean="0"/>
+              <a:t>дальнейшем хотим реализовать </a:t>
+            </a:r>
+            <a:r>
+              <a:rPr lang="en-US" sz="1600" dirty="0" smtClean="0"/>
+              <a:t>KOS </a:t>
+            </a:r>
+            <a:r>
+              <a:rPr lang="ru-RU" sz="1600" dirty="0" smtClean="0"/>
+              <a:t>с имитацией окружающей обстановки под </a:t>
+            </a:r>
+            <a:r>
+              <a:rPr lang="en-US" sz="1600" dirty="0" smtClean="0"/>
+              <a:t>QEMU</a:t>
+            </a:r>
+            <a:endParaRPr lang="ru-RU" sz="1600" dirty="0"/>
+          </a:p>
+        </p:txBody>
+      </p:sp>
+      <p:sp>
+        <p:nvSpPr>
+          <p:cNvPr id="4" name="Номер слайда 3">
+            <a:extLst>
+              <a:ext uri="{FF2B5EF4-FFF2-40B4-BE49-F238E27FC236}">
+                <a16:creationId xmlns="" xmlns:a16="http://schemas.microsoft.com/office/drawing/2014/main" id="{407E3DFD-05CC-48DB-9081-F8A9F136813E}"/>
+              </a:ext>
+            </a:extLst>
+          </p:cNvPr>
+          <p:cNvSpPr>
+            <a:spLocks noGrp="1"/>
+          </p:cNvSpPr>
+          <p:nvPr>
+            <p:ph type="sldNum" sz="quarter" idx="12"/>
+          </p:nvPr>
+        </p:nvSpPr>
+        <p:spPr/>
+        <p:txBody>
+          <a:bodyPr/>
+          <a:lstStyle/>
+          <a:p>
+            <a:fld id="{B19B0651-EE4F-4900-A07F-96A6BFA9D0F0}" type="slidenum">
+              <a:rPr lang="ru-RU" smtClean="0"/>
+              <a:pPr/>
+              <a:t>10</a:t>
+            </a:fld>
+            <a:endParaRPr lang="ru-RU"/>
+          </a:p>
+        </p:txBody>
+      </p:sp>
+      <p:sp>
+        <p:nvSpPr>
           <p:cNvPr id="5" name="Прямоугольник 4">
             <a:extLst>
               <a:ext uri="{FF2B5EF4-FFF2-40B4-BE49-F238E27FC236}">
-                <a16:creationId xmlns:a16="http://schemas.microsoft.com/office/drawing/2014/main" xmlns="" id="{73F08337-4FBD-49CA-B7CF-082FB8F03E03}"/>
+                <a16:creationId xmlns="" xmlns:a16="http://schemas.microsoft.com/office/drawing/2014/main" id="{910DF3EC-1F25-4526-9FE7-8BC70A8DF0C5}"/>
               </a:ext>
             </a:extLst>
           </p:cNvPr>
@@ -4958,407 +5045,12 @@
           </a:p>
         </p:txBody>
       </p:sp>
-      <p:sp>
-        <p:nvSpPr>
-          <p:cNvPr id="4" name="Номер слайда 3">
+      <p:cxnSp>
+        <p:nvCxnSpPr>
+          <p:cNvPr id="6" name="Прямая соединительная линия 5">
             <a:extLst>
               <a:ext uri="{FF2B5EF4-FFF2-40B4-BE49-F238E27FC236}">
-                <a16:creationId xmlns:a16="http://schemas.microsoft.com/office/drawing/2014/main" xmlns="" id="{A551EE03-DA75-45CF-B8DB-377A0C8A47E0}"/>
-              </a:ext>
-            </a:extLst>
-          </p:cNvPr>
-          <p:cNvSpPr>
-            <a:spLocks noGrp="1"/>
-          </p:cNvSpPr>
-          <p:nvPr>
-            <p:ph type="sldNum" sz="quarter" idx="12"/>
-          </p:nvPr>
-        </p:nvSpPr>
-        <p:spPr/>
-        <p:txBody>
-          <a:bodyPr/>
-          <a:lstStyle/>
-          <a:p>
-            <a:fld id="{B19B0651-EE4F-4900-A07F-96A6BFA9D0F0}" type="slidenum">
-              <a:rPr lang="ru-RU" smtClean="0"/>
-              <a:pPr/>
-              <a:t>10</a:t>
-            </a:fld>
-            <a:endParaRPr lang="ru-RU"/>
-          </a:p>
-        </p:txBody>
-      </p:sp>
-      <p:sp>
-        <p:nvSpPr>
-          <p:cNvPr id="6" name="Прямоугольник 5">
-            <a:extLst>
-              <a:ext uri="{FF2B5EF4-FFF2-40B4-BE49-F238E27FC236}">
-                <a16:creationId xmlns:a16="http://schemas.microsoft.com/office/drawing/2014/main" xmlns="" id="{BB7E2663-AD02-4F1A-96DD-A2715B9F7167}"/>
-              </a:ext>
-            </a:extLst>
-          </p:cNvPr>
-          <p:cNvSpPr/>
-          <p:nvPr/>
-        </p:nvSpPr>
-        <p:spPr>
-          <a:xfrm>
-            <a:off x="3707904" y="699542"/>
-            <a:ext cx="4978896" cy="1569660"/>
-          </a:xfrm>
-          <a:prstGeom prst="rect">
-            <a:avLst/>
-          </a:prstGeom>
-        </p:spPr>
-        <p:txBody>
-          <a:bodyPr wrap="square">
-            <a:spAutoFit/>
-          </a:bodyPr>
-          <a:lstStyle/>
-          <a:p>
-            <a:r>
-              <a:rPr lang="ru-RU" sz="4800" b="1" dirty="0">
-                <a:solidFill>
-                  <a:schemeClr val="tx2"/>
-                </a:solidFill>
-                <a:latin typeface="Verdana" panose="020B0604030504040204" pitchFamily="34" charset="0"/>
-                <a:ea typeface="Verdana" panose="020B0604030504040204" pitchFamily="34" charset="0"/>
-              </a:rPr>
-              <a:t>Спасибо за внимание!</a:t>
-            </a:r>
-          </a:p>
-        </p:txBody>
-      </p:sp>
-      <p:sp>
-        <p:nvSpPr>
-          <p:cNvPr id="7" name="Объект 2">
-            <a:extLst>
-              <a:ext uri="{FF2B5EF4-FFF2-40B4-BE49-F238E27FC236}">
-                <a16:creationId xmlns:a16="http://schemas.microsoft.com/office/drawing/2014/main" xmlns="" id="{DB15A276-4B35-4D81-AA85-B979C4E0F219}"/>
-              </a:ext>
-            </a:extLst>
-          </p:cNvPr>
-          <p:cNvSpPr>
-            <a:spLocks noGrp="1"/>
-          </p:cNvSpPr>
-          <p:nvPr>
-            <p:ph idx="1"/>
-          </p:nvPr>
-        </p:nvSpPr>
-        <p:spPr>
-          <a:xfrm>
-            <a:off x="2267744" y="2843310"/>
-            <a:ext cx="6624736" cy="1728192"/>
-          </a:xfrm>
-        </p:spPr>
-        <p:txBody>
-          <a:bodyPr>
-            <a:normAutofit/>
-          </a:bodyPr>
-          <a:lstStyle/>
-          <a:p>
-            <a:pPr marL="0" indent="0">
-              <a:buNone/>
-            </a:pPr>
-            <a:r>
-              <a:rPr lang="ru-RU" sz="1600" dirty="0">
-                <a:solidFill>
-                  <a:schemeClr val="tx2"/>
-                </a:solidFill>
-                <a:latin typeface="Verdana" panose="020B0604030504040204" pitchFamily="34" charset="0"/>
-                <a:ea typeface="Verdana" panose="020B0604030504040204" pitchFamily="34" charset="0"/>
-              </a:rPr>
-              <a:t>Цатурьян Константин		</a:t>
-            </a:r>
-            <a:r>
-              <a:rPr lang="en-US" sz="1600" dirty="0">
-                <a:solidFill>
-                  <a:schemeClr val="tx2"/>
-                </a:solidFill>
-                <a:latin typeface="Verdana" panose="020B0604030504040204" pitchFamily="34" charset="0"/>
-                <a:ea typeface="Verdana" panose="020B0604030504040204" pitchFamily="34" charset="0"/>
-              </a:rPr>
-              <a:t>	@</a:t>
-            </a:r>
-            <a:r>
-              <a:rPr lang="en-US" sz="1600" dirty="0" err="1">
-                <a:solidFill>
-                  <a:schemeClr val="tx2"/>
-                </a:solidFill>
-                <a:latin typeface="Verdana" panose="020B0604030504040204" pitchFamily="34" charset="0"/>
-                <a:ea typeface="Verdana" panose="020B0604030504040204" pitchFamily="34" charset="0"/>
-              </a:rPr>
-              <a:t>fanglores</a:t>
-            </a:r>
-            <a:endParaRPr lang="en-US" sz="1600" dirty="0">
-              <a:solidFill>
-                <a:schemeClr val="tx2"/>
-              </a:solidFill>
-              <a:latin typeface="Verdana" panose="020B0604030504040204" pitchFamily="34" charset="0"/>
-              <a:ea typeface="Verdana" panose="020B0604030504040204" pitchFamily="34" charset="0"/>
-            </a:endParaRPr>
-          </a:p>
-          <a:p>
-            <a:pPr marL="0" indent="0">
-              <a:buNone/>
-            </a:pPr>
-            <a:r>
-              <a:rPr lang="ru-RU" sz="1600" dirty="0">
-                <a:solidFill>
-                  <a:schemeClr val="tx2"/>
-                </a:solidFill>
-                <a:latin typeface="Verdana" panose="020B0604030504040204" pitchFamily="34" charset="0"/>
-                <a:ea typeface="Verdana" panose="020B0604030504040204" pitchFamily="34" charset="0"/>
-              </a:rPr>
-              <a:t>Тимошенко Александр		</a:t>
-            </a:r>
-            <a:r>
-              <a:rPr lang="en-US" sz="1600" dirty="0">
-                <a:solidFill>
-                  <a:schemeClr val="tx2"/>
-                </a:solidFill>
-                <a:latin typeface="Verdana" panose="020B0604030504040204" pitchFamily="34" charset="0"/>
-                <a:ea typeface="Verdana" panose="020B0604030504040204" pitchFamily="34" charset="0"/>
-              </a:rPr>
-              <a:t>	@</a:t>
-            </a:r>
-            <a:r>
-              <a:rPr lang="en-US" sz="1600" dirty="0" err="1">
-                <a:solidFill>
-                  <a:schemeClr val="tx2"/>
-                </a:solidFill>
-                <a:latin typeface="Verdana" panose="020B0604030504040204" pitchFamily="34" charset="0"/>
-                <a:ea typeface="Verdana" panose="020B0604030504040204" pitchFamily="34" charset="0"/>
-              </a:rPr>
-              <a:t>timoshenkoalex</a:t>
-            </a:r>
-            <a:endParaRPr lang="en-US" sz="1600" dirty="0">
-              <a:solidFill>
-                <a:schemeClr val="tx2"/>
-              </a:solidFill>
-              <a:latin typeface="Verdana" panose="020B0604030504040204" pitchFamily="34" charset="0"/>
-              <a:ea typeface="Verdana" panose="020B0604030504040204" pitchFamily="34" charset="0"/>
-            </a:endParaRPr>
-          </a:p>
-          <a:p>
-            <a:pPr marL="0" indent="0">
-              <a:buNone/>
-            </a:pPr>
-            <a:r>
-              <a:rPr lang="ru-RU" sz="1600" dirty="0" err="1">
-                <a:solidFill>
-                  <a:schemeClr val="tx2"/>
-                </a:solidFill>
-                <a:latin typeface="Verdana" panose="020B0604030504040204" pitchFamily="34" charset="0"/>
-                <a:ea typeface="Verdana" panose="020B0604030504040204" pitchFamily="34" charset="0"/>
-              </a:rPr>
-              <a:t>Кострицына</a:t>
-            </a:r>
-            <a:r>
-              <a:rPr lang="ru-RU" sz="1600" dirty="0">
-                <a:solidFill>
-                  <a:schemeClr val="tx2"/>
-                </a:solidFill>
-                <a:latin typeface="Verdana" panose="020B0604030504040204" pitchFamily="34" charset="0"/>
-                <a:ea typeface="Verdana" panose="020B0604030504040204" pitchFamily="34" charset="0"/>
-              </a:rPr>
-              <a:t> Анастасия 		</a:t>
-            </a:r>
-            <a:r>
-              <a:rPr lang="en-US" sz="1600" dirty="0">
-                <a:solidFill>
-                  <a:schemeClr val="tx2"/>
-                </a:solidFill>
-                <a:latin typeface="Verdana" panose="020B0604030504040204" pitchFamily="34" charset="0"/>
-                <a:ea typeface="Verdana" panose="020B0604030504040204" pitchFamily="34" charset="0"/>
-              </a:rPr>
-              <a:t>	@Anapkost</a:t>
-            </a:r>
-          </a:p>
-          <a:p>
-            <a:pPr marL="0" indent="0">
-              <a:buNone/>
-            </a:pPr>
-            <a:r>
-              <a:rPr lang="en-US" sz="1600" dirty="0">
-                <a:solidFill>
-                  <a:schemeClr val="tx2"/>
-                </a:solidFill>
-                <a:latin typeface="Verdana" panose="020B0604030504040204" pitchFamily="34" charset="0"/>
-                <a:ea typeface="Verdana" panose="020B0604030504040204" pitchFamily="34" charset="0"/>
-              </a:rPr>
-              <a:t>			      </a:t>
-            </a:r>
-          </a:p>
-          <a:p>
-            <a:pPr marL="0" indent="0">
-              <a:buNone/>
-            </a:pPr>
-            <a:r>
-              <a:rPr lang="ru-RU" sz="1600" dirty="0">
-                <a:solidFill>
-                  <a:schemeClr val="tx2"/>
-                </a:solidFill>
-                <a:latin typeface="Verdana" panose="020B0604030504040204" pitchFamily="34" charset="0"/>
-                <a:ea typeface="Verdana" panose="020B0604030504040204" pitchFamily="34" charset="0"/>
-              </a:rPr>
-              <a:t>Максимов Алексей</a:t>
-            </a:r>
-            <a:r>
-              <a:rPr lang="en-US" sz="1600" dirty="0">
-                <a:latin typeface="Verdana" panose="020B0604030504040204" pitchFamily="34" charset="0"/>
-                <a:ea typeface="Verdana" panose="020B0604030504040204" pitchFamily="34" charset="0"/>
-              </a:rPr>
-              <a:t>			</a:t>
-            </a:r>
-            <a:r>
-              <a:rPr lang="en-US" sz="1600" dirty="0">
-                <a:solidFill>
-                  <a:schemeClr val="tx2"/>
-                </a:solidFill>
-                <a:latin typeface="Verdana" panose="020B0604030504040204" pitchFamily="34" charset="0"/>
-                <a:ea typeface="Verdana" panose="020B0604030504040204" pitchFamily="34" charset="0"/>
-              </a:rPr>
-              <a:t>@</a:t>
-            </a:r>
-            <a:endParaRPr lang="ru-RU" sz="1600" dirty="0">
-              <a:solidFill>
-                <a:schemeClr val="tx2"/>
-              </a:solidFill>
-              <a:latin typeface="Verdana" panose="020B0604030504040204" pitchFamily="34" charset="0"/>
-              <a:ea typeface="Verdana" panose="020B0604030504040204" pitchFamily="34" charset="0"/>
-            </a:endParaRPr>
-          </a:p>
-        </p:txBody>
-      </p:sp>
-      <p:pic>
-        <p:nvPicPr>
-          <p:cNvPr id="3074" name="Picture 2" descr="C:\Users\kosiya\Pictures\Links\telegram.png"/>
-          <p:cNvPicPr>
-            <a:picLocks noChangeAspect="1" noChangeArrowheads="1"/>
-          </p:cNvPicPr>
-          <p:nvPr/>
-        </p:nvPicPr>
-        <p:blipFill>
-          <a:blip r:embed="rId2" cstate="print">
-            <a:extLst>
-              <a:ext uri="{28A0092B-C50C-407E-A947-70E740481C1C}">
-                <a14:useLocalDpi xmlns:a14="http://schemas.microsoft.com/office/drawing/2010/main" val="0"/>
-              </a:ext>
-            </a:extLst>
-          </a:blip>
-          <a:srcRect/>
-          <a:stretch>
-            <a:fillRect/>
-          </a:stretch>
-        </p:blipFill>
-        <p:spPr bwMode="auto">
-          <a:xfrm>
-            <a:off x="5508104" y="2853224"/>
-            <a:ext cx="870346" cy="870346"/>
-          </a:xfrm>
-          <a:prstGeom prst="rect">
-            <a:avLst/>
-          </a:prstGeom>
-          <a:noFill/>
-          <a:extLst>
-            <a:ext uri="{909E8E84-426E-40DD-AFC4-6F175D3DCCD1}">
-              <a14:hiddenFill xmlns:a14="http://schemas.microsoft.com/office/drawing/2010/main">
-                <a:solidFill>
-                  <a:srgbClr val="FFFFFF"/>
-                </a:solidFill>
-              </a14:hiddenFill>
-            </a:ext>
-          </a:extLst>
-        </p:spPr>
-      </p:pic>
-    </p:spTree>
-    <p:extLst>
-      <p:ext uri="{BB962C8B-B14F-4D97-AF65-F5344CB8AC3E}">
-        <p14:creationId xmlns:p14="http://schemas.microsoft.com/office/powerpoint/2010/main" val="3991138808"/>
-      </p:ext>
-    </p:extLst>
-  </p:cSld>
-  <p:clrMapOvr>
-    <a:masterClrMapping/>
-  </p:clrMapOvr>
-</p:sld>
-</file>
-
-<file path=ppt/slides/slide2.xml><?xml version="1.0" encoding="utf-8"?>
-<p:sld xmlns:a="http://schemas.openxmlformats.org/drawingml/2006/main" xmlns:r="http://schemas.openxmlformats.org/officeDocument/2006/relationships" xmlns:p="http://schemas.openxmlformats.org/presentationml/2006/main">
-  <p:cSld>
-    <p:spTree>
-      <p:nvGrpSpPr>
-        <p:cNvPr id="1" name=""/>
-        <p:cNvGrpSpPr/>
-        <p:nvPr/>
-      </p:nvGrpSpPr>
-      <p:grpSpPr>
-        <a:xfrm>
-          <a:off x="0" y="0"/>
-          <a:ext cx="0" cy="0"/>
-          <a:chOff x="0" y="0"/>
-          <a:chExt cx="0" cy="0"/>
-        </a:xfrm>
-      </p:grpSpPr>
-      <p:sp>
-        <p:nvSpPr>
-          <p:cNvPr id="9" name="Прямоугольник 8"/>
-          <p:cNvSpPr/>
-          <p:nvPr/>
-        </p:nvSpPr>
-        <p:spPr bwMode="auto">
-          <a:xfrm>
-            <a:off x="0" y="0"/>
-            <a:ext cx="2160000" cy="5143500"/>
-          </a:xfrm>
-          <a:prstGeom prst="rect">
-            <a:avLst/>
-          </a:prstGeom>
-          <a:solidFill>
-            <a:srgbClr val="004868"/>
-          </a:solidFill>
-          <a:ln w="9525" cap="flat" cmpd="sng" algn="ctr">
-            <a:noFill/>
-            <a:prstDash val="solid"/>
-            <a:round/>
-            <a:headEnd type="none" w="med" len="med"/>
-            <a:tailEnd type="none" w="med" len="med"/>
-          </a:ln>
-          <a:effectLst/>
-        </p:spPr>
-        <p:txBody>
-          <a:bodyPr vert="horz" wrap="square" lIns="77925" tIns="38963" rIns="77925" bIns="38963" numCol="1" rtlCol="0" anchor="ctr" anchorCtr="0" compatLnSpc="1">
-            <a:prstTxWarp prst="textNoShape">
-              <a:avLst/>
-            </a:prstTxWarp>
-          </a:bodyPr>
-          <a:lstStyle/>
-          <a:p>
-            <a:pPr>
-              <a:lnSpc>
-                <a:spcPct val="93000"/>
-              </a:lnSpc>
-              <a:buClr>
-                <a:srgbClr val="000000"/>
-              </a:buClr>
-              <a:buSzPct val="100000"/>
-            </a:pPr>
-            <a:endParaRPr lang="ru-RU" sz="2000" b="1" dirty="0">
-              <a:solidFill>
-                <a:schemeClr val="bg1"/>
-              </a:solidFill>
-              <a:latin typeface="Century Gothic" panose="020B0502020202020204" pitchFamily="34" charset="0"/>
-            </a:endParaRPr>
-          </a:p>
-        </p:txBody>
-      </p:sp>
-      <p:cxnSp>
-        <p:nvCxnSpPr>
-          <p:cNvPr id="30" name="Прямая соединительная линия 29">
-            <a:extLst>
-              <a:ext uri="{FF2B5EF4-FFF2-40B4-BE49-F238E27FC236}">
-                <a16:creationId xmlns:a16="http://schemas.microsoft.com/office/drawing/2014/main" xmlns="" id="{F004EEAE-9E59-4362-892F-11F0597BBF49}"/>
+                <a16:creationId xmlns="" xmlns:a16="http://schemas.microsoft.com/office/drawing/2014/main" id="{2467A97C-B77F-44C8-A41B-AB2EE2D11DE3}"/>
               </a:ext>
             </a:extLst>
           </p:cNvPr>
@@ -5398,10 +5090,1072 @@
       </p:cxnSp>
       <p:sp>
         <p:nvSpPr>
+          <p:cNvPr id="8" name="Прямоугольник 7">
+            <a:extLst>
+              <a:ext uri="{FF2B5EF4-FFF2-40B4-BE49-F238E27FC236}">
+                <a16:creationId xmlns="" xmlns:a16="http://schemas.microsoft.com/office/drawing/2014/main" id="{8CF585ED-3269-46F3-8B9F-D294E6449231}"/>
+              </a:ext>
+            </a:extLst>
+          </p:cNvPr>
+          <p:cNvSpPr/>
+          <p:nvPr/>
+        </p:nvSpPr>
+        <p:spPr>
+          <a:xfrm>
+            <a:off x="3207657" y="301336"/>
+            <a:ext cx="6110664" cy="461665"/>
+          </a:xfrm>
+          <a:prstGeom prst="rect">
+            <a:avLst/>
+          </a:prstGeom>
+        </p:spPr>
+        <p:txBody>
+          <a:bodyPr wrap="square">
+            <a:spAutoFit/>
+          </a:bodyPr>
+          <a:lstStyle/>
+          <a:p>
+            <a:r>
+              <a:rPr lang="ru-RU" sz="2400" b="1" dirty="0" smtClean="0">
+                <a:solidFill>
+                  <a:schemeClr val="tx2"/>
+                </a:solidFill>
+                <a:latin typeface="Verdana" panose="020B0604030504040204" pitchFamily="34" charset="0"/>
+                <a:ea typeface="Verdana" panose="020B0604030504040204" pitchFamily="34" charset="0"/>
+              </a:rPr>
+              <a:t>Потенциал (</a:t>
+            </a:r>
+            <a:r>
+              <a:rPr lang="en-US" sz="2400" b="1" dirty="0" smtClean="0">
+                <a:solidFill>
+                  <a:schemeClr val="tx2"/>
+                </a:solidFill>
+                <a:latin typeface="Verdana" panose="020B0604030504040204" pitchFamily="34" charset="0"/>
+                <a:ea typeface="Verdana" panose="020B0604030504040204" pitchFamily="34" charset="0"/>
+              </a:rPr>
+              <a:t>?)</a:t>
+            </a:r>
+            <a:endParaRPr lang="ru-RU" sz="2400" b="1" dirty="0">
+              <a:solidFill>
+                <a:schemeClr val="tx2"/>
+              </a:solidFill>
+              <a:latin typeface="Verdana" panose="020B0604030504040204" pitchFamily="34" charset="0"/>
+              <a:ea typeface="Verdana" panose="020B0604030504040204" pitchFamily="34" charset="0"/>
+            </a:endParaRPr>
+          </a:p>
+        </p:txBody>
+      </p:sp>
+      <p:grpSp>
+        <p:nvGrpSpPr>
+          <p:cNvPr id="7" name="Группа 6">
+            <a:extLst>
+              <a:ext uri="{FF2B5EF4-FFF2-40B4-BE49-F238E27FC236}">
+                <a16:creationId xmlns="" xmlns:a16="http://schemas.microsoft.com/office/drawing/2014/main" id="{139A77F8-7D49-45A1-9214-19DF6CAEDB87}"/>
+              </a:ext>
+            </a:extLst>
+          </p:cNvPr>
+          <p:cNvGrpSpPr/>
+          <p:nvPr/>
+        </p:nvGrpSpPr>
+        <p:grpSpPr>
+          <a:xfrm>
+            <a:off x="132856" y="987574"/>
+            <a:ext cx="2101319" cy="2106266"/>
+            <a:chOff x="174072" y="171978"/>
+            <a:chExt cx="2101319" cy="2106266"/>
+          </a:xfrm>
+        </p:grpSpPr>
+        <p:sp>
+          <p:nvSpPr>
+            <p:cNvPr id="9" name="Прямоугольник 8">
+              <a:extLst>
+                <a:ext uri="{FF2B5EF4-FFF2-40B4-BE49-F238E27FC236}">
+                  <a16:creationId xmlns="" xmlns:a16="http://schemas.microsoft.com/office/drawing/2014/main" id="{C1AF4255-9B0F-4619-888B-C211218E49FF}"/>
+                </a:ext>
+              </a:extLst>
+            </p:cNvPr>
+            <p:cNvSpPr/>
+            <p:nvPr/>
+          </p:nvSpPr>
+          <p:spPr>
+            <a:xfrm>
+              <a:off x="182776" y="176182"/>
+              <a:ext cx="307777" cy="307777"/>
+            </a:xfrm>
+            <a:prstGeom prst="rect">
+              <a:avLst/>
+            </a:prstGeom>
+            <a:solidFill>
+              <a:schemeClr val="bg1">
+                <a:lumMod val="95000"/>
+              </a:schemeClr>
+            </a:solidFill>
+            <a:ln>
+              <a:noFill/>
+            </a:ln>
+          </p:spPr>
+          <p:style>
+            <a:lnRef idx="2">
+              <a:schemeClr val="accent1">
+                <a:shade val="50000"/>
+              </a:schemeClr>
+            </a:lnRef>
+            <a:fillRef idx="1">
+              <a:schemeClr val="accent1"/>
+            </a:fillRef>
+            <a:effectRef idx="0">
+              <a:schemeClr val="accent1"/>
+            </a:effectRef>
+            <a:fontRef idx="minor">
+              <a:schemeClr val="lt1"/>
+            </a:fontRef>
+          </p:style>
+          <p:txBody>
+            <a:bodyPr rtlCol="0" anchor="ctr"/>
+            <a:lstStyle/>
+            <a:p>
+              <a:pPr algn="ctr"/>
+              <a:endParaRPr lang="ru-RU" dirty="0"/>
+            </a:p>
+          </p:txBody>
+        </p:sp>
+        <p:sp>
+          <p:nvSpPr>
+            <p:cNvPr id="10" name="Прямоугольник 9">
+              <a:extLst>
+                <a:ext uri="{FF2B5EF4-FFF2-40B4-BE49-F238E27FC236}">
+                  <a16:creationId xmlns="" xmlns:a16="http://schemas.microsoft.com/office/drawing/2014/main" id="{A568F858-4223-42C7-92C9-58140347FD14}"/>
+                </a:ext>
+              </a:extLst>
+            </p:cNvPr>
+            <p:cNvSpPr/>
+            <p:nvPr/>
+          </p:nvSpPr>
+          <p:spPr>
+            <a:xfrm>
+              <a:off x="174072" y="1970467"/>
+              <a:ext cx="307777" cy="307777"/>
+            </a:xfrm>
+            <a:prstGeom prst="rect">
+              <a:avLst/>
+            </a:prstGeom>
+            <a:solidFill>
+              <a:schemeClr val="bg1">
+                <a:lumMod val="95000"/>
+              </a:schemeClr>
+            </a:solidFill>
+            <a:ln>
+              <a:noFill/>
+            </a:ln>
+          </p:spPr>
+          <p:style>
+            <a:lnRef idx="2">
+              <a:schemeClr val="accent1">
+                <a:shade val="50000"/>
+              </a:schemeClr>
+            </a:lnRef>
+            <a:fillRef idx="1">
+              <a:schemeClr val="accent1"/>
+            </a:fillRef>
+            <a:effectRef idx="0">
+              <a:schemeClr val="accent1"/>
+            </a:effectRef>
+            <a:fontRef idx="minor">
+              <a:schemeClr val="lt1"/>
+            </a:fontRef>
+          </p:style>
+          <p:txBody>
+            <a:bodyPr rtlCol="0" anchor="ctr"/>
+            <a:lstStyle/>
+            <a:p>
+              <a:pPr algn="ctr"/>
+              <a:endParaRPr lang="ru-RU"/>
+            </a:p>
+          </p:txBody>
+        </p:sp>
+        <p:sp>
+          <p:nvSpPr>
+            <p:cNvPr id="11" name="Прямоугольник 10">
+              <a:extLst>
+                <a:ext uri="{FF2B5EF4-FFF2-40B4-BE49-F238E27FC236}">
+                  <a16:creationId xmlns="" xmlns:a16="http://schemas.microsoft.com/office/drawing/2014/main" id="{5B70D515-762B-4243-8DAB-E4E82DC6B17A}"/>
+                </a:ext>
+              </a:extLst>
+            </p:cNvPr>
+            <p:cNvSpPr/>
+            <p:nvPr/>
+          </p:nvSpPr>
+          <p:spPr>
+            <a:xfrm>
+              <a:off x="174073" y="1053890"/>
+              <a:ext cx="307777" cy="307777"/>
+            </a:xfrm>
+            <a:prstGeom prst="rect">
+              <a:avLst/>
+            </a:prstGeom>
+            <a:solidFill>
+              <a:schemeClr val="bg1">
+                <a:lumMod val="95000"/>
+              </a:schemeClr>
+            </a:solidFill>
+            <a:ln>
+              <a:noFill/>
+            </a:ln>
+          </p:spPr>
+          <p:style>
+            <a:lnRef idx="2">
+              <a:schemeClr val="accent1">
+                <a:shade val="50000"/>
+              </a:schemeClr>
+            </a:lnRef>
+            <a:fillRef idx="1">
+              <a:schemeClr val="accent1"/>
+            </a:fillRef>
+            <a:effectRef idx="0">
+              <a:schemeClr val="accent1"/>
+            </a:effectRef>
+            <a:fontRef idx="minor">
+              <a:schemeClr val="lt1"/>
+            </a:fontRef>
+          </p:style>
+          <p:txBody>
+            <a:bodyPr rtlCol="0" anchor="ctr"/>
+            <a:lstStyle/>
+            <a:p>
+              <a:pPr algn="ctr"/>
+              <a:endParaRPr lang="ru-RU">
+                <a:solidFill>
+                  <a:srgbClr val="7F7F7F"/>
+                </a:solidFill>
+              </a:endParaRPr>
+            </a:p>
+          </p:txBody>
+        </p:sp>
+        <p:sp>
+          <p:nvSpPr>
+            <p:cNvPr id="12" name="TextBox 11">
+              <a:extLst>
+                <a:ext uri="{FF2B5EF4-FFF2-40B4-BE49-F238E27FC236}">
+                  <a16:creationId xmlns="" xmlns:a16="http://schemas.microsoft.com/office/drawing/2014/main" id="{27C751DA-DBF5-4BF2-AD38-619676BDF720}"/>
+                </a:ext>
+              </a:extLst>
+            </p:cNvPr>
+            <p:cNvSpPr txBox="1"/>
+            <p:nvPr/>
+          </p:nvSpPr>
+          <p:spPr>
+            <a:xfrm>
+              <a:off x="508760" y="171978"/>
+              <a:ext cx="1766631" cy="338554"/>
+            </a:xfrm>
+            <a:prstGeom prst="rect">
+              <a:avLst/>
+            </a:prstGeom>
+            <a:noFill/>
+          </p:spPr>
+          <p:txBody>
+            <a:bodyPr wrap="square">
+              <a:spAutoFit/>
+            </a:bodyPr>
+            <a:lstStyle/>
+            <a:p>
+              <a:r>
+                <a:rPr lang="ru-RU" sz="1600" b="1" dirty="0" smtClean="0">
+                  <a:solidFill>
+                    <a:schemeClr val="bg1">
+                      <a:lumMod val="95000"/>
+                    </a:schemeClr>
+                  </a:solidFill>
+                  <a:latin typeface="Verdana" panose="020B0604030504040204" pitchFamily="34" charset="0"/>
+                  <a:ea typeface="Verdana" panose="020B0604030504040204" pitchFamily="34" charset="0"/>
+                </a:rPr>
+                <a:t>Перспектива</a:t>
+              </a:r>
+              <a:endParaRPr lang="x-none" sz="1600" b="1" dirty="0">
+                <a:solidFill>
+                  <a:schemeClr val="bg1">
+                    <a:lumMod val="95000"/>
+                  </a:schemeClr>
+                </a:solidFill>
+                <a:latin typeface="Verdana" panose="020B0604030504040204" pitchFamily="34" charset="0"/>
+                <a:ea typeface="Verdana" panose="020B0604030504040204" pitchFamily="34" charset="0"/>
+              </a:endParaRPr>
+            </a:p>
+          </p:txBody>
+        </p:sp>
+        <p:sp>
+          <p:nvSpPr>
+            <p:cNvPr id="13" name="Прямоугольник 12">
+              <a:extLst>
+                <a:ext uri="{FF2B5EF4-FFF2-40B4-BE49-F238E27FC236}">
+                  <a16:creationId xmlns="" xmlns:a16="http://schemas.microsoft.com/office/drawing/2014/main" id="{2107D053-F587-41CE-AC4A-9D7FEBF094D1}"/>
+                </a:ext>
+              </a:extLst>
+            </p:cNvPr>
+            <p:cNvSpPr/>
+            <p:nvPr/>
+          </p:nvSpPr>
+          <p:spPr>
+            <a:xfrm>
+              <a:off x="508760" y="892058"/>
+              <a:ext cx="1453466" cy="584775"/>
+            </a:xfrm>
+            <a:prstGeom prst="rect">
+              <a:avLst/>
+            </a:prstGeom>
+          </p:spPr>
+          <p:txBody>
+            <a:bodyPr wrap="square">
+              <a:spAutoFit/>
+            </a:bodyPr>
+            <a:lstStyle/>
+            <a:p>
+              <a:r>
+                <a:rPr lang="en-US" sz="1600" b="1" dirty="0" smtClean="0">
+                  <a:solidFill>
+                    <a:schemeClr val="bg1">
+                      <a:lumMod val="95000"/>
+                    </a:schemeClr>
+                  </a:solidFill>
+                  <a:latin typeface="Verdana" panose="020B0604030504040204" pitchFamily="34" charset="0"/>
+                  <a:ea typeface="Verdana" panose="020B0604030504040204" pitchFamily="34" charset="0"/>
+                </a:rPr>
+                <a:t>Unreal Engine 4</a:t>
+              </a:r>
+              <a:endParaRPr lang="ru-RU" sz="1600" b="1" dirty="0">
+                <a:solidFill>
+                  <a:schemeClr val="bg1">
+                    <a:lumMod val="95000"/>
+                  </a:schemeClr>
+                </a:solidFill>
+                <a:latin typeface="Verdana" panose="020B0604030504040204" pitchFamily="34" charset="0"/>
+                <a:ea typeface="Verdana" panose="020B0604030504040204" pitchFamily="34" charset="0"/>
+              </a:endParaRPr>
+            </a:p>
+          </p:txBody>
+        </p:sp>
+      </p:grpSp>
+      <p:sp>
+        <p:nvSpPr>
+          <p:cNvPr id="14" name="Прямоугольник 13">
+            <a:extLst>
+              <a:ext uri="{FF2B5EF4-FFF2-40B4-BE49-F238E27FC236}">
+                <a16:creationId xmlns="" xmlns:a16="http://schemas.microsoft.com/office/drawing/2014/main" id="{E5033180-5409-4181-81CC-03960C2AD567}"/>
+              </a:ext>
+            </a:extLst>
+          </p:cNvPr>
+          <p:cNvSpPr/>
+          <p:nvPr/>
+        </p:nvSpPr>
+        <p:spPr>
+          <a:xfrm>
+            <a:off x="467544" y="2499742"/>
+            <a:ext cx="1537085" cy="830997"/>
+          </a:xfrm>
+          <a:prstGeom prst="rect">
+            <a:avLst/>
+          </a:prstGeom>
+        </p:spPr>
+        <p:txBody>
+          <a:bodyPr wrap="square">
+            <a:spAutoFit/>
+          </a:bodyPr>
+          <a:lstStyle/>
+          <a:p>
+            <a:r>
+              <a:rPr lang="ru-RU" sz="1600" b="1" dirty="0" smtClean="0">
+                <a:solidFill>
+                  <a:schemeClr val="bg1">
+                    <a:lumMod val="95000"/>
+                  </a:schemeClr>
+                </a:solidFill>
+                <a:latin typeface="Verdana" panose="020B0604030504040204" pitchFamily="34" charset="0"/>
+                <a:ea typeface="Verdana" panose="020B0604030504040204" pitchFamily="34" charset="0"/>
+              </a:rPr>
+              <a:t>Имитация </a:t>
+            </a:r>
+            <a:r>
+              <a:rPr lang="en-US" sz="1600" b="1" dirty="0" smtClean="0">
+                <a:solidFill>
+                  <a:schemeClr val="bg1">
+                    <a:lumMod val="95000"/>
+                  </a:schemeClr>
+                </a:solidFill>
+                <a:latin typeface="Verdana" panose="020B0604030504040204" pitchFamily="34" charset="0"/>
+                <a:ea typeface="Verdana" panose="020B0604030504040204" pitchFamily="34" charset="0"/>
+              </a:rPr>
+              <a:t>Raspberry </a:t>
+            </a:r>
+            <a:r>
+              <a:rPr lang="en-US" sz="1600" b="1" dirty="0">
+                <a:solidFill>
+                  <a:schemeClr val="bg1">
+                    <a:lumMod val="95000"/>
+                  </a:schemeClr>
+                </a:solidFill>
+                <a:latin typeface="Verdana" panose="020B0604030504040204" pitchFamily="34" charset="0"/>
+                <a:ea typeface="Verdana" panose="020B0604030504040204" pitchFamily="34" charset="0"/>
+              </a:rPr>
+              <a:t>Pi </a:t>
+            </a:r>
+            <a:r>
+              <a:rPr lang="ru-RU" sz="1600" b="1" dirty="0">
+                <a:solidFill>
+                  <a:schemeClr val="bg1">
+                    <a:lumMod val="95000"/>
+                  </a:schemeClr>
+                </a:solidFill>
+                <a:latin typeface="Verdana" panose="020B0604030504040204" pitchFamily="34" charset="0"/>
+                <a:ea typeface="Verdana" panose="020B0604030504040204" pitchFamily="34" charset="0"/>
+              </a:rPr>
+              <a:t>в</a:t>
+            </a:r>
+            <a:r>
+              <a:rPr lang="en-US" sz="1600" b="1" dirty="0">
+                <a:solidFill>
+                  <a:schemeClr val="bg1">
+                    <a:lumMod val="95000"/>
+                  </a:schemeClr>
+                </a:solidFill>
+                <a:latin typeface="Verdana" panose="020B0604030504040204" pitchFamily="34" charset="0"/>
+                <a:ea typeface="Verdana" panose="020B0604030504040204" pitchFamily="34" charset="0"/>
+              </a:rPr>
+              <a:t> QEMU</a:t>
+            </a:r>
+            <a:r>
+              <a:rPr lang="ru-RU" sz="1600" b="1" dirty="0">
+                <a:solidFill>
+                  <a:schemeClr val="bg1">
+                    <a:lumMod val="95000"/>
+                  </a:schemeClr>
+                </a:solidFill>
+                <a:latin typeface="Verdana" panose="020B0604030504040204" pitchFamily="34" charset="0"/>
+                <a:ea typeface="Verdana" panose="020B0604030504040204" pitchFamily="34" charset="0"/>
+              </a:rPr>
+              <a:t> </a:t>
+            </a:r>
+          </a:p>
+        </p:txBody>
+      </p:sp>
+      <p:sp>
+        <p:nvSpPr>
+          <p:cNvPr id="2" name="Улыбающееся лицо 1"/>
+          <p:cNvSpPr/>
+          <p:nvPr/>
+        </p:nvSpPr>
+        <p:spPr>
+          <a:xfrm>
+            <a:off x="5580112" y="2358047"/>
+            <a:ext cx="2520280" cy="2320806"/>
+          </a:xfrm>
+          <a:prstGeom prst="smileyFace">
+            <a:avLst/>
+          </a:prstGeom>
+        </p:spPr>
+        <p:style>
+          <a:lnRef idx="2">
+            <a:schemeClr val="accent1">
+              <a:shade val="50000"/>
+            </a:schemeClr>
+          </a:lnRef>
+          <a:fillRef idx="1">
+            <a:schemeClr val="accent1"/>
+          </a:fillRef>
+          <a:effectRef idx="0">
+            <a:schemeClr val="accent1"/>
+          </a:effectRef>
+          <a:fontRef idx="minor">
+            <a:schemeClr val="lt1"/>
+          </a:fontRef>
+        </p:style>
+        <p:txBody>
+          <a:bodyPr rtlCol="0" anchor="ctr"/>
+          <a:lstStyle/>
+          <a:p>
+            <a:pPr algn="ctr"/>
+            <a:endParaRPr lang="ru-RU"/>
+          </a:p>
+        </p:txBody>
+      </p:sp>
+    </p:spTree>
+    <p:extLst>
+      <p:ext uri="{BB962C8B-B14F-4D97-AF65-F5344CB8AC3E}">
+        <p14:creationId xmlns:p14="http://schemas.microsoft.com/office/powerpoint/2010/main" val="3071101784"/>
+      </p:ext>
+    </p:extLst>
+  </p:cSld>
+  <p:clrMapOvr>
+    <a:masterClrMapping/>
+  </p:clrMapOvr>
+</p:sld>
+</file>
+
+<file path=ppt/slides/slide11.xml><?xml version="1.0" encoding="utf-8"?>
+<p:sld xmlns:a="http://schemas.openxmlformats.org/drawingml/2006/main" xmlns:r="http://schemas.openxmlformats.org/officeDocument/2006/relationships" xmlns:p="http://schemas.openxmlformats.org/presentationml/2006/main">
+  <p:cSld>
+    <p:spTree>
+      <p:nvGrpSpPr>
+        <p:cNvPr id="1" name=""/>
+        <p:cNvGrpSpPr/>
+        <p:nvPr/>
+      </p:nvGrpSpPr>
+      <p:grpSpPr>
+        <a:xfrm>
+          <a:off x="0" y="0"/>
+          <a:ext cx="0" cy="0"/>
+          <a:chOff x="0" y="0"/>
+          <a:chExt cx="0" cy="0"/>
+        </a:xfrm>
+      </p:grpSpPr>
+      <p:sp>
+        <p:nvSpPr>
+          <p:cNvPr id="5" name="Прямоугольник 4">
+            <a:extLst>
+              <a:ext uri="{FF2B5EF4-FFF2-40B4-BE49-F238E27FC236}">
+                <a16:creationId xmlns="" xmlns:a16="http://schemas.microsoft.com/office/drawing/2014/main" id="{73F08337-4FBD-49CA-B7CF-082FB8F03E03}"/>
+              </a:ext>
+            </a:extLst>
+          </p:cNvPr>
+          <p:cNvSpPr/>
+          <p:nvPr/>
+        </p:nvSpPr>
+        <p:spPr bwMode="auto">
+          <a:xfrm>
+            <a:off x="0" y="0"/>
+            <a:ext cx="2160000" cy="5143500"/>
+          </a:xfrm>
+          <a:prstGeom prst="rect">
+            <a:avLst/>
+          </a:prstGeom>
+          <a:solidFill>
+            <a:srgbClr val="004868"/>
+          </a:solidFill>
+          <a:ln w="9525" cap="flat" cmpd="sng" algn="ctr">
+            <a:noFill/>
+            <a:prstDash val="solid"/>
+            <a:round/>
+            <a:headEnd type="none" w="med" len="med"/>
+            <a:tailEnd type="none" w="med" len="med"/>
+          </a:ln>
+          <a:effectLst/>
+        </p:spPr>
+        <p:txBody>
+          <a:bodyPr vert="horz" wrap="square" lIns="77925" tIns="38963" rIns="77925" bIns="38963" numCol="1" rtlCol="0" anchor="ctr" anchorCtr="0" compatLnSpc="1">
+            <a:prstTxWarp prst="textNoShape">
+              <a:avLst/>
+            </a:prstTxWarp>
+          </a:bodyPr>
+          <a:lstStyle/>
+          <a:p>
+            <a:pPr>
+              <a:lnSpc>
+                <a:spcPct val="93000"/>
+              </a:lnSpc>
+              <a:buClr>
+                <a:srgbClr val="000000"/>
+              </a:buClr>
+              <a:buSzPct val="100000"/>
+            </a:pPr>
+            <a:endParaRPr lang="ru-RU" sz="2000" b="1" dirty="0">
+              <a:solidFill>
+                <a:schemeClr val="bg1"/>
+              </a:solidFill>
+              <a:latin typeface="Century Gothic" panose="020B0502020202020204" pitchFamily="34" charset="0"/>
+            </a:endParaRPr>
+          </a:p>
+        </p:txBody>
+      </p:sp>
+      <p:sp>
+        <p:nvSpPr>
+          <p:cNvPr id="6" name="Прямоугольник 5">
+            <a:extLst>
+              <a:ext uri="{FF2B5EF4-FFF2-40B4-BE49-F238E27FC236}">
+                <a16:creationId xmlns="" xmlns:a16="http://schemas.microsoft.com/office/drawing/2014/main" id="{BB7E2663-AD02-4F1A-96DD-A2715B9F7167}"/>
+              </a:ext>
+            </a:extLst>
+          </p:cNvPr>
+          <p:cNvSpPr/>
+          <p:nvPr/>
+        </p:nvSpPr>
+        <p:spPr>
+          <a:xfrm>
+            <a:off x="3707904" y="699542"/>
+            <a:ext cx="4978896" cy="1569660"/>
+          </a:xfrm>
+          <a:prstGeom prst="rect">
+            <a:avLst/>
+          </a:prstGeom>
+        </p:spPr>
+        <p:txBody>
+          <a:bodyPr wrap="square">
+            <a:spAutoFit/>
+          </a:bodyPr>
+          <a:lstStyle/>
+          <a:p>
+            <a:r>
+              <a:rPr lang="ru-RU" sz="4800" b="1" dirty="0">
+                <a:solidFill>
+                  <a:schemeClr val="tx2"/>
+                </a:solidFill>
+                <a:latin typeface="Verdana" panose="020B0604030504040204" pitchFamily="34" charset="0"/>
+                <a:ea typeface="Verdana" panose="020B0604030504040204" pitchFamily="34" charset="0"/>
+              </a:rPr>
+              <a:t>Спасибо за внимание!</a:t>
+            </a:r>
+          </a:p>
+        </p:txBody>
+      </p:sp>
+      <p:sp>
+        <p:nvSpPr>
+          <p:cNvPr id="7" name="Объект 2">
+            <a:extLst>
+              <a:ext uri="{FF2B5EF4-FFF2-40B4-BE49-F238E27FC236}">
+                <a16:creationId xmlns="" xmlns:a16="http://schemas.microsoft.com/office/drawing/2014/main" id="{DB15A276-4B35-4D81-AA85-B979C4E0F219}"/>
+              </a:ext>
+            </a:extLst>
+          </p:cNvPr>
+          <p:cNvSpPr>
+            <a:spLocks noGrp="1"/>
+          </p:cNvSpPr>
+          <p:nvPr>
+            <p:ph idx="1"/>
+          </p:nvPr>
+        </p:nvSpPr>
+        <p:spPr>
+          <a:xfrm>
+            <a:off x="2267744" y="2843310"/>
+            <a:ext cx="6624736" cy="1728192"/>
+          </a:xfrm>
+        </p:spPr>
+        <p:txBody>
+          <a:bodyPr>
+            <a:normAutofit/>
+          </a:bodyPr>
+          <a:lstStyle/>
+          <a:p>
+            <a:pPr marL="0" indent="0">
+              <a:buNone/>
+            </a:pPr>
+            <a:r>
+              <a:rPr lang="ru-RU" sz="1600" dirty="0">
+                <a:solidFill>
+                  <a:schemeClr val="tx2"/>
+                </a:solidFill>
+                <a:latin typeface="Verdana" panose="020B0604030504040204" pitchFamily="34" charset="0"/>
+                <a:ea typeface="Verdana" panose="020B0604030504040204" pitchFamily="34" charset="0"/>
+              </a:rPr>
+              <a:t>Цатурьян Константин		</a:t>
+            </a:r>
+            <a:r>
+              <a:rPr lang="en-US" sz="1600" dirty="0">
+                <a:solidFill>
+                  <a:schemeClr val="tx2"/>
+                </a:solidFill>
+                <a:latin typeface="Verdana" panose="020B0604030504040204" pitchFamily="34" charset="0"/>
+                <a:ea typeface="Verdana" panose="020B0604030504040204" pitchFamily="34" charset="0"/>
+              </a:rPr>
+              <a:t>	@</a:t>
+            </a:r>
+            <a:r>
+              <a:rPr lang="en-US" sz="1600" dirty="0" err="1">
+                <a:solidFill>
+                  <a:schemeClr val="tx2"/>
+                </a:solidFill>
+                <a:latin typeface="Verdana" panose="020B0604030504040204" pitchFamily="34" charset="0"/>
+                <a:ea typeface="Verdana" panose="020B0604030504040204" pitchFamily="34" charset="0"/>
+              </a:rPr>
+              <a:t>fanglores</a:t>
+            </a:r>
+            <a:endParaRPr lang="en-US" sz="1600" dirty="0">
+              <a:solidFill>
+                <a:schemeClr val="tx2"/>
+              </a:solidFill>
+              <a:latin typeface="Verdana" panose="020B0604030504040204" pitchFamily="34" charset="0"/>
+              <a:ea typeface="Verdana" panose="020B0604030504040204" pitchFamily="34" charset="0"/>
+            </a:endParaRPr>
+          </a:p>
+          <a:p>
+            <a:pPr marL="0" indent="0">
+              <a:buNone/>
+            </a:pPr>
+            <a:r>
+              <a:rPr lang="ru-RU" sz="1600" dirty="0">
+                <a:solidFill>
+                  <a:schemeClr val="tx2"/>
+                </a:solidFill>
+                <a:latin typeface="Verdana" panose="020B0604030504040204" pitchFamily="34" charset="0"/>
+                <a:ea typeface="Verdana" panose="020B0604030504040204" pitchFamily="34" charset="0"/>
+              </a:rPr>
+              <a:t>Тимошенко Александр		</a:t>
+            </a:r>
+            <a:r>
+              <a:rPr lang="en-US" sz="1600" dirty="0">
+                <a:solidFill>
+                  <a:schemeClr val="tx2"/>
+                </a:solidFill>
+                <a:latin typeface="Verdana" panose="020B0604030504040204" pitchFamily="34" charset="0"/>
+                <a:ea typeface="Verdana" panose="020B0604030504040204" pitchFamily="34" charset="0"/>
+              </a:rPr>
+              <a:t>	@</a:t>
+            </a:r>
+            <a:r>
+              <a:rPr lang="en-US" sz="1600" dirty="0" err="1">
+                <a:solidFill>
+                  <a:schemeClr val="tx2"/>
+                </a:solidFill>
+                <a:latin typeface="Verdana" panose="020B0604030504040204" pitchFamily="34" charset="0"/>
+                <a:ea typeface="Verdana" panose="020B0604030504040204" pitchFamily="34" charset="0"/>
+              </a:rPr>
+              <a:t>timoshenkoalex</a:t>
+            </a:r>
+            <a:endParaRPr lang="en-US" sz="1600" dirty="0">
+              <a:solidFill>
+                <a:schemeClr val="tx2"/>
+              </a:solidFill>
+              <a:latin typeface="Verdana" panose="020B0604030504040204" pitchFamily="34" charset="0"/>
+              <a:ea typeface="Verdana" panose="020B0604030504040204" pitchFamily="34" charset="0"/>
+            </a:endParaRPr>
+          </a:p>
+          <a:p>
+            <a:pPr marL="0" indent="0">
+              <a:buNone/>
+            </a:pPr>
+            <a:r>
+              <a:rPr lang="ru-RU" sz="1600" dirty="0" err="1">
+                <a:solidFill>
+                  <a:schemeClr val="tx2"/>
+                </a:solidFill>
+                <a:latin typeface="Verdana" panose="020B0604030504040204" pitchFamily="34" charset="0"/>
+                <a:ea typeface="Verdana" panose="020B0604030504040204" pitchFamily="34" charset="0"/>
+              </a:rPr>
+              <a:t>Кострицына</a:t>
+            </a:r>
+            <a:r>
+              <a:rPr lang="ru-RU" sz="1600" dirty="0">
+                <a:solidFill>
+                  <a:schemeClr val="tx2"/>
+                </a:solidFill>
+                <a:latin typeface="Verdana" panose="020B0604030504040204" pitchFamily="34" charset="0"/>
+                <a:ea typeface="Verdana" panose="020B0604030504040204" pitchFamily="34" charset="0"/>
+              </a:rPr>
+              <a:t> Анастасия 		</a:t>
+            </a:r>
+            <a:r>
+              <a:rPr lang="en-US" sz="1600" dirty="0">
+                <a:solidFill>
+                  <a:schemeClr val="tx2"/>
+                </a:solidFill>
+                <a:latin typeface="Verdana" panose="020B0604030504040204" pitchFamily="34" charset="0"/>
+                <a:ea typeface="Verdana" panose="020B0604030504040204" pitchFamily="34" charset="0"/>
+              </a:rPr>
+              <a:t>	@Anapkost</a:t>
+            </a:r>
+          </a:p>
+          <a:p>
+            <a:pPr marL="0" indent="0">
+              <a:buNone/>
+            </a:pPr>
+            <a:r>
+              <a:rPr lang="en-US" sz="1600" dirty="0">
+                <a:solidFill>
+                  <a:schemeClr val="tx2"/>
+                </a:solidFill>
+                <a:latin typeface="Verdana" panose="020B0604030504040204" pitchFamily="34" charset="0"/>
+                <a:ea typeface="Verdana" panose="020B0604030504040204" pitchFamily="34" charset="0"/>
+              </a:rPr>
+              <a:t>			      </a:t>
+            </a:r>
+          </a:p>
+          <a:p>
+            <a:pPr marL="0" indent="0">
+              <a:buNone/>
+            </a:pPr>
+            <a:r>
+              <a:rPr lang="ru-RU" sz="1600" dirty="0">
+                <a:solidFill>
+                  <a:schemeClr val="tx2"/>
+                </a:solidFill>
+                <a:latin typeface="Verdana" panose="020B0604030504040204" pitchFamily="34" charset="0"/>
+                <a:ea typeface="Verdana" panose="020B0604030504040204" pitchFamily="34" charset="0"/>
+              </a:rPr>
+              <a:t>Максимов Алексей</a:t>
+            </a:r>
+            <a:r>
+              <a:rPr lang="en-US" sz="1600" dirty="0">
+                <a:latin typeface="Verdana" panose="020B0604030504040204" pitchFamily="34" charset="0"/>
+                <a:ea typeface="Verdana" panose="020B0604030504040204" pitchFamily="34" charset="0"/>
+              </a:rPr>
+              <a:t>			</a:t>
+            </a:r>
+            <a:r>
+              <a:rPr lang="en-US" sz="1600" dirty="0">
+                <a:solidFill>
+                  <a:schemeClr val="tx2"/>
+                </a:solidFill>
+                <a:latin typeface="Verdana" panose="020B0604030504040204" pitchFamily="34" charset="0"/>
+                <a:ea typeface="Verdana" panose="020B0604030504040204" pitchFamily="34" charset="0"/>
+              </a:rPr>
+              <a:t>@</a:t>
+            </a:r>
+            <a:endParaRPr lang="ru-RU" sz="1600" dirty="0">
+              <a:solidFill>
+                <a:schemeClr val="tx2"/>
+              </a:solidFill>
+              <a:latin typeface="Verdana" panose="020B0604030504040204" pitchFamily="34" charset="0"/>
+              <a:ea typeface="Verdana" panose="020B0604030504040204" pitchFamily="34" charset="0"/>
+            </a:endParaRPr>
+          </a:p>
+        </p:txBody>
+      </p:sp>
+      <p:pic>
+        <p:nvPicPr>
+          <p:cNvPr id="3074" name="Picture 2" descr="C:\Users\kosiya\Pictures\Links\telegram.png"/>
+          <p:cNvPicPr>
+            <a:picLocks noChangeAspect="1" noChangeArrowheads="1"/>
+          </p:cNvPicPr>
+          <p:nvPr/>
+        </p:nvPicPr>
+        <p:blipFill>
+          <a:blip r:embed="rId2" cstate="print">
+            <a:extLst>
+              <a:ext uri="{28A0092B-C50C-407E-A947-70E740481C1C}">
+                <a14:useLocalDpi xmlns:a14="http://schemas.microsoft.com/office/drawing/2010/main" val="0"/>
+              </a:ext>
+            </a:extLst>
+          </a:blip>
+          <a:srcRect/>
+          <a:stretch>
+            <a:fillRect/>
+          </a:stretch>
+        </p:blipFill>
+        <p:spPr bwMode="auto">
+          <a:xfrm>
+            <a:off x="5436096" y="2853224"/>
+            <a:ext cx="870346" cy="870346"/>
+          </a:xfrm>
+          <a:prstGeom prst="rect">
+            <a:avLst/>
+          </a:prstGeom>
+          <a:noFill/>
+          <a:extLst>
+            <a:ext uri="{909E8E84-426E-40DD-AFC4-6F175D3DCCD1}">
+              <a14:hiddenFill xmlns:a14="http://schemas.microsoft.com/office/drawing/2010/main">
+                <a:solidFill>
+                  <a:srgbClr val="FFFFFF"/>
+                </a:solidFill>
+              </a14:hiddenFill>
+            </a:ext>
+          </a:extLst>
+        </p:spPr>
+      </p:pic>
+      <p:pic>
+        <p:nvPicPr>
+          <p:cNvPr id="8" name="Picture 3" descr="C:\Users\kosiya\Downloads\airplane.png"/>
+          <p:cNvPicPr>
+            <a:picLocks noChangeAspect="1" noChangeArrowheads="1"/>
+          </p:cNvPicPr>
+          <p:nvPr/>
+        </p:nvPicPr>
+        <p:blipFill>
+          <a:blip r:embed="rId3" cstate="print">
+            <a:extLst>
+              <a:ext uri="{28A0092B-C50C-407E-A947-70E740481C1C}">
+                <a14:useLocalDpi xmlns:a14="http://schemas.microsoft.com/office/drawing/2010/main" val="0"/>
+              </a:ext>
+            </a:extLst>
+          </a:blip>
+          <a:srcRect/>
+          <a:stretch>
+            <a:fillRect/>
+          </a:stretch>
+        </p:blipFill>
+        <p:spPr bwMode="auto">
+          <a:xfrm>
+            <a:off x="212120" y="3568821"/>
+            <a:ext cx="1839600" cy="1379193"/>
+          </a:xfrm>
+          <a:prstGeom prst="rect">
+            <a:avLst/>
+          </a:prstGeom>
+          <a:noFill/>
+          <a:extLst>
+            <a:ext uri="{909E8E84-426E-40DD-AFC4-6F175D3DCCD1}">
+              <a14:hiddenFill xmlns:a14="http://schemas.microsoft.com/office/drawing/2010/main">
+                <a:solidFill>
+                  <a:srgbClr val="FFFFFF"/>
+                </a:solidFill>
+              </a14:hiddenFill>
+            </a:ext>
+          </a:extLst>
+        </p:spPr>
+      </p:pic>
+      <p:pic>
+        <p:nvPicPr>
+          <p:cNvPr id="9" name="Рисунок 8" descr="Изображение выглядит как фотография, знак, черный, белый&#10;&#10;Автоматически созданное описание">
+            <a:extLst>
+              <a:ext uri="{FF2B5EF4-FFF2-40B4-BE49-F238E27FC236}">
+                <a16:creationId xmlns="" xmlns:a16="http://schemas.microsoft.com/office/drawing/2014/main" id="{074BF89E-2F5E-4138-803A-5E07BFE000CD}"/>
+              </a:ext>
+            </a:extLst>
+          </p:cNvPr>
+          <p:cNvPicPr>
+            <a:picLocks noChangeAspect="1"/>
+          </p:cNvPicPr>
+          <p:nvPr/>
+        </p:nvPicPr>
+        <p:blipFill>
+          <a:blip r:embed="rId4" cstate="print">
+            <a:extLst>
+              <a:ext uri="{28A0092B-C50C-407E-A947-70E740481C1C}">
+                <a14:useLocalDpi xmlns:a14="http://schemas.microsoft.com/office/drawing/2010/main" val="0"/>
+              </a:ext>
+            </a:extLst>
+          </a:blip>
+          <a:stretch>
+            <a:fillRect/>
+          </a:stretch>
+        </p:blipFill>
+        <p:spPr>
+          <a:xfrm>
+            <a:off x="489372" y="279124"/>
+            <a:ext cx="1202308" cy="1212506"/>
+          </a:xfrm>
+          <a:prstGeom prst="rect">
+            <a:avLst/>
+          </a:prstGeom>
+        </p:spPr>
+      </p:pic>
+    </p:spTree>
+    <p:extLst>
+      <p:ext uri="{BB962C8B-B14F-4D97-AF65-F5344CB8AC3E}">
+        <p14:creationId xmlns:p14="http://schemas.microsoft.com/office/powerpoint/2010/main" val="3991138808"/>
+      </p:ext>
+    </p:extLst>
+  </p:cSld>
+  <p:clrMapOvr>
+    <a:masterClrMapping/>
+  </p:clrMapOvr>
+</p:sld>
+</file>
+
+<file path=ppt/slides/slide2.xml><?xml version="1.0" encoding="utf-8"?>
+<p:sld xmlns:a="http://schemas.openxmlformats.org/drawingml/2006/main" xmlns:r="http://schemas.openxmlformats.org/officeDocument/2006/relationships" xmlns:p="http://schemas.openxmlformats.org/presentationml/2006/main">
+  <p:cSld>
+    <p:spTree>
+      <p:nvGrpSpPr>
+        <p:cNvPr id="1" name=""/>
+        <p:cNvGrpSpPr/>
+        <p:nvPr/>
+      </p:nvGrpSpPr>
+      <p:grpSpPr>
+        <a:xfrm>
+          <a:off x="0" y="0"/>
+          <a:ext cx="0" cy="0"/>
+          <a:chOff x="0" y="0"/>
+          <a:chExt cx="0" cy="0"/>
+        </a:xfrm>
+      </p:grpSpPr>
+      <p:sp>
+        <p:nvSpPr>
+          <p:cNvPr id="9" name="Прямоугольник 8"/>
+          <p:cNvSpPr/>
+          <p:nvPr/>
+        </p:nvSpPr>
+        <p:spPr bwMode="auto">
+          <a:xfrm>
+            <a:off x="0" y="0"/>
+            <a:ext cx="2160000" cy="5143500"/>
+          </a:xfrm>
+          <a:prstGeom prst="rect">
+            <a:avLst/>
+          </a:prstGeom>
+          <a:solidFill>
+            <a:srgbClr val="004868"/>
+          </a:solidFill>
+          <a:ln w="9525" cap="flat" cmpd="sng" algn="ctr">
+            <a:noFill/>
+            <a:prstDash val="solid"/>
+            <a:round/>
+            <a:headEnd type="none" w="med" len="med"/>
+            <a:tailEnd type="none" w="med" len="med"/>
+          </a:ln>
+          <a:effectLst/>
+        </p:spPr>
+        <p:txBody>
+          <a:bodyPr vert="horz" wrap="square" lIns="77925" tIns="38963" rIns="77925" bIns="38963" numCol="1" rtlCol="0" anchor="ctr" anchorCtr="0" compatLnSpc="1">
+            <a:prstTxWarp prst="textNoShape">
+              <a:avLst/>
+            </a:prstTxWarp>
+          </a:bodyPr>
+          <a:lstStyle/>
+          <a:p>
+            <a:pPr>
+              <a:lnSpc>
+                <a:spcPct val="93000"/>
+              </a:lnSpc>
+              <a:buClr>
+                <a:srgbClr val="000000"/>
+              </a:buClr>
+              <a:buSzPct val="100000"/>
+            </a:pPr>
+            <a:endParaRPr lang="ru-RU" sz="2000" b="1" dirty="0">
+              <a:solidFill>
+                <a:schemeClr val="bg1"/>
+              </a:solidFill>
+              <a:latin typeface="Century Gothic" panose="020B0502020202020204" pitchFamily="34" charset="0"/>
+            </a:endParaRPr>
+          </a:p>
+        </p:txBody>
+      </p:sp>
+      <p:cxnSp>
+        <p:nvCxnSpPr>
+          <p:cNvPr id="30" name="Прямая соединительная линия 29">
+            <a:extLst>
+              <a:ext uri="{FF2B5EF4-FFF2-40B4-BE49-F238E27FC236}">
+                <a16:creationId xmlns="" xmlns:a16="http://schemas.microsoft.com/office/drawing/2014/main" id="{F004EEAE-9E59-4362-892F-11F0597BBF49}"/>
+              </a:ext>
+            </a:extLst>
+          </p:cNvPr>
+          <p:cNvCxnSpPr>
+            <a:cxnSpLocks/>
+          </p:cNvCxnSpPr>
+          <p:nvPr/>
+        </p:nvCxnSpPr>
+        <p:spPr>
+          <a:xfrm>
+            <a:off x="3059832" y="867700"/>
+            <a:ext cx="5832648" cy="0"/>
+          </a:xfrm>
+          <a:prstGeom prst="line">
+            <a:avLst/>
+          </a:prstGeom>
+          <a:ln w="28575">
+            <a:solidFill>
+              <a:schemeClr val="tx2"/>
+            </a:solidFill>
+          </a:ln>
+        </p:spPr>
+        <p:style>
+          <a:lnRef idx="1">
+            <a:schemeClr val="accent1"/>
+          </a:lnRef>
+          <a:fillRef idx="0">
+            <a:schemeClr val="accent1"/>
+          </a:fillRef>
+          <a:effectRef idx="0">
+            <a:schemeClr val="accent1"/>
+          </a:effectRef>
+          <a:fontRef idx="minor">
+            <a:schemeClr val="tx1"/>
+          </a:fontRef>
+        </p:style>
+      </p:cxnSp>
+      <p:sp>
+        <p:nvSpPr>
           <p:cNvPr id="3" name="Номер слайда 2">
             <a:extLst>
               <a:ext uri="{FF2B5EF4-FFF2-40B4-BE49-F238E27FC236}">
-                <a16:creationId xmlns:a16="http://schemas.microsoft.com/office/drawing/2014/main" xmlns="" id="{9879899F-8DEE-4C3F-B4F8-8A504F60C80B}"/>
+                <a16:creationId xmlns="" xmlns:a16="http://schemas.microsoft.com/office/drawing/2014/main" id="{9879899F-8DEE-4C3F-B4F8-8A504F60C80B}"/>
               </a:ext>
             </a:extLst>
           </p:cNvPr>
@@ -5431,7 +6185,7 @@
           <p:cNvPr id="14" name="Прямоугольник 13">
             <a:extLst>
               <a:ext uri="{FF2B5EF4-FFF2-40B4-BE49-F238E27FC236}">
-                <a16:creationId xmlns:a16="http://schemas.microsoft.com/office/drawing/2014/main" xmlns="" id="{C204DE12-0708-4039-981E-EC5E81BC4662}"/>
+                <a16:creationId xmlns="" xmlns:a16="http://schemas.microsoft.com/office/drawing/2014/main" id="{C204DE12-0708-4039-981E-EC5E81BC4662}"/>
               </a:ext>
             </a:extLst>
           </p:cNvPr>
@@ -5461,8 +6215,44 @@
                 <a:latin typeface="Verdana" panose="020B0604030504040204" pitchFamily="34" charset="0"/>
                 <a:ea typeface="Verdana" panose="020B0604030504040204" pitchFamily="34" charset="0"/>
               </a:rPr>
-              <a:t>Актуальность темы. Предмет и объект исследования.</a:t>
-            </a:r>
+              <a:t>Актуальность темы. </a:t>
+            </a:r>
+            <a:endParaRPr lang="ru-RU" sz="2400" b="1" dirty="0" smtClean="0">
+              <a:solidFill>
+                <a:schemeClr val="tx2"/>
+              </a:solidFill>
+              <a:latin typeface="Verdana" panose="020B0604030504040204" pitchFamily="34" charset="0"/>
+              <a:ea typeface="Verdana" panose="020B0604030504040204" pitchFamily="34" charset="0"/>
+            </a:endParaRPr>
+          </a:p>
+          <a:p>
+            <a:r>
+              <a:rPr lang="ru-RU" sz="2400" b="1" dirty="0" smtClean="0">
+                <a:solidFill>
+                  <a:schemeClr val="tx2"/>
+                </a:solidFill>
+                <a:latin typeface="Verdana" panose="020B0604030504040204" pitchFamily="34" charset="0"/>
+                <a:ea typeface="Verdana" panose="020B0604030504040204" pitchFamily="34" charset="0"/>
+              </a:rPr>
+              <a:t>Цель работы</a:t>
+            </a:r>
+            <a:r>
+              <a:rPr lang="ru-RU" sz="2400" b="1" dirty="0" smtClean="0">
+                <a:solidFill>
+                  <a:schemeClr val="tx2"/>
+                </a:solidFill>
+                <a:latin typeface="Verdana" panose="020B0604030504040204" pitchFamily="34" charset="0"/>
+                <a:ea typeface="Verdana" panose="020B0604030504040204" pitchFamily="34" charset="0"/>
+              </a:rPr>
+              <a:t>.</a:t>
+            </a:r>
+            <a:endParaRPr lang="ru-RU" sz="2400" b="1" dirty="0">
+              <a:solidFill>
+                <a:schemeClr val="tx2"/>
+              </a:solidFill>
+              <a:latin typeface="Verdana" panose="020B0604030504040204" pitchFamily="34" charset="0"/>
+              <a:ea typeface="Verdana" panose="020B0604030504040204" pitchFamily="34" charset="0"/>
+            </a:endParaRPr>
           </a:p>
         </p:txBody>
       </p:sp>
@@ -5512,7 +6302,7 @@
           <p:cNvPr id="1026" name="Picture 2">
             <a:extLst>
               <a:ext uri="{FF2B5EF4-FFF2-40B4-BE49-F238E27FC236}">
-                <a16:creationId xmlns:a16="http://schemas.microsoft.com/office/drawing/2014/main" xmlns="" id="{17C112DF-E30E-4E91-BE1E-B73E5466DF10}"/>
+                <a16:creationId xmlns="" xmlns:a16="http://schemas.microsoft.com/office/drawing/2014/main" id="{17C112DF-E30E-4E91-BE1E-B73E5466DF10}"/>
               </a:ext>
             </a:extLst>
           </p:cNvPr>
@@ -5559,7 +6349,7 @@
           <p:cNvPr id="10" name="Группа 9">
             <a:extLst>
               <a:ext uri="{FF2B5EF4-FFF2-40B4-BE49-F238E27FC236}">
-                <a16:creationId xmlns:a16="http://schemas.microsoft.com/office/drawing/2014/main" xmlns="" id="{C966BB80-279D-40A2-84AF-CDA482DFE0F5}"/>
+                <a16:creationId xmlns="" xmlns:a16="http://schemas.microsoft.com/office/drawing/2014/main" id="{C966BB80-279D-40A2-84AF-CDA482DFE0F5}"/>
               </a:ext>
             </a:extLst>
           </p:cNvPr>
@@ -5568,10 +6358,10 @@
         </p:nvGrpSpPr>
         <p:grpSpPr>
           <a:xfrm>
-            <a:off x="132856" y="885334"/>
-            <a:ext cx="2717267" cy="2208506"/>
-            <a:chOff x="174072" y="69738"/>
-            <a:chExt cx="2717267" cy="2208506"/>
+            <a:off x="132856" y="987574"/>
+            <a:ext cx="2750478" cy="2106266"/>
+            <a:chOff x="174072" y="171978"/>
+            <a:chExt cx="2750478" cy="2106266"/>
           </a:xfrm>
         </p:grpSpPr>
         <p:sp>
@@ -5579,7 +6369,7 @@
             <p:cNvPr id="11" name="Прямоугольник 10">
               <a:extLst>
                 <a:ext uri="{FF2B5EF4-FFF2-40B4-BE49-F238E27FC236}">
-                  <a16:creationId xmlns:a16="http://schemas.microsoft.com/office/drawing/2014/main" xmlns="" id="{1C3373F8-AC50-4FE4-9BFB-C2ABC5937CCF}"/>
+                  <a16:creationId xmlns="" xmlns:a16="http://schemas.microsoft.com/office/drawing/2014/main" id="{1C3373F8-AC50-4FE4-9BFB-C2ABC5937CCF}"/>
                 </a:ext>
               </a:extLst>
             </p:cNvPr>
@@ -5633,7 +6423,7 @@
             <p:cNvPr id="12" name="Прямоугольник 11">
               <a:extLst>
                 <a:ext uri="{FF2B5EF4-FFF2-40B4-BE49-F238E27FC236}">
-                  <a16:creationId xmlns:a16="http://schemas.microsoft.com/office/drawing/2014/main" xmlns="" id="{4DFE0403-DA90-48B3-8870-BB7651570C39}"/>
+                  <a16:creationId xmlns="" xmlns:a16="http://schemas.microsoft.com/office/drawing/2014/main" id="{4DFE0403-DA90-48B3-8870-BB7651570C39}"/>
                 </a:ext>
               </a:extLst>
             </p:cNvPr>
@@ -5687,7 +6477,7 @@
             <p:cNvPr id="13" name="Прямоугольник 12">
               <a:extLst>
                 <a:ext uri="{FF2B5EF4-FFF2-40B4-BE49-F238E27FC236}">
-                  <a16:creationId xmlns:a16="http://schemas.microsoft.com/office/drawing/2014/main" xmlns="" id="{300C2159-07F4-4FED-9B06-CE00C4978DA0}"/>
+                  <a16:creationId xmlns="" xmlns:a16="http://schemas.microsoft.com/office/drawing/2014/main" id="{300C2159-07F4-4FED-9B06-CE00C4978DA0}"/>
                 </a:ext>
               </a:extLst>
             </p:cNvPr>
@@ -5745,7 +6535,7 @@
             <p:cNvPr id="15" name="TextBox 14">
               <a:extLst>
                 <a:ext uri="{FF2B5EF4-FFF2-40B4-BE49-F238E27FC236}">
-                  <a16:creationId xmlns:a16="http://schemas.microsoft.com/office/drawing/2014/main" xmlns="" id="{3BBCBA7E-0F94-4396-B31C-676823516FFA}"/>
+                  <a16:creationId xmlns="" xmlns:a16="http://schemas.microsoft.com/office/drawing/2014/main" id="{3BBCBA7E-0F94-4396-B31C-676823516FFA}"/>
                 </a:ext>
               </a:extLst>
             </p:cNvPr>
@@ -5754,8 +6544,8 @@
           </p:nvSpPr>
           <p:spPr>
             <a:xfrm>
-              <a:off x="475549" y="69738"/>
-              <a:ext cx="2415790" cy="584775"/>
+              <a:off x="508760" y="171978"/>
+              <a:ext cx="2415790" cy="338554"/>
             </a:xfrm>
             <a:prstGeom prst="rect">
               <a:avLst/>
@@ -5769,7 +6559,7 @@
             <a:lstStyle/>
             <a:p>
               <a:r>
-                <a:rPr lang="ru-RU" sz="1600" b="1" dirty="0">
+                <a:rPr lang="ru-RU" sz="1600" b="1" dirty="0" smtClean="0">
                   <a:solidFill>
                     <a:schemeClr val="bg1">
                       <a:lumMod val="95000"/>
@@ -5778,7 +6568,7 @@
                   <a:latin typeface="Verdana" panose="020B0604030504040204" pitchFamily="34" charset="0"/>
                   <a:ea typeface="Verdana" panose="020B0604030504040204" pitchFamily="34" charset="0"/>
                 </a:rPr>
-                <a:t>Система управления</a:t>
+                <a:t>Цель работы</a:t>
               </a:r>
               <a:endParaRPr lang="x-none" sz="1600" b="1" dirty="0">
                 <a:solidFill>
@@ -5797,7 +6587,7 @@
             <p:cNvPr id="16" name="Прямоугольник 15">
               <a:extLst>
                 <a:ext uri="{FF2B5EF4-FFF2-40B4-BE49-F238E27FC236}">
-                  <a16:creationId xmlns:a16="http://schemas.microsoft.com/office/drawing/2014/main" xmlns="" id="{9DF13001-453E-456E-9606-5ACD70C1F22C}"/>
+                  <a16:creationId xmlns="" xmlns:a16="http://schemas.microsoft.com/office/drawing/2014/main" id="{9DF13001-453E-456E-9606-5ACD70C1F22C}"/>
                 </a:ext>
               </a:extLst>
             </p:cNvPr>
@@ -5806,8 +6596,8 @@
           </p:nvSpPr>
           <p:spPr>
             <a:xfrm>
-              <a:off x="480092" y="1023113"/>
-              <a:ext cx="1827361" cy="338554"/>
+              <a:off x="508760" y="892058"/>
+              <a:ext cx="1827361" cy="584775"/>
             </a:xfrm>
             <a:prstGeom prst="rect">
               <a:avLst/>
@@ -5820,7 +6610,7 @@
             <a:lstStyle/>
             <a:p>
               <a:r>
-                <a:rPr lang="ru-RU" sz="1600" b="1" dirty="0">
+                <a:rPr lang="ru-RU" sz="1600" b="1" dirty="0" smtClean="0">
                   <a:solidFill>
                     <a:schemeClr val="bg1">
                       <a:lumMod val="95000"/>
@@ -5829,8 +6619,17 @@
                   <a:latin typeface="Verdana" panose="020B0604030504040204" pitchFamily="34" charset="0"/>
                   <a:ea typeface="Verdana" panose="020B0604030504040204" pitchFamily="34" charset="0"/>
                 </a:rPr>
-                <a:t>Роботизация</a:t>
+                <a:t>Система управления</a:t>
               </a:r>
+              <a:endParaRPr lang="ru-RU" sz="1600" b="1" dirty="0">
+                <a:solidFill>
+                  <a:schemeClr val="bg1">
+                    <a:lumMod val="95000"/>
+                  </a:schemeClr>
+                </a:solidFill>
+                <a:latin typeface="Verdana" panose="020B0604030504040204" pitchFamily="34" charset="0"/>
+                <a:ea typeface="Verdana" panose="020B0604030504040204" pitchFamily="34" charset="0"/>
+              </a:endParaRPr>
             </a:p>
           </p:txBody>
         </p:sp>
@@ -5840,7 +6639,7 @@
           <p:cNvPr id="17" name="Прямоугольник 16">
             <a:extLst>
               <a:ext uri="{FF2B5EF4-FFF2-40B4-BE49-F238E27FC236}">
-                <a16:creationId xmlns:a16="http://schemas.microsoft.com/office/drawing/2014/main" xmlns="" id="{4178CC85-0238-47F8-9C95-8ED6B85E84DE}"/>
+                <a16:creationId xmlns="" xmlns:a16="http://schemas.microsoft.com/office/drawing/2014/main" id="{4178CC85-0238-47F8-9C95-8ED6B85E84DE}"/>
               </a:ext>
             </a:extLst>
           </p:cNvPr>
@@ -5849,8 +6648,8 @@
         </p:nvSpPr>
         <p:spPr>
           <a:xfrm>
-            <a:off x="516243" y="2661651"/>
-            <a:ext cx="1453466" cy="338554"/>
+            <a:off x="463089" y="2787774"/>
+            <a:ext cx="2111541" cy="338554"/>
           </a:xfrm>
           <a:prstGeom prst="rect">
             <a:avLst/>
@@ -5863,7 +6662,7 @@
           <a:lstStyle/>
           <a:p>
             <a:r>
-              <a:rPr lang="ru-RU" sz="1600" b="1" dirty="0">
+              <a:rPr lang="ru-RU" sz="1600" b="1" dirty="0" smtClean="0">
                 <a:solidFill>
                   <a:schemeClr val="bg1">
                     <a:lumMod val="95000"/>
@@ -5872,8 +6671,17 @@
                 <a:latin typeface="Verdana" panose="020B0604030504040204" pitchFamily="34" charset="0"/>
                 <a:ea typeface="Verdana" panose="020B0604030504040204" pitchFamily="34" charset="0"/>
               </a:rPr>
-              <a:t>.</a:t>
-            </a:r>
+              <a:t>Роботизация</a:t>
+            </a:r>
+            <a:endParaRPr lang="ru-RU" sz="1600" b="1" dirty="0">
+              <a:solidFill>
+                <a:schemeClr val="bg1">
+                  <a:lumMod val="95000"/>
+                </a:schemeClr>
+              </a:solidFill>
+              <a:latin typeface="Verdana" panose="020B0604030504040204" pitchFamily="34" charset="0"/>
+              <a:ea typeface="Verdana" panose="020B0604030504040204" pitchFamily="34" charset="0"/>
+            </a:endParaRPr>
           </a:p>
         </p:txBody>
       </p:sp>
@@ -5912,7 +6720,7 @@
           <p:cNvPr id="45" name="Прямоугольник 44">
             <a:extLst>
               <a:ext uri="{FF2B5EF4-FFF2-40B4-BE49-F238E27FC236}">
-                <a16:creationId xmlns:a16="http://schemas.microsoft.com/office/drawing/2014/main" xmlns="" id="{F844FAD0-BFD3-42F8-8444-0D4247E6F864}"/>
+                <a16:creationId xmlns="" xmlns:a16="http://schemas.microsoft.com/office/drawing/2014/main" id="{F844FAD0-BFD3-42F8-8444-0D4247E6F864}"/>
               </a:ext>
             </a:extLst>
           </p:cNvPr>
@@ -5970,7 +6778,7 @@
           <p:cNvPr id="27" name="Прямая соединительная линия 26">
             <a:extLst>
               <a:ext uri="{FF2B5EF4-FFF2-40B4-BE49-F238E27FC236}">
-                <a16:creationId xmlns:a16="http://schemas.microsoft.com/office/drawing/2014/main" xmlns="" id="{7D440611-E861-4ADC-BE55-6C5E3E2135B0}"/>
+                <a16:creationId xmlns="" xmlns:a16="http://schemas.microsoft.com/office/drawing/2014/main" id="{7D440611-E861-4ADC-BE55-6C5E3E2135B0}"/>
               </a:ext>
             </a:extLst>
           </p:cNvPr>
@@ -6091,7 +6899,7 @@
           <p:cNvPr id="8" name="Группа 7">
             <a:extLst>
               <a:ext uri="{FF2B5EF4-FFF2-40B4-BE49-F238E27FC236}">
-                <a16:creationId xmlns:a16="http://schemas.microsoft.com/office/drawing/2014/main" xmlns="" id="{8D89B8A8-CE48-43F1-BB75-3E6B699D7B47}"/>
+                <a16:creationId xmlns="" xmlns:a16="http://schemas.microsoft.com/office/drawing/2014/main" id="{8D89B8A8-CE48-43F1-BB75-3E6B699D7B47}"/>
               </a:ext>
             </a:extLst>
           </p:cNvPr>
@@ -6111,7 +6919,7 @@
             <p:cNvPr id="49" name="Прямоугольник 48">
               <a:extLst>
                 <a:ext uri="{FF2B5EF4-FFF2-40B4-BE49-F238E27FC236}">
-                  <a16:creationId xmlns:a16="http://schemas.microsoft.com/office/drawing/2014/main" xmlns="" id="{FDB282C5-2604-4D7A-8D2A-E546EB65E607}"/>
+                  <a16:creationId xmlns="" xmlns:a16="http://schemas.microsoft.com/office/drawing/2014/main" id="{FDB282C5-2604-4D7A-8D2A-E546EB65E607}"/>
                 </a:ext>
               </a:extLst>
             </p:cNvPr>
@@ -6165,7 +6973,7 @@
             <p:cNvPr id="63" name="Прямоугольник 62">
               <a:extLst>
                 <a:ext uri="{FF2B5EF4-FFF2-40B4-BE49-F238E27FC236}">
-                  <a16:creationId xmlns:a16="http://schemas.microsoft.com/office/drawing/2014/main" xmlns="" id="{2D33E0AE-D3CC-4355-8650-0C91F2677331}"/>
+                  <a16:creationId xmlns="" xmlns:a16="http://schemas.microsoft.com/office/drawing/2014/main" id="{2D33E0AE-D3CC-4355-8650-0C91F2677331}"/>
                 </a:ext>
               </a:extLst>
             </p:cNvPr>
@@ -6219,7 +7027,7 @@
             <p:cNvPr id="71" name="Прямоугольник 70">
               <a:extLst>
                 <a:ext uri="{FF2B5EF4-FFF2-40B4-BE49-F238E27FC236}">
-                  <a16:creationId xmlns:a16="http://schemas.microsoft.com/office/drawing/2014/main" xmlns="" id="{7BAF04B3-A7AB-4421-99BC-5E3219D990E5}"/>
+                  <a16:creationId xmlns="" xmlns:a16="http://schemas.microsoft.com/office/drawing/2014/main" id="{7BAF04B3-A7AB-4421-99BC-5E3219D990E5}"/>
                 </a:ext>
               </a:extLst>
             </p:cNvPr>
@@ -6277,7 +7085,7 @@
             <p:cNvPr id="2" name="TextBox 1">
               <a:extLst>
                 <a:ext uri="{FF2B5EF4-FFF2-40B4-BE49-F238E27FC236}">
-                  <a16:creationId xmlns:a16="http://schemas.microsoft.com/office/drawing/2014/main" xmlns="" id="{D433A942-CA1E-4148-80E1-D96F3CDADFE8}"/>
+                  <a16:creationId xmlns="" xmlns:a16="http://schemas.microsoft.com/office/drawing/2014/main" id="{D433A942-CA1E-4148-80E1-D96F3CDADFE8}"/>
                 </a:ext>
               </a:extLst>
             </p:cNvPr>
@@ -6329,7 +7137,7 @@
             <p:cNvPr id="29" name="Прямоугольник 28">
               <a:extLst>
                 <a:ext uri="{FF2B5EF4-FFF2-40B4-BE49-F238E27FC236}">
-                  <a16:creationId xmlns:a16="http://schemas.microsoft.com/office/drawing/2014/main" xmlns="" id="{321E19EC-6BB3-4443-BA33-D6D787D90C0D}"/>
+                  <a16:creationId xmlns="" xmlns:a16="http://schemas.microsoft.com/office/drawing/2014/main" id="{321E19EC-6BB3-4443-BA33-D6D787D90C0D}"/>
                 </a:ext>
               </a:extLst>
             </p:cNvPr>
@@ -6372,7 +7180,7 @@
           <p:cNvPr id="30" name="Прямоугольник 29">
             <a:extLst>
               <a:ext uri="{FF2B5EF4-FFF2-40B4-BE49-F238E27FC236}">
-                <a16:creationId xmlns:a16="http://schemas.microsoft.com/office/drawing/2014/main" xmlns="" id="{62E7C219-BF40-42A2-A453-98D897CC3593}"/>
+                <a16:creationId xmlns="" xmlns:a16="http://schemas.microsoft.com/office/drawing/2014/main" id="{62E7C219-BF40-42A2-A453-98D897CC3593}"/>
               </a:ext>
             </a:extLst>
           </p:cNvPr>
@@ -6426,7 +7234,7 @@
         <p:spPr>
           <a:xfrm>
             <a:off x="3042891" y="1277280"/>
-            <a:ext cx="6029836" cy="646331"/>
+            <a:ext cx="6029836" cy="923330"/>
           </a:xfrm>
           <a:prstGeom prst="rect">
             <a:avLst/>
@@ -6445,7 +7253,26 @@
                 <a:ea typeface="Calibri" panose="020F0502020204030204" pitchFamily="34" charset="0"/>
                 <a:cs typeface="Times New Roman" panose="02020603050405020304" pitchFamily="18" charset="0"/>
               </a:rPr>
-              <a:t>Фотка нашего робота?</a:t>
+              <a:t>Фотка нашего </a:t>
+            </a:r>
+            <a:r>
+              <a:rPr lang="ru-RU" sz="1800" dirty="0" smtClean="0">
+                <a:effectLst/>
+                <a:latin typeface="Times New Roman" panose="02020603050405020304" pitchFamily="18" charset="0"/>
+                <a:ea typeface="Calibri" panose="020F0502020204030204" pitchFamily="34" charset="0"/>
+                <a:cs typeface="Times New Roman" panose="02020603050405020304" pitchFamily="18" charset="0"/>
+              </a:rPr>
+              <a:t>робота</a:t>
+            </a:r>
+          </a:p>
+          <a:p>
+            <a:r>
+              <a:rPr lang="ru-RU" sz="1800" dirty="0" smtClean="0">
+                <a:latin typeface="Times New Roman" panose="02020603050405020304" pitchFamily="18" charset="0"/>
+                <a:ea typeface="Calibri" panose="020F0502020204030204" pitchFamily="34" charset="0"/>
+                <a:cs typeface="Times New Roman" panose="02020603050405020304" pitchFamily="18" charset="0"/>
+              </a:rPr>
+              <a:t>Иначе убрать слайд</a:t>
             </a:r>
             <a:endParaRPr lang="ru-RU" sz="1800" dirty="0">
               <a:effectLst/>
@@ -6468,7 +7295,7 @@
           <p:cNvPr id="6" name="Номер слайда 5">
             <a:extLst>
               <a:ext uri="{FF2B5EF4-FFF2-40B4-BE49-F238E27FC236}">
-                <a16:creationId xmlns:a16="http://schemas.microsoft.com/office/drawing/2014/main" xmlns="" id="{91B1A099-D53E-4F79-AD32-FF2BB7379684}"/>
+                <a16:creationId xmlns="" xmlns:a16="http://schemas.microsoft.com/office/drawing/2014/main" id="{91B1A099-D53E-4F79-AD32-FF2BB7379684}"/>
               </a:ext>
             </a:extLst>
           </p:cNvPr>
@@ -6498,7 +7325,7 @@
           <p:cNvPr id="18" name="Прямоугольник 17">
             <a:extLst>
               <a:ext uri="{FF2B5EF4-FFF2-40B4-BE49-F238E27FC236}">
-                <a16:creationId xmlns:a16="http://schemas.microsoft.com/office/drawing/2014/main" xmlns="" id="{CAA77BAE-A556-48A0-978D-90044E75AF67}"/>
+                <a16:creationId xmlns="" xmlns:a16="http://schemas.microsoft.com/office/drawing/2014/main" id="{CAA77BAE-A556-48A0-978D-90044E75AF67}"/>
               </a:ext>
             </a:extLst>
           </p:cNvPr>
@@ -6530,6 +7357,86 @@
               </a:rPr>
               <a:t>Цель. Гипотеза. Задачи.</a:t>
             </a:r>
+          </a:p>
+        </p:txBody>
+      </p:sp>
+      <p:sp>
+        <p:nvSpPr>
+          <p:cNvPr id="3" name="Улыбающееся лицо 2"/>
+          <p:cNvSpPr/>
+          <p:nvPr/>
+        </p:nvSpPr>
+        <p:spPr>
+          <a:xfrm>
+            <a:off x="5905366" y="2571750"/>
+            <a:ext cx="2195026" cy="2016224"/>
+          </a:xfrm>
+          <a:prstGeom prst="smileyFace">
+            <a:avLst/>
+          </a:prstGeom>
+        </p:spPr>
+        <p:style>
+          <a:lnRef idx="2">
+            <a:schemeClr val="accent1">
+              <a:shade val="50000"/>
+            </a:schemeClr>
+          </a:lnRef>
+          <a:fillRef idx="1">
+            <a:schemeClr val="accent1"/>
+          </a:fillRef>
+          <a:effectRef idx="0">
+            <a:schemeClr val="accent1"/>
+          </a:effectRef>
+          <a:fontRef idx="minor">
+            <a:schemeClr val="lt1"/>
+          </a:fontRef>
+        </p:style>
+        <p:txBody>
+          <a:bodyPr rtlCol="0" anchor="ctr"/>
+          <a:lstStyle/>
+          <a:p>
+            <a:pPr algn="ctr"/>
+            <a:endParaRPr lang="ru-RU"/>
+          </a:p>
+        </p:txBody>
+      </p:sp>
+      <p:sp>
+        <p:nvSpPr>
+          <p:cNvPr id="4" name="Улыбающееся лицо 3"/>
+          <p:cNvSpPr/>
+          <p:nvPr/>
+        </p:nvSpPr>
+        <p:spPr>
+          <a:xfrm>
+            <a:off x="397602" y="2763788"/>
+            <a:ext cx="1942150" cy="1945135"/>
+          </a:xfrm>
+          <a:prstGeom prst="smileyFace">
+            <a:avLst/>
+          </a:prstGeom>
+        </p:spPr>
+        <p:style>
+          <a:lnRef idx="2">
+            <a:schemeClr val="accent1">
+              <a:shade val="50000"/>
+            </a:schemeClr>
+          </a:lnRef>
+          <a:fillRef idx="1">
+            <a:schemeClr val="accent1"/>
+          </a:fillRef>
+          <a:effectRef idx="0">
+            <a:schemeClr val="accent1"/>
+          </a:effectRef>
+          <a:fontRef idx="minor">
+            <a:schemeClr val="lt1"/>
+          </a:fontRef>
+        </p:style>
+        <p:txBody>
+          <a:bodyPr rtlCol="0" anchor="ctr"/>
+          <a:lstStyle/>
+          <a:p>
+            <a:pPr algn="ctr"/>
+            <a:endParaRPr lang="ru-RU"/>
           </a:p>
         </p:txBody>
       </p:sp>
@@ -6543,11 +7450,11 @@
   <p:clrMapOvr>
     <a:masterClrMapping/>
   </p:clrMapOvr>
-  <mc:AlternateContent xmlns:mc="http://schemas.openxmlformats.org/markup-compatibility/2006">
-    <mc:Choice xmlns:p14="http://schemas.microsoft.com/office/powerpoint/2010/main" Requires="p14">
+  <mc:AlternateContent xmlns:mc="http://schemas.openxmlformats.org/markup-compatibility/2006" xmlns:p14="http://schemas.microsoft.com/office/powerpoint/2010/main">
+    <mc:Choice Requires="p14">
       <p:transition spd="slow" p14:dur="2000"/>
     </mc:Choice>
-    <mc:Fallback>
+    <mc:Fallback xmlns="">
       <p:transition spd="slow"/>
     </mc:Fallback>
   </mc:AlternateContent>
@@ -6576,7 +7483,7 @@
           <p:cNvPr id="45" name="Прямоугольник 44">
             <a:extLst>
               <a:ext uri="{FF2B5EF4-FFF2-40B4-BE49-F238E27FC236}">
-                <a16:creationId xmlns:a16="http://schemas.microsoft.com/office/drawing/2014/main" xmlns="" id="{F844FAD0-BFD3-42F8-8444-0D4247E6F864}"/>
+                <a16:creationId xmlns="" xmlns:a16="http://schemas.microsoft.com/office/drawing/2014/main" id="{F844FAD0-BFD3-42F8-8444-0D4247E6F864}"/>
               </a:ext>
             </a:extLst>
           </p:cNvPr>
@@ -6712,7 +7619,7 @@
           <p:cNvPr id="2" name="Номер слайда 1">
             <a:extLst>
               <a:ext uri="{FF2B5EF4-FFF2-40B4-BE49-F238E27FC236}">
-                <a16:creationId xmlns:a16="http://schemas.microsoft.com/office/drawing/2014/main" xmlns="" id="{6C639C31-70B3-4747-90CA-1855C8665F6D}"/>
+                <a16:creationId xmlns="" xmlns:a16="http://schemas.microsoft.com/office/drawing/2014/main" id="{6C639C31-70B3-4747-90CA-1855C8665F6D}"/>
               </a:ext>
             </a:extLst>
           </p:cNvPr>
@@ -6742,7 +7649,7 @@
           <p:cNvPr id="9" name="Прямая соединительная линия 8">
             <a:extLst>
               <a:ext uri="{FF2B5EF4-FFF2-40B4-BE49-F238E27FC236}">
-                <a16:creationId xmlns:a16="http://schemas.microsoft.com/office/drawing/2014/main" xmlns="" id="{D801378D-54AE-4064-AFC0-861B34FEDBE9}"/>
+                <a16:creationId xmlns="" xmlns:a16="http://schemas.microsoft.com/office/drawing/2014/main" id="{D801378D-54AE-4064-AFC0-861B34FEDBE9}"/>
               </a:ext>
             </a:extLst>
           </p:cNvPr>
@@ -6785,7 +7692,7 @@
           <p:cNvPr id="13" name="Прямоугольник 12">
             <a:extLst>
               <a:ext uri="{FF2B5EF4-FFF2-40B4-BE49-F238E27FC236}">
-                <a16:creationId xmlns:a16="http://schemas.microsoft.com/office/drawing/2014/main" xmlns="" id="{A311B375-86CE-4E7D-BEFB-9E495DC2ED8E}"/>
+                <a16:creationId xmlns="" xmlns:a16="http://schemas.microsoft.com/office/drawing/2014/main" id="{A311B375-86CE-4E7D-BEFB-9E495DC2ED8E}"/>
               </a:ext>
             </a:extLst>
           </p:cNvPr>
@@ -6896,7 +7803,7 @@
           <p:cNvPr id="5" name="Прямоугольник 4">
             <a:extLst>
               <a:ext uri="{FF2B5EF4-FFF2-40B4-BE49-F238E27FC236}">
-                <a16:creationId xmlns:a16="http://schemas.microsoft.com/office/drawing/2014/main" xmlns="" id="{66C439E9-3E70-4653-97C3-031864E7D8D0}"/>
+                <a16:creationId xmlns="" xmlns:a16="http://schemas.microsoft.com/office/drawing/2014/main" id="{66C439E9-3E70-4653-97C3-031864E7D8D0}"/>
               </a:ext>
             </a:extLst>
           </p:cNvPr>
@@ -6954,7 +7861,7 @@
           <p:cNvPr id="12" name="Объект 11">
             <a:extLst>
               <a:ext uri="{FF2B5EF4-FFF2-40B4-BE49-F238E27FC236}">
-                <a16:creationId xmlns:a16="http://schemas.microsoft.com/office/drawing/2014/main" xmlns="" id="{B7C51A1C-8922-4440-B769-CB2C3DEB3983}"/>
+                <a16:creationId xmlns="" xmlns:a16="http://schemas.microsoft.com/office/drawing/2014/main" id="{B7C51A1C-8922-4440-B769-CB2C3DEB3983}"/>
               </a:ext>
             </a:extLst>
           </p:cNvPr>
@@ -6983,7 +7890,7 @@
           <p:cNvPr id="4" name="Номер слайда 3">
             <a:extLst>
               <a:ext uri="{FF2B5EF4-FFF2-40B4-BE49-F238E27FC236}">
-                <a16:creationId xmlns:a16="http://schemas.microsoft.com/office/drawing/2014/main" xmlns="" id="{C8A9DE46-F073-46D7-B376-7501FC0857AE}"/>
+                <a16:creationId xmlns="" xmlns:a16="http://schemas.microsoft.com/office/drawing/2014/main" id="{C8A9DE46-F073-46D7-B376-7501FC0857AE}"/>
               </a:ext>
             </a:extLst>
           </p:cNvPr>
@@ -7013,7 +7920,7 @@
           <p:cNvPr id="6" name="Прямая соединительная линия 5">
             <a:extLst>
               <a:ext uri="{FF2B5EF4-FFF2-40B4-BE49-F238E27FC236}">
-                <a16:creationId xmlns:a16="http://schemas.microsoft.com/office/drawing/2014/main" xmlns="" id="{AA138C88-C0F1-4DB1-B124-2598866FA507}"/>
+                <a16:creationId xmlns="" xmlns:a16="http://schemas.microsoft.com/office/drawing/2014/main" id="{AA138C88-C0F1-4DB1-B124-2598866FA507}"/>
               </a:ext>
             </a:extLst>
           </p:cNvPr>
@@ -7056,7 +7963,7 @@
           <p:cNvPr id="8" name="Прямоугольник 7">
             <a:extLst>
               <a:ext uri="{FF2B5EF4-FFF2-40B4-BE49-F238E27FC236}">
-                <a16:creationId xmlns:a16="http://schemas.microsoft.com/office/drawing/2014/main" xmlns="" id="{E241D599-E25D-4723-8B9C-C236D5FE6E76}"/>
+                <a16:creationId xmlns="" xmlns:a16="http://schemas.microsoft.com/office/drawing/2014/main" id="{E241D599-E25D-4723-8B9C-C236D5FE6E76}"/>
               </a:ext>
             </a:extLst>
           </p:cNvPr>
@@ -7096,7 +8003,7 @@
           <p:cNvPr id="13" name="Прямоугольник 12">
             <a:extLst>
               <a:ext uri="{FF2B5EF4-FFF2-40B4-BE49-F238E27FC236}">
-                <a16:creationId xmlns:a16="http://schemas.microsoft.com/office/drawing/2014/main" xmlns="" id="{8691D101-8FB8-4148-96C0-FC85128352E9}"/>
+                <a16:creationId xmlns="" xmlns:a16="http://schemas.microsoft.com/office/drawing/2014/main" id="{8691D101-8FB8-4148-96C0-FC85128352E9}"/>
               </a:ext>
             </a:extLst>
           </p:cNvPr>
@@ -7246,7 +8153,7 @@
           <p:cNvPr id="14" name="Группа 13">
             <a:extLst>
               <a:ext uri="{FF2B5EF4-FFF2-40B4-BE49-F238E27FC236}">
-                <a16:creationId xmlns:a16="http://schemas.microsoft.com/office/drawing/2014/main" xmlns="" id="{04A2D0FC-A086-451D-8E3C-C36D94520331}"/>
+                <a16:creationId xmlns="" xmlns:a16="http://schemas.microsoft.com/office/drawing/2014/main" id="{04A2D0FC-A086-451D-8E3C-C36D94520331}"/>
               </a:ext>
             </a:extLst>
           </p:cNvPr>
@@ -7255,10 +8162,10 @@
         </p:nvGrpSpPr>
         <p:grpSpPr>
           <a:xfrm>
-            <a:off x="132856" y="975368"/>
-            <a:ext cx="2799177" cy="2118472"/>
-            <a:chOff x="174072" y="159772"/>
-            <a:chExt cx="2799177" cy="2118472"/>
+            <a:off x="132856" y="974053"/>
+            <a:ext cx="2750478" cy="2119787"/>
+            <a:chOff x="174072" y="158457"/>
+            <a:chExt cx="2750478" cy="2119787"/>
           </a:xfrm>
         </p:grpSpPr>
         <p:sp>
@@ -7266,7 +8173,7 @@
             <p:cNvPr id="15" name="Прямоугольник 14">
               <a:extLst>
                 <a:ext uri="{FF2B5EF4-FFF2-40B4-BE49-F238E27FC236}">
-                  <a16:creationId xmlns:a16="http://schemas.microsoft.com/office/drawing/2014/main" xmlns="" id="{CCAB0E93-B482-4511-9C92-D58B5CA1B476}"/>
+                  <a16:creationId xmlns="" xmlns:a16="http://schemas.microsoft.com/office/drawing/2014/main" id="{CCAB0E93-B482-4511-9C92-D58B5CA1B476}"/>
                 </a:ext>
               </a:extLst>
             </p:cNvPr>
@@ -7320,7 +8227,7 @@
             <p:cNvPr id="16" name="Прямоугольник 15">
               <a:extLst>
                 <a:ext uri="{FF2B5EF4-FFF2-40B4-BE49-F238E27FC236}">
-                  <a16:creationId xmlns:a16="http://schemas.microsoft.com/office/drawing/2014/main" xmlns="" id="{9A6819D6-8981-437E-9451-D33DC6AE2CFF}"/>
+                  <a16:creationId xmlns="" xmlns:a16="http://schemas.microsoft.com/office/drawing/2014/main" id="{9A6819D6-8981-437E-9451-D33DC6AE2CFF}"/>
                 </a:ext>
               </a:extLst>
             </p:cNvPr>
@@ -7374,7 +8281,7 @@
             <p:cNvPr id="17" name="Прямоугольник 16">
               <a:extLst>
                 <a:ext uri="{FF2B5EF4-FFF2-40B4-BE49-F238E27FC236}">
-                  <a16:creationId xmlns:a16="http://schemas.microsoft.com/office/drawing/2014/main" xmlns="" id="{2A9176D3-840D-47CC-BE16-23C1B0AB344E}"/>
+                  <a16:creationId xmlns="" xmlns:a16="http://schemas.microsoft.com/office/drawing/2014/main" id="{2A9176D3-840D-47CC-BE16-23C1B0AB344E}"/>
                 </a:ext>
               </a:extLst>
             </p:cNvPr>
@@ -7432,7 +8339,7 @@
             <p:cNvPr id="18" name="TextBox 17">
               <a:extLst>
                 <a:ext uri="{FF2B5EF4-FFF2-40B4-BE49-F238E27FC236}">
-                  <a16:creationId xmlns:a16="http://schemas.microsoft.com/office/drawing/2014/main" xmlns="" id="{E8D75791-002E-49CB-AF45-B5DEFED0FE93}"/>
+                  <a16:creationId xmlns="" xmlns:a16="http://schemas.microsoft.com/office/drawing/2014/main" id="{E8D75791-002E-49CB-AF45-B5DEFED0FE93}"/>
                 </a:ext>
               </a:extLst>
             </p:cNvPr>
@@ -7441,7 +8348,7 @@
           </p:nvSpPr>
           <p:spPr>
             <a:xfrm>
-              <a:off x="557459" y="159772"/>
+              <a:off x="508760" y="158457"/>
               <a:ext cx="2415790" cy="338554"/>
             </a:xfrm>
             <a:prstGeom prst="rect">
@@ -7456,7 +8363,7 @@
             <a:lstStyle/>
             <a:p>
               <a:r>
-                <a:rPr lang="en-US" sz="1600" b="1" dirty="0">
+                <a:rPr lang="en-US" sz="1600" b="1" dirty="0" err="1" smtClean="0">
                   <a:solidFill>
                     <a:schemeClr val="bg1">
                       <a:lumMod val="95000"/>
@@ -7465,7 +8372,7 @@
                   <a:latin typeface="Verdana" panose="020B0604030504040204" pitchFamily="34" charset="0"/>
                   <a:ea typeface="Verdana" panose="020B0604030504040204" pitchFamily="34" charset="0"/>
                 </a:rPr>
-                <a:t>KSS</a:t>
+                <a:t>KasperskyOS</a:t>
               </a:r>
               <a:endParaRPr lang="x-none" sz="1600" b="1" dirty="0">
                 <a:solidFill>
@@ -7484,7 +8391,7 @@
             <p:cNvPr id="19" name="Прямоугольник 18">
               <a:extLst>
                 <a:ext uri="{FF2B5EF4-FFF2-40B4-BE49-F238E27FC236}">
-                  <a16:creationId xmlns:a16="http://schemas.microsoft.com/office/drawing/2014/main" xmlns="" id="{6E6ADD29-EE78-4E35-B4D4-DB39F977BC25}"/>
+                  <a16:creationId xmlns="" xmlns:a16="http://schemas.microsoft.com/office/drawing/2014/main" id="{6E6ADD29-EE78-4E35-B4D4-DB39F977BC25}"/>
                 </a:ext>
               </a:extLst>
             </p:cNvPr>
@@ -7493,8 +8400,8 @@
           </p:nvSpPr>
           <p:spPr>
             <a:xfrm>
-              <a:off x="506712" y="915390"/>
-              <a:ext cx="1453466" cy="584775"/>
+              <a:off x="506712" y="1036074"/>
+              <a:ext cx="1453466" cy="338554"/>
             </a:xfrm>
             <a:prstGeom prst="rect">
               <a:avLst/>
@@ -7507,7 +8414,7 @@
             <a:lstStyle/>
             <a:p>
               <a:r>
-                <a:rPr lang="ru-RU" sz="1600" b="1" dirty="0">
+                <a:rPr lang="en-US" sz="1600" b="1" dirty="0" smtClean="0">
                   <a:solidFill>
                     <a:schemeClr val="bg1">
                       <a:lumMod val="95000"/>
@@ -7516,8 +8423,17 @@
                   <a:latin typeface="Verdana" panose="020B0604030504040204" pitchFamily="34" charset="0"/>
                   <a:ea typeface="Verdana" panose="020B0604030504040204" pitchFamily="34" charset="0"/>
                 </a:rPr>
-                <a:t>Разбиение доменов</a:t>
+                <a:t>MILS</a:t>
               </a:r>
+              <a:endParaRPr lang="ru-RU" sz="1600" b="1" dirty="0">
+                <a:solidFill>
+                  <a:schemeClr val="bg1">
+                    <a:lumMod val="95000"/>
+                  </a:schemeClr>
+                </a:solidFill>
+                <a:latin typeface="Verdana" panose="020B0604030504040204" pitchFamily="34" charset="0"/>
+                <a:ea typeface="Verdana" panose="020B0604030504040204" pitchFamily="34" charset="0"/>
+              </a:endParaRPr>
             </a:p>
           </p:txBody>
         </p:sp>
@@ -7527,7 +8443,7 @@
           <p:cNvPr id="20" name="Прямоугольник 19">
             <a:extLst>
               <a:ext uri="{FF2B5EF4-FFF2-40B4-BE49-F238E27FC236}">
-                <a16:creationId xmlns:a16="http://schemas.microsoft.com/office/drawing/2014/main" xmlns="" id="{F3DCC88F-61A0-4738-AD2D-3A7ECCAA1F42}"/>
+                <a16:creationId xmlns="" xmlns:a16="http://schemas.microsoft.com/office/drawing/2014/main" id="{F3DCC88F-61A0-4738-AD2D-3A7ECCAA1F42}"/>
               </a:ext>
             </a:extLst>
           </p:cNvPr>
@@ -7536,8 +8452,8 @@
         </p:nvSpPr>
         <p:spPr>
           <a:xfrm>
-            <a:off x="487296" y="2506299"/>
-            <a:ext cx="1453466" cy="1077218"/>
+            <a:off x="454238" y="2787774"/>
+            <a:ext cx="1453466" cy="338554"/>
           </a:xfrm>
           <a:prstGeom prst="rect">
             <a:avLst/>
@@ -7550,7 +8466,7 @@
           <a:lstStyle/>
           <a:p>
             <a:r>
-              <a:rPr lang="ru-RU" sz="1600" b="1" dirty="0">
+              <a:rPr lang="en-US" sz="1600" b="1" dirty="0" smtClean="0">
                 <a:solidFill>
                   <a:schemeClr val="bg1">
                     <a:lumMod val="95000"/>
@@ -7559,8 +8475,17 @@
                 <a:latin typeface="Verdana" panose="020B0604030504040204" pitchFamily="34" charset="0"/>
                 <a:ea typeface="Verdana" panose="020B0604030504040204" pitchFamily="34" charset="0"/>
               </a:rPr>
-              <a:t>Контроль связи между доменами</a:t>
-            </a:r>
+              <a:t>FLASK</a:t>
+            </a:r>
+            <a:endParaRPr lang="ru-RU" sz="1600" b="1" dirty="0">
+              <a:solidFill>
+                <a:schemeClr val="bg1">
+                  <a:lumMod val="95000"/>
+                </a:schemeClr>
+              </a:solidFill>
+              <a:latin typeface="Verdana" panose="020B0604030504040204" pitchFamily="34" charset="0"/>
+              <a:ea typeface="Verdana" panose="020B0604030504040204" pitchFamily="34" charset="0"/>
+            </a:endParaRPr>
           </a:p>
         </p:txBody>
       </p:sp>
@@ -7599,7 +8524,7 @@
           <p:cNvPr id="1030" name="Picture 6" descr="vfs_net2">
             <a:extLst>
               <a:ext uri="{FF2B5EF4-FFF2-40B4-BE49-F238E27FC236}">
-                <a16:creationId xmlns:a16="http://schemas.microsoft.com/office/drawing/2014/main" xmlns="" id="{FC5C7EC5-30B7-4943-BF0F-33419C772510}"/>
+                <a16:creationId xmlns="" xmlns:a16="http://schemas.microsoft.com/office/drawing/2014/main" id="{FC5C7EC5-30B7-4943-BF0F-33419C772510}"/>
               </a:ext>
             </a:extLst>
           </p:cNvPr>
@@ -7646,7 +8571,7 @@
           <p:cNvPr id="31" name="Прямоугольник 30">
             <a:extLst>
               <a:ext uri="{FF2B5EF4-FFF2-40B4-BE49-F238E27FC236}">
-                <a16:creationId xmlns:a16="http://schemas.microsoft.com/office/drawing/2014/main" xmlns="" id="{F844FAD0-BFD3-42F8-8444-0D4247E6F864}"/>
+                <a16:creationId xmlns="" xmlns:a16="http://schemas.microsoft.com/office/drawing/2014/main" id="{F844FAD0-BFD3-42F8-8444-0D4247E6F864}"/>
               </a:ext>
             </a:extLst>
           </p:cNvPr>
@@ -7704,7 +8629,7 @@
           <p:cNvPr id="27" name="Прямая соединительная линия 26">
             <a:extLst>
               <a:ext uri="{FF2B5EF4-FFF2-40B4-BE49-F238E27FC236}">
-                <a16:creationId xmlns:a16="http://schemas.microsoft.com/office/drawing/2014/main" xmlns="" id="{7D440611-E861-4ADC-BE55-6C5E3E2135B0}"/>
+                <a16:creationId xmlns="" xmlns:a16="http://schemas.microsoft.com/office/drawing/2014/main" id="{7D440611-E861-4ADC-BE55-6C5E3E2135B0}"/>
               </a:ext>
             </a:extLst>
           </p:cNvPr>
@@ -7858,7 +8783,7 @@
           <p:cNvPr id="2" name="Номер слайда 1">
             <a:extLst>
               <a:ext uri="{FF2B5EF4-FFF2-40B4-BE49-F238E27FC236}">
-                <a16:creationId xmlns:a16="http://schemas.microsoft.com/office/drawing/2014/main" xmlns="" id="{FD31FB89-335E-4DB6-8667-434A37E623F2}"/>
+                <a16:creationId xmlns="" xmlns:a16="http://schemas.microsoft.com/office/drawing/2014/main" id="{FD31FB89-335E-4DB6-8667-434A37E623F2}"/>
               </a:ext>
             </a:extLst>
           </p:cNvPr>
@@ -7888,7 +8813,7 @@
           <p:cNvPr id="11" name="Прямоугольник 10">
             <a:extLst>
               <a:ext uri="{FF2B5EF4-FFF2-40B4-BE49-F238E27FC236}">
-                <a16:creationId xmlns:a16="http://schemas.microsoft.com/office/drawing/2014/main" xmlns="" id="{29F16FB1-557B-4F20-AFAA-083E6605CBA3}"/>
+                <a16:creationId xmlns="" xmlns:a16="http://schemas.microsoft.com/office/drawing/2014/main" id="{29F16FB1-557B-4F20-AFAA-083E6605CBA3}"/>
               </a:ext>
             </a:extLst>
           </p:cNvPr>
@@ -7935,7 +8860,7 @@
           <p:cNvPr id="12" name="Группа 11">
             <a:extLst>
               <a:ext uri="{FF2B5EF4-FFF2-40B4-BE49-F238E27FC236}">
-                <a16:creationId xmlns:a16="http://schemas.microsoft.com/office/drawing/2014/main" xmlns="" id="{0C2CC8AF-A276-431C-834D-4D111074E709}"/>
+                <a16:creationId xmlns="" xmlns:a16="http://schemas.microsoft.com/office/drawing/2014/main" id="{0C2CC8AF-A276-431C-834D-4D111074E709}"/>
               </a:ext>
             </a:extLst>
           </p:cNvPr>
@@ -7944,10 +8869,10 @@
         </p:nvGrpSpPr>
         <p:grpSpPr>
           <a:xfrm>
-            <a:off x="132856" y="853278"/>
-            <a:ext cx="1963049" cy="2240562"/>
-            <a:chOff x="174072" y="37682"/>
-            <a:chExt cx="1963049" cy="2240562"/>
+            <a:off x="132856" y="843558"/>
+            <a:ext cx="1911951" cy="2250282"/>
+            <a:chOff x="174072" y="27962"/>
+            <a:chExt cx="1911951" cy="2250282"/>
           </a:xfrm>
         </p:grpSpPr>
         <p:sp>
@@ -7955,7 +8880,7 @@
             <p:cNvPr id="13" name="Прямоугольник 12">
               <a:extLst>
                 <a:ext uri="{FF2B5EF4-FFF2-40B4-BE49-F238E27FC236}">
-                  <a16:creationId xmlns:a16="http://schemas.microsoft.com/office/drawing/2014/main" xmlns="" id="{6A7439AB-9E67-41E2-A35B-511E5F0347BE}"/>
+                  <a16:creationId xmlns="" xmlns:a16="http://schemas.microsoft.com/office/drawing/2014/main" id="{6A7439AB-9E67-41E2-A35B-511E5F0347BE}"/>
                 </a:ext>
               </a:extLst>
             </p:cNvPr>
@@ -8009,7 +8934,7 @@
             <p:cNvPr id="14" name="Прямоугольник 13">
               <a:extLst>
                 <a:ext uri="{FF2B5EF4-FFF2-40B4-BE49-F238E27FC236}">
-                  <a16:creationId xmlns:a16="http://schemas.microsoft.com/office/drawing/2014/main" xmlns="" id="{D4C5D2CD-584A-4C0D-9F8A-A05C7DC6FB06}"/>
+                  <a16:creationId xmlns="" xmlns:a16="http://schemas.microsoft.com/office/drawing/2014/main" id="{D4C5D2CD-584A-4C0D-9F8A-A05C7DC6FB06}"/>
                 </a:ext>
               </a:extLst>
             </p:cNvPr>
@@ -8063,7 +8988,7 @@
             <p:cNvPr id="15" name="Прямоугольник 14">
               <a:extLst>
                 <a:ext uri="{FF2B5EF4-FFF2-40B4-BE49-F238E27FC236}">
-                  <a16:creationId xmlns:a16="http://schemas.microsoft.com/office/drawing/2014/main" xmlns="" id="{DD647F68-3943-4CC0-9412-1D5968D970D1}"/>
+                  <a16:creationId xmlns="" xmlns:a16="http://schemas.microsoft.com/office/drawing/2014/main" id="{DD647F68-3943-4CC0-9412-1D5968D970D1}"/>
                 </a:ext>
               </a:extLst>
             </p:cNvPr>
@@ -8121,7 +9046,7 @@
             <p:cNvPr id="16" name="TextBox 15">
               <a:extLst>
                 <a:ext uri="{FF2B5EF4-FFF2-40B4-BE49-F238E27FC236}">
-                  <a16:creationId xmlns:a16="http://schemas.microsoft.com/office/drawing/2014/main" xmlns="" id="{A1CEB2B1-930A-47BF-B703-3C3FF21EE2CA}"/>
+                  <a16:creationId xmlns="" xmlns:a16="http://schemas.microsoft.com/office/drawing/2014/main" id="{A1CEB2B1-930A-47BF-B703-3C3FF21EE2CA}"/>
                 </a:ext>
               </a:extLst>
             </p:cNvPr>
@@ -8130,7 +9055,7 @@
           </p:nvSpPr>
           <p:spPr>
             <a:xfrm>
-              <a:off x="559858" y="37682"/>
+              <a:off x="508760" y="27962"/>
               <a:ext cx="1577263" cy="584775"/>
             </a:xfrm>
             <a:prstGeom prst="rect">
@@ -8145,7 +9070,7 @@
             <a:lstStyle/>
             <a:p>
               <a:r>
-                <a:rPr lang="ru-RU" sz="1600" b="1" dirty="0">
+                <a:rPr lang="ru-RU" sz="1600" b="1" dirty="0" smtClean="0">
                   <a:solidFill>
                     <a:schemeClr val="bg1">
                       <a:lumMod val="95000"/>
@@ -8154,7 +9079,7 @@
                   <a:latin typeface="Verdana" panose="020B0604030504040204" pitchFamily="34" charset="0"/>
                   <a:ea typeface="Verdana" panose="020B0604030504040204" pitchFamily="34" charset="0"/>
                 </a:rPr>
-                <a:t>Сетевая связь</a:t>
+                <a:t>Клиент-сервер</a:t>
               </a:r>
               <a:endParaRPr lang="x-none" sz="1600" b="1" dirty="0">
                 <a:solidFill>
@@ -8173,7 +9098,7 @@
             <p:cNvPr id="17" name="Прямоугольник 16">
               <a:extLst>
                 <a:ext uri="{FF2B5EF4-FFF2-40B4-BE49-F238E27FC236}">
-                  <a16:creationId xmlns:a16="http://schemas.microsoft.com/office/drawing/2014/main" xmlns="" id="{6C584A97-3F89-4B57-ACE7-9246FF17E1B3}"/>
+                  <a16:creationId xmlns="" xmlns:a16="http://schemas.microsoft.com/office/drawing/2014/main" id="{6C584A97-3F89-4B57-ACE7-9246FF17E1B3}"/>
                 </a:ext>
               </a:extLst>
             </p:cNvPr>
@@ -8182,7 +9107,7 @@
           </p:nvSpPr>
           <p:spPr>
             <a:xfrm>
-              <a:off x="559858" y="964066"/>
+              <a:off x="508760" y="1057560"/>
               <a:ext cx="1453466" cy="338554"/>
             </a:xfrm>
             <a:prstGeom prst="rect">
@@ -8196,7 +9121,7 @@
             <a:lstStyle/>
             <a:p>
               <a:r>
-                <a:rPr lang="ru-RU" sz="1600" b="1" dirty="0">
+                <a:rPr lang="en-US" sz="1600" b="1" dirty="0" smtClean="0">
                   <a:solidFill>
                     <a:schemeClr val="bg1">
                       <a:lumMod val="95000"/>
@@ -8205,8 +9130,17 @@
                   <a:latin typeface="Verdana" panose="020B0604030504040204" pitchFamily="34" charset="0"/>
                   <a:ea typeface="Verdana" panose="020B0604030504040204" pitchFamily="34" charset="0"/>
                 </a:rPr>
-                <a:t>Сущность</a:t>
+                <a:t>VFS</a:t>
               </a:r>
+              <a:endParaRPr lang="ru-RU" sz="1600" b="1" dirty="0">
+                <a:solidFill>
+                  <a:schemeClr val="bg1">
+                    <a:lumMod val="95000"/>
+                  </a:schemeClr>
+                </a:solidFill>
+                <a:latin typeface="Verdana" panose="020B0604030504040204" pitchFamily="34" charset="0"/>
+                <a:ea typeface="Verdana" panose="020B0604030504040204" pitchFamily="34" charset="0"/>
+              </a:endParaRPr>
             </a:p>
           </p:txBody>
         </p:sp>
@@ -8216,7 +9150,7 @@
           <p:cNvPr id="18" name="Прямоугольник 17">
             <a:extLst>
               <a:ext uri="{FF2B5EF4-FFF2-40B4-BE49-F238E27FC236}">
-                <a16:creationId xmlns:a16="http://schemas.microsoft.com/office/drawing/2014/main" xmlns="" id="{0D21A8F2-EFE5-4C67-9C72-02BBCD0A6CCF}"/>
+                <a16:creationId xmlns="" xmlns:a16="http://schemas.microsoft.com/office/drawing/2014/main" id="{0D21A8F2-EFE5-4C67-9C72-02BBCD0A6CCF}"/>
               </a:ext>
             </a:extLst>
           </p:cNvPr>
@@ -8225,8 +9159,8 @@
         </p:nvSpPr>
         <p:spPr>
           <a:xfrm>
-            <a:off x="490284" y="2635338"/>
-            <a:ext cx="1453466" cy="584775"/>
+            <a:off x="467544" y="2787774"/>
+            <a:ext cx="1453466" cy="338554"/>
           </a:xfrm>
           <a:prstGeom prst="rect">
             <a:avLst/>
@@ -8239,7 +9173,7 @@
           <a:lstStyle/>
           <a:p>
             <a:r>
-              <a:rPr lang="ru-RU" sz="1600" b="1" dirty="0">
+              <a:rPr lang="en-US" sz="1600" b="1" dirty="0" smtClean="0">
                 <a:solidFill>
                   <a:schemeClr val="bg1">
                     <a:lumMod val="95000"/>
@@ -8248,19 +9182,7 @@
                 <a:latin typeface="Verdana" panose="020B0604030504040204" pitchFamily="34" charset="0"/>
                 <a:ea typeface="Verdana" panose="020B0604030504040204" pitchFamily="34" charset="0"/>
               </a:rPr>
-              <a:t>Каналы </a:t>
-            </a:r>
-            <a:r>
-              <a:rPr lang="en-US" sz="1600" b="1" dirty="0">
-                <a:solidFill>
-                  <a:schemeClr val="bg1">
-                    <a:lumMod val="95000"/>
-                  </a:schemeClr>
-                </a:solidFill>
-                <a:latin typeface="Verdana" panose="020B0604030504040204" pitchFamily="34" charset="0"/>
-                <a:ea typeface="Verdana" panose="020B0604030504040204" pitchFamily="34" charset="0"/>
-              </a:rPr>
-              <a:t>IPC</a:t>
+              <a:t>GPIO</a:t>
             </a:r>
             <a:endParaRPr lang="ru-RU" sz="1600" b="1" dirty="0">
               <a:solidFill>
@@ -8271,6 +9193,46 @@
               <a:latin typeface="Verdana" panose="020B0604030504040204" pitchFamily="34" charset="0"/>
               <a:ea typeface="Verdana" panose="020B0604030504040204" pitchFamily="34" charset="0"/>
             </a:endParaRPr>
+          </a:p>
+        </p:txBody>
+      </p:sp>
+      <p:sp>
+        <p:nvSpPr>
+          <p:cNvPr id="3" name="Улыбающееся лицо 2"/>
+          <p:cNvSpPr/>
+          <p:nvPr/>
+        </p:nvSpPr>
+        <p:spPr>
+          <a:xfrm>
+            <a:off x="5724128" y="1593255"/>
+            <a:ext cx="2736304" cy="2778695"/>
+          </a:xfrm>
+          <a:prstGeom prst="smileyFace">
+            <a:avLst/>
+          </a:prstGeom>
+        </p:spPr>
+        <p:style>
+          <a:lnRef idx="2">
+            <a:schemeClr val="accent1">
+              <a:shade val="50000"/>
+            </a:schemeClr>
+          </a:lnRef>
+          <a:fillRef idx="1">
+            <a:schemeClr val="accent1"/>
+          </a:fillRef>
+          <a:effectRef idx="0">
+            <a:schemeClr val="accent1"/>
+          </a:effectRef>
+          <a:fontRef idx="minor">
+            <a:schemeClr val="lt1"/>
+          </a:fontRef>
+        </p:style>
+        <p:txBody>
+          <a:bodyPr rtlCol="0" anchor="ctr"/>
+          <a:lstStyle/>
+          <a:p>
+            <a:pPr algn="ctr"/>
+            <a:endParaRPr lang="ru-RU"/>
           </a:p>
         </p:txBody>
       </p:sp>
@@ -8309,7 +9271,7 @@
           <p:cNvPr id="45" name="Прямоугольник 44">
             <a:extLst>
               <a:ext uri="{FF2B5EF4-FFF2-40B4-BE49-F238E27FC236}">
-                <a16:creationId xmlns:a16="http://schemas.microsoft.com/office/drawing/2014/main" xmlns="" id="{F844FAD0-BFD3-42F8-8444-0D4247E6F864}"/>
+                <a16:creationId xmlns="" xmlns:a16="http://schemas.microsoft.com/office/drawing/2014/main" id="{F844FAD0-BFD3-42F8-8444-0D4247E6F864}"/>
               </a:ext>
             </a:extLst>
           </p:cNvPr>
@@ -8319,7 +9281,7 @@
         <p:spPr bwMode="auto">
           <a:xfrm>
             <a:off x="0" y="0"/>
-            <a:ext cx="1080000" cy="5143500"/>
+            <a:ext cx="2160000" cy="5143500"/>
           </a:xfrm>
           <a:prstGeom prst="rect">
             <a:avLst/>
@@ -8362,120 +9324,12 @@
           </a:p>
         </p:txBody>
       </p:sp>
-      <p:sp>
-        <p:nvSpPr>
-          <p:cNvPr id="25" name="Rectangle 1"/>
-          <p:cNvSpPr txBox="1">
-            <a:spLocks noChangeArrowheads="1"/>
-          </p:cNvSpPr>
-          <p:nvPr/>
-        </p:nvSpPr>
-        <p:spPr>
-          <a:xfrm>
-            <a:off x="2990262" y="921650"/>
-            <a:ext cx="5830209" cy="3787273"/>
-          </a:xfrm>
-          <a:prstGeom prst="rect">
-            <a:avLst/>
-          </a:prstGeom>
-        </p:spPr>
-        <p:txBody>
-          <a:bodyPr vert="horz" lIns="91440" tIns="45720" rIns="91440" bIns="45720" rtlCol="0" anchor="t">
-            <a:normAutofit/>
-          </a:bodyPr>
-          <a:lstStyle>
-            <a:lvl1pPr algn="ctr" defTabSz="914400" rtl="0" eaLnBrk="1" latinLnBrk="0" hangingPunct="1">
-              <a:spcBef>
-                <a:spcPct val="0"/>
-              </a:spcBef>
-              <a:buNone/>
-              <a:defRPr sz="4400" kern="1200">
-                <a:solidFill>
-                  <a:schemeClr val="tx1"/>
-                </a:solidFill>
-                <a:latin typeface="+mj-lt"/>
-                <a:ea typeface="+mj-ea"/>
-                <a:cs typeface="+mj-cs"/>
-              </a:defRPr>
-            </a:lvl1pPr>
-          </a:lstStyle>
-          <a:p>
-            <a:pPr marL="257175" indent="-254794" algn="l">
-              <a:spcBef>
-                <a:spcPts val="450"/>
-              </a:spcBef>
-              <a:tabLst>
-                <a:tab pos="257175" algn="l"/>
-                <a:tab pos="335756" algn="l"/>
-                <a:tab pos="672704" algn="l"/>
-                <a:tab pos="1009650" algn="l"/>
-                <a:tab pos="1346597" algn="l"/>
-                <a:tab pos="1683544" algn="l"/>
-                <a:tab pos="2020491" algn="l"/>
-                <a:tab pos="2357438" algn="l"/>
-                <a:tab pos="2694385" algn="l"/>
-                <a:tab pos="3031331" algn="l"/>
-                <a:tab pos="3368279" algn="l"/>
-                <a:tab pos="3705225" algn="l"/>
-                <a:tab pos="4042172" algn="l"/>
-                <a:tab pos="4379119" algn="l"/>
-                <a:tab pos="4716066" algn="l"/>
-                <a:tab pos="5053013" algn="l"/>
-                <a:tab pos="5389960" algn="l"/>
-                <a:tab pos="5726906" algn="l"/>
-                <a:tab pos="6063854" algn="l"/>
-                <a:tab pos="6400800" algn="l"/>
-                <a:tab pos="6737747" algn="l"/>
-              </a:tabLst>
-            </a:pPr>
-            <a:r>
-              <a:rPr lang="en-US" altLang="ru-RU" sz="3200" dirty="0">
-                <a:cs typeface="Times New Roman" panose="02020603050405020304" pitchFamily="18" charset="0"/>
-              </a:rPr>
-              <a:t>                     </a:t>
-            </a:r>
-            <a:endParaRPr lang="ru-RU" altLang="ru-RU" sz="3200" dirty="0">
-              <a:cs typeface="Times New Roman" panose="02020603050405020304" pitchFamily="18" charset="0"/>
-            </a:endParaRPr>
-          </a:p>
-        </p:txBody>
-      </p:sp>
-      <p:sp>
-        <p:nvSpPr>
-          <p:cNvPr id="2" name="Номер слайда 1">
+      <p:cxnSp>
+        <p:nvCxnSpPr>
+          <p:cNvPr id="27" name="Прямая соединительная линия 26">
             <a:extLst>
               <a:ext uri="{FF2B5EF4-FFF2-40B4-BE49-F238E27FC236}">
-                <a16:creationId xmlns:a16="http://schemas.microsoft.com/office/drawing/2014/main" xmlns="" id="{E337A08D-3A8E-4E89-BC69-A001F02E6E0C}"/>
-              </a:ext>
-            </a:extLst>
-          </p:cNvPr>
-          <p:cNvSpPr>
-            <a:spLocks noGrp="1"/>
-          </p:cNvSpPr>
-          <p:nvPr>
-            <p:ph type="sldNum" sz="quarter" idx="12"/>
-          </p:nvPr>
-        </p:nvSpPr>
-        <p:spPr/>
-        <p:txBody>
-          <a:bodyPr/>
-          <a:lstStyle/>
-          <a:p>
-            <a:fld id="{B19B0651-EE4F-4900-A07F-96A6BFA9D0F0}" type="slidenum">
-              <a:rPr lang="ru-RU" smtClean="0"/>
-              <a:pPr/>
-              <a:t>7</a:t>
-            </a:fld>
-            <a:endParaRPr lang="ru-RU"/>
-          </a:p>
-        </p:txBody>
-      </p:sp>
-      <p:cxnSp>
-        <p:nvCxnSpPr>
-          <p:cNvPr id="8" name="Прямая соединительная линия 7">
-            <a:extLst>
-              <a:ext uri="{FF2B5EF4-FFF2-40B4-BE49-F238E27FC236}">
-                <a16:creationId xmlns:a16="http://schemas.microsoft.com/office/drawing/2014/main" xmlns="" id="{8CE828DF-A9C3-4B2E-BB9A-236C9E8131AE}"/>
+                <a16:creationId xmlns="" xmlns:a16="http://schemas.microsoft.com/office/drawing/2014/main" id="{7D440611-E861-4ADC-BE55-6C5E3E2135B0}"/>
               </a:ext>
             </a:extLst>
           </p:cNvPr>
@@ -8515,213 +9369,6 @@
       </p:cxnSp>
       <p:sp>
         <p:nvSpPr>
-          <p:cNvPr id="9" name="Прямоугольник 8">
-            <a:extLst>
-              <a:ext uri="{FF2B5EF4-FFF2-40B4-BE49-F238E27FC236}">
-                <a16:creationId xmlns:a16="http://schemas.microsoft.com/office/drawing/2014/main" xmlns="" id="{1986159B-90C6-4663-8A8F-0AB613A5E9A9}"/>
-              </a:ext>
-            </a:extLst>
-          </p:cNvPr>
-          <p:cNvSpPr/>
-          <p:nvPr/>
-        </p:nvSpPr>
-        <p:spPr>
-          <a:xfrm>
-            <a:off x="3203848" y="299798"/>
-            <a:ext cx="6110664" cy="461665"/>
-          </a:xfrm>
-          <a:prstGeom prst="rect">
-            <a:avLst/>
-          </a:prstGeom>
-        </p:spPr>
-        <p:txBody>
-          <a:bodyPr wrap="square">
-            <a:spAutoFit/>
-          </a:bodyPr>
-          <a:lstStyle/>
-          <a:p>
-            <a:r>
-              <a:rPr lang="ru-RU" sz="2400" b="1" dirty="0">
-                <a:solidFill>
-                  <a:schemeClr val="tx2"/>
-                </a:solidFill>
-                <a:latin typeface="Verdana" panose="020B0604030504040204" pitchFamily="34" charset="0"/>
-                <a:ea typeface="Verdana" panose="020B0604030504040204" pitchFamily="34" charset="0"/>
-              </a:rPr>
-              <a:t>Диаграмма классов</a:t>
-            </a:r>
-          </a:p>
-        </p:txBody>
-      </p:sp>
-      <p:pic>
-        <p:nvPicPr>
-          <p:cNvPr id="4" name="Рисунок 3">
-            <a:extLst>
-              <a:ext uri="{FF2B5EF4-FFF2-40B4-BE49-F238E27FC236}">
-                <a16:creationId xmlns:a16="http://schemas.microsoft.com/office/drawing/2014/main" xmlns="" id="{E5AABA71-6D2A-42FC-98CF-0C2245A064F3}"/>
-              </a:ext>
-            </a:extLst>
-          </p:cNvPr>
-          <p:cNvPicPr>
-            <a:picLocks noChangeAspect="1"/>
-          </p:cNvPicPr>
-          <p:nvPr/>
-        </p:nvPicPr>
-        <p:blipFill>
-          <a:blip r:embed="rId3">
-            <a:extLst>
-              <a:ext uri="{28A0092B-C50C-407E-A947-70E740481C1C}">
-                <a14:useLocalDpi xmlns:a14="http://schemas.microsoft.com/office/drawing/2010/main" val="0"/>
-              </a:ext>
-            </a:extLst>
-          </a:blip>
-          <a:stretch>
-            <a:fillRect/>
-          </a:stretch>
-        </p:blipFill>
-        <p:spPr>
-          <a:xfrm>
-            <a:off x="2915816" y="1059582"/>
-            <a:ext cx="3816424" cy="3816424"/>
-          </a:xfrm>
-          <a:prstGeom prst="rect">
-            <a:avLst/>
-          </a:prstGeom>
-        </p:spPr>
-      </p:pic>
-    </p:spTree>
-    <p:extLst>
-      <p:ext uri="{BB962C8B-B14F-4D97-AF65-F5344CB8AC3E}">
-        <p14:creationId xmlns:p14="http://schemas.microsoft.com/office/powerpoint/2010/main" val="3345184733"/>
-      </p:ext>
-    </p:extLst>
-  </p:cSld>
-  <p:clrMapOvr>
-    <a:masterClrMapping/>
-  </p:clrMapOvr>
-</p:sld>
-</file>
-
-<file path=ppt/slides/slide8.xml><?xml version="1.0" encoding="utf-8"?>
-<p:sld xmlns:a="http://schemas.openxmlformats.org/drawingml/2006/main" xmlns:r="http://schemas.openxmlformats.org/officeDocument/2006/relationships" xmlns:p="http://schemas.openxmlformats.org/presentationml/2006/main">
-  <p:cSld>
-    <p:spTree>
-      <p:nvGrpSpPr>
-        <p:cNvPr id="1" name=""/>
-        <p:cNvGrpSpPr/>
-        <p:nvPr/>
-      </p:nvGrpSpPr>
-      <p:grpSpPr>
-        <a:xfrm>
-          <a:off x="0" y="0"/>
-          <a:ext cx="0" cy="0"/>
-          <a:chOff x="0" y="0"/>
-          <a:chExt cx="0" cy="0"/>
-        </a:xfrm>
-      </p:grpSpPr>
-      <p:sp>
-        <p:nvSpPr>
-          <p:cNvPr id="45" name="Прямоугольник 44">
-            <a:extLst>
-              <a:ext uri="{FF2B5EF4-FFF2-40B4-BE49-F238E27FC236}">
-                <a16:creationId xmlns:a16="http://schemas.microsoft.com/office/drawing/2014/main" xmlns="" id="{F844FAD0-BFD3-42F8-8444-0D4247E6F864}"/>
-              </a:ext>
-            </a:extLst>
-          </p:cNvPr>
-          <p:cNvSpPr/>
-          <p:nvPr/>
-        </p:nvSpPr>
-        <p:spPr bwMode="auto">
-          <a:xfrm>
-            <a:off x="0" y="0"/>
-            <a:ext cx="2160000" cy="5143500"/>
-          </a:xfrm>
-          <a:prstGeom prst="rect">
-            <a:avLst/>
-          </a:prstGeom>
-          <a:solidFill>
-            <a:srgbClr val="004868"/>
-          </a:solidFill>
-          <a:ln w="9525" cap="flat" cmpd="sng" algn="ctr">
-            <a:noFill/>
-            <a:prstDash val="solid"/>
-            <a:round/>
-            <a:headEnd type="none" w="med" len="med"/>
-            <a:tailEnd type="none" w="med" len="med"/>
-          </a:ln>
-          <a:effectLst/>
-        </p:spPr>
-        <p:txBody>
-          <a:bodyPr vert="horz" wrap="square" lIns="77925" tIns="38963" rIns="77925" bIns="38963" numCol="1" rtlCol="0" anchor="ctr" anchorCtr="0" compatLnSpc="1">
-            <a:prstTxWarp prst="textNoShape">
-              <a:avLst/>
-            </a:prstTxWarp>
-          </a:bodyPr>
-          <a:lstStyle/>
-          <a:p>
-            <a:pPr>
-              <a:lnSpc>
-                <a:spcPct val="93000"/>
-              </a:lnSpc>
-              <a:buClr>
-                <a:srgbClr val="000000"/>
-              </a:buClr>
-              <a:buSzPct val="100000"/>
-            </a:pPr>
-            <a:endParaRPr lang="ru-RU" sz="2000" b="1" dirty="0">
-              <a:solidFill>
-                <a:schemeClr val="bg1"/>
-              </a:solidFill>
-              <a:latin typeface="Century Gothic" panose="020B0502020202020204" pitchFamily="34" charset="0"/>
-            </a:endParaRPr>
-          </a:p>
-        </p:txBody>
-      </p:sp>
-      <p:cxnSp>
-        <p:nvCxnSpPr>
-          <p:cNvPr id="27" name="Прямая соединительная линия 26">
-            <a:extLst>
-              <a:ext uri="{FF2B5EF4-FFF2-40B4-BE49-F238E27FC236}">
-                <a16:creationId xmlns:a16="http://schemas.microsoft.com/office/drawing/2014/main" xmlns="" id="{7D440611-E861-4ADC-BE55-6C5E3E2135B0}"/>
-              </a:ext>
-            </a:extLst>
-          </p:cNvPr>
-          <p:cNvCxnSpPr>
-            <a:cxnSpLocks/>
-          </p:cNvCxnSpPr>
-          <p:nvPr/>
-        </p:nvCxnSpPr>
-        <p:spPr>
-          <a:xfrm>
-            <a:off x="3059832" y="867700"/>
-            <a:ext cx="5832648" cy="0"/>
-          </a:xfrm>
-          <a:prstGeom prst="line">
-            <a:avLst/>
-          </a:prstGeom>
-          <a:ln w="28575">
-            <a:solidFill>
-              <a:schemeClr val="tx2"/>
-            </a:solidFill>
-          </a:ln>
-        </p:spPr>
-        <p:style>
-          <a:lnRef idx="1">
-            <a:schemeClr val="accent1"/>
-          </a:lnRef>
-          <a:fillRef idx="0">
-            <a:schemeClr val="accent1"/>
-          </a:fillRef>
-          <a:effectRef idx="0">
-            <a:schemeClr val="accent1"/>
-          </a:effectRef>
-          <a:fontRef idx="minor">
-            <a:schemeClr val="tx1"/>
-          </a:fontRef>
-        </p:style>
-      </p:cxnSp>
-      <p:sp>
-        <p:nvSpPr>
           <p:cNvPr id="25" name="Rectangle 1"/>
           <p:cNvSpPr txBox="1">
             <a:spLocks noChangeArrowheads="1"/>
@@ -8803,7 +9450,7 @@
           <p:cNvPr id="2" name="Номер слайда 1">
             <a:extLst>
               <a:ext uri="{FF2B5EF4-FFF2-40B4-BE49-F238E27FC236}">
-                <a16:creationId xmlns:a16="http://schemas.microsoft.com/office/drawing/2014/main" xmlns="" id="{43DE384C-E41B-4854-8084-48017AD96984}"/>
+                <a16:creationId xmlns="" xmlns:a16="http://schemas.microsoft.com/office/drawing/2014/main" id="{43DE384C-E41B-4854-8084-48017AD96984}"/>
               </a:ext>
             </a:extLst>
           </p:cNvPr>
@@ -8822,7 +9469,7 @@
             <a:fld id="{B19B0651-EE4F-4900-A07F-96A6BFA9D0F0}" type="slidenum">
               <a:rPr lang="ru-RU" smtClean="0"/>
               <a:pPr/>
-              <a:t>8</a:t>
+              <a:t>7</a:t>
             </a:fld>
             <a:endParaRPr lang="ru-RU"/>
           </a:p>
@@ -8833,7 +9480,7 @@
           <p:cNvPr id="18" name="Прямоугольник 17">
             <a:extLst>
               <a:ext uri="{FF2B5EF4-FFF2-40B4-BE49-F238E27FC236}">
-                <a16:creationId xmlns:a16="http://schemas.microsoft.com/office/drawing/2014/main" xmlns="" id="{17ED5078-1A16-4CC1-B020-23E9979FB77D}"/>
+                <a16:creationId xmlns="" xmlns:a16="http://schemas.microsoft.com/office/drawing/2014/main" id="{17ED5078-1A16-4CC1-B020-23E9979FB77D}"/>
               </a:ext>
             </a:extLst>
           </p:cNvPr>
@@ -8876,7 +9523,7 @@
               <a:t>TCP/IP</a:t>
             </a:r>
             <a:r>
-              <a:rPr lang="ru-RU" sz="2400" b="1" dirty="0">
+              <a:rPr lang="ru-RU" sz="2400" b="1" dirty="0" smtClean="0">
                 <a:solidFill>
                   <a:schemeClr val="tx2"/>
                 </a:solidFill>
@@ -8893,7 +9540,7 @@
           <p:cNvPr id="15" name="Группа 14">
             <a:extLst>
               <a:ext uri="{FF2B5EF4-FFF2-40B4-BE49-F238E27FC236}">
-                <a16:creationId xmlns:a16="http://schemas.microsoft.com/office/drawing/2014/main" xmlns="" id="{6575EFC2-4173-4EA6-B485-93088510E72A}"/>
+                <a16:creationId xmlns="" xmlns:a16="http://schemas.microsoft.com/office/drawing/2014/main" id="{6575EFC2-4173-4EA6-B485-93088510E72A}"/>
               </a:ext>
             </a:extLst>
           </p:cNvPr>
@@ -8913,7 +9560,7 @@
             <p:cNvPr id="16" name="Прямоугольник 15">
               <a:extLst>
                 <a:ext uri="{FF2B5EF4-FFF2-40B4-BE49-F238E27FC236}">
-                  <a16:creationId xmlns:a16="http://schemas.microsoft.com/office/drawing/2014/main" xmlns="" id="{6BBC07C5-B804-4064-8143-D83CCBF32835}"/>
+                  <a16:creationId xmlns="" xmlns:a16="http://schemas.microsoft.com/office/drawing/2014/main" id="{6BBC07C5-B804-4064-8143-D83CCBF32835}"/>
                 </a:ext>
               </a:extLst>
             </p:cNvPr>
@@ -8967,7 +9614,7 @@
             <p:cNvPr id="17" name="Прямоугольник 16">
               <a:extLst>
                 <a:ext uri="{FF2B5EF4-FFF2-40B4-BE49-F238E27FC236}">
-                  <a16:creationId xmlns:a16="http://schemas.microsoft.com/office/drawing/2014/main" xmlns="" id="{BF5FBA8C-5D5E-4154-9D1A-10FC8C272D7B}"/>
+                  <a16:creationId xmlns="" xmlns:a16="http://schemas.microsoft.com/office/drawing/2014/main" id="{BF5FBA8C-5D5E-4154-9D1A-10FC8C272D7B}"/>
                 </a:ext>
               </a:extLst>
             </p:cNvPr>
@@ -9021,7 +9668,7 @@
             <p:cNvPr id="19" name="Прямоугольник 18">
               <a:extLst>
                 <a:ext uri="{FF2B5EF4-FFF2-40B4-BE49-F238E27FC236}">
-                  <a16:creationId xmlns:a16="http://schemas.microsoft.com/office/drawing/2014/main" xmlns="" id="{51674972-3D66-43FF-A4C1-1DCB781AA27C}"/>
+                  <a16:creationId xmlns="" xmlns:a16="http://schemas.microsoft.com/office/drawing/2014/main" id="{51674972-3D66-43FF-A4C1-1DCB781AA27C}"/>
                 </a:ext>
               </a:extLst>
             </p:cNvPr>
@@ -9079,7 +9726,7 @@
             <p:cNvPr id="20" name="TextBox 19">
               <a:extLst>
                 <a:ext uri="{FF2B5EF4-FFF2-40B4-BE49-F238E27FC236}">
-                  <a16:creationId xmlns:a16="http://schemas.microsoft.com/office/drawing/2014/main" xmlns="" id="{46C193FD-CCCC-45B1-9BEA-DCBCF188264E}"/>
+                  <a16:creationId xmlns="" xmlns:a16="http://schemas.microsoft.com/office/drawing/2014/main" id="{46C193FD-CCCC-45B1-9BEA-DCBCF188264E}"/>
                 </a:ext>
               </a:extLst>
             </p:cNvPr>
@@ -9089,7 +9736,7 @@
           <p:spPr>
             <a:xfrm>
               <a:off x="559858" y="37682"/>
-              <a:ext cx="1577263" cy="584775"/>
+              <a:ext cx="1577263" cy="338554"/>
             </a:xfrm>
             <a:prstGeom prst="rect">
               <a:avLst/>
@@ -9103,7 +9750,7 @@
             <a:lstStyle/>
             <a:p>
               <a:r>
-                <a:rPr lang="ru-RU" sz="1600" b="1" dirty="0">
+                <a:rPr lang="ru-RU" sz="1600" b="1" dirty="0" smtClean="0">
                   <a:solidFill>
                     <a:schemeClr val="bg1">
                       <a:lumMod val="95000"/>
@@ -9112,7 +9759,7 @@
                   <a:latin typeface="Verdana" panose="020B0604030504040204" pitchFamily="34" charset="0"/>
                   <a:ea typeface="Verdana" panose="020B0604030504040204" pitchFamily="34" charset="0"/>
                 </a:rPr>
-                <a:t>Сетевая связь</a:t>
+                <a:t>а</a:t>
               </a:r>
               <a:endParaRPr lang="x-none" sz="1600" b="1" dirty="0">
                 <a:solidFill>
@@ -9131,7 +9778,7 @@
             <p:cNvPr id="21" name="Прямоугольник 20">
               <a:extLst>
                 <a:ext uri="{FF2B5EF4-FFF2-40B4-BE49-F238E27FC236}">
-                  <a16:creationId xmlns:a16="http://schemas.microsoft.com/office/drawing/2014/main" xmlns="" id="{29C72257-1E49-41B2-8E28-718FC11F9DEB}"/>
+                  <a16:creationId xmlns="" xmlns:a16="http://schemas.microsoft.com/office/drawing/2014/main" id="{29C72257-1E49-41B2-8E28-718FC11F9DEB}"/>
                 </a:ext>
               </a:extLst>
             </p:cNvPr>
@@ -9154,7 +9801,7 @@
             <a:lstStyle/>
             <a:p>
               <a:r>
-                <a:rPr lang="ru-RU" sz="1600" b="1" dirty="0">
+                <a:rPr lang="ru-RU" sz="1600" b="1" dirty="0" smtClean="0">
                   <a:solidFill>
                     <a:schemeClr val="bg1">
                       <a:lumMod val="95000"/>
@@ -9163,8 +9810,17 @@
                   <a:latin typeface="Verdana" panose="020B0604030504040204" pitchFamily="34" charset="0"/>
                   <a:ea typeface="Verdana" panose="020B0604030504040204" pitchFamily="34" charset="0"/>
                 </a:rPr>
-                <a:t>Сущность</a:t>
+                <a:t>б</a:t>
               </a:r>
+              <a:endParaRPr lang="ru-RU" sz="1600" b="1" dirty="0">
+                <a:solidFill>
+                  <a:schemeClr val="bg1">
+                    <a:lumMod val="95000"/>
+                  </a:schemeClr>
+                </a:solidFill>
+                <a:latin typeface="Verdana" panose="020B0604030504040204" pitchFamily="34" charset="0"/>
+                <a:ea typeface="Verdana" panose="020B0604030504040204" pitchFamily="34" charset="0"/>
+              </a:endParaRPr>
             </a:p>
           </p:txBody>
         </p:sp>
@@ -9196,6 +9852,86 @@
               <a:t>Диаграмма последовательностей</a:t>
             </a:r>
             <a:endParaRPr lang="ru-RU" dirty="0"/>
+          </a:p>
+        </p:txBody>
+      </p:sp>
+      <p:sp>
+        <p:nvSpPr>
+          <p:cNvPr id="4" name="Улыбающееся лицо 3"/>
+          <p:cNvSpPr/>
+          <p:nvPr/>
+        </p:nvSpPr>
+        <p:spPr>
+          <a:xfrm>
+            <a:off x="6171381" y="2355726"/>
+            <a:ext cx="2304256" cy="2139702"/>
+          </a:xfrm>
+          <a:prstGeom prst="smileyFace">
+            <a:avLst/>
+          </a:prstGeom>
+        </p:spPr>
+        <p:style>
+          <a:lnRef idx="2">
+            <a:schemeClr val="accent1">
+              <a:shade val="50000"/>
+            </a:schemeClr>
+          </a:lnRef>
+          <a:fillRef idx="1">
+            <a:schemeClr val="accent1"/>
+          </a:fillRef>
+          <a:effectRef idx="0">
+            <a:schemeClr val="accent1"/>
+          </a:effectRef>
+          <a:fontRef idx="minor">
+            <a:schemeClr val="lt1"/>
+          </a:fontRef>
+        </p:style>
+        <p:txBody>
+          <a:bodyPr rtlCol="0" anchor="ctr"/>
+          <a:lstStyle/>
+          <a:p>
+            <a:pPr algn="ctr"/>
+            <a:endParaRPr lang="ru-RU"/>
+          </a:p>
+        </p:txBody>
+      </p:sp>
+      <p:sp>
+        <p:nvSpPr>
+          <p:cNvPr id="5" name="Улыбающееся лицо 4"/>
+          <p:cNvSpPr/>
+          <p:nvPr/>
+        </p:nvSpPr>
+        <p:spPr>
+          <a:xfrm>
+            <a:off x="1080000" y="3093840"/>
+            <a:ext cx="1763808" cy="1854174"/>
+          </a:xfrm>
+          <a:prstGeom prst="smileyFace">
+            <a:avLst/>
+          </a:prstGeom>
+        </p:spPr>
+        <p:style>
+          <a:lnRef idx="2">
+            <a:schemeClr val="accent1">
+              <a:shade val="50000"/>
+            </a:schemeClr>
+          </a:lnRef>
+          <a:fillRef idx="1">
+            <a:schemeClr val="accent1"/>
+          </a:fillRef>
+          <a:effectRef idx="0">
+            <a:schemeClr val="accent1"/>
+          </a:effectRef>
+          <a:fontRef idx="minor">
+            <a:schemeClr val="lt1"/>
+          </a:fontRef>
+        </p:style>
+        <p:txBody>
+          <a:bodyPr rtlCol="0" anchor="ctr"/>
+          <a:lstStyle/>
+          <a:p>
+            <a:pPr algn="ctr"/>
+            <a:endParaRPr lang="ru-RU"/>
           </a:p>
         </p:txBody>
       </p:sp>
@@ -9212,7 +9948,7 @@
 </p:sld>
 </file>
 
-<file path=ppt/slides/slide9.xml><?xml version="1.0" encoding="utf-8"?>
+<file path=ppt/slides/slide8.xml><?xml version="1.0" encoding="utf-8"?>
 <p:sld xmlns:a="http://schemas.openxmlformats.org/drawingml/2006/main" xmlns:r="http://schemas.openxmlformats.org/officeDocument/2006/relationships" xmlns:p="http://schemas.openxmlformats.org/presentationml/2006/main">
   <p:cSld>
     <p:spTree>
@@ -9231,106 +9967,10 @@
       </p:grpSpPr>
       <p:sp>
         <p:nvSpPr>
-          <p:cNvPr id="3" name="Объект 2">
+          <p:cNvPr id="45" name="Прямоугольник 44">
             <a:extLst>
               <a:ext uri="{FF2B5EF4-FFF2-40B4-BE49-F238E27FC236}">
-                <a16:creationId xmlns:a16="http://schemas.microsoft.com/office/drawing/2014/main" xmlns="" id="{807A1DB7-1B94-4C8E-9E43-F2737C3A6C6E}"/>
-              </a:ext>
-            </a:extLst>
-          </p:cNvPr>
-          <p:cNvSpPr>
-            <a:spLocks noGrp="1"/>
-          </p:cNvSpPr>
-          <p:nvPr>
-            <p:ph idx="1"/>
-          </p:nvPr>
-        </p:nvSpPr>
-        <p:spPr>
-          <a:xfrm>
-            <a:off x="2555776" y="1059582"/>
-            <a:ext cx="6336704" cy="3384351"/>
-          </a:xfrm>
-        </p:spPr>
-        <p:txBody>
-          <a:bodyPr>
-            <a:normAutofit/>
-          </a:bodyPr>
-          <a:lstStyle/>
-          <a:p>
-            <a:pPr marL="0" indent="0">
-              <a:buNone/>
-            </a:pPr>
-            <a:r>
-              <a:rPr lang="ru-RU" sz="1600" dirty="0" smtClean="0"/>
-              <a:t>Прототип защищенной системы</a:t>
-            </a:r>
-          </a:p>
-          <a:p>
-            <a:pPr marL="0" indent="0">
-              <a:buNone/>
-            </a:pPr>
-            <a:endParaRPr lang="ru-RU" sz="1600" dirty="0"/>
-          </a:p>
-          <a:p>
-            <a:pPr marL="0" indent="0">
-              <a:buNone/>
-            </a:pPr>
-            <a:r>
-              <a:rPr lang="ru-RU" sz="1600" dirty="0" smtClean="0"/>
-              <a:t>В дальнейшем хотим реализовать </a:t>
-            </a:r>
-            <a:r>
-              <a:rPr lang="en-US" sz="1600" dirty="0" smtClean="0"/>
-              <a:t>KOS </a:t>
-            </a:r>
-            <a:r>
-              <a:rPr lang="ru-RU" sz="1600" dirty="0" smtClean="0"/>
-              <a:t>с имитацией окружающей обстановки под </a:t>
-            </a:r>
-            <a:r>
-              <a:rPr lang="en-US" sz="1600" dirty="0" smtClean="0"/>
-              <a:t>QEMU</a:t>
-            </a:r>
-            <a:endParaRPr lang="ru-RU" sz="1600" dirty="0"/>
-          </a:p>
-        </p:txBody>
-      </p:sp>
-      <p:sp>
-        <p:nvSpPr>
-          <p:cNvPr id="4" name="Номер слайда 3">
-            <a:extLst>
-              <a:ext uri="{FF2B5EF4-FFF2-40B4-BE49-F238E27FC236}">
-                <a16:creationId xmlns:a16="http://schemas.microsoft.com/office/drawing/2014/main" xmlns="" id="{407E3DFD-05CC-48DB-9081-F8A9F136813E}"/>
-              </a:ext>
-            </a:extLst>
-          </p:cNvPr>
-          <p:cNvSpPr>
-            <a:spLocks noGrp="1"/>
-          </p:cNvSpPr>
-          <p:nvPr>
-            <p:ph type="sldNum" sz="quarter" idx="12"/>
-          </p:nvPr>
-        </p:nvSpPr>
-        <p:spPr/>
-        <p:txBody>
-          <a:bodyPr/>
-          <a:lstStyle/>
-          <a:p>
-            <a:fld id="{B19B0651-EE4F-4900-A07F-96A6BFA9D0F0}" type="slidenum">
-              <a:rPr lang="ru-RU" smtClean="0"/>
-              <a:pPr/>
-              <a:t>9</a:t>
-            </a:fld>
-            <a:endParaRPr lang="ru-RU"/>
-          </a:p>
-        </p:txBody>
-      </p:sp>
-      <p:sp>
-        <p:nvSpPr>
-          <p:cNvPr id="5" name="Прямоугольник 4">
-            <a:extLst>
-              <a:ext uri="{FF2B5EF4-FFF2-40B4-BE49-F238E27FC236}">
-                <a16:creationId xmlns:a16="http://schemas.microsoft.com/office/drawing/2014/main" xmlns="" id="{910DF3EC-1F25-4526-9FE7-8BC70A8DF0C5}"/>
+                <a16:creationId xmlns="" xmlns:a16="http://schemas.microsoft.com/office/drawing/2014/main" id="{F844FAD0-BFD3-42F8-8444-0D4247E6F864}"/>
               </a:ext>
             </a:extLst>
           </p:cNvPr>
@@ -9340,7 +9980,7 @@
         <p:spPr bwMode="auto">
           <a:xfrm>
             <a:off x="0" y="0"/>
-            <a:ext cx="2160000" cy="5143500"/>
+            <a:ext cx="1080000" cy="5143500"/>
           </a:xfrm>
           <a:prstGeom prst="rect">
             <a:avLst/>
@@ -9383,12 +10023,120 @@
           </a:p>
         </p:txBody>
       </p:sp>
+      <p:sp>
+        <p:nvSpPr>
+          <p:cNvPr id="25" name="Rectangle 1"/>
+          <p:cNvSpPr txBox="1">
+            <a:spLocks noChangeArrowheads="1"/>
+          </p:cNvSpPr>
+          <p:nvPr/>
+        </p:nvSpPr>
+        <p:spPr>
+          <a:xfrm>
+            <a:off x="2990262" y="921650"/>
+            <a:ext cx="5830209" cy="3787273"/>
+          </a:xfrm>
+          <a:prstGeom prst="rect">
+            <a:avLst/>
+          </a:prstGeom>
+        </p:spPr>
+        <p:txBody>
+          <a:bodyPr vert="horz" lIns="91440" tIns="45720" rIns="91440" bIns="45720" rtlCol="0" anchor="t">
+            <a:normAutofit/>
+          </a:bodyPr>
+          <a:lstStyle>
+            <a:lvl1pPr algn="ctr" defTabSz="914400" rtl="0" eaLnBrk="1" latinLnBrk="0" hangingPunct="1">
+              <a:spcBef>
+                <a:spcPct val="0"/>
+              </a:spcBef>
+              <a:buNone/>
+              <a:defRPr sz="4400" kern="1200">
+                <a:solidFill>
+                  <a:schemeClr val="tx1"/>
+                </a:solidFill>
+                <a:latin typeface="+mj-lt"/>
+                <a:ea typeface="+mj-ea"/>
+                <a:cs typeface="+mj-cs"/>
+              </a:defRPr>
+            </a:lvl1pPr>
+          </a:lstStyle>
+          <a:p>
+            <a:pPr marL="257175" indent="-254794" algn="l">
+              <a:spcBef>
+                <a:spcPts val="450"/>
+              </a:spcBef>
+              <a:tabLst>
+                <a:tab pos="257175" algn="l"/>
+                <a:tab pos="335756" algn="l"/>
+                <a:tab pos="672704" algn="l"/>
+                <a:tab pos="1009650" algn="l"/>
+                <a:tab pos="1346597" algn="l"/>
+                <a:tab pos="1683544" algn="l"/>
+                <a:tab pos="2020491" algn="l"/>
+                <a:tab pos="2357438" algn="l"/>
+                <a:tab pos="2694385" algn="l"/>
+                <a:tab pos="3031331" algn="l"/>
+                <a:tab pos="3368279" algn="l"/>
+                <a:tab pos="3705225" algn="l"/>
+                <a:tab pos="4042172" algn="l"/>
+                <a:tab pos="4379119" algn="l"/>
+                <a:tab pos="4716066" algn="l"/>
+                <a:tab pos="5053013" algn="l"/>
+                <a:tab pos="5389960" algn="l"/>
+                <a:tab pos="5726906" algn="l"/>
+                <a:tab pos="6063854" algn="l"/>
+                <a:tab pos="6400800" algn="l"/>
+                <a:tab pos="6737747" algn="l"/>
+              </a:tabLst>
+            </a:pPr>
+            <a:r>
+              <a:rPr lang="en-US" altLang="ru-RU" sz="3200" dirty="0">
+                <a:cs typeface="Times New Roman" panose="02020603050405020304" pitchFamily="18" charset="0"/>
+              </a:rPr>
+              <a:t>                     </a:t>
+            </a:r>
+            <a:endParaRPr lang="ru-RU" altLang="ru-RU" sz="3200" dirty="0">
+              <a:cs typeface="Times New Roman" panose="02020603050405020304" pitchFamily="18" charset="0"/>
+            </a:endParaRPr>
+          </a:p>
+        </p:txBody>
+      </p:sp>
+      <p:sp>
+        <p:nvSpPr>
+          <p:cNvPr id="2" name="Номер слайда 1">
+            <a:extLst>
+              <a:ext uri="{FF2B5EF4-FFF2-40B4-BE49-F238E27FC236}">
+                <a16:creationId xmlns="" xmlns:a16="http://schemas.microsoft.com/office/drawing/2014/main" id="{E337A08D-3A8E-4E89-BC69-A001F02E6E0C}"/>
+              </a:ext>
+            </a:extLst>
+          </p:cNvPr>
+          <p:cNvSpPr>
+            <a:spLocks noGrp="1"/>
+          </p:cNvSpPr>
+          <p:nvPr>
+            <p:ph type="sldNum" sz="quarter" idx="12"/>
+          </p:nvPr>
+        </p:nvSpPr>
+        <p:spPr/>
+        <p:txBody>
+          <a:bodyPr/>
+          <a:lstStyle/>
+          <a:p>
+            <a:fld id="{B19B0651-EE4F-4900-A07F-96A6BFA9D0F0}" type="slidenum">
+              <a:rPr lang="ru-RU" smtClean="0"/>
+              <a:pPr/>
+              <a:t>8</a:t>
+            </a:fld>
+            <a:endParaRPr lang="ru-RU"/>
+          </a:p>
+        </p:txBody>
+      </p:sp>
       <p:cxnSp>
         <p:nvCxnSpPr>
-          <p:cNvPr id="6" name="Прямая соединительная линия 5">
+          <p:cNvPr id="8" name="Прямая соединительная линия 7">
             <a:extLst>
               <a:ext uri="{FF2B5EF4-FFF2-40B4-BE49-F238E27FC236}">
-                <a16:creationId xmlns:a16="http://schemas.microsoft.com/office/drawing/2014/main" xmlns="" id="{2467A97C-B77F-44C8-A41B-AB2EE2D11DE3}"/>
+                <a16:creationId xmlns="" xmlns:a16="http://schemas.microsoft.com/office/drawing/2014/main" id="{8CE828DF-A9C3-4B2E-BB9A-236C9E8131AE}"/>
               </a:ext>
             </a:extLst>
           </p:cNvPr>
@@ -9428,10 +10176,303 @@
       </p:cxnSp>
       <p:sp>
         <p:nvSpPr>
+          <p:cNvPr id="9" name="Прямоугольник 8">
+            <a:extLst>
+              <a:ext uri="{FF2B5EF4-FFF2-40B4-BE49-F238E27FC236}">
+                <a16:creationId xmlns="" xmlns:a16="http://schemas.microsoft.com/office/drawing/2014/main" id="{1986159B-90C6-4663-8A8F-0AB613A5E9A9}"/>
+              </a:ext>
+            </a:extLst>
+          </p:cNvPr>
+          <p:cNvSpPr/>
+          <p:nvPr/>
+        </p:nvSpPr>
+        <p:spPr>
+          <a:xfrm>
+            <a:off x="3203848" y="299798"/>
+            <a:ext cx="6110664" cy="461665"/>
+          </a:xfrm>
+          <a:prstGeom prst="rect">
+            <a:avLst/>
+          </a:prstGeom>
+        </p:spPr>
+        <p:txBody>
+          <a:bodyPr wrap="square">
+            <a:spAutoFit/>
+          </a:bodyPr>
+          <a:lstStyle/>
+          <a:p>
+            <a:r>
+              <a:rPr lang="ru-RU" sz="2400" b="1" dirty="0">
+                <a:solidFill>
+                  <a:schemeClr val="tx2"/>
+                </a:solidFill>
+                <a:latin typeface="Verdana" panose="020B0604030504040204" pitchFamily="34" charset="0"/>
+                <a:ea typeface="Verdana" panose="020B0604030504040204" pitchFamily="34" charset="0"/>
+              </a:rPr>
+              <a:t>Диаграмма классов</a:t>
+            </a:r>
+          </a:p>
+        </p:txBody>
+      </p:sp>
+      <p:pic>
+        <p:nvPicPr>
+          <p:cNvPr id="1026" name="Picture 2" descr="C:\Users\kosiya\Downloads\classes.png"/>
+          <p:cNvPicPr>
+            <a:picLocks noChangeAspect="1" noChangeArrowheads="1"/>
+          </p:cNvPicPr>
+          <p:nvPr/>
+        </p:nvPicPr>
+        <p:blipFill>
+          <a:blip r:embed="rId3">
+            <a:extLst>
+              <a:ext uri="{28A0092B-C50C-407E-A947-70E740481C1C}">
+                <a14:useLocalDpi xmlns:a14="http://schemas.microsoft.com/office/drawing/2010/main" val="0"/>
+              </a:ext>
+            </a:extLst>
+          </a:blip>
+          <a:srcRect/>
+          <a:stretch>
+            <a:fillRect/>
+          </a:stretch>
+        </p:blipFill>
+        <p:spPr bwMode="auto">
+          <a:xfrm>
+            <a:off x="1403648" y="987574"/>
+            <a:ext cx="6766445" cy="4014136"/>
+          </a:xfrm>
+          <a:prstGeom prst="rect">
+            <a:avLst/>
+          </a:prstGeom>
+          <a:noFill/>
+          <a:extLst>
+            <a:ext uri="{909E8E84-426E-40DD-AFC4-6F175D3DCCD1}">
+              <a14:hiddenFill xmlns:a14="http://schemas.microsoft.com/office/drawing/2010/main">
+                <a:solidFill>
+                  <a:srgbClr val="FFFFFF"/>
+                </a:solidFill>
+              </a14:hiddenFill>
+            </a:ext>
+          </a:extLst>
+        </p:spPr>
+      </p:pic>
+    </p:spTree>
+    <p:extLst>
+      <p:ext uri="{BB962C8B-B14F-4D97-AF65-F5344CB8AC3E}">
+        <p14:creationId xmlns:p14="http://schemas.microsoft.com/office/powerpoint/2010/main" val="3345184733"/>
+      </p:ext>
+    </p:extLst>
+  </p:cSld>
+  <p:clrMapOvr>
+    <a:masterClrMapping/>
+  </p:clrMapOvr>
+</p:sld>
+</file>
+
+<file path=ppt/slides/slide9.xml><?xml version="1.0" encoding="utf-8"?>
+<p:sld xmlns:a="http://schemas.openxmlformats.org/drawingml/2006/main" xmlns:r="http://schemas.openxmlformats.org/officeDocument/2006/relationships" xmlns:p="http://schemas.openxmlformats.org/presentationml/2006/main">
+  <p:cSld>
+    <p:spTree>
+      <p:nvGrpSpPr>
+        <p:cNvPr id="1" name=""/>
+        <p:cNvGrpSpPr/>
+        <p:nvPr/>
+      </p:nvGrpSpPr>
+      <p:grpSpPr>
+        <a:xfrm>
+          <a:off x="0" y="0"/>
+          <a:ext cx="0" cy="0"/>
+          <a:chOff x="0" y="0"/>
+          <a:chExt cx="0" cy="0"/>
+        </a:xfrm>
+      </p:grpSpPr>
+      <p:sp>
+        <p:nvSpPr>
+          <p:cNvPr id="3" name="Объект 2">
+            <a:extLst>
+              <a:ext uri="{FF2B5EF4-FFF2-40B4-BE49-F238E27FC236}">
+                <a16:creationId xmlns="" xmlns:a16="http://schemas.microsoft.com/office/drawing/2014/main" id="{807A1DB7-1B94-4C8E-9E43-F2737C3A6C6E}"/>
+              </a:ext>
+            </a:extLst>
+          </p:cNvPr>
+          <p:cNvSpPr>
+            <a:spLocks noGrp="1"/>
+          </p:cNvSpPr>
+          <p:nvPr>
+            <p:ph idx="1"/>
+          </p:nvPr>
+        </p:nvSpPr>
+        <p:spPr>
+          <a:xfrm>
+            <a:off x="2555776" y="1059582"/>
+            <a:ext cx="6336704" cy="3384351"/>
+          </a:xfrm>
+        </p:spPr>
+        <p:txBody>
+          <a:bodyPr>
+            <a:normAutofit/>
+          </a:bodyPr>
+          <a:lstStyle/>
+          <a:p>
+            <a:pPr marL="0" indent="0">
+              <a:buNone/>
+            </a:pPr>
+            <a:r>
+              <a:rPr lang="ru-RU" sz="1600" dirty="0" smtClean="0"/>
+              <a:t>В ходе работы получен п</a:t>
+            </a:r>
+            <a:r>
+              <a:rPr lang="ru-RU" sz="1600" dirty="0" smtClean="0"/>
+              <a:t>рототип </a:t>
+            </a:r>
+            <a:r>
+              <a:rPr lang="ru-RU" sz="1600" dirty="0" smtClean="0"/>
+              <a:t>защищенной </a:t>
+            </a:r>
+            <a:r>
+              <a:rPr lang="ru-RU" sz="1600" dirty="0" smtClean="0"/>
+              <a:t>системы</a:t>
+            </a:r>
+            <a:endParaRPr lang="ru-RU" sz="1600" dirty="0" smtClean="0"/>
+          </a:p>
+        </p:txBody>
+      </p:sp>
+      <p:sp>
+        <p:nvSpPr>
+          <p:cNvPr id="4" name="Номер слайда 3">
+            <a:extLst>
+              <a:ext uri="{FF2B5EF4-FFF2-40B4-BE49-F238E27FC236}">
+                <a16:creationId xmlns="" xmlns:a16="http://schemas.microsoft.com/office/drawing/2014/main" id="{407E3DFD-05CC-48DB-9081-F8A9F136813E}"/>
+              </a:ext>
+            </a:extLst>
+          </p:cNvPr>
+          <p:cNvSpPr>
+            <a:spLocks noGrp="1"/>
+          </p:cNvSpPr>
+          <p:nvPr>
+            <p:ph type="sldNum" sz="quarter" idx="12"/>
+          </p:nvPr>
+        </p:nvSpPr>
+        <p:spPr/>
+        <p:txBody>
+          <a:bodyPr/>
+          <a:lstStyle/>
+          <a:p>
+            <a:fld id="{B19B0651-EE4F-4900-A07F-96A6BFA9D0F0}" type="slidenum">
+              <a:rPr lang="ru-RU" smtClean="0"/>
+              <a:pPr/>
+              <a:t>9</a:t>
+            </a:fld>
+            <a:endParaRPr lang="ru-RU"/>
+          </a:p>
+        </p:txBody>
+      </p:sp>
+      <p:sp>
+        <p:nvSpPr>
+          <p:cNvPr id="5" name="Прямоугольник 4">
+            <a:extLst>
+              <a:ext uri="{FF2B5EF4-FFF2-40B4-BE49-F238E27FC236}">
+                <a16:creationId xmlns="" xmlns:a16="http://schemas.microsoft.com/office/drawing/2014/main" id="{910DF3EC-1F25-4526-9FE7-8BC70A8DF0C5}"/>
+              </a:ext>
+            </a:extLst>
+          </p:cNvPr>
+          <p:cNvSpPr/>
+          <p:nvPr/>
+        </p:nvSpPr>
+        <p:spPr bwMode="auto">
+          <a:xfrm>
+            <a:off x="0" y="0"/>
+            <a:ext cx="2160000" cy="5143500"/>
+          </a:xfrm>
+          <a:prstGeom prst="rect">
+            <a:avLst/>
+          </a:prstGeom>
+          <a:solidFill>
+            <a:srgbClr val="004868"/>
+          </a:solidFill>
+          <a:ln w="9525" cap="flat" cmpd="sng" algn="ctr">
+            <a:noFill/>
+            <a:prstDash val="solid"/>
+            <a:round/>
+            <a:headEnd type="none" w="med" len="med"/>
+            <a:tailEnd type="none" w="med" len="med"/>
+          </a:ln>
+          <a:effectLst/>
+        </p:spPr>
+        <p:txBody>
+          <a:bodyPr vert="horz" wrap="square" lIns="77925" tIns="38963" rIns="77925" bIns="38963" numCol="1" rtlCol="0" anchor="ctr" anchorCtr="0" compatLnSpc="1">
+            <a:prstTxWarp prst="textNoShape">
+              <a:avLst/>
+            </a:prstTxWarp>
+          </a:bodyPr>
+          <a:lstStyle/>
+          <a:p>
+            <a:pPr>
+              <a:lnSpc>
+                <a:spcPct val="93000"/>
+              </a:lnSpc>
+              <a:buClr>
+                <a:srgbClr val="000000"/>
+              </a:buClr>
+              <a:buSzPct val="100000"/>
+            </a:pPr>
+            <a:endParaRPr lang="ru-RU" sz="2000" b="1" dirty="0">
+              <a:solidFill>
+                <a:schemeClr val="bg1"/>
+              </a:solidFill>
+              <a:latin typeface="Century Gothic" panose="020B0502020202020204" pitchFamily="34" charset="0"/>
+            </a:endParaRPr>
+          </a:p>
+        </p:txBody>
+      </p:sp>
+      <p:cxnSp>
+        <p:nvCxnSpPr>
+          <p:cNvPr id="6" name="Прямая соединительная линия 5">
+            <a:extLst>
+              <a:ext uri="{FF2B5EF4-FFF2-40B4-BE49-F238E27FC236}">
+                <a16:creationId xmlns="" xmlns:a16="http://schemas.microsoft.com/office/drawing/2014/main" id="{2467A97C-B77F-44C8-A41B-AB2EE2D11DE3}"/>
+              </a:ext>
+            </a:extLst>
+          </p:cNvPr>
+          <p:cNvCxnSpPr>
+            <a:cxnSpLocks/>
+          </p:cNvCxnSpPr>
+          <p:nvPr/>
+        </p:nvCxnSpPr>
+        <p:spPr>
+          <a:xfrm>
+            <a:off x="3059832" y="867700"/>
+            <a:ext cx="5832648" cy="0"/>
+          </a:xfrm>
+          <a:prstGeom prst="line">
+            <a:avLst/>
+          </a:prstGeom>
+          <a:ln w="28575">
+            <a:solidFill>
+              <a:schemeClr val="tx2"/>
+            </a:solidFill>
+          </a:ln>
+        </p:spPr>
+        <p:style>
+          <a:lnRef idx="1">
+            <a:schemeClr val="accent1"/>
+          </a:lnRef>
+          <a:fillRef idx="0">
+            <a:schemeClr val="accent1"/>
+          </a:fillRef>
+          <a:effectRef idx="0">
+            <a:schemeClr val="accent1"/>
+          </a:effectRef>
+          <a:fontRef idx="minor">
+            <a:schemeClr val="tx1"/>
+          </a:fontRef>
+        </p:style>
+      </p:cxnSp>
+      <p:sp>
+        <p:nvSpPr>
           <p:cNvPr id="8" name="Прямоугольник 7">
             <a:extLst>
               <a:ext uri="{FF2B5EF4-FFF2-40B4-BE49-F238E27FC236}">
-                <a16:creationId xmlns:a16="http://schemas.microsoft.com/office/drawing/2014/main" xmlns="" id="{8CF585ED-3269-46F3-8B9F-D294E6449231}"/>
+                <a16:creationId xmlns="" xmlns:a16="http://schemas.microsoft.com/office/drawing/2014/main" id="{8CF585ED-3269-46F3-8B9F-D294E6449231}"/>
               </a:ext>
             </a:extLst>
           </p:cNvPr>
@@ -9471,7 +10512,7 @@
           <p:cNvPr id="7" name="Группа 6">
             <a:extLst>
               <a:ext uri="{FF2B5EF4-FFF2-40B4-BE49-F238E27FC236}">
-                <a16:creationId xmlns:a16="http://schemas.microsoft.com/office/drawing/2014/main" xmlns="" id="{139A77F8-7D49-45A1-9214-19DF6CAEDB87}"/>
+                <a16:creationId xmlns="" xmlns:a16="http://schemas.microsoft.com/office/drawing/2014/main" id="{139A77F8-7D49-45A1-9214-19DF6CAEDB87}"/>
               </a:ext>
             </a:extLst>
           </p:cNvPr>
@@ -9491,7 +10532,7 @@
             <p:cNvPr id="9" name="Прямоугольник 8">
               <a:extLst>
                 <a:ext uri="{FF2B5EF4-FFF2-40B4-BE49-F238E27FC236}">
-                  <a16:creationId xmlns:a16="http://schemas.microsoft.com/office/drawing/2014/main" xmlns="" id="{C1AF4255-9B0F-4619-888B-C211218E49FF}"/>
+                  <a16:creationId xmlns="" xmlns:a16="http://schemas.microsoft.com/office/drawing/2014/main" id="{C1AF4255-9B0F-4619-888B-C211218E49FF}"/>
                 </a:ext>
               </a:extLst>
             </p:cNvPr>
@@ -9545,7 +10586,7 @@
             <p:cNvPr id="10" name="Прямоугольник 9">
               <a:extLst>
                 <a:ext uri="{FF2B5EF4-FFF2-40B4-BE49-F238E27FC236}">
-                  <a16:creationId xmlns:a16="http://schemas.microsoft.com/office/drawing/2014/main" xmlns="" id="{A568F858-4223-42C7-92C9-58140347FD14}"/>
+                  <a16:creationId xmlns="" xmlns:a16="http://schemas.microsoft.com/office/drawing/2014/main" id="{A568F858-4223-42C7-92C9-58140347FD14}"/>
                 </a:ext>
               </a:extLst>
             </p:cNvPr>
@@ -9599,7 +10640,7 @@
             <p:cNvPr id="11" name="Прямоугольник 10">
               <a:extLst>
                 <a:ext uri="{FF2B5EF4-FFF2-40B4-BE49-F238E27FC236}">
-                  <a16:creationId xmlns:a16="http://schemas.microsoft.com/office/drawing/2014/main" xmlns="" id="{5B70D515-762B-4243-8DAB-E4E82DC6B17A}"/>
+                  <a16:creationId xmlns="" xmlns:a16="http://schemas.microsoft.com/office/drawing/2014/main" id="{5B70D515-762B-4243-8DAB-E4E82DC6B17A}"/>
                 </a:ext>
               </a:extLst>
             </p:cNvPr>
@@ -9657,7 +10698,7 @@
             <p:cNvPr id="12" name="TextBox 11">
               <a:extLst>
                 <a:ext uri="{FF2B5EF4-FFF2-40B4-BE49-F238E27FC236}">
-                  <a16:creationId xmlns:a16="http://schemas.microsoft.com/office/drawing/2014/main" xmlns="" id="{27C751DA-DBF5-4BF2-AD38-619676BDF720}"/>
+                  <a16:creationId xmlns="" xmlns:a16="http://schemas.microsoft.com/office/drawing/2014/main" id="{27C751DA-DBF5-4BF2-AD38-619676BDF720}"/>
                 </a:ext>
               </a:extLst>
             </p:cNvPr>
@@ -9667,7 +10708,7 @@
           <p:spPr>
             <a:xfrm>
               <a:off x="559857" y="37682"/>
-              <a:ext cx="1766631" cy="584775"/>
+              <a:ext cx="1766631" cy="338554"/>
             </a:xfrm>
             <a:prstGeom prst="rect">
               <a:avLst/>
@@ -9681,7 +10722,7 @@
             <a:lstStyle/>
             <a:p>
               <a:r>
-                <a:rPr lang="ru-RU" sz="1600" b="1" dirty="0">
+                <a:rPr lang="ru-RU" sz="1600" b="1" dirty="0" smtClean="0">
                   <a:solidFill>
                     <a:schemeClr val="bg1">
                       <a:lumMod val="95000"/>
@@ -9690,7 +10731,7 @@
                   <a:latin typeface="Verdana" panose="020B0604030504040204" pitchFamily="34" charset="0"/>
                   <a:ea typeface="Verdana" panose="020B0604030504040204" pitchFamily="34" charset="0"/>
                 </a:rPr>
-                <a:t>Прототип системы</a:t>
+                <a:t>а</a:t>
               </a:r>
               <a:endParaRPr lang="x-none" sz="1600" b="1" dirty="0">
                 <a:solidFill>
@@ -9709,7 +10750,7 @@
             <p:cNvPr id="13" name="Прямоугольник 12">
               <a:extLst>
                 <a:ext uri="{FF2B5EF4-FFF2-40B4-BE49-F238E27FC236}">
-                  <a16:creationId xmlns:a16="http://schemas.microsoft.com/office/drawing/2014/main" xmlns="" id="{2107D053-F587-41CE-AC4A-9D7FEBF094D1}"/>
+                  <a16:creationId xmlns="" xmlns:a16="http://schemas.microsoft.com/office/drawing/2014/main" id="{2107D053-F587-41CE-AC4A-9D7FEBF094D1}"/>
                 </a:ext>
               </a:extLst>
             </p:cNvPr>
@@ -9732,7 +10773,7 @@
             <a:lstStyle/>
             <a:p>
               <a:r>
-                <a:rPr lang="en-US" sz="1600" b="1" dirty="0">
+                <a:rPr lang="ru-RU" sz="1600" b="1" dirty="0" smtClean="0">
                   <a:solidFill>
                     <a:schemeClr val="bg1">
                       <a:lumMod val="95000"/>
@@ -9741,7 +10782,7 @@
                   <a:latin typeface="Verdana" panose="020B0604030504040204" pitchFamily="34" charset="0"/>
                   <a:ea typeface="Verdana" panose="020B0604030504040204" pitchFamily="34" charset="0"/>
                 </a:rPr>
-                <a:t>KOS</a:t>
+                <a:t>б</a:t>
               </a:r>
               <a:endParaRPr lang="ru-RU" sz="1600" b="1" dirty="0">
                 <a:solidFill>
@@ -9761,7 +10802,7 @@
           <p:cNvPr id="14" name="Прямоугольник 13">
             <a:extLst>
               <a:ext uri="{FF2B5EF4-FFF2-40B4-BE49-F238E27FC236}">
-                <a16:creationId xmlns:a16="http://schemas.microsoft.com/office/drawing/2014/main" xmlns="" id="{E5033180-5409-4181-81CC-03960C2AD567}"/>
+                <a16:creationId xmlns="" xmlns:a16="http://schemas.microsoft.com/office/drawing/2014/main" id="{E5033180-5409-4181-81CC-03960C2AD567}"/>
               </a:ext>
             </a:extLst>
           </p:cNvPr>
@@ -9771,7 +10812,7 @@
         <p:spPr>
           <a:xfrm>
             <a:off x="476831" y="2571750"/>
-            <a:ext cx="1537085" cy="830997"/>
+            <a:ext cx="1537085" cy="584775"/>
           </a:xfrm>
           <a:prstGeom prst="rect">
             <a:avLst/>
@@ -9784,7 +10825,7 @@
           <a:lstStyle/>
           <a:p>
             <a:r>
-              <a:rPr lang="ru-RU" sz="1600" b="1" dirty="0">
+              <a:rPr lang="ru-RU" sz="1600" b="1" dirty="0" smtClean="0">
                 <a:solidFill>
                   <a:schemeClr val="bg1">
                     <a:lumMod val="95000"/>
@@ -9793,56 +10834,99 @@
                 <a:latin typeface="Verdana" panose="020B0604030504040204" pitchFamily="34" charset="0"/>
                 <a:ea typeface="Verdana" panose="020B0604030504040204" pitchFamily="34" charset="0"/>
               </a:rPr>
-              <a:t>Симуляция</a:t>
-            </a:r>
-            <a:r>
-              <a:rPr lang="en-US" sz="1600" b="1" dirty="0">
-                <a:solidFill>
-                  <a:schemeClr val="bg1">
-                    <a:lumMod val="95000"/>
-                  </a:schemeClr>
-                </a:solidFill>
-                <a:latin typeface="Verdana" panose="020B0604030504040204" pitchFamily="34" charset="0"/>
-                <a:ea typeface="Verdana" panose="020B0604030504040204" pitchFamily="34" charset="0"/>
-              </a:rPr>
-              <a:t>Raspberry Pi </a:t>
-            </a:r>
-            <a:r>
-              <a:rPr lang="ru-RU" sz="1600" b="1" dirty="0">
-                <a:solidFill>
-                  <a:schemeClr val="bg1">
-                    <a:lumMod val="95000"/>
-                  </a:schemeClr>
-                </a:solidFill>
-                <a:latin typeface="Verdana" panose="020B0604030504040204" pitchFamily="34" charset="0"/>
-                <a:ea typeface="Verdana" panose="020B0604030504040204" pitchFamily="34" charset="0"/>
-              </a:rPr>
-              <a:t>в</a:t>
-            </a:r>
-            <a:r>
-              <a:rPr lang="en-US" sz="1600" b="1" dirty="0">
-                <a:solidFill>
-                  <a:schemeClr val="bg1">
-                    <a:lumMod val="95000"/>
-                  </a:schemeClr>
-                </a:solidFill>
-                <a:latin typeface="Verdana" panose="020B0604030504040204" pitchFamily="34" charset="0"/>
-                <a:ea typeface="Verdana" panose="020B0604030504040204" pitchFamily="34" charset="0"/>
-              </a:rPr>
-              <a:t> QEMU</a:t>
-            </a:r>
-            <a:r>
-              <a:rPr lang="ru-RU" sz="1600" b="1" dirty="0">
-                <a:solidFill>
-                  <a:schemeClr val="bg1">
-                    <a:lumMod val="95000"/>
-                  </a:schemeClr>
-                </a:solidFill>
-                <a:latin typeface="Verdana" panose="020B0604030504040204" pitchFamily="34" charset="0"/>
-                <a:ea typeface="Verdana" panose="020B0604030504040204" pitchFamily="34" charset="0"/>
-              </a:rPr>
-              <a:t> </a:t>
-            </a:r>
+              <a:t>В</a:t>
+            </a:r>
+          </a:p>
+          <a:p>
+            <a:endParaRPr lang="ru-RU" sz="1600" b="1" dirty="0">
+              <a:solidFill>
+                <a:schemeClr val="bg1">
+                  <a:lumMod val="95000"/>
+                </a:schemeClr>
+              </a:solidFill>
+              <a:latin typeface="Verdana" panose="020B0604030504040204" pitchFamily="34" charset="0"/>
+              <a:ea typeface="Verdana" panose="020B0604030504040204" pitchFamily="34" charset="0"/>
+            </a:endParaRPr>
+          </a:p>
+        </p:txBody>
+      </p:sp>
+      <p:sp>
+        <p:nvSpPr>
+          <p:cNvPr id="2" name="Улыбающееся лицо 1"/>
+          <p:cNvSpPr/>
+          <p:nvPr/>
+        </p:nvSpPr>
+        <p:spPr>
+          <a:xfrm>
+            <a:off x="5652120" y="2427734"/>
+            <a:ext cx="2664296" cy="2592288"/>
+          </a:xfrm>
+          <a:prstGeom prst="smileyFace">
+            <a:avLst/>
+          </a:prstGeom>
+        </p:spPr>
+        <p:style>
+          <a:lnRef idx="2">
+            <a:schemeClr val="accent1">
+              <a:shade val="50000"/>
+            </a:schemeClr>
+          </a:lnRef>
+          <a:fillRef idx="1">
+            <a:schemeClr val="accent1"/>
+          </a:fillRef>
+          <a:effectRef idx="0">
+            <a:schemeClr val="accent1"/>
+          </a:effectRef>
+          <a:fontRef idx="minor">
+            <a:schemeClr val="lt1"/>
+          </a:fontRef>
+        </p:style>
+        <p:txBody>
+          <a:bodyPr rtlCol="0" anchor="ctr"/>
+          <a:lstStyle/>
+          <a:p>
+            <a:pPr algn="ctr"/>
+            <a:endParaRPr lang="ru-RU"/>
+          </a:p>
+        </p:txBody>
+      </p:sp>
+      <p:sp>
+        <p:nvSpPr>
+          <p:cNvPr id="15" name="Улыбающееся лицо 14"/>
+          <p:cNvSpPr/>
+          <p:nvPr/>
+        </p:nvSpPr>
+        <p:spPr>
+          <a:xfrm>
+            <a:off x="1187624" y="3507854"/>
+            <a:ext cx="1512168" cy="1512168"/>
+          </a:xfrm>
+          <a:prstGeom prst="smileyFace">
+            <a:avLst/>
+          </a:prstGeom>
+        </p:spPr>
+        <p:style>
+          <a:lnRef idx="2">
+            <a:schemeClr val="accent1">
+              <a:shade val="50000"/>
+            </a:schemeClr>
+          </a:lnRef>
+          <a:fillRef idx="1">
+            <a:schemeClr val="accent1"/>
+          </a:fillRef>
+          <a:effectRef idx="0">
+            <a:schemeClr val="accent1"/>
+          </a:effectRef>
+          <a:fontRef idx="minor">
+            <a:schemeClr val="lt1"/>
+          </a:fontRef>
+        </p:style>
+        <p:txBody>
+          <a:bodyPr rtlCol="0" anchor="ctr"/>
+          <a:lstStyle/>
+          <a:p>
+            <a:pPr algn="ctr"/>
+            <a:endParaRPr lang="ru-RU"/>
           </a:p>
         </p:txBody>
       </p:sp>

--- a/doc/Presentation.pptx
+++ b/doc/Presentation.pptx
@@ -138,7 +138,7 @@
       </p14:sectionLst>
     </p:ext>
     <p:ext uri="{EFAFB233-063F-42B5-8137-9DF3F51BA10A}">
-      <p15:sldGuideLst xmlns="" xmlns:p15="http://schemas.microsoft.com/office/powerpoint/2012/main">
+      <p15:sldGuideLst xmlns:p15="http://schemas.microsoft.com/office/powerpoint/2012/main" xmlns="">
         <p15:guide id="1" orient="horz" pos="395" userDrawn="1">
           <p15:clr>
             <a:srgbClr val="A4A3A4"/>
@@ -245,7 +245,7 @@
             <a:fld id="{DC0B3C35-0735-4C1A-885F-DCB3E2DA0F59}" type="datetimeFigureOut">
               <a:rPr lang="ru-RU" smtClean="0"/>
               <a:pPr/>
-              <a:t>09.04.2022</a:t>
+              <a:t>11.04.2022</a:t>
             </a:fld>
             <a:endParaRPr lang="ru-RU"/>
           </a:p>
@@ -1347,7 +1347,7 @@
           <a:p>
             <a:fld id="{3B20D8BB-19A1-4AD7-ACB2-C34FEA16520C}" type="datetime1">
               <a:rPr lang="ru-RU" smtClean="0"/>
-              <a:t>09.04.2022</a:t>
+              <a:t>11.04.2022</a:t>
             </a:fld>
             <a:endParaRPr lang="ru-RU"/>
           </a:p>
@@ -1600,7 +1600,7 @@
           <a:p>
             <a:fld id="{7AFBA102-7F01-4B86-A22A-85B98BD1CCFF}" type="datetime1">
               <a:rPr lang="ru-RU" smtClean="0"/>
-              <a:t>09.04.2022</a:t>
+              <a:t>11.04.2022</a:t>
             </a:fld>
             <a:endParaRPr lang="ru-RU"/>
           </a:p>
@@ -1769,7 +1769,7 @@
           <a:p>
             <a:fld id="{D3271A2F-653B-4374-8538-9D7A9054F235}" type="datetime1">
               <a:rPr lang="ru-RU" smtClean="0"/>
-              <a:t>09.04.2022</a:t>
+              <a:t>11.04.2022</a:t>
             </a:fld>
             <a:endParaRPr lang="ru-RU"/>
           </a:p>
@@ -1948,7 +1948,7 @@
           <a:p>
             <a:fld id="{1FE93DAB-12DC-4BA1-8C9F-AD6C6B01790B}" type="datetime1">
               <a:rPr lang="ru-RU" smtClean="0"/>
-              <a:t>09.04.2022</a:t>
+              <a:t>11.04.2022</a:t>
             </a:fld>
             <a:endParaRPr lang="ru-RU"/>
           </a:p>
@@ -2117,7 +2117,7 @@
           <a:p>
             <a:fld id="{430EBC5D-A16E-44C1-BA5A-0F5576BAA9D7}" type="datetime1">
               <a:rPr lang="ru-RU" smtClean="0"/>
-              <a:t>09.04.2022</a:t>
+              <a:t>11.04.2022</a:t>
             </a:fld>
             <a:endParaRPr lang="ru-RU"/>
           </a:p>
@@ -2201,7 +2201,7 @@
           <p:cNvPr id="2" name="Заголовок 1">
             <a:extLst>
               <a:ext uri="{FF2B5EF4-FFF2-40B4-BE49-F238E27FC236}">
-                <a16:creationId xmlns="" xmlns:a16="http://schemas.microsoft.com/office/drawing/2014/main" id="{1187A9FC-966E-4F88-A65A-7E03044F5433}"/>
+                <a16:creationId xmlns:a16="http://schemas.microsoft.com/office/drawing/2014/main" xmlns="" id="{1187A9FC-966E-4F88-A65A-7E03044F5433}"/>
               </a:ext>
             </a:extLst>
           </p:cNvPr>
@@ -2229,7 +2229,7 @@
           <p:cNvPr id="3" name="Дата 2">
             <a:extLst>
               <a:ext uri="{FF2B5EF4-FFF2-40B4-BE49-F238E27FC236}">
-                <a16:creationId xmlns="" xmlns:a16="http://schemas.microsoft.com/office/drawing/2014/main" id="{7625A992-FDE0-409C-A39E-4079FE954E51}"/>
+                <a16:creationId xmlns:a16="http://schemas.microsoft.com/office/drawing/2014/main" xmlns="" id="{7625A992-FDE0-409C-A39E-4079FE954E51}"/>
               </a:ext>
             </a:extLst>
           </p:cNvPr>
@@ -2247,7 +2247,7 @@
           <a:p>
             <a:fld id="{4324B3F3-0710-4659-BF3B-444B0D3BD216}" type="datetime1">
               <a:rPr lang="ru-RU" smtClean="0"/>
-              <a:t>09.04.2022</a:t>
+              <a:t>11.04.2022</a:t>
             </a:fld>
             <a:endParaRPr lang="ru-RU"/>
           </a:p>
@@ -2258,7 +2258,7 @@
           <p:cNvPr id="4" name="Нижний колонтитул 3">
             <a:extLst>
               <a:ext uri="{FF2B5EF4-FFF2-40B4-BE49-F238E27FC236}">
-                <a16:creationId xmlns="" xmlns:a16="http://schemas.microsoft.com/office/drawing/2014/main" id="{93E533D9-BB3D-4C32-AC6D-B5D461B6EECE}"/>
+                <a16:creationId xmlns:a16="http://schemas.microsoft.com/office/drawing/2014/main" xmlns="" id="{93E533D9-BB3D-4C32-AC6D-B5D461B6EECE}"/>
               </a:ext>
             </a:extLst>
           </p:cNvPr>
@@ -2283,7 +2283,7 @@
           <p:cNvPr id="5" name="Номер слайда 4">
             <a:extLst>
               <a:ext uri="{FF2B5EF4-FFF2-40B4-BE49-F238E27FC236}">
-                <a16:creationId xmlns="" xmlns:a16="http://schemas.microsoft.com/office/drawing/2014/main" id="{B403D20D-06F7-4FCC-AFCB-E8F2F26A01BF}"/>
+                <a16:creationId xmlns:a16="http://schemas.microsoft.com/office/drawing/2014/main" xmlns="" id="{B403D20D-06F7-4FCC-AFCB-E8F2F26A01BF}"/>
               </a:ext>
             </a:extLst>
           </p:cNvPr>
@@ -2313,7 +2313,7 @@
           <p:cNvPr id="7" name="Текст 6">
             <a:extLst>
               <a:ext uri="{FF2B5EF4-FFF2-40B4-BE49-F238E27FC236}">
-                <a16:creationId xmlns="" xmlns:a16="http://schemas.microsoft.com/office/drawing/2014/main" id="{9DF0B83D-EEFA-4CD3-ABB2-378315AC97AA}"/>
+                <a16:creationId xmlns:a16="http://schemas.microsoft.com/office/drawing/2014/main" xmlns="" id="{9DF0B83D-EEFA-4CD3-ABB2-378315AC97AA}"/>
               </a:ext>
             </a:extLst>
           </p:cNvPr>
@@ -2571,7 +2571,7 @@
           <a:p>
             <a:fld id="{04041168-DF53-45FB-9099-91344FA615B9}" type="datetime1">
               <a:rPr lang="ru-RU" smtClean="0"/>
-              <a:t>09.04.2022</a:t>
+              <a:t>11.04.2022</a:t>
             </a:fld>
             <a:endParaRPr lang="ru-RU"/>
           </a:p>
@@ -2857,7 +2857,7 @@
           <a:p>
             <a:fld id="{5E0DC4EB-B95E-498D-A762-FD4129A79E21}" type="datetime1">
               <a:rPr lang="ru-RU" smtClean="0"/>
-              <a:t>09.04.2022</a:t>
+              <a:t>11.04.2022</a:t>
             </a:fld>
             <a:endParaRPr lang="ru-RU"/>
           </a:p>
@@ -3277,7 +3277,7 @@
           <a:p>
             <a:fld id="{70B9E767-46C9-40E7-AFC7-2041020C7CB1}" type="datetime1">
               <a:rPr lang="ru-RU" smtClean="0"/>
-              <a:t>09.04.2022</a:t>
+              <a:t>11.04.2022</a:t>
             </a:fld>
             <a:endParaRPr lang="ru-RU"/>
           </a:p>
@@ -3395,7 +3395,7 @@
           <a:p>
             <a:fld id="{158E23B8-2CA0-431C-81EC-8C3D5BB6C13B}" type="datetime1">
               <a:rPr lang="ru-RU" smtClean="0"/>
-              <a:t>09.04.2022</a:t>
+              <a:t>11.04.2022</a:t>
             </a:fld>
             <a:endParaRPr lang="ru-RU"/>
           </a:p>
@@ -3491,7 +3491,7 @@
           <a:p>
             <a:fld id="{9371AD5C-8E3E-488E-BD32-632A02384D10}" type="datetime1">
               <a:rPr lang="ru-RU" smtClean="0"/>
-              <a:t>09.04.2022</a:t>
+              <a:t>11.04.2022</a:t>
             </a:fld>
             <a:endParaRPr lang="ru-RU"/>
           </a:p>
@@ -3767,7 +3767,7 @@
           <a:p>
             <a:fld id="{E23905B0-BAEB-409C-AC3A-3C68B6D517D3}" type="datetime1">
               <a:rPr lang="ru-RU" smtClean="0"/>
-              <a:t>09.04.2022</a:t>
+              <a:t>11.04.2022</a:t>
             </a:fld>
             <a:endParaRPr lang="ru-RU"/>
           </a:p>
@@ -3979,7 +3979,7 @@
           <a:p>
             <a:fld id="{79A7F2E6-CF1E-4A81-BBD8-F91AF87C4228}" type="datetime1">
               <a:rPr lang="ru-RU" smtClean="0"/>
-              <a:t>09.04.2022</a:t>
+              <a:t>11.04.2022</a:t>
             </a:fld>
             <a:endParaRPr lang="ru-RU"/>
           </a:p>
@@ -4362,7 +4362,7 @@
           <p:cNvPr id="23" name="Полилиния: фигура 22">
             <a:extLst>
               <a:ext uri="{FF2B5EF4-FFF2-40B4-BE49-F238E27FC236}">
-                <a16:creationId xmlns="" xmlns:a16="http://schemas.microsoft.com/office/drawing/2014/main" id="{2346EF01-306A-45F1-B49E-ADB43FC604E8}"/>
+                <a16:creationId xmlns:a16="http://schemas.microsoft.com/office/drawing/2014/main" xmlns="" id="{2346EF01-306A-45F1-B49E-ADB43FC604E8}"/>
               </a:ext>
             </a:extLst>
           </p:cNvPr>
@@ -4459,7 +4459,7 @@
           <p:cNvPr id="7" name="TextBox 6">
             <a:extLst>
               <a:ext uri="{FF2B5EF4-FFF2-40B4-BE49-F238E27FC236}">
-                <a16:creationId xmlns="" xmlns:a16="http://schemas.microsoft.com/office/drawing/2014/main" id="{DB65D454-9513-AE4B-B897-CBE3585FB02C}"/>
+                <a16:creationId xmlns:a16="http://schemas.microsoft.com/office/drawing/2014/main" xmlns="" id="{DB65D454-9513-AE4B-B897-CBE3585FB02C}"/>
               </a:ext>
             </a:extLst>
           </p:cNvPr>
@@ -4601,7 +4601,7 @@
           <p:cNvPr id="25" name="TextBox 24">
             <a:extLst>
               <a:ext uri="{FF2B5EF4-FFF2-40B4-BE49-F238E27FC236}">
-                <a16:creationId xmlns="" xmlns:a16="http://schemas.microsoft.com/office/drawing/2014/main" id="{5F839AF4-2DA2-448E-9D55-17402DA471EB}"/>
+                <a16:creationId xmlns:a16="http://schemas.microsoft.com/office/drawing/2014/main" xmlns="" id="{5F839AF4-2DA2-448E-9D55-17402DA471EB}"/>
               </a:ext>
             </a:extLst>
           </p:cNvPr>
@@ -4659,7 +4659,7 @@
           <p:cNvPr id="9" name="Рисунок 8" descr="Изображение выглядит как фотография, знак, черный, белый&#10;&#10;Автоматически созданное описание">
             <a:extLst>
               <a:ext uri="{FF2B5EF4-FFF2-40B4-BE49-F238E27FC236}">
-                <a16:creationId xmlns="" xmlns:a16="http://schemas.microsoft.com/office/drawing/2014/main" id="{074BF89E-2F5E-4138-803A-5E07BFE000CD}"/>
+                <a16:creationId xmlns:a16="http://schemas.microsoft.com/office/drawing/2014/main" xmlns="" id="{074BF89E-2F5E-4138-803A-5E07BFE000CD}"/>
               </a:ext>
             </a:extLst>
           </p:cNvPr>
@@ -4695,7 +4695,7 @@
           <p:cNvPr id="8" name="Прямоугольник 7">
             <a:extLst>
               <a:ext uri="{FF2B5EF4-FFF2-40B4-BE49-F238E27FC236}">
-                <a16:creationId xmlns="" xmlns:a16="http://schemas.microsoft.com/office/drawing/2014/main" id="{B22E2906-0F12-4345-BF21-9247EC5D1052}"/>
+                <a16:creationId xmlns:a16="http://schemas.microsoft.com/office/drawing/2014/main" xmlns="" id="{B22E2906-0F12-4345-BF21-9247EC5D1052}"/>
               </a:ext>
             </a:extLst>
           </p:cNvPr>
@@ -4852,7 +4852,7 @@
           <p:cNvPr id="2" name="Номер слайда 1">
             <a:extLst>
               <a:ext uri="{FF2B5EF4-FFF2-40B4-BE49-F238E27FC236}">
-                <a16:creationId xmlns="" xmlns:a16="http://schemas.microsoft.com/office/drawing/2014/main" id="{BA9CF357-4FFB-4B7D-AC71-7714293F20AA}"/>
+                <a16:creationId xmlns:a16="http://schemas.microsoft.com/office/drawing/2014/main" xmlns="" id="{BA9CF357-4FFB-4B7D-AC71-7714293F20AA}"/>
               </a:ext>
             </a:extLst>
           </p:cNvPr>
@@ -4907,7 +4907,7 @@
           <p:cNvPr id="3" name="Объект 2">
             <a:extLst>
               <a:ext uri="{FF2B5EF4-FFF2-40B4-BE49-F238E27FC236}">
-                <a16:creationId xmlns="" xmlns:a16="http://schemas.microsoft.com/office/drawing/2014/main" id="{807A1DB7-1B94-4C8E-9E43-F2737C3A6C6E}"/>
+                <a16:creationId xmlns:a16="http://schemas.microsoft.com/office/drawing/2014/main" xmlns="" id="{807A1DB7-1B94-4C8E-9E43-F2737C3A6C6E}"/>
               </a:ext>
             </a:extLst>
           </p:cNvPr>
@@ -4935,11 +4935,7 @@
             </a:pPr>
             <a:r>
               <a:rPr lang="ru-RU" sz="1600" dirty="0" smtClean="0"/>
-              <a:t>В </a:t>
-            </a:r>
-            <a:r>
-              <a:rPr lang="ru-RU" sz="1600" dirty="0" smtClean="0"/>
-              <a:t>дальнейшем хотим реализовать </a:t>
+              <a:t>В дальнейшем хотим реализовать </a:t>
             </a:r>
             <a:r>
               <a:rPr lang="en-US" sz="1600" dirty="0" smtClean="0"/>
@@ -4953,7 +4949,55 @@
               <a:rPr lang="en-US" sz="1600" dirty="0" smtClean="0"/>
               <a:t>QEMU</a:t>
             </a:r>
+            <a:endParaRPr lang="ru-RU" sz="1600" dirty="0" smtClean="0"/>
+          </a:p>
+          <a:p>
+            <a:pPr marL="0" indent="0">
+              <a:buNone/>
+            </a:pPr>
             <a:endParaRPr lang="ru-RU" sz="1600" dirty="0"/>
+          </a:p>
+          <a:p>
+            <a:pPr marL="0" indent="0">
+              <a:buNone/>
+            </a:pPr>
+            <a:r>
+              <a:rPr lang="ru-RU" sz="1600" dirty="0" smtClean="0">
+                <a:solidFill>
+                  <a:srgbClr val="FF0000"/>
+                </a:solidFill>
+              </a:rPr>
+              <a:t>Текст</a:t>
+            </a:r>
+            <a:r>
+              <a:rPr lang="en-US" sz="1600" dirty="0" smtClean="0">
+                <a:solidFill>
+                  <a:srgbClr val="FF0000"/>
+                </a:solidFill>
+              </a:rPr>
+              <a:t> (?), </a:t>
+            </a:r>
+            <a:r>
+              <a:rPr lang="ru-RU" sz="1600" smtClean="0">
+                <a:solidFill>
+                  <a:srgbClr val="FF0000"/>
+                </a:solidFill>
+              </a:rPr>
+              <a:t>Заголовок, Схема </a:t>
+            </a:r>
+            <a:r>
+              <a:rPr lang="ru-RU" sz="1600" dirty="0" smtClean="0">
+                <a:solidFill>
+                  <a:srgbClr val="FF0000"/>
+                </a:solidFill>
+              </a:rPr>
+              <a:t>(!)</a:t>
+            </a:r>
+            <a:endParaRPr lang="ru-RU" sz="1600" dirty="0">
+              <a:solidFill>
+                <a:srgbClr val="FF0000"/>
+              </a:solidFill>
+            </a:endParaRPr>
           </a:p>
         </p:txBody>
       </p:sp>
@@ -4962,7 +5006,7 @@
           <p:cNvPr id="4" name="Номер слайда 3">
             <a:extLst>
               <a:ext uri="{FF2B5EF4-FFF2-40B4-BE49-F238E27FC236}">
-                <a16:creationId xmlns="" xmlns:a16="http://schemas.microsoft.com/office/drawing/2014/main" id="{407E3DFD-05CC-48DB-9081-F8A9F136813E}"/>
+                <a16:creationId xmlns:a16="http://schemas.microsoft.com/office/drawing/2014/main" xmlns="" id="{407E3DFD-05CC-48DB-9081-F8A9F136813E}"/>
               </a:ext>
             </a:extLst>
           </p:cNvPr>
@@ -4992,7 +5036,7 @@
           <p:cNvPr id="5" name="Прямоугольник 4">
             <a:extLst>
               <a:ext uri="{FF2B5EF4-FFF2-40B4-BE49-F238E27FC236}">
-                <a16:creationId xmlns="" xmlns:a16="http://schemas.microsoft.com/office/drawing/2014/main" id="{910DF3EC-1F25-4526-9FE7-8BC70A8DF0C5}"/>
+                <a16:creationId xmlns:a16="http://schemas.microsoft.com/office/drawing/2014/main" xmlns="" id="{910DF3EC-1F25-4526-9FE7-8BC70A8DF0C5}"/>
               </a:ext>
             </a:extLst>
           </p:cNvPr>
@@ -5050,7 +5094,7 @@
           <p:cNvPr id="6" name="Прямая соединительная линия 5">
             <a:extLst>
               <a:ext uri="{FF2B5EF4-FFF2-40B4-BE49-F238E27FC236}">
-                <a16:creationId xmlns="" xmlns:a16="http://schemas.microsoft.com/office/drawing/2014/main" id="{2467A97C-B77F-44C8-A41B-AB2EE2D11DE3}"/>
+                <a16:creationId xmlns:a16="http://schemas.microsoft.com/office/drawing/2014/main" xmlns="" id="{2467A97C-B77F-44C8-A41B-AB2EE2D11DE3}"/>
               </a:ext>
             </a:extLst>
           </p:cNvPr>
@@ -5093,7 +5137,7 @@
           <p:cNvPr id="8" name="Прямоугольник 7">
             <a:extLst>
               <a:ext uri="{FF2B5EF4-FFF2-40B4-BE49-F238E27FC236}">
-                <a16:creationId xmlns="" xmlns:a16="http://schemas.microsoft.com/office/drawing/2014/main" id="{8CF585ED-3269-46F3-8B9F-D294E6449231}"/>
+                <a16:creationId xmlns:a16="http://schemas.microsoft.com/office/drawing/2014/main" xmlns="" id="{8CF585ED-3269-46F3-8B9F-D294E6449231}"/>
               </a:ext>
             </a:extLst>
           </p:cNvPr>
@@ -5150,7 +5194,7 @@
           <p:cNvPr id="7" name="Группа 6">
             <a:extLst>
               <a:ext uri="{FF2B5EF4-FFF2-40B4-BE49-F238E27FC236}">
-                <a16:creationId xmlns="" xmlns:a16="http://schemas.microsoft.com/office/drawing/2014/main" id="{139A77F8-7D49-45A1-9214-19DF6CAEDB87}"/>
+                <a16:creationId xmlns:a16="http://schemas.microsoft.com/office/drawing/2014/main" xmlns="" id="{139A77F8-7D49-45A1-9214-19DF6CAEDB87}"/>
               </a:ext>
             </a:extLst>
           </p:cNvPr>
@@ -5170,7 +5214,7 @@
             <p:cNvPr id="9" name="Прямоугольник 8">
               <a:extLst>
                 <a:ext uri="{FF2B5EF4-FFF2-40B4-BE49-F238E27FC236}">
-                  <a16:creationId xmlns="" xmlns:a16="http://schemas.microsoft.com/office/drawing/2014/main" id="{C1AF4255-9B0F-4619-888B-C211218E49FF}"/>
+                  <a16:creationId xmlns:a16="http://schemas.microsoft.com/office/drawing/2014/main" xmlns="" id="{C1AF4255-9B0F-4619-888B-C211218E49FF}"/>
                 </a:ext>
               </a:extLst>
             </p:cNvPr>
@@ -5224,7 +5268,7 @@
             <p:cNvPr id="10" name="Прямоугольник 9">
               <a:extLst>
                 <a:ext uri="{FF2B5EF4-FFF2-40B4-BE49-F238E27FC236}">
-                  <a16:creationId xmlns="" xmlns:a16="http://schemas.microsoft.com/office/drawing/2014/main" id="{A568F858-4223-42C7-92C9-58140347FD14}"/>
+                  <a16:creationId xmlns:a16="http://schemas.microsoft.com/office/drawing/2014/main" xmlns="" id="{A568F858-4223-42C7-92C9-58140347FD14}"/>
                 </a:ext>
               </a:extLst>
             </p:cNvPr>
@@ -5278,7 +5322,7 @@
             <p:cNvPr id="11" name="Прямоугольник 10">
               <a:extLst>
                 <a:ext uri="{FF2B5EF4-FFF2-40B4-BE49-F238E27FC236}">
-                  <a16:creationId xmlns="" xmlns:a16="http://schemas.microsoft.com/office/drawing/2014/main" id="{5B70D515-762B-4243-8DAB-E4E82DC6B17A}"/>
+                  <a16:creationId xmlns:a16="http://schemas.microsoft.com/office/drawing/2014/main" xmlns="" id="{5B70D515-762B-4243-8DAB-E4E82DC6B17A}"/>
                 </a:ext>
               </a:extLst>
             </p:cNvPr>
@@ -5336,7 +5380,7 @@
             <p:cNvPr id="12" name="TextBox 11">
               <a:extLst>
                 <a:ext uri="{FF2B5EF4-FFF2-40B4-BE49-F238E27FC236}">
-                  <a16:creationId xmlns="" xmlns:a16="http://schemas.microsoft.com/office/drawing/2014/main" id="{27C751DA-DBF5-4BF2-AD38-619676BDF720}"/>
+                  <a16:creationId xmlns:a16="http://schemas.microsoft.com/office/drawing/2014/main" xmlns="" id="{27C751DA-DBF5-4BF2-AD38-619676BDF720}"/>
                 </a:ext>
               </a:extLst>
             </p:cNvPr>
@@ -5388,7 +5432,7 @@
             <p:cNvPr id="13" name="Прямоугольник 12">
               <a:extLst>
                 <a:ext uri="{FF2B5EF4-FFF2-40B4-BE49-F238E27FC236}">
-                  <a16:creationId xmlns="" xmlns:a16="http://schemas.microsoft.com/office/drawing/2014/main" id="{2107D053-F587-41CE-AC4A-9D7FEBF094D1}"/>
+                  <a16:creationId xmlns:a16="http://schemas.microsoft.com/office/drawing/2014/main" xmlns="" id="{2107D053-F587-41CE-AC4A-9D7FEBF094D1}"/>
                 </a:ext>
               </a:extLst>
             </p:cNvPr>
@@ -5440,7 +5484,7 @@
           <p:cNvPr id="14" name="Прямоугольник 13">
             <a:extLst>
               <a:ext uri="{FF2B5EF4-FFF2-40B4-BE49-F238E27FC236}">
-                <a16:creationId xmlns="" xmlns:a16="http://schemas.microsoft.com/office/drawing/2014/main" id="{E5033180-5409-4181-81CC-03960C2AD567}"/>
+                <a16:creationId xmlns:a16="http://schemas.microsoft.com/office/drawing/2014/main" xmlns="" id="{E5033180-5409-4181-81CC-03960C2AD567}"/>
               </a:ext>
             </a:extLst>
           </p:cNvPr>
@@ -5534,46 +5578,6 @@
               </a:rPr>
               <a:t> </a:t>
             </a:r>
-          </a:p>
-        </p:txBody>
-      </p:sp>
-      <p:sp>
-        <p:nvSpPr>
-          <p:cNvPr id="2" name="Улыбающееся лицо 1"/>
-          <p:cNvSpPr/>
-          <p:nvPr/>
-        </p:nvSpPr>
-        <p:spPr>
-          <a:xfrm>
-            <a:off x="5580112" y="2358047"/>
-            <a:ext cx="2520280" cy="2320806"/>
-          </a:xfrm>
-          <a:prstGeom prst="smileyFace">
-            <a:avLst/>
-          </a:prstGeom>
-        </p:spPr>
-        <p:style>
-          <a:lnRef idx="2">
-            <a:schemeClr val="accent1">
-              <a:shade val="50000"/>
-            </a:schemeClr>
-          </a:lnRef>
-          <a:fillRef idx="1">
-            <a:schemeClr val="accent1"/>
-          </a:fillRef>
-          <a:effectRef idx="0">
-            <a:schemeClr val="accent1"/>
-          </a:effectRef>
-          <a:fontRef idx="minor">
-            <a:schemeClr val="lt1"/>
-          </a:fontRef>
-        </p:style>
-        <p:txBody>
-          <a:bodyPr rtlCol="0" anchor="ctr"/>
-          <a:lstStyle/>
-          <a:p>
-            <a:pPr algn="ctr"/>
-            <a:endParaRPr lang="ru-RU"/>
           </a:p>
         </p:txBody>
       </p:sp>
@@ -5612,7 +5616,7 @@
           <p:cNvPr id="5" name="Прямоугольник 4">
             <a:extLst>
               <a:ext uri="{FF2B5EF4-FFF2-40B4-BE49-F238E27FC236}">
-                <a16:creationId xmlns="" xmlns:a16="http://schemas.microsoft.com/office/drawing/2014/main" id="{73F08337-4FBD-49CA-B7CF-082FB8F03E03}"/>
+                <a16:creationId xmlns:a16="http://schemas.microsoft.com/office/drawing/2014/main" xmlns="" id="{73F08337-4FBD-49CA-B7CF-082FB8F03E03}"/>
               </a:ext>
             </a:extLst>
           </p:cNvPr>
@@ -5670,7 +5674,7 @@
           <p:cNvPr id="6" name="Прямоугольник 5">
             <a:extLst>
               <a:ext uri="{FF2B5EF4-FFF2-40B4-BE49-F238E27FC236}">
-                <a16:creationId xmlns="" xmlns:a16="http://schemas.microsoft.com/office/drawing/2014/main" id="{BB7E2663-AD02-4F1A-96DD-A2715B9F7167}"/>
+                <a16:creationId xmlns:a16="http://schemas.microsoft.com/office/drawing/2014/main" xmlns="" id="{BB7E2663-AD02-4F1A-96DD-A2715B9F7167}"/>
               </a:ext>
             </a:extLst>
           </p:cNvPr>
@@ -5710,7 +5714,7 @@
           <p:cNvPr id="7" name="Объект 2">
             <a:extLst>
               <a:ext uri="{FF2B5EF4-FFF2-40B4-BE49-F238E27FC236}">
-                <a16:creationId xmlns="" xmlns:a16="http://schemas.microsoft.com/office/drawing/2014/main" id="{DB15A276-4B35-4D81-AA85-B979C4E0F219}"/>
+                <a16:creationId xmlns:a16="http://schemas.microsoft.com/office/drawing/2014/main" xmlns="" id="{DB15A276-4B35-4D81-AA85-B979C4E0F219}"/>
               </a:ext>
             </a:extLst>
           </p:cNvPr>
@@ -5994,7 +5998,7 @@
           <p:cNvPr id="9" name="Рисунок 8" descr="Изображение выглядит как фотография, знак, черный, белый&#10;&#10;Автоматически созданное описание">
             <a:extLst>
               <a:ext uri="{FF2B5EF4-FFF2-40B4-BE49-F238E27FC236}">
-                <a16:creationId xmlns="" xmlns:a16="http://schemas.microsoft.com/office/drawing/2014/main" id="{074BF89E-2F5E-4138-803A-5E07BFE000CD}"/>
+                <a16:creationId xmlns:a16="http://schemas.microsoft.com/office/drawing/2014/main" xmlns="" id="{074BF89E-2F5E-4138-803A-5E07BFE000CD}"/>
               </a:ext>
             </a:extLst>
           </p:cNvPr>
@@ -6112,7 +6116,7 @@
           <p:cNvPr id="30" name="Прямая соединительная линия 29">
             <a:extLst>
               <a:ext uri="{FF2B5EF4-FFF2-40B4-BE49-F238E27FC236}">
-                <a16:creationId xmlns="" xmlns:a16="http://schemas.microsoft.com/office/drawing/2014/main" id="{F004EEAE-9E59-4362-892F-11F0597BBF49}"/>
+                <a16:creationId xmlns:a16="http://schemas.microsoft.com/office/drawing/2014/main" xmlns="" id="{F004EEAE-9E59-4362-892F-11F0597BBF49}"/>
               </a:ext>
             </a:extLst>
           </p:cNvPr>
@@ -6155,7 +6159,7 @@
           <p:cNvPr id="3" name="Номер слайда 2">
             <a:extLst>
               <a:ext uri="{FF2B5EF4-FFF2-40B4-BE49-F238E27FC236}">
-                <a16:creationId xmlns="" xmlns:a16="http://schemas.microsoft.com/office/drawing/2014/main" id="{9879899F-8DEE-4C3F-B4F8-8A504F60C80B}"/>
+                <a16:creationId xmlns:a16="http://schemas.microsoft.com/office/drawing/2014/main" xmlns="" id="{9879899F-8DEE-4C3F-B4F8-8A504F60C80B}"/>
               </a:ext>
             </a:extLst>
           </p:cNvPr>
@@ -6185,7 +6189,7 @@
           <p:cNvPr id="14" name="Прямоугольник 13">
             <a:extLst>
               <a:ext uri="{FF2B5EF4-FFF2-40B4-BE49-F238E27FC236}">
-                <a16:creationId xmlns="" xmlns:a16="http://schemas.microsoft.com/office/drawing/2014/main" id="{C204DE12-0708-4039-981E-EC5E81BC4662}"/>
+                <a16:creationId xmlns:a16="http://schemas.microsoft.com/office/drawing/2014/main" xmlns="" id="{C204DE12-0708-4039-981E-EC5E81BC4662}"/>
               </a:ext>
             </a:extLst>
           </p:cNvPr>
@@ -6234,17 +6238,7 @@
                 <a:latin typeface="Verdana" panose="020B0604030504040204" pitchFamily="34" charset="0"/>
                 <a:ea typeface="Verdana" panose="020B0604030504040204" pitchFamily="34" charset="0"/>
               </a:rPr>
-              <a:t>Цель работы</a:t>
-            </a:r>
-            <a:r>
-              <a:rPr lang="ru-RU" sz="2400" b="1" dirty="0" smtClean="0">
-                <a:solidFill>
-                  <a:schemeClr val="tx2"/>
-                </a:solidFill>
-                <a:latin typeface="Verdana" panose="020B0604030504040204" pitchFamily="34" charset="0"/>
-                <a:ea typeface="Verdana" panose="020B0604030504040204" pitchFamily="34" charset="0"/>
-              </a:rPr>
-              <a:t>.</a:t>
+              <a:t>Цель работы.</a:t>
             </a:r>
             <a:endParaRPr lang="ru-RU" sz="2400" b="1" dirty="0">
               <a:solidFill>
@@ -6302,7 +6296,7 @@
           <p:cNvPr id="1026" name="Picture 2">
             <a:extLst>
               <a:ext uri="{FF2B5EF4-FFF2-40B4-BE49-F238E27FC236}">
-                <a16:creationId xmlns="" xmlns:a16="http://schemas.microsoft.com/office/drawing/2014/main" id="{17C112DF-E30E-4E91-BE1E-B73E5466DF10}"/>
+                <a16:creationId xmlns:a16="http://schemas.microsoft.com/office/drawing/2014/main" xmlns="" id="{17C112DF-E30E-4E91-BE1E-B73E5466DF10}"/>
               </a:ext>
             </a:extLst>
           </p:cNvPr>
@@ -6349,7 +6343,7 @@
           <p:cNvPr id="10" name="Группа 9">
             <a:extLst>
               <a:ext uri="{FF2B5EF4-FFF2-40B4-BE49-F238E27FC236}">
-                <a16:creationId xmlns="" xmlns:a16="http://schemas.microsoft.com/office/drawing/2014/main" id="{C966BB80-279D-40A2-84AF-CDA482DFE0F5}"/>
+                <a16:creationId xmlns:a16="http://schemas.microsoft.com/office/drawing/2014/main" xmlns="" id="{C966BB80-279D-40A2-84AF-CDA482DFE0F5}"/>
               </a:ext>
             </a:extLst>
           </p:cNvPr>
@@ -6369,7 +6363,7 @@
             <p:cNvPr id="11" name="Прямоугольник 10">
               <a:extLst>
                 <a:ext uri="{FF2B5EF4-FFF2-40B4-BE49-F238E27FC236}">
-                  <a16:creationId xmlns="" xmlns:a16="http://schemas.microsoft.com/office/drawing/2014/main" id="{1C3373F8-AC50-4FE4-9BFB-C2ABC5937CCF}"/>
+                  <a16:creationId xmlns:a16="http://schemas.microsoft.com/office/drawing/2014/main" xmlns="" id="{1C3373F8-AC50-4FE4-9BFB-C2ABC5937CCF}"/>
                 </a:ext>
               </a:extLst>
             </p:cNvPr>
@@ -6423,7 +6417,7 @@
             <p:cNvPr id="12" name="Прямоугольник 11">
               <a:extLst>
                 <a:ext uri="{FF2B5EF4-FFF2-40B4-BE49-F238E27FC236}">
-                  <a16:creationId xmlns="" xmlns:a16="http://schemas.microsoft.com/office/drawing/2014/main" id="{4DFE0403-DA90-48B3-8870-BB7651570C39}"/>
+                  <a16:creationId xmlns:a16="http://schemas.microsoft.com/office/drawing/2014/main" xmlns="" id="{4DFE0403-DA90-48B3-8870-BB7651570C39}"/>
                 </a:ext>
               </a:extLst>
             </p:cNvPr>
@@ -6477,7 +6471,7 @@
             <p:cNvPr id="13" name="Прямоугольник 12">
               <a:extLst>
                 <a:ext uri="{FF2B5EF4-FFF2-40B4-BE49-F238E27FC236}">
-                  <a16:creationId xmlns="" xmlns:a16="http://schemas.microsoft.com/office/drawing/2014/main" id="{300C2159-07F4-4FED-9B06-CE00C4978DA0}"/>
+                  <a16:creationId xmlns:a16="http://schemas.microsoft.com/office/drawing/2014/main" xmlns="" id="{300C2159-07F4-4FED-9B06-CE00C4978DA0}"/>
                 </a:ext>
               </a:extLst>
             </p:cNvPr>
@@ -6535,7 +6529,7 @@
             <p:cNvPr id="15" name="TextBox 14">
               <a:extLst>
                 <a:ext uri="{FF2B5EF4-FFF2-40B4-BE49-F238E27FC236}">
-                  <a16:creationId xmlns="" xmlns:a16="http://schemas.microsoft.com/office/drawing/2014/main" id="{3BBCBA7E-0F94-4396-B31C-676823516FFA}"/>
+                  <a16:creationId xmlns:a16="http://schemas.microsoft.com/office/drawing/2014/main" xmlns="" id="{3BBCBA7E-0F94-4396-B31C-676823516FFA}"/>
                 </a:ext>
               </a:extLst>
             </p:cNvPr>
@@ -6587,7 +6581,7 @@
             <p:cNvPr id="16" name="Прямоугольник 15">
               <a:extLst>
                 <a:ext uri="{FF2B5EF4-FFF2-40B4-BE49-F238E27FC236}">
-                  <a16:creationId xmlns="" xmlns:a16="http://schemas.microsoft.com/office/drawing/2014/main" id="{9DF13001-453E-456E-9606-5ACD70C1F22C}"/>
+                  <a16:creationId xmlns:a16="http://schemas.microsoft.com/office/drawing/2014/main" xmlns="" id="{9DF13001-453E-456E-9606-5ACD70C1F22C}"/>
                 </a:ext>
               </a:extLst>
             </p:cNvPr>
@@ -6639,7 +6633,7 @@
           <p:cNvPr id="17" name="Прямоугольник 16">
             <a:extLst>
               <a:ext uri="{FF2B5EF4-FFF2-40B4-BE49-F238E27FC236}">
-                <a16:creationId xmlns="" xmlns:a16="http://schemas.microsoft.com/office/drawing/2014/main" id="{4178CC85-0238-47F8-9C95-8ED6B85E84DE}"/>
+                <a16:creationId xmlns:a16="http://schemas.microsoft.com/office/drawing/2014/main" xmlns="" id="{4178CC85-0238-47F8-9C95-8ED6B85E84DE}"/>
               </a:ext>
             </a:extLst>
           </p:cNvPr>
@@ -6720,7 +6714,7 @@
           <p:cNvPr id="45" name="Прямоугольник 44">
             <a:extLst>
               <a:ext uri="{FF2B5EF4-FFF2-40B4-BE49-F238E27FC236}">
-                <a16:creationId xmlns="" xmlns:a16="http://schemas.microsoft.com/office/drawing/2014/main" id="{F844FAD0-BFD3-42F8-8444-0D4247E6F864}"/>
+                <a16:creationId xmlns:a16="http://schemas.microsoft.com/office/drawing/2014/main" xmlns="" id="{F844FAD0-BFD3-42F8-8444-0D4247E6F864}"/>
               </a:ext>
             </a:extLst>
           </p:cNvPr>
@@ -6778,7 +6772,7 @@
           <p:cNvPr id="27" name="Прямая соединительная линия 26">
             <a:extLst>
               <a:ext uri="{FF2B5EF4-FFF2-40B4-BE49-F238E27FC236}">
-                <a16:creationId xmlns="" xmlns:a16="http://schemas.microsoft.com/office/drawing/2014/main" id="{7D440611-E861-4ADC-BE55-6C5E3E2135B0}"/>
+                <a16:creationId xmlns:a16="http://schemas.microsoft.com/office/drawing/2014/main" xmlns="" id="{7D440611-E861-4ADC-BE55-6C5E3E2135B0}"/>
               </a:ext>
             </a:extLst>
           </p:cNvPr>
@@ -6899,7 +6893,7 @@
           <p:cNvPr id="8" name="Группа 7">
             <a:extLst>
               <a:ext uri="{FF2B5EF4-FFF2-40B4-BE49-F238E27FC236}">
-                <a16:creationId xmlns="" xmlns:a16="http://schemas.microsoft.com/office/drawing/2014/main" id="{8D89B8A8-CE48-43F1-BB75-3E6B699D7B47}"/>
+                <a16:creationId xmlns:a16="http://schemas.microsoft.com/office/drawing/2014/main" xmlns="" id="{8D89B8A8-CE48-43F1-BB75-3E6B699D7B47}"/>
               </a:ext>
             </a:extLst>
           </p:cNvPr>
@@ -6908,10 +6902,10 @@
         </p:nvGrpSpPr>
         <p:grpSpPr>
           <a:xfrm>
-            <a:off x="243714" y="953093"/>
-            <a:ext cx="2799177" cy="2118472"/>
-            <a:chOff x="174072" y="159772"/>
-            <a:chExt cx="2799177" cy="2118472"/>
+            <a:off x="243714" y="969503"/>
+            <a:ext cx="2746548" cy="2102062"/>
+            <a:chOff x="174072" y="176182"/>
+            <a:chExt cx="2746548" cy="2102062"/>
           </a:xfrm>
         </p:grpSpPr>
         <p:sp>
@@ -6919,7 +6913,7 @@
             <p:cNvPr id="49" name="Прямоугольник 48">
               <a:extLst>
                 <a:ext uri="{FF2B5EF4-FFF2-40B4-BE49-F238E27FC236}">
-                  <a16:creationId xmlns="" xmlns:a16="http://schemas.microsoft.com/office/drawing/2014/main" id="{FDB282C5-2604-4D7A-8D2A-E546EB65E607}"/>
+                  <a16:creationId xmlns:a16="http://schemas.microsoft.com/office/drawing/2014/main" xmlns="" id="{FDB282C5-2604-4D7A-8D2A-E546EB65E607}"/>
                 </a:ext>
               </a:extLst>
             </p:cNvPr>
@@ -6973,7 +6967,7 @@
             <p:cNvPr id="63" name="Прямоугольник 62">
               <a:extLst>
                 <a:ext uri="{FF2B5EF4-FFF2-40B4-BE49-F238E27FC236}">
-                  <a16:creationId xmlns="" xmlns:a16="http://schemas.microsoft.com/office/drawing/2014/main" id="{2D33E0AE-D3CC-4355-8650-0C91F2677331}"/>
+                  <a16:creationId xmlns:a16="http://schemas.microsoft.com/office/drawing/2014/main" xmlns="" id="{2D33E0AE-D3CC-4355-8650-0C91F2677331}"/>
                 </a:ext>
               </a:extLst>
             </p:cNvPr>
@@ -7027,7 +7021,7 @@
             <p:cNvPr id="71" name="Прямоугольник 70">
               <a:extLst>
                 <a:ext uri="{FF2B5EF4-FFF2-40B4-BE49-F238E27FC236}">
-                  <a16:creationId xmlns="" xmlns:a16="http://schemas.microsoft.com/office/drawing/2014/main" id="{7BAF04B3-A7AB-4421-99BC-5E3219D990E5}"/>
+                  <a16:creationId xmlns:a16="http://schemas.microsoft.com/office/drawing/2014/main" xmlns="" id="{7BAF04B3-A7AB-4421-99BC-5E3219D990E5}"/>
                 </a:ext>
               </a:extLst>
             </p:cNvPr>
@@ -7085,7 +7079,7 @@
             <p:cNvPr id="2" name="TextBox 1">
               <a:extLst>
                 <a:ext uri="{FF2B5EF4-FFF2-40B4-BE49-F238E27FC236}">
-                  <a16:creationId xmlns="" xmlns:a16="http://schemas.microsoft.com/office/drawing/2014/main" id="{D433A942-CA1E-4148-80E1-D96F3CDADFE8}"/>
+                  <a16:creationId xmlns:a16="http://schemas.microsoft.com/office/drawing/2014/main" xmlns="" id="{D433A942-CA1E-4148-80E1-D96F3CDADFE8}"/>
                 </a:ext>
               </a:extLst>
             </p:cNvPr>
@@ -7094,7 +7088,7 @@
           </p:nvSpPr>
           <p:spPr>
             <a:xfrm>
-              <a:off x="557459" y="159772"/>
+              <a:off x="504830" y="180300"/>
               <a:ext cx="2415790" cy="338554"/>
             </a:xfrm>
             <a:prstGeom prst="rect">
@@ -7109,7 +7103,7 @@
             <a:lstStyle/>
             <a:p>
               <a:r>
-                <a:rPr lang="en-US" sz="1600" b="1" dirty="0">
+                <a:rPr lang="en-US" sz="1600" b="1" dirty="0" smtClean="0">
                   <a:solidFill>
                     <a:schemeClr val="bg1">
                       <a:lumMod val="95000"/>
@@ -7118,7 +7112,7 @@
                   <a:latin typeface="Verdana" panose="020B0604030504040204" pitchFamily="34" charset="0"/>
                   <a:ea typeface="Verdana" panose="020B0604030504040204" pitchFamily="34" charset="0"/>
                 </a:rPr>
-                <a:t>KOS</a:t>
+                <a:t>Raspberry</a:t>
               </a:r>
               <a:endParaRPr lang="x-none" sz="1600" b="1" dirty="0">
                 <a:solidFill>
@@ -7137,7 +7131,7 @@
             <p:cNvPr id="29" name="Прямоугольник 28">
               <a:extLst>
                 <a:ext uri="{FF2B5EF4-FFF2-40B4-BE49-F238E27FC236}">
-                  <a16:creationId xmlns="" xmlns:a16="http://schemas.microsoft.com/office/drawing/2014/main" id="{321E19EC-6BB3-4443-BA33-D6D787D90C0D}"/>
+                  <a16:creationId xmlns:a16="http://schemas.microsoft.com/office/drawing/2014/main" xmlns="" id="{321E19EC-6BB3-4443-BA33-D6D787D90C0D}"/>
                 </a:ext>
               </a:extLst>
             </p:cNvPr>
@@ -7146,8 +7140,8 @@
           </p:nvSpPr>
           <p:spPr>
             <a:xfrm>
-              <a:off x="483386" y="786172"/>
-              <a:ext cx="1644400" cy="830997"/>
+              <a:off x="469910" y="905622"/>
+              <a:ext cx="1644400" cy="584775"/>
             </a:xfrm>
             <a:prstGeom prst="rect">
               <a:avLst/>
@@ -7160,7 +7154,7 @@
             <a:lstStyle/>
             <a:p>
               <a:r>
-                <a:rPr lang="ru-RU" sz="1600" b="1" dirty="0">
+                <a:rPr lang="ru-RU" sz="1600" b="1" dirty="0" err="1" smtClean="0">
                   <a:solidFill>
                     <a:schemeClr val="bg1">
                       <a:lumMod val="95000"/>
@@ -7169,8 +7163,29 @@
                   <a:latin typeface="Verdana" panose="020B0604030504040204" pitchFamily="34" charset="0"/>
                   <a:ea typeface="Verdana" panose="020B0604030504040204" pitchFamily="34" charset="0"/>
                 </a:rPr>
-                <a:t>Автоматизация процесса</a:t>
+                <a:t>Кибер</a:t>
               </a:r>
+              <a:r>
+                <a:rPr lang="ru-RU" sz="1600" b="1" dirty="0" smtClean="0">
+                  <a:solidFill>
+                    <a:schemeClr val="bg1">
+                      <a:lumMod val="95000"/>
+                    </a:schemeClr>
+                  </a:solidFill>
+                  <a:latin typeface="Verdana" panose="020B0604030504040204" pitchFamily="34" charset="0"/>
+                  <a:ea typeface="Verdana" panose="020B0604030504040204" pitchFamily="34" charset="0"/>
+                </a:rPr>
+                <a:t> иммунитет</a:t>
+              </a:r>
+              <a:endParaRPr lang="ru-RU" sz="1600" b="1" dirty="0">
+                <a:solidFill>
+                  <a:schemeClr val="bg1">
+                    <a:lumMod val="95000"/>
+                  </a:schemeClr>
+                </a:solidFill>
+                <a:latin typeface="Verdana" panose="020B0604030504040204" pitchFamily="34" charset="0"/>
+                <a:ea typeface="Verdana" panose="020B0604030504040204" pitchFamily="34" charset="0"/>
+              </a:endParaRPr>
             </a:p>
           </p:txBody>
         </p:sp>
@@ -7180,7 +7195,7 @@
           <p:cNvPr id="30" name="Прямоугольник 29">
             <a:extLst>
               <a:ext uri="{FF2B5EF4-FFF2-40B4-BE49-F238E27FC236}">
-                <a16:creationId xmlns="" xmlns:a16="http://schemas.microsoft.com/office/drawing/2014/main" id="{62E7C219-BF40-42A2-A453-98D897CC3593}"/>
+                <a16:creationId xmlns:a16="http://schemas.microsoft.com/office/drawing/2014/main" xmlns="" id="{62E7C219-BF40-42A2-A453-98D897CC3593}"/>
               </a:ext>
             </a:extLst>
           </p:cNvPr>
@@ -7189,7 +7204,7 @@
         </p:nvSpPr>
         <p:spPr>
           <a:xfrm>
-            <a:off x="614502" y="2733010"/>
+            <a:off x="539552" y="2743760"/>
             <a:ext cx="2292243" cy="369332"/>
           </a:xfrm>
           <a:prstGeom prst="rect">
@@ -7248,6 +7263,9 @@
           <a:p>
             <a:r>
               <a:rPr lang="ru-RU" sz="1800" dirty="0">
+                <a:solidFill>
+                  <a:srgbClr val="FF0000"/>
+                </a:solidFill>
                 <a:effectLst/>
                 <a:latin typeface="Times New Roman" panose="02020603050405020304" pitchFamily="18" charset="0"/>
                 <a:ea typeface="Calibri" panose="020F0502020204030204" pitchFamily="34" charset="0"/>
@@ -7257,6 +7275,9 @@
             </a:r>
             <a:r>
               <a:rPr lang="ru-RU" sz="1800" dirty="0" smtClean="0">
+                <a:solidFill>
+                  <a:srgbClr val="FF0000"/>
+                </a:solidFill>
                 <a:effectLst/>
                 <a:latin typeface="Times New Roman" panose="02020603050405020304" pitchFamily="18" charset="0"/>
                 <a:ea typeface="Calibri" panose="020F0502020204030204" pitchFamily="34" charset="0"/>
@@ -7268,13 +7289,30 @@
           <a:p>
             <a:r>
               <a:rPr lang="ru-RU" sz="1800" dirty="0" smtClean="0">
+                <a:solidFill>
+                  <a:srgbClr val="FF0000"/>
+                </a:solidFill>
                 <a:latin typeface="Times New Roman" panose="02020603050405020304" pitchFamily="18" charset="0"/>
                 <a:ea typeface="Calibri" panose="020F0502020204030204" pitchFamily="34" charset="0"/>
                 <a:cs typeface="Times New Roman" panose="02020603050405020304" pitchFamily="18" charset="0"/>
               </a:rPr>
-              <a:t>Иначе убрать слайд</a:t>
+              <a:t>Иначе убрать </a:t>
+            </a:r>
+            <a:r>
+              <a:rPr lang="ru-RU" sz="1800" dirty="0" smtClean="0">
+                <a:solidFill>
+                  <a:srgbClr val="FF0000"/>
+                </a:solidFill>
+                <a:latin typeface="Times New Roman" panose="02020603050405020304" pitchFamily="18" charset="0"/>
+                <a:ea typeface="Calibri" panose="020F0502020204030204" pitchFamily="34" charset="0"/>
+                <a:cs typeface="Times New Roman" panose="02020603050405020304" pitchFamily="18" charset="0"/>
+              </a:rPr>
+              <a:t>слайд!!!!!!!!!!!!</a:t>
             </a:r>
             <a:endParaRPr lang="ru-RU" sz="1800" dirty="0">
+              <a:solidFill>
+                <a:srgbClr val="FF0000"/>
+              </a:solidFill>
               <a:effectLst/>
               <a:latin typeface="Calibri" panose="020F0502020204030204" pitchFamily="34" charset="0"/>
               <a:ea typeface="Calibri" panose="020F0502020204030204" pitchFamily="34" charset="0"/>
@@ -7295,7 +7333,7 @@
           <p:cNvPr id="6" name="Номер слайда 5">
             <a:extLst>
               <a:ext uri="{FF2B5EF4-FFF2-40B4-BE49-F238E27FC236}">
-                <a16:creationId xmlns="" xmlns:a16="http://schemas.microsoft.com/office/drawing/2014/main" id="{91B1A099-D53E-4F79-AD32-FF2BB7379684}"/>
+                <a16:creationId xmlns:a16="http://schemas.microsoft.com/office/drawing/2014/main" xmlns="" id="{91B1A099-D53E-4F79-AD32-FF2BB7379684}"/>
               </a:ext>
             </a:extLst>
           </p:cNvPr>
@@ -7325,7 +7363,7 @@
           <p:cNvPr id="18" name="Прямоугольник 17">
             <a:extLst>
               <a:ext uri="{FF2B5EF4-FFF2-40B4-BE49-F238E27FC236}">
-                <a16:creationId xmlns="" xmlns:a16="http://schemas.microsoft.com/office/drawing/2014/main" id="{CAA77BAE-A556-48A0-978D-90044E75AF67}"/>
+                <a16:creationId xmlns:a16="http://schemas.microsoft.com/office/drawing/2014/main" xmlns="" id="{CAA77BAE-A556-48A0-978D-90044E75AF67}"/>
               </a:ext>
             </a:extLst>
           </p:cNvPr>
@@ -7357,86 +7395,6 @@
               </a:rPr>
               <a:t>Цель. Гипотеза. Задачи.</a:t>
             </a:r>
-          </a:p>
-        </p:txBody>
-      </p:sp>
-      <p:sp>
-        <p:nvSpPr>
-          <p:cNvPr id="3" name="Улыбающееся лицо 2"/>
-          <p:cNvSpPr/>
-          <p:nvPr/>
-        </p:nvSpPr>
-        <p:spPr>
-          <a:xfrm>
-            <a:off x="5905366" y="2571750"/>
-            <a:ext cx="2195026" cy="2016224"/>
-          </a:xfrm>
-          <a:prstGeom prst="smileyFace">
-            <a:avLst/>
-          </a:prstGeom>
-        </p:spPr>
-        <p:style>
-          <a:lnRef idx="2">
-            <a:schemeClr val="accent1">
-              <a:shade val="50000"/>
-            </a:schemeClr>
-          </a:lnRef>
-          <a:fillRef idx="1">
-            <a:schemeClr val="accent1"/>
-          </a:fillRef>
-          <a:effectRef idx="0">
-            <a:schemeClr val="accent1"/>
-          </a:effectRef>
-          <a:fontRef idx="minor">
-            <a:schemeClr val="lt1"/>
-          </a:fontRef>
-        </p:style>
-        <p:txBody>
-          <a:bodyPr rtlCol="0" anchor="ctr"/>
-          <a:lstStyle/>
-          <a:p>
-            <a:pPr algn="ctr"/>
-            <a:endParaRPr lang="ru-RU"/>
-          </a:p>
-        </p:txBody>
-      </p:sp>
-      <p:sp>
-        <p:nvSpPr>
-          <p:cNvPr id="4" name="Улыбающееся лицо 3"/>
-          <p:cNvSpPr/>
-          <p:nvPr/>
-        </p:nvSpPr>
-        <p:spPr>
-          <a:xfrm>
-            <a:off x="397602" y="2763788"/>
-            <a:ext cx="1942150" cy="1945135"/>
-          </a:xfrm>
-          <a:prstGeom prst="smileyFace">
-            <a:avLst/>
-          </a:prstGeom>
-        </p:spPr>
-        <p:style>
-          <a:lnRef idx="2">
-            <a:schemeClr val="accent1">
-              <a:shade val="50000"/>
-            </a:schemeClr>
-          </a:lnRef>
-          <a:fillRef idx="1">
-            <a:schemeClr val="accent1"/>
-          </a:fillRef>
-          <a:effectRef idx="0">
-            <a:schemeClr val="accent1"/>
-          </a:effectRef>
-          <a:fontRef idx="minor">
-            <a:schemeClr val="lt1"/>
-          </a:fontRef>
-        </p:style>
-        <p:txBody>
-          <a:bodyPr rtlCol="0" anchor="ctr"/>
-          <a:lstStyle/>
-          <a:p>
-            <a:pPr algn="ctr"/>
-            <a:endParaRPr lang="ru-RU"/>
           </a:p>
         </p:txBody>
       </p:sp>
@@ -7483,7 +7441,7 @@
           <p:cNvPr id="45" name="Прямоугольник 44">
             <a:extLst>
               <a:ext uri="{FF2B5EF4-FFF2-40B4-BE49-F238E27FC236}">
-                <a16:creationId xmlns="" xmlns:a16="http://schemas.microsoft.com/office/drawing/2014/main" id="{F844FAD0-BFD3-42F8-8444-0D4247E6F864}"/>
+                <a16:creationId xmlns:a16="http://schemas.microsoft.com/office/drawing/2014/main" xmlns="" id="{F844FAD0-BFD3-42F8-8444-0D4247E6F864}"/>
               </a:ext>
             </a:extLst>
           </p:cNvPr>
@@ -7619,7 +7577,7 @@
           <p:cNvPr id="2" name="Номер слайда 1">
             <a:extLst>
               <a:ext uri="{FF2B5EF4-FFF2-40B4-BE49-F238E27FC236}">
-                <a16:creationId xmlns="" xmlns:a16="http://schemas.microsoft.com/office/drawing/2014/main" id="{6C639C31-70B3-4747-90CA-1855C8665F6D}"/>
+                <a16:creationId xmlns:a16="http://schemas.microsoft.com/office/drawing/2014/main" xmlns="" id="{6C639C31-70B3-4747-90CA-1855C8665F6D}"/>
               </a:ext>
             </a:extLst>
           </p:cNvPr>
@@ -7649,7 +7607,7 @@
           <p:cNvPr id="9" name="Прямая соединительная линия 8">
             <a:extLst>
               <a:ext uri="{FF2B5EF4-FFF2-40B4-BE49-F238E27FC236}">
-                <a16:creationId xmlns="" xmlns:a16="http://schemas.microsoft.com/office/drawing/2014/main" id="{D801378D-54AE-4064-AFC0-861B34FEDBE9}"/>
+                <a16:creationId xmlns:a16="http://schemas.microsoft.com/office/drawing/2014/main" xmlns="" id="{D801378D-54AE-4064-AFC0-861B34FEDBE9}"/>
               </a:ext>
             </a:extLst>
           </p:cNvPr>
@@ -7692,7 +7650,7 @@
           <p:cNvPr id="13" name="Прямоугольник 12">
             <a:extLst>
               <a:ext uri="{FF2B5EF4-FFF2-40B4-BE49-F238E27FC236}">
-                <a16:creationId xmlns="" xmlns:a16="http://schemas.microsoft.com/office/drawing/2014/main" id="{A311B375-86CE-4E7D-BEFB-9E495DC2ED8E}"/>
+                <a16:creationId xmlns:a16="http://schemas.microsoft.com/office/drawing/2014/main" xmlns="" id="{A311B375-86CE-4E7D-BEFB-9E495DC2ED8E}"/>
               </a:ext>
             </a:extLst>
           </p:cNvPr>
@@ -7803,7 +7761,7 @@
           <p:cNvPr id="5" name="Прямоугольник 4">
             <a:extLst>
               <a:ext uri="{FF2B5EF4-FFF2-40B4-BE49-F238E27FC236}">
-                <a16:creationId xmlns="" xmlns:a16="http://schemas.microsoft.com/office/drawing/2014/main" id="{66C439E9-3E70-4653-97C3-031864E7D8D0}"/>
+                <a16:creationId xmlns:a16="http://schemas.microsoft.com/office/drawing/2014/main" xmlns="" id="{66C439E9-3E70-4653-97C3-031864E7D8D0}"/>
               </a:ext>
             </a:extLst>
           </p:cNvPr>
@@ -7861,7 +7819,7 @@
           <p:cNvPr id="12" name="Объект 11">
             <a:extLst>
               <a:ext uri="{FF2B5EF4-FFF2-40B4-BE49-F238E27FC236}">
-                <a16:creationId xmlns="" xmlns:a16="http://schemas.microsoft.com/office/drawing/2014/main" id="{B7C51A1C-8922-4440-B769-CB2C3DEB3983}"/>
+                <a16:creationId xmlns:a16="http://schemas.microsoft.com/office/drawing/2014/main" xmlns="" id="{B7C51A1C-8922-4440-B769-CB2C3DEB3983}"/>
               </a:ext>
             </a:extLst>
           </p:cNvPr>
@@ -7890,7 +7848,7 @@
           <p:cNvPr id="4" name="Номер слайда 3">
             <a:extLst>
               <a:ext uri="{FF2B5EF4-FFF2-40B4-BE49-F238E27FC236}">
-                <a16:creationId xmlns="" xmlns:a16="http://schemas.microsoft.com/office/drawing/2014/main" id="{C8A9DE46-F073-46D7-B376-7501FC0857AE}"/>
+                <a16:creationId xmlns:a16="http://schemas.microsoft.com/office/drawing/2014/main" xmlns="" id="{C8A9DE46-F073-46D7-B376-7501FC0857AE}"/>
               </a:ext>
             </a:extLst>
           </p:cNvPr>
@@ -7920,7 +7878,7 @@
           <p:cNvPr id="6" name="Прямая соединительная линия 5">
             <a:extLst>
               <a:ext uri="{FF2B5EF4-FFF2-40B4-BE49-F238E27FC236}">
-                <a16:creationId xmlns="" xmlns:a16="http://schemas.microsoft.com/office/drawing/2014/main" id="{AA138C88-C0F1-4DB1-B124-2598866FA507}"/>
+                <a16:creationId xmlns:a16="http://schemas.microsoft.com/office/drawing/2014/main" xmlns="" id="{AA138C88-C0F1-4DB1-B124-2598866FA507}"/>
               </a:ext>
             </a:extLst>
           </p:cNvPr>
@@ -7963,7 +7921,7 @@
           <p:cNvPr id="8" name="Прямоугольник 7">
             <a:extLst>
               <a:ext uri="{FF2B5EF4-FFF2-40B4-BE49-F238E27FC236}">
-                <a16:creationId xmlns="" xmlns:a16="http://schemas.microsoft.com/office/drawing/2014/main" id="{E241D599-E25D-4723-8B9C-C236D5FE6E76}"/>
+                <a16:creationId xmlns:a16="http://schemas.microsoft.com/office/drawing/2014/main" xmlns="" id="{E241D599-E25D-4723-8B9C-C236D5FE6E76}"/>
               </a:ext>
             </a:extLst>
           </p:cNvPr>
@@ -8003,7 +7961,7 @@
           <p:cNvPr id="13" name="Прямоугольник 12">
             <a:extLst>
               <a:ext uri="{FF2B5EF4-FFF2-40B4-BE49-F238E27FC236}">
-                <a16:creationId xmlns="" xmlns:a16="http://schemas.microsoft.com/office/drawing/2014/main" id="{8691D101-8FB8-4148-96C0-FC85128352E9}"/>
+                <a16:creationId xmlns:a16="http://schemas.microsoft.com/office/drawing/2014/main" xmlns="" id="{8691D101-8FB8-4148-96C0-FC85128352E9}"/>
               </a:ext>
             </a:extLst>
           </p:cNvPr>
@@ -8153,7 +8111,7 @@
           <p:cNvPr id="14" name="Группа 13">
             <a:extLst>
               <a:ext uri="{FF2B5EF4-FFF2-40B4-BE49-F238E27FC236}">
-                <a16:creationId xmlns="" xmlns:a16="http://schemas.microsoft.com/office/drawing/2014/main" id="{04A2D0FC-A086-451D-8E3C-C36D94520331}"/>
+                <a16:creationId xmlns:a16="http://schemas.microsoft.com/office/drawing/2014/main" xmlns="" id="{04A2D0FC-A086-451D-8E3C-C36D94520331}"/>
               </a:ext>
             </a:extLst>
           </p:cNvPr>
@@ -8173,7 +8131,7 @@
             <p:cNvPr id="15" name="Прямоугольник 14">
               <a:extLst>
                 <a:ext uri="{FF2B5EF4-FFF2-40B4-BE49-F238E27FC236}">
-                  <a16:creationId xmlns="" xmlns:a16="http://schemas.microsoft.com/office/drawing/2014/main" id="{CCAB0E93-B482-4511-9C92-D58B5CA1B476}"/>
+                  <a16:creationId xmlns:a16="http://schemas.microsoft.com/office/drawing/2014/main" xmlns="" id="{CCAB0E93-B482-4511-9C92-D58B5CA1B476}"/>
                 </a:ext>
               </a:extLst>
             </p:cNvPr>
@@ -8227,7 +8185,7 @@
             <p:cNvPr id="16" name="Прямоугольник 15">
               <a:extLst>
                 <a:ext uri="{FF2B5EF4-FFF2-40B4-BE49-F238E27FC236}">
-                  <a16:creationId xmlns="" xmlns:a16="http://schemas.microsoft.com/office/drawing/2014/main" id="{9A6819D6-8981-437E-9451-D33DC6AE2CFF}"/>
+                  <a16:creationId xmlns:a16="http://schemas.microsoft.com/office/drawing/2014/main" xmlns="" id="{9A6819D6-8981-437E-9451-D33DC6AE2CFF}"/>
                 </a:ext>
               </a:extLst>
             </p:cNvPr>
@@ -8281,7 +8239,7 @@
             <p:cNvPr id="17" name="Прямоугольник 16">
               <a:extLst>
                 <a:ext uri="{FF2B5EF4-FFF2-40B4-BE49-F238E27FC236}">
-                  <a16:creationId xmlns="" xmlns:a16="http://schemas.microsoft.com/office/drawing/2014/main" id="{2A9176D3-840D-47CC-BE16-23C1B0AB344E}"/>
+                  <a16:creationId xmlns:a16="http://schemas.microsoft.com/office/drawing/2014/main" xmlns="" id="{2A9176D3-840D-47CC-BE16-23C1B0AB344E}"/>
                 </a:ext>
               </a:extLst>
             </p:cNvPr>
@@ -8339,7 +8297,7 @@
             <p:cNvPr id="18" name="TextBox 17">
               <a:extLst>
                 <a:ext uri="{FF2B5EF4-FFF2-40B4-BE49-F238E27FC236}">
-                  <a16:creationId xmlns="" xmlns:a16="http://schemas.microsoft.com/office/drawing/2014/main" id="{E8D75791-002E-49CB-AF45-B5DEFED0FE93}"/>
+                  <a16:creationId xmlns:a16="http://schemas.microsoft.com/office/drawing/2014/main" xmlns="" id="{E8D75791-002E-49CB-AF45-B5DEFED0FE93}"/>
                 </a:ext>
               </a:extLst>
             </p:cNvPr>
@@ -8391,7 +8349,7 @@
             <p:cNvPr id="19" name="Прямоугольник 18">
               <a:extLst>
                 <a:ext uri="{FF2B5EF4-FFF2-40B4-BE49-F238E27FC236}">
-                  <a16:creationId xmlns="" xmlns:a16="http://schemas.microsoft.com/office/drawing/2014/main" id="{6E6ADD29-EE78-4E35-B4D4-DB39F977BC25}"/>
+                  <a16:creationId xmlns:a16="http://schemas.microsoft.com/office/drawing/2014/main" xmlns="" id="{6E6ADD29-EE78-4E35-B4D4-DB39F977BC25}"/>
                 </a:ext>
               </a:extLst>
             </p:cNvPr>
@@ -8443,7 +8401,7 @@
           <p:cNvPr id="20" name="Прямоугольник 19">
             <a:extLst>
               <a:ext uri="{FF2B5EF4-FFF2-40B4-BE49-F238E27FC236}">
-                <a16:creationId xmlns="" xmlns:a16="http://schemas.microsoft.com/office/drawing/2014/main" id="{F3DCC88F-61A0-4738-AD2D-3A7ECCAA1F42}"/>
+                <a16:creationId xmlns:a16="http://schemas.microsoft.com/office/drawing/2014/main" xmlns="" id="{F3DCC88F-61A0-4738-AD2D-3A7ECCAA1F42}"/>
               </a:ext>
             </a:extLst>
           </p:cNvPr>
@@ -8524,7 +8482,7 @@
           <p:cNvPr id="1030" name="Picture 6" descr="vfs_net2">
             <a:extLst>
               <a:ext uri="{FF2B5EF4-FFF2-40B4-BE49-F238E27FC236}">
-                <a16:creationId xmlns="" xmlns:a16="http://schemas.microsoft.com/office/drawing/2014/main" id="{FC5C7EC5-30B7-4943-BF0F-33419C772510}"/>
+                <a16:creationId xmlns:a16="http://schemas.microsoft.com/office/drawing/2014/main" xmlns="" id="{FC5C7EC5-30B7-4943-BF0F-33419C772510}"/>
               </a:ext>
             </a:extLst>
           </p:cNvPr>
@@ -8571,7 +8529,7 @@
           <p:cNvPr id="31" name="Прямоугольник 30">
             <a:extLst>
               <a:ext uri="{FF2B5EF4-FFF2-40B4-BE49-F238E27FC236}">
-                <a16:creationId xmlns="" xmlns:a16="http://schemas.microsoft.com/office/drawing/2014/main" id="{F844FAD0-BFD3-42F8-8444-0D4247E6F864}"/>
+                <a16:creationId xmlns:a16="http://schemas.microsoft.com/office/drawing/2014/main" xmlns="" id="{F844FAD0-BFD3-42F8-8444-0D4247E6F864}"/>
               </a:ext>
             </a:extLst>
           </p:cNvPr>
@@ -8629,7 +8587,7 @@
           <p:cNvPr id="27" name="Прямая соединительная линия 26">
             <a:extLst>
               <a:ext uri="{FF2B5EF4-FFF2-40B4-BE49-F238E27FC236}">
-                <a16:creationId xmlns="" xmlns:a16="http://schemas.microsoft.com/office/drawing/2014/main" id="{7D440611-E861-4ADC-BE55-6C5E3E2135B0}"/>
+                <a16:creationId xmlns:a16="http://schemas.microsoft.com/office/drawing/2014/main" xmlns="" id="{7D440611-E861-4ADC-BE55-6C5E3E2135B0}"/>
               </a:ext>
             </a:extLst>
           </p:cNvPr>
@@ -8754,7 +8712,7 @@
         <p:spPr>
           <a:xfrm>
             <a:off x="2990262" y="1131590"/>
-            <a:ext cx="261610" cy="461665"/>
+            <a:ext cx="2848408" cy="461665"/>
           </a:xfrm>
           <a:prstGeom prst="rect">
             <a:avLst/>
@@ -8768,13 +8726,18 @@
           <a:lstStyle/>
           <a:p>
             <a:r>
-              <a:rPr lang="ru-RU" sz="2400" dirty="0">
+              <a:rPr lang="ru-RU" sz="2400" dirty="0" smtClean="0">
                 <a:solidFill>
                   <a:srgbClr val="FF0000"/>
                 </a:solidFill>
               </a:rPr>
-              <a:t>.</a:t>
-            </a:r>
+              <a:t>Картинка, заголовок</a:t>
+            </a:r>
+            <a:endParaRPr lang="ru-RU" sz="2400" dirty="0">
+              <a:solidFill>
+                <a:srgbClr val="FF0000"/>
+              </a:solidFill>
+            </a:endParaRPr>
           </a:p>
         </p:txBody>
       </p:sp>
@@ -8783,7 +8746,7 @@
           <p:cNvPr id="2" name="Номер слайда 1">
             <a:extLst>
               <a:ext uri="{FF2B5EF4-FFF2-40B4-BE49-F238E27FC236}">
-                <a16:creationId xmlns="" xmlns:a16="http://schemas.microsoft.com/office/drawing/2014/main" id="{FD31FB89-335E-4DB6-8667-434A37E623F2}"/>
+                <a16:creationId xmlns:a16="http://schemas.microsoft.com/office/drawing/2014/main" xmlns="" id="{FD31FB89-335E-4DB6-8667-434A37E623F2}"/>
               </a:ext>
             </a:extLst>
           </p:cNvPr>
@@ -8813,7 +8776,7 @@
           <p:cNvPr id="11" name="Прямоугольник 10">
             <a:extLst>
               <a:ext uri="{FF2B5EF4-FFF2-40B4-BE49-F238E27FC236}">
-                <a16:creationId xmlns="" xmlns:a16="http://schemas.microsoft.com/office/drawing/2014/main" id="{29F16FB1-557B-4F20-AFAA-083E6605CBA3}"/>
+                <a16:creationId xmlns:a16="http://schemas.microsoft.com/office/drawing/2014/main" xmlns="" id="{29F16FB1-557B-4F20-AFAA-083E6605CBA3}"/>
               </a:ext>
             </a:extLst>
           </p:cNvPr>
@@ -8860,7 +8823,7 @@
           <p:cNvPr id="12" name="Группа 11">
             <a:extLst>
               <a:ext uri="{FF2B5EF4-FFF2-40B4-BE49-F238E27FC236}">
-                <a16:creationId xmlns="" xmlns:a16="http://schemas.microsoft.com/office/drawing/2014/main" id="{0C2CC8AF-A276-431C-834D-4D111074E709}"/>
+                <a16:creationId xmlns:a16="http://schemas.microsoft.com/office/drawing/2014/main" xmlns="" id="{0C2CC8AF-A276-431C-834D-4D111074E709}"/>
               </a:ext>
             </a:extLst>
           </p:cNvPr>
@@ -8880,7 +8843,7 @@
             <p:cNvPr id="13" name="Прямоугольник 12">
               <a:extLst>
                 <a:ext uri="{FF2B5EF4-FFF2-40B4-BE49-F238E27FC236}">
-                  <a16:creationId xmlns="" xmlns:a16="http://schemas.microsoft.com/office/drawing/2014/main" id="{6A7439AB-9E67-41E2-A35B-511E5F0347BE}"/>
+                  <a16:creationId xmlns:a16="http://schemas.microsoft.com/office/drawing/2014/main" xmlns="" id="{6A7439AB-9E67-41E2-A35B-511E5F0347BE}"/>
                 </a:ext>
               </a:extLst>
             </p:cNvPr>
@@ -8934,7 +8897,7 @@
             <p:cNvPr id="14" name="Прямоугольник 13">
               <a:extLst>
                 <a:ext uri="{FF2B5EF4-FFF2-40B4-BE49-F238E27FC236}">
-                  <a16:creationId xmlns="" xmlns:a16="http://schemas.microsoft.com/office/drawing/2014/main" id="{D4C5D2CD-584A-4C0D-9F8A-A05C7DC6FB06}"/>
+                  <a16:creationId xmlns:a16="http://schemas.microsoft.com/office/drawing/2014/main" xmlns="" id="{D4C5D2CD-584A-4C0D-9F8A-A05C7DC6FB06}"/>
                 </a:ext>
               </a:extLst>
             </p:cNvPr>
@@ -8988,7 +8951,7 @@
             <p:cNvPr id="15" name="Прямоугольник 14">
               <a:extLst>
                 <a:ext uri="{FF2B5EF4-FFF2-40B4-BE49-F238E27FC236}">
-                  <a16:creationId xmlns="" xmlns:a16="http://schemas.microsoft.com/office/drawing/2014/main" id="{DD647F68-3943-4CC0-9412-1D5968D970D1}"/>
+                  <a16:creationId xmlns:a16="http://schemas.microsoft.com/office/drawing/2014/main" xmlns="" id="{DD647F68-3943-4CC0-9412-1D5968D970D1}"/>
                 </a:ext>
               </a:extLst>
             </p:cNvPr>
@@ -9046,7 +9009,7 @@
             <p:cNvPr id="16" name="TextBox 15">
               <a:extLst>
                 <a:ext uri="{FF2B5EF4-FFF2-40B4-BE49-F238E27FC236}">
-                  <a16:creationId xmlns="" xmlns:a16="http://schemas.microsoft.com/office/drawing/2014/main" id="{A1CEB2B1-930A-47BF-B703-3C3FF21EE2CA}"/>
+                  <a16:creationId xmlns:a16="http://schemas.microsoft.com/office/drawing/2014/main" xmlns="" id="{A1CEB2B1-930A-47BF-B703-3C3FF21EE2CA}"/>
                 </a:ext>
               </a:extLst>
             </p:cNvPr>
@@ -9098,7 +9061,7 @@
             <p:cNvPr id="17" name="Прямоугольник 16">
               <a:extLst>
                 <a:ext uri="{FF2B5EF4-FFF2-40B4-BE49-F238E27FC236}">
-                  <a16:creationId xmlns="" xmlns:a16="http://schemas.microsoft.com/office/drawing/2014/main" id="{6C584A97-3F89-4B57-ACE7-9246FF17E1B3}"/>
+                  <a16:creationId xmlns:a16="http://schemas.microsoft.com/office/drawing/2014/main" xmlns="" id="{6C584A97-3F89-4B57-ACE7-9246FF17E1B3}"/>
                 </a:ext>
               </a:extLst>
             </p:cNvPr>
@@ -9150,7 +9113,7 @@
           <p:cNvPr id="18" name="Прямоугольник 17">
             <a:extLst>
               <a:ext uri="{FF2B5EF4-FFF2-40B4-BE49-F238E27FC236}">
-                <a16:creationId xmlns="" xmlns:a16="http://schemas.microsoft.com/office/drawing/2014/main" id="{0D21A8F2-EFE5-4C67-9C72-02BBCD0A6CCF}"/>
+                <a16:creationId xmlns:a16="http://schemas.microsoft.com/office/drawing/2014/main" xmlns="" id="{0D21A8F2-EFE5-4C67-9C72-02BBCD0A6CCF}"/>
               </a:ext>
             </a:extLst>
           </p:cNvPr>
@@ -9193,46 +9156,6 @@
               <a:latin typeface="Verdana" panose="020B0604030504040204" pitchFamily="34" charset="0"/>
               <a:ea typeface="Verdana" panose="020B0604030504040204" pitchFamily="34" charset="0"/>
             </a:endParaRPr>
-          </a:p>
-        </p:txBody>
-      </p:sp>
-      <p:sp>
-        <p:nvSpPr>
-          <p:cNvPr id="3" name="Улыбающееся лицо 2"/>
-          <p:cNvSpPr/>
-          <p:nvPr/>
-        </p:nvSpPr>
-        <p:spPr>
-          <a:xfrm>
-            <a:off x="5724128" y="1593255"/>
-            <a:ext cx="2736304" cy="2778695"/>
-          </a:xfrm>
-          <a:prstGeom prst="smileyFace">
-            <a:avLst/>
-          </a:prstGeom>
-        </p:spPr>
-        <p:style>
-          <a:lnRef idx="2">
-            <a:schemeClr val="accent1">
-              <a:shade val="50000"/>
-            </a:schemeClr>
-          </a:lnRef>
-          <a:fillRef idx="1">
-            <a:schemeClr val="accent1"/>
-          </a:fillRef>
-          <a:effectRef idx="0">
-            <a:schemeClr val="accent1"/>
-          </a:effectRef>
-          <a:fontRef idx="minor">
-            <a:schemeClr val="lt1"/>
-          </a:fontRef>
-        </p:style>
-        <p:txBody>
-          <a:bodyPr rtlCol="0" anchor="ctr"/>
-          <a:lstStyle/>
-          <a:p>
-            <a:pPr algn="ctr"/>
-            <a:endParaRPr lang="ru-RU"/>
           </a:p>
         </p:txBody>
       </p:sp>
@@ -9271,7 +9194,7 @@
           <p:cNvPr id="45" name="Прямоугольник 44">
             <a:extLst>
               <a:ext uri="{FF2B5EF4-FFF2-40B4-BE49-F238E27FC236}">
-                <a16:creationId xmlns="" xmlns:a16="http://schemas.microsoft.com/office/drawing/2014/main" id="{F844FAD0-BFD3-42F8-8444-0D4247E6F864}"/>
+                <a16:creationId xmlns:a16="http://schemas.microsoft.com/office/drawing/2014/main" xmlns="" id="{F844FAD0-BFD3-42F8-8444-0D4247E6F864}"/>
               </a:ext>
             </a:extLst>
           </p:cNvPr>
@@ -9329,7 +9252,7 @@
           <p:cNvPr id="27" name="Прямая соединительная линия 26">
             <a:extLst>
               <a:ext uri="{FF2B5EF4-FFF2-40B4-BE49-F238E27FC236}">
-                <a16:creationId xmlns="" xmlns:a16="http://schemas.microsoft.com/office/drawing/2014/main" id="{7D440611-E861-4ADC-BE55-6C5E3E2135B0}"/>
+                <a16:creationId xmlns:a16="http://schemas.microsoft.com/office/drawing/2014/main" xmlns="" id="{7D440611-E861-4ADC-BE55-6C5E3E2135B0}"/>
               </a:ext>
             </a:extLst>
           </p:cNvPr>
@@ -9340,8 +9263,8 @@
         </p:nvCxnSpPr>
         <p:spPr>
           <a:xfrm>
-            <a:off x="3059832" y="867700"/>
-            <a:ext cx="5832648" cy="0"/>
+            <a:off x="2843808" y="853278"/>
+            <a:ext cx="6048672" cy="14422"/>
           </a:xfrm>
           <a:prstGeom prst="line">
             <a:avLst/>
@@ -9450,7 +9373,7 @@
           <p:cNvPr id="2" name="Номер слайда 1">
             <a:extLst>
               <a:ext uri="{FF2B5EF4-FFF2-40B4-BE49-F238E27FC236}">
-                <a16:creationId xmlns="" xmlns:a16="http://schemas.microsoft.com/office/drawing/2014/main" id="{43DE384C-E41B-4854-8084-48017AD96984}"/>
+                <a16:creationId xmlns:a16="http://schemas.microsoft.com/office/drawing/2014/main" xmlns="" id="{43DE384C-E41B-4854-8084-48017AD96984}"/>
               </a:ext>
             </a:extLst>
           </p:cNvPr>
@@ -9480,7 +9403,7 @@
           <p:cNvPr id="18" name="Прямоугольник 17">
             <a:extLst>
               <a:ext uri="{FF2B5EF4-FFF2-40B4-BE49-F238E27FC236}">
-                <a16:creationId xmlns="" xmlns:a16="http://schemas.microsoft.com/office/drawing/2014/main" id="{17ED5078-1A16-4CC1-B020-23E9979FB77D}"/>
+                <a16:creationId xmlns:a16="http://schemas.microsoft.com/office/drawing/2014/main" xmlns="" id="{17ED5078-1A16-4CC1-B020-23E9979FB77D}"/>
               </a:ext>
             </a:extLst>
           </p:cNvPr>
@@ -9489,7 +9412,7 @@
         </p:nvSpPr>
         <p:spPr>
           <a:xfrm>
-            <a:off x="3203848" y="299798"/>
+            <a:off x="2843808" y="299797"/>
             <a:ext cx="6110664" cy="461665"/>
           </a:xfrm>
           <a:prstGeom prst="rect">
@@ -9503,35 +9426,22 @@
           <a:lstStyle/>
           <a:p>
             <a:r>
-              <a:rPr lang="ru-RU" sz="2400" b="1" dirty="0">
+              <a:rPr lang="ru-RU" sz="2400" b="1" dirty="0" smtClean="0">
                 <a:solidFill>
                   <a:schemeClr val="tx2"/>
                 </a:solidFill>
                 <a:latin typeface="Verdana" panose="020B0604030504040204" pitchFamily="34" charset="0"/>
                 <a:ea typeface="Verdana" panose="020B0604030504040204" pitchFamily="34" charset="0"/>
               </a:rPr>
-              <a:t>Отсылка команд по </a:t>
-            </a:r>
-            <a:r>
-              <a:rPr lang="en-US" sz="2400" b="1" dirty="0">
-                <a:solidFill>
-                  <a:schemeClr val="tx2"/>
-                </a:solidFill>
-                <a:latin typeface="Verdana" panose="020B0604030504040204" pitchFamily="34" charset="0"/>
-                <a:ea typeface="Verdana" panose="020B0604030504040204" pitchFamily="34" charset="0"/>
-              </a:rPr>
-              <a:t>TCP/IP</a:t>
-            </a:r>
-            <a:r>
-              <a:rPr lang="ru-RU" sz="2400" b="1" dirty="0" smtClean="0">
-                <a:solidFill>
-                  <a:schemeClr val="tx2"/>
-                </a:solidFill>
-                <a:latin typeface="Verdana" panose="020B0604030504040204" pitchFamily="34" charset="0"/>
-                <a:ea typeface="Verdana" panose="020B0604030504040204" pitchFamily="34" charset="0"/>
-              </a:rPr>
-              <a:t>.</a:t>
-            </a:r>
+              <a:t>Диаграмма последовательностей</a:t>
+            </a:r>
+            <a:endParaRPr lang="ru-RU" sz="2400" b="1" dirty="0" smtClean="0">
+              <a:solidFill>
+                <a:schemeClr val="tx2"/>
+              </a:solidFill>
+              <a:latin typeface="Verdana" panose="020B0604030504040204" pitchFamily="34" charset="0"/>
+              <a:ea typeface="Verdana" panose="020B0604030504040204" pitchFamily="34" charset="0"/>
+            </a:endParaRPr>
           </a:p>
         </p:txBody>
       </p:sp>
@@ -9540,7 +9450,7 @@
           <p:cNvPr id="15" name="Группа 14">
             <a:extLst>
               <a:ext uri="{FF2B5EF4-FFF2-40B4-BE49-F238E27FC236}">
-                <a16:creationId xmlns="" xmlns:a16="http://schemas.microsoft.com/office/drawing/2014/main" id="{6575EFC2-4173-4EA6-B485-93088510E72A}"/>
+                <a16:creationId xmlns:a16="http://schemas.microsoft.com/office/drawing/2014/main" xmlns="" id="{6575EFC2-4173-4EA6-B485-93088510E72A}"/>
               </a:ext>
             </a:extLst>
           </p:cNvPr>
@@ -9560,7 +9470,7 @@
             <p:cNvPr id="16" name="Прямоугольник 15">
               <a:extLst>
                 <a:ext uri="{FF2B5EF4-FFF2-40B4-BE49-F238E27FC236}">
-                  <a16:creationId xmlns="" xmlns:a16="http://schemas.microsoft.com/office/drawing/2014/main" id="{6BBC07C5-B804-4064-8143-D83CCBF32835}"/>
+                  <a16:creationId xmlns:a16="http://schemas.microsoft.com/office/drawing/2014/main" xmlns="" id="{6BBC07C5-B804-4064-8143-D83CCBF32835}"/>
                 </a:ext>
               </a:extLst>
             </p:cNvPr>
@@ -9614,7 +9524,7 @@
             <p:cNvPr id="17" name="Прямоугольник 16">
               <a:extLst>
                 <a:ext uri="{FF2B5EF4-FFF2-40B4-BE49-F238E27FC236}">
-                  <a16:creationId xmlns="" xmlns:a16="http://schemas.microsoft.com/office/drawing/2014/main" id="{BF5FBA8C-5D5E-4154-9D1A-10FC8C272D7B}"/>
+                  <a16:creationId xmlns:a16="http://schemas.microsoft.com/office/drawing/2014/main" xmlns="" id="{BF5FBA8C-5D5E-4154-9D1A-10FC8C272D7B}"/>
                 </a:ext>
               </a:extLst>
             </p:cNvPr>
@@ -9668,7 +9578,7 @@
             <p:cNvPr id="19" name="Прямоугольник 18">
               <a:extLst>
                 <a:ext uri="{FF2B5EF4-FFF2-40B4-BE49-F238E27FC236}">
-                  <a16:creationId xmlns="" xmlns:a16="http://schemas.microsoft.com/office/drawing/2014/main" id="{51674972-3D66-43FF-A4C1-1DCB781AA27C}"/>
+                  <a16:creationId xmlns:a16="http://schemas.microsoft.com/office/drawing/2014/main" xmlns="" id="{51674972-3D66-43FF-A4C1-1DCB781AA27C}"/>
                 </a:ext>
               </a:extLst>
             </p:cNvPr>
@@ -9726,7 +9636,7 @@
             <p:cNvPr id="20" name="TextBox 19">
               <a:extLst>
                 <a:ext uri="{FF2B5EF4-FFF2-40B4-BE49-F238E27FC236}">
-                  <a16:creationId xmlns="" xmlns:a16="http://schemas.microsoft.com/office/drawing/2014/main" id="{46C193FD-CCCC-45B1-9BEA-DCBCF188264E}"/>
+                  <a16:creationId xmlns:a16="http://schemas.microsoft.com/office/drawing/2014/main" xmlns="" id="{46C193FD-CCCC-45B1-9BEA-DCBCF188264E}"/>
                 </a:ext>
               </a:extLst>
             </p:cNvPr>
@@ -9778,7 +9688,7 @@
             <p:cNvPr id="21" name="Прямоугольник 20">
               <a:extLst>
                 <a:ext uri="{FF2B5EF4-FFF2-40B4-BE49-F238E27FC236}">
-                  <a16:creationId xmlns="" xmlns:a16="http://schemas.microsoft.com/office/drawing/2014/main" id="{29C72257-1E49-41B2-8E28-718FC11F9DEB}"/>
+                  <a16:creationId xmlns:a16="http://schemas.microsoft.com/office/drawing/2014/main" xmlns="" id="{29C72257-1E49-41B2-8E28-718FC11F9DEB}"/>
                 </a:ext>
               </a:extLst>
             </p:cNvPr>
@@ -9834,7 +9744,7 @@
         <p:spPr>
           <a:xfrm>
             <a:off x="4355976" y="1563638"/>
-            <a:ext cx="2592288" cy="553998"/>
+            <a:ext cx="2592288" cy="784830"/>
           </a:xfrm>
           <a:prstGeom prst="rect">
             <a:avLst/>
@@ -9848,90 +9758,36 @@
           <a:lstStyle/>
           <a:p>
             <a:r>
-              <a:rPr lang="ru-RU" dirty="0" smtClean="0"/>
-              <a:t>Диаграмма последовательностей</a:t>
-            </a:r>
-            <a:endParaRPr lang="ru-RU" dirty="0"/>
-          </a:p>
-        </p:txBody>
-      </p:sp>
-      <p:sp>
-        <p:nvSpPr>
-          <p:cNvPr id="4" name="Улыбающееся лицо 3"/>
-          <p:cNvSpPr/>
-          <p:nvPr/>
-        </p:nvSpPr>
-        <p:spPr>
-          <a:xfrm>
-            <a:off x="6171381" y="2355726"/>
-            <a:ext cx="2304256" cy="2139702"/>
-          </a:xfrm>
-          <a:prstGeom prst="smileyFace">
-            <a:avLst/>
-          </a:prstGeom>
-        </p:spPr>
-        <p:style>
-          <a:lnRef idx="2">
-            <a:schemeClr val="accent1">
-              <a:shade val="50000"/>
-            </a:schemeClr>
-          </a:lnRef>
-          <a:fillRef idx="1">
-            <a:schemeClr val="accent1"/>
-          </a:fillRef>
-          <a:effectRef idx="0">
-            <a:schemeClr val="accent1"/>
-          </a:effectRef>
-          <a:fontRef idx="minor">
-            <a:schemeClr val="lt1"/>
-          </a:fontRef>
-        </p:style>
-        <p:txBody>
-          <a:bodyPr rtlCol="0" anchor="ctr"/>
-          <a:lstStyle/>
-          <a:p>
-            <a:pPr algn="ctr"/>
-            <a:endParaRPr lang="ru-RU"/>
-          </a:p>
-        </p:txBody>
-      </p:sp>
-      <p:sp>
-        <p:nvSpPr>
-          <p:cNvPr id="5" name="Улыбающееся лицо 4"/>
-          <p:cNvSpPr/>
-          <p:nvPr/>
-        </p:nvSpPr>
-        <p:spPr>
-          <a:xfrm>
-            <a:off x="1080000" y="3093840"/>
-            <a:ext cx="1763808" cy="1854174"/>
-          </a:xfrm>
-          <a:prstGeom prst="smileyFace">
-            <a:avLst/>
-          </a:prstGeom>
-        </p:spPr>
-        <p:style>
-          <a:lnRef idx="2">
-            <a:schemeClr val="accent1">
-              <a:shade val="50000"/>
-            </a:schemeClr>
-          </a:lnRef>
-          <a:fillRef idx="1">
-            <a:schemeClr val="accent1"/>
-          </a:fillRef>
-          <a:effectRef idx="0">
-            <a:schemeClr val="accent1"/>
-          </a:effectRef>
-          <a:fontRef idx="minor">
-            <a:schemeClr val="lt1"/>
-          </a:fontRef>
-        </p:style>
-        <p:txBody>
-          <a:bodyPr rtlCol="0" anchor="ctr"/>
-          <a:lstStyle/>
-          <a:p>
-            <a:pPr algn="ctr"/>
-            <a:endParaRPr lang="ru-RU"/>
+              <a:rPr lang="ru-RU" dirty="0" smtClean="0">
+                <a:solidFill>
+                  <a:srgbClr val="FF0000"/>
+                </a:solidFill>
+              </a:rPr>
+              <a:t>Диаграмма </a:t>
+            </a:r>
+            <a:r>
+              <a:rPr lang="ru-RU" dirty="0" smtClean="0">
+                <a:solidFill>
+                  <a:srgbClr val="FF0000"/>
+                </a:solidFill>
+              </a:rPr>
+              <a:t>последовательностей</a:t>
+            </a:r>
+          </a:p>
+          <a:p>
+            <a:r>
+              <a:rPr lang="ru-RU" dirty="0" smtClean="0">
+                <a:solidFill>
+                  <a:srgbClr val="FF0000"/>
+                </a:solidFill>
+              </a:rPr>
+              <a:t>Слова</a:t>
+            </a:r>
+            <a:endParaRPr lang="ru-RU" dirty="0">
+              <a:solidFill>
+                <a:srgbClr val="FF0000"/>
+              </a:solidFill>
+            </a:endParaRPr>
           </a:p>
         </p:txBody>
       </p:sp>
@@ -9970,7 +9826,7 @@
           <p:cNvPr id="45" name="Прямоугольник 44">
             <a:extLst>
               <a:ext uri="{FF2B5EF4-FFF2-40B4-BE49-F238E27FC236}">
-                <a16:creationId xmlns="" xmlns:a16="http://schemas.microsoft.com/office/drawing/2014/main" id="{F844FAD0-BFD3-42F8-8444-0D4247E6F864}"/>
+                <a16:creationId xmlns:a16="http://schemas.microsoft.com/office/drawing/2014/main" xmlns="" id="{F844FAD0-BFD3-42F8-8444-0D4247E6F864}"/>
               </a:ext>
             </a:extLst>
           </p:cNvPr>
@@ -10106,7 +9962,7 @@
           <p:cNvPr id="2" name="Номер слайда 1">
             <a:extLst>
               <a:ext uri="{FF2B5EF4-FFF2-40B4-BE49-F238E27FC236}">
-                <a16:creationId xmlns="" xmlns:a16="http://schemas.microsoft.com/office/drawing/2014/main" id="{E337A08D-3A8E-4E89-BC69-A001F02E6E0C}"/>
+                <a16:creationId xmlns:a16="http://schemas.microsoft.com/office/drawing/2014/main" xmlns="" id="{E337A08D-3A8E-4E89-BC69-A001F02E6E0C}"/>
               </a:ext>
             </a:extLst>
           </p:cNvPr>
@@ -10136,7 +9992,7 @@
           <p:cNvPr id="8" name="Прямая соединительная линия 7">
             <a:extLst>
               <a:ext uri="{FF2B5EF4-FFF2-40B4-BE49-F238E27FC236}">
-                <a16:creationId xmlns="" xmlns:a16="http://schemas.microsoft.com/office/drawing/2014/main" id="{8CE828DF-A9C3-4B2E-BB9A-236C9E8131AE}"/>
+                <a16:creationId xmlns:a16="http://schemas.microsoft.com/office/drawing/2014/main" xmlns="" id="{8CE828DF-A9C3-4B2E-BB9A-236C9E8131AE}"/>
               </a:ext>
             </a:extLst>
           </p:cNvPr>
@@ -10179,7 +10035,7 @@
           <p:cNvPr id="9" name="Прямоугольник 8">
             <a:extLst>
               <a:ext uri="{FF2B5EF4-FFF2-40B4-BE49-F238E27FC236}">
-                <a16:creationId xmlns="" xmlns:a16="http://schemas.microsoft.com/office/drawing/2014/main" id="{1986159B-90C6-4663-8A8F-0AB613A5E9A9}"/>
+                <a16:creationId xmlns:a16="http://schemas.microsoft.com/office/drawing/2014/main" xmlns="" id="{1986159B-90C6-4663-8A8F-0AB613A5E9A9}"/>
               </a:ext>
             </a:extLst>
           </p:cNvPr>
@@ -10290,7 +10146,7 @@
           <p:cNvPr id="3" name="Объект 2">
             <a:extLst>
               <a:ext uri="{FF2B5EF4-FFF2-40B4-BE49-F238E27FC236}">
-                <a16:creationId xmlns="" xmlns:a16="http://schemas.microsoft.com/office/drawing/2014/main" id="{807A1DB7-1B94-4C8E-9E43-F2737C3A6C6E}"/>
+                <a16:creationId xmlns:a16="http://schemas.microsoft.com/office/drawing/2014/main" xmlns="" id="{807A1DB7-1B94-4C8E-9E43-F2737C3A6C6E}"/>
               </a:ext>
             </a:extLst>
           </p:cNvPr>
@@ -10318,21 +10174,36 @@
             </a:pPr>
             <a:r>
               <a:rPr lang="ru-RU" sz="1600" dirty="0" smtClean="0"/>
-              <a:t>В ходе работы получен п</a:t>
-            </a:r>
-            <a:r>
-              <a:rPr lang="ru-RU" sz="1600" dirty="0" smtClean="0"/>
-              <a:t>рототип </a:t>
-            </a:r>
-            <a:r>
-              <a:rPr lang="ru-RU" sz="1600" dirty="0" smtClean="0"/>
-              <a:t>защищенной </a:t>
+              <a:t>В ходе работы получен прототип защищенной </a:t>
             </a:r>
             <a:r>
               <a:rPr lang="ru-RU" sz="1600" dirty="0" smtClean="0"/>
               <a:t>системы</a:t>
             </a:r>
-            <a:endParaRPr lang="ru-RU" sz="1600" dirty="0" smtClean="0"/>
+          </a:p>
+          <a:p>
+            <a:pPr marL="0" indent="0">
+              <a:buNone/>
+            </a:pPr>
+            <a:endParaRPr lang="ru-RU" sz="1600" dirty="0"/>
+          </a:p>
+          <a:p>
+            <a:pPr marL="0" indent="0">
+              <a:buNone/>
+            </a:pPr>
+            <a:r>
+              <a:rPr lang="ru-RU" sz="1600" dirty="0" smtClean="0">
+                <a:solidFill>
+                  <a:srgbClr val="FF0000"/>
+                </a:solidFill>
+              </a:rPr>
+              <a:t>Текст, заголовок, слова</a:t>
+            </a:r>
+            <a:endParaRPr lang="ru-RU" sz="1600" dirty="0" smtClean="0">
+              <a:solidFill>
+                <a:srgbClr val="FF0000"/>
+              </a:solidFill>
+            </a:endParaRPr>
           </a:p>
         </p:txBody>
       </p:sp>
@@ -10341,7 +10212,7 @@
           <p:cNvPr id="4" name="Номер слайда 3">
             <a:extLst>
               <a:ext uri="{FF2B5EF4-FFF2-40B4-BE49-F238E27FC236}">
-                <a16:creationId xmlns="" xmlns:a16="http://schemas.microsoft.com/office/drawing/2014/main" id="{407E3DFD-05CC-48DB-9081-F8A9F136813E}"/>
+                <a16:creationId xmlns:a16="http://schemas.microsoft.com/office/drawing/2014/main" xmlns="" id="{407E3DFD-05CC-48DB-9081-F8A9F136813E}"/>
               </a:ext>
             </a:extLst>
           </p:cNvPr>
@@ -10371,7 +10242,7 @@
           <p:cNvPr id="5" name="Прямоугольник 4">
             <a:extLst>
               <a:ext uri="{FF2B5EF4-FFF2-40B4-BE49-F238E27FC236}">
-                <a16:creationId xmlns="" xmlns:a16="http://schemas.microsoft.com/office/drawing/2014/main" id="{910DF3EC-1F25-4526-9FE7-8BC70A8DF0C5}"/>
+                <a16:creationId xmlns:a16="http://schemas.microsoft.com/office/drawing/2014/main" xmlns="" id="{910DF3EC-1F25-4526-9FE7-8BC70A8DF0C5}"/>
               </a:ext>
             </a:extLst>
           </p:cNvPr>
@@ -10429,7 +10300,7 @@
           <p:cNvPr id="6" name="Прямая соединительная линия 5">
             <a:extLst>
               <a:ext uri="{FF2B5EF4-FFF2-40B4-BE49-F238E27FC236}">
-                <a16:creationId xmlns="" xmlns:a16="http://schemas.microsoft.com/office/drawing/2014/main" id="{2467A97C-B77F-44C8-A41B-AB2EE2D11DE3}"/>
+                <a16:creationId xmlns:a16="http://schemas.microsoft.com/office/drawing/2014/main" xmlns="" id="{2467A97C-B77F-44C8-A41B-AB2EE2D11DE3}"/>
               </a:ext>
             </a:extLst>
           </p:cNvPr>
@@ -10472,7 +10343,7 @@
           <p:cNvPr id="8" name="Прямоугольник 7">
             <a:extLst>
               <a:ext uri="{FF2B5EF4-FFF2-40B4-BE49-F238E27FC236}">
-                <a16:creationId xmlns="" xmlns:a16="http://schemas.microsoft.com/office/drawing/2014/main" id="{8CF585ED-3269-46F3-8B9F-D294E6449231}"/>
+                <a16:creationId xmlns:a16="http://schemas.microsoft.com/office/drawing/2014/main" xmlns="" id="{8CF585ED-3269-46F3-8B9F-D294E6449231}"/>
               </a:ext>
             </a:extLst>
           </p:cNvPr>
@@ -10512,7 +10383,7 @@
           <p:cNvPr id="7" name="Группа 6">
             <a:extLst>
               <a:ext uri="{FF2B5EF4-FFF2-40B4-BE49-F238E27FC236}">
-                <a16:creationId xmlns="" xmlns:a16="http://schemas.microsoft.com/office/drawing/2014/main" id="{139A77F8-7D49-45A1-9214-19DF6CAEDB87}"/>
+                <a16:creationId xmlns:a16="http://schemas.microsoft.com/office/drawing/2014/main" xmlns="" id="{139A77F8-7D49-45A1-9214-19DF6CAEDB87}"/>
               </a:ext>
             </a:extLst>
           </p:cNvPr>
@@ -10532,7 +10403,7 @@
             <p:cNvPr id="9" name="Прямоугольник 8">
               <a:extLst>
                 <a:ext uri="{FF2B5EF4-FFF2-40B4-BE49-F238E27FC236}">
-                  <a16:creationId xmlns="" xmlns:a16="http://schemas.microsoft.com/office/drawing/2014/main" id="{C1AF4255-9B0F-4619-888B-C211218E49FF}"/>
+                  <a16:creationId xmlns:a16="http://schemas.microsoft.com/office/drawing/2014/main" xmlns="" id="{C1AF4255-9B0F-4619-888B-C211218E49FF}"/>
                 </a:ext>
               </a:extLst>
             </p:cNvPr>
@@ -10586,7 +10457,7 @@
             <p:cNvPr id="10" name="Прямоугольник 9">
               <a:extLst>
                 <a:ext uri="{FF2B5EF4-FFF2-40B4-BE49-F238E27FC236}">
-                  <a16:creationId xmlns="" xmlns:a16="http://schemas.microsoft.com/office/drawing/2014/main" id="{A568F858-4223-42C7-92C9-58140347FD14}"/>
+                  <a16:creationId xmlns:a16="http://schemas.microsoft.com/office/drawing/2014/main" xmlns="" id="{A568F858-4223-42C7-92C9-58140347FD14}"/>
                 </a:ext>
               </a:extLst>
             </p:cNvPr>
@@ -10640,7 +10511,7 @@
             <p:cNvPr id="11" name="Прямоугольник 10">
               <a:extLst>
                 <a:ext uri="{FF2B5EF4-FFF2-40B4-BE49-F238E27FC236}">
-                  <a16:creationId xmlns="" xmlns:a16="http://schemas.microsoft.com/office/drawing/2014/main" id="{5B70D515-762B-4243-8DAB-E4E82DC6B17A}"/>
+                  <a16:creationId xmlns:a16="http://schemas.microsoft.com/office/drawing/2014/main" xmlns="" id="{5B70D515-762B-4243-8DAB-E4E82DC6B17A}"/>
                 </a:ext>
               </a:extLst>
             </p:cNvPr>
@@ -10698,7 +10569,7 @@
             <p:cNvPr id="12" name="TextBox 11">
               <a:extLst>
                 <a:ext uri="{FF2B5EF4-FFF2-40B4-BE49-F238E27FC236}">
-                  <a16:creationId xmlns="" xmlns:a16="http://schemas.microsoft.com/office/drawing/2014/main" id="{27C751DA-DBF5-4BF2-AD38-619676BDF720}"/>
+                  <a16:creationId xmlns:a16="http://schemas.microsoft.com/office/drawing/2014/main" xmlns="" id="{27C751DA-DBF5-4BF2-AD38-619676BDF720}"/>
                 </a:ext>
               </a:extLst>
             </p:cNvPr>
@@ -10750,7 +10621,7 @@
             <p:cNvPr id="13" name="Прямоугольник 12">
               <a:extLst>
                 <a:ext uri="{FF2B5EF4-FFF2-40B4-BE49-F238E27FC236}">
-                  <a16:creationId xmlns="" xmlns:a16="http://schemas.microsoft.com/office/drawing/2014/main" id="{2107D053-F587-41CE-AC4A-9D7FEBF094D1}"/>
+                  <a16:creationId xmlns:a16="http://schemas.microsoft.com/office/drawing/2014/main" xmlns="" id="{2107D053-F587-41CE-AC4A-9D7FEBF094D1}"/>
                 </a:ext>
               </a:extLst>
             </p:cNvPr>
@@ -10802,7 +10673,7 @@
           <p:cNvPr id="14" name="Прямоугольник 13">
             <a:extLst>
               <a:ext uri="{FF2B5EF4-FFF2-40B4-BE49-F238E27FC236}">
-                <a16:creationId xmlns="" xmlns:a16="http://schemas.microsoft.com/office/drawing/2014/main" id="{E5033180-5409-4181-81CC-03960C2AD567}"/>
+                <a16:creationId xmlns:a16="http://schemas.microsoft.com/office/drawing/2014/main" xmlns="" id="{E5033180-5409-4181-81CC-03960C2AD567}"/>
               </a:ext>
             </a:extLst>
           </p:cNvPr>
@@ -10847,86 +10718,6 @@
               <a:latin typeface="Verdana" panose="020B0604030504040204" pitchFamily="34" charset="0"/>
               <a:ea typeface="Verdana" panose="020B0604030504040204" pitchFamily="34" charset="0"/>
             </a:endParaRPr>
-          </a:p>
-        </p:txBody>
-      </p:sp>
-      <p:sp>
-        <p:nvSpPr>
-          <p:cNvPr id="2" name="Улыбающееся лицо 1"/>
-          <p:cNvSpPr/>
-          <p:nvPr/>
-        </p:nvSpPr>
-        <p:spPr>
-          <a:xfrm>
-            <a:off x="5652120" y="2427734"/>
-            <a:ext cx="2664296" cy="2592288"/>
-          </a:xfrm>
-          <a:prstGeom prst="smileyFace">
-            <a:avLst/>
-          </a:prstGeom>
-        </p:spPr>
-        <p:style>
-          <a:lnRef idx="2">
-            <a:schemeClr val="accent1">
-              <a:shade val="50000"/>
-            </a:schemeClr>
-          </a:lnRef>
-          <a:fillRef idx="1">
-            <a:schemeClr val="accent1"/>
-          </a:fillRef>
-          <a:effectRef idx="0">
-            <a:schemeClr val="accent1"/>
-          </a:effectRef>
-          <a:fontRef idx="minor">
-            <a:schemeClr val="lt1"/>
-          </a:fontRef>
-        </p:style>
-        <p:txBody>
-          <a:bodyPr rtlCol="0" anchor="ctr"/>
-          <a:lstStyle/>
-          <a:p>
-            <a:pPr algn="ctr"/>
-            <a:endParaRPr lang="ru-RU"/>
-          </a:p>
-        </p:txBody>
-      </p:sp>
-      <p:sp>
-        <p:nvSpPr>
-          <p:cNvPr id="15" name="Улыбающееся лицо 14"/>
-          <p:cNvSpPr/>
-          <p:nvPr/>
-        </p:nvSpPr>
-        <p:spPr>
-          <a:xfrm>
-            <a:off x="1187624" y="3507854"/>
-            <a:ext cx="1512168" cy="1512168"/>
-          </a:xfrm>
-          <a:prstGeom prst="smileyFace">
-            <a:avLst/>
-          </a:prstGeom>
-        </p:spPr>
-        <p:style>
-          <a:lnRef idx="2">
-            <a:schemeClr val="accent1">
-              <a:shade val="50000"/>
-            </a:schemeClr>
-          </a:lnRef>
-          <a:fillRef idx="1">
-            <a:schemeClr val="accent1"/>
-          </a:fillRef>
-          <a:effectRef idx="0">
-            <a:schemeClr val="accent1"/>
-          </a:effectRef>
-          <a:fontRef idx="minor">
-            <a:schemeClr val="lt1"/>
-          </a:fontRef>
-        </p:style>
-        <p:txBody>
-          <a:bodyPr rtlCol="0" anchor="ctr"/>
-          <a:lstStyle/>
-          <a:p>
-            <a:pPr algn="ctr"/>
-            <a:endParaRPr lang="ru-RU"/>
           </a:p>
         </p:txBody>
       </p:sp>

--- a/doc/Presentation.pptx
+++ b/doc/Presentation.pptx
@@ -4975,23 +4975,23 @@
                   <a:srgbClr val="FF0000"/>
                 </a:solidFill>
               </a:rPr>
-              <a:t> (?), </a:t>
-            </a:r>
-            <a:r>
-              <a:rPr lang="ru-RU" sz="1600" smtClean="0">
+              <a:t> (?)</a:t>
+            </a:r>
+            <a:r>
+              <a:rPr lang="ru-RU" sz="1600" dirty="0" smtClean="0">
                 <a:solidFill>
                   <a:srgbClr val="FF0000"/>
                 </a:solidFill>
               </a:rPr>
-              <a:t>Заголовок, Схема </a:t>
-            </a:r>
-            <a:r>
-              <a:rPr lang="ru-RU" sz="1600" dirty="0" smtClean="0">
+              <a:t>, Схема (!), Заголовок изменить(</a:t>
+            </a:r>
+            <a:r>
+              <a:rPr lang="en-US" sz="1600" dirty="0" smtClean="0">
                 <a:solidFill>
                   <a:srgbClr val="FF0000"/>
                 </a:solidFill>
               </a:rPr>
-              <a:t>(!)</a:t>
+              <a:t>?)</a:t>
             </a:r>
             <a:endParaRPr lang="ru-RU" sz="1600" dirty="0">
               <a:solidFill>
@@ -5167,17 +5167,7 @@
                 <a:latin typeface="Verdana" panose="020B0604030504040204" pitchFamily="34" charset="0"/>
                 <a:ea typeface="Verdana" panose="020B0604030504040204" pitchFamily="34" charset="0"/>
               </a:rPr>
-              <a:t>Потенциал (</a:t>
-            </a:r>
-            <a:r>
-              <a:rPr lang="en-US" sz="2400" b="1" dirty="0" smtClean="0">
-                <a:solidFill>
-                  <a:schemeClr val="tx2"/>
-                </a:solidFill>
-                <a:latin typeface="Verdana" panose="020B0604030504040204" pitchFamily="34" charset="0"/>
-                <a:ea typeface="Verdana" panose="020B0604030504040204" pitchFamily="34" charset="0"/>
-              </a:rPr>
-              <a:t>?)</a:t>
+              <a:t>Дальнейшие возможности</a:t>
             </a:r>
             <a:endParaRPr lang="ru-RU" sz="2400" b="1" dirty="0">
               <a:solidFill>
@@ -5413,7 +5403,7 @@
                   <a:latin typeface="Verdana" panose="020B0604030504040204" pitchFamily="34" charset="0"/>
                   <a:ea typeface="Verdana" panose="020B0604030504040204" pitchFamily="34" charset="0"/>
                 </a:rPr>
-                <a:t>Перспектива</a:t>
+                <a:t>Имитация</a:t>
               </a:r>
               <a:endParaRPr lang="x-none" sz="1600" b="1" dirty="0">
                 <a:solidFill>
@@ -9204,7 +9194,7 @@
         <p:spPr bwMode="auto">
           <a:xfrm>
             <a:off x="0" y="0"/>
-            <a:ext cx="2160000" cy="5143500"/>
+            <a:ext cx="1080000" cy="5143500"/>
           </a:xfrm>
           <a:prstGeom prst="rect">
             <a:avLst/>
@@ -9445,296 +9435,6 @@
           </a:p>
         </p:txBody>
       </p:sp>
-      <p:grpSp>
-        <p:nvGrpSpPr>
-          <p:cNvPr id="15" name="Группа 14">
-            <a:extLst>
-              <a:ext uri="{FF2B5EF4-FFF2-40B4-BE49-F238E27FC236}">
-                <a16:creationId xmlns:a16="http://schemas.microsoft.com/office/drawing/2014/main" xmlns="" id="{6575EFC2-4173-4EA6-B485-93088510E72A}"/>
-              </a:ext>
-            </a:extLst>
-          </p:cNvPr>
-          <p:cNvGrpSpPr/>
-          <p:nvPr/>
-        </p:nvGrpSpPr>
-        <p:grpSpPr>
-          <a:xfrm>
-            <a:off x="132856" y="853278"/>
-            <a:ext cx="1963049" cy="2240562"/>
-            <a:chOff x="174072" y="37682"/>
-            <a:chExt cx="1963049" cy="2240562"/>
-          </a:xfrm>
-        </p:grpSpPr>
-        <p:sp>
-          <p:nvSpPr>
-            <p:cNvPr id="16" name="Прямоугольник 15">
-              <a:extLst>
-                <a:ext uri="{FF2B5EF4-FFF2-40B4-BE49-F238E27FC236}">
-                  <a16:creationId xmlns:a16="http://schemas.microsoft.com/office/drawing/2014/main" xmlns="" id="{6BBC07C5-B804-4064-8143-D83CCBF32835}"/>
-                </a:ext>
-              </a:extLst>
-            </p:cNvPr>
-            <p:cNvSpPr/>
-            <p:nvPr/>
-          </p:nvSpPr>
-          <p:spPr>
-            <a:xfrm>
-              <a:off x="182776" y="176182"/>
-              <a:ext cx="307777" cy="307777"/>
-            </a:xfrm>
-            <a:prstGeom prst="rect">
-              <a:avLst/>
-            </a:prstGeom>
-            <a:solidFill>
-              <a:schemeClr val="bg1">
-                <a:lumMod val="95000"/>
-              </a:schemeClr>
-            </a:solidFill>
-            <a:ln>
-              <a:noFill/>
-            </a:ln>
-          </p:spPr>
-          <p:style>
-            <a:lnRef idx="2">
-              <a:schemeClr val="accent1">
-                <a:shade val="50000"/>
-              </a:schemeClr>
-            </a:lnRef>
-            <a:fillRef idx="1">
-              <a:schemeClr val="accent1"/>
-            </a:fillRef>
-            <a:effectRef idx="0">
-              <a:schemeClr val="accent1"/>
-            </a:effectRef>
-            <a:fontRef idx="minor">
-              <a:schemeClr val="lt1"/>
-            </a:fontRef>
-          </p:style>
-          <p:txBody>
-            <a:bodyPr rtlCol="0" anchor="ctr"/>
-            <a:lstStyle/>
-            <a:p>
-              <a:pPr algn="ctr"/>
-              <a:endParaRPr lang="ru-RU" dirty="0"/>
-            </a:p>
-          </p:txBody>
-        </p:sp>
-        <p:sp>
-          <p:nvSpPr>
-            <p:cNvPr id="17" name="Прямоугольник 16">
-              <a:extLst>
-                <a:ext uri="{FF2B5EF4-FFF2-40B4-BE49-F238E27FC236}">
-                  <a16:creationId xmlns:a16="http://schemas.microsoft.com/office/drawing/2014/main" xmlns="" id="{BF5FBA8C-5D5E-4154-9D1A-10FC8C272D7B}"/>
-                </a:ext>
-              </a:extLst>
-            </p:cNvPr>
-            <p:cNvSpPr/>
-            <p:nvPr/>
-          </p:nvSpPr>
-          <p:spPr>
-            <a:xfrm>
-              <a:off x="174072" y="1970467"/>
-              <a:ext cx="307777" cy="307777"/>
-            </a:xfrm>
-            <a:prstGeom prst="rect">
-              <a:avLst/>
-            </a:prstGeom>
-            <a:solidFill>
-              <a:schemeClr val="bg1">
-                <a:lumMod val="95000"/>
-              </a:schemeClr>
-            </a:solidFill>
-            <a:ln>
-              <a:noFill/>
-            </a:ln>
-          </p:spPr>
-          <p:style>
-            <a:lnRef idx="2">
-              <a:schemeClr val="accent1">
-                <a:shade val="50000"/>
-              </a:schemeClr>
-            </a:lnRef>
-            <a:fillRef idx="1">
-              <a:schemeClr val="accent1"/>
-            </a:fillRef>
-            <a:effectRef idx="0">
-              <a:schemeClr val="accent1"/>
-            </a:effectRef>
-            <a:fontRef idx="minor">
-              <a:schemeClr val="lt1"/>
-            </a:fontRef>
-          </p:style>
-          <p:txBody>
-            <a:bodyPr rtlCol="0" anchor="ctr"/>
-            <a:lstStyle/>
-            <a:p>
-              <a:pPr algn="ctr"/>
-              <a:endParaRPr lang="ru-RU"/>
-            </a:p>
-          </p:txBody>
-        </p:sp>
-        <p:sp>
-          <p:nvSpPr>
-            <p:cNvPr id="19" name="Прямоугольник 18">
-              <a:extLst>
-                <a:ext uri="{FF2B5EF4-FFF2-40B4-BE49-F238E27FC236}">
-                  <a16:creationId xmlns:a16="http://schemas.microsoft.com/office/drawing/2014/main" xmlns="" id="{51674972-3D66-43FF-A4C1-1DCB781AA27C}"/>
-                </a:ext>
-              </a:extLst>
-            </p:cNvPr>
-            <p:cNvSpPr/>
-            <p:nvPr/>
-          </p:nvSpPr>
-          <p:spPr>
-            <a:xfrm>
-              <a:off x="174073" y="1053890"/>
-              <a:ext cx="307777" cy="307777"/>
-            </a:xfrm>
-            <a:prstGeom prst="rect">
-              <a:avLst/>
-            </a:prstGeom>
-            <a:solidFill>
-              <a:schemeClr val="bg1">
-                <a:lumMod val="95000"/>
-              </a:schemeClr>
-            </a:solidFill>
-            <a:ln>
-              <a:noFill/>
-            </a:ln>
-          </p:spPr>
-          <p:style>
-            <a:lnRef idx="2">
-              <a:schemeClr val="accent1">
-                <a:shade val="50000"/>
-              </a:schemeClr>
-            </a:lnRef>
-            <a:fillRef idx="1">
-              <a:schemeClr val="accent1"/>
-            </a:fillRef>
-            <a:effectRef idx="0">
-              <a:schemeClr val="accent1"/>
-            </a:effectRef>
-            <a:fontRef idx="minor">
-              <a:schemeClr val="lt1"/>
-            </a:fontRef>
-          </p:style>
-          <p:txBody>
-            <a:bodyPr rtlCol="0" anchor="ctr"/>
-            <a:lstStyle/>
-            <a:p>
-              <a:pPr algn="ctr"/>
-              <a:endParaRPr lang="ru-RU">
-                <a:solidFill>
-                  <a:srgbClr val="7F7F7F"/>
-                </a:solidFill>
-              </a:endParaRPr>
-            </a:p>
-          </p:txBody>
-        </p:sp>
-        <p:sp>
-          <p:nvSpPr>
-            <p:cNvPr id="20" name="TextBox 19">
-              <a:extLst>
-                <a:ext uri="{FF2B5EF4-FFF2-40B4-BE49-F238E27FC236}">
-                  <a16:creationId xmlns:a16="http://schemas.microsoft.com/office/drawing/2014/main" xmlns="" id="{46C193FD-CCCC-45B1-9BEA-DCBCF188264E}"/>
-                </a:ext>
-              </a:extLst>
-            </p:cNvPr>
-            <p:cNvSpPr txBox="1"/>
-            <p:nvPr/>
-          </p:nvSpPr>
-          <p:spPr>
-            <a:xfrm>
-              <a:off x="559858" y="37682"/>
-              <a:ext cx="1577263" cy="338554"/>
-            </a:xfrm>
-            <a:prstGeom prst="rect">
-              <a:avLst/>
-            </a:prstGeom>
-            <a:noFill/>
-          </p:spPr>
-          <p:txBody>
-            <a:bodyPr wrap="square">
-              <a:spAutoFit/>
-            </a:bodyPr>
-            <a:lstStyle/>
-            <a:p>
-              <a:r>
-                <a:rPr lang="ru-RU" sz="1600" b="1" dirty="0" smtClean="0">
-                  <a:solidFill>
-                    <a:schemeClr val="bg1">
-                      <a:lumMod val="95000"/>
-                    </a:schemeClr>
-                  </a:solidFill>
-                  <a:latin typeface="Verdana" panose="020B0604030504040204" pitchFamily="34" charset="0"/>
-                  <a:ea typeface="Verdana" panose="020B0604030504040204" pitchFamily="34" charset="0"/>
-                </a:rPr>
-                <a:t>а</a:t>
-              </a:r>
-              <a:endParaRPr lang="x-none" sz="1600" b="1" dirty="0">
-                <a:solidFill>
-                  <a:schemeClr val="bg1">
-                    <a:lumMod val="95000"/>
-                  </a:schemeClr>
-                </a:solidFill>
-                <a:latin typeface="Verdana" panose="020B0604030504040204" pitchFamily="34" charset="0"/>
-                <a:ea typeface="Verdana" panose="020B0604030504040204" pitchFamily="34" charset="0"/>
-              </a:endParaRPr>
-            </a:p>
-          </p:txBody>
-        </p:sp>
-        <p:sp>
-          <p:nvSpPr>
-            <p:cNvPr id="21" name="Прямоугольник 20">
-              <a:extLst>
-                <a:ext uri="{FF2B5EF4-FFF2-40B4-BE49-F238E27FC236}">
-                  <a16:creationId xmlns:a16="http://schemas.microsoft.com/office/drawing/2014/main" xmlns="" id="{29C72257-1E49-41B2-8E28-718FC11F9DEB}"/>
-                </a:ext>
-              </a:extLst>
-            </p:cNvPr>
-            <p:cNvSpPr/>
-            <p:nvPr/>
-          </p:nvSpPr>
-          <p:spPr>
-            <a:xfrm>
-              <a:off x="559858" y="964066"/>
-              <a:ext cx="1453466" cy="338554"/>
-            </a:xfrm>
-            <a:prstGeom prst="rect">
-              <a:avLst/>
-            </a:prstGeom>
-          </p:spPr>
-          <p:txBody>
-            <a:bodyPr wrap="square">
-              <a:spAutoFit/>
-            </a:bodyPr>
-            <a:lstStyle/>
-            <a:p>
-              <a:r>
-                <a:rPr lang="ru-RU" sz="1600" b="1" dirty="0" smtClean="0">
-                  <a:solidFill>
-                    <a:schemeClr val="bg1">
-                      <a:lumMod val="95000"/>
-                    </a:schemeClr>
-                  </a:solidFill>
-                  <a:latin typeface="Verdana" panose="020B0604030504040204" pitchFamily="34" charset="0"/>
-                  <a:ea typeface="Verdana" panose="020B0604030504040204" pitchFamily="34" charset="0"/>
-                </a:rPr>
-                <a:t>б</a:t>
-              </a:r>
-              <a:endParaRPr lang="ru-RU" sz="1600" b="1" dirty="0">
-                <a:solidFill>
-                  <a:schemeClr val="bg1">
-                    <a:lumMod val="95000"/>
-                  </a:schemeClr>
-                </a:solidFill>
-                <a:latin typeface="Verdana" panose="020B0604030504040204" pitchFamily="34" charset="0"/>
-                <a:ea typeface="Verdana" panose="020B0604030504040204" pitchFamily="34" charset="0"/>
-              </a:endParaRPr>
-            </a:p>
-          </p:txBody>
-        </p:sp>
-      </p:grpSp>
       <p:sp>
         <p:nvSpPr>
           <p:cNvPr id="3" name="TextBox 2"/>
@@ -9744,7 +9444,7 @@
         <p:spPr>
           <a:xfrm>
             <a:off x="4355976" y="1563638"/>
-            <a:ext cx="2592288" cy="784830"/>
+            <a:ext cx="2592288" cy="553998"/>
           </a:xfrm>
           <a:prstGeom prst="rect">
             <a:avLst/>
@@ -9773,21 +9473,6 @@
               </a:rPr>
               <a:t>последовательностей</a:t>
             </a:r>
-          </a:p>
-          <a:p>
-            <a:r>
-              <a:rPr lang="ru-RU" dirty="0" smtClean="0">
-                <a:solidFill>
-                  <a:srgbClr val="FF0000"/>
-                </a:solidFill>
-              </a:rPr>
-              <a:t>Слова</a:t>
-            </a:r>
-            <a:endParaRPr lang="ru-RU" dirty="0">
-              <a:solidFill>
-                <a:srgbClr val="FF0000"/>
-              </a:solidFill>
-            </a:endParaRPr>
           </a:p>
         </p:txBody>
       </p:sp>
@@ -10198,6 +9883,22 @@
                 </a:solidFill>
               </a:rPr>
               <a:t>Текст, заголовок, слова</a:t>
+            </a:r>
+            <a:r>
+              <a:rPr lang="en-US" sz="1600" dirty="0" smtClean="0">
+                <a:solidFill>
+                  <a:srgbClr val="FF0000"/>
+                </a:solidFill>
+              </a:rPr>
+              <a:t>, </a:t>
+            </a:r>
+            <a:r>
+              <a:rPr lang="ru-RU" sz="1600" dirty="0" smtClean="0">
+                <a:solidFill>
+                  <a:srgbClr val="FF0000"/>
+                </a:solidFill>
+              </a:rPr>
+              <a:t>картинка</a:t>
             </a:r>
             <a:endParaRPr lang="ru-RU" sz="1600" dirty="0" smtClean="0">
               <a:solidFill>

--- a/doc/Presentation.pptx
+++ b/doc/Presentation.pptx
@@ -4934,64 +4934,65 @@
               <a:buNone/>
             </a:pPr>
             <a:r>
-              <a:rPr lang="ru-RU" sz="1600" dirty="0" smtClean="0"/>
-              <a:t>В дальнейшем хотим реализовать </a:t>
-            </a:r>
-            <a:r>
-              <a:rPr lang="en-US" sz="1600" dirty="0" smtClean="0"/>
-              <a:t>KOS </a:t>
-            </a:r>
-            <a:r>
-              <a:rPr lang="ru-RU" sz="1600" dirty="0" smtClean="0"/>
-              <a:t>с имитацией окружающей обстановки под </a:t>
-            </a:r>
-            <a:r>
-              <a:rPr lang="en-US" sz="1600" dirty="0" smtClean="0"/>
-              <a:t>QEMU</a:t>
-            </a:r>
-            <a:endParaRPr lang="ru-RU" sz="1600" dirty="0" smtClean="0"/>
+              <a:rPr lang="ru-RU" sz="1600" dirty="0" smtClean="0">
+                <a:solidFill>
+                  <a:srgbClr val="FF0000"/>
+                </a:solidFill>
+              </a:rPr>
+              <a:t>Схема (!!!), Заголовок изменить(</a:t>
+            </a:r>
+            <a:r>
+              <a:rPr lang="en-US" sz="1600" dirty="0" smtClean="0">
+                <a:solidFill>
+                  <a:srgbClr val="FF0000"/>
+                </a:solidFill>
+              </a:rPr>
+              <a:t>?)</a:t>
+            </a:r>
+            <a:endParaRPr lang="ru-RU" sz="1600" dirty="0" smtClean="0">
+              <a:solidFill>
+                <a:srgbClr val="FF0000"/>
+              </a:solidFill>
+            </a:endParaRPr>
           </a:p>
           <a:p>
             <a:pPr marL="0" indent="0">
               <a:buNone/>
             </a:pPr>
-            <a:endParaRPr lang="ru-RU" sz="1600" dirty="0"/>
+            <a:endParaRPr lang="ru-RU" sz="1600" dirty="0" smtClean="0">
+              <a:solidFill>
+                <a:srgbClr val="FF0000"/>
+              </a:solidFill>
+            </a:endParaRPr>
           </a:p>
           <a:p>
             <a:pPr marL="0" indent="0">
               <a:buNone/>
             </a:pPr>
             <a:r>
+              <a:rPr lang="en-US" sz="1600" dirty="0" smtClean="0">
+                <a:solidFill>
+                  <a:srgbClr val="FF0000"/>
+                </a:solidFill>
+              </a:rPr>
+              <a:t>&lt;- </a:t>
+            </a:r>
+            <a:r>
               <a:rPr lang="ru-RU" sz="1600" dirty="0" smtClean="0">
                 <a:solidFill>
                   <a:srgbClr val="FF0000"/>
                 </a:solidFill>
               </a:rPr>
-              <a:t>Текст</a:t>
+              <a:t>Слова не надо трогать! </a:t>
             </a:r>
             <a:r>
               <a:rPr lang="en-US" sz="1600" dirty="0" smtClean="0">
                 <a:solidFill>
                   <a:srgbClr val="FF0000"/>
                 </a:solidFill>
+                <a:sym typeface="Wingdings" pitchFamily="2" charset="2"/>
               </a:rPr>
-              <a:t> (?)</a:t>
-            </a:r>
-            <a:r>
-              <a:rPr lang="ru-RU" sz="1600" dirty="0" smtClean="0">
-                <a:solidFill>
-                  <a:srgbClr val="FF0000"/>
-                </a:solidFill>
-              </a:rPr>
-              <a:t>, Схема (!), Заголовок изменить(</a:t>
-            </a:r>
-            <a:r>
-              <a:rPr lang="en-US" sz="1600" dirty="0" smtClean="0">
-                <a:solidFill>
-                  <a:srgbClr val="FF0000"/>
-                </a:solidFill>
-              </a:rPr>
-              <a:t>?)</a:t>
+              <a:t></a:t>
             </a:r>
             <a:endParaRPr lang="ru-RU" sz="1600" dirty="0">
               <a:solidFill>
@@ -5193,10 +5194,10 @@
         </p:nvGrpSpPr>
         <p:grpSpPr>
           <a:xfrm>
-            <a:off x="132856" y="987574"/>
-            <a:ext cx="2101319" cy="2106266"/>
-            <a:chOff x="174072" y="171978"/>
-            <a:chExt cx="2101319" cy="2106266"/>
+            <a:off x="132856" y="834847"/>
+            <a:ext cx="2101319" cy="2258993"/>
+            <a:chOff x="174072" y="19251"/>
+            <a:chExt cx="2101319" cy="2258993"/>
           </a:xfrm>
         </p:grpSpPr>
         <p:sp>
@@ -5379,8 +5380,8 @@
           </p:nvSpPr>
           <p:spPr>
             <a:xfrm>
-              <a:off x="508760" y="171978"/>
-              <a:ext cx="1766631" cy="338554"/>
+              <a:off x="508760" y="19251"/>
+              <a:ext cx="1766631" cy="584775"/>
             </a:xfrm>
             <a:prstGeom prst="rect">
               <a:avLst/>
@@ -5403,7 +5404,7 @@
                   <a:latin typeface="Verdana" panose="020B0604030504040204" pitchFamily="34" charset="0"/>
                   <a:ea typeface="Verdana" panose="020B0604030504040204" pitchFamily="34" charset="0"/>
                 </a:rPr>
-                <a:t>Имитация</a:t>
+                <a:t>Модель робота</a:t>
               </a:r>
               <a:endParaRPr lang="x-none" sz="1600" b="1" dirty="0">
                 <a:solidFill>
@@ -5483,8 +5484,8 @@
         </p:nvSpPr>
         <p:spPr>
           <a:xfrm>
-            <a:off x="467544" y="2499742"/>
-            <a:ext cx="1537085" cy="830997"/>
+            <a:off x="467544" y="2635047"/>
+            <a:ext cx="1537085" cy="584775"/>
           </a:xfrm>
           <a:prstGeom prst="rect">
             <a:avLst/>
@@ -5509,31 +5510,7 @@
               <a:t>Имитация </a:t>
             </a:r>
             <a:r>
-              <a:rPr lang="en-US" sz="1600" b="1" dirty="0" smtClean="0">
-                <a:solidFill>
-                  <a:schemeClr val="bg1">
-                    <a:lumMod val="95000"/>
-                  </a:schemeClr>
-                </a:solidFill>
-                <a:latin typeface="Verdana" panose="020B0604030504040204" pitchFamily="34" charset="0"/>
-                <a:ea typeface="Verdana" panose="020B0604030504040204" pitchFamily="34" charset="0"/>
-              </a:rPr>
-              <a:t>Raspberry </a:t>
-            </a:r>
-            <a:r>
-              <a:rPr lang="en-US" sz="1600" b="1" dirty="0">
-                <a:solidFill>
-                  <a:schemeClr val="bg1">
-                    <a:lumMod val="95000"/>
-                  </a:schemeClr>
-                </a:solidFill>
-                <a:latin typeface="Verdana" panose="020B0604030504040204" pitchFamily="34" charset="0"/>
-                <a:ea typeface="Verdana" panose="020B0604030504040204" pitchFamily="34" charset="0"/>
-              </a:rPr>
-              <a:t>Pi </a:t>
-            </a:r>
-            <a:r>
-              <a:rPr lang="ru-RU" sz="1600" b="1" dirty="0">
+              <a:rPr lang="ru-RU" sz="1600" b="1" dirty="0" smtClean="0">
                 <a:solidFill>
                   <a:schemeClr val="bg1">
                     <a:lumMod val="95000"/>
@@ -5545,7 +5522,7 @@
               <a:t>в</a:t>
             </a:r>
             <a:r>
-              <a:rPr lang="en-US" sz="1600" b="1" dirty="0">
+              <a:rPr lang="en-US" sz="1600" b="1" dirty="0" smtClean="0">
                 <a:solidFill>
                   <a:schemeClr val="bg1">
                     <a:lumMod val="95000"/>
@@ -5554,7 +5531,19 @@
                 <a:latin typeface="Verdana" panose="020B0604030504040204" pitchFamily="34" charset="0"/>
                 <a:ea typeface="Verdana" panose="020B0604030504040204" pitchFamily="34" charset="0"/>
               </a:rPr>
-              <a:t> QEMU</a:t>
+              <a:t> </a:t>
+            </a:r>
+            <a:r>
+              <a:rPr lang="en-US" sz="1600" b="1" dirty="0">
+                <a:solidFill>
+                  <a:schemeClr val="bg1">
+                    <a:lumMod val="95000"/>
+                  </a:schemeClr>
+                </a:solidFill>
+                <a:latin typeface="Verdana" panose="020B0604030504040204" pitchFamily="34" charset="0"/>
+                <a:ea typeface="Verdana" panose="020B0604030504040204" pitchFamily="34" charset="0"/>
+              </a:rPr>
+              <a:t>QEMU</a:t>
             </a:r>
             <a:r>
               <a:rPr lang="ru-RU" sz="1600" b="1" dirty="0">
@@ -9435,47 +9424,47 @@
           </a:p>
         </p:txBody>
       </p:sp>
-      <p:sp>
-        <p:nvSpPr>
-          <p:cNvPr id="3" name="TextBox 2"/>
-          <p:cNvSpPr txBox="1"/>
+      <p:pic>
+        <p:nvPicPr>
+          <p:cNvPr id="1026" name="Picture 2" descr="C:\Users\kosiya\Downloads\Архитектура ИС\Гагачи2022\последовательности.png"/>
+          <p:cNvPicPr>
+            <a:picLocks noChangeAspect="1" noChangeArrowheads="1"/>
+          </p:cNvPicPr>
           <p:nvPr/>
-        </p:nvSpPr>
-        <p:spPr>
+        </p:nvPicPr>
+        <p:blipFill>
+          <a:blip r:embed="rId3">
+            <a:extLst>
+              <a:ext uri="{28A0092B-C50C-407E-A947-70E740481C1C}">
+                <a14:useLocalDpi xmlns:a14="http://schemas.microsoft.com/office/drawing/2010/main" val="0"/>
+              </a:ext>
+            </a:extLst>
+          </a:blip>
+          <a:srcRect/>
+          <a:stretch>
+            <a:fillRect/>
+          </a:stretch>
+        </p:blipFill>
+        <p:spPr bwMode="auto">
           <a:xfrm>
-            <a:off x="4355976" y="1563638"/>
-            <a:ext cx="2592288" cy="553998"/>
+            <a:off x="2411760" y="987574"/>
+            <a:ext cx="4667394" cy="3947796"/>
           </a:xfrm>
           <a:prstGeom prst="rect">
             <a:avLst/>
           </a:prstGeom>
           <a:noFill/>
+          <a:extLst>
+            <a:ext uri="{909E8E84-426E-40DD-AFC4-6F175D3DCCD1}">
+              <a14:hiddenFill xmlns:a14="http://schemas.microsoft.com/office/drawing/2010/main">
+                <a:solidFill>
+                  <a:srgbClr val="FFFFFF"/>
+                </a:solidFill>
+              </a14:hiddenFill>
+            </a:ext>
+          </a:extLst>
         </p:spPr>
-        <p:txBody>
-          <a:bodyPr wrap="square" rtlCol="0">
-            <a:spAutoFit/>
-          </a:bodyPr>
-          <a:lstStyle/>
-          <a:p>
-            <a:r>
-              <a:rPr lang="ru-RU" dirty="0" smtClean="0">
-                <a:solidFill>
-                  <a:srgbClr val="FF0000"/>
-                </a:solidFill>
-              </a:rPr>
-              <a:t>Диаграмма </a:t>
-            </a:r>
-            <a:r>
-              <a:rPr lang="ru-RU" dirty="0" smtClean="0">
-                <a:solidFill>
-                  <a:srgbClr val="FF0000"/>
-                </a:solidFill>
-              </a:rPr>
-              <a:t>последовательностей</a:t>
-            </a:r>
-          </a:p>
-        </p:txBody>
-      </p:sp>
+      </p:pic>
     </p:spTree>
     <p:extLst>
       <p:ext uri="{BB962C8B-B14F-4D97-AF65-F5344CB8AC3E}">
@@ -9899,6 +9888,14 @@
                 </a:solidFill>
               </a:rPr>
               <a:t>картинка</a:t>
+            </a:r>
+            <a:r>
+              <a:rPr lang="en-US" sz="1600" dirty="0" smtClean="0">
+                <a:solidFill>
+                  <a:srgbClr val="FF0000"/>
+                </a:solidFill>
+              </a:rPr>
+              <a:t>????</a:t>
             </a:r>
             <a:endParaRPr lang="ru-RU" sz="1600" dirty="0" smtClean="0">
               <a:solidFill>

--- a/doc/Presentation.pptx
+++ b/doc/Presentation.pptx
@@ -138,7 +138,7 @@
       </p14:sectionLst>
     </p:ext>
     <p:ext uri="{EFAFB233-063F-42B5-8137-9DF3F51BA10A}">
-      <p15:sldGuideLst xmlns:p15="http://schemas.microsoft.com/office/powerpoint/2012/main" xmlns="">
+      <p15:sldGuideLst xmlns:p15="http://schemas.microsoft.com/office/powerpoint/2012/main">
         <p15:guide id="1" orient="horz" pos="395" userDrawn="1">
           <p15:clr>
             <a:srgbClr val="A4A3A4"/>
@@ -2201,7 +2201,7 @@
           <p:cNvPr id="2" name="Заголовок 1">
             <a:extLst>
               <a:ext uri="{FF2B5EF4-FFF2-40B4-BE49-F238E27FC236}">
-                <a16:creationId xmlns:a16="http://schemas.microsoft.com/office/drawing/2014/main" xmlns="" id="{1187A9FC-966E-4F88-A65A-7E03044F5433}"/>
+                <a16:creationId xmlns:a16="http://schemas.microsoft.com/office/drawing/2014/main" id="{1187A9FC-966E-4F88-A65A-7E03044F5433}"/>
               </a:ext>
             </a:extLst>
           </p:cNvPr>
@@ -2229,7 +2229,7 @@
           <p:cNvPr id="3" name="Дата 2">
             <a:extLst>
               <a:ext uri="{FF2B5EF4-FFF2-40B4-BE49-F238E27FC236}">
-                <a16:creationId xmlns:a16="http://schemas.microsoft.com/office/drawing/2014/main" xmlns="" id="{7625A992-FDE0-409C-A39E-4079FE954E51}"/>
+                <a16:creationId xmlns:a16="http://schemas.microsoft.com/office/drawing/2014/main" id="{7625A992-FDE0-409C-A39E-4079FE954E51}"/>
               </a:ext>
             </a:extLst>
           </p:cNvPr>
@@ -2258,7 +2258,7 @@
           <p:cNvPr id="4" name="Нижний колонтитул 3">
             <a:extLst>
               <a:ext uri="{FF2B5EF4-FFF2-40B4-BE49-F238E27FC236}">
-                <a16:creationId xmlns:a16="http://schemas.microsoft.com/office/drawing/2014/main" xmlns="" id="{93E533D9-BB3D-4C32-AC6D-B5D461B6EECE}"/>
+                <a16:creationId xmlns:a16="http://schemas.microsoft.com/office/drawing/2014/main" id="{93E533D9-BB3D-4C32-AC6D-B5D461B6EECE}"/>
               </a:ext>
             </a:extLst>
           </p:cNvPr>
@@ -2283,7 +2283,7 @@
           <p:cNvPr id="5" name="Номер слайда 4">
             <a:extLst>
               <a:ext uri="{FF2B5EF4-FFF2-40B4-BE49-F238E27FC236}">
-                <a16:creationId xmlns:a16="http://schemas.microsoft.com/office/drawing/2014/main" xmlns="" id="{B403D20D-06F7-4FCC-AFCB-E8F2F26A01BF}"/>
+                <a16:creationId xmlns:a16="http://schemas.microsoft.com/office/drawing/2014/main" id="{B403D20D-06F7-4FCC-AFCB-E8F2F26A01BF}"/>
               </a:ext>
             </a:extLst>
           </p:cNvPr>
@@ -2313,7 +2313,7 @@
           <p:cNvPr id="7" name="Текст 6">
             <a:extLst>
               <a:ext uri="{FF2B5EF4-FFF2-40B4-BE49-F238E27FC236}">
-                <a16:creationId xmlns:a16="http://schemas.microsoft.com/office/drawing/2014/main" xmlns="" id="{9DF0B83D-EEFA-4CD3-ABB2-378315AC97AA}"/>
+                <a16:creationId xmlns:a16="http://schemas.microsoft.com/office/drawing/2014/main" id="{9DF0B83D-EEFA-4CD3-ABB2-378315AC97AA}"/>
               </a:ext>
             </a:extLst>
           </p:cNvPr>
@@ -4362,7 +4362,7 @@
           <p:cNvPr id="23" name="Полилиния: фигура 22">
             <a:extLst>
               <a:ext uri="{FF2B5EF4-FFF2-40B4-BE49-F238E27FC236}">
-                <a16:creationId xmlns:a16="http://schemas.microsoft.com/office/drawing/2014/main" xmlns="" id="{2346EF01-306A-45F1-B49E-ADB43FC604E8}"/>
+                <a16:creationId xmlns:a16="http://schemas.microsoft.com/office/drawing/2014/main" id="{2346EF01-306A-45F1-B49E-ADB43FC604E8}"/>
               </a:ext>
             </a:extLst>
           </p:cNvPr>
@@ -4459,7 +4459,7 @@
           <p:cNvPr id="7" name="TextBox 6">
             <a:extLst>
               <a:ext uri="{FF2B5EF4-FFF2-40B4-BE49-F238E27FC236}">
-                <a16:creationId xmlns:a16="http://schemas.microsoft.com/office/drawing/2014/main" xmlns="" id="{DB65D454-9513-AE4B-B897-CBE3585FB02C}"/>
+                <a16:creationId xmlns:a16="http://schemas.microsoft.com/office/drawing/2014/main" id="{DB65D454-9513-AE4B-B897-CBE3585FB02C}"/>
               </a:ext>
             </a:extLst>
           </p:cNvPr>
@@ -4511,16 +4511,6 @@
               </a:rPr>
               <a:t>Авиационный</a:t>
             </a:r>
-            <a:r>
-              <a:rPr lang="en-US" sz="3200" b="1" dirty="0">
-                <a:solidFill>
-                  <a:schemeClr val="bg1"/>
-                </a:solidFill>
-                <a:latin typeface="Verdana" panose="020B0604030504040204" pitchFamily="34" charset="0"/>
-                <a:ea typeface="Verdana" panose="020B0604030504040204" pitchFamily="34" charset="0"/>
-              </a:rPr>
-              <a:t/>
-            </a:r>
             <a:br>
               <a:rPr lang="en-US" sz="3200" b="1" dirty="0">
                 <a:solidFill>
@@ -4601,7 +4591,7 @@
           <p:cNvPr id="25" name="TextBox 24">
             <a:extLst>
               <a:ext uri="{FF2B5EF4-FFF2-40B4-BE49-F238E27FC236}">
-                <a16:creationId xmlns:a16="http://schemas.microsoft.com/office/drawing/2014/main" xmlns="" id="{5F839AF4-2DA2-448E-9D55-17402DA471EB}"/>
+                <a16:creationId xmlns:a16="http://schemas.microsoft.com/office/drawing/2014/main" id="{5F839AF4-2DA2-448E-9D55-17402DA471EB}"/>
               </a:ext>
             </a:extLst>
           </p:cNvPr>
@@ -4659,7 +4649,7 @@
           <p:cNvPr id="9" name="Рисунок 8" descr="Изображение выглядит как фотография, знак, черный, белый&#10;&#10;Автоматически созданное описание">
             <a:extLst>
               <a:ext uri="{FF2B5EF4-FFF2-40B4-BE49-F238E27FC236}">
-                <a16:creationId xmlns:a16="http://schemas.microsoft.com/office/drawing/2014/main" xmlns="" id="{074BF89E-2F5E-4138-803A-5E07BFE000CD}"/>
+                <a16:creationId xmlns:a16="http://schemas.microsoft.com/office/drawing/2014/main" id="{074BF89E-2F5E-4138-803A-5E07BFE000CD}"/>
               </a:ext>
             </a:extLst>
           </p:cNvPr>
@@ -4695,7 +4685,7 @@
           <p:cNvPr id="8" name="Прямоугольник 7">
             <a:extLst>
               <a:ext uri="{FF2B5EF4-FFF2-40B4-BE49-F238E27FC236}">
-                <a16:creationId xmlns:a16="http://schemas.microsoft.com/office/drawing/2014/main" xmlns="" id="{B22E2906-0F12-4345-BF21-9247EC5D1052}"/>
+                <a16:creationId xmlns:a16="http://schemas.microsoft.com/office/drawing/2014/main" id="{B22E2906-0F12-4345-BF21-9247EC5D1052}"/>
               </a:ext>
             </a:extLst>
           </p:cNvPr>
@@ -4852,7 +4842,7 @@
           <p:cNvPr id="2" name="Номер слайда 1">
             <a:extLst>
               <a:ext uri="{FF2B5EF4-FFF2-40B4-BE49-F238E27FC236}">
-                <a16:creationId xmlns:a16="http://schemas.microsoft.com/office/drawing/2014/main" xmlns="" id="{BA9CF357-4FFB-4B7D-AC71-7714293F20AA}"/>
+                <a16:creationId xmlns:a16="http://schemas.microsoft.com/office/drawing/2014/main" id="{BA9CF357-4FFB-4B7D-AC71-7714293F20AA}"/>
               </a:ext>
             </a:extLst>
           </p:cNvPr>
@@ -4907,7 +4897,7 @@
           <p:cNvPr id="3" name="Объект 2">
             <a:extLst>
               <a:ext uri="{FF2B5EF4-FFF2-40B4-BE49-F238E27FC236}">
-                <a16:creationId xmlns:a16="http://schemas.microsoft.com/office/drawing/2014/main" xmlns="" id="{807A1DB7-1B94-4C8E-9E43-F2737C3A6C6E}"/>
+                <a16:creationId xmlns:a16="http://schemas.microsoft.com/office/drawing/2014/main" id="{807A1DB7-1B94-4C8E-9E43-F2737C3A6C6E}"/>
               </a:ext>
             </a:extLst>
           </p:cNvPr>
@@ -4933,73 +4923,22 @@
             <a:pPr marL="0" indent="0">
               <a:buNone/>
             </a:pPr>
-            <a:r>
-              <a:rPr lang="ru-RU" sz="1600" dirty="0" smtClean="0">
-                <a:solidFill>
-                  <a:srgbClr val="FF0000"/>
-                </a:solidFill>
-              </a:rPr>
-              <a:t>Схема (!!!), Заголовок изменить(</a:t>
-            </a:r>
-            <a:r>
-              <a:rPr lang="en-US" sz="1600" dirty="0" smtClean="0">
-                <a:solidFill>
-                  <a:srgbClr val="FF0000"/>
-                </a:solidFill>
-              </a:rPr>
-              <a:t>?)</a:t>
-            </a:r>
-            <a:endParaRPr lang="ru-RU" sz="1600" dirty="0" smtClean="0">
-              <a:solidFill>
-                <a:srgbClr val="FF0000"/>
-              </a:solidFill>
-            </a:endParaRPr>
-          </a:p>
-          <a:p>
-            <a:pPr marL="0" indent="0">
-              <a:buNone/>
-            </a:pPr>
-            <a:endParaRPr lang="ru-RU" sz="1600" dirty="0" smtClean="0">
-              <a:solidFill>
-                <a:srgbClr val="FF0000"/>
-              </a:solidFill>
-            </a:endParaRPr>
-          </a:p>
-          <a:p>
-            <a:pPr marL="0" indent="0">
-              <a:buNone/>
-            </a:pPr>
-            <a:r>
-              <a:rPr lang="en-US" sz="1600" dirty="0" smtClean="0">
-                <a:solidFill>
-                  <a:srgbClr val="FF0000"/>
-                </a:solidFill>
-              </a:rPr>
-              <a:t>&lt;- </a:t>
-            </a:r>
-            <a:r>
-              <a:rPr lang="ru-RU" sz="1600" dirty="0" smtClean="0">
-                <a:solidFill>
-                  <a:srgbClr val="FF0000"/>
-                </a:solidFill>
-              </a:rPr>
-              <a:t>Слова не надо трогать! </a:t>
-            </a:r>
-            <a:r>
-              <a:rPr lang="en-US" sz="1600" dirty="0" smtClean="0">
-                <a:solidFill>
-                  <a:srgbClr val="FF0000"/>
-                </a:solidFill>
-                <a:sym typeface="Wingdings" pitchFamily="2" charset="2"/>
-              </a:rPr>
-              <a:t></a:t>
-            </a:r>
             <a:endParaRPr lang="ru-RU" sz="1600" dirty="0">
               <a:solidFill>
                 <a:srgbClr val="FF0000"/>
               </a:solidFill>
             </a:endParaRPr>
           </a:p>
+          <a:p>
+            <a:pPr marL="0" indent="0">
+              <a:buNone/>
+            </a:pPr>
+            <a:endParaRPr lang="ru-RU" sz="1600" dirty="0">
+              <a:solidFill>
+                <a:srgbClr val="FF0000"/>
+              </a:solidFill>
+            </a:endParaRPr>
+          </a:p>
         </p:txBody>
       </p:sp>
       <p:sp>
@@ -5007,7 +4946,7 @@
           <p:cNvPr id="4" name="Номер слайда 3">
             <a:extLst>
               <a:ext uri="{FF2B5EF4-FFF2-40B4-BE49-F238E27FC236}">
-                <a16:creationId xmlns:a16="http://schemas.microsoft.com/office/drawing/2014/main" xmlns="" id="{407E3DFD-05CC-48DB-9081-F8A9F136813E}"/>
+                <a16:creationId xmlns:a16="http://schemas.microsoft.com/office/drawing/2014/main" id="{407E3DFD-05CC-48DB-9081-F8A9F136813E}"/>
               </a:ext>
             </a:extLst>
           </p:cNvPr>
@@ -5037,7 +4976,7 @@
           <p:cNvPr id="5" name="Прямоугольник 4">
             <a:extLst>
               <a:ext uri="{FF2B5EF4-FFF2-40B4-BE49-F238E27FC236}">
-                <a16:creationId xmlns:a16="http://schemas.microsoft.com/office/drawing/2014/main" xmlns="" id="{910DF3EC-1F25-4526-9FE7-8BC70A8DF0C5}"/>
+                <a16:creationId xmlns:a16="http://schemas.microsoft.com/office/drawing/2014/main" id="{910DF3EC-1F25-4526-9FE7-8BC70A8DF0C5}"/>
               </a:ext>
             </a:extLst>
           </p:cNvPr>
@@ -5095,7 +5034,7 @@
           <p:cNvPr id="6" name="Прямая соединительная линия 5">
             <a:extLst>
               <a:ext uri="{FF2B5EF4-FFF2-40B4-BE49-F238E27FC236}">
-                <a16:creationId xmlns:a16="http://schemas.microsoft.com/office/drawing/2014/main" xmlns="" id="{2467A97C-B77F-44C8-A41B-AB2EE2D11DE3}"/>
+                <a16:creationId xmlns:a16="http://schemas.microsoft.com/office/drawing/2014/main" id="{2467A97C-B77F-44C8-A41B-AB2EE2D11DE3}"/>
               </a:ext>
             </a:extLst>
           </p:cNvPr>
@@ -5138,7 +5077,7 @@
           <p:cNvPr id="8" name="Прямоугольник 7">
             <a:extLst>
               <a:ext uri="{FF2B5EF4-FFF2-40B4-BE49-F238E27FC236}">
-                <a16:creationId xmlns:a16="http://schemas.microsoft.com/office/drawing/2014/main" xmlns="" id="{8CF585ED-3269-46F3-8B9F-D294E6449231}"/>
+                <a16:creationId xmlns:a16="http://schemas.microsoft.com/office/drawing/2014/main" id="{8CF585ED-3269-46F3-8B9F-D294E6449231}"/>
               </a:ext>
             </a:extLst>
           </p:cNvPr>
@@ -5161,7 +5100,7 @@
           <a:lstStyle/>
           <a:p>
             <a:r>
-              <a:rPr lang="ru-RU" sz="2400" b="1" dirty="0" smtClean="0">
+              <a:rPr lang="ru-RU" sz="2400" b="1" dirty="0">
                 <a:solidFill>
                   <a:schemeClr val="tx2"/>
                 </a:solidFill>
@@ -5170,13 +5109,6 @@
               </a:rPr>
               <a:t>Дальнейшие возможности</a:t>
             </a:r>
-            <a:endParaRPr lang="ru-RU" sz="2400" b="1" dirty="0">
-              <a:solidFill>
-                <a:schemeClr val="tx2"/>
-              </a:solidFill>
-              <a:latin typeface="Verdana" panose="020B0604030504040204" pitchFamily="34" charset="0"/>
-              <a:ea typeface="Verdana" panose="020B0604030504040204" pitchFamily="34" charset="0"/>
-            </a:endParaRPr>
           </a:p>
         </p:txBody>
       </p:sp>
@@ -5185,7 +5117,7 @@
           <p:cNvPr id="7" name="Группа 6">
             <a:extLst>
               <a:ext uri="{FF2B5EF4-FFF2-40B4-BE49-F238E27FC236}">
-                <a16:creationId xmlns:a16="http://schemas.microsoft.com/office/drawing/2014/main" xmlns="" id="{139A77F8-7D49-45A1-9214-19DF6CAEDB87}"/>
+                <a16:creationId xmlns:a16="http://schemas.microsoft.com/office/drawing/2014/main" id="{139A77F8-7D49-45A1-9214-19DF6CAEDB87}"/>
               </a:ext>
             </a:extLst>
           </p:cNvPr>
@@ -5205,7 +5137,7 @@
             <p:cNvPr id="9" name="Прямоугольник 8">
               <a:extLst>
                 <a:ext uri="{FF2B5EF4-FFF2-40B4-BE49-F238E27FC236}">
-                  <a16:creationId xmlns:a16="http://schemas.microsoft.com/office/drawing/2014/main" xmlns="" id="{C1AF4255-9B0F-4619-888B-C211218E49FF}"/>
+                  <a16:creationId xmlns:a16="http://schemas.microsoft.com/office/drawing/2014/main" id="{C1AF4255-9B0F-4619-888B-C211218E49FF}"/>
                 </a:ext>
               </a:extLst>
             </p:cNvPr>
@@ -5259,7 +5191,7 @@
             <p:cNvPr id="10" name="Прямоугольник 9">
               <a:extLst>
                 <a:ext uri="{FF2B5EF4-FFF2-40B4-BE49-F238E27FC236}">
-                  <a16:creationId xmlns:a16="http://schemas.microsoft.com/office/drawing/2014/main" xmlns="" id="{A568F858-4223-42C7-92C9-58140347FD14}"/>
+                  <a16:creationId xmlns:a16="http://schemas.microsoft.com/office/drawing/2014/main" id="{A568F858-4223-42C7-92C9-58140347FD14}"/>
                 </a:ext>
               </a:extLst>
             </p:cNvPr>
@@ -5313,7 +5245,7 @@
             <p:cNvPr id="11" name="Прямоугольник 10">
               <a:extLst>
                 <a:ext uri="{FF2B5EF4-FFF2-40B4-BE49-F238E27FC236}">
-                  <a16:creationId xmlns:a16="http://schemas.microsoft.com/office/drawing/2014/main" xmlns="" id="{5B70D515-762B-4243-8DAB-E4E82DC6B17A}"/>
+                  <a16:creationId xmlns:a16="http://schemas.microsoft.com/office/drawing/2014/main" id="{5B70D515-762B-4243-8DAB-E4E82DC6B17A}"/>
                 </a:ext>
               </a:extLst>
             </p:cNvPr>
@@ -5371,7 +5303,7 @@
             <p:cNvPr id="12" name="TextBox 11">
               <a:extLst>
                 <a:ext uri="{FF2B5EF4-FFF2-40B4-BE49-F238E27FC236}">
-                  <a16:creationId xmlns:a16="http://schemas.microsoft.com/office/drawing/2014/main" xmlns="" id="{27C751DA-DBF5-4BF2-AD38-619676BDF720}"/>
+                  <a16:creationId xmlns:a16="http://schemas.microsoft.com/office/drawing/2014/main" id="{27C751DA-DBF5-4BF2-AD38-619676BDF720}"/>
                 </a:ext>
               </a:extLst>
             </p:cNvPr>
@@ -5395,7 +5327,7 @@
             <a:lstStyle/>
             <a:p>
               <a:r>
-                <a:rPr lang="ru-RU" sz="1600" b="1" dirty="0" smtClean="0">
+                <a:rPr lang="ru-RU" sz="1600" b="1" dirty="0">
                   <a:solidFill>
                     <a:schemeClr val="bg1">
                       <a:lumMod val="95000"/>
@@ -5423,7 +5355,7 @@
             <p:cNvPr id="13" name="Прямоугольник 12">
               <a:extLst>
                 <a:ext uri="{FF2B5EF4-FFF2-40B4-BE49-F238E27FC236}">
-                  <a16:creationId xmlns:a16="http://schemas.microsoft.com/office/drawing/2014/main" xmlns="" id="{2107D053-F587-41CE-AC4A-9D7FEBF094D1}"/>
+                  <a16:creationId xmlns:a16="http://schemas.microsoft.com/office/drawing/2014/main" id="{2107D053-F587-41CE-AC4A-9D7FEBF094D1}"/>
                 </a:ext>
               </a:extLst>
             </p:cNvPr>
@@ -5446,7 +5378,7 @@
             <a:lstStyle/>
             <a:p>
               <a:r>
-                <a:rPr lang="en-US" sz="1600" b="1" dirty="0" smtClean="0">
+                <a:rPr lang="en-US" sz="1600" b="1" dirty="0">
                   <a:solidFill>
                     <a:schemeClr val="bg1">
                       <a:lumMod val="95000"/>
@@ -5475,7 +5407,7 @@
           <p:cNvPr id="14" name="Прямоугольник 13">
             <a:extLst>
               <a:ext uri="{FF2B5EF4-FFF2-40B4-BE49-F238E27FC236}">
-                <a16:creationId xmlns:a16="http://schemas.microsoft.com/office/drawing/2014/main" xmlns="" id="{E5033180-5409-4181-81CC-03960C2AD567}"/>
+                <a16:creationId xmlns:a16="http://schemas.microsoft.com/office/drawing/2014/main" id="{E5033180-5409-4181-81CC-03960C2AD567}"/>
               </a:ext>
             </a:extLst>
           </p:cNvPr>
@@ -5498,7 +5430,7 @@
           <a:lstStyle/>
           <a:p>
             <a:r>
-              <a:rPr lang="ru-RU" sz="1600" b="1" dirty="0" smtClean="0">
+              <a:rPr lang="ru-RU" sz="1600" b="1" dirty="0">
                 <a:solidFill>
                   <a:schemeClr val="bg1">
                     <a:lumMod val="95000"/>
@@ -5507,10 +5439,10 @@
                 <a:latin typeface="Verdana" panose="020B0604030504040204" pitchFamily="34" charset="0"/>
                 <a:ea typeface="Verdana" panose="020B0604030504040204" pitchFamily="34" charset="0"/>
               </a:rPr>
-              <a:t>Имитация </a:t>
-            </a:r>
-            <a:r>
-              <a:rPr lang="ru-RU" sz="1600" b="1" dirty="0" smtClean="0">
+              <a:t>Имитация в</a:t>
+            </a:r>
+            <a:r>
+              <a:rPr lang="en-US" sz="1600" b="1" dirty="0">
                 <a:solidFill>
                   <a:schemeClr val="bg1">
                     <a:lumMod val="95000"/>
@@ -5519,10 +5451,10 @@
                 <a:latin typeface="Verdana" panose="020B0604030504040204" pitchFamily="34" charset="0"/>
                 <a:ea typeface="Verdana" panose="020B0604030504040204" pitchFamily="34" charset="0"/>
               </a:rPr>
-              <a:t>в</a:t>
-            </a:r>
-            <a:r>
-              <a:rPr lang="en-US" sz="1600" b="1" dirty="0" smtClean="0">
+              <a:t> QEMU</a:t>
+            </a:r>
+            <a:r>
+              <a:rPr lang="ru-RU" sz="1600" b="1" dirty="0">
                 <a:solidFill>
                   <a:schemeClr val="bg1">
                     <a:lumMod val="95000"/>
@@ -5533,33 +5465,39 @@
               </a:rPr>
               <a:t> </a:t>
             </a:r>
-            <a:r>
-              <a:rPr lang="en-US" sz="1600" b="1" dirty="0">
-                <a:solidFill>
-                  <a:schemeClr val="bg1">
-                    <a:lumMod val="95000"/>
-                  </a:schemeClr>
-                </a:solidFill>
-                <a:latin typeface="Verdana" panose="020B0604030504040204" pitchFamily="34" charset="0"/>
-                <a:ea typeface="Verdana" panose="020B0604030504040204" pitchFamily="34" charset="0"/>
-              </a:rPr>
-              <a:t>QEMU</a:t>
-            </a:r>
-            <a:r>
-              <a:rPr lang="ru-RU" sz="1600" b="1" dirty="0">
-                <a:solidFill>
-                  <a:schemeClr val="bg1">
-                    <a:lumMod val="95000"/>
-                  </a:schemeClr>
-                </a:solidFill>
-                <a:latin typeface="Verdana" panose="020B0604030504040204" pitchFamily="34" charset="0"/>
-                <a:ea typeface="Verdana" panose="020B0604030504040204" pitchFamily="34" charset="0"/>
-              </a:rPr>
-              <a:t> </a:t>
-            </a:r>
-          </a:p>
-        </p:txBody>
-      </p:sp>
+          </a:p>
+        </p:txBody>
+      </p:sp>
+      <p:pic>
+        <p:nvPicPr>
+          <p:cNvPr id="15" name="Рисунок 14">
+            <a:extLst>
+              <a:ext uri="{FF2B5EF4-FFF2-40B4-BE49-F238E27FC236}">
+                <a16:creationId xmlns:a16="http://schemas.microsoft.com/office/drawing/2014/main" id="{9BF49C87-AB22-4C37-9472-FBD86A88437C}"/>
+              </a:ext>
+            </a:extLst>
+          </p:cNvPr>
+          <p:cNvPicPr>
+            <a:picLocks noChangeAspect="1"/>
+          </p:cNvPicPr>
+          <p:nvPr/>
+        </p:nvPicPr>
+        <p:blipFill>
+          <a:blip r:embed="rId2"/>
+          <a:stretch>
+            <a:fillRect/>
+          </a:stretch>
+        </p:blipFill>
+        <p:spPr>
+          <a:xfrm>
+            <a:off x="2406897" y="1086331"/>
+            <a:ext cx="6604246" cy="3591337"/>
+          </a:xfrm>
+          <a:prstGeom prst="rect">
+            <a:avLst/>
+          </a:prstGeom>
+        </p:spPr>
+      </p:pic>
     </p:spTree>
     <p:extLst>
       <p:ext uri="{BB962C8B-B14F-4D97-AF65-F5344CB8AC3E}">
@@ -5595,7 +5533,7 @@
           <p:cNvPr id="5" name="Прямоугольник 4">
             <a:extLst>
               <a:ext uri="{FF2B5EF4-FFF2-40B4-BE49-F238E27FC236}">
-                <a16:creationId xmlns:a16="http://schemas.microsoft.com/office/drawing/2014/main" xmlns="" id="{73F08337-4FBD-49CA-B7CF-082FB8F03E03}"/>
+                <a16:creationId xmlns:a16="http://schemas.microsoft.com/office/drawing/2014/main" id="{73F08337-4FBD-49CA-B7CF-082FB8F03E03}"/>
               </a:ext>
             </a:extLst>
           </p:cNvPr>
@@ -5653,7 +5591,7 @@
           <p:cNvPr id="6" name="Прямоугольник 5">
             <a:extLst>
               <a:ext uri="{FF2B5EF4-FFF2-40B4-BE49-F238E27FC236}">
-                <a16:creationId xmlns:a16="http://schemas.microsoft.com/office/drawing/2014/main" xmlns="" id="{BB7E2663-AD02-4F1A-96DD-A2715B9F7167}"/>
+                <a16:creationId xmlns:a16="http://schemas.microsoft.com/office/drawing/2014/main" id="{BB7E2663-AD02-4F1A-96DD-A2715B9F7167}"/>
               </a:ext>
             </a:extLst>
           </p:cNvPr>
@@ -5693,7 +5631,7 @@
           <p:cNvPr id="7" name="Объект 2">
             <a:extLst>
               <a:ext uri="{FF2B5EF4-FFF2-40B4-BE49-F238E27FC236}">
-                <a16:creationId xmlns:a16="http://schemas.microsoft.com/office/drawing/2014/main" xmlns="" id="{DB15A276-4B35-4D81-AA85-B979C4E0F219}"/>
+                <a16:creationId xmlns:a16="http://schemas.microsoft.com/office/drawing/2014/main" id="{DB15A276-4B35-4D81-AA85-B979C4E0F219}"/>
               </a:ext>
             </a:extLst>
           </p:cNvPr>
@@ -5977,7 +5915,7 @@
           <p:cNvPr id="9" name="Рисунок 8" descr="Изображение выглядит как фотография, знак, черный, белый&#10;&#10;Автоматически созданное описание">
             <a:extLst>
               <a:ext uri="{FF2B5EF4-FFF2-40B4-BE49-F238E27FC236}">
-                <a16:creationId xmlns:a16="http://schemas.microsoft.com/office/drawing/2014/main" xmlns="" id="{074BF89E-2F5E-4138-803A-5E07BFE000CD}"/>
+                <a16:creationId xmlns:a16="http://schemas.microsoft.com/office/drawing/2014/main" id="{074BF89E-2F5E-4138-803A-5E07BFE000CD}"/>
               </a:ext>
             </a:extLst>
           </p:cNvPr>
@@ -6095,7 +6033,7 @@
           <p:cNvPr id="30" name="Прямая соединительная линия 29">
             <a:extLst>
               <a:ext uri="{FF2B5EF4-FFF2-40B4-BE49-F238E27FC236}">
-                <a16:creationId xmlns:a16="http://schemas.microsoft.com/office/drawing/2014/main" xmlns="" id="{F004EEAE-9E59-4362-892F-11F0597BBF49}"/>
+                <a16:creationId xmlns:a16="http://schemas.microsoft.com/office/drawing/2014/main" id="{F004EEAE-9E59-4362-892F-11F0597BBF49}"/>
               </a:ext>
             </a:extLst>
           </p:cNvPr>
@@ -6138,7 +6076,7 @@
           <p:cNvPr id="3" name="Номер слайда 2">
             <a:extLst>
               <a:ext uri="{FF2B5EF4-FFF2-40B4-BE49-F238E27FC236}">
-                <a16:creationId xmlns:a16="http://schemas.microsoft.com/office/drawing/2014/main" xmlns="" id="{9879899F-8DEE-4C3F-B4F8-8A504F60C80B}"/>
+                <a16:creationId xmlns:a16="http://schemas.microsoft.com/office/drawing/2014/main" id="{9879899F-8DEE-4C3F-B4F8-8A504F60C80B}"/>
               </a:ext>
             </a:extLst>
           </p:cNvPr>
@@ -6168,7 +6106,7 @@
           <p:cNvPr id="14" name="Прямоугольник 13">
             <a:extLst>
               <a:ext uri="{FF2B5EF4-FFF2-40B4-BE49-F238E27FC236}">
-                <a16:creationId xmlns:a16="http://schemas.microsoft.com/office/drawing/2014/main" xmlns="" id="{C204DE12-0708-4039-981E-EC5E81BC4662}"/>
+                <a16:creationId xmlns:a16="http://schemas.microsoft.com/office/drawing/2014/main" id="{C204DE12-0708-4039-981E-EC5E81BC4662}"/>
               </a:ext>
             </a:extLst>
           </p:cNvPr>
@@ -6200,17 +6138,10 @@
               </a:rPr>
               <a:t>Актуальность темы. </a:t>
             </a:r>
-            <a:endParaRPr lang="ru-RU" sz="2400" b="1" dirty="0" smtClean="0">
-              <a:solidFill>
-                <a:schemeClr val="tx2"/>
-              </a:solidFill>
-              <a:latin typeface="Verdana" panose="020B0604030504040204" pitchFamily="34" charset="0"/>
-              <a:ea typeface="Verdana" panose="020B0604030504040204" pitchFamily="34" charset="0"/>
-            </a:endParaRPr>
-          </a:p>
-          <a:p>
-            <a:r>
-              <a:rPr lang="ru-RU" sz="2400" b="1" dirty="0" smtClean="0">
+          </a:p>
+          <a:p>
+            <a:r>
+              <a:rPr lang="ru-RU" sz="2400" b="1" dirty="0">
                 <a:solidFill>
                   <a:schemeClr val="tx2"/>
                 </a:solidFill>
@@ -6219,13 +6150,6 @@
               </a:rPr>
               <a:t>Цель работы.</a:t>
             </a:r>
-            <a:endParaRPr lang="ru-RU" sz="2400" b="1" dirty="0">
-              <a:solidFill>
-                <a:schemeClr val="tx2"/>
-              </a:solidFill>
-              <a:latin typeface="Verdana" panose="020B0604030504040204" pitchFamily="34" charset="0"/>
-              <a:ea typeface="Verdana" panose="020B0604030504040204" pitchFamily="34" charset="0"/>
-            </a:endParaRPr>
           </a:p>
         </p:txBody>
       </p:sp>
@@ -6275,7 +6199,7 @@
           <p:cNvPr id="1026" name="Picture 2">
             <a:extLst>
               <a:ext uri="{FF2B5EF4-FFF2-40B4-BE49-F238E27FC236}">
-                <a16:creationId xmlns:a16="http://schemas.microsoft.com/office/drawing/2014/main" xmlns="" id="{17C112DF-E30E-4E91-BE1E-B73E5466DF10}"/>
+                <a16:creationId xmlns:a16="http://schemas.microsoft.com/office/drawing/2014/main" id="{17C112DF-E30E-4E91-BE1E-B73E5466DF10}"/>
               </a:ext>
             </a:extLst>
           </p:cNvPr>
@@ -6322,7 +6246,7 @@
           <p:cNvPr id="10" name="Группа 9">
             <a:extLst>
               <a:ext uri="{FF2B5EF4-FFF2-40B4-BE49-F238E27FC236}">
-                <a16:creationId xmlns:a16="http://schemas.microsoft.com/office/drawing/2014/main" xmlns="" id="{C966BB80-279D-40A2-84AF-CDA482DFE0F5}"/>
+                <a16:creationId xmlns:a16="http://schemas.microsoft.com/office/drawing/2014/main" id="{C966BB80-279D-40A2-84AF-CDA482DFE0F5}"/>
               </a:ext>
             </a:extLst>
           </p:cNvPr>
@@ -6342,7 +6266,7 @@
             <p:cNvPr id="11" name="Прямоугольник 10">
               <a:extLst>
                 <a:ext uri="{FF2B5EF4-FFF2-40B4-BE49-F238E27FC236}">
-                  <a16:creationId xmlns:a16="http://schemas.microsoft.com/office/drawing/2014/main" xmlns="" id="{1C3373F8-AC50-4FE4-9BFB-C2ABC5937CCF}"/>
+                  <a16:creationId xmlns:a16="http://schemas.microsoft.com/office/drawing/2014/main" id="{1C3373F8-AC50-4FE4-9BFB-C2ABC5937CCF}"/>
                 </a:ext>
               </a:extLst>
             </p:cNvPr>
@@ -6396,7 +6320,7 @@
             <p:cNvPr id="12" name="Прямоугольник 11">
               <a:extLst>
                 <a:ext uri="{FF2B5EF4-FFF2-40B4-BE49-F238E27FC236}">
-                  <a16:creationId xmlns:a16="http://schemas.microsoft.com/office/drawing/2014/main" xmlns="" id="{4DFE0403-DA90-48B3-8870-BB7651570C39}"/>
+                  <a16:creationId xmlns:a16="http://schemas.microsoft.com/office/drawing/2014/main" id="{4DFE0403-DA90-48B3-8870-BB7651570C39}"/>
                 </a:ext>
               </a:extLst>
             </p:cNvPr>
@@ -6450,7 +6374,7 @@
             <p:cNvPr id="13" name="Прямоугольник 12">
               <a:extLst>
                 <a:ext uri="{FF2B5EF4-FFF2-40B4-BE49-F238E27FC236}">
-                  <a16:creationId xmlns:a16="http://schemas.microsoft.com/office/drawing/2014/main" xmlns="" id="{300C2159-07F4-4FED-9B06-CE00C4978DA0}"/>
+                  <a16:creationId xmlns:a16="http://schemas.microsoft.com/office/drawing/2014/main" id="{300C2159-07F4-4FED-9B06-CE00C4978DA0}"/>
                 </a:ext>
               </a:extLst>
             </p:cNvPr>
@@ -6508,7 +6432,7 @@
             <p:cNvPr id="15" name="TextBox 14">
               <a:extLst>
                 <a:ext uri="{FF2B5EF4-FFF2-40B4-BE49-F238E27FC236}">
-                  <a16:creationId xmlns:a16="http://schemas.microsoft.com/office/drawing/2014/main" xmlns="" id="{3BBCBA7E-0F94-4396-B31C-676823516FFA}"/>
+                  <a16:creationId xmlns:a16="http://schemas.microsoft.com/office/drawing/2014/main" id="{3BBCBA7E-0F94-4396-B31C-676823516FFA}"/>
                 </a:ext>
               </a:extLst>
             </p:cNvPr>
@@ -6532,7 +6456,7 @@
             <a:lstStyle/>
             <a:p>
               <a:r>
-                <a:rPr lang="ru-RU" sz="1600" b="1" dirty="0" smtClean="0">
+                <a:rPr lang="ru-RU" sz="1600" b="1" dirty="0">
                   <a:solidFill>
                     <a:schemeClr val="bg1">
                       <a:lumMod val="95000"/>
@@ -6560,7 +6484,7 @@
             <p:cNvPr id="16" name="Прямоугольник 15">
               <a:extLst>
                 <a:ext uri="{FF2B5EF4-FFF2-40B4-BE49-F238E27FC236}">
-                  <a16:creationId xmlns:a16="http://schemas.microsoft.com/office/drawing/2014/main" xmlns="" id="{9DF13001-453E-456E-9606-5ACD70C1F22C}"/>
+                  <a16:creationId xmlns:a16="http://schemas.microsoft.com/office/drawing/2014/main" id="{9DF13001-453E-456E-9606-5ACD70C1F22C}"/>
                 </a:ext>
               </a:extLst>
             </p:cNvPr>
@@ -6583,7 +6507,7 @@
             <a:lstStyle/>
             <a:p>
               <a:r>
-                <a:rPr lang="ru-RU" sz="1600" b="1" dirty="0" smtClean="0">
+                <a:rPr lang="ru-RU" sz="1600" b="1" dirty="0">
                   <a:solidFill>
                     <a:schemeClr val="bg1">
                       <a:lumMod val="95000"/>
@@ -6594,15 +6518,6 @@
                 </a:rPr>
                 <a:t>Система управления</a:t>
               </a:r>
-              <a:endParaRPr lang="ru-RU" sz="1600" b="1" dirty="0">
-                <a:solidFill>
-                  <a:schemeClr val="bg1">
-                    <a:lumMod val="95000"/>
-                  </a:schemeClr>
-                </a:solidFill>
-                <a:latin typeface="Verdana" panose="020B0604030504040204" pitchFamily="34" charset="0"/>
-                <a:ea typeface="Verdana" panose="020B0604030504040204" pitchFamily="34" charset="0"/>
-              </a:endParaRPr>
             </a:p>
           </p:txBody>
         </p:sp>
@@ -6612,7 +6527,7 @@
           <p:cNvPr id="17" name="Прямоугольник 16">
             <a:extLst>
               <a:ext uri="{FF2B5EF4-FFF2-40B4-BE49-F238E27FC236}">
-                <a16:creationId xmlns:a16="http://schemas.microsoft.com/office/drawing/2014/main" xmlns="" id="{4178CC85-0238-47F8-9C95-8ED6B85E84DE}"/>
+                <a16:creationId xmlns:a16="http://schemas.microsoft.com/office/drawing/2014/main" id="{4178CC85-0238-47F8-9C95-8ED6B85E84DE}"/>
               </a:ext>
             </a:extLst>
           </p:cNvPr>
@@ -6635,7 +6550,7 @@
           <a:lstStyle/>
           <a:p>
             <a:r>
-              <a:rPr lang="ru-RU" sz="1600" b="1" dirty="0" smtClean="0">
+              <a:rPr lang="ru-RU" sz="1600" b="1" dirty="0">
                 <a:solidFill>
                   <a:schemeClr val="bg1">
                     <a:lumMod val="95000"/>
@@ -6646,15 +6561,6 @@
               </a:rPr>
               <a:t>Роботизация</a:t>
             </a:r>
-            <a:endParaRPr lang="ru-RU" sz="1600" b="1" dirty="0">
-              <a:solidFill>
-                <a:schemeClr val="bg1">
-                  <a:lumMod val="95000"/>
-                </a:schemeClr>
-              </a:solidFill>
-              <a:latin typeface="Verdana" panose="020B0604030504040204" pitchFamily="34" charset="0"/>
-              <a:ea typeface="Verdana" panose="020B0604030504040204" pitchFamily="34" charset="0"/>
-            </a:endParaRPr>
           </a:p>
         </p:txBody>
       </p:sp>
@@ -6693,7 +6599,7 @@
           <p:cNvPr id="45" name="Прямоугольник 44">
             <a:extLst>
               <a:ext uri="{FF2B5EF4-FFF2-40B4-BE49-F238E27FC236}">
-                <a16:creationId xmlns:a16="http://schemas.microsoft.com/office/drawing/2014/main" xmlns="" id="{F844FAD0-BFD3-42F8-8444-0D4247E6F864}"/>
+                <a16:creationId xmlns:a16="http://schemas.microsoft.com/office/drawing/2014/main" id="{F844FAD0-BFD3-42F8-8444-0D4247E6F864}"/>
               </a:ext>
             </a:extLst>
           </p:cNvPr>
@@ -6751,7 +6657,7 @@
           <p:cNvPr id="27" name="Прямая соединительная линия 26">
             <a:extLst>
               <a:ext uri="{FF2B5EF4-FFF2-40B4-BE49-F238E27FC236}">
-                <a16:creationId xmlns:a16="http://schemas.microsoft.com/office/drawing/2014/main" xmlns="" id="{7D440611-E861-4ADC-BE55-6C5E3E2135B0}"/>
+                <a16:creationId xmlns:a16="http://schemas.microsoft.com/office/drawing/2014/main" id="{7D440611-E861-4ADC-BE55-6C5E3E2135B0}"/>
               </a:ext>
             </a:extLst>
           </p:cNvPr>
@@ -6872,7 +6778,7 @@
           <p:cNvPr id="8" name="Группа 7">
             <a:extLst>
               <a:ext uri="{FF2B5EF4-FFF2-40B4-BE49-F238E27FC236}">
-                <a16:creationId xmlns:a16="http://schemas.microsoft.com/office/drawing/2014/main" xmlns="" id="{8D89B8A8-CE48-43F1-BB75-3E6B699D7B47}"/>
+                <a16:creationId xmlns:a16="http://schemas.microsoft.com/office/drawing/2014/main" id="{8D89B8A8-CE48-43F1-BB75-3E6B699D7B47}"/>
               </a:ext>
             </a:extLst>
           </p:cNvPr>
@@ -6892,7 +6798,7 @@
             <p:cNvPr id="49" name="Прямоугольник 48">
               <a:extLst>
                 <a:ext uri="{FF2B5EF4-FFF2-40B4-BE49-F238E27FC236}">
-                  <a16:creationId xmlns:a16="http://schemas.microsoft.com/office/drawing/2014/main" xmlns="" id="{FDB282C5-2604-4D7A-8D2A-E546EB65E607}"/>
+                  <a16:creationId xmlns:a16="http://schemas.microsoft.com/office/drawing/2014/main" id="{FDB282C5-2604-4D7A-8D2A-E546EB65E607}"/>
                 </a:ext>
               </a:extLst>
             </p:cNvPr>
@@ -6946,7 +6852,7 @@
             <p:cNvPr id="63" name="Прямоугольник 62">
               <a:extLst>
                 <a:ext uri="{FF2B5EF4-FFF2-40B4-BE49-F238E27FC236}">
-                  <a16:creationId xmlns:a16="http://schemas.microsoft.com/office/drawing/2014/main" xmlns="" id="{2D33E0AE-D3CC-4355-8650-0C91F2677331}"/>
+                  <a16:creationId xmlns:a16="http://schemas.microsoft.com/office/drawing/2014/main" id="{2D33E0AE-D3CC-4355-8650-0C91F2677331}"/>
                 </a:ext>
               </a:extLst>
             </p:cNvPr>
@@ -7000,7 +6906,7 @@
             <p:cNvPr id="71" name="Прямоугольник 70">
               <a:extLst>
                 <a:ext uri="{FF2B5EF4-FFF2-40B4-BE49-F238E27FC236}">
-                  <a16:creationId xmlns:a16="http://schemas.microsoft.com/office/drawing/2014/main" xmlns="" id="{7BAF04B3-A7AB-4421-99BC-5E3219D990E5}"/>
+                  <a16:creationId xmlns:a16="http://schemas.microsoft.com/office/drawing/2014/main" id="{7BAF04B3-A7AB-4421-99BC-5E3219D990E5}"/>
                 </a:ext>
               </a:extLst>
             </p:cNvPr>
@@ -7058,7 +6964,7 @@
             <p:cNvPr id="2" name="TextBox 1">
               <a:extLst>
                 <a:ext uri="{FF2B5EF4-FFF2-40B4-BE49-F238E27FC236}">
-                  <a16:creationId xmlns:a16="http://schemas.microsoft.com/office/drawing/2014/main" xmlns="" id="{D433A942-CA1E-4148-80E1-D96F3CDADFE8}"/>
+                  <a16:creationId xmlns:a16="http://schemas.microsoft.com/office/drawing/2014/main" id="{D433A942-CA1E-4148-80E1-D96F3CDADFE8}"/>
                 </a:ext>
               </a:extLst>
             </p:cNvPr>
@@ -7082,7 +6988,7 @@
             <a:lstStyle/>
             <a:p>
               <a:r>
-                <a:rPr lang="en-US" sz="1600" b="1" dirty="0" smtClean="0">
+                <a:rPr lang="en-US" sz="1600" b="1" dirty="0">
                   <a:solidFill>
                     <a:schemeClr val="bg1">
                       <a:lumMod val="95000"/>
@@ -7110,7 +7016,7 @@
             <p:cNvPr id="29" name="Прямоугольник 28">
               <a:extLst>
                 <a:ext uri="{FF2B5EF4-FFF2-40B4-BE49-F238E27FC236}">
-                  <a16:creationId xmlns:a16="http://schemas.microsoft.com/office/drawing/2014/main" xmlns="" id="{321E19EC-6BB3-4443-BA33-D6D787D90C0D}"/>
+                  <a16:creationId xmlns:a16="http://schemas.microsoft.com/office/drawing/2014/main" id="{321E19EC-6BB3-4443-BA33-D6D787D90C0D}"/>
                 </a:ext>
               </a:extLst>
             </p:cNvPr>
@@ -7133,7 +7039,7 @@
             <a:lstStyle/>
             <a:p>
               <a:r>
-                <a:rPr lang="ru-RU" sz="1600" b="1" dirty="0" err="1" smtClean="0">
+                <a:rPr lang="ru-RU" sz="1600" b="1" dirty="0" err="1">
                   <a:solidFill>
                     <a:schemeClr val="bg1">
                       <a:lumMod val="95000"/>
@@ -7145,7 +7051,7 @@
                 <a:t>Кибер</a:t>
               </a:r>
               <a:r>
-                <a:rPr lang="ru-RU" sz="1600" b="1" dirty="0" smtClean="0">
+                <a:rPr lang="ru-RU" sz="1600" b="1" dirty="0">
                   <a:solidFill>
                     <a:schemeClr val="bg1">
                       <a:lumMod val="95000"/>
@@ -7156,15 +7062,6 @@
                 </a:rPr>
                 <a:t> иммунитет</a:t>
               </a:r>
-              <a:endParaRPr lang="ru-RU" sz="1600" b="1" dirty="0">
-                <a:solidFill>
-                  <a:schemeClr val="bg1">
-                    <a:lumMod val="95000"/>
-                  </a:schemeClr>
-                </a:solidFill>
-                <a:latin typeface="Verdana" panose="020B0604030504040204" pitchFamily="34" charset="0"/>
-                <a:ea typeface="Verdana" panose="020B0604030504040204" pitchFamily="34" charset="0"/>
-              </a:endParaRPr>
             </a:p>
           </p:txBody>
         </p:sp>
@@ -7174,7 +7071,7 @@
           <p:cNvPr id="30" name="Прямоугольник 29">
             <a:extLst>
               <a:ext uri="{FF2B5EF4-FFF2-40B4-BE49-F238E27FC236}">
-                <a16:creationId xmlns:a16="http://schemas.microsoft.com/office/drawing/2014/main" xmlns="" id="{62E7C219-BF40-42A2-A453-98D897CC3593}"/>
+                <a16:creationId xmlns:a16="http://schemas.microsoft.com/office/drawing/2014/main" id="{62E7C219-BF40-42A2-A453-98D897CC3593}"/>
               </a:ext>
             </a:extLst>
           </p:cNvPr>
@@ -7250,43 +7147,20 @@
                 <a:ea typeface="Calibri" panose="020F0502020204030204" pitchFamily="34" charset="0"/>
                 <a:cs typeface="Times New Roman" panose="02020603050405020304" pitchFamily="18" charset="0"/>
               </a:rPr>
-              <a:t>Фотка нашего </a:t>
-            </a:r>
-            <a:r>
-              <a:rPr lang="ru-RU" sz="1800" dirty="0" smtClean="0">
+              <a:t>Фотка нашего робота</a:t>
+            </a:r>
+          </a:p>
+          <a:p>
+            <a:r>
+              <a:rPr lang="ru-RU" sz="1800" dirty="0">
                 <a:solidFill>
                   <a:srgbClr val="FF0000"/>
                 </a:solidFill>
-                <a:effectLst/>
                 <a:latin typeface="Times New Roman" panose="02020603050405020304" pitchFamily="18" charset="0"/>
                 <a:ea typeface="Calibri" panose="020F0502020204030204" pitchFamily="34" charset="0"/>
                 <a:cs typeface="Times New Roman" panose="02020603050405020304" pitchFamily="18" charset="0"/>
               </a:rPr>
-              <a:t>робота</a:t>
-            </a:r>
-          </a:p>
-          <a:p>
-            <a:r>
-              <a:rPr lang="ru-RU" sz="1800" dirty="0" smtClean="0">
-                <a:solidFill>
-                  <a:srgbClr val="FF0000"/>
-                </a:solidFill>
-                <a:latin typeface="Times New Roman" panose="02020603050405020304" pitchFamily="18" charset="0"/>
-                <a:ea typeface="Calibri" panose="020F0502020204030204" pitchFamily="34" charset="0"/>
-                <a:cs typeface="Times New Roman" panose="02020603050405020304" pitchFamily="18" charset="0"/>
-              </a:rPr>
-              <a:t>Иначе убрать </a:t>
-            </a:r>
-            <a:r>
-              <a:rPr lang="ru-RU" sz="1800" dirty="0" smtClean="0">
-                <a:solidFill>
-                  <a:srgbClr val="FF0000"/>
-                </a:solidFill>
-                <a:latin typeface="Times New Roman" panose="02020603050405020304" pitchFamily="18" charset="0"/>
-                <a:ea typeface="Calibri" panose="020F0502020204030204" pitchFamily="34" charset="0"/>
-                <a:cs typeface="Times New Roman" panose="02020603050405020304" pitchFamily="18" charset="0"/>
-              </a:rPr>
-              <a:t>слайд!!!!!!!!!!!!</a:t>
+              <a:t>Иначе убрать слайд!!!!!!!!!!!!</a:t>
             </a:r>
             <a:endParaRPr lang="ru-RU" sz="1800" dirty="0">
               <a:solidFill>
@@ -7312,7 +7186,7 @@
           <p:cNvPr id="6" name="Номер слайда 5">
             <a:extLst>
               <a:ext uri="{FF2B5EF4-FFF2-40B4-BE49-F238E27FC236}">
-                <a16:creationId xmlns:a16="http://schemas.microsoft.com/office/drawing/2014/main" xmlns="" id="{91B1A099-D53E-4F79-AD32-FF2BB7379684}"/>
+                <a16:creationId xmlns:a16="http://schemas.microsoft.com/office/drawing/2014/main" id="{91B1A099-D53E-4F79-AD32-FF2BB7379684}"/>
               </a:ext>
             </a:extLst>
           </p:cNvPr>
@@ -7342,7 +7216,7 @@
           <p:cNvPr id="18" name="Прямоугольник 17">
             <a:extLst>
               <a:ext uri="{FF2B5EF4-FFF2-40B4-BE49-F238E27FC236}">
-                <a16:creationId xmlns:a16="http://schemas.microsoft.com/office/drawing/2014/main" xmlns="" id="{CAA77BAE-A556-48A0-978D-90044E75AF67}"/>
+                <a16:creationId xmlns:a16="http://schemas.microsoft.com/office/drawing/2014/main" id="{CAA77BAE-A556-48A0-978D-90044E75AF67}"/>
               </a:ext>
             </a:extLst>
           </p:cNvPr>
@@ -7387,14 +7261,6 @@
   <p:clrMapOvr>
     <a:masterClrMapping/>
   </p:clrMapOvr>
-  <mc:AlternateContent xmlns:mc="http://schemas.openxmlformats.org/markup-compatibility/2006" xmlns:p14="http://schemas.microsoft.com/office/powerpoint/2010/main">
-    <mc:Choice Requires="p14">
-      <p:transition spd="slow" p14:dur="2000"/>
-    </mc:Choice>
-    <mc:Fallback xmlns="">
-      <p:transition spd="slow"/>
-    </mc:Fallback>
-  </mc:AlternateContent>
 </p:sld>
 </file>
 
@@ -7420,7 +7286,7 @@
           <p:cNvPr id="45" name="Прямоугольник 44">
             <a:extLst>
               <a:ext uri="{FF2B5EF4-FFF2-40B4-BE49-F238E27FC236}">
-                <a16:creationId xmlns:a16="http://schemas.microsoft.com/office/drawing/2014/main" xmlns="" id="{F844FAD0-BFD3-42F8-8444-0D4247E6F864}"/>
+                <a16:creationId xmlns:a16="http://schemas.microsoft.com/office/drawing/2014/main" id="{F844FAD0-BFD3-42F8-8444-0D4247E6F864}"/>
               </a:ext>
             </a:extLst>
           </p:cNvPr>
@@ -7556,7 +7422,7 @@
           <p:cNvPr id="2" name="Номер слайда 1">
             <a:extLst>
               <a:ext uri="{FF2B5EF4-FFF2-40B4-BE49-F238E27FC236}">
-                <a16:creationId xmlns:a16="http://schemas.microsoft.com/office/drawing/2014/main" xmlns="" id="{6C639C31-70B3-4747-90CA-1855C8665F6D}"/>
+                <a16:creationId xmlns:a16="http://schemas.microsoft.com/office/drawing/2014/main" id="{6C639C31-70B3-4747-90CA-1855C8665F6D}"/>
               </a:ext>
             </a:extLst>
           </p:cNvPr>
@@ -7586,7 +7452,7 @@
           <p:cNvPr id="9" name="Прямая соединительная линия 8">
             <a:extLst>
               <a:ext uri="{FF2B5EF4-FFF2-40B4-BE49-F238E27FC236}">
-                <a16:creationId xmlns:a16="http://schemas.microsoft.com/office/drawing/2014/main" xmlns="" id="{D801378D-54AE-4064-AFC0-861B34FEDBE9}"/>
+                <a16:creationId xmlns:a16="http://schemas.microsoft.com/office/drawing/2014/main" id="{D801378D-54AE-4064-AFC0-861B34FEDBE9}"/>
               </a:ext>
             </a:extLst>
           </p:cNvPr>
@@ -7629,7 +7495,7 @@
           <p:cNvPr id="13" name="Прямоугольник 12">
             <a:extLst>
               <a:ext uri="{FF2B5EF4-FFF2-40B4-BE49-F238E27FC236}">
-                <a16:creationId xmlns:a16="http://schemas.microsoft.com/office/drawing/2014/main" xmlns="" id="{A311B375-86CE-4E7D-BEFB-9E495DC2ED8E}"/>
+                <a16:creationId xmlns:a16="http://schemas.microsoft.com/office/drawing/2014/main" id="{A311B375-86CE-4E7D-BEFB-9E495DC2ED8E}"/>
               </a:ext>
             </a:extLst>
           </p:cNvPr>
@@ -7740,7 +7606,7 @@
           <p:cNvPr id="5" name="Прямоугольник 4">
             <a:extLst>
               <a:ext uri="{FF2B5EF4-FFF2-40B4-BE49-F238E27FC236}">
-                <a16:creationId xmlns:a16="http://schemas.microsoft.com/office/drawing/2014/main" xmlns="" id="{66C439E9-3E70-4653-97C3-031864E7D8D0}"/>
+                <a16:creationId xmlns:a16="http://schemas.microsoft.com/office/drawing/2014/main" id="{66C439E9-3E70-4653-97C3-031864E7D8D0}"/>
               </a:ext>
             </a:extLst>
           </p:cNvPr>
@@ -7798,7 +7664,7 @@
           <p:cNvPr id="12" name="Объект 11">
             <a:extLst>
               <a:ext uri="{FF2B5EF4-FFF2-40B4-BE49-F238E27FC236}">
-                <a16:creationId xmlns:a16="http://schemas.microsoft.com/office/drawing/2014/main" xmlns="" id="{B7C51A1C-8922-4440-B769-CB2C3DEB3983}"/>
+                <a16:creationId xmlns:a16="http://schemas.microsoft.com/office/drawing/2014/main" id="{B7C51A1C-8922-4440-B769-CB2C3DEB3983}"/>
               </a:ext>
             </a:extLst>
           </p:cNvPr>
@@ -7827,7 +7693,7 @@
           <p:cNvPr id="4" name="Номер слайда 3">
             <a:extLst>
               <a:ext uri="{FF2B5EF4-FFF2-40B4-BE49-F238E27FC236}">
-                <a16:creationId xmlns:a16="http://schemas.microsoft.com/office/drawing/2014/main" xmlns="" id="{C8A9DE46-F073-46D7-B376-7501FC0857AE}"/>
+                <a16:creationId xmlns:a16="http://schemas.microsoft.com/office/drawing/2014/main" id="{C8A9DE46-F073-46D7-B376-7501FC0857AE}"/>
               </a:ext>
             </a:extLst>
           </p:cNvPr>
@@ -7857,7 +7723,7 @@
           <p:cNvPr id="6" name="Прямая соединительная линия 5">
             <a:extLst>
               <a:ext uri="{FF2B5EF4-FFF2-40B4-BE49-F238E27FC236}">
-                <a16:creationId xmlns:a16="http://schemas.microsoft.com/office/drawing/2014/main" xmlns="" id="{AA138C88-C0F1-4DB1-B124-2598866FA507}"/>
+                <a16:creationId xmlns:a16="http://schemas.microsoft.com/office/drawing/2014/main" id="{AA138C88-C0F1-4DB1-B124-2598866FA507}"/>
               </a:ext>
             </a:extLst>
           </p:cNvPr>
@@ -7900,7 +7766,7 @@
           <p:cNvPr id="8" name="Прямоугольник 7">
             <a:extLst>
               <a:ext uri="{FF2B5EF4-FFF2-40B4-BE49-F238E27FC236}">
-                <a16:creationId xmlns:a16="http://schemas.microsoft.com/office/drawing/2014/main" xmlns="" id="{E241D599-E25D-4723-8B9C-C236D5FE6E76}"/>
+                <a16:creationId xmlns:a16="http://schemas.microsoft.com/office/drawing/2014/main" id="{E241D599-E25D-4723-8B9C-C236D5FE6E76}"/>
               </a:ext>
             </a:extLst>
           </p:cNvPr>
@@ -7940,7 +7806,7 @@
           <p:cNvPr id="13" name="Прямоугольник 12">
             <a:extLst>
               <a:ext uri="{FF2B5EF4-FFF2-40B4-BE49-F238E27FC236}">
-                <a16:creationId xmlns:a16="http://schemas.microsoft.com/office/drawing/2014/main" xmlns="" id="{8691D101-8FB8-4148-96C0-FC85128352E9}"/>
+                <a16:creationId xmlns:a16="http://schemas.microsoft.com/office/drawing/2014/main" id="{8691D101-8FB8-4148-96C0-FC85128352E9}"/>
               </a:ext>
             </a:extLst>
           </p:cNvPr>
@@ -8090,7 +7956,7 @@
           <p:cNvPr id="14" name="Группа 13">
             <a:extLst>
               <a:ext uri="{FF2B5EF4-FFF2-40B4-BE49-F238E27FC236}">
-                <a16:creationId xmlns:a16="http://schemas.microsoft.com/office/drawing/2014/main" xmlns="" id="{04A2D0FC-A086-451D-8E3C-C36D94520331}"/>
+                <a16:creationId xmlns:a16="http://schemas.microsoft.com/office/drawing/2014/main" id="{04A2D0FC-A086-451D-8E3C-C36D94520331}"/>
               </a:ext>
             </a:extLst>
           </p:cNvPr>
@@ -8110,7 +7976,7 @@
             <p:cNvPr id="15" name="Прямоугольник 14">
               <a:extLst>
                 <a:ext uri="{FF2B5EF4-FFF2-40B4-BE49-F238E27FC236}">
-                  <a16:creationId xmlns:a16="http://schemas.microsoft.com/office/drawing/2014/main" xmlns="" id="{CCAB0E93-B482-4511-9C92-D58B5CA1B476}"/>
+                  <a16:creationId xmlns:a16="http://schemas.microsoft.com/office/drawing/2014/main" id="{CCAB0E93-B482-4511-9C92-D58B5CA1B476}"/>
                 </a:ext>
               </a:extLst>
             </p:cNvPr>
@@ -8164,7 +8030,7 @@
             <p:cNvPr id="16" name="Прямоугольник 15">
               <a:extLst>
                 <a:ext uri="{FF2B5EF4-FFF2-40B4-BE49-F238E27FC236}">
-                  <a16:creationId xmlns:a16="http://schemas.microsoft.com/office/drawing/2014/main" xmlns="" id="{9A6819D6-8981-437E-9451-D33DC6AE2CFF}"/>
+                  <a16:creationId xmlns:a16="http://schemas.microsoft.com/office/drawing/2014/main" id="{9A6819D6-8981-437E-9451-D33DC6AE2CFF}"/>
                 </a:ext>
               </a:extLst>
             </p:cNvPr>
@@ -8218,7 +8084,7 @@
             <p:cNvPr id="17" name="Прямоугольник 16">
               <a:extLst>
                 <a:ext uri="{FF2B5EF4-FFF2-40B4-BE49-F238E27FC236}">
-                  <a16:creationId xmlns:a16="http://schemas.microsoft.com/office/drawing/2014/main" xmlns="" id="{2A9176D3-840D-47CC-BE16-23C1B0AB344E}"/>
+                  <a16:creationId xmlns:a16="http://schemas.microsoft.com/office/drawing/2014/main" id="{2A9176D3-840D-47CC-BE16-23C1B0AB344E}"/>
                 </a:ext>
               </a:extLst>
             </p:cNvPr>
@@ -8276,7 +8142,7 @@
             <p:cNvPr id="18" name="TextBox 17">
               <a:extLst>
                 <a:ext uri="{FF2B5EF4-FFF2-40B4-BE49-F238E27FC236}">
-                  <a16:creationId xmlns:a16="http://schemas.microsoft.com/office/drawing/2014/main" xmlns="" id="{E8D75791-002E-49CB-AF45-B5DEFED0FE93}"/>
+                  <a16:creationId xmlns:a16="http://schemas.microsoft.com/office/drawing/2014/main" id="{E8D75791-002E-49CB-AF45-B5DEFED0FE93}"/>
                 </a:ext>
               </a:extLst>
             </p:cNvPr>
@@ -8300,7 +8166,7 @@
             <a:lstStyle/>
             <a:p>
               <a:r>
-                <a:rPr lang="en-US" sz="1600" b="1" dirty="0" err="1" smtClean="0">
+                <a:rPr lang="en-US" sz="1600" b="1" dirty="0" err="1">
                   <a:solidFill>
                     <a:schemeClr val="bg1">
                       <a:lumMod val="95000"/>
@@ -8328,7 +8194,7 @@
             <p:cNvPr id="19" name="Прямоугольник 18">
               <a:extLst>
                 <a:ext uri="{FF2B5EF4-FFF2-40B4-BE49-F238E27FC236}">
-                  <a16:creationId xmlns:a16="http://schemas.microsoft.com/office/drawing/2014/main" xmlns="" id="{6E6ADD29-EE78-4E35-B4D4-DB39F977BC25}"/>
+                  <a16:creationId xmlns:a16="http://schemas.microsoft.com/office/drawing/2014/main" id="{6E6ADD29-EE78-4E35-B4D4-DB39F977BC25}"/>
                 </a:ext>
               </a:extLst>
             </p:cNvPr>
@@ -8351,7 +8217,7 @@
             <a:lstStyle/>
             <a:p>
               <a:r>
-                <a:rPr lang="en-US" sz="1600" b="1" dirty="0" smtClean="0">
+                <a:rPr lang="en-US" sz="1600" b="1" dirty="0">
                   <a:solidFill>
                     <a:schemeClr val="bg1">
                       <a:lumMod val="95000"/>
@@ -8380,7 +8246,7 @@
           <p:cNvPr id="20" name="Прямоугольник 19">
             <a:extLst>
               <a:ext uri="{FF2B5EF4-FFF2-40B4-BE49-F238E27FC236}">
-                <a16:creationId xmlns:a16="http://schemas.microsoft.com/office/drawing/2014/main" xmlns="" id="{F3DCC88F-61A0-4738-AD2D-3A7ECCAA1F42}"/>
+                <a16:creationId xmlns:a16="http://schemas.microsoft.com/office/drawing/2014/main" id="{F3DCC88F-61A0-4738-AD2D-3A7ECCAA1F42}"/>
               </a:ext>
             </a:extLst>
           </p:cNvPr>
@@ -8403,7 +8269,7 @@
           <a:lstStyle/>
           <a:p>
             <a:r>
-              <a:rPr lang="en-US" sz="1600" b="1" dirty="0" smtClean="0">
+              <a:rPr lang="en-US" sz="1600" b="1" dirty="0">
                 <a:solidFill>
                   <a:schemeClr val="bg1">
                     <a:lumMod val="95000"/>
@@ -8461,7 +8327,7 @@
           <p:cNvPr id="1030" name="Picture 6" descr="vfs_net2">
             <a:extLst>
               <a:ext uri="{FF2B5EF4-FFF2-40B4-BE49-F238E27FC236}">
-                <a16:creationId xmlns:a16="http://schemas.microsoft.com/office/drawing/2014/main" xmlns="" id="{FC5C7EC5-30B7-4943-BF0F-33419C772510}"/>
+                <a16:creationId xmlns:a16="http://schemas.microsoft.com/office/drawing/2014/main" id="{FC5C7EC5-30B7-4943-BF0F-33419C772510}"/>
               </a:ext>
             </a:extLst>
           </p:cNvPr>
@@ -8508,7 +8374,7 @@
           <p:cNvPr id="31" name="Прямоугольник 30">
             <a:extLst>
               <a:ext uri="{FF2B5EF4-FFF2-40B4-BE49-F238E27FC236}">
-                <a16:creationId xmlns:a16="http://schemas.microsoft.com/office/drawing/2014/main" xmlns="" id="{F844FAD0-BFD3-42F8-8444-0D4247E6F864}"/>
+                <a16:creationId xmlns:a16="http://schemas.microsoft.com/office/drawing/2014/main" id="{F844FAD0-BFD3-42F8-8444-0D4247E6F864}"/>
               </a:ext>
             </a:extLst>
           </p:cNvPr>
@@ -8566,7 +8432,7 @@
           <p:cNvPr id="27" name="Прямая соединительная линия 26">
             <a:extLst>
               <a:ext uri="{FF2B5EF4-FFF2-40B4-BE49-F238E27FC236}">
-                <a16:creationId xmlns:a16="http://schemas.microsoft.com/office/drawing/2014/main" xmlns="" id="{7D440611-E861-4ADC-BE55-6C5E3E2135B0}"/>
+                <a16:creationId xmlns:a16="http://schemas.microsoft.com/office/drawing/2014/main" id="{7D440611-E861-4ADC-BE55-6C5E3E2135B0}"/>
               </a:ext>
             </a:extLst>
           </p:cNvPr>
@@ -8705,18 +8571,13 @@
           <a:lstStyle/>
           <a:p>
             <a:r>
-              <a:rPr lang="ru-RU" sz="2400" dirty="0" smtClean="0">
+              <a:rPr lang="ru-RU" sz="2400" dirty="0">
                 <a:solidFill>
                   <a:srgbClr val="FF0000"/>
                 </a:solidFill>
               </a:rPr>
               <a:t>Картинка, заголовок</a:t>
             </a:r>
-            <a:endParaRPr lang="ru-RU" sz="2400" dirty="0">
-              <a:solidFill>
-                <a:srgbClr val="FF0000"/>
-              </a:solidFill>
-            </a:endParaRPr>
           </a:p>
         </p:txBody>
       </p:sp>
@@ -8725,7 +8586,7 @@
           <p:cNvPr id="2" name="Номер слайда 1">
             <a:extLst>
               <a:ext uri="{FF2B5EF4-FFF2-40B4-BE49-F238E27FC236}">
-                <a16:creationId xmlns:a16="http://schemas.microsoft.com/office/drawing/2014/main" xmlns="" id="{FD31FB89-335E-4DB6-8667-434A37E623F2}"/>
+                <a16:creationId xmlns:a16="http://schemas.microsoft.com/office/drawing/2014/main" id="{FD31FB89-335E-4DB6-8667-434A37E623F2}"/>
               </a:ext>
             </a:extLst>
           </p:cNvPr>
@@ -8755,7 +8616,7 @@
           <p:cNvPr id="11" name="Прямоугольник 10">
             <a:extLst>
               <a:ext uri="{FF2B5EF4-FFF2-40B4-BE49-F238E27FC236}">
-                <a16:creationId xmlns:a16="http://schemas.microsoft.com/office/drawing/2014/main" xmlns="" id="{29F16FB1-557B-4F20-AFAA-083E6605CBA3}"/>
+                <a16:creationId xmlns:a16="http://schemas.microsoft.com/office/drawing/2014/main" id="{29F16FB1-557B-4F20-AFAA-083E6605CBA3}"/>
               </a:ext>
             </a:extLst>
           </p:cNvPr>
@@ -8778,7 +8639,7 @@
           <a:lstStyle/>
           <a:p>
             <a:r>
-              <a:rPr lang="en-US" sz="2400" b="1" dirty="0" smtClean="0">
+              <a:rPr lang="en-US" sz="2400" b="1" dirty="0">
                 <a:solidFill>
                   <a:schemeClr val="tx2"/>
                 </a:solidFill>
@@ -8802,7 +8663,7 @@
           <p:cNvPr id="12" name="Группа 11">
             <a:extLst>
               <a:ext uri="{FF2B5EF4-FFF2-40B4-BE49-F238E27FC236}">
-                <a16:creationId xmlns:a16="http://schemas.microsoft.com/office/drawing/2014/main" xmlns="" id="{0C2CC8AF-A276-431C-834D-4D111074E709}"/>
+                <a16:creationId xmlns:a16="http://schemas.microsoft.com/office/drawing/2014/main" id="{0C2CC8AF-A276-431C-834D-4D111074E709}"/>
               </a:ext>
             </a:extLst>
           </p:cNvPr>
@@ -8822,7 +8683,7 @@
             <p:cNvPr id="13" name="Прямоугольник 12">
               <a:extLst>
                 <a:ext uri="{FF2B5EF4-FFF2-40B4-BE49-F238E27FC236}">
-                  <a16:creationId xmlns:a16="http://schemas.microsoft.com/office/drawing/2014/main" xmlns="" id="{6A7439AB-9E67-41E2-A35B-511E5F0347BE}"/>
+                  <a16:creationId xmlns:a16="http://schemas.microsoft.com/office/drawing/2014/main" id="{6A7439AB-9E67-41E2-A35B-511E5F0347BE}"/>
                 </a:ext>
               </a:extLst>
             </p:cNvPr>
@@ -8876,7 +8737,7 @@
             <p:cNvPr id="14" name="Прямоугольник 13">
               <a:extLst>
                 <a:ext uri="{FF2B5EF4-FFF2-40B4-BE49-F238E27FC236}">
-                  <a16:creationId xmlns:a16="http://schemas.microsoft.com/office/drawing/2014/main" xmlns="" id="{D4C5D2CD-584A-4C0D-9F8A-A05C7DC6FB06}"/>
+                  <a16:creationId xmlns:a16="http://schemas.microsoft.com/office/drawing/2014/main" id="{D4C5D2CD-584A-4C0D-9F8A-A05C7DC6FB06}"/>
                 </a:ext>
               </a:extLst>
             </p:cNvPr>
@@ -8930,7 +8791,7 @@
             <p:cNvPr id="15" name="Прямоугольник 14">
               <a:extLst>
                 <a:ext uri="{FF2B5EF4-FFF2-40B4-BE49-F238E27FC236}">
-                  <a16:creationId xmlns:a16="http://schemas.microsoft.com/office/drawing/2014/main" xmlns="" id="{DD647F68-3943-4CC0-9412-1D5968D970D1}"/>
+                  <a16:creationId xmlns:a16="http://schemas.microsoft.com/office/drawing/2014/main" id="{DD647F68-3943-4CC0-9412-1D5968D970D1}"/>
                 </a:ext>
               </a:extLst>
             </p:cNvPr>
@@ -8988,7 +8849,7 @@
             <p:cNvPr id="16" name="TextBox 15">
               <a:extLst>
                 <a:ext uri="{FF2B5EF4-FFF2-40B4-BE49-F238E27FC236}">
-                  <a16:creationId xmlns:a16="http://schemas.microsoft.com/office/drawing/2014/main" xmlns="" id="{A1CEB2B1-930A-47BF-B703-3C3FF21EE2CA}"/>
+                  <a16:creationId xmlns:a16="http://schemas.microsoft.com/office/drawing/2014/main" id="{A1CEB2B1-930A-47BF-B703-3C3FF21EE2CA}"/>
                 </a:ext>
               </a:extLst>
             </p:cNvPr>
@@ -9012,7 +8873,7 @@
             <a:lstStyle/>
             <a:p>
               <a:r>
-                <a:rPr lang="ru-RU" sz="1600" b="1" dirty="0" smtClean="0">
+                <a:rPr lang="ru-RU" sz="1600" b="1" dirty="0">
                   <a:solidFill>
                     <a:schemeClr val="bg1">
                       <a:lumMod val="95000"/>
@@ -9040,7 +8901,7 @@
             <p:cNvPr id="17" name="Прямоугольник 16">
               <a:extLst>
                 <a:ext uri="{FF2B5EF4-FFF2-40B4-BE49-F238E27FC236}">
-                  <a16:creationId xmlns:a16="http://schemas.microsoft.com/office/drawing/2014/main" xmlns="" id="{6C584A97-3F89-4B57-ACE7-9246FF17E1B3}"/>
+                  <a16:creationId xmlns:a16="http://schemas.microsoft.com/office/drawing/2014/main" id="{6C584A97-3F89-4B57-ACE7-9246FF17E1B3}"/>
                 </a:ext>
               </a:extLst>
             </p:cNvPr>
@@ -9063,7 +8924,7 @@
             <a:lstStyle/>
             <a:p>
               <a:r>
-                <a:rPr lang="en-US" sz="1600" b="1" dirty="0" smtClean="0">
+                <a:rPr lang="en-US" sz="1600" b="1" dirty="0">
                   <a:solidFill>
                     <a:schemeClr val="bg1">
                       <a:lumMod val="95000"/>
@@ -9092,7 +8953,7 @@
           <p:cNvPr id="18" name="Прямоугольник 17">
             <a:extLst>
               <a:ext uri="{FF2B5EF4-FFF2-40B4-BE49-F238E27FC236}">
-                <a16:creationId xmlns:a16="http://schemas.microsoft.com/office/drawing/2014/main" xmlns="" id="{0D21A8F2-EFE5-4C67-9C72-02BBCD0A6CCF}"/>
+                <a16:creationId xmlns:a16="http://schemas.microsoft.com/office/drawing/2014/main" id="{0D21A8F2-EFE5-4C67-9C72-02BBCD0A6CCF}"/>
               </a:ext>
             </a:extLst>
           </p:cNvPr>
@@ -9115,7 +8976,7 @@
           <a:lstStyle/>
           <a:p>
             <a:r>
-              <a:rPr lang="en-US" sz="1600" b="1" dirty="0" smtClean="0">
+              <a:rPr lang="en-US" sz="1600" b="1" dirty="0">
                 <a:solidFill>
                   <a:schemeClr val="bg1">
                     <a:lumMod val="95000"/>
@@ -9173,7 +9034,7 @@
           <p:cNvPr id="45" name="Прямоугольник 44">
             <a:extLst>
               <a:ext uri="{FF2B5EF4-FFF2-40B4-BE49-F238E27FC236}">
-                <a16:creationId xmlns:a16="http://schemas.microsoft.com/office/drawing/2014/main" xmlns="" id="{F844FAD0-BFD3-42F8-8444-0D4247E6F864}"/>
+                <a16:creationId xmlns:a16="http://schemas.microsoft.com/office/drawing/2014/main" id="{F844FAD0-BFD3-42F8-8444-0D4247E6F864}"/>
               </a:ext>
             </a:extLst>
           </p:cNvPr>
@@ -9231,7 +9092,7 @@
           <p:cNvPr id="27" name="Прямая соединительная линия 26">
             <a:extLst>
               <a:ext uri="{FF2B5EF4-FFF2-40B4-BE49-F238E27FC236}">
-                <a16:creationId xmlns:a16="http://schemas.microsoft.com/office/drawing/2014/main" xmlns="" id="{7D440611-E861-4ADC-BE55-6C5E3E2135B0}"/>
+                <a16:creationId xmlns:a16="http://schemas.microsoft.com/office/drawing/2014/main" id="{7D440611-E861-4ADC-BE55-6C5E3E2135B0}"/>
               </a:ext>
             </a:extLst>
           </p:cNvPr>
@@ -9352,7 +9213,7 @@
           <p:cNvPr id="2" name="Номер слайда 1">
             <a:extLst>
               <a:ext uri="{FF2B5EF4-FFF2-40B4-BE49-F238E27FC236}">
-                <a16:creationId xmlns:a16="http://schemas.microsoft.com/office/drawing/2014/main" xmlns="" id="{43DE384C-E41B-4854-8084-48017AD96984}"/>
+                <a16:creationId xmlns:a16="http://schemas.microsoft.com/office/drawing/2014/main" id="{43DE384C-E41B-4854-8084-48017AD96984}"/>
               </a:ext>
             </a:extLst>
           </p:cNvPr>
@@ -9382,7 +9243,7 @@
           <p:cNvPr id="18" name="Прямоугольник 17">
             <a:extLst>
               <a:ext uri="{FF2B5EF4-FFF2-40B4-BE49-F238E27FC236}">
-                <a16:creationId xmlns:a16="http://schemas.microsoft.com/office/drawing/2014/main" xmlns="" id="{17ED5078-1A16-4CC1-B020-23E9979FB77D}"/>
+                <a16:creationId xmlns:a16="http://schemas.microsoft.com/office/drawing/2014/main" id="{17ED5078-1A16-4CC1-B020-23E9979FB77D}"/>
               </a:ext>
             </a:extLst>
           </p:cNvPr>
@@ -9405,7 +9266,7 @@
           <a:lstStyle/>
           <a:p>
             <a:r>
-              <a:rPr lang="ru-RU" sz="2400" b="1" dirty="0" smtClean="0">
+              <a:rPr lang="ru-RU" sz="2400" b="1" dirty="0">
                 <a:solidFill>
                   <a:schemeClr val="tx2"/>
                 </a:solidFill>
@@ -9414,13 +9275,6 @@
               </a:rPr>
               <a:t>Диаграмма последовательностей</a:t>
             </a:r>
-            <a:endParaRPr lang="ru-RU" sz="2400" b="1" dirty="0" smtClean="0">
-              <a:solidFill>
-                <a:schemeClr val="tx2"/>
-              </a:solidFill>
-              <a:latin typeface="Verdana" panose="020B0604030504040204" pitchFamily="34" charset="0"/>
-              <a:ea typeface="Verdana" panose="020B0604030504040204" pitchFamily="34" charset="0"/>
-            </a:endParaRPr>
           </a:p>
         </p:txBody>
       </p:sp>
@@ -9500,7 +9354,7 @@
           <p:cNvPr id="45" name="Прямоугольник 44">
             <a:extLst>
               <a:ext uri="{FF2B5EF4-FFF2-40B4-BE49-F238E27FC236}">
-                <a16:creationId xmlns:a16="http://schemas.microsoft.com/office/drawing/2014/main" xmlns="" id="{F844FAD0-BFD3-42F8-8444-0D4247E6F864}"/>
+                <a16:creationId xmlns:a16="http://schemas.microsoft.com/office/drawing/2014/main" id="{F844FAD0-BFD3-42F8-8444-0D4247E6F864}"/>
               </a:ext>
             </a:extLst>
           </p:cNvPr>
@@ -9636,7 +9490,7 @@
           <p:cNvPr id="2" name="Номер слайда 1">
             <a:extLst>
               <a:ext uri="{FF2B5EF4-FFF2-40B4-BE49-F238E27FC236}">
-                <a16:creationId xmlns:a16="http://schemas.microsoft.com/office/drawing/2014/main" xmlns="" id="{E337A08D-3A8E-4E89-BC69-A001F02E6E0C}"/>
+                <a16:creationId xmlns:a16="http://schemas.microsoft.com/office/drawing/2014/main" id="{E337A08D-3A8E-4E89-BC69-A001F02E6E0C}"/>
               </a:ext>
             </a:extLst>
           </p:cNvPr>
@@ -9666,7 +9520,7 @@
           <p:cNvPr id="8" name="Прямая соединительная линия 7">
             <a:extLst>
               <a:ext uri="{FF2B5EF4-FFF2-40B4-BE49-F238E27FC236}">
-                <a16:creationId xmlns:a16="http://schemas.microsoft.com/office/drawing/2014/main" xmlns="" id="{8CE828DF-A9C3-4B2E-BB9A-236C9E8131AE}"/>
+                <a16:creationId xmlns:a16="http://schemas.microsoft.com/office/drawing/2014/main" id="{8CE828DF-A9C3-4B2E-BB9A-236C9E8131AE}"/>
               </a:ext>
             </a:extLst>
           </p:cNvPr>
@@ -9709,7 +9563,7 @@
           <p:cNvPr id="9" name="Прямоугольник 8">
             <a:extLst>
               <a:ext uri="{FF2B5EF4-FFF2-40B4-BE49-F238E27FC236}">
-                <a16:creationId xmlns:a16="http://schemas.microsoft.com/office/drawing/2014/main" xmlns="" id="{1986159B-90C6-4663-8A8F-0AB613A5E9A9}"/>
+                <a16:creationId xmlns:a16="http://schemas.microsoft.com/office/drawing/2014/main" id="{1986159B-90C6-4663-8A8F-0AB613A5E9A9}"/>
               </a:ext>
             </a:extLst>
           </p:cNvPr>
@@ -9820,7 +9674,7 @@
           <p:cNvPr id="3" name="Объект 2">
             <a:extLst>
               <a:ext uri="{FF2B5EF4-FFF2-40B4-BE49-F238E27FC236}">
-                <a16:creationId xmlns:a16="http://schemas.microsoft.com/office/drawing/2014/main" xmlns="" id="{807A1DB7-1B94-4C8E-9E43-F2737C3A6C6E}"/>
+                <a16:creationId xmlns:a16="http://schemas.microsoft.com/office/drawing/2014/main" id="{807A1DB7-1B94-4C8E-9E43-F2737C3A6C6E}"/>
               </a:ext>
             </a:extLst>
           </p:cNvPr>
@@ -9847,12 +9701,8 @@
               <a:buNone/>
             </a:pPr>
             <a:r>
-              <a:rPr lang="ru-RU" sz="1600" dirty="0" smtClean="0"/>
-              <a:t>В ходе работы получен прототип защищенной </a:t>
-            </a:r>
-            <a:r>
-              <a:rPr lang="ru-RU" sz="1600" dirty="0" smtClean="0"/>
-              <a:t>системы</a:t>
+              <a:rPr lang="ru-RU" sz="1600" dirty="0"/>
+              <a:t>В ходе работы получен прототип защищенной системы</a:t>
             </a:r>
           </a:p>
           <a:p>
@@ -9866,7 +9716,7 @@
               <a:buNone/>
             </a:pPr>
             <a:r>
-              <a:rPr lang="ru-RU" sz="1600" dirty="0" smtClean="0">
+              <a:rPr lang="ru-RU" sz="1600" dirty="0">
                 <a:solidFill>
                   <a:srgbClr val="FF0000"/>
                 </a:solidFill>
@@ -9874,7 +9724,7 @@
               <a:t>Текст, заголовок, слова</a:t>
             </a:r>
             <a:r>
-              <a:rPr lang="en-US" sz="1600" dirty="0" smtClean="0">
+              <a:rPr lang="en-US" sz="1600" dirty="0">
                 <a:solidFill>
                   <a:srgbClr val="FF0000"/>
                 </a:solidFill>
@@ -9882,7 +9732,7 @@
               <a:t>, </a:t>
             </a:r>
             <a:r>
-              <a:rPr lang="ru-RU" sz="1600" dirty="0" smtClean="0">
+              <a:rPr lang="ru-RU" sz="1600" dirty="0">
                 <a:solidFill>
                   <a:srgbClr val="FF0000"/>
                 </a:solidFill>
@@ -9890,14 +9740,14 @@
               <a:t>картинка</a:t>
             </a:r>
             <a:r>
-              <a:rPr lang="en-US" sz="1600" dirty="0" smtClean="0">
+              <a:rPr lang="en-US" sz="1600" dirty="0">
                 <a:solidFill>
                   <a:srgbClr val="FF0000"/>
                 </a:solidFill>
               </a:rPr>
               <a:t>????</a:t>
             </a:r>
-            <a:endParaRPr lang="ru-RU" sz="1600" dirty="0" smtClean="0">
+            <a:endParaRPr lang="ru-RU" sz="1600" dirty="0">
               <a:solidFill>
                 <a:srgbClr val="FF0000"/>
               </a:solidFill>
@@ -9910,7 +9760,7 @@
           <p:cNvPr id="4" name="Номер слайда 3">
             <a:extLst>
               <a:ext uri="{FF2B5EF4-FFF2-40B4-BE49-F238E27FC236}">
-                <a16:creationId xmlns:a16="http://schemas.microsoft.com/office/drawing/2014/main" xmlns="" id="{407E3DFD-05CC-48DB-9081-F8A9F136813E}"/>
+                <a16:creationId xmlns:a16="http://schemas.microsoft.com/office/drawing/2014/main" id="{407E3DFD-05CC-48DB-9081-F8A9F136813E}"/>
               </a:ext>
             </a:extLst>
           </p:cNvPr>
@@ -9940,7 +9790,7 @@
           <p:cNvPr id="5" name="Прямоугольник 4">
             <a:extLst>
               <a:ext uri="{FF2B5EF4-FFF2-40B4-BE49-F238E27FC236}">
-                <a16:creationId xmlns:a16="http://schemas.microsoft.com/office/drawing/2014/main" xmlns="" id="{910DF3EC-1F25-4526-9FE7-8BC70A8DF0C5}"/>
+                <a16:creationId xmlns:a16="http://schemas.microsoft.com/office/drawing/2014/main" id="{910DF3EC-1F25-4526-9FE7-8BC70A8DF0C5}"/>
               </a:ext>
             </a:extLst>
           </p:cNvPr>
@@ -9998,7 +9848,7 @@
           <p:cNvPr id="6" name="Прямая соединительная линия 5">
             <a:extLst>
               <a:ext uri="{FF2B5EF4-FFF2-40B4-BE49-F238E27FC236}">
-                <a16:creationId xmlns:a16="http://schemas.microsoft.com/office/drawing/2014/main" xmlns="" id="{2467A97C-B77F-44C8-A41B-AB2EE2D11DE3}"/>
+                <a16:creationId xmlns:a16="http://schemas.microsoft.com/office/drawing/2014/main" id="{2467A97C-B77F-44C8-A41B-AB2EE2D11DE3}"/>
               </a:ext>
             </a:extLst>
           </p:cNvPr>
@@ -10041,7 +9891,7 @@
           <p:cNvPr id="8" name="Прямоугольник 7">
             <a:extLst>
               <a:ext uri="{FF2B5EF4-FFF2-40B4-BE49-F238E27FC236}">
-                <a16:creationId xmlns:a16="http://schemas.microsoft.com/office/drawing/2014/main" xmlns="" id="{8CF585ED-3269-46F3-8B9F-D294E6449231}"/>
+                <a16:creationId xmlns:a16="http://schemas.microsoft.com/office/drawing/2014/main" id="{8CF585ED-3269-46F3-8B9F-D294E6449231}"/>
               </a:ext>
             </a:extLst>
           </p:cNvPr>
@@ -10081,7 +9931,7 @@
           <p:cNvPr id="7" name="Группа 6">
             <a:extLst>
               <a:ext uri="{FF2B5EF4-FFF2-40B4-BE49-F238E27FC236}">
-                <a16:creationId xmlns:a16="http://schemas.microsoft.com/office/drawing/2014/main" xmlns="" id="{139A77F8-7D49-45A1-9214-19DF6CAEDB87}"/>
+                <a16:creationId xmlns:a16="http://schemas.microsoft.com/office/drawing/2014/main" id="{139A77F8-7D49-45A1-9214-19DF6CAEDB87}"/>
               </a:ext>
             </a:extLst>
           </p:cNvPr>
@@ -10101,7 +9951,7 @@
             <p:cNvPr id="9" name="Прямоугольник 8">
               <a:extLst>
                 <a:ext uri="{FF2B5EF4-FFF2-40B4-BE49-F238E27FC236}">
-                  <a16:creationId xmlns:a16="http://schemas.microsoft.com/office/drawing/2014/main" xmlns="" id="{C1AF4255-9B0F-4619-888B-C211218E49FF}"/>
+                  <a16:creationId xmlns:a16="http://schemas.microsoft.com/office/drawing/2014/main" id="{C1AF4255-9B0F-4619-888B-C211218E49FF}"/>
                 </a:ext>
               </a:extLst>
             </p:cNvPr>
@@ -10155,7 +10005,7 @@
             <p:cNvPr id="10" name="Прямоугольник 9">
               <a:extLst>
                 <a:ext uri="{FF2B5EF4-FFF2-40B4-BE49-F238E27FC236}">
-                  <a16:creationId xmlns:a16="http://schemas.microsoft.com/office/drawing/2014/main" xmlns="" id="{A568F858-4223-42C7-92C9-58140347FD14}"/>
+                  <a16:creationId xmlns:a16="http://schemas.microsoft.com/office/drawing/2014/main" id="{A568F858-4223-42C7-92C9-58140347FD14}"/>
                 </a:ext>
               </a:extLst>
             </p:cNvPr>
@@ -10209,7 +10059,7 @@
             <p:cNvPr id="11" name="Прямоугольник 10">
               <a:extLst>
                 <a:ext uri="{FF2B5EF4-FFF2-40B4-BE49-F238E27FC236}">
-                  <a16:creationId xmlns:a16="http://schemas.microsoft.com/office/drawing/2014/main" xmlns="" id="{5B70D515-762B-4243-8DAB-E4E82DC6B17A}"/>
+                  <a16:creationId xmlns:a16="http://schemas.microsoft.com/office/drawing/2014/main" id="{5B70D515-762B-4243-8DAB-E4E82DC6B17A}"/>
                 </a:ext>
               </a:extLst>
             </p:cNvPr>
@@ -10267,7 +10117,7 @@
             <p:cNvPr id="12" name="TextBox 11">
               <a:extLst>
                 <a:ext uri="{FF2B5EF4-FFF2-40B4-BE49-F238E27FC236}">
-                  <a16:creationId xmlns:a16="http://schemas.microsoft.com/office/drawing/2014/main" xmlns="" id="{27C751DA-DBF5-4BF2-AD38-619676BDF720}"/>
+                  <a16:creationId xmlns:a16="http://schemas.microsoft.com/office/drawing/2014/main" id="{27C751DA-DBF5-4BF2-AD38-619676BDF720}"/>
                 </a:ext>
               </a:extLst>
             </p:cNvPr>
@@ -10291,7 +10141,7 @@
             <a:lstStyle/>
             <a:p>
               <a:r>
-                <a:rPr lang="ru-RU" sz="1600" b="1" dirty="0" smtClean="0">
+                <a:rPr lang="ru-RU" sz="1600" b="1" dirty="0">
                   <a:solidFill>
                     <a:schemeClr val="bg1">
                       <a:lumMod val="95000"/>
@@ -10319,7 +10169,7 @@
             <p:cNvPr id="13" name="Прямоугольник 12">
               <a:extLst>
                 <a:ext uri="{FF2B5EF4-FFF2-40B4-BE49-F238E27FC236}">
-                  <a16:creationId xmlns:a16="http://schemas.microsoft.com/office/drawing/2014/main" xmlns="" id="{2107D053-F587-41CE-AC4A-9D7FEBF094D1}"/>
+                  <a16:creationId xmlns:a16="http://schemas.microsoft.com/office/drawing/2014/main" id="{2107D053-F587-41CE-AC4A-9D7FEBF094D1}"/>
                 </a:ext>
               </a:extLst>
             </p:cNvPr>
@@ -10342,7 +10192,7 @@
             <a:lstStyle/>
             <a:p>
               <a:r>
-                <a:rPr lang="ru-RU" sz="1600" b="1" dirty="0" smtClean="0">
+                <a:rPr lang="ru-RU" sz="1600" b="1" dirty="0">
                   <a:solidFill>
                     <a:schemeClr val="bg1">
                       <a:lumMod val="95000"/>
@@ -10353,15 +10203,6 @@
                 </a:rPr>
                 <a:t>б</a:t>
               </a:r>
-              <a:endParaRPr lang="ru-RU" sz="1600" b="1" dirty="0">
-                <a:solidFill>
-                  <a:schemeClr val="bg1">
-                    <a:lumMod val="95000"/>
-                  </a:schemeClr>
-                </a:solidFill>
-                <a:latin typeface="Verdana" panose="020B0604030504040204" pitchFamily="34" charset="0"/>
-                <a:ea typeface="Verdana" panose="020B0604030504040204" pitchFamily="34" charset="0"/>
-              </a:endParaRPr>
             </a:p>
           </p:txBody>
         </p:sp>
@@ -10371,7 +10212,7 @@
           <p:cNvPr id="14" name="Прямоугольник 13">
             <a:extLst>
               <a:ext uri="{FF2B5EF4-FFF2-40B4-BE49-F238E27FC236}">
-                <a16:creationId xmlns:a16="http://schemas.microsoft.com/office/drawing/2014/main" xmlns="" id="{E5033180-5409-4181-81CC-03960C2AD567}"/>
+                <a16:creationId xmlns:a16="http://schemas.microsoft.com/office/drawing/2014/main" id="{E5033180-5409-4181-81CC-03960C2AD567}"/>
               </a:ext>
             </a:extLst>
           </p:cNvPr>
@@ -10394,7 +10235,7 @@
           <a:lstStyle/>
           <a:p>
             <a:r>
-              <a:rPr lang="ru-RU" sz="1600" b="1" dirty="0" smtClean="0">
+              <a:rPr lang="ru-RU" sz="1600" b="1" dirty="0">
                 <a:solidFill>
                   <a:schemeClr val="bg1">
                     <a:lumMod val="95000"/>

--- a/doc/Presentation.pptx
+++ b/doc/Presentation.pptx
@@ -5470,10 +5470,10 @@
       </p:sp>
       <p:pic>
         <p:nvPicPr>
-          <p:cNvPr id="15" name="Рисунок 14">
+          <p:cNvPr id="16" name="Рисунок 15">
             <a:extLst>
               <a:ext uri="{FF2B5EF4-FFF2-40B4-BE49-F238E27FC236}">
-                <a16:creationId xmlns:a16="http://schemas.microsoft.com/office/drawing/2014/main" id="{9BF49C87-AB22-4C37-9472-FBD86A88437C}"/>
+                <a16:creationId xmlns:a16="http://schemas.microsoft.com/office/drawing/2014/main" id="{693DE430-DA33-48DB-B661-FEEF2CA860CF}"/>
               </a:ext>
             </a:extLst>
           </p:cNvPr>
@@ -5490,8 +5490,8 @@
         </p:blipFill>
         <p:spPr>
           <a:xfrm>
-            <a:off x="2406897" y="1086331"/>
-            <a:ext cx="6604246" cy="3591337"/>
+            <a:off x="2468563" y="1086331"/>
+            <a:ext cx="6511130" cy="3644243"/>
           </a:xfrm>
           <a:prstGeom prst="rect">
             <a:avLst/>
@@ -5871,47 +5871,6 @@
       </p:pic>
       <p:pic>
         <p:nvPicPr>
-          <p:cNvPr id="8" name="Picture 3" descr="C:\Users\kosiya\Downloads\airplane.png"/>
-          <p:cNvPicPr>
-            <a:picLocks noChangeAspect="1" noChangeArrowheads="1"/>
-          </p:cNvPicPr>
-          <p:nvPr/>
-        </p:nvPicPr>
-        <p:blipFill>
-          <a:blip r:embed="rId3" cstate="print">
-            <a:extLst>
-              <a:ext uri="{28A0092B-C50C-407E-A947-70E740481C1C}">
-                <a14:useLocalDpi xmlns:a14="http://schemas.microsoft.com/office/drawing/2010/main" val="0"/>
-              </a:ext>
-            </a:extLst>
-          </a:blip>
-          <a:srcRect/>
-          <a:stretch>
-            <a:fillRect/>
-          </a:stretch>
-        </p:blipFill>
-        <p:spPr bwMode="auto">
-          <a:xfrm>
-            <a:off x="212120" y="3568821"/>
-            <a:ext cx="1839600" cy="1379193"/>
-          </a:xfrm>
-          <a:prstGeom prst="rect">
-            <a:avLst/>
-          </a:prstGeom>
-          <a:noFill/>
-          <a:extLst>
-            <a:ext uri="{909E8E84-426E-40DD-AFC4-6F175D3DCCD1}">
-              <a14:hiddenFill xmlns:a14="http://schemas.microsoft.com/office/drawing/2010/main">
-                <a:solidFill>
-                  <a:srgbClr val="FFFFFF"/>
-                </a:solidFill>
-              </a14:hiddenFill>
-            </a:ext>
-          </a:extLst>
-        </p:spPr>
-      </p:pic>
-      <p:pic>
-        <p:nvPicPr>
           <p:cNvPr id="9" name="Рисунок 8" descr="Изображение выглядит как фотография, знак, черный, белый&#10;&#10;Автоматически созданное описание">
             <a:extLst>
               <a:ext uri="{FF2B5EF4-FFF2-40B4-BE49-F238E27FC236}">
@@ -5925,7 +5884,7 @@
           <p:nvPr/>
         </p:nvPicPr>
         <p:blipFill>
-          <a:blip r:embed="rId4" cstate="print">
+          <a:blip r:embed="rId3" cstate="print">
             <a:extLst>
               <a:ext uri="{28A0092B-C50C-407E-A947-70E740481C1C}">
                 <a14:useLocalDpi xmlns:a14="http://schemas.microsoft.com/office/drawing/2010/main" val="0"/>
@@ -5938,7 +5897,7 @@
         </p:blipFill>
         <p:spPr>
           <a:xfrm>
-            <a:off x="489372" y="279124"/>
+            <a:off x="478846" y="3651870"/>
             <a:ext cx="1202308" cy="1212506"/>
           </a:xfrm>
           <a:prstGeom prst="rect">

--- a/doc/Presentation.pptx
+++ b/doc/Presentation.pptx
@@ -138,7 +138,7 @@
       </p14:sectionLst>
     </p:ext>
     <p:ext uri="{EFAFB233-063F-42B5-8137-9DF3F51BA10A}">
-      <p15:sldGuideLst xmlns:p15="http://schemas.microsoft.com/office/powerpoint/2012/main">
+      <p15:sldGuideLst xmlns:p15="http://schemas.microsoft.com/office/powerpoint/2012/main" xmlns="">
         <p15:guide id="1" orient="horz" pos="395" userDrawn="1">
           <p15:clr>
             <a:srgbClr val="A4A3A4"/>
@@ -245,7 +245,7 @@
             <a:fld id="{DC0B3C35-0735-4C1A-885F-DCB3E2DA0F59}" type="datetimeFigureOut">
               <a:rPr lang="ru-RU" smtClean="0"/>
               <a:pPr/>
-              <a:t>11.04.2022</a:t>
+              <a:t>12.04.2022</a:t>
             </a:fld>
             <a:endParaRPr lang="ru-RU"/>
           </a:p>
@@ -1347,7 +1347,7 @@
           <a:p>
             <a:fld id="{3B20D8BB-19A1-4AD7-ACB2-C34FEA16520C}" type="datetime1">
               <a:rPr lang="ru-RU" smtClean="0"/>
-              <a:t>11.04.2022</a:t>
+              <a:t>12.04.2022</a:t>
             </a:fld>
             <a:endParaRPr lang="ru-RU"/>
           </a:p>
@@ -1600,7 +1600,7 @@
           <a:p>
             <a:fld id="{7AFBA102-7F01-4B86-A22A-85B98BD1CCFF}" type="datetime1">
               <a:rPr lang="ru-RU" smtClean="0"/>
-              <a:t>11.04.2022</a:t>
+              <a:t>12.04.2022</a:t>
             </a:fld>
             <a:endParaRPr lang="ru-RU"/>
           </a:p>
@@ -1769,7 +1769,7 @@
           <a:p>
             <a:fld id="{D3271A2F-653B-4374-8538-9D7A9054F235}" type="datetime1">
               <a:rPr lang="ru-RU" smtClean="0"/>
-              <a:t>11.04.2022</a:t>
+              <a:t>12.04.2022</a:t>
             </a:fld>
             <a:endParaRPr lang="ru-RU"/>
           </a:p>
@@ -1948,7 +1948,7 @@
           <a:p>
             <a:fld id="{1FE93DAB-12DC-4BA1-8C9F-AD6C6B01790B}" type="datetime1">
               <a:rPr lang="ru-RU" smtClean="0"/>
-              <a:t>11.04.2022</a:t>
+              <a:t>12.04.2022</a:t>
             </a:fld>
             <a:endParaRPr lang="ru-RU"/>
           </a:p>
@@ -2117,7 +2117,7 @@
           <a:p>
             <a:fld id="{430EBC5D-A16E-44C1-BA5A-0F5576BAA9D7}" type="datetime1">
               <a:rPr lang="ru-RU" smtClean="0"/>
-              <a:t>11.04.2022</a:t>
+              <a:t>12.04.2022</a:t>
             </a:fld>
             <a:endParaRPr lang="ru-RU"/>
           </a:p>
@@ -2201,7 +2201,7 @@
           <p:cNvPr id="2" name="Заголовок 1">
             <a:extLst>
               <a:ext uri="{FF2B5EF4-FFF2-40B4-BE49-F238E27FC236}">
-                <a16:creationId xmlns:a16="http://schemas.microsoft.com/office/drawing/2014/main" id="{1187A9FC-966E-4F88-A65A-7E03044F5433}"/>
+                <a16:creationId xmlns:a16="http://schemas.microsoft.com/office/drawing/2014/main" xmlns="" id="{1187A9FC-966E-4F88-A65A-7E03044F5433}"/>
               </a:ext>
             </a:extLst>
           </p:cNvPr>
@@ -2229,7 +2229,7 @@
           <p:cNvPr id="3" name="Дата 2">
             <a:extLst>
               <a:ext uri="{FF2B5EF4-FFF2-40B4-BE49-F238E27FC236}">
-                <a16:creationId xmlns:a16="http://schemas.microsoft.com/office/drawing/2014/main" id="{7625A992-FDE0-409C-A39E-4079FE954E51}"/>
+                <a16:creationId xmlns:a16="http://schemas.microsoft.com/office/drawing/2014/main" xmlns="" id="{7625A992-FDE0-409C-A39E-4079FE954E51}"/>
               </a:ext>
             </a:extLst>
           </p:cNvPr>
@@ -2247,7 +2247,7 @@
           <a:p>
             <a:fld id="{4324B3F3-0710-4659-BF3B-444B0D3BD216}" type="datetime1">
               <a:rPr lang="ru-RU" smtClean="0"/>
-              <a:t>11.04.2022</a:t>
+              <a:t>12.04.2022</a:t>
             </a:fld>
             <a:endParaRPr lang="ru-RU"/>
           </a:p>
@@ -2258,7 +2258,7 @@
           <p:cNvPr id="4" name="Нижний колонтитул 3">
             <a:extLst>
               <a:ext uri="{FF2B5EF4-FFF2-40B4-BE49-F238E27FC236}">
-                <a16:creationId xmlns:a16="http://schemas.microsoft.com/office/drawing/2014/main" id="{93E533D9-BB3D-4C32-AC6D-B5D461B6EECE}"/>
+                <a16:creationId xmlns:a16="http://schemas.microsoft.com/office/drawing/2014/main" xmlns="" id="{93E533D9-BB3D-4C32-AC6D-B5D461B6EECE}"/>
               </a:ext>
             </a:extLst>
           </p:cNvPr>
@@ -2283,7 +2283,7 @@
           <p:cNvPr id="5" name="Номер слайда 4">
             <a:extLst>
               <a:ext uri="{FF2B5EF4-FFF2-40B4-BE49-F238E27FC236}">
-                <a16:creationId xmlns:a16="http://schemas.microsoft.com/office/drawing/2014/main" id="{B403D20D-06F7-4FCC-AFCB-E8F2F26A01BF}"/>
+                <a16:creationId xmlns:a16="http://schemas.microsoft.com/office/drawing/2014/main" xmlns="" id="{B403D20D-06F7-4FCC-AFCB-E8F2F26A01BF}"/>
               </a:ext>
             </a:extLst>
           </p:cNvPr>
@@ -2313,7 +2313,7 @@
           <p:cNvPr id="7" name="Текст 6">
             <a:extLst>
               <a:ext uri="{FF2B5EF4-FFF2-40B4-BE49-F238E27FC236}">
-                <a16:creationId xmlns:a16="http://schemas.microsoft.com/office/drawing/2014/main" id="{9DF0B83D-EEFA-4CD3-ABB2-378315AC97AA}"/>
+                <a16:creationId xmlns:a16="http://schemas.microsoft.com/office/drawing/2014/main" xmlns="" id="{9DF0B83D-EEFA-4CD3-ABB2-378315AC97AA}"/>
               </a:ext>
             </a:extLst>
           </p:cNvPr>
@@ -2571,7 +2571,7 @@
           <a:p>
             <a:fld id="{04041168-DF53-45FB-9099-91344FA615B9}" type="datetime1">
               <a:rPr lang="ru-RU" smtClean="0"/>
-              <a:t>11.04.2022</a:t>
+              <a:t>12.04.2022</a:t>
             </a:fld>
             <a:endParaRPr lang="ru-RU"/>
           </a:p>
@@ -2857,7 +2857,7 @@
           <a:p>
             <a:fld id="{5E0DC4EB-B95E-498D-A762-FD4129A79E21}" type="datetime1">
               <a:rPr lang="ru-RU" smtClean="0"/>
-              <a:t>11.04.2022</a:t>
+              <a:t>12.04.2022</a:t>
             </a:fld>
             <a:endParaRPr lang="ru-RU"/>
           </a:p>
@@ -3277,7 +3277,7 @@
           <a:p>
             <a:fld id="{70B9E767-46C9-40E7-AFC7-2041020C7CB1}" type="datetime1">
               <a:rPr lang="ru-RU" smtClean="0"/>
-              <a:t>11.04.2022</a:t>
+              <a:t>12.04.2022</a:t>
             </a:fld>
             <a:endParaRPr lang="ru-RU"/>
           </a:p>
@@ -3395,7 +3395,7 @@
           <a:p>
             <a:fld id="{158E23B8-2CA0-431C-81EC-8C3D5BB6C13B}" type="datetime1">
               <a:rPr lang="ru-RU" smtClean="0"/>
-              <a:t>11.04.2022</a:t>
+              <a:t>12.04.2022</a:t>
             </a:fld>
             <a:endParaRPr lang="ru-RU"/>
           </a:p>
@@ -3491,7 +3491,7 @@
           <a:p>
             <a:fld id="{9371AD5C-8E3E-488E-BD32-632A02384D10}" type="datetime1">
               <a:rPr lang="ru-RU" smtClean="0"/>
-              <a:t>11.04.2022</a:t>
+              <a:t>12.04.2022</a:t>
             </a:fld>
             <a:endParaRPr lang="ru-RU"/>
           </a:p>
@@ -3767,7 +3767,7 @@
           <a:p>
             <a:fld id="{E23905B0-BAEB-409C-AC3A-3C68B6D517D3}" type="datetime1">
               <a:rPr lang="ru-RU" smtClean="0"/>
-              <a:t>11.04.2022</a:t>
+              <a:t>12.04.2022</a:t>
             </a:fld>
             <a:endParaRPr lang="ru-RU"/>
           </a:p>
@@ -3979,7 +3979,7 @@
           <a:p>
             <a:fld id="{79A7F2E6-CF1E-4A81-BBD8-F91AF87C4228}" type="datetime1">
               <a:rPr lang="ru-RU" smtClean="0"/>
-              <a:t>11.04.2022</a:t>
+              <a:t>12.04.2022</a:t>
             </a:fld>
             <a:endParaRPr lang="ru-RU"/>
           </a:p>
@@ -4362,7 +4362,7 @@
           <p:cNvPr id="23" name="Полилиния: фигура 22">
             <a:extLst>
               <a:ext uri="{FF2B5EF4-FFF2-40B4-BE49-F238E27FC236}">
-                <a16:creationId xmlns:a16="http://schemas.microsoft.com/office/drawing/2014/main" id="{2346EF01-306A-45F1-B49E-ADB43FC604E8}"/>
+                <a16:creationId xmlns:a16="http://schemas.microsoft.com/office/drawing/2014/main" xmlns="" id="{2346EF01-306A-45F1-B49E-ADB43FC604E8}"/>
               </a:ext>
             </a:extLst>
           </p:cNvPr>
@@ -4459,7 +4459,7 @@
           <p:cNvPr id="7" name="TextBox 6">
             <a:extLst>
               <a:ext uri="{FF2B5EF4-FFF2-40B4-BE49-F238E27FC236}">
-                <a16:creationId xmlns:a16="http://schemas.microsoft.com/office/drawing/2014/main" id="{DB65D454-9513-AE4B-B897-CBE3585FB02C}"/>
+                <a16:creationId xmlns:a16="http://schemas.microsoft.com/office/drawing/2014/main" xmlns="" id="{DB65D454-9513-AE4B-B897-CBE3585FB02C}"/>
               </a:ext>
             </a:extLst>
           </p:cNvPr>
@@ -4511,6 +4511,16 @@
               </a:rPr>
               <a:t>Авиационный</a:t>
             </a:r>
+            <a:r>
+              <a:rPr lang="en-US" sz="3200" b="1" dirty="0">
+                <a:solidFill>
+                  <a:schemeClr val="bg1"/>
+                </a:solidFill>
+                <a:latin typeface="Verdana" panose="020B0604030504040204" pitchFamily="34" charset="0"/>
+                <a:ea typeface="Verdana" panose="020B0604030504040204" pitchFamily="34" charset="0"/>
+              </a:rPr>
+              <a:t/>
+            </a:r>
             <a:br>
               <a:rPr lang="en-US" sz="3200" b="1" dirty="0">
                 <a:solidFill>
@@ -4591,7 +4601,7 @@
           <p:cNvPr id="25" name="TextBox 24">
             <a:extLst>
               <a:ext uri="{FF2B5EF4-FFF2-40B4-BE49-F238E27FC236}">
-                <a16:creationId xmlns:a16="http://schemas.microsoft.com/office/drawing/2014/main" id="{5F839AF4-2DA2-448E-9D55-17402DA471EB}"/>
+                <a16:creationId xmlns:a16="http://schemas.microsoft.com/office/drawing/2014/main" xmlns="" id="{5F839AF4-2DA2-448E-9D55-17402DA471EB}"/>
               </a:ext>
             </a:extLst>
           </p:cNvPr>
@@ -4649,7 +4659,7 @@
           <p:cNvPr id="9" name="Рисунок 8" descr="Изображение выглядит как фотография, знак, черный, белый&#10;&#10;Автоматически созданное описание">
             <a:extLst>
               <a:ext uri="{FF2B5EF4-FFF2-40B4-BE49-F238E27FC236}">
-                <a16:creationId xmlns:a16="http://schemas.microsoft.com/office/drawing/2014/main" id="{074BF89E-2F5E-4138-803A-5E07BFE000CD}"/>
+                <a16:creationId xmlns:a16="http://schemas.microsoft.com/office/drawing/2014/main" xmlns="" id="{074BF89E-2F5E-4138-803A-5E07BFE000CD}"/>
               </a:ext>
             </a:extLst>
           </p:cNvPr>
@@ -4685,7 +4695,7 @@
           <p:cNvPr id="8" name="Прямоугольник 7">
             <a:extLst>
               <a:ext uri="{FF2B5EF4-FFF2-40B4-BE49-F238E27FC236}">
-                <a16:creationId xmlns:a16="http://schemas.microsoft.com/office/drawing/2014/main" id="{B22E2906-0F12-4345-BF21-9247EC5D1052}"/>
+                <a16:creationId xmlns:a16="http://schemas.microsoft.com/office/drawing/2014/main" xmlns="" id="{B22E2906-0F12-4345-BF21-9247EC5D1052}"/>
               </a:ext>
             </a:extLst>
           </p:cNvPr>
@@ -4842,7 +4852,7 @@
           <p:cNvPr id="2" name="Номер слайда 1">
             <a:extLst>
               <a:ext uri="{FF2B5EF4-FFF2-40B4-BE49-F238E27FC236}">
-                <a16:creationId xmlns:a16="http://schemas.microsoft.com/office/drawing/2014/main" id="{BA9CF357-4FFB-4B7D-AC71-7714293F20AA}"/>
+                <a16:creationId xmlns:a16="http://schemas.microsoft.com/office/drawing/2014/main" xmlns="" id="{BA9CF357-4FFB-4B7D-AC71-7714293F20AA}"/>
               </a:ext>
             </a:extLst>
           </p:cNvPr>
@@ -4897,7 +4907,7 @@
           <p:cNvPr id="3" name="Объект 2">
             <a:extLst>
               <a:ext uri="{FF2B5EF4-FFF2-40B4-BE49-F238E27FC236}">
-                <a16:creationId xmlns:a16="http://schemas.microsoft.com/office/drawing/2014/main" id="{807A1DB7-1B94-4C8E-9E43-F2737C3A6C6E}"/>
+                <a16:creationId xmlns:a16="http://schemas.microsoft.com/office/drawing/2014/main" xmlns="" id="{807A1DB7-1B94-4C8E-9E43-F2737C3A6C6E}"/>
               </a:ext>
             </a:extLst>
           </p:cNvPr>
@@ -4946,7 +4956,7 @@
           <p:cNvPr id="4" name="Номер слайда 3">
             <a:extLst>
               <a:ext uri="{FF2B5EF4-FFF2-40B4-BE49-F238E27FC236}">
-                <a16:creationId xmlns:a16="http://schemas.microsoft.com/office/drawing/2014/main" id="{407E3DFD-05CC-48DB-9081-F8A9F136813E}"/>
+                <a16:creationId xmlns:a16="http://schemas.microsoft.com/office/drawing/2014/main" xmlns="" id="{407E3DFD-05CC-48DB-9081-F8A9F136813E}"/>
               </a:ext>
             </a:extLst>
           </p:cNvPr>
@@ -4976,7 +4986,7 @@
           <p:cNvPr id="5" name="Прямоугольник 4">
             <a:extLst>
               <a:ext uri="{FF2B5EF4-FFF2-40B4-BE49-F238E27FC236}">
-                <a16:creationId xmlns:a16="http://schemas.microsoft.com/office/drawing/2014/main" id="{910DF3EC-1F25-4526-9FE7-8BC70A8DF0C5}"/>
+                <a16:creationId xmlns:a16="http://schemas.microsoft.com/office/drawing/2014/main" xmlns="" id="{910DF3EC-1F25-4526-9FE7-8BC70A8DF0C5}"/>
               </a:ext>
             </a:extLst>
           </p:cNvPr>
@@ -5034,7 +5044,7 @@
           <p:cNvPr id="6" name="Прямая соединительная линия 5">
             <a:extLst>
               <a:ext uri="{FF2B5EF4-FFF2-40B4-BE49-F238E27FC236}">
-                <a16:creationId xmlns:a16="http://schemas.microsoft.com/office/drawing/2014/main" id="{2467A97C-B77F-44C8-A41B-AB2EE2D11DE3}"/>
+                <a16:creationId xmlns:a16="http://schemas.microsoft.com/office/drawing/2014/main" xmlns="" id="{2467A97C-B77F-44C8-A41B-AB2EE2D11DE3}"/>
               </a:ext>
             </a:extLst>
           </p:cNvPr>
@@ -5077,7 +5087,7 @@
           <p:cNvPr id="8" name="Прямоугольник 7">
             <a:extLst>
               <a:ext uri="{FF2B5EF4-FFF2-40B4-BE49-F238E27FC236}">
-                <a16:creationId xmlns:a16="http://schemas.microsoft.com/office/drawing/2014/main" id="{8CF585ED-3269-46F3-8B9F-D294E6449231}"/>
+                <a16:creationId xmlns:a16="http://schemas.microsoft.com/office/drawing/2014/main" xmlns="" id="{8CF585ED-3269-46F3-8B9F-D294E6449231}"/>
               </a:ext>
             </a:extLst>
           </p:cNvPr>
@@ -5086,8 +5096,8 @@
         </p:nvSpPr>
         <p:spPr>
           <a:xfrm>
-            <a:off x="3207657" y="301336"/>
-            <a:ext cx="6110664" cy="461665"/>
+            <a:off x="3207657" y="51470"/>
+            <a:ext cx="6110664" cy="830997"/>
           </a:xfrm>
           <a:prstGeom prst="rect">
             <a:avLst/>
@@ -5100,15 +5110,34 @@
           <a:lstStyle/>
           <a:p>
             <a:r>
-              <a:rPr lang="ru-RU" sz="2400" b="1" dirty="0">
+              <a:rPr lang="ru-RU" sz="2400" b="1" dirty="0" smtClean="0">
                 <a:solidFill>
                   <a:schemeClr val="tx2"/>
                 </a:solidFill>
                 <a:latin typeface="Verdana" panose="020B0604030504040204" pitchFamily="34" charset="0"/>
                 <a:ea typeface="Verdana" panose="020B0604030504040204" pitchFamily="34" charset="0"/>
               </a:rPr>
-              <a:t>Дальнейшие возможности</a:t>
-            </a:r>
+              <a:t>Дальнейшие</a:t>
+            </a:r>
+          </a:p>
+          <a:p>
+            <a:r>
+              <a:rPr lang="ru-RU" sz="2400" b="1" dirty="0" smtClean="0">
+                <a:solidFill>
+                  <a:schemeClr val="tx2"/>
+                </a:solidFill>
+                <a:latin typeface="Verdana" panose="020B0604030504040204" pitchFamily="34" charset="0"/>
+                <a:ea typeface="Verdana" panose="020B0604030504040204" pitchFamily="34" charset="0"/>
+              </a:rPr>
+              <a:t>возможности системы</a:t>
+            </a:r>
+            <a:endParaRPr lang="ru-RU" sz="2400" b="1" dirty="0">
+              <a:solidFill>
+                <a:schemeClr val="tx2"/>
+              </a:solidFill>
+              <a:latin typeface="Verdana" panose="020B0604030504040204" pitchFamily="34" charset="0"/>
+              <a:ea typeface="Verdana" panose="020B0604030504040204" pitchFamily="34" charset="0"/>
+            </a:endParaRPr>
           </a:p>
         </p:txBody>
       </p:sp>
@@ -5117,7 +5146,7 @@
           <p:cNvPr id="7" name="Группа 6">
             <a:extLst>
               <a:ext uri="{FF2B5EF4-FFF2-40B4-BE49-F238E27FC236}">
-                <a16:creationId xmlns:a16="http://schemas.microsoft.com/office/drawing/2014/main" id="{139A77F8-7D49-45A1-9214-19DF6CAEDB87}"/>
+                <a16:creationId xmlns:a16="http://schemas.microsoft.com/office/drawing/2014/main" xmlns="" id="{139A77F8-7D49-45A1-9214-19DF6CAEDB87}"/>
               </a:ext>
             </a:extLst>
           </p:cNvPr>
@@ -5137,7 +5166,7 @@
             <p:cNvPr id="9" name="Прямоугольник 8">
               <a:extLst>
                 <a:ext uri="{FF2B5EF4-FFF2-40B4-BE49-F238E27FC236}">
-                  <a16:creationId xmlns:a16="http://schemas.microsoft.com/office/drawing/2014/main" id="{C1AF4255-9B0F-4619-888B-C211218E49FF}"/>
+                  <a16:creationId xmlns:a16="http://schemas.microsoft.com/office/drawing/2014/main" xmlns="" id="{C1AF4255-9B0F-4619-888B-C211218E49FF}"/>
                 </a:ext>
               </a:extLst>
             </p:cNvPr>
@@ -5191,7 +5220,7 @@
             <p:cNvPr id="10" name="Прямоугольник 9">
               <a:extLst>
                 <a:ext uri="{FF2B5EF4-FFF2-40B4-BE49-F238E27FC236}">
-                  <a16:creationId xmlns:a16="http://schemas.microsoft.com/office/drawing/2014/main" id="{A568F858-4223-42C7-92C9-58140347FD14}"/>
+                  <a16:creationId xmlns:a16="http://schemas.microsoft.com/office/drawing/2014/main" xmlns="" id="{A568F858-4223-42C7-92C9-58140347FD14}"/>
                 </a:ext>
               </a:extLst>
             </p:cNvPr>
@@ -5245,7 +5274,7 @@
             <p:cNvPr id="11" name="Прямоугольник 10">
               <a:extLst>
                 <a:ext uri="{FF2B5EF4-FFF2-40B4-BE49-F238E27FC236}">
-                  <a16:creationId xmlns:a16="http://schemas.microsoft.com/office/drawing/2014/main" id="{5B70D515-762B-4243-8DAB-E4E82DC6B17A}"/>
+                  <a16:creationId xmlns:a16="http://schemas.microsoft.com/office/drawing/2014/main" xmlns="" id="{5B70D515-762B-4243-8DAB-E4E82DC6B17A}"/>
                 </a:ext>
               </a:extLst>
             </p:cNvPr>
@@ -5303,7 +5332,7 @@
             <p:cNvPr id="12" name="TextBox 11">
               <a:extLst>
                 <a:ext uri="{FF2B5EF4-FFF2-40B4-BE49-F238E27FC236}">
-                  <a16:creationId xmlns:a16="http://schemas.microsoft.com/office/drawing/2014/main" id="{27C751DA-DBF5-4BF2-AD38-619676BDF720}"/>
+                  <a16:creationId xmlns:a16="http://schemas.microsoft.com/office/drawing/2014/main" xmlns="" id="{27C751DA-DBF5-4BF2-AD38-619676BDF720}"/>
                 </a:ext>
               </a:extLst>
             </p:cNvPr>
@@ -5355,7 +5384,7 @@
             <p:cNvPr id="13" name="Прямоугольник 12">
               <a:extLst>
                 <a:ext uri="{FF2B5EF4-FFF2-40B4-BE49-F238E27FC236}">
-                  <a16:creationId xmlns:a16="http://schemas.microsoft.com/office/drawing/2014/main" id="{2107D053-F587-41CE-AC4A-9D7FEBF094D1}"/>
+                  <a16:creationId xmlns:a16="http://schemas.microsoft.com/office/drawing/2014/main" xmlns="" id="{2107D053-F587-41CE-AC4A-9D7FEBF094D1}"/>
                 </a:ext>
               </a:extLst>
             </p:cNvPr>
@@ -5407,7 +5436,7 @@
           <p:cNvPr id="14" name="Прямоугольник 13">
             <a:extLst>
               <a:ext uri="{FF2B5EF4-FFF2-40B4-BE49-F238E27FC236}">
-                <a16:creationId xmlns:a16="http://schemas.microsoft.com/office/drawing/2014/main" id="{E5033180-5409-4181-81CC-03960C2AD567}"/>
+                <a16:creationId xmlns:a16="http://schemas.microsoft.com/office/drawing/2014/main" xmlns="" id="{E5033180-5409-4181-81CC-03960C2AD567}"/>
               </a:ext>
             </a:extLst>
           </p:cNvPr>
@@ -5473,7 +5502,7 @@
           <p:cNvPr id="16" name="Рисунок 15">
             <a:extLst>
               <a:ext uri="{FF2B5EF4-FFF2-40B4-BE49-F238E27FC236}">
-                <a16:creationId xmlns:a16="http://schemas.microsoft.com/office/drawing/2014/main" id="{693DE430-DA33-48DB-B661-FEEF2CA860CF}"/>
+                <a16:creationId xmlns:a16="http://schemas.microsoft.com/office/drawing/2014/main" xmlns="" id="{693DE430-DA33-48DB-B661-FEEF2CA860CF}"/>
               </a:ext>
             </a:extLst>
           </p:cNvPr>
@@ -5533,7 +5562,7 @@
           <p:cNvPr id="5" name="Прямоугольник 4">
             <a:extLst>
               <a:ext uri="{FF2B5EF4-FFF2-40B4-BE49-F238E27FC236}">
-                <a16:creationId xmlns:a16="http://schemas.microsoft.com/office/drawing/2014/main" id="{73F08337-4FBD-49CA-B7CF-082FB8F03E03}"/>
+                <a16:creationId xmlns:a16="http://schemas.microsoft.com/office/drawing/2014/main" xmlns="" id="{73F08337-4FBD-49CA-B7CF-082FB8F03E03}"/>
               </a:ext>
             </a:extLst>
           </p:cNvPr>
@@ -5591,7 +5620,7 @@
           <p:cNvPr id="6" name="Прямоугольник 5">
             <a:extLst>
               <a:ext uri="{FF2B5EF4-FFF2-40B4-BE49-F238E27FC236}">
-                <a16:creationId xmlns:a16="http://schemas.microsoft.com/office/drawing/2014/main" id="{BB7E2663-AD02-4F1A-96DD-A2715B9F7167}"/>
+                <a16:creationId xmlns:a16="http://schemas.microsoft.com/office/drawing/2014/main" xmlns="" id="{BB7E2663-AD02-4F1A-96DD-A2715B9F7167}"/>
               </a:ext>
             </a:extLst>
           </p:cNvPr>
@@ -5631,7 +5660,7 @@
           <p:cNvPr id="7" name="Объект 2">
             <a:extLst>
               <a:ext uri="{FF2B5EF4-FFF2-40B4-BE49-F238E27FC236}">
-                <a16:creationId xmlns:a16="http://schemas.microsoft.com/office/drawing/2014/main" id="{DB15A276-4B35-4D81-AA85-B979C4E0F219}"/>
+                <a16:creationId xmlns:a16="http://schemas.microsoft.com/office/drawing/2014/main" xmlns="" id="{DB15A276-4B35-4D81-AA85-B979C4E0F219}"/>
               </a:ext>
             </a:extLst>
           </p:cNvPr>
@@ -5807,16 +5836,6 @@
                 <a:ea typeface="Verdana" panose="020B0604030504040204" pitchFamily="34" charset="0"/>
               </a:rPr>
               <a:t>			</a:t>
-            </a:r>
-            <a:r>
-              <a:rPr lang="en-US" sz="1600" dirty="0">
-                <a:solidFill>
-                  <a:schemeClr val="tx2"/>
-                </a:solidFill>
-                <a:latin typeface="Verdana" panose="020B0604030504040204" pitchFamily="34" charset="0"/>
-                <a:ea typeface="Verdana" panose="020B0604030504040204" pitchFamily="34" charset="0"/>
-              </a:rPr>
-              <a:t>@</a:t>
             </a:r>
             <a:endParaRPr lang="ru-RU" sz="1600" dirty="0">
               <a:solidFill>
@@ -5874,7 +5893,7 @@
           <p:cNvPr id="9" name="Рисунок 8" descr="Изображение выглядит как фотография, знак, черный, белый&#10;&#10;Автоматически созданное описание">
             <a:extLst>
               <a:ext uri="{FF2B5EF4-FFF2-40B4-BE49-F238E27FC236}">
-                <a16:creationId xmlns:a16="http://schemas.microsoft.com/office/drawing/2014/main" id="{074BF89E-2F5E-4138-803A-5E07BFE000CD}"/>
+                <a16:creationId xmlns:a16="http://schemas.microsoft.com/office/drawing/2014/main" xmlns="" id="{074BF89E-2F5E-4138-803A-5E07BFE000CD}"/>
               </a:ext>
             </a:extLst>
           </p:cNvPr>
@@ -5992,7 +6011,7 @@
           <p:cNvPr id="30" name="Прямая соединительная линия 29">
             <a:extLst>
               <a:ext uri="{FF2B5EF4-FFF2-40B4-BE49-F238E27FC236}">
-                <a16:creationId xmlns:a16="http://schemas.microsoft.com/office/drawing/2014/main" id="{F004EEAE-9E59-4362-892F-11F0597BBF49}"/>
+                <a16:creationId xmlns:a16="http://schemas.microsoft.com/office/drawing/2014/main" xmlns="" id="{F004EEAE-9E59-4362-892F-11F0597BBF49}"/>
               </a:ext>
             </a:extLst>
           </p:cNvPr>
@@ -6035,7 +6054,7 @@
           <p:cNvPr id="3" name="Номер слайда 2">
             <a:extLst>
               <a:ext uri="{FF2B5EF4-FFF2-40B4-BE49-F238E27FC236}">
-                <a16:creationId xmlns:a16="http://schemas.microsoft.com/office/drawing/2014/main" id="{9879899F-8DEE-4C3F-B4F8-8A504F60C80B}"/>
+                <a16:creationId xmlns:a16="http://schemas.microsoft.com/office/drawing/2014/main" xmlns="" id="{9879899F-8DEE-4C3F-B4F8-8A504F60C80B}"/>
               </a:ext>
             </a:extLst>
           </p:cNvPr>
@@ -6065,7 +6084,7 @@
           <p:cNvPr id="14" name="Прямоугольник 13">
             <a:extLst>
               <a:ext uri="{FF2B5EF4-FFF2-40B4-BE49-F238E27FC236}">
-                <a16:creationId xmlns:a16="http://schemas.microsoft.com/office/drawing/2014/main" id="{C204DE12-0708-4039-981E-EC5E81BC4662}"/>
+                <a16:creationId xmlns:a16="http://schemas.microsoft.com/office/drawing/2014/main" xmlns="" id="{C204DE12-0708-4039-981E-EC5E81BC4662}"/>
               </a:ext>
             </a:extLst>
           </p:cNvPr>
@@ -6158,7 +6177,7 @@
           <p:cNvPr id="1026" name="Picture 2">
             <a:extLst>
               <a:ext uri="{FF2B5EF4-FFF2-40B4-BE49-F238E27FC236}">
-                <a16:creationId xmlns:a16="http://schemas.microsoft.com/office/drawing/2014/main" id="{17C112DF-E30E-4E91-BE1E-B73E5466DF10}"/>
+                <a16:creationId xmlns:a16="http://schemas.microsoft.com/office/drawing/2014/main" xmlns="" id="{17C112DF-E30E-4E91-BE1E-B73E5466DF10}"/>
               </a:ext>
             </a:extLst>
           </p:cNvPr>
@@ -6205,7 +6224,7 @@
           <p:cNvPr id="10" name="Группа 9">
             <a:extLst>
               <a:ext uri="{FF2B5EF4-FFF2-40B4-BE49-F238E27FC236}">
-                <a16:creationId xmlns:a16="http://schemas.microsoft.com/office/drawing/2014/main" id="{C966BB80-279D-40A2-84AF-CDA482DFE0F5}"/>
+                <a16:creationId xmlns:a16="http://schemas.microsoft.com/office/drawing/2014/main" xmlns="" id="{C966BB80-279D-40A2-84AF-CDA482DFE0F5}"/>
               </a:ext>
             </a:extLst>
           </p:cNvPr>
@@ -6225,7 +6244,7 @@
             <p:cNvPr id="11" name="Прямоугольник 10">
               <a:extLst>
                 <a:ext uri="{FF2B5EF4-FFF2-40B4-BE49-F238E27FC236}">
-                  <a16:creationId xmlns:a16="http://schemas.microsoft.com/office/drawing/2014/main" id="{1C3373F8-AC50-4FE4-9BFB-C2ABC5937CCF}"/>
+                  <a16:creationId xmlns:a16="http://schemas.microsoft.com/office/drawing/2014/main" xmlns="" id="{1C3373F8-AC50-4FE4-9BFB-C2ABC5937CCF}"/>
                 </a:ext>
               </a:extLst>
             </p:cNvPr>
@@ -6279,7 +6298,7 @@
             <p:cNvPr id="12" name="Прямоугольник 11">
               <a:extLst>
                 <a:ext uri="{FF2B5EF4-FFF2-40B4-BE49-F238E27FC236}">
-                  <a16:creationId xmlns:a16="http://schemas.microsoft.com/office/drawing/2014/main" id="{4DFE0403-DA90-48B3-8870-BB7651570C39}"/>
+                  <a16:creationId xmlns:a16="http://schemas.microsoft.com/office/drawing/2014/main" xmlns="" id="{4DFE0403-DA90-48B3-8870-BB7651570C39}"/>
                 </a:ext>
               </a:extLst>
             </p:cNvPr>
@@ -6333,7 +6352,7 @@
             <p:cNvPr id="13" name="Прямоугольник 12">
               <a:extLst>
                 <a:ext uri="{FF2B5EF4-FFF2-40B4-BE49-F238E27FC236}">
-                  <a16:creationId xmlns:a16="http://schemas.microsoft.com/office/drawing/2014/main" id="{300C2159-07F4-4FED-9B06-CE00C4978DA0}"/>
+                  <a16:creationId xmlns:a16="http://schemas.microsoft.com/office/drawing/2014/main" xmlns="" id="{300C2159-07F4-4FED-9B06-CE00C4978DA0}"/>
                 </a:ext>
               </a:extLst>
             </p:cNvPr>
@@ -6391,7 +6410,7 @@
             <p:cNvPr id="15" name="TextBox 14">
               <a:extLst>
                 <a:ext uri="{FF2B5EF4-FFF2-40B4-BE49-F238E27FC236}">
-                  <a16:creationId xmlns:a16="http://schemas.microsoft.com/office/drawing/2014/main" id="{3BBCBA7E-0F94-4396-B31C-676823516FFA}"/>
+                  <a16:creationId xmlns:a16="http://schemas.microsoft.com/office/drawing/2014/main" xmlns="" id="{3BBCBA7E-0F94-4396-B31C-676823516FFA}"/>
                 </a:ext>
               </a:extLst>
             </p:cNvPr>
@@ -6443,7 +6462,7 @@
             <p:cNvPr id="16" name="Прямоугольник 15">
               <a:extLst>
                 <a:ext uri="{FF2B5EF4-FFF2-40B4-BE49-F238E27FC236}">
-                  <a16:creationId xmlns:a16="http://schemas.microsoft.com/office/drawing/2014/main" id="{9DF13001-453E-456E-9606-5ACD70C1F22C}"/>
+                  <a16:creationId xmlns:a16="http://schemas.microsoft.com/office/drawing/2014/main" xmlns="" id="{9DF13001-453E-456E-9606-5ACD70C1F22C}"/>
                 </a:ext>
               </a:extLst>
             </p:cNvPr>
@@ -6486,7 +6505,7 @@
           <p:cNvPr id="17" name="Прямоугольник 16">
             <a:extLst>
               <a:ext uri="{FF2B5EF4-FFF2-40B4-BE49-F238E27FC236}">
-                <a16:creationId xmlns:a16="http://schemas.microsoft.com/office/drawing/2014/main" id="{4178CC85-0238-47F8-9C95-8ED6B85E84DE}"/>
+                <a16:creationId xmlns:a16="http://schemas.microsoft.com/office/drawing/2014/main" xmlns="" id="{4178CC85-0238-47F8-9C95-8ED6B85E84DE}"/>
               </a:ext>
             </a:extLst>
           </p:cNvPr>
@@ -6558,7 +6577,7 @@
           <p:cNvPr id="45" name="Прямоугольник 44">
             <a:extLst>
               <a:ext uri="{FF2B5EF4-FFF2-40B4-BE49-F238E27FC236}">
-                <a16:creationId xmlns:a16="http://schemas.microsoft.com/office/drawing/2014/main" id="{F844FAD0-BFD3-42F8-8444-0D4247E6F864}"/>
+                <a16:creationId xmlns:a16="http://schemas.microsoft.com/office/drawing/2014/main" xmlns="" id="{F844FAD0-BFD3-42F8-8444-0D4247E6F864}"/>
               </a:ext>
             </a:extLst>
           </p:cNvPr>
@@ -6616,7 +6635,7 @@
           <p:cNvPr id="27" name="Прямая соединительная линия 26">
             <a:extLst>
               <a:ext uri="{FF2B5EF4-FFF2-40B4-BE49-F238E27FC236}">
-                <a16:creationId xmlns:a16="http://schemas.microsoft.com/office/drawing/2014/main" id="{7D440611-E861-4ADC-BE55-6C5E3E2135B0}"/>
+                <a16:creationId xmlns:a16="http://schemas.microsoft.com/office/drawing/2014/main" xmlns="" id="{7D440611-E861-4ADC-BE55-6C5E3E2135B0}"/>
               </a:ext>
             </a:extLst>
           </p:cNvPr>
@@ -6737,7 +6756,7 @@
           <p:cNvPr id="8" name="Группа 7">
             <a:extLst>
               <a:ext uri="{FF2B5EF4-FFF2-40B4-BE49-F238E27FC236}">
-                <a16:creationId xmlns:a16="http://schemas.microsoft.com/office/drawing/2014/main" id="{8D89B8A8-CE48-43F1-BB75-3E6B699D7B47}"/>
+                <a16:creationId xmlns:a16="http://schemas.microsoft.com/office/drawing/2014/main" xmlns="" id="{8D89B8A8-CE48-43F1-BB75-3E6B699D7B47}"/>
               </a:ext>
             </a:extLst>
           </p:cNvPr>
@@ -6757,7 +6776,7 @@
             <p:cNvPr id="49" name="Прямоугольник 48">
               <a:extLst>
                 <a:ext uri="{FF2B5EF4-FFF2-40B4-BE49-F238E27FC236}">
-                  <a16:creationId xmlns:a16="http://schemas.microsoft.com/office/drawing/2014/main" id="{FDB282C5-2604-4D7A-8D2A-E546EB65E607}"/>
+                  <a16:creationId xmlns:a16="http://schemas.microsoft.com/office/drawing/2014/main" xmlns="" id="{FDB282C5-2604-4D7A-8D2A-E546EB65E607}"/>
                 </a:ext>
               </a:extLst>
             </p:cNvPr>
@@ -6811,7 +6830,7 @@
             <p:cNvPr id="63" name="Прямоугольник 62">
               <a:extLst>
                 <a:ext uri="{FF2B5EF4-FFF2-40B4-BE49-F238E27FC236}">
-                  <a16:creationId xmlns:a16="http://schemas.microsoft.com/office/drawing/2014/main" id="{2D33E0AE-D3CC-4355-8650-0C91F2677331}"/>
+                  <a16:creationId xmlns:a16="http://schemas.microsoft.com/office/drawing/2014/main" xmlns="" id="{2D33E0AE-D3CC-4355-8650-0C91F2677331}"/>
                 </a:ext>
               </a:extLst>
             </p:cNvPr>
@@ -6865,7 +6884,7 @@
             <p:cNvPr id="71" name="Прямоугольник 70">
               <a:extLst>
                 <a:ext uri="{FF2B5EF4-FFF2-40B4-BE49-F238E27FC236}">
-                  <a16:creationId xmlns:a16="http://schemas.microsoft.com/office/drawing/2014/main" id="{7BAF04B3-A7AB-4421-99BC-5E3219D990E5}"/>
+                  <a16:creationId xmlns:a16="http://schemas.microsoft.com/office/drawing/2014/main" xmlns="" id="{7BAF04B3-A7AB-4421-99BC-5E3219D990E5}"/>
                 </a:ext>
               </a:extLst>
             </p:cNvPr>
@@ -6923,7 +6942,7 @@
             <p:cNvPr id="2" name="TextBox 1">
               <a:extLst>
                 <a:ext uri="{FF2B5EF4-FFF2-40B4-BE49-F238E27FC236}">
-                  <a16:creationId xmlns:a16="http://schemas.microsoft.com/office/drawing/2014/main" id="{D433A942-CA1E-4148-80E1-D96F3CDADFE8}"/>
+                  <a16:creationId xmlns:a16="http://schemas.microsoft.com/office/drawing/2014/main" xmlns="" id="{D433A942-CA1E-4148-80E1-D96F3CDADFE8}"/>
                 </a:ext>
               </a:extLst>
             </p:cNvPr>
@@ -6975,7 +6994,7 @@
             <p:cNvPr id="29" name="Прямоугольник 28">
               <a:extLst>
                 <a:ext uri="{FF2B5EF4-FFF2-40B4-BE49-F238E27FC236}">
-                  <a16:creationId xmlns:a16="http://schemas.microsoft.com/office/drawing/2014/main" id="{321E19EC-6BB3-4443-BA33-D6D787D90C0D}"/>
+                  <a16:creationId xmlns:a16="http://schemas.microsoft.com/office/drawing/2014/main" xmlns="" id="{321E19EC-6BB3-4443-BA33-D6D787D90C0D}"/>
                 </a:ext>
               </a:extLst>
             </p:cNvPr>
@@ -7030,7 +7049,7 @@
           <p:cNvPr id="30" name="Прямоугольник 29">
             <a:extLst>
               <a:ext uri="{FF2B5EF4-FFF2-40B4-BE49-F238E27FC236}">
-                <a16:creationId xmlns:a16="http://schemas.microsoft.com/office/drawing/2014/main" id="{62E7C219-BF40-42A2-A453-98D897CC3593}"/>
+                <a16:creationId xmlns:a16="http://schemas.microsoft.com/office/drawing/2014/main" xmlns="" id="{62E7C219-BF40-42A2-A453-98D897CC3593}"/>
               </a:ext>
             </a:extLst>
           </p:cNvPr>
@@ -7145,7 +7164,7 @@
           <p:cNvPr id="6" name="Номер слайда 5">
             <a:extLst>
               <a:ext uri="{FF2B5EF4-FFF2-40B4-BE49-F238E27FC236}">
-                <a16:creationId xmlns:a16="http://schemas.microsoft.com/office/drawing/2014/main" id="{91B1A099-D53E-4F79-AD32-FF2BB7379684}"/>
+                <a16:creationId xmlns:a16="http://schemas.microsoft.com/office/drawing/2014/main" xmlns="" id="{91B1A099-D53E-4F79-AD32-FF2BB7379684}"/>
               </a:ext>
             </a:extLst>
           </p:cNvPr>
@@ -7175,7 +7194,7 @@
           <p:cNvPr id="18" name="Прямоугольник 17">
             <a:extLst>
               <a:ext uri="{FF2B5EF4-FFF2-40B4-BE49-F238E27FC236}">
-                <a16:creationId xmlns:a16="http://schemas.microsoft.com/office/drawing/2014/main" id="{CAA77BAE-A556-48A0-978D-90044E75AF67}"/>
+                <a16:creationId xmlns:a16="http://schemas.microsoft.com/office/drawing/2014/main" xmlns="" id="{CAA77BAE-A556-48A0-978D-90044E75AF67}"/>
               </a:ext>
             </a:extLst>
           </p:cNvPr>
@@ -7220,6 +7239,14 @@
   <p:clrMapOvr>
     <a:masterClrMapping/>
   </p:clrMapOvr>
+  <mc:AlternateContent xmlns:mc="http://schemas.openxmlformats.org/markup-compatibility/2006">
+    <mc:Choice xmlns:p14="http://schemas.microsoft.com/office/powerpoint/2010/main" Requires="p14">
+      <p:transition spd="slow" p14:dur="2000"/>
+    </mc:Choice>
+    <mc:Fallback>
+      <p:transition spd="slow"/>
+    </mc:Fallback>
+  </mc:AlternateContent>
 </p:sld>
 </file>
 
@@ -7245,7 +7272,7 @@
           <p:cNvPr id="45" name="Прямоугольник 44">
             <a:extLst>
               <a:ext uri="{FF2B5EF4-FFF2-40B4-BE49-F238E27FC236}">
-                <a16:creationId xmlns:a16="http://schemas.microsoft.com/office/drawing/2014/main" id="{F844FAD0-BFD3-42F8-8444-0D4247E6F864}"/>
+                <a16:creationId xmlns:a16="http://schemas.microsoft.com/office/drawing/2014/main" xmlns="" id="{F844FAD0-BFD3-42F8-8444-0D4247E6F864}"/>
               </a:ext>
             </a:extLst>
           </p:cNvPr>
@@ -7381,7 +7408,7 @@
           <p:cNvPr id="2" name="Номер слайда 1">
             <a:extLst>
               <a:ext uri="{FF2B5EF4-FFF2-40B4-BE49-F238E27FC236}">
-                <a16:creationId xmlns:a16="http://schemas.microsoft.com/office/drawing/2014/main" id="{6C639C31-70B3-4747-90CA-1855C8665F6D}"/>
+                <a16:creationId xmlns:a16="http://schemas.microsoft.com/office/drawing/2014/main" xmlns="" id="{6C639C31-70B3-4747-90CA-1855C8665F6D}"/>
               </a:ext>
             </a:extLst>
           </p:cNvPr>
@@ -7411,7 +7438,7 @@
           <p:cNvPr id="9" name="Прямая соединительная линия 8">
             <a:extLst>
               <a:ext uri="{FF2B5EF4-FFF2-40B4-BE49-F238E27FC236}">
-                <a16:creationId xmlns:a16="http://schemas.microsoft.com/office/drawing/2014/main" id="{D801378D-54AE-4064-AFC0-861B34FEDBE9}"/>
+                <a16:creationId xmlns:a16="http://schemas.microsoft.com/office/drawing/2014/main" xmlns="" id="{D801378D-54AE-4064-AFC0-861B34FEDBE9}"/>
               </a:ext>
             </a:extLst>
           </p:cNvPr>
@@ -7454,7 +7481,7 @@
           <p:cNvPr id="13" name="Прямоугольник 12">
             <a:extLst>
               <a:ext uri="{FF2B5EF4-FFF2-40B4-BE49-F238E27FC236}">
-                <a16:creationId xmlns:a16="http://schemas.microsoft.com/office/drawing/2014/main" id="{A311B375-86CE-4E7D-BEFB-9E495DC2ED8E}"/>
+                <a16:creationId xmlns:a16="http://schemas.microsoft.com/office/drawing/2014/main" xmlns="" id="{A311B375-86CE-4E7D-BEFB-9E495DC2ED8E}"/>
               </a:ext>
             </a:extLst>
           </p:cNvPr>
@@ -7565,7 +7592,7 @@
           <p:cNvPr id="5" name="Прямоугольник 4">
             <a:extLst>
               <a:ext uri="{FF2B5EF4-FFF2-40B4-BE49-F238E27FC236}">
-                <a16:creationId xmlns:a16="http://schemas.microsoft.com/office/drawing/2014/main" id="{66C439E9-3E70-4653-97C3-031864E7D8D0}"/>
+                <a16:creationId xmlns:a16="http://schemas.microsoft.com/office/drawing/2014/main" xmlns="" id="{66C439E9-3E70-4653-97C3-031864E7D8D0}"/>
               </a:ext>
             </a:extLst>
           </p:cNvPr>
@@ -7623,7 +7650,7 @@
           <p:cNvPr id="12" name="Объект 11">
             <a:extLst>
               <a:ext uri="{FF2B5EF4-FFF2-40B4-BE49-F238E27FC236}">
-                <a16:creationId xmlns:a16="http://schemas.microsoft.com/office/drawing/2014/main" id="{B7C51A1C-8922-4440-B769-CB2C3DEB3983}"/>
+                <a16:creationId xmlns:a16="http://schemas.microsoft.com/office/drawing/2014/main" xmlns="" id="{B7C51A1C-8922-4440-B769-CB2C3DEB3983}"/>
               </a:ext>
             </a:extLst>
           </p:cNvPr>
@@ -7652,7 +7679,7 @@
           <p:cNvPr id="4" name="Номер слайда 3">
             <a:extLst>
               <a:ext uri="{FF2B5EF4-FFF2-40B4-BE49-F238E27FC236}">
-                <a16:creationId xmlns:a16="http://schemas.microsoft.com/office/drawing/2014/main" id="{C8A9DE46-F073-46D7-B376-7501FC0857AE}"/>
+                <a16:creationId xmlns:a16="http://schemas.microsoft.com/office/drawing/2014/main" xmlns="" id="{C8A9DE46-F073-46D7-B376-7501FC0857AE}"/>
               </a:ext>
             </a:extLst>
           </p:cNvPr>
@@ -7682,7 +7709,7 @@
           <p:cNvPr id="6" name="Прямая соединительная линия 5">
             <a:extLst>
               <a:ext uri="{FF2B5EF4-FFF2-40B4-BE49-F238E27FC236}">
-                <a16:creationId xmlns:a16="http://schemas.microsoft.com/office/drawing/2014/main" id="{AA138C88-C0F1-4DB1-B124-2598866FA507}"/>
+                <a16:creationId xmlns:a16="http://schemas.microsoft.com/office/drawing/2014/main" xmlns="" id="{AA138C88-C0F1-4DB1-B124-2598866FA507}"/>
               </a:ext>
             </a:extLst>
           </p:cNvPr>
@@ -7725,7 +7752,7 @@
           <p:cNvPr id="8" name="Прямоугольник 7">
             <a:extLst>
               <a:ext uri="{FF2B5EF4-FFF2-40B4-BE49-F238E27FC236}">
-                <a16:creationId xmlns:a16="http://schemas.microsoft.com/office/drawing/2014/main" id="{E241D599-E25D-4723-8B9C-C236D5FE6E76}"/>
+                <a16:creationId xmlns:a16="http://schemas.microsoft.com/office/drawing/2014/main" xmlns="" id="{E241D599-E25D-4723-8B9C-C236D5FE6E76}"/>
               </a:ext>
             </a:extLst>
           </p:cNvPr>
@@ -7765,7 +7792,7 @@
           <p:cNvPr id="13" name="Прямоугольник 12">
             <a:extLst>
               <a:ext uri="{FF2B5EF4-FFF2-40B4-BE49-F238E27FC236}">
-                <a16:creationId xmlns:a16="http://schemas.microsoft.com/office/drawing/2014/main" id="{8691D101-8FB8-4148-96C0-FC85128352E9}"/>
+                <a16:creationId xmlns:a16="http://schemas.microsoft.com/office/drawing/2014/main" xmlns="" id="{8691D101-8FB8-4148-96C0-FC85128352E9}"/>
               </a:ext>
             </a:extLst>
           </p:cNvPr>
@@ -7915,7 +7942,7 @@
           <p:cNvPr id="14" name="Группа 13">
             <a:extLst>
               <a:ext uri="{FF2B5EF4-FFF2-40B4-BE49-F238E27FC236}">
-                <a16:creationId xmlns:a16="http://schemas.microsoft.com/office/drawing/2014/main" id="{04A2D0FC-A086-451D-8E3C-C36D94520331}"/>
+                <a16:creationId xmlns:a16="http://schemas.microsoft.com/office/drawing/2014/main" xmlns="" id="{04A2D0FC-A086-451D-8E3C-C36D94520331}"/>
               </a:ext>
             </a:extLst>
           </p:cNvPr>
@@ -7935,7 +7962,7 @@
             <p:cNvPr id="15" name="Прямоугольник 14">
               <a:extLst>
                 <a:ext uri="{FF2B5EF4-FFF2-40B4-BE49-F238E27FC236}">
-                  <a16:creationId xmlns:a16="http://schemas.microsoft.com/office/drawing/2014/main" id="{CCAB0E93-B482-4511-9C92-D58B5CA1B476}"/>
+                  <a16:creationId xmlns:a16="http://schemas.microsoft.com/office/drawing/2014/main" xmlns="" id="{CCAB0E93-B482-4511-9C92-D58B5CA1B476}"/>
                 </a:ext>
               </a:extLst>
             </p:cNvPr>
@@ -7989,7 +8016,7 @@
             <p:cNvPr id="16" name="Прямоугольник 15">
               <a:extLst>
                 <a:ext uri="{FF2B5EF4-FFF2-40B4-BE49-F238E27FC236}">
-                  <a16:creationId xmlns:a16="http://schemas.microsoft.com/office/drawing/2014/main" id="{9A6819D6-8981-437E-9451-D33DC6AE2CFF}"/>
+                  <a16:creationId xmlns:a16="http://schemas.microsoft.com/office/drawing/2014/main" xmlns="" id="{9A6819D6-8981-437E-9451-D33DC6AE2CFF}"/>
                 </a:ext>
               </a:extLst>
             </p:cNvPr>
@@ -8043,7 +8070,7 @@
             <p:cNvPr id="17" name="Прямоугольник 16">
               <a:extLst>
                 <a:ext uri="{FF2B5EF4-FFF2-40B4-BE49-F238E27FC236}">
-                  <a16:creationId xmlns:a16="http://schemas.microsoft.com/office/drawing/2014/main" id="{2A9176D3-840D-47CC-BE16-23C1B0AB344E}"/>
+                  <a16:creationId xmlns:a16="http://schemas.microsoft.com/office/drawing/2014/main" xmlns="" id="{2A9176D3-840D-47CC-BE16-23C1B0AB344E}"/>
                 </a:ext>
               </a:extLst>
             </p:cNvPr>
@@ -8101,7 +8128,7 @@
             <p:cNvPr id="18" name="TextBox 17">
               <a:extLst>
                 <a:ext uri="{FF2B5EF4-FFF2-40B4-BE49-F238E27FC236}">
-                  <a16:creationId xmlns:a16="http://schemas.microsoft.com/office/drawing/2014/main" id="{E8D75791-002E-49CB-AF45-B5DEFED0FE93}"/>
+                  <a16:creationId xmlns:a16="http://schemas.microsoft.com/office/drawing/2014/main" xmlns="" id="{E8D75791-002E-49CB-AF45-B5DEFED0FE93}"/>
                 </a:ext>
               </a:extLst>
             </p:cNvPr>
@@ -8153,7 +8180,7 @@
             <p:cNvPr id="19" name="Прямоугольник 18">
               <a:extLst>
                 <a:ext uri="{FF2B5EF4-FFF2-40B4-BE49-F238E27FC236}">
-                  <a16:creationId xmlns:a16="http://schemas.microsoft.com/office/drawing/2014/main" id="{6E6ADD29-EE78-4E35-B4D4-DB39F977BC25}"/>
+                  <a16:creationId xmlns:a16="http://schemas.microsoft.com/office/drawing/2014/main" xmlns="" id="{6E6ADD29-EE78-4E35-B4D4-DB39F977BC25}"/>
                 </a:ext>
               </a:extLst>
             </p:cNvPr>
@@ -8205,7 +8232,7 @@
           <p:cNvPr id="20" name="Прямоугольник 19">
             <a:extLst>
               <a:ext uri="{FF2B5EF4-FFF2-40B4-BE49-F238E27FC236}">
-                <a16:creationId xmlns:a16="http://schemas.microsoft.com/office/drawing/2014/main" id="{F3DCC88F-61A0-4738-AD2D-3A7ECCAA1F42}"/>
+                <a16:creationId xmlns:a16="http://schemas.microsoft.com/office/drawing/2014/main" xmlns="" id="{F3DCC88F-61A0-4738-AD2D-3A7ECCAA1F42}"/>
               </a:ext>
             </a:extLst>
           </p:cNvPr>
@@ -8286,7 +8313,7 @@
           <p:cNvPr id="1030" name="Picture 6" descr="vfs_net2">
             <a:extLst>
               <a:ext uri="{FF2B5EF4-FFF2-40B4-BE49-F238E27FC236}">
-                <a16:creationId xmlns:a16="http://schemas.microsoft.com/office/drawing/2014/main" id="{FC5C7EC5-30B7-4943-BF0F-33419C772510}"/>
+                <a16:creationId xmlns:a16="http://schemas.microsoft.com/office/drawing/2014/main" xmlns="" id="{FC5C7EC5-30B7-4943-BF0F-33419C772510}"/>
               </a:ext>
             </a:extLst>
           </p:cNvPr>
@@ -8333,7 +8360,7 @@
           <p:cNvPr id="31" name="Прямоугольник 30">
             <a:extLst>
               <a:ext uri="{FF2B5EF4-FFF2-40B4-BE49-F238E27FC236}">
-                <a16:creationId xmlns:a16="http://schemas.microsoft.com/office/drawing/2014/main" id="{F844FAD0-BFD3-42F8-8444-0D4247E6F864}"/>
+                <a16:creationId xmlns:a16="http://schemas.microsoft.com/office/drawing/2014/main" xmlns="" id="{F844FAD0-BFD3-42F8-8444-0D4247E6F864}"/>
               </a:ext>
             </a:extLst>
           </p:cNvPr>
@@ -8391,7 +8418,7 @@
           <p:cNvPr id="27" name="Прямая соединительная линия 26">
             <a:extLst>
               <a:ext uri="{FF2B5EF4-FFF2-40B4-BE49-F238E27FC236}">
-                <a16:creationId xmlns:a16="http://schemas.microsoft.com/office/drawing/2014/main" id="{7D440611-E861-4ADC-BE55-6C5E3E2135B0}"/>
+                <a16:creationId xmlns:a16="http://schemas.microsoft.com/office/drawing/2014/main" xmlns="" id="{7D440611-E861-4ADC-BE55-6C5E3E2135B0}"/>
               </a:ext>
             </a:extLst>
           </p:cNvPr>
@@ -8545,7 +8572,7 @@
           <p:cNvPr id="2" name="Номер слайда 1">
             <a:extLst>
               <a:ext uri="{FF2B5EF4-FFF2-40B4-BE49-F238E27FC236}">
-                <a16:creationId xmlns:a16="http://schemas.microsoft.com/office/drawing/2014/main" id="{FD31FB89-335E-4DB6-8667-434A37E623F2}"/>
+                <a16:creationId xmlns:a16="http://schemas.microsoft.com/office/drawing/2014/main" xmlns="" id="{FD31FB89-335E-4DB6-8667-434A37E623F2}"/>
               </a:ext>
             </a:extLst>
           </p:cNvPr>
@@ -8575,7 +8602,7 @@
           <p:cNvPr id="11" name="Прямоугольник 10">
             <a:extLst>
               <a:ext uri="{FF2B5EF4-FFF2-40B4-BE49-F238E27FC236}">
-                <a16:creationId xmlns:a16="http://schemas.microsoft.com/office/drawing/2014/main" id="{29F16FB1-557B-4F20-AFAA-083E6605CBA3}"/>
+                <a16:creationId xmlns:a16="http://schemas.microsoft.com/office/drawing/2014/main" xmlns="" id="{29F16FB1-557B-4F20-AFAA-083E6605CBA3}"/>
               </a:ext>
             </a:extLst>
           </p:cNvPr>
@@ -8622,7 +8649,7 @@
           <p:cNvPr id="12" name="Группа 11">
             <a:extLst>
               <a:ext uri="{FF2B5EF4-FFF2-40B4-BE49-F238E27FC236}">
-                <a16:creationId xmlns:a16="http://schemas.microsoft.com/office/drawing/2014/main" id="{0C2CC8AF-A276-431C-834D-4D111074E709}"/>
+                <a16:creationId xmlns:a16="http://schemas.microsoft.com/office/drawing/2014/main" xmlns="" id="{0C2CC8AF-A276-431C-834D-4D111074E709}"/>
               </a:ext>
             </a:extLst>
           </p:cNvPr>
@@ -8642,7 +8669,7 @@
             <p:cNvPr id="13" name="Прямоугольник 12">
               <a:extLst>
                 <a:ext uri="{FF2B5EF4-FFF2-40B4-BE49-F238E27FC236}">
-                  <a16:creationId xmlns:a16="http://schemas.microsoft.com/office/drawing/2014/main" id="{6A7439AB-9E67-41E2-A35B-511E5F0347BE}"/>
+                  <a16:creationId xmlns:a16="http://schemas.microsoft.com/office/drawing/2014/main" xmlns="" id="{6A7439AB-9E67-41E2-A35B-511E5F0347BE}"/>
                 </a:ext>
               </a:extLst>
             </p:cNvPr>
@@ -8696,7 +8723,7 @@
             <p:cNvPr id="14" name="Прямоугольник 13">
               <a:extLst>
                 <a:ext uri="{FF2B5EF4-FFF2-40B4-BE49-F238E27FC236}">
-                  <a16:creationId xmlns:a16="http://schemas.microsoft.com/office/drawing/2014/main" id="{D4C5D2CD-584A-4C0D-9F8A-A05C7DC6FB06}"/>
+                  <a16:creationId xmlns:a16="http://schemas.microsoft.com/office/drawing/2014/main" xmlns="" id="{D4C5D2CD-584A-4C0D-9F8A-A05C7DC6FB06}"/>
                 </a:ext>
               </a:extLst>
             </p:cNvPr>
@@ -8750,7 +8777,7 @@
             <p:cNvPr id="15" name="Прямоугольник 14">
               <a:extLst>
                 <a:ext uri="{FF2B5EF4-FFF2-40B4-BE49-F238E27FC236}">
-                  <a16:creationId xmlns:a16="http://schemas.microsoft.com/office/drawing/2014/main" id="{DD647F68-3943-4CC0-9412-1D5968D970D1}"/>
+                  <a16:creationId xmlns:a16="http://schemas.microsoft.com/office/drawing/2014/main" xmlns="" id="{DD647F68-3943-4CC0-9412-1D5968D970D1}"/>
                 </a:ext>
               </a:extLst>
             </p:cNvPr>
@@ -8808,7 +8835,7 @@
             <p:cNvPr id="16" name="TextBox 15">
               <a:extLst>
                 <a:ext uri="{FF2B5EF4-FFF2-40B4-BE49-F238E27FC236}">
-                  <a16:creationId xmlns:a16="http://schemas.microsoft.com/office/drawing/2014/main" id="{A1CEB2B1-930A-47BF-B703-3C3FF21EE2CA}"/>
+                  <a16:creationId xmlns:a16="http://schemas.microsoft.com/office/drawing/2014/main" xmlns="" id="{A1CEB2B1-930A-47BF-B703-3C3FF21EE2CA}"/>
                 </a:ext>
               </a:extLst>
             </p:cNvPr>
@@ -8860,7 +8887,7 @@
             <p:cNvPr id="17" name="Прямоугольник 16">
               <a:extLst>
                 <a:ext uri="{FF2B5EF4-FFF2-40B4-BE49-F238E27FC236}">
-                  <a16:creationId xmlns:a16="http://schemas.microsoft.com/office/drawing/2014/main" id="{6C584A97-3F89-4B57-ACE7-9246FF17E1B3}"/>
+                  <a16:creationId xmlns:a16="http://schemas.microsoft.com/office/drawing/2014/main" xmlns="" id="{6C584A97-3F89-4B57-ACE7-9246FF17E1B3}"/>
                 </a:ext>
               </a:extLst>
             </p:cNvPr>
@@ -8912,7 +8939,7 @@
           <p:cNvPr id="18" name="Прямоугольник 17">
             <a:extLst>
               <a:ext uri="{FF2B5EF4-FFF2-40B4-BE49-F238E27FC236}">
-                <a16:creationId xmlns:a16="http://schemas.microsoft.com/office/drawing/2014/main" id="{0D21A8F2-EFE5-4C67-9C72-02BBCD0A6CCF}"/>
+                <a16:creationId xmlns:a16="http://schemas.microsoft.com/office/drawing/2014/main" xmlns="" id="{0D21A8F2-EFE5-4C67-9C72-02BBCD0A6CCF}"/>
               </a:ext>
             </a:extLst>
           </p:cNvPr>
@@ -8993,7 +9020,7 @@
           <p:cNvPr id="45" name="Прямоугольник 44">
             <a:extLst>
               <a:ext uri="{FF2B5EF4-FFF2-40B4-BE49-F238E27FC236}">
-                <a16:creationId xmlns:a16="http://schemas.microsoft.com/office/drawing/2014/main" id="{F844FAD0-BFD3-42F8-8444-0D4247E6F864}"/>
+                <a16:creationId xmlns:a16="http://schemas.microsoft.com/office/drawing/2014/main" xmlns="" id="{F844FAD0-BFD3-42F8-8444-0D4247E6F864}"/>
               </a:ext>
             </a:extLst>
           </p:cNvPr>
@@ -9051,7 +9078,7 @@
           <p:cNvPr id="27" name="Прямая соединительная линия 26">
             <a:extLst>
               <a:ext uri="{FF2B5EF4-FFF2-40B4-BE49-F238E27FC236}">
-                <a16:creationId xmlns:a16="http://schemas.microsoft.com/office/drawing/2014/main" id="{7D440611-E861-4ADC-BE55-6C5E3E2135B0}"/>
+                <a16:creationId xmlns:a16="http://schemas.microsoft.com/office/drawing/2014/main" xmlns="" id="{7D440611-E861-4ADC-BE55-6C5E3E2135B0}"/>
               </a:ext>
             </a:extLst>
           </p:cNvPr>
@@ -9172,7 +9199,7 @@
           <p:cNvPr id="2" name="Номер слайда 1">
             <a:extLst>
               <a:ext uri="{FF2B5EF4-FFF2-40B4-BE49-F238E27FC236}">
-                <a16:creationId xmlns:a16="http://schemas.microsoft.com/office/drawing/2014/main" id="{43DE384C-E41B-4854-8084-48017AD96984}"/>
+                <a16:creationId xmlns:a16="http://schemas.microsoft.com/office/drawing/2014/main" xmlns="" id="{43DE384C-E41B-4854-8084-48017AD96984}"/>
               </a:ext>
             </a:extLst>
           </p:cNvPr>
@@ -9202,7 +9229,7 @@
           <p:cNvPr id="18" name="Прямоугольник 17">
             <a:extLst>
               <a:ext uri="{FF2B5EF4-FFF2-40B4-BE49-F238E27FC236}">
-                <a16:creationId xmlns:a16="http://schemas.microsoft.com/office/drawing/2014/main" id="{17ED5078-1A16-4CC1-B020-23E9979FB77D}"/>
+                <a16:creationId xmlns:a16="http://schemas.microsoft.com/office/drawing/2014/main" xmlns="" id="{17ED5078-1A16-4CC1-B020-23E9979FB77D}"/>
               </a:ext>
             </a:extLst>
           </p:cNvPr>
@@ -9313,7 +9340,7 @@
           <p:cNvPr id="45" name="Прямоугольник 44">
             <a:extLst>
               <a:ext uri="{FF2B5EF4-FFF2-40B4-BE49-F238E27FC236}">
-                <a16:creationId xmlns:a16="http://schemas.microsoft.com/office/drawing/2014/main" id="{F844FAD0-BFD3-42F8-8444-0D4247E6F864}"/>
+                <a16:creationId xmlns:a16="http://schemas.microsoft.com/office/drawing/2014/main" xmlns="" id="{F844FAD0-BFD3-42F8-8444-0D4247E6F864}"/>
               </a:ext>
             </a:extLst>
           </p:cNvPr>
@@ -9449,7 +9476,7 @@
           <p:cNvPr id="2" name="Номер слайда 1">
             <a:extLst>
               <a:ext uri="{FF2B5EF4-FFF2-40B4-BE49-F238E27FC236}">
-                <a16:creationId xmlns:a16="http://schemas.microsoft.com/office/drawing/2014/main" id="{E337A08D-3A8E-4E89-BC69-A001F02E6E0C}"/>
+                <a16:creationId xmlns:a16="http://schemas.microsoft.com/office/drawing/2014/main" xmlns="" id="{E337A08D-3A8E-4E89-BC69-A001F02E6E0C}"/>
               </a:ext>
             </a:extLst>
           </p:cNvPr>
@@ -9479,7 +9506,7 @@
           <p:cNvPr id="8" name="Прямая соединительная линия 7">
             <a:extLst>
               <a:ext uri="{FF2B5EF4-FFF2-40B4-BE49-F238E27FC236}">
-                <a16:creationId xmlns:a16="http://schemas.microsoft.com/office/drawing/2014/main" id="{8CE828DF-A9C3-4B2E-BB9A-236C9E8131AE}"/>
+                <a16:creationId xmlns:a16="http://schemas.microsoft.com/office/drawing/2014/main" xmlns="" id="{8CE828DF-A9C3-4B2E-BB9A-236C9E8131AE}"/>
               </a:ext>
             </a:extLst>
           </p:cNvPr>
@@ -9522,7 +9549,7 @@
           <p:cNvPr id="9" name="Прямоугольник 8">
             <a:extLst>
               <a:ext uri="{FF2B5EF4-FFF2-40B4-BE49-F238E27FC236}">
-                <a16:creationId xmlns:a16="http://schemas.microsoft.com/office/drawing/2014/main" id="{1986159B-90C6-4663-8A8F-0AB613A5E9A9}"/>
+                <a16:creationId xmlns:a16="http://schemas.microsoft.com/office/drawing/2014/main" xmlns="" id="{1986159B-90C6-4663-8A8F-0AB613A5E9A9}"/>
               </a:ext>
             </a:extLst>
           </p:cNvPr>
@@ -9580,8 +9607,8 @@
         </p:blipFill>
         <p:spPr bwMode="auto">
           <a:xfrm>
-            <a:off x="1403648" y="987574"/>
-            <a:ext cx="6766445" cy="4014136"/>
+            <a:off x="1615541" y="1059582"/>
+            <a:ext cx="6554552" cy="3888432"/>
           </a:xfrm>
           <a:prstGeom prst="rect">
             <a:avLst/>
@@ -9612,7 +9639,7 @@
 </file>
 
 <file path=ppt/slides/slide9.xml><?xml version="1.0" encoding="utf-8"?>
-<p:sld xmlns:a="http://schemas.openxmlformats.org/drawingml/2006/main" xmlns:r="http://schemas.openxmlformats.org/officeDocument/2006/relationships" xmlns:p="http://schemas.openxmlformats.org/presentationml/2006/main">
+<p:sld xmlns:a="http://schemas.openxmlformats.org/drawingml/2006/main" xmlns:r="http://schemas.openxmlformats.org/officeDocument/2006/relationships" xmlns:p="http://schemas.openxmlformats.org/presentationml/2006/main" show="0">
   <p:cSld>
     <p:spTree>
       <p:nvGrpSpPr>
@@ -9633,7 +9660,7 @@
           <p:cNvPr id="3" name="Объект 2">
             <a:extLst>
               <a:ext uri="{FF2B5EF4-FFF2-40B4-BE49-F238E27FC236}">
-                <a16:creationId xmlns:a16="http://schemas.microsoft.com/office/drawing/2014/main" id="{807A1DB7-1B94-4C8E-9E43-F2737C3A6C6E}"/>
+                <a16:creationId xmlns:a16="http://schemas.microsoft.com/office/drawing/2014/main" xmlns="" id="{807A1DB7-1B94-4C8E-9E43-F2737C3A6C6E}"/>
               </a:ext>
             </a:extLst>
           </p:cNvPr>
@@ -9719,7 +9746,7 @@
           <p:cNvPr id="4" name="Номер слайда 3">
             <a:extLst>
               <a:ext uri="{FF2B5EF4-FFF2-40B4-BE49-F238E27FC236}">
-                <a16:creationId xmlns:a16="http://schemas.microsoft.com/office/drawing/2014/main" id="{407E3DFD-05CC-48DB-9081-F8A9F136813E}"/>
+                <a16:creationId xmlns:a16="http://schemas.microsoft.com/office/drawing/2014/main" xmlns="" id="{407E3DFD-05CC-48DB-9081-F8A9F136813E}"/>
               </a:ext>
             </a:extLst>
           </p:cNvPr>
@@ -9749,7 +9776,7 @@
           <p:cNvPr id="5" name="Прямоугольник 4">
             <a:extLst>
               <a:ext uri="{FF2B5EF4-FFF2-40B4-BE49-F238E27FC236}">
-                <a16:creationId xmlns:a16="http://schemas.microsoft.com/office/drawing/2014/main" id="{910DF3EC-1F25-4526-9FE7-8BC70A8DF0C5}"/>
+                <a16:creationId xmlns:a16="http://schemas.microsoft.com/office/drawing/2014/main" xmlns="" id="{910DF3EC-1F25-4526-9FE7-8BC70A8DF0C5}"/>
               </a:ext>
             </a:extLst>
           </p:cNvPr>
@@ -9807,7 +9834,7 @@
           <p:cNvPr id="6" name="Прямая соединительная линия 5">
             <a:extLst>
               <a:ext uri="{FF2B5EF4-FFF2-40B4-BE49-F238E27FC236}">
-                <a16:creationId xmlns:a16="http://schemas.microsoft.com/office/drawing/2014/main" id="{2467A97C-B77F-44C8-A41B-AB2EE2D11DE3}"/>
+                <a16:creationId xmlns:a16="http://schemas.microsoft.com/office/drawing/2014/main" xmlns="" id="{2467A97C-B77F-44C8-A41B-AB2EE2D11DE3}"/>
               </a:ext>
             </a:extLst>
           </p:cNvPr>
@@ -9850,7 +9877,7 @@
           <p:cNvPr id="8" name="Прямоугольник 7">
             <a:extLst>
               <a:ext uri="{FF2B5EF4-FFF2-40B4-BE49-F238E27FC236}">
-                <a16:creationId xmlns:a16="http://schemas.microsoft.com/office/drawing/2014/main" id="{8CF585ED-3269-46F3-8B9F-D294E6449231}"/>
+                <a16:creationId xmlns:a16="http://schemas.microsoft.com/office/drawing/2014/main" xmlns="" id="{8CF585ED-3269-46F3-8B9F-D294E6449231}"/>
               </a:ext>
             </a:extLst>
           </p:cNvPr>
@@ -9890,7 +9917,7 @@
           <p:cNvPr id="7" name="Группа 6">
             <a:extLst>
               <a:ext uri="{FF2B5EF4-FFF2-40B4-BE49-F238E27FC236}">
-                <a16:creationId xmlns:a16="http://schemas.microsoft.com/office/drawing/2014/main" id="{139A77F8-7D49-45A1-9214-19DF6CAEDB87}"/>
+                <a16:creationId xmlns:a16="http://schemas.microsoft.com/office/drawing/2014/main" xmlns="" id="{139A77F8-7D49-45A1-9214-19DF6CAEDB87}"/>
               </a:ext>
             </a:extLst>
           </p:cNvPr>
@@ -9910,7 +9937,7 @@
             <p:cNvPr id="9" name="Прямоугольник 8">
               <a:extLst>
                 <a:ext uri="{FF2B5EF4-FFF2-40B4-BE49-F238E27FC236}">
-                  <a16:creationId xmlns:a16="http://schemas.microsoft.com/office/drawing/2014/main" id="{C1AF4255-9B0F-4619-888B-C211218E49FF}"/>
+                  <a16:creationId xmlns:a16="http://schemas.microsoft.com/office/drawing/2014/main" xmlns="" id="{C1AF4255-9B0F-4619-888B-C211218E49FF}"/>
                 </a:ext>
               </a:extLst>
             </p:cNvPr>
@@ -9964,7 +9991,7 @@
             <p:cNvPr id="10" name="Прямоугольник 9">
               <a:extLst>
                 <a:ext uri="{FF2B5EF4-FFF2-40B4-BE49-F238E27FC236}">
-                  <a16:creationId xmlns:a16="http://schemas.microsoft.com/office/drawing/2014/main" id="{A568F858-4223-42C7-92C9-58140347FD14}"/>
+                  <a16:creationId xmlns:a16="http://schemas.microsoft.com/office/drawing/2014/main" xmlns="" id="{A568F858-4223-42C7-92C9-58140347FD14}"/>
                 </a:ext>
               </a:extLst>
             </p:cNvPr>
@@ -10018,7 +10045,7 @@
             <p:cNvPr id="11" name="Прямоугольник 10">
               <a:extLst>
                 <a:ext uri="{FF2B5EF4-FFF2-40B4-BE49-F238E27FC236}">
-                  <a16:creationId xmlns:a16="http://schemas.microsoft.com/office/drawing/2014/main" id="{5B70D515-762B-4243-8DAB-E4E82DC6B17A}"/>
+                  <a16:creationId xmlns:a16="http://schemas.microsoft.com/office/drawing/2014/main" xmlns="" id="{5B70D515-762B-4243-8DAB-E4E82DC6B17A}"/>
                 </a:ext>
               </a:extLst>
             </p:cNvPr>
@@ -10076,7 +10103,7 @@
             <p:cNvPr id="12" name="TextBox 11">
               <a:extLst>
                 <a:ext uri="{FF2B5EF4-FFF2-40B4-BE49-F238E27FC236}">
-                  <a16:creationId xmlns:a16="http://schemas.microsoft.com/office/drawing/2014/main" id="{27C751DA-DBF5-4BF2-AD38-619676BDF720}"/>
+                  <a16:creationId xmlns:a16="http://schemas.microsoft.com/office/drawing/2014/main" xmlns="" id="{27C751DA-DBF5-4BF2-AD38-619676BDF720}"/>
                 </a:ext>
               </a:extLst>
             </p:cNvPr>
@@ -10128,7 +10155,7 @@
             <p:cNvPr id="13" name="Прямоугольник 12">
               <a:extLst>
                 <a:ext uri="{FF2B5EF4-FFF2-40B4-BE49-F238E27FC236}">
-                  <a16:creationId xmlns:a16="http://schemas.microsoft.com/office/drawing/2014/main" id="{2107D053-F587-41CE-AC4A-9D7FEBF094D1}"/>
+                  <a16:creationId xmlns:a16="http://schemas.microsoft.com/office/drawing/2014/main" xmlns="" id="{2107D053-F587-41CE-AC4A-9D7FEBF094D1}"/>
                 </a:ext>
               </a:extLst>
             </p:cNvPr>
@@ -10171,7 +10198,7 @@
           <p:cNvPr id="14" name="Прямоугольник 13">
             <a:extLst>
               <a:ext uri="{FF2B5EF4-FFF2-40B4-BE49-F238E27FC236}">
-                <a16:creationId xmlns:a16="http://schemas.microsoft.com/office/drawing/2014/main" id="{E5033180-5409-4181-81CC-03960C2AD567}"/>
+                <a16:creationId xmlns:a16="http://schemas.microsoft.com/office/drawing/2014/main" xmlns="" id="{E5033180-5409-4181-81CC-03960C2AD567}"/>
               </a:ext>
             </a:extLst>
           </p:cNvPr>
@@ -10229,6 +10256,14 @@
   <p:clrMapOvr>
     <a:masterClrMapping/>
   </p:clrMapOvr>
+  <mc:AlternateContent xmlns:mc="http://schemas.openxmlformats.org/markup-compatibility/2006">
+    <mc:Choice xmlns:p14="http://schemas.microsoft.com/office/powerpoint/2010/main" Requires="p14">
+      <p:transition spd="slow" p14:dur="2000"/>
+    </mc:Choice>
+    <mc:Fallback>
+      <p:transition spd="slow"/>
+    </mc:Fallback>
+  </mc:AlternateContent>
 </p:sld>
 </file>
 

--- a/doc/Presentation.pptx
+++ b/doc/Presentation.pptx
@@ -5,20 +5,18 @@
     <p:sldMasterId id="2147483672" r:id="rId1"/>
   </p:sldMasterIdLst>
   <p:notesMasterIdLst>
-    <p:notesMasterId r:id="rId13"/>
+    <p:notesMasterId r:id="rId11"/>
   </p:notesMasterIdLst>
   <p:sldIdLst>
     <p:sldId id="296" r:id="rId2"/>
     <p:sldId id="402" r:id="rId3"/>
-    <p:sldId id="471" r:id="rId4"/>
-    <p:sldId id="492" r:id="rId5"/>
-    <p:sldId id="512" r:id="rId6"/>
-    <p:sldId id="495" r:id="rId7"/>
-    <p:sldId id="491" r:id="rId8"/>
-    <p:sldId id="494" r:id="rId9"/>
-    <p:sldId id="511" r:id="rId10"/>
-    <p:sldId id="514" r:id="rId11"/>
-    <p:sldId id="510" r:id="rId12"/>
+    <p:sldId id="492" r:id="rId4"/>
+    <p:sldId id="512" r:id="rId5"/>
+    <p:sldId id="495" r:id="rId6"/>
+    <p:sldId id="491" r:id="rId7"/>
+    <p:sldId id="494" r:id="rId8"/>
+    <p:sldId id="514" r:id="rId9"/>
+    <p:sldId id="510" r:id="rId10"/>
   </p:sldIdLst>
   <p:sldSz cx="9144000" cy="5143500" type="screen16x9"/>
   <p:notesSz cx="6858000" cy="9144000"/>
@@ -124,13 +122,11 @@
           <p14:sldIdLst>
             <p14:sldId id="296"/>
             <p14:sldId id="402"/>
-            <p14:sldId id="471"/>
             <p14:sldId id="492"/>
             <p14:sldId id="512"/>
             <p14:sldId id="495"/>
             <p14:sldId id="491"/>
             <p14:sldId id="494"/>
-            <p14:sldId id="511"/>
             <p14:sldId id="514"/>
             <p14:sldId id="510"/>
           </p14:sldIdLst>
@@ -138,7 +134,7 @@
       </p14:sectionLst>
     </p:ext>
     <p:ext uri="{EFAFB233-063F-42B5-8137-9DF3F51BA10A}">
-      <p15:sldGuideLst xmlns:p15="http://schemas.microsoft.com/office/powerpoint/2012/main" xmlns="">
+      <p15:sldGuideLst xmlns="" xmlns:p15="http://schemas.microsoft.com/office/powerpoint/2012/main">
         <p15:guide id="1" orient="horz" pos="395" userDrawn="1">
           <p15:clr>
             <a:srgbClr val="A4A3A4"/>
@@ -702,7 +698,7 @@
     </p:spTree>
     <p:extLst>
       <p:ext uri="{BB962C8B-B14F-4D97-AF65-F5344CB8AC3E}">
-        <p14:creationId xmlns:p14="http://schemas.microsoft.com/office/powerpoint/2010/main" val="1118258844"/>
+        <p14:creationId xmlns:p14="http://schemas.microsoft.com/office/powerpoint/2010/main" val="2954623546"/>
       </p:ext>
     </p:extLst>
   </p:cSld>
@@ -807,7 +803,7 @@
             <a:fld id="{07FB6C91-1D9B-4FCD-AD06-4155113BD50C}" type="slidenum">
               <a:rPr lang="ru-RU" smtClean="0"/>
               <a:pPr/>
-              <a:t>4</a:t>
+              <a:t>5</a:t>
             </a:fld>
             <a:endParaRPr lang="ru-RU"/>
           </a:p>
@@ -816,7 +812,7 @@
     </p:spTree>
     <p:extLst>
       <p:ext uri="{BB962C8B-B14F-4D97-AF65-F5344CB8AC3E}">
-        <p14:creationId xmlns:p14="http://schemas.microsoft.com/office/powerpoint/2010/main" val="2954623546"/>
+        <p14:creationId xmlns:p14="http://schemas.microsoft.com/office/powerpoint/2010/main" val="3023662877"/>
       </p:ext>
     </p:extLst>
   </p:cSld>
@@ -930,7 +926,7 @@
     </p:spTree>
     <p:extLst>
       <p:ext uri="{BB962C8B-B14F-4D97-AF65-F5344CB8AC3E}">
-        <p14:creationId xmlns:p14="http://schemas.microsoft.com/office/powerpoint/2010/main" val="3023662877"/>
+        <p14:creationId xmlns:p14="http://schemas.microsoft.com/office/powerpoint/2010/main" val="1626901591"/>
       </p:ext>
     </p:extLst>
   </p:cSld>
@@ -1036,120 +1032,6 @@
               <a:rPr lang="ru-RU" smtClean="0"/>
               <a:pPr/>
               <a:t>7</a:t>
-            </a:fld>
-            <a:endParaRPr lang="ru-RU"/>
-          </a:p>
-        </p:txBody>
-      </p:sp>
-    </p:spTree>
-    <p:extLst>
-      <p:ext uri="{BB962C8B-B14F-4D97-AF65-F5344CB8AC3E}">
-        <p14:creationId xmlns:p14="http://schemas.microsoft.com/office/powerpoint/2010/main" val="1626901591"/>
-      </p:ext>
-    </p:extLst>
-  </p:cSld>
-  <p:clrMapOvr>
-    <a:masterClrMapping/>
-  </p:clrMapOvr>
-</p:notes>
-</file>
-
-<file path=ppt/notesSlides/notesSlide6.xml><?xml version="1.0" encoding="utf-8"?>
-<p:notes xmlns:a="http://schemas.openxmlformats.org/drawingml/2006/main" xmlns:r="http://schemas.openxmlformats.org/officeDocument/2006/relationships" xmlns:p="http://schemas.openxmlformats.org/presentationml/2006/main">
-  <p:cSld>
-    <p:spTree>
-      <p:nvGrpSpPr>
-        <p:cNvPr id="1" name=""/>
-        <p:cNvGrpSpPr/>
-        <p:nvPr/>
-      </p:nvGrpSpPr>
-      <p:grpSpPr>
-        <a:xfrm>
-          <a:off x="0" y="0"/>
-          <a:ext cx="0" cy="0"/>
-          <a:chOff x="0" y="0"/>
-          <a:chExt cx="0" cy="0"/>
-        </a:xfrm>
-      </p:grpSpPr>
-      <p:sp>
-        <p:nvSpPr>
-          <p:cNvPr id="2" name="Образ слайда 1"/>
-          <p:cNvSpPr>
-            <a:spLocks noGrp="1" noRot="1" noChangeAspect="1"/>
-          </p:cNvSpPr>
-          <p:nvPr>
-            <p:ph type="sldImg"/>
-          </p:nvPr>
-        </p:nvSpPr>
-        <p:spPr/>
-      </p:sp>
-      <p:sp>
-        <p:nvSpPr>
-          <p:cNvPr id="3" name="Заметки 2"/>
-          <p:cNvSpPr>
-            <a:spLocks noGrp="1"/>
-          </p:cNvSpPr>
-          <p:nvPr>
-            <p:ph type="body" idx="1"/>
-          </p:nvPr>
-        </p:nvSpPr>
-        <p:spPr/>
-        <p:txBody>
-          <a:bodyPr/>
-          <a:lstStyle/>
-          <a:p>
-            <a:r>
-              <a:rPr lang="ru-RU" dirty="0"/>
-              <a:t>Уязвимость</a:t>
-            </a:r>
-            <a:r>
-              <a:rPr lang="ru-RU" baseline="0" dirty="0"/>
-              <a:t> есть – утверждение</a:t>
-            </a:r>
-          </a:p>
-          <a:p>
-            <a:r>
-              <a:rPr lang="en-US" baseline="0" dirty="0"/>
-              <a:t>- </a:t>
-            </a:r>
-            <a:r>
-              <a:rPr lang="ru-RU" baseline="0" dirty="0"/>
-              <a:t>Если злоумышленник знает</a:t>
-            </a:r>
-            <a:endParaRPr lang="en-US" baseline="0" dirty="0"/>
-          </a:p>
-          <a:p>
-            <a:r>
-              <a:rPr lang="en-US" baseline="0" dirty="0"/>
-              <a:t>P=</a:t>
-            </a:r>
-            <a:r>
-              <a:rPr lang="ru-RU" baseline="0" dirty="0"/>
-              <a:t>1.0 – при бесконечных ресурсах за бесконечное время</a:t>
-            </a:r>
-            <a:endParaRPr lang="ru-RU" dirty="0"/>
-          </a:p>
-        </p:txBody>
-      </p:sp>
-      <p:sp>
-        <p:nvSpPr>
-          <p:cNvPr id="4" name="Номер слайда 3"/>
-          <p:cNvSpPr>
-            <a:spLocks noGrp="1"/>
-          </p:cNvSpPr>
-          <p:nvPr>
-            <p:ph type="sldNum" sz="quarter" idx="10"/>
-          </p:nvPr>
-        </p:nvSpPr>
-        <p:spPr/>
-        <p:txBody>
-          <a:bodyPr/>
-          <a:lstStyle/>
-          <a:p>
-            <a:fld id="{07FB6C91-1D9B-4FCD-AD06-4155113BD50C}" type="slidenum">
-              <a:rPr lang="ru-RU" smtClean="0"/>
-              <a:pPr/>
-              <a:t>8</a:t>
             </a:fld>
             <a:endParaRPr lang="ru-RU"/>
           </a:p>
@@ -2201,7 +2083,7 @@
           <p:cNvPr id="2" name="Заголовок 1">
             <a:extLst>
               <a:ext uri="{FF2B5EF4-FFF2-40B4-BE49-F238E27FC236}">
-                <a16:creationId xmlns:a16="http://schemas.microsoft.com/office/drawing/2014/main" xmlns="" id="{1187A9FC-966E-4F88-A65A-7E03044F5433}"/>
+                <a16:creationId xmlns="" xmlns:a16="http://schemas.microsoft.com/office/drawing/2014/main" id="{1187A9FC-966E-4F88-A65A-7E03044F5433}"/>
               </a:ext>
             </a:extLst>
           </p:cNvPr>
@@ -2229,7 +2111,7 @@
           <p:cNvPr id="3" name="Дата 2">
             <a:extLst>
               <a:ext uri="{FF2B5EF4-FFF2-40B4-BE49-F238E27FC236}">
-                <a16:creationId xmlns:a16="http://schemas.microsoft.com/office/drawing/2014/main" xmlns="" id="{7625A992-FDE0-409C-A39E-4079FE954E51}"/>
+                <a16:creationId xmlns="" xmlns:a16="http://schemas.microsoft.com/office/drawing/2014/main" id="{7625A992-FDE0-409C-A39E-4079FE954E51}"/>
               </a:ext>
             </a:extLst>
           </p:cNvPr>
@@ -2258,7 +2140,7 @@
           <p:cNvPr id="4" name="Нижний колонтитул 3">
             <a:extLst>
               <a:ext uri="{FF2B5EF4-FFF2-40B4-BE49-F238E27FC236}">
-                <a16:creationId xmlns:a16="http://schemas.microsoft.com/office/drawing/2014/main" xmlns="" id="{93E533D9-BB3D-4C32-AC6D-B5D461B6EECE}"/>
+                <a16:creationId xmlns="" xmlns:a16="http://schemas.microsoft.com/office/drawing/2014/main" id="{93E533D9-BB3D-4C32-AC6D-B5D461B6EECE}"/>
               </a:ext>
             </a:extLst>
           </p:cNvPr>
@@ -2283,7 +2165,7 @@
           <p:cNvPr id="5" name="Номер слайда 4">
             <a:extLst>
               <a:ext uri="{FF2B5EF4-FFF2-40B4-BE49-F238E27FC236}">
-                <a16:creationId xmlns:a16="http://schemas.microsoft.com/office/drawing/2014/main" xmlns="" id="{B403D20D-06F7-4FCC-AFCB-E8F2F26A01BF}"/>
+                <a16:creationId xmlns="" xmlns:a16="http://schemas.microsoft.com/office/drawing/2014/main" id="{B403D20D-06F7-4FCC-AFCB-E8F2F26A01BF}"/>
               </a:ext>
             </a:extLst>
           </p:cNvPr>
@@ -2313,7 +2195,7 @@
           <p:cNvPr id="7" name="Текст 6">
             <a:extLst>
               <a:ext uri="{FF2B5EF4-FFF2-40B4-BE49-F238E27FC236}">
-                <a16:creationId xmlns:a16="http://schemas.microsoft.com/office/drawing/2014/main" xmlns="" id="{9DF0B83D-EEFA-4CD3-ABB2-378315AC97AA}"/>
+                <a16:creationId xmlns="" xmlns:a16="http://schemas.microsoft.com/office/drawing/2014/main" id="{9DF0B83D-EEFA-4CD3-ABB2-378315AC97AA}"/>
               </a:ext>
             </a:extLst>
           </p:cNvPr>
@@ -4362,7 +4244,7 @@
           <p:cNvPr id="23" name="Полилиния: фигура 22">
             <a:extLst>
               <a:ext uri="{FF2B5EF4-FFF2-40B4-BE49-F238E27FC236}">
-                <a16:creationId xmlns:a16="http://schemas.microsoft.com/office/drawing/2014/main" xmlns="" id="{2346EF01-306A-45F1-B49E-ADB43FC604E8}"/>
+                <a16:creationId xmlns="" xmlns:a16="http://schemas.microsoft.com/office/drawing/2014/main" id="{2346EF01-306A-45F1-B49E-ADB43FC604E8}"/>
               </a:ext>
             </a:extLst>
           </p:cNvPr>
@@ -4459,7 +4341,7 @@
           <p:cNvPr id="7" name="TextBox 6">
             <a:extLst>
               <a:ext uri="{FF2B5EF4-FFF2-40B4-BE49-F238E27FC236}">
-                <a16:creationId xmlns:a16="http://schemas.microsoft.com/office/drawing/2014/main" xmlns="" id="{DB65D454-9513-AE4B-B897-CBE3585FB02C}"/>
+                <a16:creationId xmlns="" xmlns:a16="http://schemas.microsoft.com/office/drawing/2014/main" id="{DB65D454-9513-AE4B-B897-CBE3585FB02C}"/>
               </a:ext>
             </a:extLst>
           </p:cNvPr>
@@ -4601,7 +4483,7 @@
           <p:cNvPr id="25" name="TextBox 24">
             <a:extLst>
               <a:ext uri="{FF2B5EF4-FFF2-40B4-BE49-F238E27FC236}">
-                <a16:creationId xmlns:a16="http://schemas.microsoft.com/office/drawing/2014/main" xmlns="" id="{5F839AF4-2DA2-448E-9D55-17402DA471EB}"/>
+                <a16:creationId xmlns="" xmlns:a16="http://schemas.microsoft.com/office/drawing/2014/main" id="{5F839AF4-2DA2-448E-9D55-17402DA471EB}"/>
               </a:ext>
             </a:extLst>
           </p:cNvPr>
@@ -4659,7 +4541,7 @@
           <p:cNvPr id="9" name="Рисунок 8" descr="Изображение выглядит как фотография, знак, черный, белый&#10;&#10;Автоматически созданное описание">
             <a:extLst>
               <a:ext uri="{FF2B5EF4-FFF2-40B4-BE49-F238E27FC236}">
-                <a16:creationId xmlns:a16="http://schemas.microsoft.com/office/drawing/2014/main" xmlns="" id="{074BF89E-2F5E-4138-803A-5E07BFE000CD}"/>
+                <a16:creationId xmlns="" xmlns:a16="http://schemas.microsoft.com/office/drawing/2014/main" id="{074BF89E-2F5E-4138-803A-5E07BFE000CD}"/>
               </a:ext>
             </a:extLst>
           </p:cNvPr>
@@ -4695,7 +4577,7 @@
           <p:cNvPr id="8" name="Прямоугольник 7">
             <a:extLst>
               <a:ext uri="{FF2B5EF4-FFF2-40B4-BE49-F238E27FC236}">
-                <a16:creationId xmlns:a16="http://schemas.microsoft.com/office/drawing/2014/main" xmlns="" id="{B22E2906-0F12-4345-BF21-9247EC5D1052}"/>
+                <a16:creationId xmlns="" xmlns:a16="http://schemas.microsoft.com/office/drawing/2014/main" id="{B22E2906-0F12-4345-BF21-9247EC5D1052}"/>
               </a:ext>
             </a:extLst>
           </p:cNvPr>
@@ -4852,7 +4734,7 @@
           <p:cNvPr id="2" name="Номер слайда 1">
             <a:extLst>
               <a:ext uri="{FF2B5EF4-FFF2-40B4-BE49-F238E27FC236}">
-                <a16:creationId xmlns:a16="http://schemas.microsoft.com/office/drawing/2014/main" xmlns="" id="{BA9CF357-4FFB-4B7D-AC71-7714293F20AA}"/>
+                <a16:creationId xmlns="" xmlns:a16="http://schemas.microsoft.com/office/drawing/2014/main" id="{BA9CF357-4FFB-4B7D-AC71-7714293F20AA}"/>
               </a:ext>
             </a:extLst>
           </p:cNvPr>
@@ -4885,7 +4767,7 @@
 </p:sld>
 </file>
 
-<file path=ppt/slides/slide10.xml><?xml version="1.0" encoding="utf-8"?>
+<file path=ppt/slides/slide2.xml><?xml version="1.0" encoding="utf-8"?>
 <p:sld xmlns:a="http://schemas.openxmlformats.org/drawingml/2006/main" xmlns:r="http://schemas.openxmlformats.org/officeDocument/2006/relationships" xmlns:p="http://schemas.openxmlformats.org/presentationml/2006/main">
   <p:cSld>
     <p:spTree>
@@ -4904,92 +4786,7 @@
       </p:grpSpPr>
       <p:sp>
         <p:nvSpPr>
-          <p:cNvPr id="3" name="Объект 2">
-            <a:extLst>
-              <a:ext uri="{FF2B5EF4-FFF2-40B4-BE49-F238E27FC236}">
-                <a16:creationId xmlns:a16="http://schemas.microsoft.com/office/drawing/2014/main" xmlns="" id="{807A1DB7-1B94-4C8E-9E43-F2737C3A6C6E}"/>
-              </a:ext>
-            </a:extLst>
-          </p:cNvPr>
-          <p:cNvSpPr>
-            <a:spLocks noGrp="1"/>
-          </p:cNvSpPr>
-          <p:nvPr>
-            <p:ph idx="1"/>
-          </p:nvPr>
-        </p:nvSpPr>
-        <p:spPr>
-          <a:xfrm>
-            <a:off x="2555776" y="1059582"/>
-            <a:ext cx="6336704" cy="3384351"/>
-          </a:xfrm>
-        </p:spPr>
-        <p:txBody>
-          <a:bodyPr>
-            <a:normAutofit/>
-          </a:bodyPr>
-          <a:lstStyle/>
-          <a:p>
-            <a:pPr marL="0" indent="0">
-              <a:buNone/>
-            </a:pPr>
-            <a:endParaRPr lang="ru-RU" sz="1600" dirty="0">
-              <a:solidFill>
-                <a:srgbClr val="FF0000"/>
-              </a:solidFill>
-            </a:endParaRPr>
-          </a:p>
-          <a:p>
-            <a:pPr marL="0" indent="0">
-              <a:buNone/>
-            </a:pPr>
-            <a:endParaRPr lang="ru-RU" sz="1600" dirty="0">
-              <a:solidFill>
-                <a:srgbClr val="FF0000"/>
-              </a:solidFill>
-            </a:endParaRPr>
-          </a:p>
-        </p:txBody>
-      </p:sp>
-      <p:sp>
-        <p:nvSpPr>
-          <p:cNvPr id="4" name="Номер слайда 3">
-            <a:extLst>
-              <a:ext uri="{FF2B5EF4-FFF2-40B4-BE49-F238E27FC236}">
-                <a16:creationId xmlns:a16="http://schemas.microsoft.com/office/drawing/2014/main" xmlns="" id="{407E3DFD-05CC-48DB-9081-F8A9F136813E}"/>
-              </a:ext>
-            </a:extLst>
-          </p:cNvPr>
-          <p:cNvSpPr>
-            <a:spLocks noGrp="1"/>
-          </p:cNvSpPr>
-          <p:nvPr>
-            <p:ph type="sldNum" sz="quarter" idx="12"/>
-          </p:nvPr>
-        </p:nvSpPr>
-        <p:spPr/>
-        <p:txBody>
-          <a:bodyPr/>
-          <a:lstStyle/>
-          <a:p>
-            <a:fld id="{B19B0651-EE4F-4900-A07F-96A6BFA9D0F0}" type="slidenum">
-              <a:rPr lang="ru-RU" smtClean="0"/>
-              <a:pPr/>
-              <a:t>10</a:t>
-            </a:fld>
-            <a:endParaRPr lang="ru-RU"/>
-          </a:p>
-        </p:txBody>
-      </p:sp>
-      <p:sp>
-        <p:nvSpPr>
-          <p:cNvPr id="5" name="Прямоугольник 4">
-            <a:extLst>
-              <a:ext uri="{FF2B5EF4-FFF2-40B4-BE49-F238E27FC236}">
-                <a16:creationId xmlns:a16="http://schemas.microsoft.com/office/drawing/2014/main" xmlns="" id="{910DF3EC-1F25-4526-9FE7-8BC70A8DF0C5}"/>
-              </a:ext>
-            </a:extLst>
-          </p:cNvPr>
+          <p:cNvPr id="9" name="Прямоугольник 8"/>
           <p:cNvSpPr/>
           <p:nvPr/>
         </p:nvSpPr>
@@ -5041,10 +4838,10 @@
       </p:sp>
       <p:cxnSp>
         <p:nvCxnSpPr>
-          <p:cNvPr id="6" name="Прямая соединительная линия 5">
+          <p:cNvPr id="30" name="Прямая соединительная линия 29">
             <a:extLst>
               <a:ext uri="{FF2B5EF4-FFF2-40B4-BE49-F238E27FC236}">
-                <a16:creationId xmlns:a16="http://schemas.microsoft.com/office/drawing/2014/main" xmlns="" id="{2467A97C-B77F-44C8-A41B-AB2EE2D11DE3}"/>
+                <a16:creationId xmlns="" xmlns:a16="http://schemas.microsoft.com/office/drawing/2014/main" id="{F004EEAE-9E59-4362-892F-11F0597BBF49}"/>
               </a:ext>
             </a:extLst>
           </p:cNvPr>
@@ -5084,10 +4881,3101 @@
       </p:cxnSp>
       <p:sp>
         <p:nvSpPr>
+          <p:cNvPr id="3" name="Номер слайда 2">
+            <a:extLst>
+              <a:ext uri="{FF2B5EF4-FFF2-40B4-BE49-F238E27FC236}">
+                <a16:creationId xmlns="" xmlns:a16="http://schemas.microsoft.com/office/drawing/2014/main" id="{9879899F-8DEE-4C3F-B4F8-8A504F60C80B}"/>
+              </a:ext>
+            </a:extLst>
+          </p:cNvPr>
+          <p:cNvSpPr>
+            <a:spLocks noGrp="1"/>
+          </p:cNvSpPr>
+          <p:nvPr>
+            <p:ph type="sldNum" sz="quarter" idx="12"/>
+          </p:nvPr>
+        </p:nvSpPr>
+        <p:spPr/>
+        <p:txBody>
+          <a:bodyPr/>
+          <a:lstStyle/>
+          <a:p>
+            <a:fld id="{B19B0651-EE4F-4900-A07F-96A6BFA9D0F0}" type="slidenum">
+              <a:rPr lang="ru-RU" smtClean="0"/>
+              <a:pPr/>
+              <a:t>2</a:t>
+            </a:fld>
+            <a:endParaRPr lang="ru-RU" dirty="0"/>
+          </a:p>
+        </p:txBody>
+      </p:sp>
+      <p:sp>
+        <p:nvSpPr>
+          <p:cNvPr id="14" name="Прямоугольник 13">
+            <a:extLst>
+              <a:ext uri="{FF2B5EF4-FFF2-40B4-BE49-F238E27FC236}">
+                <a16:creationId xmlns="" xmlns:a16="http://schemas.microsoft.com/office/drawing/2014/main" id="{C204DE12-0708-4039-981E-EC5E81BC4662}"/>
+              </a:ext>
+            </a:extLst>
+          </p:cNvPr>
+          <p:cNvSpPr/>
+          <p:nvPr/>
+        </p:nvSpPr>
+        <p:spPr>
+          <a:xfrm>
+            <a:off x="3203848" y="48518"/>
+            <a:ext cx="6110664" cy="830997"/>
+          </a:xfrm>
+          <a:prstGeom prst="rect">
+            <a:avLst/>
+          </a:prstGeom>
+        </p:spPr>
+        <p:txBody>
+          <a:bodyPr wrap="square">
+            <a:spAutoFit/>
+          </a:bodyPr>
+          <a:lstStyle/>
+          <a:p>
+            <a:r>
+              <a:rPr lang="ru-RU" sz="2400" b="1" dirty="0">
+                <a:solidFill>
+                  <a:schemeClr val="tx2"/>
+                </a:solidFill>
+                <a:latin typeface="Verdana" panose="020B0604030504040204" pitchFamily="34" charset="0"/>
+                <a:ea typeface="Verdana" panose="020B0604030504040204" pitchFamily="34" charset="0"/>
+              </a:rPr>
+              <a:t>Актуальность темы. </a:t>
+            </a:r>
+          </a:p>
+          <a:p>
+            <a:r>
+              <a:rPr lang="ru-RU" sz="2400" b="1" dirty="0">
+                <a:solidFill>
+                  <a:schemeClr val="tx2"/>
+                </a:solidFill>
+                <a:latin typeface="Verdana" panose="020B0604030504040204" pitchFamily="34" charset="0"/>
+                <a:ea typeface="Verdana" panose="020B0604030504040204" pitchFamily="34" charset="0"/>
+              </a:rPr>
+              <a:t>Цель работы.</a:t>
+            </a:r>
+          </a:p>
+        </p:txBody>
+      </p:sp>
+      <p:pic>
+        <p:nvPicPr>
+          <p:cNvPr id="1027" name="Picture 3" descr="C:\Users\kosiya\Downloads\airplane.png"/>
+          <p:cNvPicPr>
+            <a:picLocks noChangeAspect="1" noChangeArrowheads="1"/>
+          </p:cNvPicPr>
+          <p:nvPr/>
+        </p:nvPicPr>
+        <p:blipFill>
+          <a:blip r:embed="rId2" cstate="print">
+            <a:extLst>
+              <a:ext uri="{28A0092B-C50C-407E-A947-70E740481C1C}">
+                <a14:useLocalDpi xmlns:a14="http://schemas.microsoft.com/office/drawing/2010/main" val="0"/>
+              </a:ext>
+            </a:extLst>
+          </a:blip>
+          <a:srcRect/>
+          <a:stretch>
+            <a:fillRect/>
+          </a:stretch>
+        </p:blipFill>
+        <p:spPr bwMode="auto">
+          <a:xfrm>
+            <a:off x="262300" y="3524992"/>
+            <a:ext cx="1839600" cy="1379193"/>
+          </a:xfrm>
+          <a:prstGeom prst="rect">
+            <a:avLst/>
+          </a:prstGeom>
+          <a:noFill/>
+          <a:extLst>
+            <a:ext uri="{909E8E84-426E-40DD-AFC4-6F175D3DCCD1}">
+              <a14:hiddenFill xmlns:a14="http://schemas.microsoft.com/office/drawing/2010/main">
+                <a:solidFill>
+                  <a:srgbClr val="FFFFFF"/>
+                </a:solidFill>
+              </a14:hiddenFill>
+            </a:ext>
+          </a:extLst>
+        </p:spPr>
+      </p:pic>
+      <p:pic>
+        <p:nvPicPr>
+          <p:cNvPr id="1026" name="Picture 2">
+            <a:extLst>
+              <a:ext uri="{FF2B5EF4-FFF2-40B4-BE49-F238E27FC236}">
+                <a16:creationId xmlns="" xmlns:a16="http://schemas.microsoft.com/office/drawing/2014/main" id="{17C112DF-E30E-4E91-BE1E-B73E5466DF10}"/>
+              </a:ext>
+            </a:extLst>
+          </p:cNvPr>
+          <p:cNvPicPr>
+            <a:picLocks noChangeAspect="1" noChangeArrowheads="1"/>
+          </p:cNvPicPr>
+          <p:nvPr/>
+        </p:nvPicPr>
+        <p:blipFill>
+          <a:blip r:embed="rId3">
+            <a:extLst>
+              <a:ext uri="{28A0092B-C50C-407E-A947-70E740481C1C}">
+                <a14:useLocalDpi xmlns:a14="http://schemas.microsoft.com/office/drawing/2010/main" val="0"/>
+              </a:ext>
+            </a:extLst>
+          </a:blip>
+          <a:srcRect/>
+          <a:stretch>
+            <a:fillRect/>
+          </a:stretch>
+        </p:blipFill>
+        <p:spPr bwMode="auto">
+          <a:xfrm>
+            <a:off x="3059833" y="967036"/>
+            <a:ext cx="5832648" cy="3888432"/>
+          </a:xfrm>
+          <a:prstGeom prst="rect">
+            <a:avLst/>
+          </a:prstGeom>
+          <a:noFill/>
+          <a:extLst>
+            <a:ext uri="{909E8E84-426E-40DD-AFC4-6F175D3DCCD1}">
+              <a14:hiddenFill xmlns:a14="http://schemas.microsoft.com/office/drawing/2010/main">
+                <a:solidFill>
+                  <a:srgbClr val="FFFFFF"/>
+                </a:solidFill>
+              </a14:hiddenFill>
+            </a:ext>
+          </a:extLst>
+        </p:spPr>
+      </p:pic>
+      <p:grpSp>
+        <p:nvGrpSpPr>
+          <p:cNvPr id="10" name="Группа 9">
+            <a:extLst>
+              <a:ext uri="{FF2B5EF4-FFF2-40B4-BE49-F238E27FC236}">
+                <a16:creationId xmlns="" xmlns:a16="http://schemas.microsoft.com/office/drawing/2014/main" id="{C966BB80-279D-40A2-84AF-CDA482DFE0F5}"/>
+              </a:ext>
+            </a:extLst>
+          </p:cNvPr>
+          <p:cNvGrpSpPr/>
+          <p:nvPr/>
+        </p:nvGrpSpPr>
+        <p:grpSpPr>
+          <a:xfrm>
+            <a:off x="132856" y="987574"/>
+            <a:ext cx="2750478" cy="2106266"/>
+            <a:chOff x="174072" y="171978"/>
+            <a:chExt cx="2750478" cy="2106266"/>
+          </a:xfrm>
+        </p:grpSpPr>
+        <p:sp>
+          <p:nvSpPr>
+            <p:cNvPr id="11" name="Прямоугольник 10">
+              <a:extLst>
+                <a:ext uri="{FF2B5EF4-FFF2-40B4-BE49-F238E27FC236}">
+                  <a16:creationId xmlns="" xmlns:a16="http://schemas.microsoft.com/office/drawing/2014/main" id="{1C3373F8-AC50-4FE4-9BFB-C2ABC5937CCF}"/>
+                </a:ext>
+              </a:extLst>
+            </p:cNvPr>
+            <p:cNvSpPr/>
+            <p:nvPr/>
+          </p:nvSpPr>
+          <p:spPr>
+            <a:xfrm>
+              <a:off x="182776" y="176182"/>
+              <a:ext cx="307777" cy="307777"/>
+            </a:xfrm>
+            <a:prstGeom prst="rect">
+              <a:avLst/>
+            </a:prstGeom>
+            <a:solidFill>
+              <a:schemeClr val="bg1">
+                <a:lumMod val="95000"/>
+              </a:schemeClr>
+            </a:solidFill>
+            <a:ln>
+              <a:noFill/>
+            </a:ln>
+          </p:spPr>
+          <p:style>
+            <a:lnRef idx="2">
+              <a:schemeClr val="accent1">
+                <a:shade val="50000"/>
+              </a:schemeClr>
+            </a:lnRef>
+            <a:fillRef idx="1">
+              <a:schemeClr val="accent1"/>
+            </a:fillRef>
+            <a:effectRef idx="0">
+              <a:schemeClr val="accent1"/>
+            </a:effectRef>
+            <a:fontRef idx="minor">
+              <a:schemeClr val="lt1"/>
+            </a:fontRef>
+          </p:style>
+          <p:txBody>
+            <a:bodyPr rtlCol="0" anchor="ctr"/>
+            <a:lstStyle/>
+            <a:p>
+              <a:pPr algn="ctr"/>
+              <a:endParaRPr lang="ru-RU" dirty="0"/>
+            </a:p>
+          </p:txBody>
+        </p:sp>
+        <p:sp>
+          <p:nvSpPr>
+            <p:cNvPr id="12" name="Прямоугольник 11">
+              <a:extLst>
+                <a:ext uri="{FF2B5EF4-FFF2-40B4-BE49-F238E27FC236}">
+                  <a16:creationId xmlns="" xmlns:a16="http://schemas.microsoft.com/office/drawing/2014/main" id="{4DFE0403-DA90-48B3-8870-BB7651570C39}"/>
+                </a:ext>
+              </a:extLst>
+            </p:cNvPr>
+            <p:cNvSpPr/>
+            <p:nvPr/>
+          </p:nvSpPr>
+          <p:spPr>
+            <a:xfrm>
+              <a:off x="174072" y="1970467"/>
+              <a:ext cx="307777" cy="307777"/>
+            </a:xfrm>
+            <a:prstGeom prst="rect">
+              <a:avLst/>
+            </a:prstGeom>
+            <a:solidFill>
+              <a:schemeClr val="bg1">
+                <a:lumMod val="95000"/>
+              </a:schemeClr>
+            </a:solidFill>
+            <a:ln>
+              <a:noFill/>
+            </a:ln>
+          </p:spPr>
+          <p:style>
+            <a:lnRef idx="2">
+              <a:schemeClr val="accent1">
+                <a:shade val="50000"/>
+              </a:schemeClr>
+            </a:lnRef>
+            <a:fillRef idx="1">
+              <a:schemeClr val="accent1"/>
+            </a:fillRef>
+            <a:effectRef idx="0">
+              <a:schemeClr val="accent1"/>
+            </a:effectRef>
+            <a:fontRef idx="minor">
+              <a:schemeClr val="lt1"/>
+            </a:fontRef>
+          </p:style>
+          <p:txBody>
+            <a:bodyPr rtlCol="0" anchor="ctr"/>
+            <a:lstStyle/>
+            <a:p>
+              <a:pPr algn="ctr"/>
+              <a:endParaRPr lang="ru-RU"/>
+            </a:p>
+          </p:txBody>
+        </p:sp>
+        <p:sp>
+          <p:nvSpPr>
+            <p:cNvPr id="13" name="Прямоугольник 12">
+              <a:extLst>
+                <a:ext uri="{FF2B5EF4-FFF2-40B4-BE49-F238E27FC236}">
+                  <a16:creationId xmlns="" xmlns:a16="http://schemas.microsoft.com/office/drawing/2014/main" id="{300C2159-07F4-4FED-9B06-CE00C4978DA0}"/>
+                </a:ext>
+              </a:extLst>
+            </p:cNvPr>
+            <p:cNvSpPr/>
+            <p:nvPr/>
+          </p:nvSpPr>
+          <p:spPr>
+            <a:xfrm>
+              <a:off x="174073" y="1053890"/>
+              <a:ext cx="307777" cy="307777"/>
+            </a:xfrm>
+            <a:prstGeom prst="rect">
+              <a:avLst/>
+            </a:prstGeom>
+            <a:solidFill>
+              <a:schemeClr val="bg1">
+                <a:lumMod val="95000"/>
+              </a:schemeClr>
+            </a:solidFill>
+            <a:ln>
+              <a:noFill/>
+            </a:ln>
+          </p:spPr>
+          <p:style>
+            <a:lnRef idx="2">
+              <a:schemeClr val="accent1">
+                <a:shade val="50000"/>
+              </a:schemeClr>
+            </a:lnRef>
+            <a:fillRef idx="1">
+              <a:schemeClr val="accent1"/>
+            </a:fillRef>
+            <a:effectRef idx="0">
+              <a:schemeClr val="accent1"/>
+            </a:effectRef>
+            <a:fontRef idx="minor">
+              <a:schemeClr val="lt1"/>
+            </a:fontRef>
+          </p:style>
+          <p:txBody>
+            <a:bodyPr rtlCol="0" anchor="ctr"/>
+            <a:lstStyle/>
+            <a:p>
+              <a:pPr algn="ctr"/>
+              <a:endParaRPr lang="ru-RU">
+                <a:solidFill>
+                  <a:srgbClr val="7F7F7F"/>
+                </a:solidFill>
+              </a:endParaRPr>
+            </a:p>
+          </p:txBody>
+        </p:sp>
+        <p:sp>
+          <p:nvSpPr>
+            <p:cNvPr id="15" name="TextBox 14">
+              <a:extLst>
+                <a:ext uri="{FF2B5EF4-FFF2-40B4-BE49-F238E27FC236}">
+                  <a16:creationId xmlns="" xmlns:a16="http://schemas.microsoft.com/office/drawing/2014/main" id="{3BBCBA7E-0F94-4396-B31C-676823516FFA}"/>
+                </a:ext>
+              </a:extLst>
+            </p:cNvPr>
+            <p:cNvSpPr txBox="1"/>
+            <p:nvPr/>
+          </p:nvSpPr>
+          <p:spPr>
+            <a:xfrm>
+              <a:off x="508760" y="171978"/>
+              <a:ext cx="2415790" cy="338554"/>
+            </a:xfrm>
+            <a:prstGeom prst="rect">
+              <a:avLst/>
+            </a:prstGeom>
+            <a:noFill/>
+          </p:spPr>
+          <p:txBody>
+            <a:bodyPr wrap="square">
+              <a:spAutoFit/>
+            </a:bodyPr>
+            <a:lstStyle/>
+            <a:p>
+              <a:r>
+                <a:rPr lang="ru-RU" sz="1600" b="1" dirty="0">
+                  <a:solidFill>
+                    <a:schemeClr val="bg1">
+                      <a:lumMod val="95000"/>
+                    </a:schemeClr>
+                  </a:solidFill>
+                  <a:latin typeface="Verdana" panose="020B0604030504040204" pitchFamily="34" charset="0"/>
+                  <a:ea typeface="Verdana" panose="020B0604030504040204" pitchFamily="34" charset="0"/>
+                </a:rPr>
+                <a:t>Цель работы</a:t>
+              </a:r>
+              <a:endParaRPr lang="x-none" sz="1600" b="1" dirty="0">
+                <a:solidFill>
+                  <a:schemeClr val="bg1">
+                    <a:lumMod val="95000"/>
+                  </a:schemeClr>
+                </a:solidFill>
+                <a:latin typeface="Verdana" panose="020B0604030504040204" pitchFamily="34" charset="0"/>
+                <a:ea typeface="Verdana" panose="020B0604030504040204" pitchFamily="34" charset="0"/>
+              </a:endParaRPr>
+            </a:p>
+          </p:txBody>
+        </p:sp>
+        <p:sp>
+          <p:nvSpPr>
+            <p:cNvPr id="16" name="Прямоугольник 15">
+              <a:extLst>
+                <a:ext uri="{FF2B5EF4-FFF2-40B4-BE49-F238E27FC236}">
+                  <a16:creationId xmlns="" xmlns:a16="http://schemas.microsoft.com/office/drawing/2014/main" id="{9DF13001-453E-456E-9606-5ACD70C1F22C}"/>
+                </a:ext>
+              </a:extLst>
+            </p:cNvPr>
+            <p:cNvSpPr/>
+            <p:nvPr/>
+          </p:nvSpPr>
+          <p:spPr>
+            <a:xfrm>
+              <a:off x="508760" y="892058"/>
+              <a:ext cx="1827361" cy="584775"/>
+            </a:xfrm>
+            <a:prstGeom prst="rect">
+              <a:avLst/>
+            </a:prstGeom>
+          </p:spPr>
+          <p:txBody>
+            <a:bodyPr wrap="square">
+              <a:spAutoFit/>
+            </a:bodyPr>
+            <a:lstStyle/>
+            <a:p>
+              <a:r>
+                <a:rPr lang="ru-RU" sz="1600" b="1" dirty="0">
+                  <a:solidFill>
+                    <a:schemeClr val="bg1">
+                      <a:lumMod val="95000"/>
+                    </a:schemeClr>
+                  </a:solidFill>
+                  <a:latin typeface="Verdana" panose="020B0604030504040204" pitchFamily="34" charset="0"/>
+                  <a:ea typeface="Verdana" panose="020B0604030504040204" pitchFamily="34" charset="0"/>
+                </a:rPr>
+                <a:t>Система управления</a:t>
+              </a:r>
+            </a:p>
+          </p:txBody>
+        </p:sp>
+      </p:grpSp>
+      <p:sp>
+        <p:nvSpPr>
+          <p:cNvPr id="17" name="Прямоугольник 16">
+            <a:extLst>
+              <a:ext uri="{FF2B5EF4-FFF2-40B4-BE49-F238E27FC236}">
+                <a16:creationId xmlns="" xmlns:a16="http://schemas.microsoft.com/office/drawing/2014/main" id="{4178CC85-0238-47F8-9C95-8ED6B85E84DE}"/>
+              </a:ext>
+            </a:extLst>
+          </p:cNvPr>
+          <p:cNvSpPr/>
+          <p:nvPr/>
+        </p:nvSpPr>
+        <p:spPr>
+          <a:xfrm>
+            <a:off x="463089" y="2787774"/>
+            <a:ext cx="2111541" cy="338554"/>
+          </a:xfrm>
+          <a:prstGeom prst="rect">
+            <a:avLst/>
+          </a:prstGeom>
+        </p:spPr>
+        <p:txBody>
+          <a:bodyPr wrap="square">
+            <a:spAutoFit/>
+          </a:bodyPr>
+          <a:lstStyle/>
+          <a:p>
+            <a:r>
+              <a:rPr lang="ru-RU" sz="1600" b="1" dirty="0">
+                <a:solidFill>
+                  <a:schemeClr val="bg1">
+                    <a:lumMod val="95000"/>
+                  </a:schemeClr>
+                </a:solidFill>
+                <a:latin typeface="Verdana" panose="020B0604030504040204" pitchFamily="34" charset="0"/>
+                <a:ea typeface="Verdana" panose="020B0604030504040204" pitchFamily="34" charset="0"/>
+              </a:rPr>
+              <a:t>Роботизация</a:t>
+            </a:r>
+          </a:p>
+        </p:txBody>
+      </p:sp>
+    </p:spTree>
+    <p:extLst>
+      <p:ext uri="{BB962C8B-B14F-4D97-AF65-F5344CB8AC3E}">
+        <p14:creationId xmlns:p14="http://schemas.microsoft.com/office/powerpoint/2010/main" val="3556394761"/>
+      </p:ext>
+    </p:extLst>
+  </p:cSld>
+  <p:clrMapOvr>
+    <a:masterClrMapping/>
+  </p:clrMapOvr>
+</p:sld>
+</file>
+
+<file path=ppt/slides/slide3.xml><?xml version="1.0" encoding="utf-8"?>
+<p:sld xmlns:a="http://schemas.openxmlformats.org/drawingml/2006/main" xmlns:r="http://schemas.openxmlformats.org/officeDocument/2006/relationships" xmlns:p="http://schemas.openxmlformats.org/presentationml/2006/main">
+  <p:cSld>
+    <p:spTree>
+      <p:nvGrpSpPr>
+        <p:cNvPr id="1" name=""/>
+        <p:cNvGrpSpPr/>
+        <p:nvPr/>
+      </p:nvGrpSpPr>
+      <p:grpSpPr>
+        <a:xfrm>
+          <a:off x="0" y="0"/>
+          <a:ext cx="0" cy="0"/>
+          <a:chOff x="0" y="0"/>
+          <a:chExt cx="0" cy="0"/>
+        </a:xfrm>
+      </p:grpSpPr>
+      <p:sp>
+        <p:nvSpPr>
+          <p:cNvPr id="45" name="Прямоугольник 44">
+            <a:extLst>
+              <a:ext uri="{FF2B5EF4-FFF2-40B4-BE49-F238E27FC236}">
+                <a16:creationId xmlns="" xmlns:a16="http://schemas.microsoft.com/office/drawing/2014/main" id="{F844FAD0-BFD3-42F8-8444-0D4247E6F864}"/>
+              </a:ext>
+            </a:extLst>
+          </p:cNvPr>
+          <p:cNvSpPr/>
+          <p:nvPr/>
+        </p:nvSpPr>
+        <p:spPr bwMode="auto">
+          <a:xfrm>
+            <a:off x="0" y="0"/>
+            <a:ext cx="1080000" cy="5143500"/>
+          </a:xfrm>
+          <a:prstGeom prst="rect">
+            <a:avLst/>
+          </a:prstGeom>
+          <a:solidFill>
+            <a:srgbClr val="004868"/>
+          </a:solidFill>
+          <a:ln w="9525" cap="flat" cmpd="sng" algn="ctr">
+            <a:noFill/>
+            <a:prstDash val="solid"/>
+            <a:round/>
+            <a:headEnd type="none" w="med" len="med"/>
+            <a:tailEnd type="none" w="med" len="med"/>
+          </a:ln>
+          <a:effectLst/>
+        </p:spPr>
+        <p:txBody>
+          <a:bodyPr vert="horz" wrap="square" lIns="77925" tIns="38963" rIns="77925" bIns="38963" numCol="1" rtlCol="0" anchor="ctr" anchorCtr="0" compatLnSpc="1">
+            <a:prstTxWarp prst="textNoShape">
+              <a:avLst/>
+            </a:prstTxWarp>
+          </a:bodyPr>
+          <a:lstStyle/>
+          <a:p>
+            <a:pPr>
+              <a:lnSpc>
+                <a:spcPct val="93000"/>
+              </a:lnSpc>
+              <a:buClr>
+                <a:srgbClr val="000000"/>
+              </a:buClr>
+              <a:buSzPct val="100000"/>
+            </a:pPr>
+            <a:endParaRPr lang="ru-RU" sz="2000" b="1" dirty="0">
+              <a:solidFill>
+                <a:schemeClr val="bg1"/>
+              </a:solidFill>
+              <a:latin typeface="Century Gothic" panose="020B0502020202020204" pitchFamily="34" charset="0"/>
+            </a:endParaRPr>
+          </a:p>
+        </p:txBody>
+      </p:sp>
+      <p:sp>
+        <p:nvSpPr>
+          <p:cNvPr id="25" name="Rectangle 1"/>
+          <p:cNvSpPr txBox="1">
+            <a:spLocks noChangeArrowheads="1"/>
+          </p:cNvSpPr>
+          <p:nvPr/>
+        </p:nvSpPr>
+        <p:spPr>
+          <a:xfrm>
+            <a:off x="2990262" y="921650"/>
+            <a:ext cx="5830209" cy="3787273"/>
+          </a:xfrm>
+          <a:prstGeom prst="rect">
+            <a:avLst/>
+          </a:prstGeom>
+        </p:spPr>
+        <p:txBody>
+          <a:bodyPr vert="horz" lIns="91440" tIns="45720" rIns="91440" bIns="45720" rtlCol="0" anchor="t">
+            <a:normAutofit/>
+          </a:bodyPr>
+          <a:lstStyle>
+            <a:lvl1pPr algn="ctr" defTabSz="914400" rtl="0" eaLnBrk="1" latinLnBrk="0" hangingPunct="1">
+              <a:spcBef>
+                <a:spcPct val="0"/>
+              </a:spcBef>
+              <a:buNone/>
+              <a:defRPr sz="4400" kern="1200">
+                <a:solidFill>
+                  <a:schemeClr val="tx1"/>
+                </a:solidFill>
+                <a:latin typeface="+mj-lt"/>
+                <a:ea typeface="+mj-ea"/>
+                <a:cs typeface="+mj-cs"/>
+              </a:defRPr>
+            </a:lvl1pPr>
+          </a:lstStyle>
+          <a:p>
+            <a:pPr marL="257175" indent="-254794" algn="l">
+              <a:spcBef>
+                <a:spcPts val="450"/>
+              </a:spcBef>
+              <a:tabLst>
+                <a:tab pos="257175" algn="l"/>
+                <a:tab pos="335756" algn="l"/>
+                <a:tab pos="672704" algn="l"/>
+                <a:tab pos="1009650" algn="l"/>
+                <a:tab pos="1346597" algn="l"/>
+                <a:tab pos="1683544" algn="l"/>
+                <a:tab pos="2020491" algn="l"/>
+                <a:tab pos="2357438" algn="l"/>
+                <a:tab pos="2694385" algn="l"/>
+                <a:tab pos="3031331" algn="l"/>
+                <a:tab pos="3368279" algn="l"/>
+                <a:tab pos="3705225" algn="l"/>
+                <a:tab pos="4042172" algn="l"/>
+                <a:tab pos="4379119" algn="l"/>
+                <a:tab pos="4716066" algn="l"/>
+                <a:tab pos="5053013" algn="l"/>
+                <a:tab pos="5389960" algn="l"/>
+                <a:tab pos="5726906" algn="l"/>
+                <a:tab pos="6063854" algn="l"/>
+                <a:tab pos="6400800" algn="l"/>
+                <a:tab pos="6737747" algn="l"/>
+              </a:tabLst>
+            </a:pPr>
+            <a:r>
+              <a:rPr lang="en-US" altLang="ru-RU" sz="3200" dirty="0">
+                <a:cs typeface="Times New Roman" panose="02020603050405020304" pitchFamily="18" charset="0"/>
+              </a:rPr>
+              <a:t>                     </a:t>
+            </a:r>
+            <a:endParaRPr lang="ru-RU" altLang="ru-RU" sz="3200" dirty="0">
+              <a:cs typeface="Times New Roman" panose="02020603050405020304" pitchFamily="18" charset="0"/>
+            </a:endParaRPr>
+          </a:p>
+        </p:txBody>
+      </p:sp>
+      <p:sp>
+        <p:nvSpPr>
+          <p:cNvPr id="2" name="Номер слайда 1">
+            <a:extLst>
+              <a:ext uri="{FF2B5EF4-FFF2-40B4-BE49-F238E27FC236}">
+                <a16:creationId xmlns="" xmlns:a16="http://schemas.microsoft.com/office/drawing/2014/main" id="{6C639C31-70B3-4747-90CA-1855C8665F6D}"/>
+              </a:ext>
+            </a:extLst>
+          </p:cNvPr>
+          <p:cNvSpPr>
+            <a:spLocks noGrp="1"/>
+          </p:cNvSpPr>
+          <p:nvPr>
+            <p:ph type="sldNum" sz="quarter" idx="12"/>
+          </p:nvPr>
+        </p:nvSpPr>
+        <p:spPr/>
+        <p:txBody>
+          <a:bodyPr/>
+          <a:lstStyle/>
+          <a:p>
+            <a:fld id="{B19B0651-EE4F-4900-A07F-96A6BFA9D0F0}" type="slidenum">
+              <a:rPr lang="ru-RU" smtClean="0"/>
+              <a:pPr/>
+              <a:t>3</a:t>
+            </a:fld>
+            <a:endParaRPr lang="ru-RU"/>
+          </a:p>
+        </p:txBody>
+      </p:sp>
+      <p:cxnSp>
+        <p:nvCxnSpPr>
+          <p:cNvPr id="9" name="Прямая соединительная линия 8">
+            <a:extLst>
+              <a:ext uri="{FF2B5EF4-FFF2-40B4-BE49-F238E27FC236}">
+                <a16:creationId xmlns="" xmlns:a16="http://schemas.microsoft.com/office/drawing/2014/main" id="{D801378D-54AE-4064-AFC0-861B34FEDBE9}"/>
+              </a:ext>
+            </a:extLst>
+          </p:cNvPr>
+          <p:cNvCxnSpPr>
+            <a:cxnSpLocks/>
+          </p:cNvCxnSpPr>
+          <p:nvPr/>
+        </p:nvCxnSpPr>
+        <p:spPr>
+          <a:xfrm>
+            <a:off x="2781816" y="867495"/>
+            <a:ext cx="5832648" cy="0"/>
+          </a:xfrm>
+          <a:prstGeom prst="line">
+            <a:avLst/>
+          </a:prstGeom>
+          <a:ln w="28575">
+            <a:solidFill>
+              <a:schemeClr val="tx2"/>
+            </a:solidFill>
+          </a:ln>
+        </p:spPr>
+        <p:style>
+          <a:lnRef idx="1">
+            <a:schemeClr val="accent1"/>
+          </a:lnRef>
+          <a:fillRef idx="0">
+            <a:schemeClr val="accent1"/>
+          </a:fillRef>
+          <a:effectRef idx="0">
+            <a:schemeClr val="accent1"/>
+          </a:effectRef>
+          <a:fontRef idx="minor">
+            <a:schemeClr val="tx1"/>
+          </a:fontRef>
+        </p:style>
+      </p:cxnSp>
+      <p:sp>
+        <p:nvSpPr>
+          <p:cNvPr id="13" name="Прямоугольник 12">
+            <a:extLst>
+              <a:ext uri="{FF2B5EF4-FFF2-40B4-BE49-F238E27FC236}">
+                <a16:creationId xmlns="" xmlns:a16="http://schemas.microsoft.com/office/drawing/2014/main" id="{A311B375-86CE-4E7D-BEFB-9E495DC2ED8E}"/>
+              </a:ext>
+            </a:extLst>
+          </p:cNvPr>
+          <p:cNvSpPr/>
+          <p:nvPr/>
+        </p:nvSpPr>
+        <p:spPr>
+          <a:xfrm>
+            <a:off x="2925832" y="299593"/>
+            <a:ext cx="6110664" cy="461665"/>
+          </a:xfrm>
+          <a:prstGeom prst="rect">
+            <a:avLst/>
+          </a:prstGeom>
+        </p:spPr>
+        <p:txBody>
+          <a:bodyPr wrap="square">
+            <a:spAutoFit/>
+          </a:bodyPr>
+          <a:lstStyle/>
+          <a:p>
+            <a:r>
+              <a:rPr lang="ru-RU" sz="2400" b="1" dirty="0">
+                <a:solidFill>
+                  <a:schemeClr val="tx2"/>
+                </a:solidFill>
+                <a:latin typeface="Verdana" panose="020B0604030504040204" pitchFamily="34" charset="0"/>
+                <a:ea typeface="Verdana" panose="020B0604030504040204" pitchFamily="34" charset="0"/>
+              </a:rPr>
+              <a:t>Комплекс технических средств</a:t>
+            </a:r>
+          </a:p>
+        </p:txBody>
+      </p:sp>
+      <p:pic>
+        <p:nvPicPr>
+          <p:cNvPr id="2050" name="Picture 2" descr="C:\Users\kosiya\Downloads\Архитектура ИС\Гагачи2022\КТС_HD.jpg"/>
+          <p:cNvPicPr>
+            <a:picLocks noChangeAspect="1" noChangeArrowheads="1"/>
+          </p:cNvPicPr>
+          <p:nvPr/>
+        </p:nvPicPr>
+        <p:blipFill>
+          <a:blip r:embed="rId3" cstate="print">
+            <a:extLst>
+              <a:ext uri="{28A0092B-C50C-407E-A947-70E740481C1C}">
+                <a14:useLocalDpi xmlns:a14="http://schemas.microsoft.com/office/drawing/2010/main" val="0"/>
+              </a:ext>
+            </a:extLst>
+          </a:blip>
+          <a:srcRect/>
+          <a:stretch>
+            <a:fillRect/>
+          </a:stretch>
+        </p:blipFill>
+        <p:spPr bwMode="auto">
+          <a:xfrm>
+            <a:off x="1187624" y="1059582"/>
+            <a:ext cx="7457697" cy="3375884"/>
+          </a:xfrm>
+          <a:prstGeom prst="rect">
+            <a:avLst/>
+          </a:prstGeom>
+          <a:noFill/>
+          <a:extLst>
+            <a:ext uri="{909E8E84-426E-40DD-AFC4-6F175D3DCCD1}">
+              <a14:hiddenFill xmlns:a14="http://schemas.microsoft.com/office/drawing/2010/main">
+                <a:solidFill>
+                  <a:srgbClr val="FFFFFF"/>
+                </a:solidFill>
+              </a14:hiddenFill>
+            </a:ext>
+          </a:extLst>
+        </p:spPr>
+      </p:pic>
+    </p:spTree>
+    <p:extLst>
+      <p:ext uri="{BB962C8B-B14F-4D97-AF65-F5344CB8AC3E}">
+        <p14:creationId xmlns:p14="http://schemas.microsoft.com/office/powerpoint/2010/main" val="1690864784"/>
+      </p:ext>
+    </p:extLst>
+  </p:cSld>
+  <p:clrMapOvr>
+    <a:masterClrMapping/>
+  </p:clrMapOvr>
+</p:sld>
+</file>
+
+<file path=ppt/slides/slide4.xml><?xml version="1.0" encoding="utf-8"?>
+<p:sld xmlns:a="http://schemas.openxmlformats.org/drawingml/2006/main" xmlns:r="http://schemas.openxmlformats.org/officeDocument/2006/relationships" xmlns:p="http://schemas.openxmlformats.org/presentationml/2006/main">
+  <p:cSld>
+    <p:spTree>
+      <p:nvGrpSpPr>
+        <p:cNvPr id="1" name=""/>
+        <p:cNvGrpSpPr/>
+        <p:nvPr/>
+      </p:nvGrpSpPr>
+      <p:grpSpPr>
+        <a:xfrm>
+          <a:off x="0" y="0"/>
+          <a:ext cx="0" cy="0"/>
+          <a:chOff x="0" y="0"/>
+          <a:chExt cx="0" cy="0"/>
+        </a:xfrm>
+      </p:grpSpPr>
+      <p:sp>
+        <p:nvSpPr>
+          <p:cNvPr id="5" name="Прямоугольник 4">
+            <a:extLst>
+              <a:ext uri="{FF2B5EF4-FFF2-40B4-BE49-F238E27FC236}">
+                <a16:creationId xmlns="" xmlns:a16="http://schemas.microsoft.com/office/drawing/2014/main" id="{66C439E9-3E70-4653-97C3-031864E7D8D0}"/>
+              </a:ext>
+            </a:extLst>
+          </p:cNvPr>
+          <p:cNvSpPr/>
+          <p:nvPr/>
+        </p:nvSpPr>
+        <p:spPr bwMode="auto">
+          <a:xfrm>
+            <a:off x="0" y="0"/>
+            <a:ext cx="2160000" cy="5143500"/>
+          </a:xfrm>
+          <a:prstGeom prst="rect">
+            <a:avLst/>
+          </a:prstGeom>
+          <a:solidFill>
+            <a:srgbClr val="004868"/>
+          </a:solidFill>
+          <a:ln w="9525" cap="flat" cmpd="sng" algn="ctr">
+            <a:noFill/>
+            <a:prstDash val="solid"/>
+            <a:round/>
+            <a:headEnd type="none" w="med" len="med"/>
+            <a:tailEnd type="none" w="med" len="med"/>
+          </a:ln>
+          <a:effectLst/>
+        </p:spPr>
+        <p:txBody>
+          <a:bodyPr vert="horz" wrap="square" lIns="77925" tIns="38963" rIns="77925" bIns="38963" numCol="1" rtlCol="0" anchor="ctr" anchorCtr="0" compatLnSpc="1">
+            <a:prstTxWarp prst="textNoShape">
+              <a:avLst/>
+            </a:prstTxWarp>
+          </a:bodyPr>
+          <a:lstStyle/>
+          <a:p>
+            <a:pPr>
+              <a:lnSpc>
+                <a:spcPct val="93000"/>
+              </a:lnSpc>
+              <a:buClr>
+                <a:srgbClr val="000000"/>
+              </a:buClr>
+              <a:buSzPct val="100000"/>
+            </a:pPr>
+            <a:endParaRPr lang="ru-RU" sz="2000" b="1" dirty="0">
+              <a:solidFill>
+                <a:schemeClr val="bg1"/>
+              </a:solidFill>
+              <a:latin typeface="Century Gothic" panose="020B0502020202020204" pitchFamily="34" charset="0"/>
+            </a:endParaRPr>
+          </a:p>
+        </p:txBody>
+      </p:sp>
+      <p:pic>
+        <p:nvPicPr>
+          <p:cNvPr id="12" name="Объект 11">
+            <a:extLst>
+              <a:ext uri="{FF2B5EF4-FFF2-40B4-BE49-F238E27FC236}">
+                <a16:creationId xmlns="" xmlns:a16="http://schemas.microsoft.com/office/drawing/2014/main" id="{B7C51A1C-8922-4440-B769-CB2C3DEB3983}"/>
+              </a:ext>
+            </a:extLst>
+          </p:cNvPr>
+          <p:cNvPicPr>
+            <a:picLocks noGrp="1" noChangeAspect="1"/>
+          </p:cNvPicPr>
+          <p:nvPr>
+            <p:ph idx="1"/>
+          </p:nvPr>
+        </p:nvPicPr>
+        <p:blipFill>
+          <a:blip r:embed="rId2"/>
+          <a:stretch>
+            <a:fillRect/>
+          </a:stretch>
+        </p:blipFill>
+        <p:spPr>
+          <a:xfrm>
+            <a:off x="2248978" y="1144645"/>
+            <a:ext cx="2196458" cy="3394075"/>
+          </a:xfrm>
+        </p:spPr>
+      </p:pic>
+      <p:sp>
+        <p:nvSpPr>
+          <p:cNvPr id="4" name="Номер слайда 3">
+            <a:extLst>
+              <a:ext uri="{FF2B5EF4-FFF2-40B4-BE49-F238E27FC236}">
+                <a16:creationId xmlns="" xmlns:a16="http://schemas.microsoft.com/office/drawing/2014/main" id="{C8A9DE46-F073-46D7-B376-7501FC0857AE}"/>
+              </a:ext>
+            </a:extLst>
+          </p:cNvPr>
+          <p:cNvSpPr>
+            <a:spLocks noGrp="1"/>
+          </p:cNvSpPr>
+          <p:nvPr>
+            <p:ph type="sldNum" sz="quarter" idx="12"/>
+          </p:nvPr>
+        </p:nvSpPr>
+        <p:spPr/>
+        <p:txBody>
+          <a:bodyPr/>
+          <a:lstStyle/>
+          <a:p>
+            <a:fld id="{B19B0651-EE4F-4900-A07F-96A6BFA9D0F0}" type="slidenum">
+              <a:rPr lang="ru-RU" smtClean="0"/>
+              <a:pPr/>
+              <a:t>4</a:t>
+            </a:fld>
+            <a:endParaRPr lang="ru-RU"/>
+          </a:p>
+        </p:txBody>
+      </p:sp>
+      <p:cxnSp>
+        <p:nvCxnSpPr>
+          <p:cNvPr id="6" name="Прямая соединительная линия 5">
+            <a:extLst>
+              <a:ext uri="{FF2B5EF4-FFF2-40B4-BE49-F238E27FC236}">
+                <a16:creationId xmlns="" xmlns:a16="http://schemas.microsoft.com/office/drawing/2014/main" id="{AA138C88-C0F1-4DB1-B124-2598866FA507}"/>
+              </a:ext>
+            </a:extLst>
+          </p:cNvPr>
+          <p:cNvCxnSpPr>
+            <a:cxnSpLocks/>
+          </p:cNvCxnSpPr>
+          <p:nvPr/>
+        </p:nvCxnSpPr>
+        <p:spPr>
+          <a:xfrm>
+            <a:off x="3059832" y="867700"/>
+            <a:ext cx="5832648" cy="0"/>
+          </a:xfrm>
+          <a:prstGeom prst="line">
+            <a:avLst/>
+          </a:prstGeom>
+          <a:ln w="28575">
+            <a:solidFill>
+              <a:schemeClr val="tx2"/>
+            </a:solidFill>
+          </a:ln>
+        </p:spPr>
+        <p:style>
+          <a:lnRef idx="1">
+            <a:schemeClr val="accent1"/>
+          </a:lnRef>
+          <a:fillRef idx="0">
+            <a:schemeClr val="accent1"/>
+          </a:fillRef>
+          <a:effectRef idx="0">
+            <a:schemeClr val="accent1"/>
+          </a:effectRef>
+          <a:fontRef idx="minor">
+            <a:schemeClr val="tx1"/>
+          </a:fontRef>
+        </p:style>
+      </p:cxnSp>
+      <p:sp>
+        <p:nvSpPr>
           <p:cNvPr id="8" name="Прямоугольник 7">
             <a:extLst>
               <a:ext uri="{FF2B5EF4-FFF2-40B4-BE49-F238E27FC236}">
-                <a16:creationId xmlns:a16="http://schemas.microsoft.com/office/drawing/2014/main" xmlns="" id="{8CF585ED-3269-46F3-8B9F-D294E6449231}"/>
+                <a16:creationId xmlns="" xmlns:a16="http://schemas.microsoft.com/office/drawing/2014/main" id="{E241D599-E25D-4723-8B9C-C236D5FE6E76}"/>
+              </a:ext>
+            </a:extLst>
+          </p:cNvPr>
+          <p:cNvSpPr/>
+          <p:nvPr/>
+        </p:nvSpPr>
+        <p:spPr>
+          <a:xfrm>
+            <a:off x="3203848" y="48518"/>
+            <a:ext cx="6110664" cy="830997"/>
+          </a:xfrm>
+          <a:prstGeom prst="rect">
+            <a:avLst/>
+          </a:prstGeom>
+        </p:spPr>
+        <p:txBody>
+          <a:bodyPr wrap="square">
+            <a:spAutoFit/>
+          </a:bodyPr>
+          <a:lstStyle/>
+          <a:p>
+            <a:r>
+              <a:rPr lang="ru-RU" sz="2400" b="1" dirty="0">
+                <a:solidFill>
+                  <a:schemeClr val="tx2"/>
+                </a:solidFill>
+                <a:latin typeface="Verdana" panose="020B0604030504040204" pitchFamily="34" charset="0"/>
+                <a:ea typeface="Verdana" panose="020B0604030504040204" pitchFamily="34" charset="0"/>
+              </a:rPr>
+              <a:t>Решение проблемы должной безопасности.</a:t>
+            </a:r>
+          </a:p>
+        </p:txBody>
+      </p:sp>
+      <p:sp>
+        <p:nvSpPr>
+          <p:cNvPr id="13" name="Прямоугольник 12">
+            <a:extLst>
+              <a:ext uri="{FF2B5EF4-FFF2-40B4-BE49-F238E27FC236}">
+                <a16:creationId xmlns="" xmlns:a16="http://schemas.microsoft.com/office/drawing/2014/main" id="{8691D101-8FB8-4148-96C0-FC85128352E9}"/>
+              </a:ext>
+            </a:extLst>
+          </p:cNvPr>
+          <p:cNvSpPr/>
+          <p:nvPr/>
+        </p:nvSpPr>
+        <p:spPr>
+          <a:xfrm>
+            <a:off x="4445436" y="1555179"/>
+            <a:ext cx="4716017" cy="2585323"/>
+          </a:xfrm>
+          <a:prstGeom prst="rect">
+            <a:avLst/>
+          </a:prstGeom>
+        </p:spPr>
+        <p:txBody>
+          <a:bodyPr wrap="square">
+            <a:spAutoFit/>
+          </a:bodyPr>
+          <a:lstStyle/>
+          <a:p>
+            <a:r>
+              <a:rPr lang="ru-RU" sz="1800" dirty="0">
+                <a:solidFill>
+                  <a:schemeClr val="tx2"/>
+                </a:solidFill>
+                <a:latin typeface="Verdana" panose="020B0604030504040204" pitchFamily="34" charset="0"/>
+                <a:ea typeface="Verdana" panose="020B0604030504040204" pitchFamily="34" charset="0"/>
+              </a:rPr>
+              <a:t>  Основные принципы:</a:t>
+            </a:r>
+          </a:p>
+          <a:p>
+            <a:pPr marL="285750" indent="-285750">
+              <a:buFont typeface="Wingdings" panose="05000000000000000000" pitchFamily="2" charset="2"/>
+              <a:buChar char="§"/>
+            </a:pPr>
+            <a:r>
+              <a:rPr lang="ru-RU" sz="1800" dirty="0">
+                <a:solidFill>
+                  <a:schemeClr val="tx2"/>
+                </a:solidFill>
+                <a:latin typeface="Verdana" panose="020B0604030504040204" pitchFamily="34" charset="0"/>
+                <a:ea typeface="Verdana" panose="020B0604030504040204" pitchFamily="34" charset="0"/>
+              </a:rPr>
+              <a:t>Безопасность, заложенная в архитектуру</a:t>
+            </a:r>
+          </a:p>
+          <a:p>
+            <a:pPr marL="285750" indent="-285750">
+              <a:buFont typeface="Wingdings" panose="05000000000000000000" pitchFamily="2" charset="2"/>
+              <a:buChar char="§"/>
+            </a:pPr>
+            <a:r>
+              <a:rPr lang="ru-RU" sz="1800" dirty="0">
+                <a:solidFill>
+                  <a:schemeClr val="tx2"/>
+                </a:solidFill>
+                <a:latin typeface="Verdana" panose="020B0604030504040204" pitchFamily="34" charset="0"/>
+                <a:ea typeface="Verdana" panose="020B0604030504040204" pitchFamily="34" charset="0"/>
+              </a:rPr>
+              <a:t>Использование </a:t>
+            </a:r>
+            <a:r>
+              <a:rPr lang="en-US" sz="1800" dirty="0">
+                <a:solidFill>
+                  <a:schemeClr val="tx2"/>
+                </a:solidFill>
+                <a:latin typeface="Verdana" panose="020B0604030504040204" pitchFamily="34" charset="0"/>
+                <a:ea typeface="Verdana" panose="020B0604030504040204" pitchFamily="34" charset="0"/>
+              </a:rPr>
+              <a:t>MILS </a:t>
+            </a:r>
+            <a:r>
+              <a:rPr lang="ru-RU" sz="1800" dirty="0">
+                <a:solidFill>
+                  <a:schemeClr val="tx2"/>
+                </a:solidFill>
+                <a:latin typeface="Verdana" panose="020B0604030504040204" pitchFamily="34" charset="0"/>
+                <a:ea typeface="Verdana" panose="020B0604030504040204" pitchFamily="34" charset="0"/>
+              </a:rPr>
+              <a:t>подхода с мониторингом сообщений</a:t>
+            </a:r>
+          </a:p>
+          <a:p>
+            <a:pPr marL="285750" indent="-285750">
+              <a:buFont typeface="Wingdings" panose="05000000000000000000" pitchFamily="2" charset="2"/>
+              <a:buChar char="§"/>
+            </a:pPr>
+            <a:r>
+              <a:rPr lang="ru-RU" sz="1800" dirty="0">
+                <a:solidFill>
+                  <a:schemeClr val="tx2"/>
+                </a:solidFill>
+                <a:latin typeface="Verdana" panose="020B0604030504040204" pitchFamily="34" charset="0"/>
+                <a:ea typeface="Verdana" panose="020B0604030504040204" pitchFamily="34" charset="0"/>
+              </a:rPr>
+              <a:t>Микроядро </a:t>
+            </a:r>
+          </a:p>
+          <a:p>
+            <a:pPr marL="285750" indent="-285750">
+              <a:buFont typeface="Wingdings" panose="05000000000000000000" pitchFamily="2" charset="2"/>
+              <a:buChar char="§"/>
+            </a:pPr>
+            <a:r>
+              <a:rPr lang="ru-RU" sz="1800" dirty="0">
+                <a:solidFill>
+                  <a:schemeClr val="tx2"/>
+                </a:solidFill>
+                <a:latin typeface="Verdana" panose="020B0604030504040204" pitchFamily="34" charset="0"/>
+                <a:ea typeface="Verdana" panose="020B0604030504040204" pitchFamily="34" charset="0"/>
+              </a:rPr>
+              <a:t>Специальные требования к ОС для встраиваемых систем</a:t>
+            </a:r>
+          </a:p>
+          <a:p>
+            <a:pPr marL="285750" indent="-285750">
+              <a:buFont typeface="Wingdings" panose="05000000000000000000" pitchFamily="2" charset="2"/>
+              <a:buChar char="§"/>
+            </a:pPr>
+            <a:r>
+              <a:rPr lang="en-US" sz="1800" dirty="0">
+                <a:solidFill>
+                  <a:schemeClr val="tx2"/>
+                </a:solidFill>
+                <a:latin typeface="Verdana" panose="020B0604030504040204" pitchFamily="34" charset="0"/>
+                <a:ea typeface="Verdana" panose="020B0604030504040204" pitchFamily="34" charset="0"/>
+              </a:rPr>
+              <a:t>FLASK </a:t>
+            </a:r>
+            <a:r>
+              <a:rPr lang="ru-RU" sz="1800" dirty="0">
+                <a:solidFill>
+                  <a:schemeClr val="tx2"/>
+                </a:solidFill>
+                <a:latin typeface="Verdana" panose="020B0604030504040204" pitchFamily="34" charset="0"/>
+                <a:ea typeface="Verdana" panose="020B0604030504040204" pitchFamily="34" charset="0"/>
+              </a:rPr>
+              <a:t>архитектура</a:t>
+            </a:r>
+          </a:p>
+        </p:txBody>
+      </p:sp>
+      <p:grpSp>
+        <p:nvGrpSpPr>
+          <p:cNvPr id="14" name="Группа 13">
+            <a:extLst>
+              <a:ext uri="{FF2B5EF4-FFF2-40B4-BE49-F238E27FC236}">
+                <a16:creationId xmlns="" xmlns:a16="http://schemas.microsoft.com/office/drawing/2014/main" id="{04A2D0FC-A086-451D-8E3C-C36D94520331}"/>
+              </a:ext>
+            </a:extLst>
+          </p:cNvPr>
+          <p:cNvGrpSpPr/>
+          <p:nvPr/>
+        </p:nvGrpSpPr>
+        <p:grpSpPr>
+          <a:xfrm>
+            <a:off x="132856" y="974053"/>
+            <a:ext cx="2750478" cy="2119787"/>
+            <a:chOff x="174072" y="158457"/>
+            <a:chExt cx="2750478" cy="2119787"/>
+          </a:xfrm>
+        </p:grpSpPr>
+        <p:sp>
+          <p:nvSpPr>
+            <p:cNvPr id="15" name="Прямоугольник 14">
+              <a:extLst>
+                <a:ext uri="{FF2B5EF4-FFF2-40B4-BE49-F238E27FC236}">
+                  <a16:creationId xmlns="" xmlns:a16="http://schemas.microsoft.com/office/drawing/2014/main" id="{CCAB0E93-B482-4511-9C92-D58B5CA1B476}"/>
+                </a:ext>
+              </a:extLst>
+            </p:cNvPr>
+            <p:cNvSpPr/>
+            <p:nvPr/>
+          </p:nvSpPr>
+          <p:spPr>
+            <a:xfrm>
+              <a:off x="182776" y="176182"/>
+              <a:ext cx="307777" cy="307777"/>
+            </a:xfrm>
+            <a:prstGeom prst="rect">
+              <a:avLst/>
+            </a:prstGeom>
+            <a:solidFill>
+              <a:schemeClr val="bg1">
+                <a:lumMod val="95000"/>
+              </a:schemeClr>
+            </a:solidFill>
+            <a:ln>
+              <a:noFill/>
+            </a:ln>
+          </p:spPr>
+          <p:style>
+            <a:lnRef idx="2">
+              <a:schemeClr val="accent1">
+                <a:shade val="50000"/>
+              </a:schemeClr>
+            </a:lnRef>
+            <a:fillRef idx="1">
+              <a:schemeClr val="accent1"/>
+            </a:fillRef>
+            <a:effectRef idx="0">
+              <a:schemeClr val="accent1"/>
+            </a:effectRef>
+            <a:fontRef idx="minor">
+              <a:schemeClr val="lt1"/>
+            </a:fontRef>
+          </p:style>
+          <p:txBody>
+            <a:bodyPr rtlCol="0" anchor="ctr"/>
+            <a:lstStyle/>
+            <a:p>
+              <a:pPr algn="ctr"/>
+              <a:endParaRPr lang="ru-RU" dirty="0"/>
+            </a:p>
+          </p:txBody>
+        </p:sp>
+        <p:sp>
+          <p:nvSpPr>
+            <p:cNvPr id="16" name="Прямоугольник 15">
+              <a:extLst>
+                <a:ext uri="{FF2B5EF4-FFF2-40B4-BE49-F238E27FC236}">
+                  <a16:creationId xmlns="" xmlns:a16="http://schemas.microsoft.com/office/drawing/2014/main" id="{9A6819D6-8981-437E-9451-D33DC6AE2CFF}"/>
+                </a:ext>
+              </a:extLst>
+            </p:cNvPr>
+            <p:cNvSpPr/>
+            <p:nvPr/>
+          </p:nvSpPr>
+          <p:spPr>
+            <a:xfrm>
+              <a:off x="174072" y="1970467"/>
+              <a:ext cx="307777" cy="307777"/>
+            </a:xfrm>
+            <a:prstGeom prst="rect">
+              <a:avLst/>
+            </a:prstGeom>
+            <a:solidFill>
+              <a:schemeClr val="bg1">
+                <a:lumMod val="95000"/>
+              </a:schemeClr>
+            </a:solidFill>
+            <a:ln>
+              <a:noFill/>
+            </a:ln>
+          </p:spPr>
+          <p:style>
+            <a:lnRef idx="2">
+              <a:schemeClr val="accent1">
+                <a:shade val="50000"/>
+              </a:schemeClr>
+            </a:lnRef>
+            <a:fillRef idx="1">
+              <a:schemeClr val="accent1"/>
+            </a:fillRef>
+            <a:effectRef idx="0">
+              <a:schemeClr val="accent1"/>
+            </a:effectRef>
+            <a:fontRef idx="minor">
+              <a:schemeClr val="lt1"/>
+            </a:fontRef>
+          </p:style>
+          <p:txBody>
+            <a:bodyPr rtlCol="0" anchor="ctr"/>
+            <a:lstStyle/>
+            <a:p>
+              <a:pPr algn="ctr"/>
+              <a:endParaRPr lang="ru-RU"/>
+            </a:p>
+          </p:txBody>
+        </p:sp>
+        <p:sp>
+          <p:nvSpPr>
+            <p:cNvPr id="17" name="Прямоугольник 16">
+              <a:extLst>
+                <a:ext uri="{FF2B5EF4-FFF2-40B4-BE49-F238E27FC236}">
+                  <a16:creationId xmlns="" xmlns:a16="http://schemas.microsoft.com/office/drawing/2014/main" id="{2A9176D3-840D-47CC-BE16-23C1B0AB344E}"/>
+                </a:ext>
+              </a:extLst>
+            </p:cNvPr>
+            <p:cNvSpPr/>
+            <p:nvPr/>
+          </p:nvSpPr>
+          <p:spPr>
+            <a:xfrm>
+              <a:off x="174073" y="1053890"/>
+              <a:ext cx="307777" cy="307777"/>
+            </a:xfrm>
+            <a:prstGeom prst="rect">
+              <a:avLst/>
+            </a:prstGeom>
+            <a:solidFill>
+              <a:schemeClr val="bg1">
+                <a:lumMod val="95000"/>
+              </a:schemeClr>
+            </a:solidFill>
+            <a:ln>
+              <a:noFill/>
+            </a:ln>
+          </p:spPr>
+          <p:style>
+            <a:lnRef idx="2">
+              <a:schemeClr val="accent1">
+                <a:shade val="50000"/>
+              </a:schemeClr>
+            </a:lnRef>
+            <a:fillRef idx="1">
+              <a:schemeClr val="accent1"/>
+            </a:fillRef>
+            <a:effectRef idx="0">
+              <a:schemeClr val="accent1"/>
+            </a:effectRef>
+            <a:fontRef idx="minor">
+              <a:schemeClr val="lt1"/>
+            </a:fontRef>
+          </p:style>
+          <p:txBody>
+            <a:bodyPr rtlCol="0" anchor="ctr"/>
+            <a:lstStyle/>
+            <a:p>
+              <a:pPr algn="ctr"/>
+              <a:endParaRPr lang="ru-RU">
+                <a:solidFill>
+                  <a:srgbClr val="7F7F7F"/>
+                </a:solidFill>
+              </a:endParaRPr>
+            </a:p>
+          </p:txBody>
+        </p:sp>
+        <p:sp>
+          <p:nvSpPr>
+            <p:cNvPr id="18" name="TextBox 17">
+              <a:extLst>
+                <a:ext uri="{FF2B5EF4-FFF2-40B4-BE49-F238E27FC236}">
+                  <a16:creationId xmlns="" xmlns:a16="http://schemas.microsoft.com/office/drawing/2014/main" id="{E8D75791-002E-49CB-AF45-B5DEFED0FE93}"/>
+                </a:ext>
+              </a:extLst>
+            </p:cNvPr>
+            <p:cNvSpPr txBox="1"/>
+            <p:nvPr/>
+          </p:nvSpPr>
+          <p:spPr>
+            <a:xfrm>
+              <a:off x="508760" y="158457"/>
+              <a:ext cx="2415790" cy="338554"/>
+            </a:xfrm>
+            <a:prstGeom prst="rect">
+              <a:avLst/>
+            </a:prstGeom>
+            <a:noFill/>
+          </p:spPr>
+          <p:txBody>
+            <a:bodyPr wrap="square">
+              <a:spAutoFit/>
+            </a:bodyPr>
+            <a:lstStyle/>
+            <a:p>
+              <a:r>
+                <a:rPr lang="en-US" sz="1600" b="1" dirty="0" err="1">
+                  <a:solidFill>
+                    <a:schemeClr val="bg1">
+                      <a:lumMod val="95000"/>
+                    </a:schemeClr>
+                  </a:solidFill>
+                  <a:latin typeface="Verdana" panose="020B0604030504040204" pitchFamily="34" charset="0"/>
+                  <a:ea typeface="Verdana" panose="020B0604030504040204" pitchFamily="34" charset="0"/>
+                </a:rPr>
+                <a:t>KasperskyOS</a:t>
+              </a:r>
+              <a:endParaRPr lang="x-none" sz="1600" b="1" dirty="0">
+                <a:solidFill>
+                  <a:schemeClr val="bg1">
+                    <a:lumMod val="95000"/>
+                  </a:schemeClr>
+                </a:solidFill>
+                <a:latin typeface="Verdana" panose="020B0604030504040204" pitchFamily="34" charset="0"/>
+                <a:ea typeface="Verdana" panose="020B0604030504040204" pitchFamily="34" charset="0"/>
+              </a:endParaRPr>
+            </a:p>
+          </p:txBody>
+        </p:sp>
+        <p:sp>
+          <p:nvSpPr>
+            <p:cNvPr id="19" name="Прямоугольник 18">
+              <a:extLst>
+                <a:ext uri="{FF2B5EF4-FFF2-40B4-BE49-F238E27FC236}">
+                  <a16:creationId xmlns="" xmlns:a16="http://schemas.microsoft.com/office/drawing/2014/main" id="{6E6ADD29-EE78-4E35-B4D4-DB39F977BC25}"/>
+                </a:ext>
+              </a:extLst>
+            </p:cNvPr>
+            <p:cNvSpPr/>
+            <p:nvPr/>
+          </p:nvSpPr>
+          <p:spPr>
+            <a:xfrm>
+              <a:off x="506712" y="1036074"/>
+              <a:ext cx="1453466" cy="338554"/>
+            </a:xfrm>
+            <a:prstGeom prst="rect">
+              <a:avLst/>
+            </a:prstGeom>
+          </p:spPr>
+          <p:txBody>
+            <a:bodyPr wrap="square">
+              <a:spAutoFit/>
+            </a:bodyPr>
+            <a:lstStyle/>
+            <a:p>
+              <a:r>
+                <a:rPr lang="en-US" sz="1600" b="1" dirty="0">
+                  <a:solidFill>
+                    <a:schemeClr val="bg1">
+                      <a:lumMod val="95000"/>
+                    </a:schemeClr>
+                  </a:solidFill>
+                  <a:latin typeface="Verdana" panose="020B0604030504040204" pitchFamily="34" charset="0"/>
+                  <a:ea typeface="Verdana" panose="020B0604030504040204" pitchFamily="34" charset="0"/>
+                </a:rPr>
+                <a:t>MILS</a:t>
+              </a:r>
+              <a:endParaRPr lang="ru-RU" sz="1600" b="1" dirty="0">
+                <a:solidFill>
+                  <a:schemeClr val="bg1">
+                    <a:lumMod val="95000"/>
+                  </a:schemeClr>
+                </a:solidFill>
+                <a:latin typeface="Verdana" panose="020B0604030504040204" pitchFamily="34" charset="0"/>
+                <a:ea typeface="Verdana" panose="020B0604030504040204" pitchFamily="34" charset="0"/>
+              </a:endParaRPr>
+            </a:p>
+          </p:txBody>
+        </p:sp>
+      </p:grpSp>
+      <p:sp>
+        <p:nvSpPr>
+          <p:cNvPr id="20" name="Прямоугольник 19">
+            <a:extLst>
+              <a:ext uri="{FF2B5EF4-FFF2-40B4-BE49-F238E27FC236}">
+                <a16:creationId xmlns="" xmlns:a16="http://schemas.microsoft.com/office/drawing/2014/main" id="{F3DCC88F-61A0-4738-AD2D-3A7ECCAA1F42}"/>
+              </a:ext>
+            </a:extLst>
+          </p:cNvPr>
+          <p:cNvSpPr/>
+          <p:nvPr/>
+        </p:nvSpPr>
+        <p:spPr>
+          <a:xfrm>
+            <a:off x="454238" y="2787774"/>
+            <a:ext cx="1453466" cy="338554"/>
+          </a:xfrm>
+          <a:prstGeom prst="rect">
+            <a:avLst/>
+          </a:prstGeom>
+        </p:spPr>
+        <p:txBody>
+          <a:bodyPr wrap="square">
+            <a:spAutoFit/>
+          </a:bodyPr>
+          <a:lstStyle/>
+          <a:p>
+            <a:r>
+              <a:rPr lang="en-US" sz="1600" b="1" dirty="0">
+                <a:solidFill>
+                  <a:schemeClr val="bg1">
+                    <a:lumMod val="95000"/>
+                  </a:schemeClr>
+                </a:solidFill>
+                <a:latin typeface="Verdana" panose="020B0604030504040204" pitchFamily="34" charset="0"/>
+                <a:ea typeface="Verdana" panose="020B0604030504040204" pitchFamily="34" charset="0"/>
+              </a:rPr>
+              <a:t>FLASK</a:t>
+            </a:r>
+            <a:endParaRPr lang="ru-RU" sz="1600" b="1" dirty="0">
+              <a:solidFill>
+                <a:schemeClr val="bg1">
+                  <a:lumMod val="95000"/>
+                </a:schemeClr>
+              </a:solidFill>
+              <a:latin typeface="Verdana" panose="020B0604030504040204" pitchFamily="34" charset="0"/>
+              <a:ea typeface="Verdana" panose="020B0604030504040204" pitchFamily="34" charset="0"/>
+            </a:endParaRPr>
+          </a:p>
+        </p:txBody>
+      </p:sp>
+    </p:spTree>
+    <p:extLst>
+      <p:ext uri="{BB962C8B-B14F-4D97-AF65-F5344CB8AC3E}">
+        <p14:creationId xmlns:p14="http://schemas.microsoft.com/office/powerpoint/2010/main" val="518276665"/>
+      </p:ext>
+    </p:extLst>
+  </p:cSld>
+  <p:clrMapOvr>
+    <a:masterClrMapping/>
+  </p:clrMapOvr>
+</p:sld>
+</file>
+
+<file path=ppt/slides/slide5.xml><?xml version="1.0" encoding="utf-8"?>
+<p:sld xmlns:a="http://schemas.openxmlformats.org/drawingml/2006/main" xmlns:r="http://schemas.openxmlformats.org/officeDocument/2006/relationships" xmlns:p="http://schemas.openxmlformats.org/presentationml/2006/main">
+  <p:cSld>
+    <p:spTree>
+      <p:nvGrpSpPr>
+        <p:cNvPr id="1" name=""/>
+        <p:cNvGrpSpPr/>
+        <p:nvPr/>
+      </p:nvGrpSpPr>
+      <p:grpSpPr>
+        <a:xfrm>
+          <a:off x="0" y="0"/>
+          <a:ext cx="0" cy="0"/>
+          <a:chOff x="0" y="0"/>
+          <a:chExt cx="0" cy="0"/>
+        </a:xfrm>
+      </p:grpSpPr>
+      <p:pic>
+        <p:nvPicPr>
+          <p:cNvPr id="1030" name="Picture 6" descr="vfs_net2">
+            <a:extLst>
+              <a:ext uri="{FF2B5EF4-FFF2-40B4-BE49-F238E27FC236}">
+                <a16:creationId xmlns="" xmlns:a16="http://schemas.microsoft.com/office/drawing/2014/main" id="{FC5C7EC5-30B7-4943-BF0F-33419C772510}"/>
+              </a:ext>
+            </a:extLst>
+          </p:cNvPr>
+          <p:cNvPicPr>
+            <a:picLocks noChangeAspect="1" noChangeArrowheads="1"/>
+          </p:cNvPicPr>
+          <p:nvPr/>
+        </p:nvPicPr>
+        <p:blipFill>
+          <a:blip r:embed="rId3">
+            <a:extLst>
+              <a:ext uri="{28A0092B-C50C-407E-A947-70E740481C1C}">
+                <a14:useLocalDpi xmlns:a14="http://schemas.microsoft.com/office/drawing/2010/main" val="0"/>
+              </a:ext>
+            </a:extLst>
+          </a:blip>
+          <a:srcRect/>
+          <a:stretch>
+            <a:fillRect/>
+          </a:stretch>
+        </p:blipFill>
+        <p:spPr bwMode="auto">
+          <a:xfrm>
+            <a:off x="2267743" y="2643758"/>
+            <a:ext cx="6726965" cy="1277084"/>
+          </a:xfrm>
+          <a:prstGeom prst="rect">
+            <a:avLst/>
+          </a:prstGeom>
+          <a:noFill/>
+          <a:extLst>
+            <a:ext uri="{909E8E84-426E-40DD-AFC4-6F175D3DCCD1}">
+              <a14:hiddenFill xmlns:a14="http://schemas.microsoft.com/office/drawing/2010/main">
+                <a:solidFill>
+                  <a:srgbClr val="FFFFFF"/>
+                </a:solidFill>
+              </a14:hiddenFill>
+            </a:ext>
+          </a:extLst>
+        </p:spPr>
+      </p:pic>
+      <p:sp>
+        <p:nvSpPr>
+          <p:cNvPr id="31" name="Прямоугольник 30">
+            <a:extLst>
+              <a:ext uri="{FF2B5EF4-FFF2-40B4-BE49-F238E27FC236}">
+                <a16:creationId xmlns="" xmlns:a16="http://schemas.microsoft.com/office/drawing/2014/main" id="{F844FAD0-BFD3-42F8-8444-0D4247E6F864}"/>
+              </a:ext>
+            </a:extLst>
+          </p:cNvPr>
+          <p:cNvSpPr/>
+          <p:nvPr/>
+        </p:nvSpPr>
+        <p:spPr bwMode="auto">
+          <a:xfrm>
+            <a:off x="0" y="0"/>
+            <a:ext cx="2160000" cy="5143500"/>
+          </a:xfrm>
+          <a:prstGeom prst="rect">
+            <a:avLst/>
+          </a:prstGeom>
+          <a:solidFill>
+            <a:srgbClr val="004868"/>
+          </a:solidFill>
+          <a:ln w="9525" cap="flat" cmpd="sng" algn="ctr">
+            <a:noFill/>
+            <a:prstDash val="solid"/>
+            <a:round/>
+            <a:headEnd type="none" w="med" len="med"/>
+            <a:tailEnd type="none" w="med" len="med"/>
+          </a:ln>
+          <a:effectLst/>
+        </p:spPr>
+        <p:txBody>
+          <a:bodyPr vert="horz" wrap="square" lIns="77925" tIns="38963" rIns="77925" bIns="38963" numCol="1" rtlCol="0" anchor="ctr" anchorCtr="0" compatLnSpc="1">
+            <a:prstTxWarp prst="textNoShape">
+              <a:avLst/>
+            </a:prstTxWarp>
+          </a:bodyPr>
+          <a:lstStyle/>
+          <a:p>
+            <a:pPr>
+              <a:lnSpc>
+                <a:spcPct val="93000"/>
+              </a:lnSpc>
+              <a:buClr>
+                <a:srgbClr val="000000"/>
+              </a:buClr>
+              <a:buSzPct val="100000"/>
+            </a:pPr>
+            <a:endParaRPr lang="ru-RU" sz="2000" b="1" dirty="0">
+              <a:solidFill>
+                <a:schemeClr val="bg1"/>
+              </a:solidFill>
+              <a:latin typeface="Century Gothic" panose="020B0502020202020204" pitchFamily="34" charset="0"/>
+            </a:endParaRPr>
+          </a:p>
+        </p:txBody>
+      </p:sp>
+      <p:cxnSp>
+        <p:nvCxnSpPr>
+          <p:cNvPr id="27" name="Прямая соединительная линия 26">
+            <a:extLst>
+              <a:ext uri="{FF2B5EF4-FFF2-40B4-BE49-F238E27FC236}">
+                <a16:creationId xmlns="" xmlns:a16="http://schemas.microsoft.com/office/drawing/2014/main" id="{7D440611-E861-4ADC-BE55-6C5E3E2135B0}"/>
+              </a:ext>
+            </a:extLst>
+          </p:cNvPr>
+          <p:cNvCxnSpPr>
+            <a:cxnSpLocks/>
+          </p:cNvCxnSpPr>
+          <p:nvPr/>
+        </p:nvCxnSpPr>
+        <p:spPr>
+          <a:xfrm>
+            <a:off x="3059832" y="867700"/>
+            <a:ext cx="5832648" cy="0"/>
+          </a:xfrm>
+          <a:prstGeom prst="line">
+            <a:avLst/>
+          </a:prstGeom>
+          <a:ln w="28575">
+            <a:solidFill>
+              <a:schemeClr val="tx2"/>
+            </a:solidFill>
+          </a:ln>
+        </p:spPr>
+        <p:style>
+          <a:lnRef idx="1">
+            <a:schemeClr val="accent1"/>
+          </a:lnRef>
+          <a:fillRef idx="0">
+            <a:schemeClr val="accent1"/>
+          </a:fillRef>
+          <a:effectRef idx="0">
+            <a:schemeClr val="accent1"/>
+          </a:effectRef>
+          <a:fontRef idx="minor">
+            <a:schemeClr val="tx1"/>
+          </a:fontRef>
+        </p:style>
+      </p:cxnSp>
+      <p:sp>
+        <p:nvSpPr>
+          <p:cNvPr id="25" name="Rectangle 1"/>
+          <p:cNvSpPr txBox="1">
+            <a:spLocks noChangeArrowheads="1"/>
+          </p:cNvSpPr>
+          <p:nvPr/>
+        </p:nvSpPr>
+        <p:spPr>
+          <a:xfrm>
+            <a:off x="2990262" y="921650"/>
+            <a:ext cx="5830209" cy="3787273"/>
+          </a:xfrm>
+          <a:prstGeom prst="rect">
+            <a:avLst/>
+          </a:prstGeom>
+        </p:spPr>
+        <p:txBody>
+          <a:bodyPr vert="horz" lIns="91440" tIns="45720" rIns="91440" bIns="45720" rtlCol="0" anchor="t">
+            <a:normAutofit/>
+          </a:bodyPr>
+          <a:lstStyle>
+            <a:lvl1pPr algn="ctr" defTabSz="914400" rtl="0" eaLnBrk="1" latinLnBrk="0" hangingPunct="1">
+              <a:spcBef>
+                <a:spcPct val="0"/>
+              </a:spcBef>
+              <a:buNone/>
+              <a:defRPr sz="4400" kern="1200">
+                <a:solidFill>
+                  <a:schemeClr val="tx1"/>
+                </a:solidFill>
+                <a:latin typeface="+mj-lt"/>
+                <a:ea typeface="+mj-ea"/>
+                <a:cs typeface="+mj-cs"/>
+              </a:defRPr>
+            </a:lvl1pPr>
+          </a:lstStyle>
+          <a:p>
+            <a:pPr marL="257175" indent="-254794" algn="l">
+              <a:spcBef>
+                <a:spcPts val="450"/>
+              </a:spcBef>
+              <a:tabLst>
+                <a:tab pos="257175" algn="l"/>
+                <a:tab pos="335756" algn="l"/>
+                <a:tab pos="672704" algn="l"/>
+                <a:tab pos="1009650" algn="l"/>
+                <a:tab pos="1346597" algn="l"/>
+                <a:tab pos="1683544" algn="l"/>
+                <a:tab pos="2020491" algn="l"/>
+                <a:tab pos="2357438" algn="l"/>
+                <a:tab pos="2694385" algn="l"/>
+                <a:tab pos="3031331" algn="l"/>
+                <a:tab pos="3368279" algn="l"/>
+                <a:tab pos="3705225" algn="l"/>
+                <a:tab pos="4042172" algn="l"/>
+                <a:tab pos="4379119" algn="l"/>
+                <a:tab pos="4716066" algn="l"/>
+                <a:tab pos="5053013" algn="l"/>
+                <a:tab pos="5389960" algn="l"/>
+                <a:tab pos="5726906" algn="l"/>
+                <a:tab pos="6063854" algn="l"/>
+                <a:tab pos="6400800" algn="l"/>
+                <a:tab pos="6737747" algn="l"/>
+              </a:tabLst>
+            </a:pPr>
+            <a:r>
+              <a:rPr lang="en-US" altLang="ru-RU" sz="3200" dirty="0">
+                <a:cs typeface="Times New Roman" panose="02020603050405020304" pitchFamily="18" charset="0"/>
+              </a:rPr>
+              <a:t>                     </a:t>
+            </a:r>
+            <a:endParaRPr lang="ru-RU" altLang="ru-RU" sz="3200" dirty="0">
+              <a:cs typeface="Times New Roman" panose="02020603050405020304" pitchFamily="18" charset="0"/>
+            </a:endParaRPr>
+          </a:p>
+        </p:txBody>
+      </p:sp>
+      <p:sp>
+        <p:nvSpPr>
+          <p:cNvPr id="4" name="TextBox 3"/>
+          <p:cNvSpPr txBox="1"/>
+          <p:nvPr/>
+        </p:nvSpPr>
+        <p:spPr>
+          <a:xfrm>
+            <a:off x="2990262" y="1131590"/>
+            <a:ext cx="2848408" cy="461665"/>
+          </a:xfrm>
+          <a:prstGeom prst="rect">
+            <a:avLst/>
+          </a:prstGeom>
+          <a:noFill/>
+        </p:spPr>
+        <p:txBody>
+          <a:bodyPr wrap="none" rtlCol="0">
+            <a:spAutoFit/>
+          </a:bodyPr>
+          <a:lstStyle/>
+          <a:p>
+            <a:r>
+              <a:rPr lang="ru-RU" sz="2400" dirty="0">
+                <a:solidFill>
+                  <a:srgbClr val="FF0000"/>
+                </a:solidFill>
+              </a:rPr>
+              <a:t>Картинка, заголовок</a:t>
+            </a:r>
+          </a:p>
+        </p:txBody>
+      </p:sp>
+      <p:sp>
+        <p:nvSpPr>
+          <p:cNvPr id="2" name="Номер слайда 1">
+            <a:extLst>
+              <a:ext uri="{FF2B5EF4-FFF2-40B4-BE49-F238E27FC236}">
+                <a16:creationId xmlns="" xmlns:a16="http://schemas.microsoft.com/office/drawing/2014/main" id="{FD31FB89-335E-4DB6-8667-434A37E623F2}"/>
+              </a:ext>
+            </a:extLst>
+          </p:cNvPr>
+          <p:cNvSpPr>
+            <a:spLocks noGrp="1"/>
+          </p:cNvSpPr>
+          <p:nvPr>
+            <p:ph type="sldNum" sz="quarter" idx="12"/>
+          </p:nvPr>
+        </p:nvSpPr>
+        <p:spPr/>
+        <p:txBody>
+          <a:bodyPr/>
+          <a:lstStyle/>
+          <a:p>
+            <a:fld id="{B19B0651-EE4F-4900-A07F-96A6BFA9D0F0}" type="slidenum">
+              <a:rPr lang="ru-RU" smtClean="0"/>
+              <a:pPr/>
+              <a:t>5</a:t>
+            </a:fld>
+            <a:endParaRPr lang="ru-RU"/>
+          </a:p>
+        </p:txBody>
+      </p:sp>
+      <p:sp>
+        <p:nvSpPr>
+          <p:cNvPr id="11" name="Прямоугольник 10">
+            <a:extLst>
+              <a:ext uri="{FF2B5EF4-FFF2-40B4-BE49-F238E27FC236}">
+                <a16:creationId xmlns="" xmlns:a16="http://schemas.microsoft.com/office/drawing/2014/main" id="{29F16FB1-557B-4F20-AFAA-083E6605CBA3}"/>
+              </a:ext>
+            </a:extLst>
+          </p:cNvPr>
+          <p:cNvSpPr/>
+          <p:nvPr/>
+        </p:nvSpPr>
+        <p:spPr>
+          <a:xfrm>
+            <a:off x="3203848" y="299798"/>
+            <a:ext cx="6110664" cy="461665"/>
+          </a:xfrm>
+          <a:prstGeom prst="rect">
+            <a:avLst/>
+          </a:prstGeom>
+        </p:spPr>
+        <p:txBody>
+          <a:bodyPr wrap="square">
+            <a:spAutoFit/>
+          </a:bodyPr>
+          <a:lstStyle/>
+          <a:p>
+            <a:r>
+              <a:rPr lang="en-US" sz="2400" b="1" dirty="0">
+                <a:solidFill>
+                  <a:schemeClr val="tx2"/>
+                </a:solidFill>
+                <a:latin typeface="Verdana" panose="020B0604030504040204" pitchFamily="34" charset="0"/>
+                <a:ea typeface="Verdana" panose="020B0604030504040204" pitchFamily="34" charset="0"/>
+              </a:rPr>
+              <a:t>VFS&amp;GPIO</a:t>
+            </a:r>
+            <a:endParaRPr lang="ru-RU" sz="2400" b="1" dirty="0">
+              <a:solidFill>
+                <a:schemeClr val="tx2"/>
+              </a:solidFill>
+              <a:latin typeface="Verdana" panose="020B0604030504040204" pitchFamily="34" charset="0"/>
+              <a:ea typeface="Verdana" panose="020B0604030504040204" pitchFamily="34" charset="0"/>
+            </a:endParaRPr>
+          </a:p>
+        </p:txBody>
+      </p:sp>
+      <p:grpSp>
+        <p:nvGrpSpPr>
+          <p:cNvPr id="12" name="Группа 11">
+            <a:extLst>
+              <a:ext uri="{FF2B5EF4-FFF2-40B4-BE49-F238E27FC236}">
+                <a16:creationId xmlns="" xmlns:a16="http://schemas.microsoft.com/office/drawing/2014/main" id="{0C2CC8AF-A276-431C-834D-4D111074E709}"/>
+              </a:ext>
+            </a:extLst>
+          </p:cNvPr>
+          <p:cNvGrpSpPr/>
+          <p:nvPr/>
+        </p:nvGrpSpPr>
+        <p:grpSpPr>
+          <a:xfrm>
+            <a:off x="132856" y="843558"/>
+            <a:ext cx="1911951" cy="2250282"/>
+            <a:chOff x="174072" y="27962"/>
+            <a:chExt cx="1911951" cy="2250282"/>
+          </a:xfrm>
+        </p:grpSpPr>
+        <p:sp>
+          <p:nvSpPr>
+            <p:cNvPr id="13" name="Прямоугольник 12">
+              <a:extLst>
+                <a:ext uri="{FF2B5EF4-FFF2-40B4-BE49-F238E27FC236}">
+                  <a16:creationId xmlns="" xmlns:a16="http://schemas.microsoft.com/office/drawing/2014/main" id="{6A7439AB-9E67-41E2-A35B-511E5F0347BE}"/>
+                </a:ext>
+              </a:extLst>
+            </p:cNvPr>
+            <p:cNvSpPr/>
+            <p:nvPr/>
+          </p:nvSpPr>
+          <p:spPr>
+            <a:xfrm>
+              <a:off x="182776" y="176182"/>
+              <a:ext cx="307777" cy="307777"/>
+            </a:xfrm>
+            <a:prstGeom prst="rect">
+              <a:avLst/>
+            </a:prstGeom>
+            <a:solidFill>
+              <a:schemeClr val="bg1">
+                <a:lumMod val="95000"/>
+              </a:schemeClr>
+            </a:solidFill>
+            <a:ln>
+              <a:noFill/>
+            </a:ln>
+          </p:spPr>
+          <p:style>
+            <a:lnRef idx="2">
+              <a:schemeClr val="accent1">
+                <a:shade val="50000"/>
+              </a:schemeClr>
+            </a:lnRef>
+            <a:fillRef idx="1">
+              <a:schemeClr val="accent1"/>
+            </a:fillRef>
+            <a:effectRef idx="0">
+              <a:schemeClr val="accent1"/>
+            </a:effectRef>
+            <a:fontRef idx="minor">
+              <a:schemeClr val="lt1"/>
+            </a:fontRef>
+          </p:style>
+          <p:txBody>
+            <a:bodyPr rtlCol="0" anchor="ctr"/>
+            <a:lstStyle/>
+            <a:p>
+              <a:pPr algn="ctr"/>
+              <a:endParaRPr lang="ru-RU" dirty="0"/>
+            </a:p>
+          </p:txBody>
+        </p:sp>
+        <p:sp>
+          <p:nvSpPr>
+            <p:cNvPr id="14" name="Прямоугольник 13">
+              <a:extLst>
+                <a:ext uri="{FF2B5EF4-FFF2-40B4-BE49-F238E27FC236}">
+                  <a16:creationId xmlns="" xmlns:a16="http://schemas.microsoft.com/office/drawing/2014/main" id="{D4C5D2CD-584A-4C0D-9F8A-A05C7DC6FB06}"/>
+                </a:ext>
+              </a:extLst>
+            </p:cNvPr>
+            <p:cNvSpPr/>
+            <p:nvPr/>
+          </p:nvSpPr>
+          <p:spPr>
+            <a:xfrm>
+              <a:off x="174072" y="1970467"/>
+              <a:ext cx="307777" cy="307777"/>
+            </a:xfrm>
+            <a:prstGeom prst="rect">
+              <a:avLst/>
+            </a:prstGeom>
+            <a:solidFill>
+              <a:schemeClr val="bg1">
+                <a:lumMod val="95000"/>
+              </a:schemeClr>
+            </a:solidFill>
+            <a:ln>
+              <a:noFill/>
+            </a:ln>
+          </p:spPr>
+          <p:style>
+            <a:lnRef idx="2">
+              <a:schemeClr val="accent1">
+                <a:shade val="50000"/>
+              </a:schemeClr>
+            </a:lnRef>
+            <a:fillRef idx="1">
+              <a:schemeClr val="accent1"/>
+            </a:fillRef>
+            <a:effectRef idx="0">
+              <a:schemeClr val="accent1"/>
+            </a:effectRef>
+            <a:fontRef idx="minor">
+              <a:schemeClr val="lt1"/>
+            </a:fontRef>
+          </p:style>
+          <p:txBody>
+            <a:bodyPr rtlCol="0" anchor="ctr"/>
+            <a:lstStyle/>
+            <a:p>
+              <a:pPr algn="ctr"/>
+              <a:endParaRPr lang="ru-RU"/>
+            </a:p>
+          </p:txBody>
+        </p:sp>
+        <p:sp>
+          <p:nvSpPr>
+            <p:cNvPr id="15" name="Прямоугольник 14">
+              <a:extLst>
+                <a:ext uri="{FF2B5EF4-FFF2-40B4-BE49-F238E27FC236}">
+                  <a16:creationId xmlns="" xmlns:a16="http://schemas.microsoft.com/office/drawing/2014/main" id="{DD647F68-3943-4CC0-9412-1D5968D970D1}"/>
+                </a:ext>
+              </a:extLst>
+            </p:cNvPr>
+            <p:cNvSpPr/>
+            <p:nvPr/>
+          </p:nvSpPr>
+          <p:spPr>
+            <a:xfrm>
+              <a:off x="174073" y="1053890"/>
+              <a:ext cx="307777" cy="307777"/>
+            </a:xfrm>
+            <a:prstGeom prst="rect">
+              <a:avLst/>
+            </a:prstGeom>
+            <a:solidFill>
+              <a:schemeClr val="bg1">
+                <a:lumMod val="95000"/>
+              </a:schemeClr>
+            </a:solidFill>
+            <a:ln>
+              <a:noFill/>
+            </a:ln>
+          </p:spPr>
+          <p:style>
+            <a:lnRef idx="2">
+              <a:schemeClr val="accent1">
+                <a:shade val="50000"/>
+              </a:schemeClr>
+            </a:lnRef>
+            <a:fillRef idx="1">
+              <a:schemeClr val="accent1"/>
+            </a:fillRef>
+            <a:effectRef idx="0">
+              <a:schemeClr val="accent1"/>
+            </a:effectRef>
+            <a:fontRef idx="minor">
+              <a:schemeClr val="lt1"/>
+            </a:fontRef>
+          </p:style>
+          <p:txBody>
+            <a:bodyPr rtlCol="0" anchor="ctr"/>
+            <a:lstStyle/>
+            <a:p>
+              <a:pPr algn="ctr"/>
+              <a:endParaRPr lang="ru-RU">
+                <a:solidFill>
+                  <a:srgbClr val="7F7F7F"/>
+                </a:solidFill>
+              </a:endParaRPr>
+            </a:p>
+          </p:txBody>
+        </p:sp>
+        <p:sp>
+          <p:nvSpPr>
+            <p:cNvPr id="16" name="TextBox 15">
+              <a:extLst>
+                <a:ext uri="{FF2B5EF4-FFF2-40B4-BE49-F238E27FC236}">
+                  <a16:creationId xmlns="" xmlns:a16="http://schemas.microsoft.com/office/drawing/2014/main" id="{A1CEB2B1-930A-47BF-B703-3C3FF21EE2CA}"/>
+                </a:ext>
+              </a:extLst>
+            </p:cNvPr>
+            <p:cNvSpPr txBox="1"/>
+            <p:nvPr/>
+          </p:nvSpPr>
+          <p:spPr>
+            <a:xfrm>
+              <a:off x="508760" y="27962"/>
+              <a:ext cx="1577263" cy="584775"/>
+            </a:xfrm>
+            <a:prstGeom prst="rect">
+              <a:avLst/>
+            </a:prstGeom>
+            <a:noFill/>
+          </p:spPr>
+          <p:txBody>
+            <a:bodyPr wrap="square">
+              <a:spAutoFit/>
+            </a:bodyPr>
+            <a:lstStyle/>
+            <a:p>
+              <a:r>
+                <a:rPr lang="ru-RU" sz="1600" b="1" dirty="0">
+                  <a:solidFill>
+                    <a:schemeClr val="bg1">
+                      <a:lumMod val="95000"/>
+                    </a:schemeClr>
+                  </a:solidFill>
+                  <a:latin typeface="Verdana" panose="020B0604030504040204" pitchFamily="34" charset="0"/>
+                  <a:ea typeface="Verdana" panose="020B0604030504040204" pitchFamily="34" charset="0"/>
+                </a:rPr>
+                <a:t>Клиент-сервер</a:t>
+              </a:r>
+              <a:endParaRPr lang="x-none" sz="1600" b="1" dirty="0">
+                <a:solidFill>
+                  <a:schemeClr val="bg1">
+                    <a:lumMod val="95000"/>
+                  </a:schemeClr>
+                </a:solidFill>
+                <a:latin typeface="Verdana" panose="020B0604030504040204" pitchFamily="34" charset="0"/>
+                <a:ea typeface="Verdana" panose="020B0604030504040204" pitchFamily="34" charset="0"/>
+              </a:endParaRPr>
+            </a:p>
+          </p:txBody>
+        </p:sp>
+        <p:sp>
+          <p:nvSpPr>
+            <p:cNvPr id="17" name="Прямоугольник 16">
+              <a:extLst>
+                <a:ext uri="{FF2B5EF4-FFF2-40B4-BE49-F238E27FC236}">
+                  <a16:creationId xmlns="" xmlns:a16="http://schemas.microsoft.com/office/drawing/2014/main" id="{6C584A97-3F89-4B57-ACE7-9246FF17E1B3}"/>
+                </a:ext>
+              </a:extLst>
+            </p:cNvPr>
+            <p:cNvSpPr/>
+            <p:nvPr/>
+          </p:nvSpPr>
+          <p:spPr>
+            <a:xfrm>
+              <a:off x="508760" y="1057560"/>
+              <a:ext cx="1453466" cy="338554"/>
+            </a:xfrm>
+            <a:prstGeom prst="rect">
+              <a:avLst/>
+            </a:prstGeom>
+          </p:spPr>
+          <p:txBody>
+            <a:bodyPr wrap="square">
+              <a:spAutoFit/>
+            </a:bodyPr>
+            <a:lstStyle/>
+            <a:p>
+              <a:r>
+                <a:rPr lang="en-US" sz="1600" b="1" dirty="0">
+                  <a:solidFill>
+                    <a:schemeClr val="bg1">
+                      <a:lumMod val="95000"/>
+                    </a:schemeClr>
+                  </a:solidFill>
+                  <a:latin typeface="Verdana" panose="020B0604030504040204" pitchFamily="34" charset="0"/>
+                  <a:ea typeface="Verdana" panose="020B0604030504040204" pitchFamily="34" charset="0"/>
+                </a:rPr>
+                <a:t>VFS</a:t>
+              </a:r>
+              <a:endParaRPr lang="ru-RU" sz="1600" b="1" dirty="0">
+                <a:solidFill>
+                  <a:schemeClr val="bg1">
+                    <a:lumMod val="95000"/>
+                  </a:schemeClr>
+                </a:solidFill>
+                <a:latin typeface="Verdana" panose="020B0604030504040204" pitchFamily="34" charset="0"/>
+                <a:ea typeface="Verdana" panose="020B0604030504040204" pitchFamily="34" charset="0"/>
+              </a:endParaRPr>
+            </a:p>
+          </p:txBody>
+        </p:sp>
+      </p:grpSp>
+      <p:sp>
+        <p:nvSpPr>
+          <p:cNvPr id="18" name="Прямоугольник 17">
+            <a:extLst>
+              <a:ext uri="{FF2B5EF4-FFF2-40B4-BE49-F238E27FC236}">
+                <a16:creationId xmlns="" xmlns:a16="http://schemas.microsoft.com/office/drawing/2014/main" id="{0D21A8F2-EFE5-4C67-9C72-02BBCD0A6CCF}"/>
+              </a:ext>
+            </a:extLst>
+          </p:cNvPr>
+          <p:cNvSpPr/>
+          <p:nvPr/>
+        </p:nvSpPr>
+        <p:spPr>
+          <a:xfrm>
+            <a:off x="467544" y="2787774"/>
+            <a:ext cx="1453466" cy="338554"/>
+          </a:xfrm>
+          <a:prstGeom prst="rect">
+            <a:avLst/>
+          </a:prstGeom>
+        </p:spPr>
+        <p:txBody>
+          <a:bodyPr wrap="square">
+            <a:spAutoFit/>
+          </a:bodyPr>
+          <a:lstStyle/>
+          <a:p>
+            <a:r>
+              <a:rPr lang="en-US" sz="1600" b="1" dirty="0">
+                <a:solidFill>
+                  <a:schemeClr val="bg1">
+                    <a:lumMod val="95000"/>
+                  </a:schemeClr>
+                </a:solidFill>
+                <a:latin typeface="Verdana" panose="020B0604030504040204" pitchFamily="34" charset="0"/>
+                <a:ea typeface="Verdana" panose="020B0604030504040204" pitchFamily="34" charset="0"/>
+              </a:rPr>
+              <a:t>GPIO</a:t>
+            </a:r>
+            <a:endParaRPr lang="ru-RU" sz="1600" b="1" dirty="0">
+              <a:solidFill>
+                <a:schemeClr val="bg1">
+                  <a:lumMod val="95000"/>
+                </a:schemeClr>
+              </a:solidFill>
+              <a:latin typeface="Verdana" panose="020B0604030504040204" pitchFamily="34" charset="0"/>
+              <a:ea typeface="Verdana" panose="020B0604030504040204" pitchFamily="34" charset="0"/>
+            </a:endParaRPr>
+          </a:p>
+        </p:txBody>
+      </p:sp>
+    </p:spTree>
+    <p:extLst>
+      <p:ext uri="{BB962C8B-B14F-4D97-AF65-F5344CB8AC3E}">
+        <p14:creationId xmlns:p14="http://schemas.microsoft.com/office/powerpoint/2010/main" val="3946816269"/>
+      </p:ext>
+    </p:extLst>
+  </p:cSld>
+  <p:clrMapOvr>
+    <a:masterClrMapping/>
+  </p:clrMapOvr>
+</p:sld>
+</file>
+
+<file path=ppt/slides/slide6.xml><?xml version="1.0" encoding="utf-8"?>
+<p:sld xmlns:a="http://schemas.openxmlformats.org/drawingml/2006/main" xmlns:r="http://schemas.openxmlformats.org/officeDocument/2006/relationships" xmlns:p="http://schemas.openxmlformats.org/presentationml/2006/main">
+  <p:cSld>
+    <p:spTree>
+      <p:nvGrpSpPr>
+        <p:cNvPr id="1" name=""/>
+        <p:cNvGrpSpPr/>
+        <p:nvPr/>
+      </p:nvGrpSpPr>
+      <p:grpSpPr>
+        <a:xfrm>
+          <a:off x="0" y="0"/>
+          <a:ext cx="0" cy="0"/>
+          <a:chOff x="0" y="0"/>
+          <a:chExt cx="0" cy="0"/>
+        </a:xfrm>
+      </p:grpSpPr>
+      <p:sp>
+        <p:nvSpPr>
+          <p:cNvPr id="45" name="Прямоугольник 44">
+            <a:extLst>
+              <a:ext uri="{FF2B5EF4-FFF2-40B4-BE49-F238E27FC236}">
+                <a16:creationId xmlns="" xmlns:a16="http://schemas.microsoft.com/office/drawing/2014/main" id="{F844FAD0-BFD3-42F8-8444-0D4247E6F864}"/>
+              </a:ext>
+            </a:extLst>
+          </p:cNvPr>
+          <p:cNvSpPr/>
+          <p:nvPr/>
+        </p:nvSpPr>
+        <p:spPr bwMode="auto">
+          <a:xfrm>
+            <a:off x="0" y="0"/>
+            <a:ext cx="1080000" cy="5143500"/>
+          </a:xfrm>
+          <a:prstGeom prst="rect">
+            <a:avLst/>
+          </a:prstGeom>
+          <a:solidFill>
+            <a:srgbClr val="004868"/>
+          </a:solidFill>
+          <a:ln w="9525" cap="flat" cmpd="sng" algn="ctr">
+            <a:noFill/>
+            <a:prstDash val="solid"/>
+            <a:round/>
+            <a:headEnd type="none" w="med" len="med"/>
+            <a:tailEnd type="none" w="med" len="med"/>
+          </a:ln>
+          <a:effectLst/>
+        </p:spPr>
+        <p:txBody>
+          <a:bodyPr vert="horz" wrap="square" lIns="77925" tIns="38963" rIns="77925" bIns="38963" numCol="1" rtlCol="0" anchor="ctr" anchorCtr="0" compatLnSpc="1">
+            <a:prstTxWarp prst="textNoShape">
+              <a:avLst/>
+            </a:prstTxWarp>
+          </a:bodyPr>
+          <a:lstStyle/>
+          <a:p>
+            <a:pPr>
+              <a:lnSpc>
+                <a:spcPct val="93000"/>
+              </a:lnSpc>
+              <a:buClr>
+                <a:srgbClr val="000000"/>
+              </a:buClr>
+              <a:buSzPct val="100000"/>
+            </a:pPr>
+            <a:endParaRPr lang="ru-RU" sz="2000" b="1" dirty="0">
+              <a:solidFill>
+                <a:schemeClr val="bg1"/>
+              </a:solidFill>
+              <a:latin typeface="Century Gothic" panose="020B0502020202020204" pitchFamily="34" charset="0"/>
+            </a:endParaRPr>
+          </a:p>
+        </p:txBody>
+      </p:sp>
+      <p:cxnSp>
+        <p:nvCxnSpPr>
+          <p:cNvPr id="27" name="Прямая соединительная линия 26">
+            <a:extLst>
+              <a:ext uri="{FF2B5EF4-FFF2-40B4-BE49-F238E27FC236}">
+                <a16:creationId xmlns="" xmlns:a16="http://schemas.microsoft.com/office/drawing/2014/main" id="{7D440611-E861-4ADC-BE55-6C5E3E2135B0}"/>
+              </a:ext>
+            </a:extLst>
+          </p:cNvPr>
+          <p:cNvCxnSpPr>
+            <a:cxnSpLocks/>
+          </p:cNvCxnSpPr>
+          <p:nvPr/>
+        </p:nvCxnSpPr>
+        <p:spPr>
+          <a:xfrm>
+            <a:off x="2843808" y="853278"/>
+            <a:ext cx="6048672" cy="14422"/>
+          </a:xfrm>
+          <a:prstGeom prst="line">
+            <a:avLst/>
+          </a:prstGeom>
+          <a:ln w="28575">
+            <a:solidFill>
+              <a:schemeClr val="tx2"/>
+            </a:solidFill>
+          </a:ln>
+        </p:spPr>
+        <p:style>
+          <a:lnRef idx="1">
+            <a:schemeClr val="accent1"/>
+          </a:lnRef>
+          <a:fillRef idx="0">
+            <a:schemeClr val="accent1"/>
+          </a:fillRef>
+          <a:effectRef idx="0">
+            <a:schemeClr val="accent1"/>
+          </a:effectRef>
+          <a:fontRef idx="minor">
+            <a:schemeClr val="tx1"/>
+          </a:fontRef>
+        </p:style>
+      </p:cxnSp>
+      <p:sp>
+        <p:nvSpPr>
+          <p:cNvPr id="25" name="Rectangle 1"/>
+          <p:cNvSpPr txBox="1">
+            <a:spLocks noChangeArrowheads="1"/>
+          </p:cNvSpPr>
+          <p:nvPr/>
+        </p:nvSpPr>
+        <p:spPr>
+          <a:xfrm>
+            <a:off x="2990262" y="921650"/>
+            <a:ext cx="5830209" cy="3787273"/>
+          </a:xfrm>
+          <a:prstGeom prst="rect">
+            <a:avLst/>
+          </a:prstGeom>
+        </p:spPr>
+        <p:txBody>
+          <a:bodyPr vert="horz" lIns="91440" tIns="45720" rIns="91440" bIns="45720" rtlCol="0" anchor="t">
+            <a:normAutofit/>
+          </a:bodyPr>
+          <a:lstStyle>
+            <a:lvl1pPr algn="ctr" defTabSz="914400" rtl="0" eaLnBrk="1" latinLnBrk="0" hangingPunct="1">
+              <a:spcBef>
+                <a:spcPct val="0"/>
+              </a:spcBef>
+              <a:buNone/>
+              <a:defRPr sz="4400" kern="1200">
+                <a:solidFill>
+                  <a:schemeClr val="tx1"/>
+                </a:solidFill>
+                <a:latin typeface="+mj-lt"/>
+                <a:ea typeface="+mj-ea"/>
+                <a:cs typeface="+mj-cs"/>
+              </a:defRPr>
+            </a:lvl1pPr>
+          </a:lstStyle>
+          <a:p>
+            <a:pPr marL="257175" indent="-254794" algn="l">
+              <a:spcBef>
+                <a:spcPts val="450"/>
+              </a:spcBef>
+              <a:tabLst>
+                <a:tab pos="257175" algn="l"/>
+                <a:tab pos="335756" algn="l"/>
+                <a:tab pos="672704" algn="l"/>
+                <a:tab pos="1009650" algn="l"/>
+                <a:tab pos="1346597" algn="l"/>
+                <a:tab pos="1683544" algn="l"/>
+                <a:tab pos="2020491" algn="l"/>
+                <a:tab pos="2357438" algn="l"/>
+                <a:tab pos="2694385" algn="l"/>
+                <a:tab pos="3031331" algn="l"/>
+                <a:tab pos="3368279" algn="l"/>
+                <a:tab pos="3705225" algn="l"/>
+                <a:tab pos="4042172" algn="l"/>
+                <a:tab pos="4379119" algn="l"/>
+                <a:tab pos="4716066" algn="l"/>
+                <a:tab pos="5053013" algn="l"/>
+                <a:tab pos="5389960" algn="l"/>
+                <a:tab pos="5726906" algn="l"/>
+                <a:tab pos="6063854" algn="l"/>
+                <a:tab pos="6400800" algn="l"/>
+                <a:tab pos="6737747" algn="l"/>
+              </a:tabLst>
+            </a:pPr>
+            <a:r>
+              <a:rPr lang="en-US" altLang="ru-RU" sz="3200" dirty="0">
+                <a:cs typeface="Times New Roman" panose="02020603050405020304" pitchFamily="18" charset="0"/>
+              </a:rPr>
+              <a:t>                     </a:t>
+            </a:r>
+            <a:endParaRPr lang="ru-RU" altLang="ru-RU" sz="3200" dirty="0">
+              <a:cs typeface="Times New Roman" panose="02020603050405020304" pitchFamily="18" charset="0"/>
+            </a:endParaRPr>
+          </a:p>
+        </p:txBody>
+      </p:sp>
+      <p:sp>
+        <p:nvSpPr>
+          <p:cNvPr id="2" name="Номер слайда 1">
+            <a:extLst>
+              <a:ext uri="{FF2B5EF4-FFF2-40B4-BE49-F238E27FC236}">
+                <a16:creationId xmlns="" xmlns:a16="http://schemas.microsoft.com/office/drawing/2014/main" id="{43DE384C-E41B-4854-8084-48017AD96984}"/>
+              </a:ext>
+            </a:extLst>
+          </p:cNvPr>
+          <p:cNvSpPr>
+            <a:spLocks noGrp="1"/>
+          </p:cNvSpPr>
+          <p:nvPr>
+            <p:ph type="sldNum" sz="quarter" idx="12"/>
+          </p:nvPr>
+        </p:nvSpPr>
+        <p:spPr/>
+        <p:txBody>
+          <a:bodyPr/>
+          <a:lstStyle/>
+          <a:p>
+            <a:fld id="{B19B0651-EE4F-4900-A07F-96A6BFA9D0F0}" type="slidenum">
+              <a:rPr lang="ru-RU" smtClean="0"/>
+              <a:pPr/>
+              <a:t>6</a:t>
+            </a:fld>
+            <a:endParaRPr lang="ru-RU"/>
+          </a:p>
+        </p:txBody>
+      </p:sp>
+      <p:sp>
+        <p:nvSpPr>
+          <p:cNvPr id="18" name="Прямоугольник 17">
+            <a:extLst>
+              <a:ext uri="{FF2B5EF4-FFF2-40B4-BE49-F238E27FC236}">
+                <a16:creationId xmlns="" xmlns:a16="http://schemas.microsoft.com/office/drawing/2014/main" id="{17ED5078-1A16-4CC1-B020-23E9979FB77D}"/>
+              </a:ext>
+            </a:extLst>
+          </p:cNvPr>
+          <p:cNvSpPr/>
+          <p:nvPr/>
+        </p:nvSpPr>
+        <p:spPr>
+          <a:xfrm>
+            <a:off x="2843808" y="299797"/>
+            <a:ext cx="6110664" cy="461665"/>
+          </a:xfrm>
+          <a:prstGeom prst="rect">
+            <a:avLst/>
+          </a:prstGeom>
+        </p:spPr>
+        <p:txBody>
+          <a:bodyPr wrap="square">
+            <a:spAutoFit/>
+          </a:bodyPr>
+          <a:lstStyle/>
+          <a:p>
+            <a:r>
+              <a:rPr lang="ru-RU" sz="2400" b="1" dirty="0">
+                <a:solidFill>
+                  <a:schemeClr val="tx2"/>
+                </a:solidFill>
+                <a:latin typeface="Verdana" panose="020B0604030504040204" pitchFamily="34" charset="0"/>
+                <a:ea typeface="Verdana" panose="020B0604030504040204" pitchFamily="34" charset="0"/>
+              </a:rPr>
+              <a:t>Диаграмма последовательностей</a:t>
+            </a:r>
+          </a:p>
+        </p:txBody>
+      </p:sp>
+      <p:pic>
+        <p:nvPicPr>
+          <p:cNvPr id="1026" name="Picture 2" descr="C:\Users\kosiya\Downloads\Архитектура ИС\Гагачи2022\последовательности.png"/>
+          <p:cNvPicPr>
+            <a:picLocks noChangeAspect="1" noChangeArrowheads="1"/>
+          </p:cNvPicPr>
+          <p:nvPr/>
+        </p:nvPicPr>
+        <p:blipFill>
+          <a:blip r:embed="rId3">
+            <a:extLst>
+              <a:ext uri="{28A0092B-C50C-407E-A947-70E740481C1C}">
+                <a14:useLocalDpi xmlns:a14="http://schemas.microsoft.com/office/drawing/2010/main" val="0"/>
+              </a:ext>
+            </a:extLst>
+          </a:blip>
+          <a:srcRect/>
+          <a:stretch>
+            <a:fillRect/>
+          </a:stretch>
+        </p:blipFill>
+        <p:spPr bwMode="auto">
+          <a:xfrm>
+            <a:off x="2411760" y="987574"/>
+            <a:ext cx="4667394" cy="3947796"/>
+          </a:xfrm>
+          <a:prstGeom prst="rect">
+            <a:avLst/>
+          </a:prstGeom>
+          <a:noFill/>
+          <a:extLst>
+            <a:ext uri="{909E8E84-426E-40DD-AFC4-6F175D3DCCD1}">
+              <a14:hiddenFill xmlns:a14="http://schemas.microsoft.com/office/drawing/2010/main">
+                <a:solidFill>
+                  <a:srgbClr val="FFFFFF"/>
+                </a:solidFill>
+              </a14:hiddenFill>
+            </a:ext>
+          </a:extLst>
+        </p:spPr>
+      </p:pic>
+    </p:spTree>
+    <p:extLst>
+      <p:ext uri="{BB962C8B-B14F-4D97-AF65-F5344CB8AC3E}">
+        <p14:creationId xmlns:p14="http://schemas.microsoft.com/office/powerpoint/2010/main" val="2481491869"/>
+      </p:ext>
+    </p:extLst>
+  </p:cSld>
+  <p:clrMapOvr>
+    <a:masterClrMapping/>
+  </p:clrMapOvr>
+</p:sld>
+</file>
+
+<file path=ppt/slides/slide7.xml><?xml version="1.0" encoding="utf-8"?>
+<p:sld xmlns:a="http://schemas.openxmlformats.org/drawingml/2006/main" xmlns:r="http://schemas.openxmlformats.org/officeDocument/2006/relationships" xmlns:p="http://schemas.openxmlformats.org/presentationml/2006/main">
+  <p:cSld>
+    <p:spTree>
+      <p:nvGrpSpPr>
+        <p:cNvPr id="1" name=""/>
+        <p:cNvGrpSpPr/>
+        <p:nvPr/>
+      </p:nvGrpSpPr>
+      <p:grpSpPr>
+        <a:xfrm>
+          <a:off x="0" y="0"/>
+          <a:ext cx="0" cy="0"/>
+          <a:chOff x="0" y="0"/>
+          <a:chExt cx="0" cy="0"/>
+        </a:xfrm>
+      </p:grpSpPr>
+      <p:sp>
+        <p:nvSpPr>
+          <p:cNvPr id="45" name="Прямоугольник 44">
+            <a:extLst>
+              <a:ext uri="{FF2B5EF4-FFF2-40B4-BE49-F238E27FC236}">
+                <a16:creationId xmlns="" xmlns:a16="http://schemas.microsoft.com/office/drawing/2014/main" id="{F844FAD0-BFD3-42F8-8444-0D4247E6F864}"/>
+              </a:ext>
+            </a:extLst>
+          </p:cNvPr>
+          <p:cNvSpPr/>
+          <p:nvPr/>
+        </p:nvSpPr>
+        <p:spPr bwMode="auto">
+          <a:xfrm>
+            <a:off x="0" y="0"/>
+            <a:ext cx="1080000" cy="5143500"/>
+          </a:xfrm>
+          <a:prstGeom prst="rect">
+            <a:avLst/>
+          </a:prstGeom>
+          <a:solidFill>
+            <a:srgbClr val="004868"/>
+          </a:solidFill>
+          <a:ln w="9525" cap="flat" cmpd="sng" algn="ctr">
+            <a:noFill/>
+            <a:prstDash val="solid"/>
+            <a:round/>
+            <a:headEnd type="none" w="med" len="med"/>
+            <a:tailEnd type="none" w="med" len="med"/>
+          </a:ln>
+          <a:effectLst/>
+        </p:spPr>
+        <p:txBody>
+          <a:bodyPr vert="horz" wrap="square" lIns="77925" tIns="38963" rIns="77925" bIns="38963" numCol="1" rtlCol="0" anchor="ctr" anchorCtr="0" compatLnSpc="1">
+            <a:prstTxWarp prst="textNoShape">
+              <a:avLst/>
+            </a:prstTxWarp>
+          </a:bodyPr>
+          <a:lstStyle/>
+          <a:p>
+            <a:pPr>
+              <a:lnSpc>
+                <a:spcPct val="93000"/>
+              </a:lnSpc>
+              <a:buClr>
+                <a:srgbClr val="000000"/>
+              </a:buClr>
+              <a:buSzPct val="100000"/>
+            </a:pPr>
+            <a:endParaRPr lang="ru-RU" sz="2000" b="1" dirty="0">
+              <a:solidFill>
+                <a:schemeClr val="bg1"/>
+              </a:solidFill>
+              <a:latin typeface="Century Gothic" panose="020B0502020202020204" pitchFamily="34" charset="0"/>
+            </a:endParaRPr>
+          </a:p>
+        </p:txBody>
+      </p:sp>
+      <p:sp>
+        <p:nvSpPr>
+          <p:cNvPr id="25" name="Rectangle 1"/>
+          <p:cNvSpPr txBox="1">
+            <a:spLocks noChangeArrowheads="1"/>
+          </p:cNvSpPr>
+          <p:nvPr/>
+        </p:nvSpPr>
+        <p:spPr>
+          <a:xfrm>
+            <a:off x="2990262" y="921650"/>
+            <a:ext cx="5830209" cy="3787273"/>
+          </a:xfrm>
+          <a:prstGeom prst="rect">
+            <a:avLst/>
+          </a:prstGeom>
+        </p:spPr>
+        <p:txBody>
+          <a:bodyPr vert="horz" lIns="91440" tIns="45720" rIns="91440" bIns="45720" rtlCol="0" anchor="t">
+            <a:normAutofit/>
+          </a:bodyPr>
+          <a:lstStyle>
+            <a:lvl1pPr algn="ctr" defTabSz="914400" rtl="0" eaLnBrk="1" latinLnBrk="0" hangingPunct="1">
+              <a:spcBef>
+                <a:spcPct val="0"/>
+              </a:spcBef>
+              <a:buNone/>
+              <a:defRPr sz="4400" kern="1200">
+                <a:solidFill>
+                  <a:schemeClr val="tx1"/>
+                </a:solidFill>
+                <a:latin typeface="+mj-lt"/>
+                <a:ea typeface="+mj-ea"/>
+                <a:cs typeface="+mj-cs"/>
+              </a:defRPr>
+            </a:lvl1pPr>
+          </a:lstStyle>
+          <a:p>
+            <a:pPr marL="257175" indent="-254794" algn="l">
+              <a:spcBef>
+                <a:spcPts val="450"/>
+              </a:spcBef>
+              <a:tabLst>
+                <a:tab pos="257175" algn="l"/>
+                <a:tab pos="335756" algn="l"/>
+                <a:tab pos="672704" algn="l"/>
+                <a:tab pos="1009650" algn="l"/>
+                <a:tab pos="1346597" algn="l"/>
+                <a:tab pos="1683544" algn="l"/>
+                <a:tab pos="2020491" algn="l"/>
+                <a:tab pos="2357438" algn="l"/>
+                <a:tab pos="2694385" algn="l"/>
+                <a:tab pos="3031331" algn="l"/>
+                <a:tab pos="3368279" algn="l"/>
+                <a:tab pos="3705225" algn="l"/>
+                <a:tab pos="4042172" algn="l"/>
+                <a:tab pos="4379119" algn="l"/>
+                <a:tab pos="4716066" algn="l"/>
+                <a:tab pos="5053013" algn="l"/>
+                <a:tab pos="5389960" algn="l"/>
+                <a:tab pos="5726906" algn="l"/>
+                <a:tab pos="6063854" algn="l"/>
+                <a:tab pos="6400800" algn="l"/>
+                <a:tab pos="6737747" algn="l"/>
+              </a:tabLst>
+            </a:pPr>
+            <a:r>
+              <a:rPr lang="en-US" altLang="ru-RU" sz="3200" dirty="0">
+                <a:cs typeface="Times New Roman" panose="02020603050405020304" pitchFamily="18" charset="0"/>
+              </a:rPr>
+              <a:t>                     </a:t>
+            </a:r>
+            <a:endParaRPr lang="ru-RU" altLang="ru-RU" sz="3200" dirty="0">
+              <a:cs typeface="Times New Roman" panose="02020603050405020304" pitchFamily="18" charset="0"/>
+            </a:endParaRPr>
+          </a:p>
+        </p:txBody>
+      </p:sp>
+      <p:sp>
+        <p:nvSpPr>
+          <p:cNvPr id="2" name="Номер слайда 1">
+            <a:extLst>
+              <a:ext uri="{FF2B5EF4-FFF2-40B4-BE49-F238E27FC236}">
+                <a16:creationId xmlns="" xmlns:a16="http://schemas.microsoft.com/office/drawing/2014/main" id="{E337A08D-3A8E-4E89-BC69-A001F02E6E0C}"/>
+              </a:ext>
+            </a:extLst>
+          </p:cNvPr>
+          <p:cNvSpPr>
+            <a:spLocks noGrp="1"/>
+          </p:cNvSpPr>
+          <p:nvPr>
+            <p:ph type="sldNum" sz="quarter" idx="12"/>
+          </p:nvPr>
+        </p:nvSpPr>
+        <p:spPr/>
+        <p:txBody>
+          <a:bodyPr/>
+          <a:lstStyle/>
+          <a:p>
+            <a:fld id="{B19B0651-EE4F-4900-A07F-96A6BFA9D0F0}" type="slidenum">
+              <a:rPr lang="ru-RU" smtClean="0"/>
+              <a:pPr/>
+              <a:t>7</a:t>
+            </a:fld>
+            <a:endParaRPr lang="ru-RU"/>
+          </a:p>
+        </p:txBody>
+      </p:sp>
+      <p:cxnSp>
+        <p:nvCxnSpPr>
+          <p:cNvPr id="8" name="Прямая соединительная линия 7">
+            <a:extLst>
+              <a:ext uri="{FF2B5EF4-FFF2-40B4-BE49-F238E27FC236}">
+                <a16:creationId xmlns="" xmlns:a16="http://schemas.microsoft.com/office/drawing/2014/main" id="{8CE828DF-A9C3-4B2E-BB9A-236C9E8131AE}"/>
+              </a:ext>
+            </a:extLst>
+          </p:cNvPr>
+          <p:cNvCxnSpPr>
+            <a:cxnSpLocks/>
+          </p:cNvCxnSpPr>
+          <p:nvPr/>
+        </p:nvCxnSpPr>
+        <p:spPr>
+          <a:xfrm>
+            <a:off x="3059832" y="867700"/>
+            <a:ext cx="5832648" cy="0"/>
+          </a:xfrm>
+          <a:prstGeom prst="line">
+            <a:avLst/>
+          </a:prstGeom>
+          <a:ln w="28575">
+            <a:solidFill>
+              <a:schemeClr val="tx2"/>
+            </a:solidFill>
+          </a:ln>
+        </p:spPr>
+        <p:style>
+          <a:lnRef idx="1">
+            <a:schemeClr val="accent1"/>
+          </a:lnRef>
+          <a:fillRef idx="0">
+            <a:schemeClr val="accent1"/>
+          </a:fillRef>
+          <a:effectRef idx="0">
+            <a:schemeClr val="accent1"/>
+          </a:effectRef>
+          <a:fontRef idx="minor">
+            <a:schemeClr val="tx1"/>
+          </a:fontRef>
+        </p:style>
+      </p:cxnSp>
+      <p:sp>
+        <p:nvSpPr>
+          <p:cNvPr id="9" name="Прямоугольник 8">
+            <a:extLst>
+              <a:ext uri="{FF2B5EF4-FFF2-40B4-BE49-F238E27FC236}">
+                <a16:creationId xmlns="" xmlns:a16="http://schemas.microsoft.com/office/drawing/2014/main" id="{1986159B-90C6-4663-8A8F-0AB613A5E9A9}"/>
+              </a:ext>
+            </a:extLst>
+          </p:cNvPr>
+          <p:cNvSpPr/>
+          <p:nvPr/>
+        </p:nvSpPr>
+        <p:spPr>
+          <a:xfrm>
+            <a:off x="3203848" y="299798"/>
+            <a:ext cx="6110664" cy="461665"/>
+          </a:xfrm>
+          <a:prstGeom prst="rect">
+            <a:avLst/>
+          </a:prstGeom>
+        </p:spPr>
+        <p:txBody>
+          <a:bodyPr wrap="square">
+            <a:spAutoFit/>
+          </a:bodyPr>
+          <a:lstStyle/>
+          <a:p>
+            <a:r>
+              <a:rPr lang="ru-RU" sz="2400" b="1" dirty="0">
+                <a:solidFill>
+                  <a:schemeClr val="tx2"/>
+                </a:solidFill>
+                <a:latin typeface="Verdana" panose="020B0604030504040204" pitchFamily="34" charset="0"/>
+                <a:ea typeface="Verdana" panose="020B0604030504040204" pitchFamily="34" charset="0"/>
+              </a:rPr>
+              <a:t>Диаграмма классов</a:t>
+            </a:r>
+          </a:p>
+        </p:txBody>
+      </p:sp>
+      <p:pic>
+        <p:nvPicPr>
+          <p:cNvPr id="1026" name="Picture 2" descr="C:\Users\kosiya\Downloads\classes.png"/>
+          <p:cNvPicPr>
+            <a:picLocks noChangeAspect="1" noChangeArrowheads="1"/>
+          </p:cNvPicPr>
+          <p:nvPr/>
+        </p:nvPicPr>
+        <p:blipFill>
+          <a:blip r:embed="rId3">
+            <a:extLst>
+              <a:ext uri="{28A0092B-C50C-407E-A947-70E740481C1C}">
+                <a14:useLocalDpi xmlns:a14="http://schemas.microsoft.com/office/drawing/2010/main" val="0"/>
+              </a:ext>
+            </a:extLst>
+          </a:blip>
+          <a:srcRect/>
+          <a:stretch>
+            <a:fillRect/>
+          </a:stretch>
+        </p:blipFill>
+        <p:spPr bwMode="auto">
+          <a:xfrm>
+            <a:off x="1615541" y="1059582"/>
+            <a:ext cx="6554552" cy="3888432"/>
+          </a:xfrm>
+          <a:prstGeom prst="rect">
+            <a:avLst/>
+          </a:prstGeom>
+          <a:noFill/>
+          <a:extLst>
+            <a:ext uri="{909E8E84-426E-40DD-AFC4-6F175D3DCCD1}">
+              <a14:hiddenFill xmlns:a14="http://schemas.microsoft.com/office/drawing/2010/main">
+                <a:solidFill>
+                  <a:srgbClr val="FFFFFF"/>
+                </a:solidFill>
+              </a14:hiddenFill>
+            </a:ext>
+          </a:extLst>
+        </p:spPr>
+      </p:pic>
+    </p:spTree>
+    <p:extLst>
+      <p:ext uri="{BB962C8B-B14F-4D97-AF65-F5344CB8AC3E}">
+        <p14:creationId xmlns:p14="http://schemas.microsoft.com/office/powerpoint/2010/main" val="3345184733"/>
+      </p:ext>
+    </p:extLst>
+  </p:cSld>
+  <p:clrMapOvr>
+    <a:masterClrMapping/>
+  </p:clrMapOvr>
+</p:sld>
+</file>
+
+<file path=ppt/slides/slide8.xml><?xml version="1.0" encoding="utf-8"?>
+<p:sld xmlns:a="http://schemas.openxmlformats.org/drawingml/2006/main" xmlns:r="http://schemas.openxmlformats.org/officeDocument/2006/relationships" xmlns:p="http://schemas.openxmlformats.org/presentationml/2006/main">
+  <p:cSld>
+    <p:spTree>
+      <p:nvGrpSpPr>
+        <p:cNvPr id="1" name=""/>
+        <p:cNvGrpSpPr/>
+        <p:nvPr/>
+      </p:nvGrpSpPr>
+      <p:grpSpPr>
+        <a:xfrm>
+          <a:off x="0" y="0"/>
+          <a:ext cx="0" cy="0"/>
+          <a:chOff x="0" y="0"/>
+          <a:chExt cx="0" cy="0"/>
+        </a:xfrm>
+      </p:grpSpPr>
+      <p:sp>
+        <p:nvSpPr>
+          <p:cNvPr id="3" name="Объект 2">
+            <a:extLst>
+              <a:ext uri="{FF2B5EF4-FFF2-40B4-BE49-F238E27FC236}">
+                <a16:creationId xmlns="" xmlns:a16="http://schemas.microsoft.com/office/drawing/2014/main" id="{807A1DB7-1B94-4C8E-9E43-F2737C3A6C6E}"/>
+              </a:ext>
+            </a:extLst>
+          </p:cNvPr>
+          <p:cNvSpPr>
+            <a:spLocks noGrp="1"/>
+          </p:cNvSpPr>
+          <p:nvPr>
+            <p:ph idx="1"/>
+          </p:nvPr>
+        </p:nvSpPr>
+        <p:spPr>
+          <a:xfrm>
+            <a:off x="2555776" y="1059582"/>
+            <a:ext cx="6336704" cy="3384351"/>
+          </a:xfrm>
+        </p:spPr>
+        <p:txBody>
+          <a:bodyPr>
+            <a:normAutofit/>
+          </a:bodyPr>
+          <a:lstStyle/>
+          <a:p>
+            <a:pPr marL="0" indent="0">
+              <a:buNone/>
+            </a:pPr>
+            <a:endParaRPr lang="ru-RU" sz="1600" dirty="0">
+              <a:solidFill>
+                <a:srgbClr val="FF0000"/>
+              </a:solidFill>
+            </a:endParaRPr>
+          </a:p>
+          <a:p>
+            <a:pPr marL="0" indent="0">
+              <a:buNone/>
+            </a:pPr>
+            <a:endParaRPr lang="ru-RU" sz="1600" dirty="0">
+              <a:solidFill>
+                <a:srgbClr val="FF0000"/>
+              </a:solidFill>
+            </a:endParaRPr>
+          </a:p>
+        </p:txBody>
+      </p:sp>
+      <p:sp>
+        <p:nvSpPr>
+          <p:cNvPr id="4" name="Номер слайда 3">
+            <a:extLst>
+              <a:ext uri="{FF2B5EF4-FFF2-40B4-BE49-F238E27FC236}">
+                <a16:creationId xmlns="" xmlns:a16="http://schemas.microsoft.com/office/drawing/2014/main" id="{407E3DFD-05CC-48DB-9081-F8A9F136813E}"/>
+              </a:ext>
+            </a:extLst>
+          </p:cNvPr>
+          <p:cNvSpPr>
+            <a:spLocks noGrp="1"/>
+          </p:cNvSpPr>
+          <p:nvPr>
+            <p:ph type="sldNum" sz="quarter" idx="12"/>
+          </p:nvPr>
+        </p:nvSpPr>
+        <p:spPr/>
+        <p:txBody>
+          <a:bodyPr/>
+          <a:lstStyle/>
+          <a:p>
+            <a:fld id="{B19B0651-EE4F-4900-A07F-96A6BFA9D0F0}" type="slidenum">
+              <a:rPr lang="ru-RU" smtClean="0"/>
+              <a:pPr/>
+              <a:t>8</a:t>
+            </a:fld>
+            <a:endParaRPr lang="ru-RU"/>
+          </a:p>
+        </p:txBody>
+      </p:sp>
+      <p:sp>
+        <p:nvSpPr>
+          <p:cNvPr id="5" name="Прямоугольник 4">
+            <a:extLst>
+              <a:ext uri="{FF2B5EF4-FFF2-40B4-BE49-F238E27FC236}">
+                <a16:creationId xmlns="" xmlns:a16="http://schemas.microsoft.com/office/drawing/2014/main" id="{910DF3EC-1F25-4526-9FE7-8BC70A8DF0C5}"/>
+              </a:ext>
+            </a:extLst>
+          </p:cNvPr>
+          <p:cNvSpPr/>
+          <p:nvPr/>
+        </p:nvSpPr>
+        <p:spPr bwMode="auto">
+          <a:xfrm>
+            <a:off x="0" y="0"/>
+            <a:ext cx="2160000" cy="5143500"/>
+          </a:xfrm>
+          <a:prstGeom prst="rect">
+            <a:avLst/>
+          </a:prstGeom>
+          <a:solidFill>
+            <a:srgbClr val="004868"/>
+          </a:solidFill>
+          <a:ln w="9525" cap="flat" cmpd="sng" algn="ctr">
+            <a:noFill/>
+            <a:prstDash val="solid"/>
+            <a:round/>
+            <a:headEnd type="none" w="med" len="med"/>
+            <a:tailEnd type="none" w="med" len="med"/>
+          </a:ln>
+          <a:effectLst/>
+        </p:spPr>
+        <p:txBody>
+          <a:bodyPr vert="horz" wrap="square" lIns="77925" tIns="38963" rIns="77925" bIns="38963" numCol="1" rtlCol="0" anchor="ctr" anchorCtr="0" compatLnSpc="1">
+            <a:prstTxWarp prst="textNoShape">
+              <a:avLst/>
+            </a:prstTxWarp>
+          </a:bodyPr>
+          <a:lstStyle/>
+          <a:p>
+            <a:pPr>
+              <a:lnSpc>
+                <a:spcPct val="93000"/>
+              </a:lnSpc>
+              <a:buClr>
+                <a:srgbClr val="000000"/>
+              </a:buClr>
+              <a:buSzPct val="100000"/>
+            </a:pPr>
+            <a:endParaRPr lang="ru-RU" sz="2000" b="1" dirty="0">
+              <a:solidFill>
+                <a:schemeClr val="bg1"/>
+              </a:solidFill>
+              <a:latin typeface="Century Gothic" panose="020B0502020202020204" pitchFamily="34" charset="0"/>
+            </a:endParaRPr>
+          </a:p>
+        </p:txBody>
+      </p:sp>
+      <p:cxnSp>
+        <p:nvCxnSpPr>
+          <p:cNvPr id="6" name="Прямая соединительная линия 5">
+            <a:extLst>
+              <a:ext uri="{FF2B5EF4-FFF2-40B4-BE49-F238E27FC236}">
+                <a16:creationId xmlns="" xmlns:a16="http://schemas.microsoft.com/office/drawing/2014/main" id="{2467A97C-B77F-44C8-A41B-AB2EE2D11DE3}"/>
+              </a:ext>
+            </a:extLst>
+          </p:cNvPr>
+          <p:cNvCxnSpPr>
+            <a:cxnSpLocks/>
+          </p:cNvCxnSpPr>
+          <p:nvPr/>
+        </p:nvCxnSpPr>
+        <p:spPr>
+          <a:xfrm>
+            <a:off x="3059832" y="867700"/>
+            <a:ext cx="5832648" cy="0"/>
+          </a:xfrm>
+          <a:prstGeom prst="line">
+            <a:avLst/>
+          </a:prstGeom>
+          <a:ln w="28575">
+            <a:solidFill>
+              <a:schemeClr val="tx2"/>
+            </a:solidFill>
+          </a:ln>
+        </p:spPr>
+        <p:style>
+          <a:lnRef idx="1">
+            <a:schemeClr val="accent1"/>
+          </a:lnRef>
+          <a:fillRef idx="0">
+            <a:schemeClr val="accent1"/>
+          </a:fillRef>
+          <a:effectRef idx="0">
+            <a:schemeClr val="accent1"/>
+          </a:effectRef>
+          <a:fontRef idx="minor">
+            <a:schemeClr val="tx1"/>
+          </a:fontRef>
+        </p:style>
+      </p:cxnSp>
+      <p:sp>
+        <p:nvSpPr>
+          <p:cNvPr id="8" name="Прямоугольник 7">
+            <a:extLst>
+              <a:ext uri="{FF2B5EF4-FFF2-40B4-BE49-F238E27FC236}">
+                <a16:creationId xmlns="" xmlns:a16="http://schemas.microsoft.com/office/drawing/2014/main" id="{8CF585ED-3269-46F3-8B9F-D294E6449231}"/>
               </a:ext>
             </a:extLst>
           </p:cNvPr>
@@ -5146,7 +8034,7 @@
           <p:cNvPr id="7" name="Группа 6">
             <a:extLst>
               <a:ext uri="{FF2B5EF4-FFF2-40B4-BE49-F238E27FC236}">
-                <a16:creationId xmlns:a16="http://schemas.microsoft.com/office/drawing/2014/main" xmlns="" id="{139A77F8-7D49-45A1-9214-19DF6CAEDB87}"/>
+                <a16:creationId xmlns="" xmlns:a16="http://schemas.microsoft.com/office/drawing/2014/main" id="{139A77F8-7D49-45A1-9214-19DF6CAEDB87}"/>
               </a:ext>
             </a:extLst>
           </p:cNvPr>
@@ -5166,7 +8054,7 @@
             <p:cNvPr id="9" name="Прямоугольник 8">
               <a:extLst>
                 <a:ext uri="{FF2B5EF4-FFF2-40B4-BE49-F238E27FC236}">
-                  <a16:creationId xmlns:a16="http://schemas.microsoft.com/office/drawing/2014/main" xmlns="" id="{C1AF4255-9B0F-4619-888B-C211218E49FF}"/>
+                  <a16:creationId xmlns="" xmlns:a16="http://schemas.microsoft.com/office/drawing/2014/main" id="{C1AF4255-9B0F-4619-888B-C211218E49FF}"/>
                 </a:ext>
               </a:extLst>
             </p:cNvPr>
@@ -5220,7 +8108,7 @@
             <p:cNvPr id="10" name="Прямоугольник 9">
               <a:extLst>
                 <a:ext uri="{FF2B5EF4-FFF2-40B4-BE49-F238E27FC236}">
-                  <a16:creationId xmlns:a16="http://schemas.microsoft.com/office/drawing/2014/main" xmlns="" id="{A568F858-4223-42C7-92C9-58140347FD14}"/>
+                  <a16:creationId xmlns="" xmlns:a16="http://schemas.microsoft.com/office/drawing/2014/main" id="{A568F858-4223-42C7-92C9-58140347FD14}"/>
                 </a:ext>
               </a:extLst>
             </p:cNvPr>
@@ -5274,7 +8162,7 @@
             <p:cNvPr id="11" name="Прямоугольник 10">
               <a:extLst>
                 <a:ext uri="{FF2B5EF4-FFF2-40B4-BE49-F238E27FC236}">
-                  <a16:creationId xmlns:a16="http://schemas.microsoft.com/office/drawing/2014/main" xmlns="" id="{5B70D515-762B-4243-8DAB-E4E82DC6B17A}"/>
+                  <a16:creationId xmlns="" xmlns:a16="http://schemas.microsoft.com/office/drawing/2014/main" id="{5B70D515-762B-4243-8DAB-E4E82DC6B17A}"/>
                 </a:ext>
               </a:extLst>
             </p:cNvPr>
@@ -5332,7 +8220,7 @@
             <p:cNvPr id="12" name="TextBox 11">
               <a:extLst>
                 <a:ext uri="{FF2B5EF4-FFF2-40B4-BE49-F238E27FC236}">
-                  <a16:creationId xmlns:a16="http://schemas.microsoft.com/office/drawing/2014/main" xmlns="" id="{27C751DA-DBF5-4BF2-AD38-619676BDF720}"/>
+                  <a16:creationId xmlns="" xmlns:a16="http://schemas.microsoft.com/office/drawing/2014/main" id="{27C751DA-DBF5-4BF2-AD38-619676BDF720}"/>
                 </a:ext>
               </a:extLst>
             </p:cNvPr>
@@ -5384,7 +8272,7 @@
             <p:cNvPr id="13" name="Прямоугольник 12">
               <a:extLst>
                 <a:ext uri="{FF2B5EF4-FFF2-40B4-BE49-F238E27FC236}">
-                  <a16:creationId xmlns:a16="http://schemas.microsoft.com/office/drawing/2014/main" xmlns="" id="{2107D053-F587-41CE-AC4A-9D7FEBF094D1}"/>
+                  <a16:creationId xmlns="" xmlns:a16="http://schemas.microsoft.com/office/drawing/2014/main" id="{2107D053-F587-41CE-AC4A-9D7FEBF094D1}"/>
                 </a:ext>
               </a:extLst>
             </p:cNvPr>
@@ -5436,7 +8324,7 @@
           <p:cNvPr id="14" name="Прямоугольник 13">
             <a:extLst>
               <a:ext uri="{FF2B5EF4-FFF2-40B4-BE49-F238E27FC236}">
-                <a16:creationId xmlns:a16="http://schemas.microsoft.com/office/drawing/2014/main" xmlns="" id="{E5033180-5409-4181-81CC-03960C2AD567}"/>
+                <a16:creationId xmlns="" xmlns:a16="http://schemas.microsoft.com/office/drawing/2014/main" id="{E5033180-5409-4181-81CC-03960C2AD567}"/>
               </a:ext>
             </a:extLst>
           </p:cNvPr>
@@ -5502,7 +8390,7 @@
           <p:cNvPr id="16" name="Рисунок 15">
             <a:extLst>
               <a:ext uri="{FF2B5EF4-FFF2-40B4-BE49-F238E27FC236}">
-                <a16:creationId xmlns:a16="http://schemas.microsoft.com/office/drawing/2014/main" xmlns="" id="{693DE430-DA33-48DB-B661-FEEF2CA860CF}"/>
+                <a16:creationId xmlns="" xmlns:a16="http://schemas.microsoft.com/office/drawing/2014/main" id="{693DE430-DA33-48DB-B661-FEEF2CA860CF}"/>
               </a:ext>
             </a:extLst>
           </p:cNvPr>
@@ -5540,7 +8428,7 @@
 </p:sld>
 </file>
 
-<file path=ppt/slides/slide11.xml><?xml version="1.0" encoding="utf-8"?>
+<file path=ppt/slides/slide9.xml><?xml version="1.0" encoding="utf-8"?>
 <p:sld xmlns:a="http://schemas.openxmlformats.org/drawingml/2006/main" xmlns:r="http://schemas.openxmlformats.org/officeDocument/2006/relationships" xmlns:p="http://schemas.openxmlformats.org/presentationml/2006/main">
   <p:cSld>
     <p:spTree>
@@ -5562,7 +8450,7 @@
           <p:cNvPr id="5" name="Прямоугольник 4">
             <a:extLst>
               <a:ext uri="{FF2B5EF4-FFF2-40B4-BE49-F238E27FC236}">
-                <a16:creationId xmlns:a16="http://schemas.microsoft.com/office/drawing/2014/main" xmlns="" id="{73F08337-4FBD-49CA-B7CF-082FB8F03E03}"/>
+                <a16:creationId xmlns="" xmlns:a16="http://schemas.microsoft.com/office/drawing/2014/main" id="{73F08337-4FBD-49CA-B7CF-082FB8F03E03}"/>
               </a:ext>
             </a:extLst>
           </p:cNvPr>
@@ -5620,7 +8508,7 @@
           <p:cNvPr id="6" name="Прямоугольник 5">
             <a:extLst>
               <a:ext uri="{FF2B5EF4-FFF2-40B4-BE49-F238E27FC236}">
-                <a16:creationId xmlns:a16="http://schemas.microsoft.com/office/drawing/2014/main" xmlns="" id="{BB7E2663-AD02-4F1A-96DD-A2715B9F7167}"/>
+                <a16:creationId xmlns="" xmlns:a16="http://schemas.microsoft.com/office/drawing/2014/main" id="{BB7E2663-AD02-4F1A-96DD-A2715B9F7167}"/>
               </a:ext>
             </a:extLst>
           </p:cNvPr>
@@ -5660,7 +8548,7 @@
           <p:cNvPr id="7" name="Объект 2">
             <a:extLst>
               <a:ext uri="{FF2B5EF4-FFF2-40B4-BE49-F238E27FC236}">
-                <a16:creationId xmlns:a16="http://schemas.microsoft.com/office/drawing/2014/main" xmlns="" id="{DB15A276-4B35-4D81-AA85-B979C4E0F219}"/>
+                <a16:creationId xmlns="" xmlns:a16="http://schemas.microsoft.com/office/drawing/2014/main" id="{DB15A276-4B35-4D81-AA85-B979C4E0F219}"/>
               </a:ext>
             </a:extLst>
           </p:cNvPr>
@@ -5893,7 +8781,7 @@
           <p:cNvPr id="9" name="Рисунок 8" descr="Изображение выглядит как фотография, знак, черный, белый&#10;&#10;Автоматически созданное описание">
             <a:extLst>
               <a:ext uri="{FF2B5EF4-FFF2-40B4-BE49-F238E27FC236}">
-                <a16:creationId xmlns:a16="http://schemas.microsoft.com/office/drawing/2014/main" xmlns="" id="{074BF89E-2F5E-4138-803A-5E07BFE000CD}"/>
+                <a16:creationId xmlns="" xmlns:a16="http://schemas.microsoft.com/office/drawing/2014/main" id="{074BF89E-2F5E-4138-803A-5E07BFE000CD}"/>
               </a:ext>
             </a:extLst>
           </p:cNvPr>
@@ -5934,4336 +8822,6 @@
   <p:clrMapOvr>
     <a:masterClrMapping/>
   </p:clrMapOvr>
-</p:sld>
-</file>
-
-<file path=ppt/slides/slide2.xml><?xml version="1.0" encoding="utf-8"?>
-<p:sld xmlns:a="http://schemas.openxmlformats.org/drawingml/2006/main" xmlns:r="http://schemas.openxmlformats.org/officeDocument/2006/relationships" xmlns:p="http://schemas.openxmlformats.org/presentationml/2006/main">
-  <p:cSld>
-    <p:spTree>
-      <p:nvGrpSpPr>
-        <p:cNvPr id="1" name=""/>
-        <p:cNvGrpSpPr/>
-        <p:nvPr/>
-      </p:nvGrpSpPr>
-      <p:grpSpPr>
-        <a:xfrm>
-          <a:off x="0" y="0"/>
-          <a:ext cx="0" cy="0"/>
-          <a:chOff x="0" y="0"/>
-          <a:chExt cx="0" cy="0"/>
-        </a:xfrm>
-      </p:grpSpPr>
-      <p:sp>
-        <p:nvSpPr>
-          <p:cNvPr id="9" name="Прямоугольник 8"/>
-          <p:cNvSpPr/>
-          <p:nvPr/>
-        </p:nvSpPr>
-        <p:spPr bwMode="auto">
-          <a:xfrm>
-            <a:off x="0" y="0"/>
-            <a:ext cx="2160000" cy="5143500"/>
-          </a:xfrm>
-          <a:prstGeom prst="rect">
-            <a:avLst/>
-          </a:prstGeom>
-          <a:solidFill>
-            <a:srgbClr val="004868"/>
-          </a:solidFill>
-          <a:ln w="9525" cap="flat" cmpd="sng" algn="ctr">
-            <a:noFill/>
-            <a:prstDash val="solid"/>
-            <a:round/>
-            <a:headEnd type="none" w="med" len="med"/>
-            <a:tailEnd type="none" w="med" len="med"/>
-          </a:ln>
-          <a:effectLst/>
-        </p:spPr>
-        <p:txBody>
-          <a:bodyPr vert="horz" wrap="square" lIns="77925" tIns="38963" rIns="77925" bIns="38963" numCol="1" rtlCol="0" anchor="ctr" anchorCtr="0" compatLnSpc="1">
-            <a:prstTxWarp prst="textNoShape">
-              <a:avLst/>
-            </a:prstTxWarp>
-          </a:bodyPr>
-          <a:lstStyle/>
-          <a:p>
-            <a:pPr>
-              <a:lnSpc>
-                <a:spcPct val="93000"/>
-              </a:lnSpc>
-              <a:buClr>
-                <a:srgbClr val="000000"/>
-              </a:buClr>
-              <a:buSzPct val="100000"/>
-            </a:pPr>
-            <a:endParaRPr lang="ru-RU" sz="2000" b="1" dirty="0">
-              <a:solidFill>
-                <a:schemeClr val="bg1"/>
-              </a:solidFill>
-              <a:latin typeface="Century Gothic" panose="020B0502020202020204" pitchFamily="34" charset="0"/>
-            </a:endParaRPr>
-          </a:p>
-        </p:txBody>
-      </p:sp>
-      <p:cxnSp>
-        <p:nvCxnSpPr>
-          <p:cNvPr id="30" name="Прямая соединительная линия 29">
-            <a:extLst>
-              <a:ext uri="{FF2B5EF4-FFF2-40B4-BE49-F238E27FC236}">
-                <a16:creationId xmlns:a16="http://schemas.microsoft.com/office/drawing/2014/main" xmlns="" id="{F004EEAE-9E59-4362-892F-11F0597BBF49}"/>
-              </a:ext>
-            </a:extLst>
-          </p:cNvPr>
-          <p:cNvCxnSpPr>
-            <a:cxnSpLocks/>
-          </p:cNvCxnSpPr>
-          <p:nvPr/>
-        </p:nvCxnSpPr>
-        <p:spPr>
-          <a:xfrm>
-            <a:off x="3059832" y="867700"/>
-            <a:ext cx="5832648" cy="0"/>
-          </a:xfrm>
-          <a:prstGeom prst="line">
-            <a:avLst/>
-          </a:prstGeom>
-          <a:ln w="28575">
-            <a:solidFill>
-              <a:schemeClr val="tx2"/>
-            </a:solidFill>
-          </a:ln>
-        </p:spPr>
-        <p:style>
-          <a:lnRef idx="1">
-            <a:schemeClr val="accent1"/>
-          </a:lnRef>
-          <a:fillRef idx="0">
-            <a:schemeClr val="accent1"/>
-          </a:fillRef>
-          <a:effectRef idx="0">
-            <a:schemeClr val="accent1"/>
-          </a:effectRef>
-          <a:fontRef idx="minor">
-            <a:schemeClr val="tx1"/>
-          </a:fontRef>
-        </p:style>
-      </p:cxnSp>
-      <p:sp>
-        <p:nvSpPr>
-          <p:cNvPr id="3" name="Номер слайда 2">
-            <a:extLst>
-              <a:ext uri="{FF2B5EF4-FFF2-40B4-BE49-F238E27FC236}">
-                <a16:creationId xmlns:a16="http://schemas.microsoft.com/office/drawing/2014/main" xmlns="" id="{9879899F-8DEE-4C3F-B4F8-8A504F60C80B}"/>
-              </a:ext>
-            </a:extLst>
-          </p:cNvPr>
-          <p:cNvSpPr>
-            <a:spLocks noGrp="1"/>
-          </p:cNvSpPr>
-          <p:nvPr>
-            <p:ph type="sldNum" sz="quarter" idx="12"/>
-          </p:nvPr>
-        </p:nvSpPr>
-        <p:spPr/>
-        <p:txBody>
-          <a:bodyPr/>
-          <a:lstStyle/>
-          <a:p>
-            <a:fld id="{B19B0651-EE4F-4900-A07F-96A6BFA9D0F0}" type="slidenum">
-              <a:rPr lang="ru-RU" smtClean="0"/>
-              <a:pPr/>
-              <a:t>2</a:t>
-            </a:fld>
-            <a:endParaRPr lang="ru-RU" dirty="0"/>
-          </a:p>
-        </p:txBody>
-      </p:sp>
-      <p:sp>
-        <p:nvSpPr>
-          <p:cNvPr id="14" name="Прямоугольник 13">
-            <a:extLst>
-              <a:ext uri="{FF2B5EF4-FFF2-40B4-BE49-F238E27FC236}">
-                <a16:creationId xmlns:a16="http://schemas.microsoft.com/office/drawing/2014/main" xmlns="" id="{C204DE12-0708-4039-981E-EC5E81BC4662}"/>
-              </a:ext>
-            </a:extLst>
-          </p:cNvPr>
-          <p:cNvSpPr/>
-          <p:nvPr/>
-        </p:nvSpPr>
-        <p:spPr>
-          <a:xfrm>
-            <a:off x="3203848" y="48518"/>
-            <a:ext cx="6110664" cy="830997"/>
-          </a:xfrm>
-          <a:prstGeom prst="rect">
-            <a:avLst/>
-          </a:prstGeom>
-        </p:spPr>
-        <p:txBody>
-          <a:bodyPr wrap="square">
-            <a:spAutoFit/>
-          </a:bodyPr>
-          <a:lstStyle/>
-          <a:p>
-            <a:r>
-              <a:rPr lang="ru-RU" sz="2400" b="1" dirty="0">
-                <a:solidFill>
-                  <a:schemeClr val="tx2"/>
-                </a:solidFill>
-                <a:latin typeface="Verdana" panose="020B0604030504040204" pitchFamily="34" charset="0"/>
-                <a:ea typeface="Verdana" panose="020B0604030504040204" pitchFamily="34" charset="0"/>
-              </a:rPr>
-              <a:t>Актуальность темы. </a:t>
-            </a:r>
-          </a:p>
-          <a:p>
-            <a:r>
-              <a:rPr lang="ru-RU" sz="2400" b="1" dirty="0">
-                <a:solidFill>
-                  <a:schemeClr val="tx2"/>
-                </a:solidFill>
-                <a:latin typeface="Verdana" panose="020B0604030504040204" pitchFamily="34" charset="0"/>
-                <a:ea typeface="Verdana" panose="020B0604030504040204" pitchFamily="34" charset="0"/>
-              </a:rPr>
-              <a:t>Цель работы.</a:t>
-            </a:r>
-          </a:p>
-        </p:txBody>
-      </p:sp>
-      <p:pic>
-        <p:nvPicPr>
-          <p:cNvPr id="1027" name="Picture 3" descr="C:\Users\kosiya\Downloads\airplane.png"/>
-          <p:cNvPicPr>
-            <a:picLocks noChangeAspect="1" noChangeArrowheads="1"/>
-          </p:cNvPicPr>
-          <p:nvPr/>
-        </p:nvPicPr>
-        <p:blipFill>
-          <a:blip r:embed="rId2" cstate="print">
-            <a:extLst>
-              <a:ext uri="{28A0092B-C50C-407E-A947-70E740481C1C}">
-                <a14:useLocalDpi xmlns:a14="http://schemas.microsoft.com/office/drawing/2010/main" val="0"/>
-              </a:ext>
-            </a:extLst>
-          </a:blip>
-          <a:srcRect/>
-          <a:stretch>
-            <a:fillRect/>
-          </a:stretch>
-        </p:blipFill>
-        <p:spPr bwMode="auto">
-          <a:xfrm>
-            <a:off x="262300" y="3524992"/>
-            <a:ext cx="1839600" cy="1379193"/>
-          </a:xfrm>
-          <a:prstGeom prst="rect">
-            <a:avLst/>
-          </a:prstGeom>
-          <a:noFill/>
-          <a:extLst>
-            <a:ext uri="{909E8E84-426E-40DD-AFC4-6F175D3DCCD1}">
-              <a14:hiddenFill xmlns:a14="http://schemas.microsoft.com/office/drawing/2010/main">
-                <a:solidFill>
-                  <a:srgbClr val="FFFFFF"/>
-                </a:solidFill>
-              </a14:hiddenFill>
-            </a:ext>
-          </a:extLst>
-        </p:spPr>
-      </p:pic>
-      <p:pic>
-        <p:nvPicPr>
-          <p:cNvPr id="1026" name="Picture 2">
-            <a:extLst>
-              <a:ext uri="{FF2B5EF4-FFF2-40B4-BE49-F238E27FC236}">
-                <a16:creationId xmlns:a16="http://schemas.microsoft.com/office/drawing/2014/main" xmlns="" id="{17C112DF-E30E-4E91-BE1E-B73E5466DF10}"/>
-              </a:ext>
-            </a:extLst>
-          </p:cNvPr>
-          <p:cNvPicPr>
-            <a:picLocks noChangeAspect="1" noChangeArrowheads="1"/>
-          </p:cNvPicPr>
-          <p:nvPr/>
-        </p:nvPicPr>
-        <p:blipFill>
-          <a:blip r:embed="rId3">
-            <a:extLst>
-              <a:ext uri="{28A0092B-C50C-407E-A947-70E740481C1C}">
-                <a14:useLocalDpi xmlns:a14="http://schemas.microsoft.com/office/drawing/2010/main" val="0"/>
-              </a:ext>
-            </a:extLst>
-          </a:blip>
-          <a:srcRect/>
-          <a:stretch>
-            <a:fillRect/>
-          </a:stretch>
-        </p:blipFill>
-        <p:spPr bwMode="auto">
-          <a:xfrm>
-            <a:off x="3059833" y="967036"/>
-            <a:ext cx="5832648" cy="3888432"/>
-          </a:xfrm>
-          <a:prstGeom prst="rect">
-            <a:avLst/>
-          </a:prstGeom>
-          <a:noFill/>
-          <a:extLst>
-            <a:ext uri="{909E8E84-426E-40DD-AFC4-6F175D3DCCD1}">
-              <a14:hiddenFill xmlns:a14="http://schemas.microsoft.com/office/drawing/2010/main">
-                <a:solidFill>
-                  <a:srgbClr val="FFFFFF"/>
-                </a:solidFill>
-              </a14:hiddenFill>
-            </a:ext>
-          </a:extLst>
-        </p:spPr>
-      </p:pic>
-      <p:grpSp>
-        <p:nvGrpSpPr>
-          <p:cNvPr id="10" name="Группа 9">
-            <a:extLst>
-              <a:ext uri="{FF2B5EF4-FFF2-40B4-BE49-F238E27FC236}">
-                <a16:creationId xmlns:a16="http://schemas.microsoft.com/office/drawing/2014/main" xmlns="" id="{C966BB80-279D-40A2-84AF-CDA482DFE0F5}"/>
-              </a:ext>
-            </a:extLst>
-          </p:cNvPr>
-          <p:cNvGrpSpPr/>
-          <p:nvPr/>
-        </p:nvGrpSpPr>
-        <p:grpSpPr>
-          <a:xfrm>
-            <a:off x="132856" y="987574"/>
-            <a:ext cx="2750478" cy="2106266"/>
-            <a:chOff x="174072" y="171978"/>
-            <a:chExt cx="2750478" cy="2106266"/>
-          </a:xfrm>
-        </p:grpSpPr>
-        <p:sp>
-          <p:nvSpPr>
-            <p:cNvPr id="11" name="Прямоугольник 10">
-              <a:extLst>
-                <a:ext uri="{FF2B5EF4-FFF2-40B4-BE49-F238E27FC236}">
-                  <a16:creationId xmlns:a16="http://schemas.microsoft.com/office/drawing/2014/main" xmlns="" id="{1C3373F8-AC50-4FE4-9BFB-C2ABC5937CCF}"/>
-                </a:ext>
-              </a:extLst>
-            </p:cNvPr>
-            <p:cNvSpPr/>
-            <p:nvPr/>
-          </p:nvSpPr>
-          <p:spPr>
-            <a:xfrm>
-              <a:off x="182776" y="176182"/>
-              <a:ext cx="307777" cy="307777"/>
-            </a:xfrm>
-            <a:prstGeom prst="rect">
-              <a:avLst/>
-            </a:prstGeom>
-            <a:solidFill>
-              <a:schemeClr val="bg1">
-                <a:lumMod val="95000"/>
-              </a:schemeClr>
-            </a:solidFill>
-            <a:ln>
-              <a:noFill/>
-            </a:ln>
-          </p:spPr>
-          <p:style>
-            <a:lnRef idx="2">
-              <a:schemeClr val="accent1">
-                <a:shade val="50000"/>
-              </a:schemeClr>
-            </a:lnRef>
-            <a:fillRef idx="1">
-              <a:schemeClr val="accent1"/>
-            </a:fillRef>
-            <a:effectRef idx="0">
-              <a:schemeClr val="accent1"/>
-            </a:effectRef>
-            <a:fontRef idx="minor">
-              <a:schemeClr val="lt1"/>
-            </a:fontRef>
-          </p:style>
-          <p:txBody>
-            <a:bodyPr rtlCol="0" anchor="ctr"/>
-            <a:lstStyle/>
-            <a:p>
-              <a:pPr algn="ctr"/>
-              <a:endParaRPr lang="ru-RU" dirty="0"/>
-            </a:p>
-          </p:txBody>
-        </p:sp>
-        <p:sp>
-          <p:nvSpPr>
-            <p:cNvPr id="12" name="Прямоугольник 11">
-              <a:extLst>
-                <a:ext uri="{FF2B5EF4-FFF2-40B4-BE49-F238E27FC236}">
-                  <a16:creationId xmlns:a16="http://schemas.microsoft.com/office/drawing/2014/main" xmlns="" id="{4DFE0403-DA90-48B3-8870-BB7651570C39}"/>
-                </a:ext>
-              </a:extLst>
-            </p:cNvPr>
-            <p:cNvSpPr/>
-            <p:nvPr/>
-          </p:nvSpPr>
-          <p:spPr>
-            <a:xfrm>
-              <a:off x="174072" y="1970467"/>
-              <a:ext cx="307777" cy="307777"/>
-            </a:xfrm>
-            <a:prstGeom prst="rect">
-              <a:avLst/>
-            </a:prstGeom>
-            <a:solidFill>
-              <a:schemeClr val="bg1">
-                <a:lumMod val="95000"/>
-              </a:schemeClr>
-            </a:solidFill>
-            <a:ln>
-              <a:noFill/>
-            </a:ln>
-          </p:spPr>
-          <p:style>
-            <a:lnRef idx="2">
-              <a:schemeClr val="accent1">
-                <a:shade val="50000"/>
-              </a:schemeClr>
-            </a:lnRef>
-            <a:fillRef idx="1">
-              <a:schemeClr val="accent1"/>
-            </a:fillRef>
-            <a:effectRef idx="0">
-              <a:schemeClr val="accent1"/>
-            </a:effectRef>
-            <a:fontRef idx="minor">
-              <a:schemeClr val="lt1"/>
-            </a:fontRef>
-          </p:style>
-          <p:txBody>
-            <a:bodyPr rtlCol="0" anchor="ctr"/>
-            <a:lstStyle/>
-            <a:p>
-              <a:pPr algn="ctr"/>
-              <a:endParaRPr lang="ru-RU"/>
-            </a:p>
-          </p:txBody>
-        </p:sp>
-        <p:sp>
-          <p:nvSpPr>
-            <p:cNvPr id="13" name="Прямоугольник 12">
-              <a:extLst>
-                <a:ext uri="{FF2B5EF4-FFF2-40B4-BE49-F238E27FC236}">
-                  <a16:creationId xmlns:a16="http://schemas.microsoft.com/office/drawing/2014/main" xmlns="" id="{300C2159-07F4-4FED-9B06-CE00C4978DA0}"/>
-                </a:ext>
-              </a:extLst>
-            </p:cNvPr>
-            <p:cNvSpPr/>
-            <p:nvPr/>
-          </p:nvSpPr>
-          <p:spPr>
-            <a:xfrm>
-              <a:off x="174073" y="1053890"/>
-              <a:ext cx="307777" cy="307777"/>
-            </a:xfrm>
-            <a:prstGeom prst="rect">
-              <a:avLst/>
-            </a:prstGeom>
-            <a:solidFill>
-              <a:schemeClr val="bg1">
-                <a:lumMod val="95000"/>
-              </a:schemeClr>
-            </a:solidFill>
-            <a:ln>
-              <a:noFill/>
-            </a:ln>
-          </p:spPr>
-          <p:style>
-            <a:lnRef idx="2">
-              <a:schemeClr val="accent1">
-                <a:shade val="50000"/>
-              </a:schemeClr>
-            </a:lnRef>
-            <a:fillRef idx="1">
-              <a:schemeClr val="accent1"/>
-            </a:fillRef>
-            <a:effectRef idx="0">
-              <a:schemeClr val="accent1"/>
-            </a:effectRef>
-            <a:fontRef idx="minor">
-              <a:schemeClr val="lt1"/>
-            </a:fontRef>
-          </p:style>
-          <p:txBody>
-            <a:bodyPr rtlCol="0" anchor="ctr"/>
-            <a:lstStyle/>
-            <a:p>
-              <a:pPr algn="ctr"/>
-              <a:endParaRPr lang="ru-RU">
-                <a:solidFill>
-                  <a:srgbClr val="7F7F7F"/>
-                </a:solidFill>
-              </a:endParaRPr>
-            </a:p>
-          </p:txBody>
-        </p:sp>
-        <p:sp>
-          <p:nvSpPr>
-            <p:cNvPr id="15" name="TextBox 14">
-              <a:extLst>
-                <a:ext uri="{FF2B5EF4-FFF2-40B4-BE49-F238E27FC236}">
-                  <a16:creationId xmlns:a16="http://schemas.microsoft.com/office/drawing/2014/main" xmlns="" id="{3BBCBA7E-0F94-4396-B31C-676823516FFA}"/>
-                </a:ext>
-              </a:extLst>
-            </p:cNvPr>
-            <p:cNvSpPr txBox="1"/>
-            <p:nvPr/>
-          </p:nvSpPr>
-          <p:spPr>
-            <a:xfrm>
-              <a:off x="508760" y="171978"/>
-              <a:ext cx="2415790" cy="338554"/>
-            </a:xfrm>
-            <a:prstGeom prst="rect">
-              <a:avLst/>
-            </a:prstGeom>
-            <a:noFill/>
-          </p:spPr>
-          <p:txBody>
-            <a:bodyPr wrap="square">
-              <a:spAutoFit/>
-            </a:bodyPr>
-            <a:lstStyle/>
-            <a:p>
-              <a:r>
-                <a:rPr lang="ru-RU" sz="1600" b="1" dirty="0">
-                  <a:solidFill>
-                    <a:schemeClr val="bg1">
-                      <a:lumMod val="95000"/>
-                    </a:schemeClr>
-                  </a:solidFill>
-                  <a:latin typeface="Verdana" panose="020B0604030504040204" pitchFamily="34" charset="0"/>
-                  <a:ea typeface="Verdana" panose="020B0604030504040204" pitchFamily="34" charset="0"/>
-                </a:rPr>
-                <a:t>Цель работы</a:t>
-              </a:r>
-              <a:endParaRPr lang="x-none" sz="1600" b="1" dirty="0">
-                <a:solidFill>
-                  <a:schemeClr val="bg1">
-                    <a:lumMod val="95000"/>
-                  </a:schemeClr>
-                </a:solidFill>
-                <a:latin typeface="Verdana" panose="020B0604030504040204" pitchFamily="34" charset="0"/>
-                <a:ea typeface="Verdana" panose="020B0604030504040204" pitchFamily="34" charset="0"/>
-              </a:endParaRPr>
-            </a:p>
-          </p:txBody>
-        </p:sp>
-        <p:sp>
-          <p:nvSpPr>
-            <p:cNvPr id="16" name="Прямоугольник 15">
-              <a:extLst>
-                <a:ext uri="{FF2B5EF4-FFF2-40B4-BE49-F238E27FC236}">
-                  <a16:creationId xmlns:a16="http://schemas.microsoft.com/office/drawing/2014/main" xmlns="" id="{9DF13001-453E-456E-9606-5ACD70C1F22C}"/>
-                </a:ext>
-              </a:extLst>
-            </p:cNvPr>
-            <p:cNvSpPr/>
-            <p:nvPr/>
-          </p:nvSpPr>
-          <p:spPr>
-            <a:xfrm>
-              <a:off x="508760" y="892058"/>
-              <a:ext cx="1827361" cy="584775"/>
-            </a:xfrm>
-            <a:prstGeom prst="rect">
-              <a:avLst/>
-            </a:prstGeom>
-          </p:spPr>
-          <p:txBody>
-            <a:bodyPr wrap="square">
-              <a:spAutoFit/>
-            </a:bodyPr>
-            <a:lstStyle/>
-            <a:p>
-              <a:r>
-                <a:rPr lang="ru-RU" sz="1600" b="1" dirty="0">
-                  <a:solidFill>
-                    <a:schemeClr val="bg1">
-                      <a:lumMod val="95000"/>
-                    </a:schemeClr>
-                  </a:solidFill>
-                  <a:latin typeface="Verdana" panose="020B0604030504040204" pitchFamily="34" charset="0"/>
-                  <a:ea typeface="Verdana" panose="020B0604030504040204" pitchFamily="34" charset="0"/>
-                </a:rPr>
-                <a:t>Система управления</a:t>
-              </a:r>
-            </a:p>
-          </p:txBody>
-        </p:sp>
-      </p:grpSp>
-      <p:sp>
-        <p:nvSpPr>
-          <p:cNvPr id="17" name="Прямоугольник 16">
-            <a:extLst>
-              <a:ext uri="{FF2B5EF4-FFF2-40B4-BE49-F238E27FC236}">
-                <a16:creationId xmlns:a16="http://schemas.microsoft.com/office/drawing/2014/main" xmlns="" id="{4178CC85-0238-47F8-9C95-8ED6B85E84DE}"/>
-              </a:ext>
-            </a:extLst>
-          </p:cNvPr>
-          <p:cNvSpPr/>
-          <p:nvPr/>
-        </p:nvSpPr>
-        <p:spPr>
-          <a:xfrm>
-            <a:off x="463089" y="2787774"/>
-            <a:ext cx="2111541" cy="338554"/>
-          </a:xfrm>
-          <a:prstGeom prst="rect">
-            <a:avLst/>
-          </a:prstGeom>
-        </p:spPr>
-        <p:txBody>
-          <a:bodyPr wrap="square">
-            <a:spAutoFit/>
-          </a:bodyPr>
-          <a:lstStyle/>
-          <a:p>
-            <a:r>
-              <a:rPr lang="ru-RU" sz="1600" b="1" dirty="0">
-                <a:solidFill>
-                  <a:schemeClr val="bg1">
-                    <a:lumMod val="95000"/>
-                  </a:schemeClr>
-                </a:solidFill>
-                <a:latin typeface="Verdana" panose="020B0604030504040204" pitchFamily="34" charset="0"/>
-                <a:ea typeface="Verdana" panose="020B0604030504040204" pitchFamily="34" charset="0"/>
-              </a:rPr>
-              <a:t>Роботизация</a:t>
-            </a:r>
-          </a:p>
-        </p:txBody>
-      </p:sp>
-    </p:spTree>
-    <p:extLst>
-      <p:ext uri="{BB962C8B-B14F-4D97-AF65-F5344CB8AC3E}">
-        <p14:creationId xmlns:p14="http://schemas.microsoft.com/office/powerpoint/2010/main" val="3556394761"/>
-      </p:ext>
-    </p:extLst>
-  </p:cSld>
-  <p:clrMapOvr>
-    <a:masterClrMapping/>
-  </p:clrMapOvr>
-</p:sld>
-</file>
-
-<file path=ppt/slides/slide3.xml><?xml version="1.0" encoding="utf-8"?>
-<p:sld xmlns:a="http://schemas.openxmlformats.org/drawingml/2006/main" xmlns:r="http://schemas.openxmlformats.org/officeDocument/2006/relationships" xmlns:p="http://schemas.openxmlformats.org/presentationml/2006/main" show="0">
-  <p:cSld>
-    <p:spTree>
-      <p:nvGrpSpPr>
-        <p:cNvPr id="1" name=""/>
-        <p:cNvGrpSpPr/>
-        <p:nvPr/>
-      </p:nvGrpSpPr>
-      <p:grpSpPr>
-        <a:xfrm>
-          <a:off x="0" y="0"/>
-          <a:ext cx="0" cy="0"/>
-          <a:chOff x="0" y="0"/>
-          <a:chExt cx="0" cy="0"/>
-        </a:xfrm>
-      </p:grpSpPr>
-      <p:sp>
-        <p:nvSpPr>
-          <p:cNvPr id="45" name="Прямоугольник 44">
-            <a:extLst>
-              <a:ext uri="{FF2B5EF4-FFF2-40B4-BE49-F238E27FC236}">
-                <a16:creationId xmlns:a16="http://schemas.microsoft.com/office/drawing/2014/main" xmlns="" id="{F844FAD0-BFD3-42F8-8444-0D4247E6F864}"/>
-              </a:ext>
-            </a:extLst>
-          </p:cNvPr>
-          <p:cNvSpPr/>
-          <p:nvPr/>
-        </p:nvSpPr>
-        <p:spPr bwMode="auto">
-          <a:xfrm>
-            <a:off x="0" y="0"/>
-            <a:ext cx="2160000" cy="5143500"/>
-          </a:xfrm>
-          <a:prstGeom prst="rect">
-            <a:avLst/>
-          </a:prstGeom>
-          <a:solidFill>
-            <a:srgbClr val="004868"/>
-          </a:solidFill>
-          <a:ln w="9525" cap="flat" cmpd="sng" algn="ctr">
-            <a:noFill/>
-            <a:prstDash val="solid"/>
-            <a:round/>
-            <a:headEnd type="none" w="med" len="med"/>
-            <a:tailEnd type="none" w="med" len="med"/>
-          </a:ln>
-          <a:effectLst/>
-        </p:spPr>
-        <p:txBody>
-          <a:bodyPr vert="horz" wrap="square" lIns="77925" tIns="38963" rIns="77925" bIns="38963" numCol="1" rtlCol="0" anchor="ctr" anchorCtr="0" compatLnSpc="1">
-            <a:prstTxWarp prst="textNoShape">
-              <a:avLst/>
-            </a:prstTxWarp>
-          </a:bodyPr>
-          <a:lstStyle/>
-          <a:p>
-            <a:pPr>
-              <a:lnSpc>
-                <a:spcPct val="93000"/>
-              </a:lnSpc>
-              <a:buClr>
-                <a:srgbClr val="000000"/>
-              </a:buClr>
-              <a:buSzPct val="100000"/>
-            </a:pPr>
-            <a:endParaRPr lang="ru-RU" sz="2000" b="1" dirty="0">
-              <a:solidFill>
-                <a:schemeClr val="bg1"/>
-              </a:solidFill>
-              <a:latin typeface="Century Gothic" panose="020B0502020202020204" pitchFamily="34" charset="0"/>
-            </a:endParaRPr>
-          </a:p>
-        </p:txBody>
-      </p:sp>
-      <p:cxnSp>
-        <p:nvCxnSpPr>
-          <p:cNvPr id="27" name="Прямая соединительная линия 26">
-            <a:extLst>
-              <a:ext uri="{FF2B5EF4-FFF2-40B4-BE49-F238E27FC236}">
-                <a16:creationId xmlns:a16="http://schemas.microsoft.com/office/drawing/2014/main" xmlns="" id="{7D440611-E861-4ADC-BE55-6C5E3E2135B0}"/>
-              </a:ext>
-            </a:extLst>
-          </p:cNvPr>
-          <p:cNvCxnSpPr>
-            <a:cxnSpLocks/>
-          </p:cNvCxnSpPr>
-          <p:nvPr/>
-        </p:nvCxnSpPr>
-        <p:spPr>
-          <a:xfrm>
-            <a:off x="3059832" y="867700"/>
-            <a:ext cx="5832648" cy="0"/>
-          </a:xfrm>
-          <a:prstGeom prst="line">
-            <a:avLst/>
-          </a:prstGeom>
-          <a:ln w="28575">
-            <a:solidFill>
-              <a:schemeClr val="tx2"/>
-            </a:solidFill>
-          </a:ln>
-        </p:spPr>
-        <p:style>
-          <a:lnRef idx="1">
-            <a:schemeClr val="accent1"/>
-          </a:lnRef>
-          <a:fillRef idx="0">
-            <a:schemeClr val="accent1"/>
-          </a:fillRef>
-          <a:effectRef idx="0">
-            <a:schemeClr val="accent1"/>
-          </a:effectRef>
-          <a:fontRef idx="minor">
-            <a:schemeClr val="tx1"/>
-          </a:fontRef>
-        </p:style>
-      </p:cxnSp>
-      <p:sp>
-        <p:nvSpPr>
-          <p:cNvPr id="25" name="Rectangle 1"/>
-          <p:cNvSpPr txBox="1">
-            <a:spLocks noChangeArrowheads="1"/>
-          </p:cNvSpPr>
-          <p:nvPr/>
-        </p:nvSpPr>
-        <p:spPr>
-          <a:xfrm>
-            <a:off x="2990262" y="921650"/>
-            <a:ext cx="5830209" cy="3787273"/>
-          </a:xfrm>
-          <a:prstGeom prst="rect">
-            <a:avLst/>
-          </a:prstGeom>
-        </p:spPr>
-        <p:txBody>
-          <a:bodyPr vert="horz" lIns="91440" tIns="45720" rIns="91440" bIns="45720" rtlCol="0" anchor="t">
-            <a:normAutofit/>
-          </a:bodyPr>
-          <a:lstStyle>
-            <a:lvl1pPr algn="ctr" defTabSz="914400" rtl="0" eaLnBrk="1" latinLnBrk="0" hangingPunct="1">
-              <a:spcBef>
-                <a:spcPct val="0"/>
-              </a:spcBef>
-              <a:buNone/>
-              <a:defRPr sz="4400" kern="1200">
-                <a:solidFill>
-                  <a:schemeClr val="tx1"/>
-                </a:solidFill>
-                <a:latin typeface="+mj-lt"/>
-                <a:ea typeface="+mj-ea"/>
-                <a:cs typeface="+mj-cs"/>
-              </a:defRPr>
-            </a:lvl1pPr>
-          </a:lstStyle>
-          <a:p>
-            <a:pPr marL="257175" indent="-254794" algn="l">
-              <a:spcBef>
-                <a:spcPts val="450"/>
-              </a:spcBef>
-              <a:tabLst>
-                <a:tab pos="257175" algn="l"/>
-                <a:tab pos="335756" algn="l"/>
-                <a:tab pos="672704" algn="l"/>
-                <a:tab pos="1009650" algn="l"/>
-                <a:tab pos="1346597" algn="l"/>
-                <a:tab pos="1683544" algn="l"/>
-                <a:tab pos="2020491" algn="l"/>
-                <a:tab pos="2357438" algn="l"/>
-                <a:tab pos="2694385" algn="l"/>
-                <a:tab pos="3031331" algn="l"/>
-                <a:tab pos="3368279" algn="l"/>
-                <a:tab pos="3705225" algn="l"/>
-                <a:tab pos="4042172" algn="l"/>
-                <a:tab pos="4379119" algn="l"/>
-                <a:tab pos="4716066" algn="l"/>
-                <a:tab pos="5053013" algn="l"/>
-                <a:tab pos="5389960" algn="l"/>
-                <a:tab pos="5726906" algn="l"/>
-                <a:tab pos="6063854" algn="l"/>
-                <a:tab pos="6400800" algn="l"/>
-                <a:tab pos="6737747" algn="l"/>
-              </a:tabLst>
-            </a:pPr>
-            <a:r>
-              <a:rPr lang="en-US" altLang="ru-RU" sz="3200" dirty="0">
-                <a:cs typeface="Times New Roman" panose="02020603050405020304" pitchFamily="18" charset="0"/>
-              </a:rPr>
-              <a:t>                     </a:t>
-            </a:r>
-            <a:endParaRPr lang="ru-RU" altLang="ru-RU" sz="3200" dirty="0">
-              <a:cs typeface="Times New Roman" panose="02020603050405020304" pitchFamily="18" charset="0"/>
-            </a:endParaRPr>
-          </a:p>
-        </p:txBody>
-      </p:sp>
-      <p:grpSp>
-        <p:nvGrpSpPr>
-          <p:cNvPr id="8" name="Группа 7">
-            <a:extLst>
-              <a:ext uri="{FF2B5EF4-FFF2-40B4-BE49-F238E27FC236}">
-                <a16:creationId xmlns:a16="http://schemas.microsoft.com/office/drawing/2014/main" xmlns="" id="{8D89B8A8-CE48-43F1-BB75-3E6B699D7B47}"/>
-              </a:ext>
-            </a:extLst>
-          </p:cNvPr>
-          <p:cNvGrpSpPr/>
-          <p:nvPr/>
-        </p:nvGrpSpPr>
-        <p:grpSpPr>
-          <a:xfrm>
-            <a:off x="243714" y="969503"/>
-            <a:ext cx="2746548" cy="2102062"/>
-            <a:chOff x="174072" y="176182"/>
-            <a:chExt cx="2746548" cy="2102062"/>
-          </a:xfrm>
-        </p:grpSpPr>
-        <p:sp>
-          <p:nvSpPr>
-            <p:cNvPr id="49" name="Прямоугольник 48">
-              <a:extLst>
-                <a:ext uri="{FF2B5EF4-FFF2-40B4-BE49-F238E27FC236}">
-                  <a16:creationId xmlns:a16="http://schemas.microsoft.com/office/drawing/2014/main" xmlns="" id="{FDB282C5-2604-4D7A-8D2A-E546EB65E607}"/>
-                </a:ext>
-              </a:extLst>
-            </p:cNvPr>
-            <p:cNvSpPr/>
-            <p:nvPr/>
-          </p:nvSpPr>
-          <p:spPr>
-            <a:xfrm>
-              <a:off x="182776" y="176182"/>
-              <a:ext cx="307777" cy="307777"/>
-            </a:xfrm>
-            <a:prstGeom prst="rect">
-              <a:avLst/>
-            </a:prstGeom>
-            <a:solidFill>
-              <a:schemeClr val="bg1">
-                <a:lumMod val="95000"/>
-              </a:schemeClr>
-            </a:solidFill>
-            <a:ln>
-              <a:noFill/>
-            </a:ln>
-          </p:spPr>
-          <p:style>
-            <a:lnRef idx="2">
-              <a:schemeClr val="accent1">
-                <a:shade val="50000"/>
-              </a:schemeClr>
-            </a:lnRef>
-            <a:fillRef idx="1">
-              <a:schemeClr val="accent1"/>
-            </a:fillRef>
-            <a:effectRef idx="0">
-              <a:schemeClr val="accent1"/>
-            </a:effectRef>
-            <a:fontRef idx="minor">
-              <a:schemeClr val="lt1"/>
-            </a:fontRef>
-          </p:style>
-          <p:txBody>
-            <a:bodyPr rtlCol="0" anchor="ctr"/>
-            <a:lstStyle/>
-            <a:p>
-              <a:pPr algn="ctr"/>
-              <a:endParaRPr lang="ru-RU" dirty="0"/>
-            </a:p>
-          </p:txBody>
-        </p:sp>
-        <p:sp>
-          <p:nvSpPr>
-            <p:cNvPr id="63" name="Прямоугольник 62">
-              <a:extLst>
-                <a:ext uri="{FF2B5EF4-FFF2-40B4-BE49-F238E27FC236}">
-                  <a16:creationId xmlns:a16="http://schemas.microsoft.com/office/drawing/2014/main" xmlns="" id="{2D33E0AE-D3CC-4355-8650-0C91F2677331}"/>
-                </a:ext>
-              </a:extLst>
-            </p:cNvPr>
-            <p:cNvSpPr/>
-            <p:nvPr/>
-          </p:nvSpPr>
-          <p:spPr>
-            <a:xfrm>
-              <a:off x="174072" y="1970467"/>
-              <a:ext cx="307777" cy="307777"/>
-            </a:xfrm>
-            <a:prstGeom prst="rect">
-              <a:avLst/>
-            </a:prstGeom>
-            <a:solidFill>
-              <a:schemeClr val="bg1">
-                <a:lumMod val="95000"/>
-              </a:schemeClr>
-            </a:solidFill>
-            <a:ln>
-              <a:noFill/>
-            </a:ln>
-          </p:spPr>
-          <p:style>
-            <a:lnRef idx="2">
-              <a:schemeClr val="accent1">
-                <a:shade val="50000"/>
-              </a:schemeClr>
-            </a:lnRef>
-            <a:fillRef idx="1">
-              <a:schemeClr val="accent1"/>
-            </a:fillRef>
-            <a:effectRef idx="0">
-              <a:schemeClr val="accent1"/>
-            </a:effectRef>
-            <a:fontRef idx="minor">
-              <a:schemeClr val="lt1"/>
-            </a:fontRef>
-          </p:style>
-          <p:txBody>
-            <a:bodyPr rtlCol="0" anchor="ctr"/>
-            <a:lstStyle/>
-            <a:p>
-              <a:pPr algn="ctr"/>
-              <a:endParaRPr lang="ru-RU"/>
-            </a:p>
-          </p:txBody>
-        </p:sp>
-        <p:sp>
-          <p:nvSpPr>
-            <p:cNvPr id="71" name="Прямоугольник 70">
-              <a:extLst>
-                <a:ext uri="{FF2B5EF4-FFF2-40B4-BE49-F238E27FC236}">
-                  <a16:creationId xmlns:a16="http://schemas.microsoft.com/office/drawing/2014/main" xmlns="" id="{7BAF04B3-A7AB-4421-99BC-5E3219D990E5}"/>
-                </a:ext>
-              </a:extLst>
-            </p:cNvPr>
-            <p:cNvSpPr/>
-            <p:nvPr/>
-          </p:nvSpPr>
-          <p:spPr>
-            <a:xfrm>
-              <a:off x="174073" y="1053890"/>
-              <a:ext cx="307777" cy="307777"/>
-            </a:xfrm>
-            <a:prstGeom prst="rect">
-              <a:avLst/>
-            </a:prstGeom>
-            <a:solidFill>
-              <a:schemeClr val="bg1">
-                <a:lumMod val="95000"/>
-              </a:schemeClr>
-            </a:solidFill>
-            <a:ln>
-              <a:noFill/>
-            </a:ln>
-          </p:spPr>
-          <p:style>
-            <a:lnRef idx="2">
-              <a:schemeClr val="accent1">
-                <a:shade val="50000"/>
-              </a:schemeClr>
-            </a:lnRef>
-            <a:fillRef idx="1">
-              <a:schemeClr val="accent1"/>
-            </a:fillRef>
-            <a:effectRef idx="0">
-              <a:schemeClr val="accent1"/>
-            </a:effectRef>
-            <a:fontRef idx="minor">
-              <a:schemeClr val="lt1"/>
-            </a:fontRef>
-          </p:style>
-          <p:txBody>
-            <a:bodyPr rtlCol="0" anchor="ctr"/>
-            <a:lstStyle/>
-            <a:p>
-              <a:pPr algn="ctr"/>
-              <a:endParaRPr lang="ru-RU">
-                <a:solidFill>
-                  <a:srgbClr val="7F7F7F"/>
-                </a:solidFill>
-              </a:endParaRPr>
-            </a:p>
-          </p:txBody>
-        </p:sp>
-        <p:sp>
-          <p:nvSpPr>
-            <p:cNvPr id="2" name="TextBox 1">
-              <a:extLst>
-                <a:ext uri="{FF2B5EF4-FFF2-40B4-BE49-F238E27FC236}">
-                  <a16:creationId xmlns:a16="http://schemas.microsoft.com/office/drawing/2014/main" xmlns="" id="{D433A942-CA1E-4148-80E1-D96F3CDADFE8}"/>
-                </a:ext>
-              </a:extLst>
-            </p:cNvPr>
-            <p:cNvSpPr txBox="1"/>
-            <p:nvPr/>
-          </p:nvSpPr>
-          <p:spPr>
-            <a:xfrm>
-              <a:off x="504830" y="180300"/>
-              <a:ext cx="2415790" cy="338554"/>
-            </a:xfrm>
-            <a:prstGeom prst="rect">
-              <a:avLst/>
-            </a:prstGeom>
-            <a:noFill/>
-          </p:spPr>
-          <p:txBody>
-            <a:bodyPr wrap="square">
-              <a:spAutoFit/>
-            </a:bodyPr>
-            <a:lstStyle/>
-            <a:p>
-              <a:r>
-                <a:rPr lang="en-US" sz="1600" b="1" dirty="0">
-                  <a:solidFill>
-                    <a:schemeClr val="bg1">
-                      <a:lumMod val="95000"/>
-                    </a:schemeClr>
-                  </a:solidFill>
-                  <a:latin typeface="Verdana" panose="020B0604030504040204" pitchFamily="34" charset="0"/>
-                  <a:ea typeface="Verdana" panose="020B0604030504040204" pitchFamily="34" charset="0"/>
-                </a:rPr>
-                <a:t>Raspberry</a:t>
-              </a:r>
-              <a:endParaRPr lang="x-none" sz="1600" b="1" dirty="0">
-                <a:solidFill>
-                  <a:schemeClr val="bg1">
-                    <a:lumMod val="95000"/>
-                  </a:schemeClr>
-                </a:solidFill>
-                <a:latin typeface="Verdana" panose="020B0604030504040204" pitchFamily="34" charset="0"/>
-                <a:ea typeface="Verdana" panose="020B0604030504040204" pitchFamily="34" charset="0"/>
-              </a:endParaRPr>
-            </a:p>
-          </p:txBody>
-        </p:sp>
-        <p:sp>
-          <p:nvSpPr>
-            <p:cNvPr id="29" name="Прямоугольник 28">
-              <a:extLst>
-                <a:ext uri="{FF2B5EF4-FFF2-40B4-BE49-F238E27FC236}">
-                  <a16:creationId xmlns:a16="http://schemas.microsoft.com/office/drawing/2014/main" xmlns="" id="{321E19EC-6BB3-4443-BA33-D6D787D90C0D}"/>
-                </a:ext>
-              </a:extLst>
-            </p:cNvPr>
-            <p:cNvSpPr/>
-            <p:nvPr/>
-          </p:nvSpPr>
-          <p:spPr>
-            <a:xfrm>
-              <a:off x="469910" y="905622"/>
-              <a:ext cx="1644400" cy="584775"/>
-            </a:xfrm>
-            <a:prstGeom prst="rect">
-              <a:avLst/>
-            </a:prstGeom>
-          </p:spPr>
-          <p:txBody>
-            <a:bodyPr wrap="square">
-              <a:spAutoFit/>
-            </a:bodyPr>
-            <a:lstStyle/>
-            <a:p>
-              <a:r>
-                <a:rPr lang="ru-RU" sz="1600" b="1" dirty="0" err="1">
-                  <a:solidFill>
-                    <a:schemeClr val="bg1">
-                      <a:lumMod val="95000"/>
-                    </a:schemeClr>
-                  </a:solidFill>
-                  <a:latin typeface="Verdana" panose="020B0604030504040204" pitchFamily="34" charset="0"/>
-                  <a:ea typeface="Verdana" panose="020B0604030504040204" pitchFamily="34" charset="0"/>
-                </a:rPr>
-                <a:t>Кибер</a:t>
-              </a:r>
-              <a:r>
-                <a:rPr lang="ru-RU" sz="1600" b="1" dirty="0">
-                  <a:solidFill>
-                    <a:schemeClr val="bg1">
-                      <a:lumMod val="95000"/>
-                    </a:schemeClr>
-                  </a:solidFill>
-                  <a:latin typeface="Verdana" panose="020B0604030504040204" pitchFamily="34" charset="0"/>
-                  <a:ea typeface="Verdana" panose="020B0604030504040204" pitchFamily="34" charset="0"/>
-                </a:rPr>
-                <a:t> иммунитет</a:t>
-              </a:r>
-            </a:p>
-          </p:txBody>
-        </p:sp>
-      </p:grpSp>
-      <p:sp>
-        <p:nvSpPr>
-          <p:cNvPr id="30" name="Прямоугольник 29">
-            <a:extLst>
-              <a:ext uri="{FF2B5EF4-FFF2-40B4-BE49-F238E27FC236}">
-                <a16:creationId xmlns:a16="http://schemas.microsoft.com/office/drawing/2014/main" xmlns="" id="{62E7C219-BF40-42A2-A453-98D897CC3593}"/>
-              </a:ext>
-            </a:extLst>
-          </p:cNvPr>
-          <p:cNvSpPr/>
-          <p:nvPr/>
-        </p:nvSpPr>
-        <p:spPr>
-          <a:xfrm>
-            <a:off x="539552" y="2743760"/>
-            <a:ext cx="2292243" cy="369332"/>
-          </a:xfrm>
-          <a:prstGeom prst="rect">
-            <a:avLst/>
-          </a:prstGeom>
-        </p:spPr>
-        <p:txBody>
-          <a:bodyPr wrap="square">
-            <a:spAutoFit/>
-          </a:bodyPr>
-          <a:lstStyle/>
-          <a:p>
-            <a:r>
-              <a:rPr lang="en-US" sz="1800" b="1" dirty="0">
-                <a:solidFill>
-                  <a:schemeClr val="bg1">
-                    <a:lumMod val="95000"/>
-                  </a:schemeClr>
-                </a:solidFill>
-                <a:latin typeface="Verdana" panose="020B0604030504040204" pitchFamily="34" charset="0"/>
-                <a:ea typeface="Verdana" panose="020B0604030504040204" pitchFamily="34" charset="0"/>
-              </a:rPr>
-              <a:t>TCP/IP</a:t>
-            </a:r>
-            <a:endParaRPr lang="en-US" sz="1800" b="1" dirty="0">
-              <a:solidFill>
-                <a:schemeClr val="bg1">
-                  <a:lumMod val="95000"/>
-                </a:schemeClr>
-              </a:solidFill>
-              <a:latin typeface="Century Gothic" panose="020B0502020202020204" pitchFamily="34" charset="0"/>
-            </a:endParaRPr>
-          </a:p>
-        </p:txBody>
-      </p:sp>
-      <p:sp>
-        <p:nvSpPr>
-          <p:cNvPr id="36" name="Прямоугольник 35"/>
-          <p:cNvSpPr/>
-          <p:nvPr/>
-        </p:nvSpPr>
-        <p:spPr>
-          <a:xfrm>
-            <a:off x="3042891" y="1277280"/>
-            <a:ext cx="6029836" cy="923330"/>
-          </a:xfrm>
-          <a:prstGeom prst="rect">
-            <a:avLst/>
-          </a:prstGeom>
-        </p:spPr>
-        <p:txBody>
-          <a:bodyPr wrap="square">
-            <a:spAutoFit/>
-          </a:bodyPr>
-          <a:lstStyle/>
-          <a:p>
-            <a:r>
-              <a:rPr lang="ru-RU" sz="1800" dirty="0">
-                <a:solidFill>
-                  <a:srgbClr val="FF0000"/>
-                </a:solidFill>
-                <a:effectLst/>
-                <a:latin typeface="Times New Roman" panose="02020603050405020304" pitchFamily="18" charset="0"/>
-                <a:ea typeface="Calibri" panose="020F0502020204030204" pitchFamily="34" charset="0"/>
-                <a:cs typeface="Times New Roman" panose="02020603050405020304" pitchFamily="18" charset="0"/>
-              </a:rPr>
-              <a:t>Фотка нашего робота</a:t>
-            </a:r>
-          </a:p>
-          <a:p>
-            <a:r>
-              <a:rPr lang="ru-RU" sz="1800" dirty="0">
-                <a:solidFill>
-                  <a:srgbClr val="FF0000"/>
-                </a:solidFill>
-                <a:latin typeface="Times New Roman" panose="02020603050405020304" pitchFamily="18" charset="0"/>
-                <a:ea typeface="Calibri" panose="020F0502020204030204" pitchFamily="34" charset="0"/>
-                <a:cs typeface="Times New Roman" panose="02020603050405020304" pitchFamily="18" charset="0"/>
-              </a:rPr>
-              <a:t>Иначе убрать слайд!!!!!!!!!!!!</a:t>
-            </a:r>
-            <a:endParaRPr lang="ru-RU" sz="1800" dirty="0">
-              <a:solidFill>
-                <a:srgbClr val="FF0000"/>
-              </a:solidFill>
-              <a:effectLst/>
-              <a:latin typeface="Calibri" panose="020F0502020204030204" pitchFamily="34" charset="0"/>
-              <a:ea typeface="Calibri" panose="020F0502020204030204" pitchFamily="34" charset="0"/>
-              <a:cs typeface="Times New Roman" panose="02020603050405020304" pitchFamily="18" charset="0"/>
-            </a:endParaRPr>
-          </a:p>
-          <a:p>
-            <a:endParaRPr lang="ru-RU" sz="1800" dirty="0">
-              <a:solidFill>
-                <a:srgbClr val="FF0000"/>
-              </a:solidFill>
-            </a:endParaRPr>
-          </a:p>
-        </p:txBody>
-      </p:sp>
-      <p:sp>
-        <p:nvSpPr>
-          <p:cNvPr id="6" name="Номер слайда 5">
-            <a:extLst>
-              <a:ext uri="{FF2B5EF4-FFF2-40B4-BE49-F238E27FC236}">
-                <a16:creationId xmlns:a16="http://schemas.microsoft.com/office/drawing/2014/main" xmlns="" id="{91B1A099-D53E-4F79-AD32-FF2BB7379684}"/>
-              </a:ext>
-            </a:extLst>
-          </p:cNvPr>
-          <p:cNvSpPr>
-            <a:spLocks noGrp="1"/>
-          </p:cNvSpPr>
-          <p:nvPr>
-            <p:ph type="sldNum" sz="quarter" idx="12"/>
-          </p:nvPr>
-        </p:nvSpPr>
-        <p:spPr/>
-        <p:txBody>
-          <a:bodyPr/>
-          <a:lstStyle/>
-          <a:p>
-            <a:fld id="{B19B0651-EE4F-4900-A07F-96A6BFA9D0F0}" type="slidenum">
-              <a:rPr lang="ru-RU" smtClean="0"/>
-              <a:pPr/>
-              <a:t>3</a:t>
-            </a:fld>
-            <a:endParaRPr lang="ru-RU" dirty="0"/>
-          </a:p>
-        </p:txBody>
-      </p:sp>
-      <p:sp>
-        <p:nvSpPr>
-          <p:cNvPr id="18" name="Прямоугольник 17">
-            <a:extLst>
-              <a:ext uri="{FF2B5EF4-FFF2-40B4-BE49-F238E27FC236}">
-                <a16:creationId xmlns:a16="http://schemas.microsoft.com/office/drawing/2014/main" xmlns="" id="{CAA77BAE-A556-48A0-978D-90044E75AF67}"/>
-              </a:ext>
-            </a:extLst>
-          </p:cNvPr>
-          <p:cNvSpPr/>
-          <p:nvPr/>
-        </p:nvSpPr>
-        <p:spPr>
-          <a:xfrm>
-            <a:off x="3203848" y="299798"/>
-            <a:ext cx="6110664" cy="461665"/>
-          </a:xfrm>
-          <a:prstGeom prst="rect">
-            <a:avLst/>
-          </a:prstGeom>
-        </p:spPr>
-        <p:txBody>
-          <a:bodyPr wrap="square">
-            <a:spAutoFit/>
-          </a:bodyPr>
-          <a:lstStyle/>
-          <a:p>
-            <a:r>
-              <a:rPr lang="ru-RU" sz="2400" b="1" dirty="0">
-                <a:solidFill>
-                  <a:schemeClr val="tx2"/>
-                </a:solidFill>
-                <a:latin typeface="Verdana" panose="020B0604030504040204" pitchFamily="34" charset="0"/>
-                <a:ea typeface="Verdana" panose="020B0604030504040204" pitchFamily="34" charset="0"/>
-              </a:rPr>
-              <a:t>Цель. Гипотеза. Задачи.</a:t>
-            </a:r>
-          </a:p>
-        </p:txBody>
-      </p:sp>
-    </p:spTree>
-    <p:extLst>
-      <p:ext uri="{BB962C8B-B14F-4D97-AF65-F5344CB8AC3E}">
-        <p14:creationId xmlns:p14="http://schemas.microsoft.com/office/powerpoint/2010/main" val="2346905493"/>
-      </p:ext>
-    </p:extLst>
-  </p:cSld>
-  <p:clrMapOvr>
-    <a:masterClrMapping/>
-  </p:clrMapOvr>
-  <mc:AlternateContent xmlns:mc="http://schemas.openxmlformats.org/markup-compatibility/2006">
-    <mc:Choice xmlns:p14="http://schemas.microsoft.com/office/powerpoint/2010/main" Requires="p14">
-      <p:transition spd="slow" p14:dur="2000"/>
-    </mc:Choice>
-    <mc:Fallback>
-      <p:transition spd="slow"/>
-    </mc:Fallback>
-  </mc:AlternateContent>
-</p:sld>
-</file>
-
-<file path=ppt/slides/slide4.xml><?xml version="1.0" encoding="utf-8"?>
-<p:sld xmlns:a="http://schemas.openxmlformats.org/drawingml/2006/main" xmlns:r="http://schemas.openxmlformats.org/officeDocument/2006/relationships" xmlns:p="http://schemas.openxmlformats.org/presentationml/2006/main">
-  <p:cSld>
-    <p:spTree>
-      <p:nvGrpSpPr>
-        <p:cNvPr id="1" name=""/>
-        <p:cNvGrpSpPr/>
-        <p:nvPr/>
-      </p:nvGrpSpPr>
-      <p:grpSpPr>
-        <a:xfrm>
-          <a:off x="0" y="0"/>
-          <a:ext cx="0" cy="0"/>
-          <a:chOff x="0" y="0"/>
-          <a:chExt cx="0" cy="0"/>
-        </a:xfrm>
-      </p:grpSpPr>
-      <p:sp>
-        <p:nvSpPr>
-          <p:cNvPr id="45" name="Прямоугольник 44">
-            <a:extLst>
-              <a:ext uri="{FF2B5EF4-FFF2-40B4-BE49-F238E27FC236}">
-                <a16:creationId xmlns:a16="http://schemas.microsoft.com/office/drawing/2014/main" xmlns="" id="{F844FAD0-BFD3-42F8-8444-0D4247E6F864}"/>
-              </a:ext>
-            </a:extLst>
-          </p:cNvPr>
-          <p:cNvSpPr/>
-          <p:nvPr/>
-        </p:nvSpPr>
-        <p:spPr bwMode="auto">
-          <a:xfrm>
-            <a:off x="0" y="0"/>
-            <a:ext cx="1080000" cy="5143500"/>
-          </a:xfrm>
-          <a:prstGeom prst="rect">
-            <a:avLst/>
-          </a:prstGeom>
-          <a:solidFill>
-            <a:srgbClr val="004868"/>
-          </a:solidFill>
-          <a:ln w="9525" cap="flat" cmpd="sng" algn="ctr">
-            <a:noFill/>
-            <a:prstDash val="solid"/>
-            <a:round/>
-            <a:headEnd type="none" w="med" len="med"/>
-            <a:tailEnd type="none" w="med" len="med"/>
-          </a:ln>
-          <a:effectLst/>
-        </p:spPr>
-        <p:txBody>
-          <a:bodyPr vert="horz" wrap="square" lIns="77925" tIns="38963" rIns="77925" bIns="38963" numCol="1" rtlCol="0" anchor="ctr" anchorCtr="0" compatLnSpc="1">
-            <a:prstTxWarp prst="textNoShape">
-              <a:avLst/>
-            </a:prstTxWarp>
-          </a:bodyPr>
-          <a:lstStyle/>
-          <a:p>
-            <a:pPr>
-              <a:lnSpc>
-                <a:spcPct val="93000"/>
-              </a:lnSpc>
-              <a:buClr>
-                <a:srgbClr val="000000"/>
-              </a:buClr>
-              <a:buSzPct val="100000"/>
-            </a:pPr>
-            <a:endParaRPr lang="ru-RU" sz="2000" b="1" dirty="0">
-              <a:solidFill>
-                <a:schemeClr val="bg1"/>
-              </a:solidFill>
-              <a:latin typeface="Century Gothic" panose="020B0502020202020204" pitchFamily="34" charset="0"/>
-            </a:endParaRPr>
-          </a:p>
-        </p:txBody>
-      </p:sp>
-      <p:sp>
-        <p:nvSpPr>
-          <p:cNvPr id="25" name="Rectangle 1"/>
-          <p:cNvSpPr txBox="1">
-            <a:spLocks noChangeArrowheads="1"/>
-          </p:cNvSpPr>
-          <p:nvPr/>
-        </p:nvSpPr>
-        <p:spPr>
-          <a:xfrm>
-            <a:off x="2990262" y="921650"/>
-            <a:ext cx="5830209" cy="3787273"/>
-          </a:xfrm>
-          <a:prstGeom prst="rect">
-            <a:avLst/>
-          </a:prstGeom>
-        </p:spPr>
-        <p:txBody>
-          <a:bodyPr vert="horz" lIns="91440" tIns="45720" rIns="91440" bIns="45720" rtlCol="0" anchor="t">
-            <a:normAutofit/>
-          </a:bodyPr>
-          <a:lstStyle>
-            <a:lvl1pPr algn="ctr" defTabSz="914400" rtl="0" eaLnBrk="1" latinLnBrk="0" hangingPunct="1">
-              <a:spcBef>
-                <a:spcPct val="0"/>
-              </a:spcBef>
-              <a:buNone/>
-              <a:defRPr sz="4400" kern="1200">
-                <a:solidFill>
-                  <a:schemeClr val="tx1"/>
-                </a:solidFill>
-                <a:latin typeface="+mj-lt"/>
-                <a:ea typeface="+mj-ea"/>
-                <a:cs typeface="+mj-cs"/>
-              </a:defRPr>
-            </a:lvl1pPr>
-          </a:lstStyle>
-          <a:p>
-            <a:pPr marL="257175" indent="-254794" algn="l">
-              <a:spcBef>
-                <a:spcPts val="450"/>
-              </a:spcBef>
-              <a:tabLst>
-                <a:tab pos="257175" algn="l"/>
-                <a:tab pos="335756" algn="l"/>
-                <a:tab pos="672704" algn="l"/>
-                <a:tab pos="1009650" algn="l"/>
-                <a:tab pos="1346597" algn="l"/>
-                <a:tab pos="1683544" algn="l"/>
-                <a:tab pos="2020491" algn="l"/>
-                <a:tab pos="2357438" algn="l"/>
-                <a:tab pos="2694385" algn="l"/>
-                <a:tab pos="3031331" algn="l"/>
-                <a:tab pos="3368279" algn="l"/>
-                <a:tab pos="3705225" algn="l"/>
-                <a:tab pos="4042172" algn="l"/>
-                <a:tab pos="4379119" algn="l"/>
-                <a:tab pos="4716066" algn="l"/>
-                <a:tab pos="5053013" algn="l"/>
-                <a:tab pos="5389960" algn="l"/>
-                <a:tab pos="5726906" algn="l"/>
-                <a:tab pos="6063854" algn="l"/>
-                <a:tab pos="6400800" algn="l"/>
-                <a:tab pos="6737747" algn="l"/>
-              </a:tabLst>
-            </a:pPr>
-            <a:r>
-              <a:rPr lang="en-US" altLang="ru-RU" sz="3200" dirty="0">
-                <a:cs typeface="Times New Roman" panose="02020603050405020304" pitchFamily="18" charset="0"/>
-              </a:rPr>
-              <a:t>                     </a:t>
-            </a:r>
-            <a:endParaRPr lang="ru-RU" altLang="ru-RU" sz="3200" dirty="0">
-              <a:cs typeface="Times New Roman" panose="02020603050405020304" pitchFamily="18" charset="0"/>
-            </a:endParaRPr>
-          </a:p>
-        </p:txBody>
-      </p:sp>
-      <p:sp>
-        <p:nvSpPr>
-          <p:cNvPr id="2" name="Номер слайда 1">
-            <a:extLst>
-              <a:ext uri="{FF2B5EF4-FFF2-40B4-BE49-F238E27FC236}">
-                <a16:creationId xmlns:a16="http://schemas.microsoft.com/office/drawing/2014/main" xmlns="" id="{6C639C31-70B3-4747-90CA-1855C8665F6D}"/>
-              </a:ext>
-            </a:extLst>
-          </p:cNvPr>
-          <p:cNvSpPr>
-            <a:spLocks noGrp="1"/>
-          </p:cNvSpPr>
-          <p:nvPr>
-            <p:ph type="sldNum" sz="quarter" idx="12"/>
-          </p:nvPr>
-        </p:nvSpPr>
-        <p:spPr/>
-        <p:txBody>
-          <a:bodyPr/>
-          <a:lstStyle/>
-          <a:p>
-            <a:fld id="{B19B0651-EE4F-4900-A07F-96A6BFA9D0F0}" type="slidenum">
-              <a:rPr lang="ru-RU" smtClean="0"/>
-              <a:pPr/>
-              <a:t>4</a:t>
-            </a:fld>
-            <a:endParaRPr lang="ru-RU"/>
-          </a:p>
-        </p:txBody>
-      </p:sp>
-      <p:cxnSp>
-        <p:nvCxnSpPr>
-          <p:cNvPr id="9" name="Прямая соединительная линия 8">
-            <a:extLst>
-              <a:ext uri="{FF2B5EF4-FFF2-40B4-BE49-F238E27FC236}">
-                <a16:creationId xmlns:a16="http://schemas.microsoft.com/office/drawing/2014/main" xmlns="" id="{D801378D-54AE-4064-AFC0-861B34FEDBE9}"/>
-              </a:ext>
-            </a:extLst>
-          </p:cNvPr>
-          <p:cNvCxnSpPr>
-            <a:cxnSpLocks/>
-          </p:cNvCxnSpPr>
-          <p:nvPr/>
-        </p:nvCxnSpPr>
-        <p:spPr>
-          <a:xfrm>
-            <a:off x="2781816" y="867495"/>
-            <a:ext cx="5832648" cy="0"/>
-          </a:xfrm>
-          <a:prstGeom prst="line">
-            <a:avLst/>
-          </a:prstGeom>
-          <a:ln w="28575">
-            <a:solidFill>
-              <a:schemeClr val="tx2"/>
-            </a:solidFill>
-          </a:ln>
-        </p:spPr>
-        <p:style>
-          <a:lnRef idx="1">
-            <a:schemeClr val="accent1"/>
-          </a:lnRef>
-          <a:fillRef idx="0">
-            <a:schemeClr val="accent1"/>
-          </a:fillRef>
-          <a:effectRef idx="0">
-            <a:schemeClr val="accent1"/>
-          </a:effectRef>
-          <a:fontRef idx="minor">
-            <a:schemeClr val="tx1"/>
-          </a:fontRef>
-        </p:style>
-      </p:cxnSp>
-      <p:sp>
-        <p:nvSpPr>
-          <p:cNvPr id="13" name="Прямоугольник 12">
-            <a:extLst>
-              <a:ext uri="{FF2B5EF4-FFF2-40B4-BE49-F238E27FC236}">
-                <a16:creationId xmlns:a16="http://schemas.microsoft.com/office/drawing/2014/main" xmlns="" id="{A311B375-86CE-4E7D-BEFB-9E495DC2ED8E}"/>
-              </a:ext>
-            </a:extLst>
-          </p:cNvPr>
-          <p:cNvSpPr/>
-          <p:nvPr/>
-        </p:nvSpPr>
-        <p:spPr>
-          <a:xfrm>
-            <a:off x="2925832" y="299593"/>
-            <a:ext cx="6110664" cy="461665"/>
-          </a:xfrm>
-          <a:prstGeom prst="rect">
-            <a:avLst/>
-          </a:prstGeom>
-        </p:spPr>
-        <p:txBody>
-          <a:bodyPr wrap="square">
-            <a:spAutoFit/>
-          </a:bodyPr>
-          <a:lstStyle/>
-          <a:p>
-            <a:r>
-              <a:rPr lang="ru-RU" sz="2400" b="1" dirty="0">
-                <a:solidFill>
-                  <a:schemeClr val="tx2"/>
-                </a:solidFill>
-                <a:latin typeface="Verdana" panose="020B0604030504040204" pitchFamily="34" charset="0"/>
-                <a:ea typeface="Verdana" panose="020B0604030504040204" pitchFamily="34" charset="0"/>
-              </a:rPr>
-              <a:t>Комплекс технических средств</a:t>
-            </a:r>
-          </a:p>
-        </p:txBody>
-      </p:sp>
-      <p:pic>
-        <p:nvPicPr>
-          <p:cNvPr id="2050" name="Picture 2" descr="C:\Users\kosiya\Downloads\Архитектура ИС\Гагачи2022\КТС_HD.jpg"/>
-          <p:cNvPicPr>
-            <a:picLocks noChangeAspect="1" noChangeArrowheads="1"/>
-          </p:cNvPicPr>
-          <p:nvPr/>
-        </p:nvPicPr>
-        <p:blipFill>
-          <a:blip r:embed="rId3" cstate="print">
-            <a:extLst>
-              <a:ext uri="{28A0092B-C50C-407E-A947-70E740481C1C}">
-                <a14:useLocalDpi xmlns:a14="http://schemas.microsoft.com/office/drawing/2010/main" val="0"/>
-              </a:ext>
-            </a:extLst>
-          </a:blip>
-          <a:srcRect/>
-          <a:stretch>
-            <a:fillRect/>
-          </a:stretch>
-        </p:blipFill>
-        <p:spPr bwMode="auto">
-          <a:xfrm>
-            <a:off x="1187624" y="1059582"/>
-            <a:ext cx="7457697" cy="3375884"/>
-          </a:xfrm>
-          <a:prstGeom prst="rect">
-            <a:avLst/>
-          </a:prstGeom>
-          <a:noFill/>
-          <a:extLst>
-            <a:ext uri="{909E8E84-426E-40DD-AFC4-6F175D3DCCD1}">
-              <a14:hiddenFill xmlns:a14="http://schemas.microsoft.com/office/drawing/2010/main">
-                <a:solidFill>
-                  <a:srgbClr val="FFFFFF"/>
-                </a:solidFill>
-              </a14:hiddenFill>
-            </a:ext>
-          </a:extLst>
-        </p:spPr>
-      </p:pic>
-    </p:spTree>
-    <p:extLst>
-      <p:ext uri="{BB962C8B-B14F-4D97-AF65-F5344CB8AC3E}">
-        <p14:creationId xmlns:p14="http://schemas.microsoft.com/office/powerpoint/2010/main" val="1690864784"/>
-      </p:ext>
-    </p:extLst>
-  </p:cSld>
-  <p:clrMapOvr>
-    <a:masterClrMapping/>
-  </p:clrMapOvr>
-</p:sld>
-</file>
-
-<file path=ppt/slides/slide5.xml><?xml version="1.0" encoding="utf-8"?>
-<p:sld xmlns:a="http://schemas.openxmlformats.org/drawingml/2006/main" xmlns:r="http://schemas.openxmlformats.org/officeDocument/2006/relationships" xmlns:p="http://schemas.openxmlformats.org/presentationml/2006/main">
-  <p:cSld>
-    <p:spTree>
-      <p:nvGrpSpPr>
-        <p:cNvPr id="1" name=""/>
-        <p:cNvGrpSpPr/>
-        <p:nvPr/>
-      </p:nvGrpSpPr>
-      <p:grpSpPr>
-        <a:xfrm>
-          <a:off x="0" y="0"/>
-          <a:ext cx="0" cy="0"/>
-          <a:chOff x="0" y="0"/>
-          <a:chExt cx="0" cy="0"/>
-        </a:xfrm>
-      </p:grpSpPr>
-      <p:sp>
-        <p:nvSpPr>
-          <p:cNvPr id="5" name="Прямоугольник 4">
-            <a:extLst>
-              <a:ext uri="{FF2B5EF4-FFF2-40B4-BE49-F238E27FC236}">
-                <a16:creationId xmlns:a16="http://schemas.microsoft.com/office/drawing/2014/main" xmlns="" id="{66C439E9-3E70-4653-97C3-031864E7D8D0}"/>
-              </a:ext>
-            </a:extLst>
-          </p:cNvPr>
-          <p:cNvSpPr/>
-          <p:nvPr/>
-        </p:nvSpPr>
-        <p:spPr bwMode="auto">
-          <a:xfrm>
-            <a:off x="0" y="0"/>
-            <a:ext cx="2160000" cy="5143500"/>
-          </a:xfrm>
-          <a:prstGeom prst="rect">
-            <a:avLst/>
-          </a:prstGeom>
-          <a:solidFill>
-            <a:srgbClr val="004868"/>
-          </a:solidFill>
-          <a:ln w="9525" cap="flat" cmpd="sng" algn="ctr">
-            <a:noFill/>
-            <a:prstDash val="solid"/>
-            <a:round/>
-            <a:headEnd type="none" w="med" len="med"/>
-            <a:tailEnd type="none" w="med" len="med"/>
-          </a:ln>
-          <a:effectLst/>
-        </p:spPr>
-        <p:txBody>
-          <a:bodyPr vert="horz" wrap="square" lIns="77925" tIns="38963" rIns="77925" bIns="38963" numCol="1" rtlCol="0" anchor="ctr" anchorCtr="0" compatLnSpc="1">
-            <a:prstTxWarp prst="textNoShape">
-              <a:avLst/>
-            </a:prstTxWarp>
-          </a:bodyPr>
-          <a:lstStyle/>
-          <a:p>
-            <a:pPr>
-              <a:lnSpc>
-                <a:spcPct val="93000"/>
-              </a:lnSpc>
-              <a:buClr>
-                <a:srgbClr val="000000"/>
-              </a:buClr>
-              <a:buSzPct val="100000"/>
-            </a:pPr>
-            <a:endParaRPr lang="ru-RU" sz="2000" b="1" dirty="0">
-              <a:solidFill>
-                <a:schemeClr val="bg1"/>
-              </a:solidFill>
-              <a:latin typeface="Century Gothic" panose="020B0502020202020204" pitchFamily="34" charset="0"/>
-            </a:endParaRPr>
-          </a:p>
-        </p:txBody>
-      </p:sp>
-      <p:pic>
-        <p:nvPicPr>
-          <p:cNvPr id="12" name="Объект 11">
-            <a:extLst>
-              <a:ext uri="{FF2B5EF4-FFF2-40B4-BE49-F238E27FC236}">
-                <a16:creationId xmlns:a16="http://schemas.microsoft.com/office/drawing/2014/main" xmlns="" id="{B7C51A1C-8922-4440-B769-CB2C3DEB3983}"/>
-              </a:ext>
-            </a:extLst>
-          </p:cNvPr>
-          <p:cNvPicPr>
-            <a:picLocks noGrp="1" noChangeAspect="1"/>
-          </p:cNvPicPr>
-          <p:nvPr>
-            <p:ph idx="1"/>
-          </p:nvPr>
-        </p:nvPicPr>
-        <p:blipFill>
-          <a:blip r:embed="rId2"/>
-          <a:stretch>
-            <a:fillRect/>
-          </a:stretch>
-        </p:blipFill>
-        <p:spPr>
-          <a:xfrm>
-            <a:off x="2248978" y="1144645"/>
-            <a:ext cx="2196458" cy="3394075"/>
-          </a:xfrm>
-        </p:spPr>
-      </p:pic>
-      <p:sp>
-        <p:nvSpPr>
-          <p:cNvPr id="4" name="Номер слайда 3">
-            <a:extLst>
-              <a:ext uri="{FF2B5EF4-FFF2-40B4-BE49-F238E27FC236}">
-                <a16:creationId xmlns:a16="http://schemas.microsoft.com/office/drawing/2014/main" xmlns="" id="{C8A9DE46-F073-46D7-B376-7501FC0857AE}"/>
-              </a:ext>
-            </a:extLst>
-          </p:cNvPr>
-          <p:cNvSpPr>
-            <a:spLocks noGrp="1"/>
-          </p:cNvSpPr>
-          <p:nvPr>
-            <p:ph type="sldNum" sz="quarter" idx="12"/>
-          </p:nvPr>
-        </p:nvSpPr>
-        <p:spPr/>
-        <p:txBody>
-          <a:bodyPr/>
-          <a:lstStyle/>
-          <a:p>
-            <a:fld id="{B19B0651-EE4F-4900-A07F-96A6BFA9D0F0}" type="slidenum">
-              <a:rPr lang="ru-RU" smtClean="0"/>
-              <a:pPr/>
-              <a:t>5</a:t>
-            </a:fld>
-            <a:endParaRPr lang="ru-RU"/>
-          </a:p>
-        </p:txBody>
-      </p:sp>
-      <p:cxnSp>
-        <p:nvCxnSpPr>
-          <p:cNvPr id="6" name="Прямая соединительная линия 5">
-            <a:extLst>
-              <a:ext uri="{FF2B5EF4-FFF2-40B4-BE49-F238E27FC236}">
-                <a16:creationId xmlns:a16="http://schemas.microsoft.com/office/drawing/2014/main" xmlns="" id="{AA138C88-C0F1-4DB1-B124-2598866FA507}"/>
-              </a:ext>
-            </a:extLst>
-          </p:cNvPr>
-          <p:cNvCxnSpPr>
-            <a:cxnSpLocks/>
-          </p:cNvCxnSpPr>
-          <p:nvPr/>
-        </p:nvCxnSpPr>
-        <p:spPr>
-          <a:xfrm>
-            <a:off x="3059832" y="867700"/>
-            <a:ext cx="5832648" cy="0"/>
-          </a:xfrm>
-          <a:prstGeom prst="line">
-            <a:avLst/>
-          </a:prstGeom>
-          <a:ln w="28575">
-            <a:solidFill>
-              <a:schemeClr val="tx2"/>
-            </a:solidFill>
-          </a:ln>
-        </p:spPr>
-        <p:style>
-          <a:lnRef idx="1">
-            <a:schemeClr val="accent1"/>
-          </a:lnRef>
-          <a:fillRef idx="0">
-            <a:schemeClr val="accent1"/>
-          </a:fillRef>
-          <a:effectRef idx="0">
-            <a:schemeClr val="accent1"/>
-          </a:effectRef>
-          <a:fontRef idx="minor">
-            <a:schemeClr val="tx1"/>
-          </a:fontRef>
-        </p:style>
-      </p:cxnSp>
-      <p:sp>
-        <p:nvSpPr>
-          <p:cNvPr id="8" name="Прямоугольник 7">
-            <a:extLst>
-              <a:ext uri="{FF2B5EF4-FFF2-40B4-BE49-F238E27FC236}">
-                <a16:creationId xmlns:a16="http://schemas.microsoft.com/office/drawing/2014/main" xmlns="" id="{E241D599-E25D-4723-8B9C-C236D5FE6E76}"/>
-              </a:ext>
-            </a:extLst>
-          </p:cNvPr>
-          <p:cNvSpPr/>
-          <p:nvPr/>
-        </p:nvSpPr>
-        <p:spPr>
-          <a:xfrm>
-            <a:off x="3203848" y="48518"/>
-            <a:ext cx="6110664" cy="830997"/>
-          </a:xfrm>
-          <a:prstGeom prst="rect">
-            <a:avLst/>
-          </a:prstGeom>
-        </p:spPr>
-        <p:txBody>
-          <a:bodyPr wrap="square">
-            <a:spAutoFit/>
-          </a:bodyPr>
-          <a:lstStyle/>
-          <a:p>
-            <a:r>
-              <a:rPr lang="ru-RU" sz="2400" b="1" dirty="0">
-                <a:solidFill>
-                  <a:schemeClr val="tx2"/>
-                </a:solidFill>
-                <a:latin typeface="Verdana" panose="020B0604030504040204" pitchFamily="34" charset="0"/>
-                <a:ea typeface="Verdana" panose="020B0604030504040204" pitchFamily="34" charset="0"/>
-              </a:rPr>
-              <a:t>Решение проблемы должной безопасности.</a:t>
-            </a:r>
-          </a:p>
-        </p:txBody>
-      </p:sp>
-      <p:sp>
-        <p:nvSpPr>
-          <p:cNvPr id="13" name="Прямоугольник 12">
-            <a:extLst>
-              <a:ext uri="{FF2B5EF4-FFF2-40B4-BE49-F238E27FC236}">
-                <a16:creationId xmlns:a16="http://schemas.microsoft.com/office/drawing/2014/main" xmlns="" id="{8691D101-8FB8-4148-96C0-FC85128352E9}"/>
-              </a:ext>
-            </a:extLst>
-          </p:cNvPr>
-          <p:cNvSpPr/>
-          <p:nvPr/>
-        </p:nvSpPr>
-        <p:spPr>
-          <a:xfrm>
-            <a:off x="4445436" y="1555179"/>
-            <a:ext cx="4716017" cy="2585323"/>
-          </a:xfrm>
-          <a:prstGeom prst="rect">
-            <a:avLst/>
-          </a:prstGeom>
-        </p:spPr>
-        <p:txBody>
-          <a:bodyPr wrap="square">
-            <a:spAutoFit/>
-          </a:bodyPr>
-          <a:lstStyle/>
-          <a:p>
-            <a:r>
-              <a:rPr lang="ru-RU" sz="1800" dirty="0">
-                <a:solidFill>
-                  <a:schemeClr val="tx2"/>
-                </a:solidFill>
-                <a:latin typeface="Verdana" panose="020B0604030504040204" pitchFamily="34" charset="0"/>
-                <a:ea typeface="Verdana" panose="020B0604030504040204" pitchFamily="34" charset="0"/>
-              </a:rPr>
-              <a:t>  Основные принципы:</a:t>
-            </a:r>
-          </a:p>
-          <a:p>
-            <a:pPr marL="285750" indent="-285750">
-              <a:buFont typeface="Wingdings" panose="05000000000000000000" pitchFamily="2" charset="2"/>
-              <a:buChar char="§"/>
-            </a:pPr>
-            <a:r>
-              <a:rPr lang="ru-RU" sz="1800" dirty="0">
-                <a:solidFill>
-                  <a:schemeClr val="tx2"/>
-                </a:solidFill>
-                <a:latin typeface="Verdana" panose="020B0604030504040204" pitchFamily="34" charset="0"/>
-                <a:ea typeface="Verdana" panose="020B0604030504040204" pitchFamily="34" charset="0"/>
-              </a:rPr>
-              <a:t>Безопасность, заложенная в архитектуру</a:t>
-            </a:r>
-          </a:p>
-          <a:p>
-            <a:pPr marL="285750" indent="-285750">
-              <a:buFont typeface="Wingdings" panose="05000000000000000000" pitchFamily="2" charset="2"/>
-              <a:buChar char="§"/>
-            </a:pPr>
-            <a:r>
-              <a:rPr lang="ru-RU" sz="1800" dirty="0">
-                <a:solidFill>
-                  <a:schemeClr val="tx2"/>
-                </a:solidFill>
-                <a:latin typeface="Verdana" panose="020B0604030504040204" pitchFamily="34" charset="0"/>
-                <a:ea typeface="Verdana" panose="020B0604030504040204" pitchFamily="34" charset="0"/>
-              </a:rPr>
-              <a:t>Использование </a:t>
-            </a:r>
-            <a:r>
-              <a:rPr lang="en-US" sz="1800" dirty="0">
-                <a:solidFill>
-                  <a:schemeClr val="tx2"/>
-                </a:solidFill>
-                <a:latin typeface="Verdana" panose="020B0604030504040204" pitchFamily="34" charset="0"/>
-                <a:ea typeface="Verdana" panose="020B0604030504040204" pitchFamily="34" charset="0"/>
-              </a:rPr>
-              <a:t>MILS </a:t>
-            </a:r>
-            <a:r>
-              <a:rPr lang="ru-RU" sz="1800" dirty="0">
-                <a:solidFill>
-                  <a:schemeClr val="tx2"/>
-                </a:solidFill>
-                <a:latin typeface="Verdana" panose="020B0604030504040204" pitchFamily="34" charset="0"/>
-                <a:ea typeface="Verdana" panose="020B0604030504040204" pitchFamily="34" charset="0"/>
-              </a:rPr>
-              <a:t>подхода с мониторингом сообщений</a:t>
-            </a:r>
-          </a:p>
-          <a:p>
-            <a:pPr marL="285750" indent="-285750">
-              <a:buFont typeface="Wingdings" panose="05000000000000000000" pitchFamily="2" charset="2"/>
-              <a:buChar char="§"/>
-            </a:pPr>
-            <a:r>
-              <a:rPr lang="ru-RU" sz="1800" dirty="0">
-                <a:solidFill>
-                  <a:schemeClr val="tx2"/>
-                </a:solidFill>
-                <a:latin typeface="Verdana" panose="020B0604030504040204" pitchFamily="34" charset="0"/>
-                <a:ea typeface="Verdana" panose="020B0604030504040204" pitchFamily="34" charset="0"/>
-              </a:rPr>
-              <a:t>Микроядро </a:t>
-            </a:r>
-          </a:p>
-          <a:p>
-            <a:pPr marL="285750" indent="-285750">
-              <a:buFont typeface="Wingdings" panose="05000000000000000000" pitchFamily="2" charset="2"/>
-              <a:buChar char="§"/>
-            </a:pPr>
-            <a:r>
-              <a:rPr lang="ru-RU" sz="1800" dirty="0">
-                <a:solidFill>
-                  <a:schemeClr val="tx2"/>
-                </a:solidFill>
-                <a:latin typeface="Verdana" panose="020B0604030504040204" pitchFamily="34" charset="0"/>
-                <a:ea typeface="Verdana" panose="020B0604030504040204" pitchFamily="34" charset="0"/>
-              </a:rPr>
-              <a:t>Специальные требования к ОС для встраиваемых систем</a:t>
-            </a:r>
-          </a:p>
-          <a:p>
-            <a:pPr marL="285750" indent="-285750">
-              <a:buFont typeface="Wingdings" panose="05000000000000000000" pitchFamily="2" charset="2"/>
-              <a:buChar char="§"/>
-            </a:pPr>
-            <a:r>
-              <a:rPr lang="en-US" sz="1800" dirty="0">
-                <a:solidFill>
-                  <a:schemeClr val="tx2"/>
-                </a:solidFill>
-                <a:latin typeface="Verdana" panose="020B0604030504040204" pitchFamily="34" charset="0"/>
-                <a:ea typeface="Verdana" panose="020B0604030504040204" pitchFamily="34" charset="0"/>
-              </a:rPr>
-              <a:t>FLASK </a:t>
-            </a:r>
-            <a:r>
-              <a:rPr lang="ru-RU" sz="1800" dirty="0">
-                <a:solidFill>
-                  <a:schemeClr val="tx2"/>
-                </a:solidFill>
-                <a:latin typeface="Verdana" panose="020B0604030504040204" pitchFamily="34" charset="0"/>
-                <a:ea typeface="Verdana" panose="020B0604030504040204" pitchFamily="34" charset="0"/>
-              </a:rPr>
-              <a:t>архитектура</a:t>
-            </a:r>
-          </a:p>
-        </p:txBody>
-      </p:sp>
-      <p:grpSp>
-        <p:nvGrpSpPr>
-          <p:cNvPr id="14" name="Группа 13">
-            <a:extLst>
-              <a:ext uri="{FF2B5EF4-FFF2-40B4-BE49-F238E27FC236}">
-                <a16:creationId xmlns:a16="http://schemas.microsoft.com/office/drawing/2014/main" xmlns="" id="{04A2D0FC-A086-451D-8E3C-C36D94520331}"/>
-              </a:ext>
-            </a:extLst>
-          </p:cNvPr>
-          <p:cNvGrpSpPr/>
-          <p:nvPr/>
-        </p:nvGrpSpPr>
-        <p:grpSpPr>
-          <a:xfrm>
-            <a:off x="132856" y="974053"/>
-            <a:ext cx="2750478" cy="2119787"/>
-            <a:chOff x="174072" y="158457"/>
-            <a:chExt cx="2750478" cy="2119787"/>
-          </a:xfrm>
-        </p:grpSpPr>
-        <p:sp>
-          <p:nvSpPr>
-            <p:cNvPr id="15" name="Прямоугольник 14">
-              <a:extLst>
-                <a:ext uri="{FF2B5EF4-FFF2-40B4-BE49-F238E27FC236}">
-                  <a16:creationId xmlns:a16="http://schemas.microsoft.com/office/drawing/2014/main" xmlns="" id="{CCAB0E93-B482-4511-9C92-D58B5CA1B476}"/>
-                </a:ext>
-              </a:extLst>
-            </p:cNvPr>
-            <p:cNvSpPr/>
-            <p:nvPr/>
-          </p:nvSpPr>
-          <p:spPr>
-            <a:xfrm>
-              <a:off x="182776" y="176182"/>
-              <a:ext cx="307777" cy="307777"/>
-            </a:xfrm>
-            <a:prstGeom prst="rect">
-              <a:avLst/>
-            </a:prstGeom>
-            <a:solidFill>
-              <a:schemeClr val="bg1">
-                <a:lumMod val="95000"/>
-              </a:schemeClr>
-            </a:solidFill>
-            <a:ln>
-              <a:noFill/>
-            </a:ln>
-          </p:spPr>
-          <p:style>
-            <a:lnRef idx="2">
-              <a:schemeClr val="accent1">
-                <a:shade val="50000"/>
-              </a:schemeClr>
-            </a:lnRef>
-            <a:fillRef idx="1">
-              <a:schemeClr val="accent1"/>
-            </a:fillRef>
-            <a:effectRef idx="0">
-              <a:schemeClr val="accent1"/>
-            </a:effectRef>
-            <a:fontRef idx="minor">
-              <a:schemeClr val="lt1"/>
-            </a:fontRef>
-          </p:style>
-          <p:txBody>
-            <a:bodyPr rtlCol="0" anchor="ctr"/>
-            <a:lstStyle/>
-            <a:p>
-              <a:pPr algn="ctr"/>
-              <a:endParaRPr lang="ru-RU" dirty="0"/>
-            </a:p>
-          </p:txBody>
-        </p:sp>
-        <p:sp>
-          <p:nvSpPr>
-            <p:cNvPr id="16" name="Прямоугольник 15">
-              <a:extLst>
-                <a:ext uri="{FF2B5EF4-FFF2-40B4-BE49-F238E27FC236}">
-                  <a16:creationId xmlns:a16="http://schemas.microsoft.com/office/drawing/2014/main" xmlns="" id="{9A6819D6-8981-437E-9451-D33DC6AE2CFF}"/>
-                </a:ext>
-              </a:extLst>
-            </p:cNvPr>
-            <p:cNvSpPr/>
-            <p:nvPr/>
-          </p:nvSpPr>
-          <p:spPr>
-            <a:xfrm>
-              <a:off x="174072" y="1970467"/>
-              <a:ext cx="307777" cy="307777"/>
-            </a:xfrm>
-            <a:prstGeom prst="rect">
-              <a:avLst/>
-            </a:prstGeom>
-            <a:solidFill>
-              <a:schemeClr val="bg1">
-                <a:lumMod val="95000"/>
-              </a:schemeClr>
-            </a:solidFill>
-            <a:ln>
-              <a:noFill/>
-            </a:ln>
-          </p:spPr>
-          <p:style>
-            <a:lnRef idx="2">
-              <a:schemeClr val="accent1">
-                <a:shade val="50000"/>
-              </a:schemeClr>
-            </a:lnRef>
-            <a:fillRef idx="1">
-              <a:schemeClr val="accent1"/>
-            </a:fillRef>
-            <a:effectRef idx="0">
-              <a:schemeClr val="accent1"/>
-            </a:effectRef>
-            <a:fontRef idx="minor">
-              <a:schemeClr val="lt1"/>
-            </a:fontRef>
-          </p:style>
-          <p:txBody>
-            <a:bodyPr rtlCol="0" anchor="ctr"/>
-            <a:lstStyle/>
-            <a:p>
-              <a:pPr algn="ctr"/>
-              <a:endParaRPr lang="ru-RU"/>
-            </a:p>
-          </p:txBody>
-        </p:sp>
-        <p:sp>
-          <p:nvSpPr>
-            <p:cNvPr id="17" name="Прямоугольник 16">
-              <a:extLst>
-                <a:ext uri="{FF2B5EF4-FFF2-40B4-BE49-F238E27FC236}">
-                  <a16:creationId xmlns:a16="http://schemas.microsoft.com/office/drawing/2014/main" xmlns="" id="{2A9176D3-840D-47CC-BE16-23C1B0AB344E}"/>
-                </a:ext>
-              </a:extLst>
-            </p:cNvPr>
-            <p:cNvSpPr/>
-            <p:nvPr/>
-          </p:nvSpPr>
-          <p:spPr>
-            <a:xfrm>
-              <a:off x="174073" y="1053890"/>
-              <a:ext cx="307777" cy="307777"/>
-            </a:xfrm>
-            <a:prstGeom prst="rect">
-              <a:avLst/>
-            </a:prstGeom>
-            <a:solidFill>
-              <a:schemeClr val="bg1">
-                <a:lumMod val="95000"/>
-              </a:schemeClr>
-            </a:solidFill>
-            <a:ln>
-              <a:noFill/>
-            </a:ln>
-          </p:spPr>
-          <p:style>
-            <a:lnRef idx="2">
-              <a:schemeClr val="accent1">
-                <a:shade val="50000"/>
-              </a:schemeClr>
-            </a:lnRef>
-            <a:fillRef idx="1">
-              <a:schemeClr val="accent1"/>
-            </a:fillRef>
-            <a:effectRef idx="0">
-              <a:schemeClr val="accent1"/>
-            </a:effectRef>
-            <a:fontRef idx="minor">
-              <a:schemeClr val="lt1"/>
-            </a:fontRef>
-          </p:style>
-          <p:txBody>
-            <a:bodyPr rtlCol="0" anchor="ctr"/>
-            <a:lstStyle/>
-            <a:p>
-              <a:pPr algn="ctr"/>
-              <a:endParaRPr lang="ru-RU">
-                <a:solidFill>
-                  <a:srgbClr val="7F7F7F"/>
-                </a:solidFill>
-              </a:endParaRPr>
-            </a:p>
-          </p:txBody>
-        </p:sp>
-        <p:sp>
-          <p:nvSpPr>
-            <p:cNvPr id="18" name="TextBox 17">
-              <a:extLst>
-                <a:ext uri="{FF2B5EF4-FFF2-40B4-BE49-F238E27FC236}">
-                  <a16:creationId xmlns:a16="http://schemas.microsoft.com/office/drawing/2014/main" xmlns="" id="{E8D75791-002E-49CB-AF45-B5DEFED0FE93}"/>
-                </a:ext>
-              </a:extLst>
-            </p:cNvPr>
-            <p:cNvSpPr txBox="1"/>
-            <p:nvPr/>
-          </p:nvSpPr>
-          <p:spPr>
-            <a:xfrm>
-              <a:off x="508760" y="158457"/>
-              <a:ext cx="2415790" cy="338554"/>
-            </a:xfrm>
-            <a:prstGeom prst="rect">
-              <a:avLst/>
-            </a:prstGeom>
-            <a:noFill/>
-          </p:spPr>
-          <p:txBody>
-            <a:bodyPr wrap="square">
-              <a:spAutoFit/>
-            </a:bodyPr>
-            <a:lstStyle/>
-            <a:p>
-              <a:r>
-                <a:rPr lang="en-US" sz="1600" b="1" dirty="0" err="1">
-                  <a:solidFill>
-                    <a:schemeClr val="bg1">
-                      <a:lumMod val="95000"/>
-                    </a:schemeClr>
-                  </a:solidFill>
-                  <a:latin typeface="Verdana" panose="020B0604030504040204" pitchFamily="34" charset="0"/>
-                  <a:ea typeface="Verdana" panose="020B0604030504040204" pitchFamily="34" charset="0"/>
-                </a:rPr>
-                <a:t>KasperskyOS</a:t>
-              </a:r>
-              <a:endParaRPr lang="x-none" sz="1600" b="1" dirty="0">
-                <a:solidFill>
-                  <a:schemeClr val="bg1">
-                    <a:lumMod val="95000"/>
-                  </a:schemeClr>
-                </a:solidFill>
-                <a:latin typeface="Verdana" panose="020B0604030504040204" pitchFamily="34" charset="0"/>
-                <a:ea typeface="Verdana" panose="020B0604030504040204" pitchFamily="34" charset="0"/>
-              </a:endParaRPr>
-            </a:p>
-          </p:txBody>
-        </p:sp>
-        <p:sp>
-          <p:nvSpPr>
-            <p:cNvPr id="19" name="Прямоугольник 18">
-              <a:extLst>
-                <a:ext uri="{FF2B5EF4-FFF2-40B4-BE49-F238E27FC236}">
-                  <a16:creationId xmlns:a16="http://schemas.microsoft.com/office/drawing/2014/main" xmlns="" id="{6E6ADD29-EE78-4E35-B4D4-DB39F977BC25}"/>
-                </a:ext>
-              </a:extLst>
-            </p:cNvPr>
-            <p:cNvSpPr/>
-            <p:nvPr/>
-          </p:nvSpPr>
-          <p:spPr>
-            <a:xfrm>
-              <a:off x="506712" y="1036074"/>
-              <a:ext cx="1453466" cy="338554"/>
-            </a:xfrm>
-            <a:prstGeom prst="rect">
-              <a:avLst/>
-            </a:prstGeom>
-          </p:spPr>
-          <p:txBody>
-            <a:bodyPr wrap="square">
-              <a:spAutoFit/>
-            </a:bodyPr>
-            <a:lstStyle/>
-            <a:p>
-              <a:r>
-                <a:rPr lang="en-US" sz="1600" b="1" dirty="0">
-                  <a:solidFill>
-                    <a:schemeClr val="bg1">
-                      <a:lumMod val="95000"/>
-                    </a:schemeClr>
-                  </a:solidFill>
-                  <a:latin typeface="Verdana" panose="020B0604030504040204" pitchFamily="34" charset="0"/>
-                  <a:ea typeface="Verdana" panose="020B0604030504040204" pitchFamily="34" charset="0"/>
-                </a:rPr>
-                <a:t>MILS</a:t>
-              </a:r>
-              <a:endParaRPr lang="ru-RU" sz="1600" b="1" dirty="0">
-                <a:solidFill>
-                  <a:schemeClr val="bg1">
-                    <a:lumMod val="95000"/>
-                  </a:schemeClr>
-                </a:solidFill>
-                <a:latin typeface="Verdana" panose="020B0604030504040204" pitchFamily="34" charset="0"/>
-                <a:ea typeface="Verdana" panose="020B0604030504040204" pitchFamily="34" charset="0"/>
-              </a:endParaRPr>
-            </a:p>
-          </p:txBody>
-        </p:sp>
-      </p:grpSp>
-      <p:sp>
-        <p:nvSpPr>
-          <p:cNvPr id="20" name="Прямоугольник 19">
-            <a:extLst>
-              <a:ext uri="{FF2B5EF4-FFF2-40B4-BE49-F238E27FC236}">
-                <a16:creationId xmlns:a16="http://schemas.microsoft.com/office/drawing/2014/main" xmlns="" id="{F3DCC88F-61A0-4738-AD2D-3A7ECCAA1F42}"/>
-              </a:ext>
-            </a:extLst>
-          </p:cNvPr>
-          <p:cNvSpPr/>
-          <p:nvPr/>
-        </p:nvSpPr>
-        <p:spPr>
-          <a:xfrm>
-            <a:off x="454238" y="2787774"/>
-            <a:ext cx="1453466" cy="338554"/>
-          </a:xfrm>
-          <a:prstGeom prst="rect">
-            <a:avLst/>
-          </a:prstGeom>
-        </p:spPr>
-        <p:txBody>
-          <a:bodyPr wrap="square">
-            <a:spAutoFit/>
-          </a:bodyPr>
-          <a:lstStyle/>
-          <a:p>
-            <a:r>
-              <a:rPr lang="en-US" sz="1600" b="1" dirty="0">
-                <a:solidFill>
-                  <a:schemeClr val="bg1">
-                    <a:lumMod val="95000"/>
-                  </a:schemeClr>
-                </a:solidFill>
-                <a:latin typeface="Verdana" panose="020B0604030504040204" pitchFamily="34" charset="0"/>
-                <a:ea typeface="Verdana" panose="020B0604030504040204" pitchFamily="34" charset="0"/>
-              </a:rPr>
-              <a:t>FLASK</a:t>
-            </a:r>
-            <a:endParaRPr lang="ru-RU" sz="1600" b="1" dirty="0">
-              <a:solidFill>
-                <a:schemeClr val="bg1">
-                  <a:lumMod val="95000"/>
-                </a:schemeClr>
-              </a:solidFill>
-              <a:latin typeface="Verdana" panose="020B0604030504040204" pitchFamily="34" charset="0"/>
-              <a:ea typeface="Verdana" panose="020B0604030504040204" pitchFamily="34" charset="0"/>
-            </a:endParaRPr>
-          </a:p>
-        </p:txBody>
-      </p:sp>
-    </p:spTree>
-    <p:extLst>
-      <p:ext uri="{BB962C8B-B14F-4D97-AF65-F5344CB8AC3E}">
-        <p14:creationId xmlns:p14="http://schemas.microsoft.com/office/powerpoint/2010/main" val="518276665"/>
-      </p:ext>
-    </p:extLst>
-  </p:cSld>
-  <p:clrMapOvr>
-    <a:masterClrMapping/>
-  </p:clrMapOvr>
-</p:sld>
-</file>
-
-<file path=ppt/slides/slide6.xml><?xml version="1.0" encoding="utf-8"?>
-<p:sld xmlns:a="http://schemas.openxmlformats.org/drawingml/2006/main" xmlns:r="http://schemas.openxmlformats.org/officeDocument/2006/relationships" xmlns:p="http://schemas.openxmlformats.org/presentationml/2006/main">
-  <p:cSld>
-    <p:spTree>
-      <p:nvGrpSpPr>
-        <p:cNvPr id="1" name=""/>
-        <p:cNvGrpSpPr/>
-        <p:nvPr/>
-      </p:nvGrpSpPr>
-      <p:grpSpPr>
-        <a:xfrm>
-          <a:off x="0" y="0"/>
-          <a:ext cx="0" cy="0"/>
-          <a:chOff x="0" y="0"/>
-          <a:chExt cx="0" cy="0"/>
-        </a:xfrm>
-      </p:grpSpPr>
-      <p:pic>
-        <p:nvPicPr>
-          <p:cNvPr id="1030" name="Picture 6" descr="vfs_net2">
-            <a:extLst>
-              <a:ext uri="{FF2B5EF4-FFF2-40B4-BE49-F238E27FC236}">
-                <a16:creationId xmlns:a16="http://schemas.microsoft.com/office/drawing/2014/main" xmlns="" id="{FC5C7EC5-30B7-4943-BF0F-33419C772510}"/>
-              </a:ext>
-            </a:extLst>
-          </p:cNvPr>
-          <p:cNvPicPr>
-            <a:picLocks noChangeAspect="1" noChangeArrowheads="1"/>
-          </p:cNvPicPr>
-          <p:nvPr/>
-        </p:nvPicPr>
-        <p:blipFill>
-          <a:blip r:embed="rId3">
-            <a:extLst>
-              <a:ext uri="{28A0092B-C50C-407E-A947-70E740481C1C}">
-                <a14:useLocalDpi xmlns:a14="http://schemas.microsoft.com/office/drawing/2010/main" val="0"/>
-              </a:ext>
-            </a:extLst>
-          </a:blip>
-          <a:srcRect/>
-          <a:stretch>
-            <a:fillRect/>
-          </a:stretch>
-        </p:blipFill>
-        <p:spPr bwMode="auto">
-          <a:xfrm>
-            <a:off x="2267743" y="2643758"/>
-            <a:ext cx="6726965" cy="1277084"/>
-          </a:xfrm>
-          <a:prstGeom prst="rect">
-            <a:avLst/>
-          </a:prstGeom>
-          <a:noFill/>
-          <a:extLst>
-            <a:ext uri="{909E8E84-426E-40DD-AFC4-6F175D3DCCD1}">
-              <a14:hiddenFill xmlns:a14="http://schemas.microsoft.com/office/drawing/2010/main">
-                <a:solidFill>
-                  <a:srgbClr val="FFFFFF"/>
-                </a:solidFill>
-              </a14:hiddenFill>
-            </a:ext>
-          </a:extLst>
-        </p:spPr>
-      </p:pic>
-      <p:sp>
-        <p:nvSpPr>
-          <p:cNvPr id="31" name="Прямоугольник 30">
-            <a:extLst>
-              <a:ext uri="{FF2B5EF4-FFF2-40B4-BE49-F238E27FC236}">
-                <a16:creationId xmlns:a16="http://schemas.microsoft.com/office/drawing/2014/main" xmlns="" id="{F844FAD0-BFD3-42F8-8444-0D4247E6F864}"/>
-              </a:ext>
-            </a:extLst>
-          </p:cNvPr>
-          <p:cNvSpPr/>
-          <p:nvPr/>
-        </p:nvSpPr>
-        <p:spPr bwMode="auto">
-          <a:xfrm>
-            <a:off x="0" y="0"/>
-            <a:ext cx="2160000" cy="5143500"/>
-          </a:xfrm>
-          <a:prstGeom prst="rect">
-            <a:avLst/>
-          </a:prstGeom>
-          <a:solidFill>
-            <a:srgbClr val="004868"/>
-          </a:solidFill>
-          <a:ln w="9525" cap="flat" cmpd="sng" algn="ctr">
-            <a:noFill/>
-            <a:prstDash val="solid"/>
-            <a:round/>
-            <a:headEnd type="none" w="med" len="med"/>
-            <a:tailEnd type="none" w="med" len="med"/>
-          </a:ln>
-          <a:effectLst/>
-        </p:spPr>
-        <p:txBody>
-          <a:bodyPr vert="horz" wrap="square" lIns="77925" tIns="38963" rIns="77925" bIns="38963" numCol="1" rtlCol="0" anchor="ctr" anchorCtr="0" compatLnSpc="1">
-            <a:prstTxWarp prst="textNoShape">
-              <a:avLst/>
-            </a:prstTxWarp>
-          </a:bodyPr>
-          <a:lstStyle/>
-          <a:p>
-            <a:pPr>
-              <a:lnSpc>
-                <a:spcPct val="93000"/>
-              </a:lnSpc>
-              <a:buClr>
-                <a:srgbClr val="000000"/>
-              </a:buClr>
-              <a:buSzPct val="100000"/>
-            </a:pPr>
-            <a:endParaRPr lang="ru-RU" sz="2000" b="1" dirty="0">
-              <a:solidFill>
-                <a:schemeClr val="bg1"/>
-              </a:solidFill>
-              <a:latin typeface="Century Gothic" panose="020B0502020202020204" pitchFamily="34" charset="0"/>
-            </a:endParaRPr>
-          </a:p>
-        </p:txBody>
-      </p:sp>
-      <p:cxnSp>
-        <p:nvCxnSpPr>
-          <p:cNvPr id="27" name="Прямая соединительная линия 26">
-            <a:extLst>
-              <a:ext uri="{FF2B5EF4-FFF2-40B4-BE49-F238E27FC236}">
-                <a16:creationId xmlns:a16="http://schemas.microsoft.com/office/drawing/2014/main" xmlns="" id="{7D440611-E861-4ADC-BE55-6C5E3E2135B0}"/>
-              </a:ext>
-            </a:extLst>
-          </p:cNvPr>
-          <p:cNvCxnSpPr>
-            <a:cxnSpLocks/>
-          </p:cNvCxnSpPr>
-          <p:nvPr/>
-        </p:nvCxnSpPr>
-        <p:spPr>
-          <a:xfrm>
-            <a:off x="3059832" y="867700"/>
-            <a:ext cx="5832648" cy="0"/>
-          </a:xfrm>
-          <a:prstGeom prst="line">
-            <a:avLst/>
-          </a:prstGeom>
-          <a:ln w="28575">
-            <a:solidFill>
-              <a:schemeClr val="tx2"/>
-            </a:solidFill>
-          </a:ln>
-        </p:spPr>
-        <p:style>
-          <a:lnRef idx="1">
-            <a:schemeClr val="accent1"/>
-          </a:lnRef>
-          <a:fillRef idx="0">
-            <a:schemeClr val="accent1"/>
-          </a:fillRef>
-          <a:effectRef idx="0">
-            <a:schemeClr val="accent1"/>
-          </a:effectRef>
-          <a:fontRef idx="minor">
-            <a:schemeClr val="tx1"/>
-          </a:fontRef>
-        </p:style>
-      </p:cxnSp>
-      <p:sp>
-        <p:nvSpPr>
-          <p:cNvPr id="25" name="Rectangle 1"/>
-          <p:cNvSpPr txBox="1">
-            <a:spLocks noChangeArrowheads="1"/>
-          </p:cNvSpPr>
-          <p:nvPr/>
-        </p:nvSpPr>
-        <p:spPr>
-          <a:xfrm>
-            <a:off x="2990262" y="921650"/>
-            <a:ext cx="5830209" cy="3787273"/>
-          </a:xfrm>
-          <a:prstGeom prst="rect">
-            <a:avLst/>
-          </a:prstGeom>
-        </p:spPr>
-        <p:txBody>
-          <a:bodyPr vert="horz" lIns="91440" tIns="45720" rIns="91440" bIns="45720" rtlCol="0" anchor="t">
-            <a:normAutofit/>
-          </a:bodyPr>
-          <a:lstStyle>
-            <a:lvl1pPr algn="ctr" defTabSz="914400" rtl="0" eaLnBrk="1" latinLnBrk="0" hangingPunct="1">
-              <a:spcBef>
-                <a:spcPct val="0"/>
-              </a:spcBef>
-              <a:buNone/>
-              <a:defRPr sz="4400" kern="1200">
-                <a:solidFill>
-                  <a:schemeClr val="tx1"/>
-                </a:solidFill>
-                <a:latin typeface="+mj-lt"/>
-                <a:ea typeface="+mj-ea"/>
-                <a:cs typeface="+mj-cs"/>
-              </a:defRPr>
-            </a:lvl1pPr>
-          </a:lstStyle>
-          <a:p>
-            <a:pPr marL="257175" indent="-254794" algn="l">
-              <a:spcBef>
-                <a:spcPts val="450"/>
-              </a:spcBef>
-              <a:tabLst>
-                <a:tab pos="257175" algn="l"/>
-                <a:tab pos="335756" algn="l"/>
-                <a:tab pos="672704" algn="l"/>
-                <a:tab pos="1009650" algn="l"/>
-                <a:tab pos="1346597" algn="l"/>
-                <a:tab pos="1683544" algn="l"/>
-                <a:tab pos="2020491" algn="l"/>
-                <a:tab pos="2357438" algn="l"/>
-                <a:tab pos="2694385" algn="l"/>
-                <a:tab pos="3031331" algn="l"/>
-                <a:tab pos="3368279" algn="l"/>
-                <a:tab pos="3705225" algn="l"/>
-                <a:tab pos="4042172" algn="l"/>
-                <a:tab pos="4379119" algn="l"/>
-                <a:tab pos="4716066" algn="l"/>
-                <a:tab pos="5053013" algn="l"/>
-                <a:tab pos="5389960" algn="l"/>
-                <a:tab pos="5726906" algn="l"/>
-                <a:tab pos="6063854" algn="l"/>
-                <a:tab pos="6400800" algn="l"/>
-                <a:tab pos="6737747" algn="l"/>
-              </a:tabLst>
-            </a:pPr>
-            <a:r>
-              <a:rPr lang="en-US" altLang="ru-RU" sz="3200" dirty="0">
-                <a:cs typeface="Times New Roman" panose="02020603050405020304" pitchFamily="18" charset="0"/>
-              </a:rPr>
-              <a:t>                     </a:t>
-            </a:r>
-            <a:endParaRPr lang="ru-RU" altLang="ru-RU" sz="3200" dirty="0">
-              <a:cs typeface="Times New Roman" panose="02020603050405020304" pitchFamily="18" charset="0"/>
-            </a:endParaRPr>
-          </a:p>
-        </p:txBody>
-      </p:sp>
-      <p:sp>
-        <p:nvSpPr>
-          <p:cNvPr id="4" name="TextBox 3"/>
-          <p:cNvSpPr txBox="1"/>
-          <p:nvPr/>
-        </p:nvSpPr>
-        <p:spPr>
-          <a:xfrm>
-            <a:off x="2990262" y="1131590"/>
-            <a:ext cx="2848408" cy="461665"/>
-          </a:xfrm>
-          <a:prstGeom prst="rect">
-            <a:avLst/>
-          </a:prstGeom>
-          <a:noFill/>
-        </p:spPr>
-        <p:txBody>
-          <a:bodyPr wrap="none" rtlCol="0">
-            <a:spAutoFit/>
-          </a:bodyPr>
-          <a:lstStyle/>
-          <a:p>
-            <a:r>
-              <a:rPr lang="ru-RU" sz="2400" dirty="0">
-                <a:solidFill>
-                  <a:srgbClr val="FF0000"/>
-                </a:solidFill>
-              </a:rPr>
-              <a:t>Картинка, заголовок</a:t>
-            </a:r>
-          </a:p>
-        </p:txBody>
-      </p:sp>
-      <p:sp>
-        <p:nvSpPr>
-          <p:cNvPr id="2" name="Номер слайда 1">
-            <a:extLst>
-              <a:ext uri="{FF2B5EF4-FFF2-40B4-BE49-F238E27FC236}">
-                <a16:creationId xmlns:a16="http://schemas.microsoft.com/office/drawing/2014/main" xmlns="" id="{FD31FB89-335E-4DB6-8667-434A37E623F2}"/>
-              </a:ext>
-            </a:extLst>
-          </p:cNvPr>
-          <p:cNvSpPr>
-            <a:spLocks noGrp="1"/>
-          </p:cNvSpPr>
-          <p:nvPr>
-            <p:ph type="sldNum" sz="quarter" idx="12"/>
-          </p:nvPr>
-        </p:nvSpPr>
-        <p:spPr/>
-        <p:txBody>
-          <a:bodyPr/>
-          <a:lstStyle/>
-          <a:p>
-            <a:fld id="{B19B0651-EE4F-4900-A07F-96A6BFA9D0F0}" type="slidenum">
-              <a:rPr lang="ru-RU" smtClean="0"/>
-              <a:pPr/>
-              <a:t>6</a:t>
-            </a:fld>
-            <a:endParaRPr lang="ru-RU"/>
-          </a:p>
-        </p:txBody>
-      </p:sp>
-      <p:sp>
-        <p:nvSpPr>
-          <p:cNvPr id="11" name="Прямоугольник 10">
-            <a:extLst>
-              <a:ext uri="{FF2B5EF4-FFF2-40B4-BE49-F238E27FC236}">
-                <a16:creationId xmlns:a16="http://schemas.microsoft.com/office/drawing/2014/main" xmlns="" id="{29F16FB1-557B-4F20-AFAA-083E6605CBA3}"/>
-              </a:ext>
-            </a:extLst>
-          </p:cNvPr>
-          <p:cNvSpPr/>
-          <p:nvPr/>
-        </p:nvSpPr>
-        <p:spPr>
-          <a:xfrm>
-            <a:off x="3203848" y="299798"/>
-            <a:ext cx="6110664" cy="461665"/>
-          </a:xfrm>
-          <a:prstGeom prst="rect">
-            <a:avLst/>
-          </a:prstGeom>
-        </p:spPr>
-        <p:txBody>
-          <a:bodyPr wrap="square">
-            <a:spAutoFit/>
-          </a:bodyPr>
-          <a:lstStyle/>
-          <a:p>
-            <a:r>
-              <a:rPr lang="en-US" sz="2400" b="1" dirty="0">
-                <a:solidFill>
-                  <a:schemeClr val="tx2"/>
-                </a:solidFill>
-                <a:latin typeface="Verdana" panose="020B0604030504040204" pitchFamily="34" charset="0"/>
-                <a:ea typeface="Verdana" panose="020B0604030504040204" pitchFamily="34" charset="0"/>
-              </a:rPr>
-              <a:t>VFS&amp;GPIO</a:t>
-            </a:r>
-            <a:endParaRPr lang="ru-RU" sz="2400" b="1" dirty="0">
-              <a:solidFill>
-                <a:schemeClr val="tx2"/>
-              </a:solidFill>
-              <a:latin typeface="Verdana" panose="020B0604030504040204" pitchFamily="34" charset="0"/>
-              <a:ea typeface="Verdana" panose="020B0604030504040204" pitchFamily="34" charset="0"/>
-            </a:endParaRPr>
-          </a:p>
-        </p:txBody>
-      </p:sp>
-      <p:grpSp>
-        <p:nvGrpSpPr>
-          <p:cNvPr id="12" name="Группа 11">
-            <a:extLst>
-              <a:ext uri="{FF2B5EF4-FFF2-40B4-BE49-F238E27FC236}">
-                <a16:creationId xmlns:a16="http://schemas.microsoft.com/office/drawing/2014/main" xmlns="" id="{0C2CC8AF-A276-431C-834D-4D111074E709}"/>
-              </a:ext>
-            </a:extLst>
-          </p:cNvPr>
-          <p:cNvGrpSpPr/>
-          <p:nvPr/>
-        </p:nvGrpSpPr>
-        <p:grpSpPr>
-          <a:xfrm>
-            <a:off x="132856" y="843558"/>
-            <a:ext cx="1911951" cy="2250282"/>
-            <a:chOff x="174072" y="27962"/>
-            <a:chExt cx="1911951" cy="2250282"/>
-          </a:xfrm>
-        </p:grpSpPr>
-        <p:sp>
-          <p:nvSpPr>
-            <p:cNvPr id="13" name="Прямоугольник 12">
-              <a:extLst>
-                <a:ext uri="{FF2B5EF4-FFF2-40B4-BE49-F238E27FC236}">
-                  <a16:creationId xmlns:a16="http://schemas.microsoft.com/office/drawing/2014/main" xmlns="" id="{6A7439AB-9E67-41E2-A35B-511E5F0347BE}"/>
-                </a:ext>
-              </a:extLst>
-            </p:cNvPr>
-            <p:cNvSpPr/>
-            <p:nvPr/>
-          </p:nvSpPr>
-          <p:spPr>
-            <a:xfrm>
-              <a:off x="182776" y="176182"/>
-              <a:ext cx="307777" cy="307777"/>
-            </a:xfrm>
-            <a:prstGeom prst="rect">
-              <a:avLst/>
-            </a:prstGeom>
-            <a:solidFill>
-              <a:schemeClr val="bg1">
-                <a:lumMod val="95000"/>
-              </a:schemeClr>
-            </a:solidFill>
-            <a:ln>
-              <a:noFill/>
-            </a:ln>
-          </p:spPr>
-          <p:style>
-            <a:lnRef idx="2">
-              <a:schemeClr val="accent1">
-                <a:shade val="50000"/>
-              </a:schemeClr>
-            </a:lnRef>
-            <a:fillRef idx="1">
-              <a:schemeClr val="accent1"/>
-            </a:fillRef>
-            <a:effectRef idx="0">
-              <a:schemeClr val="accent1"/>
-            </a:effectRef>
-            <a:fontRef idx="minor">
-              <a:schemeClr val="lt1"/>
-            </a:fontRef>
-          </p:style>
-          <p:txBody>
-            <a:bodyPr rtlCol="0" anchor="ctr"/>
-            <a:lstStyle/>
-            <a:p>
-              <a:pPr algn="ctr"/>
-              <a:endParaRPr lang="ru-RU" dirty="0"/>
-            </a:p>
-          </p:txBody>
-        </p:sp>
-        <p:sp>
-          <p:nvSpPr>
-            <p:cNvPr id="14" name="Прямоугольник 13">
-              <a:extLst>
-                <a:ext uri="{FF2B5EF4-FFF2-40B4-BE49-F238E27FC236}">
-                  <a16:creationId xmlns:a16="http://schemas.microsoft.com/office/drawing/2014/main" xmlns="" id="{D4C5D2CD-584A-4C0D-9F8A-A05C7DC6FB06}"/>
-                </a:ext>
-              </a:extLst>
-            </p:cNvPr>
-            <p:cNvSpPr/>
-            <p:nvPr/>
-          </p:nvSpPr>
-          <p:spPr>
-            <a:xfrm>
-              <a:off x="174072" y="1970467"/>
-              <a:ext cx="307777" cy="307777"/>
-            </a:xfrm>
-            <a:prstGeom prst="rect">
-              <a:avLst/>
-            </a:prstGeom>
-            <a:solidFill>
-              <a:schemeClr val="bg1">
-                <a:lumMod val="95000"/>
-              </a:schemeClr>
-            </a:solidFill>
-            <a:ln>
-              <a:noFill/>
-            </a:ln>
-          </p:spPr>
-          <p:style>
-            <a:lnRef idx="2">
-              <a:schemeClr val="accent1">
-                <a:shade val="50000"/>
-              </a:schemeClr>
-            </a:lnRef>
-            <a:fillRef idx="1">
-              <a:schemeClr val="accent1"/>
-            </a:fillRef>
-            <a:effectRef idx="0">
-              <a:schemeClr val="accent1"/>
-            </a:effectRef>
-            <a:fontRef idx="minor">
-              <a:schemeClr val="lt1"/>
-            </a:fontRef>
-          </p:style>
-          <p:txBody>
-            <a:bodyPr rtlCol="0" anchor="ctr"/>
-            <a:lstStyle/>
-            <a:p>
-              <a:pPr algn="ctr"/>
-              <a:endParaRPr lang="ru-RU"/>
-            </a:p>
-          </p:txBody>
-        </p:sp>
-        <p:sp>
-          <p:nvSpPr>
-            <p:cNvPr id="15" name="Прямоугольник 14">
-              <a:extLst>
-                <a:ext uri="{FF2B5EF4-FFF2-40B4-BE49-F238E27FC236}">
-                  <a16:creationId xmlns:a16="http://schemas.microsoft.com/office/drawing/2014/main" xmlns="" id="{DD647F68-3943-4CC0-9412-1D5968D970D1}"/>
-                </a:ext>
-              </a:extLst>
-            </p:cNvPr>
-            <p:cNvSpPr/>
-            <p:nvPr/>
-          </p:nvSpPr>
-          <p:spPr>
-            <a:xfrm>
-              <a:off x="174073" y="1053890"/>
-              <a:ext cx="307777" cy="307777"/>
-            </a:xfrm>
-            <a:prstGeom prst="rect">
-              <a:avLst/>
-            </a:prstGeom>
-            <a:solidFill>
-              <a:schemeClr val="bg1">
-                <a:lumMod val="95000"/>
-              </a:schemeClr>
-            </a:solidFill>
-            <a:ln>
-              <a:noFill/>
-            </a:ln>
-          </p:spPr>
-          <p:style>
-            <a:lnRef idx="2">
-              <a:schemeClr val="accent1">
-                <a:shade val="50000"/>
-              </a:schemeClr>
-            </a:lnRef>
-            <a:fillRef idx="1">
-              <a:schemeClr val="accent1"/>
-            </a:fillRef>
-            <a:effectRef idx="0">
-              <a:schemeClr val="accent1"/>
-            </a:effectRef>
-            <a:fontRef idx="minor">
-              <a:schemeClr val="lt1"/>
-            </a:fontRef>
-          </p:style>
-          <p:txBody>
-            <a:bodyPr rtlCol="0" anchor="ctr"/>
-            <a:lstStyle/>
-            <a:p>
-              <a:pPr algn="ctr"/>
-              <a:endParaRPr lang="ru-RU">
-                <a:solidFill>
-                  <a:srgbClr val="7F7F7F"/>
-                </a:solidFill>
-              </a:endParaRPr>
-            </a:p>
-          </p:txBody>
-        </p:sp>
-        <p:sp>
-          <p:nvSpPr>
-            <p:cNvPr id="16" name="TextBox 15">
-              <a:extLst>
-                <a:ext uri="{FF2B5EF4-FFF2-40B4-BE49-F238E27FC236}">
-                  <a16:creationId xmlns:a16="http://schemas.microsoft.com/office/drawing/2014/main" xmlns="" id="{A1CEB2B1-930A-47BF-B703-3C3FF21EE2CA}"/>
-                </a:ext>
-              </a:extLst>
-            </p:cNvPr>
-            <p:cNvSpPr txBox="1"/>
-            <p:nvPr/>
-          </p:nvSpPr>
-          <p:spPr>
-            <a:xfrm>
-              <a:off x="508760" y="27962"/>
-              <a:ext cx="1577263" cy="584775"/>
-            </a:xfrm>
-            <a:prstGeom prst="rect">
-              <a:avLst/>
-            </a:prstGeom>
-            <a:noFill/>
-          </p:spPr>
-          <p:txBody>
-            <a:bodyPr wrap="square">
-              <a:spAutoFit/>
-            </a:bodyPr>
-            <a:lstStyle/>
-            <a:p>
-              <a:r>
-                <a:rPr lang="ru-RU" sz="1600" b="1" dirty="0">
-                  <a:solidFill>
-                    <a:schemeClr val="bg1">
-                      <a:lumMod val="95000"/>
-                    </a:schemeClr>
-                  </a:solidFill>
-                  <a:latin typeface="Verdana" panose="020B0604030504040204" pitchFamily="34" charset="0"/>
-                  <a:ea typeface="Verdana" panose="020B0604030504040204" pitchFamily="34" charset="0"/>
-                </a:rPr>
-                <a:t>Клиент-сервер</a:t>
-              </a:r>
-              <a:endParaRPr lang="x-none" sz="1600" b="1" dirty="0">
-                <a:solidFill>
-                  <a:schemeClr val="bg1">
-                    <a:lumMod val="95000"/>
-                  </a:schemeClr>
-                </a:solidFill>
-                <a:latin typeface="Verdana" panose="020B0604030504040204" pitchFamily="34" charset="0"/>
-                <a:ea typeface="Verdana" panose="020B0604030504040204" pitchFamily="34" charset="0"/>
-              </a:endParaRPr>
-            </a:p>
-          </p:txBody>
-        </p:sp>
-        <p:sp>
-          <p:nvSpPr>
-            <p:cNvPr id="17" name="Прямоугольник 16">
-              <a:extLst>
-                <a:ext uri="{FF2B5EF4-FFF2-40B4-BE49-F238E27FC236}">
-                  <a16:creationId xmlns:a16="http://schemas.microsoft.com/office/drawing/2014/main" xmlns="" id="{6C584A97-3F89-4B57-ACE7-9246FF17E1B3}"/>
-                </a:ext>
-              </a:extLst>
-            </p:cNvPr>
-            <p:cNvSpPr/>
-            <p:nvPr/>
-          </p:nvSpPr>
-          <p:spPr>
-            <a:xfrm>
-              <a:off x="508760" y="1057560"/>
-              <a:ext cx="1453466" cy="338554"/>
-            </a:xfrm>
-            <a:prstGeom prst="rect">
-              <a:avLst/>
-            </a:prstGeom>
-          </p:spPr>
-          <p:txBody>
-            <a:bodyPr wrap="square">
-              <a:spAutoFit/>
-            </a:bodyPr>
-            <a:lstStyle/>
-            <a:p>
-              <a:r>
-                <a:rPr lang="en-US" sz="1600" b="1" dirty="0">
-                  <a:solidFill>
-                    <a:schemeClr val="bg1">
-                      <a:lumMod val="95000"/>
-                    </a:schemeClr>
-                  </a:solidFill>
-                  <a:latin typeface="Verdana" panose="020B0604030504040204" pitchFamily="34" charset="0"/>
-                  <a:ea typeface="Verdana" panose="020B0604030504040204" pitchFamily="34" charset="0"/>
-                </a:rPr>
-                <a:t>VFS</a:t>
-              </a:r>
-              <a:endParaRPr lang="ru-RU" sz="1600" b="1" dirty="0">
-                <a:solidFill>
-                  <a:schemeClr val="bg1">
-                    <a:lumMod val="95000"/>
-                  </a:schemeClr>
-                </a:solidFill>
-                <a:latin typeface="Verdana" panose="020B0604030504040204" pitchFamily="34" charset="0"/>
-                <a:ea typeface="Verdana" panose="020B0604030504040204" pitchFamily="34" charset="0"/>
-              </a:endParaRPr>
-            </a:p>
-          </p:txBody>
-        </p:sp>
-      </p:grpSp>
-      <p:sp>
-        <p:nvSpPr>
-          <p:cNvPr id="18" name="Прямоугольник 17">
-            <a:extLst>
-              <a:ext uri="{FF2B5EF4-FFF2-40B4-BE49-F238E27FC236}">
-                <a16:creationId xmlns:a16="http://schemas.microsoft.com/office/drawing/2014/main" xmlns="" id="{0D21A8F2-EFE5-4C67-9C72-02BBCD0A6CCF}"/>
-              </a:ext>
-            </a:extLst>
-          </p:cNvPr>
-          <p:cNvSpPr/>
-          <p:nvPr/>
-        </p:nvSpPr>
-        <p:spPr>
-          <a:xfrm>
-            <a:off x="467544" y="2787774"/>
-            <a:ext cx="1453466" cy="338554"/>
-          </a:xfrm>
-          <a:prstGeom prst="rect">
-            <a:avLst/>
-          </a:prstGeom>
-        </p:spPr>
-        <p:txBody>
-          <a:bodyPr wrap="square">
-            <a:spAutoFit/>
-          </a:bodyPr>
-          <a:lstStyle/>
-          <a:p>
-            <a:r>
-              <a:rPr lang="en-US" sz="1600" b="1" dirty="0">
-                <a:solidFill>
-                  <a:schemeClr val="bg1">
-                    <a:lumMod val="95000"/>
-                  </a:schemeClr>
-                </a:solidFill>
-                <a:latin typeface="Verdana" panose="020B0604030504040204" pitchFamily="34" charset="0"/>
-                <a:ea typeface="Verdana" panose="020B0604030504040204" pitchFamily="34" charset="0"/>
-              </a:rPr>
-              <a:t>GPIO</a:t>
-            </a:r>
-            <a:endParaRPr lang="ru-RU" sz="1600" b="1" dirty="0">
-              <a:solidFill>
-                <a:schemeClr val="bg1">
-                  <a:lumMod val="95000"/>
-                </a:schemeClr>
-              </a:solidFill>
-              <a:latin typeface="Verdana" panose="020B0604030504040204" pitchFamily="34" charset="0"/>
-              <a:ea typeface="Verdana" panose="020B0604030504040204" pitchFamily="34" charset="0"/>
-            </a:endParaRPr>
-          </a:p>
-        </p:txBody>
-      </p:sp>
-    </p:spTree>
-    <p:extLst>
-      <p:ext uri="{BB962C8B-B14F-4D97-AF65-F5344CB8AC3E}">
-        <p14:creationId xmlns:p14="http://schemas.microsoft.com/office/powerpoint/2010/main" val="3946816269"/>
-      </p:ext>
-    </p:extLst>
-  </p:cSld>
-  <p:clrMapOvr>
-    <a:masterClrMapping/>
-  </p:clrMapOvr>
-</p:sld>
-</file>
-
-<file path=ppt/slides/slide7.xml><?xml version="1.0" encoding="utf-8"?>
-<p:sld xmlns:a="http://schemas.openxmlformats.org/drawingml/2006/main" xmlns:r="http://schemas.openxmlformats.org/officeDocument/2006/relationships" xmlns:p="http://schemas.openxmlformats.org/presentationml/2006/main">
-  <p:cSld>
-    <p:spTree>
-      <p:nvGrpSpPr>
-        <p:cNvPr id="1" name=""/>
-        <p:cNvGrpSpPr/>
-        <p:nvPr/>
-      </p:nvGrpSpPr>
-      <p:grpSpPr>
-        <a:xfrm>
-          <a:off x="0" y="0"/>
-          <a:ext cx="0" cy="0"/>
-          <a:chOff x="0" y="0"/>
-          <a:chExt cx="0" cy="0"/>
-        </a:xfrm>
-      </p:grpSpPr>
-      <p:sp>
-        <p:nvSpPr>
-          <p:cNvPr id="45" name="Прямоугольник 44">
-            <a:extLst>
-              <a:ext uri="{FF2B5EF4-FFF2-40B4-BE49-F238E27FC236}">
-                <a16:creationId xmlns:a16="http://schemas.microsoft.com/office/drawing/2014/main" xmlns="" id="{F844FAD0-BFD3-42F8-8444-0D4247E6F864}"/>
-              </a:ext>
-            </a:extLst>
-          </p:cNvPr>
-          <p:cNvSpPr/>
-          <p:nvPr/>
-        </p:nvSpPr>
-        <p:spPr bwMode="auto">
-          <a:xfrm>
-            <a:off x="0" y="0"/>
-            <a:ext cx="1080000" cy="5143500"/>
-          </a:xfrm>
-          <a:prstGeom prst="rect">
-            <a:avLst/>
-          </a:prstGeom>
-          <a:solidFill>
-            <a:srgbClr val="004868"/>
-          </a:solidFill>
-          <a:ln w="9525" cap="flat" cmpd="sng" algn="ctr">
-            <a:noFill/>
-            <a:prstDash val="solid"/>
-            <a:round/>
-            <a:headEnd type="none" w="med" len="med"/>
-            <a:tailEnd type="none" w="med" len="med"/>
-          </a:ln>
-          <a:effectLst/>
-        </p:spPr>
-        <p:txBody>
-          <a:bodyPr vert="horz" wrap="square" lIns="77925" tIns="38963" rIns="77925" bIns="38963" numCol="1" rtlCol="0" anchor="ctr" anchorCtr="0" compatLnSpc="1">
-            <a:prstTxWarp prst="textNoShape">
-              <a:avLst/>
-            </a:prstTxWarp>
-          </a:bodyPr>
-          <a:lstStyle/>
-          <a:p>
-            <a:pPr>
-              <a:lnSpc>
-                <a:spcPct val="93000"/>
-              </a:lnSpc>
-              <a:buClr>
-                <a:srgbClr val="000000"/>
-              </a:buClr>
-              <a:buSzPct val="100000"/>
-            </a:pPr>
-            <a:endParaRPr lang="ru-RU" sz="2000" b="1" dirty="0">
-              <a:solidFill>
-                <a:schemeClr val="bg1"/>
-              </a:solidFill>
-              <a:latin typeface="Century Gothic" panose="020B0502020202020204" pitchFamily="34" charset="0"/>
-            </a:endParaRPr>
-          </a:p>
-        </p:txBody>
-      </p:sp>
-      <p:cxnSp>
-        <p:nvCxnSpPr>
-          <p:cNvPr id="27" name="Прямая соединительная линия 26">
-            <a:extLst>
-              <a:ext uri="{FF2B5EF4-FFF2-40B4-BE49-F238E27FC236}">
-                <a16:creationId xmlns:a16="http://schemas.microsoft.com/office/drawing/2014/main" xmlns="" id="{7D440611-E861-4ADC-BE55-6C5E3E2135B0}"/>
-              </a:ext>
-            </a:extLst>
-          </p:cNvPr>
-          <p:cNvCxnSpPr>
-            <a:cxnSpLocks/>
-          </p:cNvCxnSpPr>
-          <p:nvPr/>
-        </p:nvCxnSpPr>
-        <p:spPr>
-          <a:xfrm>
-            <a:off x="2843808" y="853278"/>
-            <a:ext cx="6048672" cy="14422"/>
-          </a:xfrm>
-          <a:prstGeom prst="line">
-            <a:avLst/>
-          </a:prstGeom>
-          <a:ln w="28575">
-            <a:solidFill>
-              <a:schemeClr val="tx2"/>
-            </a:solidFill>
-          </a:ln>
-        </p:spPr>
-        <p:style>
-          <a:lnRef idx="1">
-            <a:schemeClr val="accent1"/>
-          </a:lnRef>
-          <a:fillRef idx="0">
-            <a:schemeClr val="accent1"/>
-          </a:fillRef>
-          <a:effectRef idx="0">
-            <a:schemeClr val="accent1"/>
-          </a:effectRef>
-          <a:fontRef idx="minor">
-            <a:schemeClr val="tx1"/>
-          </a:fontRef>
-        </p:style>
-      </p:cxnSp>
-      <p:sp>
-        <p:nvSpPr>
-          <p:cNvPr id="25" name="Rectangle 1"/>
-          <p:cNvSpPr txBox="1">
-            <a:spLocks noChangeArrowheads="1"/>
-          </p:cNvSpPr>
-          <p:nvPr/>
-        </p:nvSpPr>
-        <p:spPr>
-          <a:xfrm>
-            <a:off x="2990262" y="921650"/>
-            <a:ext cx="5830209" cy="3787273"/>
-          </a:xfrm>
-          <a:prstGeom prst="rect">
-            <a:avLst/>
-          </a:prstGeom>
-        </p:spPr>
-        <p:txBody>
-          <a:bodyPr vert="horz" lIns="91440" tIns="45720" rIns="91440" bIns="45720" rtlCol="0" anchor="t">
-            <a:normAutofit/>
-          </a:bodyPr>
-          <a:lstStyle>
-            <a:lvl1pPr algn="ctr" defTabSz="914400" rtl="0" eaLnBrk="1" latinLnBrk="0" hangingPunct="1">
-              <a:spcBef>
-                <a:spcPct val="0"/>
-              </a:spcBef>
-              <a:buNone/>
-              <a:defRPr sz="4400" kern="1200">
-                <a:solidFill>
-                  <a:schemeClr val="tx1"/>
-                </a:solidFill>
-                <a:latin typeface="+mj-lt"/>
-                <a:ea typeface="+mj-ea"/>
-                <a:cs typeface="+mj-cs"/>
-              </a:defRPr>
-            </a:lvl1pPr>
-          </a:lstStyle>
-          <a:p>
-            <a:pPr marL="257175" indent="-254794" algn="l">
-              <a:spcBef>
-                <a:spcPts val="450"/>
-              </a:spcBef>
-              <a:tabLst>
-                <a:tab pos="257175" algn="l"/>
-                <a:tab pos="335756" algn="l"/>
-                <a:tab pos="672704" algn="l"/>
-                <a:tab pos="1009650" algn="l"/>
-                <a:tab pos="1346597" algn="l"/>
-                <a:tab pos="1683544" algn="l"/>
-                <a:tab pos="2020491" algn="l"/>
-                <a:tab pos="2357438" algn="l"/>
-                <a:tab pos="2694385" algn="l"/>
-                <a:tab pos="3031331" algn="l"/>
-                <a:tab pos="3368279" algn="l"/>
-                <a:tab pos="3705225" algn="l"/>
-                <a:tab pos="4042172" algn="l"/>
-                <a:tab pos="4379119" algn="l"/>
-                <a:tab pos="4716066" algn="l"/>
-                <a:tab pos="5053013" algn="l"/>
-                <a:tab pos="5389960" algn="l"/>
-                <a:tab pos="5726906" algn="l"/>
-                <a:tab pos="6063854" algn="l"/>
-                <a:tab pos="6400800" algn="l"/>
-                <a:tab pos="6737747" algn="l"/>
-              </a:tabLst>
-            </a:pPr>
-            <a:r>
-              <a:rPr lang="en-US" altLang="ru-RU" sz="3200" dirty="0">
-                <a:cs typeface="Times New Roman" panose="02020603050405020304" pitchFamily="18" charset="0"/>
-              </a:rPr>
-              <a:t>                     </a:t>
-            </a:r>
-            <a:endParaRPr lang="ru-RU" altLang="ru-RU" sz="3200" dirty="0">
-              <a:cs typeface="Times New Roman" panose="02020603050405020304" pitchFamily="18" charset="0"/>
-            </a:endParaRPr>
-          </a:p>
-        </p:txBody>
-      </p:sp>
-      <p:sp>
-        <p:nvSpPr>
-          <p:cNvPr id="2" name="Номер слайда 1">
-            <a:extLst>
-              <a:ext uri="{FF2B5EF4-FFF2-40B4-BE49-F238E27FC236}">
-                <a16:creationId xmlns:a16="http://schemas.microsoft.com/office/drawing/2014/main" xmlns="" id="{43DE384C-E41B-4854-8084-48017AD96984}"/>
-              </a:ext>
-            </a:extLst>
-          </p:cNvPr>
-          <p:cNvSpPr>
-            <a:spLocks noGrp="1"/>
-          </p:cNvSpPr>
-          <p:nvPr>
-            <p:ph type="sldNum" sz="quarter" idx="12"/>
-          </p:nvPr>
-        </p:nvSpPr>
-        <p:spPr/>
-        <p:txBody>
-          <a:bodyPr/>
-          <a:lstStyle/>
-          <a:p>
-            <a:fld id="{B19B0651-EE4F-4900-A07F-96A6BFA9D0F0}" type="slidenum">
-              <a:rPr lang="ru-RU" smtClean="0"/>
-              <a:pPr/>
-              <a:t>7</a:t>
-            </a:fld>
-            <a:endParaRPr lang="ru-RU"/>
-          </a:p>
-        </p:txBody>
-      </p:sp>
-      <p:sp>
-        <p:nvSpPr>
-          <p:cNvPr id="18" name="Прямоугольник 17">
-            <a:extLst>
-              <a:ext uri="{FF2B5EF4-FFF2-40B4-BE49-F238E27FC236}">
-                <a16:creationId xmlns:a16="http://schemas.microsoft.com/office/drawing/2014/main" xmlns="" id="{17ED5078-1A16-4CC1-B020-23E9979FB77D}"/>
-              </a:ext>
-            </a:extLst>
-          </p:cNvPr>
-          <p:cNvSpPr/>
-          <p:nvPr/>
-        </p:nvSpPr>
-        <p:spPr>
-          <a:xfrm>
-            <a:off x="2843808" y="299797"/>
-            <a:ext cx="6110664" cy="461665"/>
-          </a:xfrm>
-          <a:prstGeom prst="rect">
-            <a:avLst/>
-          </a:prstGeom>
-        </p:spPr>
-        <p:txBody>
-          <a:bodyPr wrap="square">
-            <a:spAutoFit/>
-          </a:bodyPr>
-          <a:lstStyle/>
-          <a:p>
-            <a:r>
-              <a:rPr lang="ru-RU" sz="2400" b="1" dirty="0">
-                <a:solidFill>
-                  <a:schemeClr val="tx2"/>
-                </a:solidFill>
-                <a:latin typeface="Verdana" panose="020B0604030504040204" pitchFamily="34" charset="0"/>
-                <a:ea typeface="Verdana" panose="020B0604030504040204" pitchFamily="34" charset="0"/>
-              </a:rPr>
-              <a:t>Диаграмма последовательностей</a:t>
-            </a:r>
-          </a:p>
-        </p:txBody>
-      </p:sp>
-      <p:pic>
-        <p:nvPicPr>
-          <p:cNvPr id="1026" name="Picture 2" descr="C:\Users\kosiya\Downloads\Архитектура ИС\Гагачи2022\последовательности.png"/>
-          <p:cNvPicPr>
-            <a:picLocks noChangeAspect="1" noChangeArrowheads="1"/>
-          </p:cNvPicPr>
-          <p:nvPr/>
-        </p:nvPicPr>
-        <p:blipFill>
-          <a:blip r:embed="rId3">
-            <a:extLst>
-              <a:ext uri="{28A0092B-C50C-407E-A947-70E740481C1C}">
-                <a14:useLocalDpi xmlns:a14="http://schemas.microsoft.com/office/drawing/2010/main" val="0"/>
-              </a:ext>
-            </a:extLst>
-          </a:blip>
-          <a:srcRect/>
-          <a:stretch>
-            <a:fillRect/>
-          </a:stretch>
-        </p:blipFill>
-        <p:spPr bwMode="auto">
-          <a:xfrm>
-            <a:off x="2411760" y="987574"/>
-            <a:ext cx="4667394" cy="3947796"/>
-          </a:xfrm>
-          <a:prstGeom prst="rect">
-            <a:avLst/>
-          </a:prstGeom>
-          <a:noFill/>
-          <a:extLst>
-            <a:ext uri="{909E8E84-426E-40DD-AFC4-6F175D3DCCD1}">
-              <a14:hiddenFill xmlns:a14="http://schemas.microsoft.com/office/drawing/2010/main">
-                <a:solidFill>
-                  <a:srgbClr val="FFFFFF"/>
-                </a:solidFill>
-              </a14:hiddenFill>
-            </a:ext>
-          </a:extLst>
-        </p:spPr>
-      </p:pic>
-    </p:spTree>
-    <p:extLst>
-      <p:ext uri="{BB962C8B-B14F-4D97-AF65-F5344CB8AC3E}">
-        <p14:creationId xmlns:p14="http://schemas.microsoft.com/office/powerpoint/2010/main" val="2481491869"/>
-      </p:ext>
-    </p:extLst>
-  </p:cSld>
-  <p:clrMapOvr>
-    <a:masterClrMapping/>
-  </p:clrMapOvr>
-</p:sld>
-</file>
-
-<file path=ppt/slides/slide8.xml><?xml version="1.0" encoding="utf-8"?>
-<p:sld xmlns:a="http://schemas.openxmlformats.org/drawingml/2006/main" xmlns:r="http://schemas.openxmlformats.org/officeDocument/2006/relationships" xmlns:p="http://schemas.openxmlformats.org/presentationml/2006/main">
-  <p:cSld>
-    <p:spTree>
-      <p:nvGrpSpPr>
-        <p:cNvPr id="1" name=""/>
-        <p:cNvGrpSpPr/>
-        <p:nvPr/>
-      </p:nvGrpSpPr>
-      <p:grpSpPr>
-        <a:xfrm>
-          <a:off x="0" y="0"/>
-          <a:ext cx="0" cy="0"/>
-          <a:chOff x="0" y="0"/>
-          <a:chExt cx="0" cy="0"/>
-        </a:xfrm>
-      </p:grpSpPr>
-      <p:sp>
-        <p:nvSpPr>
-          <p:cNvPr id="45" name="Прямоугольник 44">
-            <a:extLst>
-              <a:ext uri="{FF2B5EF4-FFF2-40B4-BE49-F238E27FC236}">
-                <a16:creationId xmlns:a16="http://schemas.microsoft.com/office/drawing/2014/main" xmlns="" id="{F844FAD0-BFD3-42F8-8444-0D4247E6F864}"/>
-              </a:ext>
-            </a:extLst>
-          </p:cNvPr>
-          <p:cNvSpPr/>
-          <p:nvPr/>
-        </p:nvSpPr>
-        <p:spPr bwMode="auto">
-          <a:xfrm>
-            <a:off x="0" y="0"/>
-            <a:ext cx="1080000" cy="5143500"/>
-          </a:xfrm>
-          <a:prstGeom prst="rect">
-            <a:avLst/>
-          </a:prstGeom>
-          <a:solidFill>
-            <a:srgbClr val="004868"/>
-          </a:solidFill>
-          <a:ln w="9525" cap="flat" cmpd="sng" algn="ctr">
-            <a:noFill/>
-            <a:prstDash val="solid"/>
-            <a:round/>
-            <a:headEnd type="none" w="med" len="med"/>
-            <a:tailEnd type="none" w="med" len="med"/>
-          </a:ln>
-          <a:effectLst/>
-        </p:spPr>
-        <p:txBody>
-          <a:bodyPr vert="horz" wrap="square" lIns="77925" tIns="38963" rIns="77925" bIns="38963" numCol="1" rtlCol="0" anchor="ctr" anchorCtr="0" compatLnSpc="1">
-            <a:prstTxWarp prst="textNoShape">
-              <a:avLst/>
-            </a:prstTxWarp>
-          </a:bodyPr>
-          <a:lstStyle/>
-          <a:p>
-            <a:pPr>
-              <a:lnSpc>
-                <a:spcPct val="93000"/>
-              </a:lnSpc>
-              <a:buClr>
-                <a:srgbClr val="000000"/>
-              </a:buClr>
-              <a:buSzPct val="100000"/>
-            </a:pPr>
-            <a:endParaRPr lang="ru-RU" sz="2000" b="1" dirty="0">
-              <a:solidFill>
-                <a:schemeClr val="bg1"/>
-              </a:solidFill>
-              <a:latin typeface="Century Gothic" panose="020B0502020202020204" pitchFamily="34" charset="0"/>
-            </a:endParaRPr>
-          </a:p>
-        </p:txBody>
-      </p:sp>
-      <p:sp>
-        <p:nvSpPr>
-          <p:cNvPr id="25" name="Rectangle 1"/>
-          <p:cNvSpPr txBox="1">
-            <a:spLocks noChangeArrowheads="1"/>
-          </p:cNvSpPr>
-          <p:nvPr/>
-        </p:nvSpPr>
-        <p:spPr>
-          <a:xfrm>
-            <a:off x="2990262" y="921650"/>
-            <a:ext cx="5830209" cy="3787273"/>
-          </a:xfrm>
-          <a:prstGeom prst="rect">
-            <a:avLst/>
-          </a:prstGeom>
-        </p:spPr>
-        <p:txBody>
-          <a:bodyPr vert="horz" lIns="91440" tIns="45720" rIns="91440" bIns="45720" rtlCol="0" anchor="t">
-            <a:normAutofit/>
-          </a:bodyPr>
-          <a:lstStyle>
-            <a:lvl1pPr algn="ctr" defTabSz="914400" rtl="0" eaLnBrk="1" latinLnBrk="0" hangingPunct="1">
-              <a:spcBef>
-                <a:spcPct val="0"/>
-              </a:spcBef>
-              <a:buNone/>
-              <a:defRPr sz="4400" kern="1200">
-                <a:solidFill>
-                  <a:schemeClr val="tx1"/>
-                </a:solidFill>
-                <a:latin typeface="+mj-lt"/>
-                <a:ea typeface="+mj-ea"/>
-                <a:cs typeface="+mj-cs"/>
-              </a:defRPr>
-            </a:lvl1pPr>
-          </a:lstStyle>
-          <a:p>
-            <a:pPr marL="257175" indent="-254794" algn="l">
-              <a:spcBef>
-                <a:spcPts val="450"/>
-              </a:spcBef>
-              <a:tabLst>
-                <a:tab pos="257175" algn="l"/>
-                <a:tab pos="335756" algn="l"/>
-                <a:tab pos="672704" algn="l"/>
-                <a:tab pos="1009650" algn="l"/>
-                <a:tab pos="1346597" algn="l"/>
-                <a:tab pos="1683544" algn="l"/>
-                <a:tab pos="2020491" algn="l"/>
-                <a:tab pos="2357438" algn="l"/>
-                <a:tab pos="2694385" algn="l"/>
-                <a:tab pos="3031331" algn="l"/>
-                <a:tab pos="3368279" algn="l"/>
-                <a:tab pos="3705225" algn="l"/>
-                <a:tab pos="4042172" algn="l"/>
-                <a:tab pos="4379119" algn="l"/>
-                <a:tab pos="4716066" algn="l"/>
-                <a:tab pos="5053013" algn="l"/>
-                <a:tab pos="5389960" algn="l"/>
-                <a:tab pos="5726906" algn="l"/>
-                <a:tab pos="6063854" algn="l"/>
-                <a:tab pos="6400800" algn="l"/>
-                <a:tab pos="6737747" algn="l"/>
-              </a:tabLst>
-            </a:pPr>
-            <a:r>
-              <a:rPr lang="en-US" altLang="ru-RU" sz="3200" dirty="0">
-                <a:cs typeface="Times New Roman" panose="02020603050405020304" pitchFamily="18" charset="0"/>
-              </a:rPr>
-              <a:t>                     </a:t>
-            </a:r>
-            <a:endParaRPr lang="ru-RU" altLang="ru-RU" sz="3200" dirty="0">
-              <a:cs typeface="Times New Roman" panose="02020603050405020304" pitchFamily="18" charset="0"/>
-            </a:endParaRPr>
-          </a:p>
-        </p:txBody>
-      </p:sp>
-      <p:sp>
-        <p:nvSpPr>
-          <p:cNvPr id="2" name="Номер слайда 1">
-            <a:extLst>
-              <a:ext uri="{FF2B5EF4-FFF2-40B4-BE49-F238E27FC236}">
-                <a16:creationId xmlns:a16="http://schemas.microsoft.com/office/drawing/2014/main" xmlns="" id="{E337A08D-3A8E-4E89-BC69-A001F02E6E0C}"/>
-              </a:ext>
-            </a:extLst>
-          </p:cNvPr>
-          <p:cNvSpPr>
-            <a:spLocks noGrp="1"/>
-          </p:cNvSpPr>
-          <p:nvPr>
-            <p:ph type="sldNum" sz="quarter" idx="12"/>
-          </p:nvPr>
-        </p:nvSpPr>
-        <p:spPr/>
-        <p:txBody>
-          <a:bodyPr/>
-          <a:lstStyle/>
-          <a:p>
-            <a:fld id="{B19B0651-EE4F-4900-A07F-96A6BFA9D0F0}" type="slidenum">
-              <a:rPr lang="ru-RU" smtClean="0"/>
-              <a:pPr/>
-              <a:t>8</a:t>
-            </a:fld>
-            <a:endParaRPr lang="ru-RU"/>
-          </a:p>
-        </p:txBody>
-      </p:sp>
-      <p:cxnSp>
-        <p:nvCxnSpPr>
-          <p:cNvPr id="8" name="Прямая соединительная линия 7">
-            <a:extLst>
-              <a:ext uri="{FF2B5EF4-FFF2-40B4-BE49-F238E27FC236}">
-                <a16:creationId xmlns:a16="http://schemas.microsoft.com/office/drawing/2014/main" xmlns="" id="{8CE828DF-A9C3-4B2E-BB9A-236C9E8131AE}"/>
-              </a:ext>
-            </a:extLst>
-          </p:cNvPr>
-          <p:cNvCxnSpPr>
-            <a:cxnSpLocks/>
-          </p:cNvCxnSpPr>
-          <p:nvPr/>
-        </p:nvCxnSpPr>
-        <p:spPr>
-          <a:xfrm>
-            <a:off x="3059832" y="867700"/>
-            <a:ext cx="5832648" cy="0"/>
-          </a:xfrm>
-          <a:prstGeom prst="line">
-            <a:avLst/>
-          </a:prstGeom>
-          <a:ln w="28575">
-            <a:solidFill>
-              <a:schemeClr val="tx2"/>
-            </a:solidFill>
-          </a:ln>
-        </p:spPr>
-        <p:style>
-          <a:lnRef idx="1">
-            <a:schemeClr val="accent1"/>
-          </a:lnRef>
-          <a:fillRef idx="0">
-            <a:schemeClr val="accent1"/>
-          </a:fillRef>
-          <a:effectRef idx="0">
-            <a:schemeClr val="accent1"/>
-          </a:effectRef>
-          <a:fontRef idx="minor">
-            <a:schemeClr val="tx1"/>
-          </a:fontRef>
-        </p:style>
-      </p:cxnSp>
-      <p:sp>
-        <p:nvSpPr>
-          <p:cNvPr id="9" name="Прямоугольник 8">
-            <a:extLst>
-              <a:ext uri="{FF2B5EF4-FFF2-40B4-BE49-F238E27FC236}">
-                <a16:creationId xmlns:a16="http://schemas.microsoft.com/office/drawing/2014/main" xmlns="" id="{1986159B-90C6-4663-8A8F-0AB613A5E9A9}"/>
-              </a:ext>
-            </a:extLst>
-          </p:cNvPr>
-          <p:cNvSpPr/>
-          <p:nvPr/>
-        </p:nvSpPr>
-        <p:spPr>
-          <a:xfrm>
-            <a:off x="3203848" y="299798"/>
-            <a:ext cx="6110664" cy="461665"/>
-          </a:xfrm>
-          <a:prstGeom prst="rect">
-            <a:avLst/>
-          </a:prstGeom>
-        </p:spPr>
-        <p:txBody>
-          <a:bodyPr wrap="square">
-            <a:spAutoFit/>
-          </a:bodyPr>
-          <a:lstStyle/>
-          <a:p>
-            <a:r>
-              <a:rPr lang="ru-RU" sz="2400" b="1" dirty="0">
-                <a:solidFill>
-                  <a:schemeClr val="tx2"/>
-                </a:solidFill>
-                <a:latin typeface="Verdana" panose="020B0604030504040204" pitchFamily="34" charset="0"/>
-                <a:ea typeface="Verdana" panose="020B0604030504040204" pitchFamily="34" charset="0"/>
-              </a:rPr>
-              <a:t>Диаграмма классов</a:t>
-            </a:r>
-          </a:p>
-        </p:txBody>
-      </p:sp>
-      <p:pic>
-        <p:nvPicPr>
-          <p:cNvPr id="1026" name="Picture 2" descr="C:\Users\kosiya\Downloads\classes.png"/>
-          <p:cNvPicPr>
-            <a:picLocks noChangeAspect="1" noChangeArrowheads="1"/>
-          </p:cNvPicPr>
-          <p:nvPr/>
-        </p:nvPicPr>
-        <p:blipFill>
-          <a:blip r:embed="rId3">
-            <a:extLst>
-              <a:ext uri="{28A0092B-C50C-407E-A947-70E740481C1C}">
-                <a14:useLocalDpi xmlns:a14="http://schemas.microsoft.com/office/drawing/2010/main" val="0"/>
-              </a:ext>
-            </a:extLst>
-          </a:blip>
-          <a:srcRect/>
-          <a:stretch>
-            <a:fillRect/>
-          </a:stretch>
-        </p:blipFill>
-        <p:spPr bwMode="auto">
-          <a:xfrm>
-            <a:off x="1615541" y="1059582"/>
-            <a:ext cx="6554552" cy="3888432"/>
-          </a:xfrm>
-          <a:prstGeom prst="rect">
-            <a:avLst/>
-          </a:prstGeom>
-          <a:noFill/>
-          <a:extLst>
-            <a:ext uri="{909E8E84-426E-40DD-AFC4-6F175D3DCCD1}">
-              <a14:hiddenFill xmlns:a14="http://schemas.microsoft.com/office/drawing/2010/main">
-                <a:solidFill>
-                  <a:srgbClr val="FFFFFF"/>
-                </a:solidFill>
-              </a14:hiddenFill>
-            </a:ext>
-          </a:extLst>
-        </p:spPr>
-      </p:pic>
-    </p:spTree>
-    <p:extLst>
-      <p:ext uri="{BB962C8B-B14F-4D97-AF65-F5344CB8AC3E}">
-        <p14:creationId xmlns:p14="http://schemas.microsoft.com/office/powerpoint/2010/main" val="3345184733"/>
-      </p:ext>
-    </p:extLst>
-  </p:cSld>
-  <p:clrMapOvr>
-    <a:masterClrMapping/>
-  </p:clrMapOvr>
-</p:sld>
-</file>
-
-<file path=ppt/slides/slide9.xml><?xml version="1.0" encoding="utf-8"?>
-<p:sld xmlns:a="http://schemas.openxmlformats.org/drawingml/2006/main" xmlns:r="http://schemas.openxmlformats.org/officeDocument/2006/relationships" xmlns:p="http://schemas.openxmlformats.org/presentationml/2006/main" show="0">
-  <p:cSld>
-    <p:spTree>
-      <p:nvGrpSpPr>
-        <p:cNvPr id="1" name=""/>
-        <p:cNvGrpSpPr/>
-        <p:nvPr/>
-      </p:nvGrpSpPr>
-      <p:grpSpPr>
-        <a:xfrm>
-          <a:off x="0" y="0"/>
-          <a:ext cx="0" cy="0"/>
-          <a:chOff x="0" y="0"/>
-          <a:chExt cx="0" cy="0"/>
-        </a:xfrm>
-      </p:grpSpPr>
-      <p:sp>
-        <p:nvSpPr>
-          <p:cNvPr id="3" name="Объект 2">
-            <a:extLst>
-              <a:ext uri="{FF2B5EF4-FFF2-40B4-BE49-F238E27FC236}">
-                <a16:creationId xmlns:a16="http://schemas.microsoft.com/office/drawing/2014/main" xmlns="" id="{807A1DB7-1B94-4C8E-9E43-F2737C3A6C6E}"/>
-              </a:ext>
-            </a:extLst>
-          </p:cNvPr>
-          <p:cNvSpPr>
-            <a:spLocks noGrp="1"/>
-          </p:cNvSpPr>
-          <p:nvPr>
-            <p:ph idx="1"/>
-          </p:nvPr>
-        </p:nvSpPr>
-        <p:spPr>
-          <a:xfrm>
-            <a:off x="2555776" y="1059582"/>
-            <a:ext cx="6336704" cy="3384351"/>
-          </a:xfrm>
-        </p:spPr>
-        <p:txBody>
-          <a:bodyPr>
-            <a:normAutofit/>
-          </a:bodyPr>
-          <a:lstStyle/>
-          <a:p>
-            <a:pPr marL="0" indent="0">
-              <a:buNone/>
-            </a:pPr>
-            <a:r>
-              <a:rPr lang="ru-RU" sz="1600" dirty="0"/>
-              <a:t>В ходе работы получен прототип защищенной системы</a:t>
-            </a:r>
-          </a:p>
-          <a:p>
-            <a:pPr marL="0" indent="0">
-              <a:buNone/>
-            </a:pPr>
-            <a:endParaRPr lang="ru-RU" sz="1600" dirty="0"/>
-          </a:p>
-          <a:p>
-            <a:pPr marL="0" indent="0">
-              <a:buNone/>
-            </a:pPr>
-            <a:r>
-              <a:rPr lang="ru-RU" sz="1600" dirty="0">
-                <a:solidFill>
-                  <a:srgbClr val="FF0000"/>
-                </a:solidFill>
-              </a:rPr>
-              <a:t>Текст, заголовок, слова</a:t>
-            </a:r>
-            <a:r>
-              <a:rPr lang="en-US" sz="1600" dirty="0">
-                <a:solidFill>
-                  <a:srgbClr val="FF0000"/>
-                </a:solidFill>
-              </a:rPr>
-              <a:t>, </a:t>
-            </a:r>
-            <a:r>
-              <a:rPr lang="ru-RU" sz="1600" dirty="0">
-                <a:solidFill>
-                  <a:srgbClr val="FF0000"/>
-                </a:solidFill>
-              </a:rPr>
-              <a:t>картинка</a:t>
-            </a:r>
-            <a:r>
-              <a:rPr lang="en-US" sz="1600" dirty="0">
-                <a:solidFill>
-                  <a:srgbClr val="FF0000"/>
-                </a:solidFill>
-              </a:rPr>
-              <a:t>????</a:t>
-            </a:r>
-            <a:endParaRPr lang="ru-RU" sz="1600" dirty="0">
-              <a:solidFill>
-                <a:srgbClr val="FF0000"/>
-              </a:solidFill>
-            </a:endParaRPr>
-          </a:p>
-        </p:txBody>
-      </p:sp>
-      <p:sp>
-        <p:nvSpPr>
-          <p:cNvPr id="4" name="Номер слайда 3">
-            <a:extLst>
-              <a:ext uri="{FF2B5EF4-FFF2-40B4-BE49-F238E27FC236}">
-                <a16:creationId xmlns:a16="http://schemas.microsoft.com/office/drawing/2014/main" xmlns="" id="{407E3DFD-05CC-48DB-9081-F8A9F136813E}"/>
-              </a:ext>
-            </a:extLst>
-          </p:cNvPr>
-          <p:cNvSpPr>
-            <a:spLocks noGrp="1"/>
-          </p:cNvSpPr>
-          <p:nvPr>
-            <p:ph type="sldNum" sz="quarter" idx="12"/>
-          </p:nvPr>
-        </p:nvSpPr>
-        <p:spPr/>
-        <p:txBody>
-          <a:bodyPr/>
-          <a:lstStyle/>
-          <a:p>
-            <a:fld id="{B19B0651-EE4F-4900-A07F-96A6BFA9D0F0}" type="slidenum">
-              <a:rPr lang="ru-RU" smtClean="0"/>
-              <a:pPr/>
-              <a:t>9</a:t>
-            </a:fld>
-            <a:endParaRPr lang="ru-RU"/>
-          </a:p>
-        </p:txBody>
-      </p:sp>
-      <p:sp>
-        <p:nvSpPr>
-          <p:cNvPr id="5" name="Прямоугольник 4">
-            <a:extLst>
-              <a:ext uri="{FF2B5EF4-FFF2-40B4-BE49-F238E27FC236}">
-                <a16:creationId xmlns:a16="http://schemas.microsoft.com/office/drawing/2014/main" xmlns="" id="{910DF3EC-1F25-4526-9FE7-8BC70A8DF0C5}"/>
-              </a:ext>
-            </a:extLst>
-          </p:cNvPr>
-          <p:cNvSpPr/>
-          <p:nvPr/>
-        </p:nvSpPr>
-        <p:spPr bwMode="auto">
-          <a:xfrm>
-            <a:off x="0" y="0"/>
-            <a:ext cx="2160000" cy="5143500"/>
-          </a:xfrm>
-          <a:prstGeom prst="rect">
-            <a:avLst/>
-          </a:prstGeom>
-          <a:solidFill>
-            <a:srgbClr val="004868"/>
-          </a:solidFill>
-          <a:ln w="9525" cap="flat" cmpd="sng" algn="ctr">
-            <a:noFill/>
-            <a:prstDash val="solid"/>
-            <a:round/>
-            <a:headEnd type="none" w="med" len="med"/>
-            <a:tailEnd type="none" w="med" len="med"/>
-          </a:ln>
-          <a:effectLst/>
-        </p:spPr>
-        <p:txBody>
-          <a:bodyPr vert="horz" wrap="square" lIns="77925" tIns="38963" rIns="77925" bIns="38963" numCol="1" rtlCol="0" anchor="ctr" anchorCtr="0" compatLnSpc="1">
-            <a:prstTxWarp prst="textNoShape">
-              <a:avLst/>
-            </a:prstTxWarp>
-          </a:bodyPr>
-          <a:lstStyle/>
-          <a:p>
-            <a:pPr>
-              <a:lnSpc>
-                <a:spcPct val="93000"/>
-              </a:lnSpc>
-              <a:buClr>
-                <a:srgbClr val="000000"/>
-              </a:buClr>
-              <a:buSzPct val="100000"/>
-            </a:pPr>
-            <a:endParaRPr lang="ru-RU" sz="2000" b="1" dirty="0">
-              <a:solidFill>
-                <a:schemeClr val="bg1"/>
-              </a:solidFill>
-              <a:latin typeface="Century Gothic" panose="020B0502020202020204" pitchFamily="34" charset="0"/>
-            </a:endParaRPr>
-          </a:p>
-        </p:txBody>
-      </p:sp>
-      <p:cxnSp>
-        <p:nvCxnSpPr>
-          <p:cNvPr id="6" name="Прямая соединительная линия 5">
-            <a:extLst>
-              <a:ext uri="{FF2B5EF4-FFF2-40B4-BE49-F238E27FC236}">
-                <a16:creationId xmlns:a16="http://schemas.microsoft.com/office/drawing/2014/main" xmlns="" id="{2467A97C-B77F-44C8-A41B-AB2EE2D11DE3}"/>
-              </a:ext>
-            </a:extLst>
-          </p:cNvPr>
-          <p:cNvCxnSpPr>
-            <a:cxnSpLocks/>
-          </p:cNvCxnSpPr>
-          <p:nvPr/>
-        </p:nvCxnSpPr>
-        <p:spPr>
-          <a:xfrm>
-            <a:off x="3059832" y="867700"/>
-            <a:ext cx="5832648" cy="0"/>
-          </a:xfrm>
-          <a:prstGeom prst="line">
-            <a:avLst/>
-          </a:prstGeom>
-          <a:ln w="28575">
-            <a:solidFill>
-              <a:schemeClr val="tx2"/>
-            </a:solidFill>
-          </a:ln>
-        </p:spPr>
-        <p:style>
-          <a:lnRef idx="1">
-            <a:schemeClr val="accent1"/>
-          </a:lnRef>
-          <a:fillRef idx="0">
-            <a:schemeClr val="accent1"/>
-          </a:fillRef>
-          <a:effectRef idx="0">
-            <a:schemeClr val="accent1"/>
-          </a:effectRef>
-          <a:fontRef idx="minor">
-            <a:schemeClr val="tx1"/>
-          </a:fontRef>
-        </p:style>
-      </p:cxnSp>
-      <p:sp>
-        <p:nvSpPr>
-          <p:cNvPr id="8" name="Прямоугольник 7">
-            <a:extLst>
-              <a:ext uri="{FF2B5EF4-FFF2-40B4-BE49-F238E27FC236}">
-                <a16:creationId xmlns:a16="http://schemas.microsoft.com/office/drawing/2014/main" xmlns="" id="{8CF585ED-3269-46F3-8B9F-D294E6449231}"/>
-              </a:ext>
-            </a:extLst>
-          </p:cNvPr>
-          <p:cNvSpPr/>
-          <p:nvPr/>
-        </p:nvSpPr>
-        <p:spPr>
-          <a:xfrm>
-            <a:off x="3203848" y="48518"/>
-            <a:ext cx="6110664" cy="830997"/>
-          </a:xfrm>
-          <a:prstGeom prst="rect">
-            <a:avLst/>
-          </a:prstGeom>
-        </p:spPr>
-        <p:txBody>
-          <a:bodyPr wrap="square">
-            <a:spAutoFit/>
-          </a:bodyPr>
-          <a:lstStyle/>
-          <a:p>
-            <a:r>
-              <a:rPr lang="ru-RU" sz="2400" b="1" dirty="0">
-                <a:solidFill>
-                  <a:schemeClr val="tx2"/>
-                </a:solidFill>
-                <a:latin typeface="Verdana" panose="020B0604030504040204" pitchFamily="34" charset="0"/>
-                <a:ea typeface="Verdana" panose="020B0604030504040204" pitchFamily="34" charset="0"/>
-              </a:rPr>
-              <a:t>Анализ и практическая значимость результатов</a:t>
-            </a:r>
-          </a:p>
-        </p:txBody>
-      </p:sp>
-      <p:grpSp>
-        <p:nvGrpSpPr>
-          <p:cNvPr id="7" name="Группа 6">
-            <a:extLst>
-              <a:ext uri="{FF2B5EF4-FFF2-40B4-BE49-F238E27FC236}">
-                <a16:creationId xmlns:a16="http://schemas.microsoft.com/office/drawing/2014/main" xmlns="" id="{139A77F8-7D49-45A1-9214-19DF6CAEDB87}"/>
-              </a:ext>
-            </a:extLst>
-          </p:cNvPr>
-          <p:cNvGrpSpPr/>
-          <p:nvPr/>
-        </p:nvGrpSpPr>
-        <p:grpSpPr>
-          <a:xfrm>
-            <a:off x="132856" y="853278"/>
-            <a:ext cx="2152416" cy="2240562"/>
-            <a:chOff x="174072" y="37682"/>
-            <a:chExt cx="2152416" cy="2240562"/>
-          </a:xfrm>
-        </p:grpSpPr>
-        <p:sp>
-          <p:nvSpPr>
-            <p:cNvPr id="9" name="Прямоугольник 8">
-              <a:extLst>
-                <a:ext uri="{FF2B5EF4-FFF2-40B4-BE49-F238E27FC236}">
-                  <a16:creationId xmlns:a16="http://schemas.microsoft.com/office/drawing/2014/main" xmlns="" id="{C1AF4255-9B0F-4619-888B-C211218E49FF}"/>
-                </a:ext>
-              </a:extLst>
-            </p:cNvPr>
-            <p:cNvSpPr/>
-            <p:nvPr/>
-          </p:nvSpPr>
-          <p:spPr>
-            <a:xfrm>
-              <a:off x="182776" y="176182"/>
-              <a:ext cx="307777" cy="307777"/>
-            </a:xfrm>
-            <a:prstGeom prst="rect">
-              <a:avLst/>
-            </a:prstGeom>
-            <a:solidFill>
-              <a:schemeClr val="bg1">
-                <a:lumMod val="95000"/>
-              </a:schemeClr>
-            </a:solidFill>
-            <a:ln>
-              <a:noFill/>
-            </a:ln>
-          </p:spPr>
-          <p:style>
-            <a:lnRef idx="2">
-              <a:schemeClr val="accent1">
-                <a:shade val="50000"/>
-              </a:schemeClr>
-            </a:lnRef>
-            <a:fillRef idx="1">
-              <a:schemeClr val="accent1"/>
-            </a:fillRef>
-            <a:effectRef idx="0">
-              <a:schemeClr val="accent1"/>
-            </a:effectRef>
-            <a:fontRef idx="minor">
-              <a:schemeClr val="lt1"/>
-            </a:fontRef>
-          </p:style>
-          <p:txBody>
-            <a:bodyPr rtlCol="0" anchor="ctr"/>
-            <a:lstStyle/>
-            <a:p>
-              <a:pPr algn="ctr"/>
-              <a:endParaRPr lang="ru-RU" dirty="0"/>
-            </a:p>
-          </p:txBody>
-        </p:sp>
-        <p:sp>
-          <p:nvSpPr>
-            <p:cNvPr id="10" name="Прямоугольник 9">
-              <a:extLst>
-                <a:ext uri="{FF2B5EF4-FFF2-40B4-BE49-F238E27FC236}">
-                  <a16:creationId xmlns:a16="http://schemas.microsoft.com/office/drawing/2014/main" xmlns="" id="{A568F858-4223-42C7-92C9-58140347FD14}"/>
-                </a:ext>
-              </a:extLst>
-            </p:cNvPr>
-            <p:cNvSpPr/>
-            <p:nvPr/>
-          </p:nvSpPr>
-          <p:spPr>
-            <a:xfrm>
-              <a:off x="174072" y="1970467"/>
-              <a:ext cx="307777" cy="307777"/>
-            </a:xfrm>
-            <a:prstGeom prst="rect">
-              <a:avLst/>
-            </a:prstGeom>
-            <a:solidFill>
-              <a:schemeClr val="bg1">
-                <a:lumMod val="95000"/>
-              </a:schemeClr>
-            </a:solidFill>
-            <a:ln>
-              <a:noFill/>
-            </a:ln>
-          </p:spPr>
-          <p:style>
-            <a:lnRef idx="2">
-              <a:schemeClr val="accent1">
-                <a:shade val="50000"/>
-              </a:schemeClr>
-            </a:lnRef>
-            <a:fillRef idx="1">
-              <a:schemeClr val="accent1"/>
-            </a:fillRef>
-            <a:effectRef idx="0">
-              <a:schemeClr val="accent1"/>
-            </a:effectRef>
-            <a:fontRef idx="minor">
-              <a:schemeClr val="lt1"/>
-            </a:fontRef>
-          </p:style>
-          <p:txBody>
-            <a:bodyPr rtlCol="0" anchor="ctr"/>
-            <a:lstStyle/>
-            <a:p>
-              <a:pPr algn="ctr"/>
-              <a:endParaRPr lang="ru-RU"/>
-            </a:p>
-          </p:txBody>
-        </p:sp>
-        <p:sp>
-          <p:nvSpPr>
-            <p:cNvPr id="11" name="Прямоугольник 10">
-              <a:extLst>
-                <a:ext uri="{FF2B5EF4-FFF2-40B4-BE49-F238E27FC236}">
-                  <a16:creationId xmlns:a16="http://schemas.microsoft.com/office/drawing/2014/main" xmlns="" id="{5B70D515-762B-4243-8DAB-E4E82DC6B17A}"/>
-                </a:ext>
-              </a:extLst>
-            </p:cNvPr>
-            <p:cNvSpPr/>
-            <p:nvPr/>
-          </p:nvSpPr>
-          <p:spPr>
-            <a:xfrm>
-              <a:off x="174073" y="1053890"/>
-              <a:ext cx="307777" cy="307777"/>
-            </a:xfrm>
-            <a:prstGeom prst="rect">
-              <a:avLst/>
-            </a:prstGeom>
-            <a:solidFill>
-              <a:schemeClr val="bg1">
-                <a:lumMod val="95000"/>
-              </a:schemeClr>
-            </a:solidFill>
-            <a:ln>
-              <a:noFill/>
-            </a:ln>
-          </p:spPr>
-          <p:style>
-            <a:lnRef idx="2">
-              <a:schemeClr val="accent1">
-                <a:shade val="50000"/>
-              </a:schemeClr>
-            </a:lnRef>
-            <a:fillRef idx="1">
-              <a:schemeClr val="accent1"/>
-            </a:fillRef>
-            <a:effectRef idx="0">
-              <a:schemeClr val="accent1"/>
-            </a:effectRef>
-            <a:fontRef idx="minor">
-              <a:schemeClr val="lt1"/>
-            </a:fontRef>
-          </p:style>
-          <p:txBody>
-            <a:bodyPr rtlCol="0" anchor="ctr"/>
-            <a:lstStyle/>
-            <a:p>
-              <a:pPr algn="ctr"/>
-              <a:endParaRPr lang="ru-RU">
-                <a:solidFill>
-                  <a:srgbClr val="7F7F7F"/>
-                </a:solidFill>
-              </a:endParaRPr>
-            </a:p>
-          </p:txBody>
-        </p:sp>
-        <p:sp>
-          <p:nvSpPr>
-            <p:cNvPr id="12" name="TextBox 11">
-              <a:extLst>
-                <a:ext uri="{FF2B5EF4-FFF2-40B4-BE49-F238E27FC236}">
-                  <a16:creationId xmlns:a16="http://schemas.microsoft.com/office/drawing/2014/main" xmlns="" id="{27C751DA-DBF5-4BF2-AD38-619676BDF720}"/>
-                </a:ext>
-              </a:extLst>
-            </p:cNvPr>
-            <p:cNvSpPr txBox="1"/>
-            <p:nvPr/>
-          </p:nvSpPr>
-          <p:spPr>
-            <a:xfrm>
-              <a:off x="559857" y="37682"/>
-              <a:ext cx="1766631" cy="338554"/>
-            </a:xfrm>
-            <a:prstGeom prst="rect">
-              <a:avLst/>
-            </a:prstGeom>
-            <a:noFill/>
-          </p:spPr>
-          <p:txBody>
-            <a:bodyPr wrap="square">
-              <a:spAutoFit/>
-            </a:bodyPr>
-            <a:lstStyle/>
-            <a:p>
-              <a:r>
-                <a:rPr lang="ru-RU" sz="1600" b="1" dirty="0">
-                  <a:solidFill>
-                    <a:schemeClr val="bg1">
-                      <a:lumMod val="95000"/>
-                    </a:schemeClr>
-                  </a:solidFill>
-                  <a:latin typeface="Verdana" panose="020B0604030504040204" pitchFamily="34" charset="0"/>
-                  <a:ea typeface="Verdana" panose="020B0604030504040204" pitchFamily="34" charset="0"/>
-                </a:rPr>
-                <a:t>а</a:t>
-              </a:r>
-              <a:endParaRPr lang="x-none" sz="1600" b="1" dirty="0">
-                <a:solidFill>
-                  <a:schemeClr val="bg1">
-                    <a:lumMod val="95000"/>
-                  </a:schemeClr>
-                </a:solidFill>
-                <a:latin typeface="Verdana" panose="020B0604030504040204" pitchFamily="34" charset="0"/>
-                <a:ea typeface="Verdana" panose="020B0604030504040204" pitchFamily="34" charset="0"/>
-              </a:endParaRPr>
-            </a:p>
-          </p:txBody>
-        </p:sp>
-        <p:sp>
-          <p:nvSpPr>
-            <p:cNvPr id="13" name="Прямоугольник 12">
-              <a:extLst>
-                <a:ext uri="{FF2B5EF4-FFF2-40B4-BE49-F238E27FC236}">
-                  <a16:creationId xmlns:a16="http://schemas.microsoft.com/office/drawing/2014/main" xmlns="" id="{2107D053-F587-41CE-AC4A-9D7FEBF094D1}"/>
-                </a:ext>
-              </a:extLst>
-            </p:cNvPr>
-            <p:cNvSpPr/>
-            <p:nvPr/>
-          </p:nvSpPr>
-          <p:spPr>
-            <a:xfrm>
-              <a:off x="559857" y="1023113"/>
-              <a:ext cx="1453466" cy="338554"/>
-            </a:xfrm>
-            <a:prstGeom prst="rect">
-              <a:avLst/>
-            </a:prstGeom>
-          </p:spPr>
-          <p:txBody>
-            <a:bodyPr wrap="square">
-              <a:spAutoFit/>
-            </a:bodyPr>
-            <a:lstStyle/>
-            <a:p>
-              <a:r>
-                <a:rPr lang="ru-RU" sz="1600" b="1" dirty="0">
-                  <a:solidFill>
-                    <a:schemeClr val="bg1">
-                      <a:lumMod val="95000"/>
-                    </a:schemeClr>
-                  </a:solidFill>
-                  <a:latin typeface="Verdana" panose="020B0604030504040204" pitchFamily="34" charset="0"/>
-                  <a:ea typeface="Verdana" panose="020B0604030504040204" pitchFamily="34" charset="0"/>
-                </a:rPr>
-                <a:t>б</a:t>
-              </a:r>
-            </a:p>
-          </p:txBody>
-        </p:sp>
-      </p:grpSp>
-      <p:sp>
-        <p:nvSpPr>
-          <p:cNvPr id="14" name="Прямоугольник 13">
-            <a:extLst>
-              <a:ext uri="{FF2B5EF4-FFF2-40B4-BE49-F238E27FC236}">
-                <a16:creationId xmlns:a16="http://schemas.microsoft.com/office/drawing/2014/main" xmlns="" id="{E5033180-5409-4181-81CC-03960C2AD567}"/>
-              </a:ext>
-            </a:extLst>
-          </p:cNvPr>
-          <p:cNvSpPr/>
-          <p:nvPr/>
-        </p:nvSpPr>
-        <p:spPr>
-          <a:xfrm>
-            <a:off x="476831" y="2571750"/>
-            <a:ext cx="1537085" cy="584775"/>
-          </a:xfrm>
-          <a:prstGeom prst="rect">
-            <a:avLst/>
-          </a:prstGeom>
-        </p:spPr>
-        <p:txBody>
-          <a:bodyPr wrap="square">
-            <a:spAutoFit/>
-          </a:bodyPr>
-          <a:lstStyle/>
-          <a:p>
-            <a:r>
-              <a:rPr lang="ru-RU" sz="1600" b="1" dirty="0">
-                <a:solidFill>
-                  <a:schemeClr val="bg1">
-                    <a:lumMod val="95000"/>
-                  </a:schemeClr>
-                </a:solidFill>
-                <a:latin typeface="Verdana" panose="020B0604030504040204" pitchFamily="34" charset="0"/>
-                <a:ea typeface="Verdana" panose="020B0604030504040204" pitchFamily="34" charset="0"/>
-              </a:rPr>
-              <a:t>В</a:t>
-            </a:r>
-          </a:p>
-          <a:p>
-            <a:endParaRPr lang="ru-RU" sz="1600" b="1" dirty="0">
-              <a:solidFill>
-                <a:schemeClr val="bg1">
-                  <a:lumMod val="95000"/>
-                </a:schemeClr>
-              </a:solidFill>
-              <a:latin typeface="Verdana" panose="020B0604030504040204" pitchFamily="34" charset="0"/>
-              <a:ea typeface="Verdana" panose="020B0604030504040204" pitchFamily="34" charset="0"/>
-            </a:endParaRPr>
-          </a:p>
-        </p:txBody>
-      </p:sp>
-    </p:spTree>
-    <p:extLst>
-      <p:ext uri="{BB962C8B-B14F-4D97-AF65-F5344CB8AC3E}">
-        <p14:creationId xmlns:p14="http://schemas.microsoft.com/office/powerpoint/2010/main" val="4092201394"/>
-      </p:ext>
-    </p:extLst>
-  </p:cSld>
-  <p:clrMapOvr>
-    <a:masterClrMapping/>
-  </p:clrMapOvr>
-  <mc:AlternateContent xmlns:mc="http://schemas.openxmlformats.org/markup-compatibility/2006">
-    <mc:Choice xmlns:p14="http://schemas.microsoft.com/office/powerpoint/2010/main" Requires="p14">
-      <p:transition spd="slow" p14:dur="2000"/>
-    </mc:Choice>
-    <mc:Fallback>
-      <p:transition spd="slow"/>
-    </mc:Fallback>
-  </mc:AlternateContent>
 </p:sld>
 </file>
 

--- a/doc/Presentation.pptx
+++ b/doc/Presentation.pptx
@@ -6564,8 +6564,8 @@
         </p:nvCxnSpPr>
         <p:spPr>
           <a:xfrm>
-            <a:off x="3059832" y="867700"/>
-            <a:ext cx="5832648" cy="0"/>
+            <a:off x="2771800" y="867700"/>
+            <a:ext cx="6120680" cy="0"/>
           </a:xfrm>
           <a:prstGeom prst="line">
             <a:avLst/>
@@ -6678,7 +6678,7 @@
         <p:spPr>
           <a:xfrm>
             <a:off x="2990262" y="1131590"/>
-            <a:ext cx="2848408" cy="461665"/>
+            <a:ext cx="1395638" cy="461665"/>
           </a:xfrm>
           <a:prstGeom prst="rect">
             <a:avLst/>
@@ -6692,13 +6692,18 @@
           <a:lstStyle/>
           <a:p>
             <a:r>
-              <a:rPr lang="ru-RU" sz="2400" dirty="0">
+              <a:rPr lang="ru-RU" sz="2400" dirty="0" smtClean="0">
                 <a:solidFill>
                   <a:srgbClr val="FF0000"/>
                 </a:solidFill>
               </a:rPr>
-              <a:t>Картинка, заголовок</a:t>
-            </a:r>
+              <a:t>Картинка</a:t>
+            </a:r>
+            <a:endParaRPr lang="ru-RU" sz="2400" dirty="0">
+              <a:solidFill>
+                <a:srgbClr val="FF0000"/>
+              </a:solidFill>
+            </a:endParaRPr>
           </a:p>
         </p:txBody>
       </p:sp>
@@ -6746,7 +6751,7 @@
         </p:nvSpPr>
         <p:spPr>
           <a:xfrm>
-            <a:off x="3203848" y="299798"/>
+            <a:off x="2768610" y="299798"/>
             <a:ext cx="6110664" cy="461665"/>
           </a:xfrm>
           <a:prstGeom prst="rect">
@@ -6760,14 +6765,14 @@
           <a:lstStyle/>
           <a:p>
             <a:r>
-              <a:rPr lang="en-US" sz="2400" b="1" dirty="0">
+              <a:rPr lang="ru-RU" sz="2400" b="1" dirty="0" smtClean="0">
                 <a:solidFill>
                   <a:schemeClr val="tx2"/>
                 </a:solidFill>
                 <a:latin typeface="Verdana" panose="020B0604030504040204" pitchFamily="34" charset="0"/>
                 <a:ea typeface="Verdana" panose="020B0604030504040204" pitchFamily="34" charset="0"/>
               </a:rPr>
-              <a:t>VFS&amp;GPIO</a:t>
+              <a:t>Обеспечение связи компонентов</a:t>
             </a:r>
             <a:endParaRPr lang="ru-RU" sz="2400" b="1" dirty="0">
               <a:solidFill>
@@ -8693,23 +8698,20 @@
             <a:pPr marL="0" indent="0">
               <a:buNone/>
             </a:pPr>
-            <a:r>
-              <a:rPr lang="en-US" sz="1600" dirty="0">
-                <a:solidFill>
-                  <a:schemeClr val="tx2"/>
-                </a:solidFill>
-                <a:latin typeface="Verdana" panose="020B0604030504040204" pitchFamily="34" charset="0"/>
-                <a:ea typeface="Verdana" panose="020B0604030504040204" pitchFamily="34" charset="0"/>
-              </a:rPr>
-              <a:t>			      </a:t>
-            </a:r>
+            <a:endParaRPr lang="ru-RU" sz="1600" dirty="0" smtClean="0">
+              <a:solidFill>
+                <a:schemeClr val="tx2"/>
+              </a:solidFill>
+              <a:latin typeface="Verdana" panose="020B0604030504040204" pitchFamily="34" charset="0"/>
+              <a:ea typeface="Verdana" panose="020B0604030504040204" pitchFamily="34" charset="0"/>
+            </a:endParaRPr>
           </a:p>
           <a:p>
             <a:pPr marL="0" indent="0">
               <a:buNone/>
             </a:pPr>
             <a:r>
-              <a:rPr lang="ru-RU" sz="1600" dirty="0">
+              <a:rPr lang="ru-RU" sz="1600" dirty="0" smtClean="0">
                 <a:solidFill>
                   <a:schemeClr val="tx2"/>
                 </a:solidFill>
@@ -8719,11 +8721,24 @@
               <a:t>Максимов Алексей</a:t>
             </a:r>
             <a:r>
-              <a:rPr lang="en-US" sz="1600" dirty="0">
+              <a:rPr lang="en-US" sz="1600" dirty="0" smtClean="0">
+                <a:solidFill>
+                  <a:schemeClr val="tx2"/>
+                </a:solidFill>
                 <a:latin typeface="Verdana" panose="020B0604030504040204" pitchFamily="34" charset="0"/>
                 <a:ea typeface="Verdana" panose="020B0604030504040204" pitchFamily="34" charset="0"/>
               </a:rPr>
-              <a:t>			</a:t>
+              <a:t> </a:t>
+            </a:r>
+            <a:r>
+              <a:rPr lang="ru-RU" sz="1600" dirty="0" smtClean="0">
+                <a:solidFill>
+                  <a:schemeClr val="tx2"/>
+                </a:solidFill>
+                <a:latin typeface="Verdana" panose="020B0604030504040204" pitchFamily="34" charset="0"/>
+                <a:ea typeface="Verdana" panose="020B0604030504040204" pitchFamily="34" charset="0"/>
+              </a:rPr>
+              <a:t>Николаевич</a:t>
             </a:r>
             <a:endParaRPr lang="ru-RU" sz="1600" dirty="0">
               <a:solidFill>

--- a/doc/Presentation.pptx
+++ b/doc/Presentation.pptx
@@ -4792,7 +4792,7 @@
         </p:nvSpPr>
         <p:spPr bwMode="auto">
           <a:xfrm>
-            <a:off x="0" y="0"/>
+            <a:off x="-36512" y="0"/>
             <a:ext cx="2160000" cy="5143500"/>
           </a:xfrm>
           <a:prstGeom prst="rect">
@@ -5416,7 +5416,7 @@
         </p:nvSpPr>
         <p:spPr bwMode="auto">
           <a:xfrm>
-            <a:off x="0" y="0"/>
+            <a:off x="-36512" y="0"/>
             <a:ext cx="1080000" cy="5143500"/>
           </a:xfrm>
           <a:prstGeom prst="rect">
@@ -5736,7 +5736,7 @@
         </p:nvSpPr>
         <p:spPr bwMode="auto">
           <a:xfrm>
-            <a:off x="0" y="0"/>
+            <a:off x="-36512" y="0"/>
             <a:ext cx="2160000" cy="5143500"/>
           </a:xfrm>
           <a:prstGeom prst="rect">
@@ -6443,53 +6443,6 @@
           <a:chExt cx="0" cy="0"/>
         </a:xfrm>
       </p:grpSpPr>
-      <p:pic>
-        <p:nvPicPr>
-          <p:cNvPr id="1030" name="Picture 6" descr="vfs_net2">
-            <a:extLst>
-              <a:ext uri="{FF2B5EF4-FFF2-40B4-BE49-F238E27FC236}">
-                <a16:creationId xmlns="" xmlns:a16="http://schemas.microsoft.com/office/drawing/2014/main" id="{FC5C7EC5-30B7-4943-BF0F-33419C772510}"/>
-              </a:ext>
-            </a:extLst>
-          </p:cNvPr>
-          <p:cNvPicPr>
-            <a:picLocks noChangeAspect="1" noChangeArrowheads="1"/>
-          </p:cNvPicPr>
-          <p:nvPr/>
-        </p:nvPicPr>
-        <p:blipFill>
-          <a:blip r:embed="rId3">
-            <a:extLst>
-              <a:ext uri="{28A0092B-C50C-407E-A947-70E740481C1C}">
-                <a14:useLocalDpi xmlns:a14="http://schemas.microsoft.com/office/drawing/2010/main" val="0"/>
-              </a:ext>
-            </a:extLst>
-          </a:blip>
-          <a:srcRect/>
-          <a:stretch>
-            <a:fillRect/>
-          </a:stretch>
-        </p:blipFill>
-        <p:spPr bwMode="auto">
-          <a:xfrm>
-            <a:off x="2267743" y="2643758"/>
-            <a:ext cx="6726965" cy="1277084"/>
-          </a:xfrm>
-          <a:prstGeom prst="rect">
-            <a:avLst/>
-          </a:prstGeom>
-          <a:noFill/>
-          <a:extLst>
-            <a:ext uri="{909E8E84-426E-40DD-AFC4-6F175D3DCCD1}">
-              <a14:hiddenFill xmlns:a14="http://schemas.microsoft.com/office/drawing/2010/main">
-                <a:solidFill>
-                  <a:srgbClr val="FFFFFF"/>
-                </a:solidFill>
-              </a14:hiddenFill>
-            </a:ext>
-          </a:extLst>
-        </p:spPr>
-      </p:pic>
       <p:sp>
         <p:nvSpPr>
           <p:cNvPr id="31" name="Прямоугольник 30">
@@ -6504,7 +6457,7 @@
         </p:nvSpPr>
         <p:spPr bwMode="auto">
           <a:xfrm>
-            <a:off x="0" y="0"/>
+            <a:off x="-36512" y="0"/>
             <a:ext cx="2160000" cy="5143500"/>
           </a:xfrm>
           <a:prstGeom prst="rect">
@@ -6665,44 +6618,6 @@
             </a:r>
             <a:endParaRPr lang="ru-RU" altLang="ru-RU" sz="3200" dirty="0">
               <a:cs typeface="Times New Roman" panose="02020603050405020304" pitchFamily="18" charset="0"/>
-            </a:endParaRPr>
-          </a:p>
-        </p:txBody>
-      </p:sp>
-      <p:sp>
-        <p:nvSpPr>
-          <p:cNvPr id="4" name="TextBox 3"/>
-          <p:cNvSpPr txBox="1"/>
-          <p:nvPr/>
-        </p:nvSpPr>
-        <p:spPr>
-          <a:xfrm>
-            <a:off x="2990262" y="1131590"/>
-            <a:ext cx="1395638" cy="461665"/>
-          </a:xfrm>
-          <a:prstGeom prst="rect">
-            <a:avLst/>
-          </a:prstGeom>
-          <a:noFill/>
-        </p:spPr>
-        <p:txBody>
-          <a:bodyPr wrap="none" rtlCol="0">
-            <a:spAutoFit/>
-          </a:bodyPr>
-          <a:lstStyle/>
-          <a:p>
-            <a:r>
-              <a:rPr lang="ru-RU" sz="2400" dirty="0" smtClean="0">
-                <a:solidFill>
-                  <a:srgbClr val="FF0000"/>
-                </a:solidFill>
-              </a:rPr>
-              <a:t>Картинка</a:t>
-            </a:r>
-            <a:endParaRPr lang="ru-RU" sz="2400" dirty="0">
-              <a:solidFill>
-                <a:srgbClr val="FF0000"/>
-              </a:solidFill>
             </a:endParaRPr>
           </a:p>
         </p:txBody>
@@ -7125,6 +7040,47 @@
           </a:p>
         </p:txBody>
       </p:sp>
+      <p:pic>
+        <p:nvPicPr>
+          <p:cNvPr id="1026" name="Picture 2" descr="C:\Users\kosiya\Downloads\Архитектура ИС\Гагачи2022\vfs gpio.jpg"/>
+          <p:cNvPicPr>
+            <a:picLocks noChangeAspect="1" noChangeArrowheads="1"/>
+          </p:cNvPicPr>
+          <p:nvPr/>
+        </p:nvPicPr>
+        <p:blipFill>
+          <a:blip r:embed="rId3">
+            <a:extLst>
+              <a:ext uri="{28A0092B-C50C-407E-A947-70E740481C1C}">
+                <a14:useLocalDpi xmlns:a14="http://schemas.microsoft.com/office/drawing/2010/main" val="0"/>
+              </a:ext>
+            </a:extLst>
+          </a:blip>
+          <a:srcRect/>
+          <a:stretch>
+            <a:fillRect/>
+          </a:stretch>
+        </p:blipFill>
+        <p:spPr bwMode="auto">
+          <a:xfrm>
+            <a:off x="2271404" y="1851670"/>
+            <a:ext cx="6673097" cy="1599878"/>
+          </a:xfrm>
+          <a:prstGeom prst="rect">
+            <a:avLst/>
+          </a:prstGeom>
+          <a:noFill/>
+          <a:extLst>
+            <a:ext uri="{909E8E84-426E-40DD-AFC4-6F175D3DCCD1}">
+              <a14:hiddenFill xmlns:a14="http://schemas.microsoft.com/office/drawing/2010/main">
+                <a:solidFill>
+                  <a:srgbClr val="FFFFFF"/>
+                </a:solidFill>
+              </a14:hiddenFill>
+            </a:ext>
+          </a:extLst>
+        </p:spPr>
+      </p:pic>
     </p:spTree>
     <p:extLst>
       <p:ext uri="{BB962C8B-B14F-4D97-AF65-F5344CB8AC3E}">
@@ -7169,7 +7125,7 @@
         </p:nvSpPr>
         <p:spPr bwMode="auto">
           <a:xfrm>
-            <a:off x="0" y="0"/>
+            <a:off x="-36512" y="0"/>
             <a:ext cx="1080000" cy="5143500"/>
           </a:xfrm>
           <a:prstGeom prst="rect">
@@ -7489,7 +7445,7 @@
         </p:nvSpPr>
         <p:spPr bwMode="auto">
           <a:xfrm>
-            <a:off x="0" y="0"/>
+            <a:off x="-36512" y="0"/>
             <a:ext cx="1080000" cy="5143500"/>
           </a:xfrm>
           <a:prstGeom prst="rect">
@@ -7888,7 +7844,7 @@
         </p:nvSpPr>
         <p:spPr bwMode="auto">
           <a:xfrm>
-            <a:off x="0" y="0"/>
+            <a:off x="-36512" y="0"/>
             <a:ext cx="2160000" cy="5143500"/>
           </a:xfrm>
           <a:prstGeom prst="rect">
@@ -8464,7 +8420,7 @@
         </p:nvSpPr>
         <p:spPr bwMode="auto">
           <a:xfrm>
-            <a:off x="0" y="0"/>
+            <a:off x="-36512" y="0"/>
             <a:ext cx="2160000" cy="5143500"/>
           </a:xfrm>
           <a:prstGeom prst="rect">

--- a/doc/Presentation.pptx
+++ b/doc/Presentation.pptx
@@ -134,7 +134,7 @@
       </p14:sectionLst>
     </p:ext>
     <p:ext uri="{EFAFB233-063F-42B5-8137-9DF3F51BA10A}">
-      <p15:sldGuideLst xmlns="" xmlns:p15="http://schemas.microsoft.com/office/powerpoint/2012/main">
+      <p15:sldGuideLst xmlns:p15="http://schemas.microsoft.com/office/powerpoint/2012/main">
         <p15:guide id="1" orient="horz" pos="395" userDrawn="1">
           <p15:clr>
             <a:srgbClr val="A4A3A4"/>
@@ -2083,7 +2083,7 @@
           <p:cNvPr id="2" name="Заголовок 1">
             <a:extLst>
               <a:ext uri="{FF2B5EF4-FFF2-40B4-BE49-F238E27FC236}">
-                <a16:creationId xmlns="" xmlns:a16="http://schemas.microsoft.com/office/drawing/2014/main" id="{1187A9FC-966E-4F88-A65A-7E03044F5433}"/>
+                <a16:creationId xmlns:a16="http://schemas.microsoft.com/office/drawing/2014/main" id="{1187A9FC-966E-4F88-A65A-7E03044F5433}"/>
               </a:ext>
             </a:extLst>
           </p:cNvPr>
@@ -2111,7 +2111,7 @@
           <p:cNvPr id="3" name="Дата 2">
             <a:extLst>
               <a:ext uri="{FF2B5EF4-FFF2-40B4-BE49-F238E27FC236}">
-                <a16:creationId xmlns="" xmlns:a16="http://schemas.microsoft.com/office/drawing/2014/main" id="{7625A992-FDE0-409C-A39E-4079FE954E51}"/>
+                <a16:creationId xmlns:a16="http://schemas.microsoft.com/office/drawing/2014/main" id="{7625A992-FDE0-409C-A39E-4079FE954E51}"/>
               </a:ext>
             </a:extLst>
           </p:cNvPr>
@@ -2140,7 +2140,7 @@
           <p:cNvPr id="4" name="Нижний колонтитул 3">
             <a:extLst>
               <a:ext uri="{FF2B5EF4-FFF2-40B4-BE49-F238E27FC236}">
-                <a16:creationId xmlns="" xmlns:a16="http://schemas.microsoft.com/office/drawing/2014/main" id="{93E533D9-BB3D-4C32-AC6D-B5D461B6EECE}"/>
+                <a16:creationId xmlns:a16="http://schemas.microsoft.com/office/drawing/2014/main" id="{93E533D9-BB3D-4C32-AC6D-B5D461B6EECE}"/>
               </a:ext>
             </a:extLst>
           </p:cNvPr>
@@ -2165,7 +2165,7 @@
           <p:cNvPr id="5" name="Номер слайда 4">
             <a:extLst>
               <a:ext uri="{FF2B5EF4-FFF2-40B4-BE49-F238E27FC236}">
-                <a16:creationId xmlns="" xmlns:a16="http://schemas.microsoft.com/office/drawing/2014/main" id="{B403D20D-06F7-4FCC-AFCB-E8F2F26A01BF}"/>
+                <a16:creationId xmlns:a16="http://schemas.microsoft.com/office/drawing/2014/main" id="{B403D20D-06F7-4FCC-AFCB-E8F2F26A01BF}"/>
               </a:ext>
             </a:extLst>
           </p:cNvPr>
@@ -2195,7 +2195,7 @@
           <p:cNvPr id="7" name="Текст 6">
             <a:extLst>
               <a:ext uri="{FF2B5EF4-FFF2-40B4-BE49-F238E27FC236}">
-                <a16:creationId xmlns="" xmlns:a16="http://schemas.microsoft.com/office/drawing/2014/main" id="{9DF0B83D-EEFA-4CD3-ABB2-378315AC97AA}"/>
+                <a16:creationId xmlns:a16="http://schemas.microsoft.com/office/drawing/2014/main" id="{9DF0B83D-EEFA-4CD3-ABB2-378315AC97AA}"/>
               </a:ext>
             </a:extLst>
           </p:cNvPr>
@@ -4244,7 +4244,7 @@
           <p:cNvPr id="23" name="Полилиния: фигура 22">
             <a:extLst>
               <a:ext uri="{FF2B5EF4-FFF2-40B4-BE49-F238E27FC236}">
-                <a16:creationId xmlns="" xmlns:a16="http://schemas.microsoft.com/office/drawing/2014/main" id="{2346EF01-306A-45F1-B49E-ADB43FC604E8}"/>
+                <a16:creationId xmlns:a16="http://schemas.microsoft.com/office/drawing/2014/main" id="{2346EF01-306A-45F1-B49E-ADB43FC604E8}"/>
               </a:ext>
             </a:extLst>
           </p:cNvPr>
@@ -4341,7 +4341,7 @@
           <p:cNvPr id="7" name="TextBox 6">
             <a:extLst>
               <a:ext uri="{FF2B5EF4-FFF2-40B4-BE49-F238E27FC236}">
-                <a16:creationId xmlns="" xmlns:a16="http://schemas.microsoft.com/office/drawing/2014/main" id="{DB65D454-9513-AE4B-B897-CBE3585FB02C}"/>
+                <a16:creationId xmlns:a16="http://schemas.microsoft.com/office/drawing/2014/main" id="{DB65D454-9513-AE4B-B897-CBE3585FB02C}"/>
               </a:ext>
             </a:extLst>
           </p:cNvPr>
@@ -4393,16 +4393,6 @@
               </a:rPr>
               <a:t>Авиационный</a:t>
             </a:r>
-            <a:r>
-              <a:rPr lang="en-US" sz="3200" b="1" dirty="0">
-                <a:solidFill>
-                  <a:schemeClr val="bg1"/>
-                </a:solidFill>
-                <a:latin typeface="Verdana" panose="020B0604030504040204" pitchFamily="34" charset="0"/>
-                <a:ea typeface="Verdana" panose="020B0604030504040204" pitchFamily="34" charset="0"/>
-              </a:rPr>
-              <a:t/>
-            </a:r>
             <a:br>
               <a:rPr lang="en-US" sz="3200" b="1" dirty="0">
                 <a:solidFill>
@@ -4483,7 +4473,7 @@
           <p:cNvPr id="25" name="TextBox 24">
             <a:extLst>
               <a:ext uri="{FF2B5EF4-FFF2-40B4-BE49-F238E27FC236}">
-                <a16:creationId xmlns="" xmlns:a16="http://schemas.microsoft.com/office/drawing/2014/main" id="{5F839AF4-2DA2-448E-9D55-17402DA471EB}"/>
+                <a16:creationId xmlns:a16="http://schemas.microsoft.com/office/drawing/2014/main" id="{5F839AF4-2DA2-448E-9D55-17402DA471EB}"/>
               </a:ext>
             </a:extLst>
           </p:cNvPr>
@@ -4541,7 +4531,7 @@
           <p:cNvPr id="9" name="Рисунок 8" descr="Изображение выглядит как фотография, знак, черный, белый&#10;&#10;Автоматически созданное описание">
             <a:extLst>
               <a:ext uri="{FF2B5EF4-FFF2-40B4-BE49-F238E27FC236}">
-                <a16:creationId xmlns="" xmlns:a16="http://schemas.microsoft.com/office/drawing/2014/main" id="{074BF89E-2F5E-4138-803A-5E07BFE000CD}"/>
+                <a16:creationId xmlns:a16="http://schemas.microsoft.com/office/drawing/2014/main" id="{074BF89E-2F5E-4138-803A-5E07BFE000CD}"/>
               </a:ext>
             </a:extLst>
           </p:cNvPr>
@@ -4577,7 +4567,7 @@
           <p:cNvPr id="8" name="Прямоугольник 7">
             <a:extLst>
               <a:ext uri="{FF2B5EF4-FFF2-40B4-BE49-F238E27FC236}">
-                <a16:creationId xmlns="" xmlns:a16="http://schemas.microsoft.com/office/drawing/2014/main" id="{B22E2906-0F12-4345-BF21-9247EC5D1052}"/>
+                <a16:creationId xmlns:a16="http://schemas.microsoft.com/office/drawing/2014/main" id="{B22E2906-0F12-4345-BF21-9247EC5D1052}"/>
               </a:ext>
             </a:extLst>
           </p:cNvPr>
@@ -4734,7 +4724,7 @@
           <p:cNvPr id="2" name="Номер слайда 1">
             <a:extLst>
               <a:ext uri="{FF2B5EF4-FFF2-40B4-BE49-F238E27FC236}">
-                <a16:creationId xmlns="" xmlns:a16="http://schemas.microsoft.com/office/drawing/2014/main" id="{BA9CF357-4FFB-4B7D-AC71-7714293F20AA}"/>
+                <a16:creationId xmlns:a16="http://schemas.microsoft.com/office/drawing/2014/main" id="{BA9CF357-4FFB-4B7D-AC71-7714293F20AA}"/>
               </a:ext>
             </a:extLst>
           </p:cNvPr>
@@ -4841,7 +4831,7 @@
           <p:cNvPr id="30" name="Прямая соединительная линия 29">
             <a:extLst>
               <a:ext uri="{FF2B5EF4-FFF2-40B4-BE49-F238E27FC236}">
-                <a16:creationId xmlns="" xmlns:a16="http://schemas.microsoft.com/office/drawing/2014/main" id="{F004EEAE-9E59-4362-892F-11F0597BBF49}"/>
+                <a16:creationId xmlns:a16="http://schemas.microsoft.com/office/drawing/2014/main" id="{F004EEAE-9E59-4362-892F-11F0597BBF49}"/>
               </a:ext>
             </a:extLst>
           </p:cNvPr>
@@ -4884,7 +4874,7 @@
           <p:cNvPr id="3" name="Номер слайда 2">
             <a:extLst>
               <a:ext uri="{FF2B5EF4-FFF2-40B4-BE49-F238E27FC236}">
-                <a16:creationId xmlns="" xmlns:a16="http://schemas.microsoft.com/office/drawing/2014/main" id="{9879899F-8DEE-4C3F-B4F8-8A504F60C80B}"/>
+                <a16:creationId xmlns:a16="http://schemas.microsoft.com/office/drawing/2014/main" id="{9879899F-8DEE-4C3F-B4F8-8A504F60C80B}"/>
               </a:ext>
             </a:extLst>
           </p:cNvPr>
@@ -4914,7 +4904,7 @@
           <p:cNvPr id="14" name="Прямоугольник 13">
             <a:extLst>
               <a:ext uri="{FF2B5EF4-FFF2-40B4-BE49-F238E27FC236}">
-                <a16:creationId xmlns="" xmlns:a16="http://schemas.microsoft.com/office/drawing/2014/main" id="{C204DE12-0708-4039-981E-EC5E81BC4662}"/>
+                <a16:creationId xmlns:a16="http://schemas.microsoft.com/office/drawing/2014/main" id="{C204DE12-0708-4039-981E-EC5E81BC4662}"/>
               </a:ext>
             </a:extLst>
           </p:cNvPr>
@@ -5007,7 +4997,7 @@
           <p:cNvPr id="1026" name="Picture 2">
             <a:extLst>
               <a:ext uri="{FF2B5EF4-FFF2-40B4-BE49-F238E27FC236}">
-                <a16:creationId xmlns="" xmlns:a16="http://schemas.microsoft.com/office/drawing/2014/main" id="{17C112DF-E30E-4E91-BE1E-B73E5466DF10}"/>
+                <a16:creationId xmlns:a16="http://schemas.microsoft.com/office/drawing/2014/main" id="{17C112DF-E30E-4E91-BE1E-B73E5466DF10}"/>
               </a:ext>
             </a:extLst>
           </p:cNvPr>
@@ -5054,7 +5044,7 @@
           <p:cNvPr id="10" name="Группа 9">
             <a:extLst>
               <a:ext uri="{FF2B5EF4-FFF2-40B4-BE49-F238E27FC236}">
-                <a16:creationId xmlns="" xmlns:a16="http://schemas.microsoft.com/office/drawing/2014/main" id="{C966BB80-279D-40A2-84AF-CDA482DFE0F5}"/>
+                <a16:creationId xmlns:a16="http://schemas.microsoft.com/office/drawing/2014/main" id="{C966BB80-279D-40A2-84AF-CDA482DFE0F5}"/>
               </a:ext>
             </a:extLst>
           </p:cNvPr>
@@ -5074,7 +5064,7 @@
             <p:cNvPr id="11" name="Прямоугольник 10">
               <a:extLst>
                 <a:ext uri="{FF2B5EF4-FFF2-40B4-BE49-F238E27FC236}">
-                  <a16:creationId xmlns="" xmlns:a16="http://schemas.microsoft.com/office/drawing/2014/main" id="{1C3373F8-AC50-4FE4-9BFB-C2ABC5937CCF}"/>
+                  <a16:creationId xmlns:a16="http://schemas.microsoft.com/office/drawing/2014/main" id="{1C3373F8-AC50-4FE4-9BFB-C2ABC5937CCF}"/>
                 </a:ext>
               </a:extLst>
             </p:cNvPr>
@@ -5128,7 +5118,7 @@
             <p:cNvPr id="12" name="Прямоугольник 11">
               <a:extLst>
                 <a:ext uri="{FF2B5EF4-FFF2-40B4-BE49-F238E27FC236}">
-                  <a16:creationId xmlns="" xmlns:a16="http://schemas.microsoft.com/office/drawing/2014/main" id="{4DFE0403-DA90-48B3-8870-BB7651570C39}"/>
+                  <a16:creationId xmlns:a16="http://schemas.microsoft.com/office/drawing/2014/main" id="{4DFE0403-DA90-48B3-8870-BB7651570C39}"/>
                 </a:ext>
               </a:extLst>
             </p:cNvPr>
@@ -5182,7 +5172,7 @@
             <p:cNvPr id="13" name="Прямоугольник 12">
               <a:extLst>
                 <a:ext uri="{FF2B5EF4-FFF2-40B4-BE49-F238E27FC236}">
-                  <a16:creationId xmlns="" xmlns:a16="http://schemas.microsoft.com/office/drawing/2014/main" id="{300C2159-07F4-4FED-9B06-CE00C4978DA0}"/>
+                  <a16:creationId xmlns:a16="http://schemas.microsoft.com/office/drawing/2014/main" id="{300C2159-07F4-4FED-9B06-CE00C4978DA0}"/>
                 </a:ext>
               </a:extLst>
             </p:cNvPr>
@@ -5240,7 +5230,7 @@
             <p:cNvPr id="15" name="TextBox 14">
               <a:extLst>
                 <a:ext uri="{FF2B5EF4-FFF2-40B4-BE49-F238E27FC236}">
-                  <a16:creationId xmlns="" xmlns:a16="http://schemas.microsoft.com/office/drawing/2014/main" id="{3BBCBA7E-0F94-4396-B31C-676823516FFA}"/>
+                  <a16:creationId xmlns:a16="http://schemas.microsoft.com/office/drawing/2014/main" id="{3BBCBA7E-0F94-4396-B31C-676823516FFA}"/>
                 </a:ext>
               </a:extLst>
             </p:cNvPr>
@@ -5292,7 +5282,7 @@
             <p:cNvPr id="16" name="Прямоугольник 15">
               <a:extLst>
                 <a:ext uri="{FF2B5EF4-FFF2-40B4-BE49-F238E27FC236}">
-                  <a16:creationId xmlns="" xmlns:a16="http://schemas.microsoft.com/office/drawing/2014/main" id="{9DF13001-453E-456E-9606-5ACD70C1F22C}"/>
+                  <a16:creationId xmlns:a16="http://schemas.microsoft.com/office/drawing/2014/main" id="{9DF13001-453E-456E-9606-5ACD70C1F22C}"/>
                 </a:ext>
               </a:extLst>
             </p:cNvPr>
@@ -5335,7 +5325,7 @@
           <p:cNvPr id="17" name="Прямоугольник 16">
             <a:extLst>
               <a:ext uri="{FF2B5EF4-FFF2-40B4-BE49-F238E27FC236}">
-                <a16:creationId xmlns="" xmlns:a16="http://schemas.microsoft.com/office/drawing/2014/main" id="{4178CC85-0238-47F8-9C95-8ED6B85E84DE}"/>
+                <a16:creationId xmlns:a16="http://schemas.microsoft.com/office/drawing/2014/main" id="{4178CC85-0238-47F8-9C95-8ED6B85E84DE}"/>
               </a:ext>
             </a:extLst>
           </p:cNvPr>
@@ -5407,7 +5397,7 @@
           <p:cNvPr id="45" name="Прямоугольник 44">
             <a:extLst>
               <a:ext uri="{FF2B5EF4-FFF2-40B4-BE49-F238E27FC236}">
-                <a16:creationId xmlns="" xmlns:a16="http://schemas.microsoft.com/office/drawing/2014/main" id="{F844FAD0-BFD3-42F8-8444-0D4247E6F864}"/>
+                <a16:creationId xmlns:a16="http://schemas.microsoft.com/office/drawing/2014/main" id="{F844FAD0-BFD3-42F8-8444-0D4247E6F864}"/>
               </a:ext>
             </a:extLst>
           </p:cNvPr>
@@ -5543,7 +5533,7 @@
           <p:cNvPr id="2" name="Номер слайда 1">
             <a:extLst>
               <a:ext uri="{FF2B5EF4-FFF2-40B4-BE49-F238E27FC236}">
-                <a16:creationId xmlns="" xmlns:a16="http://schemas.microsoft.com/office/drawing/2014/main" id="{6C639C31-70B3-4747-90CA-1855C8665F6D}"/>
+                <a16:creationId xmlns:a16="http://schemas.microsoft.com/office/drawing/2014/main" id="{6C639C31-70B3-4747-90CA-1855C8665F6D}"/>
               </a:ext>
             </a:extLst>
           </p:cNvPr>
@@ -5573,7 +5563,7 @@
           <p:cNvPr id="9" name="Прямая соединительная линия 8">
             <a:extLst>
               <a:ext uri="{FF2B5EF4-FFF2-40B4-BE49-F238E27FC236}">
-                <a16:creationId xmlns="" xmlns:a16="http://schemas.microsoft.com/office/drawing/2014/main" id="{D801378D-54AE-4064-AFC0-861B34FEDBE9}"/>
+                <a16:creationId xmlns:a16="http://schemas.microsoft.com/office/drawing/2014/main" id="{D801378D-54AE-4064-AFC0-861B34FEDBE9}"/>
               </a:ext>
             </a:extLst>
           </p:cNvPr>
@@ -5616,7 +5606,7 @@
           <p:cNvPr id="13" name="Прямоугольник 12">
             <a:extLst>
               <a:ext uri="{FF2B5EF4-FFF2-40B4-BE49-F238E27FC236}">
-                <a16:creationId xmlns="" xmlns:a16="http://schemas.microsoft.com/office/drawing/2014/main" id="{A311B375-86CE-4E7D-BEFB-9E495DC2ED8E}"/>
+                <a16:creationId xmlns:a16="http://schemas.microsoft.com/office/drawing/2014/main" id="{A311B375-86CE-4E7D-BEFB-9E495DC2ED8E}"/>
               </a:ext>
             </a:extLst>
           </p:cNvPr>
@@ -5727,7 +5717,7 @@
           <p:cNvPr id="5" name="Прямоугольник 4">
             <a:extLst>
               <a:ext uri="{FF2B5EF4-FFF2-40B4-BE49-F238E27FC236}">
-                <a16:creationId xmlns="" xmlns:a16="http://schemas.microsoft.com/office/drawing/2014/main" id="{66C439E9-3E70-4653-97C3-031864E7D8D0}"/>
+                <a16:creationId xmlns:a16="http://schemas.microsoft.com/office/drawing/2014/main" id="{66C439E9-3E70-4653-97C3-031864E7D8D0}"/>
               </a:ext>
             </a:extLst>
           </p:cNvPr>
@@ -5785,7 +5775,7 @@
           <p:cNvPr id="12" name="Объект 11">
             <a:extLst>
               <a:ext uri="{FF2B5EF4-FFF2-40B4-BE49-F238E27FC236}">
-                <a16:creationId xmlns="" xmlns:a16="http://schemas.microsoft.com/office/drawing/2014/main" id="{B7C51A1C-8922-4440-B769-CB2C3DEB3983}"/>
+                <a16:creationId xmlns:a16="http://schemas.microsoft.com/office/drawing/2014/main" id="{B7C51A1C-8922-4440-B769-CB2C3DEB3983}"/>
               </a:ext>
             </a:extLst>
           </p:cNvPr>
@@ -5814,7 +5804,7 @@
           <p:cNvPr id="4" name="Номер слайда 3">
             <a:extLst>
               <a:ext uri="{FF2B5EF4-FFF2-40B4-BE49-F238E27FC236}">
-                <a16:creationId xmlns="" xmlns:a16="http://schemas.microsoft.com/office/drawing/2014/main" id="{C8A9DE46-F073-46D7-B376-7501FC0857AE}"/>
+                <a16:creationId xmlns:a16="http://schemas.microsoft.com/office/drawing/2014/main" id="{C8A9DE46-F073-46D7-B376-7501FC0857AE}"/>
               </a:ext>
             </a:extLst>
           </p:cNvPr>
@@ -5844,7 +5834,7 @@
           <p:cNvPr id="6" name="Прямая соединительная линия 5">
             <a:extLst>
               <a:ext uri="{FF2B5EF4-FFF2-40B4-BE49-F238E27FC236}">
-                <a16:creationId xmlns="" xmlns:a16="http://schemas.microsoft.com/office/drawing/2014/main" id="{AA138C88-C0F1-4DB1-B124-2598866FA507}"/>
+                <a16:creationId xmlns:a16="http://schemas.microsoft.com/office/drawing/2014/main" id="{AA138C88-C0F1-4DB1-B124-2598866FA507}"/>
               </a:ext>
             </a:extLst>
           </p:cNvPr>
@@ -5887,7 +5877,7 @@
           <p:cNvPr id="8" name="Прямоугольник 7">
             <a:extLst>
               <a:ext uri="{FF2B5EF4-FFF2-40B4-BE49-F238E27FC236}">
-                <a16:creationId xmlns="" xmlns:a16="http://schemas.microsoft.com/office/drawing/2014/main" id="{E241D599-E25D-4723-8B9C-C236D5FE6E76}"/>
+                <a16:creationId xmlns:a16="http://schemas.microsoft.com/office/drawing/2014/main" id="{E241D599-E25D-4723-8B9C-C236D5FE6E76}"/>
               </a:ext>
             </a:extLst>
           </p:cNvPr>
@@ -5927,7 +5917,7 @@
           <p:cNvPr id="13" name="Прямоугольник 12">
             <a:extLst>
               <a:ext uri="{FF2B5EF4-FFF2-40B4-BE49-F238E27FC236}">
-                <a16:creationId xmlns="" xmlns:a16="http://schemas.microsoft.com/office/drawing/2014/main" id="{8691D101-8FB8-4148-96C0-FC85128352E9}"/>
+                <a16:creationId xmlns:a16="http://schemas.microsoft.com/office/drawing/2014/main" id="{8691D101-8FB8-4148-96C0-FC85128352E9}"/>
               </a:ext>
             </a:extLst>
           </p:cNvPr>
@@ -6077,7 +6067,7 @@
           <p:cNvPr id="14" name="Группа 13">
             <a:extLst>
               <a:ext uri="{FF2B5EF4-FFF2-40B4-BE49-F238E27FC236}">
-                <a16:creationId xmlns="" xmlns:a16="http://schemas.microsoft.com/office/drawing/2014/main" id="{04A2D0FC-A086-451D-8E3C-C36D94520331}"/>
+                <a16:creationId xmlns:a16="http://schemas.microsoft.com/office/drawing/2014/main" id="{04A2D0FC-A086-451D-8E3C-C36D94520331}"/>
               </a:ext>
             </a:extLst>
           </p:cNvPr>
@@ -6097,7 +6087,7 @@
             <p:cNvPr id="15" name="Прямоугольник 14">
               <a:extLst>
                 <a:ext uri="{FF2B5EF4-FFF2-40B4-BE49-F238E27FC236}">
-                  <a16:creationId xmlns="" xmlns:a16="http://schemas.microsoft.com/office/drawing/2014/main" id="{CCAB0E93-B482-4511-9C92-D58B5CA1B476}"/>
+                  <a16:creationId xmlns:a16="http://schemas.microsoft.com/office/drawing/2014/main" id="{CCAB0E93-B482-4511-9C92-D58B5CA1B476}"/>
                 </a:ext>
               </a:extLst>
             </p:cNvPr>
@@ -6151,7 +6141,7 @@
             <p:cNvPr id="16" name="Прямоугольник 15">
               <a:extLst>
                 <a:ext uri="{FF2B5EF4-FFF2-40B4-BE49-F238E27FC236}">
-                  <a16:creationId xmlns="" xmlns:a16="http://schemas.microsoft.com/office/drawing/2014/main" id="{9A6819D6-8981-437E-9451-D33DC6AE2CFF}"/>
+                  <a16:creationId xmlns:a16="http://schemas.microsoft.com/office/drawing/2014/main" id="{9A6819D6-8981-437E-9451-D33DC6AE2CFF}"/>
                 </a:ext>
               </a:extLst>
             </p:cNvPr>
@@ -6205,7 +6195,7 @@
             <p:cNvPr id="17" name="Прямоугольник 16">
               <a:extLst>
                 <a:ext uri="{FF2B5EF4-FFF2-40B4-BE49-F238E27FC236}">
-                  <a16:creationId xmlns="" xmlns:a16="http://schemas.microsoft.com/office/drawing/2014/main" id="{2A9176D3-840D-47CC-BE16-23C1B0AB344E}"/>
+                  <a16:creationId xmlns:a16="http://schemas.microsoft.com/office/drawing/2014/main" id="{2A9176D3-840D-47CC-BE16-23C1B0AB344E}"/>
                 </a:ext>
               </a:extLst>
             </p:cNvPr>
@@ -6263,7 +6253,7 @@
             <p:cNvPr id="18" name="TextBox 17">
               <a:extLst>
                 <a:ext uri="{FF2B5EF4-FFF2-40B4-BE49-F238E27FC236}">
-                  <a16:creationId xmlns="" xmlns:a16="http://schemas.microsoft.com/office/drawing/2014/main" id="{E8D75791-002E-49CB-AF45-B5DEFED0FE93}"/>
+                  <a16:creationId xmlns:a16="http://schemas.microsoft.com/office/drawing/2014/main" id="{E8D75791-002E-49CB-AF45-B5DEFED0FE93}"/>
                 </a:ext>
               </a:extLst>
             </p:cNvPr>
@@ -6315,7 +6305,7 @@
             <p:cNvPr id="19" name="Прямоугольник 18">
               <a:extLst>
                 <a:ext uri="{FF2B5EF4-FFF2-40B4-BE49-F238E27FC236}">
-                  <a16:creationId xmlns="" xmlns:a16="http://schemas.microsoft.com/office/drawing/2014/main" id="{6E6ADD29-EE78-4E35-B4D4-DB39F977BC25}"/>
+                  <a16:creationId xmlns:a16="http://schemas.microsoft.com/office/drawing/2014/main" id="{6E6ADD29-EE78-4E35-B4D4-DB39F977BC25}"/>
                 </a:ext>
               </a:extLst>
             </p:cNvPr>
@@ -6367,7 +6357,7 @@
           <p:cNvPr id="20" name="Прямоугольник 19">
             <a:extLst>
               <a:ext uri="{FF2B5EF4-FFF2-40B4-BE49-F238E27FC236}">
-                <a16:creationId xmlns="" xmlns:a16="http://schemas.microsoft.com/office/drawing/2014/main" id="{F3DCC88F-61A0-4738-AD2D-3A7ECCAA1F42}"/>
+                <a16:creationId xmlns:a16="http://schemas.microsoft.com/office/drawing/2014/main" id="{F3DCC88F-61A0-4738-AD2D-3A7ECCAA1F42}"/>
               </a:ext>
             </a:extLst>
           </p:cNvPr>
@@ -6448,7 +6438,7 @@
           <p:cNvPr id="31" name="Прямоугольник 30">
             <a:extLst>
               <a:ext uri="{FF2B5EF4-FFF2-40B4-BE49-F238E27FC236}">
-                <a16:creationId xmlns="" xmlns:a16="http://schemas.microsoft.com/office/drawing/2014/main" id="{F844FAD0-BFD3-42F8-8444-0D4247E6F864}"/>
+                <a16:creationId xmlns:a16="http://schemas.microsoft.com/office/drawing/2014/main" id="{F844FAD0-BFD3-42F8-8444-0D4247E6F864}"/>
               </a:ext>
             </a:extLst>
           </p:cNvPr>
@@ -6506,7 +6496,7 @@
           <p:cNvPr id="27" name="Прямая соединительная линия 26">
             <a:extLst>
               <a:ext uri="{FF2B5EF4-FFF2-40B4-BE49-F238E27FC236}">
-                <a16:creationId xmlns="" xmlns:a16="http://schemas.microsoft.com/office/drawing/2014/main" id="{7D440611-E861-4ADC-BE55-6C5E3E2135B0}"/>
+                <a16:creationId xmlns:a16="http://schemas.microsoft.com/office/drawing/2014/main" id="{7D440611-E861-4ADC-BE55-6C5E3E2135B0}"/>
               </a:ext>
             </a:extLst>
           </p:cNvPr>
@@ -6627,7 +6617,7 @@
           <p:cNvPr id="2" name="Номер слайда 1">
             <a:extLst>
               <a:ext uri="{FF2B5EF4-FFF2-40B4-BE49-F238E27FC236}">
-                <a16:creationId xmlns="" xmlns:a16="http://schemas.microsoft.com/office/drawing/2014/main" id="{FD31FB89-335E-4DB6-8667-434A37E623F2}"/>
+                <a16:creationId xmlns:a16="http://schemas.microsoft.com/office/drawing/2014/main" id="{FD31FB89-335E-4DB6-8667-434A37E623F2}"/>
               </a:ext>
             </a:extLst>
           </p:cNvPr>
@@ -6657,7 +6647,7 @@
           <p:cNvPr id="11" name="Прямоугольник 10">
             <a:extLst>
               <a:ext uri="{FF2B5EF4-FFF2-40B4-BE49-F238E27FC236}">
-                <a16:creationId xmlns="" xmlns:a16="http://schemas.microsoft.com/office/drawing/2014/main" id="{29F16FB1-557B-4F20-AFAA-083E6605CBA3}"/>
+                <a16:creationId xmlns:a16="http://schemas.microsoft.com/office/drawing/2014/main" id="{29F16FB1-557B-4F20-AFAA-083E6605CBA3}"/>
               </a:ext>
             </a:extLst>
           </p:cNvPr>
@@ -6680,7 +6670,7 @@
           <a:lstStyle/>
           <a:p>
             <a:r>
-              <a:rPr lang="ru-RU" sz="2400" b="1" dirty="0" smtClean="0">
+              <a:rPr lang="ru-RU" sz="2400" b="1" dirty="0">
                 <a:solidFill>
                   <a:schemeClr val="tx2"/>
                 </a:solidFill>
@@ -6689,13 +6679,6 @@
               </a:rPr>
               <a:t>Обеспечение связи компонентов</a:t>
             </a:r>
-            <a:endParaRPr lang="ru-RU" sz="2400" b="1" dirty="0">
-              <a:solidFill>
-                <a:schemeClr val="tx2"/>
-              </a:solidFill>
-              <a:latin typeface="Verdana" panose="020B0604030504040204" pitchFamily="34" charset="0"/>
-              <a:ea typeface="Verdana" panose="020B0604030504040204" pitchFamily="34" charset="0"/>
-            </a:endParaRPr>
           </a:p>
         </p:txBody>
       </p:sp>
@@ -6704,7 +6687,7 @@
           <p:cNvPr id="12" name="Группа 11">
             <a:extLst>
               <a:ext uri="{FF2B5EF4-FFF2-40B4-BE49-F238E27FC236}">
-                <a16:creationId xmlns="" xmlns:a16="http://schemas.microsoft.com/office/drawing/2014/main" id="{0C2CC8AF-A276-431C-834D-4D111074E709}"/>
+                <a16:creationId xmlns:a16="http://schemas.microsoft.com/office/drawing/2014/main" id="{0C2CC8AF-A276-431C-834D-4D111074E709}"/>
               </a:ext>
             </a:extLst>
           </p:cNvPr>
@@ -6724,7 +6707,7 @@
             <p:cNvPr id="13" name="Прямоугольник 12">
               <a:extLst>
                 <a:ext uri="{FF2B5EF4-FFF2-40B4-BE49-F238E27FC236}">
-                  <a16:creationId xmlns="" xmlns:a16="http://schemas.microsoft.com/office/drawing/2014/main" id="{6A7439AB-9E67-41E2-A35B-511E5F0347BE}"/>
+                  <a16:creationId xmlns:a16="http://schemas.microsoft.com/office/drawing/2014/main" id="{6A7439AB-9E67-41E2-A35B-511E5F0347BE}"/>
                 </a:ext>
               </a:extLst>
             </p:cNvPr>
@@ -6778,7 +6761,7 @@
             <p:cNvPr id="14" name="Прямоугольник 13">
               <a:extLst>
                 <a:ext uri="{FF2B5EF4-FFF2-40B4-BE49-F238E27FC236}">
-                  <a16:creationId xmlns="" xmlns:a16="http://schemas.microsoft.com/office/drawing/2014/main" id="{D4C5D2CD-584A-4C0D-9F8A-A05C7DC6FB06}"/>
+                  <a16:creationId xmlns:a16="http://schemas.microsoft.com/office/drawing/2014/main" id="{D4C5D2CD-584A-4C0D-9F8A-A05C7DC6FB06}"/>
                 </a:ext>
               </a:extLst>
             </p:cNvPr>
@@ -6832,7 +6815,7 @@
             <p:cNvPr id="15" name="Прямоугольник 14">
               <a:extLst>
                 <a:ext uri="{FF2B5EF4-FFF2-40B4-BE49-F238E27FC236}">
-                  <a16:creationId xmlns="" xmlns:a16="http://schemas.microsoft.com/office/drawing/2014/main" id="{DD647F68-3943-4CC0-9412-1D5968D970D1}"/>
+                  <a16:creationId xmlns:a16="http://schemas.microsoft.com/office/drawing/2014/main" id="{DD647F68-3943-4CC0-9412-1D5968D970D1}"/>
                 </a:ext>
               </a:extLst>
             </p:cNvPr>
@@ -6890,7 +6873,7 @@
             <p:cNvPr id="16" name="TextBox 15">
               <a:extLst>
                 <a:ext uri="{FF2B5EF4-FFF2-40B4-BE49-F238E27FC236}">
-                  <a16:creationId xmlns="" xmlns:a16="http://schemas.microsoft.com/office/drawing/2014/main" id="{A1CEB2B1-930A-47BF-B703-3C3FF21EE2CA}"/>
+                  <a16:creationId xmlns:a16="http://schemas.microsoft.com/office/drawing/2014/main" id="{A1CEB2B1-930A-47BF-B703-3C3FF21EE2CA}"/>
                 </a:ext>
               </a:extLst>
             </p:cNvPr>
@@ -6942,7 +6925,7 @@
             <p:cNvPr id="17" name="Прямоугольник 16">
               <a:extLst>
                 <a:ext uri="{FF2B5EF4-FFF2-40B4-BE49-F238E27FC236}">
-                  <a16:creationId xmlns="" xmlns:a16="http://schemas.microsoft.com/office/drawing/2014/main" id="{6C584A97-3F89-4B57-ACE7-9246FF17E1B3}"/>
+                  <a16:creationId xmlns:a16="http://schemas.microsoft.com/office/drawing/2014/main" id="{6C584A97-3F89-4B57-ACE7-9246FF17E1B3}"/>
                 </a:ext>
               </a:extLst>
             </p:cNvPr>
@@ -6994,7 +6977,7 @@
           <p:cNvPr id="18" name="Прямоугольник 17">
             <a:extLst>
               <a:ext uri="{FF2B5EF4-FFF2-40B4-BE49-F238E27FC236}">
-                <a16:creationId xmlns="" xmlns:a16="http://schemas.microsoft.com/office/drawing/2014/main" id="{0D21A8F2-EFE5-4C67-9C72-02BBCD0A6CCF}"/>
+                <a16:creationId xmlns:a16="http://schemas.microsoft.com/office/drawing/2014/main" id="{0D21A8F2-EFE5-4C67-9C72-02BBCD0A6CCF}"/>
               </a:ext>
             </a:extLst>
           </p:cNvPr>
@@ -7042,43 +7025,32 @@
       </p:sp>
       <p:pic>
         <p:nvPicPr>
-          <p:cNvPr id="1026" name="Picture 2" descr="C:\Users\kosiya\Downloads\Архитектура ИС\Гагачи2022\vfs gpio.jpg"/>
+          <p:cNvPr id="6" name="Рисунок 5">
+            <a:extLst>
+              <a:ext uri="{FF2B5EF4-FFF2-40B4-BE49-F238E27FC236}">
+                <a16:creationId xmlns:a16="http://schemas.microsoft.com/office/drawing/2014/main" id="{30220AD8-66FE-493E-9C02-446B05396B45}"/>
+              </a:ext>
+            </a:extLst>
+          </p:cNvPr>
           <p:cNvPicPr>
-            <a:picLocks noChangeAspect="1" noChangeArrowheads="1"/>
+            <a:picLocks noChangeAspect="1"/>
           </p:cNvPicPr>
           <p:nvPr/>
         </p:nvPicPr>
         <p:blipFill>
-          <a:blip r:embed="rId3">
-            <a:extLst>
-              <a:ext uri="{28A0092B-C50C-407E-A947-70E740481C1C}">
-                <a14:useLocalDpi xmlns:a14="http://schemas.microsoft.com/office/drawing/2010/main" val="0"/>
-              </a:ext>
-            </a:extLst>
-          </a:blip>
-          <a:srcRect/>
+          <a:blip r:embed="rId3"/>
           <a:stretch>
             <a:fillRect/>
           </a:stretch>
         </p:blipFill>
-        <p:spPr bwMode="auto">
+        <p:spPr>
           <a:xfrm>
-            <a:off x="2271404" y="1851670"/>
-            <a:ext cx="6673097" cy="1599878"/>
+            <a:off x="2178921" y="1617554"/>
+            <a:ext cx="6718934" cy="2574098"/>
           </a:xfrm>
           <a:prstGeom prst="rect">
             <a:avLst/>
           </a:prstGeom>
-          <a:noFill/>
-          <a:extLst>
-            <a:ext uri="{909E8E84-426E-40DD-AFC4-6F175D3DCCD1}">
-              <a14:hiddenFill xmlns:a14="http://schemas.microsoft.com/office/drawing/2010/main">
-                <a:solidFill>
-                  <a:srgbClr val="FFFFFF"/>
-                </a:solidFill>
-              </a14:hiddenFill>
-            </a:ext>
-          </a:extLst>
         </p:spPr>
       </p:pic>
     </p:spTree>
@@ -7116,7 +7088,7 @@
           <p:cNvPr id="45" name="Прямоугольник 44">
             <a:extLst>
               <a:ext uri="{FF2B5EF4-FFF2-40B4-BE49-F238E27FC236}">
-                <a16:creationId xmlns="" xmlns:a16="http://schemas.microsoft.com/office/drawing/2014/main" id="{F844FAD0-BFD3-42F8-8444-0D4247E6F864}"/>
+                <a16:creationId xmlns:a16="http://schemas.microsoft.com/office/drawing/2014/main" id="{F844FAD0-BFD3-42F8-8444-0D4247E6F864}"/>
               </a:ext>
             </a:extLst>
           </p:cNvPr>
@@ -7174,7 +7146,7 @@
           <p:cNvPr id="27" name="Прямая соединительная линия 26">
             <a:extLst>
               <a:ext uri="{FF2B5EF4-FFF2-40B4-BE49-F238E27FC236}">
-                <a16:creationId xmlns="" xmlns:a16="http://schemas.microsoft.com/office/drawing/2014/main" id="{7D440611-E861-4ADC-BE55-6C5E3E2135B0}"/>
+                <a16:creationId xmlns:a16="http://schemas.microsoft.com/office/drawing/2014/main" id="{7D440611-E861-4ADC-BE55-6C5E3E2135B0}"/>
               </a:ext>
             </a:extLst>
           </p:cNvPr>
@@ -7295,7 +7267,7 @@
           <p:cNvPr id="2" name="Номер слайда 1">
             <a:extLst>
               <a:ext uri="{FF2B5EF4-FFF2-40B4-BE49-F238E27FC236}">
-                <a16:creationId xmlns="" xmlns:a16="http://schemas.microsoft.com/office/drawing/2014/main" id="{43DE384C-E41B-4854-8084-48017AD96984}"/>
+                <a16:creationId xmlns:a16="http://schemas.microsoft.com/office/drawing/2014/main" id="{43DE384C-E41B-4854-8084-48017AD96984}"/>
               </a:ext>
             </a:extLst>
           </p:cNvPr>
@@ -7325,7 +7297,7 @@
           <p:cNvPr id="18" name="Прямоугольник 17">
             <a:extLst>
               <a:ext uri="{FF2B5EF4-FFF2-40B4-BE49-F238E27FC236}">
-                <a16:creationId xmlns="" xmlns:a16="http://schemas.microsoft.com/office/drawing/2014/main" id="{17ED5078-1A16-4CC1-B020-23E9979FB77D}"/>
+                <a16:creationId xmlns:a16="http://schemas.microsoft.com/office/drawing/2014/main" id="{17ED5078-1A16-4CC1-B020-23E9979FB77D}"/>
               </a:ext>
             </a:extLst>
           </p:cNvPr>
@@ -7436,7 +7408,7 @@
           <p:cNvPr id="45" name="Прямоугольник 44">
             <a:extLst>
               <a:ext uri="{FF2B5EF4-FFF2-40B4-BE49-F238E27FC236}">
-                <a16:creationId xmlns="" xmlns:a16="http://schemas.microsoft.com/office/drawing/2014/main" id="{F844FAD0-BFD3-42F8-8444-0D4247E6F864}"/>
+                <a16:creationId xmlns:a16="http://schemas.microsoft.com/office/drawing/2014/main" id="{F844FAD0-BFD3-42F8-8444-0D4247E6F864}"/>
               </a:ext>
             </a:extLst>
           </p:cNvPr>
@@ -7572,7 +7544,7 @@
           <p:cNvPr id="2" name="Номер слайда 1">
             <a:extLst>
               <a:ext uri="{FF2B5EF4-FFF2-40B4-BE49-F238E27FC236}">
-                <a16:creationId xmlns="" xmlns:a16="http://schemas.microsoft.com/office/drawing/2014/main" id="{E337A08D-3A8E-4E89-BC69-A001F02E6E0C}"/>
+                <a16:creationId xmlns:a16="http://schemas.microsoft.com/office/drawing/2014/main" id="{E337A08D-3A8E-4E89-BC69-A001F02E6E0C}"/>
               </a:ext>
             </a:extLst>
           </p:cNvPr>
@@ -7602,7 +7574,7 @@
           <p:cNvPr id="8" name="Прямая соединительная линия 7">
             <a:extLst>
               <a:ext uri="{FF2B5EF4-FFF2-40B4-BE49-F238E27FC236}">
-                <a16:creationId xmlns="" xmlns:a16="http://schemas.microsoft.com/office/drawing/2014/main" id="{8CE828DF-A9C3-4B2E-BB9A-236C9E8131AE}"/>
+                <a16:creationId xmlns:a16="http://schemas.microsoft.com/office/drawing/2014/main" id="{8CE828DF-A9C3-4B2E-BB9A-236C9E8131AE}"/>
               </a:ext>
             </a:extLst>
           </p:cNvPr>
@@ -7645,7 +7617,7 @@
           <p:cNvPr id="9" name="Прямоугольник 8">
             <a:extLst>
               <a:ext uri="{FF2B5EF4-FFF2-40B4-BE49-F238E27FC236}">
-                <a16:creationId xmlns="" xmlns:a16="http://schemas.microsoft.com/office/drawing/2014/main" id="{1986159B-90C6-4663-8A8F-0AB613A5E9A9}"/>
+                <a16:creationId xmlns:a16="http://schemas.microsoft.com/office/drawing/2014/main" id="{1986159B-90C6-4663-8A8F-0AB613A5E9A9}"/>
               </a:ext>
             </a:extLst>
           </p:cNvPr>
@@ -7756,7 +7728,7 @@
           <p:cNvPr id="3" name="Объект 2">
             <a:extLst>
               <a:ext uri="{FF2B5EF4-FFF2-40B4-BE49-F238E27FC236}">
-                <a16:creationId xmlns="" xmlns:a16="http://schemas.microsoft.com/office/drawing/2014/main" id="{807A1DB7-1B94-4C8E-9E43-F2737C3A6C6E}"/>
+                <a16:creationId xmlns:a16="http://schemas.microsoft.com/office/drawing/2014/main" id="{807A1DB7-1B94-4C8E-9E43-F2737C3A6C6E}"/>
               </a:ext>
             </a:extLst>
           </p:cNvPr>
@@ -7805,7 +7777,7 @@
           <p:cNvPr id="4" name="Номер слайда 3">
             <a:extLst>
               <a:ext uri="{FF2B5EF4-FFF2-40B4-BE49-F238E27FC236}">
-                <a16:creationId xmlns="" xmlns:a16="http://schemas.microsoft.com/office/drawing/2014/main" id="{407E3DFD-05CC-48DB-9081-F8A9F136813E}"/>
+                <a16:creationId xmlns:a16="http://schemas.microsoft.com/office/drawing/2014/main" id="{407E3DFD-05CC-48DB-9081-F8A9F136813E}"/>
               </a:ext>
             </a:extLst>
           </p:cNvPr>
@@ -7835,7 +7807,7 @@
           <p:cNvPr id="5" name="Прямоугольник 4">
             <a:extLst>
               <a:ext uri="{FF2B5EF4-FFF2-40B4-BE49-F238E27FC236}">
-                <a16:creationId xmlns="" xmlns:a16="http://schemas.microsoft.com/office/drawing/2014/main" id="{910DF3EC-1F25-4526-9FE7-8BC70A8DF0C5}"/>
+                <a16:creationId xmlns:a16="http://schemas.microsoft.com/office/drawing/2014/main" id="{910DF3EC-1F25-4526-9FE7-8BC70A8DF0C5}"/>
               </a:ext>
             </a:extLst>
           </p:cNvPr>
@@ -7893,7 +7865,7 @@
           <p:cNvPr id="6" name="Прямая соединительная линия 5">
             <a:extLst>
               <a:ext uri="{FF2B5EF4-FFF2-40B4-BE49-F238E27FC236}">
-                <a16:creationId xmlns="" xmlns:a16="http://schemas.microsoft.com/office/drawing/2014/main" id="{2467A97C-B77F-44C8-A41B-AB2EE2D11DE3}"/>
+                <a16:creationId xmlns:a16="http://schemas.microsoft.com/office/drawing/2014/main" id="{2467A97C-B77F-44C8-A41B-AB2EE2D11DE3}"/>
               </a:ext>
             </a:extLst>
           </p:cNvPr>
@@ -7936,7 +7908,7 @@
           <p:cNvPr id="8" name="Прямоугольник 7">
             <a:extLst>
               <a:ext uri="{FF2B5EF4-FFF2-40B4-BE49-F238E27FC236}">
-                <a16:creationId xmlns="" xmlns:a16="http://schemas.microsoft.com/office/drawing/2014/main" id="{8CF585ED-3269-46F3-8B9F-D294E6449231}"/>
+                <a16:creationId xmlns:a16="http://schemas.microsoft.com/office/drawing/2014/main" id="{8CF585ED-3269-46F3-8B9F-D294E6449231}"/>
               </a:ext>
             </a:extLst>
           </p:cNvPr>
@@ -7959,7 +7931,7 @@
           <a:lstStyle/>
           <a:p>
             <a:r>
-              <a:rPr lang="ru-RU" sz="2400" b="1" dirty="0" smtClean="0">
+              <a:rPr lang="ru-RU" sz="2400" b="1" dirty="0">
                 <a:solidFill>
                   <a:schemeClr val="tx2"/>
                 </a:solidFill>
@@ -7971,7 +7943,7 @@
           </a:p>
           <a:p>
             <a:r>
-              <a:rPr lang="ru-RU" sz="2400" b="1" dirty="0" smtClean="0">
+              <a:rPr lang="ru-RU" sz="2400" b="1" dirty="0">
                 <a:solidFill>
                   <a:schemeClr val="tx2"/>
                 </a:solidFill>
@@ -7980,13 +7952,6 @@
               </a:rPr>
               <a:t>возможности системы</a:t>
             </a:r>
-            <a:endParaRPr lang="ru-RU" sz="2400" b="1" dirty="0">
-              <a:solidFill>
-                <a:schemeClr val="tx2"/>
-              </a:solidFill>
-              <a:latin typeface="Verdana" panose="020B0604030504040204" pitchFamily="34" charset="0"/>
-              <a:ea typeface="Verdana" panose="020B0604030504040204" pitchFamily="34" charset="0"/>
-            </a:endParaRPr>
           </a:p>
         </p:txBody>
       </p:sp>
@@ -7995,7 +7960,7 @@
           <p:cNvPr id="7" name="Группа 6">
             <a:extLst>
               <a:ext uri="{FF2B5EF4-FFF2-40B4-BE49-F238E27FC236}">
-                <a16:creationId xmlns="" xmlns:a16="http://schemas.microsoft.com/office/drawing/2014/main" id="{139A77F8-7D49-45A1-9214-19DF6CAEDB87}"/>
+                <a16:creationId xmlns:a16="http://schemas.microsoft.com/office/drawing/2014/main" id="{139A77F8-7D49-45A1-9214-19DF6CAEDB87}"/>
               </a:ext>
             </a:extLst>
           </p:cNvPr>
@@ -8015,7 +7980,7 @@
             <p:cNvPr id="9" name="Прямоугольник 8">
               <a:extLst>
                 <a:ext uri="{FF2B5EF4-FFF2-40B4-BE49-F238E27FC236}">
-                  <a16:creationId xmlns="" xmlns:a16="http://schemas.microsoft.com/office/drawing/2014/main" id="{C1AF4255-9B0F-4619-888B-C211218E49FF}"/>
+                  <a16:creationId xmlns:a16="http://schemas.microsoft.com/office/drawing/2014/main" id="{C1AF4255-9B0F-4619-888B-C211218E49FF}"/>
                 </a:ext>
               </a:extLst>
             </p:cNvPr>
@@ -8069,7 +8034,7 @@
             <p:cNvPr id="10" name="Прямоугольник 9">
               <a:extLst>
                 <a:ext uri="{FF2B5EF4-FFF2-40B4-BE49-F238E27FC236}">
-                  <a16:creationId xmlns="" xmlns:a16="http://schemas.microsoft.com/office/drawing/2014/main" id="{A568F858-4223-42C7-92C9-58140347FD14}"/>
+                  <a16:creationId xmlns:a16="http://schemas.microsoft.com/office/drawing/2014/main" id="{A568F858-4223-42C7-92C9-58140347FD14}"/>
                 </a:ext>
               </a:extLst>
             </p:cNvPr>
@@ -8123,7 +8088,7 @@
             <p:cNvPr id="11" name="Прямоугольник 10">
               <a:extLst>
                 <a:ext uri="{FF2B5EF4-FFF2-40B4-BE49-F238E27FC236}">
-                  <a16:creationId xmlns="" xmlns:a16="http://schemas.microsoft.com/office/drawing/2014/main" id="{5B70D515-762B-4243-8DAB-E4E82DC6B17A}"/>
+                  <a16:creationId xmlns:a16="http://schemas.microsoft.com/office/drawing/2014/main" id="{5B70D515-762B-4243-8DAB-E4E82DC6B17A}"/>
                 </a:ext>
               </a:extLst>
             </p:cNvPr>
@@ -8181,7 +8146,7 @@
             <p:cNvPr id="12" name="TextBox 11">
               <a:extLst>
                 <a:ext uri="{FF2B5EF4-FFF2-40B4-BE49-F238E27FC236}">
-                  <a16:creationId xmlns="" xmlns:a16="http://schemas.microsoft.com/office/drawing/2014/main" id="{27C751DA-DBF5-4BF2-AD38-619676BDF720}"/>
+                  <a16:creationId xmlns:a16="http://schemas.microsoft.com/office/drawing/2014/main" id="{27C751DA-DBF5-4BF2-AD38-619676BDF720}"/>
                 </a:ext>
               </a:extLst>
             </p:cNvPr>
@@ -8233,7 +8198,7 @@
             <p:cNvPr id="13" name="Прямоугольник 12">
               <a:extLst>
                 <a:ext uri="{FF2B5EF4-FFF2-40B4-BE49-F238E27FC236}">
-                  <a16:creationId xmlns="" xmlns:a16="http://schemas.microsoft.com/office/drawing/2014/main" id="{2107D053-F587-41CE-AC4A-9D7FEBF094D1}"/>
+                  <a16:creationId xmlns:a16="http://schemas.microsoft.com/office/drawing/2014/main" id="{2107D053-F587-41CE-AC4A-9D7FEBF094D1}"/>
                 </a:ext>
               </a:extLst>
             </p:cNvPr>
@@ -8285,7 +8250,7 @@
           <p:cNvPr id="14" name="Прямоугольник 13">
             <a:extLst>
               <a:ext uri="{FF2B5EF4-FFF2-40B4-BE49-F238E27FC236}">
-                <a16:creationId xmlns="" xmlns:a16="http://schemas.microsoft.com/office/drawing/2014/main" id="{E5033180-5409-4181-81CC-03960C2AD567}"/>
+                <a16:creationId xmlns:a16="http://schemas.microsoft.com/office/drawing/2014/main" id="{E5033180-5409-4181-81CC-03960C2AD567}"/>
               </a:ext>
             </a:extLst>
           </p:cNvPr>
@@ -8351,7 +8316,7 @@
           <p:cNvPr id="16" name="Рисунок 15">
             <a:extLst>
               <a:ext uri="{FF2B5EF4-FFF2-40B4-BE49-F238E27FC236}">
-                <a16:creationId xmlns="" xmlns:a16="http://schemas.microsoft.com/office/drawing/2014/main" id="{693DE430-DA33-48DB-B661-FEEF2CA860CF}"/>
+                <a16:creationId xmlns:a16="http://schemas.microsoft.com/office/drawing/2014/main" id="{693DE430-DA33-48DB-B661-FEEF2CA860CF}"/>
               </a:ext>
             </a:extLst>
           </p:cNvPr>
@@ -8411,7 +8376,7 @@
           <p:cNvPr id="5" name="Прямоугольник 4">
             <a:extLst>
               <a:ext uri="{FF2B5EF4-FFF2-40B4-BE49-F238E27FC236}">
-                <a16:creationId xmlns="" xmlns:a16="http://schemas.microsoft.com/office/drawing/2014/main" id="{73F08337-4FBD-49CA-B7CF-082FB8F03E03}"/>
+                <a16:creationId xmlns:a16="http://schemas.microsoft.com/office/drawing/2014/main" id="{73F08337-4FBD-49CA-B7CF-082FB8F03E03}"/>
               </a:ext>
             </a:extLst>
           </p:cNvPr>
@@ -8469,7 +8434,7 @@
           <p:cNvPr id="6" name="Прямоугольник 5">
             <a:extLst>
               <a:ext uri="{FF2B5EF4-FFF2-40B4-BE49-F238E27FC236}">
-                <a16:creationId xmlns="" xmlns:a16="http://schemas.microsoft.com/office/drawing/2014/main" id="{BB7E2663-AD02-4F1A-96DD-A2715B9F7167}"/>
+                <a16:creationId xmlns:a16="http://schemas.microsoft.com/office/drawing/2014/main" id="{BB7E2663-AD02-4F1A-96DD-A2715B9F7167}"/>
               </a:ext>
             </a:extLst>
           </p:cNvPr>
@@ -8509,7 +8474,7 @@
           <p:cNvPr id="7" name="Объект 2">
             <a:extLst>
               <a:ext uri="{FF2B5EF4-FFF2-40B4-BE49-F238E27FC236}">
-                <a16:creationId xmlns="" xmlns:a16="http://schemas.microsoft.com/office/drawing/2014/main" id="{DB15A276-4B35-4D81-AA85-B979C4E0F219}"/>
+                <a16:creationId xmlns:a16="http://schemas.microsoft.com/office/drawing/2014/main" id="{DB15A276-4B35-4D81-AA85-B979C4E0F219}"/>
               </a:ext>
             </a:extLst>
           </p:cNvPr>
@@ -8654,48 +8619,6 @@
             <a:pPr marL="0" indent="0">
               <a:buNone/>
             </a:pPr>
-            <a:endParaRPr lang="ru-RU" sz="1600" dirty="0" smtClean="0">
-              <a:solidFill>
-                <a:schemeClr val="tx2"/>
-              </a:solidFill>
-              <a:latin typeface="Verdana" panose="020B0604030504040204" pitchFamily="34" charset="0"/>
-              <a:ea typeface="Verdana" panose="020B0604030504040204" pitchFamily="34" charset="0"/>
-            </a:endParaRPr>
-          </a:p>
-          <a:p>
-            <a:pPr marL="0" indent="0">
-              <a:buNone/>
-            </a:pPr>
-            <a:r>
-              <a:rPr lang="ru-RU" sz="1600" dirty="0" smtClean="0">
-                <a:solidFill>
-                  <a:schemeClr val="tx2"/>
-                </a:solidFill>
-                <a:latin typeface="Verdana" panose="020B0604030504040204" pitchFamily="34" charset="0"/>
-                <a:ea typeface="Verdana" panose="020B0604030504040204" pitchFamily="34" charset="0"/>
-              </a:rPr>
-              <a:t>Максимов Алексей</a:t>
-            </a:r>
-            <a:r>
-              <a:rPr lang="en-US" sz="1600" dirty="0" smtClean="0">
-                <a:solidFill>
-                  <a:schemeClr val="tx2"/>
-                </a:solidFill>
-                <a:latin typeface="Verdana" panose="020B0604030504040204" pitchFamily="34" charset="0"/>
-                <a:ea typeface="Verdana" panose="020B0604030504040204" pitchFamily="34" charset="0"/>
-              </a:rPr>
-              <a:t> </a:t>
-            </a:r>
-            <a:r>
-              <a:rPr lang="ru-RU" sz="1600" dirty="0" smtClean="0">
-                <a:solidFill>
-                  <a:schemeClr val="tx2"/>
-                </a:solidFill>
-                <a:latin typeface="Verdana" panose="020B0604030504040204" pitchFamily="34" charset="0"/>
-                <a:ea typeface="Verdana" panose="020B0604030504040204" pitchFamily="34" charset="0"/>
-              </a:rPr>
-              <a:t>Николаевич</a:t>
-            </a:r>
             <a:endParaRPr lang="ru-RU" sz="1600" dirty="0">
               <a:solidFill>
                 <a:schemeClr val="tx2"/>
@@ -8703,6 +8626,41 @@
               <a:latin typeface="Verdana" panose="020B0604030504040204" pitchFamily="34" charset="0"/>
               <a:ea typeface="Verdana" panose="020B0604030504040204" pitchFamily="34" charset="0"/>
             </a:endParaRPr>
+          </a:p>
+          <a:p>
+            <a:pPr marL="0" indent="0">
+              <a:buNone/>
+            </a:pPr>
+            <a:r>
+              <a:rPr lang="ru-RU" sz="1600" dirty="0">
+                <a:solidFill>
+                  <a:schemeClr val="tx2"/>
+                </a:solidFill>
+                <a:latin typeface="Verdana" panose="020B0604030504040204" pitchFamily="34" charset="0"/>
+                <a:ea typeface="Verdana" panose="020B0604030504040204" pitchFamily="34" charset="0"/>
+              </a:rPr>
+              <a:t>Максимов Алексей</a:t>
+            </a:r>
+            <a:r>
+              <a:rPr lang="en-US" sz="1600" dirty="0">
+                <a:solidFill>
+                  <a:schemeClr val="tx2"/>
+                </a:solidFill>
+                <a:latin typeface="Verdana" panose="020B0604030504040204" pitchFamily="34" charset="0"/>
+                <a:ea typeface="Verdana" panose="020B0604030504040204" pitchFamily="34" charset="0"/>
+              </a:rPr>
+              <a:t> </a:t>
+            </a:r>
+            <a:r>
+              <a:rPr lang="ru-RU" sz="1600" dirty="0">
+                <a:solidFill>
+                  <a:schemeClr val="tx2"/>
+                </a:solidFill>
+                <a:latin typeface="Verdana" panose="020B0604030504040204" pitchFamily="34" charset="0"/>
+                <a:ea typeface="Verdana" panose="020B0604030504040204" pitchFamily="34" charset="0"/>
+              </a:rPr>
+              <a:t>Николаевич</a:t>
+            </a:r>
           </a:p>
         </p:txBody>
       </p:sp>
@@ -8752,7 +8710,7 @@
           <p:cNvPr id="9" name="Рисунок 8" descr="Изображение выглядит как фотография, знак, черный, белый&#10;&#10;Автоматически созданное описание">
             <a:extLst>
               <a:ext uri="{FF2B5EF4-FFF2-40B4-BE49-F238E27FC236}">
-                <a16:creationId xmlns="" xmlns:a16="http://schemas.microsoft.com/office/drawing/2014/main" id="{074BF89E-2F5E-4138-803A-5E07BFE000CD}"/>
+                <a16:creationId xmlns:a16="http://schemas.microsoft.com/office/drawing/2014/main" id="{074BF89E-2F5E-4138-803A-5E07BFE000CD}"/>
               </a:ext>
             </a:extLst>
           </p:cNvPr>

--- a/doc/Presentation.pptx
+++ b/doc/Presentation.pptx
@@ -134,7 +134,7 @@
       </p14:sectionLst>
     </p:ext>
     <p:ext uri="{EFAFB233-063F-42B5-8137-9DF3F51BA10A}">
-      <p15:sldGuideLst xmlns:p15="http://schemas.microsoft.com/office/powerpoint/2012/main">
+      <p15:sldGuideLst xmlns="" xmlns:p15="http://schemas.microsoft.com/office/powerpoint/2012/main">
         <p15:guide id="1" orient="horz" pos="395" userDrawn="1">
           <p15:clr>
             <a:srgbClr val="A4A3A4"/>
@@ -2083,7 +2083,7 @@
           <p:cNvPr id="2" name="Заголовок 1">
             <a:extLst>
               <a:ext uri="{FF2B5EF4-FFF2-40B4-BE49-F238E27FC236}">
-                <a16:creationId xmlns:a16="http://schemas.microsoft.com/office/drawing/2014/main" id="{1187A9FC-966E-4F88-A65A-7E03044F5433}"/>
+                <a16:creationId xmlns="" xmlns:a16="http://schemas.microsoft.com/office/drawing/2014/main" id="{1187A9FC-966E-4F88-A65A-7E03044F5433}"/>
               </a:ext>
             </a:extLst>
           </p:cNvPr>
@@ -2111,7 +2111,7 @@
           <p:cNvPr id="3" name="Дата 2">
             <a:extLst>
               <a:ext uri="{FF2B5EF4-FFF2-40B4-BE49-F238E27FC236}">
-                <a16:creationId xmlns:a16="http://schemas.microsoft.com/office/drawing/2014/main" id="{7625A992-FDE0-409C-A39E-4079FE954E51}"/>
+                <a16:creationId xmlns="" xmlns:a16="http://schemas.microsoft.com/office/drawing/2014/main" id="{7625A992-FDE0-409C-A39E-4079FE954E51}"/>
               </a:ext>
             </a:extLst>
           </p:cNvPr>
@@ -2140,7 +2140,7 @@
           <p:cNvPr id="4" name="Нижний колонтитул 3">
             <a:extLst>
               <a:ext uri="{FF2B5EF4-FFF2-40B4-BE49-F238E27FC236}">
-                <a16:creationId xmlns:a16="http://schemas.microsoft.com/office/drawing/2014/main" id="{93E533D9-BB3D-4C32-AC6D-B5D461B6EECE}"/>
+                <a16:creationId xmlns="" xmlns:a16="http://schemas.microsoft.com/office/drawing/2014/main" id="{93E533D9-BB3D-4C32-AC6D-B5D461B6EECE}"/>
               </a:ext>
             </a:extLst>
           </p:cNvPr>
@@ -2165,7 +2165,7 @@
           <p:cNvPr id="5" name="Номер слайда 4">
             <a:extLst>
               <a:ext uri="{FF2B5EF4-FFF2-40B4-BE49-F238E27FC236}">
-                <a16:creationId xmlns:a16="http://schemas.microsoft.com/office/drawing/2014/main" id="{B403D20D-06F7-4FCC-AFCB-E8F2F26A01BF}"/>
+                <a16:creationId xmlns="" xmlns:a16="http://schemas.microsoft.com/office/drawing/2014/main" id="{B403D20D-06F7-4FCC-AFCB-E8F2F26A01BF}"/>
               </a:ext>
             </a:extLst>
           </p:cNvPr>
@@ -2195,7 +2195,7 @@
           <p:cNvPr id="7" name="Текст 6">
             <a:extLst>
               <a:ext uri="{FF2B5EF4-FFF2-40B4-BE49-F238E27FC236}">
-                <a16:creationId xmlns:a16="http://schemas.microsoft.com/office/drawing/2014/main" id="{9DF0B83D-EEFA-4CD3-ABB2-378315AC97AA}"/>
+                <a16:creationId xmlns="" xmlns:a16="http://schemas.microsoft.com/office/drawing/2014/main" id="{9DF0B83D-EEFA-4CD3-ABB2-378315AC97AA}"/>
               </a:ext>
             </a:extLst>
           </p:cNvPr>
@@ -4244,7 +4244,7 @@
           <p:cNvPr id="23" name="Полилиния: фигура 22">
             <a:extLst>
               <a:ext uri="{FF2B5EF4-FFF2-40B4-BE49-F238E27FC236}">
-                <a16:creationId xmlns:a16="http://schemas.microsoft.com/office/drawing/2014/main" id="{2346EF01-306A-45F1-B49E-ADB43FC604E8}"/>
+                <a16:creationId xmlns="" xmlns:a16="http://schemas.microsoft.com/office/drawing/2014/main" id="{2346EF01-306A-45F1-B49E-ADB43FC604E8}"/>
               </a:ext>
             </a:extLst>
           </p:cNvPr>
@@ -4341,7 +4341,7 @@
           <p:cNvPr id="7" name="TextBox 6">
             <a:extLst>
               <a:ext uri="{FF2B5EF4-FFF2-40B4-BE49-F238E27FC236}">
-                <a16:creationId xmlns:a16="http://schemas.microsoft.com/office/drawing/2014/main" id="{DB65D454-9513-AE4B-B897-CBE3585FB02C}"/>
+                <a16:creationId xmlns="" xmlns:a16="http://schemas.microsoft.com/office/drawing/2014/main" id="{DB65D454-9513-AE4B-B897-CBE3585FB02C}"/>
               </a:ext>
             </a:extLst>
           </p:cNvPr>
@@ -4393,6 +4393,16 @@
               </a:rPr>
               <a:t>Авиационный</a:t>
             </a:r>
+            <a:r>
+              <a:rPr lang="en-US" sz="3200" b="1" dirty="0">
+                <a:solidFill>
+                  <a:schemeClr val="bg1"/>
+                </a:solidFill>
+                <a:latin typeface="Verdana" panose="020B0604030504040204" pitchFamily="34" charset="0"/>
+                <a:ea typeface="Verdana" panose="020B0604030504040204" pitchFamily="34" charset="0"/>
+              </a:rPr>
+              <a:t/>
+            </a:r>
             <a:br>
               <a:rPr lang="en-US" sz="3200" b="1" dirty="0">
                 <a:solidFill>
@@ -4473,7 +4483,7 @@
           <p:cNvPr id="25" name="TextBox 24">
             <a:extLst>
               <a:ext uri="{FF2B5EF4-FFF2-40B4-BE49-F238E27FC236}">
-                <a16:creationId xmlns:a16="http://schemas.microsoft.com/office/drawing/2014/main" id="{5F839AF4-2DA2-448E-9D55-17402DA471EB}"/>
+                <a16:creationId xmlns="" xmlns:a16="http://schemas.microsoft.com/office/drawing/2014/main" id="{5F839AF4-2DA2-448E-9D55-17402DA471EB}"/>
               </a:ext>
             </a:extLst>
           </p:cNvPr>
@@ -4531,7 +4541,7 @@
           <p:cNvPr id="9" name="Рисунок 8" descr="Изображение выглядит как фотография, знак, черный, белый&#10;&#10;Автоматически созданное описание">
             <a:extLst>
               <a:ext uri="{FF2B5EF4-FFF2-40B4-BE49-F238E27FC236}">
-                <a16:creationId xmlns:a16="http://schemas.microsoft.com/office/drawing/2014/main" id="{074BF89E-2F5E-4138-803A-5E07BFE000CD}"/>
+                <a16:creationId xmlns="" xmlns:a16="http://schemas.microsoft.com/office/drawing/2014/main" id="{074BF89E-2F5E-4138-803A-5E07BFE000CD}"/>
               </a:ext>
             </a:extLst>
           </p:cNvPr>
@@ -4567,7 +4577,7 @@
           <p:cNvPr id="8" name="Прямоугольник 7">
             <a:extLst>
               <a:ext uri="{FF2B5EF4-FFF2-40B4-BE49-F238E27FC236}">
-                <a16:creationId xmlns:a16="http://schemas.microsoft.com/office/drawing/2014/main" id="{B22E2906-0F12-4345-BF21-9247EC5D1052}"/>
+                <a16:creationId xmlns="" xmlns:a16="http://schemas.microsoft.com/office/drawing/2014/main" id="{B22E2906-0F12-4345-BF21-9247EC5D1052}"/>
               </a:ext>
             </a:extLst>
           </p:cNvPr>
@@ -4716,31 +4726,6 @@
               </a:rPr>
               <a:t>старший преподаватель, Максимов А. Н.</a:t>
             </a:r>
-          </a:p>
-        </p:txBody>
-      </p:sp>
-      <p:sp>
-        <p:nvSpPr>
-          <p:cNvPr id="2" name="Номер слайда 1">
-            <a:extLst>
-              <a:ext uri="{FF2B5EF4-FFF2-40B4-BE49-F238E27FC236}">
-                <a16:creationId xmlns:a16="http://schemas.microsoft.com/office/drawing/2014/main" id="{BA9CF357-4FFB-4B7D-AC71-7714293F20AA}"/>
-              </a:ext>
-            </a:extLst>
-          </p:cNvPr>
-          <p:cNvSpPr>
-            <a:spLocks noGrp="1"/>
-          </p:cNvSpPr>
-          <p:nvPr>
-            <p:ph type="sldNum" sz="quarter" idx="12"/>
-          </p:nvPr>
-        </p:nvSpPr>
-        <p:spPr/>
-        <p:txBody>
-          <a:bodyPr/>
-          <a:lstStyle/>
-          <a:p>
-            <a:endParaRPr lang="ru-RU" dirty="0"/>
           </a:p>
         </p:txBody>
       </p:sp>
@@ -4831,7 +4816,7 @@
           <p:cNvPr id="30" name="Прямая соединительная линия 29">
             <a:extLst>
               <a:ext uri="{FF2B5EF4-FFF2-40B4-BE49-F238E27FC236}">
-                <a16:creationId xmlns:a16="http://schemas.microsoft.com/office/drawing/2014/main" id="{F004EEAE-9E59-4362-892F-11F0597BBF49}"/>
+                <a16:creationId xmlns="" xmlns:a16="http://schemas.microsoft.com/office/drawing/2014/main" id="{F004EEAE-9E59-4362-892F-11F0597BBF49}"/>
               </a:ext>
             </a:extLst>
           </p:cNvPr>
@@ -4874,7 +4859,7 @@
           <p:cNvPr id="3" name="Номер слайда 2">
             <a:extLst>
               <a:ext uri="{FF2B5EF4-FFF2-40B4-BE49-F238E27FC236}">
-                <a16:creationId xmlns:a16="http://schemas.microsoft.com/office/drawing/2014/main" id="{9879899F-8DEE-4C3F-B4F8-8A504F60C80B}"/>
+                <a16:creationId xmlns="" xmlns:a16="http://schemas.microsoft.com/office/drawing/2014/main" id="{9879899F-8DEE-4C3F-B4F8-8A504F60C80B}"/>
               </a:ext>
             </a:extLst>
           </p:cNvPr>
@@ -4904,7 +4889,7 @@
           <p:cNvPr id="14" name="Прямоугольник 13">
             <a:extLst>
               <a:ext uri="{FF2B5EF4-FFF2-40B4-BE49-F238E27FC236}">
-                <a16:creationId xmlns:a16="http://schemas.microsoft.com/office/drawing/2014/main" id="{C204DE12-0708-4039-981E-EC5E81BC4662}"/>
+                <a16:creationId xmlns="" xmlns:a16="http://schemas.microsoft.com/office/drawing/2014/main" id="{C204DE12-0708-4039-981E-EC5E81BC4662}"/>
               </a:ext>
             </a:extLst>
           </p:cNvPr>
@@ -4997,7 +4982,7 @@
           <p:cNvPr id="1026" name="Picture 2">
             <a:extLst>
               <a:ext uri="{FF2B5EF4-FFF2-40B4-BE49-F238E27FC236}">
-                <a16:creationId xmlns:a16="http://schemas.microsoft.com/office/drawing/2014/main" id="{17C112DF-E30E-4E91-BE1E-B73E5466DF10}"/>
+                <a16:creationId xmlns="" xmlns:a16="http://schemas.microsoft.com/office/drawing/2014/main" id="{17C112DF-E30E-4E91-BE1E-B73E5466DF10}"/>
               </a:ext>
             </a:extLst>
           </p:cNvPr>
@@ -5022,7 +5007,7 @@
         <p:spPr bwMode="auto">
           <a:xfrm>
             <a:off x="3059833" y="967036"/>
-            <a:ext cx="5832648" cy="3888432"/>
+            <a:ext cx="5760639" cy="3840426"/>
           </a:xfrm>
           <a:prstGeom prst="rect">
             <a:avLst/>
@@ -5044,7 +5029,7 @@
           <p:cNvPr id="10" name="Группа 9">
             <a:extLst>
               <a:ext uri="{FF2B5EF4-FFF2-40B4-BE49-F238E27FC236}">
-                <a16:creationId xmlns:a16="http://schemas.microsoft.com/office/drawing/2014/main" id="{C966BB80-279D-40A2-84AF-CDA482DFE0F5}"/>
+                <a16:creationId xmlns="" xmlns:a16="http://schemas.microsoft.com/office/drawing/2014/main" id="{C966BB80-279D-40A2-84AF-CDA482DFE0F5}"/>
               </a:ext>
             </a:extLst>
           </p:cNvPr>
@@ -5053,10 +5038,10 @@
         </p:nvGrpSpPr>
         <p:grpSpPr>
           <a:xfrm>
-            <a:off x="132856" y="987574"/>
-            <a:ext cx="2750478" cy="2106266"/>
-            <a:chOff x="174072" y="171978"/>
-            <a:chExt cx="2750478" cy="2106266"/>
+            <a:off x="132856" y="967036"/>
+            <a:ext cx="2750478" cy="2126804"/>
+            <a:chOff x="174072" y="151440"/>
+            <a:chExt cx="2750478" cy="2126804"/>
           </a:xfrm>
         </p:grpSpPr>
         <p:sp>
@@ -5064,7 +5049,7 @@
             <p:cNvPr id="11" name="Прямоугольник 10">
               <a:extLst>
                 <a:ext uri="{FF2B5EF4-FFF2-40B4-BE49-F238E27FC236}">
-                  <a16:creationId xmlns:a16="http://schemas.microsoft.com/office/drawing/2014/main" id="{1C3373F8-AC50-4FE4-9BFB-C2ABC5937CCF}"/>
+                  <a16:creationId xmlns="" xmlns:a16="http://schemas.microsoft.com/office/drawing/2014/main" id="{1C3373F8-AC50-4FE4-9BFB-C2ABC5937CCF}"/>
                 </a:ext>
               </a:extLst>
             </p:cNvPr>
@@ -5118,7 +5103,7 @@
             <p:cNvPr id="12" name="Прямоугольник 11">
               <a:extLst>
                 <a:ext uri="{FF2B5EF4-FFF2-40B4-BE49-F238E27FC236}">
-                  <a16:creationId xmlns:a16="http://schemas.microsoft.com/office/drawing/2014/main" id="{4DFE0403-DA90-48B3-8870-BB7651570C39}"/>
+                  <a16:creationId xmlns="" xmlns:a16="http://schemas.microsoft.com/office/drawing/2014/main" id="{4DFE0403-DA90-48B3-8870-BB7651570C39}"/>
                 </a:ext>
               </a:extLst>
             </p:cNvPr>
@@ -5172,7 +5157,7 @@
             <p:cNvPr id="13" name="Прямоугольник 12">
               <a:extLst>
                 <a:ext uri="{FF2B5EF4-FFF2-40B4-BE49-F238E27FC236}">
-                  <a16:creationId xmlns:a16="http://schemas.microsoft.com/office/drawing/2014/main" id="{300C2159-07F4-4FED-9B06-CE00C4978DA0}"/>
+                  <a16:creationId xmlns="" xmlns:a16="http://schemas.microsoft.com/office/drawing/2014/main" id="{300C2159-07F4-4FED-9B06-CE00C4978DA0}"/>
                 </a:ext>
               </a:extLst>
             </p:cNvPr>
@@ -5230,7 +5215,7 @@
             <p:cNvPr id="15" name="TextBox 14">
               <a:extLst>
                 <a:ext uri="{FF2B5EF4-FFF2-40B4-BE49-F238E27FC236}">
-                  <a16:creationId xmlns:a16="http://schemas.microsoft.com/office/drawing/2014/main" id="{3BBCBA7E-0F94-4396-B31C-676823516FFA}"/>
+                  <a16:creationId xmlns="" xmlns:a16="http://schemas.microsoft.com/office/drawing/2014/main" id="{3BBCBA7E-0F94-4396-B31C-676823516FFA}"/>
                 </a:ext>
               </a:extLst>
             </p:cNvPr>
@@ -5239,7 +5224,7 @@
           </p:nvSpPr>
           <p:spPr>
             <a:xfrm>
-              <a:off x="508760" y="171978"/>
+              <a:off x="508760" y="151440"/>
               <a:ext cx="2415790" cy="338554"/>
             </a:xfrm>
             <a:prstGeom prst="rect">
@@ -5282,7 +5267,7 @@
             <p:cNvPr id="16" name="Прямоугольник 15">
               <a:extLst>
                 <a:ext uri="{FF2B5EF4-FFF2-40B4-BE49-F238E27FC236}">
-                  <a16:creationId xmlns:a16="http://schemas.microsoft.com/office/drawing/2014/main" id="{9DF13001-453E-456E-9606-5ACD70C1F22C}"/>
+                  <a16:creationId xmlns="" xmlns:a16="http://schemas.microsoft.com/office/drawing/2014/main" id="{9DF13001-453E-456E-9606-5ACD70C1F22C}"/>
                 </a:ext>
               </a:extLst>
             </p:cNvPr>
@@ -5325,7 +5310,7 @@
           <p:cNvPr id="17" name="Прямоугольник 16">
             <a:extLst>
               <a:ext uri="{FF2B5EF4-FFF2-40B4-BE49-F238E27FC236}">
-                <a16:creationId xmlns:a16="http://schemas.microsoft.com/office/drawing/2014/main" id="{4178CC85-0238-47F8-9C95-8ED6B85E84DE}"/>
+                <a16:creationId xmlns="" xmlns:a16="http://schemas.microsoft.com/office/drawing/2014/main" id="{4178CC85-0238-47F8-9C95-8ED6B85E84DE}"/>
               </a:ext>
             </a:extLst>
           </p:cNvPr>
@@ -5334,7 +5319,7 @@
         </p:nvSpPr>
         <p:spPr>
           <a:xfrm>
-            <a:off x="463089" y="2787774"/>
+            <a:off x="467544" y="2770674"/>
             <a:ext cx="2111541" cy="338554"/>
           </a:xfrm>
           <a:prstGeom prst="rect">
@@ -5397,7 +5382,7 @@
           <p:cNvPr id="45" name="Прямоугольник 44">
             <a:extLst>
               <a:ext uri="{FF2B5EF4-FFF2-40B4-BE49-F238E27FC236}">
-                <a16:creationId xmlns:a16="http://schemas.microsoft.com/office/drawing/2014/main" id="{F844FAD0-BFD3-42F8-8444-0D4247E6F864}"/>
+                <a16:creationId xmlns="" xmlns:a16="http://schemas.microsoft.com/office/drawing/2014/main" id="{F844FAD0-BFD3-42F8-8444-0D4247E6F864}"/>
               </a:ext>
             </a:extLst>
           </p:cNvPr>
@@ -5533,7 +5518,7 @@
           <p:cNvPr id="2" name="Номер слайда 1">
             <a:extLst>
               <a:ext uri="{FF2B5EF4-FFF2-40B4-BE49-F238E27FC236}">
-                <a16:creationId xmlns:a16="http://schemas.microsoft.com/office/drawing/2014/main" id="{6C639C31-70B3-4747-90CA-1855C8665F6D}"/>
+                <a16:creationId xmlns="" xmlns:a16="http://schemas.microsoft.com/office/drawing/2014/main" id="{6C639C31-70B3-4747-90CA-1855C8665F6D}"/>
               </a:ext>
             </a:extLst>
           </p:cNvPr>
@@ -5563,7 +5548,7 @@
           <p:cNvPr id="9" name="Прямая соединительная линия 8">
             <a:extLst>
               <a:ext uri="{FF2B5EF4-FFF2-40B4-BE49-F238E27FC236}">
-                <a16:creationId xmlns:a16="http://schemas.microsoft.com/office/drawing/2014/main" id="{D801378D-54AE-4064-AFC0-861B34FEDBE9}"/>
+                <a16:creationId xmlns="" xmlns:a16="http://schemas.microsoft.com/office/drawing/2014/main" id="{D801378D-54AE-4064-AFC0-861B34FEDBE9}"/>
               </a:ext>
             </a:extLst>
           </p:cNvPr>
@@ -5606,7 +5591,7 @@
           <p:cNvPr id="13" name="Прямоугольник 12">
             <a:extLst>
               <a:ext uri="{FF2B5EF4-FFF2-40B4-BE49-F238E27FC236}">
-                <a16:creationId xmlns:a16="http://schemas.microsoft.com/office/drawing/2014/main" id="{A311B375-86CE-4E7D-BEFB-9E495DC2ED8E}"/>
+                <a16:creationId xmlns="" xmlns:a16="http://schemas.microsoft.com/office/drawing/2014/main" id="{A311B375-86CE-4E7D-BEFB-9E495DC2ED8E}"/>
               </a:ext>
             </a:extLst>
           </p:cNvPr>
@@ -5717,7 +5702,7 @@
           <p:cNvPr id="5" name="Прямоугольник 4">
             <a:extLst>
               <a:ext uri="{FF2B5EF4-FFF2-40B4-BE49-F238E27FC236}">
-                <a16:creationId xmlns:a16="http://schemas.microsoft.com/office/drawing/2014/main" id="{66C439E9-3E70-4653-97C3-031864E7D8D0}"/>
+                <a16:creationId xmlns="" xmlns:a16="http://schemas.microsoft.com/office/drawing/2014/main" id="{66C439E9-3E70-4653-97C3-031864E7D8D0}"/>
               </a:ext>
             </a:extLst>
           </p:cNvPr>
@@ -5775,7 +5760,7 @@
           <p:cNvPr id="12" name="Объект 11">
             <a:extLst>
               <a:ext uri="{FF2B5EF4-FFF2-40B4-BE49-F238E27FC236}">
-                <a16:creationId xmlns:a16="http://schemas.microsoft.com/office/drawing/2014/main" id="{B7C51A1C-8922-4440-B769-CB2C3DEB3983}"/>
+                <a16:creationId xmlns="" xmlns:a16="http://schemas.microsoft.com/office/drawing/2014/main" id="{B7C51A1C-8922-4440-B769-CB2C3DEB3983}"/>
               </a:ext>
             </a:extLst>
           </p:cNvPr>
@@ -5804,7 +5789,7 @@
           <p:cNvPr id="4" name="Номер слайда 3">
             <a:extLst>
               <a:ext uri="{FF2B5EF4-FFF2-40B4-BE49-F238E27FC236}">
-                <a16:creationId xmlns:a16="http://schemas.microsoft.com/office/drawing/2014/main" id="{C8A9DE46-F073-46D7-B376-7501FC0857AE}"/>
+                <a16:creationId xmlns="" xmlns:a16="http://schemas.microsoft.com/office/drawing/2014/main" id="{C8A9DE46-F073-46D7-B376-7501FC0857AE}"/>
               </a:ext>
             </a:extLst>
           </p:cNvPr>
@@ -5834,7 +5819,7 @@
           <p:cNvPr id="6" name="Прямая соединительная линия 5">
             <a:extLst>
               <a:ext uri="{FF2B5EF4-FFF2-40B4-BE49-F238E27FC236}">
-                <a16:creationId xmlns:a16="http://schemas.microsoft.com/office/drawing/2014/main" id="{AA138C88-C0F1-4DB1-B124-2598866FA507}"/>
+                <a16:creationId xmlns="" xmlns:a16="http://schemas.microsoft.com/office/drawing/2014/main" id="{AA138C88-C0F1-4DB1-B124-2598866FA507}"/>
               </a:ext>
             </a:extLst>
           </p:cNvPr>
@@ -5877,7 +5862,7 @@
           <p:cNvPr id="8" name="Прямоугольник 7">
             <a:extLst>
               <a:ext uri="{FF2B5EF4-FFF2-40B4-BE49-F238E27FC236}">
-                <a16:creationId xmlns:a16="http://schemas.microsoft.com/office/drawing/2014/main" id="{E241D599-E25D-4723-8B9C-C236D5FE6E76}"/>
+                <a16:creationId xmlns="" xmlns:a16="http://schemas.microsoft.com/office/drawing/2014/main" id="{E241D599-E25D-4723-8B9C-C236D5FE6E76}"/>
               </a:ext>
             </a:extLst>
           </p:cNvPr>
@@ -5917,7 +5902,7 @@
           <p:cNvPr id="13" name="Прямоугольник 12">
             <a:extLst>
               <a:ext uri="{FF2B5EF4-FFF2-40B4-BE49-F238E27FC236}">
-                <a16:creationId xmlns:a16="http://schemas.microsoft.com/office/drawing/2014/main" id="{8691D101-8FB8-4148-96C0-FC85128352E9}"/>
+                <a16:creationId xmlns="" xmlns:a16="http://schemas.microsoft.com/office/drawing/2014/main" id="{8691D101-8FB8-4148-96C0-FC85128352E9}"/>
               </a:ext>
             </a:extLst>
           </p:cNvPr>
@@ -6067,7 +6052,7 @@
           <p:cNvPr id="14" name="Группа 13">
             <a:extLst>
               <a:ext uri="{FF2B5EF4-FFF2-40B4-BE49-F238E27FC236}">
-                <a16:creationId xmlns:a16="http://schemas.microsoft.com/office/drawing/2014/main" id="{04A2D0FC-A086-451D-8E3C-C36D94520331}"/>
+                <a16:creationId xmlns="" xmlns:a16="http://schemas.microsoft.com/office/drawing/2014/main" id="{04A2D0FC-A086-451D-8E3C-C36D94520331}"/>
               </a:ext>
             </a:extLst>
           </p:cNvPr>
@@ -6076,10 +6061,10 @@
         </p:nvGrpSpPr>
         <p:grpSpPr>
           <a:xfrm>
-            <a:off x="132856" y="974053"/>
-            <a:ext cx="2750478" cy="2119787"/>
-            <a:chOff x="174072" y="158457"/>
-            <a:chExt cx="2750478" cy="2119787"/>
+            <a:off x="132856" y="963504"/>
+            <a:ext cx="2731056" cy="2130336"/>
+            <a:chOff x="174072" y="147908"/>
+            <a:chExt cx="2731056" cy="2130336"/>
           </a:xfrm>
         </p:grpSpPr>
         <p:sp>
@@ -6087,7 +6072,7 @@
             <p:cNvPr id="15" name="Прямоугольник 14">
               <a:extLst>
                 <a:ext uri="{FF2B5EF4-FFF2-40B4-BE49-F238E27FC236}">
-                  <a16:creationId xmlns:a16="http://schemas.microsoft.com/office/drawing/2014/main" id="{CCAB0E93-B482-4511-9C92-D58B5CA1B476}"/>
+                  <a16:creationId xmlns="" xmlns:a16="http://schemas.microsoft.com/office/drawing/2014/main" id="{CCAB0E93-B482-4511-9C92-D58B5CA1B476}"/>
                 </a:ext>
               </a:extLst>
             </p:cNvPr>
@@ -6141,7 +6126,7 @@
             <p:cNvPr id="16" name="Прямоугольник 15">
               <a:extLst>
                 <a:ext uri="{FF2B5EF4-FFF2-40B4-BE49-F238E27FC236}">
-                  <a16:creationId xmlns:a16="http://schemas.microsoft.com/office/drawing/2014/main" id="{9A6819D6-8981-437E-9451-D33DC6AE2CFF}"/>
+                  <a16:creationId xmlns="" xmlns:a16="http://schemas.microsoft.com/office/drawing/2014/main" id="{9A6819D6-8981-437E-9451-D33DC6AE2CFF}"/>
                 </a:ext>
               </a:extLst>
             </p:cNvPr>
@@ -6195,7 +6180,7 @@
             <p:cNvPr id="17" name="Прямоугольник 16">
               <a:extLst>
                 <a:ext uri="{FF2B5EF4-FFF2-40B4-BE49-F238E27FC236}">
-                  <a16:creationId xmlns:a16="http://schemas.microsoft.com/office/drawing/2014/main" id="{2A9176D3-840D-47CC-BE16-23C1B0AB344E}"/>
+                  <a16:creationId xmlns="" xmlns:a16="http://schemas.microsoft.com/office/drawing/2014/main" id="{2A9176D3-840D-47CC-BE16-23C1B0AB344E}"/>
                 </a:ext>
               </a:extLst>
             </p:cNvPr>
@@ -6253,7 +6238,7 @@
             <p:cNvPr id="18" name="TextBox 17">
               <a:extLst>
                 <a:ext uri="{FF2B5EF4-FFF2-40B4-BE49-F238E27FC236}">
-                  <a16:creationId xmlns:a16="http://schemas.microsoft.com/office/drawing/2014/main" id="{E8D75791-002E-49CB-AF45-B5DEFED0FE93}"/>
+                  <a16:creationId xmlns="" xmlns:a16="http://schemas.microsoft.com/office/drawing/2014/main" id="{E8D75791-002E-49CB-AF45-B5DEFED0FE93}"/>
                 </a:ext>
               </a:extLst>
             </p:cNvPr>
@@ -6262,7 +6247,7 @@
           </p:nvSpPr>
           <p:spPr>
             <a:xfrm>
-              <a:off x="508760" y="158457"/>
+              <a:off x="489338" y="147908"/>
               <a:ext cx="2415790" cy="338554"/>
             </a:xfrm>
             <a:prstGeom prst="rect">
@@ -6305,7 +6290,7 @@
             <p:cNvPr id="19" name="Прямоугольник 18">
               <a:extLst>
                 <a:ext uri="{FF2B5EF4-FFF2-40B4-BE49-F238E27FC236}">
-                  <a16:creationId xmlns:a16="http://schemas.microsoft.com/office/drawing/2014/main" id="{6E6ADD29-EE78-4E35-B4D4-DB39F977BC25}"/>
+                  <a16:creationId xmlns="" xmlns:a16="http://schemas.microsoft.com/office/drawing/2014/main" id="{6E6ADD29-EE78-4E35-B4D4-DB39F977BC25}"/>
                 </a:ext>
               </a:extLst>
             </p:cNvPr>
@@ -6314,7 +6299,7 @@
           </p:nvSpPr>
           <p:spPr>
             <a:xfrm>
-              <a:off x="506712" y="1036074"/>
+              <a:off x="508760" y="1026933"/>
               <a:ext cx="1453466" cy="338554"/>
             </a:xfrm>
             <a:prstGeom prst="rect">
@@ -6357,7 +6342,7 @@
           <p:cNvPr id="20" name="Прямоугольник 19">
             <a:extLst>
               <a:ext uri="{FF2B5EF4-FFF2-40B4-BE49-F238E27FC236}">
-                <a16:creationId xmlns:a16="http://schemas.microsoft.com/office/drawing/2014/main" id="{F3DCC88F-61A0-4738-AD2D-3A7ECCAA1F42}"/>
+                <a16:creationId xmlns="" xmlns:a16="http://schemas.microsoft.com/office/drawing/2014/main" id="{F3DCC88F-61A0-4738-AD2D-3A7ECCAA1F42}"/>
               </a:ext>
             </a:extLst>
           </p:cNvPr>
@@ -6366,7 +6351,7 @@
         </p:nvSpPr>
         <p:spPr>
           <a:xfrm>
-            <a:off x="454238" y="2787774"/>
+            <a:off x="449337" y="2770674"/>
             <a:ext cx="1453466" cy="338554"/>
           </a:xfrm>
           <a:prstGeom prst="rect">
@@ -6438,7 +6423,7 @@
           <p:cNvPr id="31" name="Прямоугольник 30">
             <a:extLst>
               <a:ext uri="{FF2B5EF4-FFF2-40B4-BE49-F238E27FC236}">
-                <a16:creationId xmlns:a16="http://schemas.microsoft.com/office/drawing/2014/main" id="{F844FAD0-BFD3-42F8-8444-0D4247E6F864}"/>
+                <a16:creationId xmlns="" xmlns:a16="http://schemas.microsoft.com/office/drawing/2014/main" id="{F844FAD0-BFD3-42F8-8444-0D4247E6F864}"/>
               </a:ext>
             </a:extLst>
           </p:cNvPr>
@@ -6496,7 +6481,7 @@
           <p:cNvPr id="27" name="Прямая соединительная линия 26">
             <a:extLst>
               <a:ext uri="{FF2B5EF4-FFF2-40B4-BE49-F238E27FC236}">
-                <a16:creationId xmlns:a16="http://schemas.microsoft.com/office/drawing/2014/main" id="{7D440611-E861-4ADC-BE55-6C5E3E2135B0}"/>
+                <a16:creationId xmlns="" xmlns:a16="http://schemas.microsoft.com/office/drawing/2014/main" id="{7D440611-E861-4ADC-BE55-6C5E3E2135B0}"/>
               </a:ext>
             </a:extLst>
           </p:cNvPr>
@@ -6617,7 +6602,7 @@
           <p:cNvPr id="2" name="Номер слайда 1">
             <a:extLst>
               <a:ext uri="{FF2B5EF4-FFF2-40B4-BE49-F238E27FC236}">
-                <a16:creationId xmlns:a16="http://schemas.microsoft.com/office/drawing/2014/main" id="{FD31FB89-335E-4DB6-8667-434A37E623F2}"/>
+                <a16:creationId xmlns="" xmlns:a16="http://schemas.microsoft.com/office/drawing/2014/main" id="{FD31FB89-335E-4DB6-8667-434A37E623F2}"/>
               </a:ext>
             </a:extLst>
           </p:cNvPr>
@@ -6647,7 +6632,7 @@
           <p:cNvPr id="11" name="Прямоугольник 10">
             <a:extLst>
               <a:ext uri="{FF2B5EF4-FFF2-40B4-BE49-F238E27FC236}">
-                <a16:creationId xmlns:a16="http://schemas.microsoft.com/office/drawing/2014/main" id="{29F16FB1-557B-4F20-AFAA-083E6605CBA3}"/>
+                <a16:creationId xmlns="" xmlns:a16="http://schemas.microsoft.com/office/drawing/2014/main" id="{29F16FB1-557B-4F20-AFAA-083E6605CBA3}"/>
               </a:ext>
             </a:extLst>
           </p:cNvPr>
@@ -6687,7 +6672,7 @@
           <p:cNvPr id="12" name="Группа 11">
             <a:extLst>
               <a:ext uri="{FF2B5EF4-FFF2-40B4-BE49-F238E27FC236}">
-                <a16:creationId xmlns:a16="http://schemas.microsoft.com/office/drawing/2014/main" id="{0C2CC8AF-A276-431C-834D-4D111074E709}"/>
+                <a16:creationId xmlns="" xmlns:a16="http://schemas.microsoft.com/office/drawing/2014/main" id="{0C2CC8AF-A276-431C-834D-4D111074E709}"/>
               </a:ext>
             </a:extLst>
           </p:cNvPr>
@@ -6707,7 +6692,7 @@
             <p:cNvPr id="13" name="Прямоугольник 12">
               <a:extLst>
                 <a:ext uri="{FF2B5EF4-FFF2-40B4-BE49-F238E27FC236}">
-                  <a16:creationId xmlns:a16="http://schemas.microsoft.com/office/drawing/2014/main" id="{6A7439AB-9E67-41E2-A35B-511E5F0347BE}"/>
+                  <a16:creationId xmlns="" xmlns:a16="http://schemas.microsoft.com/office/drawing/2014/main" id="{6A7439AB-9E67-41E2-A35B-511E5F0347BE}"/>
                 </a:ext>
               </a:extLst>
             </p:cNvPr>
@@ -6761,7 +6746,7 @@
             <p:cNvPr id="14" name="Прямоугольник 13">
               <a:extLst>
                 <a:ext uri="{FF2B5EF4-FFF2-40B4-BE49-F238E27FC236}">
-                  <a16:creationId xmlns:a16="http://schemas.microsoft.com/office/drawing/2014/main" id="{D4C5D2CD-584A-4C0D-9F8A-A05C7DC6FB06}"/>
+                  <a16:creationId xmlns="" xmlns:a16="http://schemas.microsoft.com/office/drawing/2014/main" id="{D4C5D2CD-584A-4C0D-9F8A-A05C7DC6FB06}"/>
                 </a:ext>
               </a:extLst>
             </p:cNvPr>
@@ -6815,7 +6800,7 @@
             <p:cNvPr id="15" name="Прямоугольник 14">
               <a:extLst>
                 <a:ext uri="{FF2B5EF4-FFF2-40B4-BE49-F238E27FC236}">
-                  <a16:creationId xmlns:a16="http://schemas.microsoft.com/office/drawing/2014/main" id="{DD647F68-3943-4CC0-9412-1D5968D970D1}"/>
+                  <a16:creationId xmlns="" xmlns:a16="http://schemas.microsoft.com/office/drawing/2014/main" id="{DD647F68-3943-4CC0-9412-1D5968D970D1}"/>
                 </a:ext>
               </a:extLst>
             </p:cNvPr>
@@ -6873,7 +6858,7 @@
             <p:cNvPr id="16" name="TextBox 15">
               <a:extLst>
                 <a:ext uri="{FF2B5EF4-FFF2-40B4-BE49-F238E27FC236}">
-                  <a16:creationId xmlns:a16="http://schemas.microsoft.com/office/drawing/2014/main" id="{A1CEB2B1-930A-47BF-B703-3C3FF21EE2CA}"/>
+                  <a16:creationId xmlns="" xmlns:a16="http://schemas.microsoft.com/office/drawing/2014/main" id="{A1CEB2B1-930A-47BF-B703-3C3FF21EE2CA}"/>
                 </a:ext>
               </a:extLst>
             </p:cNvPr>
@@ -6925,7 +6910,7 @@
             <p:cNvPr id="17" name="Прямоугольник 16">
               <a:extLst>
                 <a:ext uri="{FF2B5EF4-FFF2-40B4-BE49-F238E27FC236}">
-                  <a16:creationId xmlns:a16="http://schemas.microsoft.com/office/drawing/2014/main" id="{6C584A97-3F89-4B57-ACE7-9246FF17E1B3}"/>
+                  <a16:creationId xmlns="" xmlns:a16="http://schemas.microsoft.com/office/drawing/2014/main" id="{6C584A97-3F89-4B57-ACE7-9246FF17E1B3}"/>
                 </a:ext>
               </a:extLst>
             </p:cNvPr>
@@ -6934,7 +6919,7 @@
           </p:nvSpPr>
           <p:spPr>
             <a:xfrm>
-              <a:off x="508760" y="1057560"/>
+              <a:off x="508760" y="1038501"/>
               <a:ext cx="1453466" cy="338554"/>
             </a:xfrm>
             <a:prstGeom prst="rect">
@@ -6977,7 +6962,7 @@
           <p:cNvPr id="18" name="Прямоугольник 17">
             <a:extLst>
               <a:ext uri="{FF2B5EF4-FFF2-40B4-BE49-F238E27FC236}">
-                <a16:creationId xmlns:a16="http://schemas.microsoft.com/office/drawing/2014/main" id="{0D21A8F2-EFE5-4C67-9C72-02BBCD0A6CCF}"/>
+                <a16:creationId xmlns="" xmlns:a16="http://schemas.microsoft.com/office/drawing/2014/main" id="{0D21A8F2-EFE5-4C67-9C72-02BBCD0A6CCF}"/>
               </a:ext>
             </a:extLst>
           </p:cNvPr>
@@ -6986,7 +6971,7 @@
         </p:nvSpPr>
         <p:spPr>
           <a:xfrm>
-            <a:off x="467544" y="2787774"/>
+            <a:off x="467544" y="2770674"/>
             <a:ext cx="1453466" cy="338554"/>
           </a:xfrm>
           <a:prstGeom prst="rect">
@@ -7028,7 +7013,7 @@
           <p:cNvPr id="6" name="Рисунок 5">
             <a:extLst>
               <a:ext uri="{FF2B5EF4-FFF2-40B4-BE49-F238E27FC236}">
-                <a16:creationId xmlns:a16="http://schemas.microsoft.com/office/drawing/2014/main" id="{30220AD8-66FE-493E-9C02-446B05396B45}"/>
+                <a16:creationId xmlns="" xmlns:a16="http://schemas.microsoft.com/office/drawing/2014/main" id="{30220AD8-66FE-493E-9C02-446B05396B45}"/>
               </a:ext>
             </a:extLst>
           </p:cNvPr>
@@ -7037,16 +7022,15 @@
           </p:cNvPicPr>
           <p:nvPr/>
         </p:nvPicPr>
-        <p:blipFill>
+        <p:blipFill rotWithShape="1">
           <a:blip r:embed="rId3"/>
-          <a:stretch>
-            <a:fillRect/>
-          </a:stretch>
+          <a:srcRect t="929"/>
+          <a:stretch/>
         </p:blipFill>
         <p:spPr>
           <a:xfrm>
-            <a:off x="2178921" y="1617554"/>
-            <a:ext cx="6718934" cy="2574098"/>
+            <a:off x="2178921" y="1641474"/>
+            <a:ext cx="6718934" cy="2550177"/>
           </a:xfrm>
           <a:prstGeom prst="rect">
             <a:avLst/>
@@ -7088,7 +7072,7 @@
           <p:cNvPr id="45" name="Прямоугольник 44">
             <a:extLst>
               <a:ext uri="{FF2B5EF4-FFF2-40B4-BE49-F238E27FC236}">
-                <a16:creationId xmlns:a16="http://schemas.microsoft.com/office/drawing/2014/main" id="{F844FAD0-BFD3-42F8-8444-0D4247E6F864}"/>
+                <a16:creationId xmlns="" xmlns:a16="http://schemas.microsoft.com/office/drawing/2014/main" id="{F844FAD0-BFD3-42F8-8444-0D4247E6F864}"/>
               </a:ext>
             </a:extLst>
           </p:cNvPr>
@@ -7146,7 +7130,7 @@
           <p:cNvPr id="27" name="Прямая соединительная линия 26">
             <a:extLst>
               <a:ext uri="{FF2B5EF4-FFF2-40B4-BE49-F238E27FC236}">
-                <a16:creationId xmlns:a16="http://schemas.microsoft.com/office/drawing/2014/main" id="{7D440611-E861-4ADC-BE55-6C5E3E2135B0}"/>
+                <a16:creationId xmlns="" xmlns:a16="http://schemas.microsoft.com/office/drawing/2014/main" id="{7D440611-E861-4ADC-BE55-6C5E3E2135B0}"/>
               </a:ext>
             </a:extLst>
           </p:cNvPr>
@@ -7267,7 +7251,7 @@
           <p:cNvPr id="2" name="Номер слайда 1">
             <a:extLst>
               <a:ext uri="{FF2B5EF4-FFF2-40B4-BE49-F238E27FC236}">
-                <a16:creationId xmlns:a16="http://schemas.microsoft.com/office/drawing/2014/main" id="{43DE384C-E41B-4854-8084-48017AD96984}"/>
+                <a16:creationId xmlns="" xmlns:a16="http://schemas.microsoft.com/office/drawing/2014/main" id="{43DE384C-E41B-4854-8084-48017AD96984}"/>
               </a:ext>
             </a:extLst>
           </p:cNvPr>
@@ -7297,7 +7281,7 @@
           <p:cNvPr id="18" name="Прямоугольник 17">
             <a:extLst>
               <a:ext uri="{FF2B5EF4-FFF2-40B4-BE49-F238E27FC236}">
-                <a16:creationId xmlns:a16="http://schemas.microsoft.com/office/drawing/2014/main" id="{17ED5078-1A16-4CC1-B020-23E9979FB77D}"/>
+                <a16:creationId xmlns="" xmlns:a16="http://schemas.microsoft.com/office/drawing/2014/main" id="{17ED5078-1A16-4CC1-B020-23E9979FB77D}"/>
               </a:ext>
             </a:extLst>
           </p:cNvPr>
@@ -7408,7 +7392,7 @@
           <p:cNvPr id="45" name="Прямоугольник 44">
             <a:extLst>
               <a:ext uri="{FF2B5EF4-FFF2-40B4-BE49-F238E27FC236}">
-                <a16:creationId xmlns:a16="http://schemas.microsoft.com/office/drawing/2014/main" id="{F844FAD0-BFD3-42F8-8444-0D4247E6F864}"/>
+                <a16:creationId xmlns="" xmlns:a16="http://schemas.microsoft.com/office/drawing/2014/main" id="{F844FAD0-BFD3-42F8-8444-0D4247E6F864}"/>
               </a:ext>
             </a:extLst>
           </p:cNvPr>
@@ -7544,7 +7528,7 @@
           <p:cNvPr id="2" name="Номер слайда 1">
             <a:extLst>
               <a:ext uri="{FF2B5EF4-FFF2-40B4-BE49-F238E27FC236}">
-                <a16:creationId xmlns:a16="http://schemas.microsoft.com/office/drawing/2014/main" id="{E337A08D-3A8E-4E89-BC69-A001F02E6E0C}"/>
+                <a16:creationId xmlns="" xmlns:a16="http://schemas.microsoft.com/office/drawing/2014/main" id="{E337A08D-3A8E-4E89-BC69-A001F02E6E0C}"/>
               </a:ext>
             </a:extLst>
           </p:cNvPr>
@@ -7574,7 +7558,7 @@
           <p:cNvPr id="8" name="Прямая соединительная линия 7">
             <a:extLst>
               <a:ext uri="{FF2B5EF4-FFF2-40B4-BE49-F238E27FC236}">
-                <a16:creationId xmlns:a16="http://schemas.microsoft.com/office/drawing/2014/main" id="{8CE828DF-A9C3-4B2E-BB9A-236C9E8131AE}"/>
+                <a16:creationId xmlns="" xmlns:a16="http://schemas.microsoft.com/office/drawing/2014/main" id="{8CE828DF-A9C3-4B2E-BB9A-236C9E8131AE}"/>
               </a:ext>
             </a:extLst>
           </p:cNvPr>
@@ -7617,7 +7601,7 @@
           <p:cNvPr id="9" name="Прямоугольник 8">
             <a:extLst>
               <a:ext uri="{FF2B5EF4-FFF2-40B4-BE49-F238E27FC236}">
-                <a16:creationId xmlns:a16="http://schemas.microsoft.com/office/drawing/2014/main" id="{1986159B-90C6-4663-8A8F-0AB613A5E9A9}"/>
+                <a16:creationId xmlns="" xmlns:a16="http://schemas.microsoft.com/office/drawing/2014/main" id="{1986159B-90C6-4663-8A8F-0AB613A5E9A9}"/>
               </a:ext>
             </a:extLst>
           </p:cNvPr>
@@ -7654,7 +7638,7 @@
       </p:sp>
       <p:pic>
         <p:nvPicPr>
-          <p:cNvPr id="1026" name="Picture 2" descr="C:\Users\kosiya\Downloads\classes.png"/>
+          <p:cNvPr id="1026" name="Picture 2"/>
           <p:cNvPicPr>
             <a:picLocks noChangeAspect="1" noChangeArrowheads="1"/>
           </p:cNvPicPr>
@@ -7668,15 +7652,14 @@
               </a:ext>
             </a:extLst>
           </a:blip>
-          <a:srcRect/>
           <a:stretch>
             <a:fillRect/>
           </a:stretch>
         </p:blipFill>
         <p:spPr bwMode="auto">
           <a:xfrm>
-            <a:off x="1615541" y="1059582"/>
-            <a:ext cx="6554552" cy="3888432"/>
+            <a:off x="1403648" y="1013413"/>
+            <a:ext cx="6912768" cy="3934601"/>
           </a:xfrm>
           <a:prstGeom prst="rect">
             <a:avLst/>
@@ -7728,7 +7711,7 @@
           <p:cNvPr id="3" name="Объект 2">
             <a:extLst>
               <a:ext uri="{FF2B5EF4-FFF2-40B4-BE49-F238E27FC236}">
-                <a16:creationId xmlns:a16="http://schemas.microsoft.com/office/drawing/2014/main" id="{807A1DB7-1B94-4C8E-9E43-F2737C3A6C6E}"/>
+                <a16:creationId xmlns="" xmlns:a16="http://schemas.microsoft.com/office/drawing/2014/main" id="{807A1DB7-1B94-4C8E-9E43-F2737C3A6C6E}"/>
               </a:ext>
             </a:extLst>
           </p:cNvPr>
@@ -7777,7 +7760,7 @@
           <p:cNvPr id="4" name="Номер слайда 3">
             <a:extLst>
               <a:ext uri="{FF2B5EF4-FFF2-40B4-BE49-F238E27FC236}">
-                <a16:creationId xmlns:a16="http://schemas.microsoft.com/office/drawing/2014/main" id="{407E3DFD-05CC-48DB-9081-F8A9F136813E}"/>
+                <a16:creationId xmlns="" xmlns:a16="http://schemas.microsoft.com/office/drawing/2014/main" id="{407E3DFD-05CC-48DB-9081-F8A9F136813E}"/>
               </a:ext>
             </a:extLst>
           </p:cNvPr>
@@ -7807,7 +7790,7 @@
           <p:cNvPr id="5" name="Прямоугольник 4">
             <a:extLst>
               <a:ext uri="{FF2B5EF4-FFF2-40B4-BE49-F238E27FC236}">
-                <a16:creationId xmlns:a16="http://schemas.microsoft.com/office/drawing/2014/main" id="{910DF3EC-1F25-4526-9FE7-8BC70A8DF0C5}"/>
+                <a16:creationId xmlns="" xmlns:a16="http://schemas.microsoft.com/office/drawing/2014/main" id="{910DF3EC-1F25-4526-9FE7-8BC70A8DF0C5}"/>
               </a:ext>
             </a:extLst>
           </p:cNvPr>
@@ -7865,7 +7848,7 @@
           <p:cNvPr id="6" name="Прямая соединительная линия 5">
             <a:extLst>
               <a:ext uri="{FF2B5EF4-FFF2-40B4-BE49-F238E27FC236}">
-                <a16:creationId xmlns:a16="http://schemas.microsoft.com/office/drawing/2014/main" id="{2467A97C-B77F-44C8-A41B-AB2EE2D11DE3}"/>
+                <a16:creationId xmlns="" xmlns:a16="http://schemas.microsoft.com/office/drawing/2014/main" id="{2467A97C-B77F-44C8-A41B-AB2EE2D11DE3}"/>
               </a:ext>
             </a:extLst>
           </p:cNvPr>
@@ -7908,7 +7891,7 @@
           <p:cNvPr id="8" name="Прямоугольник 7">
             <a:extLst>
               <a:ext uri="{FF2B5EF4-FFF2-40B4-BE49-F238E27FC236}">
-                <a16:creationId xmlns:a16="http://schemas.microsoft.com/office/drawing/2014/main" id="{8CF585ED-3269-46F3-8B9F-D294E6449231}"/>
+                <a16:creationId xmlns="" xmlns:a16="http://schemas.microsoft.com/office/drawing/2014/main" id="{8CF585ED-3269-46F3-8B9F-D294E6449231}"/>
               </a:ext>
             </a:extLst>
           </p:cNvPr>
@@ -7960,7 +7943,7 @@
           <p:cNvPr id="7" name="Группа 6">
             <a:extLst>
               <a:ext uri="{FF2B5EF4-FFF2-40B4-BE49-F238E27FC236}">
-                <a16:creationId xmlns:a16="http://schemas.microsoft.com/office/drawing/2014/main" id="{139A77F8-7D49-45A1-9214-19DF6CAEDB87}"/>
+                <a16:creationId xmlns="" xmlns:a16="http://schemas.microsoft.com/office/drawing/2014/main" id="{139A77F8-7D49-45A1-9214-19DF6CAEDB87}"/>
               </a:ext>
             </a:extLst>
           </p:cNvPr>
@@ -7980,7 +7963,7 @@
             <p:cNvPr id="9" name="Прямоугольник 8">
               <a:extLst>
                 <a:ext uri="{FF2B5EF4-FFF2-40B4-BE49-F238E27FC236}">
-                  <a16:creationId xmlns:a16="http://schemas.microsoft.com/office/drawing/2014/main" id="{C1AF4255-9B0F-4619-888B-C211218E49FF}"/>
+                  <a16:creationId xmlns="" xmlns:a16="http://schemas.microsoft.com/office/drawing/2014/main" id="{C1AF4255-9B0F-4619-888B-C211218E49FF}"/>
                 </a:ext>
               </a:extLst>
             </p:cNvPr>
@@ -8034,7 +8017,7 @@
             <p:cNvPr id="10" name="Прямоугольник 9">
               <a:extLst>
                 <a:ext uri="{FF2B5EF4-FFF2-40B4-BE49-F238E27FC236}">
-                  <a16:creationId xmlns:a16="http://schemas.microsoft.com/office/drawing/2014/main" id="{A568F858-4223-42C7-92C9-58140347FD14}"/>
+                  <a16:creationId xmlns="" xmlns:a16="http://schemas.microsoft.com/office/drawing/2014/main" id="{A568F858-4223-42C7-92C9-58140347FD14}"/>
                 </a:ext>
               </a:extLst>
             </p:cNvPr>
@@ -8088,7 +8071,7 @@
             <p:cNvPr id="11" name="Прямоугольник 10">
               <a:extLst>
                 <a:ext uri="{FF2B5EF4-FFF2-40B4-BE49-F238E27FC236}">
-                  <a16:creationId xmlns:a16="http://schemas.microsoft.com/office/drawing/2014/main" id="{5B70D515-762B-4243-8DAB-E4E82DC6B17A}"/>
+                  <a16:creationId xmlns="" xmlns:a16="http://schemas.microsoft.com/office/drawing/2014/main" id="{5B70D515-762B-4243-8DAB-E4E82DC6B17A}"/>
                 </a:ext>
               </a:extLst>
             </p:cNvPr>
@@ -8146,7 +8129,7 @@
             <p:cNvPr id="12" name="TextBox 11">
               <a:extLst>
                 <a:ext uri="{FF2B5EF4-FFF2-40B4-BE49-F238E27FC236}">
-                  <a16:creationId xmlns:a16="http://schemas.microsoft.com/office/drawing/2014/main" id="{27C751DA-DBF5-4BF2-AD38-619676BDF720}"/>
+                  <a16:creationId xmlns="" xmlns:a16="http://schemas.microsoft.com/office/drawing/2014/main" id="{27C751DA-DBF5-4BF2-AD38-619676BDF720}"/>
                 </a:ext>
               </a:extLst>
             </p:cNvPr>
@@ -8198,7 +8181,7 @@
             <p:cNvPr id="13" name="Прямоугольник 12">
               <a:extLst>
                 <a:ext uri="{FF2B5EF4-FFF2-40B4-BE49-F238E27FC236}">
-                  <a16:creationId xmlns:a16="http://schemas.microsoft.com/office/drawing/2014/main" id="{2107D053-F587-41CE-AC4A-9D7FEBF094D1}"/>
+                  <a16:creationId xmlns="" xmlns:a16="http://schemas.microsoft.com/office/drawing/2014/main" id="{2107D053-F587-41CE-AC4A-9D7FEBF094D1}"/>
                 </a:ext>
               </a:extLst>
             </p:cNvPr>
@@ -8250,7 +8233,7 @@
           <p:cNvPr id="14" name="Прямоугольник 13">
             <a:extLst>
               <a:ext uri="{FF2B5EF4-FFF2-40B4-BE49-F238E27FC236}">
-                <a16:creationId xmlns:a16="http://schemas.microsoft.com/office/drawing/2014/main" id="{E5033180-5409-4181-81CC-03960C2AD567}"/>
+                <a16:creationId xmlns="" xmlns:a16="http://schemas.microsoft.com/office/drawing/2014/main" id="{E5033180-5409-4181-81CC-03960C2AD567}"/>
               </a:ext>
             </a:extLst>
           </p:cNvPr>
@@ -8316,7 +8299,7 @@
           <p:cNvPr id="16" name="Рисунок 15">
             <a:extLst>
               <a:ext uri="{FF2B5EF4-FFF2-40B4-BE49-F238E27FC236}">
-                <a16:creationId xmlns:a16="http://schemas.microsoft.com/office/drawing/2014/main" id="{693DE430-DA33-48DB-B661-FEEF2CA860CF}"/>
+                <a16:creationId xmlns="" xmlns:a16="http://schemas.microsoft.com/office/drawing/2014/main" id="{693DE430-DA33-48DB-B661-FEEF2CA860CF}"/>
               </a:ext>
             </a:extLst>
           </p:cNvPr>
@@ -8376,7 +8359,7 @@
           <p:cNvPr id="5" name="Прямоугольник 4">
             <a:extLst>
               <a:ext uri="{FF2B5EF4-FFF2-40B4-BE49-F238E27FC236}">
-                <a16:creationId xmlns:a16="http://schemas.microsoft.com/office/drawing/2014/main" id="{73F08337-4FBD-49CA-B7CF-082FB8F03E03}"/>
+                <a16:creationId xmlns="" xmlns:a16="http://schemas.microsoft.com/office/drawing/2014/main" id="{73F08337-4FBD-49CA-B7CF-082FB8F03E03}"/>
               </a:ext>
             </a:extLst>
           </p:cNvPr>
@@ -8434,7 +8417,7 @@
           <p:cNvPr id="6" name="Прямоугольник 5">
             <a:extLst>
               <a:ext uri="{FF2B5EF4-FFF2-40B4-BE49-F238E27FC236}">
-                <a16:creationId xmlns:a16="http://schemas.microsoft.com/office/drawing/2014/main" id="{BB7E2663-AD02-4F1A-96DD-A2715B9F7167}"/>
+                <a16:creationId xmlns="" xmlns:a16="http://schemas.microsoft.com/office/drawing/2014/main" id="{BB7E2663-AD02-4F1A-96DD-A2715B9F7167}"/>
               </a:ext>
             </a:extLst>
           </p:cNvPr>
@@ -8474,7 +8457,7 @@
           <p:cNvPr id="7" name="Объект 2">
             <a:extLst>
               <a:ext uri="{FF2B5EF4-FFF2-40B4-BE49-F238E27FC236}">
-                <a16:creationId xmlns:a16="http://schemas.microsoft.com/office/drawing/2014/main" id="{DB15A276-4B35-4D81-AA85-B979C4E0F219}"/>
+                <a16:creationId xmlns="" xmlns:a16="http://schemas.microsoft.com/office/drawing/2014/main" id="{DB15A276-4B35-4D81-AA85-B979C4E0F219}"/>
               </a:ext>
             </a:extLst>
           </p:cNvPr>
@@ -8710,7 +8693,7 @@
           <p:cNvPr id="9" name="Рисунок 8" descr="Изображение выглядит как фотография, знак, черный, белый&#10;&#10;Автоматически созданное описание">
             <a:extLst>
               <a:ext uri="{FF2B5EF4-FFF2-40B4-BE49-F238E27FC236}">
-                <a16:creationId xmlns:a16="http://schemas.microsoft.com/office/drawing/2014/main" id="{074BF89E-2F5E-4138-803A-5E07BFE000CD}"/>
+                <a16:creationId xmlns="" xmlns:a16="http://schemas.microsoft.com/office/drawing/2014/main" id="{074BF89E-2F5E-4138-803A-5E07BFE000CD}"/>
               </a:ext>
             </a:extLst>
           </p:cNvPr>
@@ -8741,6 +8724,51 @@
           </a:prstGeom>
         </p:spPr>
       </p:pic>
+      <p:sp>
+        <p:nvSpPr>
+          <p:cNvPr id="2" name="TextBox 1"/>
+          <p:cNvSpPr txBox="1"/>
+          <p:nvPr/>
+        </p:nvSpPr>
+        <p:spPr>
+          <a:xfrm>
+            <a:off x="6204411" y="4815031"/>
+            <a:ext cx="2880320" cy="276999"/>
+          </a:xfrm>
+          <a:prstGeom prst="rect">
+            <a:avLst/>
+          </a:prstGeom>
+          <a:noFill/>
+        </p:spPr>
+        <p:txBody>
+          <a:bodyPr wrap="square" rtlCol="0">
+            <a:spAutoFit/>
+          </a:bodyPr>
+          <a:lstStyle/>
+          <a:p>
+            <a:pPr algn="r"/>
+            <a:r>
+              <a:rPr lang="ru-RU" sz="1200" dirty="0" smtClean="0">
+                <a:solidFill>
+                  <a:srgbClr val="004868"/>
+                </a:solidFill>
+                <a:latin typeface="Verdana" pitchFamily="34" charset="0"/>
+                <a:ea typeface="Verdana" pitchFamily="34" charset="0"/>
+                <a:cs typeface="Verdana" pitchFamily="34" charset="0"/>
+              </a:rPr>
+              <a:t>Гагаринские чтения, 2022г.</a:t>
+            </a:r>
+            <a:endParaRPr lang="ru-RU" sz="1200" dirty="0">
+              <a:solidFill>
+                <a:srgbClr val="004868"/>
+              </a:solidFill>
+              <a:latin typeface="Verdana" pitchFamily="34" charset="0"/>
+              <a:ea typeface="Verdana" pitchFamily="34" charset="0"/>
+              <a:cs typeface="Verdana" pitchFamily="34" charset="0"/>
+            </a:endParaRPr>
+          </a:p>
+        </p:txBody>
+      </p:sp>
     </p:spTree>
     <p:extLst>
       <p:ext uri="{BB962C8B-B14F-4D97-AF65-F5344CB8AC3E}">

--- a/doc/Presentation.pptx
+++ b/doc/Presentation.pptx
@@ -134,7 +134,7 @@
       </p14:sectionLst>
     </p:ext>
     <p:ext uri="{EFAFB233-063F-42B5-8137-9DF3F51BA10A}">
-      <p15:sldGuideLst xmlns="" xmlns:p15="http://schemas.microsoft.com/office/powerpoint/2012/main">
+      <p15:sldGuideLst xmlns:p15="http://schemas.microsoft.com/office/powerpoint/2012/main">
         <p15:guide id="1" orient="horz" pos="395" userDrawn="1">
           <p15:clr>
             <a:srgbClr val="A4A3A4"/>
@@ -241,7 +241,7 @@
             <a:fld id="{DC0B3C35-0735-4C1A-885F-DCB3E2DA0F59}" type="datetimeFigureOut">
               <a:rPr lang="ru-RU" smtClean="0"/>
               <a:pPr/>
-              <a:t>12.04.2022</a:t>
+              <a:t>13.04.2022</a:t>
             </a:fld>
             <a:endParaRPr lang="ru-RU"/>
           </a:p>
@@ -1229,7 +1229,7 @@
           <a:p>
             <a:fld id="{3B20D8BB-19A1-4AD7-ACB2-C34FEA16520C}" type="datetime1">
               <a:rPr lang="ru-RU" smtClean="0"/>
-              <a:t>12.04.2022</a:t>
+              <a:t>13.04.2022</a:t>
             </a:fld>
             <a:endParaRPr lang="ru-RU"/>
           </a:p>
@@ -1482,7 +1482,7 @@
           <a:p>
             <a:fld id="{7AFBA102-7F01-4B86-A22A-85B98BD1CCFF}" type="datetime1">
               <a:rPr lang="ru-RU" smtClean="0"/>
-              <a:t>12.04.2022</a:t>
+              <a:t>13.04.2022</a:t>
             </a:fld>
             <a:endParaRPr lang="ru-RU"/>
           </a:p>
@@ -1651,7 +1651,7 @@
           <a:p>
             <a:fld id="{D3271A2F-653B-4374-8538-9D7A9054F235}" type="datetime1">
               <a:rPr lang="ru-RU" smtClean="0"/>
-              <a:t>12.04.2022</a:t>
+              <a:t>13.04.2022</a:t>
             </a:fld>
             <a:endParaRPr lang="ru-RU"/>
           </a:p>
@@ -1830,7 +1830,7 @@
           <a:p>
             <a:fld id="{1FE93DAB-12DC-4BA1-8C9F-AD6C6B01790B}" type="datetime1">
               <a:rPr lang="ru-RU" smtClean="0"/>
-              <a:t>12.04.2022</a:t>
+              <a:t>13.04.2022</a:t>
             </a:fld>
             <a:endParaRPr lang="ru-RU"/>
           </a:p>
@@ -1999,7 +1999,7 @@
           <a:p>
             <a:fld id="{430EBC5D-A16E-44C1-BA5A-0F5576BAA9D7}" type="datetime1">
               <a:rPr lang="ru-RU" smtClean="0"/>
-              <a:t>12.04.2022</a:t>
+              <a:t>13.04.2022</a:t>
             </a:fld>
             <a:endParaRPr lang="ru-RU"/>
           </a:p>
@@ -2083,7 +2083,7 @@
           <p:cNvPr id="2" name="Заголовок 1">
             <a:extLst>
               <a:ext uri="{FF2B5EF4-FFF2-40B4-BE49-F238E27FC236}">
-                <a16:creationId xmlns="" xmlns:a16="http://schemas.microsoft.com/office/drawing/2014/main" id="{1187A9FC-966E-4F88-A65A-7E03044F5433}"/>
+                <a16:creationId xmlns:a16="http://schemas.microsoft.com/office/drawing/2014/main" id="{1187A9FC-966E-4F88-A65A-7E03044F5433}"/>
               </a:ext>
             </a:extLst>
           </p:cNvPr>
@@ -2111,7 +2111,7 @@
           <p:cNvPr id="3" name="Дата 2">
             <a:extLst>
               <a:ext uri="{FF2B5EF4-FFF2-40B4-BE49-F238E27FC236}">
-                <a16:creationId xmlns="" xmlns:a16="http://schemas.microsoft.com/office/drawing/2014/main" id="{7625A992-FDE0-409C-A39E-4079FE954E51}"/>
+                <a16:creationId xmlns:a16="http://schemas.microsoft.com/office/drawing/2014/main" id="{7625A992-FDE0-409C-A39E-4079FE954E51}"/>
               </a:ext>
             </a:extLst>
           </p:cNvPr>
@@ -2129,7 +2129,7 @@
           <a:p>
             <a:fld id="{4324B3F3-0710-4659-BF3B-444B0D3BD216}" type="datetime1">
               <a:rPr lang="ru-RU" smtClean="0"/>
-              <a:t>12.04.2022</a:t>
+              <a:t>13.04.2022</a:t>
             </a:fld>
             <a:endParaRPr lang="ru-RU"/>
           </a:p>
@@ -2140,7 +2140,7 @@
           <p:cNvPr id="4" name="Нижний колонтитул 3">
             <a:extLst>
               <a:ext uri="{FF2B5EF4-FFF2-40B4-BE49-F238E27FC236}">
-                <a16:creationId xmlns="" xmlns:a16="http://schemas.microsoft.com/office/drawing/2014/main" id="{93E533D9-BB3D-4C32-AC6D-B5D461B6EECE}"/>
+                <a16:creationId xmlns:a16="http://schemas.microsoft.com/office/drawing/2014/main" id="{93E533D9-BB3D-4C32-AC6D-B5D461B6EECE}"/>
               </a:ext>
             </a:extLst>
           </p:cNvPr>
@@ -2165,7 +2165,7 @@
           <p:cNvPr id="5" name="Номер слайда 4">
             <a:extLst>
               <a:ext uri="{FF2B5EF4-FFF2-40B4-BE49-F238E27FC236}">
-                <a16:creationId xmlns="" xmlns:a16="http://schemas.microsoft.com/office/drawing/2014/main" id="{B403D20D-06F7-4FCC-AFCB-E8F2F26A01BF}"/>
+                <a16:creationId xmlns:a16="http://schemas.microsoft.com/office/drawing/2014/main" id="{B403D20D-06F7-4FCC-AFCB-E8F2F26A01BF}"/>
               </a:ext>
             </a:extLst>
           </p:cNvPr>
@@ -2195,7 +2195,7 @@
           <p:cNvPr id="7" name="Текст 6">
             <a:extLst>
               <a:ext uri="{FF2B5EF4-FFF2-40B4-BE49-F238E27FC236}">
-                <a16:creationId xmlns="" xmlns:a16="http://schemas.microsoft.com/office/drawing/2014/main" id="{9DF0B83D-EEFA-4CD3-ABB2-378315AC97AA}"/>
+                <a16:creationId xmlns:a16="http://schemas.microsoft.com/office/drawing/2014/main" id="{9DF0B83D-EEFA-4CD3-ABB2-378315AC97AA}"/>
               </a:ext>
             </a:extLst>
           </p:cNvPr>
@@ -2453,7 +2453,7 @@
           <a:p>
             <a:fld id="{04041168-DF53-45FB-9099-91344FA615B9}" type="datetime1">
               <a:rPr lang="ru-RU" smtClean="0"/>
-              <a:t>12.04.2022</a:t>
+              <a:t>13.04.2022</a:t>
             </a:fld>
             <a:endParaRPr lang="ru-RU"/>
           </a:p>
@@ -2739,7 +2739,7 @@
           <a:p>
             <a:fld id="{5E0DC4EB-B95E-498D-A762-FD4129A79E21}" type="datetime1">
               <a:rPr lang="ru-RU" smtClean="0"/>
-              <a:t>12.04.2022</a:t>
+              <a:t>13.04.2022</a:t>
             </a:fld>
             <a:endParaRPr lang="ru-RU"/>
           </a:p>
@@ -3159,7 +3159,7 @@
           <a:p>
             <a:fld id="{70B9E767-46C9-40E7-AFC7-2041020C7CB1}" type="datetime1">
               <a:rPr lang="ru-RU" smtClean="0"/>
-              <a:t>12.04.2022</a:t>
+              <a:t>13.04.2022</a:t>
             </a:fld>
             <a:endParaRPr lang="ru-RU"/>
           </a:p>
@@ -3277,7 +3277,7 @@
           <a:p>
             <a:fld id="{158E23B8-2CA0-431C-81EC-8C3D5BB6C13B}" type="datetime1">
               <a:rPr lang="ru-RU" smtClean="0"/>
-              <a:t>12.04.2022</a:t>
+              <a:t>13.04.2022</a:t>
             </a:fld>
             <a:endParaRPr lang="ru-RU"/>
           </a:p>
@@ -3373,7 +3373,7 @@
           <a:p>
             <a:fld id="{9371AD5C-8E3E-488E-BD32-632A02384D10}" type="datetime1">
               <a:rPr lang="ru-RU" smtClean="0"/>
-              <a:t>12.04.2022</a:t>
+              <a:t>13.04.2022</a:t>
             </a:fld>
             <a:endParaRPr lang="ru-RU"/>
           </a:p>
@@ -3649,7 +3649,7 @@
           <a:p>
             <a:fld id="{E23905B0-BAEB-409C-AC3A-3C68B6D517D3}" type="datetime1">
               <a:rPr lang="ru-RU" smtClean="0"/>
-              <a:t>12.04.2022</a:t>
+              <a:t>13.04.2022</a:t>
             </a:fld>
             <a:endParaRPr lang="ru-RU"/>
           </a:p>
@@ -3861,7 +3861,7 @@
           <a:p>
             <a:fld id="{79A7F2E6-CF1E-4A81-BBD8-F91AF87C4228}" type="datetime1">
               <a:rPr lang="ru-RU" smtClean="0"/>
-              <a:t>12.04.2022</a:t>
+              <a:t>13.04.2022</a:t>
             </a:fld>
             <a:endParaRPr lang="ru-RU"/>
           </a:p>
@@ -4244,7 +4244,7 @@
           <p:cNvPr id="23" name="Полилиния: фигура 22">
             <a:extLst>
               <a:ext uri="{FF2B5EF4-FFF2-40B4-BE49-F238E27FC236}">
-                <a16:creationId xmlns="" xmlns:a16="http://schemas.microsoft.com/office/drawing/2014/main" id="{2346EF01-306A-45F1-B49E-ADB43FC604E8}"/>
+                <a16:creationId xmlns:a16="http://schemas.microsoft.com/office/drawing/2014/main" id="{2346EF01-306A-45F1-B49E-ADB43FC604E8}"/>
               </a:ext>
             </a:extLst>
           </p:cNvPr>
@@ -4341,7 +4341,7 @@
           <p:cNvPr id="7" name="TextBox 6">
             <a:extLst>
               <a:ext uri="{FF2B5EF4-FFF2-40B4-BE49-F238E27FC236}">
-                <a16:creationId xmlns="" xmlns:a16="http://schemas.microsoft.com/office/drawing/2014/main" id="{DB65D454-9513-AE4B-B897-CBE3585FB02C}"/>
+                <a16:creationId xmlns:a16="http://schemas.microsoft.com/office/drawing/2014/main" id="{DB65D454-9513-AE4B-B897-CBE3585FB02C}"/>
               </a:ext>
             </a:extLst>
           </p:cNvPr>
@@ -4393,16 +4393,6 @@
               </a:rPr>
               <a:t>Авиационный</a:t>
             </a:r>
-            <a:r>
-              <a:rPr lang="en-US" sz="3200" b="1" dirty="0">
-                <a:solidFill>
-                  <a:schemeClr val="bg1"/>
-                </a:solidFill>
-                <a:latin typeface="Verdana" panose="020B0604030504040204" pitchFamily="34" charset="0"/>
-                <a:ea typeface="Verdana" panose="020B0604030504040204" pitchFamily="34" charset="0"/>
-              </a:rPr>
-              <a:t/>
-            </a:r>
             <a:br>
               <a:rPr lang="en-US" sz="3200" b="1" dirty="0">
                 <a:solidFill>
@@ -4483,7 +4473,7 @@
           <p:cNvPr id="25" name="TextBox 24">
             <a:extLst>
               <a:ext uri="{FF2B5EF4-FFF2-40B4-BE49-F238E27FC236}">
-                <a16:creationId xmlns="" xmlns:a16="http://schemas.microsoft.com/office/drawing/2014/main" id="{5F839AF4-2DA2-448E-9D55-17402DA471EB}"/>
+                <a16:creationId xmlns:a16="http://schemas.microsoft.com/office/drawing/2014/main" id="{5F839AF4-2DA2-448E-9D55-17402DA471EB}"/>
               </a:ext>
             </a:extLst>
           </p:cNvPr>
@@ -4541,7 +4531,7 @@
           <p:cNvPr id="9" name="Рисунок 8" descr="Изображение выглядит как фотография, знак, черный, белый&#10;&#10;Автоматически созданное описание">
             <a:extLst>
               <a:ext uri="{FF2B5EF4-FFF2-40B4-BE49-F238E27FC236}">
-                <a16:creationId xmlns="" xmlns:a16="http://schemas.microsoft.com/office/drawing/2014/main" id="{074BF89E-2F5E-4138-803A-5E07BFE000CD}"/>
+                <a16:creationId xmlns:a16="http://schemas.microsoft.com/office/drawing/2014/main" id="{074BF89E-2F5E-4138-803A-5E07BFE000CD}"/>
               </a:ext>
             </a:extLst>
           </p:cNvPr>
@@ -4577,7 +4567,7 @@
           <p:cNvPr id="8" name="Прямоугольник 7">
             <a:extLst>
               <a:ext uri="{FF2B5EF4-FFF2-40B4-BE49-F238E27FC236}">
-                <a16:creationId xmlns="" xmlns:a16="http://schemas.microsoft.com/office/drawing/2014/main" id="{B22E2906-0F12-4345-BF21-9247EC5D1052}"/>
+                <a16:creationId xmlns:a16="http://schemas.microsoft.com/office/drawing/2014/main" id="{B22E2906-0F12-4345-BF21-9247EC5D1052}"/>
               </a:ext>
             </a:extLst>
           </p:cNvPr>
@@ -4816,7 +4806,7 @@
           <p:cNvPr id="30" name="Прямая соединительная линия 29">
             <a:extLst>
               <a:ext uri="{FF2B5EF4-FFF2-40B4-BE49-F238E27FC236}">
-                <a16:creationId xmlns="" xmlns:a16="http://schemas.microsoft.com/office/drawing/2014/main" id="{F004EEAE-9E59-4362-892F-11F0597BBF49}"/>
+                <a16:creationId xmlns:a16="http://schemas.microsoft.com/office/drawing/2014/main" id="{F004EEAE-9E59-4362-892F-11F0597BBF49}"/>
               </a:ext>
             </a:extLst>
           </p:cNvPr>
@@ -4859,7 +4849,7 @@
           <p:cNvPr id="3" name="Номер слайда 2">
             <a:extLst>
               <a:ext uri="{FF2B5EF4-FFF2-40B4-BE49-F238E27FC236}">
-                <a16:creationId xmlns="" xmlns:a16="http://schemas.microsoft.com/office/drawing/2014/main" id="{9879899F-8DEE-4C3F-B4F8-8A504F60C80B}"/>
+                <a16:creationId xmlns:a16="http://schemas.microsoft.com/office/drawing/2014/main" id="{9879899F-8DEE-4C3F-B4F8-8A504F60C80B}"/>
               </a:ext>
             </a:extLst>
           </p:cNvPr>
@@ -4889,7 +4879,7 @@
           <p:cNvPr id="14" name="Прямоугольник 13">
             <a:extLst>
               <a:ext uri="{FF2B5EF4-FFF2-40B4-BE49-F238E27FC236}">
-                <a16:creationId xmlns="" xmlns:a16="http://schemas.microsoft.com/office/drawing/2014/main" id="{C204DE12-0708-4039-981E-EC5E81BC4662}"/>
+                <a16:creationId xmlns:a16="http://schemas.microsoft.com/office/drawing/2014/main" id="{C204DE12-0708-4039-981E-EC5E81BC4662}"/>
               </a:ext>
             </a:extLst>
           </p:cNvPr>
@@ -4982,7 +4972,7 @@
           <p:cNvPr id="1026" name="Picture 2">
             <a:extLst>
               <a:ext uri="{FF2B5EF4-FFF2-40B4-BE49-F238E27FC236}">
-                <a16:creationId xmlns="" xmlns:a16="http://schemas.microsoft.com/office/drawing/2014/main" id="{17C112DF-E30E-4E91-BE1E-B73E5466DF10}"/>
+                <a16:creationId xmlns:a16="http://schemas.microsoft.com/office/drawing/2014/main" id="{17C112DF-E30E-4E91-BE1E-B73E5466DF10}"/>
               </a:ext>
             </a:extLst>
           </p:cNvPr>
@@ -5029,7 +5019,7 @@
           <p:cNvPr id="10" name="Группа 9">
             <a:extLst>
               <a:ext uri="{FF2B5EF4-FFF2-40B4-BE49-F238E27FC236}">
-                <a16:creationId xmlns="" xmlns:a16="http://schemas.microsoft.com/office/drawing/2014/main" id="{C966BB80-279D-40A2-84AF-CDA482DFE0F5}"/>
+                <a16:creationId xmlns:a16="http://schemas.microsoft.com/office/drawing/2014/main" id="{C966BB80-279D-40A2-84AF-CDA482DFE0F5}"/>
               </a:ext>
             </a:extLst>
           </p:cNvPr>
@@ -5049,7 +5039,7 @@
             <p:cNvPr id="11" name="Прямоугольник 10">
               <a:extLst>
                 <a:ext uri="{FF2B5EF4-FFF2-40B4-BE49-F238E27FC236}">
-                  <a16:creationId xmlns="" xmlns:a16="http://schemas.microsoft.com/office/drawing/2014/main" id="{1C3373F8-AC50-4FE4-9BFB-C2ABC5937CCF}"/>
+                  <a16:creationId xmlns:a16="http://schemas.microsoft.com/office/drawing/2014/main" id="{1C3373F8-AC50-4FE4-9BFB-C2ABC5937CCF}"/>
                 </a:ext>
               </a:extLst>
             </p:cNvPr>
@@ -5103,7 +5093,7 @@
             <p:cNvPr id="12" name="Прямоугольник 11">
               <a:extLst>
                 <a:ext uri="{FF2B5EF4-FFF2-40B4-BE49-F238E27FC236}">
-                  <a16:creationId xmlns="" xmlns:a16="http://schemas.microsoft.com/office/drawing/2014/main" id="{4DFE0403-DA90-48B3-8870-BB7651570C39}"/>
+                  <a16:creationId xmlns:a16="http://schemas.microsoft.com/office/drawing/2014/main" id="{4DFE0403-DA90-48B3-8870-BB7651570C39}"/>
                 </a:ext>
               </a:extLst>
             </p:cNvPr>
@@ -5157,7 +5147,7 @@
             <p:cNvPr id="13" name="Прямоугольник 12">
               <a:extLst>
                 <a:ext uri="{FF2B5EF4-FFF2-40B4-BE49-F238E27FC236}">
-                  <a16:creationId xmlns="" xmlns:a16="http://schemas.microsoft.com/office/drawing/2014/main" id="{300C2159-07F4-4FED-9B06-CE00C4978DA0}"/>
+                  <a16:creationId xmlns:a16="http://schemas.microsoft.com/office/drawing/2014/main" id="{300C2159-07F4-4FED-9B06-CE00C4978DA0}"/>
                 </a:ext>
               </a:extLst>
             </p:cNvPr>
@@ -5215,7 +5205,7 @@
             <p:cNvPr id="15" name="TextBox 14">
               <a:extLst>
                 <a:ext uri="{FF2B5EF4-FFF2-40B4-BE49-F238E27FC236}">
-                  <a16:creationId xmlns="" xmlns:a16="http://schemas.microsoft.com/office/drawing/2014/main" id="{3BBCBA7E-0F94-4396-B31C-676823516FFA}"/>
+                  <a16:creationId xmlns:a16="http://schemas.microsoft.com/office/drawing/2014/main" id="{3BBCBA7E-0F94-4396-B31C-676823516FFA}"/>
                 </a:ext>
               </a:extLst>
             </p:cNvPr>
@@ -5267,7 +5257,7 @@
             <p:cNvPr id="16" name="Прямоугольник 15">
               <a:extLst>
                 <a:ext uri="{FF2B5EF4-FFF2-40B4-BE49-F238E27FC236}">
-                  <a16:creationId xmlns="" xmlns:a16="http://schemas.microsoft.com/office/drawing/2014/main" id="{9DF13001-453E-456E-9606-5ACD70C1F22C}"/>
+                  <a16:creationId xmlns:a16="http://schemas.microsoft.com/office/drawing/2014/main" id="{9DF13001-453E-456E-9606-5ACD70C1F22C}"/>
                 </a:ext>
               </a:extLst>
             </p:cNvPr>
@@ -5310,7 +5300,7 @@
           <p:cNvPr id="17" name="Прямоугольник 16">
             <a:extLst>
               <a:ext uri="{FF2B5EF4-FFF2-40B4-BE49-F238E27FC236}">
-                <a16:creationId xmlns="" xmlns:a16="http://schemas.microsoft.com/office/drawing/2014/main" id="{4178CC85-0238-47F8-9C95-8ED6B85E84DE}"/>
+                <a16:creationId xmlns:a16="http://schemas.microsoft.com/office/drawing/2014/main" id="{4178CC85-0238-47F8-9C95-8ED6B85E84DE}"/>
               </a:ext>
             </a:extLst>
           </p:cNvPr>
@@ -5382,7 +5372,7 @@
           <p:cNvPr id="45" name="Прямоугольник 44">
             <a:extLst>
               <a:ext uri="{FF2B5EF4-FFF2-40B4-BE49-F238E27FC236}">
-                <a16:creationId xmlns="" xmlns:a16="http://schemas.microsoft.com/office/drawing/2014/main" id="{F844FAD0-BFD3-42F8-8444-0D4247E6F864}"/>
+                <a16:creationId xmlns:a16="http://schemas.microsoft.com/office/drawing/2014/main" id="{F844FAD0-BFD3-42F8-8444-0D4247E6F864}"/>
               </a:ext>
             </a:extLst>
           </p:cNvPr>
@@ -5518,7 +5508,7 @@
           <p:cNvPr id="2" name="Номер слайда 1">
             <a:extLst>
               <a:ext uri="{FF2B5EF4-FFF2-40B4-BE49-F238E27FC236}">
-                <a16:creationId xmlns="" xmlns:a16="http://schemas.microsoft.com/office/drawing/2014/main" id="{6C639C31-70B3-4747-90CA-1855C8665F6D}"/>
+                <a16:creationId xmlns:a16="http://schemas.microsoft.com/office/drawing/2014/main" id="{6C639C31-70B3-4747-90CA-1855C8665F6D}"/>
               </a:ext>
             </a:extLst>
           </p:cNvPr>
@@ -5548,7 +5538,7 @@
           <p:cNvPr id="9" name="Прямая соединительная линия 8">
             <a:extLst>
               <a:ext uri="{FF2B5EF4-FFF2-40B4-BE49-F238E27FC236}">
-                <a16:creationId xmlns="" xmlns:a16="http://schemas.microsoft.com/office/drawing/2014/main" id="{D801378D-54AE-4064-AFC0-861B34FEDBE9}"/>
+                <a16:creationId xmlns:a16="http://schemas.microsoft.com/office/drawing/2014/main" id="{D801378D-54AE-4064-AFC0-861B34FEDBE9}"/>
               </a:ext>
             </a:extLst>
           </p:cNvPr>
@@ -5591,7 +5581,7 @@
           <p:cNvPr id="13" name="Прямоугольник 12">
             <a:extLst>
               <a:ext uri="{FF2B5EF4-FFF2-40B4-BE49-F238E27FC236}">
-                <a16:creationId xmlns="" xmlns:a16="http://schemas.microsoft.com/office/drawing/2014/main" id="{A311B375-86CE-4E7D-BEFB-9E495DC2ED8E}"/>
+                <a16:creationId xmlns:a16="http://schemas.microsoft.com/office/drawing/2014/main" id="{A311B375-86CE-4E7D-BEFB-9E495DC2ED8E}"/>
               </a:ext>
             </a:extLst>
           </p:cNvPr>
@@ -5628,43 +5618,32 @@
       </p:sp>
       <p:pic>
         <p:nvPicPr>
-          <p:cNvPr id="2050" name="Picture 2" descr="C:\Users\kosiya\Downloads\Архитектура ИС\Гагачи2022\КТС_HD.jpg"/>
+          <p:cNvPr id="4" name="Рисунок 3">
+            <a:extLst>
+              <a:ext uri="{FF2B5EF4-FFF2-40B4-BE49-F238E27FC236}">
+                <a16:creationId xmlns:a16="http://schemas.microsoft.com/office/drawing/2014/main" id="{8D2A2102-EFDD-4932-9337-08E4C41B8C2B}"/>
+              </a:ext>
+            </a:extLst>
+          </p:cNvPr>
           <p:cNvPicPr>
-            <a:picLocks noChangeAspect="1" noChangeArrowheads="1"/>
+            <a:picLocks noChangeAspect="1"/>
           </p:cNvPicPr>
           <p:nvPr/>
         </p:nvPicPr>
         <p:blipFill>
-          <a:blip r:embed="rId3" cstate="print">
-            <a:extLst>
-              <a:ext uri="{28A0092B-C50C-407E-A947-70E740481C1C}">
-                <a14:useLocalDpi xmlns:a14="http://schemas.microsoft.com/office/drawing/2010/main" val="0"/>
-              </a:ext>
-            </a:extLst>
-          </a:blip>
-          <a:srcRect/>
+          <a:blip r:embed="rId3"/>
           <a:stretch>
             <a:fillRect/>
           </a:stretch>
         </p:blipFill>
-        <p:spPr bwMode="auto">
+        <p:spPr>
           <a:xfrm>
-            <a:off x="1187624" y="1059582"/>
-            <a:ext cx="7457697" cy="3375884"/>
+            <a:off x="1349821" y="1157936"/>
+            <a:ext cx="7686675" cy="3314700"/>
           </a:xfrm>
           <a:prstGeom prst="rect">
             <a:avLst/>
           </a:prstGeom>
-          <a:noFill/>
-          <a:extLst>
-            <a:ext uri="{909E8E84-426E-40DD-AFC4-6F175D3DCCD1}">
-              <a14:hiddenFill xmlns:a14="http://schemas.microsoft.com/office/drawing/2010/main">
-                <a:solidFill>
-                  <a:srgbClr val="FFFFFF"/>
-                </a:solidFill>
-              </a14:hiddenFill>
-            </a:ext>
-          </a:extLst>
         </p:spPr>
       </p:pic>
     </p:spTree>
@@ -5702,7 +5681,7 @@
           <p:cNvPr id="5" name="Прямоугольник 4">
             <a:extLst>
               <a:ext uri="{FF2B5EF4-FFF2-40B4-BE49-F238E27FC236}">
-                <a16:creationId xmlns="" xmlns:a16="http://schemas.microsoft.com/office/drawing/2014/main" id="{66C439E9-3E70-4653-97C3-031864E7D8D0}"/>
+                <a16:creationId xmlns:a16="http://schemas.microsoft.com/office/drawing/2014/main" id="{66C439E9-3E70-4653-97C3-031864E7D8D0}"/>
               </a:ext>
             </a:extLst>
           </p:cNvPr>
@@ -5760,7 +5739,7 @@
           <p:cNvPr id="12" name="Объект 11">
             <a:extLst>
               <a:ext uri="{FF2B5EF4-FFF2-40B4-BE49-F238E27FC236}">
-                <a16:creationId xmlns="" xmlns:a16="http://schemas.microsoft.com/office/drawing/2014/main" id="{B7C51A1C-8922-4440-B769-CB2C3DEB3983}"/>
+                <a16:creationId xmlns:a16="http://schemas.microsoft.com/office/drawing/2014/main" id="{B7C51A1C-8922-4440-B769-CB2C3DEB3983}"/>
               </a:ext>
             </a:extLst>
           </p:cNvPr>
@@ -5789,7 +5768,7 @@
           <p:cNvPr id="4" name="Номер слайда 3">
             <a:extLst>
               <a:ext uri="{FF2B5EF4-FFF2-40B4-BE49-F238E27FC236}">
-                <a16:creationId xmlns="" xmlns:a16="http://schemas.microsoft.com/office/drawing/2014/main" id="{C8A9DE46-F073-46D7-B376-7501FC0857AE}"/>
+                <a16:creationId xmlns:a16="http://schemas.microsoft.com/office/drawing/2014/main" id="{C8A9DE46-F073-46D7-B376-7501FC0857AE}"/>
               </a:ext>
             </a:extLst>
           </p:cNvPr>
@@ -5819,7 +5798,7 @@
           <p:cNvPr id="6" name="Прямая соединительная линия 5">
             <a:extLst>
               <a:ext uri="{FF2B5EF4-FFF2-40B4-BE49-F238E27FC236}">
-                <a16:creationId xmlns="" xmlns:a16="http://schemas.microsoft.com/office/drawing/2014/main" id="{AA138C88-C0F1-4DB1-B124-2598866FA507}"/>
+                <a16:creationId xmlns:a16="http://schemas.microsoft.com/office/drawing/2014/main" id="{AA138C88-C0F1-4DB1-B124-2598866FA507}"/>
               </a:ext>
             </a:extLst>
           </p:cNvPr>
@@ -5862,7 +5841,7 @@
           <p:cNvPr id="8" name="Прямоугольник 7">
             <a:extLst>
               <a:ext uri="{FF2B5EF4-FFF2-40B4-BE49-F238E27FC236}">
-                <a16:creationId xmlns="" xmlns:a16="http://schemas.microsoft.com/office/drawing/2014/main" id="{E241D599-E25D-4723-8B9C-C236D5FE6E76}"/>
+                <a16:creationId xmlns:a16="http://schemas.microsoft.com/office/drawing/2014/main" id="{E241D599-E25D-4723-8B9C-C236D5FE6E76}"/>
               </a:ext>
             </a:extLst>
           </p:cNvPr>
@@ -5902,7 +5881,7 @@
           <p:cNvPr id="13" name="Прямоугольник 12">
             <a:extLst>
               <a:ext uri="{FF2B5EF4-FFF2-40B4-BE49-F238E27FC236}">
-                <a16:creationId xmlns="" xmlns:a16="http://schemas.microsoft.com/office/drawing/2014/main" id="{8691D101-8FB8-4148-96C0-FC85128352E9}"/>
+                <a16:creationId xmlns:a16="http://schemas.microsoft.com/office/drawing/2014/main" id="{8691D101-8FB8-4148-96C0-FC85128352E9}"/>
               </a:ext>
             </a:extLst>
           </p:cNvPr>
@@ -6052,7 +6031,7 @@
           <p:cNvPr id="14" name="Группа 13">
             <a:extLst>
               <a:ext uri="{FF2B5EF4-FFF2-40B4-BE49-F238E27FC236}">
-                <a16:creationId xmlns="" xmlns:a16="http://schemas.microsoft.com/office/drawing/2014/main" id="{04A2D0FC-A086-451D-8E3C-C36D94520331}"/>
+                <a16:creationId xmlns:a16="http://schemas.microsoft.com/office/drawing/2014/main" id="{04A2D0FC-A086-451D-8E3C-C36D94520331}"/>
               </a:ext>
             </a:extLst>
           </p:cNvPr>
@@ -6072,7 +6051,7 @@
             <p:cNvPr id="15" name="Прямоугольник 14">
               <a:extLst>
                 <a:ext uri="{FF2B5EF4-FFF2-40B4-BE49-F238E27FC236}">
-                  <a16:creationId xmlns="" xmlns:a16="http://schemas.microsoft.com/office/drawing/2014/main" id="{CCAB0E93-B482-4511-9C92-D58B5CA1B476}"/>
+                  <a16:creationId xmlns:a16="http://schemas.microsoft.com/office/drawing/2014/main" id="{CCAB0E93-B482-4511-9C92-D58B5CA1B476}"/>
                 </a:ext>
               </a:extLst>
             </p:cNvPr>
@@ -6126,7 +6105,7 @@
             <p:cNvPr id="16" name="Прямоугольник 15">
               <a:extLst>
                 <a:ext uri="{FF2B5EF4-FFF2-40B4-BE49-F238E27FC236}">
-                  <a16:creationId xmlns="" xmlns:a16="http://schemas.microsoft.com/office/drawing/2014/main" id="{9A6819D6-8981-437E-9451-D33DC6AE2CFF}"/>
+                  <a16:creationId xmlns:a16="http://schemas.microsoft.com/office/drawing/2014/main" id="{9A6819D6-8981-437E-9451-D33DC6AE2CFF}"/>
                 </a:ext>
               </a:extLst>
             </p:cNvPr>
@@ -6180,7 +6159,7 @@
             <p:cNvPr id="17" name="Прямоугольник 16">
               <a:extLst>
                 <a:ext uri="{FF2B5EF4-FFF2-40B4-BE49-F238E27FC236}">
-                  <a16:creationId xmlns="" xmlns:a16="http://schemas.microsoft.com/office/drawing/2014/main" id="{2A9176D3-840D-47CC-BE16-23C1B0AB344E}"/>
+                  <a16:creationId xmlns:a16="http://schemas.microsoft.com/office/drawing/2014/main" id="{2A9176D3-840D-47CC-BE16-23C1B0AB344E}"/>
                 </a:ext>
               </a:extLst>
             </p:cNvPr>
@@ -6238,7 +6217,7 @@
             <p:cNvPr id="18" name="TextBox 17">
               <a:extLst>
                 <a:ext uri="{FF2B5EF4-FFF2-40B4-BE49-F238E27FC236}">
-                  <a16:creationId xmlns="" xmlns:a16="http://schemas.microsoft.com/office/drawing/2014/main" id="{E8D75791-002E-49CB-AF45-B5DEFED0FE93}"/>
+                  <a16:creationId xmlns:a16="http://schemas.microsoft.com/office/drawing/2014/main" id="{E8D75791-002E-49CB-AF45-B5DEFED0FE93}"/>
                 </a:ext>
               </a:extLst>
             </p:cNvPr>
@@ -6290,7 +6269,7 @@
             <p:cNvPr id="19" name="Прямоугольник 18">
               <a:extLst>
                 <a:ext uri="{FF2B5EF4-FFF2-40B4-BE49-F238E27FC236}">
-                  <a16:creationId xmlns="" xmlns:a16="http://schemas.microsoft.com/office/drawing/2014/main" id="{6E6ADD29-EE78-4E35-B4D4-DB39F977BC25}"/>
+                  <a16:creationId xmlns:a16="http://schemas.microsoft.com/office/drawing/2014/main" id="{6E6ADD29-EE78-4E35-B4D4-DB39F977BC25}"/>
                 </a:ext>
               </a:extLst>
             </p:cNvPr>
@@ -6342,7 +6321,7 @@
           <p:cNvPr id="20" name="Прямоугольник 19">
             <a:extLst>
               <a:ext uri="{FF2B5EF4-FFF2-40B4-BE49-F238E27FC236}">
-                <a16:creationId xmlns="" xmlns:a16="http://schemas.microsoft.com/office/drawing/2014/main" id="{F3DCC88F-61A0-4738-AD2D-3A7ECCAA1F42}"/>
+                <a16:creationId xmlns:a16="http://schemas.microsoft.com/office/drawing/2014/main" id="{F3DCC88F-61A0-4738-AD2D-3A7ECCAA1F42}"/>
               </a:ext>
             </a:extLst>
           </p:cNvPr>
@@ -6423,7 +6402,7 @@
           <p:cNvPr id="31" name="Прямоугольник 30">
             <a:extLst>
               <a:ext uri="{FF2B5EF4-FFF2-40B4-BE49-F238E27FC236}">
-                <a16:creationId xmlns="" xmlns:a16="http://schemas.microsoft.com/office/drawing/2014/main" id="{F844FAD0-BFD3-42F8-8444-0D4247E6F864}"/>
+                <a16:creationId xmlns:a16="http://schemas.microsoft.com/office/drawing/2014/main" id="{F844FAD0-BFD3-42F8-8444-0D4247E6F864}"/>
               </a:ext>
             </a:extLst>
           </p:cNvPr>
@@ -6481,7 +6460,7 @@
           <p:cNvPr id="27" name="Прямая соединительная линия 26">
             <a:extLst>
               <a:ext uri="{FF2B5EF4-FFF2-40B4-BE49-F238E27FC236}">
-                <a16:creationId xmlns="" xmlns:a16="http://schemas.microsoft.com/office/drawing/2014/main" id="{7D440611-E861-4ADC-BE55-6C5E3E2135B0}"/>
+                <a16:creationId xmlns:a16="http://schemas.microsoft.com/office/drawing/2014/main" id="{7D440611-E861-4ADC-BE55-6C5E3E2135B0}"/>
               </a:ext>
             </a:extLst>
           </p:cNvPr>
@@ -6602,7 +6581,7 @@
           <p:cNvPr id="2" name="Номер слайда 1">
             <a:extLst>
               <a:ext uri="{FF2B5EF4-FFF2-40B4-BE49-F238E27FC236}">
-                <a16:creationId xmlns="" xmlns:a16="http://schemas.microsoft.com/office/drawing/2014/main" id="{FD31FB89-335E-4DB6-8667-434A37E623F2}"/>
+                <a16:creationId xmlns:a16="http://schemas.microsoft.com/office/drawing/2014/main" id="{FD31FB89-335E-4DB6-8667-434A37E623F2}"/>
               </a:ext>
             </a:extLst>
           </p:cNvPr>
@@ -6632,7 +6611,7 @@
           <p:cNvPr id="11" name="Прямоугольник 10">
             <a:extLst>
               <a:ext uri="{FF2B5EF4-FFF2-40B4-BE49-F238E27FC236}">
-                <a16:creationId xmlns="" xmlns:a16="http://schemas.microsoft.com/office/drawing/2014/main" id="{29F16FB1-557B-4F20-AFAA-083E6605CBA3}"/>
+                <a16:creationId xmlns:a16="http://schemas.microsoft.com/office/drawing/2014/main" id="{29F16FB1-557B-4F20-AFAA-083E6605CBA3}"/>
               </a:ext>
             </a:extLst>
           </p:cNvPr>
@@ -6672,7 +6651,7 @@
           <p:cNvPr id="12" name="Группа 11">
             <a:extLst>
               <a:ext uri="{FF2B5EF4-FFF2-40B4-BE49-F238E27FC236}">
-                <a16:creationId xmlns="" xmlns:a16="http://schemas.microsoft.com/office/drawing/2014/main" id="{0C2CC8AF-A276-431C-834D-4D111074E709}"/>
+                <a16:creationId xmlns:a16="http://schemas.microsoft.com/office/drawing/2014/main" id="{0C2CC8AF-A276-431C-834D-4D111074E709}"/>
               </a:ext>
             </a:extLst>
           </p:cNvPr>
@@ -6692,7 +6671,7 @@
             <p:cNvPr id="13" name="Прямоугольник 12">
               <a:extLst>
                 <a:ext uri="{FF2B5EF4-FFF2-40B4-BE49-F238E27FC236}">
-                  <a16:creationId xmlns="" xmlns:a16="http://schemas.microsoft.com/office/drawing/2014/main" id="{6A7439AB-9E67-41E2-A35B-511E5F0347BE}"/>
+                  <a16:creationId xmlns:a16="http://schemas.microsoft.com/office/drawing/2014/main" id="{6A7439AB-9E67-41E2-A35B-511E5F0347BE}"/>
                 </a:ext>
               </a:extLst>
             </p:cNvPr>
@@ -6746,7 +6725,7 @@
             <p:cNvPr id="14" name="Прямоугольник 13">
               <a:extLst>
                 <a:ext uri="{FF2B5EF4-FFF2-40B4-BE49-F238E27FC236}">
-                  <a16:creationId xmlns="" xmlns:a16="http://schemas.microsoft.com/office/drawing/2014/main" id="{D4C5D2CD-584A-4C0D-9F8A-A05C7DC6FB06}"/>
+                  <a16:creationId xmlns:a16="http://schemas.microsoft.com/office/drawing/2014/main" id="{D4C5D2CD-584A-4C0D-9F8A-A05C7DC6FB06}"/>
                 </a:ext>
               </a:extLst>
             </p:cNvPr>
@@ -6800,7 +6779,7 @@
             <p:cNvPr id="15" name="Прямоугольник 14">
               <a:extLst>
                 <a:ext uri="{FF2B5EF4-FFF2-40B4-BE49-F238E27FC236}">
-                  <a16:creationId xmlns="" xmlns:a16="http://schemas.microsoft.com/office/drawing/2014/main" id="{DD647F68-3943-4CC0-9412-1D5968D970D1}"/>
+                  <a16:creationId xmlns:a16="http://schemas.microsoft.com/office/drawing/2014/main" id="{DD647F68-3943-4CC0-9412-1D5968D970D1}"/>
                 </a:ext>
               </a:extLst>
             </p:cNvPr>
@@ -6858,7 +6837,7 @@
             <p:cNvPr id="16" name="TextBox 15">
               <a:extLst>
                 <a:ext uri="{FF2B5EF4-FFF2-40B4-BE49-F238E27FC236}">
-                  <a16:creationId xmlns="" xmlns:a16="http://schemas.microsoft.com/office/drawing/2014/main" id="{A1CEB2B1-930A-47BF-B703-3C3FF21EE2CA}"/>
+                  <a16:creationId xmlns:a16="http://schemas.microsoft.com/office/drawing/2014/main" id="{A1CEB2B1-930A-47BF-B703-3C3FF21EE2CA}"/>
                 </a:ext>
               </a:extLst>
             </p:cNvPr>
@@ -6910,7 +6889,7 @@
             <p:cNvPr id="17" name="Прямоугольник 16">
               <a:extLst>
                 <a:ext uri="{FF2B5EF4-FFF2-40B4-BE49-F238E27FC236}">
-                  <a16:creationId xmlns="" xmlns:a16="http://schemas.microsoft.com/office/drawing/2014/main" id="{6C584A97-3F89-4B57-ACE7-9246FF17E1B3}"/>
+                  <a16:creationId xmlns:a16="http://schemas.microsoft.com/office/drawing/2014/main" id="{6C584A97-3F89-4B57-ACE7-9246FF17E1B3}"/>
                 </a:ext>
               </a:extLst>
             </p:cNvPr>
@@ -6962,7 +6941,7 @@
           <p:cNvPr id="18" name="Прямоугольник 17">
             <a:extLst>
               <a:ext uri="{FF2B5EF4-FFF2-40B4-BE49-F238E27FC236}">
-                <a16:creationId xmlns="" xmlns:a16="http://schemas.microsoft.com/office/drawing/2014/main" id="{0D21A8F2-EFE5-4C67-9C72-02BBCD0A6CCF}"/>
+                <a16:creationId xmlns:a16="http://schemas.microsoft.com/office/drawing/2014/main" id="{0D21A8F2-EFE5-4C67-9C72-02BBCD0A6CCF}"/>
               </a:ext>
             </a:extLst>
           </p:cNvPr>
@@ -7013,7 +6992,7 @@
           <p:cNvPr id="6" name="Рисунок 5">
             <a:extLst>
               <a:ext uri="{FF2B5EF4-FFF2-40B4-BE49-F238E27FC236}">
-                <a16:creationId xmlns="" xmlns:a16="http://schemas.microsoft.com/office/drawing/2014/main" id="{30220AD8-66FE-493E-9C02-446B05396B45}"/>
+                <a16:creationId xmlns:a16="http://schemas.microsoft.com/office/drawing/2014/main" id="{30220AD8-66FE-493E-9C02-446B05396B45}"/>
               </a:ext>
             </a:extLst>
           </p:cNvPr>
@@ -7072,7 +7051,7 @@
           <p:cNvPr id="45" name="Прямоугольник 44">
             <a:extLst>
               <a:ext uri="{FF2B5EF4-FFF2-40B4-BE49-F238E27FC236}">
-                <a16:creationId xmlns="" xmlns:a16="http://schemas.microsoft.com/office/drawing/2014/main" id="{F844FAD0-BFD3-42F8-8444-0D4247E6F864}"/>
+                <a16:creationId xmlns:a16="http://schemas.microsoft.com/office/drawing/2014/main" id="{F844FAD0-BFD3-42F8-8444-0D4247E6F864}"/>
               </a:ext>
             </a:extLst>
           </p:cNvPr>
@@ -7130,7 +7109,7 @@
           <p:cNvPr id="27" name="Прямая соединительная линия 26">
             <a:extLst>
               <a:ext uri="{FF2B5EF4-FFF2-40B4-BE49-F238E27FC236}">
-                <a16:creationId xmlns="" xmlns:a16="http://schemas.microsoft.com/office/drawing/2014/main" id="{7D440611-E861-4ADC-BE55-6C5E3E2135B0}"/>
+                <a16:creationId xmlns:a16="http://schemas.microsoft.com/office/drawing/2014/main" id="{7D440611-E861-4ADC-BE55-6C5E3E2135B0}"/>
               </a:ext>
             </a:extLst>
           </p:cNvPr>
@@ -7251,7 +7230,7 @@
           <p:cNvPr id="2" name="Номер слайда 1">
             <a:extLst>
               <a:ext uri="{FF2B5EF4-FFF2-40B4-BE49-F238E27FC236}">
-                <a16:creationId xmlns="" xmlns:a16="http://schemas.microsoft.com/office/drawing/2014/main" id="{43DE384C-E41B-4854-8084-48017AD96984}"/>
+                <a16:creationId xmlns:a16="http://schemas.microsoft.com/office/drawing/2014/main" id="{43DE384C-E41B-4854-8084-48017AD96984}"/>
               </a:ext>
             </a:extLst>
           </p:cNvPr>
@@ -7281,7 +7260,7 @@
           <p:cNvPr id="18" name="Прямоугольник 17">
             <a:extLst>
               <a:ext uri="{FF2B5EF4-FFF2-40B4-BE49-F238E27FC236}">
-                <a16:creationId xmlns="" xmlns:a16="http://schemas.microsoft.com/office/drawing/2014/main" id="{17ED5078-1A16-4CC1-B020-23E9979FB77D}"/>
+                <a16:creationId xmlns:a16="http://schemas.microsoft.com/office/drawing/2014/main" id="{17ED5078-1A16-4CC1-B020-23E9979FB77D}"/>
               </a:ext>
             </a:extLst>
           </p:cNvPr>
@@ -7392,7 +7371,7 @@
           <p:cNvPr id="45" name="Прямоугольник 44">
             <a:extLst>
               <a:ext uri="{FF2B5EF4-FFF2-40B4-BE49-F238E27FC236}">
-                <a16:creationId xmlns="" xmlns:a16="http://schemas.microsoft.com/office/drawing/2014/main" id="{F844FAD0-BFD3-42F8-8444-0D4247E6F864}"/>
+                <a16:creationId xmlns:a16="http://schemas.microsoft.com/office/drawing/2014/main" id="{F844FAD0-BFD3-42F8-8444-0D4247E6F864}"/>
               </a:ext>
             </a:extLst>
           </p:cNvPr>
@@ -7528,7 +7507,7 @@
           <p:cNvPr id="2" name="Номер слайда 1">
             <a:extLst>
               <a:ext uri="{FF2B5EF4-FFF2-40B4-BE49-F238E27FC236}">
-                <a16:creationId xmlns="" xmlns:a16="http://schemas.microsoft.com/office/drawing/2014/main" id="{E337A08D-3A8E-4E89-BC69-A001F02E6E0C}"/>
+                <a16:creationId xmlns:a16="http://schemas.microsoft.com/office/drawing/2014/main" id="{E337A08D-3A8E-4E89-BC69-A001F02E6E0C}"/>
               </a:ext>
             </a:extLst>
           </p:cNvPr>
@@ -7558,7 +7537,7 @@
           <p:cNvPr id="8" name="Прямая соединительная линия 7">
             <a:extLst>
               <a:ext uri="{FF2B5EF4-FFF2-40B4-BE49-F238E27FC236}">
-                <a16:creationId xmlns="" xmlns:a16="http://schemas.microsoft.com/office/drawing/2014/main" id="{8CE828DF-A9C3-4B2E-BB9A-236C9E8131AE}"/>
+                <a16:creationId xmlns:a16="http://schemas.microsoft.com/office/drawing/2014/main" id="{8CE828DF-A9C3-4B2E-BB9A-236C9E8131AE}"/>
               </a:ext>
             </a:extLst>
           </p:cNvPr>
@@ -7601,7 +7580,7 @@
           <p:cNvPr id="9" name="Прямоугольник 8">
             <a:extLst>
               <a:ext uri="{FF2B5EF4-FFF2-40B4-BE49-F238E27FC236}">
-                <a16:creationId xmlns="" xmlns:a16="http://schemas.microsoft.com/office/drawing/2014/main" id="{1986159B-90C6-4663-8A8F-0AB613A5E9A9}"/>
+                <a16:creationId xmlns:a16="http://schemas.microsoft.com/office/drawing/2014/main" id="{1986159B-90C6-4663-8A8F-0AB613A5E9A9}"/>
               </a:ext>
             </a:extLst>
           </p:cNvPr>
@@ -7711,7 +7690,7 @@
           <p:cNvPr id="3" name="Объект 2">
             <a:extLst>
               <a:ext uri="{FF2B5EF4-FFF2-40B4-BE49-F238E27FC236}">
-                <a16:creationId xmlns="" xmlns:a16="http://schemas.microsoft.com/office/drawing/2014/main" id="{807A1DB7-1B94-4C8E-9E43-F2737C3A6C6E}"/>
+                <a16:creationId xmlns:a16="http://schemas.microsoft.com/office/drawing/2014/main" id="{807A1DB7-1B94-4C8E-9E43-F2737C3A6C6E}"/>
               </a:ext>
             </a:extLst>
           </p:cNvPr>
@@ -7760,7 +7739,7 @@
           <p:cNvPr id="4" name="Номер слайда 3">
             <a:extLst>
               <a:ext uri="{FF2B5EF4-FFF2-40B4-BE49-F238E27FC236}">
-                <a16:creationId xmlns="" xmlns:a16="http://schemas.microsoft.com/office/drawing/2014/main" id="{407E3DFD-05CC-48DB-9081-F8A9F136813E}"/>
+                <a16:creationId xmlns:a16="http://schemas.microsoft.com/office/drawing/2014/main" id="{407E3DFD-05CC-48DB-9081-F8A9F136813E}"/>
               </a:ext>
             </a:extLst>
           </p:cNvPr>
@@ -7790,7 +7769,7 @@
           <p:cNvPr id="5" name="Прямоугольник 4">
             <a:extLst>
               <a:ext uri="{FF2B5EF4-FFF2-40B4-BE49-F238E27FC236}">
-                <a16:creationId xmlns="" xmlns:a16="http://schemas.microsoft.com/office/drawing/2014/main" id="{910DF3EC-1F25-4526-9FE7-8BC70A8DF0C5}"/>
+                <a16:creationId xmlns:a16="http://schemas.microsoft.com/office/drawing/2014/main" id="{910DF3EC-1F25-4526-9FE7-8BC70A8DF0C5}"/>
               </a:ext>
             </a:extLst>
           </p:cNvPr>
@@ -7848,7 +7827,7 @@
           <p:cNvPr id="6" name="Прямая соединительная линия 5">
             <a:extLst>
               <a:ext uri="{FF2B5EF4-FFF2-40B4-BE49-F238E27FC236}">
-                <a16:creationId xmlns="" xmlns:a16="http://schemas.microsoft.com/office/drawing/2014/main" id="{2467A97C-B77F-44C8-A41B-AB2EE2D11DE3}"/>
+                <a16:creationId xmlns:a16="http://schemas.microsoft.com/office/drawing/2014/main" id="{2467A97C-B77F-44C8-A41B-AB2EE2D11DE3}"/>
               </a:ext>
             </a:extLst>
           </p:cNvPr>
@@ -7891,7 +7870,7 @@
           <p:cNvPr id="8" name="Прямоугольник 7">
             <a:extLst>
               <a:ext uri="{FF2B5EF4-FFF2-40B4-BE49-F238E27FC236}">
-                <a16:creationId xmlns="" xmlns:a16="http://schemas.microsoft.com/office/drawing/2014/main" id="{8CF585ED-3269-46F3-8B9F-D294E6449231}"/>
+                <a16:creationId xmlns:a16="http://schemas.microsoft.com/office/drawing/2014/main" id="{8CF585ED-3269-46F3-8B9F-D294E6449231}"/>
               </a:ext>
             </a:extLst>
           </p:cNvPr>
@@ -7943,7 +7922,7 @@
           <p:cNvPr id="7" name="Группа 6">
             <a:extLst>
               <a:ext uri="{FF2B5EF4-FFF2-40B4-BE49-F238E27FC236}">
-                <a16:creationId xmlns="" xmlns:a16="http://schemas.microsoft.com/office/drawing/2014/main" id="{139A77F8-7D49-45A1-9214-19DF6CAEDB87}"/>
+                <a16:creationId xmlns:a16="http://schemas.microsoft.com/office/drawing/2014/main" id="{139A77F8-7D49-45A1-9214-19DF6CAEDB87}"/>
               </a:ext>
             </a:extLst>
           </p:cNvPr>
@@ -7963,7 +7942,7 @@
             <p:cNvPr id="9" name="Прямоугольник 8">
               <a:extLst>
                 <a:ext uri="{FF2B5EF4-FFF2-40B4-BE49-F238E27FC236}">
-                  <a16:creationId xmlns="" xmlns:a16="http://schemas.microsoft.com/office/drawing/2014/main" id="{C1AF4255-9B0F-4619-888B-C211218E49FF}"/>
+                  <a16:creationId xmlns:a16="http://schemas.microsoft.com/office/drawing/2014/main" id="{C1AF4255-9B0F-4619-888B-C211218E49FF}"/>
                 </a:ext>
               </a:extLst>
             </p:cNvPr>
@@ -8017,7 +7996,7 @@
             <p:cNvPr id="10" name="Прямоугольник 9">
               <a:extLst>
                 <a:ext uri="{FF2B5EF4-FFF2-40B4-BE49-F238E27FC236}">
-                  <a16:creationId xmlns="" xmlns:a16="http://schemas.microsoft.com/office/drawing/2014/main" id="{A568F858-4223-42C7-92C9-58140347FD14}"/>
+                  <a16:creationId xmlns:a16="http://schemas.microsoft.com/office/drawing/2014/main" id="{A568F858-4223-42C7-92C9-58140347FD14}"/>
                 </a:ext>
               </a:extLst>
             </p:cNvPr>
@@ -8071,7 +8050,7 @@
             <p:cNvPr id="11" name="Прямоугольник 10">
               <a:extLst>
                 <a:ext uri="{FF2B5EF4-FFF2-40B4-BE49-F238E27FC236}">
-                  <a16:creationId xmlns="" xmlns:a16="http://schemas.microsoft.com/office/drawing/2014/main" id="{5B70D515-762B-4243-8DAB-E4E82DC6B17A}"/>
+                  <a16:creationId xmlns:a16="http://schemas.microsoft.com/office/drawing/2014/main" id="{5B70D515-762B-4243-8DAB-E4E82DC6B17A}"/>
                 </a:ext>
               </a:extLst>
             </p:cNvPr>
@@ -8129,7 +8108,7 @@
             <p:cNvPr id="12" name="TextBox 11">
               <a:extLst>
                 <a:ext uri="{FF2B5EF4-FFF2-40B4-BE49-F238E27FC236}">
-                  <a16:creationId xmlns="" xmlns:a16="http://schemas.microsoft.com/office/drawing/2014/main" id="{27C751DA-DBF5-4BF2-AD38-619676BDF720}"/>
+                  <a16:creationId xmlns:a16="http://schemas.microsoft.com/office/drawing/2014/main" id="{27C751DA-DBF5-4BF2-AD38-619676BDF720}"/>
                 </a:ext>
               </a:extLst>
             </p:cNvPr>
@@ -8181,7 +8160,7 @@
             <p:cNvPr id="13" name="Прямоугольник 12">
               <a:extLst>
                 <a:ext uri="{FF2B5EF4-FFF2-40B4-BE49-F238E27FC236}">
-                  <a16:creationId xmlns="" xmlns:a16="http://schemas.microsoft.com/office/drawing/2014/main" id="{2107D053-F587-41CE-AC4A-9D7FEBF094D1}"/>
+                  <a16:creationId xmlns:a16="http://schemas.microsoft.com/office/drawing/2014/main" id="{2107D053-F587-41CE-AC4A-9D7FEBF094D1}"/>
                 </a:ext>
               </a:extLst>
             </p:cNvPr>
@@ -8233,7 +8212,7 @@
           <p:cNvPr id="14" name="Прямоугольник 13">
             <a:extLst>
               <a:ext uri="{FF2B5EF4-FFF2-40B4-BE49-F238E27FC236}">
-                <a16:creationId xmlns="" xmlns:a16="http://schemas.microsoft.com/office/drawing/2014/main" id="{E5033180-5409-4181-81CC-03960C2AD567}"/>
+                <a16:creationId xmlns:a16="http://schemas.microsoft.com/office/drawing/2014/main" id="{E5033180-5409-4181-81CC-03960C2AD567}"/>
               </a:ext>
             </a:extLst>
           </p:cNvPr>
@@ -8299,7 +8278,7 @@
           <p:cNvPr id="16" name="Рисунок 15">
             <a:extLst>
               <a:ext uri="{FF2B5EF4-FFF2-40B4-BE49-F238E27FC236}">
-                <a16:creationId xmlns="" xmlns:a16="http://schemas.microsoft.com/office/drawing/2014/main" id="{693DE430-DA33-48DB-B661-FEEF2CA860CF}"/>
+                <a16:creationId xmlns:a16="http://schemas.microsoft.com/office/drawing/2014/main" id="{693DE430-DA33-48DB-B661-FEEF2CA860CF}"/>
               </a:ext>
             </a:extLst>
           </p:cNvPr>
@@ -8359,7 +8338,7 @@
           <p:cNvPr id="5" name="Прямоугольник 4">
             <a:extLst>
               <a:ext uri="{FF2B5EF4-FFF2-40B4-BE49-F238E27FC236}">
-                <a16:creationId xmlns="" xmlns:a16="http://schemas.microsoft.com/office/drawing/2014/main" id="{73F08337-4FBD-49CA-B7CF-082FB8F03E03}"/>
+                <a16:creationId xmlns:a16="http://schemas.microsoft.com/office/drawing/2014/main" id="{73F08337-4FBD-49CA-B7CF-082FB8F03E03}"/>
               </a:ext>
             </a:extLst>
           </p:cNvPr>
@@ -8417,7 +8396,7 @@
           <p:cNvPr id="6" name="Прямоугольник 5">
             <a:extLst>
               <a:ext uri="{FF2B5EF4-FFF2-40B4-BE49-F238E27FC236}">
-                <a16:creationId xmlns="" xmlns:a16="http://schemas.microsoft.com/office/drawing/2014/main" id="{BB7E2663-AD02-4F1A-96DD-A2715B9F7167}"/>
+                <a16:creationId xmlns:a16="http://schemas.microsoft.com/office/drawing/2014/main" id="{BB7E2663-AD02-4F1A-96DD-A2715B9F7167}"/>
               </a:ext>
             </a:extLst>
           </p:cNvPr>
@@ -8457,7 +8436,7 @@
           <p:cNvPr id="7" name="Объект 2">
             <a:extLst>
               <a:ext uri="{FF2B5EF4-FFF2-40B4-BE49-F238E27FC236}">
-                <a16:creationId xmlns="" xmlns:a16="http://schemas.microsoft.com/office/drawing/2014/main" id="{DB15A276-4B35-4D81-AA85-B979C4E0F219}"/>
+                <a16:creationId xmlns:a16="http://schemas.microsoft.com/office/drawing/2014/main" id="{DB15A276-4B35-4D81-AA85-B979C4E0F219}"/>
               </a:ext>
             </a:extLst>
           </p:cNvPr>
@@ -8693,7 +8672,7 @@
           <p:cNvPr id="9" name="Рисунок 8" descr="Изображение выглядит как фотография, знак, черный, белый&#10;&#10;Автоматически созданное описание">
             <a:extLst>
               <a:ext uri="{FF2B5EF4-FFF2-40B4-BE49-F238E27FC236}">
-                <a16:creationId xmlns="" xmlns:a16="http://schemas.microsoft.com/office/drawing/2014/main" id="{074BF89E-2F5E-4138-803A-5E07BFE000CD}"/>
+                <a16:creationId xmlns:a16="http://schemas.microsoft.com/office/drawing/2014/main" id="{074BF89E-2F5E-4138-803A-5E07BFE000CD}"/>
               </a:ext>
             </a:extLst>
           </p:cNvPr>
@@ -8748,7 +8727,7 @@
           <a:p>
             <a:pPr algn="r"/>
             <a:r>
-              <a:rPr lang="ru-RU" sz="1200" dirty="0" smtClean="0">
+              <a:rPr lang="ru-RU" sz="1200" dirty="0">
                 <a:solidFill>
                   <a:srgbClr val="004868"/>
                 </a:solidFill>
@@ -8758,14 +8737,6 @@
               </a:rPr>
               <a:t>Гагаринские чтения, 2022г.</a:t>
             </a:r>
-            <a:endParaRPr lang="ru-RU" sz="1200" dirty="0">
-              <a:solidFill>
-                <a:srgbClr val="004868"/>
-              </a:solidFill>
-              <a:latin typeface="Verdana" pitchFamily="34" charset="0"/>
-              <a:ea typeface="Verdana" pitchFamily="34" charset="0"/>
-              <a:cs typeface="Verdana" pitchFamily="34" charset="0"/>
-            </a:endParaRPr>
           </a:p>
         </p:txBody>
       </p:sp>
